--- a/Наработки/диздоки/Нидерланды/Нидерланды.pptx
+++ b/Наработки/диздоки/Нидерланды/Нидерланды.pptx
@@ -3621,8 +3621,8 @@
         </p:nvCxnSpPr>
         <p:spPr>
           <a:xfrm flipH="1">
-            <a:off x="5974084" y="9138577"/>
-            <a:ext cx="275731" cy="0"/>
+            <a:off x="10845540" y="9135395"/>
+            <a:ext cx="380746" cy="0"/>
           </a:xfrm>
           <a:prstGeom prst="line">
             <a:avLst/>
@@ -3648,45 +3648,6 @@
           </a:fontRef>
         </p:style>
       </p:cxnSp>
-      <p:cxnSp>
-        <p:nvCxnSpPr>
-          <p:cNvPr id="176" name="Соединительная линия уступом 175"/>
-          <p:cNvCxnSpPr>
-            <a:cxnSpLocks/>
-            <a:stCxn id="126" idx="2"/>
-            <a:endCxn id="137" idx="0"/>
-          </p:cNvCxnSpPr>
-          <p:nvPr/>
-        </p:nvCxnSpPr>
-        <p:spPr>
-          <a:xfrm rot="5400000">
-            <a:off x="5897326" y="2828778"/>
-            <a:ext cx="430523" cy="2390377"/>
-          </a:xfrm>
-          <a:prstGeom prst="bentConnector3">
-            <a:avLst>
-              <a:gd name="adj1" fmla="val 50000"/>
-            </a:avLst>
-          </a:prstGeom>
-          <a:ln w="28575">
-            <a:tailEnd type="arrow"/>
-          </a:ln>
-        </p:spPr>
-        <p:style>
-          <a:lnRef idx="1">
-            <a:schemeClr val="accent1"/>
-          </a:lnRef>
-          <a:fillRef idx="0">
-            <a:schemeClr val="accent1"/>
-          </a:fillRef>
-          <a:effectRef idx="0">
-            <a:schemeClr val="accent1"/>
-          </a:effectRef>
-          <a:fontRef idx="minor">
-            <a:schemeClr val="tx1"/>
-          </a:fontRef>
-        </p:style>
-      </p:cxnSp>
       <p:sp>
         <p:nvSpPr>
           <p:cNvPr id="201" name="Прямоугольник 200">
@@ -3701,7 +3662,7 @@
         </p:nvSpPr>
         <p:spPr>
           <a:xfrm>
-            <a:off x="8640193" y="4239228"/>
+            <a:off x="3770005" y="4239227"/>
             <a:ext cx="2115918" cy="1080000"/>
           </a:xfrm>
           <a:prstGeom prst="rect">
@@ -3757,7 +3718,7 @@
         </p:nvSpPr>
         <p:spPr>
           <a:xfrm>
-            <a:off x="6249815" y="8598577"/>
+            <a:off x="11226286" y="8595395"/>
             <a:ext cx="2115918" cy="1080000"/>
           </a:xfrm>
           <a:prstGeom prst="rect">
@@ -3919,7 +3880,7 @@
         </p:nvCxnSpPr>
         <p:spPr>
           <a:xfrm rot="5400000" flipH="1" flipV="1">
-            <a:off x="12134006" y="2242429"/>
+            <a:off x="14179375" y="-472713"/>
             <a:ext cx="6348" cy="1791000"/>
           </a:xfrm>
           <a:prstGeom prst="bentConnector4">
@@ -3962,7 +3923,7 @@
         </p:nvSpPr>
         <p:spPr>
           <a:xfrm>
-            <a:off x="3859439" y="7084872"/>
+            <a:off x="8729623" y="7078763"/>
             <a:ext cx="2115918" cy="1080000"/>
           </a:xfrm>
           <a:prstGeom prst="rect">
@@ -4034,7 +3995,66 @@
         </p:nvSpPr>
         <p:spPr>
           <a:xfrm>
-            <a:off x="1469061" y="5662050"/>
+            <a:off x="11209433" y="5658864"/>
+            <a:ext cx="2115918" cy="1080000"/>
+          </a:xfrm>
+          <a:prstGeom prst="rect">
+            <a:avLst/>
+          </a:prstGeom>
+          <a:gradFill>
+            <a:gsLst>
+              <a:gs pos="0">
+                <a:schemeClr val="accent4"/>
+              </a:gs>
+              <a:gs pos="100000">
+                <a:srgbClr val="FF0000"/>
+              </a:gs>
+            </a:gsLst>
+            <a:lin ang="5400000" scaled="1"/>
+          </a:gradFill>
+          <a:ln w="28575"/>
+        </p:spPr>
+        <p:style>
+          <a:lnRef idx="2">
+            <a:schemeClr val="accent1"/>
+          </a:lnRef>
+          <a:fillRef idx="1">
+            <a:schemeClr val="lt1"/>
+          </a:fillRef>
+          <a:effectRef idx="0">
+            <a:schemeClr val="accent1"/>
+          </a:effectRef>
+          <a:fontRef idx="minor">
+            <a:schemeClr val="dk1"/>
+          </a:fontRef>
+        </p:style>
+        <p:txBody>
+          <a:bodyPr lIns="124733" tIns="62367" rIns="124733" bIns="62367" rtlCol="0" anchor="ctr"/>
+          <a:lstStyle/>
+          <a:p>
+            <a:pPr algn="ctr"/>
+            <a:r>
+              <a:rPr lang="ru-RU" sz="1400" dirty="0"/>
+              <a:t>Деколонизация Голландской Индии (ваниль)</a:t>
+            </a:r>
+          </a:p>
+        </p:txBody>
+      </p:sp>
+      <p:sp>
+        <p:nvSpPr>
+          <p:cNvPr id="131" name="Прямоугольник 130">
+            <a:extLst>
+              <a:ext uri="{FF2B5EF4-FFF2-40B4-BE49-F238E27FC236}">
+                <a16:creationId xmlns:a16="http://schemas.microsoft.com/office/drawing/2014/main" id="{F58FDCDF-41C4-4AB2-B4DF-922F7CDBAA5D}"/>
+              </a:ext>
+            </a:extLst>
+          </p:cNvPr>
+          <p:cNvSpPr/>
+          <p:nvPr/>
+        </p:nvSpPr>
+        <p:spPr>
+          <a:xfrm>
+            <a:off x="6518121" y="124806"/>
             <a:ext cx="2115918" cy="1080000"/>
           </a:xfrm>
           <a:prstGeom prst="rect">
@@ -4065,18 +4085,73 @@
           <a:p>
             <a:pPr algn="ctr"/>
             <a:r>
-              <a:rPr lang="ru-RU" sz="1400" dirty="0"/>
-              <a:t>Деколонизация Голландской Индии</a:t>
-            </a:r>
-          </a:p>
-        </p:txBody>
-      </p:sp>
-      <p:sp>
-        <p:nvSpPr>
-          <p:cNvPr id="131" name="Прямоугольник 130">
-            <a:extLst>
-              <a:ext uri="{FF2B5EF4-FFF2-40B4-BE49-F238E27FC236}">
-                <a16:creationId xmlns:a16="http://schemas.microsoft.com/office/drawing/2014/main" id="{F58FDCDF-41C4-4AB2-B4DF-922F7CDBAA5D}"/>
+              <a:rPr lang="ru-RU" sz="300" dirty="0"/>
+              <a:t>Поэтому в 1935 г. было принято решение о слиянии партии </a:t>
+            </a:r>
+            <a:r>
+              <a:rPr lang="ru-RU" sz="300" dirty="0" err="1"/>
+              <a:t>Сневлита</a:t>
+            </a:r>
+            <a:r>
+              <a:rPr lang="ru-RU" sz="300" dirty="0"/>
+              <a:t> с РСП, из которой возникла Революционная социалистическая рабочая партия (РСАП). Шмидт стал председателем этой партии и был избран в провинциальный совет Северной Голландии и в городской совет Амстердама. Когда он был исключен из РСАП вместе с адвокатом </a:t>
+            </a:r>
+            <a:r>
+              <a:rPr lang="ru-RU" sz="300" dirty="0" err="1"/>
+              <a:t>Штиеном</a:t>
+            </a:r>
+            <a:r>
+              <a:rPr lang="ru-RU" sz="300" dirty="0"/>
+              <a:t> де </a:t>
+            </a:r>
+            <a:r>
+              <a:rPr lang="ru-RU" sz="300" dirty="0" err="1"/>
+              <a:t>Зеувом</a:t>
+            </a:r>
+            <a:r>
+              <a:rPr lang="ru-RU" sz="300" dirty="0"/>
+              <a:t> в сентябре 1936 года из-за его критики Сталина и сталинского режима в Советском Союзе, [3]он вышел из провинциального совета и городского совета. Он снова стал членом SDAP и был избран в городской совет Амстердама в 1939 году от этой партии. Он оставался членом совета, пока он не был распущен немецкими оккупантами в 1941 году.</a:t>
+            </a:r>
+            <a:br>
+              <a:rPr lang="ru-RU" sz="300" dirty="0"/>
+            </a:br>
+            <a:r>
+              <a:rPr lang="ru-RU" sz="300" dirty="0"/>
+              <a:t>В 1936 году Шмидт был исключен за то, что публично раскритиковал Московские процессы как показательные . [1] : 159 </a:t>
+            </a:r>
+            <a:r>
+              <a:rPr lang="ru-RU" sz="300" dirty="0" err="1"/>
+              <a:t>Сневлит</a:t>
+            </a:r>
+            <a:r>
+              <a:rPr lang="ru-RU" sz="300" dirty="0"/>
+              <a:t> занял место председателя. Симпатия Шмидта к демократии и его страх перед тоталитарной диктатурой были непосредственной причиной этого раскола. На выборах 1937 </a:t>
+            </a:r>
+            <a:r>
+              <a:rPr lang="ru-RU" sz="300" dirty="0" err="1"/>
+              <a:t>г.партия</a:t>
+            </a:r>
+            <a:r>
+              <a:rPr lang="ru-RU" sz="300" dirty="0"/>
+              <a:t> не смогла получить ни одного места. После этих выборов партия получила больше противодействия со стороны правительства Нидерландов: государственным служащим было запрещено быть членом NAS или RSAP, а видные члены RSAP преследовались за оскорбление «дружественных глав государств», таких как Гитлер . Коммунистическая КПН, набравшая силу после нескольких чисток, также активно выступала против «троцкистской контрреволюционной секты». [1] : 160 отрядов сильной руки КПН атаковали нескольких видных членов РСАП. В конце концов Троцкий и </a:t>
+            </a:r>
+            <a:r>
+              <a:rPr lang="ru-RU" sz="300" dirty="0" err="1"/>
+              <a:t>Сневлит</a:t>
+            </a:r>
+            <a:r>
+              <a:rPr lang="ru-RU" sz="300" dirty="0"/>
+              <a:t> вступили в идеологический конфликт, отрезав РСАП от международных контактов.</a:t>
+            </a:r>
+          </a:p>
+        </p:txBody>
+      </p:sp>
+      <p:sp>
+        <p:nvSpPr>
+          <p:cNvPr id="134" name="Прямоугольник 133">
+            <a:extLst>
+              <a:ext uri="{FF2B5EF4-FFF2-40B4-BE49-F238E27FC236}">
+                <a16:creationId xmlns:a16="http://schemas.microsoft.com/office/drawing/2014/main" id="{A6501717-9895-440F-BF34-D3AA54D6E376}"/>
               </a:ext>
             </a:extLst>
           </p:cNvPr>
@@ -4085,7 +4160,7 @@
         </p:nvSpPr>
         <p:spPr>
           <a:xfrm>
-            <a:off x="6518121" y="124806"/>
+            <a:off x="8985777" y="124806"/>
             <a:ext cx="2115918" cy="1080000"/>
           </a:xfrm>
           <a:prstGeom prst="rect">
@@ -4116,62 +4191,15 @@
           <a:p>
             <a:pPr algn="ctr"/>
             <a:r>
-              <a:rPr lang="ru-RU" sz="300" dirty="0"/>
-              <a:t>Поэтому в 1935 г. было принято решение о слиянии партии </a:t>
-            </a:r>
-            <a:r>
-              <a:rPr lang="ru-RU" sz="300" dirty="0" err="1"/>
-              <a:t>Сневлита</a:t>
-            </a:r>
-            <a:r>
-              <a:rPr lang="ru-RU" sz="300" dirty="0"/>
-              <a:t> с РСП, из которой возникла Революционная социалистическая рабочая партия (РСАП). Шмидт стал председателем этой партии и был избран в провинциальный совет Северной Голландии и в городской совет Амстердама. Когда он был исключен из РСАП вместе с адвокатом </a:t>
-            </a:r>
-            <a:r>
-              <a:rPr lang="ru-RU" sz="300" dirty="0" err="1"/>
-              <a:t>Штиеном</a:t>
-            </a:r>
-            <a:r>
-              <a:rPr lang="ru-RU" sz="300" dirty="0"/>
-              <a:t> де </a:t>
-            </a:r>
-            <a:r>
-              <a:rPr lang="ru-RU" sz="300" dirty="0" err="1"/>
-              <a:t>Зеувом</a:t>
-            </a:r>
-            <a:r>
-              <a:rPr lang="ru-RU" sz="300" dirty="0"/>
-              <a:t> в сентябре 1936 года из-за его критики Сталина и сталинского режима в Советском Союзе, [3]он вышел из провинциального совета и городского совета. Он снова стал членом SDAP и был избран в городской совет Амстердама в 1939 году от этой партии. Он оставался членом совета, пока он не был распущен немецкими оккупантами в 1941 году.</a:t>
-            </a:r>
-            <a:br>
-              <a:rPr lang="ru-RU" sz="300" dirty="0"/>
-            </a:br>
-            <a:r>
-              <a:rPr lang="ru-RU" sz="300" dirty="0"/>
-              <a:t>В 1936 году Шмидт был исключен за то, что публично раскритиковал Московские процессы как показательные . [1] : 159 </a:t>
-            </a:r>
-            <a:r>
-              <a:rPr lang="ru-RU" sz="300" dirty="0" err="1"/>
+              <a:rPr lang="ru-RU" sz="1400" dirty="0"/>
+              <a:t>В конце концов Троцкий и </a:t>
+            </a:r>
+            <a:r>
+              <a:rPr lang="ru-RU" sz="1400" dirty="0" err="1"/>
               <a:t>Сневлит</a:t>
             </a:r>
             <a:r>
-              <a:rPr lang="ru-RU" sz="300" dirty="0"/>
-              <a:t> занял место председателя. Симпатия Шмидта к демократии и его страх перед тоталитарной диктатурой были непосредственной причиной этого раскола. На выборах 1937 </a:t>
-            </a:r>
-            <a:r>
-              <a:rPr lang="ru-RU" sz="300" dirty="0" err="1"/>
-              <a:t>г.партия</a:t>
-            </a:r>
-            <a:r>
-              <a:rPr lang="ru-RU" sz="300" dirty="0"/>
-              <a:t> не смогла получить ни одного места. После этих выборов партия получила больше противодействия со стороны правительства Нидерландов: государственным служащим было запрещено быть членом NAS или RSAP, а видные члены RSAP преследовались за оскорбление «дружественных глав государств», таких как Гитлер . Коммунистическая КПН, набравшая силу после нескольких чисток, также активно выступала против «троцкистской контрреволюционной секты». [1] : 160 отрядов сильной руки КПН атаковали нескольких видных членов РСАП. В конце концов Троцкий и </a:t>
-            </a:r>
-            <a:r>
-              <a:rPr lang="ru-RU" sz="300" dirty="0" err="1"/>
-              <a:t>Сневлит</a:t>
-            </a:r>
-            <a:r>
-              <a:rPr lang="ru-RU" sz="300" dirty="0"/>
+              <a:rPr lang="ru-RU" sz="1400" dirty="0"/>
               <a:t> вступили в идеологический конфликт, отрезав РСАП от международных контактов.</a:t>
             </a:r>
           </a:p>
@@ -4179,10 +4207,10 @@
       </p:sp>
       <p:sp>
         <p:nvSpPr>
-          <p:cNvPr id="134" name="Прямоугольник 133">
-            <a:extLst>
-              <a:ext uri="{FF2B5EF4-FFF2-40B4-BE49-F238E27FC236}">
-                <a16:creationId xmlns:a16="http://schemas.microsoft.com/office/drawing/2014/main" id="{A6501717-9895-440F-BF34-D3AA54D6E376}"/>
+          <p:cNvPr id="137" name="Прямоугольник 136">
+            <a:extLst>
+              <a:ext uri="{FF2B5EF4-FFF2-40B4-BE49-F238E27FC236}">
+                <a16:creationId xmlns:a16="http://schemas.microsoft.com/office/drawing/2014/main" id="{93C62C15-B0D7-4FF5-8AC8-0D49F8D19AE5}"/>
               </a:ext>
             </a:extLst>
           </p:cNvPr>
@@ -4191,7 +4219,66 @@
         </p:nvSpPr>
         <p:spPr>
           <a:xfrm>
-            <a:off x="8985777" y="124806"/>
+            <a:off x="8738664" y="4237253"/>
+            <a:ext cx="2115918" cy="1080000"/>
+          </a:xfrm>
+          <a:prstGeom prst="rect">
+            <a:avLst/>
+          </a:prstGeom>
+          <a:gradFill>
+            <a:gsLst>
+              <a:gs pos="0">
+                <a:schemeClr val="accent4"/>
+              </a:gs>
+              <a:gs pos="100000">
+                <a:srgbClr val="FF0000"/>
+              </a:gs>
+            </a:gsLst>
+            <a:lin ang="5400000" scaled="1"/>
+          </a:gradFill>
+          <a:ln w="28575"/>
+        </p:spPr>
+        <p:style>
+          <a:lnRef idx="2">
+            <a:schemeClr val="accent1"/>
+          </a:lnRef>
+          <a:fillRef idx="1">
+            <a:schemeClr val="lt1"/>
+          </a:fillRef>
+          <a:effectRef idx="0">
+            <a:schemeClr val="accent1"/>
+          </a:effectRef>
+          <a:fontRef idx="minor">
+            <a:schemeClr val="dk1"/>
+          </a:fontRef>
+        </p:style>
+        <p:txBody>
+          <a:bodyPr lIns="124733" tIns="62367" rIns="124733" bIns="62367" rtlCol="0" anchor="ctr"/>
+          <a:lstStyle/>
+          <a:p>
+            <a:pPr algn="ctr"/>
+            <a:r>
+              <a:rPr lang="ru-RU" sz="1400" dirty="0"/>
+              <a:t>Отмена закона о борьбе с забастовками</a:t>
+            </a:r>
+          </a:p>
+        </p:txBody>
+      </p:sp>
+      <p:sp>
+        <p:nvSpPr>
+          <p:cNvPr id="138" name="Прямоугольник 137">
+            <a:extLst>
+              <a:ext uri="{FF2B5EF4-FFF2-40B4-BE49-F238E27FC236}">
+                <a16:creationId xmlns:a16="http://schemas.microsoft.com/office/drawing/2014/main" id="{8D01AC0B-ADDB-4504-98C9-19828B188B48}"/>
+              </a:ext>
+            </a:extLst>
+          </p:cNvPr>
+          <p:cNvSpPr/>
+          <p:nvPr/>
+        </p:nvSpPr>
+        <p:spPr>
+          <a:xfrm>
+            <a:off x="6249812" y="7088052"/>
             <a:ext cx="2115918" cy="1080000"/>
           </a:xfrm>
           <a:prstGeom prst="rect">
@@ -4223,25 +4310,22 @@
             <a:pPr algn="ctr"/>
             <a:r>
               <a:rPr lang="ru-RU" sz="1400" dirty="0"/>
-              <a:t>В конце концов Троцкий и </a:t>
-            </a:r>
-            <a:r>
-              <a:rPr lang="ru-RU" sz="1400" dirty="0" err="1"/>
-              <a:t>Сневлит</a:t>
-            </a:r>
-            <a:r>
-              <a:rPr lang="ru-RU" sz="1400" dirty="0"/>
-              <a:t> вступили в идеологический конфликт, отрезав РСАП от международных контактов.</a:t>
-            </a:r>
-          </a:p>
-        </p:txBody>
-      </p:sp>
-      <p:sp>
-        <p:nvSpPr>
-          <p:cNvPr id="137" name="Прямоугольник 136">
-            <a:extLst>
-              <a:ext uri="{FF2B5EF4-FFF2-40B4-BE49-F238E27FC236}">
-                <a16:creationId xmlns:a16="http://schemas.microsoft.com/office/drawing/2014/main" id="{93C62C15-B0D7-4FF5-8AC8-0D49F8D19AE5}"/>
+              <a:t>Система рабочих советов </a:t>
+            </a:r>
+            <a:r>
+              <a:rPr lang="ru-RU" sz="600" dirty="0"/>
+              <a:t>(Главной целью партии была пролетарская мировая революция , которая заменит капиталистическую систему системой рабочих советов . В конце концов это привело бы к коммунистическому обществу, где эксплуатация и класс будет ликвидирован.)</a:t>
+            </a:r>
+            <a:endParaRPr lang="ru-RU" sz="1400" dirty="0"/>
+          </a:p>
+        </p:txBody>
+      </p:sp>
+      <p:sp>
+        <p:nvSpPr>
+          <p:cNvPr id="143" name="Прямоугольник 142">
+            <a:extLst>
+              <a:ext uri="{FF2B5EF4-FFF2-40B4-BE49-F238E27FC236}">
+                <a16:creationId xmlns:a16="http://schemas.microsoft.com/office/drawing/2014/main" id="{04D70944-041B-435E-B04F-5BA316C5F5A6}"/>
               </a:ext>
             </a:extLst>
           </p:cNvPr>
@@ -4250,7 +4334,7 @@
         </p:nvSpPr>
         <p:spPr>
           <a:xfrm>
-            <a:off x="3859439" y="4239228"/>
+            <a:off x="11209433" y="7078759"/>
             <a:ext cx="2115918" cy="1080000"/>
           </a:xfrm>
           <a:prstGeom prst="rect">
@@ -4282,30 +4366,17 @@
             <a:pPr algn="ctr"/>
             <a:r>
               <a:rPr lang="ru-RU" sz="1400" dirty="0"/>
-              <a:t>Третий путь </a:t>
-            </a:r>
-            <a:r>
-              <a:rPr lang="ru-RU" sz="600" dirty="0"/>
-              <a:t>(Третий путь партии между авторитарным сталинизмом и социал-демократией позже отразится в </a:t>
-            </a:r>
-            <a:r>
-              <a:rPr lang="ru-RU" sz="600" dirty="0" err="1"/>
-              <a:t>левосоциалистической</a:t>
-            </a:r>
-            <a:r>
-              <a:rPr lang="ru-RU" sz="600" dirty="0"/>
-              <a:t> Пацифистской социалистической партии , которая также была основана бывшими членами коммунистической КПН и социал-демократической ПВДА .)</a:t>
-            </a:r>
-            <a:endParaRPr lang="ru-RU" sz="1400" dirty="0"/>
-          </a:p>
-        </p:txBody>
-      </p:sp>
-      <p:sp>
-        <p:nvSpPr>
-          <p:cNvPr id="138" name="Прямоугольник 137">
-            <a:extLst>
-              <a:ext uri="{FF2B5EF4-FFF2-40B4-BE49-F238E27FC236}">
-                <a16:creationId xmlns:a16="http://schemas.microsoft.com/office/drawing/2014/main" id="{8D01AC0B-ADDB-4504-98C9-19828B188B48}"/>
+              <a:t>Замена армии системой рабочей милиции</a:t>
+            </a:r>
+          </a:p>
+        </p:txBody>
+      </p:sp>
+      <p:sp>
+        <p:nvSpPr>
+          <p:cNvPr id="144" name="Прямоугольник 143">
+            <a:extLst>
+              <a:ext uri="{FF2B5EF4-FFF2-40B4-BE49-F238E27FC236}">
+                <a16:creationId xmlns:a16="http://schemas.microsoft.com/office/drawing/2014/main" id="{84D94725-5A52-4F85-BD08-096154350000}"/>
               </a:ext>
             </a:extLst>
           </p:cNvPr>
@@ -4314,7 +4385,7 @@
         </p:nvSpPr>
         <p:spPr>
           <a:xfrm>
-            <a:off x="1469062" y="7088054"/>
+            <a:off x="4999730" y="5662049"/>
             <a:ext cx="2115918" cy="1080000"/>
           </a:xfrm>
           <a:prstGeom prst="rect">
@@ -4346,11 +4417,11 @@
             <a:pPr algn="ctr"/>
             <a:r>
               <a:rPr lang="ru-RU" sz="1400" dirty="0"/>
-              <a:t>Система рабочих советов </a:t>
-            </a:r>
-            <a:r>
-              <a:rPr lang="ru-RU" sz="600" dirty="0"/>
-              <a:t>(Главной целью партии была пролетарская мировая революция , которая заменит капиталистическую систему системой рабочих советов . В конце концов это привело бы к коммунистическому обществу, где эксплуатация и класс будет ликвидирован.)</a:t>
+              <a:t>Новые условия труда </a:t>
+            </a:r>
+            <a:r>
+              <a:rPr lang="ru-RU" sz="1000" dirty="0"/>
+              <a:t>(Установление условий труда для рабочих: 6-часовой рабочий день, особая защита работниц и молодежи, запрет на работу в ночное время и обязательный отпуск;)</a:t>
             </a:r>
             <a:endParaRPr lang="ru-RU" sz="1400" dirty="0"/>
           </a:p>
@@ -4358,10 +4429,10 @@
       </p:sp>
       <p:sp>
         <p:nvSpPr>
-          <p:cNvPr id="141" name="Прямоугольник 140">
-            <a:extLst>
-              <a:ext uri="{FF2B5EF4-FFF2-40B4-BE49-F238E27FC236}">
-                <a16:creationId xmlns:a16="http://schemas.microsoft.com/office/drawing/2014/main" id="{AAF02EED-BBDE-4A27-8686-0CF9A74885C6}"/>
+          <p:cNvPr id="146" name="Прямоугольник 145">
+            <a:extLst>
+              <a:ext uri="{FF2B5EF4-FFF2-40B4-BE49-F238E27FC236}">
+                <a16:creationId xmlns:a16="http://schemas.microsoft.com/office/drawing/2014/main" id="{C5289642-8620-4E45-AD1F-76E35F95EC48}"/>
               </a:ext>
             </a:extLst>
           </p:cNvPr>
@@ -4370,7 +4441,7 @@
         </p:nvSpPr>
         <p:spPr>
           <a:xfrm>
-            <a:off x="3859439" y="5662050"/>
+            <a:off x="2523470" y="5662049"/>
             <a:ext cx="2115918" cy="1080000"/>
           </a:xfrm>
           <a:prstGeom prst="rect">
@@ -4402,17 +4473,17 @@
             <a:pPr algn="ctr"/>
             <a:r>
               <a:rPr lang="ru-RU" sz="1400" dirty="0"/>
-              <a:t>Упразднение голландской монархии и Сената</a:t>
-            </a:r>
-          </a:p>
-        </p:txBody>
-      </p:sp>
-      <p:sp>
-        <p:nvSpPr>
-          <p:cNvPr id="143" name="Прямоугольник 142">
-            <a:extLst>
-              <a:ext uri="{FF2B5EF4-FFF2-40B4-BE49-F238E27FC236}">
-                <a16:creationId xmlns:a16="http://schemas.microsoft.com/office/drawing/2014/main" id="{04D70944-041B-435E-B04F-5BA316C5F5A6}"/>
+              <a:t>Минимальная заработная плата</a:t>
+            </a:r>
+          </a:p>
+        </p:txBody>
+      </p:sp>
+      <p:sp>
+        <p:nvSpPr>
+          <p:cNvPr id="147" name="Прямоугольник 146">
+            <a:extLst>
+              <a:ext uri="{FF2B5EF4-FFF2-40B4-BE49-F238E27FC236}">
+                <a16:creationId xmlns:a16="http://schemas.microsoft.com/office/drawing/2014/main" id="{8F3703E0-B68B-4964-A99B-9C3A4EA59680}"/>
               </a:ext>
             </a:extLst>
           </p:cNvPr>
@@ -4421,7 +4492,7 @@
         </p:nvSpPr>
         <p:spPr>
           <a:xfrm>
-            <a:off x="6249816" y="7088054"/>
+            <a:off x="3770005" y="7078763"/>
             <a:ext cx="2115918" cy="1080000"/>
           </a:xfrm>
           <a:prstGeom prst="rect">
@@ -4453,17 +4524,17 @@
             <a:pPr algn="ctr"/>
             <a:r>
               <a:rPr lang="ru-RU" sz="1400" dirty="0"/>
-              <a:t>Замена армии системой рабочей милиции</a:t>
-            </a:r>
-          </a:p>
-        </p:txBody>
-      </p:sp>
-      <p:sp>
-        <p:nvSpPr>
-          <p:cNvPr id="144" name="Прямоугольник 143">
-            <a:extLst>
-              <a:ext uri="{FF2B5EF4-FFF2-40B4-BE49-F238E27FC236}">
-                <a16:creationId xmlns:a16="http://schemas.microsoft.com/office/drawing/2014/main" id="{84D94725-5A52-4F85-BD08-096154350000}"/>
+              <a:t>Пенсии по старости с 55 лет</a:t>
+            </a:r>
+          </a:p>
+        </p:txBody>
+      </p:sp>
+      <p:sp>
+        <p:nvSpPr>
+          <p:cNvPr id="149" name="Прямоугольник 148">
+            <a:extLst>
+              <a:ext uri="{FF2B5EF4-FFF2-40B4-BE49-F238E27FC236}">
+                <a16:creationId xmlns:a16="http://schemas.microsoft.com/office/drawing/2014/main" id="{40A430D9-D46E-4862-824C-EC3401744507}"/>
               </a:ext>
             </a:extLst>
           </p:cNvPr>
@@ -4472,165 +4543,7 @@
         </p:nvSpPr>
         <p:spPr>
           <a:xfrm>
-            <a:off x="9869918" y="5662050"/>
-            <a:ext cx="2115918" cy="1080000"/>
-          </a:xfrm>
-          <a:prstGeom prst="rect">
-            <a:avLst/>
-          </a:prstGeom>
-          <a:solidFill>
-            <a:srgbClr val="FFC000"/>
-          </a:solidFill>
-          <a:ln w="28575"/>
-        </p:spPr>
-        <p:style>
-          <a:lnRef idx="2">
-            <a:schemeClr val="accent1"/>
-          </a:lnRef>
-          <a:fillRef idx="1">
-            <a:schemeClr val="lt1"/>
-          </a:fillRef>
-          <a:effectRef idx="0">
-            <a:schemeClr val="accent1"/>
-          </a:effectRef>
-          <a:fontRef idx="minor">
-            <a:schemeClr val="dk1"/>
-          </a:fontRef>
-        </p:style>
-        <p:txBody>
-          <a:bodyPr lIns="124733" tIns="62367" rIns="124733" bIns="62367" rtlCol="0" anchor="ctr"/>
-          <a:lstStyle/>
-          <a:p>
-            <a:pPr algn="ctr"/>
-            <a:r>
-              <a:rPr lang="ru-RU" sz="1400" dirty="0"/>
-              <a:t>Новые условия труда </a:t>
-            </a:r>
-            <a:r>
-              <a:rPr lang="ru-RU" sz="1000" dirty="0"/>
-              <a:t>(Установление условий труда для рабочих: 6-часовой рабочий день, особая защита работниц и молодежи, запрет на работу в ночное время и обязательный отпуск;)</a:t>
-            </a:r>
-            <a:endParaRPr lang="ru-RU" sz="1400" dirty="0"/>
-          </a:p>
-        </p:txBody>
-      </p:sp>
-      <p:sp>
-        <p:nvSpPr>
-          <p:cNvPr id="146" name="Прямоугольник 145">
-            <a:extLst>
-              <a:ext uri="{FF2B5EF4-FFF2-40B4-BE49-F238E27FC236}">
-                <a16:creationId xmlns:a16="http://schemas.microsoft.com/office/drawing/2014/main" id="{C5289642-8620-4E45-AD1F-76E35F95EC48}"/>
-              </a:ext>
-            </a:extLst>
-          </p:cNvPr>
-          <p:cNvSpPr/>
-          <p:nvPr/>
-        </p:nvSpPr>
-        <p:spPr>
-          <a:xfrm>
-            <a:off x="7393658" y="5662050"/>
-            <a:ext cx="2115918" cy="1080000"/>
-          </a:xfrm>
-          <a:prstGeom prst="rect">
-            <a:avLst/>
-          </a:prstGeom>
-          <a:solidFill>
-            <a:srgbClr val="FFC000"/>
-          </a:solidFill>
-          <a:ln w="28575"/>
-        </p:spPr>
-        <p:style>
-          <a:lnRef idx="2">
-            <a:schemeClr val="accent1"/>
-          </a:lnRef>
-          <a:fillRef idx="1">
-            <a:schemeClr val="lt1"/>
-          </a:fillRef>
-          <a:effectRef idx="0">
-            <a:schemeClr val="accent1"/>
-          </a:effectRef>
-          <a:fontRef idx="minor">
-            <a:schemeClr val="dk1"/>
-          </a:fontRef>
-        </p:style>
-        <p:txBody>
-          <a:bodyPr lIns="124733" tIns="62367" rIns="124733" bIns="62367" rtlCol="0" anchor="ctr"/>
-          <a:lstStyle/>
-          <a:p>
-            <a:pPr algn="ctr"/>
-            <a:r>
-              <a:rPr lang="ru-RU" sz="1400" dirty="0"/>
-              <a:t>Минимальная заработная плата</a:t>
-            </a:r>
-          </a:p>
-        </p:txBody>
-      </p:sp>
-      <p:sp>
-        <p:nvSpPr>
-          <p:cNvPr id="147" name="Прямоугольник 146">
-            <a:extLst>
-              <a:ext uri="{FF2B5EF4-FFF2-40B4-BE49-F238E27FC236}">
-                <a16:creationId xmlns:a16="http://schemas.microsoft.com/office/drawing/2014/main" id="{8F3703E0-B68B-4964-A99B-9C3A4EA59680}"/>
-              </a:ext>
-            </a:extLst>
-          </p:cNvPr>
-          <p:cNvSpPr/>
-          <p:nvPr/>
-        </p:nvSpPr>
-        <p:spPr>
-          <a:xfrm>
-            <a:off x="8640193" y="7078764"/>
-            <a:ext cx="2115918" cy="1080000"/>
-          </a:xfrm>
-          <a:prstGeom prst="rect">
-            <a:avLst/>
-          </a:prstGeom>
-          <a:solidFill>
-            <a:srgbClr val="FFC000"/>
-          </a:solidFill>
-          <a:ln w="28575"/>
-        </p:spPr>
-        <p:style>
-          <a:lnRef idx="2">
-            <a:schemeClr val="accent1"/>
-          </a:lnRef>
-          <a:fillRef idx="1">
-            <a:schemeClr val="lt1"/>
-          </a:fillRef>
-          <a:effectRef idx="0">
-            <a:schemeClr val="accent1"/>
-          </a:effectRef>
-          <a:fontRef idx="minor">
-            <a:schemeClr val="dk1"/>
-          </a:fontRef>
-        </p:style>
-        <p:txBody>
-          <a:bodyPr lIns="124733" tIns="62367" rIns="124733" bIns="62367" rtlCol="0" anchor="ctr"/>
-          <a:lstStyle/>
-          <a:p>
-            <a:pPr algn="ctr"/>
-            <a:r>
-              <a:rPr lang="ru-RU" sz="1400" dirty="0"/>
-              <a:t>Пенсии по старости с 55 лет</a:t>
-            </a:r>
-          </a:p>
-        </p:txBody>
-      </p:sp>
-      <p:sp>
-        <p:nvSpPr>
-          <p:cNvPr id="149" name="Прямоугольник 148">
-            <a:extLst>
-              <a:ext uri="{FF2B5EF4-FFF2-40B4-BE49-F238E27FC236}">
-                <a16:creationId xmlns:a16="http://schemas.microsoft.com/office/drawing/2014/main" id="{40A430D9-D46E-4862-824C-EC3401744507}"/>
-              </a:ext>
-            </a:extLst>
-          </p:cNvPr>
-          <p:cNvSpPr/>
-          <p:nvPr/>
-        </p:nvSpPr>
-        <p:spPr>
-          <a:xfrm>
-            <a:off x="3858166" y="8598577"/>
+            <a:off x="8729622" y="8595395"/>
             <a:ext cx="2115918" cy="1080000"/>
           </a:xfrm>
           <a:prstGeom prst="rect">
@@ -4684,9 +4597,9 @@
           <p:nvPr/>
         </p:nvCxnSpPr>
         <p:spPr>
-          <a:xfrm rot="16200000" flipH="1">
-            <a:off x="8287702" y="2828777"/>
-            <a:ext cx="430523" cy="2390377"/>
+          <a:xfrm rot="5400000">
+            <a:off x="5852609" y="2784061"/>
+            <a:ext cx="430522" cy="2479811"/>
           </a:xfrm>
           <a:prstGeom prst="bentConnector3">
             <a:avLst>
@@ -4730,7 +4643,7 @@
         </p:nvCxnSpPr>
         <p:spPr>
           <a:xfrm rot="16200000" flipH="1">
-            <a:off x="10141603" y="4875776"/>
+            <a:off x="5271415" y="4875775"/>
             <a:ext cx="342822" cy="1229725"/>
           </a:xfrm>
           <a:prstGeom prst="bentConnector3">
@@ -4775,7 +4688,7 @@
         </p:nvCxnSpPr>
         <p:spPr>
           <a:xfrm rot="5400000">
-            <a:off x="8903474" y="4867372"/>
+            <a:off x="4033286" y="4867371"/>
             <a:ext cx="342822" cy="1246535"/>
           </a:xfrm>
           <a:prstGeom prst="bentConnector3">
@@ -4813,15 +4726,15 @@
           </p:cNvPr>
           <p:cNvCxnSpPr>
             <a:cxnSpLocks/>
-            <a:stCxn id="141" idx="2"/>
+            <a:stCxn id="190" idx="2"/>
             <a:endCxn id="143" idx="0"/>
           </p:cNvCxnSpPr>
           <p:nvPr/>
         </p:nvCxnSpPr>
         <p:spPr>
           <a:xfrm rot="16200000" flipH="1">
-            <a:off x="5939584" y="5719863"/>
-            <a:ext cx="346004" cy="2390377"/>
+            <a:off x="10862227" y="5673594"/>
+            <a:ext cx="334070" cy="2476260"/>
           </a:xfrm>
           <a:prstGeom prst="bentConnector3">
             <a:avLst>
@@ -4858,60 +4771,15 @@
           </p:cNvPr>
           <p:cNvCxnSpPr>
             <a:cxnSpLocks/>
-            <a:stCxn id="141" idx="2"/>
+            <a:stCxn id="190" idx="2"/>
             <a:endCxn id="138" idx="0"/>
           </p:cNvCxnSpPr>
           <p:nvPr/>
         </p:nvCxnSpPr>
         <p:spPr>
           <a:xfrm rot="5400000">
-            <a:off x="3549208" y="5719864"/>
-            <a:ext cx="346004" cy="2390377"/>
-          </a:xfrm>
-          <a:prstGeom prst="bentConnector3">
-            <a:avLst>
-              <a:gd name="adj1" fmla="val 50000"/>
-            </a:avLst>
-          </a:prstGeom>
-          <a:ln w="28575">
-            <a:tailEnd type="arrow"/>
-          </a:ln>
-        </p:spPr>
-        <p:style>
-          <a:lnRef idx="1">
-            <a:schemeClr val="accent1"/>
-          </a:lnRef>
-          <a:fillRef idx="0">
-            <a:schemeClr val="accent1"/>
-          </a:fillRef>
-          <a:effectRef idx="0">
-            <a:schemeClr val="accent1"/>
-          </a:effectRef>
-          <a:fontRef idx="minor">
-            <a:schemeClr val="tx1"/>
-          </a:fontRef>
-        </p:style>
-      </p:cxnSp>
-      <p:cxnSp>
-        <p:nvCxnSpPr>
-          <p:cNvPr id="168" name="Соединительная линия уступом 175">
-            <a:extLst>
-              <a:ext uri="{FF2B5EF4-FFF2-40B4-BE49-F238E27FC236}">
-                <a16:creationId xmlns:a16="http://schemas.microsoft.com/office/drawing/2014/main" id="{8FA674F1-634E-4979-B4BA-B189C2766D8F}"/>
-              </a:ext>
-            </a:extLst>
-          </p:cNvPr>
-          <p:cNvCxnSpPr>
-            <a:cxnSpLocks/>
-            <a:stCxn id="137" idx="2"/>
-            <a:endCxn id="339" idx="0"/>
-          </p:cNvCxnSpPr>
-          <p:nvPr/>
-        </p:nvCxnSpPr>
-        <p:spPr>
-          <a:xfrm rot="5400000">
-            <a:off x="3550798" y="4295450"/>
-            <a:ext cx="342822" cy="2390378"/>
+            <a:off x="8377771" y="5674690"/>
+            <a:ext cx="343363" cy="2483361"/>
           </a:xfrm>
           <a:prstGeom prst="bentConnector3">
             <a:avLst>
@@ -4955,8 +4823,8 @@
         </p:nvCxnSpPr>
         <p:spPr>
           <a:xfrm rot="5400000">
-            <a:off x="4699910" y="8381088"/>
-            <a:ext cx="433705" cy="1273"/>
+            <a:off x="9569266" y="8377079"/>
+            <a:ext cx="436632" cy="1"/>
           </a:xfrm>
           <a:prstGeom prst="bentConnector3">
             <a:avLst>
@@ -5000,8 +4868,8 @@
         </p:nvCxnSpPr>
         <p:spPr>
           <a:xfrm rot="16200000" flipH="1">
-            <a:off x="5895734" y="7186536"/>
-            <a:ext cx="433705" cy="2390376"/>
+            <a:off x="10817597" y="7128747"/>
+            <a:ext cx="436632" cy="2496663"/>
           </a:xfrm>
           <a:prstGeom prst="bentConnector3">
             <a:avLst>
@@ -5045,7 +4913,7 @@
         </p:nvCxnSpPr>
         <p:spPr>
           <a:xfrm rot="5400000">
-            <a:off x="10144658" y="6295545"/>
+            <a:off x="5274470" y="6295544"/>
             <a:ext cx="336714" cy="1229725"/>
           </a:xfrm>
           <a:prstGeom prst="bentConnector3">
@@ -5090,7 +4958,7 @@
         </p:nvCxnSpPr>
         <p:spPr>
           <a:xfrm rot="16200000" flipH="1">
-            <a:off x="8906527" y="6287139"/>
+            <a:off x="4036339" y="6287138"/>
             <a:ext cx="336714" cy="1246535"/>
           </a:xfrm>
           <a:prstGeom prst="bentConnector3">
@@ -5128,15 +4996,15 @@
           </p:cNvPr>
           <p:cNvCxnSpPr>
             <a:cxnSpLocks/>
-            <a:stCxn id="137" idx="2"/>
-            <a:endCxn id="141" idx="0"/>
+            <a:stCxn id="187" idx="2"/>
+            <a:endCxn id="339" idx="0"/>
           </p:cNvCxnSpPr>
           <p:nvPr/>
         </p:nvCxnSpPr>
         <p:spPr>
           <a:xfrm>
-            <a:off x="4917398" y="5319228"/>
-            <a:ext cx="0" cy="342822"/>
+            <a:off x="12262870" y="5317248"/>
+            <a:ext cx="4522" cy="341616"/>
           </a:xfrm>
           <a:prstGeom prst="straightConnector1">
             <a:avLst/>
@@ -5313,7 +5181,7 @@
         </p:nvSpPr>
         <p:spPr>
           <a:xfrm>
-            <a:off x="1466517" y="8598577"/>
+            <a:off x="6249812" y="8595395"/>
             <a:ext cx="2115918" cy="1080000"/>
           </a:xfrm>
           <a:prstGeom prst="rect">
@@ -5381,8 +5249,8 @@
         </p:nvCxnSpPr>
         <p:spPr>
           <a:xfrm flipH="1">
-            <a:off x="3582435" y="9138577"/>
-            <a:ext cx="275731" cy="0"/>
+            <a:off x="8365730" y="9135395"/>
+            <a:ext cx="363892" cy="0"/>
           </a:xfrm>
           <a:prstGeom prst="line">
             <a:avLst/>
@@ -5426,8 +5294,8 @@
         </p:nvCxnSpPr>
         <p:spPr>
           <a:xfrm rot="5400000">
-            <a:off x="3504085" y="7185263"/>
-            <a:ext cx="433705" cy="2392922"/>
+            <a:off x="8329361" y="7137174"/>
+            <a:ext cx="436632" cy="2479811"/>
           </a:xfrm>
           <a:prstGeom prst="bentConnector3">
             <a:avLst>
@@ -5467,7 +5335,7 @@
         </p:nvSpPr>
         <p:spPr>
           <a:xfrm>
-            <a:off x="11478643" y="3742020"/>
+            <a:off x="25860391" y="4229711"/>
             <a:ext cx="2115918" cy="1080000"/>
           </a:xfrm>
           <a:prstGeom prst="rect">
@@ -5594,7 +5462,7 @@
         </p:nvSpPr>
         <p:spPr>
           <a:xfrm>
-            <a:off x="16593568" y="2728705"/>
+            <a:off x="16343406" y="22151"/>
             <a:ext cx="2115918" cy="1080000"/>
           </a:xfrm>
           <a:prstGeom prst="rect">
@@ -5664,7 +5532,7 @@
         </p:nvSpPr>
         <p:spPr>
           <a:xfrm>
-            <a:off x="16593568" y="4236046"/>
+            <a:off x="19162800" y="173622"/>
             <a:ext cx="2115918" cy="1080000"/>
           </a:xfrm>
           <a:prstGeom prst="rect">
@@ -5756,6 +5624,2944 @@
           </a:p>
         </p:txBody>
       </p:sp>
+      <p:sp>
+        <p:nvSpPr>
+          <p:cNvPr id="70" name="Прямоугольник 69">
+            <a:extLst>
+              <a:ext uri="{FF2B5EF4-FFF2-40B4-BE49-F238E27FC236}">
+                <a16:creationId xmlns:a16="http://schemas.microsoft.com/office/drawing/2014/main" id="{342C4259-AF63-4059-9BE1-7698FC73D941}"/>
+              </a:ext>
+            </a:extLst>
+          </p:cNvPr>
+          <p:cNvSpPr/>
+          <p:nvPr/>
+        </p:nvSpPr>
+        <p:spPr>
+          <a:xfrm>
+            <a:off x="13703007" y="2728705"/>
+            <a:ext cx="2115918" cy="1080000"/>
+          </a:xfrm>
+          <a:prstGeom prst="rect">
+            <a:avLst/>
+          </a:prstGeom>
+          <a:solidFill>
+            <a:srgbClr val="FF0000"/>
+          </a:solidFill>
+          <a:ln w="28575"/>
+        </p:spPr>
+        <p:style>
+          <a:lnRef idx="2">
+            <a:schemeClr val="accent1"/>
+          </a:lnRef>
+          <a:fillRef idx="1">
+            <a:schemeClr val="lt1"/>
+          </a:fillRef>
+          <a:effectRef idx="0">
+            <a:schemeClr val="accent1"/>
+          </a:effectRef>
+          <a:fontRef idx="minor">
+            <a:schemeClr val="dk1"/>
+          </a:fontRef>
+        </p:style>
+        <p:txBody>
+          <a:bodyPr lIns="124733" tIns="62367" rIns="124733" bIns="62367" rtlCol="0" anchor="ctr"/>
+          <a:lstStyle/>
+          <a:p>
+            <a:pPr algn="ctr"/>
+            <a:r>
+              <a:rPr lang="ru-RU" sz="1400" dirty="0"/>
+              <a:t>Последствия «</a:t>
+            </a:r>
+            <a:r>
+              <a:rPr lang="ru-RU" sz="1400" dirty="0" err="1"/>
+              <a:t>Зеван</a:t>
+            </a:r>
+            <a:r>
+              <a:rPr lang="ru-RU" sz="1400" dirty="0"/>
+              <a:t> </a:t>
+            </a:r>
+            <a:r>
+              <a:rPr lang="ru-RU" sz="1400" dirty="0" err="1"/>
+              <a:t>Провинсиан</a:t>
+            </a:r>
+            <a:r>
+              <a:rPr lang="ru-RU" sz="1400" dirty="0"/>
+              <a:t>» (ваниль)</a:t>
+            </a:r>
+          </a:p>
+        </p:txBody>
+      </p:sp>
+      <p:cxnSp>
+        <p:nvCxnSpPr>
+          <p:cNvPr id="71" name="Прямая соединительная линия 70">
+            <a:extLst>
+              <a:ext uri="{FF2B5EF4-FFF2-40B4-BE49-F238E27FC236}">
+                <a16:creationId xmlns:a16="http://schemas.microsoft.com/office/drawing/2014/main" id="{1065DBDE-0343-4DDE-A250-71F107EDEA35}"/>
+              </a:ext>
+            </a:extLst>
+          </p:cNvPr>
+          <p:cNvCxnSpPr>
+            <a:cxnSpLocks/>
+            <a:stCxn id="70" idx="1"/>
+            <a:endCxn id="126" idx="3"/>
+          </p:cNvCxnSpPr>
+          <p:nvPr/>
+        </p:nvCxnSpPr>
+        <p:spPr>
+          <a:xfrm flipH="1">
+            <a:off x="8365734" y="3268705"/>
+            <a:ext cx="5337273" cy="0"/>
+          </a:xfrm>
+          <a:prstGeom prst="line">
+            <a:avLst/>
+          </a:prstGeom>
+          <a:ln w="28575">
+            <a:solidFill>
+              <a:srgbClr val="FF0000"/>
+            </a:solidFill>
+          </a:ln>
+        </p:spPr>
+        <p:style>
+          <a:lnRef idx="1">
+            <a:schemeClr val="accent1"/>
+          </a:lnRef>
+          <a:fillRef idx="0">
+            <a:schemeClr val="accent1"/>
+          </a:fillRef>
+          <a:effectRef idx="0">
+            <a:schemeClr val="accent1"/>
+          </a:effectRef>
+          <a:fontRef idx="minor">
+            <a:schemeClr val="tx1"/>
+          </a:fontRef>
+        </p:style>
+      </p:cxnSp>
+      <p:sp>
+        <p:nvSpPr>
+          <p:cNvPr id="75" name="Прямоугольник 74">
+            <a:extLst>
+              <a:ext uri="{FF2B5EF4-FFF2-40B4-BE49-F238E27FC236}">
+                <a16:creationId xmlns:a16="http://schemas.microsoft.com/office/drawing/2014/main" id="{CD288A3F-0B5C-40EF-A73C-D00523418548}"/>
+              </a:ext>
+            </a:extLst>
+          </p:cNvPr>
+          <p:cNvSpPr/>
+          <p:nvPr/>
+        </p:nvSpPr>
+        <p:spPr>
+          <a:xfrm>
+            <a:off x="13703007" y="5666930"/>
+            <a:ext cx="2115918" cy="1080000"/>
+          </a:xfrm>
+          <a:prstGeom prst="rect">
+            <a:avLst/>
+          </a:prstGeom>
+          <a:solidFill>
+            <a:srgbClr val="FF0000"/>
+          </a:solidFill>
+          <a:ln w="28575"/>
+        </p:spPr>
+        <p:style>
+          <a:lnRef idx="2">
+            <a:schemeClr val="accent1"/>
+          </a:lnRef>
+          <a:fillRef idx="1">
+            <a:schemeClr val="lt1"/>
+          </a:fillRef>
+          <a:effectRef idx="0">
+            <a:schemeClr val="accent1"/>
+          </a:effectRef>
+          <a:fontRef idx="minor">
+            <a:schemeClr val="dk1"/>
+          </a:fontRef>
+        </p:style>
+        <p:txBody>
+          <a:bodyPr lIns="124733" tIns="62367" rIns="124733" bIns="62367" rtlCol="0" anchor="ctr"/>
+          <a:lstStyle/>
+          <a:p>
+            <a:pPr algn="ctr"/>
+            <a:r>
+              <a:rPr lang="ru-RU" sz="1400" dirty="0"/>
+              <a:t>Красный – это новый оранжевый (ваниль)</a:t>
+            </a:r>
+          </a:p>
+        </p:txBody>
+      </p:sp>
+      <p:sp>
+        <p:nvSpPr>
+          <p:cNvPr id="76" name="Прямоугольник 75">
+            <a:extLst>
+              <a:ext uri="{FF2B5EF4-FFF2-40B4-BE49-F238E27FC236}">
+                <a16:creationId xmlns:a16="http://schemas.microsoft.com/office/drawing/2014/main" id="{366F5F6C-483B-4ACD-91D6-A9E691839C70}"/>
+              </a:ext>
+            </a:extLst>
+          </p:cNvPr>
+          <p:cNvSpPr/>
+          <p:nvPr/>
+        </p:nvSpPr>
+        <p:spPr>
+          <a:xfrm>
+            <a:off x="13706096" y="8597061"/>
+            <a:ext cx="2115918" cy="1080000"/>
+          </a:xfrm>
+          <a:prstGeom prst="rect">
+            <a:avLst/>
+          </a:prstGeom>
+          <a:solidFill>
+            <a:srgbClr val="FF0000"/>
+          </a:solidFill>
+          <a:ln w="28575"/>
+        </p:spPr>
+        <p:style>
+          <a:lnRef idx="2">
+            <a:schemeClr val="accent1"/>
+          </a:lnRef>
+          <a:fillRef idx="1">
+            <a:schemeClr val="lt1"/>
+          </a:fillRef>
+          <a:effectRef idx="0">
+            <a:schemeClr val="accent1"/>
+          </a:effectRef>
+          <a:fontRef idx="minor">
+            <a:schemeClr val="dk1"/>
+          </a:fontRef>
+        </p:style>
+        <p:txBody>
+          <a:bodyPr lIns="124733" tIns="62367" rIns="124733" bIns="62367" rtlCol="0" anchor="ctr"/>
+          <a:lstStyle/>
+          <a:p>
+            <a:pPr algn="ctr"/>
+            <a:r>
+              <a:rPr lang="ru-RU" sz="1400" dirty="0"/>
+              <a:t>Оплот истинного коммунизма (ваниль)</a:t>
+            </a:r>
+          </a:p>
+        </p:txBody>
+      </p:sp>
+      <p:sp>
+        <p:nvSpPr>
+          <p:cNvPr id="77" name="Прямоугольник 76">
+            <a:extLst>
+              <a:ext uri="{FF2B5EF4-FFF2-40B4-BE49-F238E27FC236}">
+                <a16:creationId xmlns:a16="http://schemas.microsoft.com/office/drawing/2014/main" id="{10125C76-08EB-440D-8A53-FC23906A3025}"/>
+              </a:ext>
+            </a:extLst>
+          </p:cNvPr>
+          <p:cNvSpPr/>
+          <p:nvPr/>
+        </p:nvSpPr>
+        <p:spPr>
+          <a:xfrm>
+            <a:off x="16190426" y="8597061"/>
+            <a:ext cx="2115918" cy="1080000"/>
+          </a:xfrm>
+          <a:prstGeom prst="rect">
+            <a:avLst/>
+          </a:prstGeom>
+          <a:solidFill>
+            <a:srgbClr val="FF0000"/>
+          </a:solidFill>
+          <a:ln w="28575"/>
+        </p:spPr>
+        <p:style>
+          <a:lnRef idx="2">
+            <a:schemeClr val="accent1"/>
+          </a:lnRef>
+          <a:fillRef idx="1">
+            <a:schemeClr val="lt1"/>
+          </a:fillRef>
+          <a:effectRef idx="0">
+            <a:schemeClr val="accent1"/>
+          </a:effectRef>
+          <a:fontRef idx="minor">
+            <a:schemeClr val="dk1"/>
+          </a:fontRef>
+        </p:style>
+        <p:txBody>
+          <a:bodyPr lIns="124733" tIns="62367" rIns="124733" bIns="62367" rtlCol="0" anchor="ctr"/>
+          <a:lstStyle/>
+          <a:p>
+            <a:pPr algn="ctr"/>
+            <a:r>
+              <a:rPr lang="ru-RU" sz="1400" dirty="0"/>
+              <a:t>Союз с Францией (ваниль)</a:t>
+            </a:r>
+          </a:p>
+        </p:txBody>
+      </p:sp>
+      <p:sp>
+        <p:nvSpPr>
+          <p:cNvPr id="79" name="Прямоугольник 78">
+            <a:extLst>
+              <a:ext uri="{FF2B5EF4-FFF2-40B4-BE49-F238E27FC236}">
+                <a16:creationId xmlns:a16="http://schemas.microsoft.com/office/drawing/2014/main" id="{A1833F58-8C31-4146-8F2D-3CA644C1D16F}"/>
+              </a:ext>
+            </a:extLst>
+          </p:cNvPr>
+          <p:cNvSpPr/>
+          <p:nvPr/>
+        </p:nvSpPr>
+        <p:spPr>
+          <a:xfrm>
+            <a:off x="18674756" y="8597061"/>
+            <a:ext cx="2115918" cy="1080000"/>
+          </a:xfrm>
+          <a:prstGeom prst="rect">
+            <a:avLst/>
+          </a:prstGeom>
+          <a:solidFill>
+            <a:srgbClr val="FF0000"/>
+          </a:solidFill>
+          <a:ln w="28575"/>
+        </p:spPr>
+        <p:style>
+          <a:lnRef idx="2">
+            <a:schemeClr val="accent1"/>
+          </a:lnRef>
+          <a:fillRef idx="1">
+            <a:schemeClr val="lt1"/>
+          </a:fillRef>
+          <a:effectRef idx="0">
+            <a:schemeClr val="accent1"/>
+          </a:effectRef>
+          <a:fontRef idx="minor">
+            <a:schemeClr val="dk1"/>
+          </a:fontRef>
+        </p:style>
+        <p:txBody>
+          <a:bodyPr lIns="124733" tIns="62367" rIns="124733" bIns="62367" rtlCol="0" anchor="ctr"/>
+          <a:lstStyle/>
+          <a:p>
+            <a:pPr algn="ctr"/>
+            <a:r>
+              <a:rPr lang="ru-RU" sz="1400" dirty="0"/>
+              <a:t>Подтвердить лояльность городу Москва (ваниль)</a:t>
+            </a:r>
+          </a:p>
+        </p:txBody>
+      </p:sp>
+      <p:cxnSp>
+        <p:nvCxnSpPr>
+          <p:cNvPr id="80" name="Прямая соединительная линия 79">
+            <a:extLst>
+              <a:ext uri="{FF2B5EF4-FFF2-40B4-BE49-F238E27FC236}">
+                <a16:creationId xmlns:a16="http://schemas.microsoft.com/office/drawing/2014/main" id="{B7BBD189-7659-4584-B271-7DF8F92634C3}"/>
+              </a:ext>
+            </a:extLst>
+          </p:cNvPr>
+          <p:cNvCxnSpPr>
+            <a:cxnSpLocks/>
+            <a:stCxn id="77" idx="1"/>
+            <a:endCxn id="76" idx="3"/>
+          </p:cNvCxnSpPr>
+          <p:nvPr/>
+        </p:nvCxnSpPr>
+        <p:spPr>
+          <a:xfrm flipH="1">
+            <a:off x="15822014" y="9137061"/>
+            <a:ext cx="368412" cy="0"/>
+          </a:xfrm>
+          <a:prstGeom prst="line">
+            <a:avLst/>
+          </a:prstGeom>
+          <a:ln w="28575">
+            <a:solidFill>
+              <a:srgbClr val="FF0000"/>
+            </a:solidFill>
+          </a:ln>
+        </p:spPr>
+        <p:style>
+          <a:lnRef idx="1">
+            <a:schemeClr val="accent1"/>
+          </a:lnRef>
+          <a:fillRef idx="0">
+            <a:schemeClr val="accent1"/>
+          </a:fillRef>
+          <a:effectRef idx="0">
+            <a:schemeClr val="accent1"/>
+          </a:effectRef>
+          <a:fontRef idx="minor">
+            <a:schemeClr val="tx1"/>
+          </a:fontRef>
+        </p:style>
+      </p:cxnSp>
+      <p:cxnSp>
+        <p:nvCxnSpPr>
+          <p:cNvPr id="83" name="Прямая соединительная линия 82">
+            <a:extLst>
+              <a:ext uri="{FF2B5EF4-FFF2-40B4-BE49-F238E27FC236}">
+                <a16:creationId xmlns:a16="http://schemas.microsoft.com/office/drawing/2014/main" id="{E177FD22-3AD3-43C9-AD14-4346EE9A3F04}"/>
+              </a:ext>
+            </a:extLst>
+          </p:cNvPr>
+          <p:cNvCxnSpPr>
+            <a:cxnSpLocks/>
+            <a:stCxn id="79" idx="1"/>
+            <a:endCxn id="77" idx="3"/>
+          </p:cNvCxnSpPr>
+          <p:nvPr/>
+        </p:nvCxnSpPr>
+        <p:spPr>
+          <a:xfrm flipH="1">
+            <a:off x="18306344" y="9137061"/>
+            <a:ext cx="368412" cy="0"/>
+          </a:xfrm>
+          <a:prstGeom prst="line">
+            <a:avLst/>
+          </a:prstGeom>
+          <a:ln w="28575">
+            <a:solidFill>
+              <a:srgbClr val="FF0000"/>
+            </a:solidFill>
+          </a:ln>
+        </p:spPr>
+        <p:style>
+          <a:lnRef idx="1">
+            <a:schemeClr val="accent1"/>
+          </a:lnRef>
+          <a:fillRef idx="0">
+            <a:schemeClr val="accent1"/>
+          </a:fillRef>
+          <a:effectRef idx="0">
+            <a:schemeClr val="accent1"/>
+          </a:effectRef>
+          <a:fontRef idx="minor">
+            <a:schemeClr val="tx1"/>
+          </a:fontRef>
+        </p:style>
+      </p:cxnSp>
+      <p:sp>
+        <p:nvSpPr>
+          <p:cNvPr id="86" name="Прямоугольник 85">
+            <a:extLst>
+              <a:ext uri="{FF2B5EF4-FFF2-40B4-BE49-F238E27FC236}">
+                <a16:creationId xmlns:a16="http://schemas.microsoft.com/office/drawing/2014/main" id="{AD767D07-12A0-482F-AED3-8FB784E027A3}"/>
+              </a:ext>
+            </a:extLst>
+          </p:cNvPr>
+          <p:cNvSpPr/>
+          <p:nvPr/>
+        </p:nvSpPr>
+        <p:spPr>
+          <a:xfrm>
+            <a:off x="13706096" y="11533592"/>
+            <a:ext cx="2115918" cy="1080000"/>
+          </a:xfrm>
+          <a:prstGeom prst="rect">
+            <a:avLst/>
+          </a:prstGeom>
+          <a:solidFill>
+            <a:srgbClr val="FF0000"/>
+          </a:solidFill>
+          <a:ln w="28575"/>
+        </p:spPr>
+        <p:style>
+          <a:lnRef idx="2">
+            <a:schemeClr val="accent1"/>
+          </a:lnRef>
+          <a:fillRef idx="1">
+            <a:schemeClr val="lt1"/>
+          </a:fillRef>
+          <a:effectRef idx="0">
+            <a:schemeClr val="accent1"/>
+          </a:effectRef>
+          <a:fontRef idx="minor">
+            <a:schemeClr val="dk1"/>
+          </a:fontRef>
+        </p:style>
+        <p:txBody>
+          <a:bodyPr lIns="124733" tIns="62367" rIns="124733" bIns="62367" rtlCol="0" anchor="ctr"/>
+          <a:lstStyle/>
+          <a:p>
+            <a:pPr algn="ctr"/>
+            <a:r>
+              <a:rPr lang="ru-RU" sz="1400" dirty="0"/>
+              <a:t>В кольце врагов (ваниль)</a:t>
+            </a:r>
+          </a:p>
+        </p:txBody>
+      </p:sp>
+      <p:sp>
+        <p:nvSpPr>
+          <p:cNvPr id="87" name="Прямоугольник 86">
+            <a:extLst>
+              <a:ext uri="{FF2B5EF4-FFF2-40B4-BE49-F238E27FC236}">
+                <a16:creationId xmlns:a16="http://schemas.microsoft.com/office/drawing/2014/main" id="{CC4BBF75-07C6-4CA5-A8D7-44A4699C08DC}"/>
+              </a:ext>
+            </a:extLst>
+          </p:cNvPr>
+          <p:cNvSpPr/>
+          <p:nvPr/>
+        </p:nvSpPr>
+        <p:spPr>
+          <a:xfrm>
+            <a:off x="13706096" y="14566862"/>
+            <a:ext cx="2115918" cy="1080000"/>
+          </a:xfrm>
+          <a:prstGeom prst="rect">
+            <a:avLst/>
+          </a:prstGeom>
+          <a:solidFill>
+            <a:srgbClr val="FF0000"/>
+          </a:solidFill>
+          <a:ln w="28575"/>
+        </p:spPr>
+        <p:style>
+          <a:lnRef idx="2">
+            <a:schemeClr val="accent1"/>
+          </a:lnRef>
+          <a:fillRef idx="1">
+            <a:schemeClr val="lt1"/>
+          </a:fillRef>
+          <a:effectRef idx="0">
+            <a:schemeClr val="accent1"/>
+          </a:effectRef>
+          <a:fontRef idx="minor">
+            <a:schemeClr val="dk1"/>
+          </a:fontRef>
+        </p:style>
+        <p:txBody>
+          <a:bodyPr lIns="124733" tIns="62367" rIns="124733" bIns="62367" rtlCol="0" anchor="ctr"/>
+          <a:lstStyle/>
+          <a:p>
+            <a:pPr algn="ctr"/>
+            <a:r>
+              <a:rPr lang="ru-RU" sz="1400" dirty="0"/>
+              <a:t>Гостеприимная страна (ваниль)</a:t>
+            </a:r>
+          </a:p>
+        </p:txBody>
+      </p:sp>
+      <p:sp>
+        <p:nvSpPr>
+          <p:cNvPr id="88" name="Прямоугольник 87">
+            <a:extLst>
+              <a:ext uri="{FF2B5EF4-FFF2-40B4-BE49-F238E27FC236}">
+                <a16:creationId xmlns:a16="http://schemas.microsoft.com/office/drawing/2014/main" id="{2D86051A-B657-4518-A31A-E3425E7B1BF9}"/>
+              </a:ext>
+            </a:extLst>
+          </p:cNvPr>
+          <p:cNvSpPr/>
+          <p:nvPr/>
+        </p:nvSpPr>
+        <p:spPr>
+          <a:xfrm>
+            <a:off x="14948261" y="10016956"/>
+            <a:ext cx="2115918" cy="1080000"/>
+          </a:xfrm>
+          <a:prstGeom prst="rect">
+            <a:avLst/>
+          </a:prstGeom>
+          <a:solidFill>
+            <a:srgbClr val="FF0000"/>
+          </a:solidFill>
+          <a:ln w="28575"/>
+        </p:spPr>
+        <p:style>
+          <a:lnRef idx="2">
+            <a:schemeClr val="accent1"/>
+          </a:lnRef>
+          <a:fillRef idx="1">
+            <a:schemeClr val="lt1"/>
+          </a:fillRef>
+          <a:effectRef idx="0">
+            <a:schemeClr val="accent1"/>
+          </a:effectRef>
+          <a:fontRef idx="minor">
+            <a:schemeClr val="dk1"/>
+          </a:fontRef>
+        </p:style>
+        <p:txBody>
+          <a:bodyPr lIns="124733" tIns="62367" rIns="124733" bIns="62367" rtlCol="0" anchor="ctr"/>
+          <a:lstStyle/>
+          <a:p>
+            <a:pPr algn="ctr"/>
+            <a:r>
+              <a:rPr lang="ru-RU" sz="1400" dirty="0"/>
+              <a:t>Движение социализма на юг (ваниль)</a:t>
+            </a:r>
+          </a:p>
+        </p:txBody>
+      </p:sp>
+      <p:cxnSp>
+        <p:nvCxnSpPr>
+          <p:cNvPr id="89" name="Соединительная линия уступом 175">
+            <a:extLst>
+              <a:ext uri="{FF2B5EF4-FFF2-40B4-BE49-F238E27FC236}">
+                <a16:creationId xmlns:a16="http://schemas.microsoft.com/office/drawing/2014/main" id="{5CB48EFB-136F-4070-8340-0A522C2F6809}"/>
+              </a:ext>
+            </a:extLst>
+          </p:cNvPr>
+          <p:cNvCxnSpPr>
+            <a:cxnSpLocks/>
+            <a:stCxn id="76" idx="2"/>
+            <a:endCxn id="88" idx="0"/>
+          </p:cNvCxnSpPr>
+          <p:nvPr/>
+        </p:nvCxnSpPr>
+        <p:spPr>
+          <a:xfrm rot="16200000" flipH="1">
+            <a:off x="15215190" y="9225925"/>
+            <a:ext cx="339895" cy="1242165"/>
+          </a:xfrm>
+          <a:prstGeom prst="bentConnector3">
+            <a:avLst>
+              <a:gd name="adj1" fmla="val 50000"/>
+            </a:avLst>
+          </a:prstGeom>
+          <a:ln w="28575">
+            <a:prstDash val="dash"/>
+            <a:tailEnd type="arrow"/>
+          </a:ln>
+        </p:spPr>
+        <p:style>
+          <a:lnRef idx="1">
+            <a:schemeClr val="accent1"/>
+          </a:lnRef>
+          <a:fillRef idx="0">
+            <a:schemeClr val="accent1"/>
+          </a:fillRef>
+          <a:effectRef idx="0">
+            <a:schemeClr val="accent1"/>
+          </a:effectRef>
+          <a:fontRef idx="minor">
+            <a:schemeClr val="tx1"/>
+          </a:fontRef>
+        </p:style>
+      </p:cxnSp>
+      <p:cxnSp>
+        <p:nvCxnSpPr>
+          <p:cNvPr id="92" name="Соединительная линия уступом 175">
+            <a:extLst>
+              <a:ext uri="{FF2B5EF4-FFF2-40B4-BE49-F238E27FC236}">
+                <a16:creationId xmlns:a16="http://schemas.microsoft.com/office/drawing/2014/main" id="{63CBBFDA-3735-4B9C-9329-96E9ABFAE985}"/>
+              </a:ext>
+            </a:extLst>
+          </p:cNvPr>
+          <p:cNvCxnSpPr>
+            <a:cxnSpLocks/>
+            <a:stCxn id="77" idx="2"/>
+            <a:endCxn id="88" idx="0"/>
+          </p:cNvCxnSpPr>
+          <p:nvPr/>
+        </p:nvCxnSpPr>
+        <p:spPr>
+          <a:xfrm rot="5400000">
+            <a:off x="16457356" y="9225926"/>
+            <a:ext cx="339895" cy="1242165"/>
+          </a:xfrm>
+          <a:prstGeom prst="bentConnector3">
+            <a:avLst>
+              <a:gd name="adj1" fmla="val 50000"/>
+            </a:avLst>
+          </a:prstGeom>
+          <a:ln w="28575">
+            <a:prstDash val="dash"/>
+            <a:tailEnd type="arrow"/>
+          </a:ln>
+        </p:spPr>
+        <p:style>
+          <a:lnRef idx="1">
+            <a:schemeClr val="accent1"/>
+          </a:lnRef>
+          <a:fillRef idx="0">
+            <a:schemeClr val="accent1"/>
+          </a:fillRef>
+          <a:effectRef idx="0">
+            <a:schemeClr val="accent1"/>
+          </a:effectRef>
+          <a:fontRef idx="minor">
+            <a:schemeClr val="tx1"/>
+          </a:fontRef>
+        </p:style>
+      </p:cxnSp>
+      <p:cxnSp>
+        <p:nvCxnSpPr>
+          <p:cNvPr id="95" name="Соединительная линия уступом 175">
+            <a:extLst>
+              <a:ext uri="{FF2B5EF4-FFF2-40B4-BE49-F238E27FC236}">
+                <a16:creationId xmlns:a16="http://schemas.microsoft.com/office/drawing/2014/main" id="{18E581A8-013C-43A7-B480-F75FA8B9D989}"/>
+              </a:ext>
+            </a:extLst>
+          </p:cNvPr>
+          <p:cNvCxnSpPr>
+            <a:cxnSpLocks/>
+            <a:stCxn id="79" idx="2"/>
+            <a:endCxn id="88" idx="0"/>
+          </p:cNvCxnSpPr>
+          <p:nvPr/>
+        </p:nvCxnSpPr>
+        <p:spPr>
+          <a:xfrm rot="5400000">
+            <a:off x="17699521" y="7983761"/>
+            <a:ext cx="339895" cy="3726495"/>
+          </a:xfrm>
+          <a:prstGeom prst="bentConnector3">
+            <a:avLst>
+              <a:gd name="adj1" fmla="val 50000"/>
+            </a:avLst>
+          </a:prstGeom>
+          <a:ln w="28575">
+            <a:prstDash val="dash"/>
+            <a:tailEnd type="arrow"/>
+          </a:ln>
+        </p:spPr>
+        <p:style>
+          <a:lnRef idx="1">
+            <a:schemeClr val="accent1"/>
+          </a:lnRef>
+          <a:fillRef idx="0">
+            <a:schemeClr val="accent1"/>
+          </a:fillRef>
+          <a:effectRef idx="0">
+            <a:schemeClr val="accent1"/>
+          </a:effectRef>
+          <a:fontRef idx="minor">
+            <a:schemeClr val="tx1"/>
+          </a:fontRef>
+        </p:style>
+      </p:cxnSp>
+      <p:sp>
+        <p:nvSpPr>
+          <p:cNvPr id="98" name="Прямоугольник 97">
+            <a:extLst>
+              <a:ext uri="{FF2B5EF4-FFF2-40B4-BE49-F238E27FC236}">
+                <a16:creationId xmlns:a16="http://schemas.microsoft.com/office/drawing/2014/main" id="{A4C4E412-1DCD-4818-BE7B-DE5FD7B5D281}"/>
+              </a:ext>
+            </a:extLst>
+          </p:cNvPr>
+          <p:cNvSpPr/>
+          <p:nvPr/>
+        </p:nvSpPr>
+        <p:spPr>
+          <a:xfrm>
+            <a:off x="17432591" y="10016955"/>
+            <a:ext cx="2115918" cy="1080000"/>
+          </a:xfrm>
+          <a:prstGeom prst="rect">
+            <a:avLst/>
+          </a:prstGeom>
+          <a:solidFill>
+            <a:srgbClr val="FF0000"/>
+          </a:solidFill>
+          <a:ln w="28575"/>
+        </p:spPr>
+        <p:style>
+          <a:lnRef idx="2">
+            <a:schemeClr val="accent1"/>
+          </a:lnRef>
+          <a:fillRef idx="1">
+            <a:schemeClr val="lt1"/>
+          </a:fillRef>
+          <a:effectRef idx="0">
+            <a:schemeClr val="accent1"/>
+          </a:effectRef>
+          <a:fontRef idx="minor">
+            <a:schemeClr val="dk1"/>
+          </a:fontRef>
+        </p:style>
+        <p:txBody>
+          <a:bodyPr lIns="124733" tIns="62367" rIns="124733" bIns="62367" rtlCol="0" anchor="ctr"/>
+          <a:lstStyle/>
+          <a:p>
+            <a:pPr algn="ctr"/>
+            <a:r>
+              <a:rPr lang="ru-RU" sz="1400" dirty="0"/>
+              <a:t>Поддержка промышленности (ваниль)</a:t>
+            </a:r>
+          </a:p>
+        </p:txBody>
+      </p:sp>
+      <p:cxnSp>
+        <p:nvCxnSpPr>
+          <p:cNvPr id="99" name="Соединительная линия уступом 175">
+            <a:extLst>
+              <a:ext uri="{FF2B5EF4-FFF2-40B4-BE49-F238E27FC236}">
+                <a16:creationId xmlns:a16="http://schemas.microsoft.com/office/drawing/2014/main" id="{DCD1F1C6-3983-4635-A883-D83D7C10A114}"/>
+              </a:ext>
+            </a:extLst>
+          </p:cNvPr>
+          <p:cNvCxnSpPr>
+            <a:cxnSpLocks/>
+            <a:stCxn id="79" idx="2"/>
+            <a:endCxn id="98" idx="0"/>
+          </p:cNvCxnSpPr>
+          <p:nvPr/>
+        </p:nvCxnSpPr>
+        <p:spPr>
+          <a:xfrm rot="5400000">
+            <a:off x="18941686" y="9225926"/>
+            <a:ext cx="339894" cy="1242165"/>
+          </a:xfrm>
+          <a:prstGeom prst="bentConnector3">
+            <a:avLst>
+              <a:gd name="adj1" fmla="val 50000"/>
+            </a:avLst>
+          </a:prstGeom>
+          <a:ln w="28575">
+            <a:prstDash val="dash"/>
+            <a:tailEnd type="arrow"/>
+          </a:ln>
+        </p:spPr>
+        <p:style>
+          <a:lnRef idx="1">
+            <a:schemeClr val="accent1"/>
+          </a:lnRef>
+          <a:fillRef idx="0">
+            <a:schemeClr val="accent1"/>
+          </a:fillRef>
+          <a:effectRef idx="0">
+            <a:schemeClr val="accent1"/>
+          </a:effectRef>
+          <a:fontRef idx="minor">
+            <a:schemeClr val="tx1"/>
+          </a:fontRef>
+        </p:style>
+      </p:cxnSp>
+      <p:cxnSp>
+        <p:nvCxnSpPr>
+          <p:cNvPr id="102" name="Соединительная линия уступом 175">
+            <a:extLst>
+              <a:ext uri="{FF2B5EF4-FFF2-40B4-BE49-F238E27FC236}">
+                <a16:creationId xmlns:a16="http://schemas.microsoft.com/office/drawing/2014/main" id="{65F9EC03-108B-4E8B-A78B-BA5EF524FF04}"/>
+              </a:ext>
+            </a:extLst>
+          </p:cNvPr>
+          <p:cNvCxnSpPr>
+            <a:cxnSpLocks/>
+            <a:stCxn id="77" idx="2"/>
+            <a:endCxn id="98" idx="0"/>
+          </p:cNvCxnSpPr>
+          <p:nvPr/>
+        </p:nvCxnSpPr>
+        <p:spPr>
+          <a:xfrm rot="16200000" flipH="1">
+            <a:off x="17699520" y="9225925"/>
+            <a:ext cx="339894" cy="1242165"/>
+          </a:xfrm>
+          <a:prstGeom prst="bentConnector3">
+            <a:avLst>
+              <a:gd name="adj1" fmla="val 50000"/>
+            </a:avLst>
+          </a:prstGeom>
+          <a:ln w="28575">
+            <a:prstDash val="dash"/>
+            <a:tailEnd type="arrow"/>
+          </a:ln>
+        </p:spPr>
+        <p:style>
+          <a:lnRef idx="1">
+            <a:schemeClr val="accent1"/>
+          </a:lnRef>
+          <a:fillRef idx="0">
+            <a:schemeClr val="accent1"/>
+          </a:fillRef>
+          <a:effectRef idx="0">
+            <a:schemeClr val="accent1"/>
+          </a:effectRef>
+          <a:fontRef idx="minor">
+            <a:schemeClr val="tx1"/>
+          </a:fontRef>
+        </p:style>
+      </p:cxnSp>
+      <p:sp>
+        <p:nvSpPr>
+          <p:cNvPr id="105" name="Прямоугольник 104">
+            <a:extLst>
+              <a:ext uri="{FF2B5EF4-FFF2-40B4-BE49-F238E27FC236}">
+                <a16:creationId xmlns:a16="http://schemas.microsoft.com/office/drawing/2014/main" id="{593EF44A-A889-40AB-8198-12E4B4E7C45B}"/>
+              </a:ext>
+            </a:extLst>
+          </p:cNvPr>
+          <p:cNvSpPr/>
+          <p:nvPr/>
+        </p:nvSpPr>
+        <p:spPr>
+          <a:xfrm>
+            <a:off x="19916920" y="10016955"/>
+            <a:ext cx="2115918" cy="1080000"/>
+          </a:xfrm>
+          <a:prstGeom prst="rect">
+            <a:avLst/>
+          </a:prstGeom>
+          <a:solidFill>
+            <a:srgbClr val="FF0000"/>
+          </a:solidFill>
+          <a:ln w="28575"/>
+        </p:spPr>
+        <p:style>
+          <a:lnRef idx="2">
+            <a:schemeClr val="accent1"/>
+          </a:lnRef>
+          <a:fillRef idx="1">
+            <a:schemeClr val="lt1"/>
+          </a:fillRef>
+          <a:effectRef idx="0">
+            <a:schemeClr val="accent1"/>
+          </a:effectRef>
+          <a:fontRef idx="minor">
+            <a:schemeClr val="dk1"/>
+          </a:fontRef>
+        </p:style>
+        <p:txBody>
+          <a:bodyPr lIns="124733" tIns="62367" rIns="124733" bIns="62367" rtlCol="0" anchor="ctr"/>
+          <a:lstStyle/>
+          <a:p>
+            <a:pPr algn="ctr"/>
+            <a:r>
+              <a:rPr lang="ru-RU" sz="1400" dirty="0"/>
+              <a:t>Советские эксперты (ваниль)</a:t>
+            </a:r>
+          </a:p>
+        </p:txBody>
+      </p:sp>
+      <p:cxnSp>
+        <p:nvCxnSpPr>
+          <p:cNvPr id="106" name="Соединительная линия уступом 175">
+            <a:extLst>
+              <a:ext uri="{FF2B5EF4-FFF2-40B4-BE49-F238E27FC236}">
+                <a16:creationId xmlns:a16="http://schemas.microsoft.com/office/drawing/2014/main" id="{A669113C-1557-4107-B1E0-921FFE48A035}"/>
+              </a:ext>
+            </a:extLst>
+          </p:cNvPr>
+          <p:cNvCxnSpPr>
+            <a:cxnSpLocks/>
+            <a:stCxn id="79" idx="2"/>
+            <a:endCxn id="105" idx="0"/>
+          </p:cNvCxnSpPr>
+          <p:nvPr/>
+        </p:nvCxnSpPr>
+        <p:spPr>
+          <a:xfrm rot="16200000" flipH="1">
+            <a:off x="20183850" y="9225926"/>
+            <a:ext cx="339894" cy="1242164"/>
+          </a:xfrm>
+          <a:prstGeom prst="bentConnector3">
+            <a:avLst>
+              <a:gd name="adj1" fmla="val 50000"/>
+            </a:avLst>
+          </a:prstGeom>
+          <a:ln w="28575">
+            <a:tailEnd type="arrow"/>
+          </a:ln>
+        </p:spPr>
+        <p:style>
+          <a:lnRef idx="1">
+            <a:schemeClr val="accent1"/>
+          </a:lnRef>
+          <a:fillRef idx="0">
+            <a:schemeClr val="accent1"/>
+          </a:fillRef>
+          <a:effectRef idx="0">
+            <a:schemeClr val="accent1"/>
+          </a:effectRef>
+          <a:fontRef idx="minor">
+            <a:schemeClr val="tx1"/>
+          </a:fontRef>
+        </p:style>
+      </p:cxnSp>
+      <p:sp>
+        <p:nvSpPr>
+          <p:cNvPr id="109" name="Прямоугольник 108">
+            <a:extLst>
+              <a:ext uri="{FF2B5EF4-FFF2-40B4-BE49-F238E27FC236}">
+                <a16:creationId xmlns:a16="http://schemas.microsoft.com/office/drawing/2014/main" id="{0EA34B49-5C15-4F93-A433-B54A1B90022D}"/>
+              </a:ext>
+            </a:extLst>
+          </p:cNvPr>
+          <p:cNvSpPr/>
+          <p:nvPr/>
+        </p:nvSpPr>
+        <p:spPr>
+          <a:xfrm>
+            <a:off x="16191915" y="11533592"/>
+            <a:ext cx="2115918" cy="1080000"/>
+          </a:xfrm>
+          <a:prstGeom prst="rect">
+            <a:avLst/>
+          </a:prstGeom>
+          <a:solidFill>
+            <a:srgbClr val="FF0000"/>
+          </a:solidFill>
+          <a:ln w="28575"/>
+        </p:spPr>
+        <p:style>
+          <a:lnRef idx="2">
+            <a:schemeClr val="accent1"/>
+          </a:lnRef>
+          <a:fillRef idx="1">
+            <a:schemeClr val="lt1"/>
+          </a:fillRef>
+          <a:effectRef idx="0">
+            <a:schemeClr val="accent1"/>
+          </a:effectRef>
+          <a:fontRef idx="minor">
+            <a:schemeClr val="dk1"/>
+          </a:fontRef>
+        </p:style>
+        <p:txBody>
+          <a:bodyPr lIns="124733" tIns="62367" rIns="124733" bIns="62367" rtlCol="0" anchor="ctr"/>
+          <a:lstStyle/>
+          <a:p>
+            <a:pPr algn="ctr"/>
+            <a:r>
+              <a:rPr lang="ru-RU" sz="1400" dirty="0"/>
+              <a:t>Французское военное представительство (ваниль)</a:t>
+            </a:r>
+          </a:p>
+        </p:txBody>
+      </p:sp>
+      <p:cxnSp>
+        <p:nvCxnSpPr>
+          <p:cNvPr id="110" name="Соединительная линия уступом 175">
+            <a:extLst>
+              <a:ext uri="{FF2B5EF4-FFF2-40B4-BE49-F238E27FC236}">
+                <a16:creationId xmlns:a16="http://schemas.microsoft.com/office/drawing/2014/main" id="{B8731ED6-88B8-43A2-81AD-67D3831583CB}"/>
+              </a:ext>
+            </a:extLst>
+          </p:cNvPr>
+          <p:cNvCxnSpPr>
+            <a:cxnSpLocks/>
+            <a:stCxn id="77" idx="2"/>
+            <a:endCxn id="109" idx="0"/>
+          </p:cNvCxnSpPr>
+          <p:nvPr/>
+        </p:nvCxnSpPr>
+        <p:spPr>
+          <a:xfrm rot="16200000" flipH="1">
+            <a:off x="16320864" y="10604581"/>
+            <a:ext cx="1856531" cy="1489"/>
+          </a:xfrm>
+          <a:prstGeom prst="bentConnector3">
+            <a:avLst>
+              <a:gd name="adj1" fmla="val 50000"/>
+            </a:avLst>
+          </a:prstGeom>
+          <a:ln w="28575">
+            <a:tailEnd type="arrow"/>
+          </a:ln>
+        </p:spPr>
+        <p:style>
+          <a:lnRef idx="1">
+            <a:schemeClr val="accent1"/>
+          </a:lnRef>
+          <a:fillRef idx="0">
+            <a:schemeClr val="accent1"/>
+          </a:fillRef>
+          <a:effectRef idx="0">
+            <a:schemeClr val="accent1"/>
+          </a:effectRef>
+          <a:fontRef idx="minor">
+            <a:schemeClr val="tx1"/>
+          </a:fontRef>
+        </p:style>
+      </p:cxnSp>
+      <p:cxnSp>
+        <p:nvCxnSpPr>
+          <p:cNvPr id="118" name="Прямая со стрелкой 117">
+            <a:extLst>
+              <a:ext uri="{FF2B5EF4-FFF2-40B4-BE49-F238E27FC236}">
+                <a16:creationId xmlns:a16="http://schemas.microsoft.com/office/drawing/2014/main" id="{DDD852FB-296B-4E94-971C-21F09E42C0A4}"/>
+              </a:ext>
+            </a:extLst>
+          </p:cNvPr>
+          <p:cNvCxnSpPr>
+            <a:cxnSpLocks/>
+            <a:stCxn id="76" idx="2"/>
+            <a:endCxn id="86" idx="0"/>
+          </p:cNvCxnSpPr>
+          <p:nvPr/>
+        </p:nvCxnSpPr>
+        <p:spPr>
+          <a:xfrm>
+            <a:off x="14764055" y="9677061"/>
+            <a:ext cx="0" cy="1856531"/>
+          </a:xfrm>
+          <a:prstGeom prst="straightConnector1">
+            <a:avLst/>
+          </a:prstGeom>
+          <a:ln w="28575">
+            <a:tailEnd type="arrow"/>
+          </a:ln>
+        </p:spPr>
+        <p:style>
+          <a:lnRef idx="1">
+            <a:schemeClr val="accent1"/>
+          </a:lnRef>
+          <a:fillRef idx="0">
+            <a:schemeClr val="accent1"/>
+          </a:fillRef>
+          <a:effectRef idx="0">
+            <a:schemeClr val="accent1"/>
+          </a:effectRef>
+          <a:fontRef idx="minor">
+            <a:schemeClr val="tx1"/>
+          </a:fontRef>
+        </p:style>
+      </p:cxnSp>
+      <p:sp>
+        <p:nvSpPr>
+          <p:cNvPr id="122" name="Прямоугольник 121">
+            <a:extLst>
+              <a:ext uri="{FF2B5EF4-FFF2-40B4-BE49-F238E27FC236}">
+                <a16:creationId xmlns:a16="http://schemas.microsoft.com/office/drawing/2014/main" id="{00B82B20-01B6-46D1-B449-47EF83B3CEB6}"/>
+              </a:ext>
+            </a:extLst>
+          </p:cNvPr>
+          <p:cNvSpPr/>
+          <p:nvPr/>
+        </p:nvSpPr>
+        <p:spPr>
+          <a:xfrm>
+            <a:off x="18675418" y="11533592"/>
+            <a:ext cx="2115918" cy="1080000"/>
+          </a:xfrm>
+          <a:prstGeom prst="rect">
+            <a:avLst/>
+          </a:prstGeom>
+          <a:solidFill>
+            <a:srgbClr val="FF0000"/>
+          </a:solidFill>
+          <a:ln w="28575"/>
+        </p:spPr>
+        <p:style>
+          <a:lnRef idx="2">
+            <a:schemeClr val="accent1"/>
+          </a:lnRef>
+          <a:fillRef idx="1">
+            <a:schemeClr val="lt1"/>
+          </a:fillRef>
+          <a:effectRef idx="0">
+            <a:schemeClr val="accent1"/>
+          </a:effectRef>
+          <a:fontRef idx="minor">
+            <a:schemeClr val="dk1"/>
+          </a:fontRef>
+        </p:style>
+        <p:txBody>
+          <a:bodyPr lIns="124733" tIns="62367" rIns="124733" bIns="62367" rtlCol="0" anchor="ctr"/>
+          <a:lstStyle/>
+          <a:p>
+            <a:pPr algn="ctr"/>
+            <a:r>
+              <a:rPr lang="ru-RU" sz="1400" dirty="0"/>
+              <a:t>Ради общего блага (ваниль)</a:t>
+            </a:r>
+          </a:p>
+        </p:txBody>
+      </p:sp>
+      <p:cxnSp>
+        <p:nvCxnSpPr>
+          <p:cNvPr id="123" name="Соединительная линия уступом 175">
+            <a:extLst>
+              <a:ext uri="{FF2B5EF4-FFF2-40B4-BE49-F238E27FC236}">
+                <a16:creationId xmlns:a16="http://schemas.microsoft.com/office/drawing/2014/main" id="{6F355A47-8469-4F71-96DD-B911272B628E}"/>
+              </a:ext>
+            </a:extLst>
+          </p:cNvPr>
+          <p:cNvCxnSpPr>
+            <a:cxnSpLocks/>
+            <a:stCxn id="98" idx="2"/>
+            <a:endCxn id="122" idx="0"/>
+          </p:cNvCxnSpPr>
+          <p:nvPr/>
+        </p:nvCxnSpPr>
+        <p:spPr>
+          <a:xfrm rot="16200000" flipH="1">
+            <a:off x="18893645" y="10693859"/>
+            <a:ext cx="436637" cy="1242827"/>
+          </a:xfrm>
+          <a:prstGeom prst="bentConnector3">
+            <a:avLst>
+              <a:gd name="adj1" fmla="val 50000"/>
+            </a:avLst>
+          </a:prstGeom>
+          <a:ln w="28575">
+            <a:tailEnd type="arrow"/>
+          </a:ln>
+        </p:spPr>
+        <p:style>
+          <a:lnRef idx="1">
+            <a:schemeClr val="accent1"/>
+          </a:lnRef>
+          <a:fillRef idx="0">
+            <a:schemeClr val="accent1"/>
+          </a:fillRef>
+          <a:effectRef idx="0">
+            <a:schemeClr val="accent1"/>
+          </a:effectRef>
+          <a:fontRef idx="minor">
+            <a:schemeClr val="tx1"/>
+          </a:fontRef>
+        </p:style>
+      </p:cxnSp>
+      <p:sp>
+        <p:nvSpPr>
+          <p:cNvPr id="127" name="Прямоугольник 126">
+            <a:extLst>
+              <a:ext uri="{FF2B5EF4-FFF2-40B4-BE49-F238E27FC236}">
+                <a16:creationId xmlns:a16="http://schemas.microsoft.com/office/drawing/2014/main" id="{2C8AA921-F932-4A1A-9545-B8BDDC7EA695}"/>
+              </a:ext>
+            </a:extLst>
+          </p:cNvPr>
+          <p:cNvSpPr/>
+          <p:nvPr/>
+        </p:nvSpPr>
+        <p:spPr>
+          <a:xfrm>
+            <a:off x="19916920" y="13050229"/>
+            <a:ext cx="2115918" cy="1080000"/>
+          </a:xfrm>
+          <a:prstGeom prst="rect">
+            <a:avLst/>
+          </a:prstGeom>
+          <a:solidFill>
+            <a:srgbClr val="FF0000"/>
+          </a:solidFill>
+          <a:ln w="28575"/>
+        </p:spPr>
+        <p:style>
+          <a:lnRef idx="2">
+            <a:schemeClr val="accent1"/>
+          </a:lnRef>
+          <a:fillRef idx="1">
+            <a:schemeClr val="lt1"/>
+          </a:fillRef>
+          <a:effectRef idx="0">
+            <a:schemeClr val="accent1"/>
+          </a:effectRef>
+          <a:fontRef idx="minor">
+            <a:schemeClr val="dk1"/>
+          </a:fontRef>
+        </p:style>
+        <p:txBody>
+          <a:bodyPr lIns="124733" tIns="62367" rIns="124733" bIns="62367" rtlCol="0" anchor="ctr"/>
+          <a:lstStyle/>
+          <a:p>
+            <a:pPr algn="ctr"/>
+            <a:r>
+              <a:rPr lang="ru-RU" sz="1400" dirty="0"/>
+              <a:t>Охват Европы (ваниль)</a:t>
+            </a:r>
+          </a:p>
+        </p:txBody>
+      </p:sp>
+      <p:sp>
+        <p:nvSpPr>
+          <p:cNvPr id="128" name="Прямоугольник 127">
+            <a:extLst>
+              <a:ext uri="{FF2B5EF4-FFF2-40B4-BE49-F238E27FC236}">
+                <a16:creationId xmlns:a16="http://schemas.microsoft.com/office/drawing/2014/main" id="{178DB374-FAC3-4ABA-8346-6E2F0A705F12}"/>
+              </a:ext>
+            </a:extLst>
+          </p:cNvPr>
+          <p:cNvSpPr/>
+          <p:nvPr/>
+        </p:nvSpPr>
+        <p:spPr>
+          <a:xfrm>
+            <a:off x="17432591" y="13050227"/>
+            <a:ext cx="2115918" cy="1080000"/>
+          </a:xfrm>
+          <a:prstGeom prst="rect">
+            <a:avLst/>
+          </a:prstGeom>
+          <a:solidFill>
+            <a:srgbClr val="FF0000"/>
+          </a:solidFill>
+          <a:ln w="28575"/>
+        </p:spPr>
+        <p:style>
+          <a:lnRef idx="2">
+            <a:schemeClr val="accent1"/>
+          </a:lnRef>
+          <a:fillRef idx="1">
+            <a:schemeClr val="lt1"/>
+          </a:fillRef>
+          <a:effectRef idx="0">
+            <a:schemeClr val="accent1"/>
+          </a:effectRef>
+          <a:fontRef idx="minor">
+            <a:schemeClr val="dk1"/>
+          </a:fontRef>
+        </p:style>
+        <p:txBody>
+          <a:bodyPr lIns="124733" tIns="62367" rIns="124733" bIns="62367" rtlCol="0" anchor="ctr"/>
+          <a:lstStyle/>
+          <a:p>
+            <a:pPr algn="ctr"/>
+            <a:r>
+              <a:rPr lang="ru-RU" sz="1400" dirty="0"/>
+              <a:t>Мобилизация населения (ваниль)</a:t>
+            </a:r>
+          </a:p>
+        </p:txBody>
+      </p:sp>
+      <p:sp>
+        <p:nvSpPr>
+          <p:cNvPr id="129" name="Прямоугольник 128">
+            <a:extLst>
+              <a:ext uri="{FF2B5EF4-FFF2-40B4-BE49-F238E27FC236}">
+                <a16:creationId xmlns:a16="http://schemas.microsoft.com/office/drawing/2014/main" id="{82A82A01-8FF6-4A47-B321-65E8CC8B6E04}"/>
+              </a:ext>
+            </a:extLst>
+          </p:cNvPr>
+          <p:cNvSpPr/>
+          <p:nvPr/>
+        </p:nvSpPr>
+        <p:spPr>
+          <a:xfrm>
+            <a:off x="14948261" y="13050227"/>
+            <a:ext cx="2115918" cy="1080000"/>
+          </a:xfrm>
+          <a:prstGeom prst="rect">
+            <a:avLst/>
+          </a:prstGeom>
+          <a:solidFill>
+            <a:srgbClr val="FF0000"/>
+          </a:solidFill>
+          <a:ln w="28575"/>
+        </p:spPr>
+        <p:style>
+          <a:lnRef idx="2">
+            <a:schemeClr val="accent1"/>
+          </a:lnRef>
+          <a:fillRef idx="1">
+            <a:schemeClr val="lt1"/>
+          </a:fillRef>
+          <a:effectRef idx="0">
+            <a:schemeClr val="accent1"/>
+          </a:effectRef>
+          <a:fontRef idx="minor">
+            <a:schemeClr val="dk1"/>
+          </a:fontRef>
+        </p:style>
+        <p:txBody>
+          <a:bodyPr lIns="124733" tIns="62367" rIns="124733" bIns="62367" rtlCol="0" anchor="ctr"/>
+          <a:lstStyle/>
+          <a:p>
+            <a:pPr algn="ctr"/>
+            <a:r>
+              <a:rPr lang="ru-RU" sz="1400" dirty="0"/>
+              <a:t>Предотвращение вторжения с запада (ваниль)</a:t>
+            </a:r>
+          </a:p>
+        </p:txBody>
+      </p:sp>
+      <p:cxnSp>
+        <p:nvCxnSpPr>
+          <p:cNvPr id="130" name="Прямая со стрелкой 129">
+            <a:extLst>
+              <a:ext uri="{FF2B5EF4-FFF2-40B4-BE49-F238E27FC236}">
+                <a16:creationId xmlns:a16="http://schemas.microsoft.com/office/drawing/2014/main" id="{A2D855F9-0C43-4A65-BB15-CBC55839DB42}"/>
+              </a:ext>
+            </a:extLst>
+          </p:cNvPr>
+          <p:cNvCxnSpPr>
+            <a:cxnSpLocks/>
+            <a:stCxn id="86" idx="2"/>
+            <a:endCxn id="87" idx="0"/>
+          </p:cNvCxnSpPr>
+          <p:nvPr/>
+        </p:nvCxnSpPr>
+        <p:spPr>
+          <a:xfrm>
+            <a:off x="14764055" y="12613592"/>
+            <a:ext cx="0" cy="1953270"/>
+          </a:xfrm>
+          <a:prstGeom prst="straightConnector1">
+            <a:avLst/>
+          </a:prstGeom>
+          <a:ln w="28575">
+            <a:tailEnd type="arrow"/>
+          </a:ln>
+        </p:spPr>
+        <p:style>
+          <a:lnRef idx="1">
+            <a:schemeClr val="accent1"/>
+          </a:lnRef>
+          <a:fillRef idx="0">
+            <a:schemeClr val="accent1"/>
+          </a:fillRef>
+          <a:effectRef idx="0">
+            <a:schemeClr val="accent1"/>
+          </a:effectRef>
+          <a:fontRef idx="minor">
+            <a:schemeClr val="tx1"/>
+          </a:fontRef>
+        </p:style>
+      </p:cxnSp>
+      <p:cxnSp>
+        <p:nvCxnSpPr>
+          <p:cNvPr id="135" name="Соединительная линия уступом 175">
+            <a:extLst>
+              <a:ext uri="{FF2B5EF4-FFF2-40B4-BE49-F238E27FC236}">
+                <a16:creationId xmlns:a16="http://schemas.microsoft.com/office/drawing/2014/main" id="{44788654-1266-46F8-AAB6-811F47CF57D4}"/>
+              </a:ext>
+            </a:extLst>
+          </p:cNvPr>
+          <p:cNvCxnSpPr>
+            <a:cxnSpLocks/>
+            <a:stCxn id="86" idx="2"/>
+            <a:endCxn id="129" idx="0"/>
+          </p:cNvCxnSpPr>
+          <p:nvPr/>
+        </p:nvCxnSpPr>
+        <p:spPr>
+          <a:xfrm rot="16200000" flipH="1">
+            <a:off x="15166820" y="12210826"/>
+            <a:ext cx="436635" cy="1242165"/>
+          </a:xfrm>
+          <a:prstGeom prst="bentConnector3">
+            <a:avLst>
+              <a:gd name="adj1" fmla="val 50000"/>
+            </a:avLst>
+          </a:prstGeom>
+          <a:ln w="28575">
+            <a:prstDash val="dash"/>
+            <a:tailEnd type="arrow"/>
+          </a:ln>
+        </p:spPr>
+        <p:style>
+          <a:lnRef idx="1">
+            <a:schemeClr val="accent1"/>
+          </a:lnRef>
+          <a:fillRef idx="0">
+            <a:schemeClr val="accent1"/>
+          </a:fillRef>
+          <a:effectRef idx="0">
+            <a:schemeClr val="accent1"/>
+          </a:effectRef>
+          <a:fontRef idx="minor">
+            <a:schemeClr val="tx1"/>
+          </a:fontRef>
+        </p:style>
+      </p:cxnSp>
+      <p:cxnSp>
+        <p:nvCxnSpPr>
+          <p:cNvPr id="139" name="Соединительная линия уступом 175">
+            <a:extLst>
+              <a:ext uri="{FF2B5EF4-FFF2-40B4-BE49-F238E27FC236}">
+                <a16:creationId xmlns:a16="http://schemas.microsoft.com/office/drawing/2014/main" id="{85069044-19C7-46CB-9A0B-488541687834}"/>
+              </a:ext>
+            </a:extLst>
+          </p:cNvPr>
+          <p:cNvCxnSpPr>
+            <a:cxnSpLocks/>
+            <a:stCxn id="109" idx="2"/>
+            <a:endCxn id="129" idx="0"/>
+          </p:cNvCxnSpPr>
+          <p:nvPr/>
+        </p:nvCxnSpPr>
+        <p:spPr>
+          <a:xfrm rot="5400000">
+            <a:off x="16409730" y="12210082"/>
+            <a:ext cx="436635" cy="1243654"/>
+          </a:xfrm>
+          <a:prstGeom prst="bentConnector3">
+            <a:avLst>
+              <a:gd name="adj1" fmla="val 50000"/>
+            </a:avLst>
+          </a:prstGeom>
+          <a:ln w="28575">
+            <a:prstDash val="dash"/>
+            <a:tailEnd type="arrow"/>
+          </a:ln>
+        </p:spPr>
+        <p:style>
+          <a:lnRef idx="1">
+            <a:schemeClr val="accent1"/>
+          </a:lnRef>
+          <a:fillRef idx="0">
+            <a:schemeClr val="accent1"/>
+          </a:fillRef>
+          <a:effectRef idx="0">
+            <a:schemeClr val="accent1"/>
+          </a:effectRef>
+          <a:fontRef idx="minor">
+            <a:schemeClr val="tx1"/>
+          </a:fontRef>
+        </p:style>
+      </p:cxnSp>
+      <p:cxnSp>
+        <p:nvCxnSpPr>
+          <p:cNvPr id="142" name="Прямая со стрелкой 141">
+            <a:extLst>
+              <a:ext uri="{FF2B5EF4-FFF2-40B4-BE49-F238E27FC236}">
+                <a16:creationId xmlns:a16="http://schemas.microsoft.com/office/drawing/2014/main" id="{6536D1FA-7528-4172-9601-036B7E2C3738}"/>
+              </a:ext>
+            </a:extLst>
+          </p:cNvPr>
+          <p:cNvCxnSpPr>
+            <a:cxnSpLocks/>
+            <a:stCxn id="98" idx="2"/>
+            <a:endCxn id="128" idx="0"/>
+          </p:cNvCxnSpPr>
+          <p:nvPr/>
+        </p:nvCxnSpPr>
+        <p:spPr>
+          <a:xfrm>
+            <a:off x="18490550" y="11096955"/>
+            <a:ext cx="0" cy="1953272"/>
+          </a:xfrm>
+          <a:prstGeom prst="straightConnector1">
+            <a:avLst/>
+          </a:prstGeom>
+          <a:ln w="28575">
+            <a:tailEnd type="arrow"/>
+          </a:ln>
+        </p:spPr>
+        <p:style>
+          <a:lnRef idx="1">
+            <a:schemeClr val="accent1"/>
+          </a:lnRef>
+          <a:fillRef idx="0">
+            <a:schemeClr val="accent1"/>
+          </a:fillRef>
+          <a:effectRef idx="0">
+            <a:schemeClr val="accent1"/>
+          </a:effectRef>
+          <a:fontRef idx="minor">
+            <a:schemeClr val="tx1"/>
+          </a:fontRef>
+        </p:style>
+      </p:cxnSp>
+      <p:cxnSp>
+        <p:nvCxnSpPr>
+          <p:cNvPr id="145" name="Прямая со стрелкой 144">
+            <a:extLst>
+              <a:ext uri="{FF2B5EF4-FFF2-40B4-BE49-F238E27FC236}">
+                <a16:creationId xmlns:a16="http://schemas.microsoft.com/office/drawing/2014/main" id="{FB6F681C-043A-494C-9EAB-17EDF7B8E150}"/>
+              </a:ext>
+            </a:extLst>
+          </p:cNvPr>
+          <p:cNvCxnSpPr>
+            <a:cxnSpLocks/>
+            <a:stCxn id="105" idx="2"/>
+            <a:endCxn id="127" idx="0"/>
+          </p:cNvCxnSpPr>
+          <p:nvPr/>
+        </p:nvCxnSpPr>
+        <p:spPr>
+          <a:xfrm>
+            <a:off x="20974879" y="11096955"/>
+            <a:ext cx="0" cy="1953274"/>
+          </a:xfrm>
+          <a:prstGeom prst="straightConnector1">
+            <a:avLst/>
+          </a:prstGeom>
+          <a:ln w="28575">
+            <a:tailEnd type="arrow"/>
+          </a:ln>
+        </p:spPr>
+        <p:style>
+          <a:lnRef idx="1">
+            <a:schemeClr val="accent1"/>
+          </a:lnRef>
+          <a:fillRef idx="0">
+            <a:schemeClr val="accent1"/>
+          </a:fillRef>
+          <a:effectRef idx="0">
+            <a:schemeClr val="accent1"/>
+          </a:effectRef>
+          <a:fontRef idx="minor">
+            <a:schemeClr val="tx1"/>
+          </a:fontRef>
+        </p:style>
+      </p:cxnSp>
+      <p:cxnSp>
+        <p:nvCxnSpPr>
+          <p:cNvPr id="151" name="Прямая со стрелкой 150">
+            <a:extLst>
+              <a:ext uri="{FF2B5EF4-FFF2-40B4-BE49-F238E27FC236}">
+                <a16:creationId xmlns:a16="http://schemas.microsoft.com/office/drawing/2014/main" id="{CB990A1F-0C6E-4CF4-8211-8F83EB0CD0B9}"/>
+              </a:ext>
+            </a:extLst>
+          </p:cNvPr>
+          <p:cNvCxnSpPr>
+            <a:cxnSpLocks/>
+            <a:stCxn id="172" idx="2"/>
+            <a:endCxn id="76" idx="0"/>
+          </p:cNvCxnSpPr>
+          <p:nvPr/>
+        </p:nvCxnSpPr>
+        <p:spPr>
+          <a:xfrm>
+            <a:off x="14760966" y="8161191"/>
+            <a:ext cx="3089" cy="435870"/>
+          </a:xfrm>
+          <a:prstGeom prst="straightConnector1">
+            <a:avLst/>
+          </a:prstGeom>
+          <a:ln w="28575">
+            <a:tailEnd type="arrow"/>
+          </a:ln>
+        </p:spPr>
+        <p:style>
+          <a:lnRef idx="1">
+            <a:schemeClr val="accent1"/>
+          </a:lnRef>
+          <a:fillRef idx="0">
+            <a:schemeClr val="accent1"/>
+          </a:fillRef>
+          <a:effectRef idx="0">
+            <a:schemeClr val="accent1"/>
+          </a:effectRef>
+          <a:fontRef idx="minor">
+            <a:schemeClr val="tx1"/>
+          </a:fontRef>
+        </p:style>
+      </p:cxnSp>
+      <p:cxnSp>
+        <p:nvCxnSpPr>
+          <p:cNvPr id="154" name="Прямая со стрелкой 153">
+            <a:extLst>
+              <a:ext uri="{FF2B5EF4-FFF2-40B4-BE49-F238E27FC236}">
+                <a16:creationId xmlns:a16="http://schemas.microsoft.com/office/drawing/2014/main" id="{5DCB8012-FFB7-4026-9209-C91A7E1D849E}"/>
+              </a:ext>
+            </a:extLst>
+          </p:cNvPr>
+          <p:cNvCxnSpPr>
+            <a:cxnSpLocks/>
+            <a:stCxn id="75" idx="2"/>
+            <a:endCxn id="172" idx="0"/>
+          </p:cNvCxnSpPr>
+          <p:nvPr/>
+        </p:nvCxnSpPr>
+        <p:spPr>
+          <a:xfrm>
+            <a:off x="14760966" y="6746930"/>
+            <a:ext cx="0" cy="334261"/>
+          </a:xfrm>
+          <a:prstGeom prst="straightConnector1">
+            <a:avLst/>
+          </a:prstGeom>
+          <a:ln w="28575">
+            <a:tailEnd type="arrow"/>
+          </a:ln>
+        </p:spPr>
+        <p:style>
+          <a:lnRef idx="1">
+            <a:schemeClr val="accent1"/>
+          </a:lnRef>
+          <a:fillRef idx="0">
+            <a:schemeClr val="accent1"/>
+          </a:fillRef>
+          <a:effectRef idx="0">
+            <a:schemeClr val="accent1"/>
+          </a:effectRef>
+          <a:fontRef idx="minor">
+            <a:schemeClr val="tx1"/>
+          </a:fontRef>
+        </p:style>
+      </p:cxnSp>
+      <p:cxnSp>
+        <p:nvCxnSpPr>
+          <p:cNvPr id="158" name="Соединительная линия уступом 175">
+            <a:extLst>
+              <a:ext uri="{FF2B5EF4-FFF2-40B4-BE49-F238E27FC236}">
+                <a16:creationId xmlns:a16="http://schemas.microsoft.com/office/drawing/2014/main" id="{E8157327-8648-49F3-8DE4-19E4F490A684}"/>
+              </a:ext>
+            </a:extLst>
+          </p:cNvPr>
+          <p:cNvCxnSpPr>
+            <a:cxnSpLocks/>
+            <a:stCxn id="172" idx="2"/>
+            <a:endCxn id="77" idx="0"/>
+          </p:cNvCxnSpPr>
+          <p:nvPr/>
+        </p:nvCxnSpPr>
+        <p:spPr>
+          <a:xfrm rot="16200000" flipH="1">
+            <a:off x="15786740" y="7135416"/>
+            <a:ext cx="435870" cy="2487419"/>
+          </a:xfrm>
+          <a:prstGeom prst="bentConnector3">
+            <a:avLst>
+              <a:gd name="adj1" fmla="val 50000"/>
+            </a:avLst>
+          </a:prstGeom>
+          <a:ln w="28575">
+            <a:tailEnd type="arrow"/>
+          </a:ln>
+        </p:spPr>
+        <p:style>
+          <a:lnRef idx="1">
+            <a:schemeClr val="accent1"/>
+          </a:lnRef>
+          <a:fillRef idx="0">
+            <a:schemeClr val="accent1"/>
+          </a:fillRef>
+          <a:effectRef idx="0">
+            <a:schemeClr val="accent1"/>
+          </a:effectRef>
+          <a:fontRef idx="minor">
+            <a:schemeClr val="tx1"/>
+          </a:fontRef>
+        </p:style>
+      </p:cxnSp>
+      <p:cxnSp>
+        <p:nvCxnSpPr>
+          <p:cNvPr id="161" name="Соединительная линия уступом 175">
+            <a:extLst>
+              <a:ext uri="{FF2B5EF4-FFF2-40B4-BE49-F238E27FC236}">
+                <a16:creationId xmlns:a16="http://schemas.microsoft.com/office/drawing/2014/main" id="{531D3F99-DB21-4AC6-9713-341BAC625A42}"/>
+              </a:ext>
+            </a:extLst>
+          </p:cNvPr>
+          <p:cNvCxnSpPr>
+            <a:cxnSpLocks/>
+            <a:stCxn id="172" idx="2"/>
+            <a:endCxn id="79" idx="0"/>
+          </p:cNvCxnSpPr>
+          <p:nvPr/>
+        </p:nvCxnSpPr>
+        <p:spPr>
+          <a:xfrm rot="16200000" flipH="1">
+            <a:off x="17028905" y="5893251"/>
+            <a:ext cx="435870" cy="4971749"/>
+          </a:xfrm>
+          <a:prstGeom prst="bentConnector3">
+            <a:avLst>
+              <a:gd name="adj1" fmla="val 50000"/>
+            </a:avLst>
+          </a:prstGeom>
+          <a:ln w="28575">
+            <a:tailEnd type="arrow"/>
+          </a:ln>
+        </p:spPr>
+        <p:style>
+          <a:lnRef idx="1">
+            <a:schemeClr val="accent1"/>
+          </a:lnRef>
+          <a:fillRef idx="0">
+            <a:schemeClr val="accent1"/>
+          </a:fillRef>
+          <a:effectRef idx="0">
+            <a:schemeClr val="accent1"/>
+          </a:effectRef>
+          <a:fontRef idx="minor">
+            <a:schemeClr val="tx1"/>
+          </a:fontRef>
+        </p:style>
+      </p:cxnSp>
+      <p:cxnSp>
+        <p:nvCxnSpPr>
+          <p:cNvPr id="164" name="Соединительная линия уступом 175">
+            <a:extLst>
+              <a:ext uri="{FF2B5EF4-FFF2-40B4-BE49-F238E27FC236}">
+                <a16:creationId xmlns:a16="http://schemas.microsoft.com/office/drawing/2014/main" id="{C94FFDB8-49C1-4D0C-8FB5-C22769AFBC43}"/>
+              </a:ext>
+            </a:extLst>
+          </p:cNvPr>
+          <p:cNvCxnSpPr>
+            <a:cxnSpLocks/>
+            <a:stCxn id="126" idx="2"/>
+            <a:endCxn id="187" idx="0"/>
+          </p:cNvCxnSpPr>
+          <p:nvPr/>
+        </p:nvCxnSpPr>
+        <p:spPr>
+          <a:xfrm rot="16200000" flipH="1">
+            <a:off x="9571051" y="1545428"/>
+            <a:ext cx="428543" cy="4955095"/>
+          </a:xfrm>
+          <a:prstGeom prst="bentConnector3">
+            <a:avLst>
+              <a:gd name="adj1" fmla="val 50000"/>
+            </a:avLst>
+          </a:prstGeom>
+          <a:ln w="28575">
+            <a:prstDash val="dash"/>
+            <a:tailEnd type="arrow"/>
+          </a:ln>
+        </p:spPr>
+        <p:style>
+          <a:lnRef idx="1">
+            <a:schemeClr val="accent1"/>
+          </a:lnRef>
+          <a:fillRef idx="0">
+            <a:schemeClr val="accent1"/>
+          </a:fillRef>
+          <a:effectRef idx="0">
+            <a:schemeClr val="accent1"/>
+          </a:effectRef>
+          <a:fontRef idx="minor">
+            <a:schemeClr val="tx1"/>
+          </a:fontRef>
+        </p:style>
+      </p:cxnSp>
+      <p:cxnSp>
+        <p:nvCxnSpPr>
+          <p:cNvPr id="166" name="Соединительная линия уступом 175">
+            <a:extLst>
+              <a:ext uri="{FF2B5EF4-FFF2-40B4-BE49-F238E27FC236}">
+                <a16:creationId xmlns:a16="http://schemas.microsoft.com/office/drawing/2014/main" id="{A5F57189-2A0A-4F3C-841E-77B4637A3176}"/>
+              </a:ext>
+            </a:extLst>
+          </p:cNvPr>
+          <p:cNvCxnSpPr>
+            <a:cxnSpLocks/>
+            <a:stCxn id="70" idx="2"/>
+            <a:endCxn id="187" idx="0"/>
+          </p:cNvCxnSpPr>
+          <p:nvPr/>
+        </p:nvCxnSpPr>
+        <p:spPr>
+          <a:xfrm rot="5400000">
+            <a:off x="13297647" y="2773928"/>
+            <a:ext cx="428543" cy="2498096"/>
+          </a:xfrm>
+          <a:prstGeom prst="bentConnector3">
+            <a:avLst>
+              <a:gd name="adj1" fmla="val 50000"/>
+            </a:avLst>
+          </a:prstGeom>
+          <a:ln w="28575">
+            <a:prstDash val="dash"/>
+            <a:tailEnd type="arrow"/>
+          </a:ln>
+        </p:spPr>
+        <p:style>
+          <a:lnRef idx="1">
+            <a:schemeClr val="accent1"/>
+          </a:lnRef>
+          <a:fillRef idx="0">
+            <a:schemeClr val="accent1"/>
+          </a:fillRef>
+          <a:effectRef idx="0">
+            <a:schemeClr val="accent1"/>
+          </a:effectRef>
+          <a:fontRef idx="minor">
+            <a:schemeClr val="tx1"/>
+          </a:fontRef>
+        </p:style>
+      </p:cxnSp>
+      <p:sp>
+        <p:nvSpPr>
+          <p:cNvPr id="172" name="Прямоугольник 171">
+            <a:extLst>
+              <a:ext uri="{FF2B5EF4-FFF2-40B4-BE49-F238E27FC236}">
+                <a16:creationId xmlns:a16="http://schemas.microsoft.com/office/drawing/2014/main" id="{206E6E16-51FB-496F-AC8C-3FAC2ED0C8F8}"/>
+              </a:ext>
+            </a:extLst>
+          </p:cNvPr>
+          <p:cNvSpPr/>
+          <p:nvPr/>
+        </p:nvSpPr>
+        <p:spPr>
+          <a:xfrm>
+            <a:off x="13703007" y="7081191"/>
+            <a:ext cx="2115918" cy="1080000"/>
+          </a:xfrm>
+          <a:prstGeom prst="rect">
+            <a:avLst/>
+          </a:prstGeom>
+          <a:solidFill>
+            <a:srgbClr val="FF0000"/>
+          </a:solidFill>
+          <a:ln w="28575"/>
+        </p:spPr>
+        <p:style>
+          <a:lnRef idx="2">
+            <a:schemeClr val="accent1"/>
+          </a:lnRef>
+          <a:fillRef idx="1">
+            <a:schemeClr val="lt1"/>
+          </a:fillRef>
+          <a:effectRef idx="0">
+            <a:schemeClr val="accent1"/>
+          </a:effectRef>
+          <a:fontRef idx="minor">
+            <a:schemeClr val="dk1"/>
+          </a:fontRef>
+        </p:style>
+        <p:txBody>
+          <a:bodyPr lIns="124733" tIns="62367" rIns="124733" bIns="62367" rtlCol="0" anchor="ctr"/>
+          <a:lstStyle/>
+          <a:p>
+            <a:pPr algn="ctr"/>
+            <a:r>
+              <a:rPr lang="ru-RU" sz="1400" dirty="0"/>
+              <a:t>Партия – авангард социализма </a:t>
+            </a:r>
+            <a:r>
+              <a:rPr lang="ru-RU" sz="900" dirty="0"/>
+              <a:t>(выступало за свержение государства авангардной партией, которая привела бы страну к социализму.)</a:t>
+            </a:r>
+            <a:endParaRPr lang="ru-RU" sz="1400" dirty="0"/>
+          </a:p>
+        </p:txBody>
+      </p:sp>
+      <p:sp>
+        <p:nvSpPr>
+          <p:cNvPr id="175" name="Прямоугольник 174">
+            <a:extLst>
+              <a:ext uri="{FF2B5EF4-FFF2-40B4-BE49-F238E27FC236}">
+                <a16:creationId xmlns:a16="http://schemas.microsoft.com/office/drawing/2014/main" id="{BE21280F-D58C-4382-A068-7A1656288725}"/>
+              </a:ext>
+            </a:extLst>
+          </p:cNvPr>
+          <p:cNvSpPr/>
+          <p:nvPr/>
+        </p:nvSpPr>
+        <p:spPr>
+          <a:xfrm>
+            <a:off x="16196581" y="7088052"/>
+            <a:ext cx="2115918" cy="1080000"/>
+          </a:xfrm>
+          <a:prstGeom prst="rect">
+            <a:avLst/>
+          </a:prstGeom>
+          <a:solidFill>
+            <a:srgbClr val="FF0000"/>
+          </a:solidFill>
+          <a:ln w="28575"/>
+        </p:spPr>
+        <p:style>
+          <a:lnRef idx="2">
+            <a:schemeClr val="accent1"/>
+          </a:lnRef>
+          <a:fillRef idx="1">
+            <a:schemeClr val="lt1"/>
+          </a:fillRef>
+          <a:effectRef idx="0">
+            <a:schemeClr val="accent1"/>
+          </a:effectRef>
+          <a:fontRef idx="minor">
+            <a:schemeClr val="dk1"/>
+          </a:fontRef>
+        </p:style>
+        <p:txBody>
+          <a:bodyPr lIns="124733" tIns="62367" rIns="124733" bIns="62367" rtlCol="0" anchor="ctr"/>
+          <a:lstStyle/>
+          <a:p>
+            <a:pPr algn="ctr"/>
+            <a:r>
+              <a:rPr lang="ru-RU" sz="1400" dirty="0"/>
+              <a:t>Повышение заработных плат</a:t>
+            </a:r>
+          </a:p>
+        </p:txBody>
+      </p:sp>
+      <p:sp>
+        <p:nvSpPr>
+          <p:cNvPr id="178" name="Прямоугольник 177">
+            <a:extLst>
+              <a:ext uri="{FF2B5EF4-FFF2-40B4-BE49-F238E27FC236}">
+                <a16:creationId xmlns:a16="http://schemas.microsoft.com/office/drawing/2014/main" id="{ED7AFBD4-6267-44B4-BE82-F4761361604E}"/>
+              </a:ext>
+            </a:extLst>
+          </p:cNvPr>
+          <p:cNvSpPr/>
+          <p:nvPr/>
+        </p:nvSpPr>
+        <p:spPr>
+          <a:xfrm>
+            <a:off x="16231957" y="5658864"/>
+            <a:ext cx="2115918" cy="1080000"/>
+          </a:xfrm>
+          <a:prstGeom prst="rect">
+            <a:avLst/>
+          </a:prstGeom>
+          <a:solidFill>
+            <a:srgbClr val="FF0000"/>
+          </a:solidFill>
+          <a:ln w="28575"/>
+        </p:spPr>
+        <p:style>
+          <a:lnRef idx="2">
+            <a:schemeClr val="accent1"/>
+          </a:lnRef>
+          <a:fillRef idx="1">
+            <a:schemeClr val="lt1"/>
+          </a:fillRef>
+          <a:effectRef idx="0">
+            <a:schemeClr val="accent1"/>
+          </a:effectRef>
+          <a:fontRef idx="minor">
+            <a:schemeClr val="dk1"/>
+          </a:fontRef>
+        </p:style>
+        <p:txBody>
+          <a:bodyPr lIns="124733" tIns="62367" rIns="124733" bIns="62367" rtlCol="0" anchor="ctr"/>
+          <a:lstStyle/>
+          <a:p>
+            <a:pPr algn="ctr"/>
+            <a:r>
+              <a:rPr lang="ru-RU" sz="1400" dirty="0"/>
+              <a:t>Снижение цен</a:t>
+            </a:r>
+          </a:p>
+        </p:txBody>
+      </p:sp>
+      <p:sp>
+        <p:nvSpPr>
+          <p:cNvPr id="179" name="Прямоугольник 178">
+            <a:extLst>
+              <a:ext uri="{FF2B5EF4-FFF2-40B4-BE49-F238E27FC236}">
+                <a16:creationId xmlns:a16="http://schemas.microsoft.com/office/drawing/2014/main" id="{421A3645-29DB-433F-9139-7708C3C42019}"/>
+              </a:ext>
+            </a:extLst>
+          </p:cNvPr>
+          <p:cNvSpPr/>
+          <p:nvPr/>
+        </p:nvSpPr>
+        <p:spPr>
+          <a:xfrm>
+            <a:off x="18674756" y="7078759"/>
+            <a:ext cx="2115918" cy="1080000"/>
+          </a:xfrm>
+          <a:prstGeom prst="rect">
+            <a:avLst/>
+          </a:prstGeom>
+          <a:solidFill>
+            <a:srgbClr val="FF0000"/>
+          </a:solidFill>
+          <a:ln w="28575"/>
+        </p:spPr>
+        <p:style>
+          <a:lnRef idx="2">
+            <a:schemeClr val="accent1"/>
+          </a:lnRef>
+          <a:fillRef idx="1">
+            <a:schemeClr val="lt1"/>
+          </a:fillRef>
+          <a:effectRef idx="0">
+            <a:schemeClr val="accent1"/>
+          </a:effectRef>
+          <a:fontRef idx="minor">
+            <a:schemeClr val="dk1"/>
+          </a:fontRef>
+        </p:style>
+        <p:txBody>
+          <a:bodyPr lIns="124733" tIns="62367" rIns="124733" bIns="62367" rtlCol="0" anchor="ctr"/>
+          <a:lstStyle/>
+          <a:p>
+            <a:pPr algn="ctr"/>
+            <a:r>
+              <a:rPr lang="ru-RU" sz="1400" dirty="0"/>
+              <a:t>Улучшение условий труда на фабриках</a:t>
+            </a:r>
+          </a:p>
+        </p:txBody>
+      </p:sp>
+      <p:sp>
+        <p:nvSpPr>
+          <p:cNvPr id="182" name="Прямоугольник 181">
+            <a:extLst>
+              <a:ext uri="{FF2B5EF4-FFF2-40B4-BE49-F238E27FC236}">
+                <a16:creationId xmlns:a16="http://schemas.microsoft.com/office/drawing/2014/main" id="{3C9089C5-6431-449E-BB4E-FDF5381B5E8D}"/>
+              </a:ext>
+            </a:extLst>
+          </p:cNvPr>
+          <p:cNvSpPr/>
+          <p:nvPr/>
+        </p:nvSpPr>
+        <p:spPr>
+          <a:xfrm>
+            <a:off x="18671464" y="4237248"/>
+            <a:ext cx="2115918" cy="1080000"/>
+          </a:xfrm>
+          <a:prstGeom prst="rect">
+            <a:avLst/>
+          </a:prstGeom>
+          <a:solidFill>
+            <a:srgbClr val="FF0000"/>
+          </a:solidFill>
+          <a:ln w="28575"/>
+        </p:spPr>
+        <p:style>
+          <a:lnRef idx="2">
+            <a:schemeClr val="accent1"/>
+          </a:lnRef>
+          <a:fillRef idx="1">
+            <a:schemeClr val="lt1"/>
+          </a:fillRef>
+          <a:effectRef idx="0">
+            <a:schemeClr val="accent1"/>
+          </a:effectRef>
+          <a:fontRef idx="minor">
+            <a:schemeClr val="dk1"/>
+          </a:fontRef>
+        </p:style>
+        <p:txBody>
+          <a:bodyPr lIns="124733" tIns="62367" rIns="124733" bIns="62367" rtlCol="0" anchor="ctr"/>
+          <a:lstStyle/>
+          <a:p>
+            <a:pPr algn="ctr"/>
+            <a:r>
+              <a:rPr lang="ru-RU" sz="1400" dirty="0"/>
+              <a:t>Национализация важных отраслей </a:t>
+            </a:r>
+            <a:r>
+              <a:rPr lang="ru-RU" sz="1000" dirty="0"/>
+              <a:t>(По их мнению, важные отрасли промышленности должны быть национализированы в краткосрочной перспективе)</a:t>
+            </a:r>
+            <a:endParaRPr lang="ru-RU" sz="1400" dirty="0"/>
+          </a:p>
+        </p:txBody>
+      </p:sp>
+      <p:sp>
+        <p:nvSpPr>
+          <p:cNvPr id="184" name="Прямоугольник 183">
+            <a:extLst>
+              <a:ext uri="{FF2B5EF4-FFF2-40B4-BE49-F238E27FC236}">
+                <a16:creationId xmlns:a16="http://schemas.microsoft.com/office/drawing/2014/main" id="{FAB57595-DAD8-4228-A243-2E6968097139}"/>
+              </a:ext>
+            </a:extLst>
+          </p:cNvPr>
+          <p:cNvSpPr/>
+          <p:nvPr/>
+        </p:nvSpPr>
+        <p:spPr>
+          <a:xfrm>
+            <a:off x="18671464" y="5666930"/>
+            <a:ext cx="2115918" cy="1080000"/>
+          </a:xfrm>
+          <a:prstGeom prst="rect">
+            <a:avLst/>
+          </a:prstGeom>
+          <a:solidFill>
+            <a:srgbClr val="FF0000"/>
+          </a:solidFill>
+          <a:ln w="28575"/>
+        </p:spPr>
+        <p:style>
+          <a:lnRef idx="2">
+            <a:schemeClr val="accent1"/>
+          </a:lnRef>
+          <a:fillRef idx="1">
+            <a:schemeClr val="lt1"/>
+          </a:fillRef>
+          <a:effectRef idx="0">
+            <a:schemeClr val="accent1"/>
+          </a:effectRef>
+          <a:fontRef idx="minor">
+            <a:schemeClr val="dk1"/>
+          </a:fontRef>
+        </p:style>
+        <p:txBody>
+          <a:bodyPr lIns="124733" tIns="62367" rIns="124733" bIns="62367" rtlCol="0" anchor="ctr"/>
+          <a:lstStyle/>
+          <a:p>
+            <a:pPr algn="ctr"/>
+            <a:r>
+              <a:rPr lang="ru-RU" sz="1400" dirty="0"/>
+              <a:t>Национализация всей экономики </a:t>
+            </a:r>
+            <a:r>
+              <a:rPr lang="ru-RU" sz="1000" dirty="0"/>
+              <a:t>(в долгосрочной перспективе должна быть запланирована вся экономика)</a:t>
+            </a:r>
+            <a:endParaRPr lang="ru-RU" sz="1400" dirty="0"/>
+          </a:p>
+        </p:txBody>
+      </p:sp>
+      <p:sp>
+        <p:nvSpPr>
+          <p:cNvPr id="185" name="Прямоугольник 184">
+            <a:extLst>
+              <a:ext uri="{FF2B5EF4-FFF2-40B4-BE49-F238E27FC236}">
+                <a16:creationId xmlns:a16="http://schemas.microsoft.com/office/drawing/2014/main" id="{8F480920-8A54-4143-A95C-30EA5F89481C}"/>
+              </a:ext>
+            </a:extLst>
+          </p:cNvPr>
+          <p:cNvSpPr/>
+          <p:nvPr/>
+        </p:nvSpPr>
+        <p:spPr>
+          <a:xfrm>
+            <a:off x="16231957" y="4236538"/>
+            <a:ext cx="2115918" cy="1080000"/>
+          </a:xfrm>
+          <a:prstGeom prst="rect">
+            <a:avLst/>
+          </a:prstGeom>
+          <a:solidFill>
+            <a:srgbClr val="FF0000"/>
+          </a:solidFill>
+          <a:ln w="28575"/>
+        </p:spPr>
+        <p:style>
+          <a:lnRef idx="2">
+            <a:schemeClr val="accent1"/>
+          </a:lnRef>
+          <a:fillRef idx="1">
+            <a:schemeClr val="lt1"/>
+          </a:fillRef>
+          <a:effectRef idx="0">
+            <a:schemeClr val="accent1"/>
+          </a:effectRef>
+          <a:fontRef idx="minor">
+            <a:schemeClr val="dk1"/>
+          </a:fontRef>
+        </p:style>
+        <p:txBody>
+          <a:bodyPr lIns="124733" tIns="62367" rIns="124733" bIns="62367" rtlCol="0" anchor="ctr"/>
+          <a:lstStyle/>
+          <a:p>
+            <a:pPr algn="ctr"/>
+            <a:r>
+              <a:rPr lang="ru-RU" sz="1400" dirty="0"/>
+              <a:t>Льготы для безработных (те, кто не имеет работы, должны получать льготы.)</a:t>
+            </a:r>
+          </a:p>
+        </p:txBody>
+      </p:sp>
+      <p:sp>
+        <p:nvSpPr>
+          <p:cNvPr id="186" name="Прямоугольник 185">
+            <a:extLst>
+              <a:ext uri="{FF2B5EF4-FFF2-40B4-BE49-F238E27FC236}">
+                <a16:creationId xmlns:a16="http://schemas.microsoft.com/office/drawing/2014/main" id="{6CA7BA3E-2FAC-4063-9344-BCF93A78DE96}"/>
+              </a:ext>
+            </a:extLst>
+          </p:cNvPr>
+          <p:cNvSpPr/>
+          <p:nvPr/>
+        </p:nvSpPr>
+        <p:spPr>
+          <a:xfrm>
+            <a:off x="13706096" y="4229713"/>
+            <a:ext cx="2115918" cy="1080000"/>
+          </a:xfrm>
+          <a:prstGeom prst="rect">
+            <a:avLst/>
+          </a:prstGeom>
+          <a:solidFill>
+            <a:srgbClr val="FF0000"/>
+          </a:solidFill>
+          <a:ln w="28575"/>
+        </p:spPr>
+        <p:style>
+          <a:lnRef idx="2">
+            <a:schemeClr val="accent1"/>
+          </a:lnRef>
+          <a:fillRef idx="1">
+            <a:schemeClr val="lt1"/>
+          </a:fillRef>
+          <a:effectRef idx="0">
+            <a:schemeClr val="accent1"/>
+          </a:effectRef>
+          <a:fontRef idx="minor">
+            <a:schemeClr val="dk1"/>
+          </a:fontRef>
+        </p:style>
+        <p:txBody>
+          <a:bodyPr lIns="124733" tIns="62367" rIns="124733" bIns="62367" rtlCol="0" anchor="ctr"/>
+          <a:lstStyle/>
+          <a:p>
+            <a:pPr algn="ctr"/>
+            <a:r>
+              <a:rPr lang="ru-RU" sz="1400" dirty="0"/>
+              <a:t>Прогрессивное налогообложение</a:t>
+            </a:r>
+          </a:p>
+        </p:txBody>
+      </p:sp>
+      <p:sp>
+        <p:nvSpPr>
+          <p:cNvPr id="187" name="Прямоугольник 186">
+            <a:extLst>
+              <a:ext uri="{FF2B5EF4-FFF2-40B4-BE49-F238E27FC236}">
+                <a16:creationId xmlns:a16="http://schemas.microsoft.com/office/drawing/2014/main" id="{2E505257-2A24-481B-916C-1BCAD83B77BC}"/>
+              </a:ext>
+            </a:extLst>
+          </p:cNvPr>
+          <p:cNvSpPr/>
+          <p:nvPr/>
+        </p:nvSpPr>
+        <p:spPr>
+          <a:xfrm>
+            <a:off x="11204911" y="4237248"/>
+            <a:ext cx="2115918" cy="1080000"/>
+          </a:xfrm>
+          <a:prstGeom prst="rect">
+            <a:avLst/>
+          </a:prstGeom>
+          <a:gradFill>
+            <a:gsLst>
+              <a:gs pos="0">
+                <a:schemeClr val="accent4"/>
+              </a:gs>
+              <a:gs pos="100000">
+                <a:srgbClr val="FF0000"/>
+              </a:gs>
+            </a:gsLst>
+            <a:lin ang="5400000" scaled="1"/>
+          </a:gradFill>
+          <a:ln w="28575"/>
+        </p:spPr>
+        <p:style>
+          <a:lnRef idx="2">
+            <a:schemeClr val="accent1"/>
+          </a:lnRef>
+          <a:fillRef idx="1">
+            <a:schemeClr val="lt1"/>
+          </a:fillRef>
+          <a:effectRef idx="0">
+            <a:schemeClr val="accent1"/>
+          </a:effectRef>
+          <a:fontRef idx="minor">
+            <a:schemeClr val="dk1"/>
+          </a:fontRef>
+        </p:style>
+        <p:txBody>
+          <a:bodyPr lIns="124733" tIns="62367" rIns="124733" bIns="62367" rtlCol="0" anchor="ctr"/>
+          <a:lstStyle/>
+          <a:p>
+            <a:pPr algn="ctr"/>
+            <a:r>
+              <a:rPr lang="ru-RU" sz="1400" dirty="0"/>
+              <a:t>Упразднение голландской монархии и Сената</a:t>
+            </a:r>
+          </a:p>
+        </p:txBody>
+      </p:sp>
+      <p:sp>
+        <p:nvSpPr>
+          <p:cNvPr id="190" name="Прямоугольник 189">
+            <a:extLst>
+              <a:ext uri="{FF2B5EF4-FFF2-40B4-BE49-F238E27FC236}">
+                <a16:creationId xmlns:a16="http://schemas.microsoft.com/office/drawing/2014/main" id="{10F9435B-2C7C-46FA-8521-6288C3935E26}"/>
+              </a:ext>
+            </a:extLst>
+          </p:cNvPr>
+          <p:cNvSpPr/>
+          <p:nvPr/>
+        </p:nvSpPr>
+        <p:spPr>
+          <a:xfrm>
+            <a:off x="8733173" y="5664689"/>
+            <a:ext cx="2115918" cy="1080000"/>
+          </a:xfrm>
+          <a:prstGeom prst="rect">
+            <a:avLst/>
+          </a:prstGeom>
+          <a:solidFill>
+            <a:srgbClr val="FFC000"/>
+          </a:solidFill>
+          <a:ln w="28575"/>
+        </p:spPr>
+        <p:style>
+          <a:lnRef idx="2">
+            <a:schemeClr val="accent1"/>
+          </a:lnRef>
+          <a:fillRef idx="1">
+            <a:schemeClr val="lt1"/>
+          </a:fillRef>
+          <a:effectRef idx="0">
+            <a:schemeClr val="accent1"/>
+          </a:effectRef>
+          <a:fontRef idx="minor">
+            <a:schemeClr val="dk1"/>
+          </a:fontRef>
+        </p:style>
+        <p:txBody>
+          <a:bodyPr lIns="124733" tIns="62367" rIns="124733" bIns="62367" rtlCol="0" anchor="ctr"/>
+          <a:lstStyle/>
+          <a:p>
+            <a:pPr algn="ctr"/>
+            <a:r>
+              <a:rPr lang="ru-RU" sz="1400" dirty="0"/>
+              <a:t>Третий путь </a:t>
+            </a:r>
+            <a:r>
+              <a:rPr lang="ru-RU" sz="600" dirty="0"/>
+              <a:t>(Третий путь партии между авторитарным сталинизмом и социал-демократией позже отразится в </a:t>
+            </a:r>
+            <a:r>
+              <a:rPr lang="ru-RU" sz="600" dirty="0" err="1"/>
+              <a:t>левосоциалистической</a:t>
+            </a:r>
+            <a:r>
+              <a:rPr lang="ru-RU" sz="600" dirty="0"/>
+              <a:t> Пацифистской социалистической партии , которая также была основана бывшими членами коммунистической КПН и социал-демократической ПВДА .)</a:t>
+            </a:r>
+            <a:endParaRPr lang="ru-RU" sz="1400" dirty="0"/>
+          </a:p>
+        </p:txBody>
+      </p:sp>
+      <p:cxnSp>
+        <p:nvCxnSpPr>
+          <p:cNvPr id="208" name="Соединительная линия уступом 175">
+            <a:extLst>
+              <a:ext uri="{FF2B5EF4-FFF2-40B4-BE49-F238E27FC236}">
+                <a16:creationId xmlns:a16="http://schemas.microsoft.com/office/drawing/2014/main" id="{859EA9B0-3FC9-4F98-9CB9-85925607F9EA}"/>
+              </a:ext>
+            </a:extLst>
+          </p:cNvPr>
+          <p:cNvCxnSpPr>
+            <a:cxnSpLocks/>
+            <a:stCxn id="187" idx="2"/>
+            <a:endCxn id="190" idx="0"/>
+          </p:cNvCxnSpPr>
+          <p:nvPr/>
+        </p:nvCxnSpPr>
+        <p:spPr>
+          <a:xfrm rot="5400000">
+            <a:off x="10853281" y="4255099"/>
+            <a:ext cx="347441" cy="2471738"/>
+          </a:xfrm>
+          <a:prstGeom prst="bentConnector3">
+            <a:avLst>
+              <a:gd name="adj1" fmla="val 50000"/>
+            </a:avLst>
+          </a:prstGeom>
+          <a:ln w="28575">
+            <a:tailEnd type="arrow"/>
+          </a:ln>
+        </p:spPr>
+        <p:style>
+          <a:lnRef idx="1">
+            <a:schemeClr val="accent1"/>
+          </a:lnRef>
+          <a:fillRef idx="0">
+            <a:schemeClr val="accent1"/>
+          </a:fillRef>
+          <a:effectRef idx="0">
+            <a:schemeClr val="accent1"/>
+          </a:effectRef>
+          <a:fontRef idx="minor">
+            <a:schemeClr val="tx1"/>
+          </a:fontRef>
+        </p:style>
+      </p:cxnSp>
+      <p:cxnSp>
+        <p:nvCxnSpPr>
+          <p:cNvPr id="211" name="Соединительная линия уступом 175">
+            <a:extLst>
+              <a:ext uri="{FF2B5EF4-FFF2-40B4-BE49-F238E27FC236}">
+                <a16:creationId xmlns:a16="http://schemas.microsoft.com/office/drawing/2014/main" id="{BE6B1415-3E4A-4C0F-A9F0-CB859D9DB45B}"/>
+              </a:ext>
+            </a:extLst>
+          </p:cNvPr>
+          <p:cNvCxnSpPr>
+            <a:cxnSpLocks/>
+            <a:stCxn id="187" idx="2"/>
+            <a:endCxn id="75" idx="0"/>
+          </p:cNvCxnSpPr>
+          <p:nvPr/>
+        </p:nvCxnSpPr>
+        <p:spPr>
+          <a:xfrm rot="16200000" flipH="1">
+            <a:off x="13337077" y="4243041"/>
+            <a:ext cx="349682" cy="2498096"/>
+          </a:xfrm>
+          <a:prstGeom prst="bentConnector3">
+            <a:avLst>
+              <a:gd name="adj1" fmla="val 50000"/>
+            </a:avLst>
+          </a:prstGeom>
+          <a:ln w="28575">
+            <a:tailEnd type="arrow"/>
+          </a:ln>
+        </p:spPr>
+        <p:style>
+          <a:lnRef idx="1">
+            <a:schemeClr val="accent1"/>
+          </a:lnRef>
+          <a:fillRef idx="0">
+            <a:schemeClr val="accent1"/>
+          </a:fillRef>
+          <a:effectRef idx="0">
+            <a:schemeClr val="accent1"/>
+          </a:effectRef>
+          <a:fontRef idx="minor">
+            <a:schemeClr val="tx1"/>
+          </a:fontRef>
+        </p:style>
+      </p:cxnSp>
+      <p:cxnSp>
+        <p:nvCxnSpPr>
+          <p:cNvPr id="221" name="Соединительная линия уступом 175">
+            <a:extLst>
+              <a:ext uri="{FF2B5EF4-FFF2-40B4-BE49-F238E27FC236}">
+                <a16:creationId xmlns:a16="http://schemas.microsoft.com/office/drawing/2014/main" id="{3E3757A1-9F1A-4D27-B1A6-07FBC50A3BA9}"/>
+              </a:ext>
+            </a:extLst>
+          </p:cNvPr>
+          <p:cNvCxnSpPr>
+            <a:cxnSpLocks/>
+            <a:stCxn id="126" idx="2"/>
+            <a:endCxn id="137" idx="0"/>
+          </p:cNvCxnSpPr>
+          <p:nvPr/>
+        </p:nvCxnSpPr>
+        <p:spPr>
+          <a:xfrm rot="16200000" flipH="1">
+            <a:off x="8337925" y="2778555"/>
+            <a:ext cx="428548" cy="2488848"/>
+          </a:xfrm>
+          <a:prstGeom prst="bentConnector3">
+            <a:avLst>
+              <a:gd name="adj1" fmla="val 50000"/>
+            </a:avLst>
+          </a:prstGeom>
+          <a:ln w="28575">
+            <a:prstDash val="dash"/>
+            <a:tailEnd type="arrow"/>
+          </a:ln>
+        </p:spPr>
+        <p:style>
+          <a:lnRef idx="1">
+            <a:schemeClr val="accent1"/>
+          </a:lnRef>
+          <a:fillRef idx="0">
+            <a:schemeClr val="accent1"/>
+          </a:fillRef>
+          <a:effectRef idx="0">
+            <a:schemeClr val="accent1"/>
+          </a:effectRef>
+          <a:fontRef idx="minor">
+            <a:schemeClr val="tx1"/>
+          </a:fontRef>
+        </p:style>
+      </p:cxnSp>
+      <p:cxnSp>
+        <p:nvCxnSpPr>
+          <p:cNvPr id="224" name="Соединительная линия уступом 175">
+            <a:extLst>
+              <a:ext uri="{FF2B5EF4-FFF2-40B4-BE49-F238E27FC236}">
+                <a16:creationId xmlns:a16="http://schemas.microsoft.com/office/drawing/2014/main" id="{5025056A-E21A-4CD1-83E8-9C6C53C9DE9F}"/>
+              </a:ext>
+            </a:extLst>
+          </p:cNvPr>
+          <p:cNvCxnSpPr>
+            <a:cxnSpLocks/>
+            <a:stCxn id="70" idx="2"/>
+            <a:endCxn id="137" idx="0"/>
+          </p:cNvCxnSpPr>
+          <p:nvPr/>
+        </p:nvCxnSpPr>
+        <p:spPr>
+          <a:xfrm rot="5400000">
+            <a:off x="12064521" y="1540808"/>
+            <a:ext cx="428548" cy="4964343"/>
+          </a:xfrm>
+          <a:prstGeom prst="bentConnector3">
+            <a:avLst>
+              <a:gd name="adj1" fmla="val 50000"/>
+            </a:avLst>
+          </a:prstGeom>
+          <a:ln w="28575">
+            <a:prstDash val="dash"/>
+            <a:tailEnd type="arrow"/>
+          </a:ln>
+        </p:spPr>
+        <p:style>
+          <a:lnRef idx="1">
+            <a:schemeClr val="accent1"/>
+          </a:lnRef>
+          <a:fillRef idx="0">
+            <a:schemeClr val="accent1"/>
+          </a:fillRef>
+          <a:effectRef idx="0">
+            <a:schemeClr val="accent1"/>
+          </a:effectRef>
+          <a:fontRef idx="minor">
+            <a:schemeClr val="tx1"/>
+          </a:fontRef>
+        </p:style>
+      </p:cxnSp>
+      <p:cxnSp>
+        <p:nvCxnSpPr>
+          <p:cNvPr id="227" name="Прямая со стрелкой 226">
+            <a:extLst>
+              <a:ext uri="{FF2B5EF4-FFF2-40B4-BE49-F238E27FC236}">
+                <a16:creationId xmlns:a16="http://schemas.microsoft.com/office/drawing/2014/main" id="{DFA53624-9205-410F-8D69-B89CB4304D30}"/>
+              </a:ext>
+            </a:extLst>
+          </p:cNvPr>
+          <p:cNvCxnSpPr>
+            <a:cxnSpLocks/>
+            <a:stCxn id="70" idx="2"/>
+            <a:endCxn id="186" idx="0"/>
+          </p:cNvCxnSpPr>
+          <p:nvPr/>
+        </p:nvCxnSpPr>
+        <p:spPr>
+          <a:xfrm>
+            <a:off x="14760966" y="3808705"/>
+            <a:ext cx="3089" cy="421008"/>
+          </a:xfrm>
+          <a:prstGeom prst="straightConnector1">
+            <a:avLst/>
+          </a:prstGeom>
+          <a:ln w="28575">
+            <a:tailEnd type="arrow"/>
+          </a:ln>
+        </p:spPr>
+        <p:style>
+          <a:lnRef idx="1">
+            <a:schemeClr val="accent1"/>
+          </a:lnRef>
+          <a:fillRef idx="0">
+            <a:schemeClr val="accent1"/>
+          </a:fillRef>
+          <a:effectRef idx="0">
+            <a:schemeClr val="accent1"/>
+          </a:effectRef>
+          <a:fontRef idx="minor">
+            <a:schemeClr val="tx1"/>
+          </a:fontRef>
+        </p:style>
+      </p:cxnSp>
+      <p:cxnSp>
+        <p:nvCxnSpPr>
+          <p:cNvPr id="230" name="Соединительная линия уступом 175">
+            <a:extLst>
+              <a:ext uri="{FF2B5EF4-FFF2-40B4-BE49-F238E27FC236}">
+                <a16:creationId xmlns:a16="http://schemas.microsoft.com/office/drawing/2014/main" id="{0501B700-CD01-4C62-8B56-67B908D139FC}"/>
+              </a:ext>
+            </a:extLst>
+          </p:cNvPr>
+          <p:cNvCxnSpPr>
+            <a:cxnSpLocks/>
+            <a:stCxn id="70" idx="2"/>
+            <a:endCxn id="185" idx="0"/>
+          </p:cNvCxnSpPr>
+          <p:nvPr/>
+        </p:nvCxnSpPr>
+        <p:spPr>
+          <a:xfrm rot="16200000" flipH="1">
+            <a:off x="15811525" y="2758146"/>
+            <a:ext cx="427833" cy="2528950"/>
+          </a:xfrm>
+          <a:prstGeom prst="bentConnector3">
+            <a:avLst>
+              <a:gd name="adj1" fmla="val 50000"/>
+            </a:avLst>
+          </a:prstGeom>
+          <a:ln w="28575">
+            <a:tailEnd type="arrow"/>
+          </a:ln>
+        </p:spPr>
+        <p:style>
+          <a:lnRef idx="1">
+            <a:schemeClr val="accent1"/>
+          </a:lnRef>
+          <a:fillRef idx="0">
+            <a:schemeClr val="accent1"/>
+          </a:fillRef>
+          <a:effectRef idx="0">
+            <a:schemeClr val="accent1"/>
+          </a:effectRef>
+          <a:fontRef idx="minor">
+            <a:schemeClr val="tx1"/>
+          </a:fontRef>
+        </p:style>
+      </p:cxnSp>
+      <p:cxnSp>
+        <p:nvCxnSpPr>
+          <p:cNvPr id="233" name="Соединительная линия уступом 175">
+            <a:extLst>
+              <a:ext uri="{FF2B5EF4-FFF2-40B4-BE49-F238E27FC236}">
+                <a16:creationId xmlns:a16="http://schemas.microsoft.com/office/drawing/2014/main" id="{5AAD928D-CA64-440E-B4F3-D156C509371B}"/>
+              </a:ext>
+            </a:extLst>
+          </p:cNvPr>
+          <p:cNvCxnSpPr>
+            <a:cxnSpLocks/>
+            <a:stCxn id="70" idx="2"/>
+            <a:endCxn id="182" idx="0"/>
+          </p:cNvCxnSpPr>
+          <p:nvPr/>
+        </p:nvCxnSpPr>
+        <p:spPr>
+          <a:xfrm rot="16200000" flipH="1">
+            <a:off x="17030923" y="1538747"/>
+            <a:ext cx="428543" cy="4968457"/>
+          </a:xfrm>
+          <a:prstGeom prst="bentConnector3">
+            <a:avLst>
+              <a:gd name="adj1" fmla="val 50000"/>
+            </a:avLst>
+          </a:prstGeom>
+          <a:ln w="28575">
+            <a:tailEnd type="arrow"/>
+          </a:ln>
+        </p:spPr>
+        <p:style>
+          <a:lnRef idx="1">
+            <a:schemeClr val="accent1"/>
+          </a:lnRef>
+          <a:fillRef idx="0">
+            <a:schemeClr val="accent1"/>
+          </a:fillRef>
+          <a:effectRef idx="0">
+            <a:schemeClr val="accent1"/>
+          </a:effectRef>
+          <a:fontRef idx="minor">
+            <a:schemeClr val="tx1"/>
+          </a:fontRef>
+        </p:style>
+      </p:cxnSp>
+      <p:cxnSp>
+        <p:nvCxnSpPr>
+          <p:cNvPr id="236" name="Прямая со стрелкой 235">
+            <a:extLst>
+              <a:ext uri="{FF2B5EF4-FFF2-40B4-BE49-F238E27FC236}">
+                <a16:creationId xmlns:a16="http://schemas.microsoft.com/office/drawing/2014/main" id="{AA112E98-02FD-470C-A678-3E396F0415DA}"/>
+              </a:ext>
+            </a:extLst>
+          </p:cNvPr>
+          <p:cNvCxnSpPr>
+            <a:cxnSpLocks/>
+            <a:stCxn id="182" idx="2"/>
+            <a:endCxn id="184" idx="0"/>
+          </p:cNvCxnSpPr>
+          <p:nvPr/>
+        </p:nvCxnSpPr>
+        <p:spPr>
+          <a:xfrm>
+            <a:off x="19729423" y="5317248"/>
+            <a:ext cx="0" cy="349682"/>
+          </a:xfrm>
+          <a:prstGeom prst="straightConnector1">
+            <a:avLst/>
+          </a:prstGeom>
+          <a:ln w="28575">
+            <a:tailEnd type="arrow"/>
+          </a:ln>
+        </p:spPr>
+        <p:style>
+          <a:lnRef idx="1">
+            <a:schemeClr val="accent1"/>
+          </a:lnRef>
+          <a:fillRef idx="0">
+            <a:schemeClr val="accent1"/>
+          </a:fillRef>
+          <a:effectRef idx="0">
+            <a:schemeClr val="accent1"/>
+          </a:effectRef>
+          <a:fontRef idx="minor">
+            <a:schemeClr val="tx1"/>
+          </a:fontRef>
+        </p:style>
+      </p:cxnSp>
+      <p:cxnSp>
+        <p:nvCxnSpPr>
+          <p:cNvPr id="239" name="Прямая со стрелкой 238">
+            <a:extLst>
+              <a:ext uri="{FF2B5EF4-FFF2-40B4-BE49-F238E27FC236}">
+                <a16:creationId xmlns:a16="http://schemas.microsoft.com/office/drawing/2014/main" id="{7570A332-205A-4A56-9FD4-10366758BE5C}"/>
+              </a:ext>
+            </a:extLst>
+          </p:cNvPr>
+          <p:cNvCxnSpPr>
+            <a:cxnSpLocks/>
+            <a:stCxn id="184" idx="2"/>
+            <a:endCxn id="179" idx="0"/>
+          </p:cNvCxnSpPr>
+          <p:nvPr/>
+        </p:nvCxnSpPr>
+        <p:spPr>
+          <a:xfrm>
+            <a:off x="19729423" y="6746930"/>
+            <a:ext cx="3292" cy="331829"/>
+          </a:xfrm>
+          <a:prstGeom prst="straightConnector1">
+            <a:avLst/>
+          </a:prstGeom>
+          <a:ln w="28575">
+            <a:tailEnd type="arrow"/>
+          </a:ln>
+        </p:spPr>
+        <p:style>
+          <a:lnRef idx="1">
+            <a:schemeClr val="accent1"/>
+          </a:lnRef>
+          <a:fillRef idx="0">
+            <a:schemeClr val="accent1"/>
+          </a:fillRef>
+          <a:effectRef idx="0">
+            <a:schemeClr val="accent1"/>
+          </a:effectRef>
+          <a:fontRef idx="minor">
+            <a:schemeClr val="tx1"/>
+          </a:fontRef>
+        </p:style>
+      </p:cxnSp>
+      <p:cxnSp>
+        <p:nvCxnSpPr>
+          <p:cNvPr id="242" name="Соединительная линия уступом 175">
+            <a:extLst>
+              <a:ext uri="{FF2B5EF4-FFF2-40B4-BE49-F238E27FC236}">
+                <a16:creationId xmlns:a16="http://schemas.microsoft.com/office/drawing/2014/main" id="{DFEF16FF-A8E6-47E9-9D00-D915543BA443}"/>
+              </a:ext>
+            </a:extLst>
+          </p:cNvPr>
+          <p:cNvCxnSpPr>
+            <a:cxnSpLocks/>
+            <a:stCxn id="184" idx="2"/>
+            <a:endCxn id="175" idx="0"/>
+          </p:cNvCxnSpPr>
+          <p:nvPr/>
+        </p:nvCxnSpPr>
+        <p:spPr>
+          <a:xfrm rot="5400000">
+            <a:off x="18321421" y="5680050"/>
+            <a:ext cx="341122" cy="2474883"/>
+          </a:xfrm>
+          <a:prstGeom prst="bentConnector3">
+            <a:avLst>
+              <a:gd name="adj1" fmla="val 50000"/>
+            </a:avLst>
+          </a:prstGeom>
+          <a:ln w="28575">
+            <a:tailEnd type="arrow"/>
+          </a:ln>
+        </p:spPr>
+        <p:style>
+          <a:lnRef idx="1">
+            <a:schemeClr val="accent1"/>
+          </a:lnRef>
+          <a:fillRef idx="0">
+            <a:schemeClr val="accent1"/>
+          </a:fillRef>
+          <a:effectRef idx="0">
+            <a:schemeClr val="accent1"/>
+          </a:effectRef>
+          <a:fontRef idx="minor">
+            <a:schemeClr val="tx1"/>
+          </a:fontRef>
+        </p:style>
+      </p:cxnSp>
+      <p:cxnSp>
+        <p:nvCxnSpPr>
+          <p:cNvPr id="245" name="Соединительная линия уступом 175">
+            <a:extLst>
+              <a:ext uri="{FF2B5EF4-FFF2-40B4-BE49-F238E27FC236}">
+                <a16:creationId xmlns:a16="http://schemas.microsoft.com/office/drawing/2014/main" id="{85D03E22-5BDA-4220-AA5E-050D19FD2FF6}"/>
+              </a:ext>
+            </a:extLst>
+          </p:cNvPr>
+          <p:cNvCxnSpPr>
+            <a:cxnSpLocks/>
+            <a:stCxn id="182" idx="2"/>
+            <a:endCxn id="178" idx="0"/>
+          </p:cNvCxnSpPr>
+          <p:nvPr/>
+        </p:nvCxnSpPr>
+        <p:spPr>
+          <a:xfrm rot="5400000">
+            <a:off x="18338862" y="4268303"/>
+            <a:ext cx="341616" cy="2439507"/>
+          </a:xfrm>
+          <a:prstGeom prst="bentConnector3">
+            <a:avLst>
+              <a:gd name="adj1" fmla="val 50000"/>
+            </a:avLst>
+          </a:prstGeom>
+          <a:ln w="28575">
+            <a:tailEnd type="arrow"/>
+          </a:ln>
+        </p:spPr>
+        <p:style>
+          <a:lnRef idx="1">
+            <a:schemeClr val="accent1"/>
+          </a:lnRef>
+          <a:fillRef idx="0">
+            <a:schemeClr val="accent1"/>
+          </a:fillRef>
+          <a:effectRef idx="0">
+            <a:schemeClr val="accent1"/>
+          </a:effectRef>
+          <a:fontRef idx="minor">
+            <a:schemeClr val="tx1"/>
+          </a:fontRef>
+        </p:style>
+      </p:cxnSp>
+      <p:cxnSp>
+        <p:nvCxnSpPr>
+          <p:cNvPr id="248" name="Соединительная линия уступом 175">
+            <a:extLst>
+              <a:ext uri="{FF2B5EF4-FFF2-40B4-BE49-F238E27FC236}">
+                <a16:creationId xmlns:a16="http://schemas.microsoft.com/office/drawing/2014/main" id="{EA5CDDA5-0F5E-44E9-8C4B-894B8DF88EB7}"/>
+              </a:ext>
+            </a:extLst>
+          </p:cNvPr>
+          <p:cNvCxnSpPr>
+            <a:cxnSpLocks/>
+            <a:stCxn id="186" idx="2"/>
+            <a:endCxn id="178" idx="0"/>
+          </p:cNvCxnSpPr>
+          <p:nvPr/>
+        </p:nvCxnSpPr>
+        <p:spPr>
+          <a:xfrm rot="16200000" flipH="1">
+            <a:off x="15852410" y="4221357"/>
+            <a:ext cx="349151" cy="2525861"/>
+          </a:xfrm>
+          <a:prstGeom prst="bentConnector3">
+            <a:avLst>
+              <a:gd name="adj1" fmla="val 50000"/>
+            </a:avLst>
+          </a:prstGeom>
+          <a:ln w="28575">
+            <a:tailEnd type="arrow"/>
+          </a:ln>
+        </p:spPr>
+        <p:style>
+          <a:lnRef idx="1">
+            <a:schemeClr val="accent1"/>
+          </a:lnRef>
+          <a:fillRef idx="0">
+            <a:schemeClr val="accent1"/>
+          </a:fillRef>
+          <a:effectRef idx="0">
+            <a:schemeClr val="accent1"/>
+          </a:effectRef>
+          <a:fontRef idx="minor">
+            <a:schemeClr val="tx1"/>
+          </a:fontRef>
+        </p:style>
+      </p:cxnSp>
+      <p:cxnSp>
+        <p:nvCxnSpPr>
+          <p:cNvPr id="251" name="Прямая со стрелкой 250">
+            <a:extLst>
+              <a:ext uri="{FF2B5EF4-FFF2-40B4-BE49-F238E27FC236}">
+                <a16:creationId xmlns:a16="http://schemas.microsoft.com/office/drawing/2014/main" id="{99969D16-AB62-4CE3-8459-1D3201356369}"/>
+              </a:ext>
+            </a:extLst>
+          </p:cNvPr>
+          <p:cNvCxnSpPr>
+            <a:cxnSpLocks/>
+            <a:stCxn id="190" idx="2"/>
+            <a:endCxn id="318" idx="0"/>
+          </p:cNvCxnSpPr>
+          <p:nvPr/>
+        </p:nvCxnSpPr>
+        <p:spPr>
+          <a:xfrm flipH="1">
+            <a:off x="9787582" y="6744689"/>
+            <a:ext cx="3550" cy="334074"/>
+          </a:xfrm>
+          <a:prstGeom prst="straightConnector1">
+            <a:avLst/>
+          </a:prstGeom>
+          <a:ln w="28575">
+            <a:tailEnd type="arrow"/>
+          </a:ln>
+        </p:spPr>
+        <p:style>
+          <a:lnRef idx="1">
+            <a:schemeClr val="accent1"/>
+          </a:lnRef>
+          <a:fillRef idx="0">
+            <a:schemeClr val="accent1"/>
+          </a:fillRef>
+          <a:effectRef idx="0">
+            <a:schemeClr val="accent1"/>
+          </a:effectRef>
+          <a:fontRef idx="minor">
+            <a:schemeClr val="tx1"/>
+          </a:fontRef>
+        </p:style>
+      </p:cxnSp>
     </p:spTree>
     <p:extLst>
       <p:ext uri="{BB962C8B-B14F-4D97-AF65-F5344CB8AC3E}">

--- a/Наработки/диздоки/Нидерланды/Нидерланды.pptx
+++ b/Наработки/диздоки/Нидерланды/Нидерланды.pptx
@@ -209,7 +209,7 @@
             <a:fld id="{33E3D7F9-E251-484C-A6FF-FA958879DF69}" type="datetimeFigureOut">
               <a:rPr lang="ru-RU" smtClean="0"/>
               <a:pPr/>
-              <a:t>29.03.2022</a:t>
+              <a:t>30.03.2022</a:t>
             </a:fld>
             <a:endParaRPr lang="ru-RU"/>
           </a:p>
@@ -699,7 +699,7 @@
             <a:fld id="{85A5DE44-605B-4D3B-B2B7-94543DF81A36}" type="datetimeFigureOut">
               <a:rPr lang="ru-RU" smtClean="0"/>
               <a:pPr/>
-              <a:t>29.03.2022</a:t>
+              <a:t>30.03.2022</a:t>
             </a:fld>
             <a:endParaRPr lang="ru-RU"/>
           </a:p>
@@ -871,7 +871,7 @@
             <a:fld id="{85A5DE44-605B-4D3B-B2B7-94543DF81A36}" type="datetimeFigureOut">
               <a:rPr lang="ru-RU" smtClean="0"/>
               <a:pPr/>
-              <a:t>29.03.2022</a:t>
+              <a:t>30.03.2022</a:t>
             </a:fld>
             <a:endParaRPr lang="ru-RU"/>
           </a:p>
@@ -1053,7 +1053,7 @@
             <a:fld id="{85A5DE44-605B-4D3B-B2B7-94543DF81A36}" type="datetimeFigureOut">
               <a:rPr lang="ru-RU" smtClean="0"/>
               <a:pPr/>
-              <a:t>29.03.2022</a:t>
+              <a:t>30.03.2022</a:t>
             </a:fld>
             <a:endParaRPr lang="ru-RU"/>
           </a:p>
@@ -1225,7 +1225,7 @@
             <a:fld id="{85A5DE44-605B-4D3B-B2B7-94543DF81A36}" type="datetimeFigureOut">
               <a:rPr lang="ru-RU" smtClean="0"/>
               <a:pPr/>
-              <a:t>29.03.2022</a:t>
+              <a:t>30.03.2022</a:t>
             </a:fld>
             <a:endParaRPr lang="ru-RU"/>
           </a:p>
@@ -1473,7 +1473,7 @@
             <a:fld id="{85A5DE44-605B-4D3B-B2B7-94543DF81A36}" type="datetimeFigureOut">
               <a:rPr lang="ru-RU" smtClean="0"/>
               <a:pPr/>
-              <a:t>29.03.2022</a:t>
+              <a:t>30.03.2022</a:t>
             </a:fld>
             <a:endParaRPr lang="ru-RU"/>
           </a:p>
@@ -1707,7 +1707,7 @@
             <a:fld id="{85A5DE44-605B-4D3B-B2B7-94543DF81A36}" type="datetimeFigureOut">
               <a:rPr lang="ru-RU" smtClean="0"/>
               <a:pPr/>
-              <a:t>29.03.2022</a:t>
+              <a:t>30.03.2022</a:t>
             </a:fld>
             <a:endParaRPr lang="ru-RU"/>
           </a:p>
@@ -2076,7 +2076,7 @@
             <a:fld id="{85A5DE44-605B-4D3B-B2B7-94543DF81A36}" type="datetimeFigureOut">
               <a:rPr lang="ru-RU" smtClean="0"/>
               <a:pPr/>
-              <a:t>29.03.2022</a:t>
+              <a:t>30.03.2022</a:t>
             </a:fld>
             <a:endParaRPr lang="ru-RU"/>
           </a:p>
@@ -2196,7 +2196,7 @@
             <a:fld id="{85A5DE44-605B-4D3B-B2B7-94543DF81A36}" type="datetimeFigureOut">
               <a:rPr lang="ru-RU" smtClean="0"/>
               <a:pPr/>
-              <a:t>29.03.2022</a:t>
+              <a:t>30.03.2022</a:t>
             </a:fld>
             <a:endParaRPr lang="ru-RU"/>
           </a:p>
@@ -2293,7 +2293,7 @@
             <a:fld id="{85A5DE44-605B-4D3B-B2B7-94543DF81A36}" type="datetimeFigureOut">
               <a:rPr lang="ru-RU" smtClean="0"/>
               <a:pPr/>
-              <a:t>29.03.2022</a:t>
+              <a:t>30.03.2022</a:t>
             </a:fld>
             <a:endParaRPr lang="ru-RU"/>
           </a:p>
@@ -2572,7 +2572,7 @@
             <a:fld id="{85A5DE44-605B-4D3B-B2B7-94543DF81A36}" type="datetimeFigureOut">
               <a:rPr lang="ru-RU" smtClean="0"/>
               <a:pPr/>
-              <a:t>29.03.2022</a:t>
+              <a:t>30.03.2022</a:t>
             </a:fld>
             <a:endParaRPr lang="ru-RU"/>
           </a:p>
@@ -2831,7 +2831,7 @@
             <a:fld id="{85A5DE44-605B-4D3B-B2B7-94543DF81A36}" type="datetimeFigureOut">
               <a:rPr lang="ru-RU" smtClean="0"/>
               <a:pPr/>
-              <a:t>29.03.2022</a:t>
+              <a:t>30.03.2022</a:t>
             </a:fld>
             <a:endParaRPr lang="ru-RU"/>
           </a:p>
@@ -3046,7 +3046,7 @@
             <a:fld id="{85A5DE44-605B-4D3B-B2B7-94543DF81A36}" type="datetimeFigureOut">
               <a:rPr lang="ru-RU" smtClean="0"/>
               <a:pPr/>
-              <a:t>29.03.2022</a:t>
+              <a:t>30.03.2022</a:t>
             </a:fld>
             <a:endParaRPr lang="ru-RU"/>
           </a:p>
@@ -5335,7 +5335,7 @@
         </p:nvSpPr>
         <p:spPr>
           <a:xfrm>
-            <a:off x="25860391" y="4229711"/>
+            <a:off x="21110971" y="4236538"/>
             <a:ext cx="2115918" cy="1080000"/>
           </a:xfrm>
           <a:prstGeom prst="rect">
@@ -5438,7 +5438,63 @@
                   <a:schemeClr val="bg1"/>
                 </a:solidFill>
               </a:rPr>
-              <a:t> , который выходил еженедельно с 1923 по 1940 год)</a:t>
+              <a:t> , который выходил еженедельно с 1923 по 1940 год,</a:t>
+            </a:r>
+            <a:r>
+              <a:rPr lang="en-US" sz="1050" dirty="0">
+                <a:solidFill>
+                  <a:schemeClr val="bg1"/>
+                </a:solidFill>
+              </a:rPr>
+              <a:t> Albert de Jong –</a:t>
+            </a:r>
+            <a:r>
+              <a:rPr lang="ru-RU" sz="1050" dirty="0">
+                <a:solidFill>
+                  <a:schemeClr val="bg1"/>
+                </a:solidFill>
+              </a:rPr>
+              <a:t> советник, </a:t>
+            </a:r>
+            <a:r>
+              <a:rPr lang="en-US" sz="1050" dirty="0">
+                <a:solidFill>
+                  <a:schemeClr val="bg1"/>
+                </a:solidFill>
+              </a:rPr>
+              <a:t>Paul Arthur Müller-</a:t>
+            </a:r>
+            <a:r>
+              <a:rPr lang="en-US" sz="1050" dirty="0" err="1">
+                <a:solidFill>
+                  <a:schemeClr val="bg1"/>
+                </a:solidFill>
+              </a:rPr>
+              <a:t>Lehning</a:t>
+            </a:r>
+            <a:r>
+              <a:rPr lang="ru-RU" sz="1050" dirty="0">
+                <a:solidFill>
+                  <a:schemeClr val="bg1"/>
+                </a:solidFill>
+              </a:rPr>
+              <a:t> – советник 2 и </a:t>
+            </a:r>
+            <a:r>
+              <a:rPr lang="ru-RU" sz="1050" dirty="0" err="1">
+                <a:solidFill>
+                  <a:schemeClr val="bg1"/>
+                </a:solidFill>
+              </a:rPr>
+              <a:t>енерал</a:t>
+            </a:r>
+            <a:r>
+              <a:rPr lang="ru-RU" sz="1050" dirty="0">
+                <a:solidFill>
+                  <a:schemeClr val="bg1"/>
+                </a:solidFill>
+              </a:rPr>
+              <a:t>)</a:t>
             </a:r>
             <a:endParaRPr lang="ru-RU" sz="1400" dirty="0">
               <a:solidFill>
@@ -5852,7 +5908,7 @@
         </p:nvSpPr>
         <p:spPr>
           <a:xfrm>
-            <a:off x="16190426" y="8597061"/>
+            <a:off x="16227425" y="8597059"/>
             <a:ext cx="2115918" cy="1080000"/>
           </a:xfrm>
           <a:prstGeom prst="rect">
@@ -5958,8 +6014,8 @@
         </p:nvCxnSpPr>
         <p:spPr>
           <a:xfrm flipH="1">
-            <a:off x="15822014" y="9137061"/>
-            <a:ext cx="368412" cy="0"/>
+            <a:off x="15822014" y="9137059"/>
+            <a:ext cx="405411" cy="2"/>
           </a:xfrm>
           <a:prstGeom prst="line">
             <a:avLst/>
@@ -6002,9 +6058,9 @@
           <p:nvPr/>
         </p:nvCxnSpPr>
         <p:spPr>
-          <a:xfrm flipH="1">
-            <a:off x="18306344" y="9137061"/>
-            <a:ext cx="368412" cy="0"/>
+          <a:xfrm flipH="1" flipV="1">
+            <a:off x="18343343" y="9137059"/>
+            <a:ext cx="331413" cy="2"/>
           </a:xfrm>
           <a:prstGeom prst="line">
             <a:avLst/>
@@ -6247,8 +6303,8 @@
         </p:nvCxnSpPr>
         <p:spPr>
           <a:xfrm rot="5400000">
-            <a:off x="16457356" y="9225926"/>
-            <a:ext cx="339895" cy="1242165"/>
+            <a:off x="16475854" y="9207425"/>
+            <a:ext cx="339897" cy="1279164"/>
           </a:xfrm>
           <a:prstGeom prst="bentConnector3">
             <a:avLst>
@@ -6436,8 +6492,8 @@
         </p:nvCxnSpPr>
         <p:spPr>
           <a:xfrm rot="16200000" flipH="1">
-            <a:off x="17699520" y="9225925"/>
-            <a:ext cx="339894" cy="1242165"/>
+            <a:off x="17718019" y="9244424"/>
+            <a:ext cx="339896" cy="1205166"/>
           </a:xfrm>
           <a:prstGeom prst="bentConnector3">
             <a:avLst>
@@ -6574,7 +6630,7 @@
         </p:nvSpPr>
         <p:spPr>
           <a:xfrm>
-            <a:off x="16191915" y="11533592"/>
+            <a:off x="16227425" y="11533592"/>
             <a:ext cx="2115918" cy="1080000"/>
           </a:xfrm>
           <a:prstGeom prst="rect">
@@ -6628,9 +6684,9 @@
           <p:nvPr/>
         </p:nvCxnSpPr>
         <p:spPr>
-          <a:xfrm rot="16200000" flipH="1">
-            <a:off x="16320864" y="10604581"/>
-            <a:ext cx="1856531" cy="1489"/>
+          <a:xfrm rot="5400000">
+            <a:off x="16357118" y="10605325"/>
+            <a:ext cx="1856533" cy="12700"/>
           </a:xfrm>
           <a:prstGeom prst="bentConnector3">
             <a:avLst>
@@ -7055,8 +7111,8 @@
         </p:nvCxnSpPr>
         <p:spPr>
           <a:xfrm rot="5400000">
-            <a:off x="16409730" y="12210082"/>
-            <a:ext cx="436635" cy="1243654"/>
+            <a:off x="16427485" y="12192327"/>
+            <a:ext cx="436635" cy="1279164"/>
           </a:xfrm>
           <a:prstGeom prst="bentConnector3">
             <a:avLst>
@@ -7273,8 +7329,8 @@
         </p:nvCxnSpPr>
         <p:spPr>
           <a:xfrm rot="16200000" flipH="1">
-            <a:off x="15786740" y="7135416"/>
-            <a:ext cx="435870" cy="2487419"/>
+            <a:off x="15805241" y="7116916"/>
+            <a:ext cx="435868" cy="2524418"/>
           </a:xfrm>
           <a:prstGeom prst="bentConnector3">
             <a:avLst>
@@ -7507,7 +7563,7 @@
         </p:nvSpPr>
         <p:spPr>
           <a:xfrm>
-            <a:off x="16196581" y="7088052"/>
+            <a:off x="16231957" y="7088052"/>
             <a:ext cx="2115918" cy="1080000"/>
           </a:xfrm>
           <a:prstGeom prst="rect">
@@ -7882,11 +7938,14 @@
           </a:prstGeom>
           <a:gradFill>
             <a:gsLst>
+              <a:gs pos="50000">
+                <a:srgbClr val="FF0000"/>
+              </a:gs>
               <a:gs pos="0">
                 <a:schemeClr val="accent4"/>
               </a:gs>
               <a:gs pos="100000">
-                <a:srgbClr val="FF0000"/>
+                <a:schemeClr val="tx1"/>
               </a:gs>
             </a:gsLst>
             <a:lin ang="5400000" scaled="1"/>
@@ -8402,8 +8461,8 @@
         </p:nvCxnSpPr>
         <p:spPr>
           <a:xfrm rot="5400000">
-            <a:off x="18321421" y="5680050"/>
-            <a:ext cx="341122" cy="2474883"/>
+            <a:off x="18339109" y="5697738"/>
+            <a:ext cx="341122" cy="2439507"/>
           </a:xfrm>
           <a:prstGeom prst="bentConnector3">
             <a:avLst>
@@ -8562,6 +8621,2412 @@
           </a:fontRef>
         </p:style>
       </p:cxnSp>
+      <p:sp>
+        <p:nvSpPr>
+          <p:cNvPr id="100" name="Прямоугольник 99">
+            <a:extLst>
+              <a:ext uri="{FF2B5EF4-FFF2-40B4-BE49-F238E27FC236}">
+                <a16:creationId xmlns:a16="http://schemas.microsoft.com/office/drawing/2014/main" id="{B24C7D8D-9041-4D7A-ACFE-4D49C55501A0}"/>
+              </a:ext>
+            </a:extLst>
+          </p:cNvPr>
+          <p:cNvSpPr/>
+          <p:nvPr/>
+        </p:nvSpPr>
+        <p:spPr>
+          <a:xfrm>
+            <a:off x="25986693" y="2728703"/>
+            <a:ext cx="2115918" cy="1080000"/>
+          </a:xfrm>
+          <a:prstGeom prst="rect">
+            <a:avLst/>
+          </a:prstGeom>
+          <a:solidFill>
+            <a:schemeClr val="tx1">
+              <a:lumMod val="85000"/>
+              <a:lumOff val="15000"/>
+            </a:schemeClr>
+          </a:solidFill>
+          <a:ln w="28575"/>
+        </p:spPr>
+        <p:style>
+          <a:lnRef idx="2">
+            <a:schemeClr val="accent1"/>
+          </a:lnRef>
+          <a:fillRef idx="1">
+            <a:schemeClr val="lt1"/>
+          </a:fillRef>
+          <a:effectRef idx="0">
+            <a:schemeClr val="accent1"/>
+          </a:effectRef>
+          <a:fontRef idx="minor">
+            <a:schemeClr val="dk1"/>
+          </a:fontRef>
+        </p:style>
+        <p:txBody>
+          <a:bodyPr lIns="124733" tIns="62367" rIns="124733" bIns="62367" rtlCol="0" anchor="ctr"/>
+          <a:lstStyle/>
+          <a:p>
+            <a:pPr algn="ctr"/>
+            <a:r>
+              <a:rPr lang="ru-RU" sz="1400" dirty="0">
+                <a:solidFill>
+                  <a:schemeClr val="bg1"/>
+                </a:solidFill>
+              </a:rPr>
+              <a:t>Освобождение рабочих – дело самих рабочих! </a:t>
+            </a:r>
+            <a:r>
+              <a:rPr lang="ru-RU" sz="300" dirty="0">
+                <a:solidFill>
+                  <a:schemeClr val="bg1"/>
+                </a:solidFill>
+              </a:rPr>
+              <a:t>(эта фраза лучше всего характеризует принципы </a:t>
+            </a:r>
+            <a:r>
+              <a:rPr lang="ru-RU" sz="300" dirty="0" err="1">
+                <a:solidFill>
+                  <a:schemeClr val="bg1"/>
+                </a:solidFill>
+              </a:rPr>
+              <a:t>синдикализма.Синдикализм</a:t>
+            </a:r>
+            <a:r>
+              <a:rPr lang="ru-RU" sz="300" dirty="0">
+                <a:solidFill>
+                  <a:schemeClr val="bg1"/>
+                </a:solidFill>
+              </a:rPr>
+              <a:t>, писала Клара Мейер-</a:t>
+            </a:r>
+            <a:r>
+              <a:rPr lang="ru-RU" sz="300" dirty="0" err="1">
+                <a:solidFill>
+                  <a:schemeClr val="bg1"/>
+                </a:solidFill>
+              </a:rPr>
+              <a:t>Вихман</a:t>
+            </a:r>
+            <a:r>
+              <a:rPr lang="ru-RU" sz="300" dirty="0">
+                <a:solidFill>
+                  <a:schemeClr val="bg1"/>
+                </a:solidFill>
+              </a:rPr>
+              <a:t> около 1920 года в брошюре «Теория синдикализма», — это больше, чем просто организационная форма, это реакция на </a:t>
+            </a:r>
+            <a:r>
+              <a:rPr lang="ru-RU" sz="300" dirty="0" err="1">
+                <a:solidFill>
+                  <a:schemeClr val="bg1"/>
+                </a:solidFill>
+              </a:rPr>
+              <a:t>обуржуазивание</a:t>
+            </a:r>
+            <a:r>
+              <a:rPr lang="ru-RU" sz="300" dirty="0">
+                <a:solidFill>
+                  <a:schemeClr val="bg1"/>
+                </a:solidFill>
+              </a:rPr>
+              <a:t> социал-демократии, от которой он отклоняется в трех отношениях. Прежде всего о цели: синдикализм хочет покончить с государственной властью, а социал-демократия хочет завоевать эту государственную власть. Во-вторых, что касается средств достижения этой цели: социал-демократы хотят добиться своей цели парламентскими средствами, а синдикалисты выбирают прямое действие как средство осуществления социализма. Это прямое действие должно происходить, если возможно, наряду, а если необходимо, и против парламентского действия рабочих депутатов в представительных органах, таких как парламент и муниципальный совет. Если бы рабочие опирались в своей борьбе на депутатов представительных органов, то долгосрочным результатом было бы лишь поднятие нескольких человек. Более того, прямое действие демонстрирует революционный задор.¬)</a:t>
+            </a:r>
+            <a:endParaRPr lang="ru-RU" sz="1400" dirty="0">
+              <a:solidFill>
+                <a:schemeClr val="bg1"/>
+              </a:solidFill>
+            </a:endParaRPr>
+          </a:p>
+        </p:txBody>
+      </p:sp>
+      <p:sp>
+        <p:nvSpPr>
+          <p:cNvPr id="101" name="Прямоугольник 100">
+            <a:extLst>
+              <a:ext uri="{FF2B5EF4-FFF2-40B4-BE49-F238E27FC236}">
+                <a16:creationId xmlns:a16="http://schemas.microsoft.com/office/drawing/2014/main" id="{09CAA6C9-629F-48D6-ABAA-DF457DA207FA}"/>
+              </a:ext>
+            </a:extLst>
+          </p:cNvPr>
+          <p:cNvSpPr/>
+          <p:nvPr/>
+        </p:nvSpPr>
+        <p:spPr>
+          <a:xfrm>
+            <a:off x="25986693" y="7088052"/>
+            <a:ext cx="2115918" cy="1080000"/>
+          </a:xfrm>
+          <a:prstGeom prst="rect">
+            <a:avLst/>
+          </a:prstGeom>
+          <a:solidFill>
+            <a:schemeClr val="tx1">
+              <a:lumMod val="85000"/>
+              <a:lumOff val="15000"/>
+            </a:schemeClr>
+          </a:solidFill>
+          <a:ln w="28575"/>
+        </p:spPr>
+        <p:style>
+          <a:lnRef idx="2">
+            <a:schemeClr val="accent1"/>
+          </a:lnRef>
+          <a:fillRef idx="1">
+            <a:schemeClr val="lt1"/>
+          </a:fillRef>
+          <a:effectRef idx="0">
+            <a:schemeClr val="accent1"/>
+          </a:effectRef>
+          <a:fontRef idx="minor">
+            <a:schemeClr val="dk1"/>
+          </a:fontRef>
+        </p:style>
+        <p:txBody>
+          <a:bodyPr lIns="124733" tIns="62367" rIns="124733" bIns="62367" rtlCol="0" anchor="ctr"/>
+          <a:lstStyle/>
+          <a:p>
+            <a:pPr algn="ctr"/>
+            <a:r>
+              <a:rPr lang="ru-RU" sz="1400" dirty="0">
+                <a:solidFill>
+                  <a:schemeClr val="bg1"/>
+                </a:solidFill>
+              </a:rPr>
+              <a:t>Регулирование труда рабочими </a:t>
+            </a:r>
+            <a:r>
+              <a:rPr lang="ru-RU" sz="700" dirty="0">
+                <a:solidFill>
+                  <a:schemeClr val="bg1"/>
+                </a:solidFill>
+              </a:rPr>
+              <a:t>(Регулирование труда в соответствии с волей большинства рабочих будет, следовательно, осуществимо в долгосрочной перспективе лишь в том случае, если ничто не мешает меньшинству перегруппироваться самостоятельно)</a:t>
+            </a:r>
+            <a:endParaRPr lang="ru-RU" sz="1400" dirty="0">
+              <a:solidFill>
+                <a:schemeClr val="bg1"/>
+              </a:solidFill>
+            </a:endParaRPr>
+          </a:p>
+        </p:txBody>
+      </p:sp>
+      <p:cxnSp>
+        <p:nvCxnSpPr>
+          <p:cNvPr id="103" name="Прямая соединительная линия 102">
+            <a:extLst>
+              <a:ext uri="{FF2B5EF4-FFF2-40B4-BE49-F238E27FC236}">
+                <a16:creationId xmlns:a16="http://schemas.microsoft.com/office/drawing/2014/main" id="{07402EE0-D121-4569-BC7E-EA44B35D0E6A}"/>
+              </a:ext>
+            </a:extLst>
+          </p:cNvPr>
+          <p:cNvCxnSpPr>
+            <a:cxnSpLocks/>
+            <a:stCxn id="100" idx="1"/>
+            <a:endCxn id="70" idx="3"/>
+          </p:cNvCxnSpPr>
+          <p:nvPr/>
+        </p:nvCxnSpPr>
+        <p:spPr>
+          <a:xfrm flipH="1">
+            <a:off x="15818925" y="3268703"/>
+            <a:ext cx="10167768" cy="2"/>
+          </a:xfrm>
+          <a:prstGeom prst="line">
+            <a:avLst/>
+          </a:prstGeom>
+          <a:ln w="28575">
+            <a:solidFill>
+              <a:srgbClr val="FF0000"/>
+            </a:solidFill>
+          </a:ln>
+        </p:spPr>
+        <p:style>
+          <a:lnRef idx="1">
+            <a:schemeClr val="accent1"/>
+          </a:lnRef>
+          <a:fillRef idx="0">
+            <a:schemeClr val="accent1"/>
+          </a:fillRef>
+          <a:effectRef idx="0">
+            <a:schemeClr val="accent1"/>
+          </a:effectRef>
+          <a:fontRef idx="minor">
+            <a:schemeClr val="tx1"/>
+          </a:fontRef>
+        </p:style>
+      </p:cxnSp>
+      <p:cxnSp>
+        <p:nvCxnSpPr>
+          <p:cNvPr id="104" name="Соединительная линия уступом 175">
+            <a:extLst>
+              <a:ext uri="{FF2B5EF4-FFF2-40B4-BE49-F238E27FC236}">
+                <a16:creationId xmlns:a16="http://schemas.microsoft.com/office/drawing/2014/main" id="{2D29E791-5C7A-4FB0-98E1-4A1E011A415A}"/>
+              </a:ext>
+            </a:extLst>
+          </p:cNvPr>
+          <p:cNvCxnSpPr>
+            <a:cxnSpLocks/>
+            <a:stCxn id="100" idx="2"/>
+            <a:endCxn id="187" idx="0"/>
+          </p:cNvCxnSpPr>
+          <p:nvPr/>
+        </p:nvCxnSpPr>
+        <p:spPr>
+          <a:xfrm rot="5400000">
+            <a:off x="19439489" y="-3367916"/>
+            <a:ext cx="428545" cy="14781782"/>
+          </a:xfrm>
+          <a:prstGeom prst="bentConnector3">
+            <a:avLst>
+              <a:gd name="adj1" fmla="val 50000"/>
+            </a:avLst>
+          </a:prstGeom>
+          <a:ln w="28575">
+            <a:prstDash val="dash"/>
+            <a:tailEnd type="arrow"/>
+          </a:ln>
+        </p:spPr>
+        <p:style>
+          <a:lnRef idx="1">
+            <a:schemeClr val="accent1"/>
+          </a:lnRef>
+          <a:fillRef idx="0">
+            <a:schemeClr val="accent1"/>
+          </a:fillRef>
+          <a:effectRef idx="0">
+            <a:schemeClr val="accent1"/>
+          </a:effectRef>
+          <a:fontRef idx="minor">
+            <a:schemeClr val="tx1"/>
+          </a:fontRef>
+        </p:style>
+      </p:cxnSp>
+      <p:sp>
+        <p:nvSpPr>
+          <p:cNvPr id="108" name="Прямоугольник 107">
+            <a:extLst>
+              <a:ext uri="{FF2B5EF4-FFF2-40B4-BE49-F238E27FC236}">
+                <a16:creationId xmlns:a16="http://schemas.microsoft.com/office/drawing/2014/main" id="{0174761C-6878-4C71-89CF-BBA62EC748C4}"/>
+              </a:ext>
+            </a:extLst>
+          </p:cNvPr>
+          <p:cNvSpPr/>
+          <p:nvPr/>
+        </p:nvSpPr>
+        <p:spPr>
+          <a:xfrm>
+            <a:off x="26024823" y="302735"/>
+            <a:ext cx="2115918" cy="1080000"/>
+          </a:xfrm>
+          <a:prstGeom prst="rect">
+            <a:avLst/>
+          </a:prstGeom>
+          <a:solidFill>
+            <a:schemeClr val="tx1">
+              <a:lumMod val="85000"/>
+              <a:lumOff val="15000"/>
+            </a:schemeClr>
+          </a:solidFill>
+          <a:ln w="28575"/>
+        </p:spPr>
+        <p:style>
+          <a:lnRef idx="2">
+            <a:schemeClr val="accent1"/>
+          </a:lnRef>
+          <a:fillRef idx="1">
+            <a:schemeClr val="lt1"/>
+          </a:fillRef>
+          <a:effectRef idx="0">
+            <a:schemeClr val="accent1"/>
+          </a:effectRef>
+          <a:fontRef idx="minor">
+            <a:schemeClr val="dk1"/>
+          </a:fontRef>
+        </p:style>
+        <p:txBody>
+          <a:bodyPr lIns="124733" tIns="62367" rIns="124733" bIns="62367" rtlCol="0" anchor="ctr"/>
+          <a:lstStyle/>
+          <a:p>
+            <a:pPr algn="ctr"/>
+            <a:r>
+              <a:rPr lang="ru-RU" sz="300" dirty="0">
+                <a:solidFill>
+                  <a:schemeClr val="bg1"/>
+                </a:solidFill>
+              </a:rPr>
+              <a:t>Первым средством борьбы синдикалистов была забастовка. Забастовка рассматривалась не только как средство разрешения заработной платы и других конфликтов, но и забастовки солидарности высоко ценились. Забастовка также способствовала боеспособности и взаимной солидарности рабочих.¬¬Были также бойкоты и ярлыки: плохих работодателей нужно было бойкотировать, если это возможно, и нужно было составить белые списки хороших работодателей. С концентрацией капитала ярлык стал менее подходящим средством. Однако бойкот по-прежнему считался актуальным, например, бойкот реакционных стран. Затем был саботаж, который мог принимать разные формы, такие как пунктуальные действия, медленные действия или даже уничтожение машин. Основным средством борьбы, пропагандируемым синдикалистами, была всеобщая забастовка, как средство достижения социализма. «Обычная» забастовка считалась важной из-за ее воспитательной ценности в борьбе и потому, что она ослабляла капитализм. Однако всеобщая забастовка была средством борьбы на службе социальной революции, ибо превращала ослабление капитализма в паралич. Заговорили о всеобщей забастовке, когда забастовала такая большая часть рабочих, что фактически был достигнут паралич. Таким образом, не было необходимости, чтобы все рабочие в определенной области или отрасли бастовали.¬¬¬¬но что их число было достаточно большим, чтобы быть эффективным. </a:t>
+            </a:r>
+            <a:r>
+              <a:rPr lang="ru-RU" sz="300" dirty="0" err="1">
+                <a:solidFill>
+                  <a:schemeClr val="bg1"/>
+                </a:solidFill>
+              </a:rPr>
+              <a:t>Корнелиссен</a:t>
+            </a:r>
+            <a:r>
+              <a:rPr lang="ru-RU" sz="300" dirty="0">
+                <a:solidFill>
+                  <a:schemeClr val="bg1"/>
+                </a:solidFill>
+              </a:rPr>
+              <a:t> оценил период в 48 часов как достаточный, чтобы передать власть в руки рабочих:¬«За двадцать четыре часа в два раза больше будет сделано для развития нашего человеческого рода, чем за два раза в двадцать четыре года болтовни на подушках парламентов». Синдикализм был антимилитаристским, потому что военный аппарат был важным препятствием для прямых действий рабочих. В конце концов, внутри капитализма против бастующих и командированных рабочих была развернута армия. Таким образом, чтобы добиться экономического освобождения рабочего класса, пропаганда антимилитаризма должна была сочетаться с пропагандой всеобщей забастовки. Например, Б. </a:t>
+            </a:r>
+            <a:r>
+              <a:rPr lang="ru-RU" sz="300" dirty="0" err="1">
+                <a:solidFill>
+                  <a:schemeClr val="bg1"/>
+                </a:solidFill>
+              </a:rPr>
+              <a:t>Рейндорп</a:t>
+            </a:r>
+            <a:r>
+              <a:rPr lang="ru-RU" sz="300" dirty="0">
+                <a:solidFill>
+                  <a:schemeClr val="bg1"/>
+                </a:solidFill>
+              </a:rPr>
+              <a:t> писал в «Анархистском социализме и экономическом действии», что это:¬¬¬«...от проникновения антимилитаристских идей в рабочие массы будет зависеть главным образом, встретит ли всеобщая забастовка непреодолимые препятствия на своем пути».</a:t>
+            </a:r>
+          </a:p>
+        </p:txBody>
+      </p:sp>
+      <p:sp>
+        <p:nvSpPr>
+          <p:cNvPr id="111" name="Прямоугольник 110">
+            <a:extLst>
+              <a:ext uri="{FF2B5EF4-FFF2-40B4-BE49-F238E27FC236}">
+                <a16:creationId xmlns:a16="http://schemas.microsoft.com/office/drawing/2014/main" id="{16FBA02F-5548-4084-AE24-F6B4B5AED19F}"/>
+              </a:ext>
+            </a:extLst>
+          </p:cNvPr>
+          <p:cNvSpPr/>
+          <p:nvPr/>
+        </p:nvSpPr>
+        <p:spPr>
+          <a:xfrm>
+            <a:off x="23550478" y="5666930"/>
+            <a:ext cx="2115918" cy="1080000"/>
+          </a:xfrm>
+          <a:prstGeom prst="rect">
+            <a:avLst/>
+          </a:prstGeom>
+          <a:solidFill>
+            <a:schemeClr val="tx1">
+              <a:lumMod val="85000"/>
+              <a:lumOff val="15000"/>
+            </a:schemeClr>
+          </a:solidFill>
+          <a:ln w="28575"/>
+        </p:spPr>
+        <p:style>
+          <a:lnRef idx="2">
+            <a:schemeClr val="accent1"/>
+          </a:lnRef>
+          <a:fillRef idx="1">
+            <a:schemeClr val="lt1"/>
+          </a:fillRef>
+          <a:effectRef idx="0">
+            <a:schemeClr val="accent1"/>
+          </a:effectRef>
+          <a:fontRef idx="minor">
+            <a:schemeClr val="dk1"/>
+          </a:fontRef>
+        </p:style>
+        <p:txBody>
+          <a:bodyPr lIns="124733" tIns="62367" rIns="124733" bIns="62367" rtlCol="0" anchor="ctr"/>
+          <a:lstStyle/>
+          <a:p>
+            <a:pPr algn="ctr"/>
+            <a:r>
+              <a:rPr lang="ru-RU" sz="1400" dirty="0">
+                <a:solidFill>
+                  <a:schemeClr val="bg1"/>
+                </a:solidFill>
+              </a:rPr>
+              <a:t>Производственные ассоциации </a:t>
+            </a:r>
+            <a:r>
+              <a:rPr lang="ru-RU" sz="700" dirty="0">
+                <a:solidFill>
+                  <a:schemeClr val="bg1"/>
+                </a:solidFill>
+              </a:rPr>
+              <a:t>(</a:t>
+            </a:r>
+            <a:r>
+              <a:rPr lang="ru-RU" sz="300" dirty="0">
+                <a:solidFill>
+                  <a:schemeClr val="bg1"/>
+                </a:solidFill>
+              </a:rPr>
+              <a:t>Во время социалистической революции союзы городских и сельских рабочих должны были быть преобразованы в производственные ассоциации, которым должны были быть переданы руководство и управление производством и распределением. В течение этого периода предметы первой необходимости, такие как еда и одежда, должны были предоставляться бесплатно. Насилие в защиту революции считалось законным, но оно должно быть временным. Это должны были сделать вооруженные граждане во главе с временно назначенными вождями. Все бывшие чиновники, такие как министры, члены парламента, начальники полиции и армии, должны были быть арестованы. Почта, телефон и телеграф должны быть заняты, а печатная пресса должна быть под контролем.)</a:t>
+            </a:r>
+            <a:endParaRPr lang="ru-RU" sz="1400" dirty="0">
+              <a:solidFill>
+                <a:schemeClr val="bg1"/>
+              </a:solidFill>
+            </a:endParaRPr>
+          </a:p>
+        </p:txBody>
+      </p:sp>
+      <p:sp>
+        <p:nvSpPr>
+          <p:cNvPr id="107" name="Прямоугольник 106">
+            <a:extLst>
+              <a:ext uri="{FF2B5EF4-FFF2-40B4-BE49-F238E27FC236}">
+                <a16:creationId xmlns:a16="http://schemas.microsoft.com/office/drawing/2014/main" id="{E539C547-A17A-486F-9B7C-6F44EBBA5CB0}"/>
+              </a:ext>
+            </a:extLst>
+          </p:cNvPr>
+          <p:cNvSpPr/>
+          <p:nvPr/>
+        </p:nvSpPr>
+        <p:spPr>
+          <a:xfrm>
+            <a:off x="21110971" y="7078759"/>
+            <a:ext cx="2115918" cy="1080000"/>
+          </a:xfrm>
+          <a:prstGeom prst="rect">
+            <a:avLst/>
+          </a:prstGeom>
+          <a:solidFill>
+            <a:schemeClr val="tx1">
+              <a:lumMod val="85000"/>
+              <a:lumOff val="15000"/>
+            </a:schemeClr>
+          </a:solidFill>
+          <a:ln w="28575"/>
+        </p:spPr>
+        <p:style>
+          <a:lnRef idx="2">
+            <a:schemeClr val="accent1"/>
+          </a:lnRef>
+          <a:fillRef idx="1">
+            <a:schemeClr val="lt1"/>
+          </a:fillRef>
+          <a:effectRef idx="0">
+            <a:schemeClr val="accent1"/>
+          </a:effectRef>
+          <a:fontRef idx="minor">
+            <a:schemeClr val="dk1"/>
+          </a:fontRef>
+        </p:style>
+        <p:txBody>
+          <a:bodyPr lIns="124733" tIns="62367" rIns="124733" bIns="62367" rtlCol="0" anchor="ctr"/>
+          <a:lstStyle/>
+          <a:p>
+            <a:pPr algn="ctr"/>
+            <a:r>
+              <a:rPr lang="ru-RU" sz="1400" dirty="0">
+                <a:solidFill>
+                  <a:schemeClr val="bg1"/>
+                </a:solidFill>
+              </a:rPr>
+              <a:t>Советы рабочих </a:t>
+            </a:r>
+            <a:r>
+              <a:rPr lang="ru-RU" sz="700" dirty="0">
+                <a:solidFill>
+                  <a:schemeClr val="bg1"/>
+                </a:solidFill>
+              </a:rPr>
+              <a:t>(</a:t>
+            </a:r>
+            <a:r>
+              <a:rPr lang="ru-RU" sz="300" dirty="0">
+                <a:solidFill>
+                  <a:schemeClr val="bg1"/>
+                </a:solidFill>
+              </a:rPr>
+              <a:t>Специальная исследовательская комиссия опубликовала отчет о рабочих советах в 1932 году. Согласно этому отчету, советы возникали стихийно во всех местах, где люди работали вместе и где можно было организовать работу или представить определенные интересы. Организация совета не ограничивалась экономической жизнью, но охватывала общество в целом. Как организационные институты советы должны были работать снизу вверх:¬¬«Они есть полное отрицание политического централизма и всякой государственной организации. Советы </a:t>
+            </a:r>
+            <a:r>
+              <a:rPr lang="ru-RU" sz="300" dirty="0" err="1">
+                <a:solidFill>
+                  <a:schemeClr val="bg1"/>
+                </a:solidFill>
+              </a:rPr>
+              <a:t>антипарламентские</a:t>
+            </a:r>
+            <a:r>
+              <a:rPr lang="ru-RU" sz="300" dirty="0">
+                <a:solidFill>
+                  <a:schemeClr val="bg1"/>
+                </a:solidFill>
+              </a:rPr>
+              <a:t>: это не представительные, а управляющие организации. (...) Советы децентрализованы и </a:t>
+            </a:r>
+            <a:r>
+              <a:rPr lang="ru-RU" sz="300" dirty="0" err="1">
+                <a:solidFill>
+                  <a:schemeClr val="bg1"/>
+                </a:solidFill>
+              </a:rPr>
+              <a:t>федеративны</a:t>
+            </a:r>
+            <a:r>
+              <a:rPr lang="ru-RU" sz="300" dirty="0">
+                <a:solidFill>
+                  <a:schemeClr val="bg1"/>
+                </a:solidFill>
+              </a:rPr>
+              <a:t>. (...) Партийная система и система советов несовместимы». 1)¬¬¬.)</a:t>
+            </a:r>
+            <a:endParaRPr lang="ru-RU" sz="1400" dirty="0">
+              <a:solidFill>
+                <a:schemeClr val="bg1"/>
+              </a:solidFill>
+            </a:endParaRPr>
+          </a:p>
+        </p:txBody>
+      </p:sp>
+      <p:sp>
+        <p:nvSpPr>
+          <p:cNvPr id="112" name="Прямоугольник 111">
+            <a:extLst>
+              <a:ext uri="{FF2B5EF4-FFF2-40B4-BE49-F238E27FC236}">
+                <a16:creationId xmlns:a16="http://schemas.microsoft.com/office/drawing/2014/main" id="{206B89BC-1DE9-4669-87C1-18D7346ECB65}"/>
+              </a:ext>
+            </a:extLst>
+          </p:cNvPr>
+          <p:cNvSpPr/>
+          <p:nvPr/>
+        </p:nvSpPr>
+        <p:spPr>
+          <a:xfrm>
+            <a:off x="23550478" y="7075804"/>
+            <a:ext cx="2115918" cy="1080000"/>
+          </a:xfrm>
+          <a:prstGeom prst="rect">
+            <a:avLst/>
+          </a:prstGeom>
+          <a:solidFill>
+            <a:schemeClr val="tx1">
+              <a:lumMod val="85000"/>
+              <a:lumOff val="15000"/>
+            </a:schemeClr>
+          </a:solidFill>
+          <a:ln w="28575"/>
+        </p:spPr>
+        <p:style>
+          <a:lnRef idx="2">
+            <a:schemeClr val="accent1"/>
+          </a:lnRef>
+          <a:fillRef idx="1">
+            <a:schemeClr val="lt1"/>
+          </a:fillRef>
+          <a:effectRef idx="0">
+            <a:schemeClr val="accent1"/>
+          </a:effectRef>
+          <a:fontRef idx="minor">
+            <a:schemeClr val="dk1"/>
+          </a:fontRef>
+        </p:style>
+        <p:txBody>
+          <a:bodyPr lIns="124733" tIns="62367" rIns="124733" bIns="62367" rtlCol="0" anchor="ctr"/>
+          <a:lstStyle/>
+          <a:p>
+            <a:pPr algn="ctr"/>
+            <a:r>
+              <a:rPr lang="ru-RU" sz="1400" dirty="0">
+                <a:solidFill>
+                  <a:schemeClr val="bg1"/>
+                </a:solidFill>
+              </a:rPr>
+              <a:t>Производство по потребностям </a:t>
+            </a:r>
+            <a:r>
+              <a:rPr lang="ru-RU" sz="400" dirty="0">
+                <a:solidFill>
+                  <a:schemeClr val="bg1"/>
+                </a:solidFill>
+              </a:rPr>
+              <a:t>(Кроме того,</a:t>
+            </a:r>
+            <a:r>
+              <a:rPr lang="ru-RU" sz="1050" dirty="0">
+                <a:solidFill>
+                  <a:schemeClr val="bg1"/>
+                </a:solidFill>
+              </a:rPr>
+              <a:t> </a:t>
+            </a:r>
+            <a:r>
+              <a:rPr lang="ru-RU" sz="400" dirty="0">
+                <a:solidFill>
+                  <a:schemeClr val="bg1"/>
+                </a:solidFill>
+              </a:rPr>
+              <a:t>подробно обсуждалась структура будущей советской республики. Советы должны быть организованы по компаниям, а не по профессиям. Фактором, определяющим производство, должна была стать потребность. Эта потребность проявилась бы в органах распределения, таких как универмаги и магазины; поэтому здесь необходимо иметь распределительные советы на местном, региональном, национальном и международном уровнях. Эти распределительные советы должны быть связаны совнархозами с производственными или заводскими советами. В периоды относительного дефицита распределение должно осуществляться советами потребителей, состоящими из всех потребителей; здесь снова вышеупомянутая региональная градация.¬¬¬¬)</a:t>
+            </a:r>
+            <a:endParaRPr lang="ru-RU" sz="1400" dirty="0">
+              <a:solidFill>
+                <a:schemeClr val="bg1"/>
+              </a:solidFill>
+            </a:endParaRPr>
+          </a:p>
+        </p:txBody>
+      </p:sp>
+      <p:sp>
+        <p:nvSpPr>
+          <p:cNvPr id="113" name="Прямоугольник 112">
+            <a:extLst>
+              <a:ext uri="{FF2B5EF4-FFF2-40B4-BE49-F238E27FC236}">
+                <a16:creationId xmlns:a16="http://schemas.microsoft.com/office/drawing/2014/main" id="{3165B2B3-EEF4-4877-8519-BF526B88B6C9}"/>
+              </a:ext>
+            </a:extLst>
+          </p:cNvPr>
+          <p:cNvSpPr/>
+          <p:nvPr/>
+        </p:nvSpPr>
+        <p:spPr>
+          <a:xfrm>
+            <a:off x="23550478" y="4236538"/>
+            <a:ext cx="2115918" cy="1080000"/>
+          </a:xfrm>
+          <a:prstGeom prst="rect">
+            <a:avLst/>
+          </a:prstGeom>
+          <a:solidFill>
+            <a:schemeClr val="tx1">
+              <a:lumMod val="85000"/>
+              <a:lumOff val="15000"/>
+            </a:schemeClr>
+          </a:solidFill>
+          <a:ln w="28575"/>
+        </p:spPr>
+        <p:style>
+          <a:lnRef idx="2">
+            <a:schemeClr val="accent1"/>
+          </a:lnRef>
+          <a:fillRef idx="1">
+            <a:schemeClr val="lt1"/>
+          </a:fillRef>
+          <a:effectRef idx="0">
+            <a:schemeClr val="accent1"/>
+          </a:effectRef>
+          <a:fontRef idx="minor">
+            <a:schemeClr val="dk1"/>
+          </a:fontRef>
+        </p:style>
+        <p:txBody>
+          <a:bodyPr lIns="124733" tIns="62367" rIns="124733" bIns="62367" rtlCol="0" anchor="ctr"/>
+          <a:lstStyle/>
+          <a:p>
+            <a:pPr algn="ctr"/>
+            <a:r>
+              <a:rPr lang="ru-RU" sz="1400" dirty="0">
+                <a:solidFill>
+                  <a:schemeClr val="bg1"/>
+                </a:solidFill>
+              </a:rPr>
+              <a:t>Преобразованию в федерацию бизнес-групп </a:t>
+            </a:r>
+            <a:r>
+              <a:rPr lang="ru-RU" sz="400" dirty="0">
+                <a:solidFill>
+                  <a:schemeClr val="bg1"/>
+                </a:solidFill>
+              </a:rPr>
+              <a:t>(Готовясь к этой будущей социальной структуре, профсоюз, в данном случае NSV, должен был организоваться по модели будущей </a:t>
+            </a:r>
+            <a:r>
+              <a:rPr lang="ru-RU" sz="400" dirty="0" err="1">
+                <a:solidFill>
+                  <a:schemeClr val="bg1"/>
+                </a:solidFill>
+              </a:rPr>
+              <a:t>советной</a:t>
+            </a:r>
+            <a:r>
+              <a:rPr lang="ru-RU" sz="400" dirty="0">
+                <a:solidFill>
+                  <a:schemeClr val="bg1"/>
+                </a:solidFill>
+              </a:rPr>
+              <a:t> республики, что фактически означало преобразование в федерацию бизнес-групп. Перед этими бизнес-группами должны быть поставлены три задачи:¬¬— внушайте другим рабочим мысль, что социализм может быть осуществлен только их собственной борьбой;— сбор технических и экономических данных, которые могли бы облегчить труд организации бизнеса;— побуждение сотрудников к непримиримой классовой борьбе.)</a:t>
+            </a:r>
+            <a:endParaRPr lang="ru-RU" sz="1400" dirty="0">
+              <a:solidFill>
+                <a:schemeClr val="bg1"/>
+              </a:solidFill>
+            </a:endParaRPr>
+          </a:p>
+        </p:txBody>
+      </p:sp>
+      <p:sp>
+        <p:nvSpPr>
+          <p:cNvPr id="114" name="Прямоугольник 113">
+            <a:extLst>
+              <a:ext uri="{FF2B5EF4-FFF2-40B4-BE49-F238E27FC236}">
+                <a16:creationId xmlns:a16="http://schemas.microsoft.com/office/drawing/2014/main" id="{3AB9C53C-EEA4-4A31-9645-644F12CB0F66}"/>
+              </a:ext>
+            </a:extLst>
+          </p:cNvPr>
+          <p:cNvSpPr/>
+          <p:nvPr/>
+        </p:nvSpPr>
+        <p:spPr>
+          <a:xfrm>
+            <a:off x="23550478" y="302735"/>
+            <a:ext cx="2115918" cy="1080000"/>
+          </a:xfrm>
+          <a:prstGeom prst="rect">
+            <a:avLst/>
+          </a:prstGeom>
+          <a:solidFill>
+            <a:schemeClr val="tx1">
+              <a:lumMod val="85000"/>
+              <a:lumOff val="15000"/>
+            </a:schemeClr>
+          </a:solidFill>
+          <a:ln w="28575"/>
+        </p:spPr>
+        <p:style>
+          <a:lnRef idx="2">
+            <a:schemeClr val="accent1"/>
+          </a:lnRef>
+          <a:fillRef idx="1">
+            <a:schemeClr val="lt1"/>
+          </a:fillRef>
+          <a:effectRef idx="0">
+            <a:schemeClr val="accent1"/>
+          </a:effectRef>
+          <a:fontRef idx="minor">
+            <a:schemeClr val="dk1"/>
+          </a:fontRef>
+        </p:style>
+        <p:txBody>
+          <a:bodyPr lIns="124733" tIns="62367" rIns="124733" bIns="62367" rtlCol="0" anchor="ctr"/>
+          <a:lstStyle/>
+          <a:p>
+            <a:pPr algn="ctr"/>
+            <a:r>
+              <a:rPr lang="ru-RU" sz="300" dirty="0">
+                <a:solidFill>
+                  <a:schemeClr val="bg1"/>
+                </a:solidFill>
+              </a:rPr>
+              <a:t>28-29 ноября 1936 г. состоялся специальный съезд, на котором обсуждалась идея совета. Здесь был принят документ о Советах, содержание которого во многом соответствовало отчету Совета от 1932 года. В дальнейшем в соответствии с этим был принят ряд практических решений:¬¬- преобразование NSV в организацию в коммерческих организациях и промышленных федерациях, и рассматривать эти органы как подготовительные органы для социальной реконструкции;¬- усиление осознания голландским пролетариатом того, что решение всех его проблем можно искать только в том, чтобы взять компании в свое собственное управление;¬¬- подготовка рабочих к поглощению компаний, среди прочего путем изучения администрации, технологии и т.п. их компании;¬- сбор статистического материала о наличной рабочей силе, объемах производства, потребления и потребности;- направление всей борьбы на корпоративное поглощение;- обострение и расширение борьбы, чтобы увеличить шанс социальной революции.</a:t>
+            </a:r>
+          </a:p>
+        </p:txBody>
+      </p:sp>
+      <p:sp>
+        <p:nvSpPr>
+          <p:cNvPr id="115" name="Прямоугольник 114">
+            <a:extLst>
+              <a:ext uri="{FF2B5EF4-FFF2-40B4-BE49-F238E27FC236}">
+                <a16:creationId xmlns:a16="http://schemas.microsoft.com/office/drawing/2014/main" id="{5AB7C30A-201B-4B15-889F-0961863E1653}"/>
+              </a:ext>
+            </a:extLst>
+          </p:cNvPr>
+          <p:cNvSpPr/>
+          <p:nvPr/>
+        </p:nvSpPr>
+        <p:spPr>
+          <a:xfrm>
+            <a:off x="21110971" y="5664689"/>
+            <a:ext cx="2115918" cy="1080000"/>
+          </a:xfrm>
+          <a:prstGeom prst="rect">
+            <a:avLst/>
+          </a:prstGeom>
+          <a:solidFill>
+            <a:schemeClr val="tx1">
+              <a:lumMod val="85000"/>
+              <a:lumOff val="15000"/>
+            </a:schemeClr>
+          </a:solidFill>
+          <a:ln w="28575"/>
+        </p:spPr>
+        <p:style>
+          <a:lnRef idx="2">
+            <a:schemeClr val="accent1"/>
+          </a:lnRef>
+          <a:fillRef idx="1">
+            <a:schemeClr val="lt1"/>
+          </a:fillRef>
+          <a:effectRef idx="0">
+            <a:schemeClr val="accent1"/>
+          </a:effectRef>
+          <a:fontRef idx="minor">
+            <a:schemeClr val="dk1"/>
+          </a:fontRef>
+        </p:style>
+        <p:txBody>
+          <a:bodyPr lIns="124733" tIns="62367" rIns="124733" bIns="62367" rtlCol="0" anchor="ctr"/>
+          <a:lstStyle/>
+          <a:p>
+            <a:pPr algn="ctr"/>
+            <a:r>
+              <a:rPr lang="ru-RU" sz="1400" dirty="0">
+                <a:solidFill>
+                  <a:schemeClr val="bg1"/>
+                </a:solidFill>
+              </a:rPr>
+              <a:t>Социальная реконструкция </a:t>
+            </a:r>
+            <a:r>
+              <a:rPr lang="ru-RU" sz="700" dirty="0">
+                <a:solidFill>
+                  <a:schemeClr val="bg1"/>
+                </a:solidFill>
+              </a:rPr>
+              <a:t>(преобразование NSV в организацию в коммерческих организациях и промышленных федерациях, и рассматривать эти органы как подготовительные органы для социальной реконструкции;¬)</a:t>
+            </a:r>
+            <a:endParaRPr lang="ru-RU" sz="1400" dirty="0">
+              <a:solidFill>
+                <a:schemeClr val="bg1"/>
+              </a:solidFill>
+            </a:endParaRPr>
+          </a:p>
+        </p:txBody>
+      </p:sp>
+      <p:cxnSp>
+        <p:nvCxnSpPr>
+          <p:cNvPr id="116" name="Прямая со стрелкой 115">
+            <a:extLst>
+              <a:ext uri="{FF2B5EF4-FFF2-40B4-BE49-F238E27FC236}">
+                <a16:creationId xmlns:a16="http://schemas.microsoft.com/office/drawing/2014/main" id="{EBD3A6F3-AB1C-47D3-A4C9-E367E9B43AB2}"/>
+              </a:ext>
+            </a:extLst>
+          </p:cNvPr>
+          <p:cNvCxnSpPr>
+            <a:cxnSpLocks/>
+            <a:stCxn id="185" idx="2"/>
+            <a:endCxn id="178" idx="0"/>
+          </p:cNvCxnSpPr>
+          <p:nvPr/>
+        </p:nvCxnSpPr>
+        <p:spPr>
+          <a:xfrm>
+            <a:off x="17289916" y="5316538"/>
+            <a:ext cx="0" cy="342326"/>
+          </a:xfrm>
+          <a:prstGeom prst="straightConnector1">
+            <a:avLst/>
+          </a:prstGeom>
+          <a:ln w="28575">
+            <a:tailEnd type="arrow"/>
+          </a:ln>
+        </p:spPr>
+        <p:style>
+          <a:lnRef idx="1">
+            <a:schemeClr val="accent1"/>
+          </a:lnRef>
+          <a:fillRef idx="0">
+            <a:schemeClr val="accent1"/>
+          </a:fillRef>
+          <a:effectRef idx="0">
+            <a:schemeClr val="accent1"/>
+          </a:effectRef>
+          <a:fontRef idx="minor">
+            <a:schemeClr val="tx1"/>
+          </a:fontRef>
+        </p:style>
+      </p:cxnSp>
+      <p:cxnSp>
+        <p:nvCxnSpPr>
+          <p:cNvPr id="117" name="Прямая со стрелкой 116">
+            <a:extLst>
+              <a:ext uri="{FF2B5EF4-FFF2-40B4-BE49-F238E27FC236}">
+                <a16:creationId xmlns:a16="http://schemas.microsoft.com/office/drawing/2014/main" id="{1CA48A8C-7918-4ACD-8584-930D3FA93CAA}"/>
+              </a:ext>
+            </a:extLst>
+          </p:cNvPr>
+          <p:cNvCxnSpPr>
+            <a:cxnSpLocks/>
+            <a:stCxn id="178" idx="2"/>
+            <a:endCxn id="175" idx="0"/>
+          </p:cNvCxnSpPr>
+          <p:nvPr/>
+        </p:nvCxnSpPr>
+        <p:spPr>
+          <a:xfrm>
+            <a:off x="17289916" y="6738864"/>
+            <a:ext cx="0" cy="349188"/>
+          </a:xfrm>
+          <a:prstGeom prst="straightConnector1">
+            <a:avLst/>
+          </a:prstGeom>
+          <a:ln w="28575">
+            <a:tailEnd type="arrow"/>
+          </a:ln>
+        </p:spPr>
+        <p:style>
+          <a:lnRef idx="1">
+            <a:schemeClr val="accent1"/>
+          </a:lnRef>
+          <a:fillRef idx="0">
+            <a:schemeClr val="accent1"/>
+          </a:fillRef>
+          <a:effectRef idx="0">
+            <a:schemeClr val="accent1"/>
+          </a:effectRef>
+          <a:fontRef idx="minor">
+            <a:schemeClr val="tx1"/>
+          </a:fontRef>
+        </p:style>
+      </p:cxnSp>
+      <p:sp>
+        <p:nvSpPr>
+          <p:cNvPr id="132" name="Прямоугольник 131">
+            <a:extLst>
+              <a:ext uri="{FF2B5EF4-FFF2-40B4-BE49-F238E27FC236}">
+                <a16:creationId xmlns:a16="http://schemas.microsoft.com/office/drawing/2014/main" id="{A65B4601-A6C9-4318-A2AC-F51BDF31465E}"/>
+              </a:ext>
+            </a:extLst>
+          </p:cNvPr>
+          <p:cNvSpPr/>
+          <p:nvPr/>
+        </p:nvSpPr>
+        <p:spPr>
+          <a:xfrm>
+            <a:off x="25986693" y="5658864"/>
+            <a:ext cx="2115918" cy="1080000"/>
+          </a:xfrm>
+          <a:prstGeom prst="rect">
+            <a:avLst/>
+          </a:prstGeom>
+          <a:solidFill>
+            <a:schemeClr val="tx1">
+              <a:lumMod val="85000"/>
+              <a:lumOff val="15000"/>
+            </a:schemeClr>
+          </a:solidFill>
+          <a:ln w="28575"/>
+        </p:spPr>
+        <p:style>
+          <a:lnRef idx="2">
+            <a:schemeClr val="accent1"/>
+          </a:lnRef>
+          <a:fillRef idx="1">
+            <a:schemeClr val="lt1"/>
+          </a:fillRef>
+          <a:effectRef idx="0">
+            <a:schemeClr val="accent1"/>
+          </a:effectRef>
+          <a:fontRef idx="minor">
+            <a:schemeClr val="dk1"/>
+          </a:fontRef>
+        </p:style>
+        <p:txBody>
+          <a:bodyPr lIns="124733" tIns="62367" rIns="124733" bIns="62367" rtlCol="0" anchor="ctr"/>
+          <a:lstStyle/>
+          <a:p>
+            <a:pPr algn="ctr"/>
+            <a:r>
+              <a:rPr lang="ru-RU" sz="1400" dirty="0">
+                <a:solidFill>
+                  <a:schemeClr val="bg1"/>
+                </a:solidFill>
+              </a:rPr>
+              <a:t>Поглощение компаний рабочими </a:t>
+            </a:r>
+            <a:r>
+              <a:rPr lang="ru-RU" sz="400" dirty="0">
+                <a:solidFill>
+                  <a:schemeClr val="bg1"/>
+                </a:solidFill>
+              </a:rPr>
+              <a:t>(- усиление осознания голландским пролетариатом того, что решение всех его проблем можно искать только в том, чтобы взять компании в свое собственное управление;¬¬- подготовка рабочих к поглощению компаний, среди прочего путем изучения администрации, технологии и т.п. их компании;¬- сбор статистического материала о наличной рабочей силе, объемах производства, потребления и потребности;- направление всей борьбы на корпоративное поглощение;)</a:t>
+            </a:r>
+            <a:endParaRPr lang="ru-RU" sz="1400" dirty="0">
+              <a:solidFill>
+                <a:schemeClr val="bg1"/>
+              </a:solidFill>
+            </a:endParaRPr>
+          </a:p>
+        </p:txBody>
+      </p:sp>
+      <p:sp>
+        <p:nvSpPr>
+          <p:cNvPr id="133" name="Прямоугольник 132">
+            <a:extLst>
+              <a:ext uri="{FF2B5EF4-FFF2-40B4-BE49-F238E27FC236}">
+                <a16:creationId xmlns:a16="http://schemas.microsoft.com/office/drawing/2014/main" id="{188F2F02-A522-4318-BA14-9C3D61F1BDD1}"/>
+              </a:ext>
+            </a:extLst>
+          </p:cNvPr>
+          <p:cNvSpPr/>
+          <p:nvPr/>
+        </p:nvSpPr>
+        <p:spPr>
+          <a:xfrm>
+            <a:off x="23550478" y="1564148"/>
+            <a:ext cx="2115918" cy="1080000"/>
+          </a:xfrm>
+          <a:prstGeom prst="rect">
+            <a:avLst/>
+          </a:prstGeom>
+          <a:solidFill>
+            <a:schemeClr val="tx1">
+              <a:lumMod val="85000"/>
+              <a:lumOff val="15000"/>
+            </a:schemeClr>
+          </a:solidFill>
+          <a:ln w="28575"/>
+        </p:spPr>
+        <p:style>
+          <a:lnRef idx="2">
+            <a:schemeClr val="accent1"/>
+          </a:lnRef>
+          <a:fillRef idx="1">
+            <a:schemeClr val="lt1"/>
+          </a:fillRef>
+          <a:effectRef idx="0">
+            <a:schemeClr val="accent1"/>
+          </a:effectRef>
+          <a:fontRef idx="minor">
+            <a:schemeClr val="dk1"/>
+          </a:fontRef>
+        </p:style>
+        <p:txBody>
+          <a:bodyPr lIns="124733" tIns="62367" rIns="124733" bIns="62367" rtlCol="0" anchor="ctr"/>
+          <a:lstStyle/>
+          <a:p>
+            <a:pPr algn="ctr"/>
+            <a:r>
+              <a:rPr lang="ru-RU" sz="300" dirty="0">
+                <a:solidFill>
+                  <a:schemeClr val="bg1"/>
+                </a:solidFill>
+              </a:rPr>
+              <a:t>Еще раньше, в 1936 г., а именно на январском съезде, НСВ решило ужесточить свою </a:t>
+            </a:r>
+            <a:r>
+              <a:rPr lang="ru-RU" sz="300" dirty="0" err="1">
+                <a:solidFill>
+                  <a:schemeClr val="bg1"/>
+                </a:solidFill>
+              </a:rPr>
+              <a:t>антипарламентскую</a:t>
+            </a:r>
+            <a:r>
+              <a:rPr lang="ru-RU" sz="300" dirty="0">
+                <a:solidFill>
+                  <a:schemeClr val="bg1"/>
+                </a:solidFill>
+              </a:rPr>
+              <a:t> позицию. Оговорка «независимо от» теперь также официально исключена. Это было заменено следующим положением:¬- Члены парламентских политических партий не могут оставаться членами НСВ;B Члены НСВ, ведущие пропаганду в нарушение </a:t>
+            </a:r>
+            <a:r>
+              <a:rPr lang="ru-RU" sz="300" dirty="0" err="1">
+                <a:solidFill>
+                  <a:schemeClr val="bg1"/>
+                </a:solidFill>
+              </a:rPr>
+              <a:t>принциповЛен</a:t>
+            </a:r>
+            <a:r>
+              <a:rPr lang="ru-RU" sz="300" dirty="0">
+                <a:solidFill>
+                  <a:schemeClr val="bg1"/>
+                </a:solidFill>
+              </a:rPr>
+              <a:t> НСВ, должен быть </a:t>
+            </a:r>
+            <a:r>
+              <a:rPr lang="ru-RU" sz="300" dirty="0" err="1">
+                <a:solidFill>
+                  <a:schemeClr val="bg1"/>
+                </a:solidFill>
+              </a:rPr>
+              <a:t>исключен».На</a:t>
+            </a:r>
+            <a:r>
+              <a:rPr lang="ru-RU" sz="300" dirty="0">
+                <a:solidFill>
+                  <a:schemeClr val="bg1"/>
+                </a:solidFill>
+              </a:rPr>
+              <a:t> той же конференции еще раз выяснилось, что люди не склонны отказываться от анархо-синдикализма. Предложение SAS-</a:t>
+            </a:r>
+            <a:r>
+              <a:rPr lang="ru-RU" sz="300" dirty="0" err="1">
+                <a:solidFill>
+                  <a:schemeClr val="bg1"/>
+                </a:solidFill>
+              </a:rPr>
+              <a:t>Wormerveer</a:t>
+            </a:r>
+            <a:r>
+              <a:rPr lang="ru-RU" sz="300" dirty="0">
+                <a:solidFill>
+                  <a:schemeClr val="bg1"/>
+                </a:solidFill>
+              </a:rPr>
+              <a:t>-</a:t>
+            </a:r>
+            <a:r>
+              <a:rPr lang="ru-RU" sz="300" dirty="0" err="1">
+                <a:solidFill>
+                  <a:schemeClr val="bg1"/>
+                </a:solidFill>
+              </a:rPr>
+              <a:t>Krommenie</a:t>
+            </a:r>
+            <a:r>
+              <a:rPr lang="ru-RU" sz="300" dirty="0">
+                <a:solidFill>
+                  <a:schemeClr val="bg1"/>
+                </a:solidFill>
+              </a:rPr>
+              <a:t> сосредоточить пропаганду в первую очередь на заявлении принципов NSV ради лучшего сотрудничества с анархистами было отклонено. Альберт де </a:t>
+            </a:r>
+            <a:r>
+              <a:rPr lang="ru-RU" sz="300" dirty="0" err="1">
+                <a:solidFill>
+                  <a:schemeClr val="bg1"/>
+                </a:solidFill>
+              </a:rPr>
+              <a:t>Йонг</a:t>
+            </a:r>
+            <a:r>
+              <a:rPr lang="ru-RU" sz="300" dirty="0">
+                <a:solidFill>
+                  <a:schemeClr val="bg1"/>
+                </a:solidFill>
+              </a:rPr>
+              <a:t>, противник этого предложения, утверждал, что никогда нельзя создать сильное боевое рабочее движение с помощью пропаганды только одного принципа. 6)В рамках этого параграфа заслуживают упоминания два направления деятельности НСВ. Во-первых, это деятельность во время выборов. В эти периоды НСВ обычно проводила </a:t>
+            </a:r>
+            <a:r>
+              <a:rPr lang="ru-RU" sz="300" dirty="0" err="1">
+                <a:solidFill>
+                  <a:schemeClr val="bg1"/>
+                </a:solidFill>
+              </a:rPr>
+              <a:t>антивыборные</a:t>
+            </a:r>
+            <a:r>
+              <a:rPr lang="ru-RU" sz="300" dirty="0">
+                <a:solidFill>
+                  <a:schemeClr val="bg1"/>
+                </a:solidFill>
+              </a:rPr>
+              <a:t> кампании.</a:t>
+            </a:r>
+          </a:p>
+        </p:txBody>
+      </p:sp>
+      <p:sp>
+        <p:nvSpPr>
+          <p:cNvPr id="136" name="Прямоугольник 135">
+            <a:extLst>
+              <a:ext uri="{FF2B5EF4-FFF2-40B4-BE49-F238E27FC236}">
+                <a16:creationId xmlns:a16="http://schemas.microsoft.com/office/drawing/2014/main" id="{C6387565-D0F6-4C07-BB98-33EE69C60E92}"/>
+              </a:ext>
+            </a:extLst>
+          </p:cNvPr>
+          <p:cNvSpPr/>
+          <p:nvPr/>
+        </p:nvSpPr>
+        <p:spPr>
+          <a:xfrm>
+            <a:off x="26024823" y="1564148"/>
+            <a:ext cx="2115918" cy="1080000"/>
+          </a:xfrm>
+          <a:prstGeom prst="rect">
+            <a:avLst/>
+          </a:prstGeom>
+          <a:solidFill>
+            <a:schemeClr val="tx1">
+              <a:lumMod val="85000"/>
+              <a:lumOff val="15000"/>
+            </a:schemeClr>
+          </a:solidFill>
+          <a:ln w="28575"/>
+        </p:spPr>
+        <p:style>
+          <a:lnRef idx="2">
+            <a:schemeClr val="accent1"/>
+          </a:lnRef>
+          <a:fillRef idx="1">
+            <a:schemeClr val="lt1"/>
+          </a:fillRef>
+          <a:effectRef idx="0">
+            <a:schemeClr val="accent1"/>
+          </a:effectRef>
+          <a:fontRef idx="minor">
+            <a:schemeClr val="dk1"/>
+          </a:fontRef>
+        </p:style>
+        <p:txBody>
+          <a:bodyPr lIns="124733" tIns="62367" rIns="124733" bIns="62367" rtlCol="0" anchor="ctr"/>
+          <a:lstStyle/>
+          <a:p>
+            <a:pPr algn="ctr"/>
+            <a:r>
+              <a:rPr lang="ru-RU" sz="300" dirty="0">
+                <a:solidFill>
+                  <a:schemeClr val="bg1"/>
+                </a:solidFill>
+              </a:rPr>
+              <a:t>Только в середине тридцатых годов произошла сколько-нибудь значительная внутренняя ссора. Причиной стала смена руководства в Фонде международной солидарности (FIS), организации, в которой NSV участвовала вместе с IAMV и Ассоциацией анархо-социалистов (BAS). В конце 1935 года конгресс FIS избрал председателем </a:t>
+            </a:r>
+            <a:r>
+              <a:rPr lang="ru-RU" sz="300" dirty="0" err="1">
+                <a:solidFill>
+                  <a:schemeClr val="bg1"/>
+                </a:solidFill>
+              </a:rPr>
+              <a:t>Хенка</a:t>
+            </a:r>
+            <a:r>
+              <a:rPr lang="ru-RU" sz="300" dirty="0">
+                <a:solidFill>
+                  <a:schemeClr val="bg1"/>
+                </a:solidFill>
+              </a:rPr>
+              <a:t> </a:t>
+            </a:r>
+            <a:r>
+              <a:rPr lang="ru-RU" sz="300" dirty="0" err="1">
+                <a:solidFill>
+                  <a:schemeClr val="bg1"/>
+                </a:solidFill>
+              </a:rPr>
+              <a:t>Эйкебума</a:t>
+            </a:r>
+            <a:r>
+              <a:rPr lang="ru-RU" sz="300" dirty="0">
+                <a:solidFill>
+                  <a:schemeClr val="bg1"/>
+                </a:solidFill>
+              </a:rPr>
+              <a:t>. Конгресс NSV в январе 1936 года возражал против выбора </a:t>
+            </a:r>
+            <a:r>
+              <a:rPr lang="ru-RU" sz="300" dirty="0" err="1">
+                <a:solidFill>
+                  <a:schemeClr val="bg1"/>
+                </a:solidFill>
+              </a:rPr>
+              <a:t>Эйкебума</a:t>
+            </a:r>
+            <a:r>
+              <a:rPr lang="ru-RU" sz="300" dirty="0">
+                <a:solidFill>
+                  <a:schemeClr val="bg1"/>
+                </a:solidFill>
+              </a:rPr>
+              <a:t> из-за его менее надежных финансовых показателей в предыдущие годы. </a:t>
+            </a:r>
+            <a:r>
+              <a:rPr lang="ru-RU" sz="300" dirty="0" err="1">
+                <a:solidFill>
+                  <a:schemeClr val="bg1"/>
+                </a:solidFill>
+              </a:rPr>
+              <a:t>Эйкебум</a:t>
+            </a:r>
+            <a:r>
+              <a:rPr lang="ru-RU" sz="300" dirty="0">
+                <a:solidFill>
+                  <a:schemeClr val="bg1"/>
+                </a:solidFill>
+              </a:rPr>
+              <a:t> отреагировал на это решение конференции яростной кампанией против NSV в Де </a:t>
+            </a:r>
+            <a:r>
+              <a:rPr lang="ru-RU" sz="300" dirty="0" err="1">
+                <a:solidFill>
+                  <a:schemeClr val="bg1"/>
+                </a:solidFill>
+              </a:rPr>
+              <a:t>Арбайдере</a:t>
+            </a:r>
+            <a:r>
+              <a:rPr lang="ru-RU" sz="300" dirty="0">
+                <a:solidFill>
+                  <a:schemeClr val="bg1"/>
+                </a:solidFill>
+              </a:rPr>
+              <a:t>. В этом его поддержал член NSV Де </a:t>
+            </a:r>
+            <a:r>
+              <a:rPr lang="ru-RU" sz="300" dirty="0" err="1">
+                <a:solidFill>
+                  <a:schemeClr val="bg1"/>
+                </a:solidFill>
+              </a:rPr>
+              <a:t>Брюин</a:t>
+            </a:r>
+            <a:r>
+              <a:rPr lang="ru-RU" sz="300" dirty="0">
+                <a:solidFill>
+                  <a:schemeClr val="bg1"/>
+                </a:solidFill>
+              </a:rPr>
+              <a:t>, раскритиковавший решение съезда NSV в том же журнале. Из этой статьи явствует, что де </a:t>
+            </a:r>
+            <a:r>
+              <a:rPr lang="ru-RU" sz="300" dirty="0" err="1">
+                <a:solidFill>
+                  <a:schemeClr val="bg1"/>
+                </a:solidFill>
+              </a:rPr>
+              <a:t>Брюин</a:t>
+            </a:r>
+            <a:r>
+              <a:rPr lang="ru-RU" sz="300" dirty="0">
+                <a:solidFill>
+                  <a:schemeClr val="bg1"/>
+                </a:solidFill>
+              </a:rPr>
+              <a:t> располагал конфиденциальной информацией о ходе событий на этой конференции, хотя сам на ней не присутствовал. Дальнейшее расследование показало, что Де </a:t>
+            </a:r>
+            <a:r>
+              <a:rPr lang="ru-RU" sz="300" dirty="0" err="1">
+                <a:solidFill>
+                  <a:schemeClr val="bg1"/>
+                </a:solidFill>
+              </a:rPr>
+              <a:t>Брюин</a:t>
+            </a:r>
+            <a:r>
+              <a:rPr lang="ru-RU" sz="300" dirty="0">
+                <a:solidFill>
+                  <a:schemeClr val="bg1"/>
+                </a:solidFill>
+              </a:rPr>
+              <a:t> получил эту информацию от члена NSV </a:t>
+            </a:r>
+            <a:r>
+              <a:rPr lang="ru-RU" sz="300" dirty="0" err="1">
+                <a:solidFill>
+                  <a:schemeClr val="bg1"/>
+                </a:solidFill>
+              </a:rPr>
+              <a:t>Deutekom</a:t>
+            </a:r>
+            <a:r>
+              <a:rPr lang="ru-RU" sz="300" dirty="0">
+                <a:solidFill>
+                  <a:schemeClr val="bg1"/>
+                </a:solidFill>
+              </a:rPr>
+              <a:t>. Теперь NSV решила исключить этих двух членов, после чего они присоединились к NAS. Проблемы вокруг правления FIS были решены на общем собрании FIS, созванном NSV 10 апреля 1936 года. </a:t>
+            </a:r>
+            <a:r>
+              <a:rPr lang="ru-RU" sz="300" dirty="0" err="1">
+                <a:solidFill>
+                  <a:schemeClr val="bg1"/>
+                </a:solidFill>
+              </a:rPr>
+              <a:t>Эйкебум</a:t>
+            </a:r>
+            <a:r>
+              <a:rPr lang="ru-RU" sz="300" dirty="0">
+                <a:solidFill>
+                  <a:schemeClr val="bg1"/>
+                </a:solidFill>
+              </a:rPr>
+              <a:t> был исключен из правления FIS, и было принято решение вернуть правление FIS на прежнее место жительства, в </a:t>
+            </a:r>
+            <a:r>
+              <a:rPr lang="ru-RU" sz="300" dirty="0" err="1">
+                <a:solidFill>
+                  <a:schemeClr val="bg1"/>
+                </a:solidFill>
+              </a:rPr>
+              <a:t>Гронинген</a:t>
+            </a:r>
+            <a:r>
+              <a:rPr lang="ru-RU" sz="300" dirty="0">
+                <a:solidFill>
+                  <a:schemeClr val="bg1"/>
+                </a:solidFill>
+              </a:rPr>
+              <a:t>. принять.</a:t>
+            </a:r>
+          </a:p>
+        </p:txBody>
+      </p:sp>
+      <p:sp>
+        <p:nvSpPr>
+          <p:cNvPr id="140" name="Прямоугольник 139">
+            <a:extLst>
+              <a:ext uri="{FF2B5EF4-FFF2-40B4-BE49-F238E27FC236}">
+                <a16:creationId xmlns:a16="http://schemas.microsoft.com/office/drawing/2014/main" id="{3483C48C-1710-41B3-BD19-E0886F436CC4}"/>
+              </a:ext>
+            </a:extLst>
+          </p:cNvPr>
+          <p:cNvSpPr/>
+          <p:nvPr/>
+        </p:nvSpPr>
+        <p:spPr>
+          <a:xfrm>
+            <a:off x="28499168" y="302735"/>
+            <a:ext cx="2115918" cy="1080000"/>
+          </a:xfrm>
+          <a:prstGeom prst="rect">
+            <a:avLst/>
+          </a:prstGeom>
+          <a:solidFill>
+            <a:schemeClr val="tx1">
+              <a:lumMod val="85000"/>
+              <a:lumOff val="15000"/>
+            </a:schemeClr>
+          </a:solidFill>
+          <a:ln w="28575"/>
+        </p:spPr>
+        <p:style>
+          <a:lnRef idx="2">
+            <a:schemeClr val="accent1"/>
+          </a:lnRef>
+          <a:fillRef idx="1">
+            <a:schemeClr val="lt1"/>
+          </a:fillRef>
+          <a:effectRef idx="0">
+            <a:schemeClr val="accent1"/>
+          </a:effectRef>
+          <a:fontRef idx="minor">
+            <a:schemeClr val="dk1"/>
+          </a:fontRef>
+        </p:style>
+        <p:txBody>
+          <a:bodyPr lIns="124733" tIns="62367" rIns="124733" bIns="62367" rtlCol="0" anchor="ctr"/>
+          <a:lstStyle/>
+          <a:p>
+            <a:pPr algn="ctr"/>
+            <a:r>
+              <a:rPr lang="ru-RU" sz="300" dirty="0">
+                <a:solidFill>
+                  <a:schemeClr val="bg1"/>
+                </a:solidFill>
+              </a:rPr>
+              <a:t>Едва эти проблемы вокруг FIS были решены, как в молодежном движении вспыхнул конфликт. Предметом разногласий был вопрос о том, должны ли советы Школ юного пролетариата (OJP) назначаться родителями или советами SAS. Конгресс в ноябре 1936 г. должен был принять решение по этому поводу. Перед этой конференцией центральный и северный отделы OJP в Амстердаме заявили, что решение конференции не будет соблюдаться. Также выяснилось, что эти ведомства до сих пор поддерживают отношения с </a:t>
+            </a:r>
+            <a:r>
+              <a:rPr lang="ru-RU" sz="300" dirty="0" err="1">
+                <a:solidFill>
+                  <a:schemeClr val="bg1"/>
+                </a:solidFill>
+              </a:rPr>
+              <a:t>De</a:t>
+            </a:r>
+            <a:r>
+              <a:rPr lang="ru-RU" sz="300" dirty="0">
+                <a:solidFill>
+                  <a:schemeClr val="bg1"/>
+                </a:solidFill>
+              </a:rPr>
+              <a:t> </a:t>
+            </a:r>
+            <a:r>
+              <a:rPr lang="ru-RU" sz="300" dirty="0" err="1">
+                <a:solidFill>
+                  <a:schemeClr val="bg1"/>
+                </a:solidFill>
+              </a:rPr>
+              <a:t>Bruin</a:t>
+            </a:r>
+            <a:r>
+              <a:rPr lang="ru-RU" sz="300" dirty="0">
+                <a:solidFill>
+                  <a:schemeClr val="bg1"/>
+                </a:solidFill>
+              </a:rPr>
+              <a:t> и </a:t>
+            </a:r>
+            <a:r>
+              <a:rPr lang="ru-RU" sz="300" dirty="0" err="1">
+                <a:solidFill>
+                  <a:schemeClr val="bg1"/>
+                </a:solidFill>
+              </a:rPr>
+              <a:t>Deutekom</a:t>
+            </a:r>
+            <a:r>
+              <a:rPr lang="ru-RU" sz="300" dirty="0">
+                <a:solidFill>
+                  <a:schemeClr val="bg1"/>
+                </a:solidFill>
+              </a:rPr>
+              <a:t>, которые они отказались прекращать. Ноябрьский съезд постановил принципиально исключить этих противников, если они будут упорствовать на своей позиции. Последнее оказалось действительно так, так что соответствующие ведомства решили фактически исключить: десять членов металлического Амстердама, три из металлургического Роттердама и еще несколько из амстердамской строительной отрасли. 10)¬¬¬</a:t>
+            </a:r>
+          </a:p>
+        </p:txBody>
+      </p:sp>
+      <p:graphicFrame>
+        <p:nvGraphicFramePr>
+          <p:cNvPr id="19" name="Таблица 18">
+            <a:extLst>
+              <a:ext uri="{FF2B5EF4-FFF2-40B4-BE49-F238E27FC236}">
+                <a16:creationId xmlns:a16="http://schemas.microsoft.com/office/drawing/2014/main" id="{E22581ED-E764-4FCA-B41E-4071C1C99800}"/>
+              </a:ext>
+            </a:extLst>
+          </p:cNvPr>
+          <p:cNvGraphicFramePr>
+            <a:graphicFrameLocks noGrp="1"/>
+          </p:cNvGraphicFramePr>
+          <p:nvPr>
+            <p:extLst>
+              <p:ext uri="{D42A27DB-BD31-4B8C-83A1-F6EECF244321}">
+                <p14:modId xmlns:p14="http://schemas.microsoft.com/office/powerpoint/2010/main" val="2786221867"/>
+              </p:ext>
+            </p:extLst>
+          </p:nvPr>
+        </p:nvGraphicFramePr>
+        <p:xfrm>
+          <a:off x="34018925" y="1465655"/>
+          <a:ext cx="5029835" cy="1276985"/>
+        </p:xfrm>
+        <a:graphic>
+          <a:graphicData uri="http://schemas.openxmlformats.org/drawingml/2006/table">
+            <a:tbl>
+              <a:tblPr firstRow="1" firstCol="1" bandRow="1">
+                <a:tableStyleId>{5C22544A-7EE6-4342-B048-85BDC9FD1C3A}</a:tableStyleId>
+              </a:tblPr>
+              <a:tblGrid>
+                <a:gridCol w="871855">
+                  <a:extLst>
+                    <a:ext uri="{9D8B030D-6E8A-4147-A177-3AD203B41FA5}">
+                      <a16:colId xmlns:a16="http://schemas.microsoft.com/office/drawing/2014/main" val="1340066321"/>
+                    </a:ext>
+                  </a:extLst>
+                </a:gridCol>
+                <a:gridCol w="1972310">
+                  <a:extLst>
+                    <a:ext uri="{9D8B030D-6E8A-4147-A177-3AD203B41FA5}">
+                      <a16:colId xmlns:a16="http://schemas.microsoft.com/office/drawing/2014/main" val="3289238804"/>
+                    </a:ext>
+                  </a:extLst>
+                </a:gridCol>
+                <a:gridCol w="1234440">
+                  <a:extLst>
+                    <a:ext uri="{9D8B030D-6E8A-4147-A177-3AD203B41FA5}">
+                      <a16:colId xmlns:a16="http://schemas.microsoft.com/office/drawing/2014/main" val="1455402127"/>
+                    </a:ext>
+                  </a:extLst>
+                </a:gridCol>
+                <a:gridCol w="951230">
+                  <a:extLst>
+                    <a:ext uri="{9D8B030D-6E8A-4147-A177-3AD203B41FA5}">
+                      <a16:colId xmlns:a16="http://schemas.microsoft.com/office/drawing/2014/main" val="150090897"/>
+                    </a:ext>
+                  </a:extLst>
+                </a:gridCol>
+              </a:tblGrid>
+              <a:tr h="271145">
+                <a:tc>
+                  <a:txBody>
+                    <a:bodyPr/>
+                    <a:lstStyle/>
+                    <a:p>
+                      <a:pPr>
+                        <a:spcAft>
+                          <a:spcPts val="0"/>
+                        </a:spcAft>
+                      </a:pPr>
+                      <a:r>
+                        <a:rPr lang="nl-NL" sz="1200" dirty="0">
+                          <a:effectLst/>
+                        </a:rPr>
+                        <a:t>Дата</a:t>
+                      </a:r>
+                      <a:endParaRPr lang="ru-RU" sz="1200" dirty="0">
+                        <a:effectLst/>
+                        <a:latin typeface="Times New Roman" panose="02020603050405020304" pitchFamily="18" charset="0"/>
+                        <a:ea typeface="Times New Roman" panose="02020603050405020304" pitchFamily="18" charset="0"/>
+                      </a:endParaRPr>
+                    </a:p>
+                  </a:txBody>
+                  <a:tcPr marL="6350" marR="6350" marT="0" marB="0"/>
+                </a:tc>
+                <a:tc>
+                  <a:txBody>
+                    <a:bodyPr/>
+                    <a:lstStyle/>
+                    <a:p>
+                      <a:pPr indent="419100" algn="just">
+                        <a:spcAft>
+                          <a:spcPts val="0"/>
+                        </a:spcAft>
+                      </a:pPr>
+                      <a:r>
+                        <a:rPr lang="ru-RU" sz="1200" dirty="0">
+                          <a:effectLst/>
+                        </a:rPr>
+                        <a:t>Кол-во рабочих общее</a:t>
+                      </a:r>
+                      <a:endParaRPr lang="ru-RU" sz="1200" dirty="0">
+                        <a:effectLst/>
+                        <a:latin typeface="Times New Roman" panose="02020603050405020304" pitchFamily="18" charset="0"/>
+                        <a:ea typeface="Times New Roman" panose="02020603050405020304" pitchFamily="18" charset="0"/>
+                      </a:endParaRPr>
+                    </a:p>
+                  </a:txBody>
+                  <a:tcPr marL="6350" marR="6350" marT="0" marB="0"/>
+                </a:tc>
+                <a:tc>
+                  <a:txBody>
+                    <a:bodyPr/>
+                    <a:lstStyle/>
+                    <a:p>
+                      <a:pPr algn="ctr">
+                        <a:spcAft>
+                          <a:spcPts val="0"/>
+                        </a:spcAft>
+                      </a:pPr>
+                      <a:r>
+                        <a:rPr lang="ru-RU" sz="1200" dirty="0" err="1">
+                          <a:effectLst/>
+                        </a:rPr>
+                        <a:t>ансиды</a:t>
+                      </a:r>
+                      <a:endParaRPr lang="ru-RU" sz="1200" dirty="0">
+                        <a:effectLst/>
+                        <a:latin typeface="Times New Roman" panose="02020603050405020304" pitchFamily="18" charset="0"/>
+                        <a:ea typeface="Times New Roman" panose="02020603050405020304" pitchFamily="18" charset="0"/>
+                      </a:endParaRPr>
+                    </a:p>
+                  </a:txBody>
+                  <a:tcPr marL="6350" marR="6350" marT="0" marB="0"/>
+                </a:tc>
+                <a:tc>
+                  <a:txBody>
+                    <a:bodyPr/>
+                    <a:lstStyle/>
+                    <a:p>
+                      <a:pPr indent="241300">
+                        <a:spcAft>
+                          <a:spcPts val="0"/>
+                        </a:spcAft>
+                      </a:pPr>
+                      <a:r>
+                        <a:rPr lang="nl-NL" sz="1200">
+                          <a:effectLst/>
+                        </a:rPr>
+                        <a:t>процент</a:t>
+                      </a:r>
+                      <a:endParaRPr lang="ru-RU" sz="1200">
+                        <a:effectLst/>
+                        <a:latin typeface="Times New Roman" panose="02020603050405020304" pitchFamily="18" charset="0"/>
+                        <a:ea typeface="Times New Roman" panose="02020603050405020304" pitchFamily="18" charset="0"/>
+                      </a:endParaRPr>
+                    </a:p>
+                  </a:txBody>
+                  <a:tcPr marL="6350" marR="6350" marT="0" marB="0"/>
+                </a:tc>
+                <a:extLst>
+                  <a:ext uri="{0D108BD9-81ED-4DB2-BD59-A6C34878D82A}">
+                    <a16:rowId xmlns:a16="http://schemas.microsoft.com/office/drawing/2014/main" val="2620928766"/>
+                  </a:ext>
+                </a:extLst>
+              </a:tr>
+              <a:tr h="255905">
+                <a:tc>
+                  <a:txBody>
+                    <a:bodyPr/>
+                    <a:lstStyle/>
+                    <a:p>
+                      <a:pPr>
+                        <a:spcAft>
+                          <a:spcPts val="0"/>
+                        </a:spcAft>
+                      </a:pPr>
+                      <a:r>
+                        <a:rPr lang="nl-NL" sz="1200">
+                          <a:effectLst/>
+                        </a:rPr>
+                        <a:t>01.01.1936</a:t>
+                      </a:r>
+                      <a:endParaRPr lang="ru-RU" sz="1200">
+                        <a:effectLst/>
+                        <a:latin typeface="Times New Roman" panose="02020603050405020304" pitchFamily="18" charset="0"/>
+                        <a:ea typeface="Times New Roman" panose="02020603050405020304" pitchFamily="18" charset="0"/>
+                      </a:endParaRPr>
+                    </a:p>
+                  </a:txBody>
+                  <a:tcPr marL="6350" marR="6350" marT="0" marB="0" anchor="b"/>
+                </a:tc>
+                <a:tc>
+                  <a:txBody>
+                    <a:bodyPr/>
+                    <a:lstStyle/>
+                    <a:p>
+                      <a:pPr indent="584200">
+                        <a:spcAft>
+                          <a:spcPts val="0"/>
+                        </a:spcAft>
+                      </a:pPr>
+                      <a:r>
+                        <a:rPr lang="nl-NL" sz="1200" dirty="0">
+                          <a:effectLst/>
+                        </a:rPr>
+                        <a:t>626.333</a:t>
+                      </a:r>
+                      <a:endParaRPr lang="ru-RU" sz="1200" dirty="0">
+                        <a:effectLst/>
+                        <a:latin typeface="Times New Roman" panose="02020603050405020304" pitchFamily="18" charset="0"/>
+                        <a:ea typeface="Times New Roman" panose="02020603050405020304" pitchFamily="18" charset="0"/>
+                      </a:endParaRPr>
+                    </a:p>
+                  </a:txBody>
+                  <a:tcPr marL="6350" marR="6350" marT="0" marB="0" anchor="b"/>
+                </a:tc>
+                <a:tc>
+                  <a:txBody>
+                    <a:bodyPr/>
+                    <a:lstStyle/>
+                    <a:p>
+                      <a:pPr indent="355600">
+                        <a:spcAft>
+                          <a:spcPts val="0"/>
+                        </a:spcAft>
+                      </a:pPr>
+                      <a:r>
+                        <a:rPr lang="nl-NL" sz="1200">
+                          <a:effectLst/>
+                        </a:rPr>
+                        <a:t>1995 г.</a:t>
+                      </a:r>
+                      <a:endParaRPr lang="ru-RU" sz="1200">
+                        <a:effectLst/>
+                        <a:latin typeface="Times New Roman" panose="02020603050405020304" pitchFamily="18" charset="0"/>
+                        <a:ea typeface="Times New Roman" panose="02020603050405020304" pitchFamily="18" charset="0"/>
+                      </a:endParaRPr>
+                    </a:p>
+                  </a:txBody>
+                  <a:tcPr marL="6350" marR="6350" marT="0" marB="0" anchor="b"/>
+                </a:tc>
+                <a:tc>
+                  <a:txBody>
+                    <a:bodyPr/>
+                    <a:lstStyle/>
+                    <a:p>
+                      <a:pPr indent="355600">
+                        <a:spcAft>
+                          <a:spcPts val="0"/>
+                        </a:spcAft>
+                      </a:pPr>
+                      <a:r>
+                        <a:rPr lang="nl-NL" sz="1200">
+                          <a:effectLst/>
+                        </a:rPr>
+                        <a:t>0,319</a:t>
+                      </a:r>
+                      <a:endParaRPr lang="ru-RU" sz="1200">
+                        <a:effectLst/>
+                        <a:latin typeface="Times New Roman" panose="02020603050405020304" pitchFamily="18" charset="0"/>
+                        <a:ea typeface="Times New Roman" panose="02020603050405020304" pitchFamily="18" charset="0"/>
+                      </a:endParaRPr>
+                    </a:p>
+                  </a:txBody>
+                  <a:tcPr marL="6350" marR="6350" marT="0" marB="0" anchor="b"/>
+                </a:tc>
+                <a:extLst>
+                  <a:ext uri="{0D108BD9-81ED-4DB2-BD59-A6C34878D82A}">
+                    <a16:rowId xmlns:a16="http://schemas.microsoft.com/office/drawing/2014/main" val="2997133043"/>
+                  </a:ext>
+                </a:extLst>
+              </a:tr>
+              <a:tr h="173990">
+                <a:tc>
+                  <a:txBody>
+                    <a:bodyPr/>
+                    <a:lstStyle/>
+                    <a:p>
+                      <a:pPr>
+                        <a:spcAft>
+                          <a:spcPts val="0"/>
+                        </a:spcAft>
+                      </a:pPr>
+                      <a:r>
+                        <a:rPr lang="nl-NL" sz="1200">
+                          <a:effectLst/>
+                        </a:rPr>
+                        <a:t>01.01.1937</a:t>
+                      </a:r>
+                      <a:endParaRPr lang="ru-RU" sz="1200">
+                        <a:effectLst/>
+                        <a:latin typeface="Times New Roman" panose="02020603050405020304" pitchFamily="18" charset="0"/>
+                        <a:ea typeface="Times New Roman" panose="02020603050405020304" pitchFamily="18" charset="0"/>
+                      </a:endParaRPr>
+                    </a:p>
+                  </a:txBody>
+                  <a:tcPr marL="6350" marR="6350" marT="0" marB="0" anchor="b"/>
+                </a:tc>
+                <a:tc>
+                  <a:txBody>
+                    <a:bodyPr/>
+                    <a:lstStyle/>
+                    <a:p>
+                      <a:pPr indent="584200">
+                        <a:spcAft>
+                          <a:spcPts val="0"/>
+                        </a:spcAft>
+                      </a:pPr>
+                      <a:r>
+                        <a:rPr lang="nl-NL" sz="1200">
+                          <a:effectLst/>
+                        </a:rPr>
+                        <a:t>617,511</a:t>
+                      </a:r>
+                      <a:endParaRPr lang="ru-RU" sz="1200">
+                        <a:effectLst/>
+                        <a:latin typeface="Times New Roman" panose="02020603050405020304" pitchFamily="18" charset="0"/>
+                        <a:ea typeface="Times New Roman" panose="02020603050405020304" pitchFamily="18" charset="0"/>
+                      </a:endParaRPr>
+                    </a:p>
+                  </a:txBody>
+                  <a:tcPr marL="6350" marR="6350" marT="0" marB="0" anchor="b"/>
+                </a:tc>
+                <a:tc>
+                  <a:txBody>
+                    <a:bodyPr/>
+                    <a:lstStyle/>
+                    <a:p>
+                      <a:pPr indent="355600">
+                        <a:spcAft>
+                          <a:spcPts val="0"/>
+                        </a:spcAft>
+                      </a:pPr>
+                      <a:r>
+                        <a:rPr lang="nl-NL" sz="1200">
+                          <a:effectLst/>
+                        </a:rPr>
+                        <a:t>1872</a:t>
+                      </a:r>
+                      <a:endParaRPr lang="ru-RU" sz="1200">
+                        <a:effectLst/>
+                        <a:latin typeface="Times New Roman" panose="02020603050405020304" pitchFamily="18" charset="0"/>
+                        <a:ea typeface="Times New Roman" panose="02020603050405020304" pitchFamily="18" charset="0"/>
+                      </a:endParaRPr>
+                    </a:p>
+                  </a:txBody>
+                  <a:tcPr marL="6350" marR="6350" marT="0" marB="0" anchor="b"/>
+                </a:tc>
+                <a:tc>
+                  <a:txBody>
+                    <a:bodyPr/>
+                    <a:lstStyle/>
+                    <a:p>
+                      <a:pPr indent="355600">
+                        <a:spcAft>
+                          <a:spcPts val="0"/>
+                        </a:spcAft>
+                      </a:pPr>
+                      <a:r>
+                        <a:rPr lang="nl-NL" sz="1200">
+                          <a:effectLst/>
+                        </a:rPr>
+                        <a:t>0,303</a:t>
+                      </a:r>
+                      <a:endParaRPr lang="ru-RU" sz="1200">
+                        <a:effectLst/>
+                        <a:latin typeface="Times New Roman" panose="02020603050405020304" pitchFamily="18" charset="0"/>
+                        <a:ea typeface="Times New Roman" panose="02020603050405020304" pitchFamily="18" charset="0"/>
+                      </a:endParaRPr>
+                    </a:p>
+                  </a:txBody>
+                  <a:tcPr marL="6350" marR="6350" marT="0" marB="0" anchor="b"/>
+                </a:tc>
+                <a:extLst>
+                  <a:ext uri="{0D108BD9-81ED-4DB2-BD59-A6C34878D82A}">
+                    <a16:rowId xmlns:a16="http://schemas.microsoft.com/office/drawing/2014/main" val="3986342501"/>
+                  </a:ext>
+                </a:extLst>
+              </a:tr>
+              <a:tr h="176530">
+                <a:tc>
+                  <a:txBody>
+                    <a:bodyPr/>
+                    <a:lstStyle/>
+                    <a:p>
+                      <a:pPr>
+                        <a:spcAft>
+                          <a:spcPts val="0"/>
+                        </a:spcAft>
+                      </a:pPr>
+                      <a:r>
+                        <a:rPr lang="nl-NL" sz="1200">
+                          <a:effectLst/>
+                        </a:rPr>
+                        <a:t>01.01.1938</a:t>
+                      </a:r>
+                      <a:endParaRPr lang="ru-RU" sz="1200">
+                        <a:effectLst/>
+                        <a:latin typeface="Times New Roman" panose="02020603050405020304" pitchFamily="18" charset="0"/>
+                        <a:ea typeface="Times New Roman" panose="02020603050405020304" pitchFamily="18" charset="0"/>
+                      </a:endParaRPr>
+                    </a:p>
+                  </a:txBody>
+                  <a:tcPr marL="6350" marR="6350" marT="0" marB="0" anchor="b"/>
+                </a:tc>
+                <a:tc>
+                  <a:txBody>
+                    <a:bodyPr/>
+                    <a:lstStyle/>
+                    <a:p>
+                      <a:pPr indent="584200">
+                        <a:spcAft>
+                          <a:spcPts val="0"/>
+                        </a:spcAft>
+                      </a:pPr>
+                      <a:r>
+                        <a:rPr lang="nl-NL" sz="1200">
+                          <a:effectLst/>
+                        </a:rPr>
+                        <a:t>632.716</a:t>
+                      </a:r>
+                      <a:endParaRPr lang="ru-RU" sz="1200">
+                        <a:effectLst/>
+                        <a:latin typeface="Times New Roman" panose="02020603050405020304" pitchFamily="18" charset="0"/>
+                        <a:ea typeface="Times New Roman" panose="02020603050405020304" pitchFamily="18" charset="0"/>
+                      </a:endParaRPr>
+                    </a:p>
+                  </a:txBody>
+                  <a:tcPr marL="6350" marR="6350" marT="0" marB="0" anchor="b"/>
+                </a:tc>
+                <a:tc>
+                  <a:txBody>
+                    <a:bodyPr/>
+                    <a:lstStyle/>
+                    <a:p>
+                      <a:pPr indent="355600">
+                        <a:spcAft>
+                          <a:spcPts val="0"/>
+                        </a:spcAft>
+                      </a:pPr>
+                      <a:r>
+                        <a:rPr lang="nl-NL" sz="1200">
+                          <a:effectLst/>
+                        </a:rPr>
+                        <a:t>2005 г.</a:t>
+                      </a:r>
+                      <a:endParaRPr lang="ru-RU" sz="1200">
+                        <a:effectLst/>
+                        <a:latin typeface="Times New Roman" panose="02020603050405020304" pitchFamily="18" charset="0"/>
+                        <a:ea typeface="Times New Roman" panose="02020603050405020304" pitchFamily="18" charset="0"/>
+                      </a:endParaRPr>
+                    </a:p>
+                  </a:txBody>
+                  <a:tcPr marL="6350" marR="6350" marT="0" marB="0" anchor="b"/>
+                </a:tc>
+                <a:tc>
+                  <a:txBody>
+                    <a:bodyPr/>
+                    <a:lstStyle/>
+                    <a:p>
+                      <a:pPr indent="355600">
+                        <a:spcAft>
+                          <a:spcPts val="0"/>
+                        </a:spcAft>
+                      </a:pPr>
+                      <a:r>
+                        <a:rPr lang="nl-NL" sz="1200">
+                          <a:effectLst/>
+                        </a:rPr>
+                        <a:t>0,317</a:t>
+                      </a:r>
+                      <a:endParaRPr lang="ru-RU" sz="1200">
+                        <a:effectLst/>
+                        <a:latin typeface="Times New Roman" panose="02020603050405020304" pitchFamily="18" charset="0"/>
+                        <a:ea typeface="Times New Roman" panose="02020603050405020304" pitchFamily="18" charset="0"/>
+                      </a:endParaRPr>
+                    </a:p>
+                  </a:txBody>
+                  <a:tcPr marL="6350" marR="6350" marT="0" marB="0" anchor="b"/>
+                </a:tc>
+                <a:extLst>
+                  <a:ext uri="{0D108BD9-81ED-4DB2-BD59-A6C34878D82A}">
+                    <a16:rowId xmlns:a16="http://schemas.microsoft.com/office/drawing/2014/main" val="2781629343"/>
+                  </a:ext>
+                </a:extLst>
+              </a:tr>
+              <a:tr h="176530">
+                <a:tc>
+                  <a:txBody>
+                    <a:bodyPr/>
+                    <a:lstStyle/>
+                    <a:p>
+                      <a:pPr>
+                        <a:spcAft>
+                          <a:spcPts val="0"/>
+                        </a:spcAft>
+                      </a:pPr>
+                      <a:r>
+                        <a:rPr lang="nl-NL" sz="1200">
+                          <a:effectLst/>
+                        </a:rPr>
+                        <a:t>01.01.1939</a:t>
+                      </a:r>
+                      <a:endParaRPr lang="ru-RU" sz="1200">
+                        <a:effectLst/>
+                        <a:latin typeface="Times New Roman" panose="02020603050405020304" pitchFamily="18" charset="0"/>
+                        <a:ea typeface="Times New Roman" panose="02020603050405020304" pitchFamily="18" charset="0"/>
+                      </a:endParaRPr>
+                    </a:p>
+                  </a:txBody>
+                  <a:tcPr marL="6350" marR="6350" marT="0" marB="0" anchor="b"/>
+                </a:tc>
+                <a:tc>
+                  <a:txBody>
+                    <a:bodyPr/>
+                    <a:lstStyle/>
+                    <a:p>
+                      <a:pPr indent="584200">
+                        <a:spcAft>
+                          <a:spcPts val="0"/>
+                        </a:spcAft>
+                      </a:pPr>
+                      <a:r>
+                        <a:rPr lang="nl-NL" sz="1200">
+                          <a:effectLst/>
+                        </a:rPr>
+                        <a:t>655,864</a:t>
+                      </a:r>
+                      <a:endParaRPr lang="ru-RU" sz="1200">
+                        <a:effectLst/>
+                        <a:latin typeface="Times New Roman" panose="02020603050405020304" pitchFamily="18" charset="0"/>
+                        <a:ea typeface="Times New Roman" panose="02020603050405020304" pitchFamily="18" charset="0"/>
+                      </a:endParaRPr>
+                    </a:p>
+                  </a:txBody>
+                  <a:tcPr marL="6350" marR="6350" marT="0" marB="0" anchor="b"/>
+                </a:tc>
+                <a:tc>
+                  <a:txBody>
+                    <a:bodyPr/>
+                    <a:lstStyle/>
+                    <a:p>
+                      <a:pPr indent="355600">
+                        <a:spcAft>
+                          <a:spcPts val="0"/>
+                        </a:spcAft>
+                      </a:pPr>
+                      <a:r>
+                        <a:rPr lang="nl-NL" sz="1200">
+                          <a:effectLst/>
+                        </a:rPr>
+                        <a:t>1600</a:t>
+                      </a:r>
+                      <a:endParaRPr lang="ru-RU" sz="1200">
+                        <a:effectLst/>
+                        <a:latin typeface="Times New Roman" panose="02020603050405020304" pitchFamily="18" charset="0"/>
+                        <a:ea typeface="Times New Roman" panose="02020603050405020304" pitchFamily="18" charset="0"/>
+                      </a:endParaRPr>
+                    </a:p>
+                  </a:txBody>
+                  <a:tcPr marL="6350" marR="6350" marT="0" marB="0" anchor="b"/>
+                </a:tc>
+                <a:tc>
+                  <a:txBody>
+                    <a:bodyPr/>
+                    <a:lstStyle/>
+                    <a:p>
+                      <a:pPr indent="355600">
+                        <a:spcAft>
+                          <a:spcPts val="0"/>
+                        </a:spcAft>
+                      </a:pPr>
+                      <a:r>
+                        <a:rPr lang="nl-NL" sz="1200">
+                          <a:effectLst/>
+                        </a:rPr>
+                        <a:t>0,244</a:t>
+                      </a:r>
+                      <a:endParaRPr lang="ru-RU" sz="1200">
+                        <a:effectLst/>
+                        <a:latin typeface="Times New Roman" panose="02020603050405020304" pitchFamily="18" charset="0"/>
+                        <a:ea typeface="Times New Roman" panose="02020603050405020304" pitchFamily="18" charset="0"/>
+                      </a:endParaRPr>
+                    </a:p>
+                  </a:txBody>
+                  <a:tcPr marL="6350" marR="6350" marT="0" marB="0" anchor="b"/>
+                </a:tc>
+                <a:extLst>
+                  <a:ext uri="{0D108BD9-81ED-4DB2-BD59-A6C34878D82A}">
+                    <a16:rowId xmlns:a16="http://schemas.microsoft.com/office/drawing/2014/main" val="3540080779"/>
+                  </a:ext>
+                </a:extLst>
+              </a:tr>
+              <a:tr h="201295">
+                <a:tc>
+                  <a:txBody>
+                    <a:bodyPr/>
+                    <a:lstStyle/>
+                    <a:p>
+                      <a:pPr>
+                        <a:spcAft>
+                          <a:spcPts val="0"/>
+                        </a:spcAft>
+                      </a:pPr>
+                      <a:r>
+                        <a:rPr lang="nl-NL" sz="1200" dirty="0">
+                          <a:effectLst/>
+                        </a:rPr>
+                        <a:t>01.01.1940</a:t>
+                      </a:r>
+                      <a:endParaRPr lang="ru-RU" sz="1200" dirty="0">
+                        <a:effectLst/>
+                        <a:latin typeface="Times New Roman" panose="02020603050405020304" pitchFamily="18" charset="0"/>
+                        <a:ea typeface="Times New Roman" panose="02020603050405020304" pitchFamily="18" charset="0"/>
+                      </a:endParaRPr>
+                    </a:p>
+                  </a:txBody>
+                  <a:tcPr marL="6350" marR="6350" marT="0" marB="0"/>
+                </a:tc>
+                <a:tc>
+                  <a:txBody>
+                    <a:bodyPr/>
+                    <a:lstStyle/>
+                    <a:p>
+                      <a:pPr indent="584200">
+                        <a:spcAft>
+                          <a:spcPts val="0"/>
+                        </a:spcAft>
+                      </a:pPr>
+                      <a:r>
+                        <a:rPr lang="nl-NL" sz="1200">
+                          <a:effectLst/>
+                        </a:rPr>
+                        <a:t>686 830</a:t>
+                      </a:r>
+                      <a:endParaRPr lang="ru-RU" sz="1200">
+                        <a:effectLst/>
+                        <a:latin typeface="Times New Roman" panose="02020603050405020304" pitchFamily="18" charset="0"/>
+                        <a:ea typeface="Times New Roman" panose="02020603050405020304" pitchFamily="18" charset="0"/>
+                      </a:endParaRPr>
+                    </a:p>
+                  </a:txBody>
+                  <a:tcPr marL="6350" marR="6350" marT="0" marB="0"/>
+                </a:tc>
+                <a:tc>
+                  <a:txBody>
+                    <a:bodyPr/>
+                    <a:lstStyle/>
+                    <a:p>
+                      <a:pPr indent="355600">
+                        <a:spcAft>
+                          <a:spcPts val="0"/>
+                        </a:spcAft>
+                      </a:pPr>
+                      <a:r>
+                        <a:rPr lang="nl-NL" sz="1200">
+                          <a:effectLst/>
+                        </a:rPr>
+                        <a:t>1,614</a:t>
+                      </a:r>
+                      <a:endParaRPr lang="ru-RU" sz="1200">
+                        <a:effectLst/>
+                        <a:latin typeface="Times New Roman" panose="02020603050405020304" pitchFamily="18" charset="0"/>
+                        <a:ea typeface="Times New Roman" panose="02020603050405020304" pitchFamily="18" charset="0"/>
+                      </a:endParaRPr>
+                    </a:p>
+                  </a:txBody>
+                  <a:tcPr marL="6350" marR="6350" marT="0" marB="0"/>
+                </a:tc>
+                <a:tc>
+                  <a:txBody>
+                    <a:bodyPr/>
+                    <a:lstStyle/>
+                    <a:p>
+                      <a:pPr indent="355600">
+                        <a:spcAft>
+                          <a:spcPts val="0"/>
+                        </a:spcAft>
+                      </a:pPr>
+                      <a:r>
+                        <a:rPr lang="nl-NL" sz="1200" dirty="0">
+                          <a:effectLst/>
+                        </a:rPr>
+                        <a:t>0,235</a:t>
+                      </a:r>
+                      <a:endParaRPr lang="ru-RU" sz="1200" dirty="0">
+                        <a:effectLst/>
+                        <a:latin typeface="Times New Roman" panose="02020603050405020304" pitchFamily="18" charset="0"/>
+                        <a:ea typeface="Times New Roman" panose="02020603050405020304" pitchFamily="18" charset="0"/>
+                      </a:endParaRPr>
+                    </a:p>
+                  </a:txBody>
+                  <a:tcPr marL="6350" marR="6350" marT="0" marB="0"/>
+                </a:tc>
+                <a:extLst>
+                  <a:ext uri="{0D108BD9-81ED-4DB2-BD59-A6C34878D82A}">
+                    <a16:rowId xmlns:a16="http://schemas.microsoft.com/office/drawing/2014/main" val="3491628292"/>
+                  </a:ext>
+                </a:extLst>
+              </a:tr>
+            </a:tbl>
+          </a:graphicData>
+        </a:graphic>
+      </p:graphicFrame>
+      <p:sp>
+        <p:nvSpPr>
+          <p:cNvPr id="141" name="Прямоугольник 140">
+            <a:extLst>
+              <a:ext uri="{FF2B5EF4-FFF2-40B4-BE49-F238E27FC236}">
+                <a16:creationId xmlns:a16="http://schemas.microsoft.com/office/drawing/2014/main" id="{7124B428-62EC-4668-AA42-A9E765922B83}"/>
+              </a:ext>
+            </a:extLst>
+          </p:cNvPr>
+          <p:cNvSpPr/>
+          <p:nvPr/>
+        </p:nvSpPr>
+        <p:spPr>
+          <a:xfrm>
+            <a:off x="26024823" y="4229713"/>
+            <a:ext cx="2115918" cy="1080000"/>
+          </a:xfrm>
+          <a:prstGeom prst="rect">
+            <a:avLst/>
+          </a:prstGeom>
+          <a:solidFill>
+            <a:schemeClr val="tx1">
+              <a:lumMod val="85000"/>
+              <a:lumOff val="15000"/>
+            </a:schemeClr>
+          </a:solidFill>
+          <a:ln w="28575"/>
+        </p:spPr>
+        <p:style>
+          <a:lnRef idx="2">
+            <a:schemeClr val="accent1"/>
+          </a:lnRef>
+          <a:fillRef idx="1">
+            <a:schemeClr val="lt1"/>
+          </a:fillRef>
+          <a:effectRef idx="0">
+            <a:schemeClr val="accent1"/>
+          </a:effectRef>
+          <a:fontRef idx="minor">
+            <a:schemeClr val="dk1"/>
+          </a:fontRef>
+        </p:style>
+        <p:txBody>
+          <a:bodyPr lIns="124733" tIns="62367" rIns="124733" bIns="62367" rtlCol="0" anchor="ctr"/>
+          <a:lstStyle/>
+          <a:p>
+            <a:pPr algn="ctr"/>
+            <a:r>
+              <a:rPr lang="ru-RU" sz="1400" dirty="0">
+                <a:solidFill>
+                  <a:schemeClr val="bg1"/>
+                </a:solidFill>
+              </a:rPr>
+              <a:t>Создать федерацию сельскохозяйственных рабочих </a:t>
+            </a:r>
+            <a:r>
+              <a:rPr lang="ru-RU" sz="700" dirty="0">
+                <a:solidFill>
+                  <a:schemeClr val="bg1"/>
+                </a:solidFill>
+              </a:rPr>
+              <a:t>(</a:t>
+            </a:r>
+            <a:r>
+              <a:rPr lang="ru-RU" sz="500" dirty="0">
+                <a:solidFill>
+                  <a:schemeClr val="bg1"/>
+                </a:solidFill>
+              </a:rPr>
+              <a:t>Сельскохозяйственные рабочие в период 1929-1940 гг. фактически не играли значительной роли. Как мы уже видели, федерация была распущена 1 февраля 1935 года. Последующие попытки NSV создать федерацию сельскохозяйственных рабочих снова потерпели неудачу. Что касается разброса, то у нас сложилось впечатление, что отдел был только один, а именно в </a:t>
+            </a:r>
+            <a:r>
+              <a:rPr lang="ru-RU" sz="500" dirty="0" err="1">
+                <a:solidFill>
+                  <a:schemeClr val="bg1"/>
+                </a:solidFill>
+              </a:rPr>
+              <a:t>Вольдендорпе</a:t>
+            </a:r>
+            <a:r>
+              <a:rPr lang="ru-RU" sz="500" dirty="0">
+                <a:solidFill>
+                  <a:schemeClr val="bg1"/>
+                </a:solidFill>
+              </a:rPr>
+              <a:t> (</a:t>
+            </a:r>
+            <a:r>
+              <a:rPr lang="ru-RU" sz="500" dirty="0" err="1">
+                <a:solidFill>
+                  <a:schemeClr val="bg1"/>
+                </a:solidFill>
+              </a:rPr>
+              <a:t>Гронинген</a:t>
+            </a:r>
+            <a:r>
+              <a:rPr lang="ru-RU" sz="500" dirty="0">
+                <a:solidFill>
+                  <a:schemeClr val="bg1"/>
+                </a:solidFill>
+              </a:rPr>
+              <a:t>).)</a:t>
+            </a:r>
+            <a:endParaRPr lang="ru-RU" sz="1400" dirty="0">
+              <a:solidFill>
+                <a:schemeClr val="bg1"/>
+              </a:solidFill>
+            </a:endParaRPr>
+          </a:p>
+        </p:txBody>
+      </p:sp>
+      <p:sp>
+        <p:nvSpPr>
+          <p:cNvPr id="148" name="Прямоугольник 147">
+            <a:extLst>
+              <a:ext uri="{FF2B5EF4-FFF2-40B4-BE49-F238E27FC236}">
+                <a16:creationId xmlns:a16="http://schemas.microsoft.com/office/drawing/2014/main" id="{BE852B2E-CE51-4DA1-892E-D2065BCEDFBE}"/>
+              </a:ext>
+            </a:extLst>
+          </p:cNvPr>
+          <p:cNvSpPr/>
+          <p:nvPr/>
+        </p:nvSpPr>
+        <p:spPr>
+          <a:xfrm>
+            <a:off x="28560693" y="1564147"/>
+            <a:ext cx="2115918" cy="1080000"/>
+          </a:xfrm>
+          <a:prstGeom prst="rect">
+            <a:avLst/>
+          </a:prstGeom>
+          <a:solidFill>
+            <a:schemeClr val="tx1">
+              <a:lumMod val="85000"/>
+              <a:lumOff val="15000"/>
+            </a:schemeClr>
+          </a:solidFill>
+          <a:ln w="28575"/>
+        </p:spPr>
+        <p:style>
+          <a:lnRef idx="2">
+            <a:schemeClr val="accent1"/>
+          </a:lnRef>
+          <a:fillRef idx="1">
+            <a:schemeClr val="lt1"/>
+          </a:fillRef>
+          <a:effectRef idx="0">
+            <a:schemeClr val="accent1"/>
+          </a:effectRef>
+          <a:fontRef idx="minor">
+            <a:schemeClr val="dk1"/>
+          </a:fontRef>
+        </p:style>
+        <p:txBody>
+          <a:bodyPr lIns="124733" tIns="62367" rIns="124733" bIns="62367" rtlCol="0" anchor="ctr"/>
+          <a:lstStyle/>
+          <a:p>
+            <a:pPr algn="ctr"/>
+            <a:r>
+              <a:rPr lang="ru-RU" sz="300" dirty="0">
+                <a:solidFill>
+                  <a:schemeClr val="bg1"/>
+                </a:solidFill>
+              </a:rPr>
+              <a:t>Конгресс в октябре 1938 года принял резолюцию, которая сильно повлияет на состав будущих правлений НСВ:¬Октябрьский съезд НСВ, полагая, что в интересах организации и пропаганды в целом отвечает замена уходящих в отставку администраторов новыми, считает необходимым реализовать предусмотренную статьей 9 Устава возможность немедленного переизбрания уходящие в отставку директора будут использоваться только в том случае, если это было невозможно, для надлежащего заполнения вакансии директора другим способом». были созданы три новых комитета, а именно комитеты, которые должны были последовательно заниматься управленческой подготовкой, социальными консультациями (включая закон о болезни и несчастных случаях, трудовое и гражданское право, программу помощи, социальное страхование и налоги) и изучение социального законодательства. Ни один из этих трех последних комитетов никогда не функционировал оптимально. Особенно это касалось последнего комитета из-за постоянной вакансии.</a:t>
+            </a:r>
+          </a:p>
+        </p:txBody>
+      </p:sp>
     </p:spTree>
     <p:extLst>
       <p:ext uri="{BB962C8B-B14F-4D97-AF65-F5344CB8AC3E}">

--- a/Наработки/диздоки/Нидерланды/Нидерланды.pptx
+++ b/Наработки/диздоки/Нидерланды/Нидерланды.pptx
@@ -209,7 +209,7 @@
             <a:fld id="{33E3D7F9-E251-484C-A6FF-FA958879DF69}" type="datetimeFigureOut">
               <a:rPr lang="ru-RU" smtClean="0"/>
               <a:pPr/>
-              <a:t>30.03.2022</a:t>
+              <a:t>31.03.2022</a:t>
             </a:fld>
             <a:endParaRPr lang="ru-RU"/>
           </a:p>
@@ -699,7 +699,7 @@
             <a:fld id="{85A5DE44-605B-4D3B-B2B7-94543DF81A36}" type="datetimeFigureOut">
               <a:rPr lang="ru-RU" smtClean="0"/>
               <a:pPr/>
-              <a:t>30.03.2022</a:t>
+              <a:t>31.03.2022</a:t>
             </a:fld>
             <a:endParaRPr lang="ru-RU"/>
           </a:p>
@@ -871,7 +871,7 @@
             <a:fld id="{85A5DE44-605B-4D3B-B2B7-94543DF81A36}" type="datetimeFigureOut">
               <a:rPr lang="ru-RU" smtClean="0"/>
               <a:pPr/>
-              <a:t>30.03.2022</a:t>
+              <a:t>31.03.2022</a:t>
             </a:fld>
             <a:endParaRPr lang="ru-RU"/>
           </a:p>
@@ -1053,7 +1053,7 @@
             <a:fld id="{85A5DE44-605B-4D3B-B2B7-94543DF81A36}" type="datetimeFigureOut">
               <a:rPr lang="ru-RU" smtClean="0"/>
               <a:pPr/>
-              <a:t>30.03.2022</a:t>
+              <a:t>31.03.2022</a:t>
             </a:fld>
             <a:endParaRPr lang="ru-RU"/>
           </a:p>
@@ -1225,7 +1225,7 @@
             <a:fld id="{85A5DE44-605B-4D3B-B2B7-94543DF81A36}" type="datetimeFigureOut">
               <a:rPr lang="ru-RU" smtClean="0"/>
               <a:pPr/>
-              <a:t>30.03.2022</a:t>
+              <a:t>31.03.2022</a:t>
             </a:fld>
             <a:endParaRPr lang="ru-RU"/>
           </a:p>
@@ -1473,7 +1473,7 @@
             <a:fld id="{85A5DE44-605B-4D3B-B2B7-94543DF81A36}" type="datetimeFigureOut">
               <a:rPr lang="ru-RU" smtClean="0"/>
               <a:pPr/>
-              <a:t>30.03.2022</a:t>
+              <a:t>31.03.2022</a:t>
             </a:fld>
             <a:endParaRPr lang="ru-RU"/>
           </a:p>
@@ -1707,7 +1707,7 @@
             <a:fld id="{85A5DE44-605B-4D3B-B2B7-94543DF81A36}" type="datetimeFigureOut">
               <a:rPr lang="ru-RU" smtClean="0"/>
               <a:pPr/>
-              <a:t>30.03.2022</a:t>
+              <a:t>31.03.2022</a:t>
             </a:fld>
             <a:endParaRPr lang="ru-RU"/>
           </a:p>
@@ -2076,7 +2076,7 @@
             <a:fld id="{85A5DE44-605B-4D3B-B2B7-94543DF81A36}" type="datetimeFigureOut">
               <a:rPr lang="ru-RU" smtClean="0"/>
               <a:pPr/>
-              <a:t>30.03.2022</a:t>
+              <a:t>31.03.2022</a:t>
             </a:fld>
             <a:endParaRPr lang="ru-RU"/>
           </a:p>
@@ -2196,7 +2196,7 @@
             <a:fld id="{85A5DE44-605B-4D3B-B2B7-94543DF81A36}" type="datetimeFigureOut">
               <a:rPr lang="ru-RU" smtClean="0"/>
               <a:pPr/>
-              <a:t>30.03.2022</a:t>
+              <a:t>31.03.2022</a:t>
             </a:fld>
             <a:endParaRPr lang="ru-RU"/>
           </a:p>
@@ -2293,7 +2293,7 @@
             <a:fld id="{85A5DE44-605B-4D3B-B2B7-94543DF81A36}" type="datetimeFigureOut">
               <a:rPr lang="ru-RU" smtClean="0"/>
               <a:pPr/>
-              <a:t>30.03.2022</a:t>
+              <a:t>31.03.2022</a:t>
             </a:fld>
             <a:endParaRPr lang="ru-RU"/>
           </a:p>
@@ -2572,7 +2572,7 @@
             <a:fld id="{85A5DE44-605B-4D3B-B2B7-94543DF81A36}" type="datetimeFigureOut">
               <a:rPr lang="ru-RU" smtClean="0"/>
               <a:pPr/>
-              <a:t>30.03.2022</a:t>
+              <a:t>31.03.2022</a:t>
             </a:fld>
             <a:endParaRPr lang="ru-RU"/>
           </a:p>
@@ -2831,7 +2831,7 @@
             <a:fld id="{85A5DE44-605B-4D3B-B2B7-94543DF81A36}" type="datetimeFigureOut">
               <a:rPr lang="ru-RU" smtClean="0"/>
               <a:pPr/>
-              <a:t>30.03.2022</a:t>
+              <a:t>31.03.2022</a:t>
             </a:fld>
             <a:endParaRPr lang="ru-RU"/>
           </a:p>
@@ -3046,7 +3046,7 @@
             <a:fld id="{85A5DE44-605B-4D3B-B2B7-94543DF81A36}" type="datetimeFigureOut">
               <a:rPr lang="ru-RU" smtClean="0"/>
               <a:pPr/>
-              <a:t>30.03.2022</a:t>
+              <a:t>31.03.2022</a:t>
             </a:fld>
             <a:endParaRPr lang="ru-RU"/>
           </a:p>
@@ -5406,10 +5406,18 @@
                   <a:schemeClr val="bg1"/>
                 </a:solidFill>
               </a:rPr>
-              <a:t>(У NSV был собственный журнал под названием </a:t>
-            </a:r>
-            <a:r>
-              <a:rPr lang="ru-RU" sz="1050" dirty="0" err="1">
+              <a:t>(</a:t>
+            </a:r>
+            <a:r>
+              <a:rPr lang="ru-RU" sz="1000" dirty="0">
+                <a:solidFill>
+                  <a:schemeClr val="bg1"/>
+                </a:solidFill>
+              </a:rPr>
+              <a:t>У NSV был собственный журнал под названием </a:t>
+            </a:r>
+            <a:r>
+              <a:rPr lang="ru-RU" sz="1000" dirty="0" err="1">
                 <a:solidFill>
                   <a:schemeClr val="bg1"/>
                 </a:solidFill>
@@ -5417,7 +5425,7 @@
               <a:t>De</a:t>
             </a:r>
             <a:r>
-              <a:rPr lang="ru-RU" sz="1050" dirty="0">
+              <a:rPr lang="ru-RU" sz="1000" dirty="0">
                 <a:solidFill>
                   <a:schemeClr val="bg1"/>
                 </a:solidFill>
@@ -5425,7 +5433,7 @@
               <a:t> </a:t>
             </a:r>
             <a:r>
-              <a:rPr lang="ru-RU" sz="1050" dirty="0" err="1">
+              <a:rPr lang="ru-RU" sz="1000" dirty="0" err="1">
                 <a:solidFill>
                   <a:schemeClr val="bg1"/>
                 </a:solidFill>
@@ -5433,7 +5441,7 @@
               <a:t>Syndicalist</a:t>
             </a:r>
             <a:r>
-              <a:rPr lang="ru-RU" sz="1050" dirty="0">
+              <a:rPr lang="ru-RU" sz="1000" dirty="0">
                 <a:solidFill>
                   <a:schemeClr val="bg1"/>
                 </a:solidFill>
@@ -5441,7 +5449,7 @@
               <a:t> , который выходил еженедельно с 1923 по 1940 год,</a:t>
             </a:r>
             <a:r>
-              <a:rPr lang="en-US" sz="1050" dirty="0">
+              <a:rPr lang="en-US" sz="1000" dirty="0">
                 <a:solidFill>
                   <a:schemeClr val="bg1"/>
                 </a:solidFill>
@@ -5449,7 +5457,7 @@
               <a:t> Albert de Jong –</a:t>
             </a:r>
             <a:r>
-              <a:rPr lang="ru-RU" sz="1050" dirty="0">
+              <a:rPr lang="ru-RU" sz="1000" dirty="0">
                 <a:solidFill>
                   <a:schemeClr val="bg1"/>
                 </a:solidFill>
@@ -5457,7 +5465,7 @@
               <a:t> советник, </a:t>
             </a:r>
             <a:r>
-              <a:rPr lang="en-US" sz="1050" dirty="0">
+              <a:rPr lang="en-US" sz="1000" dirty="0">
                 <a:solidFill>
                   <a:schemeClr val="bg1"/>
                 </a:solidFill>
@@ -5465,7 +5473,7 @@
               <a:t>Paul Arthur Müller-</a:t>
             </a:r>
             <a:r>
-              <a:rPr lang="en-US" sz="1050" dirty="0" err="1">
+              <a:rPr lang="en-US" sz="1000" dirty="0" err="1">
                 <a:solidFill>
                   <a:schemeClr val="bg1"/>
                 </a:solidFill>
@@ -5473,7 +5481,7 @@
               <a:t>Lehning</a:t>
             </a:r>
             <a:r>
-              <a:rPr lang="ru-RU" sz="1050" dirty="0">
+              <a:rPr lang="ru-RU" sz="1000" dirty="0">
                 <a:solidFill>
                   <a:schemeClr val="bg1"/>
                 </a:solidFill>
@@ -5481,7 +5489,7 @@
               <a:t> – советник 2 и </a:t>
             </a:r>
             <a:r>
-              <a:rPr lang="ru-RU" sz="1050" dirty="0" err="1">
+              <a:rPr lang="ru-RU" sz="1000" dirty="0" err="1">
                 <a:solidFill>
                   <a:schemeClr val="bg1"/>
                 </a:solidFill>
@@ -5489,7 +5497,7 @@
               <a:t>енерал</a:t>
             </a:r>
             <a:r>
-              <a:rPr lang="ru-RU" sz="1050" dirty="0">
+              <a:rPr lang="ru-RU" sz="1000" dirty="0">
                 <a:solidFill>
                   <a:schemeClr val="bg1"/>
                 </a:solidFill>
@@ -5588,7 +5596,7 @@
         </p:nvSpPr>
         <p:spPr>
           <a:xfrm>
-            <a:off x="19162800" y="173622"/>
+            <a:off x="18482920" y="26310"/>
             <a:ext cx="2115918" cy="1080000"/>
           </a:xfrm>
           <a:prstGeom prst="rect">
@@ -10167,13 +10175,13 @@
           <p:nvPr>
             <p:extLst>
               <p:ext uri="{D42A27DB-BD31-4B8C-83A1-F6EECF244321}">
-                <p14:modId xmlns:p14="http://schemas.microsoft.com/office/powerpoint/2010/main" val="2786221867"/>
+                <p14:modId xmlns:p14="http://schemas.microsoft.com/office/powerpoint/2010/main" val="2927521809"/>
               </p:ext>
             </p:extLst>
           </p:nvPr>
         </p:nvGraphicFramePr>
         <p:xfrm>
-          <a:off x="34018925" y="1465655"/>
+          <a:off x="33913695" y="3492726"/>
           <a:ext cx="5029835" cy="1276985"/>
         </p:xfrm>
         <a:graphic>
@@ -10983,7 +10991,7 @@
         </p:nvSpPr>
         <p:spPr>
           <a:xfrm>
-            <a:off x="28560693" y="1564147"/>
+            <a:off x="28499168" y="1564148"/>
             <a:ext cx="2115918" cy="1080000"/>
           </a:xfrm>
           <a:prstGeom prst="rect">
@@ -11027,6 +11035,1678 @@
           </a:p>
         </p:txBody>
       </p:sp>
+      <p:sp>
+        <p:nvSpPr>
+          <p:cNvPr id="119" name="Прямоугольник 118">
+            <a:extLst>
+              <a:ext uri="{FF2B5EF4-FFF2-40B4-BE49-F238E27FC236}">
+                <a16:creationId xmlns:a16="http://schemas.microsoft.com/office/drawing/2014/main" id="{DB6E3B10-7836-48E8-94E4-4375B8A4B407}"/>
+              </a:ext>
+            </a:extLst>
+          </p:cNvPr>
+          <p:cNvSpPr/>
+          <p:nvPr/>
+        </p:nvSpPr>
+        <p:spPr>
+          <a:xfrm>
+            <a:off x="28499168" y="4229711"/>
+            <a:ext cx="2115918" cy="1080000"/>
+          </a:xfrm>
+          <a:prstGeom prst="rect">
+            <a:avLst/>
+          </a:prstGeom>
+          <a:solidFill>
+            <a:schemeClr val="tx1">
+              <a:lumMod val="85000"/>
+              <a:lumOff val="15000"/>
+            </a:schemeClr>
+          </a:solidFill>
+          <a:ln w="28575"/>
+        </p:spPr>
+        <p:style>
+          <a:lnRef idx="2">
+            <a:schemeClr val="accent1"/>
+          </a:lnRef>
+          <a:fillRef idx="1">
+            <a:schemeClr val="lt1"/>
+          </a:fillRef>
+          <a:effectRef idx="0">
+            <a:schemeClr val="accent1"/>
+          </a:effectRef>
+          <a:fontRef idx="minor">
+            <a:schemeClr val="dk1"/>
+          </a:fontRef>
+        </p:style>
+        <p:txBody>
+          <a:bodyPr lIns="124733" tIns="62367" rIns="124733" bIns="62367" rtlCol="0" anchor="ctr"/>
+          <a:lstStyle/>
+          <a:p>
+            <a:pPr algn="ctr"/>
+            <a:r>
+              <a:rPr lang="ru-RU" sz="1400" dirty="0">
+                <a:solidFill>
+                  <a:schemeClr val="bg1"/>
+                </a:solidFill>
+              </a:rPr>
+              <a:t>Международная организация молодежного синдиката </a:t>
+            </a:r>
+            <a:r>
+              <a:rPr lang="ru-RU" sz="300" dirty="0">
+                <a:solidFill>
+                  <a:schemeClr val="bg1"/>
+                </a:solidFill>
+              </a:rPr>
+              <a:t>(</a:t>
+            </a:r>
+            <a:r>
+              <a:rPr lang="ru-RU" sz="100" dirty="0">
+                <a:solidFill>
+                  <a:schemeClr val="bg1"/>
+                </a:solidFill>
+              </a:rPr>
+              <a:t>Наконец, существовало женское движение LSVB, основанное 1 мая 1932 года, и молодежное движение SAJO и OJP. Их отношения с НСВ были урегулированы на съезде в ноябре 1936 года. С этого времени LSVB было предоставлено право слова и совещательного голоса на конференциях и общих собраниях правления. Местным женским союзам были предоставлены такие же права на заседаниях соответствующих советов SAS и местных органов власти. Предложение со стороны ЛСВБ предоставить этой организации точно такие же права, как и всем другим федерациям, было отложено съездом без принятия решения. В последующие годы эта тема уже не обсуждалась.¬¬В отношении SAJO и OJP было предусмотрено, среди прочего, что NSV будет представлен в национальном молодежном движении через Национальную комиссию по делам молодежи, назначаемую из трех ее членов. Члены правления SAJO и OJP были исключены из этого комитета. В местах с отделениями SAJO и OJP мог быть назначен местный молодежный совет; снова с вышеупомянутым исключением членов правления SAJO и OJP. В отношении OJP был принят ряд других статей. Статья 38 дала ведомственным советам NSV право финансового контроля над OJP. Статья 5 регулирует назначение местных </a:t>
+            </a:r>
+            <a:r>
+              <a:rPr lang="ru-RU" sz="100" dirty="0" err="1">
+                <a:solidFill>
+                  <a:schemeClr val="bg1"/>
+                </a:solidFill>
+              </a:rPr>
+              <a:t>отделов:«Правление</a:t>
+            </a:r>
+            <a:r>
+              <a:rPr lang="ru-RU" sz="100" dirty="0">
+                <a:solidFill>
+                  <a:schemeClr val="bg1"/>
+                </a:solidFill>
+              </a:rPr>
+              <a:t> местного отделения, если отделение не разделено на секции, назначается правлением местной АТС НСВ на месте (САС)». 53)На самом деле молодежное движение имело какое-то значение только в Амстердаме, в основном из-за деятельности </a:t>
+            </a:r>
+            <a:r>
+              <a:rPr lang="ru-RU" sz="100" dirty="0" err="1">
+                <a:solidFill>
+                  <a:schemeClr val="bg1"/>
+                </a:solidFill>
+              </a:rPr>
+              <a:t>Россо</a:t>
+            </a:r>
+            <a:r>
+              <a:rPr lang="ru-RU" sz="100" dirty="0">
+                <a:solidFill>
+                  <a:schemeClr val="bg1"/>
+                </a:solidFill>
+              </a:rPr>
+              <a:t>. В других местах отделения САЖО не было, или это отделение состояло всего из нескольких человек. Последнее имело место, например, в </a:t>
+            </a:r>
+            <a:r>
+              <a:rPr lang="ru-RU" sz="100" dirty="0" err="1">
+                <a:solidFill>
+                  <a:schemeClr val="bg1"/>
+                </a:solidFill>
+              </a:rPr>
+              <a:t>Энсхеде</a:t>
+            </a:r>
+            <a:r>
+              <a:rPr lang="ru-RU" sz="100" dirty="0">
+                <a:solidFill>
+                  <a:schemeClr val="bg1"/>
+                </a:solidFill>
+              </a:rPr>
+              <a:t>, где действовало всего несколько человек. Это также было связано с тем, что в </a:t>
+            </a:r>
+            <a:r>
+              <a:rPr lang="ru-RU" sz="100" dirty="0" err="1">
+                <a:solidFill>
+                  <a:schemeClr val="bg1"/>
+                </a:solidFill>
+              </a:rPr>
+              <a:t>Энсхеде</a:t>
+            </a:r>
+            <a:r>
+              <a:rPr lang="ru-RU" sz="100" dirty="0">
+                <a:solidFill>
+                  <a:schemeClr val="bg1"/>
+                </a:solidFill>
+              </a:rPr>
+              <a:t> уже существовало подразделение Молодежной ассоциации полных трезвенников (JGOB), которое в целом руководствовалось теми же принципами, что и SAJO, основанная позже. В конце 30-х годов молодежное движение НСВ почти не существовало. </a:t>
+            </a:r>
+            <a:r>
+              <a:rPr lang="ru-RU" sz="100" dirty="0" err="1">
+                <a:solidFill>
+                  <a:schemeClr val="bg1"/>
+                </a:solidFill>
+              </a:rPr>
+              <a:t>Мадленер</a:t>
+            </a:r>
+            <a:r>
+              <a:rPr lang="ru-RU" sz="100" dirty="0">
+                <a:solidFill>
+                  <a:schemeClr val="bg1"/>
+                </a:solidFill>
+              </a:rPr>
+              <a:t>, например, заявил на конференции 1940 года, что SAJO умерла и что дела у OJP тоже не ладятся.).)</a:t>
+            </a:r>
+            <a:endParaRPr lang="ru-RU" sz="1400" dirty="0">
+              <a:solidFill>
+                <a:schemeClr val="bg1"/>
+              </a:solidFill>
+            </a:endParaRPr>
+          </a:p>
+        </p:txBody>
+      </p:sp>
+      <p:sp>
+        <p:nvSpPr>
+          <p:cNvPr id="121" name="Прямоугольник 120">
+            <a:extLst>
+              <a:ext uri="{FF2B5EF4-FFF2-40B4-BE49-F238E27FC236}">
+                <a16:creationId xmlns:a16="http://schemas.microsoft.com/office/drawing/2014/main" id="{3FC5758D-35D9-4373-85F1-566117947433}"/>
+              </a:ext>
+            </a:extLst>
+          </p:cNvPr>
+          <p:cNvSpPr/>
+          <p:nvPr/>
+        </p:nvSpPr>
+        <p:spPr>
+          <a:xfrm>
+            <a:off x="21110971" y="302735"/>
+            <a:ext cx="2115918" cy="1080000"/>
+          </a:xfrm>
+          <a:prstGeom prst="rect">
+            <a:avLst/>
+          </a:prstGeom>
+          <a:noFill/>
+          <a:ln w="28575"/>
+        </p:spPr>
+        <p:style>
+          <a:lnRef idx="2">
+            <a:schemeClr val="accent1"/>
+          </a:lnRef>
+          <a:fillRef idx="1">
+            <a:schemeClr val="lt1"/>
+          </a:fillRef>
+          <a:effectRef idx="0">
+            <a:schemeClr val="accent1"/>
+          </a:effectRef>
+          <a:fontRef idx="minor">
+            <a:schemeClr val="dk1"/>
+          </a:fontRef>
+        </p:style>
+        <p:txBody>
+          <a:bodyPr lIns="124733" tIns="62367" rIns="124733" bIns="62367" rtlCol="0" anchor="ctr"/>
+          <a:lstStyle/>
+          <a:p>
+            <a:pPr algn="ctr"/>
+            <a:r>
+              <a:rPr lang="ru-RU" sz="1200" dirty="0"/>
+              <a:t>Механика с безработицей</a:t>
+            </a:r>
+          </a:p>
+          <a:p>
+            <a:pPr algn="ctr"/>
+            <a:r>
+              <a:rPr lang="ru-RU" sz="300" dirty="0"/>
+              <a:t>Безработица была одной из областей, где кризис был наиболее заметен для рабочего класса. Правительство искало решение этой проблемы в обеспечении занятости. NSV резко раскритиковал это. В связи с этим говорили даже о «принудительном труде», потому что рабочим навязывались и заработная плата, и род труда; подготовка и способности соответствующих лиц не играли никакой роли. Еще один момент критики создания рабочих мест заключался в том, что они все чаще включали обычные работы, такие как строительство дорог, канализационных систем и рытье каналов. Само по себе это не вызывало бы столь возражений, если бы не тот факт, что рабочие здесь должны были довольствоваться более низкой заработной платой, чем это было принято в данной отрасли. NSV возразил, что они хотели продуктивной работы, например, строительство домов для рабочих и пошив одежды для рабочих с полной оплатой труда. По данным NSV, девальвация гульдена в 1936 году благоприятствовала владельцам земли и средств производства и ставила в невыгодное положение тех, кто жил на нормальную заработную плату или пособия по социальной помощи. В то же время девальвация повлияла на рост цен, а в октябре 1936 года выплаты помощи были снова сокращены. На этом основании НСВ пришел к отрицательному мнению о девальвации.</a:t>
+            </a:r>
+            <a:endParaRPr lang="ru-RU" sz="1400" dirty="0"/>
+          </a:p>
+        </p:txBody>
+      </p:sp>
+      <p:sp>
+        <p:nvSpPr>
+          <p:cNvPr id="124" name="Прямоугольник 123">
+            <a:extLst>
+              <a:ext uri="{FF2B5EF4-FFF2-40B4-BE49-F238E27FC236}">
+                <a16:creationId xmlns:a16="http://schemas.microsoft.com/office/drawing/2014/main" id="{F0FA1455-27A7-4E2D-80C9-A49CCE9ED6CB}"/>
+              </a:ext>
+            </a:extLst>
+          </p:cNvPr>
+          <p:cNvSpPr/>
+          <p:nvPr/>
+        </p:nvSpPr>
+        <p:spPr>
+          <a:xfrm>
+            <a:off x="30936256" y="302175"/>
+            <a:ext cx="2115918" cy="1080000"/>
+          </a:xfrm>
+          <a:prstGeom prst="rect">
+            <a:avLst/>
+          </a:prstGeom>
+          <a:solidFill>
+            <a:schemeClr val="tx1">
+              <a:lumMod val="85000"/>
+              <a:lumOff val="15000"/>
+            </a:schemeClr>
+          </a:solidFill>
+          <a:ln w="28575"/>
+        </p:spPr>
+        <p:style>
+          <a:lnRef idx="2">
+            <a:schemeClr val="accent1"/>
+          </a:lnRef>
+          <a:fillRef idx="1">
+            <a:schemeClr val="lt1"/>
+          </a:fillRef>
+          <a:effectRef idx="0">
+            <a:schemeClr val="accent1"/>
+          </a:effectRef>
+          <a:fontRef idx="minor">
+            <a:schemeClr val="dk1"/>
+          </a:fontRef>
+        </p:style>
+        <p:txBody>
+          <a:bodyPr lIns="124733" tIns="62367" rIns="124733" bIns="62367" rtlCol="0" anchor="ctr"/>
+          <a:lstStyle/>
+          <a:p>
+            <a:pPr algn="ctr"/>
+            <a:r>
+              <a:rPr lang="ru-RU" sz="300" dirty="0">
+                <a:solidFill>
+                  <a:schemeClr val="bg1"/>
+                </a:solidFill>
+              </a:rPr>
+              <a:t>Забастовка строителей в Амстердаме в октябре 1939 года была последней забастовкой, в которой активно участвовало NSV. Мобилизация привела к резкому удорожанию жизни. Это послужило причиной того, что строители потребовали увеличения пособия. Когда их требования не были выполнены, они объявили забастовку. Контрактные профсоюзы NVV, RKWV и CNV не участвовали; Ведь в Коллективном договоре было положение о том, что во время действующего Коллективного договора нельзя проводить забастовки. NSV, как и NAS, не подписало этот CLA. У НСВ был ряд принципиальных возражений против коллективных трудовых договоров. Она видела в этом договор между двумя экономически неуравновешенными сторонами, который мог иметь только один результат: невыгоду самой слабой стороне, рабочим. Она также рассматривала коллективные трудовые договоры как фактор, сдерживающий прямые действия. Наконец, в конце 1930-х годов все более широкое распространение получили положения о запрете забастовок; для НСВ это было совершенно неприемлемо. Забастовку строителей в Амстердаме возглавил забастовочный комитет, что было обычной тактикой забастовок в те годы. Если профсоюз поддерживал забастовку слишком открыто, государство угрожало прекратить субсидирование фонда безработных соответствующей организации. Однако НАН и НСВ приняли активное участие в движении поддержки забастовщиков. Например, NSV собрала в общей сложности 393,24 NLG. Кроме того, член NSV </a:t>
+            </a:r>
+            <a:r>
+              <a:rPr lang="ru-RU" sz="300" dirty="0" err="1">
+                <a:solidFill>
+                  <a:schemeClr val="bg1"/>
+                </a:solidFill>
+              </a:rPr>
+              <a:t>Боеллаар</a:t>
+            </a:r>
+            <a:r>
+              <a:rPr lang="ru-RU" sz="300" dirty="0">
+                <a:solidFill>
+                  <a:schemeClr val="bg1"/>
+                </a:solidFill>
+              </a:rPr>
+              <a:t> возглавлял забастовочный комитет. Однако министр-социал-демократ Ван </a:t>
+            </a:r>
+            <a:r>
+              <a:rPr lang="ru-RU" sz="300" dirty="0" err="1">
+                <a:solidFill>
+                  <a:schemeClr val="bg1"/>
+                </a:solidFill>
+              </a:rPr>
+              <a:t>ден</a:t>
+            </a:r>
+            <a:r>
+              <a:rPr lang="ru-RU" sz="300" dirty="0">
+                <a:solidFill>
+                  <a:schemeClr val="bg1"/>
+                </a:solidFill>
+              </a:rPr>
+              <a:t> </a:t>
+            </a:r>
+            <a:r>
+              <a:rPr lang="ru-RU" sz="300" dirty="0" err="1">
+                <a:solidFill>
+                  <a:schemeClr val="bg1"/>
+                </a:solidFill>
+              </a:rPr>
+              <a:t>Темпель</a:t>
+            </a:r>
+            <a:r>
+              <a:rPr lang="ru-RU" sz="300" dirty="0">
+                <a:solidFill>
+                  <a:schemeClr val="bg1"/>
+                </a:solidFill>
+              </a:rPr>
+              <a:t> добился прекращения забастовки. Он вынудил забастовщиков возобновить работу, пригрозив лишить поддержки строителей NSV и NAS в Амстердаме и его окрестностях. Люди из сектора занятости также были привлечены к работе в строительной отрасли Амстердама. Этот форс-мажор оказался слишком сильным для забастовщиков; забастовка была снята безрезультатно. Синдикалист говорил о фашистских явлениях в отношении действий правительства</a:t>
+            </a:r>
+          </a:p>
+        </p:txBody>
+      </p:sp>
+      <p:sp>
+        <p:nvSpPr>
+          <p:cNvPr id="125" name="Прямоугольник 124">
+            <a:extLst>
+              <a:ext uri="{FF2B5EF4-FFF2-40B4-BE49-F238E27FC236}">
+                <a16:creationId xmlns:a16="http://schemas.microsoft.com/office/drawing/2014/main" id="{1142282C-23CC-4957-A3F1-012BEB0AE1DF}"/>
+              </a:ext>
+            </a:extLst>
+          </p:cNvPr>
+          <p:cNvSpPr/>
+          <p:nvPr/>
+        </p:nvSpPr>
+        <p:spPr>
+          <a:xfrm>
+            <a:off x="30936256" y="1564147"/>
+            <a:ext cx="2115918" cy="1080000"/>
+          </a:xfrm>
+          <a:prstGeom prst="rect">
+            <a:avLst/>
+          </a:prstGeom>
+          <a:solidFill>
+            <a:schemeClr val="tx1">
+              <a:lumMod val="85000"/>
+              <a:lumOff val="15000"/>
+            </a:schemeClr>
+          </a:solidFill>
+          <a:ln w="28575"/>
+        </p:spPr>
+        <p:style>
+          <a:lnRef idx="2">
+            <a:schemeClr val="accent1"/>
+          </a:lnRef>
+          <a:fillRef idx="1">
+            <a:schemeClr val="lt1"/>
+          </a:fillRef>
+          <a:effectRef idx="0">
+            <a:schemeClr val="accent1"/>
+          </a:effectRef>
+          <a:fontRef idx="minor">
+            <a:schemeClr val="dk1"/>
+          </a:fontRef>
+        </p:style>
+        <p:txBody>
+          <a:bodyPr lIns="124733" tIns="62367" rIns="124733" bIns="62367" rtlCol="0" anchor="ctr"/>
+          <a:lstStyle/>
+          <a:p>
+            <a:pPr algn="ctr"/>
+            <a:r>
+              <a:rPr lang="ru-RU" sz="300" dirty="0">
+                <a:solidFill>
+                  <a:schemeClr val="bg1"/>
+                </a:solidFill>
+              </a:rPr>
+              <a:t>Еще одним показателем деятельности НСВ во время забастовок является уровень выплат поддержки. Нам попадались лишь некоторые данные по этому поводу, которые тоже не всегда были ясны. У нас есть только обзор общей суммы помощи, выплаченной NSV за 1936-38 годы:¬с 1 января 1936 г. по 31 декабря 1936 г. 633,45 с 1 января 1937 г. по 31 декабря 1937 г. 1178,59 с 1 января 1938 г. по 31 августа 1938 г. 152,96NSV прокомментировал эти суммы, что эти суммы не были такими высокими, как в предыдущие годы. NSV увидело в этом результат снижения желания забастовок среди голландских рабочих; явление, которое также повлияло на их собственную деятельность. Среди этих забастовочных пособий выделяется помощь в размере 220 гульденов, которая была предоставлена неорганизованной части бастующих рыбаков в </a:t>
+            </a:r>
+            <a:r>
+              <a:rPr lang="ru-RU" sz="300" dirty="0" err="1">
+                <a:solidFill>
+                  <a:schemeClr val="bg1"/>
+                </a:solidFill>
+              </a:rPr>
+              <a:t>Эймёйдене</a:t>
+            </a:r>
+            <a:r>
+              <a:rPr lang="ru-RU" sz="300" dirty="0">
+                <a:solidFill>
+                  <a:schemeClr val="bg1"/>
+                </a:solidFill>
+              </a:rPr>
+              <a:t> в 1938 году.</a:t>
+            </a:r>
+          </a:p>
+        </p:txBody>
+      </p:sp>
+      <p:sp>
+        <p:nvSpPr>
+          <p:cNvPr id="152" name="Прямоугольник 151">
+            <a:extLst>
+              <a:ext uri="{FF2B5EF4-FFF2-40B4-BE49-F238E27FC236}">
+                <a16:creationId xmlns:a16="http://schemas.microsoft.com/office/drawing/2014/main" id="{0C75A97F-271A-4B6C-A58F-10B5AEEE5143}"/>
+              </a:ext>
+            </a:extLst>
+          </p:cNvPr>
+          <p:cNvSpPr/>
+          <p:nvPr/>
+        </p:nvSpPr>
+        <p:spPr>
+          <a:xfrm>
+            <a:off x="33373344" y="302175"/>
+            <a:ext cx="2115918" cy="1080000"/>
+          </a:xfrm>
+          <a:prstGeom prst="rect">
+            <a:avLst/>
+          </a:prstGeom>
+          <a:solidFill>
+            <a:schemeClr val="tx1">
+              <a:lumMod val="85000"/>
+              <a:lumOff val="15000"/>
+            </a:schemeClr>
+          </a:solidFill>
+          <a:ln w="28575"/>
+        </p:spPr>
+        <p:style>
+          <a:lnRef idx="2">
+            <a:schemeClr val="accent1"/>
+          </a:lnRef>
+          <a:fillRef idx="1">
+            <a:schemeClr val="lt1"/>
+          </a:fillRef>
+          <a:effectRef idx="0">
+            <a:schemeClr val="accent1"/>
+          </a:effectRef>
+          <a:fontRef idx="minor">
+            <a:schemeClr val="dk1"/>
+          </a:fontRef>
+        </p:style>
+        <p:txBody>
+          <a:bodyPr lIns="124733" tIns="62367" rIns="124733" bIns="62367" rtlCol="0" anchor="ctr"/>
+          <a:lstStyle/>
+          <a:p>
+            <a:pPr algn="ctr"/>
+            <a:r>
+              <a:rPr lang="ru-RU" sz="300" dirty="0">
+                <a:solidFill>
+                  <a:schemeClr val="bg1"/>
+                </a:solidFill>
+              </a:rPr>
+              <a:t>Несколько раз NSV поддерживала забастовку в предоставлении работы. Это поразительно, потому что три основные федерации профсоюзов дистанцировались от любых форм борьбы рабочих в службах занятости. В апреле 1936 года в центре занятости в </a:t>
+            </a:r>
+            <a:r>
+              <a:rPr lang="ru-RU" sz="300" dirty="0" err="1">
+                <a:solidFill>
+                  <a:schemeClr val="bg1"/>
+                </a:solidFill>
+              </a:rPr>
+              <a:t>Вирингермеере</a:t>
+            </a:r>
+            <a:r>
+              <a:rPr lang="ru-RU" sz="300" dirty="0">
+                <a:solidFill>
+                  <a:schemeClr val="bg1"/>
+                </a:solidFill>
+              </a:rPr>
+              <a:t> вспыхнула забастовка. Причиной этого было введение вахтовой системы, т. е. системы, при которой безработные принимались на работу попеременно. На практике это означало сокращение доходов. Забастовка сопровождалась жестокостью полиции. Забастовщиков поддерживали с разных сторон. Например, местные пекари давали дешевый хлеб. NSV с f 117,90 и NAS были единственными организациями, поддержавшими эту забастовку финансово. Через несколько недель забастовка была прекращена безрезультатно.</a:t>
+            </a:r>
+          </a:p>
+        </p:txBody>
+      </p:sp>
+      <p:sp>
+        <p:nvSpPr>
+          <p:cNvPr id="155" name="Прямоугольник 154">
+            <a:extLst>
+              <a:ext uri="{FF2B5EF4-FFF2-40B4-BE49-F238E27FC236}">
+                <a16:creationId xmlns:a16="http://schemas.microsoft.com/office/drawing/2014/main" id="{8CE366A8-AF07-4C1A-8AE1-F8FAD5C4CAC8}"/>
+              </a:ext>
+            </a:extLst>
+          </p:cNvPr>
+          <p:cNvSpPr/>
+          <p:nvPr/>
+        </p:nvSpPr>
+        <p:spPr>
+          <a:xfrm>
+            <a:off x="33373344" y="1564147"/>
+            <a:ext cx="2115918" cy="1080000"/>
+          </a:xfrm>
+          <a:prstGeom prst="rect">
+            <a:avLst/>
+          </a:prstGeom>
+          <a:solidFill>
+            <a:schemeClr val="tx1">
+              <a:lumMod val="85000"/>
+              <a:lumOff val="15000"/>
+            </a:schemeClr>
+          </a:solidFill>
+          <a:ln w="28575"/>
+        </p:spPr>
+        <p:style>
+          <a:lnRef idx="2">
+            <a:schemeClr val="accent1"/>
+          </a:lnRef>
+          <a:fillRef idx="1">
+            <a:schemeClr val="lt1"/>
+          </a:fillRef>
+          <a:effectRef idx="0">
+            <a:schemeClr val="accent1"/>
+          </a:effectRef>
+          <a:fontRef idx="minor">
+            <a:schemeClr val="dk1"/>
+          </a:fontRef>
+        </p:style>
+        <p:txBody>
+          <a:bodyPr lIns="124733" tIns="62367" rIns="124733" bIns="62367" rtlCol="0" anchor="ctr"/>
+          <a:lstStyle/>
+          <a:p>
+            <a:pPr algn="ctr"/>
+            <a:r>
+              <a:rPr lang="ru-RU" sz="300" dirty="0">
+                <a:solidFill>
+                  <a:schemeClr val="bg1"/>
+                </a:solidFill>
+              </a:rPr>
+              <a:t>В середине 1937 г. в </a:t>
+            </a:r>
+            <a:r>
+              <a:rPr lang="ru-RU" sz="300" dirty="0" err="1">
+                <a:solidFill>
+                  <a:schemeClr val="bg1"/>
+                </a:solidFill>
+              </a:rPr>
+              <a:t>Девентере</a:t>
+            </a:r>
+            <a:r>
+              <a:rPr lang="ru-RU" sz="300" dirty="0">
+                <a:solidFill>
+                  <a:schemeClr val="bg1"/>
+                </a:solidFill>
+              </a:rPr>
+              <a:t> несколько рабочих, занятых на предприятии по трудоустройству на канале Твенте-Рейн, объявили забастовку. Это было связано с плохими условиями труда. С забастовщиками жестоко расправились сверху. Первоначально они все еще получали 70% от обычной суммы помощи, но сборы и тому подобное для забастовщиков были запрещены. Муниципальный совет неоднократно пытался отправить других безработных в канал Твенте-Рейн. Когда большинство этих безработных отказались, министр </a:t>
+            </a:r>
+            <a:r>
+              <a:rPr lang="ru-RU" sz="300" dirty="0" err="1">
+                <a:solidFill>
+                  <a:schemeClr val="bg1"/>
+                </a:solidFill>
+              </a:rPr>
+              <a:t>Ромме</a:t>
+            </a:r>
+            <a:r>
+              <a:rPr lang="ru-RU" sz="300" dirty="0">
+                <a:solidFill>
+                  <a:schemeClr val="bg1"/>
+                </a:solidFill>
+              </a:rPr>
+              <a:t> издал из Гааги декрет о прекращении всякой поддержки забастовщиков. Кроме того, B&amp;W </a:t>
+            </a:r>
+            <a:r>
+              <a:rPr lang="ru-RU" sz="300" dirty="0" err="1">
+                <a:solidFill>
+                  <a:schemeClr val="bg1"/>
+                </a:solidFill>
+              </a:rPr>
+              <a:t>van</a:t>
+            </a:r>
+            <a:r>
+              <a:rPr lang="ru-RU" sz="300" dirty="0">
+                <a:solidFill>
+                  <a:schemeClr val="bg1"/>
+                </a:solidFill>
+              </a:rPr>
+              <a:t> </a:t>
+            </a:r>
+            <a:r>
+              <a:rPr lang="ru-RU" sz="300" dirty="0" err="1">
+                <a:solidFill>
+                  <a:schemeClr val="bg1"/>
+                </a:solidFill>
+              </a:rPr>
+              <a:t>Deventer</a:t>
+            </a:r>
+            <a:r>
+              <a:rPr lang="ru-RU" sz="300" dirty="0">
+                <a:solidFill>
+                  <a:schemeClr val="bg1"/>
+                </a:solidFill>
+              </a:rPr>
+              <a:t> больше не разрешалось вести переговоры с забастовочным комитетом. Среди населения развернулась большая кампания поддержки; каждую неделю собиралось около 700 гульденов. Также теперь НАС и НСВ (ф 425, —) единственные организации, реально оказывавшие поддержку. НСВ также распространил брошюру тиражом 4000 экземпляров. Забастовку бойкотировали современные и конфессиональные союзы. «Рабочая пресса» отказалась даже от рекламы, призывающей поддержать забастовку. Наконец, в результате забастовки была несколько повышена заработная плата, а радикальные меры приняты не были.</a:t>
+            </a:r>
+          </a:p>
+        </p:txBody>
+      </p:sp>
+      <p:sp>
+        <p:nvSpPr>
+          <p:cNvPr id="165" name="Прямоугольник 164">
+            <a:extLst>
+              <a:ext uri="{FF2B5EF4-FFF2-40B4-BE49-F238E27FC236}">
+                <a16:creationId xmlns:a16="http://schemas.microsoft.com/office/drawing/2014/main" id="{83FD783A-DD1F-4C23-8CD1-77D1643FC673}"/>
+              </a:ext>
+            </a:extLst>
+          </p:cNvPr>
+          <p:cNvSpPr/>
+          <p:nvPr/>
+        </p:nvSpPr>
+        <p:spPr>
+          <a:xfrm>
+            <a:off x="28499168" y="5658863"/>
+            <a:ext cx="2115918" cy="1080000"/>
+          </a:xfrm>
+          <a:prstGeom prst="rect">
+            <a:avLst/>
+          </a:prstGeom>
+          <a:solidFill>
+            <a:schemeClr val="tx1">
+              <a:lumMod val="85000"/>
+              <a:lumOff val="15000"/>
+            </a:schemeClr>
+          </a:solidFill>
+          <a:ln w="28575"/>
+        </p:spPr>
+        <p:style>
+          <a:lnRef idx="2">
+            <a:schemeClr val="accent1"/>
+          </a:lnRef>
+          <a:fillRef idx="1">
+            <a:schemeClr val="lt1"/>
+          </a:fillRef>
+          <a:effectRef idx="0">
+            <a:schemeClr val="accent1"/>
+          </a:effectRef>
+          <a:fontRef idx="minor">
+            <a:schemeClr val="dk1"/>
+          </a:fontRef>
+        </p:style>
+        <p:txBody>
+          <a:bodyPr lIns="124733" tIns="62367" rIns="124733" bIns="62367" rtlCol="0" anchor="ctr"/>
+          <a:lstStyle/>
+          <a:p>
+            <a:pPr algn="ctr"/>
+            <a:r>
+              <a:rPr lang="ru-RU" sz="1400" dirty="0">
+                <a:solidFill>
+                  <a:schemeClr val="bg1"/>
+                </a:solidFill>
+              </a:rPr>
+              <a:t>«Помощь </a:t>
+            </a:r>
+            <a:r>
+              <a:rPr lang="ru-RU" sz="1400" dirty="0" err="1">
+                <a:solidFill>
+                  <a:schemeClr val="bg1"/>
+                </a:solidFill>
+              </a:rPr>
+              <a:t>Шпанье</a:t>
+            </a:r>
+            <a:r>
+              <a:rPr lang="ru-RU" sz="1400" dirty="0">
+                <a:solidFill>
+                  <a:schemeClr val="bg1"/>
+                </a:solidFill>
+              </a:rPr>
+              <a:t>»</a:t>
+            </a:r>
+            <a:r>
+              <a:rPr lang="ru-RU" sz="1050" dirty="0">
+                <a:solidFill>
+                  <a:schemeClr val="bg1"/>
+                </a:solidFill>
+              </a:rPr>
+              <a:t>(</a:t>
+            </a:r>
+            <a:r>
+              <a:rPr lang="ru-RU" sz="300" dirty="0">
+                <a:solidFill>
+                  <a:schemeClr val="bg1"/>
+                </a:solidFill>
+              </a:rPr>
+              <a:t>Гражданская война в Испании привела к широкому сотрудничеству в комитете «Красная Испания», который был основан в ноябре 1936 года. Участвующими организациями были NSV (включая LSVB и SAJO), NAS (включая женщин NAS и молодежь NAS) и RSAP. Поскольку «Красная Испания» преследовала ограниченную цель, т. е. сбор денег на помощь натурой, т. е. продовольствием и одеждой, сотрудничество в этом было приемлемо для НСВ. Когда после Барселоны — мая 1937 года РСАП и НАН захотели провести агитацию в пользу преследуемых в республике, а также оказать поддержку дружественным организациям, НСВ отказалась от участия. В результате NSV покинуло «Красное </a:t>
+            </a:r>
+            <a:r>
+              <a:rPr lang="ru-RU" sz="300" dirty="0" err="1">
+                <a:solidFill>
+                  <a:schemeClr val="bg1"/>
+                </a:solidFill>
+              </a:rPr>
+              <a:t>Шпанье</a:t>
+            </a:r>
+            <a:r>
+              <a:rPr lang="ru-RU" sz="300" dirty="0">
+                <a:solidFill>
+                  <a:schemeClr val="bg1"/>
+                </a:solidFill>
+              </a:rPr>
+              <a:t>» и перешло к новому комитету «Помощь </a:t>
+            </a:r>
+            <a:r>
+              <a:rPr lang="ru-RU" sz="300" dirty="0" err="1">
+                <a:solidFill>
+                  <a:schemeClr val="bg1"/>
+                </a:solidFill>
+              </a:rPr>
+              <a:t>Шпанье</a:t>
+            </a:r>
+            <a:r>
+              <a:rPr lang="ru-RU" sz="300" dirty="0">
+                <a:solidFill>
+                  <a:schemeClr val="bg1"/>
+                </a:solidFill>
+              </a:rPr>
+              <a:t>». 122) Федерация анархистов Нидерландов (ФАН), организация, основанная под влиянием гражданской войны в Испании и по аналогии с испанской </a:t>
+            </a:r>
+            <a:r>
+              <a:rPr lang="ru-RU" sz="300" dirty="0" err="1">
+                <a:solidFill>
+                  <a:schemeClr val="bg1"/>
+                </a:solidFill>
+              </a:rPr>
+              <a:t>Federación</a:t>
+            </a:r>
+            <a:r>
+              <a:rPr lang="ru-RU" sz="300" dirty="0">
+                <a:solidFill>
+                  <a:schemeClr val="bg1"/>
+                </a:solidFill>
+              </a:rPr>
+              <a:t> </a:t>
+            </a:r>
+            <a:r>
+              <a:rPr lang="ru-RU" sz="300" dirty="0" err="1">
+                <a:solidFill>
+                  <a:schemeClr val="bg1"/>
+                </a:solidFill>
+              </a:rPr>
+              <a:t>Anarquista</a:t>
+            </a:r>
+            <a:r>
+              <a:rPr lang="ru-RU" sz="300" dirty="0">
+                <a:solidFill>
+                  <a:schemeClr val="bg1"/>
+                </a:solidFill>
+              </a:rPr>
+              <a:t> </a:t>
+            </a:r>
+            <a:r>
+              <a:rPr lang="ru-RU" sz="300" dirty="0" err="1">
+                <a:solidFill>
+                  <a:schemeClr val="bg1"/>
+                </a:solidFill>
+              </a:rPr>
+              <a:t>Ibérica</a:t>
+            </a:r>
+            <a:r>
+              <a:rPr lang="ru-RU" sz="300" dirty="0">
+                <a:solidFill>
+                  <a:schemeClr val="bg1"/>
+                </a:solidFill>
+              </a:rPr>
+              <a:t> (FAI), также участвовала в «Помогает Испании». Отличие от свободных социалистов заключалось в том, что ФАН была готова принять определенные формы организации. Более того, ФАН не знал о ненасильственной позиции свободных социалистов в отношении Испании. NSV очень положительно оценила FAN, и степень сотрудничества была высокой. Например, членам ФАН разрешили посещать пятидесятнические лагеря НСВ.)</a:t>
+            </a:r>
+            <a:endParaRPr lang="ru-RU" sz="1400" dirty="0">
+              <a:solidFill>
+                <a:schemeClr val="bg1"/>
+              </a:solidFill>
+            </a:endParaRPr>
+          </a:p>
+        </p:txBody>
+      </p:sp>
+      <p:sp>
+        <p:nvSpPr>
+          <p:cNvPr id="168" name="Прямоугольник 167">
+            <a:extLst>
+              <a:ext uri="{FF2B5EF4-FFF2-40B4-BE49-F238E27FC236}">
+                <a16:creationId xmlns:a16="http://schemas.microsoft.com/office/drawing/2014/main" id="{068B4ABC-E26F-4FB0-B0F8-F5F845757B6E}"/>
+              </a:ext>
+            </a:extLst>
+          </p:cNvPr>
+          <p:cNvSpPr/>
+          <p:nvPr/>
+        </p:nvSpPr>
+        <p:spPr>
+          <a:xfrm>
+            <a:off x="9969042" y="1525759"/>
+            <a:ext cx="2115918" cy="1080000"/>
+          </a:xfrm>
+          <a:prstGeom prst="rect">
+            <a:avLst/>
+          </a:prstGeom>
+          <a:gradFill>
+            <a:gsLst>
+              <a:gs pos="0">
+                <a:schemeClr val="accent4"/>
+              </a:gs>
+              <a:gs pos="100000">
+                <a:srgbClr val="FF0000"/>
+              </a:gs>
+            </a:gsLst>
+            <a:lin ang="5400000" scaled="1"/>
+          </a:gradFill>
+          <a:ln w="28575"/>
+        </p:spPr>
+        <p:style>
+          <a:lnRef idx="2">
+            <a:schemeClr val="accent1"/>
+          </a:lnRef>
+          <a:fillRef idx="1">
+            <a:schemeClr val="lt1"/>
+          </a:fillRef>
+          <a:effectRef idx="0">
+            <a:schemeClr val="accent1"/>
+          </a:effectRef>
+          <a:fontRef idx="minor">
+            <a:schemeClr val="dk1"/>
+          </a:fontRef>
+        </p:style>
+        <p:txBody>
+          <a:bodyPr lIns="124733" tIns="62367" rIns="124733" bIns="62367" rtlCol="0" anchor="ctr"/>
+          <a:lstStyle/>
+          <a:p>
+            <a:pPr algn="ctr"/>
+            <a:r>
+              <a:rPr lang="ru-RU" sz="1600" dirty="0">
+                <a:solidFill>
+                  <a:schemeClr val="tx1"/>
+                </a:solidFill>
+              </a:rPr>
+              <a:t>«Красное </a:t>
+            </a:r>
+            <a:r>
+              <a:rPr lang="ru-RU" sz="1600" dirty="0" err="1">
+                <a:solidFill>
+                  <a:schemeClr val="tx1"/>
+                </a:solidFill>
+              </a:rPr>
+              <a:t>Шпанье</a:t>
+            </a:r>
+            <a:r>
+              <a:rPr lang="ru-RU" sz="1600" dirty="0">
+                <a:solidFill>
+                  <a:schemeClr val="tx1"/>
+                </a:solidFill>
+              </a:rPr>
+              <a:t>» </a:t>
+            </a:r>
+            <a:r>
+              <a:rPr lang="ru-RU" sz="1100" dirty="0">
+                <a:solidFill>
+                  <a:schemeClr val="tx1"/>
+                </a:solidFill>
+              </a:rPr>
+              <a:t>(</a:t>
+            </a:r>
+            <a:r>
+              <a:rPr lang="ru-RU" sz="300" dirty="0">
+                <a:solidFill>
+                  <a:schemeClr val="tx1"/>
+                </a:solidFill>
+              </a:rPr>
+              <a:t>Гражданская война в Испании привела к широкому сотрудничеству в комитете «Красная Испания», который был основан в ноябре 1936 года. Участвующими организациями были NSV (включая LSVB и SAJO), NAS (включая женщин NAS и молодежь NAS) и RSAP. Поскольку «Красная Испания» преследовала ограниченную цель, т. е. сбор денег на помощь натурой, т. е. продовольствием и одеждой, сотрудничество в этом было приемлемо для НСВ. Когда после Барселоны — мая 1937 года РСАП и НАН захотели провести агитацию в пользу преследуемых в республике, а также оказать поддержку дружественным организациям, НСВ отказалась от участия. В результате NSV покинуло «Красное </a:t>
+            </a:r>
+            <a:r>
+              <a:rPr lang="ru-RU" sz="300" dirty="0" err="1">
+                <a:solidFill>
+                  <a:schemeClr val="tx1"/>
+                </a:solidFill>
+              </a:rPr>
+              <a:t>Шпанье</a:t>
+            </a:r>
+            <a:r>
+              <a:rPr lang="ru-RU" sz="300" dirty="0">
+                <a:solidFill>
+                  <a:schemeClr val="tx1"/>
+                </a:solidFill>
+              </a:rPr>
+              <a:t>» и перешло к новому комитету «Помощь </a:t>
+            </a:r>
+            <a:r>
+              <a:rPr lang="ru-RU" sz="300" dirty="0" err="1">
+                <a:solidFill>
+                  <a:schemeClr val="tx1"/>
+                </a:solidFill>
+              </a:rPr>
+              <a:t>Шпанье</a:t>
+            </a:r>
+            <a:r>
+              <a:rPr lang="ru-RU" sz="300" dirty="0">
+                <a:solidFill>
+                  <a:schemeClr val="tx1"/>
+                </a:solidFill>
+              </a:rPr>
+              <a:t>». 122) Федерация анархистов Нидерландов (ФАН), организация, основанная под влиянием гражданской войны в Испании и по аналогии с испанской </a:t>
+            </a:r>
+            <a:r>
+              <a:rPr lang="ru-RU" sz="300" dirty="0" err="1">
+                <a:solidFill>
+                  <a:schemeClr val="tx1"/>
+                </a:solidFill>
+              </a:rPr>
+              <a:t>Federación</a:t>
+            </a:r>
+            <a:r>
+              <a:rPr lang="ru-RU" sz="300" dirty="0">
+                <a:solidFill>
+                  <a:schemeClr val="tx1"/>
+                </a:solidFill>
+              </a:rPr>
+              <a:t> </a:t>
+            </a:r>
+            <a:r>
+              <a:rPr lang="ru-RU" sz="300" dirty="0" err="1">
+                <a:solidFill>
+                  <a:schemeClr val="tx1"/>
+                </a:solidFill>
+              </a:rPr>
+              <a:t>Anarquista</a:t>
+            </a:r>
+            <a:r>
+              <a:rPr lang="ru-RU" sz="300" dirty="0">
+                <a:solidFill>
+                  <a:schemeClr val="tx1"/>
+                </a:solidFill>
+              </a:rPr>
+              <a:t> </a:t>
+            </a:r>
+            <a:r>
+              <a:rPr lang="ru-RU" sz="300" dirty="0" err="1">
+                <a:solidFill>
+                  <a:schemeClr val="tx1"/>
+                </a:solidFill>
+              </a:rPr>
+              <a:t>Ibérica</a:t>
+            </a:r>
+            <a:r>
+              <a:rPr lang="ru-RU" sz="300" dirty="0">
+                <a:solidFill>
+                  <a:schemeClr val="tx1"/>
+                </a:solidFill>
+              </a:rPr>
+              <a:t> (FAI), также участвовала в «Помогает Испании». Отличие от свободных социалистов заключалось в том, что ФАН была готова принять определенные формы организации. Более того, ФАН не знал о ненасильственной позиции свободных социалистов в отношении Испании. NSV очень положительно оценила FAN, и степень сотрудничества была высокой. Например, членам ФАН разрешили посещать пятидесятнические лагеря НСВ.)</a:t>
+            </a:r>
+            <a:endParaRPr lang="ru-RU" sz="1600" dirty="0">
+              <a:solidFill>
+                <a:schemeClr val="tx1"/>
+              </a:solidFill>
+            </a:endParaRPr>
+          </a:p>
+        </p:txBody>
+      </p:sp>
+      <p:sp>
+        <p:nvSpPr>
+          <p:cNvPr id="170" name="Прямоугольник 169">
+            <a:extLst>
+              <a:ext uri="{FF2B5EF4-FFF2-40B4-BE49-F238E27FC236}">
+                <a16:creationId xmlns:a16="http://schemas.microsoft.com/office/drawing/2014/main" id="{A2CBF703-EA25-46A0-AFBD-8020F54CDBD4}"/>
+              </a:ext>
+            </a:extLst>
+          </p:cNvPr>
+          <p:cNvSpPr/>
+          <p:nvPr/>
+        </p:nvSpPr>
+        <p:spPr>
+          <a:xfrm>
+            <a:off x="35810432" y="302175"/>
+            <a:ext cx="2115918" cy="1080000"/>
+          </a:xfrm>
+          <a:prstGeom prst="rect">
+            <a:avLst/>
+          </a:prstGeom>
+          <a:solidFill>
+            <a:schemeClr val="tx1">
+              <a:lumMod val="85000"/>
+              <a:lumOff val="15000"/>
+            </a:schemeClr>
+          </a:solidFill>
+          <a:ln w="28575"/>
+        </p:spPr>
+        <p:style>
+          <a:lnRef idx="2">
+            <a:schemeClr val="accent1"/>
+          </a:lnRef>
+          <a:fillRef idx="1">
+            <a:schemeClr val="lt1"/>
+          </a:fillRef>
+          <a:effectRef idx="0">
+            <a:schemeClr val="accent1"/>
+          </a:effectRef>
+          <a:fontRef idx="minor">
+            <a:schemeClr val="dk1"/>
+          </a:fontRef>
+        </p:style>
+        <p:txBody>
+          <a:bodyPr lIns="124733" tIns="62367" rIns="124733" bIns="62367" rtlCol="0" anchor="ctr"/>
+          <a:lstStyle/>
+          <a:p>
+            <a:pPr algn="ctr"/>
+            <a:r>
+              <a:rPr lang="ru-RU" sz="300" dirty="0">
+                <a:solidFill>
+                  <a:schemeClr val="bg1"/>
+                </a:solidFill>
+              </a:rPr>
+              <a:t>«2. - Убедить рабочих оружейных заводов и заводов, которые могут быть переоборудованы для военных целей, в том, что задача сознательных рабочих состоит в том, чтобы с началом войны объявить забастовку, захватить запасы военных материалов и сырьевую войну. материала и вырвать управление фабриками из рук капиталистов». 146) (Курсив VB/</a:t>
+            </a:r>
+            <a:r>
+              <a:rPr lang="ru-RU" sz="300" dirty="0" err="1">
+                <a:solidFill>
+                  <a:schemeClr val="bg1"/>
+                </a:solidFill>
+              </a:rPr>
+              <a:t>EvdT</a:t>
+            </a:r>
+            <a:r>
+              <a:rPr lang="ru-RU" sz="300" dirty="0">
+                <a:solidFill>
+                  <a:schemeClr val="bg1"/>
+                </a:solidFill>
+              </a:rPr>
+              <a:t>)¬Принятый текст заканчивался следующим </a:t>
+            </a:r>
+            <a:r>
+              <a:rPr lang="ru-RU" sz="300" dirty="0" err="1">
+                <a:solidFill>
+                  <a:schemeClr val="bg1"/>
+                </a:solidFill>
+              </a:rPr>
+              <a:t>предложением:Словом</a:t>
+            </a:r>
+            <a:r>
+              <a:rPr lang="ru-RU" sz="300" dirty="0">
+                <a:solidFill>
+                  <a:schemeClr val="bg1"/>
+                </a:solidFill>
+              </a:rPr>
+              <a:t>, надо использовать все средства, чтобы всеобщая забастовка превратилась в победоносную революцию.</a:t>
+            </a:r>
+          </a:p>
+        </p:txBody>
+      </p:sp>
+      <p:sp>
+        <p:nvSpPr>
+          <p:cNvPr id="171" name="Прямоугольник 170">
+            <a:extLst>
+              <a:ext uri="{FF2B5EF4-FFF2-40B4-BE49-F238E27FC236}">
+                <a16:creationId xmlns:a16="http://schemas.microsoft.com/office/drawing/2014/main" id="{7F78B5E7-887C-411A-B36D-1F94FB6CBB50}"/>
+              </a:ext>
+            </a:extLst>
+          </p:cNvPr>
+          <p:cNvSpPr/>
+          <p:nvPr/>
+        </p:nvSpPr>
+        <p:spPr>
+          <a:xfrm>
+            <a:off x="24751560" y="8595395"/>
+            <a:ext cx="2115918" cy="1080000"/>
+          </a:xfrm>
+          <a:prstGeom prst="rect">
+            <a:avLst/>
+          </a:prstGeom>
+          <a:solidFill>
+            <a:schemeClr val="tx1">
+              <a:lumMod val="85000"/>
+              <a:lumOff val="15000"/>
+            </a:schemeClr>
+          </a:solidFill>
+          <a:ln w="28575"/>
+        </p:spPr>
+        <p:style>
+          <a:lnRef idx="2">
+            <a:schemeClr val="accent1"/>
+          </a:lnRef>
+          <a:fillRef idx="1">
+            <a:schemeClr val="lt1"/>
+          </a:fillRef>
+          <a:effectRef idx="0">
+            <a:schemeClr val="accent1"/>
+          </a:effectRef>
+          <a:fontRef idx="minor">
+            <a:schemeClr val="dk1"/>
+          </a:fontRef>
+        </p:style>
+        <p:txBody>
+          <a:bodyPr lIns="124733" tIns="62367" rIns="124733" bIns="62367" rtlCol="0" anchor="ctr"/>
+          <a:lstStyle/>
+          <a:p>
+            <a:pPr algn="ctr"/>
+            <a:r>
+              <a:rPr lang="ru-RU" sz="1400" dirty="0">
+                <a:solidFill>
+                  <a:schemeClr val="bg1"/>
+                </a:solidFill>
+              </a:rPr>
+              <a:t>Передать оружие рабочим </a:t>
+            </a:r>
+            <a:r>
+              <a:rPr lang="ru-RU" sz="200" dirty="0">
+                <a:solidFill>
+                  <a:schemeClr val="bg1"/>
+                </a:solidFill>
+              </a:rPr>
+              <a:t>(Таким образом, можно сказать, что и де </a:t>
+            </a:r>
+            <a:r>
+              <a:rPr lang="ru-RU" sz="200" dirty="0" err="1">
+                <a:solidFill>
+                  <a:schemeClr val="bg1"/>
+                </a:solidFill>
+              </a:rPr>
+              <a:t>Йонг</a:t>
+            </a:r>
+            <a:r>
+              <a:rPr lang="ru-RU" sz="200" dirty="0">
+                <a:solidFill>
+                  <a:schemeClr val="bg1"/>
+                </a:solidFill>
+              </a:rPr>
+              <a:t>, и </a:t>
+            </a:r>
+            <a:r>
+              <a:rPr lang="ru-RU" sz="200" dirty="0" err="1">
+                <a:solidFill>
+                  <a:schemeClr val="bg1"/>
+                </a:solidFill>
+              </a:rPr>
+              <a:t>Уарт</a:t>
+            </a:r>
+            <a:r>
+              <a:rPr lang="ru-RU" sz="200" dirty="0">
+                <a:solidFill>
+                  <a:schemeClr val="bg1"/>
+                </a:solidFill>
+              </a:rPr>
+              <a:t> выступали за забастовку в начале войны. Однако они расходились во мнениях относительно стратегии, которой следует следовать ниже. Де </a:t>
+            </a:r>
+            <a:r>
+              <a:rPr lang="ru-RU" sz="200" dirty="0" err="1">
+                <a:solidFill>
+                  <a:schemeClr val="bg1"/>
+                </a:solidFill>
+              </a:rPr>
+              <a:t>Йонг</a:t>
+            </a:r>
+            <a:r>
+              <a:rPr lang="ru-RU" sz="200" dirty="0">
+                <a:solidFill>
+                  <a:schemeClr val="bg1"/>
+                </a:solidFill>
+              </a:rPr>
+              <a:t> хотел уничтожить все оружие, в то время как </a:t>
+            </a:r>
+            <a:r>
+              <a:rPr lang="ru-RU" sz="200" dirty="0" err="1">
+                <a:solidFill>
+                  <a:schemeClr val="bg1"/>
+                </a:solidFill>
+              </a:rPr>
+              <a:t>Уарт</a:t>
+            </a:r>
+            <a:r>
+              <a:rPr lang="ru-RU" sz="200" dirty="0">
+                <a:solidFill>
+                  <a:schemeClr val="bg1"/>
+                </a:solidFill>
+              </a:rPr>
+              <a:t> выступал за завоевание всего оружия рабочими, чтобы довести социальную революцию до успешного </a:t>
+            </a:r>
+            <a:r>
+              <a:rPr lang="ru-RU" sz="200" dirty="0" err="1">
+                <a:solidFill>
+                  <a:schemeClr val="bg1"/>
+                </a:solidFill>
+              </a:rPr>
+              <a:t>завершения.¬В</a:t>
+            </a:r>
+            <a:r>
+              <a:rPr lang="ru-RU" sz="200" dirty="0">
+                <a:solidFill>
+                  <a:schemeClr val="bg1"/>
+                </a:solidFill>
+              </a:rPr>
+              <a:t> годы после </a:t>
+            </a:r>
+            <a:r>
+              <a:rPr lang="ru-RU" sz="200" dirty="0" err="1">
+                <a:solidFill>
+                  <a:schemeClr val="bg1"/>
+                </a:solidFill>
+              </a:rPr>
+              <a:t>Льежского</a:t>
+            </a:r>
+            <a:r>
+              <a:rPr lang="ru-RU" sz="200" dirty="0">
+                <a:solidFill>
+                  <a:schemeClr val="bg1"/>
+                </a:solidFill>
+              </a:rPr>
+              <a:t> конгресса дискуссия об указанном противоречии продолжалась. В ходе этой дискуссии идеи </a:t>
+            </a:r>
+            <a:r>
+              <a:rPr lang="ru-RU" sz="200" dirty="0" err="1">
+                <a:solidFill>
+                  <a:schemeClr val="bg1"/>
+                </a:solidFill>
+              </a:rPr>
+              <a:t>Юарта</a:t>
+            </a:r>
+            <a:r>
+              <a:rPr lang="ru-RU" sz="200" dirty="0">
+                <a:solidFill>
+                  <a:schemeClr val="bg1"/>
+                </a:solidFill>
+              </a:rPr>
+              <a:t>, с одной стороны, и Де </a:t>
+            </a:r>
+            <a:r>
+              <a:rPr lang="ru-RU" sz="200" dirty="0" err="1">
+                <a:solidFill>
+                  <a:schemeClr val="bg1"/>
+                </a:solidFill>
+              </a:rPr>
+              <a:t>Йонга</a:t>
+            </a:r>
+            <a:r>
+              <a:rPr lang="ru-RU" sz="200" dirty="0">
+                <a:solidFill>
+                  <a:schemeClr val="bg1"/>
+                </a:solidFill>
+              </a:rPr>
+              <a:t> и Мюллера-</a:t>
+            </a:r>
+            <a:r>
+              <a:rPr lang="ru-RU" sz="200" dirty="0" err="1">
+                <a:solidFill>
+                  <a:schemeClr val="bg1"/>
+                </a:solidFill>
+              </a:rPr>
+              <a:t>Ленинга</a:t>
+            </a:r>
+            <a:r>
+              <a:rPr lang="ru-RU" sz="200" dirty="0">
+                <a:solidFill>
+                  <a:schemeClr val="bg1"/>
+                </a:solidFill>
+              </a:rPr>
+              <a:t>, с другой, становились все более ясными. Основные положения обеих точек зрения будут представлены ниже.¬¬¬Де </a:t>
+            </a:r>
+            <a:r>
+              <a:rPr lang="ru-RU" sz="200" dirty="0" err="1">
+                <a:solidFill>
+                  <a:schemeClr val="bg1"/>
+                </a:solidFill>
+              </a:rPr>
+              <a:t>Йонг</a:t>
+            </a:r>
+            <a:r>
+              <a:rPr lang="ru-RU" sz="200" dirty="0">
+                <a:solidFill>
+                  <a:schemeClr val="bg1"/>
+                </a:solidFill>
+              </a:rPr>
+              <a:t> и Мюллер-</a:t>
+            </a:r>
+            <a:r>
+              <a:rPr lang="ru-RU" sz="200" dirty="0" err="1">
+                <a:solidFill>
+                  <a:schemeClr val="bg1"/>
+                </a:solidFill>
+              </a:rPr>
+              <a:t>Ленинг</a:t>
+            </a:r>
+            <a:r>
+              <a:rPr lang="ru-RU" sz="200" dirty="0">
+                <a:solidFill>
+                  <a:schemeClr val="bg1"/>
+                </a:solidFill>
+              </a:rPr>
+              <a:t> не видели смысла в вооруженной защите социальной революции. По их мнению, это имело бы контрреволюционный эффект. Во времена всевозможных современных военных средств, таких как самолеты и </a:t>
+            </a:r>
+            <a:r>
+              <a:rPr lang="ru-RU" sz="200" dirty="0" err="1">
+                <a:solidFill>
+                  <a:schemeClr val="bg1"/>
+                </a:solidFill>
+              </a:rPr>
+              <a:t>газы</a:t>
+            </a:r>
+            <a:r>
+              <a:rPr lang="ru-RU" sz="200" dirty="0">
+                <a:solidFill>
+                  <a:schemeClr val="bg1"/>
+                </a:solidFill>
+              </a:rPr>
+              <a:t>, контрреволюционные армии использовали бы все эти средства в своей борьбе с революцией. В вооруженной защите социальной революции, если кто-то хотел добиться успеха, нужно было использовать эти современные методы войны. Это привело бы к тому, что революционерам пришлось бы формировать полную армию, в которой централистское наращивание было бы неизбежным. Именно эта централизация, диаметрально противоположная принципам МАА, была контрреволюционной. Вот почему Альберт де </a:t>
+            </a:r>
+            <a:r>
+              <a:rPr lang="ru-RU" sz="200" dirty="0" err="1">
+                <a:solidFill>
+                  <a:schemeClr val="bg1"/>
+                </a:solidFill>
+              </a:rPr>
+              <a:t>Йонг</a:t>
+            </a:r>
+            <a:r>
+              <a:rPr lang="ru-RU" sz="200" dirty="0">
+                <a:solidFill>
+                  <a:schemeClr val="bg1"/>
+                </a:solidFill>
+              </a:rPr>
+              <a:t> и Артур Мюллер-</a:t>
+            </a:r>
+            <a:r>
+              <a:rPr lang="ru-RU" sz="200" dirty="0" err="1">
+                <a:solidFill>
+                  <a:schemeClr val="bg1"/>
+                </a:solidFill>
+              </a:rPr>
+              <a:t>Ленинг</a:t>
+            </a:r>
+            <a:r>
+              <a:rPr lang="ru-RU" sz="200" dirty="0">
+                <a:solidFill>
+                  <a:schemeClr val="bg1"/>
+                </a:solidFill>
+              </a:rPr>
+              <a:t> не хотели доводить дело до вооруженного переворота. Это требовало очень обдуманного отношения рабочего класса. Она должна была предотвратить развязывание войны; это путем оккупации компаний и распределительных органов, а также уничтожения арсенала. Тогда социальную революцию должны были защищать экономические организации, созданные во время революции самими рабочими. Таким образом, они остались верны федералистским принципам.)</a:t>
+            </a:r>
+            <a:endParaRPr lang="ru-RU" sz="1400" dirty="0">
+              <a:solidFill>
+                <a:schemeClr val="bg1"/>
+              </a:solidFill>
+            </a:endParaRPr>
+          </a:p>
+        </p:txBody>
+      </p:sp>
+      <p:sp>
+        <p:nvSpPr>
+          <p:cNvPr id="173" name="Прямоугольник 172">
+            <a:extLst>
+              <a:ext uri="{FF2B5EF4-FFF2-40B4-BE49-F238E27FC236}">
+                <a16:creationId xmlns:a16="http://schemas.microsoft.com/office/drawing/2014/main" id="{C780D6A7-7E53-4375-803E-FA88088A71CF}"/>
+              </a:ext>
+            </a:extLst>
+          </p:cNvPr>
+          <p:cNvSpPr/>
+          <p:nvPr/>
+        </p:nvSpPr>
+        <p:spPr>
+          <a:xfrm>
+            <a:off x="27209838" y="8595395"/>
+            <a:ext cx="2115918" cy="1080000"/>
+          </a:xfrm>
+          <a:prstGeom prst="rect">
+            <a:avLst/>
+          </a:prstGeom>
+          <a:solidFill>
+            <a:schemeClr val="tx1">
+              <a:lumMod val="85000"/>
+              <a:lumOff val="15000"/>
+            </a:schemeClr>
+          </a:solidFill>
+          <a:ln w="28575"/>
+        </p:spPr>
+        <p:style>
+          <a:lnRef idx="2">
+            <a:schemeClr val="accent1"/>
+          </a:lnRef>
+          <a:fillRef idx="1">
+            <a:schemeClr val="lt1"/>
+          </a:fillRef>
+          <a:effectRef idx="0">
+            <a:schemeClr val="accent1"/>
+          </a:effectRef>
+          <a:fontRef idx="minor">
+            <a:schemeClr val="dk1"/>
+          </a:fontRef>
+        </p:style>
+        <p:txBody>
+          <a:bodyPr lIns="124733" tIns="62367" rIns="124733" bIns="62367" rtlCol="0" anchor="ctr"/>
+          <a:lstStyle/>
+          <a:p>
+            <a:pPr algn="ctr"/>
+            <a:r>
+              <a:rPr lang="ru-RU" sz="1400" dirty="0">
+                <a:solidFill>
+                  <a:schemeClr val="bg1"/>
+                </a:solidFill>
+              </a:rPr>
+              <a:t>Уничтожить всё оружие </a:t>
+            </a:r>
+            <a:r>
+              <a:rPr lang="ru-RU" sz="200" dirty="0">
+                <a:solidFill>
+                  <a:schemeClr val="bg1"/>
+                </a:solidFill>
+              </a:rPr>
+              <a:t>(Таким образом, можно сказать, что и де </a:t>
+            </a:r>
+            <a:r>
+              <a:rPr lang="ru-RU" sz="200" dirty="0" err="1">
+                <a:solidFill>
+                  <a:schemeClr val="bg1"/>
+                </a:solidFill>
+              </a:rPr>
+              <a:t>Йонг</a:t>
+            </a:r>
+            <a:r>
+              <a:rPr lang="ru-RU" sz="200" dirty="0">
+                <a:solidFill>
+                  <a:schemeClr val="bg1"/>
+                </a:solidFill>
+              </a:rPr>
+              <a:t>, и </a:t>
+            </a:r>
+            <a:r>
+              <a:rPr lang="ru-RU" sz="200" dirty="0" err="1">
+                <a:solidFill>
+                  <a:schemeClr val="bg1"/>
+                </a:solidFill>
+              </a:rPr>
+              <a:t>Уарт</a:t>
+            </a:r>
+            <a:r>
+              <a:rPr lang="ru-RU" sz="200" dirty="0">
+                <a:solidFill>
+                  <a:schemeClr val="bg1"/>
+                </a:solidFill>
+              </a:rPr>
+              <a:t> выступали за забастовку в начале войны. Однако они расходились во мнениях относительно стратегии, которой следует следовать ниже. Де </a:t>
+            </a:r>
+            <a:r>
+              <a:rPr lang="ru-RU" sz="200" dirty="0" err="1">
+                <a:solidFill>
+                  <a:schemeClr val="bg1"/>
+                </a:solidFill>
+              </a:rPr>
+              <a:t>Йонг</a:t>
+            </a:r>
+            <a:r>
+              <a:rPr lang="ru-RU" sz="200" dirty="0">
+                <a:solidFill>
+                  <a:schemeClr val="bg1"/>
+                </a:solidFill>
+              </a:rPr>
+              <a:t> хотел уничтожить все оружие, в то время как </a:t>
+            </a:r>
+            <a:r>
+              <a:rPr lang="ru-RU" sz="200" dirty="0" err="1">
+                <a:solidFill>
+                  <a:schemeClr val="bg1"/>
+                </a:solidFill>
+              </a:rPr>
+              <a:t>Уарт</a:t>
+            </a:r>
+            <a:r>
+              <a:rPr lang="ru-RU" sz="200" dirty="0">
+                <a:solidFill>
+                  <a:schemeClr val="bg1"/>
+                </a:solidFill>
+              </a:rPr>
+              <a:t> выступал за завоевание всего оружия рабочими, чтобы довести социальную революцию до успешного </a:t>
+            </a:r>
+            <a:r>
+              <a:rPr lang="ru-RU" sz="200" dirty="0" err="1">
+                <a:solidFill>
+                  <a:schemeClr val="bg1"/>
+                </a:solidFill>
+              </a:rPr>
+              <a:t>завершения.¬В</a:t>
+            </a:r>
+            <a:r>
+              <a:rPr lang="ru-RU" sz="200" dirty="0">
+                <a:solidFill>
+                  <a:schemeClr val="bg1"/>
+                </a:solidFill>
+              </a:rPr>
+              <a:t> годы после </a:t>
+            </a:r>
+            <a:r>
+              <a:rPr lang="ru-RU" sz="200" dirty="0" err="1">
+                <a:solidFill>
+                  <a:schemeClr val="bg1"/>
+                </a:solidFill>
+              </a:rPr>
+              <a:t>Льежского</a:t>
+            </a:r>
+            <a:r>
+              <a:rPr lang="ru-RU" sz="200" dirty="0">
+                <a:solidFill>
+                  <a:schemeClr val="bg1"/>
+                </a:solidFill>
+              </a:rPr>
+              <a:t> конгресса дискуссия об указанном противоречии продолжалась. В ходе этой дискуссии идеи </a:t>
+            </a:r>
+            <a:r>
+              <a:rPr lang="ru-RU" sz="200" dirty="0" err="1">
+                <a:solidFill>
+                  <a:schemeClr val="bg1"/>
+                </a:solidFill>
+              </a:rPr>
+              <a:t>Юарта</a:t>
+            </a:r>
+            <a:r>
+              <a:rPr lang="ru-RU" sz="200" dirty="0">
+                <a:solidFill>
+                  <a:schemeClr val="bg1"/>
+                </a:solidFill>
+              </a:rPr>
+              <a:t>, с одной стороны, и Де </a:t>
+            </a:r>
+            <a:r>
+              <a:rPr lang="ru-RU" sz="200" dirty="0" err="1">
+                <a:solidFill>
+                  <a:schemeClr val="bg1"/>
+                </a:solidFill>
+              </a:rPr>
+              <a:t>Йонга</a:t>
+            </a:r>
+            <a:r>
+              <a:rPr lang="ru-RU" sz="200" dirty="0">
+                <a:solidFill>
+                  <a:schemeClr val="bg1"/>
+                </a:solidFill>
+              </a:rPr>
+              <a:t> и Мюллера-</a:t>
+            </a:r>
+            <a:r>
+              <a:rPr lang="ru-RU" sz="200" dirty="0" err="1">
+                <a:solidFill>
+                  <a:schemeClr val="bg1"/>
+                </a:solidFill>
+              </a:rPr>
+              <a:t>Ленинга</a:t>
+            </a:r>
+            <a:r>
+              <a:rPr lang="ru-RU" sz="200" dirty="0">
+                <a:solidFill>
+                  <a:schemeClr val="bg1"/>
+                </a:solidFill>
+              </a:rPr>
+              <a:t>, с другой, становились все более ясными. Основные положения обеих точек зрения будут представлены ниже.¬¬¬Де </a:t>
+            </a:r>
+            <a:r>
+              <a:rPr lang="ru-RU" sz="200" dirty="0" err="1">
+                <a:solidFill>
+                  <a:schemeClr val="bg1"/>
+                </a:solidFill>
+              </a:rPr>
+              <a:t>Йонг</a:t>
+            </a:r>
+            <a:r>
+              <a:rPr lang="ru-RU" sz="200" dirty="0">
+                <a:solidFill>
+                  <a:schemeClr val="bg1"/>
+                </a:solidFill>
+              </a:rPr>
+              <a:t> и Мюллер-</a:t>
+            </a:r>
+            <a:r>
+              <a:rPr lang="ru-RU" sz="200" dirty="0" err="1">
+                <a:solidFill>
+                  <a:schemeClr val="bg1"/>
+                </a:solidFill>
+              </a:rPr>
+              <a:t>Ленинг</a:t>
+            </a:r>
+            <a:r>
+              <a:rPr lang="ru-RU" sz="200" dirty="0">
+                <a:solidFill>
+                  <a:schemeClr val="bg1"/>
+                </a:solidFill>
+              </a:rPr>
+              <a:t> не видели смысла в вооруженной защите социальной революции. По их мнению, это имело бы контрреволюционный эффект. Во времена всевозможных современных военных средств, таких как самолеты и </a:t>
+            </a:r>
+            <a:r>
+              <a:rPr lang="ru-RU" sz="200" dirty="0" err="1">
+                <a:solidFill>
+                  <a:schemeClr val="bg1"/>
+                </a:solidFill>
+              </a:rPr>
+              <a:t>газы</a:t>
+            </a:r>
+            <a:r>
+              <a:rPr lang="ru-RU" sz="200" dirty="0">
+                <a:solidFill>
+                  <a:schemeClr val="bg1"/>
+                </a:solidFill>
+              </a:rPr>
+              <a:t>, контрреволюционные армии использовали бы все эти средства в своей борьбе с революцией. В вооруженной защите социальной революции, если кто-то хотел добиться успеха, нужно было использовать эти современные методы войны. Это привело бы к тому, что революционерам пришлось бы формировать полную армию, в которой централистское наращивание было бы неизбежным. Именно эта централизация, диаметрально противоположная принципам МАА, была контрреволюционной. Вот почему Альберт де </a:t>
+            </a:r>
+            <a:r>
+              <a:rPr lang="ru-RU" sz="200" dirty="0" err="1">
+                <a:solidFill>
+                  <a:schemeClr val="bg1"/>
+                </a:solidFill>
+              </a:rPr>
+              <a:t>Йонг</a:t>
+            </a:r>
+            <a:r>
+              <a:rPr lang="ru-RU" sz="200" dirty="0">
+                <a:solidFill>
+                  <a:schemeClr val="bg1"/>
+                </a:solidFill>
+              </a:rPr>
+              <a:t> и Артур Мюллер-</a:t>
+            </a:r>
+            <a:r>
+              <a:rPr lang="ru-RU" sz="200" dirty="0" err="1">
+                <a:solidFill>
+                  <a:schemeClr val="bg1"/>
+                </a:solidFill>
+              </a:rPr>
+              <a:t>Ленинг</a:t>
+            </a:r>
+            <a:r>
+              <a:rPr lang="ru-RU" sz="200" dirty="0">
+                <a:solidFill>
+                  <a:schemeClr val="bg1"/>
+                </a:solidFill>
+              </a:rPr>
+              <a:t> не хотели доводить дело до вооруженного переворота. Это требовало очень обдуманного отношения рабочего класса. Она должна была предотвратить развязывание войны; это путем оккупации компаний и распределительных органов, а также уничтожения арсенала. Тогда социальную революцию должны были защищать экономические организации, созданные во время революции самими рабочими. Таким образом, они остались верны федералистским принципам.)</a:t>
+            </a:r>
+            <a:endParaRPr lang="ru-RU" sz="1400" dirty="0">
+              <a:solidFill>
+                <a:schemeClr val="bg1"/>
+              </a:solidFill>
+            </a:endParaRPr>
+          </a:p>
+        </p:txBody>
+      </p:sp>
+      <p:cxnSp>
+        <p:nvCxnSpPr>
+          <p:cNvPr id="176" name="Прямая соединительная линия 175">
+            <a:extLst>
+              <a:ext uri="{FF2B5EF4-FFF2-40B4-BE49-F238E27FC236}">
+                <a16:creationId xmlns:a16="http://schemas.microsoft.com/office/drawing/2014/main" id="{43B0CB73-A7E1-45CC-B30D-4EE9D53A2A8A}"/>
+              </a:ext>
+            </a:extLst>
+          </p:cNvPr>
+          <p:cNvCxnSpPr>
+            <a:cxnSpLocks/>
+            <a:stCxn id="173" idx="1"/>
+            <a:endCxn id="171" idx="3"/>
+          </p:cNvCxnSpPr>
+          <p:nvPr/>
+        </p:nvCxnSpPr>
+        <p:spPr>
+          <a:xfrm flipH="1">
+            <a:off x="26867478" y="9135395"/>
+            <a:ext cx="342360" cy="0"/>
+          </a:xfrm>
+          <a:prstGeom prst="line">
+            <a:avLst/>
+          </a:prstGeom>
+          <a:ln w="28575">
+            <a:solidFill>
+              <a:srgbClr val="FF0000"/>
+            </a:solidFill>
+          </a:ln>
+        </p:spPr>
+        <p:style>
+          <a:lnRef idx="1">
+            <a:schemeClr val="accent1"/>
+          </a:lnRef>
+          <a:fillRef idx="0">
+            <a:schemeClr val="accent1"/>
+          </a:fillRef>
+          <a:effectRef idx="0">
+            <a:schemeClr val="accent1"/>
+          </a:effectRef>
+          <a:fontRef idx="minor">
+            <a:schemeClr val="tx1"/>
+          </a:fontRef>
+        </p:style>
+      </p:cxnSp>
     </p:spTree>
     <p:extLst>
       <p:ext uri="{BB962C8B-B14F-4D97-AF65-F5344CB8AC3E}">

--- a/Наработки/диздоки/Нидерланды/Нидерланды.pptx
+++ b/Наработки/диздоки/Нидерланды/Нидерланды.pptx
@@ -209,7 +209,7 @@
             <a:fld id="{33E3D7F9-E251-484C-A6FF-FA958879DF69}" type="datetimeFigureOut">
               <a:rPr lang="ru-RU" smtClean="0"/>
               <a:pPr/>
-              <a:t>31.03.2022</a:t>
+              <a:t>01.04.2022</a:t>
             </a:fld>
             <a:endParaRPr lang="ru-RU"/>
           </a:p>
@@ -699,7 +699,7 @@
             <a:fld id="{85A5DE44-605B-4D3B-B2B7-94543DF81A36}" type="datetimeFigureOut">
               <a:rPr lang="ru-RU" smtClean="0"/>
               <a:pPr/>
-              <a:t>31.03.2022</a:t>
+              <a:t>01.04.2022</a:t>
             </a:fld>
             <a:endParaRPr lang="ru-RU"/>
           </a:p>
@@ -871,7 +871,7 @@
             <a:fld id="{85A5DE44-605B-4D3B-B2B7-94543DF81A36}" type="datetimeFigureOut">
               <a:rPr lang="ru-RU" smtClean="0"/>
               <a:pPr/>
-              <a:t>31.03.2022</a:t>
+              <a:t>01.04.2022</a:t>
             </a:fld>
             <a:endParaRPr lang="ru-RU"/>
           </a:p>
@@ -1053,7 +1053,7 @@
             <a:fld id="{85A5DE44-605B-4D3B-B2B7-94543DF81A36}" type="datetimeFigureOut">
               <a:rPr lang="ru-RU" smtClean="0"/>
               <a:pPr/>
-              <a:t>31.03.2022</a:t>
+              <a:t>01.04.2022</a:t>
             </a:fld>
             <a:endParaRPr lang="ru-RU"/>
           </a:p>
@@ -1225,7 +1225,7 @@
             <a:fld id="{85A5DE44-605B-4D3B-B2B7-94543DF81A36}" type="datetimeFigureOut">
               <a:rPr lang="ru-RU" smtClean="0"/>
               <a:pPr/>
-              <a:t>31.03.2022</a:t>
+              <a:t>01.04.2022</a:t>
             </a:fld>
             <a:endParaRPr lang="ru-RU"/>
           </a:p>
@@ -1473,7 +1473,7 @@
             <a:fld id="{85A5DE44-605B-4D3B-B2B7-94543DF81A36}" type="datetimeFigureOut">
               <a:rPr lang="ru-RU" smtClean="0"/>
               <a:pPr/>
-              <a:t>31.03.2022</a:t>
+              <a:t>01.04.2022</a:t>
             </a:fld>
             <a:endParaRPr lang="ru-RU"/>
           </a:p>
@@ -1707,7 +1707,7 @@
             <a:fld id="{85A5DE44-605B-4D3B-B2B7-94543DF81A36}" type="datetimeFigureOut">
               <a:rPr lang="ru-RU" smtClean="0"/>
               <a:pPr/>
-              <a:t>31.03.2022</a:t>
+              <a:t>01.04.2022</a:t>
             </a:fld>
             <a:endParaRPr lang="ru-RU"/>
           </a:p>
@@ -2076,7 +2076,7 @@
             <a:fld id="{85A5DE44-605B-4D3B-B2B7-94543DF81A36}" type="datetimeFigureOut">
               <a:rPr lang="ru-RU" smtClean="0"/>
               <a:pPr/>
-              <a:t>31.03.2022</a:t>
+              <a:t>01.04.2022</a:t>
             </a:fld>
             <a:endParaRPr lang="ru-RU"/>
           </a:p>
@@ -2196,7 +2196,7 @@
             <a:fld id="{85A5DE44-605B-4D3B-B2B7-94543DF81A36}" type="datetimeFigureOut">
               <a:rPr lang="ru-RU" smtClean="0"/>
               <a:pPr/>
-              <a:t>31.03.2022</a:t>
+              <a:t>01.04.2022</a:t>
             </a:fld>
             <a:endParaRPr lang="ru-RU"/>
           </a:p>
@@ -2293,7 +2293,7 @@
             <a:fld id="{85A5DE44-605B-4D3B-B2B7-94543DF81A36}" type="datetimeFigureOut">
               <a:rPr lang="ru-RU" smtClean="0"/>
               <a:pPr/>
-              <a:t>31.03.2022</a:t>
+              <a:t>01.04.2022</a:t>
             </a:fld>
             <a:endParaRPr lang="ru-RU"/>
           </a:p>
@@ -2572,7 +2572,7 @@
             <a:fld id="{85A5DE44-605B-4D3B-B2B7-94543DF81A36}" type="datetimeFigureOut">
               <a:rPr lang="ru-RU" smtClean="0"/>
               <a:pPr/>
-              <a:t>31.03.2022</a:t>
+              <a:t>01.04.2022</a:t>
             </a:fld>
             <a:endParaRPr lang="ru-RU"/>
           </a:p>
@@ -2831,7 +2831,7 @@
             <a:fld id="{85A5DE44-605B-4D3B-B2B7-94543DF81A36}" type="datetimeFigureOut">
               <a:rPr lang="ru-RU" smtClean="0"/>
               <a:pPr/>
-              <a:t>31.03.2022</a:t>
+              <a:t>01.04.2022</a:t>
             </a:fld>
             <a:endParaRPr lang="ru-RU"/>
           </a:p>
@@ -3046,7 +3046,7 @@
             <a:fld id="{85A5DE44-605B-4D3B-B2B7-94543DF81A36}" type="datetimeFigureOut">
               <a:rPr lang="ru-RU" smtClean="0"/>
               <a:pPr/>
-              <a:t>31.03.2022</a:t>
+              <a:t>01.04.2022</a:t>
             </a:fld>
             <a:endParaRPr lang="ru-RU"/>
           </a:p>
@@ -3503,7 +3503,7 @@
         </p:nvSpPr>
         <p:spPr>
           <a:xfrm>
-            <a:off x="6249816" y="2728705"/>
+            <a:off x="16075101" y="10860333"/>
             <a:ext cx="2115918" cy="1080000"/>
           </a:xfrm>
           <a:prstGeom prst="rect">
@@ -3621,7 +3621,7 @@
         </p:nvCxnSpPr>
         <p:spPr>
           <a:xfrm flipH="1">
-            <a:off x="10845540" y="9135395"/>
+            <a:off x="20670825" y="17267023"/>
             <a:ext cx="380746" cy="0"/>
           </a:xfrm>
           <a:prstGeom prst="line">
@@ -3662,7 +3662,7 @@
         </p:nvSpPr>
         <p:spPr>
           <a:xfrm>
-            <a:off x="3770005" y="4239227"/>
+            <a:off x="13595290" y="12359587"/>
             <a:ext cx="2115918" cy="1080000"/>
           </a:xfrm>
           <a:prstGeom prst="rect">
@@ -3718,7 +3718,7 @@
         </p:nvSpPr>
         <p:spPr>
           <a:xfrm>
-            <a:off x="11226286" y="8595395"/>
+            <a:off x="21051571" y="16727023"/>
             <a:ext cx="2115918" cy="1080000"/>
           </a:xfrm>
           <a:prstGeom prst="rect">
@@ -3923,7 +3923,7 @@
         </p:nvSpPr>
         <p:spPr>
           <a:xfrm>
-            <a:off x="8729623" y="7078763"/>
+            <a:off x="18554908" y="15210391"/>
             <a:ext cx="2115918" cy="1080000"/>
           </a:xfrm>
           <a:prstGeom prst="rect">
@@ -3983,10 +3983,10 @@
       </p:sp>
       <p:sp>
         <p:nvSpPr>
-          <p:cNvPr id="339" name="Прямоугольник 338">
-            <a:extLst>
-              <a:ext uri="{FF2B5EF4-FFF2-40B4-BE49-F238E27FC236}">
-                <a16:creationId xmlns:a16="http://schemas.microsoft.com/office/drawing/2014/main" id="{7E033ED6-0779-4B06-A1D7-E4E34BCA41D8}"/>
+          <p:cNvPr id="131" name="Прямоугольник 130">
+            <a:extLst>
+              <a:ext uri="{FF2B5EF4-FFF2-40B4-BE49-F238E27FC236}">
+                <a16:creationId xmlns:a16="http://schemas.microsoft.com/office/drawing/2014/main" id="{F58FDCDF-41C4-4AB2-B4DF-922F7CDBAA5D}"/>
               </a:ext>
             </a:extLst>
           </p:cNvPr>
@@ -3995,7 +3995,172 @@
         </p:nvSpPr>
         <p:spPr>
           <a:xfrm>
-            <a:off x="11209433" y="5658864"/>
+            <a:off x="6518121" y="124806"/>
+            <a:ext cx="2115918" cy="1080000"/>
+          </a:xfrm>
+          <a:prstGeom prst="rect">
+            <a:avLst/>
+          </a:prstGeom>
+          <a:solidFill>
+            <a:srgbClr val="FFC000"/>
+          </a:solidFill>
+          <a:ln w="28575"/>
+        </p:spPr>
+        <p:style>
+          <a:lnRef idx="2">
+            <a:schemeClr val="accent1"/>
+          </a:lnRef>
+          <a:fillRef idx="1">
+            <a:schemeClr val="lt1"/>
+          </a:fillRef>
+          <a:effectRef idx="0">
+            <a:schemeClr val="accent1"/>
+          </a:effectRef>
+          <a:fontRef idx="minor">
+            <a:schemeClr val="dk1"/>
+          </a:fontRef>
+        </p:style>
+        <p:txBody>
+          <a:bodyPr lIns="124733" tIns="62367" rIns="124733" bIns="62367" rtlCol="0" anchor="ctr"/>
+          <a:lstStyle/>
+          <a:p>
+            <a:pPr algn="ctr"/>
+            <a:r>
+              <a:rPr lang="ru-RU" sz="300" dirty="0"/>
+              <a:t>Поэтому в 1935 г. было принято решение о слиянии партии </a:t>
+            </a:r>
+            <a:r>
+              <a:rPr lang="ru-RU" sz="300" dirty="0" err="1"/>
+              <a:t>Сневлита</a:t>
+            </a:r>
+            <a:r>
+              <a:rPr lang="ru-RU" sz="300" dirty="0"/>
+              <a:t> с РСП, из которой возникла Революционная социалистическая рабочая партия (РСАП). Шмидт стал председателем этой партии и был избран в провинциальный совет Северной Голландии и в городской совет Амстердама. Когда он был исключен из РСАП вместе с адвокатом </a:t>
+            </a:r>
+            <a:r>
+              <a:rPr lang="ru-RU" sz="300" dirty="0" err="1"/>
+              <a:t>Штиеном</a:t>
+            </a:r>
+            <a:r>
+              <a:rPr lang="ru-RU" sz="300" dirty="0"/>
+              <a:t> де </a:t>
+            </a:r>
+            <a:r>
+              <a:rPr lang="ru-RU" sz="300" dirty="0" err="1"/>
+              <a:t>Зеувом</a:t>
+            </a:r>
+            <a:r>
+              <a:rPr lang="ru-RU" sz="300" dirty="0"/>
+              <a:t> в сентябре 1936 года из-за его критики Сталина и сталинского режима в Советском Союзе, [3]он вышел из провинциального совета и городского совета. Он снова стал членом SDAP и был избран в городской совет Амстердама в 1939 году от этой партии. Он оставался членом совета, пока он не был распущен немецкими оккупантами в 1941 году.</a:t>
+            </a:r>
+            <a:br>
+              <a:rPr lang="ru-RU" sz="300" dirty="0"/>
+            </a:br>
+            <a:r>
+              <a:rPr lang="ru-RU" sz="300" dirty="0"/>
+              <a:t>В 1936 году Шмидт был исключен за то, что публично раскритиковал Московские процессы как показательные . [1] : 159 </a:t>
+            </a:r>
+            <a:r>
+              <a:rPr lang="ru-RU" sz="300" dirty="0" err="1"/>
+              <a:t>Сневлит</a:t>
+            </a:r>
+            <a:r>
+              <a:rPr lang="ru-RU" sz="300" dirty="0"/>
+              <a:t> занял место председателя. Симпатия Шмидта к демократии и его страх перед тоталитарной диктатурой были непосредственной причиной этого раскола. На выборах 1937 </a:t>
+            </a:r>
+            <a:r>
+              <a:rPr lang="ru-RU" sz="300" dirty="0" err="1"/>
+              <a:t>г.партия</a:t>
+            </a:r>
+            <a:r>
+              <a:rPr lang="ru-RU" sz="300" dirty="0"/>
+              <a:t> не смогла получить ни одного места. После этих выборов партия получила больше противодействия со стороны правительства Нидерландов: государственным служащим было запрещено быть членом NAS или RSAP, а видные члены RSAP преследовались за оскорбление «дружественных глав государств», таких как Гитлер . Коммунистическая КПН, набравшая силу после нескольких чисток, также активно выступала против «троцкистской контрреволюционной секты». [1] : 160 отрядов сильной руки КПН атаковали нескольких видных членов РСАП. В конце концов Троцкий и </a:t>
+            </a:r>
+            <a:r>
+              <a:rPr lang="ru-RU" sz="300" dirty="0" err="1"/>
+              <a:t>Сневлит</a:t>
+            </a:r>
+            <a:r>
+              <a:rPr lang="ru-RU" sz="300" dirty="0"/>
+              <a:t> вступили в идеологический конфликт, отрезав РСАП от международных контактов.</a:t>
+            </a:r>
+          </a:p>
+        </p:txBody>
+      </p:sp>
+      <p:sp>
+        <p:nvSpPr>
+          <p:cNvPr id="134" name="Прямоугольник 133">
+            <a:extLst>
+              <a:ext uri="{FF2B5EF4-FFF2-40B4-BE49-F238E27FC236}">
+                <a16:creationId xmlns:a16="http://schemas.microsoft.com/office/drawing/2014/main" id="{A6501717-9895-440F-BF34-D3AA54D6E376}"/>
+              </a:ext>
+            </a:extLst>
+          </p:cNvPr>
+          <p:cNvSpPr/>
+          <p:nvPr/>
+        </p:nvSpPr>
+        <p:spPr>
+          <a:xfrm>
+            <a:off x="8985777" y="124806"/>
+            <a:ext cx="2115918" cy="1080000"/>
+          </a:xfrm>
+          <a:prstGeom prst="rect">
+            <a:avLst/>
+          </a:prstGeom>
+          <a:solidFill>
+            <a:srgbClr val="FFC000"/>
+          </a:solidFill>
+          <a:ln w="28575"/>
+        </p:spPr>
+        <p:style>
+          <a:lnRef idx="2">
+            <a:schemeClr val="accent1"/>
+          </a:lnRef>
+          <a:fillRef idx="1">
+            <a:schemeClr val="lt1"/>
+          </a:fillRef>
+          <a:effectRef idx="0">
+            <a:schemeClr val="accent1"/>
+          </a:effectRef>
+          <a:fontRef idx="minor">
+            <a:schemeClr val="dk1"/>
+          </a:fontRef>
+        </p:style>
+        <p:txBody>
+          <a:bodyPr lIns="124733" tIns="62367" rIns="124733" bIns="62367" rtlCol="0" anchor="ctr"/>
+          <a:lstStyle/>
+          <a:p>
+            <a:pPr algn="ctr"/>
+            <a:r>
+              <a:rPr lang="ru-RU" sz="1400" dirty="0"/>
+              <a:t>В конце концов Троцкий и </a:t>
+            </a:r>
+            <a:r>
+              <a:rPr lang="ru-RU" sz="1400" dirty="0" err="1"/>
+              <a:t>Сневлит</a:t>
+            </a:r>
+            <a:r>
+              <a:rPr lang="ru-RU" sz="1400" dirty="0"/>
+              <a:t> вступили в идеологический конфликт, отрезав РСАП от международных контактов.</a:t>
+            </a:r>
+          </a:p>
+        </p:txBody>
+      </p:sp>
+      <p:sp>
+        <p:nvSpPr>
+          <p:cNvPr id="137" name="Прямоугольник 136">
+            <a:extLst>
+              <a:ext uri="{FF2B5EF4-FFF2-40B4-BE49-F238E27FC236}">
+                <a16:creationId xmlns:a16="http://schemas.microsoft.com/office/drawing/2014/main" id="{93C62C15-B0D7-4FF5-8AC8-0D49F8D19AE5}"/>
+              </a:ext>
+            </a:extLst>
+          </p:cNvPr>
+          <p:cNvSpPr/>
+          <p:nvPr/>
+        </p:nvSpPr>
+        <p:spPr>
+          <a:xfrm>
+            <a:off x="18563949" y="12368881"/>
             <a:ext cx="2115918" cy="1080000"/>
           </a:xfrm>
           <a:prstGeom prst="rect">
@@ -4035,17 +4200,17 @@
             <a:pPr algn="ctr"/>
             <a:r>
               <a:rPr lang="ru-RU" sz="1400" dirty="0"/>
-              <a:t>Деколонизация Голландской Индии (ваниль)</a:t>
-            </a:r>
-          </a:p>
-        </p:txBody>
-      </p:sp>
-      <p:sp>
-        <p:nvSpPr>
-          <p:cNvPr id="131" name="Прямоугольник 130">
-            <a:extLst>
-              <a:ext uri="{FF2B5EF4-FFF2-40B4-BE49-F238E27FC236}">
-                <a16:creationId xmlns:a16="http://schemas.microsoft.com/office/drawing/2014/main" id="{F58FDCDF-41C4-4AB2-B4DF-922F7CDBAA5D}"/>
+              <a:t>Отмена закона о борьбе с забастовками</a:t>
+            </a:r>
+          </a:p>
+        </p:txBody>
+      </p:sp>
+      <p:sp>
+        <p:nvSpPr>
+          <p:cNvPr id="138" name="Прямоугольник 137">
+            <a:extLst>
+              <a:ext uri="{FF2B5EF4-FFF2-40B4-BE49-F238E27FC236}">
+                <a16:creationId xmlns:a16="http://schemas.microsoft.com/office/drawing/2014/main" id="{8D01AC0B-ADDB-4504-98C9-19828B188B48}"/>
               </a:ext>
             </a:extLst>
           </p:cNvPr>
@@ -4054,7 +4219,7 @@
         </p:nvSpPr>
         <p:spPr>
           <a:xfrm>
-            <a:off x="6518121" y="124806"/>
+            <a:off x="16075097" y="15219680"/>
             <a:ext cx="2115918" cy="1080000"/>
           </a:xfrm>
           <a:prstGeom prst="rect">
@@ -4085,73 +4250,23 @@
           <a:p>
             <a:pPr algn="ctr"/>
             <a:r>
-              <a:rPr lang="ru-RU" sz="300" dirty="0"/>
-              <a:t>Поэтому в 1935 г. было принято решение о слиянии партии </a:t>
-            </a:r>
-            <a:r>
-              <a:rPr lang="ru-RU" sz="300" dirty="0" err="1"/>
-              <a:t>Сневлита</a:t>
-            </a:r>
-            <a:r>
-              <a:rPr lang="ru-RU" sz="300" dirty="0"/>
-              <a:t> с РСП, из которой возникла Революционная социалистическая рабочая партия (РСАП). Шмидт стал председателем этой партии и был избран в провинциальный совет Северной Голландии и в городской совет Амстердама. Когда он был исключен из РСАП вместе с адвокатом </a:t>
-            </a:r>
-            <a:r>
-              <a:rPr lang="ru-RU" sz="300" dirty="0" err="1"/>
-              <a:t>Штиеном</a:t>
-            </a:r>
-            <a:r>
-              <a:rPr lang="ru-RU" sz="300" dirty="0"/>
-              <a:t> де </a:t>
-            </a:r>
-            <a:r>
-              <a:rPr lang="ru-RU" sz="300" dirty="0" err="1"/>
-              <a:t>Зеувом</a:t>
-            </a:r>
-            <a:r>
-              <a:rPr lang="ru-RU" sz="300" dirty="0"/>
-              <a:t> в сентябре 1936 года из-за его критики Сталина и сталинского режима в Советском Союзе, [3]он вышел из провинциального совета и городского совета. Он снова стал членом SDAP и был избран в городской совет Амстердама в 1939 году от этой партии. Он оставался членом совета, пока он не был распущен немецкими оккупантами в 1941 году.</a:t>
-            </a:r>
-            <a:br>
-              <a:rPr lang="ru-RU" sz="300" dirty="0"/>
-            </a:br>
-            <a:r>
-              <a:rPr lang="ru-RU" sz="300" dirty="0"/>
-              <a:t>В 1936 году Шмидт был исключен за то, что публично раскритиковал Московские процессы как показательные . [1] : 159 </a:t>
-            </a:r>
-            <a:r>
-              <a:rPr lang="ru-RU" sz="300" dirty="0" err="1"/>
-              <a:t>Сневлит</a:t>
-            </a:r>
-            <a:r>
-              <a:rPr lang="ru-RU" sz="300" dirty="0"/>
-              <a:t> занял место председателя. Симпатия Шмидта к демократии и его страх перед тоталитарной диктатурой были непосредственной причиной этого раскола. На выборах 1937 </a:t>
-            </a:r>
-            <a:r>
-              <a:rPr lang="ru-RU" sz="300" dirty="0" err="1"/>
-              <a:t>г.партия</a:t>
-            </a:r>
-            <a:r>
-              <a:rPr lang="ru-RU" sz="300" dirty="0"/>
-              <a:t> не смогла получить ни одного места. После этих выборов партия получила больше противодействия со стороны правительства Нидерландов: государственным служащим было запрещено быть членом NAS или RSAP, а видные члены RSAP преследовались за оскорбление «дружественных глав государств», таких как Гитлер . Коммунистическая КПН, набравшая силу после нескольких чисток, также активно выступала против «троцкистской контрреволюционной секты». [1] : 160 отрядов сильной руки КПН атаковали нескольких видных членов РСАП. В конце концов Троцкий и </a:t>
-            </a:r>
-            <a:r>
-              <a:rPr lang="ru-RU" sz="300" dirty="0" err="1"/>
-              <a:t>Сневлит</a:t>
-            </a:r>
-            <a:r>
-              <a:rPr lang="ru-RU" sz="300" dirty="0"/>
-              <a:t> вступили в идеологический конфликт, отрезав РСАП от международных контактов.</a:t>
-            </a:r>
-          </a:p>
-        </p:txBody>
-      </p:sp>
-      <p:sp>
-        <p:nvSpPr>
-          <p:cNvPr id="134" name="Прямоугольник 133">
-            <a:extLst>
-              <a:ext uri="{FF2B5EF4-FFF2-40B4-BE49-F238E27FC236}">
-                <a16:creationId xmlns:a16="http://schemas.microsoft.com/office/drawing/2014/main" id="{A6501717-9895-440F-BF34-D3AA54D6E376}"/>
+              <a:rPr lang="ru-RU" sz="1400" dirty="0"/>
+              <a:t>Система рабочих советов </a:t>
+            </a:r>
+            <a:r>
+              <a:rPr lang="ru-RU" sz="600" dirty="0"/>
+              <a:t>(Главной целью партии была пролетарская мировая революция , которая заменит капиталистическую систему системой рабочих советов . В конце концов это привело бы к коммунистическому обществу, где эксплуатация и класс будет ликвидирован.)</a:t>
+            </a:r>
+            <a:endParaRPr lang="ru-RU" sz="1400" dirty="0"/>
+          </a:p>
+        </p:txBody>
+      </p:sp>
+      <p:sp>
+        <p:nvSpPr>
+          <p:cNvPr id="143" name="Прямоугольник 142">
+            <a:extLst>
+              <a:ext uri="{FF2B5EF4-FFF2-40B4-BE49-F238E27FC236}">
+                <a16:creationId xmlns:a16="http://schemas.microsoft.com/office/drawing/2014/main" id="{04D70944-041B-435E-B04F-5BA316C5F5A6}"/>
               </a:ext>
             </a:extLst>
           </p:cNvPr>
@@ -4160,7 +4275,7 @@
         </p:nvSpPr>
         <p:spPr>
           <a:xfrm>
-            <a:off x="8985777" y="124806"/>
+            <a:off x="21034718" y="15210387"/>
             <a:ext cx="2115918" cy="1080000"/>
           </a:xfrm>
           <a:prstGeom prst="rect">
@@ -4192,25 +4307,17 @@
             <a:pPr algn="ctr"/>
             <a:r>
               <a:rPr lang="ru-RU" sz="1400" dirty="0"/>
-              <a:t>В конце концов Троцкий и </a:t>
-            </a:r>
-            <a:r>
-              <a:rPr lang="ru-RU" sz="1400" dirty="0" err="1"/>
-              <a:t>Сневлит</a:t>
-            </a:r>
-            <a:r>
-              <a:rPr lang="ru-RU" sz="1400" dirty="0"/>
-              <a:t> вступили в идеологический конфликт, отрезав РСАП от международных контактов.</a:t>
-            </a:r>
-          </a:p>
-        </p:txBody>
-      </p:sp>
-      <p:sp>
-        <p:nvSpPr>
-          <p:cNvPr id="137" name="Прямоугольник 136">
-            <a:extLst>
-              <a:ext uri="{FF2B5EF4-FFF2-40B4-BE49-F238E27FC236}">
-                <a16:creationId xmlns:a16="http://schemas.microsoft.com/office/drawing/2014/main" id="{93C62C15-B0D7-4FF5-8AC8-0D49F8D19AE5}"/>
+              <a:t>Замена армии системой рабочей милиции</a:t>
+            </a:r>
+          </a:p>
+        </p:txBody>
+      </p:sp>
+      <p:sp>
+        <p:nvSpPr>
+          <p:cNvPr id="144" name="Прямоугольник 143">
+            <a:extLst>
+              <a:ext uri="{FF2B5EF4-FFF2-40B4-BE49-F238E27FC236}">
+                <a16:creationId xmlns:a16="http://schemas.microsoft.com/office/drawing/2014/main" id="{84D94725-5A52-4F85-BD08-096154350000}"/>
               </a:ext>
             </a:extLst>
           </p:cNvPr>
@@ -4219,66 +4326,7 @@
         </p:nvSpPr>
         <p:spPr>
           <a:xfrm>
-            <a:off x="8738664" y="4237253"/>
-            <a:ext cx="2115918" cy="1080000"/>
-          </a:xfrm>
-          <a:prstGeom prst="rect">
-            <a:avLst/>
-          </a:prstGeom>
-          <a:gradFill>
-            <a:gsLst>
-              <a:gs pos="0">
-                <a:schemeClr val="accent4"/>
-              </a:gs>
-              <a:gs pos="100000">
-                <a:srgbClr val="FF0000"/>
-              </a:gs>
-            </a:gsLst>
-            <a:lin ang="5400000" scaled="1"/>
-          </a:gradFill>
-          <a:ln w="28575"/>
-        </p:spPr>
-        <p:style>
-          <a:lnRef idx="2">
-            <a:schemeClr val="accent1"/>
-          </a:lnRef>
-          <a:fillRef idx="1">
-            <a:schemeClr val="lt1"/>
-          </a:fillRef>
-          <a:effectRef idx="0">
-            <a:schemeClr val="accent1"/>
-          </a:effectRef>
-          <a:fontRef idx="minor">
-            <a:schemeClr val="dk1"/>
-          </a:fontRef>
-        </p:style>
-        <p:txBody>
-          <a:bodyPr lIns="124733" tIns="62367" rIns="124733" bIns="62367" rtlCol="0" anchor="ctr"/>
-          <a:lstStyle/>
-          <a:p>
-            <a:pPr algn="ctr"/>
-            <a:r>
-              <a:rPr lang="ru-RU" sz="1400" dirty="0"/>
-              <a:t>Отмена закона о борьбе с забастовками</a:t>
-            </a:r>
-          </a:p>
-        </p:txBody>
-      </p:sp>
-      <p:sp>
-        <p:nvSpPr>
-          <p:cNvPr id="138" name="Прямоугольник 137">
-            <a:extLst>
-              <a:ext uri="{FF2B5EF4-FFF2-40B4-BE49-F238E27FC236}">
-                <a16:creationId xmlns:a16="http://schemas.microsoft.com/office/drawing/2014/main" id="{8D01AC0B-ADDB-4504-98C9-19828B188B48}"/>
-              </a:ext>
-            </a:extLst>
-          </p:cNvPr>
-          <p:cNvSpPr/>
-          <p:nvPr/>
-        </p:nvSpPr>
-        <p:spPr>
-          <a:xfrm>
-            <a:off x="6249812" y="7088052"/>
+            <a:off x="14825015" y="13793677"/>
             <a:ext cx="2115918" cy="1080000"/>
           </a:xfrm>
           <a:prstGeom prst="rect">
@@ -4310,11 +4358,11 @@
             <a:pPr algn="ctr"/>
             <a:r>
               <a:rPr lang="ru-RU" sz="1400" dirty="0"/>
-              <a:t>Система рабочих советов </a:t>
-            </a:r>
-            <a:r>
-              <a:rPr lang="ru-RU" sz="600" dirty="0"/>
-              <a:t>(Главной целью партии была пролетарская мировая революция , которая заменит капиталистическую систему системой рабочих советов . В конце концов это привело бы к коммунистическому обществу, где эксплуатация и класс будет ликвидирован.)</a:t>
+              <a:t>Новые условия труда </a:t>
+            </a:r>
+            <a:r>
+              <a:rPr lang="ru-RU" sz="1000" dirty="0"/>
+              <a:t>(Установление условий труда для рабочих: 6-часовой рабочий день, особая защита работниц и молодежи, запрет на работу в ночное время и обязательный отпуск;)</a:t>
             </a:r>
             <a:endParaRPr lang="ru-RU" sz="1400" dirty="0"/>
           </a:p>
@@ -4322,10 +4370,10 @@
       </p:sp>
       <p:sp>
         <p:nvSpPr>
-          <p:cNvPr id="143" name="Прямоугольник 142">
-            <a:extLst>
-              <a:ext uri="{FF2B5EF4-FFF2-40B4-BE49-F238E27FC236}">
-                <a16:creationId xmlns:a16="http://schemas.microsoft.com/office/drawing/2014/main" id="{04D70944-041B-435E-B04F-5BA316C5F5A6}"/>
+          <p:cNvPr id="146" name="Прямоугольник 145">
+            <a:extLst>
+              <a:ext uri="{FF2B5EF4-FFF2-40B4-BE49-F238E27FC236}">
+                <a16:creationId xmlns:a16="http://schemas.microsoft.com/office/drawing/2014/main" id="{C5289642-8620-4E45-AD1F-76E35F95EC48}"/>
               </a:ext>
             </a:extLst>
           </p:cNvPr>
@@ -4334,7 +4382,7 @@
         </p:nvSpPr>
         <p:spPr>
           <a:xfrm>
-            <a:off x="11209433" y="7078759"/>
+            <a:off x="12348755" y="13793677"/>
             <a:ext cx="2115918" cy="1080000"/>
           </a:xfrm>
           <a:prstGeom prst="rect">
@@ -4366,17 +4414,17 @@
             <a:pPr algn="ctr"/>
             <a:r>
               <a:rPr lang="ru-RU" sz="1400" dirty="0"/>
-              <a:t>Замена армии системой рабочей милиции</a:t>
-            </a:r>
-          </a:p>
-        </p:txBody>
-      </p:sp>
-      <p:sp>
-        <p:nvSpPr>
-          <p:cNvPr id="144" name="Прямоугольник 143">
-            <a:extLst>
-              <a:ext uri="{FF2B5EF4-FFF2-40B4-BE49-F238E27FC236}">
-                <a16:creationId xmlns:a16="http://schemas.microsoft.com/office/drawing/2014/main" id="{84D94725-5A52-4F85-BD08-096154350000}"/>
+              <a:t>Минимальная заработная плата</a:t>
+            </a:r>
+          </a:p>
+        </p:txBody>
+      </p:sp>
+      <p:sp>
+        <p:nvSpPr>
+          <p:cNvPr id="147" name="Прямоугольник 146">
+            <a:extLst>
+              <a:ext uri="{FF2B5EF4-FFF2-40B4-BE49-F238E27FC236}">
+                <a16:creationId xmlns:a16="http://schemas.microsoft.com/office/drawing/2014/main" id="{8F3703E0-B68B-4964-A99B-9C3A4EA59680}"/>
               </a:ext>
             </a:extLst>
           </p:cNvPr>
@@ -4385,7 +4433,7 @@
         </p:nvSpPr>
         <p:spPr>
           <a:xfrm>
-            <a:off x="4999730" y="5662049"/>
+            <a:off x="13595290" y="15210391"/>
             <a:ext cx="2115918" cy="1080000"/>
           </a:xfrm>
           <a:prstGeom prst="rect">
@@ -4417,22 +4465,17 @@
             <a:pPr algn="ctr"/>
             <a:r>
               <a:rPr lang="ru-RU" sz="1400" dirty="0"/>
-              <a:t>Новые условия труда </a:t>
-            </a:r>
-            <a:r>
-              <a:rPr lang="ru-RU" sz="1000" dirty="0"/>
-              <a:t>(Установление условий труда для рабочих: 6-часовой рабочий день, особая защита работниц и молодежи, запрет на работу в ночное время и обязательный отпуск;)</a:t>
-            </a:r>
-            <a:endParaRPr lang="ru-RU" sz="1400" dirty="0"/>
-          </a:p>
-        </p:txBody>
-      </p:sp>
-      <p:sp>
-        <p:nvSpPr>
-          <p:cNvPr id="146" name="Прямоугольник 145">
-            <a:extLst>
-              <a:ext uri="{FF2B5EF4-FFF2-40B4-BE49-F238E27FC236}">
-                <a16:creationId xmlns:a16="http://schemas.microsoft.com/office/drawing/2014/main" id="{C5289642-8620-4E45-AD1F-76E35F95EC48}"/>
+              <a:t>Пенсии по старости с 55 лет</a:t>
+            </a:r>
+          </a:p>
+        </p:txBody>
+      </p:sp>
+      <p:sp>
+        <p:nvSpPr>
+          <p:cNvPr id="149" name="Прямоугольник 148">
+            <a:extLst>
+              <a:ext uri="{FF2B5EF4-FFF2-40B4-BE49-F238E27FC236}">
+                <a16:creationId xmlns:a16="http://schemas.microsoft.com/office/drawing/2014/main" id="{40A430D9-D46E-4862-824C-EC3401744507}"/>
               </a:ext>
             </a:extLst>
           </p:cNvPr>
@@ -4441,109 +4484,7 @@
         </p:nvSpPr>
         <p:spPr>
           <a:xfrm>
-            <a:off x="2523470" y="5662049"/>
-            <a:ext cx="2115918" cy="1080000"/>
-          </a:xfrm>
-          <a:prstGeom prst="rect">
-            <a:avLst/>
-          </a:prstGeom>
-          <a:solidFill>
-            <a:srgbClr val="FFC000"/>
-          </a:solidFill>
-          <a:ln w="28575"/>
-        </p:spPr>
-        <p:style>
-          <a:lnRef idx="2">
-            <a:schemeClr val="accent1"/>
-          </a:lnRef>
-          <a:fillRef idx="1">
-            <a:schemeClr val="lt1"/>
-          </a:fillRef>
-          <a:effectRef idx="0">
-            <a:schemeClr val="accent1"/>
-          </a:effectRef>
-          <a:fontRef idx="minor">
-            <a:schemeClr val="dk1"/>
-          </a:fontRef>
-        </p:style>
-        <p:txBody>
-          <a:bodyPr lIns="124733" tIns="62367" rIns="124733" bIns="62367" rtlCol="0" anchor="ctr"/>
-          <a:lstStyle/>
-          <a:p>
-            <a:pPr algn="ctr"/>
-            <a:r>
-              <a:rPr lang="ru-RU" sz="1400" dirty="0"/>
-              <a:t>Минимальная заработная плата</a:t>
-            </a:r>
-          </a:p>
-        </p:txBody>
-      </p:sp>
-      <p:sp>
-        <p:nvSpPr>
-          <p:cNvPr id="147" name="Прямоугольник 146">
-            <a:extLst>
-              <a:ext uri="{FF2B5EF4-FFF2-40B4-BE49-F238E27FC236}">
-                <a16:creationId xmlns:a16="http://schemas.microsoft.com/office/drawing/2014/main" id="{8F3703E0-B68B-4964-A99B-9C3A4EA59680}"/>
-              </a:ext>
-            </a:extLst>
-          </p:cNvPr>
-          <p:cNvSpPr/>
-          <p:nvPr/>
-        </p:nvSpPr>
-        <p:spPr>
-          <a:xfrm>
-            <a:off x="3770005" y="7078763"/>
-            <a:ext cx="2115918" cy="1080000"/>
-          </a:xfrm>
-          <a:prstGeom prst="rect">
-            <a:avLst/>
-          </a:prstGeom>
-          <a:solidFill>
-            <a:srgbClr val="FFC000"/>
-          </a:solidFill>
-          <a:ln w="28575"/>
-        </p:spPr>
-        <p:style>
-          <a:lnRef idx="2">
-            <a:schemeClr val="accent1"/>
-          </a:lnRef>
-          <a:fillRef idx="1">
-            <a:schemeClr val="lt1"/>
-          </a:fillRef>
-          <a:effectRef idx="0">
-            <a:schemeClr val="accent1"/>
-          </a:effectRef>
-          <a:fontRef idx="minor">
-            <a:schemeClr val="dk1"/>
-          </a:fontRef>
-        </p:style>
-        <p:txBody>
-          <a:bodyPr lIns="124733" tIns="62367" rIns="124733" bIns="62367" rtlCol="0" anchor="ctr"/>
-          <a:lstStyle/>
-          <a:p>
-            <a:pPr algn="ctr"/>
-            <a:r>
-              <a:rPr lang="ru-RU" sz="1400" dirty="0"/>
-              <a:t>Пенсии по старости с 55 лет</a:t>
-            </a:r>
-          </a:p>
-        </p:txBody>
-      </p:sp>
-      <p:sp>
-        <p:nvSpPr>
-          <p:cNvPr id="149" name="Прямоугольник 148">
-            <a:extLst>
-              <a:ext uri="{FF2B5EF4-FFF2-40B4-BE49-F238E27FC236}">
-                <a16:creationId xmlns:a16="http://schemas.microsoft.com/office/drawing/2014/main" id="{40A430D9-D46E-4862-824C-EC3401744507}"/>
-              </a:ext>
-            </a:extLst>
-          </p:cNvPr>
-          <p:cNvSpPr/>
-          <p:nvPr/>
-        </p:nvSpPr>
-        <p:spPr>
-          <a:xfrm>
-            <a:off x="8729622" y="8595395"/>
+            <a:off x="18554907" y="16727023"/>
             <a:ext cx="2115918" cy="1080000"/>
           </a:xfrm>
           <a:prstGeom prst="rect">
@@ -4598,8 +4539,8 @@
         </p:nvCxnSpPr>
         <p:spPr>
           <a:xfrm rot="5400000">
-            <a:off x="5852609" y="2784061"/>
-            <a:ext cx="430522" cy="2479811"/>
+            <a:off x="15683528" y="10910055"/>
+            <a:ext cx="419254" cy="2479811"/>
           </a:xfrm>
           <a:prstGeom prst="bentConnector3">
             <a:avLst>
@@ -4643,8 +4584,8 @@
         </p:nvCxnSpPr>
         <p:spPr>
           <a:xfrm rot="16200000" flipH="1">
-            <a:off x="5271415" y="4875775"/>
-            <a:ext cx="342822" cy="1229725"/>
+            <a:off x="15091066" y="13001769"/>
+            <a:ext cx="354090" cy="1229725"/>
           </a:xfrm>
           <a:prstGeom prst="bentConnector3">
             <a:avLst>
@@ -4688,8 +4629,8 @@
         </p:nvCxnSpPr>
         <p:spPr>
           <a:xfrm rot="5400000">
-            <a:off x="4033286" y="4867371"/>
-            <a:ext cx="342822" cy="1246535"/>
+            <a:off x="13852937" y="12993365"/>
+            <a:ext cx="354090" cy="1246535"/>
           </a:xfrm>
           <a:prstGeom prst="bentConnector3">
             <a:avLst>
@@ -4733,7 +4674,7 @@
         </p:nvCxnSpPr>
         <p:spPr>
           <a:xfrm rot="16200000" flipH="1">
-            <a:off x="10862227" y="5673594"/>
+            <a:off x="20687512" y="13805222"/>
             <a:ext cx="334070" cy="2476260"/>
           </a:xfrm>
           <a:prstGeom prst="bentConnector3">
@@ -4778,7 +4719,7 @@
         </p:nvCxnSpPr>
         <p:spPr>
           <a:xfrm rot="5400000">
-            <a:off x="8377771" y="5674690"/>
+            <a:off x="18203056" y="13806318"/>
             <a:ext cx="343363" cy="2483361"/>
           </a:xfrm>
           <a:prstGeom prst="bentConnector3">
@@ -4823,7 +4764,7 @@
         </p:nvCxnSpPr>
         <p:spPr>
           <a:xfrm rot="5400000">
-            <a:off x="9569266" y="8377079"/>
+            <a:off x="19394551" y="16508707"/>
             <a:ext cx="436632" cy="1"/>
           </a:xfrm>
           <a:prstGeom prst="bentConnector3">
@@ -4868,7 +4809,7 @@
         </p:nvCxnSpPr>
         <p:spPr>
           <a:xfrm rot="16200000" flipH="1">
-            <a:off x="10817597" y="7128747"/>
+            <a:off x="20642882" y="15260375"/>
             <a:ext cx="436632" cy="2496663"/>
           </a:xfrm>
           <a:prstGeom prst="bentConnector3">
@@ -4913,7 +4854,7 @@
         </p:nvCxnSpPr>
         <p:spPr>
           <a:xfrm rot="5400000">
-            <a:off x="5274470" y="6295544"/>
+            <a:off x="15099755" y="14427172"/>
             <a:ext cx="336714" cy="1229725"/>
           </a:xfrm>
           <a:prstGeom prst="bentConnector3">
@@ -4958,7 +4899,7 @@
         </p:nvCxnSpPr>
         <p:spPr>
           <a:xfrm rot="16200000" flipH="1">
-            <a:off x="4036339" y="6287138"/>
+            <a:off x="13861624" y="14418766"/>
             <a:ext cx="336714" cy="1246535"/>
           </a:xfrm>
           <a:prstGeom prst="bentConnector3">
@@ -4997,14 +4938,14 @@
           <p:cNvCxnSpPr>
             <a:cxnSpLocks/>
             <a:stCxn id="187" idx="2"/>
-            <a:endCxn id="339" idx="0"/>
+            <a:endCxn id="191" idx="0"/>
           </p:cNvCxnSpPr>
           <p:nvPr/>
         </p:nvCxnSpPr>
         <p:spPr>
-          <a:xfrm>
-            <a:off x="12262870" y="5317248"/>
-            <a:ext cx="4522" cy="341616"/>
+          <a:xfrm flipH="1">
+            <a:off x="22082665" y="13448876"/>
+            <a:ext cx="5490" cy="347434"/>
           </a:xfrm>
           <a:prstGeom prst="straightConnector1">
             <a:avLst/>
@@ -5042,7 +4983,7 @@
         </p:nvSpPr>
         <p:spPr>
           <a:xfrm>
-            <a:off x="6249815" y="4236046"/>
+            <a:off x="11101277" y="12376963"/>
             <a:ext cx="2115918" cy="1080000"/>
           </a:xfrm>
           <a:prstGeom prst="rect">
@@ -5136,14 +5077,14 @@
           <p:cNvCxnSpPr>
             <a:cxnSpLocks/>
             <a:stCxn id="126" idx="2"/>
-            <a:endCxn id="188" idx="0"/>
+            <a:endCxn id="168" idx="0"/>
           </p:cNvCxnSpPr>
           <p:nvPr/>
         </p:nvCxnSpPr>
         <p:spPr>
-          <a:xfrm flipH="1">
-            <a:off x="7307774" y="3808705"/>
-            <a:ext cx="1" cy="427341"/>
+          <a:xfrm>
+            <a:off x="17133060" y="11940333"/>
+            <a:ext cx="14546" cy="419254"/>
           </a:xfrm>
           <a:prstGeom prst="straightConnector1">
             <a:avLst/>
@@ -5181,7 +5122,7 @@
         </p:nvSpPr>
         <p:spPr>
           <a:xfrm>
-            <a:off x="6249812" y="8595395"/>
+            <a:off x="16075097" y="16727023"/>
             <a:ext cx="2115918" cy="1080000"/>
           </a:xfrm>
           <a:prstGeom prst="rect">
@@ -5249,7 +5190,7 @@
         </p:nvCxnSpPr>
         <p:spPr>
           <a:xfrm flipH="1">
-            <a:off x="8365730" y="9135395"/>
+            <a:off x="18191015" y="17267023"/>
             <a:ext cx="363892" cy="0"/>
           </a:xfrm>
           <a:prstGeom prst="line">
@@ -5294,7 +5235,7 @@
         </p:nvCxnSpPr>
         <p:spPr>
           <a:xfrm rot="5400000">
-            <a:off x="8329361" y="7137174"/>
+            <a:off x="18154646" y="15268802"/>
             <a:ext cx="436632" cy="2479811"/>
           </a:xfrm>
           <a:prstGeom prst="bentConnector3">
@@ -5335,7 +5276,7 @@
         </p:nvSpPr>
         <p:spPr>
           <a:xfrm>
-            <a:off x="21110971" y="4236538"/>
+            <a:off x="30936256" y="12368166"/>
             <a:ext cx="2115918" cy="1080000"/>
           </a:xfrm>
           <a:prstGeom prst="rect">
@@ -5702,7 +5643,7 @@
         </p:nvSpPr>
         <p:spPr>
           <a:xfrm>
-            <a:off x="13703007" y="2728705"/>
+            <a:off x="23528292" y="10860333"/>
             <a:ext cx="2115918" cy="1080000"/>
           </a:xfrm>
           <a:prstGeom prst="rect">
@@ -5773,7 +5714,7 @@
         </p:nvCxnSpPr>
         <p:spPr>
           <a:xfrm flipH="1">
-            <a:off x="8365734" y="3268705"/>
+            <a:off x="18191019" y="11400333"/>
             <a:ext cx="5337273" cy="0"/>
           </a:xfrm>
           <a:prstGeom prst="line">
@@ -5814,7 +5755,7 @@
         </p:nvSpPr>
         <p:spPr>
           <a:xfrm>
-            <a:off x="13703007" y="5666930"/>
+            <a:off x="23528292" y="13798558"/>
             <a:ext cx="2115918" cy="1080000"/>
           </a:xfrm>
           <a:prstGeom prst="rect">
@@ -5865,7 +5806,7 @@
         </p:nvSpPr>
         <p:spPr>
           <a:xfrm>
-            <a:off x="13706096" y="8597061"/>
+            <a:off x="23531381" y="16728689"/>
             <a:ext cx="2115918" cy="1080000"/>
           </a:xfrm>
           <a:prstGeom prst="rect">
@@ -5916,7 +5857,7 @@
         </p:nvSpPr>
         <p:spPr>
           <a:xfrm>
-            <a:off x="16227425" y="8597059"/>
+            <a:off x="26052710" y="16728687"/>
             <a:ext cx="2115918" cy="1080000"/>
           </a:xfrm>
           <a:prstGeom prst="rect">
@@ -5967,7 +5908,7 @@
         </p:nvSpPr>
         <p:spPr>
           <a:xfrm>
-            <a:off x="18674756" y="8597061"/>
+            <a:off x="28500041" y="16728689"/>
             <a:ext cx="2115918" cy="1080000"/>
           </a:xfrm>
           <a:prstGeom prst="rect">
@@ -6022,7 +5963,7 @@
         </p:nvCxnSpPr>
         <p:spPr>
           <a:xfrm flipH="1">
-            <a:off x="15822014" y="9137059"/>
+            <a:off x="25647299" y="17268687"/>
             <a:ext cx="405411" cy="2"/>
           </a:xfrm>
           <a:prstGeom prst="line">
@@ -6067,7 +6008,7 @@
         </p:nvCxnSpPr>
         <p:spPr>
           <a:xfrm flipH="1" flipV="1">
-            <a:off x="18343343" y="9137059"/>
+            <a:off x="28168628" y="17268687"/>
             <a:ext cx="331413" cy="2"/>
           </a:xfrm>
           <a:prstGeom prst="line">
@@ -6108,7 +6049,7 @@
         </p:nvSpPr>
         <p:spPr>
           <a:xfrm>
-            <a:off x="13706096" y="11533592"/>
+            <a:off x="23531381" y="19665220"/>
             <a:ext cx="2115918" cy="1080000"/>
           </a:xfrm>
           <a:prstGeom prst="rect">
@@ -6159,7 +6100,7 @@
         </p:nvSpPr>
         <p:spPr>
           <a:xfrm>
-            <a:off x="13706096" y="14566862"/>
+            <a:off x="23531381" y="22698490"/>
             <a:ext cx="2115918" cy="1080000"/>
           </a:xfrm>
           <a:prstGeom prst="rect">
@@ -6210,7 +6151,7 @@
         </p:nvSpPr>
         <p:spPr>
           <a:xfrm>
-            <a:off x="14948261" y="10016956"/>
+            <a:off x="24773546" y="18148584"/>
             <a:ext cx="2115918" cy="1080000"/>
           </a:xfrm>
           <a:prstGeom prst="rect">
@@ -6265,7 +6206,7 @@
         </p:nvCxnSpPr>
         <p:spPr>
           <a:xfrm rot="16200000" flipH="1">
-            <a:off x="15215190" y="9225925"/>
+            <a:off x="25040475" y="17357553"/>
             <a:ext cx="339895" cy="1242165"/>
           </a:xfrm>
           <a:prstGeom prst="bentConnector3">
@@ -6311,7 +6252,7 @@
         </p:nvCxnSpPr>
         <p:spPr>
           <a:xfrm rot="5400000">
-            <a:off x="16475854" y="9207425"/>
+            <a:off x="26301139" y="17339053"/>
             <a:ext cx="339897" cy="1279164"/>
           </a:xfrm>
           <a:prstGeom prst="bentConnector3">
@@ -6357,7 +6298,7 @@
         </p:nvCxnSpPr>
         <p:spPr>
           <a:xfrm rot="5400000">
-            <a:off x="17699521" y="7983761"/>
+            <a:off x="27524806" y="16115389"/>
             <a:ext cx="339895" cy="3726495"/>
           </a:xfrm>
           <a:prstGeom prst="bentConnector3">
@@ -6399,7 +6340,7 @@
         </p:nvSpPr>
         <p:spPr>
           <a:xfrm>
-            <a:off x="17432591" y="10016955"/>
+            <a:off x="27257876" y="18148583"/>
             <a:ext cx="2115918" cy="1080000"/>
           </a:xfrm>
           <a:prstGeom prst="rect">
@@ -6454,7 +6395,7 @@
         </p:nvCxnSpPr>
         <p:spPr>
           <a:xfrm rot="5400000">
-            <a:off x="18941686" y="9225926"/>
+            <a:off x="28766971" y="17357554"/>
             <a:ext cx="339894" cy="1242165"/>
           </a:xfrm>
           <a:prstGeom prst="bentConnector3">
@@ -6500,7 +6441,7 @@
         </p:nvCxnSpPr>
         <p:spPr>
           <a:xfrm rot="16200000" flipH="1">
-            <a:off x="17718019" y="9244424"/>
+            <a:off x="27543304" y="17376052"/>
             <a:ext cx="339896" cy="1205166"/>
           </a:xfrm>
           <a:prstGeom prst="bentConnector3">
@@ -6542,7 +6483,7 @@
         </p:nvSpPr>
         <p:spPr>
           <a:xfrm>
-            <a:off x="19916920" y="10016955"/>
+            <a:off x="29742205" y="18148583"/>
             <a:ext cx="2115918" cy="1080000"/>
           </a:xfrm>
           <a:prstGeom prst="rect">
@@ -6597,7 +6538,7 @@
         </p:nvCxnSpPr>
         <p:spPr>
           <a:xfrm rot="16200000" flipH="1">
-            <a:off x="20183850" y="9225926"/>
+            <a:off x="30009135" y="17357554"/>
             <a:ext cx="339894" cy="1242164"/>
           </a:xfrm>
           <a:prstGeom prst="bentConnector3">
@@ -6638,7 +6579,7 @@
         </p:nvSpPr>
         <p:spPr>
           <a:xfrm>
-            <a:off x="16227425" y="11533592"/>
+            <a:off x="26052710" y="19665220"/>
             <a:ext cx="2115918" cy="1080000"/>
           </a:xfrm>
           <a:prstGeom prst="rect">
@@ -6693,7 +6634,7 @@
         </p:nvCxnSpPr>
         <p:spPr>
           <a:xfrm rot="5400000">
-            <a:off x="16357118" y="10605325"/>
+            <a:off x="26182403" y="18736953"/>
             <a:ext cx="1856533" cy="12700"/>
           </a:xfrm>
           <a:prstGeom prst="bentConnector3">
@@ -6738,7 +6679,7 @@
         </p:nvCxnSpPr>
         <p:spPr>
           <a:xfrm>
-            <a:off x="14764055" y="9677061"/>
+            <a:off x="24589340" y="17808689"/>
             <a:ext cx="0" cy="1856531"/>
           </a:xfrm>
           <a:prstGeom prst="straightConnector1">
@@ -6777,7 +6718,7 @@
         </p:nvSpPr>
         <p:spPr>
           <a:xfrm>
-            <a:off x="18675418" y="11533592"/>
+            <a:off x="28500703" y="19665220"/>
             <a:ext cx="2115918" cy="1080000"/>
           </a:xfrm>
           <a:prstGeom prst="rect">
@@ -6832,7 +6773,7 @@
         </p:nvCxnSpPr>
         <p:spPr>
           <a:xfrm rot="16200000" flipH="1">
-            <a:off x="18893645" y="10693859"/>
+            <a:off x="28718930" y="18825487"/>
             <a:ext cx="436637" cy="1242827"/>
           </a:xfrm>
           <a:prstGeom prst="bentConnector3">
@@ -6873,7 +6814,7 @@
         </p:nvSpPr>
         <p:spPr>
           <a:xfrm>
-            <a:off x="19916920" y="13050229"/>
+            <a:off x="29742205" y="21181857"/>
             <a:ext cx="2115918" cy="1080000"/>
           </a:xfrm>
           <a:prstGeom prst="rect">
@@ -6924,7 +6865,7 @@
         </p:nvSpPr>
         <p:spPr>
           <a:xfrm>
-            <a:off x="17432591" y="13050227"/>
+            <a:off x="27257876" y="21181855"/>
             <a:ext cx="2115918" cy="1080000"/>
           </a:xfrm>
           <a:prstGeom prst="rect">
@@ -6975,7 +6916,7 @@
         </p:nvSpPr>
         <p:spPr>
           <a:xfrm>
-            <a:off x="14948261" y="13050227"/>
+            <a:off x="24773546" y="21181855"/>
             <a:ext cx="2115918" cy="1080000"/>
           </a:xfrm>
           <a:prstGeom prst="rect">
@@ -7030,7 +6971,7 @@
         </p:nvCxnSpPr>
         <p:spPr>
           <a:xfrm>
-            <a:off x="14764055" y="12613592"/>
+            <a:off x="24589340" y="20745220"/>
             <a:ext cx="0" cy="1953270"/>
           </a:xfrm>
           <a:prstGeom prst="straightConnector1">
@@ -7073,7 +7014,7 @@
         </p:nvCxnSpPr>
         <p:spPr>
           <a:xfrm rot="16200000" flipH="1">
-            <a:off x="15166820" y="12210826"/>
+            <a:off x="24992105" y="20342454"/>
             <a:ext cx="436635" cy="1242165"/>
           </a:xfrm>
           <a:prstGeom prst="bentConnector3">
@@ -7119,7 +7060,7 @@
         </p:nvCxnSpPr>
         <p:spPr>
           <a:xfrm rot="5400000">
-            <a:off x="16427485" y="12192327"/>
+            <a:off x="26252770" y="20323955"/>
             <a:ext cx="436635" cy="1279164"/>
           </a:xfrm>
           <a:prstGeom prst="bentConnector3">
@@ -7165,7 +7106,7 @@
         </p:nvCxnSpPr>
         <p:spPr>
           <a:xfrm>
-            <a:off x="18490550" y="11096955"/>
+            <a:off x="28315835" y="19228583"/>
             <a:ext cx="0" cy="1953272"/>
           </a:xfrm>
           <a:prstGeom prst="straightConnector1">
@@ -7208,7 +7149,7 @@
         </p:nvCxnSpPr>
         <p:spPr>
           <a:xfrm>
-            <a:off x="20974879" y="11096955"/>
+            <a:off x="30800164" y="19228583"/>
             <a:ext cx="0" cy="1953274"/>
           </a:xfrm>
           <a:prstGeom prst="straightConnector1">
@@ -7251,7 +7192,7 @@
         </p:nvCxnSpPr>
         <p:spPr>
           <a:xfrm>
-            <a:off x="14760966" y="8161191"/>
+            <a:off x="24586251" y="16292819"/>
             <a:ext cx="3089" cy="435870"/>
           </a:xfrm>
           <a:prstGeom prst="straightConnector1">
@@ -7294,7 +7235,7 @@
         </p:nvCxnSpPr>
         <p:spPr>
           <a:xfrm>
-            <a:off x="14760966" y="6746930"/>
+            <a:off x="24586251" y="14878558"/>
             <a:ext cx="0" cy="334261"/>
           </a:xfrm>
           <a:prstGeom prst="straightConnector1">
@@ -7337,7 +7278,7 @@
         </p:nvCxnSpPr>
         <p:spPr>
           <a:xfrm rot="16200000" flipH="1">
-            <a:off x="15805241" y="7116916"/>
+            <a:off x="25630526" y="15248544"/>
             <a:ext cx="435868" cy="2524418"/>
           </a:xfrm>
           <a:prstGeom prst="bentConnector3">
@@ -7382,7 +7323,7 @@
         </p:nvCxnSpPr>
         <p:spPr>
           <a:xfrm rot="16200000" flipH="1">
-            <a:off x="17028905" y="5893251"/>
+            <a:off x="26854190" y="14024879"/>
             <a:ext cx="435870" cy="4971749"/>
           </a:xfrm>
           <a:prstGeom prst="bentConnector3">
@@ -7427,7 +7368,7 @@
         </p:nvCxnSpPr>
         <p:spPr>
           <a:xfrm rot="16200000" flipH="1">
-            <a:off x="9571051" y="1545428"/>
+            <a:off x="19396336" y="9677056"/>
             <a:ext cx="428543" cy="4955095"/>
           </a:xfrm>
           <a:prstGeom prst="bentConnector3">
@@ -7473,7 +7414,7 @@
         </p:nvCxnSpPr>
         <p:spPr>
           <a:xfrm rot="5400000">
-            <a:off x="13297647" y="2773928"/>
+            <a:off x="23122932" y="10905556"/>
             <a:ext cx="428543" cy="2498096"/>
           </a:xfrm>
           <a:prstGeom prst="bentConnector3">
@@ -7515,7 +7456,7 @@
         </p:nvSpPr>
         <p:spPr>
           <a:xfrm>
-            <a:off x="13703007" y="7081191"/>
+            <a:off x="23528292" y="15212819"/>
             <a:ext cx="2115918" cy="1080000"/>
           </a:xfrm>
           <a:prstGeom prst="rect">
@@ -7571,7 +7512,7 @@
         </p:nvSpPr>
         <p:spPr>
           <a:xfrm>
-            <a:off x="16231957" y="7088052"/>
+            <a:off x="26057242" y="15219680"/>
             <a:ext cx="2115918" cy="1080000"/>
           </a:xfrm>
           <a:prstGeom prst="rect">
@@ -7622,7 +7563,7 @@
         </p:nvSpPr>
         <p:spPr>
           <a:xfrm>
-            <a:off x="16231957" y="5658864"/>
+            <a:off x="26057242" y="13790492"/>
             <a:ext cx="2115918" cy="1080000"/>
           </a:xfrm>
           <a:prstGeom prst="rect">
@@ -7673,7 +7614,7 @@
         </p:nvSpPr>
         <p:spPr>
           <a:xfrm>
-            <a:off x="18674756" y="7078759"/>
+            <a:off x="28500041" y="15210387"/>
             <a:ext cx="2115918" cy="1080000"/>
           </a:xfrm>
           <a:prstGeom prst="rect">
@@ -7724,7 +7665,7 @@
         </p:nvSpPr>
         <p:spPr>
           <a:xfrm>
-            <a:off x="18671464" y="4237248"/>
+            <a:off x="28496749" y="12368876"/>
             <a:ext cx="2115918" cy="1080000"/>
           </a:xfrm>
           <a:prstGeom prst="rect">
@@ -7780,7 +7721,7 @@
         </p:nvSpPr>
         <p:spPr>
           <a:xfrm>
-            <a:off x="18671464" y="5666930"/>
+            <a:off x="28496749" y="13798558"/>
             <a:ext cx="2115918" cy="1080000"/>
           </a:xfrm>
           <a:prstGeom prst="rect">
@@ -7836,7 +7777,7 @@
         </p:nvSpPr>
         <p:spPr>
           <a:xfrm>
-            <a:off x="16231957" y="4236538"/>
+            <a:off x="26057242" y="12368166"/>
             <a:ext cx="2115918" cy="1080000"/>
           </a:xfrm>
           <a:prstGeom prst="rect">
@@ -7887,7 +7828,7 @@
         </p:nvSpPr>
         <p:spPr>
           <a:xfrm>
-            <a:off x="13706096" y="4229713"/>
+            <a:off x="23531381" y="12361341"/>
             <a:ext cx="2115918" cy="1080000"/>
           </a:xfrm>
           <a:prstGeom prst="rect">
@@ -7938,7 +7879,7 @@
         </p:nvSpPr>
         <p:spPr>
           <a:xfrm>
-            <a:off x="11204911" y="4237248"/>
+            <a:off x="21030196" y="12368876"/>
             <a:ext cx="2115918" cy="1080000"/>
           </a:xfrm>
           <a:prstGeom prst="rect">
@@ -8000,7 +7941,7 @@
         </p:nvSpPr>
         <p:spPr>
           <a:xfrm>
-            <a:off x="8733173" y="5664689"/>
+            <a:off x="18558458" y="13796317"/>
             <a:ext cx="2115918" cy="1080000"/>
           </a:xfrm>
           <a:prstGeom prst="rect">
@@ -8068,7 +8009,7 @@
         </p:nvCxnSpPr>
         <p:spPr>
           <a:xfrm rot="5400000">
-            <a:off x="10853281" y="4255099"/>
+            <a:off x="20678566" y="12386727"/>
             <a:ext cx="347441" cy="2471738"/>
           </a:xfrm>
           <a:prstGeom prst="bentConnector3">
@@ -8113,7 +8054,7 @@
         </p:nvCxnSpPr>
         <p:spPr>
           <a:xfrm rot="16200000" flipH="1">
-            <a:off x="13337077" y="4243041"/>
+            <a:off x="23162362" y="12374669"/>
             <a:ext cx="349682" cy="2498096"/>
           </a:xfrm>
           <a:prstGeom prst="bentConnector3">
@@ -8158,7 +8099,7 @@
         </p:nvCxnSpPr>
         <p:spPr>
           <a:xfrm rot="16200000" flipH="1">
-            <a:off x="8337925" y="2778555"/>
+            <a:off x="18163210" y="10910183"/>
             <a:ext cx="428548" cy="2488848"/>
           </a:xfrm>
           <a:prstGeom prst="bentConnector3">
@@ -8204,7 +8145,7 @@
         </p:nvCxnSpPr>
         <p:spPr>
           <a:xfrm rot="5400000">
-            <a:off x="12064521" y="1540808"/>
+            <a:off x="21889806" y="9672436"/>
             <a:ext cx="428548" cy="4964343"/>
           </a:xfrm>
           <a:prstGeom prst="bentConnector3">
@@ -8250,7 +8191,7 @@
         </p:nvCxnSpPr>
         <p:spPr>
           <a:xfrm>
-            <a:off x="14760966" y="3808705"/>
+            <a:off x="24586251" y="11940333"/>
             <a:ext cx="3089" cy="421008"/>
           </a:xfrm>
           <a:prstGeom prst="straightConnector1">
@@ -8293,7 +8234,7 @@
         </p:nvCxnSpPr>
         <p:spPr>
           <a:xfrm rot="16200000" flipH="1">
-            <a:off x="15811525" y="2758146"/>
+            <a:off x="25636810" y="10889774"/>
             <a:ext cx="427833" cy="2528950"/>
           </a:xfrm>
           <a:prstGeom prst="bentConnector3">
@@ -8338,7 +8279,7 @@
         </p:nvCxnSpPr>
         <p:spPr>
           <a:xfrm rot="16200000" flipH="1">
-            <a:off x="17030923" y="1538747"/>
+            <a:off x="26856208" y="9670375"/>
             <a:ext cx="428543" cy="4968457"/>
           </a:xfrm>
           <a:prstGeom prst="bentConnector3">
@@ -8383,7 +8324,7 @@
         </p:nvCxnSpPr>
         <p:spPr>
           <a:xfrm>
-            <a:off x="19729423" y="5317248"/>
+            <a:off x="29554708" y="13448876"/>
             <a:ext cx="0" cy="349682"/>
           </a:xfrm>
           <a:prstGeom prst="straightConnector1">
@@ -8426,7 +8367,7 @@
         </p:nvCxnSpPr>
         <p:spPr>
           <a:xfrm>
-            <a:off x="19729423" y="6746930"/>
+            <a:off x="29554708" y="14878558"/>
             <a:ext cx="3292" cy="331829"/>
           </a:xfrm>
           <a:prstGeom prst="straightConnector1">
@@ -8469,7 +8410,7 @@
         </p:nvCxnSpPr>
         <p:spPr>
           <a:xfrm rot="5400000">
-            <a:off x="18339109" y="5697738"/>
+            <a:off x="28164394" y="13829366"/>
             <a:ext cx="341122" cy="2439507"/>
           </a:xfrm>
           <a:prstGeom prst="bentConnector3">
@@ -8514,7 +8455,7 @@
         </p:nvCxnSpPr>
         <p:spPr>
           <a:xfrm rot="5400000">
-            <a:off x="18338862" y="4268303"/>
+            <a:off x="28164147" y="12399931"/>
             <a:ext cx="341616" cy="2439507"/>
           </a:xfrm>
           <a:prstGeom prst="bentConnector3">
@@ -8559,7 +8500,7 @@
         </p:nvCxnSpPr>
         <p:spPr>
           <a:xfrm rot="16200000" flipH="1">
-            <a:off x="15852410" y="4221357"/>
+            <a:off x="25677695" y="12352985"/>
             <a:ext cx="349151" cy="2525861"/>
           </a:xfrm>
           <a:prstGeom prst="bentConnector3">
@@ -8604,7 +8545,7 @@
         </p:nvCxnSpPr>
         <p:spPr>
           <a:xfrm flipH="1">
-            <a:off x="9787582" y="6744689"/>
+            <a:off x="19612867" y="14876317"/>
             <a:ext cx="3550" cy="334074"/>
           </a:xfrm>
           <a:prstGeom prst="straightConnector1">
@@ -8643,7 +8584,7 @@
         </p:nvSpPr>
         <p:spPr>
           <a:xfrm>
-            <a:off x="25986693" y="2728703"/>
+            <a:off x="33375762" y="10860333"/>
             <a:ext cx="2115918" cy="1080000"/>
           </a:xfrm>
           <a:prstGeom prst="rect">
@@ -8762,7 +8703,7 @@
         </p:nvSpPr>
         <p:spPr>
           <a:xfrm>
-            <a:off x="25986693" y="7088052"/>
+            <a:off x="35811978" y="15219680"/>
             <a:ext cx="2115918" cy="1080000"/>
           </a:xfrm>
           <a:prstGeom prst="rect">
@@ -8837,8 +8778,8 @@
         </p:nvCxnSpPr>
         <p:spPr>
           <a:xfrm flipH="1">
-            <a:off x="15818925" y="3268703"/>
-            <a:ext cx="10167768" cy="2"/>
+            <a:off x="25644210" y="11400333"/>
+            <a:ext cx="7731552" cy="0"/>
           </a:xfrm>
           <a:prstGeom prst="line">
             <a:avLst/>
@@ -8882,8 +8823,8 @@
         </p:nvCxnSpPr>
         <p:spPr>
           <a:xfrm rot="5400000">
-            <a:off x="19439489" y="-3367916"/>
-            <a:ext cx="428545" cy="14781782"/>
+            <a:off x="28046667" y="5981821"/>
+            <a:ext cx="428543" cy="12345566"/>
           </a:xfrm>
           <a:prstGeom prst="bentConnector3">
             <a:avLst>
@@ -8924,7 +8865,7 @@
         </p:nvSpPr>
         <p:spPr>
           <a:xfrm>
-            <a:off x="26024823" y="302735"/>
+            <a:off x="46176565" y="2644147"/>
             <a:ext cx="2115918" cy="1080000"/>
           </a:xfrm>
           <a:prstGeom prst="rect">
@@ -9014,7 +8955,7 @@
         </p:nvSpPr>
         <p:spPr>
           <a:xfrm>
-            <a:off x="23550478" y="5666930"/>
+            <a:off x="33375763" y="13798558"/>
             <a:ext cx="2115918" cy="1080000"/>
           </a:xfrm>
           <a:prstGeom prst="rect">
@@ -9093,7 +9034,7 @@
         </p:nvSpPr>
         <p:spPr>
           <a:xfrm>
-            <a:off x="21110971" y="7078759"/>
+            <a:off x="30936256" y="15210387"/>
             <a:ext cx="2115918" cy="1080000"/>
           </a:xfrm>
           <a:prstGeom prst="rect">
@@ -9204,7 +9145,7 @@
         </p:nvSpPr>
         <p:spPr>
           <a:xfrm>
-            <a:off x="23550478" y="7075804"/>
+            <a:off x="33375763" y="15207432"/>
             <a:ext cx="2115918" cy="1080000"/>
           </a:xfrm>
           <a:prstGeom prst="rect">
@@ -9291,7 +9232,7 @@
         </p:nvSpPr>
         <p:spPr>
           <a:xfrm>
-            <a:off x="23550478" y="4236538"/>
+            <a:off x="33375763" y="12368166"/>
             <a:ext cx="2115918" cy="1080000"/>
           </a:xfrm>
           <a:prstGeom prst="rect">
@@ -9378,7 +9319,7 @@
         </p:nvSpPr>
         <p:spPr>
           <a:xfrm>
-            <a:off x="23550478" y="302735"/>
+            <a:off x="46176565" y="1306579"/>
             <a:ext cx="2115918" cy="1080000"/>
           </a:xfrm>
           <a:prstGeom prst="rect">
@@ -9436,7 +9377,7 @@
         </p:nvSpPr>
         <p:spPr>
           <a:xfrm>
-            <a:off x="21110971" y="5664689"/>
+            <a:off x="30936256" y="13796317"/>
             <a:ext cx="2115918" cy="1080000"/>
           </a:xfrm>
           <a:prstGeom prst="rect">
@@ -9511,7 +9452,7 @@
         </p:nvCxnSpPr>
         <p:spPr>
           <a:xfrm>
-            <a:off x="17289916" y="5316538"/>
+            <a:off x="27115201" y="13448166"/>
             <a:ext cx="0" cy="342326"/>
           </a:xfrm>
           <a:prstGeom prst="straightConnector1">
@@ -9554,7 +9495,7 @@
         </p:nvCxnSpPr>
         <p:spPr>
           <a:xfrm>
-            <a:off x="17289916" y="6738864"/>
+            <a:off x="27115201" y="14870492"/>
             <a:ext cx="0" cy="349188"/>
           </a:xfrm>
           <a:prstGeom prst="straightConnector1">
@@ -9593,7 +9534,7 @@
         </p:nvSpPr>
         <p:spPr>
           <a:xfrm>
-            <a:off x="25986693" y="5658864"/>
+            <a:off x="35811978" y="13790492"/>
             <a:ext cx="2115918" cy="1080000"/>
           </a:xfrm>
           <a:prstGeom prst="rect">
@@ -9664,7 +9605,7 @@
         </p:nvSpPr>
         <p:spPr>
           <a:xfrm>
-            <a:off x="23550478" y="1564148"/>
+            <a:off x="49090482" y="1306579"/>
             <a:ext cx="2115918" cy="1080000"/>
           </a:xfrm>
           <a:prstGeom prst="rect">
@@ -9834,7 +9775,7 @@
         </p:nvSpPr>
         <p:spPr>
           <a:xfrm>
-            <a:off x="26024823" y="1564148"/>
+            <a:off x="49090482" y="2644147"/>
             <a:ext cx="2115918" cy="1080000"/>
           </a:xfrm>
           <a:prstGeom prst="rect">
@@ -10068,7 +10009,7 @@
         </p:nvSpPr>
         <p:spPr>
           <a:xfrm>
-            <a:off x="28499168" y="302735"/>
+            <a:off x="46176565" y="3981715"/>
             <a:ext cx="2115918" cy="1080000"/>
           </a:xfrm>
           <a:prstGeom prst="rect">
@@ -10175,13 +10116,13 @@
           <p:nvPr>
             <p:extLst>
               <p:ext uri="{D42A27DB-BD31-4B8C-83A1-F6EECF244321}">
-                <p14:modId xmlns:p14="http://schemas.microsoft.com/office/powerpoint/2010/main" val="2927521809"/>
+                <p14:modId xmlns:p14="http://schemas.microsoft.com/office/powerpoint/2010/main" val="2494164523"/>
               </p:ext>
             </p:extLst>
           </p:nvPr>
         </p:nvGraphicFramePr>
         <p:xfrm>
-          <a:off x="33913695" y="3492726"/>
+          <a:off x="46176565" y="29594"/>
           <a:ext cx="5029835" cy="1276985"/>
         </p:xfrm>
         <a:graphic>
@@ -10880,7 +10821,7 @@
         </p:nvSpPr>
         <p:spPr>
           <a:xfrm>
-            <a:off x="26024823" y="4229713"/>
+            <a:off x="35850108" y="12361341"/>
             <a:ext cx="2115918" cy="1080000"/>
           </a:xfrm>
           <a:prstGeom prst="rect">
@@ -10991,7 +10932,7 @@
         </p:nvSpPr>
         <p:spPr>
           <a:xfrm>
-            <a:off x="28499168" y="1564148"/>
+            <a:off x="49090482" y="3981715"/>
             <a:ext cx="2115918" cy="1080000"/>
           </a:xfrm>
           <a:prstGeom prst="rect">
@@ -11049,7 +10990,7 @@
         </p:nvSpPr>
         <p:spPr>
           <a:xfrm>
-            <a:off x="28499168" y="4229711"/>
+            <a:off x="34625265" y="19663937"/>
             <a:ext cx="2115918" cy="1080000"/>
           </a:xfrm>
           <a:prstGeom prst="rect">
@@ -11265,7 +11206,7 @@
         </p:nvSpPr>
         <p:spPr>
           <a:xfrm>
-            <a:off x="30936256" y="302175"/>
+            <a:off x="49090482" y="5319576"/>
             <a:ext cx="2115918" cy="1080000"/>
           </a:xfrm>
           <a:prstGeom prst="rect">
@@ -11371,7 +11312,7 @@
         </p:nvSpPr>
         <p:spPr>
           <a:xfrm>
-            <a:off x="30936256" y="1564147"/>
+            <a:off x="46176565" y="5319283"/>
             <a:ext cx="2115918" cy="1080000"/>
           </a:xfrm>
           <a:prstGeom prst="rect">
@@ -11445,7 +11386,7 @@
         </p:nvSpPr>
         <p:spPr>
           <a:xfrm>
-            <a:off x="33373344" y="302175"/>
+            <a:off x="46176565" y="6656851"/>
             <a:ext cx="2115918" cy="1080000"/>
           </a:xfrm>
           <a:prstGeom prst="rect">
@@ -11519,7 +11460,7 @@
         </p:nvSpPr>
         <p:spPr>
           <a:xfrm>
-            <a:off x="33373344" y="1564147"/>
+            <a:off x="49090482" y="6656851"/>
             <a:ext cx="2115918" cy="1080000"/>
           </a:xfrm>
           <a:prstGeom prst="rect">
@@ -11641,7 +11582,7 @@
         </p:nvSpPr>
         <p:spPr>
           <a:xfrm>
-            <a:off x="28499168" y="5658863"/>
+            <a:off x="32183735" y="16727023"/>
             <a:ext cx="2115918" cy="1080000"/>
           </a:xfrm>
           <a:prstGeom prst="rect">
@@ -11816,7 +11757,7 @@
         </p:nvSpPr>
         <p:spPr>
           <a:xfrm>
-            <a:off x="9969042" y="1525759"/>
+            <a:off x="16089647" y="12359587"/>
             <a:ext cx="2115918" cy="1080000"/>
           </a:xfrm>
           <a:prstGeom prst="rect">
@@ -11996,7 +11937,7 @@
         </p:nvSpPr>
         <p:spPr>
           <a:xfrm>
-            <a:off x="35810432" y="302175"/>
+            <a:off x="46176565" y="7994419"/>
             <a:ext cx="2115918" cy="1080000"/>
           </a:xfrm>
           <a:prstGeom prst="rect">
@@ -12086,7 +12027,7 @@
         </p:nvSpPr>
         <p:spPr>
           <a:xfrm>
-            <a:off x="24751560" y="8595395"/>
+            <a:off x="34625265" y="16726096"/>
             <a:ext cx="2115918" cy="1080000"/>
           </a:xfrm>
           <a:prstGeom prst="rect">
@@ -12369,10 +12310,10 @@
       </p:sp>
       <p:sp>
         <p:nvSpPr>
-          <p:cNvPr id="173" name="Прямоугольник 172">
-            <a:extLst>
-              <a:ext uri="{FF2B5EF4-FFF2-40B4-BE49-F238E27FC236}">
-                <a16:creationId xmlns:a16="http://schemas.microsoft.com/office/drawing/2014/main" id="{C780D6A7-7E53-4375-803E-FA88088A71CF}"/>
+          <p:cNvPr id="159" name="Прямоугольник 158">
+            <a:extLst>
+              <a:ext uri="{FF2B5EF4-FFF2-40B4-BE49-F238E27FC236}">
+                <a16:creationId xmlns:a16="http://schemas.microsoft.com/office/drawing/2014/main" id="{F58DDB0D-9379-4609-9AFC-C95DC2652ADD}"/>
               </a:ext>
             </a:extLst>
           </p:cNvPr>
@@ -12381,7 +12322,7 @@
         </p:nvSpPr>
         <p:spPr>
           <a:xfrm>
-            <a:off x="27209838" y="8595395"/>
+            <a:off x="35850108" y="18143910"/>
             <a:ext cx="2115918" cy="1080000"/>
           </a:xfrm>
           <a:prstGeom prst="rect">
@@ -12420,239 +12361,79 @@
                   <a:schemeClr val="bg1"/>
                 </a:solidFill>
               </a:rPr>
-              <a:t>Уничтожить всё оружие </a:t>
-            </a:r>
-            <a:r>
-              <a:rPr lang="ru-RU" sz="200" dirty="0">
-                <a:solidFill>
-                  <a:schemeClr val="bg1"/>
-                </a:solidFill>
-              </a:rPr>
-              <a:t>(Таким образом, можно сказать, что и де </a:t>
-            </a:r>
-            <a:r>
-              <a:rPr lang="ru-RU" sz="200" dirty="0" err="1">
-                <a:solidFill>
-                  <a:schemeClr val="bg1"/>
-                </a:solidFill>
-              </a:rPr>
-              <a:t>Йонг</a:t>
-            </a:r>
-            <a:r>
-              <a:rPr lang="ru-RU" sz="200" dirty="0">
-                <a:solidFill>
-                  <a:schemeClr val="bg1"/>
-                </a:solidFill>
-              </a:rPr>
-              <a:t>, и </a:t>
-            </a:r>
-            <a:r>
-              <a:rPr lang="ru-RU" sz="200" dirty="0" err="1">
-                <a:solidFill>
-                  <a:schemeClr val="bg1"/>
-                </a:solidFill>
-              </a:rPr>
-              <a:t>Уарт</a:t>
-            </a:r>
-            <a:r>
-              <a:rPr lang="ru-RU" sz="200" dirty="0">
-                <a:solidFill>
-                  <a:schemeClr val="bg1"/>
-                </a:solidFill>
-              </a:rPr>
-              <a:t> выступали за забастовку в начале войны. Однако они расходились во мнениях относительно стратегии, которой следует следовать ниже. Де </a:t>
-            </a:r>
-            <a:r>
-              <a:rPr lang="ru-RU" sz="200" dirty="0" err="1">
-                <a:solidFill>
-                  <a:schemeClr val="bg1"/>
-                </a:solidFill>
-              </a:rPr>
-              <a:t>Йонг</a:t>
-            </a:r>
-            <a:r>
-              <a:rPr lang="ru-RU" sz="200" dirty="0">
-                <a:solidFill>
-                  <a:schemeClr val="bg1"/>
-                </a:solidFill>
-              </a:rPr>
-              <a:t> хотел уничтожить все оружие, в то время как </a:t>
-            </a:r>
-            <a:r>
-              <a:rPr lang="ru-RU" sz="200" dirty="0" err="1">
-                <a:solidFill>
-                  <a:schemeClr val="bg1"/>
-                </a:solidFill>
-              </a:rPr>
-              <a:t>Уарт</a:t>
-            </a:r>
-            <a:r>
-              <a:rPr lang="ru-RU" sz="200" dirty="0">
-                <a:solidFill>
-                  <a:schemeClr val="bg1"/>
-                </a:solidFill>
-              </a:rPr>
-              <a:t> выступал за завоевание всего оружия рабочими, чтобы довести социальную революцию до успешного </a:t>
-            </a:r>
-            <a:r>
-              <a:rPr lang="ru-RU" sz="200" dirty="0" err="1">
-                <a:solidFill>
-                  <a:schemeClr val="bg1"/>
-                </a:solidFill>
-              </a:rPr>
-              <a:t>завершения.¬В</a:t>
-            </a:r>
-            <a:r>
-              <a:rPr lang="ru-RU" sz="200" dirty="0">
-                <a:solidFill>
-                  <a:schemeClr val="bg1"/>
-                </a:solidFill>
-              </a:rPr>
-              <a:t> годы после </a:t>
-            </a:r>
-            <a:r>
-              <a:rPr lang="ru-RU" sz="200" dirty="0" err="1">
-                <a:solidFill>
-                  <a:schemeClr val="bg1"/>
-                </a:solidFill>
-              </a:rPr>
-              <a:t>Льежского</a:t>
-            </a:r>
-            <a:r>
-              <a:rPr lang="ru-RU" sz="200" dirty="0">
-                <a:solidFill>
-                  <a:schemeClr val="bg1"/>
-                </a:solidFill>
-              </a:rPr>
-              <a:t> конгресса дискуссия об указанном противоречии продолжалась. В ходе этой дискуссии идеи </a:t>
-            </a:r>
-            <a:r>
-              <a:rPr lang="ru-RU" sz="200" dirty="0" err="1">
-                <a:solidFill>
-                  <a:schemeClr val="bg1"/>
-                </a:solidFill>
-              </a:rPr>
-              <a:t>Юарта</a:t>
-            </a:r>
-            <a:r>
-              <a:rPr lang="ru-RU" sz="200" dirty="0">
-                <a:solidFill>
-                  <a:schemeClr val="bg1"/>
-                </a:solidFill>
-              </a:rPr>
-              <a:t>, с одной стороны, и Де </a:t>
-            </a:r>
-            <a:r>
-              <a:rPr lang="ru-RU" sz="200" dirty="0" err="1">
-                <a:solidFill>
-                  <a:schemeClr val="bg1"/>
-                </a:solidFill>
-              </a:rPr>
-              <a:t>Йонга</a:t>
-            </a:r>
-            <a:r>
-              <a:rPr lang="ru-RU" sz="200" dirty="0">
-                <a:solidFill>
-                  <a:schemeClr val="bg1"/>
-                </a:solidFill>
-              </a:rPr>
-              <a:t> и Мюллера-</a:t>
-            </a:r>
-            <a:r>
-              <a:rPr lang="ru-RU" sz="200" dirty="0" err="1">
-                <a:solidFill>
-                  <a:schemeClr val="bg1"/>
-                </a:solidFill>
-              </a:rPr>
-              <a:t>Ленинга</a:t>
-            </a:r>
-            <a:r>
-              <a:rPr lang="ru-RU" sz="200" dirty="0">
-                <a:solidFill>
-                  <a:schemeClr val="bg1"/>
-                </a:solidFill>
-              </a:rPr>
-              <a:t>, с другой, становились все более ясными. Основные положения обеих точек зрения будут представлены ниже.¬¬¬Де </a:t>
-            </a:r>
-            <a:r>
-              <a:rPr lang="ru-RU" sz="200" dirty="0" err="1">
-                <a:solidFill>
-                  <a:schemeClr val="bg1"/>
-                </a:solidFill>
-              </a:rPr>
-              <a:t>Йонг</a:t>
-            </a:r>
-            <a:r>
-              <a:rPr lang="ru-RU" sz="200" dirty="0">
-                <a:solidFill>
-                  <a:schemeClr val="bg1"/>
-                </a:solidFill>
-              </a:rPr>
-              <a:t> и Мюллер-</a:t>
-            </a:r>
-            <a:r>
-              <a:rPr lang="ru-RU" sz="200" dirty="0" err="1">
-                <a:solidFill>
-                  <a:schemeClr val="bg1"/>
-                </a:solidFill>
-              </a:rPr>
-              <a:t>Ленинг</a:t>
-            </a:r>
-            <a:r>
-              <a:rPr lang="ru-RU" sz="200" dirty="0">
-                <a:solidFill>
-                  <a:schemeClr val="bg1"/>
-                </a:solidFill>
-              </a:rPr>
-              <a:t> не видели смысла в вооруженной защите социальной революции. По их мнению, это имело бы контрреволюционный эффект. Во времена всевозможных современных военных средств, таких как самолеты и </a:t>
-            </a:r>
-            <a:r>
-              <a:rPr lang="ru-RU" sz="200" dirty="0" err="1">
-                <a:solidFill>
-                  <a:schemeClr val="bg1"/>
-                </a:solidFill>
-              </a:rPr>
-              <a:t>газы</a:t>
-            </a:r>
-            <a:r>
-              <a:rPr lang="ru-RU" sz="200" dirty="0">
-                <a:solidFill>
-                  <a:schemeClr val="bg1"/>
-                </a:solidFill>
-              </a:rPr>
-              <a:t>, контрреволюционные армии использовали бы все эти средства в своей борьбе с революцией. В вооруженной защите социальной революции, если кто-то хотел добиться успеха, нужно было использовать эти современные методы войны. Это привело бы к тому, что революционерам пришлось бы формировать полную армию, в которой централистское наращивание было бы неизбежным. Именно эта централизация, диаметрально противоположная принципам МАА, была контрреволюционной. Вот почему Альберт де </a:t>
-            </a:r>
-            <a:r>
-              <a:rPr lang="ru-RU" sz="200" dirty="0" err="1">
-                <a:solidFill>
-                  <a:schemeClr val="bg1"/>
-                </a:solidFill>
-              </a:rPr>
-              <a:t>Йонг</a:t>
-            </a:r>
-            <a:r>
-              <a:rPr lang="ru-RU" sz="200" dirty="0">
-                <a:solidFill>
-                  <a:schemeClr val="bg1"/>
-                </a:solidFill>
-              </a:rPr>
-              <a:t> и Артур Мюллер-</a:t>
-            </a:r>
-            <a:r>
-              <a:rPr lang="ru-RU" sz="200" dirty="0" err="1">
-                <a:solidFill>
-                  <a:schemeClr val="bg1"/>
-                </a:solidFill>
-              </a:rPr>
-              <a:t>Ленинг</a:t>
-            </a:r>
-            <a:r>
-              <a:rPr lang="ru-RU" sz="200" dirty="0">
-                <a:solidFill>
-                  <a:schemeClr val="bg1"/>
-                </a:solidFill>
-              </a:rPr>
-              <a:t> не хотели доводить дело до вооруженного переворота. Это требовало очень обдуманного отношения рабочего класса. Она должна была предотвратить развязывание войны; это путем оккупации компаний и распределительных органов, а также уничтожения арсенала. Тогда социальную революцию должны были защищать экономические организации, созданные во время революции самими рабочими. Таким образом, они остались верны федералистским принципам.)</a:t>
+              <a:t>Насильственная защита </a:t>
+            </a:r>
+            <a:r>
+              <a:rPr lang="ru-RU" sz="400" dirty="0">
+                <a:solidFill>
+                  <a:schemeClr val="bg1"/>
+                </a:solidFill>
+              </a:rPr>
+              <a:t>(</a:t>
+            </a:r>
+            <a:r>
+              <a:rPr lang="ru-RU" sz="400" dirty="0" err="1">
+                <a:solidFill>
+                  <a:schemeClr val="bg1"/>
+                </a:solidFill>
+              </a:rPr>
+              <a:t>Юарт</a:t>
+            </a:r>
+            <a:r>
+              <a:rPr lang="ru-RU" sz="400" dirty="0">
+                <a:solidFill>
+                  <a:schemeClr val="bg1"/>
+                </a:solidFill>
+              </a:rPr>
+              <a:t> полагал, что капиталисты будут всячески противиться социальной революции; поэтому, по его мнению, требовалась насильственная защита. Рабочие должны подготовиться к этому заранее. Это было очевидно в резолюции, предложенной французской секцией и вдохновленной </a:t>
+            </a:r>
+            <a:r>
+              <a:rPr lang="ru-RU" sz="400" dirty="0" err="1">
+                <a:solidFill>
+                  <a:schemeClr val="bg1"/>
+                </a:solidFill>
+              </a:rPr>
+              <a:t>Уартом</a:t>
+            </a:r>
+            <a:r>
+              <a:rPr lang="ru-RU" sz="400" dirty="0">
+                <a:solidFill>
+                  <a:schemeClr val="bg1"/>
+                </a:solidFill>
+              </a:rPr>
+              <a:t> на Конгрессе IAA 1931 года:¬«…отныне необходимо, чтобы рабочая организация создавала корпуса для подготовки революции, для защиты революции и для наступления». 149)¬¬Эта резолюция не была поставлена на голосование в Конгрессе. Здесь ясно, что мысли </a:t>
+            </a:r>
+            <a:r>
+              <a:rPr lang="ru-RU" sz="400" dirty="0" err="1">
+                <a:solidFill>
+                  <a:schemeClr val="bg1"/>
+                </a:solidFill>
+              </a:rPr>
+              <a:t>Уарта</a:t>
+            </a:r>
+            <a:r>
+              <a:rPr lang="ru-RU" sz="400" dirty="0">
+                <a:solidFill>
+                  <a:schemeClr val="bg1"/>
+                </a:solidFill>
+              </a:rPr>
+              <a:t> были в направлении формирования «красных армий». </a:t>
+            </a:r>
+            <a:r>
+              <a:rPr lang="ru-RU" sz="400" dirty="0" err="1">
+                <a:solidFill>
+                  <a:schemeClr val="bg1"/>
+                </a:solidFill>
+              </a:rPr>
+              <a:t>Хуарт</a:t>
+            </a:r>
+            <a:r>
+              <a:rPr lang="ru-RU" sz="400" dirty="0">
+                <a:solidFill>
+                  <a:schemeClr val="bg1"/>
+                </a:solidFill>
+              </a:rPr>
+              <a:t> также отрицал, что его идеи о вооруженной защите социальной революции неизбежно приведут к созданию армий с централизованной структурой. Он утверждал, что федеративная структура возможна и необходима как в экономической жизни, так и в военном аппарате.</a:t>
             </a:r>
             <a:endParaRPr lang="ru-RU" sz="1400" dirty="0">
               <a:solidFill>
@@ -12662,34 +12443,1052 @@
           </a:p>
         </p:txBody>
       </p:sp>
+      <p:sp>
+        <p:nvSpPr>
+          <p:cNvPr id="167" name="Прямоугольник 166">
+            <a:extLst>
+              <a:ext uri="{FF2B5EF4-FFF2-40B4-BE49-F238E27FC236}">
+                <a16:creationId xmlns:a16="http://schemas.microsoft.com/office/drawing/2014/main" id="{41F12621-CDA4-4BAC-A0F5-91C9E8E1CC23}"/>
+              </a:ext>
+            </a:extLst>
+          </p:cNvPr>
+          <p:cNvSpPr/>
+          <p:nvPr/>
+        </p:nvSpPr>
+        <p:spPr>
+          <a:xfrm>
+            <a:off x="33375763" y="18148581"/>
+            <a:ext cx="2115918" cy="1080000"/>
+          </a:xfrm>
+          <a:prstGeom prst="rect">
+            <a:avLst/>
+          </a:prstGeom>
+          <a:solidFill>
+            <a:schemeClr val="tx1">
+              <a:lumMod val="85000"/>
+              <a:lumOff val="15000"/>
+            </a:schemeClr>
+          </a:solidFill>
+          <a:ln w="28575"/>
+        </p:spPr>
+        <p:style>
+          <a:lnRef idx="2">
+            <a:schemeClr val="accent1"/>
+          </a:lnRef>
+          <a:fillRef idx="1">
+            <a:schemeClr val="lt1"/>
+          </a:fillRef>
+          <a:effectRef idx="0">
+            <a:schemeClr val="accent1"/>
+          </a:effectRef>
+          <a:fontRef idx="minor">
+            <a:schemeClr val="dk1"/>
+          </a:fontRef>
+        </p:style>
+        <p:txBody>
+          <a:bodyPr lIns="124733" tIns="62367" rIns="124733" bIns="62367" rtlCol="0" anchor="ctr"/>
+          <a:lstStyle/>
+          <a:p>
+            <a:pPr algn="ctr"/>
+            <a:r>
+              <a:rPr lang="ru-RU" sz="1400" dirty="0">
+                <a:solidFill>
+                  <a:schemeClr val="bg1"/>
+                </a:solidFill>
+              </a:rPr>
+              <a:t>Формирование красных армий </a:t>
+            </a:r>
+            <a:r>
+              <a:rPr lang="ru-RU" sz="400" dirty="0">
+                <a:solidFill>
+                  <a:schemeClr val="bg1"/>
+                </a:solidFill>
+              </a:rPr>
+              <a:t>(</a:t>
+            </a:r>
+            <a:r>
+              <a:rPr lang="ru-RU" sz="400" dirty="0" err="1">
+                <a:solidFill>
+                  <a:schemeClr val="bg1"/>
+                </a:solidFill>
+              </a:rPr>
+              <a:t>Юарт</a:t>
+            </a:r>
+            <a:r>
+              <a:rPr lang="ru-RU" sz="400" dirty="0">
+                <a:solidFill>
+                  <a:schemeClr val="bg1"/>
+                </a:solidFill>
+              </a:rPr>
+              <a:t> полагал, что капиталисты будут всячески противиться социальной революции; поэтому, по его мнению, требовалась насильственная защита. Рабочие должны подготовиться к этому заранее. Это было очевидно в резолюции, предложенной французской секцией и вдохновленной </a:t>
+            </a:r>
+            <a:r>
+              <a:rPr lang="ru-RU" sz="400" dirty="0" err="1">
+                <a:solidFill>
+                  <a:schemeClr val="bg1"/>
+                </a:solidFill>
+              </a:rPr>
+              <a:t>Уартом</a:t>
+            </a:r>
+            <a:r>
+              <a:rPr lang="ru-RU" sz="400" dirty="0">
+                <a:solidFill>
+                  <a:schemeClr val="bg1"/>
+                </a:solidFill>
+              </a:rPr>
+              <a:t> на Конгрессе IAA 1931 года:¬«…отныне необходимо, чтобы рабочая организация создавала корпуса для подготовки революции, для защиты революции и для наступления». 149)¬¬Эта резолюция не была поставлена на голосование в Конгрессе. Здесь ясно, что мысли </a:t>
+            </a:r>
+            <a:r>
+              <a:rPr lang="ru-RU" sz="400" dirty="0" err="1">
+                <a:solidFill>
+                  <a:schemeClr val="bg1"/>
+                </a:solidFill>
+              </a:rPr>
+              <a:t>Уарта</a:t>
+            </a:r>
+            <a:r>
+              <a:rPr lang="ru-RU" sz="400" dirty="0">
+                <a:solidFill>
+                  <a:schemeClr val="bg1"/>
+                </a:solidFill>
+              </a:rPr>
+              <a:t> были в направлении формирования «красных армий». </a:t>
+            </a:r>
+            <a:r>
+              <a:rPr lang="ru-RU" sz="400" dirty="0" err="1">
+                <a:solidFill>
+                  <a:schemeClr val="bg1"/>
+                </a:solidFill>
+              </a:rPr>
+              <a:t>Хуарт</a:t>
+            </a:r>
+            <a:r>
+              <a:rPr lang="ru-RU" sz="400" dirty="0">
+                <a:solidFill>
+                  <a:schemeClr val="bg1"/>
+                </a:solidFill>
+              </a:rPr>
+              <a:t> также отрицал, что его идеи о вооруженной защите социальной революции неизбежно приведут к созданию армий с централизованной структурой. Он утверждал, что федеративная структура возможна и необходима как в экономической жизни, так и в военном аппарате.</a:t>
+            </a:r>
+            <a:endParaRPr lang="ru-RU" sz="1400" dirty="0">
+              <a:solidFill>
+                <a:schemeClr val="bg1"/>
+              </a:solidFill>
+            </a:endParaRPr>
+          </a:p>
+        </p:txBody>
+      </p:sp>
+      <p:sp>
+        <p:nvSpPr>
+          <p:cNvPr id="181" name="Прямоугольник 180">
+            <a:extLst>
+              <a:ext uri="{FF2B5EF4-FFF2-40B4-BE49-F238E27FC236}">
+                <a16:creationId xmlns:a16="http://schemas.microsoft.com/office/drawing/2014/main" id="{3A749979-2D3C-460C-8BBB-A6FDFEC222A8}"/>
+              </a:ext>
+            </a:extLst>
+          </p:cNvPr>
+          <p:cNvSpPr/>
+          <p:nvPr/>
+        </p:nvSpPr>
+        <p:spPr>
+          <a:xfrm>
+            <a:off x="37035400" y="16724403"/>
+            <a:ext cx="2115918" cy="1080000"/>
+          </a:xfrm>
+          <a:prstGeom prst="rect">
+            <a:avLst/>
+          </a:prstGeom>
+          <a:solidFill>
+            <a:schemeClr val="tx1"/>
+          </a:solidFill>
+          <a:ln w="28575"/>
+        </p:spPr>
+        <p:style>
+          <a:lnRef idx="2">
+            <a:schemeClr val="accent1"/>
+          </a:lnRef>
+          <a:fillRef idx="1">
+            <a:schemeClr val="lt1"/>
+          </a:fillRef>
+          <a:effectRef idx="0">
+            <a:schemeClr val="accent1"/>
+          </a:effectRef>
+          <a:fontRef idx="minor">
+            <a:schemeClr val="dk1"/>
+          </a:fontRef>
+        </p:style>
+        <p:txBody>
+          <a:bodyPr lIns="124733" tIns="62367" rIns="124733" bIns="62367" rtlCol="0" anchor="ctr"/>
+          <a:lstStyle/>
+          <a:p>
+            <a:pPr algn="ctr"/>
+            <a:r>
+              <a:rPr lang="ru-RU" sz="1400" dirty="0">
+                <a:solidFill>
+                  <a:schemeClr val="bg1"/>
+                </a:solidFill>
+              </a:rPr>
+              <a:t>Бойкотировать нацизм </a:t>
+            </a:r>
+            <a:r>
+              <a:rPr lang="ru-RU" sz="400" dirty="0">
+                <a:solidFill>
+                  <a:schemeClr val="bg1"/>
+                </a:solidFill>
+              </a:rPr>
+              <a:t>(Заседание совета директоров 18-19 марта 1933 г. еще раз подчеркнуло отвращение к гитлеровскому режиму. Движение сначала осуждало нацистский террор, в том числе преследование евреев, а затем призывало к протестам и бойкоту немецких товаров до тех пор, пока нацистский террор не прекратится. 160) НСВ сделал ряд выводов из событий в Германии. По ее словам, сегодня в очередной раз доказана бессилие и никчемность парламентаризма. Профсоюзная политика, направленная на сотрудничество с государством и капиталом, провалилась. Теперь должно быть ясно, что методы борьбы и позиция, отстаиваемые НСВ, были единственно правильными. Голландские рабочие должны массово следовать этим принципам.)</a:t>
+            </a:r>
+            <a:endParaRPr lang="ru-RU" sz="1400" dirty="0">
+              <a:solidFill>
+                <a:schemeClr val="bg1"/>
+              </a:solidFill>
+            </a:endParaRPr>
+          </a:p>
+        </p:txBody>
+      </p:sp>
+      <p:sp>
+        <p:nvSpPr>
+          <p:cNvPr id="191" name="Прямоугольник 190">
+            <a:extLst>
+              <a:ext uri="{FF2B5EF4-FFF2-40B4-BE49-F238E27FC236}">
+                <a16:creationId xmlns:a16="http://schemas.microsoft.com/office/drawing/2014/main" id="{CEB19DF5-6201-4639-910F-72B4779F8C50}"/>
+              </a:ext>
+            </a:extLst>
+          </p:cNvPr>
+          <p:cNvSpPr/>
+          <p:nvPr/>
+        </p:nvSpPr>
+        <p:spPr>
+          <a:xfrm>
+            <a:off x="21024706" y="13796310"/>
+            <a:ext cx="2115918" cy="1080000"/>
+          </a:xfrm>
+          <a:prstGeom prst="rect">
+            <a:avLst/>
+          </a:prstGeom>
+          <a:gradFill>
+            <a:gsLst>
+              <a:gs pos="50000">
+                <a:srgbClr val="FF0000"/>
+              </a:gs>
+              <a:gs pos="0">
+                <a:schemeClr val="accent4"/>
+              </a:gs>
+              <a:gs pos="100000">
+                <a:schemeClr val="tx1"/>
+              </a:gs>
+            </a:gsLst>
+            <a:lin ang="5400000" scaled="1"/>
+          </a:gradFill>
+          <a:ln w="28575"/>
+        </p:spPr>
+        <p:style>
+          <a:lnRef idx="2">
+            <a:schemeClr val="accent1"/>
+          </a:lnRef>
+          <a:fillRef idx="1">
+            <a:schemeClr val="lt1"/>
+          </a:fillRef>
+          <a:effectRef idx="0">
+            <a:schemeClr val="accent1"/>
+          </a:effectRef>
+          <a:fontRef idx="minor">
+            <a:schemeClr val="dk1"/>
+          </a:fontRef>
+        </p:style>
+        <p:txBody>
+          <a:bodyPr lIns="124733" tIns="62367" rIns="124733" bIns="62367" rtlCol="0" anchor="ctr"/>
+          <a:lstStyle/>
+          <a:p>
+            <a:pPr algn="ctr"/>
+            <a:r>
+              <a:rPr lang="ru-RU" sz="1400" dirty="0"/>
+              <a:t>Деколонизация Голландской Индии (ваниль)</a:t>
+            </a:r>
+          </a:p>
+        </p:txBody>
+      </p:sp>
       <p:cxnSp>
         <p:nvCxnSpPr>
-          <p:cNvPr id="176" name="Прямая соединительная линия 175">
-            <a:extLst>
-              <a:ext uri="{FF2B5EF4-FFF2-40B4-BE49-F238E27FC236}">
-                <a16:creationId xmlns:a16="http://schemas.microsoft.com/office/drawing/2014/main" id="{43B0CB73-A7E1-45CC-B30D-4EE9D53A2A8A}"/>
+          <p:cNvPr id="162" name="Соединительная линия уступом 175">
+            <a:extLst>
+              <a:ext uri="{FF2B5EF4-FFF2-40B4-BE49-F238E27FC236}">
+                <a16:creationId xmlns:a16="http://schemas.microsoft.com/office/drawing/2014/main" id="{A17EDA92-3134-4C9C-900C-B040D6FB3FC1}"/>
               </a:ext>
             </a:extLst>
           </p:cNvPr>
           <p:cNvCxnSpPr>
             <a:cxnSpLocks/>
-            <a:stCxn id="173" idx="1"/>
-            <a:endCxn id="171" idx="3"/>
+            <a:stCxn id="113" idx="2"/>
+            <a:endCxn id="115" idx="0"/>
           </p:cNvCxnSpPr>
           <p:nvPr/>
         </p:nvCxnSpPr>
         <p:spPr>
-          <a:xfrm flipH="1">
-            <a:off x="26867478" y="9135395"/>
-            <a:ext cx="342360" cy="0"/>
-          </a:xfrm>
-          <a:prstGeom prst="line">
+          <a:xfrm rot="5400000">
+            <a:off x="33039894" y="12402488"/>
+            <a:ext cx="348151" cy="2439507"/>
+          </a:xfrm>
+          <a:prstGeom prst="bentConnector3">
+            <a:avLst>
+              <a:gd name="adj1" fmla="val 50000"/>
+            </a:avLst>
+          </a:prstGeom>
+          <a:ln w="28575">
+            <a:tailEnd type="arrow"/>
+          </a:ln>
+        </p:spPr>
+        <p:style>
+          <a:lnRef idx="1">
+            <a:schemeClr val="accent1"/>
+          </a:lnRef>
+          <a:fillRef idx="0">
+            <a:schemeClr val="accent1"/>
+          </a:fillRef>
+          <a:effectRef idx="0">
+            <a:schemeClr val="accent1"/>
+          </a:effectRef>
+          <a:fontRef idx="minor">
+            <a:schemeClr val="tx1"/>
+          </a:fontRef>
+        </p:style>
+      </p:cxnSp>
+      <p:cxnSp>
+        <p:nvCxnSpPr>
+          <p:cNvPr id="192" name="Прямая со стрелкой 191">
+            <a:extLst>
+              <a:ext uri="{FF2B5EF4-FFF2-40B4-BE49-F238E27FC236}">
+                <a16:creationId xmlns:a16="http://schemas.microsoft.com/office/drawing/2014/main" id="{C5B54234-D2BA-47FE-80DC-BB53D83FCEF6}"/>
+              </a:ext>
+            </a:extLst>
+          </p:cNvPr>
+          <p:cNvCxnSpPr>
+            <a:cxnSpLocks/>
+            <a:stCxn id="47" idx="2"/>
+            <a:endCxn id="115" idx="0"/>
+          </p:cNvCxnSpPr>
+          <p:nvPr/>
+        </p:nvCxnSpPr>
+        <p:spPr>
+          <a:xfrm>
+            <a:off x="31994215" y="13448166"/>
+            <a:ext cx="0" cy="348151"/>
+          </a:xfrm>
+          <a:prstGeom prst="straightConnector1">
             <a:avLst/>
           </a:prstGeom>
           <a:ln w="28575">
-            <a:solidFill>
-              <a:srgbClr val="FF0000"/>
-            </a:solidFill>
+            <a:tailEnd type="arrow"/>
+          </a:ln>
+        </p:spPr>
+        <p:style>
+          <a:lnRef idx="1">
+            <a:schemeClr val="accent1"/>
+          </a:lnRef>
+          <a:fillRef idx="0">
+            <a:schemeClr val="accent1"/>
+          </a:fillRef>
+          <a:effectRef idx="0">
+            <a:schemeClr val="accent1"/>
+          </a:effectRef>
+          <a:fontRef idx="minor">
+            <a:schemeClr val="tx1"/>
+          </a:fontRef>
+        </p:style>
+      </p:cxnSp>
+      <p:cxnSp>
+        <p:nvCxnSpPr>
+          <p:cNvPr id="193" name="Соединительная линия уступом 175">
+            <a:extLst>
+              <a:ext uri="{FF2B5EF4-FFF2-40B4-BE49-F238E27FC236}">
+                <a16:creationId xmlns:a16="http://schemas.microsoft.com/office/drawing/2014/main" id="{8D09C9BF-66B2-46DE-AB93-A44355AD51C3}"/>
+              </a:ext>
+            </a:extLst>
+          </p:cNvPr>
+          <p:cNvCxnSpPr>
+            <a:cxnSpLocks/>
+            <a:stCxn id="111" idx="2"/>
+            <a:endCxn id="107" idx="0"/>
+          </p:cNvCxnSpPr>
+          <p:nvPr/>
+        </p:nvCxnSpPr>
+        <p:spPr>
+          <a:xfrm rot="5400000">
+            <a:off x="33048055" y="13824719"/>
+            <a:ext cx="331829" cy="2439507"/>
+          </a:xfrm>
+          <a:prstGeom prst="bentConnector3">
+            <a:avLst>
+              <a:gd name="adj1" fmla="val 50000"/>
+            </a:avLst>
+          </a:prstGeom>
+          <a:ln w="28575">
+            <a:tailEnd type="arrow"/>
+          </a:ln>
+        </p:spPr>
+        <p:style>
+          <a:lnRef idx="1">
+            <a:schemeClr val="accent1"/>
+          </a:lnRef>
+          <a:fillRef idx="0">
+            <a:schemeClr val="accent1"/>
+          </a:fillRef>
+          <a:effectRef idx="0">
+            <a:schemeClr val="accent1"/>
+          </a:effectRef>
+          <a:fontRef idx="minor">
+            <a:schemeClr val="tx1"/>
+          </a:fontRef>
+        </p:style>
+      </p:cxnSp>
+      <p:cxnSp>
+        <p:nvCxnSpPr>
+          <p:cNvPr id="194" name="Прямая со стрелкой 193">
+            <a:extLst>
+              <a:ext uri="{FF2B5EF4-FFF2-40B4-BE49-F238E27FC236}">
+                <a16:creationId xmlns:a16="http://schemas.microsoft.com/office/drawing/2014/main" id="{B71715EB-7CCA-4466-A3CA-883CB2098A7E}"/>
+              </a:ext>
+            </a:extLst>
+          </p:cNvPr>
+          <p:cNvCxnSpPr>
+            <a:cxnSpLocks/>
+            <a:stCxn id="113" idx="2"/>
+            <a:endCxn id="111" idx="0"/>
+          </p:cNvCxnSpPr>
+          <p:nvPr/>
+        </p:nvCxnSpPr>
+        <p:spPr>
+          <a:xfrm>
+            <a:off x="34433722" y="13448166"/>
+            <a:ext cx="0" cy="350392"/>
+          </a:xfrm>
+          <a:prstGeom prst="straightConnector1">
+            <a:avLst/>
+          </a:prstGeom>
+          <a:ln w="28575">
+            <a:tailEnd type="arrow"/>
+          </a:ln>
+        </p:spPr>
+        <p:style>
+          <a:lnRef idx="1">
+            <a:schemeClr val="accent1"/>
+          </a:lnRef>
+          <a:fillRef idx="0">
+            <a:schemeClr val="accent1"/>
+          </a:fillRef>
+          <a:effectRef idx="0">
+            <a:schemeClr val="accent1"/>
+          </a:effectRef>
+          <a:fontRef idx="minor">
+            <a:schemeClr val="tx1"/>
+          </a:fontRef>
+        </p:style>
+      </p:cxnSp>
+      <p:cxnSp>
+        <p:nvCxnSpPr>
+          <p:cNvPr id="195" name="Соединительная линия уступом 175">
+            <a:extLst>
+              <a:ext uri="{FF2B5EF4-FFF2-40B4-BE49-F238E27FC236}">
+                <a16:creationId xmlns:a16="http://schemas.microsoft.com/office/drawing/2014/main" id="{962D0293-33CE-4234-B28D-EE8984C231FA}"/>
+              </a:ext>
+            </a:extLst>
+          </p:cNvPr>
+          <p:cNvCxnSpPr>
+            <a:cxnSpLocks/>
+            <a:stCxn id="113" idx="2"/>
+            <a:endCxn id="132" idx="0"/>
+          </p:cNvCxnSpPr>
+          <p:nvPr/>
+        </p:nvCxnSpPr>
+        <p:spPr>
+          <a:xfrm rot="16200000" flipH="1">
+            <a:off x="35480666" y="12401221"/>
+            <a:ext cx="342326" cy="2436215"/>
+          </a:xfrm>
+          <a:prstGeom prst="bentConnector3">
+            <a:avLst>
+              <a:gd name="adj1" fmla="val 50000"/>
+            </a:avLst>
+          </a:prstGeom>
+          <a:ln w="28575">
+            <a:tailEnd type="arrow"/>
+          </a:ln>
+        </p:spPr>
+        <p:style>
+          <a:lnRef idx="1">
+            <a:schemeClr val="accent1"/>
+          </a:lnRef>
+          <a:fillRef idx="0">
+            <a:schemeClr val="accent1"/>
+          </a:fillRef>
+          <a:effectRef idx="0">
+            <a:schemeClr val="accent1"/>
+          </a:effectRef>
+          <a:fontRef idx="minor">
+            <a:schemeClr val="tx1"/>
+          </a:fontRef>
+        </p:style>
+      </p:cxnSp>
+      <p:cxnSp>
+        <p:nvCxnSpPr>
+          <p:cNvPr id="196" name="Прямая со стрелкой 195">
+            <a:extLst>
+              <a:ext uri="{FF2B5EF4-FFF2-40B4-BE49-F238E27FC236}">
+                <a16:creationId xmlns:a16="http://schemas.microsoft.com/office/drawing/2014/main" id="{5EFCC639-ED22-470D-8416-0BA6820714C0}"/>
+              </a:ext>
+            </a:extLst>
+          </p:cNvPr>
+          <p:cNvCxnSpPr>
+            <a:cxnSpLocks/>
+            <a:stCxn id="132" idx="2"/>
+            <a:endCxn id="101" idx="0"/>
+          </p:cNvCxnSpPr>
+          <p:nvPr/>
+        </p:nvCxnSpPr>
+        <p:spPr>
+          <a:xfrm>
+            <a:off x="36869937" y="14870492"/>
+            <a:ext cx="0" cy="349188"/>
+          </a:xfrm>
+          <a:prstGeom prst="straightConnector1">
+            <a:avLst/>
+          </a:prstGeom>
+          <a:ln w="28575">
+            <a:tailEnd type="arrow"/>
+          </a:ln>
+        </p:spPr>
+        <p:style>
+          <a:lnRef idx="1">
+            <a:schemeClr val="accent1"/>
+          </a:lnRef>
+          <a:fillRef idx="0">
+            <a:schemeClr val="accent1"/>
+          </a:fillRef>
+          <a:effectRef idx="0">
+            <a:schemeClr val="accent1"/>
+          </a:effectRef>
+          <a:fontRef idx="minor">
+            <a:schemeClr val="tx1"/>
+          </a:fontRef>
+        </p:style>
+      </p:cxnSp>
+      <p:cxnSp>
+        <p:nvCxnSpPr>
+          <p:cNvPr id="197" name="Прямая со стрелкой 196">
+            <a:extLst>
+              <a:ext uri="{FF2B5EF4-FFF2-40B4-BE49-F238E27FC236}">
+                <a16:creationId xmlns:a16="http://schemas.microsoft.com/office/drawing/2014/main" id="{082AC64B-C5AA-4EFF-B24A-59F8FA6DB71C}"/>
+              </a:ext>
+            </a:extLst>
+          </p:cNvPr>
+          <p:cNvCxnSpPr>
+            <a:cxnSpLocks/>
+            <a:stCxn id="111" idx="2"/>
+            <a:endCxn id="112" idx="0"/>
+          </p:cNvCxnSpPr>
+          <p:nvPr/>
+        </p:nvCxnSpPr>
+        <p:spPr>
+          <a:xfrm>
+            <a:off x="34433722" y="14878558"/>
+            <a:ext cx="0" cy="328874"/>
+          </a:xfrm>
+          <a:prstGeom prst="straightConnector1">
+            <a:avLst/>
+          </a:prstGeom>
+          <a:ln w="28575">
+            <a:tailEnd type="arrow"/>
+          </a:ln>
+        </p:spPr>
+        <p:style>
+          <a:lnRef idx="1">
+            <a:schemeClr val="accent1"/>
+          </a:lnRef>
+          <a:fillRef idx="0">
+            <a:schemeClr val="accent1"/>
+          </a:fillRef>
+          <a:effectRef idx="0">
+            <a:schemeClr val="accent1"/>
+          </a:effectRef>
+          <a:fontRef idx="minor">
+            <a:schemeClr val="tx1"/>
+          </a:fontRef>
+        </p:style>
+      </p:cxnSp>
+      <p:cxnSp>
+        <p:nvCxnSpPr>
+          <p:cNvPr id="198" name="Прямая со стрелкой 197">
+            <a:extLst>
+              <a:ext uri="{FF2B5EF4-FFF2-40B4-BE49-F238E27FC236}">
+                <a16:creationId xmlns:a16="http://schemas.microsoft.com/office/drawing/2014/main" id="{E4A7A246-F7EF-4790-A35B-513A579A61A5}"/>
+              </a:ext>
+            </a:extLst>
+          </p:cNvPr>
+          <p:cNvCxnSpPr>
+            <a:cxnSpLocks/>
+            <a:stCxn id="100" idx="2"/>
+            <a:endCxn id="113" idx="0"/>
+          </p:cNvCxnSpPr>
+          <p:nvPr/>
+        </p:nvCxnSpPr>
+        <p:spPr>
+          <a:xfrm>
+            <a:off x="34433721" y="11940333"/>
+            <a:ext cx="1" cy="427833"/>
+          </a:xfrm>
+          <a:prstGeom prst="straightConnector1">
+            <a:avLst/>
+          </a:prstGeom>
+          <a:ln w="28575">
+            <a:tailEnd type="arrow"/>
+          </a:ln>
+        </p:spPr>
+        <p:style>
+          <a:lnRef idx="1">
+            <a:schemeClr val="accent1"/>
+          </a:lnRef>
+          <a:fillRef idx="0">
+            <a:schemeClr val="accent1"/>
+          </a:fillRef>
+          <a:effectRef idx="0">
+            <a:schemeClr val="accent1"/>
+          </a:effectRef>
+          <a:fontRef idx="minor">
+            <a:schemeClr val="tx1"/>
+          </a:fontRef>
+        </p:style>
+      </p:cxnSp>
+      <p:cxnSp>
+        <p:nvCxnSpPr>
+          <p:cNvPr id="199" name="Соединительная линия уступом 175">
+            <a:extLst>
+              <a:ext uri="{FF2B5EF4-FFF2-40B4-BE49-F238E27FC236}">
+                <a16:creationId xmlns:a16="http://schemas.microsoft.com/office/drawing/2014/main" id="{2D2DDFCB-B571-4E4D-81E1-DBE0064AF235}"/>
+              </a:ext>
+            </a:extLst>
+          </p:cNvPr>
+          <p:cNvCxnSpPr>
+            <a:cxnSpLocks/>
+            <a:stCxn id="100" idx="2"/>
+            <a:endCxn id="47" idx="0"/>
+          </p:cNvCxnSpPr>
+          <p:nvPr/>
+        </p:nvCxnSpPr>
+        <p:spPr>
+          <a:xfrm rot="5400000">
+            <a:off x="33000052" y="10934496"/>
+            <a:ext cx="427833" cy="2439506"/>
+          </a:xfrm>
+          <a:prstGeom prst="bentConnector3">
+            <a:avLst>
+              <a:gd name="adj1" fmla="val 50000"/>
+            </a:avLst>
+          </a:prstGeom>
+          <a:ln w="28575">
+            <a:tailEnd type="arrow"/>
+          </a:ln>
+        </p:spPr>
+        <p:style>
+          <a:lnRef idx="1">
+            <a:schemeClr val="accent1"/>
+          </a:lnRef>
+          <a:fillRef idx="0">
+            <a:schemeClr val="accent1"/>
+          </a:fillRef>
+          <a:effectRef idx="0">
+            <a:schemeClr val="accent1"/>
+          </a:effectRef>
+          <a:fontRef idx="minor">
+            <a:schemeClr val="tx1"/>
+          </a:fontRef>
+        </p:style>
+      </p:cxnSp>
+      <p:cxnSp>
+        <p:nvCxnSpPr>
+          <p:cNvPr id="200" name="Соединительная линия уступом 175">
+            <a:extLst>
+              <a:ext uri="{FF2B5EF4-FFF2-40B4-BE49-F238E27FC236}">
+                <a16:creationId xmlns:a16="http://schemas.microsoft.com/office/drawing/2014/main" id="{FE00F0FE-E4EF-4A2A-8C2D-7202EFCE999F}"/>
+              </a:ext>
+            </a:extLst>
+          </p:cNvPr>
+          <p:cNvCxnSpPr>
+            <a:cxnSpLocks/>
+            <a:stCxn id="100" idx="2"/>
+            <a:endCxn id="141" idx="0"/>
+          </p:cNvCxnSpPr>
+          <p:nvPr/>
+        </p:nvCxnSpPr>
+        <p:spPr>
+          <a:xfrm rot="16200000" flipH="1">
+            <a:off x="35460390" y="10913664"/>
+            <a:ext cx="421008" cy="2474346"/>
+          </a:xfrm>
+          <a:prstGeom prst="bentConnector3">
+            <a:avLst>
+              <a:gd name="adj1" fmla="val 50000"/>
+            </a:avLst>
+          </a:prstGeom>
+          <a:ln w="28575">
+            <a:tailEnd type="arrow"/>
+          </a:ln>
+        </p:spPr>
+        <p:style>
+          <a:lnRef idx="1">
+            <a:schemeClr val="accent1"/>
+          </a:lnRef>
+          <a:fillRef idx="0">
+            <a:schemeClr val="accent1"/>
+          </a:fillRef>
+          <a:effectRef idx="0">
+            <a:schemeClr val="accent1"/>
+          </a:effectRef>
+          <a:fontRef idx="minor">
+            <a:schemeClr val="tx1"/>
+          </a:fontRef>
+        </p:style>
+      </p:cxnSp>
+      <p:cxnSp>
+        <p:nvCxnSpPr>
+          <p:cNvPr id="202" name="Соединительная линия уступом 175">
+            <a:extLst>
+              <a:ext uri="{FF2B5EF4-FFF2-40B4-BE49-F238E27FC236}">
+                <a16:creationId xmlns:a16="http://schemas.microsoft.com/office/drawing/2014/main" id="{F415FF90-187C-4268-B601-EF2D6AC5D6A7}"/>
+              </a:ext>
+            </a:extLst>
+          </p:cNvPr>
+          <p:cNvCxnSpPr>
+            <a:cxnSpLocks/>
+            <a:stCxn id="100" idx="2"/>
+            <a:endCxn id="165" idx="0"/>
+          </p:cNvCxnSpPr>
+          <p:nvPr/>
+        </p:nvCxnSpPr>
+        <p:spPr>
+          <a:xfrm rot="5400000">
+            <a:off x="31444363" y="13737665"/>
+            <a:ext cx="4786690" cy="1192027"/>
+          </a:xfrm>
+          <a:prstGeom prst="bentConnector3">
+            <a:avLst>
+              <a:gd name="adj1" fmla="val 4464"/>
+            </a:avLst>
+          </a:prstGeom>
+          <a:ln w="28575">
+            <a:tailEnd type="arrow"/>
+          </a:ln>
+        </p:spPr>
+        <p:style>
+          <a:lnRef idx="1">
+            <a:schemeClr val="accent1"/>
+          </a:lnRef>
+          <a:fillRef idx="0">
+            <a:schemeClr val="accent1"/>
+          </a:fillRef>
+          <a:effectRef idx="0">
+            <a:schemeClr val="accent1"/>
+          </a:effectRef>
+          <a:fontRef idx="minor">
+            <a:schemeClr val="tx1"/>
+          </a:fontRef>
+        </p:style>
+      </p:cxnSp>
+      <p:cxnSp>
+        <p:nvCxnSpPr>
+          <p:cNvPr id="203" name="Соединительная линия уступом 175">
+            <a:extLst>
+              <a:ext uri="{FF2B5EF4-FFF2-40B4-BE49-F238E27FC236}">
+                <a16:creationId xmlns:a16="http://schemas.microsoft.com/office/drawing/2014/main" id="{0CD8030A-096E-4599-85F3-D392F82380E8}"/>
+              </a:ext>
+            </a:extLst>
+          </p:cNvPr>
+          <p:cNvCxnSpPr>
+            <a:cxnSpLocks/>
+            <a:stCxn id="100" idx="2"/>
+            <a:endCxn id="171" idx="0"/>
+          </p:cNvCxnSpPr>
+          <p:nvPr/>
+        </p:nvCxnSpPr>
+        <p:spPr>
+          <a:xfrm rot="16200000" flipH="1">
+            <a:off x="32665591" y="13708462"/>
+            <a:ext cx="4785763" cy="1249503"/>
+          </a:xfrm>
+          <a:prstGeom prst="bentConnector3">
+            <a:avLst>
+              <a:gd name="adj1" fmla="val 4455"/>
+            </a:avLst>
+          </a:prstGeom>
+          <a:ln w="28575">
+            <a:tailEnd type="arrow"/>
+          </a:ln>
+        </p:spPr>
+        <p:style>
+          <a:lnRef idx="1">
+            <a:schemeClr val="accent1"/>
+          </a:lnRef>
+          <a:fillRef idx="0">
+            <a:schemeClr val="accent1"/>
+          </a:fillRef>
+          <a:effectRef idx="0">
+            <a:schemeClr val="accent1"/>
+          </a:effectRef>
+          <a:fontRef idx="minor">
+            <a:schemeClr val="tx1"/>
+          </a:fontRef>
+        </p:style>
+      </p:cxnSp>
+      <p:cxnSp>
+        <p:nvCxnSpPr>
+          <p:cNvPr id="205" name="Соединительная линия уступом 175">
+            <a:extLst>
+              <a:ext uri="{FF2B5EF4-FFF2-40B4-BE49-F238E27FC236}">
+                <a16:creationId xmlns:a16="http://schemas.microsoft.com/office/drawing/2014/main" id="{8F64074F-3A63-40CD-87E3-FDF077A26359}"/>
+              </a:ext>
+            </a:extLst>
+          </p:cNvPr>
+          <p:cNvCxnSpPr>
+            <a:cxnSpLocks/>
+            <a:stCxn id="100" idx="2"/>
+            <a:endCxn id="181" idx="0"/>
+          </p:cNvCxnSpPr>
+          <p:nvPr/>
+        </p:nvCxnSpPr>
+        <p:spPr>
+          <a:xfrm rot="16200000" flipH="1">
+            <a:off x="33871505" y="12502549"/>
+            <a:ext cx="4784070" cy="3659638"/>
+          </a:xfrm>
+          <a:prstGeom prst="bentConnector3">
+            <a:avLst>
+              <a:gd name="adj1" fmla="val 4439"/>
+            </a:avLst>
+          </a:prstGeom>
+          <a:ln w="28575">
+            <a:tailEnd type="arrow"/>
+          </a:ln>
+        </p:spPr>
+        <p:style>
+          <a:lnRef idx="1">
+            <a:schemeClr val="accent1"/>
+          </a:lnRef>
+          <a:fillRef idx="0">
+            <a:schemeClr val="accent1"/>
+          </a:fillRef>
+          <a:effectRef idx="0">
+            <a:schemeClr val="accent1"/>
+          </a:effectRef>
+          <a:fontRef idx="minor">
+            <a:schemeClr val="tx1"/>
+          </a:fontRef>
+        </p:style>
+      </p:cxnSp>
+      <p:cxnSp>
+        <p:nvCxnSpPr>
+          <p:cNvPr id="206" name="Соединительная линия уступом 175">
+            <a:extLst>
+              <a:ext uri="{FF2B5EF4-FFF2-40B4-BE49-F238E27FC236}">
+                <a16:creationId xmlns:a16="http://schemas.microsoft.com/office/drawing/2014/main" id="{DF2A2191-45FA-48F6-B831-47BE8D196E3E}"/>
+              </a:ext>
+            </a:extLst>
+          </p:cNvPr>
+          <p:cNvCxnSpPr>
+            <a:cxnSpLocks/>
+            <a:stCxn id="181" idx="2"/>
+            <a:endCxn id="159" idx="0"/>
+          </p:cNvCxnSpPr>
+          <p:nvPr/>
+        </p:nvCxnSpPr>
+        <p:spPr>
+          <a:xfrm rot="5400000">
+            <a:off x="37330960" y="17381510"/>
+            <a:ext cx="339507" cy="1185292"/>
+          </a:xfrm>
+          <a:prstGeom prst="bentConnector3">
+            <a:avLst>
+              <a:gd name="adj1" fmla="val 50000"/>
+            </a:avLst>
+          </a:prstGeom>
+          <a:ln w="28575">
+            <a:tailEnd type="arrow"/>
+          </a:ln>
+        </p:spPr>
+        <p:style>
+          <a:lnRef idx="1">
+            <a:schemeClr val="accent1"/>
+          </a:lnRef>
+          <a:fillRef idx="0">
+            <a:schemeClr val="accent1"/>
+          </a:fillRef>
+          <a:effectRef idx="0">
+            <a:schemeClr val="accent1"/>
+          </a:effectRef>
+          <a:fontRef idx="minor">
+            <a:schemeClr val="tx1"/>
+          </a:fontRef>
+        </p:style>
+      </p:cxnSp>
+      <p:cxnSp>
+        <p:nvCxnSpPr>
+          <p:cNvPr id="207" name="Соединительная линия уступом 175">
+            <a:extLst>
+              <a:ext uri="{FF2B5EF4-FFF2-40B4-BE49-F238E27FC236}">
+                <a16:creationId xmlns:a16="http://schemas.microsoft.com/office/drawing/2014/main" id="{35726147-DC60-4D70-B02E-C01B21A69715}"/>
+              </a:ext>
+            </a:extLst>
+          </p:cNvPr>
+          <p:cNvCxnSpPr>
+            <a:cxnSpLocks/>
+            <a:stCxn id="171" idx="2"/>
+            <a:endCxn id="159" idx="0"/>
+          </p:cNvCxnSpPr>
+          <p:nvPr/>
+        </p:nvCxnSpPr>
+        <p:spPr>
+          <a:xfrm rot="16200000" flipH="1">
+            <a:off x="36126738" y="17362581"/>
+            <a:ext cx="337814" cy="1224843"/>
+          </a:xfrm>
+          <a:prstGeom prst="bentConnector3">
+            <a:avLst>
+              <a:gd name="adj1" fmla="val 50000"/>
+            </a:avLst>
+          </a:prstGeom>
+          <a:ln w="28575">
+            <a:tailEnd type="arrow"/>
+          </a:ln>
+        </p:spPr>
+        <p:style>
+          <a:lnRef idx="1">
+            <a:schemeClr val="accent1"/>
+          </a:lnRef>
+          <a:fillRef idx="0">
+            <a:schemeClr val="accent1"/>
+          </a:fillRef>
+          <a:effectRef idx="0">
+            <a:schemeClr val="accent1"/>
+          </a:effectRef>
+          <a:fontRef idx="minor">
+            <a:schemeClr val="tx1"/>
+          </a:fontRef>
+        </p:style>
+      </p:cxnSp>
+      <p:cxnSp>
+        <p:nvCxnSpPr>
+          <p:cNvPr id="209" name="Соединительная линия уступом 175">
+            <a:extLst>
+              <a:ext uri="{FF2B5EF4-FFF2-40B4-BE49-F238E27FC236}">
+                <a16:creationId xmlns:a16="http://schemas.microsoft.com/office/drawing/2014/main" id="{4C7CA055-2024-4B84-BC09-8B3312C29ED4}"/>
+              </a:ext>
+            </a:extLst>
+          </p:cNvPr>
+          <p:cNvCxnSpPr>
+            <a:cxnSpLocks/>
+            <a:stCxn id="171" idx="2"/>
+            <a:endCxn id="167" idx="0"/>
+          </p:cNvCxnSpPr>
+          <p:nvPr/>
+        </p:nvCxnSpPr>
+        <p:spPr>
+          <a:xfrm rot="5400000">
+            <a:off x="34887231" y="17352587"/>
+            <a:ext cx="342485" cy="1249502"/>
+          </a:xfrm>
+          <a:prstGeom prst="bentConnector3">
+            <a:avLst>
+              <a:gd name="adj1" fmla="val 50000"/>
+            </a:avLst>
+          </a:prstGeom>
+          <a:ln w="28575">
+            <a:tailEnd type="arrow"/>
+          </a:ln>
+        </p:spPr>
+        <p:style>
+          <a:lnRef idx="1">
+            <a:schemeClr val="accent1"/>
+          </a:lnRef>
+          <a:fillRef idx="0">
+            <a:schemeClr val="accent1"/>
+          </a:fillRef>
+          <a:effectRef idx="0">
+            <a:schemeClr val="accent1"/>
+          </a:effectRef>
+          <a:fontRef idx="minor">
+            <a:schemeClr val="tx1"/>
+          </a:fontRef>
+        </p:style>
+      </p:cxnSp>
+      <p:cxnSp>
+        <p:nvCxnSpPr>
+          <p:cNvPr id="212" name="Прямая со стрелкой 211">
+            <a:extLst>
+              <a:ext uri="{FF2B5EF4-FFF2-40B4-BE49-F238E27FC236}">
+                <a16:creationId xmlns:a16="http://schemas.microsoft.com/office/drawing/2014/main" id="{AD8247C2-DD53-4340-9C44-268E3487703F}"/>
+              </a:ext>
+            </a:extLst>
+          </p:cNvPr>
+          <p:cNvCxnSpPr>
+            <a:cxnSpLocks/>
+            <a:stCxn id="171" idx="2"/>
+            <a:endCxn id="119" idx="0"/>
+          </p:cNvCxnSpPr>
+          <p:nvPr/>
+        </p:nvCxnSpPr>
+        <p:spPr>
+          <a:xfrm>
+            <a:off x="35683224" y="17806096"/>
+            <a:ext cx="0" cy="1857841"/>
+          </a:xfrm>
+          <a:prstGeom prst="straightConnector1">
+            <a:avLst/>
+          </a:prstGeom>
+          <a:ln w="28575">
+            <a:tailEnd type="arrow"/>
+          </a:ln>
+        </p:spPr>
+        <p:style>
+          <a:lnRef idx="1">
+            <a:schemeClr val="accent1"/>
+          </a:lnRef>
+          <a:fillRef idx="0">
+            <a:schemeClr val="accent1"/>
+          </a:fillRef>
+          <a:effectRef idx="0">
+            <a:schemeClr val="accent1"/>
+          </a:effectRef>
+          <a:fontRef idx="minor">
+            <a:schemeClr val="tx1"/>
+          </a:fontRef>
+        </p:style>
+      </p:cxnSp>
+      <p:cxnSp>
+        <p:nvCxnSpPr>
+          <p:cNvPr id="213" name="Соединительная линия уступом 175">
+            <a:extLst>
+              <a:ext uri="{FF2B5EF4-FFF2-40B4-BE49-F238E27FC236}">
+                <a16:creationId xmlns:a16="http://schemas.microsoft.com/office/drawing/2014/main" id="{5A900795-40CE-49A8-88FD-4F629DF6587B}"/>
+              </a:ext>
+            </a:extLst>
+          </p:cNvPr>
+          <p:cNvCxnSpPr>
+            <a:cxnSpLocks/>
+            <a:stCxn id="126" idx="2"/>
+            <a:endCxn id="188" idx="0"/>
+          </p:cNvCxnSpPr>
+          <p:nvPr/>
+        </p:nvCxnSpPr>
+        <p:spPr>
+          <a:xfrm rot="5400000">
+            <a:off x="14427833" y="9671736"/>
+            <a:ext cx="436630" cy="4973824"/>
+          </a:xfrm>
+          <a:prstGeom prst="bentConnector3">
+            <a:avLst>
+              <a:gd name="adj1" fmla="val 50000"/>
+            </a:avLst>
+          </a:prstGeom>
+          <a:ln w="28575">
+            <a:tailEnd type="arrow"/>
           </a:ln>
         </p:spPr>
         <p:style>

--- a/Наработки/диздоки/Нидерланды/Нидерланды.pptx
+++ b/Наработки/диздоки/Нидерланды/Нидерланды.pptx
@@ -209,7 +209,7 @@
             <a:fld id="{33E3D7F9-E251-484C-A6FF-FA958879DF69}" type="datetimeFigureOut">
               <a:rPr lang="ru-RU" smtClean="0"/>
               <a:pPr/>
-              <a:t>01.04.2022</a:t>
+              <a:t>03.04.2022</a:t>
             </a:fld>
             <a:endParaRPr lang="ru-RU"/>
           </a:p>
@@ -699,7 +699,7 @@
             <a:fld id="{85A5DE44-605B-4D3B-B2B7-94543DF81A36}" type="datetimeFigureOut">
               <a:rPr lang="ru-RU" smtClean="0"/>
               <a:pPr/>
-              <a:t>01.04.2022</a:t>
+              <a:t>03.04.2022</a:t>
             </a:fld>
             <a:endParaRPr lang="ru-RU"/>
           </a:p>
@@ -871,7 +871,7 @@
             <a:fld id="{85A5DE44-605B-4D3B-B2B7-94543DF81A36}" type="datetimeFigureOut">
               <a:rPr lang="ru-RU" smtClean="0"/>
               <a:pPr/>
-              <a:t>01.04.2022</a:t>
+              <a:t>03.04.2022</a:t>
             </a:fld>
             <a:endParaRPr lang="ru-RU"/>
           </a:p>
@@ -1053,7 +1053,7 @@
             <a:fld id="{85A5DE44-605B-4D3B-B2B7-94543DF81A36}" type="datetimeFigureOut">
               <a:rPr lang="ru-RU" smtClean="0"/>
               <a:pPr/>
-              <a:t>01.04.2022</a:t>
+              <a:t>03.04.2022</a:t>
             </a:fld>
             <a:endParaRPr lang="ru-RU"/>
           </a:p>
@@ -1225,7 +1225,7 @@
             <a:fld id="{85A5DE44-605B-4D3B-B2B7-94543DF81A36}" type="datetimeFigureOut">
               <a:rPr lang="ru-RU" smtClean="0"/>
               <a:pPr/>
-              <a:t>01.04.2022</a:t>
+              <a:t>03.04.2022</a:t>
             </a:fld>
             <a:endParaRPr lang="ru-RU"/>
           </a:p>
@@ -1473,7 +1473,7 @@
             <a:fld id="{85A5DE44-605B-4D3B-B2B7-94543DF81A36}" type="datetimeFigureOut">
               <a:rPr lang="ru-RU" smtClean="0"/>
               <a:pPr/>
-              <a:t>01.04.2022</a:t>
+              <a:t>03.04.2022</a:t>
             </a:fld>
             <a:endParaRPr lang="ru-RU"/>
           </a:p>
@@ -1707,7 +1707,7 @@
             <a:fld id="{85A5DE44-605B-4D3B-B2B7-94543DF81A36}" type="datetimeFigureOut">
               <a:rPr lang="ru-RU" smtClean="0"/>
               <a:pPr/>
-              <a:t>01.04.2022</a:t>
+              <a:t>03.04.2022</a:t>
             </a:fld>
             <a:endParaRPr lang="ru-RU"/>
           </a:p>
@@ -2076,7 +2076,7 @@
             <a:fld id="{85A5DE44-605B-4D3B-B2B7-94543DF81A36}" type="datetimeFigureOut">
               <a:rPr lang="ru-RU" smtClean="0"/>
               <a:pPr/>
-              <a:t>01.04.2022</a:t>
+              <a:t>03.04.2022</a:t>
             </a:fld>
             <a:endParaRPr lang="ru-RU"/>
           </a:p>
@@ -2196,7 +2196,7 @@
             <a:fld id="{85A5DE44-605B-4D3B-B2B7-94543DF81A36}" type="datetimeFigureOut">
               <a:rPr lang="ru-RU" smtClean="0"/>
               <a:pPr/>
-              <a:t>01.04.2022</a:t>
+              <a:t>03.04.2022</a:t>
             </a:fld>
             <a:endParaRPr lang="ru-RU"/>
           </a:p>
@@ -2293,7 +2293,7 @@
             <a:fld id="{85A5DE44-605B-4D3B-B2B7-94543DF81A36}" type="datetimeFigureOut">
               <a:rPr lang="ru-RU" smtClean="0"/>
               <a:pPr/>
-              <a:t>01.04.2022</a:t>
+              <a:t>03.04.2022</a:t>
             </a:fld>
             <a:endParaRPr lang="ru-RU"/>
           </a:p>
@@ -2572,7 +2572,7 @@
             <a:fld id="{85A5DE44-605B-4D3B-B2B7-94543DF81A36}" type="datetimeFigureOut">
               <a:rPr lang="ru-RU" smtClean="0"/>
               <a:pPr/>
-              <a:t>01.04.2022</a:t>
+              <a:t>03.04.2022</a:t>
             </a:fld>
             <a:endParaRPr lang="ru-RU"/>
           </a:p>
@@ -2831,7 +2831,7 @@
             <a:fld id="{85A5DE44-605B-4D3B-B2B7-94543DF81A36}" type="datetimeFigureOut">
               <a:rPr lang="ru-RU" smtClean="0"/>
               <a:pPr/>
-              <a:t>01.04.2022</a:t>
+              <a:t>03.04.2022</a:t>
             </a:fld>
             <a:endParaRPr lang="ru-RU"/>
           </a:p>
@@ -3046,7 +3046,7 @@
             <a:fld id="{85A5DE44-605B-4D3B-B2B7-94543DF81A36}" type="datetimeFigureOut">
               <a:rPr lang="ru-RU" smtClean="0"/>
               <a:pPr/>
-              <a:t>01.04.2022</a:t>
+              <a:t>03.04.2022</a:t>
             </a:fld>
             <a:endParaRPr lang="ru-RU"/>
           </a:p>
@@ -5154,7 +5154,7 @@
             <a:pPr algn="ctr"/>
             <a:r>
               <a:rPr lang="ru-RU" sz="1400" dirty="0"/>
-              <a:t>Международный революционный марксистский центр </a:t>
+              <a:t>Международного бюро революционного социалистического единства </a:t>
             </a:r>
             <a:r>
               <a:rPr lang="ru-RU" sz="400" dirty="0"/>
@@ -13506,6 +13506,319 @@
           </a:fontRef>
         </p:style>
       </p:cxnSp>
+      <p:sp>
+        <p:nvSpPr>
+          <p:cNvPr id="173" name="Прямоугольник 172">
+            <a:extLst>
+              <a:ext uri="{FF2B5EF4-FFF2-40B4-BE49-F238E27FC236}">
+                <a16:creationId xmlns:a16="http://schemas.microsoft.com/office/drawing/2014/main" id="{EFF0095C-5C12-43DF-B013-3D165460711F}"/>
+              </a:ext>
+            </a:extLst>
+          </p:cNvPr>
+          <p:cNvSpPr/>
+          <p:nvPr/>
+        </p:nvSpPr>
+        <p:spPr>
+          <a:xfrm>
+            <a:off x="16075097" y="18143910"/>
+            <a:ext cx="2115918" cy="1080000"/>
+          </a:xfrm>
+          <a:prstGeom prst="rect">
+            <a:avLst/>
+          </a:prstGeom>
+          <a:solidFill>
+            <a:srgbClr val="FFC000"/>
+          </a:solidFill>
+          <a:ln w="28575"/>
+        </p:spPr>
+        <p:style>
+          <a:lnRef idx="2">
+            <a:schemeClr val="accent1"/>
+          </a:lnRef>
+          <a:fillRef idx="1">
+            <a:schemeClr val="lt1"/>
+          </a:fillRef>
+          <a:effectRef idx="0">
+            <a:schemeClr val="accent1"/>
+          </a:effectRef>
+          <a:fontRef idx="minor">
+            <a:schemeClr val="dk1"/>
+          </a:fontRef>
+        </p:style>
+        <p:txBody>
+          <a:bodyPr lIns="124733" tIns="62367" rIns="124733" bIns="62367" rtlCol="0" anchor="ctr"/>
+          <a:lstStyle/>
+          <a:p>
+            <a:pPr algn="ctr"/>
+            <a:r>
+              <a:rPr lang="ru-RU" sz="1400" dirty="0"/>
+              <a:t>Плотное сотрудничество с </a:t>
+            </a:r>
+            <a:r>
+              <a:rPr lang="en-US" sz="1400" dirty="0"/>
+              <a:t>POUM</a:t>
+            </a:r>
+            <a:r>
+              <a:rPr lang="ru-RU" sz="1400" dirty="0"/>
+              <a:t> (союз с Испанией)</a:t>
+            </a:r>
+          </a:p>
+        </p:txBody>
+      </p:sp>
+      <p:sp>
+        <p:nvSpPr>
+          <p:cNvPr id="176" name="Прямоугольник 175">
+            <a:extLst>
+              <a:ext uri="{FF2B5EF4-FFF2-40B4-BE49-F238E27FC236}">
+                <a16:creationId xmlns:a16="http://schemas.microsoft.com/office/drawing/2014/main" id="{51FE9903-C81C-48D0-9AB8-A7C3AC542B91}"/>
+              </a:ext>
+            </a:extLst>
+          </p:cNvPr>
+          <p:cNvSpPr/>
+          <p:nvPr/>
+        </p:nvSpPr>
+        <p:spPr>
+          <a:xfrm>
+            <a:off x="13595289" y="18143910"/>
+            <a:ext cx="2115918" cy="1080000"/>
+          </a:xfrm>
+          <a:prstGeom prst="rect">
+            <a:avLst/>
+          </a:prstGeom>
+          <a:solidFill>
+            <a:srgbClr val="FFC000"/>
+          </a:solidFill>
+          <a:ln w="28575"/>
+        </p:spPr>
+        <p:style>
+          <a:lnRef idx="2">
+            <a:schemeClr val="accent1"/>
+          </a:lnRef>
+          <a:fillRef idx="1">
+            <a:schemeClr val="lt1"/>
+          </a:fillRef>
+          <a:effectRef idx="0">
+            <a:schemeClr val="accent1"/>
+          </a:effectRef>
+          <a:fontRef idx="minor">
+            <a:schemeClr val="dk1"/>
+          </a:fontRef>
+        </p:style>
+        <p:txBody>
+          <a:bodyPr lIns="124733" tIns="62367" rIns="124733" bIns="62367" rtlCol="0" anchor="ctr"/>
+          <a:lstStyle/>
+          <a:p>
+            <a:pPr algn="ctr"/>
+            <a:r>
+              <a:rPr lang="ru-RU" sz="1400" dirty="0"/>
+              <a:t>Плотное сотрудничество с Британскими лейбористами (союз с ВБ)</a:t>
+            </a:r>
+          </a:p>
+        </p:txBody>
+      </p:sp>
+      <p:cxnSp>
+        <p:nvCxnSpPr>
+          <p:cNvPr id="214" name="Соединительная линия уступом 175">
+            <a:extLst>
+              <a:ext uri="{FF2B5EF4-FFF2-40B4-BE49-F238E27FC236}">
+                <a16:creationId xmlns:a16="http://schemas.microsoft.com/office/drawing/2014/main" id="{2BE99D97-470B-4813-A666-DEA258BD2B51}"/>
+              </a:ext>
+            </a:extLst>
+          </p:cNvPr>
+          <p:cNvCxnSpPr>
+            <a:cxnSpLocks/>
+            <a:stCxn id="40" idx="2"/>
+            <a:endCxn id="176" idx="0"/>
+          </p:cNvCxnSpPr>
+          <p:nvPr/>
+        </p:nvCxnSpPr>
+        <p:spPr>
+          <a:xfrm rot="5400000">
+            <a:off x="15724709" y="16735562"/>
+            <a:ext cx="336887" cy="2479808"/>
+          </a:xfrm>
+          <a:prstGeom prst="bentConnector3">
+            <a:avLst>
+              <a:gd name="adj1" fmla="val 50000"/>
+            </a:avLst>
+          </a:prstGeom>
+          <a:ln w="28575">
+            <a:tailEnd type="arrow"/>
+          </a:ln>
+        </p:spPr>
+        <p:style>
+          <a:lnRef idx="1">
+            <a:schemeClr val="accent1"/>
+          </a:lnRef>
+          <a:fillRef idx="0">
+            <a:schemeClr val="accent1"/>
+          </a:fillRef>
+          <a:effectRef idx="0">
+            <a:schemeClr val="accent1"/>
+          </a:effectRef>
+          <a:fontRef idx="minor">
+            <a:schemeClr val="tx1"/>
+          </a:fontRef>
+        </p:style>
+      </p:cxnSp>
+      <p:cxnSp>
+        <p:nvCxnSpPr>
+          <p:cNvPr id="216" name="Прямая со стрелкой 215">
+            <a:extLst>
+              <a:ext uri="{FF2B5EF4-FFF2-40B4-BE49-F238E27FC236}">
+                <a16:creationId xmlns:a16="http://schemas.microsoft.com/office/drawing/2014/main" id="{809AD7A9-1197-4E60-9BDA-8DBDE4B75DB9}"/>
+              </a:ext>
+            </a:extLst>
+          </p:cNvPr>
+          <p:cNvCxnSpPr>
+            <a:cxnSpLocks/>
+            <a:stCxn id="40" idx="2"/>
+            <a:endCxn id="173" idx="0"/>
+          </p:cNvCxnSpPr>
+          <p:nvPr/>
+        </p:nvCxnSpPr>
+        <p:spPr>
+          <a:xfrm>
+            <a:off x="17133056" y="17807023"/>
+            <a:ext cx="0" cy="336887"/>
+          </a:xfrm>
+          <a:prstGeom prst="straightConnector1">
+            <a:avLst/>
+          </a:prstGeom>
+          <a:ln w="28575">
+            <a:tailEnd type="arrow"/>
+          </a:ln>
+        </p:spPr>
+        <p:style>
+          <a:lnRef idx="1">
+            <a:schemeClr val="accent1"/>
+          </a:lnRef>
+          <a:fillRef idx="0">
+            <a:schemeClr val="accent1"/>
+          </a:fillRef>
+          <a:effectRef idx="0">
+            <a:schemeClr val="accent1"/>
+          </a:effectRef>
+          <a:fontRef idx="minor">
+            <a:schemeClr val="tx1"/>
+          </a:fontRef>
+        </p:style>
+      </p:cxnSp>
+      <p:sp>
+        <p:nvSpPr>
+          <p:cNvPr id="217" name="Прямоугольник 216">
+            <a:extLst>
+              <a:ext uri="{FF2B5EF4-FFF2-40B4-BE49-F238E27FC236}">
+                <a16:creationId xmlns:a16="http://schemas.microsoft.com/office/drawing/2014/main" id="{E50D9AB9-B9A6-45C0-922A-43AB35AEB09C}"/>
+              </a:ext>
+            </a:extLst>
+          </p:cNvPr>
+          <p:cNvSpPr/>
+          <p:nvPr/>
+        </p:nvSpPr>
+        <p:spPr>
+          <a:xfrm>
+            <a:off x="17404218" y="19671570"/>
+            <a:ext cx="2115918" cy="1080000"/>
+          </a:xfrm>
+          <a:prstGeom prst="rect">
+            <a:avLst/>
+          </a:prstGeom>
+          <a:solidFill>
+            <a:srgbClr val="FFC000"/>
+          </a:solidFill>
+          <a:ln w="28575"/>
+        </p:spPr>
+        <p:style>
+          <a:lnRef idx="2">
+            <a:schemeClr val="accent1"/>
+          </a:lnRef>
+          <a:fillRef idx="1">
+            <a:schemeClr val="lt1"/>
+          </a:fillRef>
+          <a:effectRef idx="0">
+            <a:schemeClr val="accent1"/>
+          </a:effectRef>
+          <a:fontRef idx="minor">
+            <a:schemeClr val="dk1"/>
+          </a:fontRef>
+        </p:style>
+        <p:txBody>
+          <a:bodyPr lIns="124733" tIns="62367" rIns="124733" bIns="62367" rtlCol="0" anchor="ctr"/>
+          <a:lstStyle/>
+          <a:p>
+            <a:pPr algn="ctr"/>
+            <a:r>
+              <a:rPr lang="ru-RU" sz="1400" dirty="0"/>
+              <a:t>Выступить против нацизма</a:t>
+            </a:r>
+          </a:p>
+        </p:txBody>
+      </p:sp>
+      <p:sp>
+        <p:nvSpPr>
+          <p:cNvPr id="218" name="Прямоугольник 217">
+            <a:extLst>
+              <a:ext uri="{FF2B5EF4-FFF2-40B4-BE49-F238E27FC236}">
+                <a16:creationId xmlns:a16="http://schemas.microsoft.com/office/drawing/2014/main" id="{2B57547D-CC38-441A-9FFE-4742D4413365}"/>
+              </a:ext>
+            </a:extLst>
+          </p:cNvPr>
+          <p:cNvSpPr/>
+          <p:nvPr/>
+        </p:nvSpPr>
+        <p:spPr>
+          <a:xfrm>
+            <a:off x="20053012" y="19671570"/>
+            <a:ext cx="2115918" cy="1080000"/>
+          </a:xfrm>
+          <a:prstGeom prst="rect">
+            <a:avLst/>
+          </a:prstGeom>
+          <a:solidFill>
+            <a:srgbClr val="FFC000"/>
+          </a:solidFill>
+          <a:ln w="28575"/>
+        </p:spPr>
+        <p:style>
+          <a:lnRef idx="2">
+            <a:schemeClr val="accent1"/>
+          </a:lnRef>
+          <a:fillRef idx="1">
+            <a:schemeClr val="lt1"/>
+          </a:fillRef>
+          <a:effectRef idx="0">
+            <a:schemeClr val="accent1"/>
+          </a:effectRef>
+          <a:fontRef idx="minor">
+            <a:schemeClr val="dk1"/>
+          </a:fontRef>
+        </p:style>
+        <p:txBody>
+          <a:bodyPr lIns="124733" tIns="62367" rIns="124733" bIns="62367" rtlCol="0" anchor="ctr"/>
+          <a:lstStyle/>
+          <a:p>
+            <a:pPr algn="ctr"/>
+            <a:r>
+              <a:rPr lang="ru-RU" sz="1400" dirty="0"/>
+              <a:t>Выступить против сталинизма </a:t>
+            </a:r>
+            <a:r>
+              <a:rPr lang="ru-RU" sz="700" dirty="0"/>
+              <a:t>(В 1930-х </a:t>
+            </a:r>
+            <a:r>
+              <a:rPr lang="ru-RU" sz="700" dirty="0" err="1"/>
+              <a:t>Сневлит</a:t>
+            </a:r>
+            <a:r>
+              <a:rPr lang="ru-RU" sz="700" dirty="0"/>
+              <a:t> выступал решительным противником нацизма и сталинизма, который также считал разновидностью фашизма.)</a:t>
+            </a:r>
+            <a:endParaRPr lang="ru-RU" sz="1400" dirty="0"/>
+          </a:p>
+        </p:txBody>
+      </p:sp>
     </p:spTree>
     <p:extLst>
       <p:ext uri="{BB962C8B-B14F-4D97-AF65-F5344CB8AC3E}">

--- a/Наработки/диздоки/Нидерланды/Нидерланды.pptx
+++ b/Наработки/диздоки/Нидерланды/Нидерланды.pptx
@@ -209,7 +209,7 @@
             <a:fld id="{33E3D7F9-E251-484C-A6FF-FA958879DF69}" type="datetimeFigureOut">
               <a:rPr lang="ru-RU" smtClean="0"/>
               <a:pPr/>
-              <a:t>03.04.2022</a:t>
+              <a:t>04.04.2022</a:t>
             </a:fld>
             <a:endParaRPr lang="ru-RU"/>
           </a:p>
@@ -699,7 +699,7 @@
             <a:fld id="{85A5DE44-605B-4D3B-B2B7-94543DF81A36}" type="datetimeFigureOut">
               <a:rPr lang="ru-RU" smtClean="0"/>
               <a:pPr/>
-              <a:t>03.04.2022</a:t>
+              <a:t>04.04.2022</a:t>
             </a:fld>
             <a:endParaRPr lang="ru-RU"/>
           </a:p>
@@ -871,7 +871,7 @@
             <a:fld id="{85A5DE44-605B-4D3B-B2B7-94543DF81A36}" type="datetimeFigureOut">
               <a:rPr lang="ru-RU" smtClean="0"/>
               <a:pPr/>
-              <a:t>03.04.2022</a:t>
+              <a:t>04.04.2022</a:t>
             </a:fld>
             <a:endParaRPr lang="ru-RU"/>
           </a:p>
@@ -1053,7 +1053,7 @@
             <a:fld id="{85A5DE44-605B-4D3B-B2B7-94543DF81A36}" type="datetimeFigureOut">
               <a:rPr lang="ru-RU" smtClean="0"/>
               <a:pPr/>
-              <a:t>03.04.2022</a:t>
+              <a:t>04.04.2022</a:t>
             </a:fld>
             <a:endParaRPr lang="ru-RU"/>
           </a:p>
@@ -1225,7 +1225,7 @@
             <a:fld id="{85A5DE44-605B-4D3B-B2B7-94543DF81A36}" type="datetimeFigureOut">
               <a:rPr lang="ru-RU" smtClean="0"/>
               <a:pPr/>
-              <a:t>03.04.2022</a:t>
+              <a:t>04.04.2022</a:t>
             </a:fld>
             <a:endParaRPr lang="ru-RU"/>
           </a:p>
@@ -1473,7 +1473,7 @@
             <a:fld id="{85A5DE44-605B-4D3B-B2B7-94543DF81A36}" type="datetimeFigureOut">
               <a:rPr lang="ru-RU" smtClean="0"/>
               <a:pPr/>
-              <a:t>03.04.2022</a:t>
+              <a:t>04.04.2022</a:t>
             </a:fld>
             <a:endParaRPr lang="ru-RU"/>
           </a:p>
@@ -1707,7 +1707,7 @@
             <a:fld id="{85A5DE44-605B-4D3B-B2B7-94543DF81A36}" type="datetimeFigureOut">
               <a:rPr lang="ru-RU" smtClean="0"/>
               <a:pPr/>
-              <a:t>03.04.2022</a:t>
+              <a:t>04.04.2022</a:t>
             </a:fld>
             <a:endParaRPr lang="ru-RU"/>
           </a:p>
@@ -2076,7 +2076,7 @@
             <a:fld id="{85A5DE44-605B-4D3B-B2B7-94543DF81A36}" type="datetimeFigureOut">
               <a:rPr lang="ru-RU" smtClean="0"/>
               <a:pPr/>
-              <a:t>03.04.2022</a:t>
+              <a:t>04.04.2022</a:t>
             </a:fld>
             <a:endParaRPr lang="ru-RU"/>
           </a:p>
@@ -2196,7 +2196,7 @@
             <a:fld id="{85A5DE44-605B-4D3B-B2B7-94543DF81A36}" type="datetimeFigureOut">
               <a:rPr lang="ru-RU" smtClean="0"/>
               <a:pPr/>
-              <a:t>03.04.2022</a:t>
+              <a:t>04.04.2022</a:t>
             </a:fld>
             <a:endParaRPr lang="ru-RU"/>
           </a:p>
@@ -2293,7 +2293,7 @@
             <a:fld id="{85A5DE44-605B-4D3B-B2B7-94543DF81A36}" type="datetimeFigureOut">
               <a:rPr lang="ru-RU" smtClean="0"/>
               <a:pPr/>
-              <a:t>03.04.2022</a:t>
+              <a:t>04.04.2022</a:t>
             </a:fld>
             <a:endParaRPr lang="ru-RU"/>
           </a:p>
@@ -2572,7 +2572,7 @@
             <a:fld id="{85A5DE44-605B-4D3B-B2B7-94543DF81A36}" type="datetimeFigureOut">
               <a:rPr lang="ru-RU" smtClean="0"/>
               <a:pPr/>
-              <a:t>03.04.2022</a:t>
+              <a:t>04.04.2022</a:t>
             </a:fld>
             <a:endParaRPr lang="ru-RU"/>
           </a:p>
@@ -2831,7 +2831,7 @@
             <a:fld id="{85A5DE44-605B-4D3B-B2B7-94543DF81A36}" type="datetimeFigureOut">
               <a:rPr lang="ru-RU" smtClean="0"/>
               <a:pPr/>
-              <a:t>03.04.2022</a:t>
+              <a:t>04.04.2022</a:t>
             </a:fld>
             <a:endParaRPr lang="ru-RU"/>
           </a:p>
@@ -3046,7 +3046,7 @@
             <a:fld id="{85A5DE44-605B-4D3B-B2B7-94543DF81A36}" type="datetimeFigureOut">
               <a:rPr lang="ru-RU" smtClean="0"/>
               <a:pPr/>
-              <a:t>03.04.2022</a:t>
+              <a:t>04.04.2022</a:t>
             </a:fld>
             <a:endParaRPr lang="ru-RU"/>
           </a:p>
@@ -13819,6 +13819,954 @@
           </a:p>
         </p:txBody>
       </p:sp>
+      <p:sp>
+        <p:nvSpPr>
+          <p:cNvPr id="215" name="Прямоугольник 214">
+            <a:extLst>
+              <a:ext uri="{FF2B5EF4-FFF2-40B4-BE49-F238E27FC236}">
+                <a16:creationId xmlns:a16="http://schemas.microsoft.com/office/drawing/2014/main" id="{932A2BE5-9DF3-4131-AC7D-211D67CAFF81}"/>
+              </a:ext>
+            </a:extLst>
+          </p:cNvPr>
+          <p:cNvSpPr/>
+          <p:nvPr/>
+        </p:nvSpPr>
+        <p:spPr>
+          <a:xfrm>
+            <a:off x="7509051" y="10860331"/>
+            <a:ext cx="2115918" cy="1080000"/>
+          </a:xfrm>
+          <a:prstGeom prst="rect">
+            <a:avLst/>
+          </a:prstGeom>
+          <a:solidFill>
+            <a:srgbClr val="FFFF00"/>
+          </a:solidFill>
+          <a:ln w="28575"/>
+        </p:spPr>
+        <p:style>
+          <a:lnRef idx="2">
+            <a:schemeClr val="accent1"/>
+          </a:lnRef>
+          <a:fillRef idx="1">
+            <a:schemeClr val="lt1"/>
+          </a:fillRef>
+          <a:effectRef idx="0">
+            <a:schemeClr val="accent1"/>
+          </a:effectRef>
+          <a:fontRef idx="minor">
+            <a:schemeClr val="dk1"/>
+          </a:fontRef>
+        </p:style>
+        <p:txBody>
+          <a:bodyPr lIns="124733" tIns="62367" rIns="124733" bIns="62367" rtlCol="0" anchor="ctr"/>
+          <a:lstStyle/>
+          <a:p>
+            <a:pPr algn="ctr"/>
+            <a:r>
+              <a:rPr lang="ru-RU" sz="1400" dirty="0"/>
+              <a:t>Группа интернациональных коммунистов </a:t>
+            </a:r>
+            <a:r>
+              <a:rPr lang="ru-RU" sz="1000" dirty="0"/>
+              <a:t>(</a:t>
+            </a:r>
+            <a:r>
+              <a:rPr lang="en-US" sz="1100" u="none" strike="noStrike" dirty="0" err="1">
+                <a:solidFill>
+                  <a:srgbClr val="000000"/>
+                </a:solidFill>
+                <a:effectLst/>
+                <a:latin typeface="Times New Roman" panose="02020603050405020304" pitchFamily="18" charset="0"/>
+                <a:ea typeface="Arial Unicode MS"/>
+                <a:cs typeface="Times New Roman" panose="02020603050405020304" pitchFamily="18" charset="0"/>
+              </a:rPr>
+              <a:t>Groep</a:t>
+            </a:r>
+            <a:r>
+              <a:rPr lang="en-US" sz="1100" u="none" strike="noStrike" dirty="0">
+                <a:solidFill>
+                  <a:srgbClr val="000000"/>
+                </a:solidFill>
+                <a:effectLst/>
+                <a:latin typeface="Times New Roman" panose="02020603050405020304" pitchFamily="18" charset="0"/>
+                <a:ea typeface="Arial Unicode MS"/>
+                <a:cs typeface="Times New Roman" panose="02020603050405020304" pitchFamily="18" charset="0"/>
+              </a:rPr>
+              <a:t> van </a:t>
+            </a:r>
+            <a:r>
+              <a:rPr lang="en-US" sz="1100" u="none" strike="noStrike" dirty="0" err="1">
+                <a:solidFill>
+                  <a:srgbClr val="000000"/>
+                </a:solidFill>
+                <a:effectLst/>
+                <a:latin typeface="Times New Roman" panose="02020603050405020304" pitchFamily="18" charset="0"/>
+                <a:ea typeface="Arial Unicode MS"/>
+                <a:cs typeface="Times New Roman" panose="02020603050405020304" pitchFamily="18" charset="0"/>
+              </a:rPr>
+              <a:t>Internationale</a:t>
+            </a:r>
+            <a:r>
+              <a:rPr lang="en-US" sz="1100" u="none" strike="noStrike" dirty="0">
+                <a:solidFill>
+                  <a:srgbClr val="000000"/>
+                </a:solidFill>
+                <a:effectLst/>
+                <a:latin typeface="Times New Roman" panose="02020603050405020304" pitchFamily="18" charset="0"/>
+                <a:ea typeface="Arial Unicode MS"/>
+                <a:cs typeface="Times New Roman" panose="02020603050405020304" pitchFamily="18" charset="0"/>
+              </a:rPr>
+              <a:t> </a:t>
+            </a:r>
+            <a:r>
+              <a:rPr lang="en-US" sz="1100" u="none" strike="noStrike" dirty="0" err="1">
+                <a:solidFill>
+                  <a:srgbClr val="000000"/>
+                </a:solidFill>
+                <a:effectLst/>
+                <a:latin typeface="Times New Roman" panose="02020603050405020304" pitchFamily="18" charset="0"/>
+                <a:ea typeface="Arial Unicode MS"/>
+                <a:cs typeface="Times New Roman" panose="02020603050405020304" pitchFamily="18" charset="0"/>
+              </a:rPr>
+              <a:t>Communisten</a:t>
+            </a:r>
+            <a:r>
+              <a:rPr lang="ru-RU" sz="1100" u="none" strike="noStrike" dirty="0">
+                <a:solidFill>
+                  <a:srgbClr val="000000"/>
+                </a:solidFill>
+                <a:effectLst/>
+                <a:latin typeface="Times New Roman" panose="02020603050405020304" pitchFamily="18" charset="0"/>
+                <a:ea typeface="Arial Unicode MS"/>
+                <a:cs typeface="Times New Roman" panose="02020603050405020304" pitchFamily="18" charset="0"/>
+              </a:rPr>
+              <a:t>)</a:t>
+            </a:r>
+            <a:endParaRPr lang="ru-RU" sz="1400" dirty="0"/>
+          </a:p>
+        </p:txBody>
+      </p:sp>
+      <p:sp>
+        <p:nvSpPr>
+          <p:cNvPr id="219" name="Прямоугольник 218">
+            <a:extLst>
+              <a:ext uri="{FF2B5EF4-FFF2-40B4-BE49-F238E27FC236}">
+                <a16:creationId xmlns:a16="http://schemas.microsoft.com/office/drawing/2014/main" id="{6E45A04C-CFE8-44B1-B6F4-B3A6031C2A2D}"/>
+              </a:ext>
+            </a:extLst>
+          </p:cNvPr>
+          <p:cNvSpPr/>
+          <p:nvPr/>
+        </p:nvSpPr>
+        <p:spPr>
+          <a:xfrm>
+            <a:off x="8781720" y="16736785"/>
+            <a:ext cx="2115918" cy="1080000"/>
+          </a:xfrm>
+          <a:prstGeom prst="rect">
+            <a:avLst/>
+          </a:prstGeom>
+          <a:solidFill>
+            <a:srgbClr val="FFFF00"/>
+          </a:solidFill>
+          <a:ln w="28575"/>
+        </p:spPr>
+        <p:style>
+          <a:lnRef idx="2">
+            <a:schemeClr val="accent1"/>
+          </a:lnRef>
+          <a:fillRef idx="1">
+            <a:schemeClr val="lt1"/>
+          </a:fillRef>
+          <a:effectRef idx="0">
+            <a:schemeClr val="accent1"/>
+          </a:effectRef>
+          <a:fontRef idx="minor">
+            <a:schemeClr val="dk1"/>
+          </a:fontRef>
+        </p:style>
+        <p:txBody>
+          <a:bodyPr lIns="124733" tIns="62367" rIns="124733" bIns="62367" rtlCol="0" anchor="ctr"/>
+          <a:lstStyle/>
+          <a:p>
+            <a:pPr algn="ctr"/>
+            <a:r>
+              <a:rPr lang="ru-RU" sz="1400" dirty="0"/>
+              <a:t>Мировая революция</a:t>
+            </a:r>
+          </a:p>
+        </p:txBody>
+      </p:sp>
+      <p:sp>
+        <p:nvSpPr>
+          <p:cNvPr id="220" name="Прямоугольник 219">
+            <a:extLst>
+              <a:ext uri="{FF2B5EF4-FFF2-40B4-BE49-F238E27FC236}">
+                <a16:creationId xmlns:a16="http://schemas.microsoft.com/office/drawing/2014/main" id="{76082F14-C0CE-420C-A798-475458A61B6C}"/>
+              </a:ext>
+            </a:extLst>
+          </p:cNvPr>
+          <p:cNvSpPr/>
+          <p:nvPr/>
+        </p:nvSpPr>
+        <p:spPr>
+          <a:xfrm>
+            <a:off x="7509051" y="12376963"/>
+            <a:ext cx="2115918" cy="1080000"/>
+          </a:xfrm>
+          <a:prstGeom prst="rect">
+            <a:avLst/>
+          </a:prstGeom>
+          <a:solidFill>
+            <a:srgbClr val="FFFF00"/>
+          </a:solidFill>
+          <a:ln w="28575"/>
+        </p:spPr>
+        <p:style>
+          <a:lnRef idx="2">
+            <a:schemeClr val="accent1"/>
+          </a:lnRef>
+          <a:fillRef idx="1">
+            <a:schemeClr val="lt1"/>
+          </a:fillRef>
+          <a:effectRef idx="0">
+            <a:schemeClr val="accent1"/>
+          </a:effectRef>
+          <a:fontRef idx="minor">
+            <a:schemeClr val="dk1"/>
+          </a:fontRef>
+        </p:style>
+        <p:txBody>
+          <a:bodyPr lIns="124733" tIns="62367" rIns="124733" bIns="62367" rtlCol="0" anchor="ctr"/>
+          <a:lstStyle/>
+          <a:p>
+            <a:pPr algn="ctr"/>
+            <a:r>
+              <a:rPr lang="ru-RU" sz="1400" dirty="0"/>
+              <a:t>Не партия, а федерация </a:t>
+            </a:r>
+            <a:r>
+              <a:rPr lang="ru-RU" sz="500" dirty="0"/>
+              <a:t>(Однако гик, отказавшийся считать себя централизованной организацией, не признавал местных секций. Он видел, как ядра, созданные в разных городах, сами по себе являются группами. Наконец, гик объявил себя федерацией различных групп. Симптоматично, что название, появившееся в ее публикациях после 1928 г., было «Группы интернациональных коммунистов».)</a:t>
+            </a:r>
+          </a:p>
+        </p:txBody>
+      </p:sp>
+      <p:sp>
+        <p:nvSpPr>
+          <p:cNvPr id="222" name="Прямоугольник 221">
+            <a:extLst>
+              <a:ext uri="{FF2B5EF4-FFF2-40B4-BE49-F238E27FC236}">
+                <a16:creationId xmlns:a16="http://schemas.microsoft.com/office/drawing/2014/main" id="{7A24FE44-DC0F-4F03-A7DD-522822F7DE5C}"/>
+              </a:ext>
+            </a:extLst>
+          </p:cNvPr>
+          <p:cNvSpPr/>
+          <p:nvPr/>
+        </p:nvSpPr>
+        <p:spPr>
+          <a:xfrm>
+            <a:off x="5110605" y="12368165"/>
+            <a:ext cx="2115918" cy="1080000"/>
+          </a:xfrm>
+          <a:prstGeom prst="rect">
+            <a:avLst/>
+          </a:prstGeom>
+          <a:solidFill>
+            <a:srgbClr val="FFFF00"/>
+          </a:solidFill>
+          <a:ln w="28575"/>
+        </p:spPr>
+        <p:style>
+          <a:lnRef idx="2">
+            <a:schemeClr val="accent1"/>
+          </a:lnRef>
+          <a:fillRef idx="1">
+            <a:schemeClr val="lt1"/>
+          </a:fillRef>
+          <a:effectRef idx="0">
+            <a:schemeClr val="accent1"/>
+          </a:effectRef>
+          <a:fontRef idx="minor">
+            <a:schemeClr val="dk1"/>
+          </a:fontRef>
+        </p:style>
+        <p:txBody>
+          <a:bodyPr lIns="124733" tIns="62367" rIns="124733" bIns="62367" rtlCol="0" anchor="ctr"/>
+          <a:lstStyle/>
+          <a:p>
+            <a:pPr algn="ctr"/>
+            <a:r>
+              <a:rPr lang="ru-RU" sz="1400" dirty="0"/>
+              <a:t>Советская демократия </a:t>
+            </a:r>
+            <a:r>
+              <a:rPr lang="ru-RU" sz="400" dirty="0"/>
+              <a:t>(Советская демократия (иногда советская демократия) это политическая система в которой правило населения путем прямых выборов Советы (Русский язык для "совет") осуществляется. Советы несут прямую ответственность перед своими избирателями и связаны их инструкциями, используя делегатская модель представления. Такой императивный мандат в отличие от свободного мандата, в котором избранные делегаты ответственность только перед своей совестью. Соответственно, делегаты могут быть уволены со своих постов в любое время или за них проголосовало голосование (отзывать)</a:t>
+            </a:r>
+            <a:endParaRPr lang="ru-RU" sz="1400" dirty="0"/>
+          </a:p>
+        </p:txBody>
+      </p:sp>
+      <p:sp>
+        <p:nvSpPr>
+          <p:cNvPr id="223" name="Прямоугольник 222">
+            <a:extLst>
+              <a:ext uri="{FF2B5EF4-FFF2-40B4-BE49-F238E27FC236}">
+                <a16:creationId xmlns:a16="http://schemas.microsoft.com/office/drawing/2014/main" id="{0ED96DE1-7D3B-443D-9E2B-BA53432970F3}"/>
+              </a:ext>
+            </a:extLst>
+          </p:cNvPr>
+          <p:cNvSpPr/>
+          <p:nvPr/>
+        </p:nvSpPr>
+        <p:spPr>
+          <a:xfrm>
+            <a:off x="6320963" y="13798558"/>
+            <a:ext cx="2115918" cy="1080000"/>
+          </a:xfrm>
+          <a:prstGeom prst="rect">
+            <a:avLst/>
+          </a:prstGeom>
+          <a:solidFill>
+            <a:srgbClr val="FFFF00"/>
+          </a:solidFill>
+          <a:ln w="28575"/>
+        </p:spPr>
+        <p:style>
+          <a:lnRef idx="2">
+            <a:schemeClr val="accent1"/>
+          </a:lnRef>
+          <a:fillRef idx="1">
+            <a:schemeClr val="lt1"/>
+          </a:fillRef>
+          <a:effectRef idx="0">
+            <a:schemeClr val="accent1"/>
+          </a:effectRef>
+          <a:fontRef idx="minor">
+            <a:schemeClr val="dk1"/>
+          </a:fontRef>
+        </p:style>
+        <p:txBody>
+          <a:bodyPr lIns="124733" tIns="62367" rIns="124733" bIns="62367" rtlCol="0" anchor="ctr"/>
+          <a:lstStyle/>
+          <a:p>
+            <a:pPr algn="ctr"/>
+            <a:r>
+              <a:rPr lang="ru-RU" sz="1400" dirty="0"/>
+              <a:t>Роспуск профсоюзов</a:t>
+            </a:r>
+          </a:p>
+        </p:txBody>
+      </p:sp>
+      <p:sp>
+        <p:nvSpPr>
+          <p:cNvPr id="225" name="Прямоугольник 224">
+            <a:extLst>
+              <a:ext uri="{FF2B5EF4-FFF2-40B4-BE49-F238E27FC236}">
+                <a16:creationId xmlns:a16="http://schemas.microsoft.com/office/drawing/2014/main" id="{8CEF4C01-E565-4A49-849F-7D1EFF3E617C}"/>
+              </a:ext>
+            </a:extLst>
+          </p:cNvPr>
+          <p:cNvSpPr/>
+          <p:nvPr/>
+        </p:nvSpPr>
+        <p:spPr>
+          <a:xfrm>
+            <a:off x="6320963" y="15219680"/>
+            <a:ext cx="2115918" cy="1080000"/>
+          </a:xfrm>
+          <a:prstGeom prst="rect">
+            <a:avLst/>
+          </a:prstGeom>
+          <a:solidFill>
+            <a:srgbClr val="FFFF00"/>
+          </a:solidFill>
+          <a:ln w="28575"/>
+        </p:spPr>
+        <p:style>
+          <a:lnRef idx="2">
+            <a:schemeClr val="accent1"/>
+          </a:lnRef>
+          <a:fillRef idx="1">
+            <a:schemeClr val="lt1"/>
+          </a:fillRef>
+          <a:effectRef idx="0">
+            <a:schemeClr val="accent1"/>
+          </a:effectRef>
+          <a:fontRef idx="minor">
+            <a:schemeClr val="dk1"/>
+          </a:fontRef>
+        </p:style>
+        <p:txBody>
+          <a:bodyPr lIns="124733" tIns="62367" rIns="124733" bIns="62367" rtlCol="0" anchor="ctr"/>
+          <a:lstStyle/>
+          <a:p>
+            <a:pPr algn="ctr"/>
+            <a:r>
+              <a:rPr lang="ru-RU" sz="1400" dirty="0"/>
+              <a:t>Рабочие советы </a:t>
+            </a:r>
+            <a:r>
+              <a:rPr lang="ru-RU" sz="300" dirty="0"/>
+              <a:t>(А рабочий совет это форма политической и экономической организации, в которой единое местное административное деление, такое как муниципалитет или округ, управляется советом, состоящим из временных и мгновенно отзываемых делегатов, избранных на рабочих местах региона.[1]Энциклопедия </a:t>
+            </a:r>
+            <a:r>
+              <a:rPr lang="ru-RU" sz="300" dirty="0" err="1"/>
+              <a:t>site:wikisko.ru</a:t>
+            </a:r>
+            <a:r>
+              <a:rPr lang="ru-RU" sz="300" dirty="0"/>
+              <a:t>) Таким образом, существовали «рабочие группы» для международных контактов, для прессы, для подготовки дискуссий и для внешнего вмешательства. Таким образом, GIC представляла собой не только федерацию местных групп, но и федерацию рабочих групп, каждая из которых была отделена от других. Это могло иметь смысл в дискуссионном кружке, но не в политической организации. Тем не менее, это видение работы в малых кружках поначалу не было </a:t>
+            </a:r>
+            <a:r>
+              <a:rPr lang="ru-RU" sz="300" dirty="0" err="1"/>
+              <a:t>теоретизировано</a:t>
+            </a:r>
+            <a:r>
+              <a:rPr lang="ru-RU" sz="300" dirty="0"/>
+              <a:t>: это произошло только после 1935 г. и не обошлось без жесткой внутренней критики внутри советско-коммунистического движения (см. главу девятую).</a:t>
+            </a:r>
+            <a:endParaRPr lang="ru-RU" sz="1400" dirty="0"/>
+          </a:p>
+        </p:txBody>
+      </p:sp>
+      <p:sp>
+        <p:nvSpPr>
+          <p:cNvPr id="226" name="Прямоугольник 225">
+            <a:extLst>
+              <a:ext uri="{FF2B5EF4-FFF2-40B4-BE49-F238E27FC236}">
+                <a16:creationId xmlns:a16="http://schemas.microsoft.com/office/drawing/2014/main" id="{CDC80F7A-0A23-4DED-8B3C-116A0EDDE628}"/>
+              </a:ext>
+            </a:extLst>
+          </p:cNvPr>
+          <p:cNvSpPr/>
+          <p:nvPr/>
+        </p:nvSpPr>
+        <p:spPr>
+          <a:xfrm>
+            <a:off x="3854716" y="13796310"/>
+            <a:ext cx="2115918" cy="1080000"/>
+          </a:xfrm>
+          <a:prstGeom prst="rect">
+            <a:avLst/>
+          </a:prstGeom>
+          <a:solidFill>
+            <a:srgbClr val="FFFF00"/>
+          </a:solidFill>
+          <a:ln w="28575"/>
+        </p:spPr>
+        <p:style>
+          <a:lnRef idx="2">
+            <a:schemeClr val="accent1"/>
+          </a:lnRef>
+          <a:fillRef idx="1">
+            <a:schemeClr val="lt1"/>
+          </a:fillRef>
+          <a:effectRef idx="0">
+            <a:schemeClr val="accent1"/>
+          </a:effectRef>
+          <a:fontRef idx="minor">
+            <a:schemeClr val="dk1"/>
+          </a:fontRef>
+        </p:style>
+        <p:txBody>
+          <a:bodyPr lIns="124733" tIns="62367" rIns="124733" bIns="62367" rtlCol="0" anchor="ctr"/>
+          <a:lstStyle/>
+          <a:p>
+            <a:pPr algn="ctr"/>
+            <a:r>
+              <a:rPr lang="ru-RU" sz="1400" dirty="0"/>
+              <a:t>Солдатские советы </a:t>
+            </a:r>
+            <a:r>
+              <a:rPr lang="ru-RU" sz="600" dirty="0"/>
+              <a:t>(солдатский совет, когда делегаты выбираются среди (мятежных) солдат. Также существовала смесь рабочих и солдат (например, немецкая </a:t>
+            </a:r>
+            <a:r>
+              <a:rPr lang="ru-RU" sz="600" dirty="0" err="1"/>
+              <a:t>Arbeiter</a:t>
+            </a:r>
+            <a:r>
+              <a:rPr lang="ru-RU" sz="600" dirty="0"/>
+              <a:t>- </a:t>
+            </a:r>
+            <a:r>
+              <a:rPr lang="ru-RU" sz="600" dirty="0" err="1"/>
+              <a:t>und</a:t>
+            </a:r>
+            <a:r>
+              <a:rPr lang="ru-RU" sz="600" dirty="0"/>
+              <a:t> </a:t>
+            </a:r>
+            <a:r>
+              <a:rPr lang="ru-RU" sz="600" dirty="0" err="1"/>
+              <a:t>Soldatenrat</a:t>
+            </a:r>
+            <a:r>
+              <a:rPr lang="ru-RU" sz="600" dirty="0"/>
+              <a:t>).Энциклопедия </a:t>
+            </a:r>
+            <a:r>
+              <a:rPr lang="ru-RU" sz="600" dirty="0" err="1"/>
+              <a:t>site:wikisko.ru</a:t>
+            </a:r>
+            <a:r>
+              <a:rPr lang="ru-RU" sz="600" dirty="0"/>
+              <a:t>)</a:t>
+            </a:r>
+            <a:endParaRPr lang="ru-RU" sz="1400" dirty="0"/>
+          </a:p>
+        </p:txBody>
+      </p:sp>
+      <p:sp>
+        <p:nvSpPr>
+          <p:cNvPr id="228" name="Прямоугольник 227">
+            <a:extLst>
+              <a:ext uri="{FF2B5EF4-FFF2-40B4-BE49-F238E27FC236}">
+                <a16:creationId xmlns:a16="http://schemas.microsoft.com/office/drawing/2014/main" id="{8466996F-D00A-4524-BB7C-40EB55937948}"/>
+              </a:ext>
+            </a:extLst>
+          </p:cNvPr>
+          <p:cNvSpPr/>
+          <p:nvPr/>
+        </p:nvSpPr>
+        <p:spPr>
+          <a:xfrm>
+            <a:off x="6320963" y="16724402"/>
+            <a:ext cx="2115918" cy="1080000"/>
+          </a:xfrm>
+          <a:prstGeom prst="rect">
+            <a:avLst/>
+          </a:prstGeom>
+          <a:solidFill>
+            <a:srgbClr val="FFFF00"/>
+          </a:solidFill>
+          <a:ln w="28575"/>
+        </p:spPr>
+        <p:style>
+          <a:lnRef idx="2">
+            <a:schemeClr val="accent1"/>
+          </a:lnRef>
+          <a:fillRef idx="1">
+            <a:schemeClr val="lt1"/>
+          </a:fillRef>
+          <a:effectRef idx="0">
+            <a:schemeClr val="accent1"/>
+          </a:effectRef>
+          <a:fontRef idx="minor">
+            <a:schemeClr val="dk1"/>
+          </a:fontRef>
+        </p:style>
+        <p:txBody>
+          <a:bodyPr lIns="124733" tIns="62367" rIns="124733" bIns="62367" rtlCol="0" anchor="ctr"/>
+          <a:lstStyle/>
+          <a:p>
+            <a:pPr algn="ctr"/>
+            <a:r>
+              <a:rPr lang="ru-RU" sz="1400" dirty="0"/>
+              <a:t>Снизу вверх </a:t>
+            </a:r>
+            <a:r>
+              <a:rPr lang="ru-RU" sz="500" dirty="0"/>
+              <a:t>(В более широком масштабе группа делегатов может, в свою очередь, избрать делегата, занимающего более высокую должность, для выполнения своего мандата, и так далее, пока высшие делегаты не будут управлять промышленная система государства. В такой системе власть принятия решений поднимается снизу вверх от программ самих рабочих, и нет никакого навязывания решения сверху, как это произошло бы в случае захвата власти бюрократическим слоем, который неуязвим для мгновенного отзыва.)</a:t>
+            </a:r>
+            <a:endParaRPr lang="ru-RU" sz="1400" dirty="0"/>
+          </a:p>
+        </p:txBody>
+      </p:sp>
+      <p:sp>
+        <p:nvSpPr>
+          <p:cNvPr id="229" name="Прямоугольник 228">
+            <a:extLst>
+              <a:ext uri="{FF2B5EF4-FFF2-40B4-BE49-F238E27FC236}">
+                <a16:creationId xmlns:a16="http://schemas.microsoft.com/office/drawing/2014/main" id="{A5171FC1-3957-48C7-8A18-AE335D0D3217}"/>
+              </a:ext>
+            </a:extLst>
+          </p:cNvPr>
+          <p:cNvSpPr/>
+          <p:nvPr/>
+        </p:nvSpPr>
+        <p:spPr>
+          <a:xfrm>
+            <a:off x="439161" y="10328491"/>
+            <a:ext cx="2115918" cy="1080000"/>
+          </a:xfrm>
+          <a:prstGeom prst="rect">
+            <a:avLst/>
+          </a:prstGeom>
+          <a:solidFill>
+            <a:srgbClr val="FFFF00"/>
+          </a:solidFill>
+          <a:ln w="28575"/>
+        </p:spPr>
+        <p:style>
+          <a:lnRef idx="2">
+            <a:schemeClr val="accent1"/>
+          </a:lnRef>
+          <a:fillRef idx="1">
+            <a:schemeClr val="lt1"/>
+          </a:fillRef>
+          <a:effectRef idx="0">
+            <a:schemeClr val="accent1"/>
+          </a:effectRef>
+          <a:fontRef idx="minor">
+            <a:schemeClr val="dk1"/>
+          </a:fontRef>
+        </p:style>
+        <p:txBody>
+          <a:bodyPr lIns="124733" tIns="62367" rIns="124733" bIns="62367" rtlCol="0" anchor="ctr"/>
+          <a:lstStyle/>
+          <a:p>
+            <a:pPr algn="ctr"/>
+            <a:r>
+              <a:rPr lang="ru-RU" sz="500" dirty="0"/>
+              <a:t>Только с 1928 года GIC издавала собственную прессу: </a:t>
+            </a:r>
+            <a:r>
+              <a:rPr lang="ru-RU" sz="500" dirty="0" err="1"/>
+              <a:t>Persmateriaal</a:t>
+            </a:r>
+            <a:r>
+              <a:rPr lang="ru-RU" sz="500" dirty="0"/>
+              <a:t> </a:t>
+            </a:r>
+            <a:r>
+              <a:rPr lang="ru-RU" sz="500" dirty="0" err="1"/>
+              <a:t>van</a:t>
+            </a:r>
+            <a:r>
+              <a:rPr lang="ru-RU" sz="500" dirty="0"/>
+              <a:t> </a:t>
+            </a:r>
+            <a:r>
+              <a:rPr lang="ru-RU" sz="500" dirty="0" err="1"/>
+              <a:t>de</a:t>
+            </a:r>
+            <a:r>
+              <a:rPr lang="ru-RU" sz="500" dirty="0"/>
+              <a:t> </a:t>
+            </a:r>
+            <a:r>
+              <a:rPr lang="ru-RU" sz="500" dirty="0" err="1"/>
+              <a:t>Groepen</a:t>
+            </a:r>
+            <a:r>
+              <a:rPr lang="ru-RU" sz="500" dirty="0"/>
+              <a:t> </a:t>
+            </a:r>
+            <a:r>
+              <a:rPr lang="ru-RU" sz="500" dirty="0" err="1"/>
+              <a:t>van</a:t>
+            </a:r>
+            <a:r>
+              <a:rPr lang="ru-RU" sz="500" dirty="0"/>
+              <a:t> </a:t>
+            </a:r>
+            <a:r>
+              <a:rPr lang="ru-RU" sz="500" dirty="0" err="1"/>
+              <a:t>Internationale</a:t>
+            </a:r>
+            <a:r>
+              <a:rPr lang="ru-RU" sz="500" dirty="0"/>
+              <a:t> </a:t>
+            </a:r>
+            <a:r>
+              <a:rPr lang="ru-RU" sz="500" dirty="0" err="1"/>
+              <a:t>Communtien</a:t>
+            </a:r>
+            <a:r>
+              <a:rPr lang="ru-RU" sz="500" dirty="0"/>
+              <a:t> («пресс-материалы GIC») на голландском и немецком языках. Вдобавок к этому теоретическому обзору были многочисленные брошюры, призванные быть более пропагандистскими, более современными и более доступными для рабочих8. Позже, с ростом безработицы, гик выпустил агитационный листок, распространяемый среди безработных в Амстердаме: </a:t>
+            </a:r>
+            <a:r>
+              <a:rPr lang="ru-RU" sz="500" dirty="0" err="1"/>
+              <a:t>Proletenstemmen</a:t>
+            </a:r>
+            <a:r>
+              <a:rPr lang="ru-RU" sz="500" dirty="0"/>
+              <a:t> («Пролетарские голоса») с 1936 года до войны. Тон был очень воинственным, а содержание очень живым.</a:t>
+            </a:r>
+          </a:p>
+        </p:txBody>
+      </p:sp>
+      <p:sp>
+        <p:nvSpPr>
+          <p:cNvPr id="231" name="Прямоугольник 230">
+            <a:extLst>
+              <a:ext uri="{FF2B5EF4-FFF2-40B4-BE49-F238E27FC236}">
+                <a16:creationId xmlns:a16="http://schemas.microsoft.com/office/drawing/2014/main" id="{C74010CE-732B-47B8-98BA-B932D18F5C5F}"/>
+              </a:ext>
+            </a:extLst>
+          </p:cNvPr>
+          <p:cNvSpPr/>
+          <p:nvPr/>
+        </p:nvSpPr>
+        <p:spPr>
+          <a:xfrm>
+            <a:off x="8781720" y="13790491"/>
+            <a:ext cx="2115918" cy="1080000"/>
+          </a:xfrm>
+          <a:prstGeom prst="rect">
+            <a:avLst/>
+          </a:prstGeom>
+          <a:solidFill>
+            <a:srgbClr val="FFFF00"/>
+          </a:solidFill>
+          <a:ln w="28575"/>
+        </p:spPr>
+        <p:style>
+          <a:lnRef idx="2">
+            <a:schemeClr val="accent1"/>
+          </a:lnRef>
+          <a:fillRef idx="1">
+            <a:schemeClr val="lt1"/>
+          </a:fillRef>
+          <a:effectRef idx="0">
+            <a:schemeClr val="accent1"/>
+          </a:effectRef>
+          <a:fontRef idx="minor">
+            <a:schemeClr val="dk1"/>
+          </a:fontRef>
+        </p:style>
+        <p:txBody>
+          <a:bodyPr lIns="124733" tIns="62367" rIns="124733" bIns="62367" rtlCol="0" anchor="ctr"/>
+          <a:lstStyle/>
+          <a:p>
+            <a:pPr algn="ctr"/>
+            <a:r>
+              <a:rPr lang="ru-RU" sz="1400" dirty="0"/>
+              <a:t>Внедрение эсперанто </a:t>
+            </a:r>
+            <a:r>
+              <a:rPr lang="ru-RU" sz="200" dirty="0"/>
+              <a:t>(Одной из самых любопытных черт гик-прессы было то значение, которое она придавала эсперанто-движению. Члены группы посвящали часть своего времени изучению эсперанто. Эсперанто-движение, безусловно, было очень сильным в 1920-х и 1930-х годах, особенно в Нидерландах, но оно имело интеллектуальный оттенок, несмотря на надежды некоторых на создание «пролетарского </a:t>
+            </a:r>
+            <a:r>
+              <a:rPr lang="ru-RU" sz="200" dirty="0" err="1"/>
+              <a:t>эсперантизма</a:t>
+            </a:r>
+            <a:r>
+              <a:rPr lang="ru-RU" sz="200" dirty="0"/>
+              <a:t>». Эта иллюзия была широко распространена среди советских коммунистов, которые видели в ней важное средство распространения своих идей на международном уровне. Это выражалось в огромной энергии, затраченной на перевод текстов на эсперанто. Была несколько наивная надежда, что, пропагандируя эсперанто, «язык мира»11, можно будет поощрять «интернационалистические тенденции» внутри пролетариата. Имея это в виду, между 1936 и 1939 годами журнал выпускал обзор на эсперанто: </a:t>
+            </a:r>
+            <a:r>
+              <a:rPr lang="ru-RU" sz="200" dirty="0" err="1"/>
+              <a:t>Klasbatalo</a:t>
+            </a:r>
+            <a:r>
+              <a:rPr lang="ru-RU" sz="200" dirty="0"/>
+              <a:t> («Классовая борьба»), орган теории и обсуждения проблем, стоящих перед новым рабочим движением. Эта попытка вскоре провалилась12ЭСПЕРА́НТОМеждународный язык, искусственно созданный на основе использования грамматических и лексических западноевропейских элементов.)</a:t>
+            </a:r>
+            <a:endParaRPr lang="ru-RU" sz="1400" dirty="0"/>
+          </a:p>
+        </p:txBody>
+      </p:sp>
+      <p:sp>
+        <p:nvSpPr>
+          <p:cNvPr id="232" name="Прямоугольник 231">
+            <a:extLst>
+              <a:ext uri="{FF2B5EF4-FFF2-40B4-BE49-F238E27FC236}">
+                <a16:creationId xmlns:a16="http://schemas.microsoft.com/office/drawing/2014/main" id="{4AD5628D-E2E6-4DD1-A70E-D466EA6AE56C}"/>
+              </a:ext>
+            </a:extLst>
+          </p:cNvPr>
+          <p:cNvSpPr/>
+          <p:nvPr/>
+        </p:nvSpPr>
+        <p:spPr>
+          <a:xfrm>
+            <a:off x="439161" y="9074419"/>
+            <a:ext cx="2115918" cy="1080000"/>
+          </a:xfrm>
+          <a:prstGeom prst="rect">
+            <a:avLst/>
+          </a:prstGeom>
+          <a:solidFill>
+            <a:srgbClr val="FFFF00"/>
+          </a:solidFill>
+          <a:ln w="28575"/>
+        </p:spPr>
+        <p:style>
+          <a:lnRef idx="2">
+            <a:schemeClr val="accent1"/>
+          </a:lnRef>
+          <a:fillRef idx="1">
+            <a:schemeClr val="lt1"/>
+          </a:fillRef>
+          <a:effectRef idx="0">
+            <a:schemeClr val="accent1"/>
+          </a:effectRef>
+          <a:fontRef idx="minor">
+            <a:schemeClr val="dk1"/>
+          </a:fontRef>
+        </p:style>
+        <p:txBody>
+          <a:bodyPr lIns="124733" tIns="62367" rIns="124733" bIns="62367" rtlCol="0" anchor="ctr"/>
+          <a:lstStyle/>
+          <a:p>
+            <a:pPr algn="ctr"/>
+            <a:r>
+              <a:rPr lang="ru-RU" sz="600" dirty="0"/>
+              <a:t>Но с великим экономическим кризисом и вплоть до войны именно безработные оказались в центре социальной сцены (почти двадцать процентов активного населения Нидерландов были безработными в 1936 году)14. в июле 1934 г., с восстанием в амстердамском районе Йордан (см. главу седьмую). Однако, как и во многих странах, фабричный пролетариат в это время оставался пассивным, запуганным угрозой увольнений.</a:t>
+            </a:r>
+          </a:p>
+        </p:txBody>
+      </p:sp>
+      <p:sp>
+        <p:nvSpPr>
+          <p:cNvPr id="234" name="Прямоугольник 233">
+            <a:extLst>
+              <a:ext uri="{FF2B5EF4-FFF2-40B4-BE49-F238E27FC236}">
+                <a16:creationId xmlns:a16="http://schemas.microsoft.com/office/drawing/2014/main" id="{B9287FA6-5748-4050-A09B-F86ACADD40C6}"/>
+              </a:ext>
+            </a:extLst>
+          </p:cNvPr>
+          <p:cNvSpPr/>
+          <p:nvPr/>
+        </p:nvSpPr>
+        <p:spPr>
+          <a:xfrm>
+            <a:off x="8781720" y="18150313"/>
+            <a:ext cx="2115918" cy="1080000"/>
+          </a:xfrm>
+          <a:prstGeom prst="rect">
+            <a:avLst/>
+          </a:prstGeom>
+          <a:solidFill>
+            <a:srgbClr val="FFFF00"/>
+          </a:solidFill>
+          <a:ln w="28575"/>
+        </p:spPr>
+        <p:style>
+          <a:lnRef idx="2">
+            <a:schemeClr val="accent1"/>
+          </a:lnRef>
+          <a:fillRef idx="1">
+            <a:schemeClr val="lt1"/>
+          </a:fillRef>
+          <a:effectRef idx="0">
+            <a:schemeClr val="accent1"/>
+          </a:effectRef>
+          <a:fontRef idx="minor">
+            <a:schemeClr val="dk1"/>
+          </a:fontRef>
+        </p:style>
+        <p:txBody>
+          <a:bodyPr lIns="124733" tIns="62367" rIns="124733" bIns="62367" rtlCol="0" anchor="ctr"/>
+          <a:lstStyle/>
+          <a:p>
+            <a:pPr algn="ctr"/>
+            <a:r>
+              <a:rPr lang="ru-RU" sz="1400" dirty="0"/>
+              <a:t>Объединённый интернационал с Бельгией</a:t>
+            </a:r>
+          </a:p>
+        </p:txBody>
+      </p:sp>
+      <p:sp>
+        <p:nvSpPr>
+          <p:cNvPr id="235" name="Прямоугольник 234">
+            <a:extLst>
+              <a:ext uri="{FF2B5EF4-FFF2-40B4-BE49-F238E27FC236}">
+                <a16:creationId xmlns:a16="http://schemas.microsoft.com/office/drawing/2014/main" id="{AF154FD1-A631-4908-A376-BD74A6EAB4BF}"/>
+              </a:ext>
+            </a:extLst>
+          </p:cNvPr>
+          <p:cNvSpPr/>
+          <p:nvPr/>
+        </p:nvSpPr>
+        <p:spPr>
+          <a:xfrm>
+            <a:off x="6337744" y="18143910"/>
+            <a:ext cx="2115918" cy="1080000"/>
+          </a:xfrm>
+          <a:prstGeom prst="rect">
+            <a:avLst/>
+          </a:prstGeom>
+          <a:solidFill>
+            <a:srgbClr val="FFFF00"/>
+          </a:solidFill>
+          <a:ln w="28575"/>
+        </p:spPr>
+        <p:style>
+          <a:lnRef idx="2">
+            <a:schemeClr val="accent1"/>
+          </a:lnRef>
+          <a:fillRef idx="1">
+            <a:schemeClr val="lt1"/>
+          </a:fillRef>
+          <a:effectRef idx="0">
+            <a:schemeClr val="accent1"/>
+          </a:effectRef>
+          <a:fontRef idx="minor">
+            <a:schemeClr val="dk1"/>
+          </a:fontRef>
+        </p:style>
+        <p:txBody>
+          <a:bodyPr lIns="124733" tIns="62367" rIns="124733" bIns="62367" rtlCol="0" anchor="ctr"/>
+          <a:lstStyle/>
+          <a:p>
+            <a:pPr algn="ctr"/>
+            <a:r>
+              <a:rPr lang="ru-RU" sz="1400" dirty="0"/>
+              <a:t>Объединённый интернационал с Германией</a:t>
+            </a:r>
+          </a:p>
+        </p:txBody>
+      </p:sp>
+      <p:sp>
+        <p:nvSpPr>
+          <p:cNvPr id="237" name="Прямоугольник 236">
+            <a:extLst>
+              <a:ext uri="{FF2B5EF4-FFF2-40B4-BE49-F238E27FC236}">
+                <a16:creationId xmlns:a16="http://schemas.microsoft.com/office/drawing/2014/main" id="{6F8111E7-1B25-4AA9-8608-4460F1F39721}"/>
+              </a:ext>
+            </a:extLst>
+          </p:cNvPr>
+          <p:cNvSpPr/>
+          <p:nvPr/>
+        </p:nvSpPr>
+        <p:spPr>
+          <a:xfrm>
+            <a:off x="2847081" y="9074419"/>
+            <a:ext cx="2115918" cy="1080000"/>
+          </a:xfrm>
+          <a:prstGeom prst="rect">
+            <a:avLst/>
+          </a:prstGeom>
+          <a:solidFill>
+            <a:srgbClr val="FFFF00"/>
+          </a:solidFill>
+          <a:ln w="28575"/>
+        </p:spPr>
+        <p:style>
+          <a:lnRef idx="2">
+            <a:schemeClr val="accent1"/>
+          </a:lnRef>
+          <a:fillRef idx="1">
+            <a:schemeClr val="lt1"/>
+          </a:fillRef>
+          <a:effectRef idx="0">
+            <a:schemeClr val="accent1"/>
+          </a:effectRef>
+          <a:fontRef idx="minor">
+            <a:schemeClr val="dk1"/>
+          </a:fontRef>
+        </p:style>
+        <p:txBody>
+          <a:bodyPr lIns="124733" tIns="62367" rIns="124733" bIns="62367" rtlCol="0" anchor="ctr"/>
+          <a:lstStyle/>
+          <a:p>
+            <a:pPr algn="ctr"/>
+            <a:r>
+              <a:rPr lang="ru-RU" sz="400" dirty="0"/>
+              <a:t>Группа интернациональных коммунистов не имела ни устава, ни обязательных взносов, а ее «внутренние» собрания были открыты для всех остальных товарищей из других групп. В результате никогда не было известно точное количество участников в группе. Никогда не было голосования; это было сочтено ненужным, потому что нужно было избегать какой-либо партийной политики. Вы обсуждали проблему, и когда возникало важное расхождение во мнениях, отмечались различные точки зрения, и все. Решение большинства не имело значения. Решать будет рабочий класс22.Этот способ функционирования, который соответствовал образу дискуссионного кружка, был небезопасен. Он обрек гик на то, чтобы уходить в чисто теоретические проблемы, а когда ставились политические проблемы, вроде испанского вопроса (см. главу восьмую), было очень трудно увидеть принципиальную демаркацию между большинством и меньшинством группы. В то же время разногласия по поводу интервенции, отражавшие противостояние активистских и более теоретических тенденций, не могли быть преодолены голосованием или другими средствами и часто приводили к довольно неясным расколам.¬</a:t>
+            </a:r>
+          </a:p>
+        </p:txBody>
+      </p:sp>
     </p:spTree>
     <p:extLst>
       <p:ext uri="{BB962C8B-B14F-4D97-AF65-F5344CB8AC3E}">

--- a/Наработки/диздоки/Нидерланды/Нидерланды.pptx
+++ b/Наработки/диздоки/Нидерланды/Нидерланды.pptx
@@ -209,7 +209,7 @@
             <a:fld id="{33E3D7F9-E251-484C-A6FF-FA958879DF69}" type="datetimeFigureOut">
               <a:rPr lang="ru-RU" smtClean="0"/>
               <a:pPr/>
-              <a:t>04.04.2022</a:t>
+              <a:t>05.04.2022</a:t>
             </a:fld>
             <a:endParaRPr lang="ru-RU"/>
           </a:p>
@@ -699,7 +699,7 @@
             <a:fld id="{85A5DE44-605B-4D3B-B2B7-94543DF81A36}" type="datetimeFigureOut">
               <a:rPr lang="ru-RU" smtClean="0"/>
               <a:pPr/>
-              <a:t>04.04.2022</a:t>
+              <a:t>05.04.2022</a:t>
             </a:fld>
             <a:endParaRPr lang="ru-RU"/>
           </a:p>
@@ -871,7 +871,7 @@
             <a:fld id="{85A5DE44-605B-4D3B-B2B7-94543DF81A36}" type="datetimeFigureOut">
               <a:rPr lang="ru-RU" smtClean="0"/>
               <a:pPr/>
-              <a:t>04.04.2022</a:t>
+              <a:t>05.04.2022</a:t>
             </a:fld>
             <a:endParaRPr lang="ru-RU"/>
           </a:p>
@@ -1053,7 +1053,7 @@
             <a:fld id="{85A5DE44-605B-4D3B-B2B7-94543DF81A36}" type="datetimeFigureOut">
               <a:rPr lang="ru-RU" smtClean="0"/>
               <a:pPr/>
-              <a:t>04.04.2022</a:t>
+              <a:t>05.04.2022</a:t>
             </a:fld>
             <a:endParaRPr lang="ru-RU"/>
           </a:p>
@@ -1225,7 +1225,7 @@
             <a:fld id="{85A5DE44-605B-4D3B-B2B7-94543DF81A36}" type="datetimeFigureOut">
               <a:rPr lang="ru-RU" smtClean="0"/>
               <a:pPr/>
-              <a:t>04.04.2022</a:t>
+              <a:t>05.04.2022</a:t>
             </a:fld>
             <a:endParaRPr lang="ru-RU"/>
           </a:p>
@@ -1473,7 +1473,7 @@
             <a:fld id="{85A5DE44-605B-4D3B-B2B7-94543DF81A36}" type="datetimeFigureOut">
               <a:rPr lang="ru-RU" smtClean="0"/>
               <a:pPr/>
-              <a:t>04.04.2022</a:t>
+              <a:t>05.04.2022</a:t>
             </a:fld>
             <a:endParaRPr lang="ru-RU"/>
           </a:p>
@@ -1707,7 +1707,7 @@
             <a:fld id="{85A5DE44-605B-4D3B-B2B7-94543DF81A36}" type="datetimeFigureOut">
               <a:rPr lang="ru-RU" smtClean="0"/>
               <a:pPr/>
-              <a:t>04.04.2022</a:t>
+              <a:t>05.04.2022</a:t>
             </a:fld>
             <a:endParaRPr lang="ru-RU"/>
           </a:p>
@@ -2076,7 +2076,7 @@
             <a:fld id="{85A5DE44-605B-4D3B-B2B7-94543DF81A36}" type="datetimeFigureOut">
               <a:rPr lang="ru-RU" smtClean="0"/>
               <a:pPr/>
-              <a:t>04.04.2022</a:t>
+              <a:t>05.04.2022</a:t>
             </a:fld>
             <a:endParaRPr lang="ru-RU"/>
           </a:p>
@@ -2196,7 +2196,7 @@
             <a:fld id="{85A5DE44-605B-4D3B-B2B7-94543DF81A36}" type="datetimeFigureOut">
               <a:rPr lang="ru-RU" smtClean="0"/>
               <a:pPr/>
-              <a:t>04.04.2022</a:t>
+              <a:t>05.04.2022</a:t>
             </a:fld>
             <a:endParaRPr lang="ru-RU"/>
           </a:p>
@@ -2293,7 +2293,7 @@
             <a:fld id="{85A5DE44-605B-4D3B-B2B7-94543DF81A36}" type="datetimeFigureOut">
               <a:rPr lang="ru-RU" smtClean="0"/>
               <a:pPr/>
-              <a:t>04.04.2022</a:t>
+              <a:t>05.04.2022</a:t>
             </a:fld>
             <a:endParaRPr lang="ru-RU"/>
           </a:p>
@@ -2572,7 +2572,7 @@
             <a:fld id="{85A5DE44-605B-4D3B-B2B7-94543DF81A36}" type="datetimeFigureOut">
               <a:rPr lang="ru-RU" smtClean="0"/>
               <a:pPr/>
-              <a:t>04.04.2022</a:t>
+              <a:t>05.04.2022</a:t>
             </a:fld>
             <a:endParaRPr lang="ru-RU"/>
           </a:p>
@@ -2831,7 +2831,7 @@
             <a:fld id="{85A5DE44-605B-4D3B-B2B7-94543DF81A36}" type="datetimeFigureOut">
               <a:rPr lang="ru-RU" smtClean="0"/>
               <a:pPr/>
-              <a:t>04.04.2022</a:t>
+              <a:t>05.04.2022</a:t>
             </a:fld>
             <a:endParaRPr lang="ru-RU"/>
           </a:p>
@@ -3046,7 +3046,7 @@
             <a:fld id="{85A5DE44-605B-4D3B-B2B7-94543DF81A36}" type="datetimeFigureOut">
               <a:rPr lang="ru-RU" smtClean="0"/>
               <a:pPr/>
-              <a:t>04.04.2022</a:t>
+              <a:t>05.04.2022</a:t>
             </a:fld>
             <a:endParaRPr lang="ru-RU"/>
           </a:p>
@@ -13833,7 +13833,7 @@
         </p:nvSpPr>
         <p:spPr>
           <a:xfrm>
-            <a:off x="7509051" y="10860331"/>
+            <a:off x="7345402" y="10860333"/>
             <a:ext cx="2115918" cy="1080000"/>
           </a:xfrm>
           <a:prstGeom prst="rect">
@@ -13961,7 +13961,7 @@
         </p:nvSpPr>
         <p:spPr>
           <a:xfrm>
-            <a:off x="8781720" y="16736785"/>
+            <a:off x="9848387" y="16636689"/>
             <a:ext cx="2115918" cy="1080000"/>
           </a:xfrm>
           <a:prstGeom prst="rect">
@@ -13993,7 +13993,7 @@
             <a:pPr algn="ctr"/>
             <a:r>
               <a:rPr lang="ru-RU" sz="1400" dirty="0"/>
-              <a:t>Мировая революция</a:t>
+              <a:t>Мировая революция советов</a:t>
             </a:r>
           </a:p>
         </p:txBody>
@@ -14012,7 +14012,7 @@
         </p:nvSpPr>
         <p:spPr>
           <a:xfrm>
-            <a:off x="7509051" y="12376963"/>
+            <a:off x="8603181" y="12359586"/>
             <a:ext cx="2115918" cy="1080000"/>
           </a:xfrm>
           <a:prstGeom prst="rect">
@@ -14067,7 +14067,7 @@
         </p:nvSpPr>
         <p:spPr>
           <a:xfrm>
-            <a:off x="5110605" y="12368165"/>
+            <a:off x="6101996" y="12359586"/>
             <a:ext cx="2115918" cy="1080000"/>
           </a:xfrm>
           <a:prstGeom prst="rect">
@@ -14123,7 +14123,7 @@
         </p:nvSpPr>
         <p:spPr>
           <a:xfrm>
-            <a:off x="6320963" y="13798558"/>
+            <a:off x="4872671" y="13800646"/>
             <a:ext cx="2115918" cy="1080000"/>
           </a:xfrm>
           <a:prstGeom prst="rect">
@@ -14174,7 +14174,7 @@
         </p:nvSpPr>
         <p:spPr>
           <a:xfrm>
-            <a:off x="6320963" y="15219680"/>
+            <a:off x="4872671" y="15207432"/>
             <a:ext cx="2115918" cy="1080000"/>
           </a:xfrm>
           <a:prstGeom prst="rect">
@@ -14246,7 +14246,7 @@
         </p:nvSpPr>
         <p:spPr>
           <a:xfrm>
-            <a:off x="3854716" y="13796310"/>
+            <a:off x="7376257" y="13800646"/>
             <a:ext cx="2115918" cy="1080000"/>
           </a:xfrm>
           <a:prstGeom prst="rect">
@@ -14334,7 +14334,7 @@
         </p:nvSpPr>
         <p:spPr>
           <a:xfrm>
-            <a:off x="6320963" y="16724402"/>
+            <a:off x="4872671" y="16724403"/>
             <a:ext cx="2115918" cy="1080000"/>
           </a:xfrm>
           <a:prstGeom prst="rect">
@@ -14390,7 +14390,7 @@
         </p:nvSpPr>
         <p:spPr>
           <a:xfrm>
-            <a:off x="439161" y="10328491"/>
+            <a:off x="294782" y="6116851"/>
             <a:ext cx="2115918" cy="1080000"/>
           </a:xfrm>
           <a:prstGeom prst="rect">
@@ -14505,7 +14505,7 @@
         </p:nvSpPr>
         <p:spPr>
           <a:xfrm>
-            <a:off x="8781720" y="13790491"/>
+            <a:off x="11095397" y="15207432"/>
             <a:ext cx="2115918" cy="1080000"/>
           </a:xfrm>
           <a:prstGeom prst="rect">
@@ -14577,7 +14577,7 @@
         </p:nvSpPr>
         <p:spPr>
           <a:xfrm>
-            <a:off x="439161" y="9074419"/>
+            <a:off x="294782" y="4862779"/>
             <a:ext cx="2115918" cy="1080000"/>
           </a:xfrm>
           <a:prstGeom prst="rect">
@@ -14628,7 +14628,7 @@
         </p:nvSpPr>
         <p:spPr>
           <a:xfrm>
-            <a:off x="8781720" y="18150313"/>
+            <a:off x="11110961" y="18150313"/>
             <a:ext cx="2115918" cy="1080000"/>
           </a:xfrm>
           <a:prstGeom prst="rect">
@@ -14679,7 +14679,7 @@
         </p:nvSpPr>
         <p:spPr>
           <a:xfrm>
-            <a:off x="6337744" y="18143910"/>
+            <a:off x="8603181" y="18150313"/>
             <a:ext cx="2115918" cy="1080000"/>
           </a:xfrm>
           <a:prstGeom prst="rect">
@@ -14730,7 +14730,7 @@
         </p:nvSpPr>
         <p:spPr>
           <a:xfrm>
-            <a:off x="2847081" y="9074419"/>
+            <a:off x="2702702" y="4862779"/>
             <a:ext cx="2115918" cy="1080000"/>
           </a:xfrm>
           <a:prstGeom prst="rect">
@@ -14764,6 +14764,1985 @@
               <a:rPr lang="ru-RU" sz="400" dirty="0"/>
               <a:t>Группа интернациональных коммунистов не имела ни устава, ни обязательных взносов, а ее «внутренние» собрания были открыты для всех остальных товарищей из других групп. В результате никогда не было известно точное количество участников в группе. Никогда не было голосования; это было сочтено ненужным, потому что нужно было избегать какой-либо партийной политики. Вы обсуждали проблему, и когда возникало важное расхождение во мнениях, отмечались различные точки зрения, и все. Решение большинства не имело значения. Решать будет рабочий класс22.Этот способ функционирования, который соответствовал образу дискуссионного кружка, был небезопасен. Он обрек гик на то, чтобы уходить в чисто теоретические проблемы, а когда ставились политические проблемы, вроде испанского вопроса (см. главу восьмую), было очень трудно увидеть принципиальную демаркацию между большинством и меньшинством группы. В то же время разногласия по поводу интервенции, отражавшие противостояние активистских и более теоретических тенденций, не могли быть преодолены голосованием или другими средствами и часто приводили к довольно неясным расколам.¬</a:t>
             </a:r>
+          </a:p>
+        </p:txBody>
+      </p:sp>
+      <p:sp>
+        <p:nvSpPr>
+          <p:cNvPr id="238" name="Прямоугольник 237">
+            <a:extLst>
+              <a:ext uri="{FF2B5EF4-FFF2-40B4-BE49-F238E27FC236}">
+                <a16:creationId xmlns:a16="http://schemas.microsoft.com/office/drawing/2014/main" id="{57D01D21-9C92-4D5D-912D-78EABFD4B423}"/>
+              </a:ext>
+            </a:extLst>
+          </p:cNvPr>
+          <p:cNvSpPr/>
+          <p:nvPr/>
+        </p:nvSpPr>
+        <p:spPr>
+          <a:xfrm>
+            <a:off x="2702702" y="6116851"/>
+            <a:ext cx="2115918" cy="1080000"/>
+          </a:xfrm>
+          <a:prstGeom prst="rect">
+            <a:avLst/>
+          </a:prstGeom>
+          <a:solidFill>
+            <a:srgbClr val="FFFF00"/>
+          </a:solidFill>
+          <a:ln w="28575"/>
+        </p:spPr>
+        <p:style>
+          <a:lnRef idx="2">
+            <a:schemeClr val="accent1"/>
+          </a:lnRef>
+          <a:fillRef idx="1">
+            <a:schemeClr val="lt1"/>
+          </a:fillRef>
+          <a:effectRef idx="0">
+            <a:schemeClr val="accent1"/>
+          </a:effectRef>
+          <a:fontRef idx="minor">
+            <a:schemeClr val="dk1"/>
+          </a:fontRef>
+        </p:style>
+        <p:txBody>
+          <a:bodyPr lIns="124733" tIns="62367" rIns="124733" bIns="62367" rtlCol="0" anchor="ctr"/>
+          <a:lstStyle/>
+          <a:p>
+            <a:pPr algn="ctr"/>
+            <a:r>
+              <a:rPr lang="ru-RU" sz="400" dirty="0"/>
+              <a:t>Сначала ядро группы полностью составляли школьные учителя: </a:t>
+            </a:r>
+            <a:r>
+              <a:rPr lang="ru-RU" sz="400" dirty="0" err="1"/>
+              <a:t>Хенк</a:t>
+            </a:r>
+            <a:r>
+              <a:rPr lang="ru-RU" sz="400" dirty="0"/>
+              <a:t> Канне Мейер, Тео </a:t>
+            </a:r>
+            <a:r>
+              <a:rPr lang="ru-RU" sz="400" dirty="0" err="1"/>
+              <a:t>Маассен</a:t>
+            </a:r>
+            <a:r>
+              <a:rPr lang="ru-RU" sz="400" dirty="0"/>
+              <a:t> (1891–1974) и Пит </a:t>
+            </a:r>
+            <a:r>
+              <a:rPr lang="ru-RU" sz="400" dirty="0" err="1"/>
+              <a:t>Коэрман</a:t>
+            </a:r>
+            <a:r>
+              <a:rPr lang="ru-RU" sz="400" dirty="0"/>
+              <a:t> (1890–1962), бывший друг </a:t>
+            </a:r>
+            <a:r>
+              <a:rPr lang="ru-RU" sz="400" dirty="0" err="1"/>
+              <a:t>Гортера</a:t>
+            </a:r>
+            <a:r>
+              <a:rPr lang="ru-RU" sz="400" dirty="0"/>
+              <a:t> в </a:t>
+            </a:r>
+            <a:r>
+              <a:rPr lang="ru-RU" sz="400" dirty="0" err="1"/>
+              <a:t>Бюссуме</a:t>
+            </a:r>
+            <a:r>
+              <a:rPr lang="ru-RU" sz="400" dirty="0"/>
+              <a:t>. Позже появились и другие элементы: либо студенты, либо рабочие. Вклад этих последних, большинство из которых были молодыми и без особых политических традиций, был доказательством того, что источники революционной активности не иссякли. Приверженность рабочих, которая привнесла в организацию некоторую «пролетарскую кровь», также доказывала, что организация была далеко не просто кружком интеллектуалов, проявлявших академический интерес к </a:t>
+            </a:r>
+            <a:r>
+              <a:rPr lang="ru-RU" sz="400" dirty="0" err="1"/>
+              <a:t>марксизму.Однако</a:t>
+            </a:r>
+            <a:r>
+              <a:rPr lang="ru-RU" sz="400" dirty="0"/>
+              <a:t>, как и всякая малая группа, гик был очень сильно отмечен своими наиболее видными личностями, что придавало определенный колорит жизни </a:t>
+            </a:r>
+            <a:r>
+              <a:rPr lang="ru-RU" sz="400" dirty="0" err="1"/>
+              <a:t>группы.Душой</a:t>
+            </a:r>
+            <a:r>
+              <a:rPr lang="ru-RU" sz="400" dirty="0"/>
+              <a:t> группы на самом деле был </a:t>
+            </a:r>
+            <a:r>
+              <a:rPr lang="ru-RU" sz="400" dirty="0" err="1"/>
+              <a:t>Хенк</a:t>
+            </a:r>
+            <a:r>
+              <a:rPr lang="ru-RU" sz="400" dirty="0"/>
+              <a:t> Канне Мейер24. Он был бывшим инженером, который стал учителем, чтобы получить свободное время, необходимое для политической деятельности, а не для любой педагогической деятельности. Он был жив В то время как </a:t>
+            </a:r>
+            <a:r>
+              <a:rPr lang="ru-RU" sz="400" dirty="0" err="1"/>
+              <a:t>Бордига</a:t>
+            </a:r>
+            <a:r>
+              <a:rPr lang="ru-RU" sz="400" dirty="0"/>
+              <a:t> отказался от политической деятельности в период с 1929 по 1944 год, </a:t>
+            </a:r>
+            <a:r>
+              <a:rPr lang="ru-RU" sz="400" dirty="0" err="1"/>
+              <a:t>Дамен</a:t>
+            </a:r>
+            <a:r>
+              <a:rPr lang="ru-RU" sz="400" dirty="0"/>
+              <a:t> продолжал свою деятельность в качестве боевика; именно он, а не </a:t>
+            </a:r>
+            <a:r>
+              <a:rPr lang="ru-RU" sz="400" dirty="0" err="1"/>
+              <a:t>Бордига</a:t>
+            </a:r>
+            <a:r>
+              <a:rPr lang="ru-RU" sz="400" dirty="0"/>
+              <a:t>, был настоящим основателем Интернационалистской коммунистической партии (ПКНТ), образованной в 1943 году на севере Италии.</a:t>
+            </a:r>
+          </a:p>
+        </p:txBody>
+      </p:sp>
+      <p:sp>
+        <p:nvSpPr>
+          <p:cNvPr id="240" name="Прямоугольник 239">
+            <a:extLst>
+              <a:ext uri="{FF2B5EF4-FFF2-40B4-BE49-F238E27FC236}">
+                <a16:creationId xmlns:a16="http://schemas.microsoft.com/office/drawing/2014/main" id="{5D946F78-13AF-4E5D-821E-15E9D1C480EA}"/>
+              </a:ext>
+            </a:extLst>
+          </p:cNvPr>
+          <p:cNvSpPr/>
+          <p:nvPr/>
+        </p:nvSpPr>
+        <p:spPr>
+          <a:xfrm>
+            <a:off x="294782" y="7407008"/>
+            <a:ext cx="2115918" cy="1080000"/>
+          </a:xfrm>
+          <a:prstGeom prst="rect">
+            <a:avLst/>
+          </a:prstGeom>
+          <a:solidFill>
+            <a:srgbClr val="FFFF00"/>
+          </a:solidFill>
+          <a:ln w="28575"/>
+        </p:spPr>
+        <p:style>
+          <a:lnRef idx="2">
+            <a:schemeClr val="accent1"/>
+          </a:lnRef>
+          <a:fillRef idx="1">
+            <a:schemeClr val="lt1"/>
+          </a:fillRef>
+          <a:effectRef idx="0">
+            <a:schemeClr val="accent1"/>
+          </a:effectRef>
+          <a:fontRef idx="minor">
+            <a:schemeClr val="dk1"/>
+          </a:fontRef>
+        </p:style>
+        <p:txBody>
+          <a:bodyPr lIns="124733" tIns="62367" rIns="124733" bIns="62367" rtlCol="0" anchor="ctr"/>
+          <a:lstStyle/>
+          <a:p>
+            <a:pPr algn="ctr"/>
+            <a:r>
+              <a:rPr lang="ru-RU" sz="300" dirty="0" err="1"/>
+              <a:t>Хенк</a:t>
+            </a:r>
+            <a:r>
+              <a:rPr lang="ru-RU" sz="300" dirty="0"/>
+              <a:t> Канне Мейер (1890–1962) был членом НАС — в 1917 году он руководил </a:t>
+            </a:r>
+            <a:r>
+              <a:rPr lang="ru-RU" sz="300" dirty="0" err="1"/>
+              <a:t>De</a:t>
+            </a:r>
+            <a:r>
+              <a:rPr lang="ru-RU" sz="300" dirty="0"/>
+              <a:t> </a:t>
+            </a:r>
+            <a:r>
+              <a:rPr lang="ru-RU" sz="300" dirty="0" err="1"/>
+              <a:t>jeugdige</a:t>
+            </a:r>
+            <a:r>
+              <a:rPr lang="ru-RU" sz="300" dirty="0"/>
+              <a:t>, приводя доказательства огромных теоретических и политических способностей, существующих в пролетарском движении, живое доказательство того, что политическое сознание среди рабочих не было поднято. извне «буржуазной интеллигенцией», как утверждал Ленин в «Что делать?». С умом скорее теоретическим, чем практическим, одаренным ясностью и простотой, чрезвычайно прямолинейным, Канне Мейер обладал некоторыми типичными характеристиками самоучки. Энциклопедический дух привел его к изучению биологии и психологии. Такое отношение, окрашенное педагогикой, было особенно сильным в определенные периоды рабочего движения, особенно среди самоучек. Хотя такие черты могут не вызывать больших проблем в узком кругу дискуссий, то же самое не верно для политической организации. Канне Мейер, а также ряд членов организации имели сильную склонность рассматривать организацию как «учебную группу», задачей которой было просвещение ее членов и рабочего класса. Эта склонность, типичная для советско-коммунистических групп, могла бы быстро заключить жизнь в тюрьму чистого академизма. Это уравновешивалось наличием других элементов, которые были более активны и хотели вмешаться в живую классовую борьбу. Но организация в целом вовсе не считала себя простым кругом академических исследований марксизма, довольствовавшихся «образованием» подходивших к ней элементов рабочего класса. имел сильную склонность рассматривать организацию как «учебную группу», функция которой заключалась в обучении ее членов и рабочего класса. Эта склонность, типичная для советско-коммунистических групп, могла бы быстро заключить жизнь в тюрьму чистого академизма. Это уравновешивалось наличием других элементов, которые были более активны и хотели вмешаться в живую классовую борьбу. Но организация в целом вовсе не считала себя простым кругом академических исследований марксизма, довольствовавшихся «образованием» подходивших к ней элементов рабочего класса. имел сильную склонность рассматривать организацию как «учебную группу», функция которой заключалась в обучении ее членов и рабочего класса. Эта склонность, типичная для советско-коммунистических групп, могла бы быстро заключить жизнь в тюрьму чистого академизма. Это уравновешивалось наличием других элементов, которые были более активны и хотели вмешаться в живую классовую борьбу. Но организация в целом вовсе не считала себя простым кругом академических исследований марксизма, довольствовавшихся «просвещением» подходивших к ней элементов рабочего класса.</a:t>
+            </a:r>
+          </a:p>
+        </p:txBody>
+      </p:sp>
+      <p:sp>
+        <p:nvSpPr>
+          <p:cNvPr id="241" name="Прямоугольник 240">
+            <a:extLst>
+              <a:ext uri="{FF2B5EF4-FFF2-40B4-BE49-F238E27FC236}">
+                <a16:creationId xmlns:a16="http://schemas.microsoft.com/office/drawing/2014/main" id="{69D105F8-06E8-4874-9CC0-A720AA16198A}"/>
+              </a:ext>
+            </a:extLst>
+          </p:cNvPr>
+          <p:cNvSpPr/>
+          <p:nvPr/>
+        </p:nvSpPr>
+        <p:spPr>
+          <a:xfrm>
+            <a:off x="2702702" y="7402583"/>
+            <a:ext cx="2115918" cy="1080000"/>
+          </a:xfrm>
+          <a:prstGeom prst="rect">
+            <a:avLst/>
+          </a:prstGeom>
+          <a:solidFill>
+            <a:srgbClr val="FFFF00"/>
+          </a:solidFill>
+          <a:ln w="28575"/>
+        </p:spPr>
+        <p:style>
+          <a:lnRef idx="2">
+            <a:schemeClr val="accent1"/>
+          </a:lnRef>
+          <a:fillRef idx="1">
+            <a:schemeClr val="lt1"/>
+          </a:fillRef>
+          <a:effectRef idx="0">
+            <a:schemeClr val="accent1"/>
+          </a:effectRef>
+          <a:fontRef idx="minor">
+            <a:schemeClr val="dk1"/>
+          </a:fontRef>
+        </p:style>
+        <p:txBody>
+          <a:bodyPr lIns="124733" tIns="62367" rIns="124733" bIns="62367" rtlCol="0" anchor="ctr"/>
+          <a:lstStyle/>
+          <a:p>
+            <a:pPr algn="ctr"/>
+            <a:r>
+              <a:rPr lang="ru-RU" sz="200" dirty="0"/>
+              <a:t>Другой элемент, очень представительный для политической жизни гика, Ян </a:t>
+            </a:r>
+            <a:r>
+              <a:rPr lang="ru-RU" sz="200" dirty="0" err="1"/>
+              <a:t>Аппель</a:t>
+            </a:r>
+            <a:r>
+              <a:rPr lang="ru-RU" sz="200" dirty="0"/>
+              <a:t>, проявлял большую активность в качестве активиста в группе. Как и Пауль </a:t>
+            </a:r>
+            <a:r>
+              <a:rPr lang="ru-RU" sz="200" dirty="0" err="1"/>
+              <a:t>Маттик</a:t>
+            </a:r>
+            <a:r>
+              <a:rPr lang="ru-RU" sz="200" dirty="0"/>
+              <a:t>, </a:t>
+            </a:r>
+            <a:r>
+              <a:rPr lang="ru-RU" sz="200" dirty="0" err="1"/>
+              <a:t>Аппель</a:t>
+            </a:r>
+            <a:r>
+              <a:rPr lang="ru-RU" sz="200" dirty="0"/>
+              <a:t> был одним из тех революционных рабочих, которые в середине 1920-х годов покинули Германию как по профессиональным, так и по политическим причинам и продолжали свою политическую деятельность в среде немецкой эмиграции. Ян </a:t>
+            </a:r>
+            <a:r>
+              <a:rPr lang="ru-RU" sz="200" dirty="0" err="1"/>
+              <a:t>Аппель</a:t>
+            </a:r>
+            <a:r>
+              <a:rPr lang="ru-RU" sz="200" dirty="0"/>
+              <a:t> (1890–1985; псевдонимы: Макс </a:t>
+            </a:r>
+            <a:r>
+              <a:rPr lang="ru-RU" sz="200" dirty="0" err="1"/>
+              <a:t>Хемпель</a:t>
+            </a:r>
+            <a:r>
+              <a:rPr lang="ru-RU" sz="200" dirty="0"/>
+              <a:t>, Ян </a:t>
+            </a:r>
+            <a:r>
+              <a:rPr lang="ru-RU" sz="200" dirty="0" err="1"/>
+              <a:t>Арндт</a:t>
+            </a:r>
+            <a:r>
+              <a:rPr lang="ru-RU" sz="200" dirty="0"/>
+              <a:t>, Ян </a:t>
+            </a:r>
+            <a:r>
+              <a:rPr lang="ru-RU" sz="200" dirty="0" err="1"/>
+              <a:t>Вос</a:t>
+            </a:r>
+            <a:r>
+              <a:rPr lang="ru-RU" sz="200" dirty="0"/>
+              <a:t>). Активен в СДП с 1908 года. Он проходил военную службу с 1911 по 1913 год, после чего служил солдатом на войне. В октябре 1917 демобилизован и направлен на работу в Гамбург рабочим на верфи. В октябре 1918 г. он созвал забастовку оружейников — «Наш лозунг был: «За мир!»». В ноябре он участвовал в качестве рабочего и революционного делегата в большой забастовке военно-морских верфей в Гамбурге. Член </a:t>
+            </a:r>
+            <a:r>
+              <a:rPr lang="ru-RU" sz="200" dirty="0" err="1"/>
+              <a:t>Linksradikal</a:t>
+            </a:r>
+            <a:r>
+              <a:rPr lang="ru-RU" sz="200" dirty="0"/>
+              <a:t> в 1917 г., он стал членом Союза Спартака в декабре 1918 г. В январе 1919 г., после того как в Берлине были убиты Роза Люксембург и Карл Либкнехт, он познакомился с Эрнстом Тельманом из УСДП, будущим председателем сталинской КПД. . Вскоре он выступил за создание фабричных организаций (</a:t>
+            </a:r>
+            <a:r>
+              <a:rPr lang="ru-RU" sz="200" dirty="0" err="1"/>
+              <a:t>Betriebsorganisationen</a:t>
+            </a:r>
+            <a:r>
+              <a:rPr lang="ru-RU" sz="200" dirty="0"/>
+              <a:t>), что привело к основанию </a:t>
+            </a:r>
+            <a:r>
+              <a:rPr lang="ru-RU" sz="200" dirty="0" err="1"/>
+              <a:t>Allgemeine</a:t>
+            </a:r>
+            <a:r>
+              <a:rPr lang="ru-RU" sz="200" dirty="0"/>
+              <a:t> </a:t>
+            </a:r>
+            <a:r>
+              <a:rPr lang="ru-RU" sz="200" dirty="0" err="1"/>
+              <a:t>Arbeiter</a:t>
+            </a:r>
+            <a:r>
+              <a:rPr lang="ru-RU" sz="200" dirty="0"/>
+              <a:t> </a:t>
+            </a:r>
+            <a:r>
+              <a:rPr lang="ru-RU" sz="200" dirty="0" err="1"/>
+              <a:t>Union</a:t>
+            </a:r>
+            <a:r>
+              <a:rPr lang="ru-RU" sz="200" dirty="0"/>
+              <a:t> </a:t>
+            </a:r>
+            <a:r>
+              <a:rPr lang="ru-RU" sz="200" dirty="0" err="1"/>
+              <a:t>Deutschlands</a:t>
+            </a:r>
+            <a:r>
+              <a:rPr lang="ru-RU" sz="200" dirty="0"/>
+              <a:t>, или </a:t>
+            </a:r>
+            <a:r>
+              <a:rPr lang="ru-RU" sz="200" dirty="0" err="1"/>
+              <a:t>aaud</a:t>
+            </a:r>
+            <a:r>
+              <a:rPr lang="ru-RU" sz="200" dirty="0"/>
+              <a:t>, и был одним из главных пропагандистов </a:t>
+            </a:r>
+            <a:r>
+              <a:rPr lang="ru-RU" sz="200" dirty="0" err="1"/>
+              <a:t>aau</a:t>
+            </a:r>
+            <a:r>
+              <a:rPr lang="ru-RU" sz="200" dirty="0"/>
+              <a:t>. Он был председателем </a:t>
+            </a:r>
+            <a:r>
+              <a:rPr lang="ru-RU" sz="200" dirty="0" err="1"/>
+              <a:t>Revolutionare</a:t>
+            </a:r>
+            <a:r>
+              <a:rPr lang="ru-RU" sz="200" dirty="0"/>
+              <a:t> </a:t>
+            </a:r>
+            <a:r>
+              <a:rPr lang="ru-RU" sz="200" dirty="0" err="1"/>
+              <a:t>Obleute</a:t>
+            </a:r>
+            <a:r>
+              <a:rPr lang="ru-RU" sz="200" dirty="0"/>
+              <a:t> и частично взял на себя роль председателя гамбургского округа КПД. Он был с гамбургской оппозицией, но вскоре отказался от их поддержки. По этой причине он был делегатом </a:t>
+            </a:r>
+            <a:r>
+              <a:rPr lang="ru-RU" sz="200" dirty="0" err="1"/>
+              <a:t>Гейдельбергского</a:t>
+            </a:r>
+            <a:r>
+              <a:rPr lang="ru-RU" sz="200" dirty="0"/>
+              <a:t> конгресса КПГ в октябре 1919 г. Он был одним из главных рабочих лидеров КПГ в апреле 1920 г. В том же месяце он был вторым официальным делегатом, представлявшим КПГ на Исполнительный комитет Коммунистического Интернационала (ECCI), затем на заседании в Москве — вместе с Францем Юнгом, Вилли Кларе (1893–1970), моряком и лидером </a:t>
+            </a:r>
+            <a:r>
+              <a:rPr lang="ru-RU" sz="200" dirty="0" err="1"/>
+              <a:t>юнионистов</a:t>
+            </a:r>
+            <a:r>
+              <a:rPr lang="ru-RU" sz="200" dirty="0"/>
+              <a:t> в Он был председателем </a:t>
+            </a:r>
+            <a:r>
+              <a:rPr lang="ru-RU" sz="200" dirty="0" err="1"/>
+              <a:t>Revolutionare</a:t>
+            </a:r>
+            <a:r>
+              <a:rPr lang="ru-RU" sz="200" dirty="0"/>
+              <a:t> </a:t>
+            </a:r>
+            <a:r>
+              <a:rPr lang="ru-RU" sz="200" dirty="0" err="1"/>
+              <a:t>Obleute</a:t>
+            </a:r>
+            <a:r>
+              <a:rPr lang="ru-RU" sz="200" dirty="0"/>
+              <a:t> и частично взял на себя роль председателя гамбургского округа КПД. Он был с гамбургской оппозицией, но вскоре отказался от их поддержки. По этой причине он был делегатом </a:t>
+            </a:r>
+            <a:r>
+              <a:rPr lang="ru-RU" sz="200" dirty="0" err="1"/>
+              <a:t>Гейдельбергского</a:t>
+            </a:r>
+            <a:r>
+              <a:rPr lang="ru-RU" sz="200" dirty="0"/>
+              <a:t> конгресса КПГ в октябре 1919 г. Он был одним из главных рабочих лидеров КПГ в апреле 1920 г. В том же месяце он был вторым официальным делегатом, представлявшим КПГ на Исполнительный комитет Коммунистического Интернационала (ECCI), затем на заседании в Москве — вместе с Францем Юнгом, Вилли Кларе (1893–1970), моряком и лидером </a:t>
+            </a:r>
+            <a:r>
+              <a:rPr lang="ru-RU" sz="200" dirty="0" err="1"/>
+              <a:t>юнионистов</a:t>
+            </a:r>
+            <a:r>
+              <a:rPr lang="ru-RU" sz="200" dirty="0"/>
+              <a:t> в Он был председателем </a:t>
+            </a:r>
+            <a:r>
+              <a:rPr lang="ru-RU" sz="200" dirty="0" err="1"/>
+              <a:t>Revolutionare</a:t>
+            </a:r>
+            <a:r>
+              <a:rPr lang="ru-RU" sz="200" dirty="0"/>
+              <a:t> </a:t>
+            </a:r>
+            <a:r>
+              <a:rPr lang="ru-RU" sz="200" dirty="0" err="1"/>
+              <a:t>Obleute</a:t>
+            </a:r>
+            <a:r>
+              <a:rPr lang="ru-RU" sz="200" dirty="0"/>
+              <a:t> и частично взял на себя роль председателя гамбургского округа КПД. Он был с гамбургской оппозицией, но вскоре отказался от их поддержки. По этой причине он был делегатом </a:t>
+            </a:r>
+            <a:r>
+              <a:rPr lang="ru-RU" sz="200" dirty="0" err="1"/>
+              <a:t>Гейдельбергского</a:t>
+            </a:r>
+            <a:r>
+              <a:rPr lang="ru-RU" sz="200" dirty="0"/>
+              <a:t> конгресса КПГ в октябре 1919 г. Он был одним из главных рабочих лидеров КПГ в апреле 1920 г. В том же месяце он был вторым официальным делегатом, представлявшим КПГ на Исполнительный комитет Коммунистического Интернационала (ECCI), затем на заседании в Москве — вместе с Францем Юнгом, Вилли Кларе (1893–1970), моряком и лидером </a:t>
+            </a:r>
+            <a:r>
+              <a:rPr lang="ru-RU" sz="200" dirty="0" err="1"/>
+              <a:t>юнионистов</a:t>
+            </a:r>
+            <a:r>
+              <a:rPr lang="ru-RU" sz="200" dirty="0"/>
+              <a:t> </a:t>
+            </a:r>
+            <a:r>
+              <a:rPr lang="ru-RU" sz="200" dirty="0" err="1"/>
+              <a:t>вКуксхафена</a:t>
+            </a:r>
+            <a:r>
+              <a:rPr lang="ru-RU" sz="200" dirty="0"/>
+              <a:t> и Германа </a:t>
+            </a:r>
+            <a:r>
+              <a:rPr lang="ru-RU" sz="200" dirty="0" err="1"/>
+              <a:t>Кнуфкена</a:t>
+            </a:r>
+            <a:r>
+              <a:rPr lang="ru-RU" sz="200" dirty="0"/>
+              <a:t> (1893-1976), он угнал рыбацкую лодку «Сенатор Шредер», чтобы добраться до Мурманска. Поговорив с Зиновьевым в Ленинграде, он отправился в Москву. Вместе с Юнгом и Германом </a:t>
+            </a:r>
+            <a:r>
+              <a:rPr lang="ru-RU" sz="200" dirty="0" err="1"/>
+              <a:t>Кнуфкеном</a:t>
+            </a:r>
+            <a:r>
+              <a:rPr lang="ru-RU" sz="200" dirty="0"/>
+              <a:t> его вскоре принял сам Ленин. По его </a:t>
+            </a:r>
+            <a:r>
+              <a:rPr lang="ru-RU" sz="200" dirty="0" err="1"/>
+              <a:t>словам:«Ленин</a:t>
+            </a:r>
+            <a:r>
+              <a:rPr lang="ru-RU" sz="200" dirty="0"/>
+              <a:t>, конечно, выступал против нашей и </a:t>
+            </a:r>
+            <a:r>
+              <a:rPr lang="ru-RU" sz="200" dirty="0" err="1"/>
+              <a:t>капд</a:t>
+            </a:r>
+            <a:r>
+              <a:rPr lang="ru-RU" sz="200" dirty="0"/>
+              <a:t>-точки зрения. В ходе второго приема, немного позже, он дал нам свой ответ. Это он сделал, читая до пределов этой среды. Как и Пол </a:t>
+            </a:r>
+            <a:r>
+              <a:rPr lang="ru-RU" sz="200" dirty="0" err="1"/>
+              <a:t>Маттик</a:t>
+            </a:r>
+            <a:r>
+              <a:rPr lang="ru-RU" sz="200" dirty="0"/>
+              <a:t>, Ян </a:t>
+            </a:r>
+            <a:r>
+              <a:rPr lang="ru-RU" sz="200" dirty="0" err="1"/>
+              <a:t>Аппель</a:t>
+            </a:r>
+            <a:r>
+              <a:rPr lang="ru-RU" sz="200" dirty="0"/>
+              <a:t> был членом </a:t>
+            </a:r>
+            <a:r>
+              <a:rPr lang="ru-RU" sz="200" dirty="0" err="1"/>
+              <a:t>капд</a:t>
+            </a:r>
+            <a:r>
+              <a:rPr lang="ru-RU" sz="200" dirty="0"/>
+              <a:t>. Он был одним из ее основателей, представляя партию на </a:t>
+            </a:r>
+          </a:p>
+        </p:txBody>
+      </p:sp>
+      <p:sp>
+        <p:nvSpPr>
+          <p:cNvPr id="243" name="Прямоугольник 242">
+            <a:extLst>
+              <a:ext uri="{FF2B5EF4-FFF2-40B4-BE49-F238E27FC236}">
+                <a16:creationId xmlns:a16="http://schemas.microsoft.com/office/drawing/2014/main" id="{3D1417A7-AB3A-4C34-936C-1A98A8A0A63A}"/>
+              </a:ext>
+            </a:extLst>
+          </p:cNvPr>
+          <p:cNvSpPr/>
+          <p:nvPr/>
+        </p:nvSpPr>
+        <p:spPr>
+          <a:xfrm>
+            <a:off x="294782" y="8697165"/>
+            <a:ext cx="2115918" cy="1080000"/>
+          </a:xfrm>
+          <a:prstGeom prst="rect">
+            <a:avLst/>
+          </a:prstGeom>
+          <a:solidFill>
+            <a:srgbClr val="FFFF00"/>
+          </a:solidFill>
+          <a:ln w="28575"/>
+        </p:spPr>
+        <p:style>
+          <a:lnRef idx="2">
+            <a:schemeClr val="accent1"/>
+          </a:lnRef>
+          <a:fillRef idx="1">
+            <a:schemeClr val="lt1"/>
+          </a:fillRef>
+          <a:effectRef idx="0">
+            <a:schemeClr val="accent1"/>
+          </a:effectRef>
+          <a:fontRef idx="minor">
+            <a:schemeClr val="dk1"/>
+          </a:fontRef>
+        </p:style>
+        <p:txBody>
+          <a:bodyPr lIns="124733" tIns="62367" rIns="124733" bIns="62367" rtlCol="0" anchor="ctr"/>
+          <a:lstStyle/>
+          <a:p>
+            <a:pPr algn="ctr"/>
+            <a:r>
+              <a:rPr lang="ru-RU" sz="500" dirty="0"/>
+              <a:t>После конференции в декабре 1936 г. гик присоединился к очень свободной федерации национальных групп в качестве своего теоретического главы. Он отказался от публикации своих материалов для прессы на немецком языке (</a:t>
+            </a:r>
+            <a:r>
+              <a:rPr lang="ru-RU" sz="500" dirty="0" err="1"/>
+              <a:t>pik</a:t>
+            </a:r>
+            <a:r>
+              <a:rPr lang="ru-RU" sz="500" dirty="0"/>
+              <a:t>) в пользу юнионистского обзора </a:t>
+            </a:r>
+            <a:r>
+              <a:rPr lang="ru-RU" sz="500" dirty="0" err="1"/>
+              <a:t>ino</a:t>
+            </a:r>
+            <a:r>
+              <a:rPr lang="ru-RU" sz="500" dirty="0"/>
+              <a:t> (</a:t>
+            </a:r>
+            <a:r>
+              <a:rPr lang="ru-RU" sz="500" dirty="0" err="1"/>
+              <a:t>Internacia</a:t>
+            </a:r>
+            <a:r>
+              <a:rPr lang="ru-RU" sz="500" dirty="0"/>
+              <a:t> </a:t>
+            </a:r>
+            <a:r>
+              <a:rPr lang="ru-RU" sz="500" dirty="0" err="1"/>
+              <a:t>Novaj-Officejo</a:t>
+            </a:r>
+            <a:r>
+              <a:rPr lang="ru-RU" sz="500" dirty="0"/>
+              <a:t>) </a:t>
+            </a:r>
+            <a:r>
+              <a:rPr lang="ru-RU" sz="500" dirty="0" err="1"/>
+              <a:t>Presse-Korrespondenz</a:t>
+            </a:r>
+            <a:r>
+              <a:rPr lang="ru-RU" sz="500" dirty="0"/>
+              <a:t>. Последний редактировался международным информационным бюро </a:t>
+            </a:r>
+            <a:r>
+              <a:rPr lang="ru-RU" sz="500" dirty="0" err="1"/>
+              <a:t>кау</a:t>
+            </a:r>
+            <a:r>
+              <a:rPr lang="ru-RU" sz="500" dirty="0"/>
+              <a:t> во Франкфурте, задачей которого было информировать и перегруппировывать советско-коммунистические группы по всему </a:t>
+            </a:r>
+            <a:r>
+              <a:rPr lang="ru-RU" sz="500" dirty="0" err="1"/>
+              <a:t>миру.¬Этим</a:t>
+            </a:r>
+            <a:r>
+              <a:rPr lang="ru-RU" sz="500" dirty="0"/>
+              <a:t> группам была свойственна отколовшаяся от кап д, отвергнувшая концепцию партии первого, чтобы присоединиться к немецкому </a:t>
+            </a:r>
+            <a:r>
+              <a:rPr lang="ru-RU" sz="500" dirty="0" err="1"/>
+              <a:t>кау</a:t>
+            </a:r>
+            <a:r>
+              <a:rPr lang="ru-RU" sz="500" dirty="0"/>
+              <a:t> и голландскому гику:</a:t>
+            </a:r>
+          </a:p>
+        </p:txBody>
+      </p:sp>
+      <p:sp>
+        <p:nvSpPr>
+          <p:cNvPr id="244" name="Прямоугольник 243">
+            <a:extLst>
+              <a:ext uri="{FF2B5EF4-FFF2-40B4-BE49-F238E27FC236}">
+                <a16:creationId xmlns:a16="http://schemas.microsoft.com/office/drawing/2014/main" id="{95AA2346-0E45-4468-8883-5330558C313E}"/>
+              </a:ext>
+            </a:extLst>
+          </p:cNvPr>
+          <p:cNvSpPr/>
+          <p:nvPr/>
+        </p:nvSpPr>
+        <p:spPr>
+          <a:xfrm>
+            <a:off x="7376257" y="19671570"/>
+            <a:ext cx="2115918" cy="1080000"/>
+          </a:xfrm>
+          <a:prstGeom prst="rect">
+            <a:avLst/>
+          </a:prstGeom>
+          <a:solidFill>
+            <a:srgbClr val="FFFF00"/>
+          </a:solidFill>
+          <a:ln w="28575"/>
+        </p:spPr>
+        <p:style>
+          <a:lnRef idx="2">
+            <a:schemeClr val="accent1"/>
+          </a:lnRef>
+          <a:fillRef idx="1">
+            <a:schemeClr val="lt1"/>
+          </a:fillRef>
+          <a:effectRef idx="0">
+            <a:schemeClr val="accent1"/>
+          </a:effectRef>
+          <a:fontRef idx="minor">
+            <a:schemeClr val="dk1"/>
+          </a:fontRef>
+        </p:style>
+        <p:txBody>
+          <a:bodyPr lIns="124733" tIns="62367" rIns="124733" bIns="62367" rtlCol="0" anchor="ctr"/>
+          <a:lstStyle/>
+          <a:p>
+            <a:pPr algn="ctr"/>
+            <a:r>
+              <a:rPr lang="ru-RU" sz="1400" dirty="0"/>
+              <a:t>Объединённый интернационал с Данией </a:t>
+            </a:r>
+            <a:r>
+              <a:rPr lang="ru-RU" sz="300" dirty="0"/>
+              <a:t>(- Датская кап д, существовавшая с середины 20-х годов, в 1930 г. стала Группой интернациональных коммунистов (гик)46) 1931 г., ежемесячный журнал </a:t>
+            </a:r>
+            <a:r>
+              <a:rPr lang="ru-RU" sz="300" dirty="0" err="1"/>
+              <a:t>Marxistisk</a:t>
+            </a:r>
+            <a:r>
+              <a:rPr lang="ru-RU" sz="300" dirty="0"/>
+              <a:t> </a:t>
+            </a:r>
+            <a:r>
+              <a:rPr lang="ru-RU" sz="300" dirty="0" err="1"/>
+              <a:t>Arbejder-Politik</a:t>
+            </a:r>
+            <a:r>
+              <a:rPr lang="ru-RU" sz="300" dirty="0"/>
+              <a:t> («Марксистская рабочая политика»). Группа состояла из 12 членов и имела связи с оппозицией внутри датского Ц. с.47 Ее ориентация была строго советской, так как она отвергала любую партию. Его призывы ко «всеобщей забастовке» и «прямым действиям» даже обнаруживают сходство с анархистским течением, несколько далеким от советского коммунизма.</a:t>
+            </a:r>
+            <a:endParaRPr lang="ru-RU" sz="1400" dirty="0"/>
+          </a:p>
+        </p:txBody>
+      </p:sp>
+      <p:sp>
+        <p:nvSpPr>
+          <p:cNvPr id="246" name="Прямоугольник 245">
+            <a:extLst>
+              <a:ext uri="{FF2B5EF4-FFF2-40B4-BE49-F238E27FC236}">
+                <a16:creationId xmlns:a16="http://schemas.microsoft.com/office/drawing/2014/main" id="{9F945B49-C665-4AC7-8517-A044FF611794}"/>
+              </a:ext>
+            </a:extLst>
+          </p:cNvPr>
+          <p:cNvSpPr/>
+          <p:nvPr/>
+        </p:nvSpPr>
+        <p:spPr>
+          <a:xfrm>
+            <a:off x="9848387" y="19663937"/>
+            <a:ext cx="2115918" cy="1080000"/>
+          </a:xfrm>
+          <a:prstGeom prst="rect">
+            <a:avLst/>
+          </a:prstGeom>
+          <a:solidFill>
+            <a:srgbClr val="FFFF00"/>
+          </a:solidFill>
+          <a:ln w="28575"/>
+        </p:spPr>
+        <p:style>
+          <a:lnRef idx="2">
+            <a:schemeClr val="accent1"/>
+          </a:lnRef>
+          <a:fillRef idx="1">
+            <a:schemeClr val="lt1"/>
+          </a:fillRef>
+          <a:effectRef idx="0">
+            <a:schemeClr val="accent1"/>
+          </a:effectRef>
+          <a:fontRef idx="minor">
+            <a:schemeClr val="dk1"/>
+          </a:fontRef>
+        </p:style>
+        <p:txBody>
+          <a:bodyPr lIns="124733" tIns="62367" rIns="124733" bIns="62367" rtlCol="0" anchor="ctr"/>
+          <a:lstStyle/>
+          <a:p>
+            <a:pPr algn="ctr"/>
+            <a:r>
+              <a:rPr lang="ru-RU" sz="1400" dirty="0"/>
+              <a:t>Объединённый интернационал с Венгрией </a:t>
+            </a:r>
+            <a:r>
+              <a:rPr lang="ru-RU" sz="400" dirty="0"/>
+              <a:t>(- Левые коммунисты Венгрии (</a:t>
+            </a:r>
+            <a:r>
+              <a:rPr lang="ru-RU" sz="400" dirty="0" err="1"/>
+              <a:t>mbksz</a:t>
+            </a:r>
+            <a:r>
+              <a:rPr lang="ru-RU" sz="400" dirty="0"/>
+              <a:t>) работали в тяжелых условиях. Группа была нелегальной и столкнулась с преследованием со стороны полиции, фашистских групп и организаций компартии и социал-демократии48. Их пропаганда нашла отклик в небольших фракциях </a:t>
+            </a:r>
+            <a:r>
+              <a:rPr lang="ru-RU" sz="400" dirty="0" err="1"/>
+              <a:t>сп</a:t>
+            </a:r>
+            <a:r>
+              <a:rPr lang="ru-RU" sz="400" dirty="0"/>
+              <a:t> и компартии. В советском коммунистическом движении </a:t>
+            </a:r>
+            <a:r>
+              <a:rPr lang="ru-RU" sz="400" dirty="0" err="1"/>
+              <a:t>mbksz</a:t>
+            </a:r>
+            <a:r>
+              <a:rPr lang="ru-RU" sz="400" dirty="0"/>
+              <a:t>, безусловно, была группой, которая больше всего настаивала на срочной международной перегруппировке существующих сил.)</a:t>
+            </a:r>
+            <a:endParaRPr lang="ru-RU" sz="1400" dirty="0"/>
+          </a:p>
+        </p:txBody>
+      </p:sp>
+      <p:cxnSp>
+        <p:nvCxnSpPr>
+          <p:cNvPr id="247" name="Прямая соединительная линия 246">
+            <a:extLst>
+              <a:ext uri="{FF2B5EF4-FFF2-40B4-BE49-F238E27FC236}">
+                <a16:creationId xmlns:a16="http://schemas.microsoft.com/office/drawing/2014/main" id="{E0FFD5EF-7102-4D85-AB4D-4291057C2957}"/>
+              </a:ext>
+            </a:extLst>
+          </p:cNvPr>
+          <p:cNvCxnSpPr>
+            <a:cxnSpLocks/>
+            <a:stCxn id="126" idx="1"/>
+            <a:endCxn id="215" idx="3"/>
+          </p:cNvCxnSpPr>
+          <p:nvPr/>
+        </p:nvCxnSpPr>
+        <p:spPr>
+          <a:xfrm flipH="1">
+            <a:off x="9461320" y="11400333"/>
+            <a:ext cx="6613781" cy="0"/>
+          </a:xfrm>
+          <a:prstGeom prst="line">
+            <a:avLst/>
+          </a:prstGeom>
+          <a:ln w="28575">
+            <a:solidFill>
+              <a:srgbClr val="FF0000"/>
+            </a:solidFill>
+          </a:ln>
+        </p:spPr>
+        <p:style>
+          <a:lnRef idx="1">
+            <a:schemeClr val="accent1"/>
+          </a:lnRef>
+          <a:fillRef idx="0">
+            <a:schemeClr val="accent1"/>
+          </a:fillRef>
+          <a:effectRef idx="0">
+            <a:schemeClr val="accent1"/>
+          </a:effectRef>
+          <a:fontRef idx="minor">
+            <a:schemeClr val="tx1"/>
+          </a:fontRef>
+        </p:style>
+      </p:cxnSp>
+      <p:cxnSp>
+        <p:nvCxnSpPr>
+          <p:cNvPr id="249" name="Соединительная линия уступом 175">
+            <a:extLst>
+              <a:ext uri="{FF2B5EF4-FFF2-40B4-BE49-F238E27FC236}">
+                <a16:creationId xmlns:a16="http://schemas.microsoft.com/office/drawing/2014/main" id="{01009931-E780-446F-84B5-9F6C9B0475E8}"/>
+              </a:ext>
+            </a:extLst>
+          </p:cNvPr>
+          <p:cNvCxnSpPr>
+            <a:cxnSpLocks/>
+            <a:stCxn id="215" idx="2"/>
+            <a:endCxn id="222" idx="0"/>
+          </p:cNvCxnSpPr>
+          <p:nvPr/>
+        </p:nvCxnSpPr>
+        <p:spPr>
+          <a:xfrm rot="5400000">
+            <a:off x="7572032" y="11528256"/>
+            <a:ext cx="419253" cy="1243406"/>
+          </a:xfrm>
+          <a:prstGeom prst="bentConnector3">
+            <a:avLst>
+              <a:gd name="adj1" fmla="val 50000"/>
+            </a:avLst>
+          </a:prstGeom>
+          <a:ln w="28575">
+            <a:tailEnd type="arrow"/>
+          </a:ln>
+        </p:spPr>
+        <p:style>
+          <a:lnRef idx="1">
+            <a:schemeClr val="accent1"/>
+          </a:lnRef>
+          <a:fillRef idx="0">
+            <a:schemeClr val="accent1"/>
+          </a:fillRef>
+          <a:effectRef idx="0">
+            <a:schemeClr val="accent1"/>
+          </a:effectRef>
+          <a:fontRef idx="minor">
+            <a:schemeClr val="tx1"/>
+          </a:fontRef>
+        </p:style>
+      </p:cxnSp>
+      <p:sp>
+        <p:nvSpPr>
+          <p:cNvPr id="250" name="Прямоугольник 249">
+            <a:extLst>
+              <a:ext uri="{FF2B5EF4-FFF2-40B4-BE49-F238E27FC236}">
+                <a16:creationId xmlns:a16="http://schemas.microsoft.com/office/drawing/2014/main" id="{220686B7-8761-4F89-88B6-854F7EFA2AF9}"/>
+              </a:ext>
+            </a:extLst>
+          </p:cNvPr>
+          <p:cNvSpPr/>
+          <p:nvPr/>
+        </p:nvSpPr>
+        <p:spPr>
+          <a:xfrm>
+            <a:off x="12347900" y="19663937"/>
+            <a:ext cx="2115918" cy="1080000"/>
+          </a:xfrm>
+          <a:prstGeom prst="rect">
+            <a:avLst/>
+          </a:prstGeom>
+          <a:solidFill>
+            <a:srgbClr val="FFFF00"/>
+          </a:solidFill>
+          <a:ln w="28575"/>
+        </p:spPr>
+        <p:style>
+          <a:lnRef idx="2">
+            <a:schemeClr val="accent1"/>
+          </a:lnRef>
+          <a:fillRef idx="1">
+            <a:schemeClr val="lt1"/>
+          </a:fillRef>
+          <a:effectRef idx="0">
+            <a:schemeClr val="accent1"/>
+          </a:effectRef>
+          <a:fontRef idx="minor">
+            <a:schemeClr val="dk1"/>
+          </a:fontRef>
+        </p:style>
+        <p:txBody>
+          <a:bodyPr lIns="124733" tIns="62367" rIns="124733" bIns="62367" rtlCol="0" anchor="ctr"/>
+          <a:lstStyle/>
+          <a:p>
+            <a:pPr algn="ctr"/>
+            <a:r>
+              <a:rPr lang="ru-RU" sz="1400" dirty="0"/>
+              <a:t>Объединённый интернационал с Люксембургом</a:t>
+            </a:r>
+          </a:p>
+        </p:txBody>
+      </p:sp>
+      <p:cxnSp>
+        <p:nvCxnSpPr>
+          <p:cNvPr id="252" name="Соединительная линия уступом 175">
+            <a:extLst>
+              <a:ext uri="{FF2B5EF4-FFF2-40B4-BE49-F238E27FC236}">
+                <a16:creationId xmlns:a16="http://schemas.microsoft.com/office/drawing/2014/main" id="{20EA9B28-3AC8-4D59-9BA3-273AFDAAD20C}"/>
+              </a:ext>
+            </a:extLst>
+          </p:cNvPr>
+          <p:cNvCxnSpPr>
+            <a:cxnSpLocks/>
+            <a:stCxn id="222" idx="2"/>
+            <a:endCxn id="223" idx="0"/>
+          </p:cNvCxnSpPr>
+          <p:nvPr/>
+        </p:nvCxnSpPr>
+        <p:spPr>
+          <a:xfrm rot="5400000">
+            <a:off x="6364763" y="13005454"/>
+            <a:ext cx="361060" cy="1229325"/>
+          </a:xfrm>
+          <a:prstGeom prst="bentConnector3">
+            <a:avLst>
+              <a:gd name="adj1" fmla="val 50000"/>
+            </a:avLst>
+          </a:prstGeom>
+          <a:ln w="28575">
+            <a:tailEnd type="arrow"/>
+          </a:ln>
+        </p:spPr>
+        <p:style>
+          <a:lnRef idx="1">
+            <a:schemeClr val="accent1"/>
+          </a:lnRef>
+          <a:fillRef idx="0">
+            <a:schemeClr val="accent1"/>
+          </a:fillRef>
+          <a:effectRef idx="0">
+            <a:schemeClr val="accent1"/>
+          </a:effectRef>
+          <a:fontRef idx="minor">
+            <a:schemeClr val="tx1"/>
+          </a:fontRef>
+        </p:style>
+      </p:cxnSp>
+      <p:cxnSp>
+        <p:nvCxnSpPr>
+          <p:cNvPr id="253" name="Соединительная линия уступом 175">
+            <a:extLst>
+              <a:ext uri="{FF2B5EF4-FFF2-40B4-BE49-F238E27FC236}">
+                <a16:creationId xmlns:a16="http://schemas.microsoft.com/office/drawing/2014/main" id="{7924330A-D611-47A6-BFB6-0BF0F3BEF0AC}"/>
+              </a:ext>
+            </a:extLst>
+          </p:cNvPr>
+          <p:cNvCxnSpPr>
+            <a:cxnSpLocks/>
+            <a:stCxn id="222" idx="2"/>
+            <a:endCxn id="226" idx="0"/>
+          </p:cNvCxnSpPr>
+          <p:nvPr/>
+        </p:nvCxnSpPr>
+        <p:spPr>
+          <a:xfrm rot="16200000" flipH="1">
+            <a:off x="7616555" y="12982985"/>
+            <a:ext cx="361060" cy="1274261"/>
+          </a:xfrm>
+          <a:prstGeom prst="bentConnector3">
+            <a:avLst>
+              <a:gd name="adj1" fmla="val 50000"/>
+            </a:avLst>
+          </a:prstGeom>
+          <a:ln w="28575">
+            <a:tailEnd type="arrow"/>
+          </a:ln>
+        </p:spPr>
+        <p:style>
+          <a:lnRef idx="1">
+            <a:schemeClr val="accent1"/>
+          </a:lnRef>
+          <a:fillRef idx="0">
+            <a:schemeClr val="accent1"/>
+          </a:fillRef>
+          <a:effectRef idx="0">
+            <a:schemeClr val="accent1"/>
+          </a:effectRef>
+          <a:fontRef idx="minor">
+            <a:schemeClr val="tx1"/>
+          </a:fontRef>
+        </p:style>
+      </p:cxnSp>
+      <p:cxnSp>
+        <p:nvCxnSpPr>
+          <p:cNvPr id="254" name="Соединительная линия уступом 175">
+            <a:extLst>
+              <a:ext uri="{FF2B5EF4-FFF2-40B4-BE49-F238E27FC236}">
+                <a16:creationId xmlns:a16="http://schemas.microsoft.com/office/drawing/2014/main" id="{0B36D4C6-890A-4DC6-AFC6-6DE050D12592}"/>
+              </a:ext>
+            </a:extLst>
+          </p:cNvPr>
+          <p:cNvCxnSpPr>
+            <a:cxnSpLocks/>
+            <a:stCxn id="220" idx="2"/>
+            <a:endCxn id="264" idx="0"/>
+          </p:cNvCxnSpPr>
+          <p:nvPr/>
+        </p:nvCxnSpPr>
+        <p:spPr>
+          <a:xfrm rot="16200000" flipH="1">
+            <a:off x="10102481" y="12998244"/>
+            <a:ext cx="358972" cy="1241655"/>
+          </a:xfrm>
+          <a:prstGeom prst="bentConnector3">
+            <a:avLst>
+              <a:gd name="adj1" fmla="val 50000"/>
+            </a:avLst>
+          </a:prstGeom>
+          <a:ln w="28575">
+            <a:tailEnd type="arrow"/>
+          </a:ln>
+        </p:spPr>
+        <p:style>
+          <a:lnRef idx="1">
+            <a:schemeClr val="accent1"/>
+          </a:lnRef>
+          <a:fillRef idx="0">
+            <a:schemeClr val="accent1"/>
+          </a:fillRef>
+          <a:effectRef idx="0">
+            <a:schemeClr val="accent1"/>
+          </a:effectRef>
+          <a:fontRef idx="minor">
+            <a:schemeClr val="tx1"/>
+          </a:fontRef>
+        </p:style>
+      </p:cxnSp>
+      <p:cxnSp>
+        <p:nvCxnSpPr>
+          <p:cNvPr id="255" name="Соединительная линия уступом 175">
+            <a:extLst>
+              <a:ext uri="{FF2B5EF4-FFF2-40B4-BE49-F238E27FC236}">
+                <a16:creationId xmlns:a16="http://schemas.microsoft.com/office/drawing/2014/main" id="{D9AEF4CC-BAA8-4753-A8E8-076308EF0FFD}"/>
+              </a:ext>
+            </a:extLst>
+          </p:cNvPr>
+          <p:cNvCxnSpPr>
+            <a:cxnSpLocks/>
+            <a:stCxn id="215" idx="2"/>
+            <a:endCxn id="220" idx="0"/>
+          </p:cNvCxnSpPr>
+          <p:nvPr/>
+        </p:nvCxnSpPr>
+        <p:spPr>
+          <a:xfrm rot="16200000" flipH="1">
+            <a:off x="8822624" y="11521069"/>
+            <a:ext cx="419253" cy="1257779"/>
+          </a:xfrm>
+          <a:prstGeom prst="bentConnector3">
+            <a:avLst>
+              <a:gd name="adj1" fmla="val 50000"/>
+            </a:avLst>
+          </a:prstGeom>
+          <a:ln w="28575">
+            <a:tailEnd type="arrow"/>
+          </a:ln>
+        </p:spPr>
+        <p:style>
+          <a:lnRef idx="1">
+            <a:schemeClr val="accent1"/>
+          </a:lnRef>
+          <a:fillRef idx="0">
+            <a:schemeClr val="accent1"/>
+          </a:fillRef>
+          <a:effectRef idx="0">
+            <a:schemeClr val="accent1"/>
+          </a:effectRef>
+          <a:fontRef idx="minor">
+            <a:schemeClr val="tx1"/>
+          </a:fontRef>
+        </p:style>
+      </p:cxnSp>
+      <p:cxnSp>
+        <p:nvCxnSpPr>
+          <p:cNvPr id="256" name="Соединительная линия уступом 175">
+            <a:extLst>
+              <a:ext uri="{FF2B5EF4-FFF2-40B4-BE49-F238E27FC236}">
+                <a16:creationId xmlns:a16="http://schemas.microsoft.com/office/drawing/2014/main" id="{DCB551DA-A5E6-4147-AA48-62F35CFDDDC2}"/>
+              </a:ext>
+            </a:extLst>
+          </p:cNvPr>
+          <p:cNvCxnSpPr>
+            <a:cxnSpLocks/>
+            <a:stCxn id="219" idx="2"/>
+            <a:endCxn id="235" idx="0"/>
+          </p:cNvCxnSpPr>
+          <p:nvPr/>
+        </p:nvCxnSpPr>
+        <p:spPr>
+          <a:xfrm rot="5400000">
+            <a:off x="10066931" y="17310898"/>
+            <a:ext cx="433624" cy="1245206"/>
+          </a:xfrm>
+          <a:prstGeom prst="bentConnector3">
+            <a:avLst>
+              <a:gd name="adj1" fmla="val 50000"/>
+            </a:avLst>
+          </a:prstGeom>
+          <a:ln w="28575">
+            <a:tailEnd type="arrow"/>
+          </a:ln>
+        </p:spPr>
+        <p:style>
+          <a:lnRef idx="1">
+            <a:schemeClr val="accent1"/>
+          </a:lnRef>
+          <a:fillRef idx="0">
+            <a:schemeClr val="accent1"/>
+          </a:fillRef>
+          <a:effectRef idx="0">
+            <a:schemeClr val="accent1"/>
+          </a:effectRef>
+          <a:fontRef idx="minor">
+            <a:schemeClr val="tx1"/>
+          </a:fontRef>
+        </p:style>
+      </p:cxnSp>
+      <p:cxnSp>
+        <p:nvCxnSpPr>
+          <p:cNvPr id="257" name="Соединительная линия уступом 175">
+            <a:extLst>
+              <a:ext uri="{FF2B5EF4-FFF2-40B4-BE49-F238E27FC236}">
+                <a16:creationId xmlns:a16="http://schemas.microsoft.com/office/drawing/2014/main" id="{9FB3ADA4-1D67-44E8-BBA1-794942AC9498}"/>
+              </a:ext>
+            </a:extLst>
+          </p:cNvPr>
+          <p:cNvCxnSpPr>
+            <a:cxnSpLocks/>
+            <a:stCxn id="235" idx="2"/>
+            <a:endCxn id="244" idx="0"/>
+          </p:cNvCxnSpPr>
+          <p:nvPr/>
+        </p:nvCxnSpPr>
+        <p:spPr>
+          <a:xfrm rot="5400000">
+            <a:off x="8827050" y="18837479"/>
+            <a:ext cx="441257" cy="1226924"/>
+          </a:xfrm>
+          <a:prstGeom prst="bentConnector3">
+            <a:avLst>
+              <a:gd name="adj1" fmla="val 50000"/>
+            </a:avLst>
+          </a:prstGeom>
+          <a:ln w="28575">
+            <a:tailEnd type="arrow"/>
+          </a:ln>
+        </p:spPr>
+        <p:style>
+          <a:lnRef idx="1">
+            <a:schemeClr val="accent1"/>
+          </a:lnRef>
+          <a:fillRef idx="0">
+            <a:schemeClr val="accent1"/>
+          </a:fillRef>
+          <a:effectRef idx="0">
+            <a:schemeClr val="accent1"/>
+          </a:effectRef>
+          <a:fontRef idx="minor">
+            <a:schemeClr val="tx1"/>
+          </a:fontRef>
+        </p:style>
+      </p:cxnSp>
+      <p:cxnSp>
+        <p:nvCxnSpPr>
+          <p:cNvPr id="259" name="Соединительная линия уступом 175">
+            <a:extLst>
+              <a:ext uri="{FF2B5EF4-FFF2-40B4-BE49-F238E27FC236}">
+                <a16:creationId xmlns:a16="http://schemas.microsoft.com/office/drawing/2014/main" id="{566577A6-E287-42B1-9FC8-F4055CAC3A28}"/>
+              </a:ext>
+            </a:extLst>
+          </p:cNvPr>
+          <p:cNvCxnSpPr>
+            <a:cxnSpLocks/>
+            <a:stCxn id="235" idx="2"/>
+            <a:endCxn id="246" idx="0"/>
+          </p:cNvCxnSpPr>
+          <p:nvPr/>
+        </p:nvCxnSpPr>
+        <p:spPr>
+          <a:xfrm rot="16200000" flipH="1">
+            <a:off x="10066931" y="18824522"/>
+            <a:ext cx="433624" cy="1245206"/>
+          </a:xfrm>
+          <a:prstGeom prst="bentConnector3">
+            <a:avLst>
+              <a:gd name="adj1" fmla="val 50000"/>
+            </a:avLst>
+          </a:prstGeom>
+          <a:ln w="28575">
+            <a:tailEnd type="arrow"/>
+          </a:ln>
+        </p:spPr>
+        <p:style>
+          <a:lnRef idx="1">
+            <a:schemeClr val="accent1"/>
+          </a:lnRef>
+          <a:fillRef idx="0">
+            <a:schemeClr val="accent1"/>
+          </a:fillRef>
+          <a:effectRef idx="0">
+            <a:schemeClr val="accent1"/>
+          </a:effectRef>
+          <a:fontRef idx="minor">
+            <a:schemeClr val="tx1"/>
+          </a:fontRef>
+        </p:style>
+      </p:cxnSp>
+      <p:cxnSp>
+        <p:nvCxnSpPr>
+          <p:cNvPr id="260" name="Соединительная линия уступом 175">
+            <a:extLst>
+              <a:ext uri="{FF2B5EF4-FFF2-40B4-BE49-F238E27FC236}">
+                <a16:creationId xmlns:a16="http://schemas.microsoft.com/office/drawing/2014/main" id="{156CF597-A463-4DD9-B4CF-F0C986BF695D}"/>
+              </a:ext>
+            </a:extLst>
+          </p:cNvPr>
+          <p:cNvCxnSpPr>
+            <a:cxnSpLocks/>
+            <a:stCxn id="234" idx="2"/>
+            <a:endCxn id="250" idx="0"/>
+          </p:cNvCxnSpPr>
+          <p:nvPr/>
+        </p:nvCxnSpPr>
+        <p:spPr>
+          <a:xfrm rot="16200000" flipH="1">
+            <a:off x="12570577" y="18828655"/>
+            <a:ext cx="433624" cy="1236939"/>
+          </a:xfrm>
+          <a:prstGeom prst="bentConnector3">
+            <a:avLst>
+              <a:gd name="adj1" fmla="val 28034"/>
+            </a:avLst>
+          </a:prstGeom>
+          <a:ln w="28575">
+            <a:tailEnd type="arrow"/>
+          </a:ln>
+        </p:spPr>
+        <p:style>
+          <a:lnRef idx="1">
+            <a:schemeClr val="accent1"/>
+          </a:lnRef>
+          <a:fillRef idx="0">
+            <a:schemeClr val="accent1"/>
+          </a:fillRef>
+          <a:effectRef idx="0">
+            <a:schemeClr val="accent1"/>
+          </a:effectRef>
+          <a:fontRef idx="minor">
+            <a:schemeClr val="tx1"/>
+          </a:fontRef>
+        </p:style>
+      </p:cxnSp>
+      <p:cxnSp>
+        <p:nvCxnSpPr>
+          <p:cNvPr id="261" name="Соединительная линия уступом 175">
+            <a:extLst>
+              <a:ext uri="{FF2B5EF4-FFF2-40B4-BE49-F238E27FC236}">
+                <a16:creationId xmlns:a16="http://schemas.microsoft.com/office/drawing/2014/main" id="{8EFDF708-AFE4-4933-91A0-121A8207E179}"/>
+              </a:ext>
+            </a:extLst>
+          </p:cNvPr>
+          <p:cNvCxnSpPr>
+            <a:cxnSpLocks/>
+            <a:stCxn id="219" idx="2"/>
+            <a:endCxn id="234" idx="0"/>
+          </p:cNvCxnSpPr>
+          <p:nvPr/>
+        </p:nvCxnSpPr>
+        <p:spPr>
+          <a:xfrm rot="16200000" flipH="1">
+            <a:off x="11320821" y="17302214"/>
+            <a:ext cx="433624" cy="1262574"/>
+          </a:xfrm>
+          <a:prstGeom prst="bentConnector3">
+            <a:avLst>
+              <a:gd name="adj1" fmla="val 50000"/>
+            </a:avLst>
+          </a:prstGeom>
+          <a:ln w="28575">
+            <a:tailEnd type="arrow"/>
+          </a:ln>
+        </p:spPr>
+        <p:style>
+          <a:lnRef idx="1">
+            <a:schemeClr val="accent1"/>
+          </a:lnRef>
+          <a:fillRef idx="0">
+            <a:schemeClr val="accent1"/>
+          </a:fillRef>
+          <a:effectRef idx="0">
+            <a:schemeClr val="accent1"/>
+          </a:effectRef>
+          <a:fontRef idx="minor">
+            <a:schemeClr val="tx1"/>
+          </a:fontRef>
+        </p:style>
+      </p:cxnSp>
+      <p:cxnSp>
+        <p:nvCxnSpPr>
+          <p:cNvPr id="262" name="Прямая со стрелкой 261">
+            <a:extLst>
+              <a:ext uri="{FF2B5EF4-FFF2-40B4-BE49-F238E27FC236}">
+                <a16:creationId xmlns:a16="http://schemas.microsoft.com/office/drawing/2014/main" id="{18A3BD3D-2E3E-47A1-BB11-345C593A5420}"/>
+              </a:ext>
+            </a:extLst>
+          </p:cNvPr>
+          <p:cNvCxnSpPr>
+            <a:cxnSpLocks/>
+            <a:stCxn id="223" idx="2"/>
+            <a:endCxn id="225" idx="0"/>
+          </p:cNvCxnSpPr>
+          <p:nvPr/>
+        </p:nvCxnSpPr>
+        <p:spPr>
+          <a:xfrm>
+            <a:off x="5930630" y="14880646"/>
+            <a:ext cx="0" cy="326786"/>
+          </a:xfrm>
+          <a:prstGeom prst="straightConnector1">
+            <a:avLst/>
+          </a:prstGeom>
+          <a:ln w="28575">
+            <a:tailEnd type="arrow"/>
+          </a:ln>
+        </p:spPr>
+        <p:style>
+          <a:lnRef idx="1">
+            <a:schemeClr val="accent1"/>
+          </a:lnRef>
+          <a:fillRef idx="0">
+            <a:schemeClr val="accent1"/>
+          </a:fillRef>
+          <a:effectRef idx="0">
+            <a:schemeClr val="accent1"/>
+          </a:effectRef>
+          <a:fontRef idx="minor">
+            <a:schemeClr val="tx1"/>
+          </a:fontRef>
+        </p:style>
+      </p:cxnSp>
+      <p:cxnSp>
+        <p:nvCxnSpPr>
+          <p:cNvPr id="263" name="Прямая со стрелкой 262">
+            <a:extLst>
+              <a:ext uri="{FF2B5EF4-FFF2-40B4-BE49-F238E27FC236}">
+                <a16:creationId xmlns:a16="http://schemas.microsoft.com/office/drawing/2014/main" id="{AA2B5DCE-C3B5-45F7-ADEC-9B05B81579C2}"/>
+              </a:ext>
+            </a:extLst>
+          </p:cNvPr>
+          <p:cNvCxnSpPr>
+            <a:cxnSpLocks/>
+            <a:stCxn id="225" idx="2"/>
+            <a:endCxn id="228" idx="0"/>
+          </p:cNvCxnSpPr>
+          <p:nvPr/>
+        </p:nvCxnSpPr>
+        <p:spPr>
+          <a:xfrm>
+            <a:off x="5930630" y="16287432"/>
+            <a:ext cx="0" cy="436971"/>
+          </a:xfrm>
+          <a:prstGeom prst="straightConnector1">
+            <a:avLst/>
+          </a:prstGeom>
+          <a:ln w="28575">
+            <a:tailEnd type="arrow"/>
+          </a:ln>
+        </p:spPr>
+        <p:style>
+          <a:lnRef idx="1">
+            <a:schemeClr val="accent1"/>
+          </a:lnRef>
+          <a:fillRef idx="0">
+            <a:schemeClr val="accent1"/>
+          </a:fillRef>
+          <a:effectRef idx="0">
+            <a:schemeClr val="accent1"/>
+          </a:effectRef>
+          <a:fontRef idx="minor">
+            <a:schemeClr val="tx1"/>
+          </a:fontRef>
+        </p:style>
+      </p:cxnSp>
+      <p:sp>
+        <p:nvSpPr>
+          <p:cNvPr id="264" name="Прямоугольник 263">
+            <a:extLst>
+              <a:ext uri="{FF2B5EF4-FFF2-40B4-BE49-F238E27FC236}">
+                <a16:creationId xmlns:a16="http://schemas.microsoft.com/office/drawing/2014/main" id="{11942CB1-6AFD-47BB-885A-53F73A2B146F}"/>
+              </a:ext>
+            </a:extLst>
+          </p:cNvPr>
+          <p:cNvSpPr/>
+          <p:nvPr/>
+        </p:nvSpPr>
+        <p:spPr>
+          <a:xfrm>
+            <a:off x="9844836" y="13798558"/>
+            <a:ext cx="2115918" cy="1080000"/>
+          </a:xfrm>
+          <a:prstGeom prst="rect">
+            <a:avLst/>
+          </a:prstGeom>
+          <a:solidFill>
+            <a:srgbClr val="FFFF00"/>
+          </a:solidFill>
+          <a:ln w="28575"/>
+        </p:spPr>
+        <p:style>
+          <a:lnRef idx="2">
+            <a:schemeClr val="accent1"/>
+          </a:lnRef>
+          <a:fillRef idx="1">
+            <a:schemeClr val="lt1"/>
+          </a:fillRef>
+          <a:effectRef idx="0">
+            <a:schemeClr val="accent1"/>
+          </a:effectRef>
+          <a:fontRef idx="minor">
+            <a:schemeClr val="dk1"/>
+          </a:fontRef>
+        </p:style>
+        <p:txBody>
+          <a:bodyPr lIns="124733" tIns="62367" rIns="124733" bIns="62367" rtlCol="0" anchor="ctr"/>
+          <a:lstStyle/>
+          <a:p>
+            <a:pPr algn="ctr"/>
+            <a:r>
+              <a:rPr lang="ru-RU" sz="1400" dirty="0"/>
+              <a:t>Устранение политических партий </a:t>
+            </a:r>
+            <a:r>
+              <a:rPr lang="ru-RU" sz="200" dirty="0"/>
+              <a:t>(</a:t>
+            </a:r>
+            <a:r>
+              <a:rPr lang="ru-RU" sz="400" dirty="0">
+                <a:solidFill>
+                  <a:srgbClr val="000000"/>
+                </a:solidFill>
+                <a:latin typeface="Times New Roman" panose="02020603050405020304" pitchFamily="18" charset="0"/>
+                <a:ea typeface="Arial Unicode MS"/>
+                <a:cs typeface="Times New Roman" panose="02020603050405020304" pitchFamily="18" charset="0"/>
+              </a:rPr>
+              <a:t>«</a:t>
+            </a:r>
+            <a:r>
+              <a:rPr lang="ru-RU" sz="400" dirty="0" err="1">
+                <a:solidFill>
+                  <a:srgbClr val="000000"/>
+                </a:solidFill>
+                <a:latin typeface="Times New Roman" panose="02020603050405020304" pitchFamily="18" charset="0"/>
+                <a:ea typeface="Arial Unicode MS"/>
+                <a:cs typeface="Times New Roman" panose="02020603050405020304" pitchFamily="18" charset="0"/>
+              </a:rPr>
+              <a:t>Советничество</a:t>
+            </a:r>
+            <a:r>
+              <a:rPr lang="ru-RU" sz="400" dirty="0">
+                <a:solidFill>
+                  <a:srgbClr val="000000"/>
+                </a:solidFill>
+                <a:latin typeface="Times New Roman" panose="02020603050405020304" pitchFamily="18" charset="0"/>
+                <a:ea typeface="Arial Unicode MS"/>
+                <a:cs typeface="Times New Roman" panose="02020603050405020304" pitchFamily="18" charset="0"/>
+              </a:rPr>
+              <a:t>» не есть просто защита рабочих советов как органов диктатуры пролетариата после разрушения старого буржуазного государства. Он выражает рабочее видение, которое рассматривает существование революционных политических партий в рабочих советах как негативный фактор. Эта негативная концепция революционной партии исходит из того, что рабочие советы являются единственной горнилом революционного сознания в рабочем классе. В соответствии с «антиавторитарной» концепцией </a:t>
+            </a:r>
+            <a:r>
+              <a:rPr lang="ru-RU" sz="400" dirty="0" err="1">
+                <a:solidFill>
+                  <a:srgbClr val="000000"/>
+                </a:solidFill>
+                <a:latin typeface="Times New Roman" panose="02020603050405020304" pitchFamily="18" charset="0"/>
+                <a:ea typeface="Arial Unicode MS"/>
+                <a:cs typeface="Times New Roman" panose="02020603050405020304" pitchFamily="18" charset="0"/>
+              </a:rPr>
+              <a:t>Рюле</a:t>
+            </a:r>
+            <a:r>
+              <a:rPr lang="ru-RU" sz="400" dirty="0">
+                <a:solidFill>
+                  <a:srgbClr val="000000"/>
+                </a:solidFill>
+                <a:latin typeface="Times New Roman" panose="02020603050405020304" pitchFamily="18" charset="0"/>
+                <a:ea typeface="Arial Unicode MS"/>
+                <a:cs typeface="Times New Roman" panose="02020603050405020304" pitchFamily="18" charset="0"/>
+              </a:rPr>
+              <a:t> всякая партия, даже революционная, буржуазна по своей сути и стремится к захвату власти группой интеллигентов вместо революционного пролетариата)</a:t>
+            </a:r>
+            <a:endParaRPr lang="ru-RU" sz="1400" dirty="0"/>
+          </a:p>
+        </p:txBody>
+      </p:sp>
+      <p:cxnSp>
+        <p:nvCxnSpPr>
+          <p:cNvPr id="266" name="Соединительная линия уступом 175">
+            <a:extLst>
+              <a:ext uri="{FF2B5EF4-FFF2-40B4-BE49-F238E27FC236}">
+                <a16:creationId xmlns:a16="http://schemas.microsoft.com/office/drawing/2014/main" id="{78C5CE49-F0E9-4E12-9A87-12ADA0EA3D1E}"/>
+              </a:ext>
+            </a:extLst>
+          </p:cNvPr>
+          <p:cNvCxnSpPr>
+            <a:cxnSpLocks/>
+            <a:stCxn id="220" idx="2"/>
+            <a:endCxn id="231" idx="0"/>
+          </p:cNvCxnSpPr>
+          <p:nvPr/>
+        </p:nvCxnSpPr>
+        <p:spPr>
+          <a:xfrm rot="16200000" flipH="1">
+            <a:off x="10023325" y="13077401"/>
+            <a:ext cx="1767846" cy="2492216"/>
+          </a:xfrm>
+          <a:prstGeom prst="bentConnector3">
+            <a:avLst>
+              <a:gd name="adj1" fmla="val 9591"/>
+            </a:avLst>
+          </a:prstGeom>
+          <a:ln w="28575">
+            <a:tailEnd type="arrow"/>
+          </a:ln>
+        </p:spPr>
+        <p:style>
+          <a:lnRef idx="1">
+            <a:schemeClr val="accent1"/>
+          </a:lnRef>
+          <a:fillRef idx="0">
+            <a:schemeClr val="accent1"/>
+          </a:fillRef>
+          <a:effectRef idx="0">
+            <a:schemeClr val="accent1"/>
+          </a:effectRef>
+          <a:fontRef idx="minor">
+            <a:schemeClr val="tx1"/>
+          </a:fontRef>
+        </p:style>
+      </p:cxnSp>
+      <p:sp>
+        <p:nvSpPr>
+          <p:cNvPr id="267" name="Прямоугольник 266">
+            <a:extLst>
+              <a:ext uri="{FF2B5EF4-FFF2-40B4-BE49-F238E27FC236}">
+                <a16:creationId xmlns:a16="http://schemas.microsoft.com/office/drawing/2014/main" id="{3C32AE53-0A20-43D5-8ACB-AA49CE44F175}"/>
+              </a:ext>
+            </a:extLst>
+          </p:cNvPr>
+          <p:cNvSpPr/>
+          <p:nvPr/>
+        </p:nvSpPr>
+        <p:spPr>
+          <a:xfrm>
+            <a:off x="8603181" y="21192827"/>
+            <a:ext cx="2115918" cy="1080000"/>
+          </a:xfrm>
+          <a:prstGeom prst="rect">
+            <a:avLst/>
+          </a:prstGeom>
+          <a:solidFill>
+            <a:srgbClr val="FFFF00"/>
+          </a:solidFill>
+          <a:ln w="28575"/>
+        </p:spPr>
+        <p:style>
+          <a:lnRef idx="2">
+            <a:schemeClr val="accent1"/>
+          </a:lnRef>
+          <a:fillRef idx="1">
+            <a:schemeClr val="lt1"/>
+          </a:fillRef>
+          <a:effectRef idx="0">
+            <a:schemeClr val="accent1"/>
+          </a:effectRef>
+          <a:fontRef idx="minor">
+            <a:schemeClr val="dk1"/>
+          </a:fontRef>
+        </p:style>
+        <p:txBody>
+          <a:bodyPr lIns="124733" tIns="62367" rIns="124733" bIns="62367" rtlCol="0" anchor="ctr"/>
+          <a:lstStyle/>
+          <a:p>
+            <a:pPr algn="ctr"/>
+            <a:r>
+              <a:rPr lang="ru-RU" sz="1400" dirty="0"/>
+              <a:t>Остановить интервенцию «буржуазной революции» </a:t>
+            </a:r>
+            <a:r>
+              <a:rPr lang="ru-RU" sz="300" dirty="0"/>
+              <a:t>(Во-вторых, «</a:t>
+            </a:r>
+            <a:r>
+              <a:rPr lang="ru-RU" sz="300" dirty="0" err="1"/>
+              <a:t>советничество</a:t>
+            </a:r>
+            <a:r>
+              <a:rPr lang="ru-RU" sz="300" dirty="0"/>
+              <a:t>» есть отрицательная реакция революционных групп на опыт русской революции. Это было отвергнуто как «буржуазная революция», главной социальной силой которой было крестьянство и которая могла закончиться только государственным капитализмом. Отрицание русской революции привело к ретроспективному отождествлению большевизма 1917 года и сталинизма 1927 года. Не видя в русской революции ничего, кроме ее окончательного вырождения, «советизм» ассимилировал любую рабочую революцию, возглавляемую одной или несколькими революционными партиями с «буржуазная революция», подменяющая собой власть рабочих советов.)</a:t>
+            </a:r>
+            <a:endParaRPr lang="ru-RU" sz="1400" dirty="0"/>
+          </a:p>
+        </p:txBody>
+      </p:sp>
+      <p:sp>
+        <p:nvSpPr>
+          <p:cNvPr id="268" name="Прямоугольник 267">
+            <a:extLst>
+              <a:ext uri="{FF2B5EF4-FFF2-40B4-BE49-F238E27FC236}">
+                <a16:creationId xmlns:a16="http://schemas.microsoft.com/office/drawing/2014/main" id="{31235653-E8BF-44EC-91BA-D7BCCD4F3B70}"/>
+              </a:ext>
+            </a:extLst>
+          </p:cNvPr>
+          <p:cNvSpPr/>
+          <p:nvPr/>
+        </p:nvSpPr>
+        <p:spPr>
+          <a:xfrm>
+            <a:off x="11101277" y="21192827"/>
+            <a:ext cx="2115918" cy="1080000"/>
+          </a:xfrm>
+          <a:prstGeom prst="rect">
+            <a:avLst/>
+          </a:prstGeom>
+          <a:solidFill>
+            <a:srgbClr val="FFFF00"/>
+          </a:solidFill>
+          <a:ln w="28575"/>
+        </p:spPr>
+        <p:style>
+          <a:lnRef idx="2">
+            <a:schemeClr val="accent1"/>
+          </a:lnRef>
+          <a:fillRef idx="1">
+            <a:schemeClr val="lt1"/>
+          </a:fillRef>
+          <a:effectRef idx="0">
+            <a:schemeClr val="accent1"/>
+          </a:effectRef>
+          <a:fontRef idx="minor">
+            <a:schemeClr val="dk1"/>
+          </a:fontRef>
+        </p:style>
+        <p:txBody>
+          <a:bodyPr lIns="124733" tIns="62367" rIns="124733" bIns="62367" rtlCol="0" anchor="ctr"/>
+          <a:lstStyle/>
+          <a:p>
+            <a:pPr algn="ctr"/>
+            <a:r>
+              <a:rPr lang="ru-RU" sz="1400" dirty="0"/>
+              <a:t>Разгромить предателей революции</a:t>
+            </a:r>
+          </a:p>
+        </p:txBody>
+      </p:sp>
+      <p:cxnSp>
+        <p:nvCxnSpPr>
+          <p:cNvPr id="269" name="Соединительная линия уступом 175">
+            <a:extLst>
+              <a:ext uri="{FF2B5EF4-FFF2-40B4-BE49-F238E27FC236}">
+                <a16:creationId xmlns:a16="http://schemas.microsoft.com/office/drawing/2014/main" id="{55E9B037-8981-4C44-9DED-B0680AE42F80}"/>
+              </a:ext>
+            </a:extLst>
+          </p:cNvPr>
+          <p:cNvCxnSpPr>
+            <a:cxnSpLocks/>
+            <a:stCxn id="235" idx="2"/>
+            <a:endCxn id="268" idx="0"/>
+          </p:cNvCxnSpPr>
+          <p:nvPr/>
+        </p:nvCxnSpPr>
+        <p:spPr>
+          <a:xfrm rot="16200000" flipH="1">
+            <a:off x="9928931" y="18962522"/>
+            <a:ext cx="1962514" cy="2498096"/>
+          </a:xfrm>
+          <a:prstGeom prst="bentConnector3">
+            <a:avLst>
+              <a:gd name="adj1" fmla="val 10687"/>
+            </a:avLst>
+          </a:prstGeom>
+          <a:ln w="28575">
+            <a:tailEnd type="arrow"/>
+          </a:ln>
+        </p:spPr>
+        <p:style>
+          <a:lnRef idx="1">
+            <a:schemeClr val="accent1"/>
+          </a:lnRef>
+          <a:fillRef idx="0">
+            <a:schemeClr val="accent1"/>
+          </a:fillRef>
+          <a:effectRef idx="0">
+            <a:schemeClr val="accent1"/>
+          </a:effectRef>
+          <a:fontRef idx="minor">
+            <a:schemeClr val="tx1"/>
+          </a:fontRef>
+        </p:style>
+      </p:cxnSp>
+      <p:cxnSp>
+        <p:nvCxnSpPr>
+          <p:cNvPr id="270" name="Прямая со стрелкой 269">
+            <a:extLst>
+              <a:ext uri="{FF2B5EF4-FFF2-40B4-BE49-F238E27FC236}">
+                <a16:creationId xmlns:a16="http://schemas.microsoft.com/office/drawing/2014/main" id="{4D59B643-0E7C-4E46-A74F-39CD0CDA0273}"/>
+              </a:ext>
+            </a:extLst>
+          </p:cNvPr>
+          <p:cNvCxnSpPr>
+            <a:cxnSpLocks/>
+            <a:stCxn id="235" idx="2"/>
+            <a:endCxn id="267" idx="0"/>
+          </p:cNvCxnSpPr>
+          <p:nvPr/>
+        </p:nvCxnSpPr>
+        <p:spPr>
+          <a:xfrm>
+            <a:off x="9661140" y="19230313"/>
+            <a:ext cx="0" cy="1962514"/>
+          </a:xfrm>
+          <a:prstGeom prst="straightConnector1">
+            <a:avLst/>
+          </a:prstGeom>
+          <a:ln w="28575">
+            <a:tailEnd type="arrow"/>
+          </a:ln>
+        </p:spPr>
+        <p:style>
+          <a:lnRef idx="1">
+            <a:schemeClr val="accent1"/>
+          </a:lnRef>
+          <a:fillRef idx="0">
+            <a:schemeClr val="accent1"/>
+          </a:fillRef>
+          <a:effectRef idx="0">
+            <a:schemeClr val="accent1"/>
+          </a:effectRef>
+          <a:fontRef idx="minor">
+            <a:schemeClr val="tx1"/>
+          </a:fontRef>
+        </p:style>
+      </p:cxnSp>
+      <p:sp>
+        <p:nvSpPr>
+          <p:cNvPr id="271" name="Прямоугольник 270">
+            <a:extLst>
+              <a:ext uri="{FF2B5EF4-FFF2-40B4-BE49-F238E27FC236}">
+                <a16:creationId xmlns:a16="http://schemas.microsoft.com/office/drawing/2014/main" id="{ED76512D-DF90-441C-9B4E-50AD2BC01776}"/>
+              </a:ext>
+            </a:extLst>
+          </p:cNvPr>
+          <p:cNvSpPr/>
+          <p:nvPr/>
+        </p:nvSpPr>
+        <p:spPr>
+          <a:xfrm>
+            <a:off x="7302342" y="16764469"/>
+            <a:ext cx="2115918" cy="1080000"/>
+          </a:xfrm>
+          <a:prstGeom prst="rect">
+            <a:avLst/>
+          </a:prstGeom>
+          <a:solidFill>
+            <a:srgbClr val="FFFF00"/>
+          </a:solidFill>
+          <a:ln w="28575"/>
+        </p:spPr>
+        <p:style>
+          <a:lnRef idx="2">
+            <a:schemeClr val="accent1"/>
+          </a:lnRef>
+          <a:fillRef idx="1">
+            <a:schemeClr val="lt1"/>
+          </a:fillRef>
+          <a:effectRef idx="0">
+            <a:schemeClr val="accent1"/>
+          </a:effectRef>
+          <a:fontRef idx="minor">
+            <a:schemeClr val="dk1"/>
+          </a:fontRef>
+        </p:style>
+        <p:txBody>
+          <a:bodyPr lIns="124733" tIns="62367" rIns="124733" bIns="62367" rtlCol="0" anchor="ctr"/>
+          <a:lstStyle/>
+          <a:p>
+            <a:pPr algn="ctr"/>
+            <a:r>
+              <a:rPr lang="ru-RU" sz="1400" dirty="0"/>
+              <a:t>Экономическая диктатура пролетариата </a:t>
+            </a:r>
+            <a:r>
+              <a:rPr lang="ru-RU" sz="500" dirty="0"/>
+              <a:t>(Наконец, советизм был «</a:t>
+            </a:r>
+            <a:r>
+              <a:rPr lang="ru-RU" sz="500" dirty="0" err="1"/>
+              <a:t>экономистической</a:t>
+            </a:r>
+            <a:r>
+              <a:rPr lang="ru-RU" sz="500" dirty="0"/>
+              <a:t>» теорией. Учитывая, что классовая борьба пролетариата была по существу экономической, он рассматривал революционный процесс как вопрос о форме экономического управления пролетариатом, в стачечных комитетах, комитетах безработных и рабочих советах. Первопричиной революции было господство пролетариата над производительными силами. Для </a:t>
+            </a:r>
+            <a:r>
+              <a:rPr lang="ru-RU" sz="500" dirty="0" err="1"/>
+              <a:t>советничества</a:t>
+            </a:r>
+            <a:r>
+              <a:rPr lang="ru-RU" sz="500" dirty="0"/>
+              <a:t> «диктатура пролетариата» была скорее экономической, чем политической.¬¬)</a:t>
+            </a:r>
+            <a:endParaRPr lang="ru-RU" sz="1400" dirty="0"/>
+          </a:p>
+        </p:txBody>
+      </p:sp>
+      <p:cxnSp>
+        <p:nvCxnSpPr>
+          <p:cNvPr id="272" name="Соединительная линия уступом 175">
+            <a:extLst>
+              <a:ext uri="{FF2B5EF4-FFF2-40B4-BE49-F238E27FC236}">
+                <a16:creationId xmlns:a16="http://schemas.microsoft.com/office/drawing/2014/main" id="{D8D4B369-D557-4808-9C50-F527A393CAAF}"/>
+              </a:ext>
+            </a:extLst>
+          </p:cNvPr>
+          <p:cNvCxnSpPr>
+            <a:cxnSpLocks/>
+            <a:stCxn id="225" idx="2"/>
+            <a:endCxn id="271" idx="0"/>
+          </p:cNvCxnSpPr>
+          <p:nvPr/>
+        </p:nvCxnSpPr>
+        <p:spPr>
+          <a:xfrm rot="16200000" flipH="1">
+            <a:off x="6906947" y="15311114"/>
+            <a:ext cx="477037" cy="2429671"/>
+          </a:xfrm>
+          <a:prstGeom prst="bentConnector3">
+            <a:avLst>
+              <a:gd name="adj1" fmla="val 50000"/>
+            </a:avLst>
+          </a:prstGeom>
+          <a:ln w="28575">
+            <a:tailEnd type="arrow"/>
+          </a:ln>
+        </p:spPr>
+        <p:style>
+          <a:lnRef idx="1">
+            <a:schemeClr val="accent1"/>
+          </a:lnRef>
+          <a:fillRef idx="0">
+            <a:schemeClr val="accent1"/>
+          </a:fillRef>
+          <a:effectRef idx="0">
+            <a:schemeClr val="accent1"/>
+          </a:effectRef>
+          <a:fontRef idx="minor">
+            <a:schemeClr val="tx1"/>
+          </a:fontRef>
+        </p:style>
+      </p:cxnSp>
+      <p:sp>
+        <p:nvSpPr>
+          <p:cNvPr id="273" name="Прямоугольник 272">
+            <a:extLst>
+              <a:ext uri="{FF2B5EF4-FFF2-40B4-BE49-F238E27FC236}">
+                <a16:creationId xmlns:a16="http://schemas.microsoft.com/office/drawing/2014/main" id="{5DBD3CC3-56B7-43B0-B75E-CCB520915EEB}"/>
+              </a:ext>
+            </a:extLst>
+          </p:cNvPr>
+          <p:cNvSpPr/>
+          <p:nvPr/>
+        </p:nvSpPr>
+        <p:spPr>
+          <a:xfrm>
+            <a:off x="2702702" y="8697165"/>
+            <a:ext cx="2115918" cy="1080000"/>
+          </a:xfrm>
+          <a:prstGeom prst="rect">
+            <a:avLst/>
+          </a:prstGeom>
+          <a:solidFill>
+            <a:srgbClr val="FFFF00"/>
+          </a:solidFill>
+          <a:ln w="28575"/>
+        </p:spPr>
+        <p:style>
+          <a:lnRef idx="2">
+            <a:schemeClr val="accent1"/>
+          </a:lnRef>
+          <a:fillRef idx="1">
+            <a:schemeClr val="lt1"/>
+          </a:fillRef>
+          <a:effectRef idx="0">
+            <a:schemeClr val="accent1"/>
+          </a:effectRef>
+          <a:fontRef idx="minor">
+            <a:schemeClr val="dk1"/>
+          </a:fontRef>
+        </p:style>
+        <p:txBody>
+          <a:bodyPr lIns="124733" tIns="62367" rIns="124733" bIns="62367" rtlCol="0" anchor="ctr"/>
+          <a:lstStyle/>
+          <a:p>
+            <a:pPr algn="ctr"/>
+            <a:r>
+              <a:rPr lang="ru-RU" sz="600" dirty="0" err="1"/>
+              <a:t>Паннекук</a:t>
+            </a:r>
+            <a:r>
+              <a:rPr lang="ru-RU" sz="600" dirty="0"/>
+              <a:t> подчеркнул всемирное значение русской революции:</a:t>
+            </a:r>
+            <a:br>
+              <a:rPr lang="ru-RU" sz="100" dirty="0"/>
+            </a:br>
+            <a:r>
+              <a:rPr lang="ru-RU" sz="600" dirty="0"/>
+              <a:t>Подобно ослепительному метеору, русская революция осветила Землю. Но рабочим нужна была другая революция. Наполнив их такой надеждой и энергией, ослепительный свет русской революции ослепил рабочих, так что они уже не видели, по какому пути им идти</a:t>
+            </a:r>
+            <a:endParaRPr lang="ru-RU" sz="100" dirty="0"/>
           </a:p>
         </p:txBody>
       </p:sp>

--- a/Наработки/диздоки/Нидерланды/Нидерланды.pptx
+++ b/Наработки/диздоки/Нидерланды/Нидерланды.pptx
@@ -209,7 +209,7 @@
             <a:fld id="{33E3D7F9-E251-484C-A6FF-FA958879DF69}" type="datetimeFigureOut">
               <a:rPr lang="ru-RU" smtClean="0"/>
               <a:pPr/>
-              <a:t>06.04.2022</a:t>
+              <a:t>07.04.2022</a:t>
             </a:fld>
             <a:endParaRPr lang="ru-RU"/>
           </a:p>
@@ -699,7 +699,7 @@
             <a:fld id="{85A5DE44-605B-4D3B-B2B7-94543DF81A36}" type="datetimeFigureOut">
               <a:rPr lang="ru-RU" smtClean="0"/>
               <a:pPr/>
-              <a:t>06.04.2022</a:t>
+              <a:t>07.04.2022</a:t>
             </a:fld>
             <a:endParaRPr lang="ru-RU"/>
           </a:p>
@@ -871,7 +871,7 @@
             <a:fld id="{85A5DE44-605B-4D3B-B2B7-94543DF81A36}" type="datetimeFigureOut">
               <a:rPr lang="ru-RU" smtClean="0"/>
               <a:pPr/>
-              <a:t>06.04.2022</a:t>
+              <a:t>07.04.2022</a:t>
             </a:fld>
             <a:endParaRPr lang="ru-RU"/>
           </a:p>
@@ -1053,7 +1053,7 @@
             <a:fld id="{85A5DE44-605B-4D3B-B2B7-94543DF81A36}" type="datetimeFigureOut">
               <a:rPr lang="ru-RU" smtClean="0"/>
               <a:pPr/>
-              <a:t>06.04.2022</a:t>
+              <a:t>07.04.2022</a:t>
             </a:fld>
             <a:endParaRPr lang="ru-RU"/>
           </a:p>
@@ -1225,7 +1225,7 @@
             <a:fld id="{85A5DE44-605B-4D3B-B2B7-94543DF81A36}" type="datetimeFigureOut">
               <a:rPr lang="ru-RU" smtClean="0"/>
               <a:pPr/>
-              <a:t>06.04.2022</a:t>
+              <a:t>07.04.2022</a:t>
             </a:fld>
             <a:endParaRPr lang="ru-RU"/>
           </a:p>
@@ -1473,7 +1473,7 @@
             <a:fld id="{85A5DE44-605B-4D3B-B2B7-94543DF81A36}" type="datetimeFigureOut">
               <a:rPr lang="ru-RU" smtClean="0"/>
               <a:pPr/>
-              <a:t>06.04.2022</a:t>
+              <a:t>07.04.2022</a:t>
             </a:fld>
             <a:endParaRPr lang="ru-RU"/>
           </a:p>
@@ -1707,7 +1707,7 @@
             <a:fld id="{85A5DE44-605B-4D3B-B2B7-94543DF81A36}" type="datetimeFigureOut">
               <a:rPr lang="ru-RU" smtClean="0"/>
               <a:pPr/>
-              <a:t>06.04.2022</a:t>
+              <a:t>07.04.2022</a:t>
             </a:fld>
             <a:endParaRPr lang="ru-RU"/>
           </a:p>
@@ -2076,7 +2076,7 @@
             <a:fld id="{85A5DE44-605B-4D3B-B2B7-94543DF81A36}" type="datetimeFigureOut">
               <a:rPr lang="ru-RU" smtClean="0"/>
               <a:pPr/>
-              <a:t>06.04.2022</a:t>
+              <a:t>07.04.2022</a:t>
             </a:fld>
             <a:endParaRPr lang="ru-RU"/>
           </a:p>
@@ -2196,7 +2196,7 @@
             <a:fld id="{85A5DE44-605B-4D3B-B2B7-94543DF81A36}" type="datetimeFigureOut">
               <a:rPr lang="ru-RU" smtClean="0"/>
               <a:pPr/>
-              <a:t>06.04.2022</a:t>
+              <a:t>07.04.2022</a:t>
             </a:fld>
             <a:endParaRPr lang="ru-RU"/>
           </a:p>
@@ -2293,7 +2293,7 @@
             <a:fld id="{85A5DE44-605B-4D3B-B2B7-94543DF81A36}" type="datetimeFigureOut">
               <a:rPr lang="ru-RU" smtClean="0"/>
               <a:pPr/>
-              <a:t>06.04.2022</a:t>
+              <a:t>07.04.2022</a:t>
             </a:fld>
             <a:endParaRPr lang="ru-RU"/>
           </a:p>
@@ -2572,7 +2572,7 @@
             <a:fld id="{85A5DE44-605B-4D3B-B2B7-94543DF81A36}" type="datetimeFigureOut">
               <a:rPr lang="ru-RU" smtClean="0"/>
               <a:pPr/>
-              <a:t>06.04.2022</a:t>
+              <a:t>07.04.2022</a:t>
             </a:fld>
             <a:endParaRPr lang="ru-RU"/>
           </a:p>
@@ -2831,7 +2831,7 @@
             <a:fld id="{85A5DE44-605B-4D3B-B2B7-94543DF81A36}" type="datetimeFigureOut">
               <a:rPr lang="ru-RU" smtClean="0"/>
               <a:pPr/>
-              <a:t>06.04.2022</a:t>
+              <a:t>07.04.2022</a:t>
             </a:fld>
             <a:endParaRPr lang="ru-RU"/>
           </a:p>
@@ -3046,7 +3046,7 @@
             <a:fld id="{85A5DE44-605B-4D3B-B2B7-94543DF81A36}" type="datetimeFigureOut">
               <a:rPr lang="ru-RU" smtClean="0"/>
               <a:pPr/>
-              <a:t>06.04.2022</a:t>
+              <a:t>07.04.2022</a:t>
             </a:fld>
             <a:endParaRPr lang="ru-RU"/>
           </a:p>
@@ -6480,7 +6480,7 @@
         </p:nvSpPr>
         <p:spPr>
           <a:xfrm>
-            <a:off x="26052710" y="19665220"/>
+            <a:off x="26052710" y="19654043"/>
             <a:ext cx="2115918" cy="1080000"/>
           </a:xfrm>
           <a:prstGeom prst="rect">
@@ -6535,8 +6535,8 @@
         </p:nvCxnSpPr>
         <p:spPr>
           <a:xfrm rot="5400000">
-            <a:off x="26182403" y="18736953"/>
-            <a:ext cx="1856533" cy="12700"/>
+            <a:off x="26187991" y="18731365"/>
+            <a:ext cx="1845356" cy="12700"/>
           </a:xfrm>
           <a:prstGeom prst="bentConnector3">
             <a:avLst>
@@ -6961,8 +6961,8 @@
         </p:nvCxnSpPr>
         <p:spPr>
           <a:xfrm rot="5400000">
-            <a:off x="26252770" y="20323955"/>
-            <a:ext cx="436635" cy="1279164"/>
+            <a:off x="26247181" y="20318367"/>
+            <a:ext cx="447812" cy="1279164"/>
           </a:xfrm>
           <a:prstGeom prst="bentConnector3">
             <a:avLst>
@@ -21162,6 +21162,232 @@
           </a:p>
         </p:txBody>
       </p:sp>
+      <p:sp>
+        <p:nvSpPr>
+          <p:cNvPr id="309" name="Прямоугольник 308">
+            <a:extLst>
+              <a:ext uri="{FF2B5EF4-FFF2-40B4-BE49-F238E27FC236}">
+                <a16:creationId xmlns:a16="http://schemas.microsoft.com/office/drawing/2014/main" id="{48182F7E-1D91-4D5F-95EF-DBD6F3B7FEB9}"/>
+              </a:ext>
+            </a:extLst>
+          </p:cNvPr>
+          <p:cNvSpPr/>
+          <p:nvPr/>
+        </p:nvSpPr>
+        <p:spPr>
+          <a:xfrm>
+            <a:off x="23409070" y="1304485"/>
+            <a:ext cx="2115918" cy="1080000"/>
+          </a:xfrm>
+          <a:prstGeom prst="rect">
+            <a:avLst/>
+          </a:prstGeom>
+          <a:solidFill>
+            <a:srgbClr val="FF0000"/>
+          </a:solidFill>
+          <a:ln w="28575"/>
+        </p:spPr>
+        <p:style>
+          <a:lnRef idx="2">
+            <a:schemeClr val="accent1"/>
+          </a:lnRef>
+          <a:fillRef idx="1">
+            <a:schemeClr val="lt1"/>
+          </a:fillRef>
+          <a:effectRef idx="0">
+            <a:schemeClr val="accent1"/>
+          </a:effectRef>
+          <a:fontRef idx="minor">
+            <a:schemeClr val="dk1"/>
+          </a:fontRef>
+        </p:style>
+        <p:txBody>
+          <a:bodyPr lIns="124733" tIns="62367" rIns="124733" bIns="62367" rtlCol="0" anchor="ctr"/>
+          <a:lstStyle/>
+          <a:p>
+            <a:pPr algn="ctr"/>
+            <a:r>
+              <a:rPr lang="ru-RU" sz="500" dirty="0"/>
+              <a:t>В отличие от предыдущих лет, CPH выступала за национальное единство, защиту парламентской демократии и прекращение борьбы с религией. Чтобы получить национальный имидж и укрепить новую политическую линию, партия во главе с новым секретарем партии Полем де </a:t>
+            </a:r>
+            <a:r>
+              <a:rPr lang="ru-RU" sz="500" dirty="0" err="1"/>
+              <a:t>Гроотом</a:t>
+            </a:r>
+            <a:r>
+              <a:rPr lang="ru-RU" sz="500" dirty="0"/>
+              <a:t> изменила название партии на «Коммунистическую партию Нидерландов» (КПН) во время партийного съезда 1935 года. Чтобы оправдать это решение, Де </a:t>
+            </a:r>
+            <a:r>
+              <a:rPr lang="ru-RU" sz="500" dirty="0" err="1"/>
+              <a:t>Гроот</a:t>
+            </a:r>
+            <a:r>
+              <a:rPr lang="ru-RU" sz="500" dirty="0"/>
+              <a:t> заявил на этом съезде: «Мы не хотим, чтобы наша партия стала врагом и изолировала себя в рабочем движении». Новая политика нашей партии, направленная на единство, требует, чтобы мы знали только одного врага: фашизм и капитализм, но чтобы наша партия была другом и союзником всех рабочих этой страны»</a:t>
+            </a:r>
+          </a:p>
+        </p:txBody>
+      </p:sp>
+      <p:sp>
+        <p:nvSpPr>
+          <p:cNvPr id="311" name="Прямоугольник 310">
+            <a:extLst>
+              <a:ext uri="{FF2B5EF4-FFF2-40B4-BE49-F238E27FC236}">
+                <a16:creationId xmlns:a16="http://schemas.microsoft.com/office/drawing/2014/main" id="{DD648BA6-9D9C-49D0-AE02-00DD093F39DE}"/>
+              </a:ext>
+            </a:extLst>
+          </p:cNvPr>
+          <p:cNvSpPr/>
+          <p:nvPr/>
+        </p:nvSpPr>
+        <p:spPr>
+          <a:xfrm>
+            <a:off x="19789160" y="24147430"/>
+            <a:ext cx="2115918" cy="1080000"/>
+          </a:xfrm>
+          <a:prstGeom prst="rect">
+            <a:avLst/>
+          </a:prstGeom>
+          <a:noFill/>
+          <a:ln w="28575"/>
+        </p:spPr>
+        <p:style>
+          <a:lnRef idx="2">
+            <a:schemeClr val="accent1"/>
+          </a:lnRef>
+          <a:fillRef idx="1">
+            <a:schemeClr val="lt1"/>
+          </a:fillRef>
+          <a:effectRef idx="0">
+            <a:schemeClr val="accent1"/>
+          </a:effectRef>
+          <a:fontRef idx="minor">
+            <a:schemeClr val="dk1"/>
+          </a:fontRef>
+        </p:style>
+        <p:txBody>
+          <a:bodyPr lIns="124733" tIns="62367" rIns="124733" bIns="62367" rtlCol="0" anchor="ctr"/>
+          <a:lstStyle/>
+          <a:p>
+            <a:pPr algn="ctr"/>
+            <a:r>
+              <a:rPr lang="ru-RU" sz="1400" dirty="0"/>
+              <a:t>Прекратить борьбу с религией (</a:t>
+            </a:r>
+            <a:r>
+              <a:rPr lang="ru-RU" sz="1400" dirty="0" err="1"/>
+              <a:t>комми</a:t>
+            </a:r>
+            <a:r>
+              <a:rPr lang="ru-RU" sz="1400" dirty="0"/>
+              <a:t>)</a:t>
+            </a:r>
+          </a:p>
+        </p:txBody>
+      </p:sp>
+      <p:sp>
+        <p:nvSpPr>
+          <p:cNvPr id="312" name="Прямоугольник 311">
+            <a:extLst>
+              <a:ext uri="{FF2B5EF4-FFF2-40B4-BE49-F238E27FC236}">
+                <a16:creationId xmlns:a16="http://schemas.microsoft.com/office/drawing/2014/main" id="{AF586CA6-6B77-414F-9AE4-073EE0A788C5}"/>
+              </a:ext>
+            </a:extLst>
+          </p:cNvPr>
+          <p:cNvSpPr/>
+          <p:nvPr/>
+        </p:nvSpPr>
+        <p:spPr>
+          <a:xfrm>
+            <a:off x="22279244" y="24147430"/>
+            <a:ext cx="2115918" cy="1080000"/>
+          </a:xfrm>
+          <a:prstGeom prst="rect">
+            <a:avLst/>
+          </a:prstGeom>
+          <a:noFill/>
+          <a:ln w="28575"/>
+        </p:spPr>
+        <p:style>
+          <a:lnRef idx="2">
+            <a:schemeClr val="accent1"/>
+          </a:lnRef>
+          <a:fillRef idx="1">
+            <a:schemeClr val="lt1"/>
+          </a:fillRef>
+          <a:effectRef idx="0">
+            <a:schemeClr val="accent1"/>
+          </a:effectRef>
+          <a:fontRef idx="minor">
+            <a:schemeClr val="dk1"/>
+          </a:fontRef>
+        </p:style>
+        <p:txBody>
+          <a:bodyPr lIns="124733" tIns="62367" rIns="124733" bIns="62367" rtlCol="0" anchor="ctr"/>
+          <a:lstStyle/>
+          <a:p>
+            <a:pPr algn="ctr"/>
+            <a:r>
+              <a:rPr lang="ru-RU" sz="1400" dirty="0"/>
+              <a:t>Начать гонение религии (</a:t>
+            </a:r>
+            <a:r>
+              <a:rPr lang="ru-RU" sz="1400" dirty="0" err="1"/>
+              <a:t>маркисты</a:t>
+            </a:r>
+            <a:r>
+              <a:rPr lang="ru-RU" sz="1400" dirty="0"/>
+              <a:t>)</a:t>
+            </a:r>
+          </a:p>
+        </p:txBody>
+      </p:sp>
+      <p:cxnSp>
+        <p:nvCxnSpPr>
+          <p:cNvPr id="313" name="Прямая соединительная линия 312">
+            <a:extLst>
+              <a:ext uri="{FF2B5EF4-FFF2-40B4-BE49-F238E27FC236}">
+                <a16:creationId xmlns:a16="http://schemas.microsoft.com/office/drawing/2014/main" id="{77EB1050-93C0-45DC-8E04-9E36072408E4}"/>
+              </a:ext>
+            </a:extLst>
+          </p:cNvPr>
+          <p:cNvCxnSpPr>
+            <a:cxnSpLocks/>
+            <a:stCxn id="312" idx="1"/>
+            <a:endCxn id="311" idx="3"/>
+          </p:cNvCxnSpPr>
+          <p:nvPr/>
+        </p:nvCxnSpPr>
+        <p:spPr>
+          <a:xfrm flipH="1">
+            <a:off x="21905078" y="24687430"/>
+            <a:ext cx="374166" cy="0"/>
+          </a:xfrm>
+          <a:prstGeom prst="line">
+            <a:avLst/>
+          </a:prstGeom>
+          <a:ln w="28575">
+            <a:solidFill>
+              <a:srgbClr val="FF0000"/>
+            </a:solidFill>
+          </a:ln>
+        </p:spPr>
+        <p:style>
+          <a:lnRef idx="1">
+            <a:schemeClr val="accent1"/>
+          </a:lnRef>
+          <a:fillRef idx="0">
+            <a:schemeClr val="accent1"/>
+          </a:fillRef>
+          <a:effectRef idx="0">
+            <a:schemeClr val="accent1"/>
+          </a:effectRef>
+          <a:fontRef idx="minor">
+            <a:schemeClr val="tx1"/>
+          </a:fontRef>
+        </p:style>
+      </p:cxnSp>
     </p:spTree>
     <p:extLst>
       <p:ext uri="{BB962C8B-B14F-4D97-AF65-F5344CB8AC3E}">

--- a/Наработки/диздоки/Нидерланды/Нидерланды.pptx
+++ b/Наработки/диздоки/Нидерланды/Нидерланды.pptx
@@ -209,7 +209,7 @@
             <a:fld id="{33E3D7F9-E251-484C-A6FF-FA958879DF69}" type="datetimeFigureOut">
               <a:rPr lang="ru-RU" smtClean="0"/>
               <a:pPr/>
-              <a:t>07.04.2022</a:t>
+              <a:t>08.04.2022</a:t>
             </a:fld>
             <a:endParaRPr lang="ru-RU"/>
           </a:p>
@@ -699,7 +699,7 @@
             <a:fld id="{85A5DE44-605B-4D3B-B2B7-94543DF81A36}" type="datetimeFigureOut">
               <a:rPr lang="ru-RU" smtClean="0"/>
               <a:pPr/>
-              <a:t>07.04.2022</a:t>
+              <a:t>08.04.2022</a:t>
             </a:fld>
             <a:endParaRPr lang="ru-RU"/>
           </a:p>
@@ -871,7 +871,7 @@
             <a:fld id="{85A5DE44-605B-4D3B-B2B7-94543DF81A36}" type="datetimeFigureOut">
               <a:rPr lang="ru-RU" smtClean="0"/>
               <a:pPr/>
-              <a:t>07.04.2022</a:t>
+              <a:t>08.04.2022</a:t>
             </a:fld>
             <a:endParaRPr lang="ru-RU"/>
           </a:p>
@@ -1053,7 +1053,7 @@
             <a:fld id="{85A5DE44-605B-4D3B-B2B7-94543DF81A36}" type="datetimeFigureOut">
               <a:rPr lang="ru-RU" smtClean="0"/>
               <a:pPr/>
-              <a:t>07.04.2022</a:t>
+              <a:t>08.04.2022</a:t>
             </a:fld>
             <a:endParaRPr lang="ru-RU"/>
           </a:p>
@@ -1225,7 +1225,7 @@
             <a:fld id="{85A5DE44-605B-4D3B-B2B7-94543DF81A36}" type="datetimeFigureOut">
               <a:rPr lang="ru-RU" smtClean="0"/>
               <a:pPr/>
-              <a:t>07.04.2022</a:t>
+              <a:t>08.04.2022</a:t>
             </a:fld>
             <a:endParaRPr lang="ru-RU"/>
           </a:p>
@@ -1473,7 +1473,7 @@
             <a:fld id="{85A5DE44-605B-4D3B-B2B7-94543DF81A36}" type="datetimeFigureOut">
               <a:rPr lang="ru-RU" smtClean="0"/>
               <a:pPr/>
-              <a:t>07.04.2022</a:t>
+              <a:t>08.04.2022</a:t>
             </a:fld>
             <a:endParaRPr lang="ru-RU"/>
           </a:p>
@@ -1707,7 +1707,7 @@
             <a:fld id="{85A5DE44-605B-4D3B-B2B7-94543DF81A36}" type="datetimeFigureOut">
               <a:rPr lang="ru-RU" smtClean="0"/>
               <a:pPr/>
-              <a:t>07.04.2022</a:t>
+              <a:t>08.04.2022</a:t>
             </a:fld>
             <a:endParaRPr lang="ru-RU"/>
           </a:p>
@@ -2076,7 +2076,7 @@
             <a:fld id="{85A5DE44-605B-4D3B-B2B7-94543DF81A36}" type="datetimeFigureOut">
               <a:rPr lang="ru-RU" smtClean="0"/>
               <a:pPr/>
-              <a:t>07.04.2022</a:t>
+              <a:t>08.04.2022</a:t>
             </a:fld>
             <a:endParaRPr lang="ru-RU"/>
           </a:p>
@@ -2196,7 +2196,7 @@
             <a:fld id="{85A5DE44-605B-4D3B-B2B7-94543DF81A36}" type="datetimeFigureOut">
               <a:rPr lang="ru-RU" smtClean="0"/>
               <a:pPr/>
-              <a:t>07.04.2022</a:t>
+              <a:t>08.04.2022</a:t>
             </a:fld>
             <a:endParaRPr lang="ru-RU"/>
           </a:p>
@@ -2293,7 +2293,7 @@
             <a:fld id="{85A5DE44-605B-4D3B-B2B7-94543DF81A36}" type="datetimeFigureOut">
               <a:rPr lang="ru-RU" smtClean="0"/>
               <a:pPr/>
-              <a:t>07.04.2022</a:t>
+              <a:t>08.04.2022</a:t>
             </a:fld>
             <a:endParaRPr lang="ru-RU"/>
           </a:p>
@@ -2572,7 +2572,7 @@
             <a:fld id="{85A5DE44-605B-4D3B-B2B7-94543DF81A36}" type="datetimeFigureOut">
               <a:rPr lang="ru-RU" smtClean="0"/>
               <a:pPr/>
-              <a:t>07.04.2022</a:t>
+              <a:t>08.04.2022</a:t>
             </a:fld>
             <a:endParaRPr lang="ru-RU"/>
           </a:p>
@@ -2831,7 +2831,7 @@
             <a:fld id="{85A5DE44-605B-4D3B-B2B7-94543DF81A36}" type="datetimeFigureOut">
               <a:rPr lang="ru-RU" smtClean="0"/>
               <a:pPr/>
-              <a:t>07.04.2022</a:t>
+              <a:t>08.04.2022</a:t>
             </a:fld>
             <a:endParaRPr lang="ru-RU"/>
           </a:p>
@@ -3046,7 +3046,7 @@
             <a:fld id="{85A5DE44-605B-4D3B-B2B7-94543DF81A36}" type="datetimeFigureOut">
               <a:rPr lang="ru-RU" smtClean="0"/>
               <a:pPr/>
-              <a:t>07.04.2022</a:t>
+              <a:t>08.04.2022</a:t>
             </a:fld>
             <a:endParaRPr lang="ru-RU"/>
           </a:p>
@@ -4839,7 +4839,6 @@
           <p:cNvCxnSpPr>
             <a:cxnSpLocks/>
             <a:stCxn id="187" idx="2"/>
-            <a:endCxn id="191" idx="0"/>
           </p:cNvCxnSpPr>
           <p:nvPr/>
         </p:nvCxnSpPr>
@@ -11050,7 +11049,7 @@
         </p:nvSpPr>
         <p:spPr>
           <a:xfrm>
-            <a:off x="4437042" y="-27349"/>
+            <a:off x="4279028" y="-34420"/>
             <a:ext cx="2115918" cy="1080000"/>
           </a:xfrm>
           <a:prstGeom prst="rect">
@@ -12547,68 +12546,6 @@
           </a:p>
         </p:txBody>
       </p:sp>
-      <p:sp>
-        <p:nvSpPr>
-          <p:cNvPr id="191" name="Прямоугольник 190">
-            <a:extLst>
-              <a:ext uri="{FF2B5EF4-FFF2-40B4-BE49-F238E27FC236}">
-                <a16:creationId xmlns:a16="http://schemas.microsoft.com/office/drawing/2014/main" id="{CEB19DF5-6201-4639-910F-72B4779F8C50}"/>
-              </a:ext>
-            </a:extLst>
-          </p:cNvPr>
-          <p:cNvSpPr/>
-          <p:nvPr/>
-        </p:nvSpPr>
-        <p:spPr>
-          <a:xfrm>
-            <a:off x="21024706" y="13796310"/>
-            <a:ext cx="2115918" cy="1080000"/>
-          </a:xfrm>
-          <a:prstGeom prst="rect">
-            <a:avLst/>
-          </a:prstGeom>
-          <a:gradFill>
-            <a:gsLst>
-              <a:gs pos="50000">
-                <a:srgbClr val="FF0000"/>
-              </a:gs>
-              <a:gs pos="0">
-                <a:schemeClr val="accent4"/>
-              </a:gs>
-              <a:gs pos="100000">
-                <a:schemeClr val="tx1"/>
-              </a:gs>
-            </a:gsLst>
-            <a:lin ang="5400000" scaled="1"/>
-          </a:gradFill>
-          <a:ln w="28575"/>
-        </p:spPr>
-        <p:style>
-          <a:lnRef idx="2">
-            <a:schemeClr val="accent1"/>
-          </a:lnRef>
-          <a:fillRef idx="1">
-            <a:schemeClr val="lt1"/>
-          </a:fillRef>
-          <a:effectRef idx="0">
-            <a:schemeClr val="accent1"/>
-          </a:effectRef>
-          <a:fontRef idx="minor">
-            <a:schemeClr val="dk1"/>
-          </a:fontRef>
-        </p:style>
-        <p:txBody>
-          <a:bodyPr lIns="124733" tIns="62367" rIns="124733" bIns="62367" rtlCol="0" anchor="ctr"/>
-          <a:lstStyle/>
-          <a:p>
-            <a:pPr algn="ctr"/>
-            <a:r>
-              <a:rPr lang="ru-RU" sz="1400" dirty="0"/>
-              <a:t>Деколонизация Голландской Индии (ваниль)</a:t>
-            </a:r>
-          </a:p>
-        </p:txBody>
-      </p:sp>
       <p:cxnSp>
         <p:nvCxnSpPr>
           <p:cNvPr id="162" name="Соединительная линия уступом 175">
@@ -17424,7 +17361,7 @@
         </p:nvSpPr>
         <p:spPr>
           <a:xfrm>
-            <a:off x="222524" y="9170743"/>
+            <a:off x="5110660" y="1350764"/>
             <a:ext cx="2115918" cy="1080000"/>
           </a:xfrm>
           <a:prstGeom prst="rect">
@@ -19376,7 +19313,7 @@
         </p:nvSpPr>
         <p:spPr>
           <a:xfrm>
-            <a:off x="16075096" y="9240333"/>
+            <a:off x="16089647" y="7001545"/>
             <a:ext cx="2115918" cy="1080000"/>
           </a:xfrm>
           <a:prstGeom prst="rect">
@@ -19408,7 +19345,7 @@
             <a:pPr algn="ctr"/>
             <a:r>
               <a:rPr lang="ru-RU" sz="5400" dirty="0"/>
-              <a:t>24</a:t>
+              <a:t>23</a:t>
             </a:r>
           </a:p>
         </p:txBody>
@@ -20070,7 +20007,7 @@
         </p:nvSpPr>
         <p:spPr>
           <a:xfrm>
-            <a:off x="7167611" y="9442399"/>
+            <a:off x="7632117" y="6914419"/>
             <a:ext cx="2115918" cy="1080000"/>
           </a:xfrm>
           <a:prstGeom prst="rect">
@@ -20102,7 +20039,7 @@
             <a:pPr algn="ctr"/>
             <a:r>
               <a:rPr lang="ru-RU" sz="6000" dirty="0"/>
-              <a:t>24</a:t>
+              <a:t>23</a:t>
             </a:r>
           </a:p>
         </p:txBody>
@@ -21018,7 +20955,7 @@
         </p:nvSpPr>
         <p:spPr>
           <a:xfrm>
-            <a:off x="23409070" y="9328071"/>
+            <a:off x="23487282" y="6772516"/>
             <a:ext cx="2115918" cy="1080000"/>
           </a:xfrm>
           <a:prstGeom prst="rect">
@@ -21050,7 +20987,7 @@
             <a:pPr algn="ctr"/>
             <a:r>
               <a:rPr lang="ru-RU" sz="6000" dirty="0"/>
-              <a:t>20</a:t>
+              <a:t>19</a:t>
             </a:r>
           </a:p>
         </p:txBody>
@@ -21069,7 +21006,7 @@
         </p:nvSpPr>
         <p:spPr>
           <a:xfrm>
-            <a:off x="33414004" y="9352500"/>
+            <a:off x="32779749" y="6775058"/>
             <a:ext cx="2115918" cy="1080000"/>
           </a:xfrm>
           <a:prstGeom prst="rect">
@@ -21108,7 +21045,7 @@
                   <a:schemeClr val="bg1"/>
                 </a:solidFill>
               </a:rPr>
-              <a:t>25</a:t>
+              <a:t>24</a:t>
             </a:r>
           </a:p>
         </p:txBody>
@@ -21127,7 +21064,7 @@
         </p:nvSpPr>
         <p:spPr>
           <a:xfrm>
-            <a:off x="20054510" y="9253062"/>
+            <a:off x="20229992" y="6229350"/>
             <a:ext cx="2115918" cy="1080000"/>
           </a:xfrm>
           <a:prstGeom prst="rect">
@@ -21157,7 +21094,7 @@
             <a:pPr algn="ctr"/>
             <a:r>
               <a:rPr lang="ru-RU" sz="4400" dirty="0"/>
-              <a:t>99</a:t>
+              <a:t>98</a:t>
             </a:r>
           </a:p>
         </p:txBody>
@@ -21243,7 +21180,7 @@
         </p:nvSpPr>
         <p:spPr>
           <a:xfrm>
-            <a:off x="19789160" y="24147430"/>
+            <a:off x="18554908" y="24147430"/>
             <a:ext cx="2115918" cy="1080000"/>
           </a:xfrm>
           <a:prstGeom prst="rect">
@@ -21273,15 +21210,7 @@
             <a:pPr algn="ctr"/>
             <a:r>
               <a:rPr lang="ru-RU" sz="1400" dirty="0"/>
-              <a:t>Прекратить борьбу с религией (</a:t>
-            </a:r>
-            <a:r>
-              <a:rPr lang="ru-RU" sz="1400" dirty="0" err="1"/>
-              <a:t>комми</a:t>
-            </a:r>
-            <a:r>
-              <a:rPr lang="ru-RU" sz="1400" dirty="0"/>
-              <a:t>)</a:t>
+              <a:t>Прекратить борьбу с религией (не марксисты)</a:t>
             </a:r>
           </a:p>
         </p:txBody>
@@ -21300,7 +21229,7 @@
         </p:nvSpPr>
         <p:spPr>
           <a:xfrm>
-            <a:off x="22279244" y="24147430"/>
+            <a:off x="23528291" y="24147430"/>
             <a:ext cx="2115918" cy="1080000"/>
           </a:xfrm>
           <a:prstGeom prst="rect">
@@ -21330,11 +21259,11 @@
             <a:pPr algn="ctr"/>
             <a:r>
               <a:rPr lang="ru-RU" sz="1400" dirty="0"/>
-              <a:t>Начать гонение религии (</a:t>
+              <a:t>Начать гонение религии (не </a:t>
             </a:r>
             <a:r>
               <a:rPr lang="ru-RU" sz="1400" dirty="0" err="1"/>
-              <a:t>маркисты</a:t>
+              <a:t>комми</a:t>
             </a:r>
             <a:r>
               <a:rPr lang="ru-RU" sz="1400" dirty="0"/>
@@ -21361,8 +21290,1054 @@
         </p:nvCxnSpPr>
         <p:spPr>
           <a:xfrm flipH="1">
-            <a:off x="21905078" y="24687430"/>
-            <a:ext cx="374166" cy="0"/>
+            <a:off x="20670826" y="24687430"/>
+            <a:ext cx="2857465" cy="0"/>
+          </a:xfrm>
+          <a:prstGeom prst="line">
+            <a:avLst/>
+          </a:prstGeom>
+          <a:ln w="28575">
+            <a:solidFill>
+              <a:srgbClr val="FF0000"/>
+            </a:solidFill>
+          </a:ln>
+        </p:spPr>
+        <p:style>
+          <a:lnRef idx="1">
+            <a:schemeClr val="accent1"/>
+          </a:lnRef>
+          <a:fillRef idx="0">
+            <a:schemeClr val="accent1"/>
+          </a:fillRef>
+          <a:effectRef idx="0">
+            <a:schemeClr val="accent1"/>
+          </a:effectRef>
+          <a:fontRef idx="minor">
+            <a:schemeClr val="tx1"/>
+          </a:fontRef>
+        </p:style>
+      </p:cxnSp>
+      <p:sp>
+        <p:nvSpPr>
+          <p:cNvPr id="315" name="Прямоугольник 314">
+            <a:extLst>
+              <a:ext uri="{FF2B5EF4-FFF2-40B4-BE49-F238E27FC236}">
+                <a16:creationId xmlns:a16="http://schemas.microsoft.com/office/drawing/2014/main" id="{9DE34995-EA04-4529-B1B9-01781A906975}"/>
+              </a:ext>
+            </a:extLst>
+          </p:cNvPr>
+          <p:cNvSpPr/>
+          <p:nvPr/>
+        </p:nvSpPr>
+        <p:spPr>
+          <a:xfrm>
+            <a:off x="18554907" y="25572038"/>
+            <a:ext cx="2115918" cy="1080000"/>
+          </a:xfrm>
+          <a:prstGeom prst="rect">
+            <a:avLst/>
+          </a:prstGeom>
+          <a:noFill/>
+          <a:ln w="28575"/>
+        </p:spPr>
+        <p:style>
+          <a:lnRef idx="2">
+            <a:schemeClr val="accent1"/>
+          </a:lnRef>
+          <a:fillRef idx="1">
+            <a:schemeClr val="lt1"/>
+          </a:fillRef>
+          <a:effectRef idx="0">
+            <a:schemeClr val="accent1"/>
+          </a:effectRef>
+          <a:fontRef idx="minor">
+            <a:schemeClr val="dk1"/>
+          </a:fontRef>
+        </p:style>
+        <p:txBody>
+          <a:bodyPr lIns="124733" tIns="62367" rIns="124733" bIns="62367" rtlCol="0" anchor="ctr"/>
+          <a:lstStyle/>
+          <a:p>
+            <a:pPr algn="ctr"/>
+            <a:r>
+              <a:rPr lang="ru-RU" sz="1400" dirty="0"/>
+              <a:t>Использовать Индонезию для восстановления страны ()</a:t>
+            </a:r>
+          </a:p>
+        </p:txBody>
+      </p:sp>
+      <p:sp>
+        <p:nvSpPr>
+          <p:cNvPr id="316" name="Прямоугольник 315">
+            <a:extLst>
+              <a:ext uri="{FF2B5EF4-FFF2-40B4-BE49-F238E27FC236}">
+                <a16:creationId xmlns:a16="http://schemas.microsoft.com/office/drawing/2014/main" id="{80FD403A-D291-4156-B8B8-095ECE38954C}"/>
+              </a:ext>
+            </a:extLst>
+          </p:cNvPr>
+          <p:cNvSpPr/>
+          <p:nvPr/>
+        </p:nvSpPr>
+        <p:spPr>
+          <a:xfrm>
+            <a:off x="21046121" y="25572038"/>
+            <a:ext cx="2115918" cy="1080000"/>
+          </a:xfrm>
+          <a:prstGeom prst="rect">
+            <a:avLst/>
+          </a:prstGeom>
+          <a:noFill/>
+          <a:ln w="28575"/>
+        </p:spPr>
+        <p:style>
+          <a:lnRef idx="2">
+            <a:schemeClr val="accent1"/>
+          </a:lnRef>
+          <a:fillRef idx="1">
+            <a:schemeClr val="lt1"/>
+          </a:fillRef>
+          <a:effectRef idx="0">
+            <a:schemeClr val="accent1"/>
+          </a:effectRef>
+          <a:fontRef idx="minor">
+            <a:schemeClr val="dk1"/>
+          </a:fontRef>
+        </p:style>
+        <p:txBody>
+          <a:bodyPr lIns="124733" tIns="62367" rIns="124733" bIns="62367" rtlCol="0" anchor="ctr"/>
+          <a:lstStyle/>
+          <a:p>
+            <a:pPr algn="ctr"/>
+            <a:r>
+              <a:rPr lang="ru-RU" sz="1400" dirty="0"/>
+              <a:t>Установить лояльное правительство в Индонезии (Рустам </a:t>
+            </a:r>
+            <a:r>
+              <a:rPr lang="ru-RU" sz="1400" dirty="0" err="1"/>
+              <a:t>Эффенди</a:t>
+            </a:r>
+            <a:r>
+              <a:rPr lang="ru-RU" sz="1400" dirty="0"/>
+              <a:t> встанет во главе </a:t>
+            </a:r>
+            <a:r>
+              <a:rPr lang="ru-RU" sz="1400" dirty="0" err="1"/>
+              <a:t>индонезии</a:t>
+            </a:r>
+            <a:r>
+              <a:rPr lang="ru-RU" sz="1400" dirty="0"/>
+              <a:t>)</a:t>
+            </a:r>
+          </a:p>
+        </p:txBody>
+      </p:sp>
+      <p:sp>
+        <p:nvSpPr>
+          <p:cNvPr id="319" name="Прямоугольник 318">
+            <a:extLst>
+              <a:ext uri="{FF2B5EF4-FFF2-40B4-BE49-F238E27FC236}">
+                <a16:creationId xmlns:a16="http://schemas.microsoft.com/office/drawing/2014/main" id="{80AAA552-3A15-4416-848A-DA6234BC6F07}"/>
+              </a:ext>
+            </a:extLst>
+          </p:cNvPr>
+          <p:cNvSpPr/>
+          <p:nvPr/>
+        </p:nvSpPr>
+        <p:spPr>
+          <a:xfrm>
+            <a:off x="23528291" y="25572038"/>
+            <a:ext cx="2115918" cy="1080000"/>
+          </a:xfrm>
+          <a:prstGeom prst="rect">
+            <a:avLst/>
+          </a:prstGeom>
+          <a:noFill/>
+          <a:ln w="28575"/>
+        </p:spPr>
+        <p:style>
+          <a:lnRef idx="2">
+            <a:schemeClr val="accent1"/>
+          </a:lnRef>
+          <a:fillRef idx="1">
+            <a:schemeClr val="lt1"/>
+          </a:fillRef>
+          <a:effectRef idx="0">
+            <a:schemeClr val="accent1"/>
+          </a:effectRef>
+          <a:fontRef idx="minor">
+            <a:schemeClr val="dk1"/>
+          </a:fontRef>
+        </p:style>
+        <p:txBody>
+          <a:bodyPr lIns="124733" tIns="62367" rIns="124733" bIns="62367" rtlCol="0" anchor="ctr"/>
+          <a:lstStyle/>
+          <a:p>
+            <a:pPr algn="ctr"/>
+            <a:r>
+              <a:rPr lang="ru-RU" sz="1400" dirty="0"/>
+              <a:t>Предоставить свободу (не </a:t>
+            </a:r>
+            <a:r>
+              <a:rPr lang="ru-RU" sz="1400" dirty="0" err="1"/>
+              <a:t>комми</a:t>
+            </a:r>
+            <a:r>
+              <a:rPr lang="ru-RU" sz="1400" dirty="0"/>
+              <a:t>)</a:t>
+            </a:r>
+          </a:p>
+        </p:txBody>
+      </p:sp>
+      <p:cxnSp>
+        <p:nvCxnSpPr>
+          <p:cNvPr id="321" name="Прямая соединительная линия 320">
+            <a:extLst>
+              <a:ext uri="{FF2B5EF4-FFF2-40B4-BE49-F238E27FC236}">
+                <a16:creationId xmlns:a16="http://schemas.microsoft.com/office/drawing/2014/main" id="{B8883631-BEA2-45F1-A0C2-C842DDF554F3}"/>
+              </a:ext>
+            </a:extLst>
+          </p:cNvPr>
+          <p:cNvCxnSpPr>
+            <a:cxnSpLocks/>
+            <a:stCxn id="316" idx="1"/>
+            <a:endCxn id="315" idx="3"/>
+          </p:cNvCxnSpPr>
+          <p:nvPr/>
+        </p:nvCxnSpPr>
+        <p:spPr>
+          <a:xfrm flipH="1">
+            <a:off x="20670825" y="26112038"/>
+            <a:ext cx="375296" cy="0"/>
+          </a:xfrm>
+          <a:prstGeom prst="line">
+            <a:avLst/>
+          </a:prstGeom>
+          <a:ln w="28575">
+            <a:solidFill>
+              <a:srgbClr val="FF0000"/>
+            </a:solidFill>
+          </a:ln>
+        </p:spPr>
+        <p:style>
+          <a:lnRef idx="1">
+            <a:schemeClr val="accent1"/>
+          </a:lnRef>
+          <a:fillRef idx="0">
+            <a:schemeClr val="accent1"/>
+          </a:fillRef>
+          <a:effectRef idx="0">
+            <a:schemeClr val="accent1"/>
+          </a:effectRef>
+          <a:fontRef idx="minor">
+            <a:schemeClr val="tx1"/>
+          </a:fontRef>
+        </p:style>
+      </p:cxnSp>
+      <p:cxnSp>
+        <p:nvCxnSpPr>
+          <p:cNvPr id="322" name="Прямая соединительная линия 321">
+            <a:extLst>
+              <a:ext uri="{FF2B5EF4-FFF2-40B4-BE49-F238E27FC236}">
+                <a16:creationId xmlns:a16="http://schemas.microsoft.com/office/drawing/2014/main" id="{DA70501A-CAC8-42F4-ACBF-39425A2D0926}"/>
+              </a:ext>
+            </a:extLst>
+          </p:cNvPr>
+          <p:cNvCxnSpPr>
+            <a:cxnSpLocks/>
+            <a:stCxn id="319" idx="1"/>
+            <a:endCxn id="316" idx="3"/>
+          </p:cNvCxnSpPr>
+          <p:nvPr/>
+        </p:nvCxnSpPr>
+        <p:spPr>
+          <a:xfrm flipH="1">
+            <a:off x="23162039" y="26112038"/>
+            <a:ext cx="366252" cy="0"/>
+          </a:xfrm>
+          <a:prstGeom prst="line">
+            <a:avLst/>
+          </a:prstGeom>
+          <a:ln w="28575">
+            <a:solidFill>
+              <a:srgbClr val="FF0000"/>
+            </a:solidFill>
+          </a:ln>
+        </p:spPr>
+        <p:style>
+          <a:lnRef idx="1">
+            <a:schemeClr val="accent1"/>
+          </a:lnRef>
+          <a:fillRef idx="0">
+            <a:schemeClr val="accent1"/>
+          </a:fillRef>
+          <a:effectRef idx="0">
+            <a:schemeClr val="accent1"/>
+          </a:effectRef>
+          <a:fontRef idx="minor">
+            <a:schemeClr val="tx1"/>
+          </a:fontRef>
+        </p:style>
+      </p:cxnSp>
+      <p:cxnSp>
+        <p:nvCxnSpPr>
+          <p:cNvPr id="323" name="Соединительная линия уступом 175">
+            <a:extLst>
+              <a:ext uri="{FF2B5EF4-FFF2-40B4-BE49-F238E27FC236}">
+                <a16:creationId xmlns:a16="http://schemas.microsoft.com/office/drawing/2014/main" id="{1DB1400D-2E52-4EA8-B7BE-33D6A8FD2C2E}"/>
+              </a:ext>
+            </a:extLst>
+          </p:cNvPr>
+          <p:cNvCxnSpPr>
+            <a:cxnSpLocks/>
+            <a:stCxn id="311" idx="2"/>
+            <a:endCxn id="315" idx="0"/>
+          </p:cNvCxnSpPr>
+          <p:nvPr/>
+        </p:nvCxnSpPr>
+        <p:spPr>
+          <a:xfrm rot="5400000">
+            <a:off x="19440563" y="25399734"/>
+            <a:ext cx="344608" cy="1"/>
+          </a:xfrm>
+          <a:prstGeom prst="bentConnector3">
+            <a:avLst>
+              <a:gd name="adj1" fmla="val 50000"/>
+            </a:avLst>
+          </a:prstGeom>
+          <a:ln w="28575">
+            <a:prstDash val="dash"/>
+            <a:tailEnd type="arrow"/>
+          </a:ln>
+        </p:spPr>
+        <p:style>
+          <a:lnRef idx="1">
+            <a:schemeClr val="accent1"/>
+          </a:lnRef>
+          <a:fillRef idx="0">
+            <a:schemeClr val="accent1"/>
+          </a:fillRef>
+          <a:effectRef idx="0">
+            <a:schemeClr val="accent1"/>
+          </a:effectRef>
+          <a:fontRef idx="minor">
+            <a:schemeClr val="tx1"/>
+          </a:fontRef>
+        </p:style>
+      </p:cxnSp>
+      <p:cxnSp>
+        <p:nvCxnSpPr>
+          <p:cNvPr id="324" name="Соединительная линия уступом 175">
+            <a:extLst>
+              <a:ext uri="{FF2B5EF4-FFF2-40B4-BE49-F238E27FC236}">
+                <a16:creationId xmlns:a16="http://schemas.microsoft.com/office/drawing/2014/main" id="{28E84E31-35E5-47B7-8947-6B8B3A2EFB03}"/>
+              </a:ext>
+            </a:extLst>
+          </p:cNvPr>
+          <p:cNvCxnSpPr>
+            <a:cxnSpLocks/>
+            <a:stCxn id="311" idx="2"/>
+            <a:endCxn id="316" idx="0"/>
+          </p:cNvCxnSpPr>
+          <p:nvPr/>
+        </p:nvCxnSpPr>
+        <p:spPr>
+          <a:xfrm rot="16200000" flipH="1">
+            <a:off x="20686169" y="24154127"/>
+            <a:ext cx="344608" cy="2491213"/>
+          </a:xfrm>
+          <a:prstGeom prst="bentConnector3">
+            <a:avLst>
+              <a:gd name="adj1" fmla="val 50000"/>
+            </a:avLst>
+          </a:prstGeom>
+          <a:ln w="28575">
+            <a:prstDash val="dash"/>
+            <a:tailEnd type="arrow"/>
+          </a:ln>
+        </p:spPr>
+        <p:style>
+          <a:lnRef idx="1">
+            <a:schemeClr val="accent1"/>
+          </a:lnRef>
+          <a:fillRef idx="0">
+            <a:schemeClr val="accent1"/>
+          </a:fillRef>
+          <a:effectRef idx="0">
+            <a:schemeClr val="accent1"/>
+          </a:effectRef>
+          <a:fontRef idx="minor">
+            <a:schemeClr val="tx1"/>
+          </a:fontRef>
+        </p:style>
+      </p:cxnSp>
+      <p:cxnSp>
+        <p:nvCxnSpPr>
+          <p:cNvPr id="325" name="Соединительная линия уступом 175">
+            <a:extLst>
+              <a:ext uri="{FF2B5EF4-FFF2-40B4-BE49-F238E27FC236}">
+                <a16:creationId xmlns:a16="http://schemas.microsoft.com/office/drawing/2014/main" id="{A4FD14E9-B0BA-4590-B042-3F95BEF29884}"/>
+              </a:ext>
+            </a:extLst>
+          </p:cNvPr>
+          <p:cNvCxnSpPr>
+            <a:cxnSpLocks/>
+            <a:stCxn id="311" idx="2"/>
+            <a:endCxn id="319" idx="0"/>
+          </p:cNvCxnSpPr>
+          <p:nvPr/>
+        </p:nvCxnSpPr>
+        <p:spPr>
+          <a:xfrm rot="16200000" flipH="1">
+            <a:off x="21927254" y="22913042"/>
+            <a:ext cx="344608" cy="4973383"/>
+          </a:xfrm>
+          <a:prstGeom prst="bentConnector3">
+            <a:avLst>
+              <a:gd name="adj1" fmla="val 50000"/>
+            </a:avLst>
+          </a:prstGeom>
+          <a:ln w="28575">
+            <a:prstDash val="dash"/>
+            <a:tailEnd type="arrow"/>
+          </a:ln>
+        </p:spPr>
+        <p:style>
+          <a:lnRef idx="1">
+            <a:schemeClr val="accent1"/>
+          </a:lnRef>
+          <a:fillRef idx="0">
+            <a:schemeClr val="accent1"/>
+          </a:fillRef>
+          <a:effectRef idx="0">
+            <a:schemeClr val="accent1"/>
+          </a:effectRef>
+          <a:fontRef idx="minor">
+            <a:schemeClr val="tx1"/>
+          </a:fontRef>
+        </p:style>
+      </p:cxnSp>
+      <p:cxnSp>
+        <p:nvCxnSpPr>
+          <p:cNvPr id="326" name="Соединительная линия уступом 175">
+            <a:extLst>
+              <a:ext uri="{FF2B5EF4-FFF2-40B4-BE49-F238E27FC236}">
+                <a16:creationId xmlns:a16="http://schemas.microsoft.com/office/drawing/2014/main" id="{6AFDA878-9CCA-4400-A124-B9F812A36048}"/>
+              </a:ext>
+            </a:extLst>
+          </p:cNvPr>
+          <p:cNvCxnSpPr>
+            <a:cxnSpLocks/>
+            <a:stCxn id="312" idx="2"/>
+            <a:endCxn id="319" idx="0"/>
+          </p:cNvCxnSpPr>
+          <p:nvPr/>
+        </p:nvCxnSpPr>
+        <p:spPr>
+          <a:xfrm rot="5400000">
+            <a:off x="24413946" y="25399734"/>
+            <a:ext cx="344608" cy="12700"/>
+          </a:xfrm>
+          <a:prstGeom prst="bentConnector3">
+            <a:avLst>
+              <a:gd name="adj1" fmla="val 50000"/>
+            </a:avLst>
+          </a:prstGeom>
+          <a:ln w="28575">
+            <a:prstDash val="dash"/>
+            <a:tailEnd type="arrow"/>
+          </a:ln>
+        </p:spPr>
+        <p:style>
+          <a:lnRef idx="1">
+            <a:schemeClr val="accent1"/>
+          </a:lnRef>
+          <a:fillRef idx="0">
+            <a:schemeClr val="accent1"/>
+          </a:fillRef>
+          <a:effectRef idx="0">
+            <a:schemeClr val="accent1"/>
+          </a:effectRef>
+          <a:fontRef idx="minor">
+            <a:schemeClr val="tx1"/>
+          </a:fontRef>
+        </p:style>
+      </p:cxnSp>
+      <p:cxnSp>
+        <p:nvCxnSpPr>
+          <p:cNvPr id="327" name="Соединительная линия уступом 175">
+            <a:extLst>
+              <a:ext uri="{FF2B5EF4-FFF2-40B4-BE49-F238E27FC236}">
+                <a16:creationId xmlns:a16="http://schemas.microsoft.com/office/drawing/2014/main" id="{E4E3FE88-EE54-4348-8A7D-49B181E93586}"/>
+              </a:ext>
+            </a:extLst>
+          </p:cNvPr>
+          <p:cNvCxnSpPr>
+            <a:cxnSpLocks/>
+            <a:stCxn id="312" idx="2"/>
+            <a:endCxn id="316" idx="0"/>
+          </p:cNvCxnSpPr>
+          <p:nvPr/>
+        </p:nvCxnSpPr>
+        <p:spPr>
+          <a:xfrm rot="5400000">
+            <a:off x="23172861" y="24158649"/>
+            <a:ext cx="344608" cy="2482170"/>
+          </a:xfrm>
+          <a:prstGeom prst="bentConnector3">
+            <a:avLst>
+              <a:gd name="adj1" fmla="val 50000"/>
+            </a:avLst>
+          </a:prstGeom>
+          <a:ln w="28575">
+            <a:prstDash val="dash"/>
+            <a:tailEnd type="arrow"/>
+          </a:ln>
+        </p:spPr>
+        <p:style>
+          <a:lnRef idx="1">
+            <a:schemeClr val="accent1"/>
+          </a:lnRef>
+          <a:fillRef idx="0">
+            <a:schemeClr val="accent1"/>
+          </a:fillRef>
+          <a:effectRef idx="0">
+            <a:schemeClr val="accent1"/>
+          </a:effectRef>
+          <a:fontRef idx="minor">
+            <a:schemeClr val="tx1"/>
+          </a:fontRef>
+        </p:style>
+      </p:cxnSp>
+      <p:cxnSp>
+        <p:nvCxnSpPr>
+          <p:cNvPr id="329" name="Соединительная линия уступом 175">
+            <a:extLst>
+              <a:ext uri="{FF2B5EF4-FFF2-40B4-BE49-F238E27FC236}">
+                <a16:creationId xmlns:a16="http://schemas.microsoft.com/office/drawing/2014/main" id="{C90D8056-3635-4844-A49B-3D79D5A6F40A}"/>
+              </a:ext>
+            </a:extLst>
+          </p:cNvPr>
+          <p:cNvCxnSpPr>
+            <a:cxnSpLocks/>
+            <a:stCxn id="312" idx="2"/>
+            <a:endCxn id="315" idx="0"/>
+          </p:cNvCxnSpPr>
+          <p:nvPr/>
+        </p:nvCxnSpPr>
+        <p:spPr>
+          <a:xfrm rot="5400000">
+            <a:off x="21927254" y="22913042"/>
+            <a:ext cx="344608" cy="4973384"/>
+          </a:xfrm>
+          <a:prstGeom prst="bentConnector3">
+            <a:avLst>
+              <a:gd name="adj1" fmla="val 50000"/>
+            </a:avLst>
+          </a:prstGeom>
+          <a:ln w="28575">
+            <a:prstDash val="dash"/>
+            <a:tailEnd type="arrow"/>
+          </a:ln>
+        </p:spPr>
+        <p:style>
+          <a:lnRef idx="1">
+            <a:schemeClr val="accent1"/>
+          </a:lnRef>
+          <a:fillRef idx="0">
+            <a:schemeClr val="accent1"/>
+          </a:fillRef>
+          <a:effectRef idx="0">
+            <a:schemeClr val="accent1"/>
+          </a:effectRef>
+          <a:fontRef idx="minor">
+            <a:schemeClr val="tx1"/>
+          </a:fontRef>
+        </p:style>
+      </p:cxnSp>
+      <p:sp>
+        <p:nvSpPr>
+          <p:cNvPr id="330" name="Прямоугольник 329">
+            <a:extLst>
+              <a:ext uri="{FF2B5EF4-FFF2-40B4-BE49-F238E27FC236}">
+                <a16:creationId xmlns:a16="http://schemas.microsoft.com/office/drawing/2014/main" id="{E33F7981-AC37-4613-A81C-1ECCE6CB9C42}"/>
+              </a:ext>
+            </a:extLst>
+          </p:cNvPr>
+          <p:cNvSpPr/>
+          <p:nvPr/>
+        </p:nvSpPr>
+        <p:spPr>
+          <a:xfrm>
+            <a:off x="26010461" y="25572038"/>
+            <a:ext cx="2115918" cy="1080000"/>
+          </a:xfrm>
+          <a:prstGeom prst="rect">
+            <a:avLst/>
+          </a:prstGeom>
+          <a:noFill/>
+          <a:ln w="28575"/>
+        </p:spPr>
+        <p:style>
+          <a:lnRef idx="2">
+            <a:schemeClr val="accent1"/>
+          </a:lnRef>
+          <a:fillRef idx="1">
+            <a:schemeClr val="lt1"/>
+          </a:fillRef>
+          <a:effectRef idx="0">
+            <a:schemeClr val="accent1"/>
+          </a:effectRef>
+          <a:fontRef idx="minor">
+            <a:schemeClr val="dk1"/>
+          </a:fontRef>
+        </p:style>
+        <p:txBody>
+          <a:bodyPr lIns="124733" tIns="62367" rIns="124733" bIns="62367" rtlCol="0" anchor="ctr"/>
+          <a:lstStyle/>
+          <a:p>
+            <a:pPr algn="ctr"/>
+            <a:r>
+              <a:rPr lang="ru-RU" sz="1400" dirty="0"/>
+              <a:t>Национализировать церковные богатства и земли</a:t>
+            </a:r>
+          </a:p>
+        </p:txBody>
+      </p:sp>
+      <p:cxnSp>
+        <p:nvCxnSpPr>
+          <p:cNvPr id="331" name="Соединительная линия уступом 175">
+            <a:extLst>
+              <a:ext uri="{FF2B5EF4-FFF2-40B4-BE49-F238E27FC236}">
+                <a16:creationId xmlns:a16="http://schemas.microsoft.com/office/drawing/2014/main" id="{7D3E2AC7-9562-4CCE-8A61-09D57122D7A4}"/>
+              </a:ext>
+            </a:extLst>
+          </p:cNvPr>
+          <p:cNvCxnSpPr>
+            <a:cxnSpLocks/>
+            <a:stCxn id="312" idx="2"/>
+            <a:endCxn id="330" idx="0"/>
+          </p:cNvCxnSpPr>
+          <p:nvPr/>
+        </p:nvCxnSpPr>
+        <p:spPr>
+          <a:xfrm rot="16200000" flipH="1">
+            <a:off x="25655031" y="24158649"/>
+            <a:ext cx="344608" cy="2482170"/>
+          </a:xfrm>
+          <a:prstGeom prst="bentConnector3">
+            <a:avLst>
+              <a:gd name="adj1" fmla="val 50000"/>
+            </a:avLst>
+          </a:prstGeom>
+          <a:ln w="28575">
+            <a:tailEnd type="arrow"/>
+          </a:ln>
+        </p:spPr>
+        <p:style>
+          <a:lnRef idx="1">
+            <a:schemeClr val="accent1"/>
+          </a:lnRef>
+          <a:fillRef idx="0">
+            <a:schemeClr val="accent1"/>
+          </a:fillRef>
+          <a:effectRef idx="0">
+            <a:schemeClr val="accent1"/>
+          </a:effectRef>
+          <a:fontRef idx="minor">
+            <a:schemeClr val="tx1"/>
+          </a:fontRef>
+        </p:style>
+      </p:cxnSp>
+      <p:sp>
+        <p:nvSpPr>
+          <p:cNvPr id="340" name="Прямоугольник 339">
+            <a:extLst>
+              <a:ext uri="{FF2B5EF4-FFF2-40B4-BE49-F238E27FC236}">
+                <a16:creationId xmlns:a16="http://schemas.microsoft.com/office/drawing/2014/main" id="{A0509AC1-5636-4CD0-ACAA-C2F71C714106}"/>
+              </a:ext>
+            </a:extLst>
+          </p:cNvPr>
+          <p:cNvSpPr/>
+          <p:nvPr/>
+        </p:nvSpPr>
+        <p:spPr>
+          <a:xfrm>
+            <a:off x="16075096" y="25578388"/>
+            <a:ext cx="2115918" cy="1080000"/>
+          </a:xfrm>
+          <a:prstGeom prst="rect">
+            <a:avLst/>
+          </a:prstGeom>
+          <a:noFill/>
+          <a:ln w="28575"/>
+        </p:spPr>
+        <p:style>
+          <a:lnRef idx="2">
+            <a:schemeClr val="accent1"/>
+          </a:lnRef>
+          <a:fillRef idx="1">
+            <a:schemeClr val="lt1"/>
+          </a:fillRef>
+          <a:effectRef idx="0">
+            <a:schemeClr val="accent1"/>
+          </a:effectRef>
+          <a:fontRef idx="minor">
+            <a:schemeClr val="dk1"/>
+          </a:fontRef>
+        </p:style>
+        <p:txBody>
+          <a:bodyPr lIns="124733" tIns="62367" rIns="124733" bIns="62367" rtlCol="0" anchor="ctr"/>
+          <a:lstStyle/>
+          <a:p>
+            <a:pPr algn="ctr"/>
+            <a:r>
+              <a:rPr lang="ru-RU" sz="1400" dirty="0"/>
+              <a:t>Прекратить борьбу с религией (не марксисты)</a:t>
+            </a:r>
+          </a:p>
+        </p:txBody>
+      </p:sp>
+      <p:cxnSp>
+        <p:nvCxnSpPr>
+          <p:cNvPr id="345" name="Соединительная линия уступом 175">
+            <a:extLst>
+              <a:ext uri="{FF2B5EF4-FFF2-40B4-BE49-F238E27FC236}">
+                <a16:creationId xmlns:a16="http://schemas.microsoft.com/office/drawing/2014/main" id="{34E33FC0-77CF-46BE-A340-87BA3626493B}"/>
+              </a:ext>
+            </a:extLst>
+          </p:cNvPr>
+          <p:cNvCxnSpPr>
+            <a:cxnSpLocks/>
+            <a:stCxn id="311" idx="2"/>
+            <a:endCxn id="340" idx="0"/>
+          </p:cNvCxnSpPr>
+          <p:nvPr/>
+        </p:nvCxnSpPr>
+        <p:spPr>
+          <a:xfrm rot="5400000">
+            <a:off x="18197482" y="24163003"/>
+            <a:ext cx="350958" cy="2479812"/>
+          </a:xfrm>
+          <a:prstGeom prst="bentConnector3">
+            <a:avLst>
+              <a:gd name="adj1" fmla="val 50000"/>
+            </a:avLst>
+          </a:prstGeom>
+          <a:ln w="28575">
+            <a:tailEnd type="arrow"/>
+          </a:ln>
+        </p:spPr>
+        <p:style>
+          <a:lnRef idx="1">
+            <a:schemeClr val="accent1"/>
+          </a:lnRef>
+          <a:fillRef idx="0">
+            <a:schemeClr val="accent1"/>
+          </a:fillRef>
+          <a:effectRef idx="0">
+            <a:schemeClr val="accent1"/>
+          </a:effectRef>
+          <a:fontRef idx="minor">
+            <a:schemeClr val="tx1"/>
+          </a:fontRef>
+        </p:style>
+      </p:cxnSp>
+      <p:sp>
+        <p:nvSpPr>
+          <p:cNvPr id="347" name="Прямоугольник 346">
+            <a:extLst>
+              <a:ext uri="{FF2B5EF4-FFF2-40B4-BE49-F238E27FC236}">
+                <a16:creationId xmlns:a16="http://schemas.microsoft.com/office/drawing/2014/main" id="{6DA44530-CDCA-4A43-A104-0F8AA8953980}"/>
+              </a:ext>
+            </a:extLst>
+          </p:cNvPr>
+          <p:cNvSpPr/>
+          <p:nvPr/>
+        </p:nvSpPr>
+        <p:spPr>
+          <a:xfrm>
+            <a:off x="6418542" y="-11225"/>
+            <a:ext cx="2115918" cy="1080000"/>
+          </a:xfrm>
+          <a:prstGeom prst="rect">
+            <a:avLst/>
+          </a:prstGeom>
+          <a:noFill/>
+          <a:ln w="28575"/>
+        </p:spPr>
+        <p:style>
+          <a:lnRef idx="2">
+            <a:schemeClr val="accent1"/>
+          </a:lnRef>
+          <a:fillRef idx="1">
+            <a:schemeClr val="lt1"/>
+          </a:fillRef>
+          <a:effectRef idx="0">
+            <a:schemeClr val="accent1"/>
+          </a:effectRef>
+          <a:fontRef idx="minor">
+            <a:schemeClr val="dk1"/>
+          </a:fontRef>
+        </p:style>
+        <p:txBody>
+          <a:bodyPr lIns="124733" tIns="62367" rIns="124733" bIns="62367" rtlCol="0" anchor="ctr"/>
+          <a:lstStyle/>
+          <a:p>
+            <a:pPr algn="ctr"/>
+            <a:r>
+              <a:rPr lang="ru-RU" sz="1400" dirty="0"/>
+              <a:t>Прекратить борьбу с религией (не марксисты)</a:t>
+            </a:r>
+          </a:p>
+        </p:txBody>
+      </p:sp>
+      <p:sp>
+        <p:nvSpPr>
+          <p:cNvPr id="348" name="Прямоугольник 347">
+            <a:extLst>
+              <a:ext uri="{FF2B5EF4-FFF2-40B4-BE49-F238E27FC236}">
+                <a16:creationId xmlns:a16="http://schemas.microsoft.com/office/drawing/2014/main" id="{B3026706-0825-419C-B501-250511C29542}"/>
+              </a:ext>
+            </a:extLst>
+          </p:cNvPr>
+          <p:cNvSpPr/>
+          <p:nvPr/>
+        </p:nvSpPr>
+        <p:spPr>
+          <a:xfrm>
+            <a:off x="19789160" y="9170743"/>
+            <a:ext cx="2115918" cy="1080000"/>
+          </a:xfrm>
+          <a:prstGeom prst="rect">
+            <a:avLst/>
+          </a:prstGeom>
+          <a:noFill/>
+          <a:ln w="28575"/>
+        </p:spPr>
+        <p:style>
+          <a:lnRef idx="2">
+            <a:schemeClr val="accent1"/>
+          </a:lnRef>
+          <a:fillRef idx="1">
+            <a:schemeClr val="lt1"/>
+          </a:fillRef>
+          <a:effectRef idx="0">
+            <a:schemeClr val="accent1"/>
+          </a:effectRef>
+          <a:fontRef idx="minor">
+            <a:schemeClr val="dk1"/>
+          </a:fontRef>
+        </p:style>
+        <p:txBody>
+          <a:bodyPr lIns="124733" tIns="62367" rIns="124733" bIns="62367" rtlCol="0" anchor="ctr"/>
+          <a:lstStyle/>
+          <a:p>
+            <a:pPr algn="ctr"/>
+            <a:r>
+              <a:rPr lang="ru-RU" sz="1400" dirty="0"/>
+              <a:t>Восстание «безработных»</a:t>
+            </a:r>
+          </a:p>
+        </p:txBody>
+      </p:sp>
+      <p:cxnSp>
+        <p:nvCxnSpPr>
+          <p:cNvPr id="353" name="Соединительная линия уступом 175">
+            <a:extLst>
+              <a:ext uri="{FF2B5EF4-FFF2-40B4-BE49-F238E27FC236}">
+                <a16:creationId xmlns:a16="http://schemas.microsoft.com/office/drawing/2014/main" id="{1B5E8F1C-5FC9-4398-8D41-111A407804DF}"/>
+              </a:ext>
+            </a:extLst>
+          </p:cNvPr>
+          <p:cNvCxnSpPr>
+            <a:cxnSpLocks/>
+            <a:stCxn id="348" idx="2"/>
+            <a:endCxn id="215" idx="0"/>
+          </p:cNvCxnSpPr>
+          <p:nvPr/>
+        </p:nvCxnSpPr>
+        <p:spPr>
+          <a:xfrm rot="5400000">
+            <a:off x="14320445" y="4333659"/>
+            <a:ext cx="609590" cy="12443758"/>
+          </a:xfrm>
+          <a:prstGeom prst="bentConnector3">
+            <a:avLst>
+              <a:gd name="adj1" fmla="val 50000"/>
+            </a:avLst>
+          </a:prstGeom>
+          <a:ln w="28575">
+            <a:tailEnd type="arrow"/>
+          </a:ln>
+        </p:spPr>
+        <p:style>
+          <a:lnRef idx="1">
+            <a:schemeClr val="accent1"/>
+          </a:lnRef>
+          <a:fillRef idx="0">
+            <a:schemeClr val="accent1"/>
+          </a:fillRef>
+          <a:effectRef idx="0">
+            <a:schemeClr val="accent1"/>
+          </a:effectRef>
+          <a:fontRef idx="minor">
+            <a:schemeClr val="tx1"/>
+          </a:fontRef>
+        </p:style>
+      </p:cxnSp>
+      <p:cxnSp>
+        <p:nvCxnSpPr>
+          <p:cNvPr id="355" name="Соединительная линия уступом 175">
+            <a:extLst>
+              <a:ext uri="{FF2B5EF4-FFF2-40B4-BE49-F238E27FC236}">
+                <a16:creationId xmlns:a16="http://schemas.microsoft.com/office/drawing/2014/main" id="{A77DAF70-C979-4341-8F80-56F5B19E1C55}"/>
+              </a:ext>
+            </a:extLst>
+          </p:cNvPr>
+          <p:cNvCxnSpPr>
+            <a:cxnSpLocks/>
+            <a:stCxn id="348" idx="2"/>
+            <a:endCxn id="70" idx="0"/>
+          </p:cNvCxnSpPr>
+          <p:nvPr/>
+        </p:nvCxnSpPr>
+        <p:spPr>
+          <a:xfrm rot="16200000" flipH="1">
+            <a:off x="22411890" y="8685972"/>
+            <a:ext cx="609590" cy="3739132"/>
+          </a:xfrm>
+          <a:prstGeom prst="bentConnector3">
+            <a:avLst>
+              <a:gd name="adj1" fmla="val 50000"/>
+            </a:avLst>
+          </a:prstGeom>
+          <a:ln w="28575">
+            <a:tailEnd type="arrow"/>
+          </a:ln>
+        </p:spPr>
+        <p:style>
+          <a:lnRef idx="1">
+            <a:schemeClr val="accent1"/>
+          </a:lnRef>
+          <a:fillRef idx="0">
+            <a:schemeClr val="accent1"/>
+          </a:fillRef>
+          <a:effectRef idx="0">
+            <a:schemeClr val="accent1"/>
+          </a:effectRef>
+          <a:fontRef idx="minor">
+            <a:schemeClr val="tx1"/>
+          </a:fontRef>
+        </p:style>
+      </p:cxnSp>
+      <p:cxnSp>
+        <p:nvCxnSpPr>
+          <p:cNvPr id="356" name="Соединительная линия уступом 175">
+            <a:extLst>
+              <a:ext uri="{FF2B5EF4-FFF2-40B4-BE49-F238E27FC236}">
+                <a16:creationId xmlns:a16="http://schemas.microsoft.com/office/drawing/2014/main" id="{51A87234-F8CB-4DB2-857F-70A6300E7E69}"/>
+              </a:ext>
+            </a:extLst>
+          </p:cNvPr>
+          <p:cNvCxnSpPr>
+            <a:cxnSpLocks/>
+            <a:stCxn id="348" idx="2"/>
+            <a:endCxn id="126" idx="0"/>
+          </p:cNvCxnSpPr>
+          <p:nvPr/>
+        </p:nvCxnSpPr>
+        <p:spPr>
+          <a:xfrm rot="5400000">
+            <a:off x="18685295" y="8698509"/>
+            <a:ext cx="609590" cy="3714059"/>
+          </a:xfrm>
+          <a:prstGeom prst="bentConnector3">
+            <a:avLst>
+              <a:gd name="adj1" fmla="val 50000"/>
+            </a:avLst>
+          </a:prstGeom>
+          <a:ln w="28575">
+            <a:tailEnd type="arrow"/>
+          </a:ln>
+        </p:spPr>
+        <p:style>
+          <a:lnRef idx="1">
+            <a:schemeClr val="accent1"/>
+          </a:lnRef>
+          <a:fillRef idx="0">
+            <a:schemeClr val="accent1"/>
+          </a:fillRef>
+          <a:effectRef idx="0">
+            <a:schemeClr val="accent1"/>
+          </a:effectRef>
+          <a:fontRef idx="minor">
+            <a:schemeClr val="tx1"/>
+          </a:fontRef>
+        </p:style>
+      </p:cxnSp>
+      <p:cxnSp>
+        <p:nvCxnSpPr>
+          <p:cNvPr id="358" name="Соединительная линия уступом 175">
+            <a:extLst>
+              <a:ext uri="{FF2B5EF4-FFF2-40B4-BE49-F238E27FC236}">
+                <a16:creationId xmlns:a16="http://schemas.microsoft.com/office/drawing/2014/main" id="{2A0A9C4A-F146-4C0A-8317-15688DB00A96}"/>
+              </a:ext>
+            </a:extLst>
+          </p:cNvPr>
+          <p:cNvCxnSpPr>
+            <a:cxnSpLocks/>
+            <a:stCxn id="348" idx="2"/>
+            <a:endCxn id="100" idx="0"/>
+          </p:cNvCxnSpPr>
+          <p:nvPr/>
+        </p:nvCxnSpPr>
+        <p:spPr>
+          <a:xfrm rot="16200000" flipH="1">
+            <a:off x="27335625" y="3762237"/>
+            <a:ext cx="609590" cy="13586602"/>
+          </a:xfrm>
+          <a:prstGeom prst="bentConnector3">
+            <a:avLst>
+              <a:gd name="adj1" fmla="val 50000"/>
+            </a:avLst>
+          </a:prstGeom>
+          <a:ln w="28575">
+            <a:tailEnd type="arrow"/>
+          </a:ln>
+        </p:spPr>
+        <p:style>
+          <a:lnRef idx="1">
+            <a:schemeClr val="accent1"/>
+          </a:lnRef>
+          <a:fillRef idx="0">
+            <a:schemeClr val="accent1"/>
+          </a:fillRef>
+          <a:effectRef idx="0">
+            <a:schemeClr val="accent1"/>
+          </a:effectRef>
+          <a:fontRef idx="minor">
+            <a:schemeClr val="tx1"/>
+          </a:fontRef>
+        </p:style>
+      </p:cxnSp>
+      <p:cxnSp>
+        <p:nvCxnSpPr>
+          <p:cNvPr id="359" name="Прямая соединительная линия 358">
+            <a:extLst>
+              <a:ext uri="{FF2B5EF4-FFF2-40B4-BE49-F238E27FC236}">
+                <a16:creationId xmlns:a16="http://schemas.microsoft.com/office/drawing/2014/main" id="{A065A208-A295-4D3D-AAD2-3ED8CB24D339}"/>
+              </a:ext>
+            </a:extLst>
+          </p:cNvPr>
+          <p:cNvCxnSpPr>
+            <a:cxnSpLocks/>
+          </p:cNvCxnSpPr>
+          <p:nvPr/>
+        </p:nvCxnSpPr>
+        <p:spPr>
+          <a:xfrm flipH="1" flipV="1">
+            <a:off x="0" y="9698148"/>
+            <a:ext cx="19789161" cy="12595"/>
           </a:xfrm>
           <a:prstGeom prst="line">
             <a:avLst/>

--- a/Наработки/диздоки/Нидерланды/Нидерланды.pptx
+++ b/Наработки/диздоки/Нидерланды/Нидерланды.pptx
@@ -209,7 +209,7 @@
             <a:fld id="{33E3D7F9-E251-484C-A6FF-FA958879DF69}" type="datetimeFigureOut">
               <a:rPr lang="ru-RU" smtClean="0"/>
               <a:pPr/>
-              <a:t>08.04.2022</a:t>
+              <a:t>09.04.2022</a:t>
             </a:fld>
             <a:endParaRPr lang="ru-RU"/>
           </a:p>
@@ -699,7 +699,7 @@
             <a:fld id="{85A5DE44-605B-4D3B-B2B7-94543DF81A36}" type="datetimeFigureOut">
               <a:rPr lang="ru-RU" smtClean="0"/>
               <a:pPr/>
-              <a:t>08.04.2022</a:t>
+              <a:t>09.04.2022</a:t>
             </a:fld>
             <a:endParaRPr lang="ru-RU"/>
           </a:p>
@@ -871,7 +871,7 @@
             <a:fld id="{85A5DE44-605B-4D3B-B2B7-94543DF81A36}" type="datetimeFigureOut">
               <a:rPr lang="ru-RU" smtClean="0"/>
               <a:pPr/>
-              <a:t>08.04.2022</a:t>
+              <a:t>09.04.2022</a:t>
             </a:fld>
             <a:endParaRPr lang="ru-RU"/>
           </a:p>
@@ -1053,7 +1053,7 @@
             <a:fld id="{85A5DE44-605B-4D3B-B2B7-94543DF81A36}" type="datetimeFigureOut">
               <a:rPr lang="ru-RU" smtClean="0"/>
               <a:pPr/>
-              <a:t>08.04.2022</a:t>
+              <a:t>09.04.2022</a:t>
             </a:fld>
             <a:endParaRPr lang="ru-RU"/>
           </a:p>
@@ -1225,7 +1225,7 @@
             <a:fld id="{85A5DE44-605B-4D3B-B2B7-94543DF81A36}" type="datetimeFigureOut">
               <a:rPr lang="ru-RU" smtClean="0"/>
               <a:pPr/>
-              <a:t>08.04.2022</a:t>
+              <a:t>09.04.2022</a:t>
             </a:fld>
             <a:endParaRPr lang="ru-RU"/>
           </a:p>
@@ -1473,7 +1473,7 @@
             <a:fld id="{85A5DE44-605B-4D3B-B2B7-94543DF81A36}" type="datetimeFigureOut">
               <a:rPr lang="ru-RU" smtClean="0"/>
               <a:pPr/>
-              <a:t>08.04.2022</a:t>
+              <a:t>09.04.2022</a:t>
             </a:fld>
             <a:endParaRPr lang="ru-RU"/>
           </a:p>
@@ -1707,7 +1707,7 @@
             <a:fld id="{85A5DE44-605B-4D3B-B2B7-94543DF81A36}" type="datetimeFigureOut">
               <a:rPr lang="ru-RU" smtClean="0"/>
               <a:pPr/>
-              <a:t>08.04.2022</a:t>
+              <a:t>09.04.2022</a:t>
             </a:fld>
             <a:endParaRPr lang="ru-RU"/>
           </a:p>
@@ -2076,7 +2076,7 @@
             <a:fld id="{85A5DE44-605B-4D3B-B2B7-94543DF81A36}" type="datetimeFigureOut">
               <a:rPr lang="ru-RU" smtClean="0"/>
               <a:pPr/>
-              <a:t>08.04.2022</a:t>
+              <a:t>09.04.2022</a:t>
             </a:fld>
             <a:endParaRPr lang="ru-RU"/>
           </a:p>
@@ -2196,7 +2196,7 @@
             <a:fld id="{85A5DE44-605B-4D3B-B2B7-94543DF81A36}" type="datetimeFigureOut">
               <a:rPr lang="ru-RU" smtClean="0"/>
               <a:pPr/>
-              <a:t>08.04.2022</a:t>
+              <a:t>09.04.2022</a:t>
             </a:fld>
             <a:endParaRPr lang="ru-RU"/>
           </a:p>
@@ -2293,7 +2293,7 @@
             <a:fld id="{85A5DE44-605B-4D3B-B2B7-94543DF81A36}" type="datetimeFigureOut">
               <a:rPr lang="ru-RU" smtClean="0"/>
               <a:pPr/>
-              <a:t>08.04.2022</a:t>
+              <a:t>09.04.2022</a:t>
             </a:fld>
             <a:endParaRPr lang="ru-RU"/>
           </a:p>
@@ -2572,7 +2572,7 @@
             <a:fld id="{85A5DE44-605B-4D3B-B2B7-94543DF81A36}" type="datetimeFigureOut">
               <a:rPr lang="ru-RU" smtClean="0"/>
               <a:pPr/>
-              <a:t>08.04.2022</a:t>
+              <a:t>09.04.2022</a:t>
             </a:fld>
             <a:endParaRPr lang="ru-RU"/>
           </a:p>
@@ -2831,7 +2831,7 @@
             <a:fld id="{85A5DE44-605B-4D3B-B2B7-94543DF81A36}" type="datetimeFigureOut">
               <a:rPr lang="ru-RU" smtClean="0"/>
               <a:pPr/>
-              <a:t>08.04.2022</a:t>
+              <a:t>09.04.2022</a:t>
             </a:fld>
             <a:endParaRPr lang="ru-RU"/>
           </a:p>
@@ -3046,7 +3046,7 @@
             <a:fld id="{85A5DE44-605B-4D3B-B2B7-94543DF81A36}" type="datetimeFigureOut">
               <a:rPr lang="ru-RU" smtClean="0"/>
               <a:pPr/>
-              <a:t>08.04.2022</a:t>
+              <a:t>09.04.2022</a:t>
             </a:fld>
             <a:endParaRPr lang="ru-RU"/>
           </a:p>
@@ -4807,48 +4807,6 @@
             <a:avLst>
               <a:gd name="adj1" fmla="val 50000"/>
             </a:avLst>
-          </a:prstGeom>
-          <a:ln w="28575">
-            <a:tailEnd type="arrow"/>
-          </a:ln>
-        </p:spPr>
-        <p:style>
-          <a:lnRef idx="1">
-            <a:schemeClr val="accent1"/>
-          </a:lnRef>
-          <a:fillRef idx="0">
-            <a:schemeClr val="accent1"/>
-          </a:fillRef>
-          <a:effectRef idx="0">
-            <a:schemeClr val="accent1"/>
-          </a:effectRef>
-          <a:fontRef idx="minor">
-            <a:schemeClr val="tx1"/>
-          </a:fontRef>
-        </p:style>
-      </p:cxnSp>
-      <p:cxnSp>
-        <p:nvCxnSpPr>
-          <p:cNvPr id="183" name="Прямая со стрелкой 182">
-            <a:extLst>
-              <a:ext uri="{FF2B5EF4-FFF2-40B4-BE49-F238E27FC236}">
-                <a16:creationId xmlns:a16="http://schemas.microsoft.com/office/drawing/2014/main" id="{51282F8C-73A2-4F54-9AE5-A2363CD446C3}"/>
-              </a:ext>
-            </a:extLst>
-          </p:cNvPr>
-          <p:cNvCxnSpPr>
-            <a:cxnSpLocks/>
-            <a:stCxn id="187" idx="2"/>
-          </p:cNvCxnSpPr>
-          <p:nvPr/>
-        </p:nvCxnSpPr>
-        <p:spPr>
-          <a:xfrm flipH="1">
-            <a:off x="22082665" y="13448876"/>
-            <a:ext cx="5490" cy="347434"/>
-          </a:xfrm>
-          <a:prstGeom prst="straightConnector1">
-            <a:avLst/>
           </a:prstGeom>
           <a:ln w="28575">
             <a:tailEnd type="arrow"/>
@@ -22085,8 +22043,32 @@
           <a:p>
             <a:pPr algn="ctr"/>
             <a:r>
-              <a:rPr lang="ru-RU" sz="1400" dirty="0"/>
-              <a:t>Прекратить борьбу с религией (не марксисты)</a:t>
+              <a:rPr lang="ru-RU" sz="500" dirty="0"/>
+              <a:t>Во время кризиса партия предложила несколько планов экономических реформ. В 1935 г. СДАП опубликовала «План труда» (Plan </a:t>
+            </a:r>
+            <a:r>
+              <a:rPr lang="ru-RU" sz="500" dirty="0" err="1"/>
+              <a:t>van</a:t>
+            </a:r>
+            <a:r>
+              <a:rPr lang="ru-RU" sz="500" dirty="0"/>
+              <a:t> </a:t>
+            </a:r>
+            <a:r>
+              <a:rPr lang="ru-RU" sz="500" dirty="0" err="1"/>
+              <a:t>de</a:t>
+            </a:r>
+            <a:r>
+              <a:rPr lang="ru-RU" sz="500" dirty="0"/>
+              <a:t> </a:t>
+            </a:r>
+            <a:r>
+              <a:rPr lang="ru-RU" sz="500" dirty="0" err="1"/>
+              <a:t>Arbeid</a:t>
+            </a:r>
+            <a:r>
+              <a:rPr lang="ru-RU" sz="500" dirty="0"/>
+              <a:t>), который включал планы по увеличению занятости, национализации жизненно важных отраслей промышленности и внедрению системы пособий по безработице. Конфессионально-либеральное правительство отвергло социалистические предложения по экономической реформе. Однако после 1936 года он изменил свой курс, уступив социалистическим требованиям, девальвировав гульден и позволив государственному долгу расти, чтобы увеличить занятость.</a:t>
             </a:r>
           </a:p>
         </p:txBody>
@@ -22331,13 +22313,15 @@
           </p:cNvPr>
           <p:cNvCxnSpPr>
             <a:cxnSpLocks/>
+            <a:stCxn id="348" idx="1"/>
+            <a:endCxn id="337" idx="3"/>
           </p:cNvCxnSpPr>
           <p:nvPr/>
         </p:nvCxnSpPr>
         <p:spPr>
-          <a:xfrm flipH="1" flipV="1">
-            <a:off x="0" y="9698148"/>
-            <a:ext cx="19789161" cy="12595"/>
+          <a:xfrm flipH="1">
+            <a:off x="2115918" y="9710743"/>
+            <a:ext cx="17673242" cy="563"/>
           </a:xfrm>
           <a:prstGeom prst="line">
             <a:avLst/>
@@ -22363,6 +22347,413 @@
           </a:fontRef>
         </p:style>
       </p:cxnSp>
+      <p:sp>
+        <p:nvSpPr>
+          <p:cNvPr id="334" name="Прямоугольник 333">
+            <a:extLst>
+              <a:ext uri="{FF2B5EF4-FFF2-40B4-BE49-F238E27FC236}">
+                <a16:creationId xmlns:a16="http://schemas.microsoft.com/office/drawing/2014/main" id="{7852F02B-CE3D-4605-9277-7825170ECCFA}"/>
+              </a:ext>
+            </a:extLst>
+          </p:cNvPr>
+          <p:cNvSpPr/>
+          <p:nvPr/>
+        </p:nvSpPr>
+        <p:spPr>
+          <a:xfrm>
+            <a:off x="23422129" y="9056728"/>
+            <a:ext cx="2115918" cy="1080000"/>
+          </a:xfrm>
+          <a:prstGeom prst="rect">
+            <a:avLst/>
+          </a:prstGeom>
+          <a:solidFill>
+            <a:srgbClr val="FF0000"/>
+          </a:solidFill>
+          <a:ln w="28575"/>
+        </p:spPr>
+        <p:style>
+          <a:lnRef idx="2">
+            <a:schemeClr val="accent1"/>
+          </a:lnRef>
+          <a:fillRef idx="1">
+            <a:schemeClr val="lt1"/>
+          </a:fillRef>
+          <a:effectRef idx="0">
+            <a:schemeClr val="accent1"/>
+          </a:effectRef>
+          <a:fontRef idx="minor">
+            <a:schemeClr val="dk1"/>
+          </a:fontRef>
+        </p:style>
+        <p:txBody>
+          <a:bodyPr lIns="124733" tIns="62367" rIns="124733" bIns="62367" rtlCol="0" anchor="ctr"/>
+          <a:lstStyle/>
+          <a:p>
+            <a:pPr algn="ctr"/>
+            <a:r>
+              <a:rPr lang="ru-RU" sz="1400" dirty="0"/>
+              <a:t>Образовательная система </a:t>
+            </a:r>
+            <a:r>
+              <a:rPr lang="ru-RU" sz="1400" dirty="0" err="1"/>
+              <a:t>Сентона</a:t>
+            </a:r>
+            <a:r>
+              <a:rPr lang="ru-RU" sz="1400" dirty="0"/>
+              <a:t> </a:t>
+            </a:r>
+            <a:r>
+              <a:rPr lang="ru-RU" sz="300" dirty="0"/>
+              <a:t>(У Сетона также были откровенные образовательные идеи, о которых он всегда писал на протяжении всей своей политической деятельности. Сетон написал об этом в брошюре: «На, для вашей школы!» Он осуждал народную школу: она только приспосабливала бы рабочего к легким действиям, необходимым для промышленного труда. Сетон, с другой стороны, выступал за унитарную школу, которая должна воспитывать молодежь без различия пола, возраста, происхождения или способностей. «Мы требуем единства образования, которое включает в себя все существующие и надежные школьные учреждения». Такая школа включает в себя школу-попечительство, начальную школу, среднюю и высшую школу: это целое должно стать единым учебным заведением для всех. Каждый имеет право следовать за всей школой, в зависимости только от «естественной» границы, которая связана с одаренностью учеников.)</a:t>
+            </a:r>
+            <a:endParaRPr lang="ru-RU" sz="1400" dirty="0"/>
+          </a:p>
+        </p:txBody>
+      </p:sp>
+      <p:sp>
+        <p:nvSpPr>
+          <p:cNvPr id="337" name="Прямоугольник 336">
+            <a:extLst>
+              <a:ext uri="{FF2B5EF4-FFF2-40B4-BE49-F238E27FC236}">
+                <a16:creationId xmlns:a16="http://schemas.microsoft.com/office/drawing/2014/main" id="{78BA4649-7A20-427C-B06D-6F35FB52C96B}"/>
+              </a:ext>
+            </a:extLst>
+          </p:cNvPr>
+          <p:cNvSpPr/>
+          <p:nvPr/>
+        </p:nvSpPr>
+        <p:spPr>
+          <a:xfrm>
+            <a:off x="0" y="9171306"/>
+            <a:ext cx="2115918" cy="1080000"/>
+          </a:xfrm>
+          <a:prstGeom prst="rect">
+            <a:avLst/>
+          </a:prstGeom>
+          <a:noFill/>
+          <a:ln w="28575"/>
+        </p:spPr>
+        <p:style>
+          <a:lnRef idx="2">
+            <a:schemeClr val="accent1"/>
+          </a:lnRef>
+          <a:fillRef idx="1">
+            <a:schemeClr val="lt1"/>
+          </a:fillRef>
+          <a:effectRef idx="0">
+            <a:schemeClr val="accent1"/>
+          </a:effectRef>
+          <a:fontRef idx="minor">
+            <a:schemeClr val="dk1"/>
+          </a:fontRef>
+        </p:style>
+        <p:txBody>
+          <a:bodyPr lIns="124733" tIns="62367" rIns="124733" bIns="62367" rtlCol="0" anchor="ctr"/>
+          <a:lstStyle/>
+          <a:p>
+            <a:pPr algn="ctr"/>
+            <a:r>
+              <a:rPr lang="ru-RU" sz="1400" dirty="0"/>
+              <a:t>Формирование нового правительства</a:t>
+            </a:r>
+          </a:p>
+        </p:txBody>
+      </p:sp>
+      <p:sp>
+        <p:nvSpPr>
+          <p:cNvPr id="362" name="Прямоугольник 361">
+            <a:extLst>
+              <a:ext uri="{FF2B5EF4-FFF2-40B4-BE49-F238E27FC236}">
+                <a16:creationId xmlns:a16="http://schemas.microsoft.com/office/drawing/2014/main" id="{48B6A494-ADEF-488D-99AA-1288D5E1468D}"/>
+              </a:ext>
+            </a:extLst>
+          </p:cNvPr>
+          <p:cNvSpPr/>
+          <p:nvPr/>
+        </p:nvSpPr>
+        <p:spPr>
+          <a:xfrm>
+            <a:off x="25960673" y="9051156"/>
+            <a:ext cx="2115918" cy="1080000"/>
+          </a:xfrm>
+          <a:prstGeom prst="rect">
+            <a:avLst/>
+          </a:prstGeom>
+          <a:solidFill>
+            <a:srgbClr val="FF0000"/>
+          </a:solidFill>
+          <a:ln w="28575"/>
+        </p:spPr>
+        <p:style>
+          <a:lnRef idx="2">
+            <a:schemeClr val="accent1"/>
+          </a:lnRef>
+          <a:fillRef idx="1">
+            <a:schemeClr val="lt1"/>
+          </a:fillRef>
+          <a:effectRef idx="0">
+            <a:schemeClr val="accent1"/>
+          </a:effectRef>
+          <a:fontRef idx="minor">
+            <a:schemeClr val="dk1"/>
+          </a:fontRef>
+        </p:style>
+        <p:txBody>
+          <a:bodyPr lIns="124733" tIns="62367" rIns="124733" bIns="62367" rtlCol="0" anchor="ctr"/>
+          <a:lstStyle/>
+          <a:p>
+            <a:pPr algn="ctr"/>
+            <a:r>
+              <a:rPr lang="ru-RU" sz="1400" dirty="0"/>
+              <a:t>Медицинское страхование </a:t>
+            </a:r>
+            <a:r>
+              <a:rPr lang="ru-RU" sz="600" dirty="0"/>
+              <a:t>(КПН выступала за сильную роль государства в экономике. Они считали, что государство должно обеспечить дешевое жилье, бесплатное и нейтральное образование и медицинское страхование.)</a:t>
+            </a:r>
+            <a:endParaRPr lang="ru-RU" sz="1400" dirty="0"/>
+          </a:p>
+        </p:txBody>
+      </p:sp>
+      <p:sp>
+        <p:nvSpPr>
+          <p:cNvPr id="363" name="Прямоугольник 362">
+            <a:extLst>
+              <a:ext uri="{FF2B5EF4-FFF2-40B4-BE49-F238E27FC236}">
+                <a16:creationId xmlns:a16="http://schemas.microsoft.com/office/drawing/2014/main" id="{96934284-13F6-4594-AE55-293CD253F5AA}"/>
+              </a:ext>
+            </a:extLst>
+          </p:cNvPr>
+          <p:cNvSpPr/>
+          <p:nvPr/>
+        </p:nvSpPr>
+        <p:spPr>
+          <a:xfrm>
+            <a:off x="28492251" y="9045641"/>
+            <a:ext cx="2115918" cy="1080000"/>
+          </a:xfrm>
+          <a:prstGeom prst="rect">
+            <a:avLst/>
+          </a:prstGeom>
+          <a:solidFill>
+            <a:srgbClr val="FF0000"/>
+          </a:solidFill>
+          <a:ln w="28575"/>
+        </p:spPr>
+        <p:style>
+          <a:lnRef idx="2">
+            <a:schemeClr val="accent1"/>
+          </a:lnRef>
+          <a:fillRef idx="1">
+            <a:schemeClr val="lt1"/>
+          </a:fillRef>
+          <a:effectRef idx="0">
+            <a:schemeClr val="accent1"/>
+          </a:effectRef>
+          <a:fontRef idx="minor">
+            <a:schemeClr val="dk1"/>
+          </a:fontRef>
+        </p:style>
+        <p:txBody>
+          <a:bodyPr lIns="124733" tIns="62367" rIns="124733" bIns="62367" rtlCol="0" anchor="ctr"/>
+          <a:lstStyle/>
+          <a:p>
+            <a:pPr algn="ctr"/>
+            <a:r>
+              <a:rPr lang="ru-RU" sz="1400" dirty="0"/>
+              <a:t>Плановая экономика </a:t>
+            </a:r>
+            <a:r>
+              <a:rPr lang="ru-RU" sz="600" dirty="0"/>
+              <a:t>(о их мнению, важные отрасли промышленности должны быть национализированы в краткосрочной перспективе, а в долгосрочной перспективе должна быть запланирована вся экономика),.)</a:t>
+            </a:r>
+            <a:endParaRPr lang="ru-RU" sz="1400" dirty="0"/>
+          </a:p>
+        </p:txBody>
+      </p:sp>
+      <p:sp>
+        <p:nvSpPr>
+          <p:cNvPr id="365" name="Прямоугольник 364">
+            <a:extLst>
+              <a:ext uri="{FF2B5EF4-FFF2-40B4-BE49-F238E27FC236}">
+                <a16:creationId xmlns:a16="http://schemas.microsoft.com/office/drawing/2014/main" id="{0C61FFA7-BE23-4619-98CC-6DBC4971EB8B}"/>
+              </a:ext>
+            </a:extLst>
+          </p:cNvPr>
+          <p:cNvSpPr/>
+          <p:nvPr/>
+        </p:nvSpPr>
+        <p:spPr>
+          <a:xfrm>
+            <a:off x="21051571" y="26996646"/>
+            <a:ext cx="2115918" cy="1080000"/>
+          </a:xfrm>
+          <a:prstGeom prst="rect">
+            <a:avLst/>
+          </a:prstGeom>
+          <a:noFill/>
+          <a:ln w="28575"/>
+        </p:spPr>
+        <p:style>
+          <a:lnRef idx="2">
+            <a:schemeClr val="accent1"/>
+          </a:lnRef>
+          <a:fillRef idx="1">
+            <a:schemeClr val="lt1"/>
+          </a:fillRef>
+          <a:effectRef idx="0">
+            <a:schemeClr val="accent1"/>
+          </a:effectRef>
+          <a:fontRef idx="minor">
+            <a:schemeClr val="dk1"/>
+          </a:fontRef>
+        </p:style>
+        <p:txBody>
+          <a:bodyPr lIns="124733" tIns="62367" rIns="124733" bIns="62367" rtlCol="0" anchor="ctr"/>
+          <a:lstStyle/>
+          <a:p>
+            <a:pPr algn="ctr"/>
+            <a:r>
+              <a:rPr lang="ru-RU" sz="1400" dirty="0"/>
+              <a:t>Институт политических и социальных исследований </a:t>
+            </a:r>
+            <a:r>
+              <a:rPr lang="ru-RU" sz="500" dirty="0"/>
+              <a:t>(Научной организацией партии был Институт политических и социальных исследований (</a:t>
+            </a:r>
+            <a:r>
+              <a:rPr lang="ru-RU" sz="500" dirty="0" err="1"/>
+              <a:t>Instituut</a:t>
+            </a:r>
+            <a:r>
+              <a:rPr lang="ru-RU" sz="500" dirty="0"/>
+              <a:t> </a:t>
+            </a:r>
+            <a:r>
+              <a:rPr lang="ru-RU" sz="500" dirty="0" err="1"/>
+              <a:t>voor</a:t>
+            </a:r>
+            <a:r>
+              <a:rPr lang="ru-RU" sz="500" dirty="0"/>
+              <a:t> </a:t>
+            </a:r>
+            <a:r>
+              <a:rPr lang="ru-RU" sz="500" dirty="0" err="1"/>
+              <a:t>Politiek</a:t>
+            </a:r>
+            <a:r>
+              <a:rPr lang="ru-RU" sz="500" dirty="0"/>
+              <a:t> </a:t>
+            </a:r>
+            <a:r>
+              <a:rPr lang="ru-RU" sz="500" dirty="0" err="1"/>
+              <a:t>en</a:t>
+            </a:r>
+            <a:r>
+              <a:rPr lang="ru-RU" sz="500" dirty="0"/>
+              <a:t> </a:t>
+            </a:r>
+            <a:r>
+              <a:rPr lang="ru-RU" sz="500" dirty="0" err="1"/>
+              <a:t>Sociaal</a:t>
+            </a:r>
+            <a:r>
+              <a:rPr lang="ru-RU" sz="500" dirty="0"/>
+              <a:t> </a:t>
+            </a:r>
+            <a:r>
+              <a:rPr lang="ru-RU" sz="500" dirty="0" err="1"/>
+              <a:t>Onderzoek</a:t>
+            </a:r>
+            <a:r>
+              <a:rPr lang="ru-RU" sz="500" dirty="0"/>
+              <a:t>), который издавал </a:t>
+            </a:r>
+            <a:r>
+              <a:rPr lang="ru-RU" sz="500" dirty="0" err="1"/>
+              <a:t>Politiek</a:t>
+            </a:r>
+            <a:r>
+              <a:rPr lang="ru-RU" sz="500" dirty="0"/>
+              <a:t> </a:t>
+            </a:r>
+            <a:r>
+              <a:rPr lang="ru-RU" sz="500" dirty="0" err="1"/>
+              <a:t>en</a:t>
+            </a:r>
+            <a:r>
+              <a:rPr lang="ru-RU" sz="500" dirty="0"/>
+              <a:t> </a:t>
+            </a:r>
+            <a:r>
+              <a:rPr lang="ru-RU" sz="500" dirty="0" err="1"/>
+              <a:t>Cultuur</a:t>
+            </a:r>
+            <a:r>
+              <a:rPr lang="ru-RU" sz="500" dirty="0"/>
+              <a:t> (Политика и культура).)</a:t>
+            </a:r>
+            <a:endParaRPr lang="ru-RU" sz="1400" dirty="0"/>
+          </a:p>
+        </p:txBody>
+      </p:sp>
+      <p:sp>
+        <p:nvSpPr>
+          <p:cNvPr id="366" name="Прямоугольник 365">
+            <a:extLst>
+              <a:ext uri="{FF2B5EF4-FFF2-40B4-BE49-F238E27FC236}">
+                <a16:creationId xmlns:a16="http://schemas.microsoft.com/office/drawing/2014/main" id="{A0F66333-3957-4649-BC56-A9BA9D2A373E}"/>
+              </a:ext>
+            </a:extLst>
+          </p:cNvPr>
+          <p:cNvSpPr/>
+          <p:nvPr/>
+        </p:nvSpPr>
+        <p:spPr>
+          <a:xfrm>
+            <a:off x="28492251" y="7250800"/>
+            <a:ext cx="2115918" cy="1080000"/>
+          </a:xfrm>
+          <a:prstGeom prst="rect">
+            <a:avLst/>
+          </a:prstGeom>
+          <a:solidFill>
+            <a:srgbClr val="FF0000"/>
+          </a:solidFill>
+          <a:ln w="28575"/>
+        </p:spPr>
+        <p:style>
+          <a:lnRef idx="2">
+            <a:schemeClr val="accent1"/>
+          </a:lnRef>
+          <a:fillRef idx="1">
+            <a:schemeClr val="lt1"/>
+          </a:fillRef>
+          <a:effectRef idx="0">
+            <a:schemeClr val="accent1"/>
+          </a:effectRef>
+          <a:fontRef idx="minor">
+            <a:schemeClr val="dk1"/>
+          </a:fontRef>
+        </p:style>
+        <p:txBody>
+          <a:bodyPr lIns="124733" tIns="62367" rIns="124733" bIns="62367" rtlCol="0" anchor="ctr"/>
+          <a:lstStyle/>
+          <a:p>
+            <a:pPr algn="ctr"/>
+            <a:r>
+              <a:rPr lang="ru-RU" sz="1400" dirty="0"/>
+              <a:t>Всеобщая голландская молодёжная лига </a:t>
+            </a:r>
+            <a:r>
+              <a:rPr lang="ru-RU" sz="600" dirty="0"/>
+              <a:t>Молодёжной организацией партии была формально независимая Всеобщая голландская молодёжная лига.</a:t>
+            </a:r>
+            <a:endParaRPr lang="ru-RU" sz="1400" dirty="0"/>
+          </a:p>
+        </p:txBody>
+      </p:sp>
     </p:spTree>
     <p:extLst>
       <p:ext uri="{BB962C8B-B14F-4D97-AF65-F5344CB8AC3E}">

--- a/Наработки/диздоки/Нидерланды/Нидерланды.pptx
+++ b/Наработки/диздоки/Нидерланды/Нидерланды.pptx
@@ -209,7 +209,7 @@
             <a:fld id="{33E3D7F9-E251-484C-A6FF-FA958879DF69}" type="datetimeFigureOut">
               <a:rPr lang="ru-RU" smtClean="0"/>
               <a:pPr/>
-              <a:t>09.04.2022</a:t>
+              <a:t>11.04.2022</a:t>
             </a:fld>
             <a:endParaRPr lang="ru-RU"/>
           </a:p>
@@ -699,7 +699,7 @@
             <a:fld id="{85A5DE44-605B-4D3B-B2B7-94543DF81A36}" type="datetimeFigureOut">
               <a:rPr lang="ru-RU" smtClean="0"/>
               <a:pPr/>
-              <a:t>09.04.2022</a:t>
+              <a:t>11.04.2022</a:t>
             </a:fld>
             <a:endParaRPr lang="ru-RU"/>
           </a:p>
@@ -871,7 +871,7 @@
             <a:fld id="{85A5DE44-605B-4D3B-B2B7-94543DF81A36}" type="datetimeFigureOut">
               <a:rPr lang="ru-RU" smtClean="0"/>
               <a:pPr/>
-              <a:t>09.04.2022</a:t>
+              <a:t>11.04.2022</a:t>
             </a:fld>
             <a:endParaRPr lang="ru-RU"/>
           </a:p>
@@ -1053,7 +1053,7 @@
             <a:fld id="{85A5DE44-605B-4D3B-B2B7-94543DF81A36}" type="datetimeFigureOut">
               <a:rPr lang="ru-RU" smtClean="0"/>
               <a:pPr/>
-              <a:t>09.04.2022</a:t>
+              <a:t>11.04.2022</a:t>
             </a:fld>
             <a:endParaRPr lang="ru-RU"/>
           </a:p>
@@ -1225,7 +1225,7 @@
             <a:fld id="{85A5DE44-605B-4D3B-B2B7-94543DF81A36}" type="datetimeFigureOut">
               <a:rPr lang="ru-RU" smtClean="0"/>
               <a:pPr/>
-              <a:t>09.04.2022</a:t>
+              <a:t>11.04.2022</a:t>
             </a:fld>
             <a:endParaRPr lang="ru-RU"/>
           </a:p>
@@ -1473,7 +1473,7 @@
             <a:fld id="{85A5DE44-605B-4D3B-B2B7-94543DF81A36}" type="datetimeFigureOut">
               <a:rPr lang="ru-RU" smtClean="0"/>
               <a:pPr/>
-              <a:t>09.04.2022</a:t>
+              <a:t>11.04.2022</a:t>
             </a:fld>
             <a:endParaRPr lang="ru-RU"/>
           </a:p>
@@ -1707,7 +1707,7 @@
             <a:fld id="{85A5DE44-605B-4D3B-B2B7-94543DF81A36}" type="datetimeFigureOut">
               <a:rPr lang="ru-RU" smtClean="0"/>
               <a:pPr/>
-              <a:t>09.04.2022</a:t>
+              <a:t>11.04.2022</a:t>
             </a:fld>
             <a:endParaRPr lang="ru-RU"/>
           </a:p>
@@ -2076,7 +2076,7 @@
             <a:fld id="{85A5DE44-605B-4D3B-B2B7-94543DF81A36}" type="datetimeFigureOut">
               <a:rPr lang="ru-RU" smtClean="0"/>
               <a:pPr/>
-              <a:t>09.04.2022</a:t>
+              <a:t>11.04.2022</a:t>
             </a:fld>
             <a:endParaRPr lang="ru-RU"/>
           </a:p>
@@ -2196,7 +2196,7 @@
             <a:fld id="{85A5DE44-605B-4D3B-B2B7-94543DF81A36}" type="datetimeFigureOut">
               <a:rPr lang="ru-RU" smtClean="0"/>
               <a:pPr/>
-              <a:t>09.04.2022</a:t>
+              <a:t>11.04.2022</a:t>
             </a:fld>
             <a:endParaRPr lang="ru-RU"/>
           </a:p>
@@ -2293,7 +2293,7 @@
             <a:fld id="{85A5DE44-605B-4D3B-B2B7-94543DF81A36}" type="datetimeFigureOut">
               <a:rPr lang="ru-RU" smtClean="0"/>
               <a:pPr/>
-              <a:t>09.04.2022</a:t>
+              <a:t>11.04.2022</a:t>
             </a:fld>
             <a:endParaRPr lang="ru-RU"/>
           </a:p>
@@ -2572,7 +2572,7 @@
             <a:fld id="{85A5DE44-605B-4D3B-B2B7-94543DF81A36}" type="datetimeFigureOut">
               <a:rPr lang="ru-RU" smtClean="0"/>
               <a:pPr/>
-              <a:t>09.04.2022</a:t>
+              <a:t>11.04.2022</a:t>
             </a:fld>
             <a:endParaRPr lang="ru-RU"/>
           </a:p>
@@ -2831,7 +2831,7 @@
             <a:fld id="{85A5DE44-605B-4D3B-B2B7-94543DF81A36}" type="datetimeFigureOut">
               <a:rPr lang="ru-RU" smtClean="0"/>
               <a:pPr/>
-              <a:t>09.04.2022</a:t>
+              <a:t>11.04.2022</a:t>
             </a:fld>
             <a:endParaRPr lang="ru-RU"/>
           </a:p>
@@ -3046,7 +3046,7 @@
             <a:fld id="{85A5DE44-605B-4D3B-B2B7-94543DF81A36}" type="datetimeFigureOut">
               <a:rPr lang="ru-RU" smtClean="0"/>
               <a:pPr/>
-              <a:t>09.04.2022</a:t>
+              <a:t>11.04.2022</a:t>
             </a:fld>
             <a:endParaRPr lang="ru-RU"/>
           </a:p>
@@ -3765,51 +3765,6 @@
           </a:p>
         </p:txBody>
       </p:sp>
-      <p:cxnSp>
-        <p:nvCxnSpPr>
-          <p:cNvPr id="210" name="Соединительная линия уступом 175">
-            <a:extLst>
-              <a:ext uri="{FF2B5EF4-FFF2-40B4-BE49-F238E27FC236}">
-                <a16:creationId xmlns:a16="http://schemas.microsoft.com/office/drawing/2014/main" id="{4392744C-DFD9-4B55-99AA-618573D88360}"/>
-              </a:ext>
-            </a:extLst>
-          </p:cNvPr>
-          <p:cNvCxnSpPr>
-            <a:cxnSpLocks/>
-          </p:cNvCxnSpPr>
-          <p:nvPr/>
-        </p:nvCxnSpPr>
-        <p:spPr>
-          <a:xfrm rot="5400000" flipH="1" flipV="1">
-            <a:off x="14179375" y="-472713"/>
-            <a:ext cx="6348" cy="1791000"/>
-          </a:xfrm>
-          <a:prstGeom prst="bentConnector4">
-            <a:avLst>
-              <a:gd name="adj1" fmla="val -3601134"/>
-              <a:gd name="adj2" fmla="val 79535"/>
-            </a:avLst>
-          </a:prstGeom>
-          <a:ln w="28575">
-            <a:prstDash val="dash"/>
-            <a:tailEnd type="arrow"/>
-          </a:ln>
-        </p:spPr>
-        <p:style>
-          <a:lnRef idx="1">
-            <a:schemeClr val="accent1"/>
-          </a:lnRef>
-          <a:fillRef idx="0">
-            <a:schemeClr val="accent1"/>
-          </a:fillRef>
-          <a:effectRef idx="0">
-            <a:schemeClr val="accent1"/>
-          </a:effectRef>
-          <a:fontRef idx="minor">
-            <a:schemeClr val="tx1"/>
-          </a:fontRef>
-        </p:style>
-      </p:cxnSp>
       <p:sp>
         <p:nvSpPr>
           <p:cNvPr id="318" name="Прямоугольник 317">
@@ -3896,7 +3851,7 @@
         </p:nvSpPr>
         <p:spPr>
           <a:xfrm>
-            <a:off x="12782963" y="2569036"/>
+            <a:off x="17364628" y="1305025"/>
             <a:ext cx="2115918" cy="1080000"/>
           </a:xfrm>
           <a:prstGeom prst="rect">
@@ -4002,7 +3957,7 @@
         </p:nvSpPr>
         <p:spPr>
           <a:xfrm>
-            <a:off x="12747955" y="3849456"/>
+            <a:off x="17364628" y="3861570"/>
             <a:ext cx="2115918" cy="1080000"/>
           </a:xfrm>
           <a:prstGeom prst="rect">
@@ -4061,7 +4016,7 @@
         </p:nvSpPr>
         <p:spPr>
           <a:xfrm>
-            <a:off x="18563949" y="12368881"/>
+            <a:off x="18547095" y="12330192"/>
             <a:ext cx="2115918" cy="1080000"/>
           </a:xfrm>
           <a:prstGeom prst="rect">
@@ -5134,7 +5089,7 @@
         </p:nvSpPr>
         <p:spPr>
           <a:xfrm>
-            <a:off x="30936256" y="12368166"/>
+            <a:off x="31014577" y="12368291"/>
             <a:ext cx="2115918" cy="1080000"/>
           </a:xfrm>
           <a:prstGeom prst="rect">
@@ -5601,57 +5556,6 @@
       </p:cxnSp>
       <p:sp>
         <p:nvSpPr>
-          <p:cNvPr id="75" name="Прямоугольник 74">
-            <a:extLst>
-              <a:ext uri="{FF2B5EF4-FFF2-40B4-BE49-F238E27FC236}">
-                <a16:creationId xmlns:a16="http://schemas.microsoft.com/office/drawing/2014/main" id="{CD288A3F-0B5C-40EF-A73C-D00523418548}"/>
-              </a:ext>
-            </a:extLst>
-          </p:cNvPr>
-          <p:cNvSpPr/>
-          <p:nvPr/>
-        </p:nvSpPr>
-        <p:spPr>
-          <a:xfrm>
-            <a:off x="23528292" y="13798558"/>
-            <a:ext cx="2115918" cy="1080000"/>
-          </a:xfrm>
-          <a:prstGeom prst="rect">
-            <a:avLst/>
-          </a:prstGeom>
-          <a:solidFill>
-            <a:srgbClr val="FF0000"/>
-          </a:solidFill>
-          <a:ln w="28575"/>
-        </p:spPr>
-        <p:style>
-          <a:lnRef idx="2">
-            <a:schemeClr val="accent1"/>
-          </a:lnRef>
-          <a:fillRef idx="1">
-            <a:schemeClr val="lt1"/>
-          </a:fillRef>
-          <a:effectRef idx="0">
-            <a:schemeClr val="accent1"/>
-          </a:effectRef>
-          <a:fontRef idx="minor">
-            <a:schemeClr val="dk1"/>
-          </a:fontRef>
-        </p:style>
-        <p:txBody>
-          <a:bodyPr lIns="124733" tIns="62367" rIns="124733" bIns="62367" rtlCol="0" anchor="ctr"/>
-          <a:lstStyle/>
-          <a:p>
-            <a:pPr algn="ctr"/>
-            <a:r>
-              <a:rPr lang="ru-RU" sz="1400" dirty="0"/>
-              <a:t>Красный – это новый оранжевый (ваниль)</a:t>
-            </a:r>
-          </a:p>
-        </p:txBody>
-      </p:sp>
-      <p:sp>
-        <p:nvSpPr>
           <p:cNvPr id="76" name="Прямоугольник 75">
             <a:extLst>
               <a:ext uri="{FF2B5EF4-FFF2-40B4-BE49-F238E27FC236}">
@@ -7086,15 +6990,15 @@
           </p:cNvPr>
           <p:cNvCxnSpPr>
             <a:cxnSpLocks/>
-            <a:stCxn id="75" idx="2"/>
+            <a:stCxn id="363" idx="2"/>
             <a:endCxn id="172" idx="0"/>
           </p:cNvCxnSpPr>
           <p:nvPr/>
         </p:nvCxnSpPr>
         <p:spPr>
           <a:xfrm>
-            <a:off x="24586251" y="14878558"/>
-            <a:ext cx="0" cy="334261"/>
+            <a:off x="24580024" y="14881262"/>
+            <a:ext cx="6227" cy="331557"/>
           </a:xfrm>
           <a:prstGeom prst="straightConnector1">
             <a:avLst/>
@@ -7208,98 +7112,6 @@
           </a:fontRef>
         </p:style>
       </p:cxnSp>
-      <p:cxnSp>
-        <p:nvCxnSpPr>
-          <p:cNvPr id="164" name="Соединительная линия уступом 175">
-            <a:extLst>
-              <a:ext uri="{FF2B5EF4-FFF2-40B4-BE49-F238E27FC236}">
-                <a16:creationId xmlns:a16="http://schemas.microsoft.com/office/drawing/2014/main" id="{C94FFDB8-49C1-4D0C-8FB5-C22769AFBC43}"/>
-              </a:ext>
-            </a:extLst>
-          </p:cNvPr>
-          <p:cNvCxnSpPr>
-            <a:cxnSpLocks/>
-            <a:stCxn id="126" idx="2"/>
-            <a:endCxn id="187" idx="0"/>
-          </p:cNvCxnSpPr>
-          <p:nvPr/>
-        </p:nvCxnSpPr>
-        <p:spPr>
-          <a:xfrm rot="16200000" flipH="1">
-            <a:off x="19396336" y="9677056"/>
-            <a:ext cx="428543" cy="4955095"/>
-          </a:xfrm>
-          <a:prstGeom prst="bentConnector3">
-            <a:avLst>
-              <a:gd name="adj1" fmla="val 50000"/>
-            </a:avLst>
-          </a:prstGeom>
-          <a:ln w="28575">
-            <a:prstDash val="dash"/>
-            <a:tailEnd type="arrow"/>
-          </a:ln>
-        </p:spPr>
-        <p:style>
-          <a:lnRef idx="1">
-            <a:schemeClr val="accent1"/>
-          </a:lnRef>
-          <a:fillRef idx="0">
-            <a:schemeClr val="accent1"/>
-          </a:fillRef>
-          <a:effectRef idx="0">
-            <a:schemeClr val="accent1"/>
-          </a:effectRef>
-          <a:fontRef idx="minor">
-            <a:schemeClr val="tx1"/>
-          </a:fontRef>
-        </p:style>
-      </p:cxnSp>
-      <p:cxnSp>
-        <p:nvCxnSpPr>
-          <p:cNvPr id="166" name="Соединительная линия уступом 175">
-            <a:extLst>
-              <a:ext uri="{FF2B5EF4-FFF2-40B4-BE49-F238E27FC236}">
-                <a16:creationId xmlns:a16="http://schemas.microsoft.com/office/drawing/2014/main" id="{A5F57189-2A0A-4F3C-841E-77B4637A3176}"/>
-              </a:ext>
-            </a:extLst>
-          </p:cNvPr>
-          <p:cNvCxnSpPr>
-            <a:cxnSpLocks/>
-            <a:stCxn id="70" idx="2"/>
-            <a:endCxn id="187" idx="0"/>
-          </p:cNvCxnSpPr>
-          <p:nvPr/>
-        </p:nvCxnSpPr>
-        <p:spPr>
-          <a:xfrm rot="5400000">
-            <a:off x="23122932" y="10905556"/>
-            <a:ext cx="428543" cy="2498096"/>
-          </a:xfrm>
-          <a:prstGeom prst="bentConnector3">
-            <a:avLst>
-              <a:gd name="adj1" fmla="val 50000"/>
-            </a:avLst>
-          </a:prstGeom>
-          <a:ln w="28575">
-            <a:prstDash val="dash"/>
-            <a:tailEnd type="arrow"/>
-          </a:ln>
-        </p:spPr>
-        <p:style>
-          <a:lnRef idx="1">
-            <a:schemeClr val="accent1"/>
-          </a:lnRef>
-          <a:fillRef idx="0">
-            <a:schemeClr val="accent1"/>
-          </a:fillRef>
-          <a:effectRef idx="0">
-            <a:schemeClr val="accent1"/>
-          </a:effectRef>
-          <a:fontRef idx="minor">
-            <a:schemeClr val="tx1"/>
-          </a:fontRef>
-        </p:style>
-      </p:cxnSp>
       <p:sp>
         <p:nvSpPr>
           <p:cNvPr id="172" name="Прямоугольник 171">
@@ -7737,26 +7549,13 @@
         </p:nvSpPr>
         <p:spPr>
           <a:xfrm>
-            <a:off x="21030196" y="12368876"/>
+            <a:off x="21051571" y="24369394"/>
             <a:ext cx="2115918" cy="1080000"/>
           </a:xfrm>
           <a:prstGeom prst="rect">
             <a:avLst/>
           </a:prstGeom>
-          <a:gradFill>
-            <a:gsLst>
-              <a:gs pos="50000">
-                <a:srgbClr val="FF0000"/>
-              </a:gs>
-              <a:gs pos="0">
-                <a:schemeClr val="accent4"/>
-              </a:gs>
-              <a:gs pos="100000">
-                <a:schemeClr val="tx1"/>
-              </a:gs>
-            </a:gsLst>
-            <a:lin ang="5400000" scaled="1"/>
-          </a:gradFill>
+          <a:noFill/>
           <a:ln w="28575"/>
         </p:spPr>
         <p:style>
@@ -7851,96 +7650,6 @@
       </p:sp>
       <p:cxnSp>
         <p:nvCxnSpPr>
-          <p:cNvPr id="208" name="Соединительная линия уступом 175">
-            <a:extLst>
-              <a:ext uri="{FF2B5EF4-FFF2-40B4-BE49-F238E27FC236}">
-                <a16:creationId xmlns:a16="http://schemas.microsoft.com/office/drawing/2014/main" id="{859EA9B0-3FC9-4F98-9CB9-85925607F9EA}"/>
-              </a:ext>
-            </a:extLst>
-          </p:cNvPr>
-          <p:cNvCxnSpPr>
-            <a:cxnSpLocks/>
-            <a:stCxn id="187" idx="2"/>
-            <a:endCxn id="190" idx="0"/>
-          </p:cNvCxnSpPr>
-          <p:nvPr/>
-        </p:nvCxnSpPr>
-        <p:spPr>
-          <a:xfrm rot="5400000">
-            <a:off x="20678566" y="12386727"/>
-            <a:ext cx="347441" cy="2471738"/>
-          </a:xfrm>
-          <a:prstGeom prst="bentConnector3">
-            <a:avLst>
-              <a:gd name="adj1" fmla="val 50000"/>
-            </a:avLst>
-          </a:prstGeom>
-          <a:ln w="28575">
-            <a:tailEnd type="arrow"/>
-          </a:ln>
-        </p:spPr>
-        <p:style>
-          <a:lnRef idx="1">
-            <a:schemeClr val="accent1"/>
-          </a:lnRef>
-          <a:fillRef idx="0">
-            <a:schemeClr val="accent1"/>
-          </a:fillRef>
-          <a:effectRef idx="0">
-            <a:schemeClr val="accent1"/>
-          </a:effectRef>
-          <a:fontRef idx="minor">
-            <a:schemeClr val="tx1"/>
-          </a:fontRef>
-        </p:style>
-      </p:cxnSp>
-      <p:cxnSp>
-        <p:nvCxnSpPr>
-          <p:cNvPr id="211" name="Соединительная линия уступом 175">
-            <a:extLst>
-              <a:ext uri="{FF2B5EF4-FFF2-40B4-BE49-F238E27FC236}">
-                <a16:creationId xmlns:a16="http://schemas.microsoft.com/office/drawing/2014/main" id="{BE6B1415-3E4A-4C0F-A9F0-CB859D9DB45B}"/>
-              </a:ext>
-            </a:extLst>
-          </p:cNvPr>
-          <p:cNvCxnSpPr>
-            <a:cxnSpLocks/>
-            <a:stCxn id="187" idx="2"/>
-            <a:endCxn id="75" idx="0"/>
-          </p:cNvCxnSpPr>
-          <p:nvPr/>
-        </p:nvCxnSpPr>
-        <p:spPr>
-          <a:xfrm rot="16200000" flipH="1">
-            <a:off x="23162362" y="12374669"/>
-            <a:ext cx="349682" cy="2498096"/>
-          </a:xfrm>
-          <a:prstGeom prst="bentConnector3">
-            <a:avLst>
-              <a:gd name="adj1" fmla="val 50000"/>
-            </a:avLst>
-          </a:prstGeom>
-          <a:ln w="28575">
-            <a:tailEnd type="arrow"/>
-          </a:ln>
-        </p:spPr>
-        <p:style>
-          <a:lnRef idx="1">
-            <a:schemeClr val="accent1"/>
-          </a:lnRef>
-          <a:fillRef idx="0">
-            <a:schemeClr val="accent1"/>
-          </a:fillRef>
-          <a:effectRef idx="0">
-            <a:schemeClr val="accent1"/>
-          </a:effectRef>
-          <a:fontRef idx="minor">
-            <a:schemeClr val="tx1"/>
-          </a:fontRef>
-        </p:style>
-      </p:cxnSp>
-      <p:cxnSp>
-        <p:nvCxnSpPr>
           <p:cNvPr id="221" name="Соединительная линия уступом 175">
             <a:extLst>
               <a:ext uri="{FF2B5EF4-FFF2-40B4-BE49-F238E27FC236}">
@@ -7957,54 +7666,8 @@
         </p:nvCxnSpPr>
         <p:spPr>
           <a:xfrm rot="16200000" flipH="1">
-            <a:off x="18163210" y="10910183"/>
-            <a:ext cx="428548" cy="2488848"/>
-          </a:xfrm>
-          <a:prstGeom prst="bentConnector3">
-            <a:avLst>
-              <a:gd name="adj1" fmla="val 50000"/>
-            </a:avLst>
-          </a:prstGeom>
-          <a:ln w="28575">
-            <a:prstDash val="dash"/>
-            <a:tailEnd type="arrow"/>
-          </a:ln>
-        </p:spPr>
-        <p:style>
-          <a:lnRef idx="1">
-            <a:schemeClr val="accent1"/>
-          </a:lnRef>
-          <a:fillRef idx="0">
-            <a:schemeClr val="accent1"/>
-          </a:fillRef>
-          <a:effectRef idx="0">
-            <a:schemeClr val="accent1"/>
-          </a:effectRef>
-          <a:fontRef idx="minor">
-            <a:schemeClr val="tx1"/>
-          </a:fontRef>
-        </p:style>
-      </p:cxnSp>
-      <p:cxnSp>
-        <p:nvCxnSpPr>
-          <p:cNvPr id="224" name="Соединительная линия уступом 175">
-            <a:extLst>
-              <a:ext uri="{FF2B5EF4-FFF2-40B4-BE49-F238E27FC236}">
-                <a16:creationId xmlns:a16="http://schemas.microsoft.com/office/drawing/2014/main" id="{5025056A-E21A-4CD1-83E8-9C6C53C9DE9F}"/>
-              </a:ext>
-            </a:extLst>
-          </p:cNvPr>
-          <p:cNvCxnSpPr>
-            <a:cxnSpLocks/>
-            <a:stCxn id="70" idx="2"/>
-            <a:endCxn id="137" idx="0"/>
-          </p:cNvCxnSpPr>
-          <p:nvPr/>
-        </p:nvCxnSpPr>
-        <p:spPr>
-          <a:xfrm rot="5400000">
-            <a:off x="21889806" y="9672436"/>
-            <a:ext cx="428548" cy="4964343"/>
+            <a:off x="18174128" y="10899265"/>
+            <a:ext cx="389859" cy="2471994"/>
           </a:xfrm>
           <a:prstGeom prst="bentConnector3">
             <a:avLst>
@@ -8442,7 +8105,7 @@
         </p:nvSpPr>
         <p:spPr>
           <a:xfrm>
-            <a:off x="33375762" y="10860333"/>
+            <a:off x="34594962" y="10860333"/>
             <a:ext cx="2115918" cy="1080000"/>
           </a:xfrm>
           <a:prstGeom prst="rect">
@@ -8561,7 +8224,7 @@
         </p:nvSpPr>
         <p:spPr>
           <a:xfrm>
-            <a:off x="35811978" y="15219680"/>
+            <a:off x="38305001" y="15219680"/>
             <a:ext cx="2115918" cy="1080000"/>
           </a:xfrm>
           <a:prstGeom prst="rect">
@@ -8637,7 +8300,7 @@
         <p:spPr>
           <a:xfrm flipH="1">
             <a:off x="25644210" y="11400333"/>
-            <a:ext cx="7731552" cy="0"/>
+            <a:ext cx="8950752" cy="0"/>
           </a:xfrm>
           <a:prstGeom prst="line">
             <a:avLst/>
@@ -8663,52 +8326,6 @@
           </a:fontRef>
         </p:style>
       </p:cxnSp>
-      <p:cxnSp>
-        <p:nvCxnSpPr>
-          <p:cNvPr id="104" name="Соединительная линия уступом 175">
-            <a:extLst>
-              <a:ext uri="{FF2B5EF4-FFF2-40B4-BE49-F238E27FC236}">
-                <a16:creationId xmlns:a16="http://schemas.microsoft.com/office/drawing/2014/main" id="{2D29E791-5C7A-4FB0-98E1-4A1E011A415A}"/>
-              </a:ext>
-            </a:extLst>
-          </p:cNvPr>
-          <p:cNvCxnSpPr>
-            <a:cxnSpLocks/>
-            <a:stCxn id="100" idx="2"/>
-            <a:endCxn id="187" idx="0"/>
-          </p:cNvCxnSpPr>
-          <p:nvPr/>
-        </p:nvCxnSpPr>
-        <p:spPr>
-          <a:xfrm rot="5400000">
-            <a:off x="28046667" y="5981821"/>
-            <a:ext cx="428543" cy="12345566"/>
-          </a:xfrm>
-          <a:prstGeom prst="bentConnector3">
-            <a:avLst>
-              <a:gd name="adj1" fmla="val 50000"/>
-            </a:avLst>
-          </a:prstGeom>
-          <a:ln w="28575">
-            <a:prstDash val="dash"/>
-            <a:tailEnd type="arrow"/>
-          </a:ln>
-        </p:spPr>
-        <p:style>
-          <a:lnRef idx="1">
-            <a:schemeClr val="accent1"/>
-          </a:lnRef>
-          <a:fillRef idx="0">
-            <a:schemeClr val="accent1"/>
-          </a:fillRef>
-          <a:effectRef idx="0">
-            <a:schemeClr val="accent1"/>
-          </a:effectRef>
-          <a:fontRef idx="minor">
-            <a:schemeClr val="tx1"/>
-          </a:fontRef>
-        </p:style>
-      </p:cxnSp>
       <p:sp>
         <p:nvSpPr>
           <p:cNvPr id="108" name="Прямоугольник 107">
@@ -8723,7 +8340,7 @@
         </p:nvSpPr>
         <p:spPr>
           <a:xfrm>
-            <a:off x="46176565" y="2644147"/>
+            <a:off x="46176565" y="1564147"/>
             <a:ext cx="2115918" cy="1080000"/>
           </a:xfrm>
           <a:prstGeom prst="rect">
@@ -8813,7 +8430,7 @@
         </p:nvSpPr>
         <p:spPr>
           <a:xfrm>
-            <a:off x="33375763" y="13798558"/>
+            <a:off x="34594963" y="13798558"/>
             <a:ext cx="2115918" cy="1080000"/>
           </a:xfrm>
           <a:prstGeom prst="rect">
@@ -8892,7 +8509,7 @@
         </p:nvSpPr>
         <p:spPr>
           <a:xfrm>
-            <a:off x="30936256" y="15210387"/>
+            <a:off x="32155456" y="15210387"/>
             <a:ext cx="2115918" cy="1080000"/>
           </a:xfrm>
           <a:prstGeom prst="rect">
@@ -9003,7 +8620,7 @@
         </p:nvSpPr>
         <p:spPr>
           <a:xfrm>
-            <a:off x="33375763" y="15207432"/>
+            <a:off x="34594963" y="15207432"/>
             <a:ext cx="2115918" cy="1080000"/>
           </a:xfrm>
           <a:prstGeom prst="rect">
@@ -9090,7 +8707,7 @@
         </p:nvSpPr>
         <p:spPr>
           <a:xfrm>
-            <a:off x="33375763" y="12368166"/>
+            <a:off x="34594963" y="12368166"/>
             <a:ext cx="2115918" cy="1080000"/>
           </a:xfrm>
           <a:prstGeom prst="rect">
@@ -9165,10 +8782,10 @@
       </p:sp>
       <p:sp>
         <p:nvSpPr>
-          <p:cNvPr id="114" name="Прямоугольник 113">
-            <a:extLst>
-              <a:ext uri="{FF2B5EF4-FFF2-40B4-BE49-F238E27FC236}">
-                <a16:creationId xmlns:a16="http://schemas.microsoft.com/office/drawing/2014/main" id="{3AB9C53C-EEA4-4A31-9645-644F12CB0F66}"/>
+          <p:cNvPr id="115" name="Прямоугольник 114">
+            <a:extLst>
+              <a:ext uri="{FF2B5EF4-FFF2-40B4-BE49-F238E27FC236}">
+                <a16:creationId xmlns:a16="http://schemas.microsoft.com/office/drawing/2014/main" id="{5AB7C30A-201B-4B15-889F-0961863E1653}"/>
               </a:ext>
             </a:extLst>
           </p:cNvPr>
@@ -9177,7 +8794,7 @@
         </p:nvSpPr>
         <p:spPr>
           <a:xfrm>
-            <a:off x="46176565" y="1306579"/>
+            <a:off x="32155456" y="13796317"/>
             <a:ext cx="2115918" cy="1080000"/>
           </a:xfrm>
           <a:prstGeom prst="rect">
@@ -9211,22 +8828,121 @@
           <a:p>
             <a:pPr algn="ctr"/>
             <a:r>
-              <a:rPr lang="ru-RU" sz="300" dirty="0">
+              <a:rPr lang="ru-RU" sz="1400" dirty="0">
                 <a:solidFill>
                   <a:schemeClr val="bg1"/>
                 </a:solidFill>
               </a:rPr>
-              <a:t>28-29 ноября 1936 г. состоялся специальный съезд, на котором обсуждалась идея совета. Здесь был принят документ о Советах, содержание которого во многом соответствовало отчету Совета от 1932 года. В дальнейшем в соответствии с этим был принят ряд практических решений:¬¬- преобразование NSV в организацию в коммерческих организациях и промышленных федерациях, и рассматривать эти органы как подготовительные органы для социальной реконструкции;¬- усиление осознания голландским пролетариатом того, что решение всех его проблем можно искать только в том, чтобы взять компании в свое собственное управление;¬¬- подготовка рабочих к поглощению компаний, среди прочего путем изучения администрации, технологии и т.п. их компании;¬- сбор статистического материала о наличной рабочей силе, объемах производства, потребления и потребности;- направление всей борьбы на корпоративное поглощение;- обострение и расширение борьбы, чтобы увеличить шанс социальной революции.</a:t>
-            </a:r>
+              <a:t>Социальная реконструкция </a:t>
+            </a:r>
+            <a:r>
+              <a:rPr lang="ru-RU" sz="700" dirty="0">
+                <a:solidFill>
+                  <a:schemeClr val="bg1"/>
+                </a:solidFill>
+              </a:rPr>
+              <a:t>(преобразование NSV в организацию в коммерческих организациях и промышленных федерациях, и рассматривать эти органы как подготовительные органы для социальной реконструкции;¬)</a:t>
+            </a:r>
+            <a:endParaRPr lang="ru-RU" sz="1400" dirty="0">
+              <a:solidFill>
+                <a:schemeClr val="bg1"/>
+              </a:solidFill>
+            </a:endParaRPr>
           </a:p>
         </p:txBody>
       </p:sp>
+      <p:cxnSp>
+        <p:nvCxnSpPr>
+          <p:cNvPr id="116" name="Прямая со стрелкой 115">
+            <a:extLst>
+              <a:ext uri="{FF2B5EF4-FFF2-40B4-BE49-F238E27FC236}">
+                <a16:creationId xmlns:a16="http://schemas.microsoft.com/office/drawing/2014/main" id="{EBD3A6F3-AB1C-47D3-A4C9-E367E9B43AB2}"/>
+              </a:ext>
+            </a:extLst>
+          </p:cNvPr>
+          <p:cNvCxnSpPr>
+            <a:cxnSpLocks/>
+            <a:stCxn id="185" idx="2"/>
+            <a:endCxn id="178" idx="0"/>
+          </p:cNvCxnSpPr>
+          <p:nvPr/>
+        </p:nvCxnSpPr>
+        <p:spPr>
+          <a:xfrm>
+            <a:off x="27115201" y="13448166"/>
+            <a:ext cx="0" cy="342326"/>
+          </a:xfrm>
+          <a:prstGeom prst="straightConnector1">
+            <a:avLst/>
+          </a:prstGeom>
+          <a:ln w="28575">
+            <a:tailEnd type="arrow"/>
+          </a:ln>
+        </p:spPr>
+        <p:style>
+          <a:lnRef idx="1">
+            <a:schemeClr val="accent1"/>
+          </a:lnRef>
+          <a:fillRef idx="0">
+            <a:schemeClr val="accent1"/>
+          </a:fillRef>
+          <a:effectRef idx="0">
+            <a:schemeClr val="accent1"/>
+          </a:effectRef>
+          <a:fontRef idx="minor">
+            <a:schemeClr val="tx1"/>
+          </a:fontRef>
+        </p:style>
+      </p:cxnSp>
+      <p:cxnSp>
+        <p:nvCxnSpPr>
+          <p:cNvPr id="117" name="Прямая со стрелкой 116">
+            <a:extLst>
+              <a:ext uri="{FF2B5EF4-FFF2-40B4-BE49-F238E27FC236}">
+                <a16:creationId xmlns:a16="http://schemas.microsoft.com/office/drawing/2014/main" id="{1CA48A8C-7918-4ACD-8584-930D3FA93CAA}"/>
+              </a:ext>
+            </a:extLst>
+          </p:cNvPr>
+          <p:cNvCxnSpPr>
+            <a:cxnSpLocks/>
+            <a:stCxn id="178" idx="2"/>
+            <a:endCxn id="175" idx="0"/>
+          </p:cNvCxnSpPr>
+          <p:nvPr/>
+        </p:nvCxnSpPr>
+        <p:spPr>
+          <a:xfrm>
+            <a:off x="27115201" y="14870492"/>
+            <a:ext cx="0" cy="349188"/>
+          </a:xfrm>
+          <a:prstGeom prst="straightConnector1">
+            <a:avLst/>
+          </a:prstGeom>
+          <a:ln w="28575">
+            <a:tailEnd type="arrow"/>
+          </a:ln>
+        </p:spPr>
+        <p:style>
+          <a:lnRef idx="1">
+            <a:schemeClr val="accent1"/>
+          </a:lnRef>
+          <a:fillRef idx="0">
+            <a:schemeClr val="accent1"/>
+          </a:fillRef>
+          <a:effectRef idx="0">
+            <a:schemeClr val="accent1"/>
+          </a:effectRef>
+          <a:fontRef idx="minor">
+            <a:schemeClr val="tx1"/>
+          </a:fontRef>
+        </p:style>
+      </p:cxnSp>
       <p:sp>
         <p:nvSpPr>
-          <p:cNvPr id="115" name="Прямоугольник 114">
-            <a:extLst>
-              <a:ext uri="{FF2B5EF4-FFF2-40B4-BE49-F238E27FC236}">
-                <a16:creationId xmlns:a16="http://schemas.microsoft.com/office/drawing/2014/main" id="{5AB7C30A-201B-4B15-889F-0961863E1653}"/>
+          <p:cNvPr id="132" name="Прямоугольник 131">
+            <a:extLst>
+              <a:ext uri="{FF2B5EF4-FFF2-40B4-BE49-F238E27FC236}">
+                <a16:creationId xmlns:a16="http://schemas.microsoft.com/office/drawing/2014/main" id="{A65B4601-A6C9-4318-A2AC-F51BDF31465E}"/>
               </a:ext>
             </a:extLst>
           </p:cNvPr>
@@ -9235,7 +8951,7 @@
         </p:nvSpPr>
         <p:spPr>
           <a:xfrm>
-            <a:off x="30936256" y="13796317"/>
+            <a:off x="37031178" y="13790492"/>
             <a:ext cx="2115918" cy="1080000"/>
           </a:xfrm>
           <a:prstGeom prst="rect">
@@ -9274,163 +8990,6 @@
                   <a:schemeClr val="bg1"/>
                 </a:solidFill>
               </a:rPr>
-              <a:t>Социальная реконструкция </a:t>
-            </a:r>
-            <a:r>
-              <a:rPr lang="ru-RU" sz="700" dirty="0">
-                <a:solidFill>
-                  <a:schemeClr val="bg1"/>
-                </a:solidFill>
-              </a:rPr>
-              <a:t>(преобразование NSV в организацию в коммерческих организациях и промышленных федерациях, и рассматривать эти органы как подготовительные органы для социальной реконструкции;¬)</a:t>
-            </a:r>
-            <a:endParaRPr lang="ru-RU" sz="1400" dirty="0">
-              <a:solidFill>
-                <a:schemeClr val="bg1"/>
-              </a:solidFill>
-            </a:endParaRPr>
-          </a:p>
-        </p:txBody>
-      </p:sp>
-      <p:cxnSp>
-        <p:nvCxnSpPr>
-          <p:cNvPr id="116" name="Прямая со стрелкой 115">
-            <a:extLst>
-              <a:ext uri="{FF2B5EF4-FFF2-40B4-BE49-F238E27FC236}">
-                <a16:creationId xmlns:a16="http://schemas.microsoft.com/office/drawing/2014/main" id="{EBD3A6F3-AB1C-47D3-A4C9-E367E9B43AB2}"/>
-              </a:ext>
-            </a:extLst>
-          </p:cNvPr>
-          <p:cNvCxnSpPr>
-            <a:cxnSpLocks/>
-            <a:stCxn id="185" idx="2"/>
-            <a:endCxn id="178" idx="0"/>
-          </p:cNvCxnSpPr>
-          <p:nvPr/>
-        </p:nvCxnSpPr>
-        <p:spPr>
-          <a:xfrm>
-            <a:off x="27115201" y="13448166"/>
-            <a:ext cx="0" cy="342326"/>
-          </a:xfrm>
-          <a:prstGeom prst="straightConnector1">
-            <a:avLst/>
-          </a:prstGeom>
-          <a:ln w="28575">
-            <a:tailEnd type="arrow"/>
-          </a:ln>
-        </p:spPr>
-        <p:style>
-          <a:lnRef idx="1">
-            <a:schemeClr val="accent1"/>
-          </a:lnRef>
-          <a:fillRef idx="0">
-            <a:schemeClr val="accent1"/>
-          </a:fillRef>
-          <a:effectRef idx="0">
-            <a:schemeClr val="accent1"/>
-          </a:effectRef>
-          <a:fontRef idx="minor">
-            <a:schemeClr val="tx1"/>
-          </a:fontRef>
-        </p:style>
-      </p:cxnSp>
-      <p:cxnSp>
-        <p:nvCxnSpPr>
-          <p:cNvPr id="117" name="Прямая со стрелкой 116">
-            <a:extLst>
-              <a:ext uri="{FF2B5EF4-FFF2-40B4-BE49-F238E27FC236}">
-                <a16:creationId xmlns:a16="http://schemas.microsoft.com/office/drawing/2014/main" id="{1CA48A8C-7918-4ACD-8584-930D3FA93CAA}"/>
-              </a:ext>
-            </a:extLst>
-          </p:cNvPr>
-          <p:cNvCxnSpPr>
-            <a:cxnSpLocks/>
-            <a:stCxn id="178" idx="2"/>
-            <a:endCxn id="175" idx="0"/>
-          </p:cNvCxnSpPr>
-          <p:nvPr/>
-        </p:nvCxnSpPr>
-        <p:spPr>
-          <a:xfrm>
-            <a:off x="27115201" y="14870492"/>
-            <a:ext cx="0" cy="349188"/>
-          </a:xfrm>
-          <a:prstGeom prst="straightConnector1">
-            <a:avLst/>
-          </a:prstGeom>
-          <a:ln w="28575">
-            <a:tailEnd type="arrow"/>
-          </a:ln>
-        </p:spPr>
-        <p:style>
-          <a:lnRef idx="1">
-            <a:schemeClr val="accent1"/>
-          </a:lnRef>
-          <a:fillRef idx="0">
-            <a:schemeClr val="accent1"/>
-          </a:fillRef>
-          <a:effectRef idx="0">
-            <a:schemeClr val="accent1"/>
-          </a:effectRef>
-          <a:fontRef idx="minor">
-            <a:schemeClr val="tx1"/>
-          </a:fontRef>
-        </p:style>
-      </p:cxnSp>
-      <p:sp>
-        <p:nvSpPr>
-          <p:cNvPr id="132" name="Прямоугольник 131">
-            <a:extLst>
-              <a:ext uri="{FF2B5EF4-FFF2-40B4-BE49-F238E27FC236}">
-                <a16:creationId xmlns:a16="http://schemas.microsoft.com/office/drawing/2014/main" id="{A65B4601-A6C9-4318-A2AC-F51BDF31465E}"/>
-              </a:ext>
-            </a:extLst>
-          </p:cNvPr>
-          <p:cNvSpPr/>
-          <p:nvPr/>
-        </p:nvSpPr>
-        <p:spPr>
-          <a:xfrm>
-            <a:off x="35811978" y="13790492"/>
-            <a:ext cx="2115918" cy="1080000"/>
-          </a:xfrm>
-          <a:prstGeom prst="rect">
-            <a:avLst/>
-          </a:prstGeom>
-          <a:solidFill>
-            <a:schemeClr val="tx1">
-              <a:lumMod val="85000"/>
-              <a:lumOff val="15000"/>
-            </a:schemeClr>
-          </a:solidFill>
-          <a:ln w="28575"/>
-        </p:spPr>
-        <p:style>
-          <a:lnRef idx="2">
-            <a:schemeClr val="accent1"/>
-          </a:lnRef>
-          <a:fillRef idx="1">
-            <a:schemeClr val="lt1"/>
-          </a:fillRef>
-          <a:effectRef idx="0">
-            <a:schemeClr val="accent1"/>
-          </a:effectRef>
-          <a:fontRef idx="minor">
-            <a:schemeClr val="dk1"/>
-          </a:fontRef>
-        </p:style>
-        <p:txBody>
-          <a:bodyPr lIns="124733" tIns="62367" rIns="124733" bIns="62367" rtlCol="0" anchor="ctr"/>
-          <a:lstStyle/>
-          <a:p>
-            <a:pPr algn="ctr"/>
-            <a:r>
-              <a:rPr lang="ru-RU" sz="1400" dirty="0">
-                <a:solidFill>
-                  <a:schemeClr val="bg1"/>
-                </a:solidFill>
-              </a:rPr>
               <a:t>Поглощение компаний рабочими </a:t>
             </a:r>
             <a:r>
@@ -9446,516 +9005,6 @@
                 <a:schemeClr val="bg1"/>
               </a:solidFill>
             </a:endParaRPr>
-          </a:p>
-        </p:txBody>
-      </p:sp>
-      <p:sp>
-        <p:nvSpPr>
-          <p:cNvPr id="133" name="Прямоугольник 132">
-            <a:extLst>
-              <a:ext uri="{FF2B5EF4-FFF2-40B4-BE49-F238E27FC236}">
-                <a16:creationId xmlns:a16="http://schemas.microsoft.com/office/drawing/2014/main" id="{188F2F02-A522-4318-BA14-9C3D61F1BDD1}"/>
-              </a:ext>
-            </a:extLst>
-          </p:cNvPr>
-          <p:cNvSpPr/>
-          <p:nvPr/>
-        </p:nvSpPr>
-        <p:spPr>
-          <a:xfrm>
-            <a:off x="49090482" y="1306579"/>
-            <a:ext cx="2115918" cy="1080000"/>
-          </a:xfrm>
-          <a:prstGeom prst="rect">
-            <a:avLst/>
-          </a:prstGeom>
-          <a:solidFill>
-            <a:schemeClr val="tx1">
-              <a:lumMod val="85000"/>
-              <a:lumOff val="15000"/>
-            </a:schemeClr>
-          </a:solidFill>
-          <a:ln w="28575"/>
-        </p:spPr>
-        <p:style>
-          <a:lnRef idx="2">
-            <a:schemeClr val="accent1"/>
-          </a:lnRef>
-          <a:fillRef idx="1">
-            <a:schemeClr val="lt1"/>
-          </a:fillRef>
-          <a:effectRef idx="0">
-            <a:schemeClr val="accent1"/>
-          </a:effectRef>
-          <a:fontRef idx="minor">
-            <a:schemeClr val="dk1"/>
-          </a:fontRef>
-        </p:style>
-        <p:txBody>
-          <a:bodyPr lIns="124733" tIns="62367" rIns="124733" bIns="62367" rtlCol="0" anchor="ctr"/>
-          <a:lstStyle/>
-          <a:p>
-            <a:pPr algn="ctr"/>
-            <a:r>
-              <a:rPr lang="ru-RU" sz="300" dirty="0">
-                <a:solidFill>
-                  <a:schemeClr val="bg1"/>
-                </a:solidFill>
-              </a:rPr>
-              <a:t>Еще раньше, в 1936 г., а именно на январском съезде, НСВ решило ужесточить свою </a:t>
-            </a:r>
-            <a:r>
-              <a:rPr lang="ru-RU" sz="300" dirty="0" err="1">
-                <a:solidFill>
-                  <a:schemeClr val="bg1"/>
-                </a:solidFill>
-              </a:rPr>
-              <a:t>антипарламентскую</a:t>
-            </a:r>
-            <a:r>
-              <a:rPr lang="ru-RU" sz="300" dirty="0">
-                <a:solidFill>
-                  <a:schemeClr val="bg1"/>
-                </a:solidFill>
-              </a:rPr>
-              <a:t> позицию. Оговорка «независимо от» теперь также официально исключена. Это было заменено следующим положением:¬- Члены парламентских политических партий не могут оставаться членами НСВ;B Члены НСВ, ведущие пропаганду в нарушение </a:t>
-            </a:r>
-            <a:r>
-              <a:rPr lang="ru-RU" sz="300" dirty="0" err="1">
-                <a:solidFill>
-                  <a:schemeClr val="bg1"/>
-                </a:solidFill>
-              </a:rPr>
-              <a:t>принциповЛен</a:t>
-            </a:r>
-            <a:r>
-              <a:rPr lang="ru-RU" sz="300" dirty="0">
-                <a:solidFill>
-                  <a:schemeClr val="bg1"/>
-                </a:solidFill>
-              </a:rPr>
-              <a:t> НСВ, должен быть </a:t>
-            </a:r>
-            <a:r>
-              <a:rPr lang="ru-RU" sz="300" dirty="0" err="1">
-                <a:solidFill>
-                  <a:schemeClr val="bg1"/>
-                </a:solidFill>
-              </a:rPr>
-              <a:t>исключен».На</a:t>
-            </a:r>
-            <a:r>
-              <a:rPr lang="ru-RU" sz="300" dirty="0">
-                <a:solidFill>
-                  <a:schemeClr val="bg1"/>
-                </a:solidFill>
-              </a:rPr>
-              <a:t> той же конференции еще раз выяснилось, что люди не склонны отказываться от анархо-синдикализма. Предложение SAS-</a:t>
-            </a:r>
-            <a:r>
-              <a:rPr lang="ru-RU" sz="300" dirty="0" err="1">
-                <a:solidFill>
-                  <a:schemeClr val="bg1"/>
-                </a:solidFill>
-              </a:rPr>
-              <a:t>Wormerveer</a:t>
-            </a:r>
-            <a:r>
-              <a:rPr lang="ru-RU" sz="300" dirty="0">
-                <a:solidFill>
-                  <a:schemeClr val="bg1"/>
-                </a:solidFill>
-              </a:rPr>
-              <a:t>-</a:t>
-            </a:r>
-            <a:r>
-              <a:rPr lang="ru-RU" sz="300" dirty="0" err="1">
-                <a:solidFill>
-                  <a:schemeClr val="bg1"/>
-                </a:solidFill>
-              </a:rPr>
-              <a:t>Krommenie</a:t>
-            </a:r>
-            <a:r>
-              <a:rPr lang="ru-RU" sz="300" dirty="0">
-                <a:solidFill>
-                  <a:schemeClr val="bg1"/>
-                </a:solidFill>
-              </a:rPr>
-              <a:t> сосредоточить пропаганду в первую очередь на заявлении принципов NSV ради лучшего сотрудничества с анархистами было отклонено. Альберт де </a:t>
-            </a:r>
-            <a:r>
-              <a:rPr lang="ru-RU" sz="300" dirty="0" err="1">
-                <a:solidFill>
-                  <a:schemeClr val="bg1"/>
-                </a:solidFill>
-              </a:rPr>
-              <a:t>Йонг</a:t>
-            </a:r>
-            <a:r>
-              <a:rPr lang="ru-RU" sz="300" dirty="0">
-                <a:solidFill>
-                  <a:schemeClr val="bg1"/>
-                </a:solidFill>
-              </a:rPr>
-              <a:t>, противник этого предложения, утверждал, что никогда нельзя создать сильное боевое рабочее движение с помощью пропаганды только одного принципа. 6)В рамках этого параграфа заслуживают упоминания два направления деятельности НСВ. Во-первых, это деятельность во время выборов. В эти периоды НСВ обычно проводила </a:t>
-            </a:r>
-            <a:r>
-              <a:rPr lang="ru-RU" sz="300" dirty="0" err="1">
-                <a:solidFill>
-                  <a:schemeClr val="bg1"/>
-                </a:solidFill>
-              </a:rPr>
-              <a:t>антивыборные</a:t>
-            </a:r>
-            <a:r>
-              <a:rPr lang="ru-RU" sz="300" dirty="0">
-                <a:solidFill>
-                  <a:schemeClr val="bg1"/>
-                </a:solidFill>
-              </a:rPr>
-              <a:t> кампании.</a:t>
-            </a:r>
-          </a:p>
-        </p:txBody>
-      </p:sp>
-      <p:sp>
-        <p:nvSpPr>
-          <p:cNvPr id="136" name="Прямоугольник 135">
-            <a:extLst>
-              <a:ext uri="{FF2B5EF4-FFF2-40B4-BE49-F238E27FC236}">
-                <a16:creationId xmlns:a16="http://schemas.microsoft.com/office/drawing/2014/main" id="{C6387565-D0F6-4C07-BB98-33EE69C60E92}"/>
-              </a:ext>
-            </a:extLst>
-          </p:cNvPr>
-          <p:cNvSpPr/>
-          <p:nvPr/>
-        </p:nvSpPr>
-        <p:spPr>
-          <a:xfrm>
-            <a:off x="49090482" y="2644147"/>
-            <a:ext cx="2115918" cy="1080000"/>
-          </a:xfrm>
-          <a:prstGeom prst="rect">
-            <a:avLst/>
-          </a:prstGeom>
-          <a:solidFill>
-            <a:schemeClr val="tx1">
-              <a:lumMod val="85000"/>
-              <a:lumOff val="15000"/>
-            </a:schemeClr>
-          </a:solidFill>
-          <a:ln w="28575"/>
-        </p:spPr>
-        <p:style>
-          <a:lnRef idx="2">
-            <a:schemeClr val="accent1"/>
-          </a:lnRef>
-          <a:fillRef idx="1">
-            <a:schemeClr val="lt1"/>
-          </a:fillRef>
-          <a:effectRef idx="0">
-            <a:schemeClr val="accent1"/>
-          </a:effectRef>
-          <a:fontRef idx="minor">
-            <a:schemeClr val="dk1"/>
-          </a:fontRef>
-        </p:style>
-        <p:txBody>
-          <a:bodyPr lIns="124733" tIns="62367" rIns="124733" bIns="62367" rtlCol="0" anchor="ctr"/>
-          <a:lstStyle/>
-          <a:p>
-            <a:pPr algn="ctr"/>
-            <a:r>
-              <a:rPr lang="ru-RU" sz="300" dirty="0">
-                <a:solidFill>
-                  <a:schemeClr val="bg1"/>
-                </a:solidFill>
-              </a:rPr>
-              <a:t>Только в середине тридцатых годов произошла сколько-нибудь значительная внутренняя ссора. Причиной стала смена руководства в Фонде международной солидарности (FIS), организации, в которой NSV участвовала вместе с IAMV и Ассоциацией анархо-социалистов (BAS). В конце 1935 года конгресс FIS избрал председателем </a:t>
-            </a:r>
-            <a:r>
-              <a:rPr lang="ru-RU" sz="300" dirty="0" err="1">
-                <a:solidFill>
-                  <a:schemeClr val="bg1"/>
-                </a:solidFill>
-              </a:rPr>
-              <a:t>Хенка</a:t>
-            </a:r>
-            <a:r>
-              <a:rPr lang="ru-RU" sz="300" dirty="0">
-                <a:solidFill>
-                  <a:schemeClr val="bg1"/>
-                </a:solidFill>
-              </a:rPr>
-              <a:t> </a:t>
-            </a:r>
-            <a:r>
-              <a:rPr lang="ru-RU" sz="300" dirty="0" err="1">
-                <a:solidFill>
-                  <a:schemeClr val="bg1"/>
-                </a:solidFill>
-              </a:rPr>
-              <a:t>Эйкебума</a:t>
-            </a:r>
-            <a:r>
-              <a:rPr lang="ru-RU" sz="300" dirty="0">
-                <a:solidFill>
-                  <a:schemeClr val="bg1"/>
-                </a:solidFill>
-              </a:rPr>
-              <a:t>. Конгресс NSV в январе 1936 года возражал против выбора </a:t>
-            </a:r>
-            <a:r>
-              <a:rPr lang="ru-RU" sz="300" dirty="0" err="1">
-                <a:solidFill>
-                  <a:schemeClr val="bg1"/>
-                </a:solidFill>
-              </a:rPr>
-              <a:t>Эйкебума</a:t>
-            </a:r>
-            <a:r>
-              <a:rPr lang="ru-RU" sz="300" dirty="0">
-                <a:solidFill>
-                  <a:schemeClr val="bg1"/>
-                </a:solidFill>
-              </a:rPr>
-              <a:t> из-за его менее надежных финансовых показателей в предыдущие годы. </a:t>
-            </a:r>
-            <a:r>
-              <a:rPr lang="ru-RU" sz="300" dirty="0" err="1">
-                <a:solidFill>
-                  <a:schemeClr val="bg1"/>
-                </a:solidFill>
-              </a:rPr>
-              <a:t>Эйкебум</a:t>
-            </a:r>
-            <a:r>
-              <a:rPr lang="ru-RU" sz="300" dirty="0">
-                <a:solidFill>
-                  <a:schemeClr val="bg1"/>
-                </a:solidFill>
-              </a:rPr>
-              <a:t> отреагировал на это решение конференции яростной кампанией против NSV в Де </a:t>
-            </a:r>
-            <a:r>
-              <a:rPr lang="ru-RU" sz="300" dirty="0" err="1">
-                <a:solidFill>
-                  <a:schemeClr val="bg1"/>
-                </a:solidFill>
-              </a:rPr>
-              <a:t>Арбайдере</a:t>
-            </a:r>
-            <a:r>
-              <a:rPr lang="ru-RU" sz="300" dirty="0">
-                <a:solidFill>
-                  <a:schemeClr val="bg1"/>
-                </a:solidFill>
-              </a:rPr>
-              <a:t>. В этом его поддержал член NSV Де </a:t>
-            </a:r>
-            <a:r>
-              <a:rPr lang="ru-RU" sz="300" dirty="0" err="1">
-                <a:solidFill>
-                  <a:schemeClr val="bg1"/>
-                </a:solidFill>
-              </a:rPr>
-              <a:t>Брюин</a:t>
-            </a:r>
-            <a:r>
-              <a:rPr lang="ru-RU" sz="300" dirty="0">
-                <a:solidFill>
-                  <a:schemeClr val="bg1"/>
-                </a:solidFill>
-              </a:rPr>
-              <a:t>, раскритиковавший решение съезда NSV в том же журнале. Из этой статьи явствует, что де </a:t>
-            </a:r>
-            <a:r>
-              <a:rPr lang="ru-RU" sz="300" dirty="0" err="1">
-                <a:solidFill>
-                  <a:schemeClr val="bg1"/>
-                </a:solidFill>
-              </a:rPr>
-              <a:t>Брюин</a:t>
-            </a:r>
-            <a:r>
-              <a:rPr lang="ru-RU" sz="300" dirty="0">
-                <a:solidFill>
-                  <a:schemeClr val="bg1"/>
-                </a:solidFill>
-              </a:rPr>
-              <a:t> располагал конфиденциальной информацией о ходе событий на этой конференции, хотя сам на ней не присутствовал. Дальнейшее расследование показало, что Де </a:t>
-            </a:r>
-            <a:r>
-              <a:rPr lang="ru-RU" sz="300" dirty="0" err="1">
-                <a:solidFill>
-                  <a:schemeClr val="bg1"/>
-                </a:solidFill>
-              </a:rPr>
-              <a:t>Брюин</a:t>
-            </a:r>
-            <a:r>
-              <a:rPr lang="ru-RU" sz="300" dirty="0">
-                <a:solidFill>
-                  <a:schemeClr val="bg1"/>
-                </a:solidFill>
-              </a:rPr>
-              <a:t> получил эту информацию от члена NSV </a:t>
-            </a:r>
-            <a:r>
-              <a:rPr lang="ru-RU" sz="300" dirty="0" err="1">
-                <a:solidFill>
-                  <a:schemeClr val="bg1"/>
-                </a:solidFill>
-              </a:rPr>
-              <a:t>Deutekom</a:t>
-            </a:r>
-            <a:r>
-              <a:rPr lang="ru-RU" sz="300" dirty="0">
-                <a:solidFill>
-                  <a:schemeClr val="bg1"/>
-                </a:solidFill>
-              </a:rPr>
-              <a:t>. Теперь NSV решила исключить этих двух членов, после чего они присоединились к NAS. Проблемы вокруг правления FIS были решены на общем собрании FIS, созванном NSV 10 апреля 1936 года. </a:t>
-            </a:r>
-            <a:r>
-              <a:rPr lang="ru-RU" sz="300" dirty="0" err="1">
-                <a:solidFill>
-                  <a:schemeClr val="bg1"/>
-                </a:solidFill>
-              </a:rPr>
-              <a:t>Эйкебум</a:t>
-            </a:r>
-            <a:r>
-              <a:rPr lang="ru-RU" sz="300" dirty="0">
-                <a:solidFill>
-                  <a:schemeClr val="bg1"/>
-                </a:solidFill>
-              </a:rPr>
-              <a:t> был исключен из правления FIS, и было принято решение вернуть правление FIS на прежнее место жительства, в </a:t>
-            </a:r>
-            <a:r>
-              <a:rPr lang="ru-RU" sz="300" dirty="0" err="1">
-                <a:solidFill>
-                  <a:schemeClr val="bg1"/>
-                </a:solidFill>
-              </a:rPr>
-              <a:t>Гронинген</a:t>
-            </a:r>
-            <a:r>
-              <a:rPr lang="ru-RU" sz="300" dirty="0">
-                <a:solidFill>
-                  <a:schemeClr val="bg1"/>
-                </a:solidFill>
-              </a:rPr>
-              <a:t>. принять.</a:t>
-            </a:r>
-          </a:p>
-        </p:txBody>
-      </p:sp>
-      <p:sp>
-        <p:nvSpPr>
-          <p:cNvPr id="140" name="Прямоугольник 139">
-            <a:extLst>
-              <a:ext uri="{FF2B5EF4-FFF2-40B4-BE49-F238E27FC236}">
-                <a16:creationId xmlns:a16="http://schemas.microsoft.com/office/drawing/2014/main" id="{3483C48C-1710-41B3-BD19-E0886F436CC4}"/>
-              </a:ext>
-            </a:extLst>
-          </p:cNvPr>
-          <p:cNvSpPr/>
-          <p:nvPr/>
-        </p:nvSpPr>
-        <p:spPr>
-          <a:xfrm>
-            <a:off x="46176565" y="3981715"/>
-            <a:ext cx="2115918" cy="1080000"/>
-          </a:xfrm>
-          <a:prstGeom prst="rect">
-            <a:avLst/>
-          </a:prstGeom>
-          <a:solidFill>
-            <a:schemeClr val="tx1">
-              <a:lumMod val="85000"/>
-              <a:lumOff val="15000"/>
-            </a:schemeClr>
-          </a:solidFill>
-          <a:ln w="28575"/>
-        </p:spPr>
-        <p:style>
-          <a:lnRef idx="2">
-            <a:schemeClr val="accent1"/>
-          </a:lnRef>
-          <a:fillRef idx="1">
-            <a:schemeClr val="lt1"/>
-          </a:fillRef>
-          <a:effectRef idx="0">
-            <a:schemeClr val="accent1"/>
-          </a:effectRef>
-          <a:fontRef idx="minor">
-            <a:schemeClr val="dk1"/>
-          </a:fontRef>
-        </p:style>
-        <p:txBody>
-          <a:bodyPr lIns="124733" tIns="62367" rIns="124733" bIns="62367" rtlCol="0" anchor="ctr"/>
-          <a:lstStyle/>
-          <a:p>
-            <a:pPr algn="ctr"/>
-            <a:r>
-              <a:rPr lang="ru-RU" sz="300" dirty="0">
-                <a:solidFill>
-                  <a:schemeClr val="bg1"/>
-                </a:solidFill>
-              </a:rPr>
-              <a:t>Едва эти проблемы вокруг FIS были решены, как в молодежном движении вспыхнул конфликт. Предметом разногласий был вопрос о том, должны ли советы Школ юного пролетариата (OJP) назначаться родителями или советами SAS. Конгресс в ноябре 1936 г. должен был принять решение по этому поводу. Перед этой конференцией центральный и северный отделы OJP в Амстердаме заявили, что решение конференции не будет соблюдаться. Также выяснилось, что эти ведомства до сих пор поддерживают отношения с </a:t>
-            </a:r>
-            <a:r>
-              <a:rPr lang="ru-RU" sz="300" dirty="0" err="1">
-                <a:solidFill>
-                  <a:schemeClr val="bg1"/>
-                </a:solidFill>
-              </a:rPr>
-              <a:t>De</a:t>
-            </a:r>
-            <a:r>
-              <a:rPr lang="ru-RU" sz="300" dirty="0">
-                <a:solidFill>
-                  <a:schemeClr val="bg1"/>
-                </a:solidFill>
-              </a:rPr>
-              <a:t> </a:t>
-            </a:r>
-            <a:r>
-              <a:rPr lang="ru-RU" sz="300" dirty="0" err="1">
-                <a:solidFill>
-                  <a:schemeClr val="bg1"/>
-                </a:solidFill>
-              </a:rPr>
-              <a:t>Bruin</a:t>
-            </a:r>
-            <a:r>
-              <a:rPr lang="ru-RU" sz="300" dirty="0">
-                <a:solidFill>
-                  <a:schemeClr val="bg1"/>
-                </a:solidFill>
-              </a:rPr>
-              <a:t> и </a:t>
-            </a:r>
-            <a:r>
-              <a:rPr lang="ru-RU" sz="300" dirty="0" err="1">
-                <a:solidFill>
-                  <a:schemeClr val="bg1"/>
-                </a:solidFill>
-              </a:rPr>
-              <a:t>Deutekom</a:t>
-            </a:r>
-            <a:r>
-              <a:rPr lang="ru-RU" sz="300" dirty="0">
-                <a:solidFill>
-                  <a:schemeClr val="bg1"/>
-                </a:solidFill>
-              </a:rPr>
-              <a:t>, которые они отказались прекращать. Ноябрьский съезд постановил принципиально исключить этих противников, если они будут упорствовать на своей позиции. Последнее оказалось действительно так, так что соответствующие ведомства решили фактически исключить: десять членов металлического Амстердама, три из металлургического Роттердама и еще несколько из амстердамской строительной отрасли. 10)¬¬¬</a:t>
-            </a:r>
           </a:p>
         </p:txBody>
       </p:sp>
@@ -10679,7 +9728,7 @@
         </p:nvSpPr>
         <p:spPr>
           <a:xfrm>
-            <a:off x="35783499" y="12367021"/>
+            <a:off x="38304291" y="12368166"/>
             <a:ext cx="2115918" cy="1080000"/>
           </a:xfrm>
           <a:prstGeom prst="rect">
@@ -10790,7 +9839,7 @@
         </p:nvSpPr>
         <p:spPr>
           <a:xfrm>
-            <a:off x="49090482" y="3981715"/>
+            <a:off x="7513110" y="5226763"/>
             <a:ext cx="2115918" cy="1080000"/>
           </a:xfrm>
           <a:prstGeom prst="rect">
@@ -10848,7 +9897,7 @@
         </p:nvSpPr>
         <p:spPr>
           <a:xfrm>
-            <a:off x="35783499" y="19659276"/>
+            <a:off x="37002699" y="19659276"/>
             <a:ext cx="2115918" cy="1080000"/>
           </a:xfrm>
           <a:prstGeom prst="rect">
@@ -11007,7 +10056,7 @@
         </p:nvSpPr>
         <p:spPr>
           <a:xfrm>
-            <a:off x="4279028" y="-34420"/>
+            <a:off x="26896624" y="223104"/>
             <a:ext cx="2115918" cy="1080000"/>
           </a:xfrm>
           <a:prstGeom prst="rect">
@@ -11064,7 +10113,7 @@
         </p:nvSpPr>
         <p:spPr>
           <a:xfrm>
-            <a:off x="49090482" y="5319576"/>
+            <a:off x="29222646" y="4452093"/>
             <a:ext cx="2115918" cy="1080000"/>
           </a:xfrm>
           <a:prstGeom prst="rect">
@@ -11170,7 +10219,7 @@
         </p:nvSpPr>
         <p:spPr>
           <a:xfrm>
-            <a:off x="46176565" y="5319283"/>
+            <a:off x="29222646" y="1626572"/>
             <a:ext cx="2115918" cy="1080000"/>
           </a:xfrm>
           <a:prstGeom prst="rect">
@@ -11244,7 +10293,7 @@
         </p:nvSpPr>
         <p:spPr>
           <a:xfrm>
-            <a:off x="46176565" y="6656851"/>
+            <a:off x="29206806" y="264863"/>
             <a:ext cx="2115918" cy="1080000"/>
           </a:xfrm>
           <a:prstGeom prst="rect">
@@ -11318,7 +10367,7 @@
         </p:nvSpPr>
         <p:spPr>
           <a:xfrm>
-            <a:off x="49090482" y="6656851"/>
+            <a:off x="29222646" y="2987384"/>
             <a:ext cx="2115918" cy="1080000"/>
           </a:xfrm>
           <a:prstGeom prst="rect">
@@ -11440,7 +10489,7 @@
         </p:nvSpPr>
         <p:spPr>
           <a:xfrm>
-            <a:off x="32183735" y="16727023"/>
+            <a:off x="33402935" y="16727023"/>
             <a:ext cx="2115918" cy="1080000"/>
           </a:xfrm>
           <a:prstGeom prst="rect">
@@ -11795,7 +10844,7 @@
         </p:nvSpPr>
         <p:spPr>
           <a:xfrm>
-            <a:off x="46176565" y="7994419"/>
+            <a:off x="46154708" y="3129768"/>
             <a:ext cx="2115918" cy="1080000"/>
           </a:xfrm>
           <a:prstGeom prst="rect">
@@ -11885,7 +10934,7 @@
         </p:nvSpPr>
         <p:spPr>
           <a:xfrm>
-            <a:off x="37085801" y="18143909"/>
+            <a:off x="38305001" y="18143909"/>
             <a:ext cx="2115918" cy="1080000"/>
           </a:xfrm>
           <a:prstGeom prst="rect">
@@ -12180,7 +11229,7 @@
         </p:nvSpPr>
         <p:spPr>
           <a:xfrm>
-            <a:off x="39502256" y="21187345"/>
+            <a:off x="40721456" y="21187345"/>
             <a:ext cx="2115918" cy="1080000"/>
           </a:xfrm>
           <a:prstGeom prst="rect">
@@ -12315,7 +11364,7 @@
         </p:nvSpPr>
         <p:spPr>
           <a:xfrm>
-            <a:off x="38380738" y="19654043"/>
+            <a:off x="39599938" y="19654043"/>
             <a:ext cx="2115918" cy="1080000"/>
           </a:xfrm>
           <a:prstGeom prst="rect">
@@ -12450,7 +11499,7 @@
         </p:nvSpPr>
         <p:spPr>
           <a:xfrm>
-            <a:off x="39502256" y="12359582"/>
+            <a:off x="40721456" y="12359582"/>
             <a:ext cx="2115918" cy="1080000"/>
           </a:xfrm>
           <a:prstGeom prst="rect">
@@ -12522,56 +11571,13 @@
         </p:nvCxnSpPr>
         <p:spPr>
           <a:xfrm rot="5400000">
-            <a:off x="33039894" y="12402488"/>
+            <a:off x="34259094" y="12402488"/>
             <a:ext cx="348151" cy="2439507"/>
           </a:xfrm>
           <a:prstGeom prst="bentConnector3">
             <a:avLst>
               <a:gd name="adj1" fmla="val 50000"/>
             </a:avLst>
-          </a:prstGeom>
-          <a:ln w="28575">
-            <a:tailEnd type="arrow"/>
-          </a:ln>
-        </p:spPr>
-        <p:style>
-          <a:lnRef idx="1">
-            <a:schemeClr val="accent1"/>
-          </a:lnRef>
-          <a:fillRef idx="0">
-            <a:schemeClr val="accent1"/>
-          </a:fillRef>
-          <a:effectRef idx="0">
-            <a:schemeClr val="accent1"/>
-          </a:effectRef>
-          <a:fontRef idx="minor">
-            <a:schemeClr val="tx1"/>
-          </a:fontRef>
-        </p:style>
-      </p:cxnSp>
-      <p:cxnSp>
-        <p:nvCxnSpPr>
-          <p:cNvPr id="192" name="Прямая со стрелкой 191">
-            <a:extLst>
-              <a:ext uri="{FF2B5EF4-FFF2-40B4-BE49-F238E27FC236}">
-                <a16:creationId xmlns:a16="http://schemas.microsoft.com/office/drawing/2014/main" id="{C5B54234-D2BA-47FE-80DC-BB53D83FCEF6}"/>
-              </a:ext>
-            </a:extLst>
-          </p:cNvPr>
-          <p:cNvCxnSpPr>
-            <a:cxnSpLocks/>
-            <a:stCxn id="47" idx="2"/>
-            <a:endCxn id="115" idx="0"/>
-          </p:cNvCxnSpPr>
-          <p:nvPr/>
-        </p:nvCxnSpPr>
-        <p:spPr>
-          <a:xfrm>
-            <a:off x="31994215" y="13448166"/>
-            <a:ext cx="0" cy="348151"/>
-          </a:xfrm>
-          <a:prstGeom prst="straightConnector1">
-            <a:avLst/>
           </a:prstGeom>
           <a:ln w="28575">
             <a:tailEnd type="arrow"/>
@@ -12610,7 +11616,7 @@
         </p:nvCxnSpPr>
         <p:spPr>
           <a:xfrm rot="5400000">
-            <a:off x="33048055" y="13824719"/>
+            <a:off x="34267255" y="13824719"/>
             <a:ext cx="331829" cy="2439507"/>
           </a:xfrm>
           <a:prstGeom prst="bentConnector3">
@@ -12655,7 +11661,7 @@
         </p:nvCxnSpPr>
         <p:spPr>
           <a:xfrm>
-            <a:off x="34433722" y="13448166"/>
+            <a:off x="35652922" y="13448166"/>
             <a:ext cx="0" cy="350392"/>
           </a:xfrm>
           <a:prstGeom prst="straightConnector1">
@@ -12698,56 +11704,13 @@
         </p:nvCxnSpPr>
         <p:spPr>
           <a:xfrm rot="16200000" flipH="1">
-            <a:off x="35480666" y="12401221"/>
+            <a:off x="36699866" y="12401221"/>
             <a:ext cx="342326" cy="2436215"/>
           </a:xfrm>
           <a:prstGeom prst="bentConnector3">
             <a:avLst>
               <a:gd name="adj1" fmla="val 50000"/>
             </a:avLst>
-          </a:prstGeom>
-          <a:ln w="28575">
-            <a:tailEnd type="arrow"/>
-          </a:ln>
-        </p:spPr>
-        <p:style>
-          <a:lnRef idx="1">
-            <a:schemeClr val="accent1"/>
-          </a:lnRef>
-          <a:fillRef idx="0">
-            <a:schemeClr val="accent1"/>
-          </a:fillRef>
-          <a:effectRef idx="0">
-            <a:schemeClr val="accent1"/>
-          </a:effectRef>
-          <a:fontRef idx="minor">
-            <a:schemeClr val="tx1"/>
-          </a:fontRef>
-        </p:style>
-      </p:cxnSp>
-      <p:cxnSp>
-        <p:nvCxnSpPr>
-          <p:cNvPr id="196" name="Прямая со стрелкой 195">
-            <a:extLst>
-              <a:ext uri="{FF2B5EF4-FFF2-40B4-BE49-F238E27FC236}">
-                <a16:creationId xmlns:a16="http://schemas.microsoft.com/office/drawing/2014/main" id="{5EFCC639-ED22-470D-8416-0BA6820714C0}"/>
-              </a:ext>
-            </a:extLst>
-          </p:cNvPr>
-          <p:cNvCxnSpPr>
-            <a:cxnSpLocks/>
-            <a:stCxn id="132" idx="2"/>
-            <a:endCxn id="101" idx="0"/>
-          </p:cNvCxnSpPr>
-          <p:nvPr/>
-        </p:nvCxnSpPr>
-        <p:spPr>
-          <a:xfrm>
-            <a:off x="36869937" y="14870492"/>
-            <a:ext cx="0" cy="349188"/>
-          </a:xfrm>
-          <a:prstGeom prst="straightConnector1">
-            <a:avLst/>
           </a:prstGeom>
           <a:ln w="28575">
             <a:tailEnd type="arrow"/>
@@ -12786,7 +11749,7 @@
         </p:nvCxnSpPr>
         <p:spPr>
           <a:xfrm>
-            <a:off x="34433722" y="14878558"/>
+            <a:off x="35652922" y="14878558"/>
             <a:ext cx="0" cy="328874"/>
           </a:xfrm>
           <a:prstGeom prst="straightConnector1">
@@ -12829,7 +11792,7 @@
         </p:nvCxnSpPr>
         <p:spPr>
           <a:xfrm>
-            <a:off x="34433721" y="11940333"/>
+            <a:off x="35652921" y="11940333"/>
             <a:ext cx="1" cy="427833"/>
           </a:xfrm>
           <a:prstGeom prst="straightConnector1">
@@ -12872,8 +11835,8 @@
         </p:nvCxnSpPr>
         <p:spPr>
           <a:xfrm rot="5400000">
-            <a:off x="33000052" y="10934496"/>
-            <a:ext cx="427833" cy="2439506"/>
+            <a:off x="33648750" y="10364120"/>
+            <a:ext cx="427958" cy="3580385"/>
           </a:xfrm>
           <a:prstGeom prst="bentConnector3">
             <a:avLst>
@@ -12917,8 +11880,8 @@
         </p:nvCxnSpPr>
         <p:spPr>
           <a:xfrm rot="16200000" flipH="1">
-            <a:off x="35424245" y="10949808"/>
-            <a:ext cx="426688" cy="2407737"/>
+            <a:off x="37293669" y="10299584"/>
+            <a:ext cx="427833" cy="3709329"/>
           </a:xfrm>
           <a:prstGeom prst="bentConnector3">
             <a:avLst>
@@ -12962,7 +11925,7 @@
         </p:nvCxnSpPr>
         <p:spPr>
           <a:xfrm rot="5400000">
-            <a:off x="31444363" y="13737665"/>
+            <a:off x="32663563" y="13737665"/>
             <a:ext cx="4786690" cy="1192027"/>
           </a:xfrm>
           <a:prstGeom prst="bentConnector3">
@@ -13007,7 +11970,7 @@
         </p:nvCxnSpPr>
         <p:spPr>
           <a:xfrm rot="16200000" flipH="1">
-            <a:off x="32642163" y="13731890"/>
+            <a:off x="33861363" y="13731890"/>
             <a:ext cx="4798826" cy="1215711"/>
           </a:xfrm>
           <a:prstGeom prst="bentConnector3">
@@ -13052,7 +12015,7 @@
         </p:nvCxnSpPr>
         <p:spPr>
           <a:xfrm rot="16200000" flipH="1">
-            <a:off x="37287344" y="9086710"/>
+            <a:off x="38506544" y="9086710"/>
             <a:ext cx="419249" cy="6126494"/>
           </a:xfrm>
           <a:prstGeom prst="bentConnector3">
@@ -13097,7 +12060,7 @@
         </p:nvCxnSpPr>
         <p:spPr>
           <a:xfrm rot="16200000" flipH="1">
-            <a:off x="38576161" y="18791507"/>
+            <a:off x="39795361" y="18791507"/>
             <a:ext cx="430134" cy="1294937"/>
           </a:xfrm>
           <a:prstGeom prst="bentConnector3">
@@ -14195,7 +13158,7 @@
         </p:nvSpPr>
         <p:spPr>
           <a:xfrm>
-            <a:off x="294820" y="1314964"/>
+            <a:off x="26896624" y="1506050"/>
             <a:ext cx="2115918" cy="1080000"/>
           </a:xfrm>
           <a:prstGeom prst="rect">
@@ -14348,7 +13311,7 @@
         </p:nvSpPr>
         <p:spPr>
           <a:xfrm>
-            <a:off x="2702740" y="1344818"/>
+            <a:off x="294820" y="1344818"/>
             <a:ext cx="2115918" cy="1080000"/>
           </a:xfrm>
           <a:prstGeom prst="rect">
@@ -14399,7 +13362,7 @@
         </p:nvSpPr>
         <p:spPr>
           <a:xfrm>
-            <a:off x="2702740" y="2569036"/>
+            <a:off x="5051692" y="1346581"/>
             <a:ext cx="2115918" cy="1080000"/>
           </a:xfrm>
           <a:prstGeom prst="rect">
@@ -14609,7 +13572,7 @@
         </p:nvSpPr>
         <p:spPr>
           <a:xfrm>
-            <a:off x="2702740" y="3854768"/>
+            <a:off x="5051692" y="2644147"/>
             <a:ext cx="2115918" cy="1080000"/>
           </a:xfrm>
           <a:prstGeom prst="rect">
@@ -14940,7 +13903,7 @@
         </p:nvSpPr>
         <p:spPr>
           <a:xfrm>
-            <a:off x="294820" y="5149350"/>
+            <a:off x="7540714" y="1376606"/>
             <a:ext cx="2115918" cy="1080000"/>
           </a:xfrm>
           <a:prstGeom prst="rect">
@@ -16315,7 +15278,7 @@
         </p:nvSpPr>
         <p:spPr>
           <a:xfrm>
-            <a:off x="2702740" y="5149350"/>
+            <a:off x="294820" y="5213098"/>
             <a:ext cx="2115918" cy="1080000"/>
           </a:xfrm>
           <a:prstGeom prst="rect">
@@ -16621,7 +15584,7 @@
         </p:nvSpPr>
         <p:spPr>
           <a:xfrm>
-            <a:off x="280785" y="6461545"/>
+            <a:off x="7513110" y="2644147"/>
             <a:ext cx="2115918" cy="1080000"/>
           </a:xfrm>
           <a:prstGeom prst="rect">
@@ -16689,7 +15652,7 @@
         </p:nvSpPr>
         <p:spPr>
           <a:xfrm>
-            <a:off x="2702740" y="6461545"/>
+            <a:off x="5050503" y="3886091"/>
             <a:ext cx="2115918" cy="1080000"/>
           </a:xfrm>
           <a:prstGeom prst="rect">
@@ -17121,7 +16084,7 @@
         </p:nvSpPr>
         <p:spPr>
           <a:xfrm>
-            <a:off x="241858" y="7852516"/>
+            <a:off x="26896297" y="5465508"/>
             <a:ext cx="2115918" cy="1080000"/>
           </a:xfrm>
           <a:prstGeom prst="rect">
@@ -17252,7 +16215,7 @@
         </p:nvSpPr>
         <p:spPr>
           <a:xfrm>
-            <a:off x="2705683" y="7857983"/>
+            <a:off x="26896624" y="4041565"/>
             <a:ext cx="2115918" cy="1080000"/>
           </a:xfrm>
           <a:prstGeom prst="rect">
@@ -17319,7 +16282,7 @@
         </p:nvSpPr>
         <p:spPr>
           <a:xfrm>
-            <a:off x="5110660" y="1350764"/>
+            <a:off x="294820" y="6523858"/>
             <a:ext cx="2115918" cy="1080000"/>
           </a:xfrm>
           <a:prstGeom prst="rect">
@@ -17679,7 +16642,7 @@
         </p:nvSpPr>
         <p:spPr>
           <a:xfrm>
-            <a:off x="12747955" y="1306579"/>
+            <a:off x="15034534" y="1268583"/>
             <a:ext cx="2115918" cy="1080000"/>
           </a:xfrm>
           <a:prstGeom prst="rect">
@@ -17738,7 +16701,7 @@
         </p:nvSpPr>
         <p:spPr>
           <a:xfrm>
-            <a:off x="15155875" y="1304485"/>
+            <a:off x="15055288" y="3861570"/>
             <a:ext cx="2115918" cy="1080000"/>
           </a:xfrm>
           <a:prstGeom prst="rect">
@@ -17976,7 +16939,7 @@
         </p:nvSpPr>
         <p:spPr>
           <a:xfrm>
-            <a:off x="15155875" y="2627764"/>
+            <a:off x="17442454" y="2589768"/>
             <a:ext cx="2115918" cy="1080000"/>
           </a:xfrm>
           <a:prstGeom prst="rect">
@@ -19271,7 +18234,7 @@
         </p:nvSpPr>
         <p:spPr>
           <a:xfrm>
-            <a:off x="16089647" y="7001545"/>
+            <a:off x="16089647" y="7691343"/>
             <a:ext cx="2115918" cy="1080000"/>
           </a:xfrm>
           <a:prstGeom prst="rect">
@@ -19303,7 +18266,7 @@
             <a:pPr algn="ctr"/>
             <a:r>
               <a:rPr lang="ru-RU" sz="5400" dirty="0"/>
-              <a:t>23</a:t>
+              <a:t>22</a:t>
             </a:r>
           </a:p>
         </p:txBody>
@@ -19322,7 +18285,7 @@
         </p:nvSpPr>
         <p:spPr>
           <a:xfrm>
-            <a:off x="15155875" y="3891827"/>
+            <a:off x="7513110" y="3916003"/>
             <a:ext cx="2115918" cy="1080000"/>
           </a:xfrm>
           <a:prstGeom prst="rect">
@@ -19816,7 +18779,7 @@
         </p:nvSpPr>
         <p:spPr>
           <a:xfrm>
-            <a:off x="12747955" y="5153494"/>
+            <a:off x="15034534" y="2571683"/>
             <a:ext cx="2115918" cy="1080000"/>
           </a:xfrm>
           <a:prstGeom prst="rect">
@@ -19905,52 +18868,6 @@
           </a:p>
         </p:txBody>
       </p:sp>
-      <p:cxnSp>
-        <p:nvCxnSpPr>
-          <p:cNvPr id="425" name="Соединительная линия уступом 175">
-            <a:extLst>
-              <a:ext uri="{FF2B5EF4-FFF2-40B4-BE49-F238E27FC236}">
-                <a16:creationId xmlns:a16="http://schemas.microsoft.com/office/drawing/2014/main" id="{B31E4710-989C-4E1E-8F65-B59AD98EF4F2}"/>
-              </a:ext>
-            </a:extLst>
-          </p:cNvPr>
-          <p:cNvCxnSpPr>
-            <a:cxnSpLocks/>
-            <a:stCxn id="215" idx="2"/>
-            <a:endCxn id="187" idx="0"/>
-          </p:cNvCxnSpPr>
-          <p:nvPr/>
-        </p:nvCxnSpPr>
-        <p:spPr>
-          <a:xfrm rot="16200000" flipH="1">
-            <a:off x="15031487" y="5312207"/>
-            <a:ext cx="428543" cy="13684794"/>
-          </a:xfrm>
-          <a:prstGeom prst="bentConnector3">
-            <a:avLst>
-              <a:gd name="adj1" fmla="val 50000"/>
-            </a:avLst>
-          </a:prstGeom>
-          <a:ln w="28575">
-            <a:prstDash val="dash"/>
-            <a:tailEnd type="arrow"/>
-          </a:ln>
-        </p:spPr>
-        <p:style>
-          <a:lnRef idx="1">
-            <a:schemeClr val="accent1"/>
-          </a:lnRef>
-          <a:fillRef idx="0">
-            <a:schemeClr val="accent1"/>
-          </a:fillRef>
-          <a:effectRef idx="0">
-            <a:schemeClr val="accent1"/>
-          </a:effectRef>
-          <a:fontRef idx="minor">
-            <a:schemeClr val="tx1"/>
-          </a:fontRef>
-        </p:style>
-      </p:cxnSp>
       <p:sp>
         <p:nvSpPr>
           <p:cNvPr id="428" name="Прямоугольник 427">
@@ -19965,7 +18882,7 @@
         </p:nvSpPr>
         <p:spPr>
           <a:xfrm>
-            <a:off x="7632117" y="6914419"/>
+            <a:off x="7698057" y="7937071"/>
             <a:ext cx="2115918" cy="1080000"/>
           </a:xfrm>
           <a:prstGeom prst="rect">
@@ -20020,7 +18937,7 @@
         </p:nvCxnSpPr>
         <p:spPr>
           <a:xfrm rot="5400000">
-            <a:off x="37274926" y="18790441"/>
+            <a:off x="38494126" y="18790441"/>
             <a:ext cx="435367" cy="1302302"/>
           </a:xfrm>
           <a:prstGeom prst="bentConnector3">
@@ -20061,7 +18978,7 @@
         </p:nvSpPr>
         <p:spPr>
           <a:xfrm>
-            <a:off x="34591473" y="16739159"/>
+            <a:off x="35810673" y="16739159"/>
             <a:ext cx="2115918" cy="1080000"/>
           </a:xfrm>
           <a:prstGeom prst="rect">
@@ -20123,7 +19040,7 @@
         </p:nvCxnSpPr>
         <p:spPr>
           <a:xfrm rot="16200000" flipH="1">
-            <a:off x="36734221" y="16734370"/>
+            <a:off x="37953421" y="16734370"/>
             <a:ext cx="324750" cy="2494328"/>
           </a:xfrm>
           <a:prstGeom prst="bentConnector3">
@@ -20164,7 +19081,7 @@
         </p:nvSpPr>
         <p:spPr>
           <a:xfrm>
-            <a:off x="34591473" y="18160279"/>
+            <a:off x="35810673" y="18160279"/>
             <a:ext cx="2115918" cy="1080000"/>
           </a:xfrm>
           <a:prstGeom prst="rect">
@@ -20226,7 +19143,7 @@
         </p:nvCxnSpPr>
         <p:spPr>
           <a:xfrm rot="5400000">
-            <a:off x="35478872" y="17989719"/>
+            <a:off x="36698072" y="17989719"/>
             <a:ext cx="341120" cy="12700"/>
           </a:xfrm>
           <a:prstGeom prst="bentConnector3">
@@ -20267,7 +19184,7 @@
         </p:nvSpPr>
         <p:spPr>
           <a:xfrm>
-            <a:off x="32236534" y="18158781"/>
+            <a:off x="33455734" y="18158781"/>
             <a:ext cx="2115918" cy="1080000"/>
           </a:xfrm>
           <a:prstGeom prst="rect">
@@ -20325,7 +19242,7 @@
         </p:nvSpPr>
         <p:spPr>
           <a:xfrm>
-            <a:off x="30986417" y="19659276"/>
+            <a:off x="32205617" y="19659276"/>
             <a:ext cx="2115918" cy="1080000"/>
           </a:xfrm>
           <a:prstGeom prst="rect">
@@ -20428,7 +19345,7 @@
         </p:nvSpPr>
         <p:spPr>
           <a:xfrm>
-            <a:off x="33430604" y="19659276"/>
+            <a:off x="34649804" y="19659276"/>
             <a:ext cx="2115918" cy="1080000"/>
           </a:xfrm>
           <a:prstGeom prst="rect">
@@ -20490,7 +19407,7 @@
         </p:nvCxnSpPr>
         <p:spPr>
           <a:xfrm rot="5400000">
-            <a:off x="34302152" y="16811501"/>
+            <a:off x="35521352" y="16811501"/>
             <a:ext cx="339622" cy="2354939"/>
           </a:xfrm>
           <a:prstGeom prst="bentConnector3">
@@ -20535,7 +19452,7 @@
         </p:nvCxnSpPr>
         <p:spPr>
           <a:xfrm>
-            <a:off x="40560215" y="13439582"/>
+            <a:off x="41779415" y="13439582"/>
             <a:ext cx="0" cy="7747763"/>
           </a:xfrm>
           <a:prstGeom prst="straightConnector1">
@@ -20578,7 +19495,7 @@
         </p:nvCxnSpPr>
         <p:spPr>
           <a:xfrm rot="16200000" flipH="1">
-            <a:off x="39772805" y="20399935"/>
+            <a:off x="40992005" y="20399935"/>
             <a:ext cx="453302" cy="1121518"/>
           </a:xfrm>
           <a:prstGeom prst="bentConnector3">
@@ -20623,7 +19540,7 @@
         </p:nvCxnSpPr>
         <p:spPr>
           <a:xfrm rot="5400000">
-            <a:off x="32459188" y="18823970"/>
+            <a:off x="33678388" y="18823970"/>
             <a:ext cx="420495" cy="1250117"/>
           </a:xfrm>
           <a:prstGeom prst="bentConnector3">
@@ -20668,7 +19585,7 @@
         </p:nvCxnSpPr>
         <p:spPr>
           <a:xfrm rot="16200000" flipH="1">
-            <a:off x="33681281" y="18851993"/>
+            <a:off x="34900481" y="18851993"/>
             <a:ext cx="420495" cy="1194070"/>
           </a:xfrm>
           <a:prstGeom prst="bentConnector3">
@@ -20709,7 +19626,7 @@
         </p:nvSpPr>
         <p:spPr>
           <a:xfrm>
-            <a:off x="32236534" y="21188666"/>
+            <a:off x="33455734" y="21188666"/>
             <a:ext cx="2115918" cy="1080000"/>
           </a:xfrm>
           <a:prstGeom prst="rect">
@@ -20767,7 +19684,7 @@
         </p:nvSpPr>
         <p:spPr>
           <a:xfrm>
-            <a:off x="34602075" y="21174643"/>
+            <a:off x="35821275" y="21174643"/>
             <a:ext cx="2115918" cy="1080000"/>
           </a:xfrm>
           <a:prstGeom prst="rect">
@@ -20829,7 +19746,7 @@
         </p:nvCxnSpPr>
         <p:spPr>
           <a:xfrm>
-            <a:off x="33294493" y="19238781"/>
+            <a:off x="34513693" y="19238781"/>
             <a:ext cx="0" cy="1949885"/>
           </a:xfrm>
           <a:prstGeom prst="straightConnector1">
@@ -20872,7 +19789,7 @@
         </p:nvCxnSpPr>
         <p:spPr>
           <a:xfrm rot="16200000" flipH="1">
-            <a:off x="34856615" y="20371223"/>
+            <a:off x="36075815" y="20371223"/>
             <a:ext cx="435367" cy="1171471"/>
           </a:xfrm>
           <a:prstGeom prst="bentConnector3">
@@ -20913,7 +19830,7 @@
         </p:nvSpPr>
         <p:spPr>
           <a:xfrm>
-            <a:off x="23487282" y="6772516"/>
+            <a:off x="23531381" y="7759185"/>
             <a:ext cx="2115918" cy="1080000"/>
           </a:xfrm>
           <a:prstGeom prst="rect">
@@ -20945,7 +19862,7 @@
             <a:pPr algn="ctr"/>
             <a:r>
               <a:rPr lang="ru-RU" sz="6000" dirty="0"/>
-              <a:t>19</a:t>
+              <a:t>20</a:t>
             </a:r>
           </a:p>
         </p:txBody>
@@ -21003,7 +19920,7 @@
                   <a:schemeClr val="bg1"/>
                 </a:solidFill>
               </a:rPr>
-              <a:t>24</a:t>
+              <a:t>23</a:t>
             </a:r>
           </a:p>
         </p:txBody>
@@ -21052,7 +19969,7 @@
             <a:pPr algn="ctr"/>
             <a:r>
               <a:rPr lang="ru-RU" sz="4400" dirty="0"/>
-              <a:t>98</a:t>
+              <a:t>109</a:t>
             </a:r>
           </a:p>
         </p:txBody>
@@ -21138,7 +20055,7 @@
         </p:nvSpPr>
         <p:spPr>
           <a:xfrm>
-            <a:off x="18554908" y="24147430"/>
+            <a:off x="18563948" y="25887102"/>
             <a:ext cx="2115918" cy="1080000"/>
           </a:xfrm>
           <a:prstGeom prst="rect">
@@ -21187,7 +20104,7 @@
         </p:nvSpPr>
         <p:spPr>
           <a:xfrm>
-            <a:off x="23528291" y="24147430"/>
+            <a:off x="23528292" y="25884160"/>
             <a:ext cx="2115918" cy="1080000"/>
           </a:xfrm>
           <a:prstGeom prst="rect">
@@ -21248,8 +20165,8 @@
         </p:nvCxnSpPr>
         <p:spPr>
           <a:xfrm flipH="1">
-            <a:off x="20670826" y="24687430"/>
-            <a:ext cx="2857465" cy="0"/>
+            <a:off x="20679866" y="26424160"/>
+            <a:ext cx="2848426" cy="2942"/>
           </a:xfrm>
           <a:prstGeom prst="line">
             <a:avLst/>
@@ -21289,7 +20206,7 @@
         </p:nvSpPr>
         <p:spPr>
           <a:xfrm>
-            <a:off x="18554907" y="25572038"/>
+            <a:off x="18554907" y="27441837"/>
             <a:ext cx="2115918" cy="1080000"/>
           </a:xfrm>
           <a:prstGeom prst="rect">
@@ -21338,7 +20255,7 @@
         </p:nvSpPr>
         <p:spPr>
           <a:xfrm>
-            <a:off x="21046121" y="25572038"/>
+            <a:off x="21010023" y="27444778"/>
             <a:ext cx="2115918" cy="1080000"/>
           </a:xfrm>
           <a:prstGeom prst="rect">
@@ -21403,7 +20320,7 @@
         </p:nvSpPr>
         <p:spPr>
           <a:xfrm>
-            <a:off x="23528291" y="25572038"/>
+            <a:off x="23491406" y="27444778"/>
             <a:ext cx="2115918" cy="1080000"/>
           </a:xfrm>
           <a:prstGeom prst="rect">
@@ -21463,9 +20380,9 @@
           <p:nvPr/>
         </p:nvCxnSpPr>
         <p:spPr>
-          <a:xfrm flipH="1">
-            <a:off x="20670825" y="26112038"/>
-            <a:ext cx="375296" cy="0"/>
+          <a:xfrm flipH="1" flipV="1">
+            <a:off x="20670825" y="27981837"/>
+            <a:ext cx="339198" cy="2941"/>
           </a:xfrm>
           <a:prstGeom prst="line">
             <a:avLst/>
@@ -21509,8 +20426,8 @@
         </p:nvCxnSpPr>
         <p:spPr>
           <a:xfrm flipH="1">
-            <a:off x="23162039" y="26112038"/>
-            <a:ext cx="366252" cy="0"/>
+            <a:off x="23125941" y="27984778"/>
+            <a:ext cx="365465" cy="0"/>
           </a:xfrm>
           <a:prstGeom prst="line">
             <a:avLst/>
@@ -21554,8 +20471,8 @@
         </p:nvCxnSpPr>
         <p:spPr>
           <a:xfrm rot="5400000">
-            <a:off x="19440563" y="25399734"/>
-            <a:ext cx="344608" cy="1"/>
+            <a:off x="19380020" y="27199949"/>
+            <a:ext cx="474735" cy="9041"/>
           </a:xfrm>
           <a:prstGeom prst="bentConnector3">
             <a:avLst>
@@ -21600,8 +20517,8 @@
         </p:nvCxnSpPr>
         <p:spPr>
           <a:xfrm rot="16200000" flipH="1">
-            <a:off x="20686169" y="24154127"/>
-            <a:ext cx="344608" cy="2491213"/>
+            <a:off x="20606106" y="25982902"/>
+            <a:ext cx="477676" cy="2446075"/>
           </a:xfrm>
           <a:prstGeom prst="bentConnector3">
             <a:avLst>
@@ -21646,8 +20563,8 @@
         </p:nvCxnSpPr>
         <p:spPr>
           <a:xfrm rot="16200000" flipH="1">
-            <a:off x="21927254" y="22913042"/>
-            <a:ext cx="344608" cy="4973383"/>
+            <a:off x="21846798" y="24742211"/>
+            <a:ext cx="477676" cy="4927458"/>
           </a:xfrm>
           <a:prstGeom prst="bentConnector3">
             <a:avLst>
@@ -21692,8 +20609,8 @@
         </p:nvCxnSpPr>
         <p:spPr>
           <a:xfrm rot="5400000">
-            <a:off x="24413946" y="25399734"/>
-            <a:ext cx="344608" cy="12700"/>
+            <a:off x="24327499" y="27186026"/>
+            <a:ext cx="480618" cy="36886"/>
           </a:xfrm>
           <a:prstGeom prst="bentConnector3">
             <a:avLst>
@@ -21738,8 +20655,8 @@
         </p:nvCxnSpPr>
         <p:spPr>
           <a:xfrm rot="5400000">
-            <a:off x="23172861" y="24158649"/>
-            <a:ext cx="344608" cy="2482170"/>
+            <a:off x="23086808" y="25945335"/>
+            <a:ext cx="480618" cy="2518269"/>
           </a:xfrm>
           <a:prstGeom prst="bentConnector3">
             <a:avLst>
@@ -21784,8 +20701,8 @@
         </p:nvCxnSpPr>
         <p:spPr>
           <a:xfrm rot="5400000">
-            <a:off x="21927254" y="22913042"/>
-            <a:ext cx="344608" cy="4973384"/>
+            <a:off x="21860721" y="24716306"/>
+            <a:ext cx="477677" cy="4973385"/>
           </a:xfrm>
           <a:prstGeom prst="bentConnector3">
             <a:avLst>
@@ -21826,7 +20743,7 @@
         </p:nvSpPr>
         <p:spPr>
           <a:xfrm>
-            <a:off x="26010461" y="25572038"/>
+            <a:off x="26059060" y="27422787"/>
             <a:ext cx="2115918" cy="1080000"/>
           </a:xfrm>
           <a:prstGeom prst="rect">
@@ -21879,8 +20796,8 @@
         </p:nvCxnSpPr>
         <p:spPr>
           <a:xfrm rot="16200000" flipH="1">
-            <a:off x="25655031" y="24158649"/>
-            <a:ext cx="344608" cy="2482170"/>
+            <a:off x="25622322" y="25928089"/>
+            <a:ext cx="458627" cy="2530768"/>
           </a:xfrm>
           <a:prstGeom prst="bentConnector3">
             <a:avLst>
@@ -21920,7 +20837,7 @@
         </p:nvSpPr>
         <p:spPr>
           <a:xfrm>
-            <a:off x="16075096" y="25578388"/>
+            <a:off x="16089647" y="27422787"/>
             <a:ext cx="2115918" cy="1080000"/>
           </a:xfrm>
           <a:prstGeom prst="rect">
@@ -21950,7 +20867,7 @@
             <a:pPr algn="ctr"/>
             <a:r>
               <a:rPr lang="ru-RU" sz="1400" dirty="0"/>
-              <a:t>Прекратить борьбу с религией (не марксисты)</a:t>
+              <a:t>Синтез религии и социализма (не марксисты)</a:t>
             </a:r>
           </a:p>
         </p:txBody>
@@ -21973,8 +20890,8 @@
         </p:nvCxnSpPr>
         <p:spPr>
           <a:xfrm rot="5400000">
-            <a:off x="18197482" y="24163003"/>
-            <a:ext cx="350958" cy="2479812"/>
+            <a:off x="18156915" y="25957794"/>
+            <a:ext cx="455685" cy="2474301"/>
           </a:xfrm>
           <a:prstGeom prst="bentConnector3">
             <a:avLst>
@@ -22014,7 +20931,7 @@
         </p:nvSpPr>
         <p:spPr>
           <a:xfrm>
-            <a:off x="6418542" y="-11225"/>
+            <a:off x="26896624" y="2764377"/>
             <a:ext cx="2115918" cy="1080000"/>
           </a:xfrm>
           <a:prstGeom prst="rect">
@@ -22275,8 +21192,8 @@
         </p:nvCxnSpPr>
         <p:spPr>
           <a:xfrm rot="16200000" flipH="1">
-            <a:off x="27335625" y="3762237"/>
-            <a:ext cx="609590" cy="13586602"/>
+            <a:off x="27945225" y="3152637"/>
+            <a:ext cx="609590" cy="14805802"/>
           </a:xfrm>
           <a:prstGeom prst="bentConnector3">
             <a:avLst>
@@ -22361,7 +21278,7 @@
         </p:nvSpPr>
         <p:spPr>
           <a:xfrm>
-            <a:off x="23422129" y="9056728"/>
+            <a:off x="30941022" y="16724401"/>
             <a:ext cx="2115918" cy="1080000"/>
           </a:xfrm>
           <a:prstGeom prst="rect">
@@ -22474,7 +21391,7 @@
         </p:nvSpPr>
         <p:spPr>
           <a:xfrm>
-            <a:off x="25960673" y="9051156"/>
+            <a:off x="21066674" y="13797787"/>
             <a:ext cx="2115918" cy="1080000"/>
           </a:xfrm>
           <a:prstGeom prst="rect">
@@ -22530,7 +21447,7 @@
         </p:nvSpPr>
         <p:spPr>
           <a:xfrm>
-            <a:off x="28492251" y="9045641"/>
+            <a:off x="23522065" y="13801262"/>
             <a:ext cx="2115918" cy="1080000"/>
           </a:xfrm>
           <a:prstGeom prst="rect">
@@ -22586,7 +21503,7 @@
         </p:nvSpPr>
         <p:spPr>
           <a:xfrm>
-            <a:off x="21051571" y="26996646"/>
+            <a:off x="21010023" y="28920372"/>
             <a:ext cx="2115918" cy="1080000"/>
           </a:xfrm>
           <a:prstGeom prst="rect">
@@ -22712,7 +21629,7 @@
         </p:nvSpPr>
         <p:spPr>
           <a:xfrm>
-            <a:off x="28492251" y="7250800"/>
+            <a:off x="21005519" y="12355061"/>
             <a:ext cx="2115918" cy="1080000"/>
           </a:xfrm>
           <a:prstGeom prst="rect">
@@ -22751,6 +21668,648 @@
               <a:t>Молодёжной организацией партии была формально независимая Всеобщая голландская молодёжная лига.</a:t>
             </a:r>
             <a:endParaRPr lang="ru-RU" sz="1400" dirty="0"/>
+          </a:p>
+        </p:txBody>
+      </p:sp>
+      <p:cxnSp>
+        <p:nvCxnSpPr>
+          <p:cNvPr id="360" name="Соединительная линия уступом 175">
+            <a:extLst>
+              <a:ext uri="{FF2B5EF4-FFF2-40B4-BE49-F238E27FC236}">
+                <a16:creationId xmlns:a16="http://schemas.microsoft.com/office/drawing/2014/main" id="{3FB5053C-8F65-43C7-B073-E42D95A5DDFD}"/>
+              </a:ext>
+            </a:extLst>
+          </p:cNvPr>
+          <p:cNvCxnSpPr>
+            <a:cxnSpLocks/>
+            <a:stCxn id="187" idx="2"/>
+            <a:endCxn id="312" idx="0"/>
+          </p:cNvCxnSpPr>
+          <p:nvPr/>
+        </p:nvCxnSpPr>
+        <p:spPr>
+          <a:xfrm rot="16200000" flipH="1">
+            <a:off x="23130507" y="24428416"/>
+            <a:ext cx="434766" cy="2476721"/>
+          </a:xfrm>
+          <a:prstGeom prst="bentConnector3">
+            <a:avLst>
+              <a:gd name="adj1" fmla="val 50000"/>
+            </a:avLst>
+          </a:prstGeom>
+          <a:ln w="28575">
+            <a:tailEnd type="arrow"/>
+          </a:ln>
+        </p:spPr>
+        <p:style>
+          <a:lnRef idx="1">
+            <a:schemeClr val="accent1"/>
+          </a:lnRef>
+          <a:fillRef idx="0">
+            <a:schemeClr val="accent1"/>
+          </a:fillRef>
+          <a:effectRef idx="0">
+            <a:schemeClr val="accent1"/>
+          </a:effectRef>
+          <a:fontRef idx="minor">
+            <a:schemeClr val="tx1"/>
+          </a:fontRef>
+        </p:style>
+      </p:cxnSp>
+      <p:cxnSp>
+        <p:nvCxnSpPr>
+          <p:cNvPr id="368" name="Соединительная линия уступом 175">
+            <a:extLst>
+              <a:ext uri="{FF2B5EF4-FFF2-40B4-BE49-F238E27FC236}">
+                <a16:creationId xmlns:a16="http://schemas.microsoft.com/office/drawing/2014/main" id="{83360A38-6747-4427-918E-A630073343C2}"/>
+              </a:ext>
+            </a:extLst>
+          </p:cNvPr>
+          <p:cNvCxnSpPr>
+            <a:cxnSpLocks/>
+            <a:stCxn id="187" idx="2"/>
+            <a:endCxn id="311" idx="0"/>
+          </p:cNvCxnSpPr>
+          <p:nvPr/>
+        </p:nvCxnSpPr>
+        <p:spPr>
+          <a:xfrm rot="5400000">
+            <a:off x="20646865" y="24424437"/>
+            <a:ext cx="437708" cy="2487623"/>
+          </a:xfrm>
+          <a:prstGeom prst="bentConnector3">
+            <a:avLst>
+              <a:gd name="adj1" fmla="val 50000"/>
+            </a:avLst>
+          </a:prstGeom>
+          <a:ln w="28575">
+            <a:tailEnd type="arrow"/>
+          </a:ln>
+        </p:spPr>
+        <p:style>
+          <a:lnRef idx="1">
+            <a:schemeClr val="accent1"/>
+          </a:lnRef>
+          <a:fillRef idx="0">
+            <a:schemeClr val="accent1"/>
+          </a:fillRef>
+          <a:effectRef idx="0">
+            <a:schemeClr val="accent1"/>
+          </a:effectRef>
+          <a:fontRef idx="minor">
+            <a:schemeClr val="tx1"/>
+          </a:fontRef>
+        </p:style>
+      </p:cxnSp>
+      <p:cxnSp>
+        <p:nvCxnSpPr>
+          <p:cNvPr id="370" name="Соединительная линия уступом 175">
+            <a:extLst>
+              <a:ext uri="{FF2B5EF4-FFF2-40B4-BE49-F238E27FC236}">
+                <a16:creationId xmlns:a16="http://schemas.microsoft.com/office/drawing/2014/main" id="{B7FC5062-9EBC-4E35-B854-9094F6418C3E}"/>
+              </a:ext>
+            </a:extLst>
+          </p:cNvPr>
+          <p:cNvCxnSpPr>
+            <a:cxnSpLocks/>
+            <a:stCxn id="70" idx="2"/>
+            <a:endCxn id="137" idx="0"/>
+          </p:cNvCxnSpPr>
+          <p:nvPr/>
+        </p:nvCxnSpPr>
+        <p:spPr>
+          <a:xfrm rot="5400000">
+            <a:off x="21900724" y="9644664"/>
+            <a:ext cx="389859" cy="4981197"/>
+          </a:xfrm>
+          <a:prstGeom prst="bentConnector3">
+            <a:avLst>
+              <a:gd name="adj1" fmla="val 50000"/>
+            </a:avLst>
+          </a:prstGeom>
+          <a:ln w="28575">
+            <a:prstDash val="dash"/>
+            <a:tailEnd type="arrow"/>
+          </a:ln>
+        </p:spPr>
+        <p:style>
+          <a:lnRef idx="1">
+            <a:schemeClr val="accent1"/>
+          </a:lnRef>
+          <a:fillRef idx="0">
+            <a:schemeClr val="accent1"/>
+          </a:fillRef>
+          <a:effectRef idx="0">
+            <a:schemeClr val="accent1"/>
+          </a:effectRef>
+          <a:fontRef idx="minor">
+            <a:schemeClr val="tx1"/>
+          </a:fontRef>
+        </p:style>
+      </p:cxnSp>
+      <p:cxnSp>
+        <p:nvCxnSpPr>
+          <p:cNvPr id="371" name="Прямая со стрелкой 370">
+            <a:extLst>
+              <a:ext uri="{FF2B5EF4-FFF2-40B4-BE49-F238E27FC236}">
+                <a16:creationId xmlns:a16="http://schemas.microsoft.com/office/drawing/2014/main" id="{28BB7A61-670F-4C28-ADC0-E2AD3B233CE5}"/>
+              </a:ext>
+            </a:extLst>
+          </p:cNvPr>
+          <p:cNvCxnSpPr>
+            <a:cxnSpLocks/>
+            <a:stCxn id="137" idx="2"/>
+            <a:endCxn id="190" idx="0"/>
+          </p:cNvCxnSpPr>
+          <p:nvPr/>
+        </p:nvCxnSpPr>
+        <p:spPr>
+          <a:xfrm>
+            <a:off x="19605054" y="13410192"/>
+            <a:ext cx="11363" cy="386125"/>
+          </a:xfrm>
+          <a:prstGeom prst="straightConnector1">
+            <a:avLst/>
+          </a:prstGeom>
+          <a:ln w="28575">
+            <a:tailEnd type="arrow"/>
+          </a:ln>
+        </p:spPr>
+        <p:style>
+          <a:lnRef idx="1">
+            <a:schemeClr val="accent1"/>
+          </a:lnRef>
+          <a:fillRef idx="0">
+            <a:schemeClr val="accent1"/>
+          </a:fillRef>
+          <a:effectRef idx="0">
+            <a:schemeClr val="accent1"/>
+          </a:effectRef>
+          <a:fontRef idx="minor">
+            <a:schemeClr val="tx1"/>
+          </a:fontRef>
+        </p:style>
+      </p:cxnSp>
+      <p:cxnSp>
+        <p:nvCxnSpPr>
+          <p:cNvPr id="372" name="Соединительная линия уступом 175">
+            <a:extLst>
+              <a:ext uri="{FF2B5EF4-FFF2-40B4-BE49-F238E27FC236}">
+                <a16:creationId xmlns:a16="http://schemas.microsoft.com/office/drawing/2014/main" id="{6829D1F1-70EC-4D2B-A306-DC1254777D34}"/>
+              </a:ext>
+            </a:extLst>
+          </p:cNvPr>
+          <p:cNvCxnSpPr>
+            <a:cxnSpLocks/>
+            <a:stCxn id="70" idx="2"/>
+            <a:endCxn id="366" idx="0"/>
+          </p:cNvCxnSpPr>
+          <p:nvPr/>
+        </p:nvCxnSpPr>
+        <p:spPr>
+          <a:xfrm rot="5400000">
+            <a:off x="23117501" y="10886311"/>
+            <a:ext cx="414728" cy="2522773"/>
+          </a:xfrm>
+          <a:prstGeom prst="bentConnector3">
+            <a:avLst>
+              <a:gd name="adj1" fmla="val 50000"/>
+            </a:avLst>
+          </a:prstGeom>
+          <a:ln w="28575">
+            <a:tailEnd type="arrow"/>
+          </a:ln>
+        </p:spPr>
+        <p:style>
+          <a:lnRef idx="1">
+            <a:schemeClr val="accent1"/>
+          </a:lnRef>
+          <a:fillRef idx="0">
+            <a:schemeClr val="accent1"/>
+          </a:fillRef>
+          <a:effectRef idx="0">
+            <a:schemeClr val="accent1"/>
+          </a:effectRef>
+          <a:fontRef idx="minor">
+            <a:schemeClr val="tx1"/>
+          </a:fontRef>
+        </p:style>
+      </p:cxnSp>
+      <p:cxnSp>
+        <p:nvCxnSpPr>
+          <p:cNvPr id="373" name="Соединительная линия уступом 175">
+            <a:extLst>
+              <a:ext uri="{FF2B5EF4-FFF2-40B4-BE49-F238E27FC236}">
+                <a16:creationId xmlns:a16="http://schemas.microsoft.com/office/drawing/2014/main" id="{889943BA-17AF-485D-857E-AA0DC3DBD930}"/>
+              </a:ext>
+            </a:extLst>
+          </p:cNvPr>
+          <p:cNvCxnSpPr>
+            <a:cxnSpLocks/>
+            <a:stCxn id="137" idx="2"/>
+            <a:endCxn id="363" idx="0"/>
+          </p:cNvCxnSpPr>
+          <p:nvPr/>
+        </p:nvCxnSpPr>
+        <p:spPr>
+          <a:xfrm rot="16200000" flipH="1">
+            <a:off x="21897004" y="11118242"/>
+            <a:ext cx="391070" cy="4974970"/>
+          </a:xfrm>
+          <a:prstGeom prst="bentConnector3">
+            <a:avLst>
+              <a:gd name="adj1" fmla="val 50000"/>
+            </a:avLst>
+          </a:prstGeom>
+          <a:ln w="28575">
+            <a:tailEnd type="arrow"/>
+          </a:ln>
+        </p:spPr>
+        <p:style>
+          <a:lnRef idx="1">
+            <a:schemeClr val="accent1"/>
+          </a:lnRef>
+          <a:fillRef idx="0">
+            <a:schemeClr val="accent1"/>
+          </a:fillRef>
+          <a:effectRef idx="0">
+            <a:schemeClr val="accent1"/>
+          </a:effectRef>
+          <a:fontRef idx="minor">
+            <a:schemeClr val="tx1"/>
+          </a:fontRef>
+        </p:style>
+      </p:cxnSp>
+      <p:cxnSp>
+        <p:nvCxnSpPr>
+          <p:cNvPr id="374" name="Соединительная линия уступом 175">
+            <a:extLst>
+              <a:ext uri="{FF2B5EF4-FFF2-40B4-BE49-F238E27FC236}">
+                <a16:creationId xmlns:a16="http://schemas.microsoft.com/office/drawing/2014/main" id="{8F7485F3-2B69-4FAA-B3BF-6F814097751E}"/>
+              </a:ext>
+            </a:extLst>
+          </p:cNvPr>
+          <p:cNvCxnSpPr>
+            <a:cxnSpLocks/>
+            <a:stCxn id="186" idx="2"/>
+            <a:endCxn id="362" idx="0"/>
+          </p:cNvCxnSpPr>
+          <p:nvPr/>
+        </p:nvCxnSpPr>
+        <p:spPr>
+          <a:xfrm rot="5400000">
+            <a:off x="23178764" y="12387211"/>
+            <a:ext cx="356446" cy="2464707"/>
+          </a:xfrm>
+          <a:prstGeom prst="bentConnector3">
+            <a:avLst>
+              <a:gd name="adj1" fmla="val 50000"/>
+            </a:avLst>
+          </a:prstGeom>
+          <a:ln w="28575">
+            <a:tailEnd type="arrow"/>
+          </a:ln>
+        </p:spPr>
+        <p:style>
+          <a:lnRef idx="1">
+            <a:schemeClr val="accent1"/>
+          </a:lnRef>
+          <a:fillRef idx="0">
+            <a:schemeClr val="accent1"/>
+          </a:fillRef>
+          <a:effectRef idx="0">
+            <a:schemeClr val="accent1"/>
+          </a:effectRef>
+          <a:fontRef idx="minor">
+            <a:schemeClr val="tx1"/>
+          </a:fontRef>
+        </p:style>
+      </p:cxnSp>
+      <p:cxnSp>
+        <p:nvCxnSpPr>
+          <p:cNvPr id="375" name="Соединительная линия уступом 175">
+            <a:extLst>
+              <a:ext uri="{FF2B5EF4-FFF2-40B4-BE49-F238E27FC236}">
+                <a16:creationId xmlns:a16="http://schemas.microsoft.com/office/drawing/2014/main" id="{1E882DE1-5DF5-4064-BDB8-39B1907157CB}"/>
+              </a:ext>
+            </a:extLst>
+          </p:cNvPr>
+          <p:cNvCxnSpPr>
+            <a:cxnSpLocks/>
+            <a:stCxn id="184" idx="2"/>
+            <a:endCxn id="334" idx="0"/>
+          </p:cNvCxnSpPr>
+          <p:nvPr/>
+        </p:nvCxnSpPr>
+        <p:spPr>
+          <a:xfrm rot="16200000" flipH="1">
+            <a:off x="29853923" y="14579342"/>
+            <a:ext cx="1845843" cy="2444273"/>
+          </a:xfrm>
+          <a:prstGeom prst="bentConnector3">
+            <a:avLst>
+              <a:gd name="adj1" fmla="val 9750"/>
+            </a:avLst>
+          </a:prstGeom>
+          <a:ln w="28575">
+            <a:tailEnd type="arrow"/>
+          </a:ln>
+        </p:spPr>
+        <p:style>
+          <a:lnRef idx="1">
+            <a:schemeClr val="accent1"/>
+          </a:lnRef>
+          <a:fillRef idx="0">
+            <a:schemeClr val="accent1"/>
+          </a:fillRef>
+          <a:effectRef idx="0">
+            <a:schemeClr val="accent1"/>
+          </a:effectRef>
+          <a:fontRef idx="minor">
+            <a:schemeClr val="tx1"/>
+          </a:fontRef>
+        </p:style>
+      </p:cxnSp>
+      <p:cxnSp>
+        <p:nvCxnSpPr>
+          <p:cNvPr id="379" name="Соединительная линия уступом 175">
+            <a:extLst>
+              <a:ext uri="{FF2B5EF4-FFF2-40B4-BE49-F238E27FC236}">
+                <a16:creationId xmlns:a16="http://schemas.microsoft.com/office/drawing/2014/main" id="{42FE99FC-8E7F-48FB-87E8-19645BFAA35A}"/>
+              </a:ext>
+            </a:extLst>
+          </p:cNvPr>
+          <p:cNvCxnSpPr>
+            <a:cxnSpLocks/>
+            <a:stCxn id="47" idx="2"/>
+            <a:endCxn id="115" idx="0"/>
+          </p:cNvCxnSpPr>
+          <p:nvPr/>
+        </p:nvCxnSpPr>
+        <p:spPr>
+          <a:xfrm rot="16200000" flipH="1">
+            <a:off x="32468962" y="13051864"/>
+            <a:ext cx="348026" cy="1140879"/>
+          </a:xfrm>
+          <a:prstGeom prst="bentConnector3">
+            <a:avLst>
+              <a:gd name="adj1" fmla="val 50000"/>
+            </a:avLst>
+          </a:prstGeom>
+          <a:ln w="28575">
+            <a:tailEnd type="arrow"/>
+          </a:ln>
+        </p:spPr>
+        <p:style>
+          <a:lnRef idx="1">
+            <a:schemeClr val="accent1"/>
+          </a:lnRef>
+          <a:fillRef idx="0">
+            <a:schemeClr val="accent1"/>
+          </a:fillRef>
+          <a:effectRef idx="0">
+            <a:schemeClr val="accent1"/>
+          </a:effectRef>
+          <a:fontRef idx="minor">
+            <a:schemeClr val="tx1"/>
+          </a:fontRef>
+        </p:style>
+      </p:cxnSp>
+      <p:cxnSp>
+        <p:nvCxnSpPr>
+          <p:cNvPr id="382" name="Соединительная линия уступом 175">
+            <a:extLst>
+              <a:ext uri="{FF2B5EF4-FFF2-40B4-BE49-F238E27FC236}">
+                <a16:creationId xmlns:a16="http://schemas.microsoft.com/office/drawing/2014/main" id="{63B4415C-BB22-4437-8FDC-9560F1B4DD02}"/>
+              </a:ext>
+            </a:extLst>
+          </p:cNvPr>
+          <p:cNvCxnSpPr>
+            <a:cxnSpLocks/>
+            <a:stCxn id="132" idx="2"/>
+            <a:endCxn id="101" idx="0"/>
+          </p:cNvCxnSpPr>
+          <p:nvPr/>
+        </p:nvCxnSpPr>
+        <p:spPr>
+          <a:xfrm rot="16200000" flipH="1">
+            <a:off x="38551454" y="14408174"/>
+            <a:ext cx="349188" cy="1273823"/>
+          </a:xfrm>
+          <a:prstGeom prst="bentConnector3">
+            <a:avLst>
+              <a:gd name="adj1" fmla="val 50000"/>
+            </a:avLst>
+          </a:prstGeom>
+          <a:ln w="28575">
+            <a:tailEnd type="arrow"/>
+          </a:ln>
+        </p:spPr>
+        <p:style>
+          <a:lnRef idx="1">
+            <a:schemeClr val="accent1"/>
+          </a:lnRef>
+          <a:fillRef idx="0">
+            <a:schemeClr val="accent1"/>
+          </a:fillRef>
+          <a:effectRef idx="0">
+            <a:schemeClr val="accent1"/>
+          </a:effectRef>
+          <a:fontRef idx="minor">
+            <a:schemeClr val="tx1"/>
+          </a:fontRef>
+        </p:style>
+      </p:cxnSp>
+      <p:cxnSp>
+        <p:nvCxnSpPr>
+          <p:cNvPr id="383" name="Прямая со стрелкой 382">
+            <a:extLst>
+              <a:ext uri="{FF2B5EF4-FFF2-40B4-BE49-F238E27FC236}">
+                <a16:creationId xmlns:a16="http://schemas.microsoft.com/office/drawing/2014/main" id="{3D6BE37E-948E-4842-AA7E-282497879F02}"/>
+              </a:ext>
+            </a:extLst>
+          </p:cNvPr>
+          <p:cNvCxnSpPr>
+            <a:cxnSpLocks/>
+            <a:stCxn id="141" idx="2"/>
+            <a:endCxn id="101" idx="0"/>
+          </p:cNvCxnSpPr>
+          <p:nvPr/>
+        </p:nvCxnSpPr>
+        <p:spPr>
+          <a:xfrm>
+            <a:off x="39362250" y="13448166"/>
+            <a:ext cx="710" cy="1771514"/>
+          </a:xfrm>
+          <a:prstGeom prst="straightConnector1">
+            <a:avLst/>
+          </a:prstGeom>
+          <a:ln w="28575">
+            <a:tailEnd type="arrow"/>
+          </a:ln>
+        </p:spPr>
+        <p:style>
+          <a:lnRef idx="1">
+            <a:schemeClr val="accent1"/>
+          </a:lnRef>
+          <a:fillRef idx="0">
+            <a:schemeClr val="accent1"/>
+          </a:fillRef>
+          <a:effectRef idx="0">
+            <a:schemeClr val="accent1"/>
+          </a:effectRef>
+          <a:fontRef idx="minor">
+            <a:schemeClr val="tx1"/>
+          </a:fontRef>
+        </p:style>
+      </p:cxnSp>
+      <p:cxnSp>
+        <p:nvCxnSpPr>
+          <p:cNvPr id="386" name="Соединительная линия уступом 175">
+            <a:extLst>
+              <a:ext uri="{FF2B5EF4-FFF2-40B4-BE49-F238E27FC236}">
+                <a16:creationId xmlns:a16="http://schemas.microsoft.com/office/drawing/2014/main" id="{0E637B86-3694-47C8-A424-2BD1AB3A07D6}"/>
+              </a:ext>
+            </a:extLst>
+          </p:cNvPr>
+          <p:cNvCxnSpPr>
+            <a:cxnSpLocks/>
+            <a:stCxn id="330" idx="2"/>
+            <a:endCxn id="365" idx="0"/>
+          </p:cNvCxnSpPr>
+          <p:nvPr/>
+        </p:nvCxnSpPr>
+        <p:spPr>
+          <a:xfrm rot="5400000">
+            <a:off x="24383709" y="26187061"/>
+            <a:ext cx="417585" cy="5049037"/>
+          </a:xfrm>
+          <a:prstGeom prst="bentConnector3">
+            <a:avLst>
+              <a:gd name="adj1" fmla="val 50000"/>
+            </a:avLst>
+          </a:prstGeom>
+          <a:ln w="28575">
+            <a:prstDash val="dash"/>
+            <a:tailEnd type="arrow"/>
+          </a:ln>
+        </p:spPr>
+        <p:style>
+          <a:lnRef idx="1">
+            <a:schemeClr val="accent1"/>
+          </a:lnRef>
+          <a:fillRef idx="0">
+            <a:schemeClr val="accent1"/>
+          </a:fillRef>
+          <a:effectRef idx="0">
+            <a:schemeClr val="accent1"/>
+          </a:effectRef>
+          <a:fontRef idx="minor">
+            <a:schemeClr val="tx1"/>
+          </a:fontRef>
+        </p:style>
+      </p:cxnSp>
+      <p:cxnSp>
+        <p:nvCxnSpPr>
+          <p:cNvPr id="387" name="Соединительная линия уступом 175">
+            <a:extLst>
+              <a:ext uri="{FF2B5EF4-FFF2-40B4-BE49-F238E27FC236}">
+                <a16:creationId xmlns:a16="http://schemas.microsoft.com/office/drawing/2014/main" id="{DD4FA738-6222-476D-8E23-D75C8B9727E3}"/>
+              </a:ext>
+            </a:extLst>
+          </p:cNvPr>
+          <p:cNvCxnSpPr>
+            <a:cxnSpLocks/>
+            <a:stCxn id="340" idx="2"/>
+            <a:endCxn id="365" idx="0"/>
+          </p:cNvCxnSpPr>
+          <p:nvPr/>
+        </p:nvCxnSpPr>
+        <p:spPr>
+          <a:xfrm rot="16200000" flipH="1">
+            <a:off x="19399002" y="26251391"/>
+            <a:ext cx="417585" cy="4920376"/>
+          </a:xfrm>
+          <a:prstGeom prst="bentConnector3">
+            <a:avLst>
+              <a:gd name="adj1" fmla="val 50000"/>
+            </a:avLst>
+          </a:prstGeom>
+          <a:ln w="28575">
+            <a:prstDash val="dash"/>
+            <a:tailEnd type="arrow"/>
+          </a:ln>
+        </p:spPr>
+        <p:style>
+          <a:lnRef idx="1">
+            <a:schemeClr val="accent1"/>
+          </a:lnRef>
+          <a:fillRef idx="0">
+            <a:schemeClr val="accent1"/>
+          </a:fillRef>
+          <a:effectRef idx="0">
+            <a:schemeClr val="accent1"/>
+          </a:effectRef>
+          <a:fontRef idx="minor">
+            <a:schemeClr val="tx1"/>
+          </a:fontRef>
+        </p:style>
+      </p:cxnSp>
+      <p:sp>
+        <p:nvSpPr>
+          <p:cNvPr id="389" name="Прямоугольник 388">
+            <a:extLst>
+              <a:ext uri="{FF2B5EF4-FFF2-40B4-BE49-F238E27FC236}">
+                <a16:creationId xmlns:a16="http://schemas.microsoft.com/office/drawing/2014/main" id="{14D5795B-E928-424F-BBF5-9F6DF5A6D53E}"/>
+              </a:ext>
+            </a:extLst>
+          </p:cNvPr>
+          <p:cNvSpPr/>
+          <p:nvPr/>
+        </p:nvSpPr>
+        <p:spPr>
+          <a:xfrm>
+            <a:off x="16384495" y="6083604"/>
+            <a:ext cx="2115918" cy="1080000"/>
+          </a:xfrm>
+          <a:prstGeom prst="rect">
+            <a:avLst/>
+          </a:prstGeom>
+          <a:noFill/>
+          <a:ln w="28575"/>
+        </p:spPr>
+        <p:style>
+          <a:lnRef idx="2">
+            <a:schemeClr val="accent1"/>
+          </a:lnRef>
+          <a:fillRef idx="1">
+            <a:schemeClr val="lt1"/>
+          </a:fillRef>
+          <a:effectRef idx="0">
+            <a:schemeClr val="accent1"/>
+          </a:effectRef>
+          <a:fontRef idx="minor">
+            <a:schemeClr val="dk1"/>
+          </a:fontRef>
+        </p:style>
+        <p:txBody>
+          <a:bodyPr lIns="124733" tIns="62367" rIns="124733" bIns="62367" rtlCol="0" anchor="ctr"/>
+          <a:lstStyle/>
+          <a:p>
+            <a:pPr algn="ctr"/>
+            <a:r>
+              <a:rPr lang="ru-RU" sz="900" dirty="0"/>
+              <a:t>В рамках этого параграфа заслуживают упоминания два направления деятельности НСВ. Во-первых, это деятельность во время выборов. В эти периоды НСВ обычно проводила </a:t>
+            </a:r>
+            <a:r>
+              <a:rPr lang="ru-RU" sz="900" dirty="0" err="1"/>
+              <a:t>антивыборные</a:t>
+            </a:r>
+            <a:r>
+              <a:rPr lang="ru-RU" sz="900" dirty="0"/>
+              <a:t> кампании.</a:t>
+            </a:r>
+            <a:endParaRPr lang="ru-RU" sz="300" dirty="0"/>
           </a:p>
         </p:txBody>
       </p:sp>

--- a/Наработки/диздоки/Нидерланды/Нидерланды.pptx
+++ b/Наработки/диздоки/Нидерланды/Нидерланды.pptx
@@ -209,7 +209,7 @@
             <a:fld id="{33E3D7F9-E251-484C-A6FF-FA958879DF69}" type="datetimeFigureOut">
               <a:rPr lang="ru-RU" smtClean="0"/>
               <a:pPr/>
-              <a:t>11.04.2022</a:t>
+              <a:t>12.04.2022</a:t>
             </a:fld>
             <a:endParaRPr lang="ru-RU"/>
           </a:p>
@@ -699,7 +699,7 @@
             <a:fld id="{85A5DE44-605B-4D3B-B2B7-94543DF81A36}" type="datetimeFigureOut">
               <a:rPr lang="ru-RU" smtClean="0"/>
               <a:pPr/>
-              <a:t>11.04.2022</a:t>
+              <a:t>12.04.2022</a:t>
             </a:fld>
             <a:endParaRPr lang="ru-RU"/>
           </a:p>
@@ -871,7 +871,7 @@
             <a:fld id="{85A5DE44-605B-4D3B-B2B7-94543DF81A36}" type="datetimeFigureOut">
               <a:rPr lang="ru-RU" smtClean="0"/>
               <a:pPr/>
-              <a:t>11.04.2022</a:t>
+              <a:t>12.04.2022</a:t>
             </a:fld>
             <a:endParaRPr lang="ru-RU"/>
           </a:p>
@@ -1053,7 +1053,7 @@
             <a:fld id="{85A5DE44-605B-4D3B-B2B7-94543DF81A36}" type="datetimeFigureOut">
               <a:rPr lang="ru-RU" smtClean="0"/>
               <a:pPr/>
-              <a:t>11.04.2022</a:t>
+              <a:t>12.04.2022</a:t>
             </a:fld>
             <a:endParaRPr lang="ru-RU"/>
           </a:p>
@@ -1225,7 +1225,7 @@
             <a:fld id="{85A5DE44-605B-4D3B-B2B7-94543DF81A36}" type="datetimeFigureOut">
               <a:rPr lang="ru-RU" smtClean="0"/>
               <a:pPr/>
-              <a:t>11.04.2022</a:t>
+              <a:t>12.04.2022</a:t>
             </a:fld>
             <a:endParaRPr lang="ru-RU"/>
           </a:p>
@@ -1473,7 +1473,7 @@
             <a:fld id="{85A5DE44-605B-4D3B-B2B7-94543DF81A36}" type="datetimeFigureOut">
               <a:rPr lang="ru-RU" smtClean="0"/>
               <a:pPr/>
-              <a:t>11.04.2022</a:t>
+              <a:t>12.04.2022</a:t>
             </a:fld>
             <a:endParaRPr lang="ru-RU"/>
           </a:p>
@@ -1707,7 +1707,7 @@
             <a:fld id="{85A5DE44-605B-4D3B-B2B7-94543DF81A36}" type="datetimeFigureOut">
               <a:rPr lang="ru-RU" smtClean="0"/>
               <a:pPr/>
-              <a:t>11.04.2022</a:t>
+              <a:t>12.04.2022</a:t>
             </a:fld>
             <a:endParaRPr lang="ru-RU"/>
           </a:p>
@@ -2076,7 +2076,7 @@
             <a:fld id="{85A5DE44-605B-4D3B-B2B7-94543DF81A36}" type="datetimeFigureOut">
               <a:rPr lang="ru-RU" smtClean="0"/>
               <a:pPr/>
-              <a:t>11.04.2022</a:t>
+              <a:t>12.04.2022</a:t>
             </a:fld>
             <a:endParaRPr lang="ru-RU"/>
           </a:p>
@@ -2196,7 +2196,7 @@
             <a:fld id="{85A5DE44-605B-4D3B-B2B7-94543DF81A36}" type="datetimeFigureOut">
               <a:rPr lang="ru-RU" smtClean="0"/>
               <a:pPr/>
-              <a:t>11.04.2022</a:t>
+              <a:t>12.04.2022</a:t>
             </a:fld>
             <a:endParaRPr lang="ru-RU"/>
           </a:p>
@@ -2293,7 +2293,7 @@
             <a:fld id="{85A5DE44-605B-4D3B-B2B7-94543DF81A36}" type="datetimeFigureOut">
               <a:rPr lang="ru-RU" smtClean="0"/>
               <a:pPr/>
-              <a:t>11.04.2022</a:t>
+              <a:t>12.04.2022</a:t>
             </a:fld>
             <a:endParaRPr lang="ru-RU"/>
           </a:p>
@@ -2572,7 +2572,7 @@
             <a:fld id="{85A5DE44-605B-4D3B-B2B7-94543DF81A36}" type="datetimeFigureOut">
               <a:rPr lang="ru-RU" smtClean="0"/>
               <a:pPr/>
-              <a:t>11.04.2022</a:t>
+              <a:t>12.04.2022</a:t>
             </a:fld>
             <a:endParaRPr lang="ru-RU"/>
           </a:p>
@@ -2831,7 +2831,7 @@
             <a:fld id="{85A5DE44-605B-4D3B-B2B7-94543DF81A36}" type="datetimeFigureOut">
               <a:rPr lang="ru-RU" smtClean="0"/>
               <a:pPr/>
-              <a:t>11.04.2022</a:t>
+              <a:t>12.04.2022</a:t>
             </a:fld>
             <a:endParaRPr lang="ru-RU"/>
           </a:p>
@@ -3046,7 +3046,7 @@
             <a:fld id="{85A5DE44-605B-4D3B-B2B7-94543DF81A36}" type="datetimeFigureOut">
               <a:rPr lang="ru-RU" smtClean="0"/>
               <a:pPr/>
-              <a:t>11.04.2022</a:t>
+              <a:t>12.04.2022</a:t>
             </a:fld>
             <a:endParaRPr lang="ru-RU"/>
           </a:p>
@@ -9827,64 +9827,6 @@
       </p:sp>
       <p:sp>
         <p:nvSpPr>
-          <p:cNvPr id="148" name="Прямоугольник 147">
-            <a:extLst>
-              <a:ext uri="{FF2B5EF4-FFF2-40B4-BE49-F238E27FC236}">
-                <a16:creationId xmlns:a16="http://schemas.microsoft.com/office/drawing/2014/main" id="{BE852B2E-CE51-4DA1-892E-D2065BCEDFBE}"/>
-              </a:ext>
-            </a:extLst>
-          </p:cNvPr>
-          <p:cNvSpPr/>
-          <p:nvPr/>
-        </p:nvSpPr>
-        <p:spPr>
-          <a:xfrm>
-            <a:off x="7513110" y="5226763"/>
-            <a:ext cx="2115918" cy="1080000"/>
-          </a:xfrm>
-          <a:prstGeom prst="rect">
-            <a:avLst/>
-          </a:prstGeom>
-          <a:solidFill>
-            <a:schemeClr val="tx1">
-              <a:lumMod val="85000"/>
-              <a:lumOff val="15000"/>
-            </a:schemeClr>
-          </a:solidFill>
-          <a:ln w="28575"/>
-        </p:spPr>
-        <p:style>
-          <a:lnRef idx="2">
-            <a:schemeClr val="accent1"/>
-          </a:lnRef>
-          <a:fillRef idx="1">
-            <a:schemeClr val="lt1"/>
-          </a:fillRef>
-          <a:effectRef idx="0">
-            <a:schemeClr val="accent1"/>
-          </a:effectRef>
-          <a:fontRef idx="minor">
-            <a:schemeClr val="dk1"/>
-          </a:fontRef>
-        </p:style>
-        <p:txBody>
-          <a:bodyPr lIns="124733" tIns="62367" rIns="124733" bIns="62367" rtlCol="0" anchor="ctr"/>
-          <a:lstStyle/>
-          <a:p>
-            <a:pPr algn="ctr"/>
-            <a:r>
-              <a:rPr lang="ru-RU" sz="300" dirty="0">
-                <a:solidFill>
-                  <a:schemeClr val="bg1"/>
-                </a:solidFill>
-              </a:rPr>
-              <a:t>Конгресс в октябре 1938 года принял резолюцию, которая сильно повлияет на состав будущих правлений НСВ:¬Октябрьский съезд НСВ, полагая, что в интересах организации и пропаганды в целом отвечает замена уходящих в отставку администраторов новыми, считает необходимым реализовать предусмотренную статьей 9 Устава возможность немедленного переизбрания уходящие в отставку директора будут использоваться только в том случае, если это было невозможно, для надлежащего заполнения вакансии директора другим способом». были созданы три новых комитета, а именно комитеты, которые должны были последовательно заниматься управленческой подготовкой, социальными консультациями (включая закон о болезни и несчастных случаях, трудовое и гражданское право, программу помощи, социальное страхование и налоги) и изучение социального законодательства. Ни один из этих трех последних комитетов никогда не функционировал оптимально. Особенно это касалось последнего комитета из-за постоянной вакансии.</a:t>
-            </a:r>
-          </a:p>
-        </p:txBody>
-      </p:sp>
-      <p:sp>
-        <p:nvSpPr>
           <p:cNvPr id="119" name="Прямоугольник 118">
             <a:extLst>
               <a:ext uri="{FF2B5EF4-FFF2-40B4-BE49-F238E27FC236}">
@@ -13891,121 +13833,6 @@
       </p:sp>
       <p:sp>
         <p:nvSpPr>
-          <p:cNvPr id="243" name="Прямоугольник 242">
-            <a:extLst>
-              <a:ext uri="{FF2B5EF4-FFF2-40B4-BE49-F238E27FC236}">
-                <a16:creationId xmlns:a16="http://schemas.microsoft.com/office/drawing/2014/main" id="{3D1417A7-AB3A-4C34-936C-1A98A8A0A63A}"/>
-              </a:ext>
-            </a:extLst>
-          </p:cNvPr>
-          <p:cNvSpPr/>
-          <p:nvPr/>
-        </p:nvSpPr>
-        <p:spPr>
-          <a:xfrm>
-            <a:off x="7540714" y="1376606"/>
-            <a:ext cx="2115918" cy="1080000"/>
-          </a:xfrm>
-          <a:prstGeom prst="rect">
-            <a:avLst/>
-          </a:prstGeom>
-          <a:solidFill>
-            <a:srgbClr val="FFFF00"/>
-          </a:solidFill>
-          <a:ln w="28575"/>
-        </p:spPr>
-        <p:style>
-          <a:lnRef idx="2">
-            <a:schemeClr val="accent1"/>
-          </a:lnRef>
-          <a:fillRef idx="1">
-            <a:schemeClr val="lt1"/>
-          </a:fillRef>
-          <a:effectRef idx="0">
-            <a:schemeClr val="accent1"/>
-          </a:effectRef>
-          <a:fontRef idx="minor">
-            <a:schemeClr val="dk1"/>
-          </a:fontRef>
-        </p:style>
-        <p:txBody>
-          <a:bodyPr lIns="124733" tIns="62367" rIns="124733" bIns="62367" rtlCol="0" anchor="ctr"/>
-          <a:lstStyle/>
-          <a:p>
-            <a:pPr algn="ctr"/>
-            <a:r>
-              <a:rPr lang="ru-RU" sz="500" dirty="0"/>
-              <a:t>После конференции в декабре 1936 г. гик присоединился к очень свободной федерации национальных групп в качестве своего теоретического главы. Он отказался от публикации своих материалов для прессы на немецком языке (</a:t>
-            </a:r>
-            <a:r>
-              <a:rPr lang="ru-RU" sz="500" dirty="0" err="1"/>
-              <a:t>pik</a:t>
-            </a:r>
-            <a:r>
-              <a:rPr lang="ru-RU" sz="500" dirty="0"/>
-              <a:t>) в пользу юнионистского обзора </a:t>
-            </a:r>
-            <a:r>
-              <a:rPr lang="ru-RU" sz="500" dirty="0" err="1"/>
-              <a:t>ino</a:t>
-            </a:r>
-            <a:r>
-              <a:rPr lang="ru-RU" sz="500" dirty="0"/>
-              <a:t> (</a:t>
-            </a:r>
-            <a:r>
-              <a:rPr lang="ru-RU" sz="500" dirty="0" err="1"/>
-              <a:t>Internacia</a:t>
-            </a:r>
-            <a:r>
-              <a:rPr lang="ru-RU" sz="500" dirty="0"/>
-              <a:t> </a:t>
-            </a:r>
-            <a:r>
-              <a:rPr lang="ru-RU" sz="500" dirty="0" err="1"/>
-              <a:t>Novaj-Officejo</a:t>
-            </a:r>
-            <a:r>
-              <a:rPr lang="ru-RU" sz="500" dirty="0"/>
-              <a:t>) </a:t>
-            </a:r>
-            <a:r>
-              <a:rPr lang="ru-RU" sz="500" dirty="0" err="1"/>
-              <a:t>Presse-Korrespondenz</a:t>
-            </a:r>
-            <a:r>
-              <a:rPr lang="ru-RU" sz="500" dirty="0"/>
-              <a:t>. Последний редактировался международным информационным бюро </a:t>
-            </a:r>
-            <a:r>
-              <a:rPr lang="ru-RU" sz="500" dirty="0" err="1"/>
-              <a:t>кау</a:t>
-            </a:r>
-            <a:r>
-              <a:rPr lang="ru-RU" sz="500" dirty="0"/>
-              <a:t> во Франкфурте, задачей которого было информировать и перегруппировывать советско-коммунистические группы по всему </a:t>
-            </a:r>
-            <a:r>
-              <a:rPr lang="ru-RU" sz="500" dirty="0" err="1"/>
-              <a:t>миру.¬Этим</a:t>
-            </a:r>
-            <a:r>
-              <a:rPr lang="ru-RU" sz="500" dirty="0"/>
-              <a:t> группам была свойственна отколовшаяся от кап д, отвергнувшая концепцию партии первого, чтобы присоединиться к немецкому </a:t>
-            </a:r>
-            <a:r>
-              <a:rPr lang="ru-RU" sz="500" dirty="0" err="1"/>
-              <a:t>кау</a:t>
-            </a:r>
-            <a:r>
-              <a:rPr lang="ru-RU" sz="500" dirty="0"/>
-              <a:t> и голландскому гику:</a:t>
-            </a:r>
-          </a:p>
-        </p:txBody>
-      </p:sp>
-      <p:sp>
-        <p:nvSpPr>
           <p:cNvPr id="244" name="Прямоугольник 243">
             <a:extLst>
               <a:ext uri="{FF2B5EF4-FFF2-40B4-BE49-F238E27FC236}">
@@ -15584,7 +15411,7 @@
         </p:nvSpPr>
         <p:spPr>
           <a:xfrm>
-            <a:off x="7513110" y="2644147"/>
+            <a:off x="10019946" y="7820743"/>
             <a:ext cx="2115918" cy="1080000"/>
           </a:xfrm>
           <a:prstGeom prst="rect">
@@ -15635,97 +15462,6 @@
               <a:t> и в которой новые нравственные принципы общего труда будут формироваться лишь постепенно, право потребления будет связано с выполнением какого-либо труда. Старая народная поговорка «кто не работает, тот не ест» выражает инстинктивное чувство справедливости94.</a:t>
             </a:r>
             <a:endParaRPr lang="ru-RU" sz="300" dirty="0"/>
-          </a:p>
-        </p:txBody>
-      </p:sp>
-      <p:sp>
-        <p:nvSpPr>
-          <p:cNvPr id="278" name="Прямоугольник 277">
-            <a:extLst>
-              <a:ext uri="{FF2B5EF4-FFF2-40B4-BE49-F238E27FC236}">
-                <a16:creationId xmlns:a16="http://schemas.microsoft.com/office/drawing/2014/main" id="{FEB35C5A-CDA8-4DFE-B52D-0C45BAF6249C}"/>
-              </a:ext>
-            </a:extLst>
-          </p:cNvPr>
-          <p:cNvSpPr/>
-          <p:nvPr/>
-        </p:nvSpPr>
-        <p:spPr>
-          <a:xfrm>
-            <a:off x="5050503" y="3886091"/>
-            <a:ext cx="2115918" cy="1080000"/>
-          </a:xfrm>
-          <a:prstGeom prst="rect">
-            <a:avLst/>
-          </a:prstGeom>
-          <a:solidFill>
-            <a:srgbClr val="FFFF00"/>
-          </a:solidFill>
-          <a:ln w="28575"/>
-        </p:spPr>
-        <p:style>
-          <a:lnRef idx="2">
-            <a:schemeClr val="accent1"/>
-          </a:lnRef>
-          <a:fillRef idx="1">
-            <a:schemeClr val="lt1"/>
-          </a:fillRef>
-          <a:effectRef idx="0">
-            <a:schemeClr val="accent1"/>
-          </a:effectRef>
-          <a:fontRef idx="minor">
-            <a:schemeClr val="dk1"/>
-          </a:fontRef>
-        </p:style>
-        <p:txBody>
-          <a:bodyPr lIns="124733" tIns="62367" rIns="124733" bIns="62367" rtlCol="0" anchor="ctr"/>
-          <a:lstStyle/>
-          <a:p>
-            <a:pPr algn="ctr"/>
-            <a:r>
-              <a:rPr lang="ru-RU" sz="500" dirty="0"/>
-              <a:t>В 1938 г. в Амстердаме </a:t>
-            </a:r>
-            <a:r>
-              <a:rPr lang="ru-RU" sz="500" dirty="0" err="1"/>
-              <a:t>Паннекук</a:t>
-            </a:r>
-            <a:r>
-              <a:rPr lang="ru-RU" sz="500" dirty="0"/>
-              <a:t> издал книгу «Ленин как философ», оригинальная версия которой была написана на немецком языке96. Изданную под псевдонимом Джон </a:t>
-            </a:r>
-            <a:r>
-              <a:rPr lang="ru-RU" sz="500" dirty="0" err="1"/>
-              <a:t>Харпер</a:t>
-            </a:r>
-            <a:r>
-              <a:rPr lang="ru-RU" sz="500" dirty="0"/>
-              <a:t>, эту работу можно считать — наряду с «Тезисами о большевизме», «К новому рабочему движению» и </a:t>
-            </a:r>
-            <a:r>
-              <a:rPr lang="en-US" sz="500" dirty="0" err="1"/>
-              <a:t>Grundprinzipien</a:t>
-            </a:r>
-            <a:r>
-              <a:rPr lang="ru-RU" sz="500" dirty="0"/>
-              <a:t> - как один из четырех столпов «</a:t>
-            </a:r>
-            <a:r>
-              <a:rPr lang="ru-RU" sz="500" dirty="0" err="1"/>
-              <a:t>советистской</a:t>
-            </a:r>
-            <a:r>
-              <a:rPr lang="ru-RU" sz="500" dirty="0"/>
-              <a:t>» теории. Для </a:t>
-            </a:r>
-            <a:r>
-              <a:rPr lang="ru-RU" sz="500" dirty="0" err="1"/>
-              <a:t>Паннекука</a:t>
-            </a:r>
-            <a:r>
-              <a:rPr lang="ru-RU" sz="500" dirty="0"/>
-              <a:t> и советского коммунистического движения это был «марксистский ответ» на книгу Ленина «Материализм и эмпириокритицизм», которая была опубликована на русском языке в 1909 году и не переводилась на немецкий и английский языки до 1927 года. Книга Ленина, претендующая на идейное завершение «ленинизма», превозносилась в Коминтерне как «углубление марксизма» на философском уровне.</a:t>
-            </a:r>
           </a:p>
         </p:txBody>
       </p:sp>
@@ -18267,81 +18003,6 @@
             <a:r>
               <a:rPr lang="ru-RU" sz="5400" dirty="0"/>
               <a:t>22</a:t>
-            </a:r>
-          </a:p>
-        </p:txBody>
-      </p:sp>
-      <p:sp>
-        <p:nvSpPr>
-          <p:cNvPr id="378" name="Прямоугольник 377">
-            <a:extLst>
-              <a:ext uri="{FF2B5EF4-FFF2-40B4-BE49-F238E27FC236}">
-                <a16:creationId xmlns:a16="http://schemas.microsoft.com/office/drawing/2014/main" id="{73D10926-26C9-4893-923A-1F3F7705B820}"/>
-              </a:ext>
-            </a:extLst>
-          </p:cNvPr>
-          <p:cNvSpPr/>
-          <p:nvPr/>
-        </p:nvSpPr>
-        <p:spPr>
-          <a:xfrm>
-            <a:off x="7513110" y="3916003"/>
-            <a:ext cx="2115918" cy="1080000"/>
-          </a:xfrm>
-          <a:prstGeom prst="rect">
-            <a:avLst/>
-          </a:prstGeom>
-          <a:solidFill>
-            <a:srgbClr val="FFC000"/>
-          </a:solidFill>
-          <a:ln w="28575"/>
-        </p:spPr>
-        <p:style>
-          <a:lnRef idx="2">
-            <a:schemeClr val="accent1"/>
-          </a:lnRef>
-          <a:fillRef idx="1">
-            <a:schemeClr val="lt1"/>
-          </a:fillRef>
-          <a:effectRef idx="0">
-            <a:schemeClr val="accent1"/>
-          </a:effectRef>
-          <a:fontRef idx="minor">
-            <a:schemeClr val="dk1"/>
-          </a:fontRef>
-        </p:style>
-        <p:txBody>
-          <a:bodyPr lIns="124733" tIns="62367" rIns="124733" bIns="62367" rtlCol="0" anchor="ctr"/>
-          <a:lstStyle/>
-          <a:p>
-            <a:pPr algn="ctr"/>
-            <a:r>
-              <a:rPr lang="ru-RU" sz="1000" dirty="0"/>
-              <a:t>1 Один из сыновей </a:t>
-            </a:r>
-            <a:r>
-              <a:rPr lang="ru-RU" sz="1000" dirty="0" err="1"/>
-              <a:t>Сневлита</a:t>
-            </a:r>
-            <a:r>
-              <a:rPr lang="ru-RU" sz="1000" dirty="0"/>
-              <a:t> (Пим) покончил жизнь самоубийством в 1932 г., другой (</a:t>
-            </a:r>
-            <a:r>
-              <a:rPr lang="ru-RU" sz="1000" dirty="0" err="1"/>
-              <a:t>Пэм</a:t>
-            </a:r>
-            <a:r>
-              <a:rPr lang="ru-RU" sz="1000" dirty="0"/>
-              <a:t>) был убит (или тоже покончил жизнь самоубийством?) в Испании в 1937 г., сражаясь в ополчении </a:t>
-            </a:r>
-            <a:r>
-              <a:rPr lang="ru-RU" sz="1000" dirty="0" err="1"/>
-              <a:t>поум</a:t>
-            </a:r>
-            <a:r>
-              <a:rPr lang="ru-RU" sz="1000" dirty="0"/>
-              <a:t>.</a:t>
             </a:r>
           </a:p>
         </p:txBody>

--- a/Наработки/диздоки/Нидерланды/Нидерланды.pptx
+++ b/Наработки/диздоки/Нидерланды/Нидерланды.pptx
@@ -209,7 +209,7 @@
             <a:fld id="{33E3D7F9-E251-484C-A6FF-FA958879DF69}" type="datetimeFigureOut">
               <a:rPr lang="ru-RU" smtClean="0"/>
               <a:pPr/>
-              <a:t>12.04.2022</a:t>
+              <a:t>13.04.2022</a:t>
             </a:fld>
             <a:endParaRPr lang="ru-RU"/>
           </a:p>
@@ -699,7 +699,7 @@
             <a:fld id="{85A5DE44-605B-4D3B-B2B7-94543DF81A36}" type="datetimeFigureOut">
               <a:rPr lang="ru-RU" smtClean="0"/>
               <a:pPr/>
-              <a:t>12.04.2022</a:t>
+              <a:t>13.04.2022</a:t>
             </a:fld>
             <a:endParaRPr lang="ru-RU"/>
           </a:p>
@@ -871,7 +871,7 @@
             <a:fld id="{85A5DE44-605B-4D3B-B2B7-94543DF81A36}" type="datetimeFigureOut">
               <a:rPr lang="ru-RU" smtClean="0"/>
               <a:pPr/>
-              <a:t>12.04.2022</a:t>
+              <a:t>13.04.2022</a:t>
             </a:fld>
             <a:endParaRPr lang="ru-RU"/>
           </a:p>
@@ -1053,7 +1053,7 @@
             <a:fld id="{85A5DE44-605B-4D3B-B2B7-94543DF81A36}" type="datetimeFigureOut">
               <a:rPr lang="ru-RU" smtClean="0"/>
               <a:pPr/>
-              <a:t>12.04.2022</a:t>
+              <a:t>13.04.2022</a:t>
             </a:fld>
             <a:endParaRPr lang="ru-RU"/>
           </a:p>
@@ -1225,7 +1225,7 @@
             <a:fld id="{85A5DE44-605B-4D3B-B2B7-94543DF81A36}" type="datetimeFigureOut">
               <a:rPr lang="ru-RU" smtClean="0"/>
               <a:pPr/>
-              <a:t>12.04.2022</a:t>
+              <a:t>13.04.2022</a:t>
             </a:fld>
             <a:endParaRPr lang="ru-RU"/>
           </a:p>
@@ -1473,7 +1473,7 @@
             <a:fld id="{85A5DE44-605B-4D3B-B2B7-94543DF81A36}" type="datetimeFigureOut">
               <a:rPr lang="ru-RU" smtClean="0"/>
               <a:pPr/>
-              <a:t>12.04.2022</a:t>
+              <a:t>13.04.2022</a:t>
             </a:fld>
             <a:endParaRPr lang="ru-RU"/>
           </a:p>
@@ -1707,7 +1707,7 @@
             <a:fld id="{85A5DE44-605B-4D3B-B2B7-94543DF81A36}" type="datetimeFigureOut">
               <a:rPr lang="ru-RU" smtClean="0"/>
               <a:pPr/>
-              <a:t>12.04.2022</a:t>
+              <a:t>13.04.2022</a:t>
             </a:fld>
             <a:endParaRPr lang="ru-RU"/>
           </a:p>
@@ -2076,7 +2076,7 @@
             <a:fld id="{85A5DE44-605B-4D3B-B2B7-94543DF81A36}" type="datetimeFigureOut">
               <a:rPr lang="ru-RU" smtClean="0"/>
               <a:pPr/>
-              <a:t>12.04.2022</a:t>
+              <a:t>13.04.2022</a:t>
             </a:fld>
             <a:endParaRPr lang="ru-RU"/>
           </a:p>
@@ -2196,7 +2196,7 @@
             <a:fld id="{85A5DE44-605B-4D3B-B2B7-94543DF81A36}" type="datetimeFigureOut">
               <a:rPr lang="ru-RU" smtClean="0"/>
               <a:pPr/>
-              <a:t>12.04.2022</a:t>
+              <a:t>13.04.2022</a:t>
             </a:fld>
             <a:endParaRPr lang="ru-RU"/>
           </a:p>
@@ -2293,7 +2293,7 @@
             <a:fld id="{85A5DE44-605B-4D3B-B2B7-94543DF81A36}" type="datetimeFigureOut">
               <a:rPr lang="ru-RU" smtClean="0"/>
               <a:pPr/>
-              <a:t>12.04.2022</a:t>
+              <a:t>13.04.2022</a:t>
             </a:fld>
             <a:endParaRPr lang="ru-RU"/>
           </a:p>
@@ -2572,7 +2572,7 @@
             <a:fld id="{85A5DE44-605B-4D3B-B2B7-94543DF81A36}" type="datetimeFigureOut">
               <a:rPr lang="ru-RU" smtClean="0"/>
               <a:pPr/>
-              <a:t>12.04.2022</a:t>
+              <a:t>13.04.2022</a:t>
             </a:fld>
             <a:endParaRPr lang="ru-RU"/>
           </a:p>
@@ -2831,7 +2831,7 @@
             <a:fld id="{85A5DE44-605B-4D3B-B2B7-94543DF81A36}" type="datetimeFigureOut">
               <a:rPr lang="ru-RU" smtClean="0"/>
               <a:pPr/>
-              <a:t>12.04.2022</a:t>
+              <a:t>13.04.2022</a:t>
             </a:fld>
             <a:endParaRPr lang="ru-RU"/>
           </a:p>
@@ -3046,7 +3046,7 @@
             <a:fld id="{85A5DE44-605B-4D3B-B2B7-94543DF81A36}" type="datetimeFigureOut">
               <a:rPr lang="ru-RU" smtClean="0"/>
               <a:pPr/>
-              <a:t>12.04.2022</a:t>
+              <a:t>13.04.2022</a:t>
             </a:fld>
             <a:endParaRPr lang="ru-RU"/>
           </a:p>
@@ -13088,57 +13088,6 @@
       </p:sp>
       <p:sp>
         <p:nvSpPr>
-          <p:cNvPr id="232" name="Прямоугольник 231">
-            <a:extLst>
-              <a:ext uri="{FF2B5EF4-FFF2-40B4-BE49-F238E27FC236}">
-                <a16:creationId xmlns:a16="http://schemas.microsoft.com/office/drawing/2014/main" id="{4AD5628D-E2E6-4DD1-A70E-D466EA6AE56C}"/>
-              </a:ext>
-            </a:extLst>
-          </p:cNvPr>
-          <p:cNvSpPr/>
-          <p:nvPr/>
-        </p:nvSpPr>
-        <p:spPr>
-          <a:xfrm>
-            <a:off x="26896624" y="1506050"/>
-            <a:ext cx="2115918" cy="1080000"/>
-          </a:xfrm>
-          <a:prstGeom prst="rect">
-            <a:avLst/>
-          </a:prstGeom>
-          <a:solidFill>
-            <a:srgbClr val="FFFF00"/>
-          </a:solidFill>
-          <a:ln w="28575"/>
-        </p:spPr>
-        <p:style>
-          <a:lnRef idx="2">
-            <a:schemeClr val="accent1"/>
-          </a:lnRef>
-          <a:fillRef idx="1">
-            <a:schemeClr val="lt1"/>
-          </a:fillRef>
-          <a:effectRef idx="0">
-            <a:schemeClr val="accent1"/>
-          </a:effectRef>
-          <a:fontRef idx="minor">
-            <a:schemeClr val="dk1"/>
-          </a:fontRef>
-        </p:style>
-        <p:txBody>
-          <a:bodyPr lIns="124733" tIns="62367" rIns="124733" bIns="62367" rtlCol="0" anchor="ctr"/>
-          <a:lstStyle/>
-          <a:p>
-            <a:pPr algn="ctr"/>
-            <a:r>
-              <a:rPr lang="ru-RU" sz="600" dirty="0"/>
-              <a:t>Но с великим экономическим кризисом и вплоть до войны именно безработные оказались в центре социальной сцены (почти двадцать процентов активного населения Нидерландов были безработными в 1936 году)14. в июле 1934 г., с восстанием в амстердамском районе Йордан (см. главу седьмую). Однако, как и во многих странах, фабричный пролетариат в это время оставался пассивным, запуганным угрозой увольнений.</a:t>
-            </a:r>
-          </a:p>
-        </p:txBody>
-      </p:sp>
-      <p:sp>
-        <p:nvSpPr>
           <p:cNvPr id="234" name="Прямоугольник 233">
             <a:extLst>
               <a:ext uri="{FF2B5EF4-FFF2-40B4-BE49-F238E27FC236}">
@@ -15820,7 +15769,7 @@
         </p:nvSpPr>
         <p:spPr>
           <a:xfrm>
-            <a:off x="26896297" y="5465508"/>
+            <a:off x="26913306" y="4420396"/>
             <a:ext cx="2115918" cy="1080000"/>
           </a:xfrm>
           <a:prstGeom prst="rect">
@@ -15951,7 +15900,7 @@
         </p:nvSpPr>
         <p:spPr>
           <a:xfrm>
-            <a:off x="26896624" y="4041565"/>
+            <a:off x="26896624" y="2987384"/>
             <a:ext cx="2115918" cy="1080000"/>
           </a:xfrm>
           <a:prstGeom prst="rect">
@@ -20592,7 +20541,7 @@
         </p:nvSpPr>
         <p:spPr>
           <a:xfrm>
-            <a:off x="26896624" y="2764377"/>
+            <a:off x="26896624" y="1626572"/>
             <a:ext cx="2115918" cy="1080000"/>
           </a:xfrm>
           <a:prstGeom prst="rect">

--- a/Наработки/диздоки/Нидерланды/Нидерланды.pptx
+++ b/Наработки/диздоки/Нидерланды/Нидерланды.pptx
@@ -209,7 +209,7 @@
             <a:fld id="{33E3D7F9-E251-484C-A6FF-FA958879DF69}" type="datetimeFigureOut">
               <a:rPr lang="ru-RU" smtClean="0"/>
               <a:pPr/>
-              <a:t>13.04.2022</a:t>
+              <a:t>14.04.2022</a:t>
             </a:fld>
             <a:endParaRPr lang="ru-RU"/>
           </a:p>
@@ -699,7 +699,7 @@
             <a:fld id="{85A5DE44-605B-4D3B-B2B7-94543DF81A36}" type="datetimeFigureOut">
               <a:rPr lang="ru-RU" smtClean="0"/>
               <a:pPr/>
-              <a:t>13.04.2022</a:t>
+              <a:t>14.04.2022</a:t>
             </a:fld>
             <a:endParaRPr lang="ru-RU"/>
           </a:p>
@@ -871,7 +871,7 @@
             <a:fld id="{85A5DE44-605B-4D3B-B2B7-94543DF81A36}" type="datetimeFigureOut">
               <a:rPr lang="ru-RU" smtClean="0"/>
               <a:pPr/>
-              <a:t>13.04.2022</a:t>
+              <a:t>14.04.2022</a:t>
             </a:fld>
             <a:endParaRPr lang="ru-RU"/>
           </a:p>
@@ -1053,7 +1053,7 @@
             <a:fld id="{85A5DE44-605B-4D3B-B2B7-94543DF81A36}" type="datetimeFigureOut">
               <a:rPr lang="ru-RU" smtClean="0"/>
               <a:pPr/>
-              <a:t>13.04.2022</a:t>
+              <a:t>14.04.2022</a:t>
             </a:fld>
             <a:endParaRPr lang="ru-RU"/>
           </a:p>
@@ -1225,7 +1225,7 @@
             <a:fld id="{85A5DE44-605B-4D3B-B2B7-94543DF81A36}" type="datetimeFigureOut">
               <a:rPr lang="ru-RU" smtClean="0"/>
               <a:pPr/>
-              <a:t>13.04.2022</a:t>
+              <a:t>14.04.2022</a:t>
             </a:fld>
             <a:endParaRPr lang="ru-RU"/>
           </a:p>
@@ -1473,7 +1473,7 @@
             <a:fld id="{85A5DE44-605B-4D3B-B2B7-94543DF81A36}" type="datetimeFigureOut">
               <a:rPr lang="ru-RU" smtClean="0"/>
               <a:pPr/>
-              <a:t>13.04.2022</a:t>
+              <a:t>14.04.2022</a:t>
             </a:fld>
             <a:endParaRPr lang="ru-RU"/>
           </a:p>
@@ -1707,7 +1707,7 @@
             <a:fld id="{85A5DE44-605B-4D3B-B2B7-94543DF81A36}" type="datetimeFigureOut">
               <a:rPr lang="ru-RU" smtClean="0"/>
               <a:pPr/>
-              <a:t>13.04.2022</a:t>
+              <a:t>14.04.2022</a:t>
             </a:fld>
             <a:endParaRPr lang="ru-RU"/>
           </a:p>
@@ -2076,7 +2076,7 @@
             <a:fld id="{85A5DE44-605B-4D3B-B2B7-94543DF81A36}" type="datetimeFigureOut">
               <a:rPr lang="ru-RU" smtClean="0"/>
               <a:pPr/>
-              <a:t>13.04.2022</a:t>
+              <a:t>14.04.2022</a:t>
             </a:fld>
             <a:endParaRPr lang="ru-RU"/>
           </a:p>
@@ -2196,7 +2196,7 @@
             <a:fld id="{85A5DE44-605B-4D3B-B2B7-94543DF81A36}" type="datetimeFigureOut">
               <a:rPr lang="ru-RU" smtClean="0"/>
               <a:pPr/>
-              <a:t>13.04.2022</a:t>
+              <a:t>14.04.2022</a:t>
             </a:fld>
             <a:endParaRPr lang="ru-RU"/>
           </a:p>
@@ -2293,7 +2293,7 @@
             <a:fld id="{85A5DE44-605B-4D3B-B2B7-94543DF81A36}" type="datetimeFigureOut">
               <a:rPr lang="ru-RU" smtClean="0"/>
               <a:pPr/>
-              <a:t>13.04.2022</a:t>
+              <a:t>14.04.2022</a:t>
             </a:fld>
             <a:endParaRPr lang="ru-RU"/>
           </a:p>
@@ -2572,7 +2572,7 @@
             <a:fld id="{85A5DE44-605B-4D3B-B2B7-94543DF81A36}" type="datetimeFigureOut">
               <a:rPr lang="ru-RU" smtClean="0"/>
               <a:pPr/>
-              <a:t>13.04.2022</a:t>
+              <a:t>14.04.2022</a:t>
             </a:fld>
             <a:endParaRPr lang="ru-RU"/>
           </a:p>
@@ -2831,7 +2831,7 @@
             <a:fld id="{85A5DE44-605B-4D3B-B2B7-94543DF81A36}" type="datetimeFigureOut">
               <a:rPr lang="ru-RU" smtClean="0"/>
               <a:pPr/>
-              <a:t>13.04.2022</a:t>
+              <a:t>14.04.2022</a:t>
             </a:fld>
             <a:endParaRPr lang="ru-RU"/>
           </a:p>
@@ -3046,7 +3046,7 @@
             <a:fld id="{85A5DE44-605B-4D3B-B2B7-94543DF81A36}" type="datetimeFigureOut">
               <a:rPr lang="ru-RU" smtClean="0"/>
               <a:pPr/>
-              <a:t>13.04.2022</a:t>
+              <a:t>14.04.2022</a:t>
             </a:fld>
             <a:endParaRPr lang="ru-RU"/>
           </a:p>
@@ -7579,7 +7579,7 @@
             <a:pPr algn="ctr"/>
             <a:r>
               <a:rPr lang="ru-RU" sz="1400" dirty="0"/>
-              <a:t>Упразднение голландской монархии и Сената</a:t>
+              <a:t>Упразднение голландской монархии</a:t>
             </a:r>
           </a:p>
         </p:txBody>
@@ -10195,7 +10195,7 @@
           <a:p>
             <a:pPr algn="ctr"/>
             <a:r>
-              <a:rPr lang="ru-RU" sz="300" dirty="0">
+              <a:rPr lang="ru-RU" sz="500" dirty="0">
                 <a:solidFill>
                   <a:schemeClr val="bg1"/>
                 </a:solidFill>
@@ -10203,7 +10203,7 @@
               <a:t>Еще одним показателем деятельности НСВ во время забастовок является уровень выплат поддержки. Нам попадались лишь некоторые данные по этому поводу, которые тоже не всегда были ясны. У нас есть только обзор общей суммы помощи, выплаченной NSV за 1936-38 годы:¬с 1 января 1936 г. по 31 декабря 1936 г. 633,45 с 1 января 1937 г. по 31 декабря 1937 г. 1178,59 с 1 января 1938 г. по 31 августа 1938 г. 152,96NSV прокомментировал эти суммы, что эти суммы не были такими высокими, как в предыдущие годы. NSV увидело в этом результат снижения желания забастовок среди голландских рабочих; явление, которое также повлияло на их собственную деятельность. Среди этих забастовочных пособий выделяется помощь в размере 220 гульденов, которая была предоставлена неорганизованной части бастующих рыбаков в </a:t>
             </a:r>
             <a:r>
-              <a:rPr lang="ru-RU" sz="300" dirty="0" err="1">
+              <a:rPr lang="ru-RU" sz="500" dirty="0" err="1">
                 <a:solidFill>
                   <a:schemeClr val="bg1"/>
                 </a:solidFill>
@@ -10211,7 +10211,7 @@
               <a:t>Эймёйдене</a:t>
             </a:r>
             <a:r>
-              <a:rPr lang="ru-RU" sz="300" dirty="0">
+              <a:rPr lang="ru-RU" sz="500" dirty="0">
                 <a:solidFill>
                   <a:schemeClr val="bg1"/>
                 </a:solidFill>
@@ -10269,7 +10269,7 @@
           <a:p>
             <a:pPr algn="ctr"/>
             <a:r>
-              <a:rPr lang="ru-RU" sz="300" dirty="0">
+              <a:rPr lang="ru-RU" sz="500" dirty="0">
                 <a:solidFill>
                   <a:schemeClr val="bg1"/>
                 </a:solidFill>
@@ -10277,7 +10277,7 @@
               <a:t>Несколько раз NSV поддерживала забастовку в предоставлении работы. Это поразительно, потому что три основные федерации профсоюзов дистанцировались от любых форм борьбы рабочих в службах занятости. В апреле 1936 года в центре занятости в </a:t>
             </a:r>
             <a:r>
-              <a:rPr lang="ru-RU" sz="300" dirty="0" err="1">
+              <a:rPr lang="ru-RU" sz="500" dirty="0" err="1">
                 <a:solidFill>
                   <a:schemeClr val="bg1"/>
                 </a:solidFill>
@@ -10285,7 +10285,7 @@
               <a:t>Вирингермеере</a:t>
             </a:r>
             <a:r>
-              <a:rPr lang="ru-RU" sz="300" dirty="0">
+              <a:rPr lang="ru-RU" sz="500" dirty="0">
                 <a:solidFill>
                   <a:schemeClr val="bg1"/>
                 </a:solidFill>
@@ -10343,7 +10343,7 @@
           <a:p>
             <a:pPr algn="ctr"/>
             <a:r>
-              <a:rPr lang="ru-RU" sz="300" dirty="0">
+              <a:rPr lang="ru-RU" sz="400" dirty="0">
                 <a:solidFill>
                   <a:schemeClr val="bg1"/>
                 </a:solidFill>
@@ -10351,7 +10351,7 @@
               <a:t>В середине 1937 г. в </a:t>
             </a:r>
             <a:r>
-              <a:rPr lang="ru-RU" sz="300" dirty="0" err="1">
+              <a:rPr lang="ru-RU" sz="400" dirty="0" err="1">
                 <a:solidFill>
                   <a:schemeClr val="bg1"/>
                 </a:solidFill>
@@ -10359,7 +10359,7 @@
               <a:t>Девентере</a:t>
             </a:r>
             <a:r>
-              <a:rPr lang="ru-RU" sz="300" dirty="0">
+              <a:rPr lang="ru-RU" sz="400" dirty="0">
                 <a:solidFill>
                   <a:schemeClr val="bg1"/>
                 </a:solidFill>
@@ -10367,7 +10367,7 @@
               <a:t> несколько рабочих, занятых на предприятии по трудоустройству на канале Твенте-Рейн, объявили забастовку. Это было связано с плохими условиями труда. С забастовщиками жестоко расправились сверху. Первоначально они все еще получали 70% от обычной суммы помощи, но сборы и тому подобное для забастовщиков были запрещены. Муниципальный совет неоднократно пытался отправить других безработных в канал Твенте-Рейн. Когда большинство этих безработных отказались, министр </a:t>
             </a:r>
             <a:r>
-              <a:rPr lang="ru-RU" sz="300" dirty="0" err="1">
+              <a:rPr lang="ru-RU" sz="400" dirty="0" err="1">
                 <a:solidFill>
                   <a:schemeClr val="bg1"/>
                 </a:solidFill>
@@ -10375,7 +10375,7 @@
               <a:t>Ромме</a:t>
             </a:r>
             <a:r>
-              <a:rPr lang="ru-RU" sz="300" dirty="0">
+              <a:rPr lang="ru-RU" sz="400" dirty="0">
                 <a:solidFill>
                   <a:schemeClr val="bg1"/>
                 </a:solidFill>
@@ -10383,7 +10383,7 @@
               <a:t> издал из Гааги декрет о прекращении всякой поддержки забастовщиков. Кроме того, B&amp;W </a:t>
             </a:r>
             <a:r>
-              <a:rPr lang="ru-RU" sz="300" dirty="0" err="1">
+              <a:rPr lang="ru-RU" sz="400" dirty="0" err="1">
                 <a:solidFill>
                   <a:schemeClr val="bg1"/>
                 </a:solidFill>
@@ -10391,7 +10391,7 @@
               <a:t>van</a:t>
             </a:r>
             <a:r>
-              <a:rPr lang="ru-RU" sz="300" dirty="0">
+              <a:rPr lang="ru-RU" sz="400" dirty="0">
                 <a:solidFill>
                   <a:schemeClr val="bg1"/>
                 </a:solidFill>
@@ -10399,7 +10399,7 @@
               <a:t> </a:t>
             </a:r>
             <a:r>
-              <a:rPr lang="ru-RU" sz="300" dirty="0" err="1">
+              <a:rPr lang="ru-RU" sz="400" dirty="0" err="1">
                 <a:solidFill>
                   <a:schemeClr val="bg1"/>
                 </a:solidFill>
@@ -10407,7 +10407,7 @@
               <a:t>Deventer</a:t>
             </a:r>
             <a:r>
-              <a:rPr lang="ru-RU" sz="300" dirty="0">
+              <a:rPr lang="ru-RU" sz="400" dirty="0">
                 <a:solidFill>
                   <a:schemeClr val="bg1"/>
                 </a:solidFill>
@@ -19579,7 +19579,7 @@
             <a:pPr algn="ctr"/>
             <a:r>
               <a:rPr lang="ru-RU" sz="4400" dirty="0"/>
-              <a:t>109</a:t>
+              <a:t>144</a:t>
             </a:r>
           </a:p>
         </p:txBody>
@@ -19695,7 +19695,15 @@
             <a:pPr algn="ctr"/>
             <a:r>
               <a:rPr lang="ru-RU" sz="1400" dirty="0"/>
-              <a:t>Прекратить борьбу с религией (не марксисты)</a:t>
+              <a:t>Прекратить борьбу с религией (не марксисты, не </a:t>
+            </a:r>
+            <a:r>
+              <a:rPr lang="ru-RU" sz="1400" dirty="0" err="1"/>
+              <a:t>соц-демы</a:t>
+            </a:r>
+            <a:r>
+              <a:rPr lang="ru-RU" sz="1400" dirty="0"/>
+              <a:t>)</a:t>
             </a:r>
           </a:p>
         </p:txBody>
@@ -19752,6 +19760,14 @@
             </a:r>
             <a:r>
               <a:rPr lang="ru-RU" sz="1400" dirty="0"/>
+              <a:t>, не </a:t>
+            </a:r>
+            <a:r>
+              <a:rPr lang="ru-RU" sz="1400" dirty="0" err="1"/>
+              <a:t>соц-демы</a:t>
+            </a:r>
+            <a:r>
+              <a:rPr lang="ru-RU" sz="1400" dirty="0"/>
               <a:t>)</a:t>
             </a:r>
           </a:p>
@@ -19768,15 +19784,15 @@
           </p:cNvPr>
           <p:cNvCxnSpPr>
             <a:cxnSpLocks/>
-            <a:stCxn id="312" idx="1"/>
+            <a:stCxn id="432" idx="1"/>
             <a:endCxn id="311" idx="3"/>
           </p:cNvCxnSpPr>
           <p:nvPr/>
         </p:nvCxnSpPr>
         <p:spPr>
           <a:xfrm flipH="1">
-            <a:off x="20679866" y="26424160"/>
-            <a:ext cx="2848426" cy="2942"/>
+            <a:off x="20679866" y="26421218"/>
+            <a:ext cx="377389" cy="5884"/>
           </a:xfrm>
           <a:prstGeom prst="line">
             <a:avLst/>
@@ -19968,6 +19984,22 @@
             </a:r>
             <a:r>
               <a:rPr lang="ru-RU" sz="1400" dirty="0"/>
+              <a:t>, не </a:t>
+            </a:r>
+            <a:r>
+              <a:rPr lang="ru-RU" sz="1400" dirty="0" err="1"/>
+              <a:t>соц</a:t>
+            </a:r>
+            <a:r>
+              <a:rPr lang="ru-RU" sz="1400" dirty="0"/>
+              <a:t> </a:t>
+            </a:r>
+            <a:r>
+              <a:rPr lang="ru-RU" sz="1400" dirty="0" err="1"/>
+              <a:t>демы</a:t>
+            </a:r>
+            <a:r>
+              <a:rPr lang="ru-RU" sz="1400" dirty="0"/>
               <a:t>)</a:t>
             </a:r>
           </a:p>
@@ -20388,12 +20420,3736 @@
           </a:p>
         </p:txBody>
       </p:sp>
+      <p:sp>
+        <p:nvSpPr>
+          <p:cNvPr id="340" name="Прямоугольник 339">
+            <a:extLst>
+              <a:ext uri="{FF2B5EF4-FFF2-40B4-BE49-F238E27FC236}">
+                <a16:creationId xmlns:a16="http://schemas.microsoft.com/office/drawing/2014/main" id="{A0509AC1-5636-4CD0-ACAA-C2F71C714106}"/>
+              </a:ext>
+            </a:extLst>
+          </p:cNvPr>
+          <p:cNvSpPr/>
+          <p:nvPr/>
+        </p:nvSpPr>
+        <p:spPr>
+          <a:xfrm>
+            <a:off x="16089647" y="27422787"/>
+            <a:ext cx="2115918" cy="1080000"/>
+          </a:xfrm>
+          <a:prstGeom prst="rect">
+            <a:avLst/>
+          </a:prstGeom>
+          <a:noFill/>
+          <a:ln w="28575"/>
+        </p:spPr>
+        <p:style>
+          <a:lnRef idx="2">
+            <a:schemeClr val="accent1"/>
+          </a:lnRef>
+          <a:fillRef idx="1">
+            <a:schemeClr val="lt1"/>
+          </a:fillRef>
+          <a:effectRef idx="0">
+            <a:schemeClr val="accent1"/>
+          </a:effectRef>
+          <a:fontRef idx="minor">
+            <a:schemeClr val="dk1"/>
+          </a:fontRef>
+        </p:style>
+        <p:txBody>
+          <a:bodyPr lIns="124733" tIns="62367" rIns="124733" bIns="62367" rtlCol="0" anchor="ctr"/>
+          <a:lstStyle/>
+          <a:p>
+            <a:pPr algn="ctr"/>
+            <a:r>
+              <a:rPr lang="ru-RU" sz="1400" dirty="0"/>
+              <a:t>Синтез религии и социализма (не марксисты)</a:t>
+            </a:r>
+          </a:p>
+        </p:txBody>
+      </p:sp>
       <p:cxnSp>
         <p:nvCxnSpPr>
-          <p:cNvPr id="331" name="Соединительная линия уступом 175">
-            <a:extLst>
-              <a:ext uri="{FF2B5EF4-FFF2-40B4-BE49-F238E27FC236}">
-                <a16:creationId xmlns:a16="http://schemas.microsoft.com/office/drawing/2014/main" id="{7D3E2AC7-9562-4CCE-8A61-09D57122D7A4}"/>
+          <p:cNvPr id="345" name="Соединительная линия уступом 175">
+            <a:extLst>
+              <a:ext uri="{FF2B5EF4-FFF2-40B4-BE49-F238E27FC236}">
+                <a16:creationId xmlns:a16="http://schemas.microsoft.com/office/drawing/2014/main" id="{34E33FC0-77CF-46BE-A340-87BA3626493B}"/>
+              </a:ext>
+            </a:extLst>
+          </p:cNvPr>
+          <p:cNvCxnSpPr>
+            <a:cxnSpLocks/>
+            <a:stCxn id="311" idx="2"/>
+            <a:endCxn id="340" idx="0"/>
+          </p:cNvCxnSpPr>
+          <p:nvPr/>
+        </p:nvCxnSpPr>
+        <p:spPr>
+          <a:xfrm rot="5400000">
+            <a:off x="18156915" y="25957794"/>
+            <a:ext cx="455685" cy="2474301"/>
+          </a:xfrm>
+          <a:prstGeom prst="bentConnector3">
+            <a:avLst>
+              <a:gd name="adj1" fmla="val 50000"/>
+            </a:avLst>
+          </a:prstGeom>
+          <a:ln w="28575">
+            <a:tailEnd type="arrow"/>
+          </a:ln>
+        </p:spPr>
+        <p:style>
+          <a:lnRef idx="1">
+            <a:schemeClr val="accent1"/>
+          </a:lnRef>
+          <a:fillRef idx="0">
+            <a:schemeClr val="accent1"/>
+          </a:fillRef>
+          <a:effectRef idx="0">
+            <a:schemeClr val="accent1"/>
+          </a:effectRef>
+          <a:fontRef idx="minor">
+            <a:schemeClr val="tx1"/>
+          </a:fontRef>
+        </p:style>
+      </p:cxnSp>
+      <p:sp>
+        <p:nvSpPr>
+          <p:cNvPr id="348" name="Прямоугольник 347">
+            <a:extLst>
+              <a:ext uri="{FF2B5EF4-FFF2-40B4-BE49-F238E27FC236}">
+                <a16:creationId xmlns:a16="http://schemas.microsoft.com/office/drawing/2014/main" id="{B3026706-0825-419C-B501-250511C29542}"/>
+              </a:ext>
+            </a:extLst>
+          </p:cNvPr>
+          <p:cNvSpPr/>
+          <p:nvPr/>
+        </p:nvSpPr>
+        <p:spPr>
+          <a:xfrm>
+            <a:off x="19789160" y="9170743"/>
+            <a:ext cx="2115918" cy="1080000"/>
+          </a:xfrm>
+          <a:prstGeom prst="rect">
+            <a:avLst/>
+          </a:prstGeom>
+          <a:noFill/>
+          <a:ln w="28575"/>
+        </p:spPr>
+        <p:style>
+          <a:lnRef idx="2">
+            <a:schemeClr val="accent1"/>
+          </a:lnRef>
+          <a:fillRef idx="1">
+            <a:schemeClr val="lt1"/>
+          </a:fillRef>
+          <a:effectRef idx="0">
+            <a:schemeClr val="accent1"/>
+          </a:effectRef>
+          <a:fontRef idx="minor">
+            <a:schemeClr val="dk1"/>
+          </a:fontRef>
+        </p:style>
+        <p:txBody>
+          <a:bodyPr lIns="124733" tIns="62367" rIns="124733" bIns="62367" rtlCol="0" anchor="ctr"/>
+          <a:lstStyle/>
+          <a:p>
+            <a:pPr algn="ctr"/>
+            <a:r>
+              <a:rPr lang="ru-RU" sz="1400" dirty="0"/>
+              <a:t>Восстание «безработных»</a:t>
+            </a:r>
+          </a:p>
+        </p:txBody>
+      </p:sp>
+      <p:cxnSp>
+        <p:nvCxnSpPr>
+          <p:cNvPr id="353" name="Соединительная линия уступом 175">
+            <a:extLst>
+              <a:ext uri="{FF2B5EF4-FFF2-40B4-BE49-F238E27FC236}">
+                <a16:creationId xmlns:a16="http://schemas.microsoft.com/office/drawing/2014/main" id="{1B5E8F1C-5FC9-4398-8D41-111A407804DF}"/>
+              </a:ext>
+            </a:extLst>
+          </p:cNvPr>
+          <p:cNvCxnSpPr>
+            <a:cxnSpLocks/>
+            <a:stCxn id="348" idx="2"/>
+            <a:endCxn id="215" idx="0"/>
+          </p:cNvCxnSpPr>
+          <p:nvPr/>
+        </p:nvCxnSpPr>
+        <p:spPr>
+          <a:xfrm rot="5400000">
+            <a:off x="14320445" y="4333659"/>
+            <a:ext cx="609590" cy="12443758"/>
+          </a:xfrm>
+          <a:prstGeom prst="bentConnector3">
+            <a:avLst>
+              <a:gd name="adj1" fmla="val 50000"/>
+            </a:avLst>
+          </a:prstGeom>
+          <a:ln w="28575">
+            <a:tailEnd type="arrow"/>
+          </a:ln>
+        </p:spPr>
+        <p:style>
+          <a:lnRef idx="1">
+            <a:schemeClr val="accent1"/>
+          </a:lnRef>
+          <a:fillRef idx="0">
+            <a:schemeClr val="accent1"/>
+          </a:fillRef>
+          <a:effectRef idx="0">
+            <a:schemeClr val="accent1"/>
+          </a:effectRef>
+          <a:fontRef idx="minor">
+            <a:schemeClr val="tx1"/>
+          </a:fontRef>
+        </p:style>
+      </p:cxnSp>
+      <p:cxnSp>
+        <p:nvCxnSpPr>
+          <p:cNvPr id="355" name="Соединительная линия уступом 175">
+            <a:extLst>
+              <a:ext uri="{FF2B5EF4-FFF2-40B4-BE49-F238E27FC236}">
+                <a16:creationId xmlns:a16="http://schemas.microsoft.com/office/drawing/2014/main" id="{A77DAF70-C979-4341-8F80-56F5B19E1C55}"/>
+              </a:ext>
+            </a:extLst>
+          </p:cNvPr>
+          <p:cNvCxnSpPr>
+            <a:cxnSpLocks/>
+            <a:stCxn id="348" idx="2"/>
+            <a:endCxn id="70" idx="0"/>
+          </p:cNvCxnSpPr>
+          <p:nvPr/>
+        </p:nvCxnSpPr>
+        <p:spPr>
+          <a:xfrm rot="16200000" flipH="1">
+            <a:off x="22411890" y="8685972"/>
+            <a:ext cx="609590" cy="3739132"/>
+          </a:xfrm>
+          <a:prstGeom prst="bentConnector3">
+            <a:avLst>
+              <a:gd name="adj1" fmla="val 50000"/>
+            </a:avLst>
+          </a:prstGeom>
+          <a:ln w="28575">
+            <a:tailEnd type="arrow"/>
+          </a:ln>
+        </p:spPr>
+        <p:style>
+          <a:lnRef idx="1">
+            <a:schemeClr val="accent1"/>
+          </a:lnRef>
+          <a:fillRef idx="0">
+            <a:schemeClr val="accent1"/>
+          </a:fillRef>
+          <a:effectRef idx="0">
+            <a:schemeClr val="accent1"/>
+          </a:effectRef>
+          <a:fontRef idx="minor">
+            <a:schemeClr val="tx1"/>
+          </a:fontRef>
+        </p:style>
+      </p:cxnSp>
+      <p:cxnSp>
+        <p:nvCxnSpPr>
+          <p:cNvPr id="356" name="Соединительная линия уступом 175">
+            <a:extLst>
+              <a:ext uri="{FF2B5EF4-FFF2-40B4-BE49-F238E27FC236}">
+                <a16:creationId xmlns:a16="http://schemas.microsoft.com/office/drawing/2014/main" id="{51A87234-F8CB-4DB2-857F-70A6300E7E69}"/>
+              </a:ext>
+            </a:extLst>
+          </p:cNvPr>
+          <p:cNvCxnSpPr>
+            <a:cxnSpLocks/>
+            <a:stCxn id="348" idx="2"/>
+            <a:endCxn id="126" idx="0"/>
+          </p:cNvCxnSpPr>
+          <p:nvPr/>
+        </p:nvCxnSpPr>
+        <p:spPr>
+          <a:xfrm rot="5400000">
+            <a:off x="18685295" y="8698509"/>
+            <a:ext cx="609590" cy="3714059"/>
+          </a:xfrm>
+          <a:prstGeom prst="bentConnector3">
+            <a:avLst>
+              <a:gd name="adj1" fmla="val 50000"/>
+            </a:avLst>
+          </a:prstGeom>
+          <a:ln w="28575">
+            <a:tailEnd type="arrow"/>
+          </a:ln>
+        </p:spPr>
+        <p:style>
+          <a:lnRef idx="1">
+            <a:schemeClr val="accent1"/>
+          </a:lnRef>
+          <a:fillRef idx="0">
+            <a:schemeClr val="accent1"/>
+          </a:fillRef>
+          <a:effectRef idx="0">
+            <a:schemeClr val="accent1"/>
+          </a:effectRef>
+          <a:fontRef idx="minor">
+            <a:schemeClr val="tx1"/>
+          </a:fontRef>
+        </p:style>
+      </p:cxnSp>
+      <p:cxnSp>
+        <p:nvCxnSpPr>
+          <p:cNvPr id="358" name="Соединительная линия уступом 175">
+            <a:extLst>
+              <a:ext uri="{FF2B5EF4-FFF2-40B4-BE49-F238E27FC236}">
+                <a16:creationId xmlns:a16="http://schemas.microsoft.com/office/drawing/2014/main" id="{2A0A9C4A-F146-4C0A-8317-15688DB00A96}"/>
+              </a:ext>
+            </a:extLst>
+          </p:cNvPr>
+          <p:cNvCxnSpPr>
+            <a:cxnSpLocks/>
+            <a:stCxn id="348" idx="2"/>
+            <a:endCxn id="100" idx="0"/>
+          </p:cNvCxnSpPr>
+          <p:nvPr/>
+        </p:nvCxnSpPr>
+        <p:spPr>
+          <a:xfrm rot="16200000" flipH="1">
+            <a:off x="27945225" y="3152637"/>
+            <a:ext cx="609590" cy="14805802"/>
+          </a:xfrm>
+          <a:prstGeom prst="bentConnector3">
+            <a:avLst>
+              <a:gd name="adj1" fmla="val 50000"/>
+            </a:avLst>
+          </a:prstGeom>
+          <a:ln w="28575">
+            <a:tailEnd type="arrow"/>
+          </a:ln>
+        </p:spPr>
+        <p:style>
+          <a:lnRef idx="1">
+            <a:schemeClr val="accent1"/>
+          </a:lnRef>
+          <a:fillRef idx="0">
+            <a:schemeClr val="accent1"/>
+          </a:fillRef>
+          <a:effectRef idx="0">
+            <a:schemeClr val="accent1"/>
+          </a:effectRef>
+          <a:fontRef idx="minor">
+            <a:schemeClr val="tx1"/>
+          </a:fontRef>
+        </p:style>
+      </p:cxnSp>
+      <p:cxnSp>
+        <p:nvCxnSpPr>
+          <p:cNvPr id="359" name="Прямая соединительная линия 358">
+            <a:extLst>
+              <a:ext uri="{FF2B5EF4-FFF2-40B4-BE49-F238E27FC236}">
+                <a16:creationId xmlns:a16="http://schemas.microsoft.com/office/drawing/2014/main" id="{A065A208-A295-4D3D-AAD2-3ED8CB24D339}"/>
+              </a:ext>
+            </a:extLst>
+          </p:cNvPr>
+          <p:cNvCxnSpPr>
+            <a:cxnSpLocks/>
+            <a:stCxn id="348" idx="1"/>
+            <a:endCxn id="337" idx="3"/>
+          </p:cNvCxnSpPr>
+          <p:nvPr/>
+        </p:nvCxnSpPr>
+        <p:spPr>
+          <a:xfrm flipH="1">
+            <a:off x="2115918" y="9710743"/>
+            <a:ext cx="17673242" cy="563"/>
+          </a:xfrm>
+          <a:prstGeom prst="line">
+            <a:avLst/>
+          </a:prstGeom>
+          <a:ln w="28575">
+            <a:solidFill>
+              <a:srgbClr val="FF0000"/>
+            </a:solidFill>
+          </a:ln>
+        </p:spPr>
+        <p:style>
+          <a:lnRef idx="1">
+            <a:schemeClr val="accent1"/>
+          </a:lnRef>
+          <a:fillRef idx="0">
+            <a:schemeClr val="accent1"/>
+          </a:fillRef>
+          <a:effectRef idx="0">
+            <a:schemeClr val="accent1"/>
+          </a:effectRef>
+          <a:fontRef idx="minor">
+            <a:schemeClr val="tx1"/>
+          </a:fontRef>
+        </p:style>
+      </p:cxnSp>
+      <p:sp>
+        <p:nvSpPr>
+          <p:cNvPr id="334" name="Прямоугольник 333">
+            <a:extLst>
+              <a:ext uri="{FF2B5EF4-FFF2-40B4-BE49-F238E27FC236}">
+                <a16:creationId xmlns:a16="http://schemas.microsoft.com/office/drawing/2014/main" id="{7852F02B-CE3D-4605-9277-7825170ECCFA}"/>
+              </a:ext>
+            </a:extLst>
+          </p:cNvPr>
+          <p:cNvSpPr/>
+          <p:nvPr/>
+        </p:nvSpPr>
+        <p:spPr>
+          <a:xfrm>
+            <a:off x="30941022" y="16724401"/>
+            <a:ext cx="2115918" cy="1080000"/>
+          </a:xfrm>
+          <a:prstGeom prst="rect">
+            <a:avLst/>
+          </a:prstGeom>
+          <a:solidFill>
+            <a:srgbClr val="FF0000"/>
+          </a:solidFill>
+          <a:ln w="28575"/>
+        </p:spPr>
+        <p:style>
+          <a:lnRef idx="2">
+            <a:schemeClr val="accent1"/>
+          </a:lnRef>
+          <a:fillRef idx="1">
+            <a:schemeClr val="lt1"/>
+          </a:fillRef>
+          <a:effectRef idx="0">
+            <a:schemeClr val="accent1"/>
+          </a:effectRef>
+          <a:fontRef idx="minor">
+            <a:schemeClr val="dk1"/>
+          </a:fontRef>
+        </p:style>
+        <p:txBody>
+          <a:bodyPr lIns="124733" tIns="62367" rIns="124733" bIns="62367" rtlCol="0" anchor="ctr"/>
+          <a:lstStyle/>
+          <a:p>
+            <a:pPr algn="ctr"/>
+            <a:r>
+              <a:rPr lang="ru-RU" sz="1400" dirty="0"/>
+              <a:t>Образовательная система </a:t>
+            </a:r>
+            <a:r>
+              <a:rPr lang="ru-RU" sz="1400" dirty="0" err="1"/>
+              <a:t>Сентона</a:t>
+            </a:r>
+            <a:r>
+              <a:rPr lang="ru-RU" sz="1400" dirty="0"/>
+              <a:t> </a:t>
+            </a:r>
+            <a:r>
+              <a:rPr lang="ru-RU" sz="300" dirty="0"/>
+              <a:t>(У Сетона также были откровенные образовательные идеи, о которых он всегда писал на протяжении всей своей политической деятельности. Сетон написал об этом в брошюре: «На, для вашей школы!» Он осуждал народную школу: она только приспосабливала бы рабочего к легким действиям, необходимым для промышленного труда. Сетон, с другой стороны, выступал за унитарную школу, которая должна воспитывать молодежь без различия пола, возраста, происхождения или способностей. «Мы требуем единства образования, которое включает в себя все существующие и надежные школьные учреждения». Такая школа включает в себя школу-попечительство, начальную школу, среднюю и высшую школу: это целое должно стать единым учебным заведением для всех. Каждый имеет право следовать за всей школой, в зависимости только от «естественной» границы, которая связана с одаренностью учеников.)</a:t>
+            </a:r>
+            <a:endParaRPr lang="ru-RU" sz="1400" dirty="0"/>
+          </a:p>
+        </p:txBody>
+      </p:sp>
+      <p:sp>
+        <p:nvSpPr>
+          <p:cNvPr id="337" name="Прямоугольник 336">
+            <a:extLst>
+              <a:ext uri="{FF2B5EF4-FFF2-40B4-BE49-F238E27FC236}">
+                <a16:creationId xmlns:a16="http://schemas.microsoft.com/office/drawing/2014/main" id="{78BA4649-7A20-427C-B06D-6F35FB52C96B}"/>
+              </a:ext>
+            </a:extLst>
+          </p:cNvPr>
+          <p:cNvSpPr/>
+          <p:nvPr/>
+        </p:nvSpPr>
+        <p:spPr>
+          <a:xfrm>
+            <a:off x="0" y="9171306"/>
+            <a:ext cx="2115918" cy="1080000"/>
+          </a:xfrm>
+          <a:prstGeom prst="rect">
+            <a:avLst/>
+          </a:prstGeom>
+          <a:noFill/>
+          <a:ln w="28575"/>
+        </p:spPr>
+        <p:style>
+          <a:lnRef idx="2">
+            <a:schemeClr val="accent1"/>
+          </a:lnRef>
+          <a:fillRef idx="1">
+            <a:schemeClr val="lt1"/>
+          </a:fillRef>
+          <a:effectRef idx="0">
+            <a:schemeClr val="accent1"/>
+          </a:effectRef>
+          <a:fontRef idx="minor">
+            <a:schemeClr val="dk1"/>
+          </a:fontRef>
+        </p:style>
+        <p:txBody>
+          <a:bodyPr lIns="124733" tIns="62367" rIns="124733" bIns="62367" rtlCol="0" anchor="ctr"/>
+          <a:lstStyle/>
+          <a:p>
+            <a:pPr algn="ctr"/>
+            <a:r>
+              <a:rPr lang="ru-RU" sz="1400" dirty="0"/>
+              <a:t>Формирование нового правительства</a:t>
+            </a:r>
+          </a:p>
+        </p:txBody>
+      </p:sp>
+      <p:sp>
+        <p:nvSpPr>
+          <p:cNvPr id="362" name="Прямоугольник 361">
+            <a:extLst>
+              <a:ext uri="{FF2B5EF4-FFF2-40B4-BE49-F238E27FC236}">
+                <a16:creationId xmlns:a16="http://schemas.microsoft.com/office/drawing/2014/main" id="{48B6A494-ADEF-488D-99AA-1288D5E1468D}"/>
+              </a:ext>
+            </a:extLst>
+          </p:cNvPr>
+          <p:cNvSpPr/>
+          <p:nvPr/>
+        </p:nvSpPr>
+        <p:spPr>
+          <a:xfrm>
+            <a:off x="21066674" y="13797787"/>
+            <a:ext cx="2115918" cy="1080000"/>
+          </a:xfrm>
+          <a:prstGeom prst="rect">
+            <a:avLst/>
+          </a:prstGeom>
+          <a:solidFill>
+            <a:srgbClr val="FF0000"/>
+          </a:solidFill>
+          <a:ln w="28575"/>
+        </p:spPr>
+        <p:style>
+          <a:lnRef idx="2">
+            <a:schemeClr val="accent1"/>
+          </a:lnRef>
+          <a:fillRef idx="1">
+            <a:schemeClr val="lt1"/>
+          </a:fillRef>
+          <a:effectRef idx="0">
+            <a:schemeClr val="accent1"/>
+          </a:effectRef>
+          <a:fontRef idx="minor">
+            <a:schemeClr val="dk1"/>
+          </a:fontRef>
+        </p:style>
+        <p:txBody>
+          <a:bodyPr lIns="124733" tIns="62367" rIns="124733" bIns="62367" rtlCol="0" anchor="ctr"/>
+          <a:lstStyle/>
+          <a:p>
+            <a:pPr algn="ctr"/>
+            <a:r>
+              <a:rPr lang="ru-RU" sz="1400" dirty="0"/>
+              <a:t>Медицинское страхование </a:t>
+            </a:r>
+            <a:r>
+              <a:rPr lang="ru-RU" sz="600" dirty="0"/>
+              <a:t>(КПН выступала за сильную роль государства в экономике. Они считали, что государство должно обеспечить дешевое жилье, бесплатное и нейтральное образование и медицинское страхование.)</a:t>
+            </a:r>
+            <a:endParaRPr lang="ru-RU" sz="1400" dirty="0"/>
+          </a:p>
+        </p:txBody>
+      </p:sp>
+      <p:sp>
+        <p:nvSpPr>
+          <p:cNvPr id="363" name="Прямоугольник 362">
+            <a:extLst>
+              <a:ext uri="{FF2B5EF4-FFF2-40B4-BE49-F238E27FC236}">
+                <a16:creationId xmlns:a16="http://schemas.microsoft.com/office/drawing/2014/main" id="{96934284-13F6-4594-AE55-293CD253F5AA}"/>
+              </a:ext>
+            </a:extLst>
+          </p:cNvPr>
+          <p:cNvSpPr/>
+          <p:nvPr/>
+        </p:nvSpPr>
+        <p:spPr>
+          <a:xfrm>
+            <a:off x="23522065" y="13801262"/>
+            <a:ext cx="2115918" cy="1080000"/>
+          </a:xfrm>
+          <a:prstGeom prst="rect">
+            <a:avLst/>
+          </a:prstGeom>
+          <a:solidFill>
+            <a:srgbClr val="FF0000"/>
+          </a:solidFill>
+          <a:ln w="28575"/>
+        </p:spPr>
+        <p:style>
+          <a:lnRef idx="2">
+            <a:schemeClr val="accent1"/>
+          </a:lnRef>
+          <a:fillRef idx="1">
+            <a:schemeClr val="lt1"/>
+          </a:fillRef>
+          <a:effectRef idx="0">
+            <a:schemeClr val="accent1"/>
+          </a:effectRef>
+          <a:fontRef idx="minor">
+            <a:schemeClr val="dk1"/>
+          </a:fontRef>
+        </p:style>
+        <p:txBody>
+          <a:bodyPr lIns="124733" tIns="62367" rIns="124733" bIns="62367" rtlCol="0" anchor="ctr"/>
+          <a:lstStyle/>
+          <a:p>
+            <a:pPr algn="ctr"/>
+            <a:r>
+              <a:rPr lang="ru-RU" sz="1400" dirty="0"/>
+              <a:t>Плановая экономика </a:t>
+            </a:r>
+            <a:r>
+              <a:rPr lang="ru-RU" sz="600" dirty="0"/>
+              <a:t>(о их мнению, важные отрасли промышленности должны быть национализированы в краткосрочной перспективе, а в долгосрочной перспективе должна быть запланирована вся экономика),.)</a:t>
+            </a:r>
+            <a:endParaRPr lang="ru-RU" sz="1400" dirty="0"/>
+          </a:p>
+        </p:txBody>
+      </p:sp>
+      <p:sp>
+        <p:nvSpPr>
+          <p:cNvPr id="365" name="Прямоугольник 364">
+            <a:extLst>
+              <a:ext uri="{FF2B5EF4-FFF2-40B4-BE49-F238E27FC236}">
+                <a16:creationId xmlns:a16="http://schemas.microsoft.com/office/drawing/2014/main" id="{0C61FFA7-BE23-4619-98CC-6DBC4971EB8B}"/>
+              </a:ext>
+            </a:extLst>
+          </p:cNvPr>
+          <p:cNvSpPr/>
+          <p:nvPr/>
+        </p:nvSpPr>
+        <p:spPr>
+          <a:xfrm>
+            <a:off x="21010023" y="28920372"/>
+            <a:ext cx="2115918" cy="1080000"/>
+          </a:xfrm>
+          <a:prstGeom prst="rect">
+            <a:avLst/>
+          </a:prstGeom>
+          <a:noFill/>
+          <a:ln w="28575"/>
+        </p:spPr>
+        <p:style>
+          <a:lnRef idx="2">
+            <a:schemeClr val="accent1"/>
+          </a:lnRef>
+          <a:fillRef idx="1">
+            <a:schemeClr val="lt1"/>
+          </a:fillRef>
+          <a:effectRef idx="0">
+            <a:schemeClr val="accent1"/>
+          </a:effectRef>
+          <a:fontRef idx="minor">
+            <a:schemeClr val="dk1"/>
+          </a:fontRef>
+        </p:style>
+        <p:txBody>
+          <a:bodyPr lIns="124733" tIns="62367" rIns="124733" bIns="62367" rtlCol="0" anchor="ctr"/>
+          <a:lstStyle/>
+          <a:p>
+            <a:pPr algn="ctr"/>
+            <a:r>
+              <a:rPr lang="ru-RU" sz="1400" dirty="0"/>
+              <a:t>Институт политических и социальных исследований </a:t>
+            </a:r>
+            <a:r>
+              <a:rPr lang="ru-RU" sz="500" dirty="0"/>
+              <a:t>(Научной организацией партии был Институт политических и социальных исследований (</a:t>
+            </a:r>
+            <a:r>
+              <a:rPr lang="ru-RU" sz="500" dirty="0" err="1"/>
+              <a:t>Instituut</a:t>
+            </a:r>
+            <a:r>
+              <a:rPr lang="ru-RU" sz="500" dirty="0"/>
+              <a:t> </a:t>
+            </a:r>
+            <a:r>
+              <a:rPr lang="ru-RU" sz="500" dirty="0" err="1"/>
+              <a:t>voor</a:t>
+            </a:r>
+            <a:r>
+              <a:rPr lang="ru-RU" sz="500" dirty="0"/>
+              <a:t> </a:t>
+            </a:r>
+            <a:r>
+              <a:rPr lang="ru-RU" sz="500" dirty="0" err="1"/>
+              <a:t>Politiek</a:t>
+            </a:r>
+            <a:r>
+              <a:rPr lang="ru-RU" sz="500" dirty="0"/>
+              <a:t> </a:t>
+            </a:r>
+            <a:r>
+              <a:rPr lang="ru-RU" sz="500" dirty="0" err="1"/>
+              <a:t>en</a:t>
+            </a:r>
+            <a:r>
+              <a:rPr lang="ru-RU" sz="500" dirty="0"/>
+              <a:t> </a:t>
+            </a:r>
+            <a:r>
+              <a:rPr lang="ru-RU" sz="500" dirty="0" err="1"/>
+              <a:t>Sociaal</a:t>
+            </a:r>
+            <a:r>
+              <a:rPr lang="ru-RU" sz="500" dirty="0"/>
+              <a:t> </a:t>
+            </a:r>
+            <a:r>
+              <a:rPr lang="ru-RU" sz="500" dirty="0" err="1"/>
+              <a:t>Onderzoek</a:t>
+            </a:r>
+            <a:r>
+              <a:rPr lang="ru-RU" sz="500" dirty="0"/>
+              <a:t>), который издавал </a:t>
+            </a:r>
+            <a:r>
+              <a:rPr lang="ru-RU" sz="500" dirty="0" err="1"/>
+              <a:t>Politiek</a:t>
+            </a:r>
+            <a:r>
+              <a:rPr lang="ru-RU" sz="500" dirty="0"/>
+              <a:t> </a:t>
+            </a:r>
+            <a:r>
+              <a:rPr lang="ru-RU" sz="500" dirty="0" err="1"/>
+              <a:t>en</a:t>
+            </a:r>
+            <a:r>
+              <a:rPr lang="ru-RU" sz="500" dirty="0"/>
+              <a:t> </a:t>
+            </a:r>
+            <a:r>
+              <a:rPr lang="ru-RU" sz="500" dirty="0" err="1"/>
+              <a:t>Cultuur</a:t>
+            </a:r>
+            <a:r>
+              <a:rPr lang="ru-RU" sz="500" dirty="0"/>
+              <a:t> (Политика и культура).)</a:t>
+            </a:r>
+            <a:endParaRPr lang="ru-RU" sz="1400" dirty="0"/>
+          </a:p>
+        </p:txBody>
+      </p:sp>
+      <p:sp>
+        <p:nvSpPr>
+          <p:cNvPr id="366" name="Прямоугольник 365">
+            <a:extLst>
+              <a:ext uri="{FF2B5EF4-FFF2-40B4-BE49-F238E27FC236}">
+                <a16:creationId xmlns:a16="http://schemas.microsoft.com/office/drawing/2014/main" id="{A0F66333-3957-4649-BC56-A9BA9D2A373E}"/>
+              </a:ext>
+            </a:extLst>
+          </p:cNvPr>
+          <p:cNvSpPr/>
+          <p:nvPr/>
+        </p:nvSpPr>
+        <p:spPr>
+          <a:xfrm>
+            <a:off x="21005519" y="12355061"/>
+            <a:ext cx="2115918" cy="1080000"/>
+          </a:xfrm>
+          <a:prstGeom prst="rect">
+            <a:avLst/>
+          </a:prstGeom>
+          <a:solidFill>
+            <a:srgbClr val="FF0000"/>
+          </a:solidFill>
+          <a:ln w="28575"/>
+        </p:spPr>
+        <p:style>
+          <a:lnRef idx="2">
+            <a:schemeClr val="accent1"/>
+          </a:lnRef>
+          <a:fillRef idx="1">
+            <a:schemeClr val="lt1"/>
+          </a:fillRef>
+          <a:effectRef idx="0">
+            <a:schemeClr val="accent1"/>
+          </a:effectRef>
+          <a:fontRef idx="minor">
+            <a:schemeClr val="dk1"/>
+          </a:fontRef>
+        </p:style>
+        <p:txBody>
+          <a:bodyPr lIns="124733" tIns="62367" rIns="124733" bIns="62367" rtlCol="0" anchor="ctr"/>
+          <a:lstStyle/>
+          <a:p>
+            <a:pPr algn="ctr"/>
+            <a:r>
+              <a:rPr lang="ru-RU" sz="1400" dirty="0"/>
+              <a:t>Всеобщая голландская молодёжная лига </a:t>
+            </a:r>
+            <a:r>
+              <a:rPr lang="ru-RU" sz="600" dirty="0"/>
+              <a:t>Молодёжной организацией партии была формально независимая Всеобщая голландская молодёжная лига.</a:t>
+            </a:r>
+            <a:endParaRPr lang="ru-RU" sz="1400" dirty="0"/>
+          </a:p>
+        </p:txBody>
+      </p:sp>
+      <p:cxnSp>
+        <p:nvCxnSpPr>
+          <p:cNvPr id="360" name="Соединительная линия уступом 175">
+            <a:extLst>
+              <a:ext uri="{FF2B5EF4-FFF2-40B4-BE49-F238E27FC236}">
+                <a16:creationId xmlns:a16="http://schemas.microsoft.com/office/drawing/2014/main" id="{3FB5053C-8F65-43C7-B073-E42D95A5DDFD}"/>
+              </a:ext>
+            </a:extLst>
+          </p:cNvPr>
+          <p:cNvCxnSpPr>
+            <a:cxnSpLocks/>
+            <a:stCxn id="187" idx="2"/>
+            <a:endCxn id="312" idx="0"/>
+          </p:cNvCxnSpPr>
+          <p:nvPr/>
+        </p:nvCxnSpPr>
+        <p:spPr>
+          <a:xfrm rot="16200000" flipH="1">
+            <a:off x="23130507" y="24428416"/>
+            <a:ext cx="434766" cy="2476721"/>
+          </a:xfrm>
+          <a:prstGeom prst="bentConnector3">
+            <a:avLst>
+              <a:gd name="adj1" fmla="val 50000"/>
+            </a:avLst>
+          </a:prstGeom>
+          <a:ln w="28575">
+            <a:tailEnd type="arrow"/>
+          </a:ln>
+        </p:spPr>
+        <p:style>
+          <a:lnRef idx="1">
+            <a:schemeClr val="accent1"/>
+          </a:lnRef>
+          <a:fillRef idx="0">
+            <a:schemeClr val="accent1"/>
+          </a:fillRef>
+          <a:effectRef idx="0">
+            <a:schemeClr val="accent1"/>
+          </a:effectRef>
+          <a:fontRef idx="minor">
+            <a:schemeClr val="tx1"/>
+          </a:fontRef>
+        </p:style>
+      </p:cxnSp>
+      <p:cxnSp>
+        <p:nvCxnSpPr>
+          <p:cNvPr id="368" name="Соединительная линия уступом 175">
+            <a:extLst>
+              <a:ext uri="{FF2B5EF4-FFF2-40B4-BE49-F238E27FC236}">
+                <a16:creationId xmlns:a16="http://schemas.microsoft.com/office/drawing/2014/main" id="{83360A38-6747-4427-918E-A630073343C2}"/>
+              </a:ext>
+            </a:extLst>
+          </p:cNvPr>
+          <p:cNvCxnSpPr>
+            <a:cxnSpLocks/>
+            <a:stCxn id="187" idx="2"/>
+            <a:endCxn id="311" idx="0"/>
+          </p:cNvCxnSpPr>
+          <p:nvPr/>
+        </p:nvCxnSpPr>
+        <p:spPr>
+          <a:xfrm rot="5400000">
+            <a:off x="20646865" y="24424437"/>
+            <a:ext cx="437708" cy="2487623"/>
+          </a:xfrm>
+          <a:prstGeom prst="bentConnector3">
+            <a:avLst>
+              <a:gd name="adj1" fmla="val 50000"/>
+            </a:avLst>
+          </a:prstGeom>
+          <a:ln w="28575">
+            <a:tailEnd type="arrow"/>
+          </a:ln>
+        </p:spPr>
+        <p:style>
+          <a:lnRef idx="1">
+            <a:schemeClr val="accent1"/>
+          </a:lnRef>
+          <a:fillRef idx="0">
+            <a:schemeClr val="accent1"/>
+          </a:fillRef>
+          <a:effectRef idx="0">
+            <a:schemeClr val="accent1"/>
+          </a:effectRef>
+          <a:fontRef idx="minor">
+            <a:schemeClr val="tx1"/>
+          </a:fontRef>
+        </p:style>
+      </p:cxnSp>
+      <p:cxnSp>
+        <p:nvCxnSpPr>
+          <p:cNvPr id="370" name="Соединительная линия уступом 175">
+            <a:extLst>
+              <a:ext uri="{FF2B5EF4-FFF2-40B4-BE49-F238E27FC236}">
+                <a16:creationId xmlns:a16="http://schemas.microsoft.com/office/drawing/2014/main" id="{B7FC5062-9EBC-4E35-B854-9094F6418C3E}"/>
+              </a:ext>
+            </a:extLst>
+          </p:cNvPr>
+          <p:cNvCxnSpPr>
+            <a:cxnSpLocks/>
+            <a:stCxn id="70" idx="2"/>
+            <a:endCxn id="137" idx="0"/>
+          </p:cNvCxnSpPr>
+          <p:nvPr/>
+        </p:nvCxnSpPr>
+        <p:spPr>
+          <a:xfrm rot="5400000">
+            <a:off x="21900724" y="9644664"/>
+            <a:ext cx="389859" cy="4981197"/>
+          </a:xfrm>
+          <a:prstGeom prst="bentConnector3">
+            <a:avLst>
+              <a:gd name="adj1" fmla="val 50000"/>
+            </a:avLst>
+          </a:prstGeom>
+          <a:ln w="28575">
+            <a:prstDash val="dash"/>
+            <a:tailEnd type="arrow"/>
+          </a:ln>
+        </p:spPr>
+        <p:style>
+          <a:lnRef idx="1">
+            <a:schemeClr val="accent1"/>
+          </a:lnRef>
+          <a:fillRef idx="0">
+            <a:schemeClr val="accent1"/>
+          </a:fillRef>
+          <a:effectRef idx="0">
+            <a:schemeClr val="accent1"/>
+          </a:effectRef>
+          <a:fontRef idx="minor">
+            <a:schemeClr val="tx1"/>
+          </a:fontRef>
+        </p:style>
+      </p:cxnSp>
+      <p:cxnSp>
+        <p:nvCxnSpPr>
+          <p:cNvPr id="371" name="Прямая со стрелкой 370">
+            <a:extLst>
+              <a:ext uri="{FF2B5EF4-FFF2-40B4-BE49-F238E27FC236}">
+                <a16:creationId xmlns:a16="http://schemas.microsoft.com/office/drawing/2014/main" id="{28BB7A61-670F-4C28-ADC0-E2AD3B233CE5}"/>
+              </a:ext>
+            </a:extLst>
+          </p:cNvPr>
+          <p:cNvCxnSpPr>
+            <a:cxnSpLocks/>
+            <a:stCxn id="137" idx="2"/>
+            <a:endCxn id="190" idx="0"/>
+          </p:cNvCxnSpPr>
+          <p:nvPr/>
+        </p:nvCxnSpPr>
+        <p:spPr>
+          <a:xfrm>
+            <a:off x="19605054" y="13410192"/>
+            <a:ext cx="11363" cy="386125"/>
+          </a:xfrm>
+          <a:prstGeom prst="straightConnector1">
+            <a:avLst/>
+          </a:prstGeom>
+          <a:ln w="28575">
+            <a:tailEnd type="arrow"/>
+          </a:ln>
+        </p:spPr>
+        <p:style>
+          <a:lnRef idx="1">
+            <a:schemeClr val="accent1"/>
+          </a:lnRef>
+          <a:fillRef idx="0">
+            <a:schemeClr val="accent1"/>
+          </a:fillRef>
+          <a:effectRef idx="0">
+            <a:schemeClr val="accent1"/>
+          </a:effectRef>
+          <a:fontRef idx="minor">
+            <a:schemeClr val="tx1"/>
+          </a:fontRef>
+        </p:style>
+      </p:cxnSp>
+      <p:cxnSp>
+        <p:nvCxnSpPr>
+          <p:cNvPr id="372" name="Соединительная линия уступом 175">
+            <a:extLst>
+              <a:ext uri="{FF2B5EF4-FFF2-40B4-BE49-F238E27FC236}">
+                <a16:creationId xmlns:a16="http://schemas.microsoft.com/office/drawing/2014/main" id="{6829D1F1-70EC-4D2B-A306-DC1254777D34}"/>
+              </a:ext>
+            </a:extLst>
+          </p:cNvPr>
+          <p:cNvCxnSpPr>
+            <a:cxnSpLocks/>
+            <a:stCxn id="70" idx="2"/>
+            <a:endCxn id="366" idx="0"/>
+          </p:cNvCxnSpPr>
+          <p:nvPr/>
+        </p:nvCxnSpPr>
+        <p:spPr>
+          <a:xfrm rot="5400000">
+            <a:off x="23117501" y="10886311"/>
+            <a:ext cx="414728" cy="2522773"/>
+          </a:xfrm>
+          <a:prstGeom prst="bentConnector3">
+            <a:avLst>
+              <a:gd name="adj1" fmla="val 50000"/>
+            </a:avLst>
+          </a:prstGeom>
+          <a:ln w="28575">
+            <a:tailEnd type="arrow"/>
+          </a:ln>
+        </p:spPr>
+        <p:style>
+          <a:lnRef idx="1">
+            <a:schemeClr val="accent1"/>
+          </a:lnRef>
+          <a:fillRef idx="0">
+            <a:schemeClr val="accent1"/>
+          </a:fillRef>
+          <a:effectRef idx="0">
+            <a:schemeClr val="accent1"/>
+          </a:effectRef>
+          <a:fontRef idx="minor">
+            <a:schemeClr val="tx1"/>
+          </a:fontRef>
+        </p:style>
+      </p:cxnSp>
+      <p:cxnSp>
+        <p:nvCxnSpPr>
+          <p:cNvPr id="373" name="Соединительная линия уступом 175">
+            <a:extLst>
+              <a:ext uri="{FF2B5EF4-FFF2-40B4-BE49-F238E27FC236}">
+                <a16:creationId xmlns:a16="http://schemas.microsoft.com/office/drawing/2014/main" id="{889943BA-17AF-485D-857E-AA0DC3DBD930}"/>
+              </a:ext>
+            </a:extLst>
+          </p:cNvPr>
+          <p:cNvCxnSpPr>
+            <a:cxnSpLocks/>
+            <a:stCxn id="137" idx="2"/>
+            <a:endCxn id="363" idx="0"/>
+          </p:cNvCxnSpPr>
+          <p:nvPr/>
+        </p:nvCxnSpPr>
+        <p:spPr>
+          <a:xfrm rot="16200000" flipH="1">
+            <a:off x="21897004" y="11118242"/>
+            <a:ext cx="391070" cy="4974970"/>
+          </a:xfrm>
+          <a:prstGeom prst="bentConnector3">
+            <a:avLst>
+              <a:gd name="adj1" fmla="val 50000"/>
+            </a:avLst>
+          </a:prstGeom>
+          <a:ln w="28575">
+            <a:tailEnd type="arrow"/>
+          </a:ln>
+        </p:spPr>
+        <p:style>
+          <a:lnRef idx="1">
+            <a:schemeClr val="accent1"/>
+          </a:lnRef>
+          <a:fillRef idx="0">
+            <a:schemeClr val="accent1"/>
+          </a:fillRef>
+          <a:effectRef idx="0">
+            <a:schemeClr val="accent1"/>
+          </a:effectRef>
+          <a:fontRef idx="minor">
+            <a:schemeClr val="tx1"/>
+          </a:fontRef>
+        </p:style>
+      </p:cxnSp>
+      <p:cxnSp>
+        <p:nvCxnSpPr>
+          <p:cNvPr id="374" name="Соединительная линия уступом 175">
+            <a:extLst>
+              <a:ext uri="{FF2B5EF4-FFF2-40B4-BE49-F238E27FC236}">
+                <a16:creationId xmlns:a16="http://schemas.microsoft.com/office/drawing/2014/main" id="{8F7485F3-2B69-4FAA-B3BF-6F814097751E}"/>
+              </a:ext>
+            </a:extLst>
+          </p:cNvPr>
+          <p:cNvCxnSpPr>
+            <a:cxnSpLocks/>
+            <a:stCxn id="186" idx="2"/>
+            <a:endCxn id="362" idx="0"/>
+          </p:cNvCxnSpPr>
+          <p:nvPr/>
+        </p:nvCxnSpPr>
+        <p:spPr>
+          <a:xfrm rot="5400000">
+            <a:off x="23178764" y="12387211"/>
+            <a:ext cx="356446" cy="2464707"/>
+          </a:xfrm>
+          <a:prstGeom prst="bentConnector3">
+            <a:avLst>
+              <a:gd name="adj1" fmla="val 50000"/>
+            </a:avLst>
+          </a:prstGeom>
+          <a:ln w="28575">
+            <a:tailEnd type="arrow"/>
+          </a:ln>
+        </p:spPr>
+        <p:style>
+          <a:lnRef idx="1">
+            <a:schemeClr val="accent1"/>
+          </a:lnRef>
+          <a:fillRef idx="0">
+            <a:schemeClr val="accent1"/>
+          </a:fillRef>
+          <a:effectRef idx="0">
+            <a:schemeClr val="accent1"/>
+          </a:effectRef>
+          <a:fontRef idx="minor">
+            <a:schemeClr val="tx1"/>
+          </a:fontRef>
+        </p:style>
+      </p:cxnSp>
+      <p:cxnSp>
+        <p:nvCxnSpPr>
+          <p:cNvPr id="375" name="Соединительная линия уступом 175">
+            <a:extLst>
+              <a:ext uri="{FF2B5EF4-FFF2-40B4-BE49-F238E27FC236}">
+                <a16:creationId xmlns:a16="http://schemas.microsoft.com/office/drawing/2014/main" id="{1E882DE1-5DF5-4064-BDB8-39B1907157CB}"/>
+              </a:ext>
+            </a:extLst>
+          </p:cNvPr>
+          <p:cNvCxnSpPr>
+            <a:cxnSpLocks/>
+            <a:stCxn id="184" idx="2"/>
+            <a:endCxn id="334" idx="0"/>
+          </p:cNvCxnSpPr>
+          <p:nvPr/>
+        </p:nvCxnSpPr>
+        <p:spPr>
+          <a:xfrm rot="16200000" flipH="1">
+            <a:off x="29853923" y="14579342"/>
+            <a:ext cx="1845843" cy="2444273"/>
+          </a:xfrm>
+          <a:prstGeom prst="bentConnector3">
+            <a:avLst>
+              <a:gd name="adj1" fmla="val 9750"/>
+            </a:avLst>
+          </a:prstGeom>
+          <a:ln w="28575">
+            <a:tailEnd type="arrow"/>
+          </a:ln>
+        </p:spPr>
+        <p:style>
+          <a:lnRef idx="1">
+            <a:schemeClr val="accent1"/>
+          </a:lnRef>
+          <a:fillRef idx="0">
+            <a:schemeClr val="accent1"/>
+          </a:fillRef>
+          <a:effectRef idx="0">
+            <a:schemeClr val="accent1"/>
+          </a:effectRef>
+          <a:fontRef idx="minor">
+            <a:schemeClr val="tx1"/>
+          </a:fontRef>
+        </p:style>
+      </p:cxnSp>
+      <p:cxnSp>
+        <p:nvCxnSpPr>
+          <p:cNvPr id="379" name="Соединительная линия уступом 175">
+            <a:extLst>
+              <a:ext uri="{FF2B5EF4-FFF2-40B4-BE49-F238E27FC236}">
+                <a16:creationId xmlns:a16="http://schemas.microsoft.com/office/drawing/2014/main" id="{42FE99FC-8E7F-48FB-87E8-19645BFAA35A}"/>
+              </a:ext>
+            </a:extLst>
+          </p:cNvPr>
+          <p:cNvCxnSpPr>
+            <a:cxnSpLocks/>
+            <a:stCxn id="47" idx="2"/>
+            <a:endCxn id="115" idx="0"/>
+          </p:cNvCxnSpPr>
+          <p:nvPr/>
+        </p:nvCxnSpPr>
+        <p:spPr>
+          <a:xfrm rot="16200000" flipH="1">
+            <a:off x="32468962" y="13051864"/>
+            <a:ext cx="348026" cy="1140879"/>
+          </a:xfrm>
+          <a:prstGeom prst="bentConnector3">
+            <a:avLst>
+              <a:gd name="adj1" fmla="val 50000"/>
+            </a:avLst>
+          </a:prstGeom>
+          <a:ln w="28575">
+            <a:tailEnd type="arrow"/>
+          </a:ln>
+        </p:spPr>
+        <p:style>
+          <a:lnRef idx="1">
+            <a:schemeClr val="accent1"/>
+          </a:lnRef>
+          <a:fillRef idx="0">
+            <a:schemeClr val="accent1"/>
+          </a:fillRef>
+          <a:effectRef idx="0">
+            <a:schemeClr val="accent1"/>
+          </a:effectRef>
+          <a:fontRef idx="minor">
+            <a:schemeClr val="tx1"/>
+          </a:fontRef>
+        </p:style>
+      </p:cxnSp>
+      <p:cxnSp>
+        <p:nvCxnSpPr>
+          <p:cNvPr id="382" name="Соединительная линия уступом 175">
+            <a:extLst>
+              <a:ext uri="{FF2B5EF4-FFF2-40B4-BE49-F238E27FC236}">
+                <a16:creationId xmlns:a16="http://schemas.microsoft.com/office/drawing/2014/main" id="{63B4415C-BB22-4437-8FDC-9560F1B4DD02}"/>
+              </a:ext>
+            </a:extLst>
+          </p:cNvPr>
+          <p:cNvCxnSpPr>
+            <a:cxnSpLocks/>
+            <a:stCxn id="132" idx="2"/>
+            <a:endCxn id="101" idx="0"/>
+          </p:cNvCxnSpPr>
+          <p:nvPr/>
+        </p:nvCxnSpPr>
+        <p:spPr>
+          <a:xfrm rot="16200000" flipH="1">
+            <a:off x="38551454" y="14408174"/>
+            <a:ext cx="349188" cy="1273823"/>
+          </a:xfrm>
+          <a:prstGeom prst="bentConnector3">
+            <a:avLst>
+              <a:gd name="adj1" fmla="val 50000"/>
+            </a:avLst>
+          </a:prstGeom>
+          <a:ln w="28575">
+            <a:tailEnd type="arrow"/>
+          </a:ln>
+        </p:spPr>
+        <p:style>
+          <a:lnRef idx="1">
+            <a:schemeClr val="accent1"/>
+          </a:lnRef>
+          <a:fillRef idx="0">
+            <a:schemeClr val="accent1"/>
+          </a:fillRef>
+          <a:effectRef idx="0">
+            <a:schemeClr val="accent1"/>
+          </a:effectRef>
+          <a:fontRef idx="minor">
+            <a:schemeClr val="tx1"/>
+          </a:fontRef>
+        </p:style>
+      </p:cxnSp>
+      <p:cxnSp>
+        <p:nvCxnSpPr>
+          <p:cNvPr id="383" name="Прямая со стрелкой 382">
+            <a:extLst>
+              <a:ext uri="{FF2B5EF4-FFF2-40B4-BE49-F238E27FC236}">
+                <a16:creationId xmlns:a16="http://schemas.microsoft.com/office/drawing/2014/main" id="{3D6BE37E-948E-4842-AA7E-282497879F02}"/>
+              </a:ext>
+            </a:extLst>
+          </p:cNvPr>
+          <p:cNvCxnSpPr>
+            <a:cxnSpLocks/>
+            <a:stCxn id="141" idx="2"/>
+            <a:endCxn id="101" idx="0"/>
+          </p:cNvCxnSpPr>
+          <p:nvPr/>
+        </p:nvCxnSpPr>
+        <p:spPr>
+          <a:xfrm>
+            <a:off x="39362250" y="13448166"/>
+            <a:ext cx="710" cy="1771514"/>
+          </a:xfrm>
+          <a:prstGeom prst="straightConnector1">
+            <a:avLst/>
+          </a:prstGeom>
+          <a:ln w="28575">
+            <a:tailEnd type="arrow"/>
+          </a:ln>
+        </p:spPr>
+        <p:style>
+          <a:lnRef idx="1">
+            <a:schemeClr val="accent1"/>
+          </a:lnRef>
+          <a:fillRef idx="0">
+            <a:schemeClr val="accent1"/>
+          </a:fillRef>
+          <a:effectRef idx="0">
+            <a:schemeClr val="accent1"/>
+          </a:effectRef>
+          <a:fontRef idx="minor">
+            <a:schemeClr val="tx1"/>
+          </a:fontRef>
+        </p:style>
+      </p:cxnSp>
+      <p:cxnSp>
+        <p:nvCxnSpPr>
+          <p:cNvPr id="386" name="Соединительная линия уступом 175">
+            <a:extLst>
+              <a:ext uri="{FF2B5EF4-FFF2-40B4-BE49-F238E27FC236}">
+                <a16:creationId xmlns:a16="http://schemas.microsoft.com/office/drawing/2014/main" id="{0E637B86-3694-47C8-A424-2BD1AB3A07D6}"/>
+              </a:ext>
+            </a:extLst>
+          </p:cNvPr>
+          <p:cNvCxnSpPr>
+            <a:cxnSpLocks/>
+            <a:stCxn id="330" idx="2"/>
+            <a:endCxn id="365" idx="0"/>
+          </p:cNvCxnSpPr>
+          <p:nvPr/>
+        </p:nvCxnSpPr>
+        <p:spPr>
+          <a:xfrm rot="5400000">
+            <a:off x="24383709" y="26187061"/>
+            <a:ext cx="417585" cy="5049037"/>
+          </a:xfrm>
+          <a:prstGeom prst="bentConnector3">
+            <a:avLst>
+              <a:gd name="adj1" fmla="val 50000"/>
+            </a:avLst>
+          </a:prstGeom>
+          <a:ln w="28575">
+            <a:prstDash val="dash"/>
+            <a:tailEnd type="arrow"/>
+          </a:ln>
+        </p:spPr>
+        <p:style>
+          <a:lnRef idx="1">
+            <a:schemeClr val="accent1"/>
+          </a:lnRef>
+          <a:fillRef idx="0">
+            <a:schemeClr val="accent1"/>
+          </a:fillRef>
+          <a:effectRef idx="0">
+            <a:schemeClr val="accent1"/>
+          </a:effectRef>
+          <a:fontRef idx="minor">
+            <a:schemeClr val="tx1"/>
+          </a:fontRef>
+        </p:style>
+      </p:cxnSp>
+      <p:cxnSp>
+        <p:nvCxnSpPr>
+          <p:cNvPr id="387" name="Соединительная линия уступом 175">
+            <a:extLst>
+              <a:ext uri="{FF2B5EF4-FFF2-40B4-BE49-F238E27FC236}">
+                <a16:creationId xmlns:a16="http://schemas.microsoft.com/office/drawing/2014/main" id="{DD4FA738-6222-476D-8E23-D75C8B9727E3}"/>
+              </a:ext>
+            </a:extLst>
+          </p:cNvPr>
+          <p:cNvCxnSpPr>
+            <a:cxnSpLocks/>
+            <a:stCxn id="340" idx="2"/>
+            <a:endCxn id="365" idx="0"/>
+          </p:cNvCxnSpPr>
+          <p:nvPr/>
+        </p:nvCxnSpPr>
+        <p:spPr>
+          <a:xfrm rot="16200000" flipH="1">
+            <a:off x="19399002" y="26251391"/>
+            <a:ext cx="417585" cy="4920376"/>
+          </a:xfrm>
+          <a:prstGeom prst="bentConnector3">
+            <a:avLst>
+              <a:gd name="adj1" fmla="val 50000"/>
+            </a:avLst>
+          </a:prstGeom>
+          <a:ln w="28575">
+            <a:prstDash val="dash"/>
+            <a:tailEnd type="arrow"/>
+          </a:ln>
+        </p:spPr>
+        <p:style>
+          <a:lnRef idx="1">
+            <a:schemeClr val="accent1"/>
+          </a:lnRef>
+          <a:fillRef idx="0">
+            <a:schemeClr val="accent1"/>
+          </a:fillRef>
+          <a:effectRef idx="0">
+            <a:schemeClr val="accent1"/>
+          </a:effectRef>
+          <a:fontRef idx="minor">
+            <a:schemeClr val="tx1"/>
+          </a:fontRef>
+        </p:style>
+      </p:cxnSp>
+      <p:sp>
+        <p:nvSpPr>
+          <p:cNvPr id="389" name="Прямоугольник 388">
+            <a:extLst>
+              <a:ext uri="{FF2B5EF4-FFF2-40B4-BE49-F238E27FC236}">
+                <a16:creationId xmlns:a16="http://schemas.microsoft.com/office/drawing/2014/main" id="{14D5795B-E928-424F-BBF5-9F6DF5A6D53E}"/>
+              </a:ext>
+            </a:extLst>
+          </p:cNvPr>
+          <p:cNvSpPr/>
+          <p:nvPr/>
+        </p:nvSpPr>
+        <p:spPr>
+          <a:xfrm>
+            <a:off x="16384495" y="6083604"/>
+            <a:ext cx="2115918" cy="1080000"/>
+          </a:xfrm>
+          <a:prstGeom prst="rect">
+            <a:avLst/>
+          </a:prstGeom>
+          <a:noFill/>
+          <a:ln w="28575"/>
+        </p:spPr>
+        <p:style>
+          <a:lnRef idx="2">
+            <a:schemeClr val="accent1"/>
+          </a:lnRef>
+          <a:fillRef idx="1">
+            <a:schemeClr val="lt1"/>
+          </a:fillRef>
+          <a:effectRef idx="0">
+            <a:schemeClr val="accent1"/>
+          </a:effectRef>
+          <a:fontRef idx="minor">
+            <a:schemeClr val="dk1"/>
+          </a:fontRef>
+        </p:style>
+        <p:txBody>
+          <a:bodyPr lIns="124733" tIns="62367" rIns="124733" bIns="62367" rtlCol="0" anchor="ctr"/>
+          <a:lstStyle/>
+          <a:p>
+            <a:pPr algn="ctr"/>
+            <a:r>
+              <a:rPr lang="ru-RU" sz="900" dirty="0"/>
+              <a:t>В рамках этого параграфа заслуживают упоминания два направления деятельности НСВ. Во-первых, это деятельность во время выборов. В эти периоды НСВ обычно проводила </a:t>
+            </a:r>
+            <a:r>
+              <a:rPr lang="ru-RU" sz="900" dirty="0" err="1"/>
+              <a:t>антивыборные</a:t>
+            </a:r>
+            <a:r>
+              <a:rPr lang="ru-RU" sz="900" dirty="0"/>
+              <a:t> кампании.</a:t>
+            </a:r>
+            <a:endParaRPr lang="ru-RU" sz="300" dirty="0"/>
+          </a:p>
+        </p:txBody>
+      </p:sp>
+      <p:sp>
+        <p:nvSpPr>
+          <p:cNvPr id="369" name="Прямоугольник 368">
+            <a:extLst>
+              <a:ext uri="{FF2B5EF4-FFF2-40B4-BE49-F238E27FC236}">
+                <a16:creationId xmlns:a16="http://schemas.microsoft.com/office/drawing/2014/main" id="{E86C5F17-7265-4E19-B915-C7F4545A35A1}"/>
+              </a:ext>
+            </a:extLst>
+          </p:cNvPr>
+          <p:cNvSpPr/>
+          <p:nvPr/>
+        </p:nvSpPr>
+        <p:spPr>
+          <a:xfrm>
+            <a:off x="40680922" y="22790939"/>
+            <a:ext cx="2115918" cy="1080000"/>
+          </a:xfrm>
+          <a:prstGeom prst="rect">
+            <a:avLst/>
+          </a:prstGeom>
+          <a:solidFill>
+            <a:schemeClr val="accent1">
+              <a:lumMod val="60000"/>
+              <a:lumOff val="40000"/>
+            </a:schemeClr>
+          </a:solidFill>
+          <a:ln w="28575"/>
+        </p:spPr>
+        <p:style>
+          <a:lnRef idx="2">
+            <a:schemeClr val="accent1"/>
+          </a:lnRef>
+          <a:fillRef idx="1">
+            <a:schemeClr val="lt1"/>
+          </a:fillRef>
+          <a:effectRef idx="0">
+            <a:schemeClr val="accent1"/>
+          </a:effectRef>
+          <a:fontRef idx="minor">
+            <a:schemeClr val="dk1"/>
+          </a:fontRef>
+        </p:style>
+        <p:txBody>
+          <a:bodyPr lIns="124733" tIns="62367" rIns="124733" bIns="62367" rtlCol="0" anchor="ctr"/>
+          <a:lstStyle/>
+          <a:p>
+            <a:pPr algn="ctr"/>
+            <a:r>
+              <a:rPr lang="ru-RU" sz="1400" dirty="0"/>
+              <a:t>Правительство социал-демократической рабочей партии (</a:t>
+            </a:r>
+            <a:r>
+              <a:rPr lang="en-US" sz="1400" dirty="0"/>
+              <a:t>Johan Willem </a:t>
+            </a:r>
+            <a:r>
+              <a:rPr lang="en-US" sz="1400" dirty="0" err="1"/>
+              <a:t>Albarda</a:t>
+            </a:r>
+            <a:r>
+              <a:rPr lang="ru-RU" sz="1400" dirty="0"/>
+              <a:t>)</a:t>
+            </a:r>
+          </a:p>
+        </p:txBody>
+      </p:sp>
+      <p:cxnSp>
+        <p:nvCxnSpPr>
+          <p:cNvPr id="378" name="Прямая соединительная линия 377">
+            <a:extLst>
+              <a:ext uri="{FF2B5EF4-FFF2-40B4-BE49-F238E27FC236}">
+                <a16:creationId xmlns:a16="http://schemas.microsoft.com/office/drawing/2014/main" id="{8466F45B-9126-45EB-8FE8-FE23FCABF06E}"/>
+              </a:ext>
+            </a:extLst>
+          </p:cNvPr>
+          <p:cNvCxnSpPr>
+            <a:cxnSpLocks/>
+          </p:cNvCxnSpPr>
+          <p:nvPr/>
+        </p:nvCxnSpPr>
+        <p:spPr>
+          <a:xfrm>
+            <a:off x="42837374" y="23330939"/>
+            <a:ext cx="8369026" cy="0"/>
+          </a:xfrm>
+          <a:prstGeom prst="line">
+            <a:avLst/>
+          </a:prstGeom>
+          <a:ln w="28575">
+            <a:solidFill>
+              <a:srgbClr val="FF0000"/>
+            </a:solidFill>
+          </a:ln>
+        </p:spPr>
+        <p:style>
+          <a:lnRef idx="1">
+            <a:schemeClr val="accent1"/>
+          </a:lnRef>
+          <a:fillRef idx="0">
+            <a:schemeClr val="accent1"/>
+          </a:fillRef>
+          <a:effectRef idx="0">
+            <a:schemeClr val="accent1"/>
+          </a:effectRef>
+          <a:fontRef idx="minor">
+            <a:schemeClr val="tx1"/>
+          </a:fontRef>
+        </p:style>
+      </p:cxnSp>
+      <p:sp>
+        <p:nvSpPr>
+          <p:cNvPr id="391" name="Прямоугольник 390">
+            <a:extLst>
+              <a:ext uri="{FF2B5EF4-FFF2-40B4-BE49-F238E27FC236}">
+                <a16:creationId xmlns:a16="http://schemas.microsoft.com/office/drawing/2014/main" id="{B5D6DF9B-21B2-4CEA-936A-625EDCD2C861}"/>
+              </a:ext>
+            </a:extLst>
+          </p:cNvPr>
+          <p:cNvSpPr/>
+          <p:nvPr/>
+        </p:nvSpPr>
+        <p:spPr>
+          <a:xfrm>
+            <a:off x="34462533" y="27341918"/>
+            <a:ext cx="2115918" cy="1080000"/>
+          </a:xfrm>
+          <a:prstGeom prst="rect">
+            <a:avLst/>
+          </a:prstGeom>
+          <a:solidFill>
+            <a:schemeClr val="accent1">
+              <a:lumMod val="60000"/>
+              <a:lumOff val="40000"/>
+            </a:schemeClr>
+          </a:solidFill>
+          <a:ln w="28575"/>
+        </p:spPr>
+        <p:style>
+          <a:lnRef idx="2">
+            <a:schemeClr val="accent1"/>
+          </a:lnRef>
+          <a:fillRef idx="1">
+            <a:schemeClr val="lt1"/>
+          </a:fillRef>
+          <a:effectRef idx="0">
+            <a:schemeClr val="accent1"/>
+          </a:effectRef>
+          <a:fontRef idx="minor">
+            <a:schemeClr val="dk1"/>
+          </a:fontRef>
+        </p:style>
+        <p:txBody>
+          <a:bodyPr lIns="124733" tIns="62367" rIns="124733" bIns="62367" rtlCol="0" anchor="ctr"/>
+          <a:lstStyle/>
+          <a:p>
+            <a:pPr algn="ctr"/>
+            <a:r>
+              <a:rPr lang="ru-RU" sz="1400" dirty="0"/>
+              <a:t>Национализация жизненно важных отраслей</a:t>
+            </a:r>
+          </a:p>
+        </p:txBody>
+      </p:sp>
+      <p:sp>
+        <p:nvSpPr>
+          <p:cNvPr id="393" name="Прямоугольник 392">
+            <a:extLst>
+              <a:ext uri="{FF2B5EF4-FFF2-40B4-BE49-F238E27FC236}">
+                <a16:creationId xmlns:a16="http://schemas.microsoft.com/office/drawing/2014/main" id="{44C06B54-3281-4073-8A86-0CF5478BB2ED}"/>
+              </a:ext>
+            </a:extLst>
+          </p:cNvPr>
+          <p:cNvSpPr/>
+          <p:nvPr/>
+        </p:nvSpPr>
+        <p:spPr>
+          <a:xfrm>
+            <a:off x="35696182" y="24283552"/>
+            <a:ext cx="2115918" cy="1080000"/>
+          </a:xfrm>
+          <a:prstGeom prst="rect">
+            <a:avLst/>
+          </a:prstGeom>
+          <a:solidFill>
+            <a:schemeClr val="accent1">
+              <a:lumMod val="60000"/>
+              <a:lumOff val="40000"/>
+            </a:schemeClr>
+          </a:solidFill>
+          <a:ln w="28575"/>
+        </p:spPr>
+        <p:style>
+          <a:lnRef idx="2">
+            <a:schemeClr val="accent1"/>
+          </a:lnRef>
+          <a:fillRef idx="1">
+            <a:schemeClr val="lt1"/>
+          </a:fillRef>
+          <a:effectRef idx="0">
+            <a:schemeClr val="accent1"/>
+          </a:effectRef>
+          <a:fontRef idx="minor">
+            <a:schemeClr val="dk1"/>
+          </a:fontRef>
+        </p:style>
+        <p:txBody>
+          <a:bodyPr lIns="124733" tIns="62367" rIns="124733" bIns="62367" rtlCol="0" anchor="ctr"/>
+          <a:lstStyle/>
+          <a:p>
+            <a:pPr algn="ctr"/>
+            <a:r>
+              <a:rPr lang="ru-RU" sz="1400" dirty="0"/>
+              <a:t>Создание общеэкономического совета </a:t>
+            </a:r>
+            <a:r>
+              <a:rPr lang="ru-RU" sz="300" dirty="0"/>
+              <a:t>(Для достижения второго План труда предусматривал создание Общеэкономического совета, в котором предприятия, рабочие и правительство могли бы координировать экономику посредством рационализации, индустриализации и инвестиций. [1] Таким образом, План Труда был отказом от </a:t>
+            </a:r>
+            <a:r>
+              <a:rPr lang="ru-RU" sz="300" dirty="0" err="1"/>
+              <a:t>марксистскойортодоксия</a:t>
+            </a:r>
+            <a:r>
+              <a:rPr lang="ru-RU" sz="300" dirty="0"/>
+              <a:t> пассивной оппозиции во время завершающегося кризиса капитализма, предоставляющая SDAP образец для поиска ответственности правительства. [6])</a:t>
+            </a:r>
+            <a:endParaRPr lang="ru-RU" sz="1400" dirty="0"/>
+          </a:p>
+        </p:txBody>
+      </p:sp>
+      <p:sp>
+        <p:nvSpPr>
+          <p:cNvPr id="394" name="Прямоугольник 393">
+            <a:extLst>
+              <a:ext uri="{FF2B5EF4-FFF2-40B4-BE49-F238E27FC236}">
+                <a16:creationId xmlns:a16="http://schemas.microsoft.com/office/drawing/2014/main" id="{AF1ADB56-BB1F-41D5-9E42-8E85D39F32AF}"/>
+              </a:ext>
+            </a:extLst>
+          </p:cNvPr>
+          <p:cNvSpPr/>
+          <p:nvPr/>
+        </p:nvSpPr>
+        <p:spPr>
+          <a:xfrm>
+            <a:off x="33323114" y="25844332"/>
+            <a:ext cx="2115918" cy="1080000"/>
+          </a:xfrm>
+          <a:prstGeom prst="rect">
+            <a:avLst/>
+          </a:prstGeom>
+          <a:solidFill>
+            <a:schemeClr val="accent1">
+              <a:lumMod val="60000"/>
+              <a:lumOff val="40000"/>
+            </a:schemeClr>
+          </a:solidFill>
+          <a:ln w="28575"/>
+        </p:spPr>
+        <p:style>
+          <a:lnRef idx="2">
+            <a:schemeClr val="accent1"/>
+          </a:lnRef>
+          <a:fillRef idx="1">
+            <a:schemeClr val="lt1"/>
+          </a:fillRef>
+          <a:effectRef idx="0">
+            <a:schemeClr val="accent1"/>
+          </a:effectRef>
+          <a:fontRef idx="minor">
+            <a:schemeClr val="dk1"/>
+          </a:fontRef>
+        </p:style>
+        <p:txBody>
+          <a:bodyPr lIns="124733" tIns="62367" rIns="124733" bIns="62367" rtlCol="0" anchor="ctr"/>
+          <a:lstStyle/>
+          <a:p>
+            <a:pPr algn="ctr"/>
+            <a:r>
+              <a:rPr lang="ru-RU" sz="1400" dirty="0"/>
+              <a:t>Передать регулирующую роль в экономике правительству</a:t>
+            </a:r>
+          </a:p>
+        </p:txBody>
+      </p:sp>
+      <p:sp>
+        <p:nvSpPr>
+          <p:cNvPr id="395" name="Прямоугольник 394">
+            <a:extLst>
+              <a:ext uri="{FF2B5EF4-FFF2-40B4-BE49-F238E27FC236}">
+                <a16:creationId xmlns:a16="http://schemas.microsoft.com/office/drawing/2014/main" id="{A67554A5-F069-4423-8800-7F865A71AAC9}"/>
+              </a:ext>
+            </a:extLst>
+          </p:cNvPr>
+          <p:cNvSpPr/>
+          <p:nvPr/>
+        </p:nvSpPr>
+        <p:spPr>
+          <a:xfrm>
+            <a:off x="35700537" y="25844332"/>
+            <a:ext cx="2115918" cy="1080000"/>
+          </a:xfrm>
+          <a:prstGeom prst="rect">
+            <a:avLst/>
+          </a:prstGeom>
+          <a:solidFill>
+            <a:schemeClr val="accent1">
+              <a:lumMod val="60000"/>
+              <a:lumOff val="40000"/>
+            </a:schemeClr>
+          </a:solidFill>
+          <a:ln w="28575"/>
+        </p:spPr>
+        <p:style>
+          <a:lnRef idx="2">
+            <a:schemeClr val="accent1"/>
+          </a:lnRef>
+          <a:fillRef idx="1">
+            <a:schemeClr val="lt1"/>
+          </a:fillRef>
+          <a:effectRef idx="0">
+            <a:schemeClr val="accent1"/>
+          </a:effectRef>
+          <a:fontRef idx="minor">
+            <a:schemeClr val="dk1"/>
+          </a:fontRef>
+        </p:style>
+        <p:txBody>
+          <a:bodyPr lIns="124733" tIns="62367" rIns="124733" bIns="62367" rtlCol="0" anchor="ctr"/>
+          <a:lstStyle/>
+          <a:p>
+            <a:pPr algn="ctr"/>
+            <a:r>
+              <a:rPr lang="ru-RU" sz="1400" dirty="0"/>
+              <a:t>Создание </a:t>
+            </a:r>
+            <a:r>
+              <a:rPr lang="ru-RU" sz="1400" dirty="0" err="1"/>
+              <a:t>корпоративистской</a:t>
+            </a:r>
+            <a:r>
+              <a:rPr lang="ru-RU" sz="1400" dirty="0"/>
+              <a:t> модели</a:t>
+            </a:r>
+          </a:p>
+        </p:txBody>
+      </p:sp>
+      <p:sp>
+        <p:nvSpPr>
+          <p:cNvPr id="396" name="Прямоугольник 395">
+            <a:extLst>
+              <a:ext uri="{FF2B5EF4-FFF2-40B4-BE49-F238E27FC236}">
+                <a16:creationId xmlns:a16="http://schemas.microsoft.com/office/drawing/2014/main" id="{42E20D41-9358-43C8-AC34-7415A6263541}"/>
+              </a:ext>
+            </a:extLst>
+          </p:cNvPr>
+          <p:cNvSpPr/>
+          <p:nvPr/>
+        </p:nvSpPr>
+        <p:spPr>
+          <a:xfrm>
+            <a:off x="38118587" y="25844332"/>
+            <a:ext cx="2115918" cy="1080000"/>
+          </a:xfrm>
+          <a:prstGeom prst="rect">
+            <a:avLst/>
+          </a:prstGeom>
+          <a:solidFill>
+            <a:schemeClr val="accent1">
+              <a:lumMod val="60000"/>
+              <a:lumOff val="40000"/>
+            </a:schemeClr>
+          </a:solidFill>
+          <a:ln w="28575"/>
+        </p:spPr>
+        <p:style>
+          <a:lnRef idx="2">
+            <a:schemeClr val="accent1"/>
+          </a:lnRef>
+          <a:fillRef idx="1">
+            <a:schemeClr val="lt1"/>
+          </a:fillRef>
+          <a:effectRef idx="0">
+            <a:schemeClr val="accent1"/>
+          </a:effectRef>
+          <a:fontRef idx="minor">
+            <a:schemeClr val="dk1"/>
+          </a:fontRef>
+        </p:style>
+        <p:txBody>
+          <a:bodyPr lIns="124733" tIns="62367" rIns="124733" bIns="62367" rtlCol="0" anchor="ctr"/>
+          <a:lstStyle/>
+          <a:p>
+            <a:pPr algn="ctr"/>
+            <a:r>
+              <a:rPr lang="ru-RU" sz="1400" dirty="0"/>
+              <a:t>Положиться на саморегулирующуюся рыночную экономику</a:t>
+            </a:r>
+          </a:p>
+        </p:txBody>
+      </p:sp>
+      <p:cxnSp>
+        <p:nvCxnSpPr>
+          <p:cNvPr id="398" name="Прямая соединительная линия 397">
+            <a:extLst>
+              <a:ext uri="{FF2B5EF4-FFF2-40B4-BE49-F238E27FC236}">
+                <a16:creationId xmlns:a16="http://schemas.microsoft.com/office/drawing/2014/main" id="{900756FE-5E3B-49DF-8D51-779F2D97B6C3}"/>
+              </a:ext>
+            </a:extLst>
+          </p:cNvPr>
+          <p:cNvCxnSpPr>
+            <a:cxnSpLocks/>
+            <a:stCxn id="395" idx="1"/>
+            <a:endCxn id="394" idx="3"/>
+          </p:cNvCxnSpPr>
+          <p:nvPr/>
+        </p:nvCxnSpPr>
+        <p:spPr>
+          <a:xfrm flipH="1">
+            <a:off x="35439032" y="26384332"/>
+            <a:ext cx="261505" cy="0"/>
+          </a:xfrm>
+          <a:prstGeom prst="line">
+            <a:avLst/>
+          </a:prstGeom>
+          <a:ln w="28575">
+            <a:solidFill>
+              <a:srgbClr val="FF0000"/>
+            </a:solidFill>
+          </a:ln>
+        </p:spPr>
+        <p:style>
+          <a:lnRef idx="1">
+            <a:schemeClr val="accent1"/>
+          </a:lnRef>
+          <a:fillRef idx="0">
+            <a:schemeClr val="accent1"/>
+          </a:fillRef>
+          <a:effectRef idx="0">
+            <a:schemeClr val="accent1"/>
+          </a:effectRef>
+          <a:fontRef idx="minor">
+            <a:schemeClr val="tx1"/>
+          </a:fontRef>
+        </p:style>
+      </p:cxnSp>
+      <p:cxnSp>
+        <p:nvCxnSpPr>
+          <p:cNvPr id="399" name="Прямая соединительная линия 398">
+            <a:extLst>
+              <a:ext uri="{FF2B5EF4-FFF2-40B4-BE49-F238E27FC236}">
+                <a16:creationId xmlns:a16="http://schemas.microsoft.com/office/drawing/2014/main" id="{6D9FA165-2070-4044-8B37-B5B6F72467E2}"/>
+              </a:ext>
+            </a:extLst>
+          </p:cNvPr>
+          <p:cNvCxnSpPr>
+            <a:cxnSpLocks/>
+            <a:stCxn id="396" idx="1"/>
+            <a:endCxn id="395" idx="3"/>
+          </p:cNvCxnSpPr>
+          <p:nvPr/>
+        </p:nvCxnSpPr>
+        <p:spPr>
+          <a:xfrm flipH="1">
+            <a:off x="37816455" y="26384332"/>
+            <a:ext cx="302132" cy="0"/>
+          </a:xfrm>
+          <a:prstGeom prst="line">
+            <a:avLst/>
+          </a:prstGeom>
+          <a:ln w="28575">
+            <a:solidFill>
+              <a:srgbClr val="FF0000"/>
+            </a:solidFill>
+          </a:ln>
+        </p:spPr>
+        <p:style>
+          <a:lnRef idx="1">
+            <a:schemeClr val="accent1"/>
+          </a:lnRef>
+          <a:fillRef idx="0">
+            <a:schemeClr val="accent1"/>
+          </a:fillRef>
+          <a:effectRef idx="0">
+            <a:schemeClr val="accent1"/>
+          </a:effectRef>
+          <a:fontRef idx="minor">
+            <a:schemeClr val="tx1"/>
+          </a:fontRef>
+        </p:style>
+      </p:cxnSp>
+      <p:cxnSp>
+        <p:nvCxnSpPr>
+          <p:cNvPr id="400" name="Соединительная линия уступом 175">
+            <a:extLst>
+              <a:ext uri="{FF2B5EF4-FFF2-40B4-BE49-F238E27FC236}">
+                <a16:creationId xmlns:a16="http://schemas.microsoft.com/office/drawing/2014/main" id="{1DDA4EBB-7DBF-416F-B0B4-41BCF1846544}"/>
+              </a:ext>
+            </a:extLst>
+          </p:cNvPr>
+          <p:cNvCxnSpPr>
+            <a:cxnSpLocks/>
+            <a:stCxn id="369" idx="2"/>
+            <a:endCxn id="393" idx="0"/>
+          </p:cNvCxnSpPr>
+          <p:nvPr/>
+        </p:nvCxnSpPr>
+        <p:spPr>
+          <a:xfrm rot="5400000">
+            <a:off x="39040205" y="21584875"/>
+            <a:ext cx="412613" cy="4984740"/>
+          </a:xfrm>
+          <a:prstGeom prst="bentConnector3">
+            <a:avLst>
+              <a:gd name="adj1" fmla="val 50000"/>
+            </a:avLst>
+          </a:prstGeom>
+          <a:ln w="28575">
+            <a:tailEnd type="arrow"/>
+          </a:ln>
+        </p:spPr>
+        <p:style>
+          <a:lnRef idx="1">
+            <a:schemeClr val="accent1"/>
+          </a:lnRef>
+          <a:fillRef idx="0">
+            <a:schemeClr val="accent1"/>
+          </a:fillRef>
+          <a:effectRef idx="0">
+            <a:schemeClr val="accent1"/>
+          </a:effectRef>
+          <a:fontRef idx="minor">
+            <a:schemeClr val="tx1"/>
+          </a:fontRef>
+        </p:style>
+      </p:cxnSp>
+      <p:cxnSp>
+        <p:nvCxnSpPr>
+          <p:cNvPr id="401" name="Соединительная линия уступом 175">
+            <a:extLst>
+              <a:ext uri="{FF2B5EF4-FFF2-40B4-BE49-F238E27FC236}">
+                <a16:creationId xmlns:a16="http://schemas.microsoft.com/office/drawing/2014/main" id="{837C0581-8229-4EC6-A4C4-EE16B95588A5}"/>
+              </a:ext>
+            </a:extLst>
+          </p:cNvPr>
+          <p:cNvCxnSpPr>
+            <a:cxnSpLocks/>
+            <a:stCxn id="393" idx="2"/>
+            <a:endCxn id="394" idx="0"/>
+          </p:cNvCxnSpPr>
+          <p:nvPr/>
+        </p:nvCxnSpPr>
+        <p:spPr>
+          <a:xfrm rot="5400000">
+            <a:off x="35327217" y="24417408"/>
+            <a:ext cx="480780" cy="2373068"/>
+          </a:xfrm>
+          <a:prstGeom prst="bentConnector3">
+            <a:avLst>
+              <a:gd name="adj1" fmla="val 50000"/>
+            </a:avLst>
+          </a:prstGeom>
+          <a:ln w="28575">
+            <a:tailEnd type="arrow"/>
+          </a:ln>
+        </p:spPr>
+        <p:style>
+          <a:lnRef idx="1">
+            <a:schemeClr val="accent1"/>
+          </a:lnRef>
+          <a:fillRef idx="0">
+            <a:schemeClr val="accent1"/>
+          </a:fillRef>
+          <a:effectRef idx="0">
+            <a:schemeClr val="accent1"/>
+          </a:effectRef>
+          <a:fontRef idx="minor">
+            <a:schemeClr val="tx1"/>
+          </a:fontRef>
+        </p:style>
+      </p:cxnSp>
+      <p:cxnSp>
+        <p:nvCxnSpPr>
+          <p:cNvPr id="402" name="Соединительная линия уступом 175">
+            <a:extLst>
+              <a:ext uri="{FF2B5EF4-FFF2-40B4-BE49-F238E27FC236}">
+                <a16:creationId xmlns:a16="http://schemas.microsoft.com/office/drawing/2014/main" id="{C75827AD-FFBE-4DC1-B296-11872514F88B}"/>
+              </a:ext>
+            </a:extLst>
+          </p:cNvPr>
+          <p:cNvCxnSpPr>
+            <a:cxnSpLocks/>
+            <a:stCxn id="393" idx="2"/>
+            <a:endCxn id="396" idx="0"/>
+          </p:cNvCxnSpPr>
+          <p:nvPr/>
+        </p:nvCxnSpPr>
+        <p:spPr>
+          <a:xfrm rot="16200000" flipH="1">
+            <a:off x="37724953" y="24392739"/>
+            <a:ext cx="480780" cy="2422405"/>
+          </a:xfrm>
+          <a:prstGeom prst="bentConnector3">
+            <a:avLst>
+              <a:gd name="adj1" fmla="val 50000"/>
+            </a:avLst>
+          </a:prstGeom>
+          <a:ln w="28575">
+            <a:tailEnd type="arrow"/>
+          </a:ln>
+        </p:spPr>
+        <p:style>
+          <a:lnRef idx="1">
+            <a:schemeClr val="accent1"/>
+          </a:lnRef>
+          <a:fillRef idx="0">
+            <a:schemeClr val="accent1"/>
+          </a:fillRef>
+          <a:effectRef idx="0">
+            <a:schemeClr val="accent1"/>
+          </a:effectRef>
+          <a:fontRef idx="minor">
+            <a:schemeClr val="tx1"/>
+          </a:fontRef>
+        </p:style>
+      </p:cxnSp>
+      <p:cxnSp>
+        <p:nvCxnSpPr>
+          <p:cNvPr id="403" name="Прямая со стрелкой 402">
+            <a:extLst>
+              <a:ext uri="{FF2B5EF4-FFF2-40B4-BE49-F238E27FC236}">
+                <a16:creationId xmlns:a16="http://schemas.microsoft.com/office/drawing/2014/main" id="{9042E04C-DFF6-4D6D-A193-3A00D4141CD4}"/>
+              </a:ext>
+            </a:extLst>
+          </p:cNvPr>
+          <p:cNvCxnSpPr>
+            <a:cxnSpLocks/>
+            <a:stCxn id="393" idx="2"/>
+            <a:endCxn id="395" idx="0"/>
+          </p:cNvCxnSpPr>
+          <p:nvPr/>
+        </p:nvCxnSpPr>
+        <p:spPr>
+          <a:xfrm>
+            <a:off x="36754141" y="25363552"/>
+            <a:ext cx="4355" cy="480780"/>
+          </a:xfrm>
+          <a:prstGeom prst="straightConnector1">
+            <a:avLst/>
+          </a:prstGeom>
+          <a:ln w="28575">
+            <a:tailEnd type="arrow"/>
+          </a:ln>
+        </p:spPr>
+        <p:style>
+          <a:lnRef idx="1">
+            <a:schemeClr val="accent1"/>
+          </a:lnRef>
+          <a:fillRef idx="0">
+            <a:schemeClr val="accent1"/>
+          </a:fillRef>
+          <a:effectRef idx="0">
+            <a:schemeClr val="accent1"/>
+          </a:effectRef>
+          <a:fontRef idx="minor">
+            <a:schemeClr val="tx1"/>
+          </a:fontRef>
+        </p:style>
+      </p:cxnSp>
+      <p:sp>
+        <p:nvSpPr>
+          <p:cNvPr id="404" name="Прямоугольник 403">
+            <a:extLst>
+              <a:ext uri="{FF2B5EF4-FFF2-40B4-BE49-F238E27FC236}">
+                <a16:creationId xmlns:a16="http://schemas.microsoft.com/office/drawing/2014/main" id="{484CC994-9DDB-46CD-8A18-988005353D81}"/>
+              </a:ext>
+            </a:extLst>
+          </p:cNvPr>
+          <p:cNvSpPr/>
+          <p:nvPr/>
+        </p:nvSpPr>
+        <p:spPr>
+          <a:xfrm>
+            <a:off x="35709223" y="28839503"/>
+            <a:ext cx="2115918" cy="1080000"/>
+          </a:xfrm>
+          <a:prstGeom prst="rect">
+            <a:avLst/>
+          </a:prstGeom>
+          <a:solidFill>
+            <a:schemeClr val="accent1">
+              <a:lumMod val="60000"/>
+              <a:lumOff val="40000"/>
+            </a:schemeClr>
+          </a:solidFill>
+          <a:ln w="28575"/>
+        </p:spPr>
+        <p:style>
+          <a:lnRef idx="2">
+            <a:schemeClr val="accent1"/>
+          </a:lnRef>
+          <a:fillRef idx="1">
+            <a:schemeClr val="lt1"/>
+          </a:fillRef>
+          <a:effectRef idx="0">
+            <a:schemeClr val="accent1"/>
+          </a:effectRef>
+          <a:fontRef idx="minor">
+            <a:schemeClr val="dk1"/>
+          </a:fontRef>
+        </p:style>
+        <p:txBody>
+          <a:bodyPr lIns="124733" tIns="62367" rIns="124733" bIns="62367" rtlCol="0" anchor="ctr"/>
+          <a:lstStyle/>
+          <a:p>
+            <a:pPr algn="ctr"/>
+            <a:r>
+              <a:rPr lang="ru-RU" sz="1400" dirty="0"/>
+              <a:t>Плотное сотрудничество с профсоюзами</a:t>
+            </a:r>
+          </a:p>
+        </p:txBody>
+      </p:sp>
+      <p:cxnSp>
+        <p:nvCxnSpPr>
+          <p:cNvPr id="405" name="Прямая со стрелкой 404">
+            <a:extLst>
+              <a:ext uri="{FF2B5EF4-FFF2-40B4-BE49-F238E27FC236}">
+                <a16:creationId xmlns:a16="http://schemas.microsoft.com/office/drawing/2014/main" id="{4199483D-C6CF-4A07-9A27-B9990579FEB4}"/>
+              </a:ext>
+            </a:extLst>
+          </p:cNvPr>
+          <p:cNvCxnSpPr>
+            <a:cxnSpLocks/>
+            <a:stCxn id="395" idx="2"/>
+            <a:endCxn id="404" idx="0"/>
+          </p:cNvCxnSpPr>
+          <p:nvPr/>
+        </p:nvCxnSpPr>
+        <p:spPr>
+          <a:xfrm>
+            <a:off x="36758496" y="26924332"/>
+            <a:ext cx="8686" cy="1915171"/>
+          </a:xfrm>
+          <a:prstGeom prst="straightConnector1">
+            <a:avLst/>
+          </a:prstGeom>
+          <a:ln w="28575">
+            <a:tailEnd type="arrow"/>
+          </a:ln>
+        </p:spPr>
+        <p:style>
+          <a:lnRef idx="1">
+            <a:schemeClr val="accent1"/>
+          </a:lnRef>
+          <a:fillRef idx="0">
+            <a:schemeClr val="accent1"/>
+          </a:fillRef>
+          <a:effectRef idx="0">
+            <a:schemeClr val="accent1"/>
+          </a:effectRef>
+          <a:fontRef idx="minor">
+            <a:schemeClr val="tx1"/>
+          </a:fontRef>
+        </p:style>
+      </p:cxnSp>
+      <p:cxnSp>
+        <p:nvCxnSpPr>
+          <p:cNvPr id="406" name="Соединительная линия уступом 175">
+            <a:extLst>
+              <a:ext uri="{FF2B5EF4-FFF2-40B4-BE49-F238E27FC236}">
+                <a16:creationId xmlns:a16="http://schemas.microsoft.com/office/drawing/2014/main" id="{CD2C4F75-4C6D-41AE-8EDE-00C04CD7D72B}"/>
+              </a:ext>
+            </a:extLst>
+          </p:cNvPr>
+          <p:cNvCxnSpPr>
+            <a:cxnSpLocks/>
+            <a:stCxn id="396" idx="2"/>
+            <a:endCxn id="391" idx="0"/>
+          </p:cNvCxnSpPr>
+          <p:nvPr/>
+        </p:nvCxnSpPr>
+        <p:spPr>
+          <a:xfrm rot="5400000">
+            <a:off x="37139726" y="25305098"/>
+            <a:ext cx="417586" cy="3656054"/>
+          </a:xfrm>
+          <a:prstGeom prst="bentConnector3">
+            <a:avLst>
+              <a:gd name="adj1" fmla="val 50000"/>
+            </a:avLst>
+          </a:prstGeom>
+          <a:ln w="28575">
+            <a:prstDash val="dash"/>
+            <a:tailEnd type="arrow"/>
+          </a:ln>
+        </p:spPr>
+        <p:style>
+          <a:lnRef idx="1">
+            <a:schemeClr val="accent1"/>
+          </a:lnRef>
+          <a:fillRef idx="0">
+            <a:schemeClr val="accent1"/>
+          </a:fillRef>
+          <a:effectRef idx="0">
+            <a:schemeClr val="accent1"/>
+          </a:effectRef>
+          <a:fontRef idx="minor">
+            <a:schemeClr val="tx1"/>
+          </a:fontRef>
+        </p:style>
+      </p:cxnSp>
+      <p:cxnSp>
+        <p:nvCxnSpPr>
+          <p:cNvPr id="407" name="Соединительная линия уступом 175">
+            <a:extLst>
+              <a:ext uri="{FF2B5EF4-FFF2-40B4-BE49-F238E27FC236}">
+                <a16:creationId xmlns:a16="http://schemas.microsoft.com/office/drawing/2014/main" id="{4FB2E672-A687-448E-9EEB-98732CDE113F}"/>
+              </a:ext>
+            </a:extLst>
+          </p:cNvPr>
+          <p:cNvCxnSpPr>
+            <a:cxnSpLocks/>
+            <a:stCxn id="395" idx="2"/>
+            <a:endCxn id="391" idx="0"/>
+          </p:cNvCxnSpPr>
+          <p:nvPr/>
+        </p:nvCxnSpPr>
+        <p:spPr>
+          <a:xfrm rot="5400000">
+            <a:off x="35930701" y="26514123"/>
+            <a:ext cx="417586" cy="1238004"/>
+          </a:xfrm>
+          <a:prstGeom prst="bentConnector3">
+            <a:avLst>
+              <a:gd name="adj1" fmla="val 50000"/>
+            </a:avLst>
+          </a:prstGeom>
+          <a:ln w="28575">
+            <a:prstDash val="dash"/>
+            <a:tailEnd type="arrow"/>
+          </a:ln>
+        </p:spPr>
+        <p:style>
+          <a:lnRef idx="1">
+            <a:schemeClr val="accent1"/>
+          </a:lnRef>
+          <a:fillRef idx="0">
+            <a:schemeClr val="accent1"/>
+          </a:fillRef>
+          <a:effectRef idx="0">
+            <a:schemeClr val="accent1"/>
+          </a:effectRef>
+          <a:fontRef idx="minor">
+            <a:schemeClr val="tx1"/>
+          </a:fontRef>
+        </p:style>
+      </p:cxnSp>
+      <p:sp>
+        <p:nvSpPr>
+          <p:cNvPr id="408" name="Прямоугольник 407">
+            <a:extLst>
+              <a:ext uri="{FF2B5EF4-FFF2-40B4-BE49-F238E27FC236}">
+                <a16:creationId xmlns:a16="http://schemas.microsoft.com/office/drawing/2014/main" id="{2E65A80B-0469-46CC-B0AC-4AE52AD1B04C}"/>
+              </a:ext>
+            </a:extLst>
+          </p:cNvPr>
+          <p:cNvSpPr/>
+          <p:nvPr/>
+        </p:nvSpPr>
+        <p:spPr>
+          <a:xfrm>
+            <a:off x="36938540" y="27341917"/>
+            <a:ext cx="2115918" cy="1080000"/>
+          </a:xfrm>
+          <a:prstGeom prst="rect">
+            <a:avLst/>
+          </a:prstGeom>
+          <a:solidFill>
+            <a:schemeClr val="accent1">
+              <a:lumMod val="60000"/>
+              <a:lumOff val="40000"/>
+            </a:schemeClr>
+          </a:solidFill>
+          <a:ln w="28575"/>
+        </p:spPr>
+        <p:style>
+          <a:lnRef idx="2">
+            <a:schemeClr val="accent1"/>
+          </a:lnRef>
+          <a:fillRef idx="1">
+            <a:schemeClr val="lt1"/>
+          </a:fillRef>
+          <a:effectRef idx="0">
+            <a:schemeClr val="accent1"/>
+          </a:effectRef>
+          <a:fontRef idx="minor">
+            <a:schemeClr val="dk1"/>
+          </a:fontRef>
+        </p:style>
+        <p:txBody>
+          <a:bodyPr lIns="124733" tIns="62367" rIns="124733" bIns="62367" rtlCol="0" anchor="ctr"/>
+          <a:lstStyle/>
+          <a:p>
+            <a:pPr algn="ctr"/>
+            <a:r>
+              <a:rPr lang="ru-RU" sz="1400" dirty="0"/>
+              <a:t>Обеспечить инвестиции в промышленность</a:t>
+            </a:r>
+          </a:p>
+        </p:txBody>
+      </p:sp>
+      <p:cxnSp>
+        <p:nvCxnSpPr>
+          <p:cNvPr id="409" name="Соединительная линия уступом 175">
+            <a:extLst>
+              <a:ext uri="{FF2B5EF4-FFF2-40B4-BE49-F238E27FC236}">
+                <a16:creationId xmlns:a16="http://schemas.microsoft.com/office/drawing/2014/main" id="{C9D1960B-38D5-414C-AAFE-51C414237620}"/>
+              </a:ext>
+            </a:extLst>
+          </p:cNvPr>
+          <p:cNvCxnSpPr>
+            <a:cxnSpLocks/>
+            <a:stCxn id="394" idx="2"/>
+            <a:endCxn id="391" idx="0"/>
+          </p:cNvCxnSpPr>
+          <p:nvPr/>
+        </p:nvCxnSpPr>
+        <p:spPr>
+          <a:xfrm rot="16200000" flipH="1">
+            <a:off x="34741989" y="26563415"/>
+            <a:ext cx="417586" cy="1139419"/>
+          </a:xfrm>
+          <a:prstGeom prst="bentConnector3">
+            <a:avLst>
+              <a:gd name="adj1" fmla="val 50000"/>
+            </a:avLst>
+          </a:prstGeom>
+          <a:ln w="28575">
+            <a:prstDash val="dash"/>
+            <a:tailEnd type="arrow"/>
+          </a:ln>
+        </p:spPr>
+        <p:style>
+          <a:lnRef idx="1">
+            <a:schemeClr val="accent1"/>
+          </a:lnRef>
+          <a:fillRef idx="0">
+            <a:schemeClr val="accent1"/>
+          </a:fillRef>
+          <a:effectRef idx="0">
+            <a:schemeClr val="accent1"/>
+          </a:effectRef>
+          <a:fontRef idx="minor">
+            <a:schemeClr val="tx1"/>
+          </a:fontRef>
+        </p:style>
+      </p:cxnSp>
+      <p:sp>
+        <p:nvSpPr>
+          <p:cNvPr id="410" name="Прямоугольник 409">
+            <a:extLst>
+              <a:ext uri="{FF2B5EF4-FFF2-40B4-BE49-F238E27FC236}">
+                <a16:creationId xmlns:a16="http://schemas.microsoft.com/office/drawing/2014/main" id="{73CD13B2-1C37-43AD-A48B-6C11EBD0C47F}"/>
+              </a:ext>
+            </a:extLst>
+          </p:cNvPr>
+          <p:cNvSpPr/>
+          <p:nvPr/>
+        </p:nvSpPr>
+        <p:spPr>
+          <a:xfrm>
+            <a:off x="38118587" y="28839503"/>
+            <a:ext cx="2115918" cy="1080000"/>
+          </a:xfrm>
+          <a:prstGeom prst="rect">
+            <a:avLst/>
+          </a:prstGeom>
+          <a:solidFill>
+            <a:schemeClr val="accent1">
+              <a:lumMod val="60000"/>
+              <a:lumOff val="40000"/>
+            </a:schemeClr>
+          </a:solidFill>
+          <a:ln w="28575"/>
+        </p:spPr>
+        <p:style>
+          <a:lnRef idx="2">
+            <a:schemeClr val="accent1"/>
+          </a:lnRef>
+          <a:fillRef idx="1">
+            <a:schemeClr val="lt1"/>
+          </a:fillRef>
+          <a:effectRef idx="0">
+            <a:schemeClr val="accent1"/>
+          </a:effectRef>
+          <a:fontRef idx="minor">
+            <a:schemeClr val="dk1"/>
+          </a:fontRef>
+        </p:style>
+        <p:txBody>
+          <a:bodyPr lIns="124733" tIns="62367" rIns="124733" bIns="62367" rtlCol="0" anchor="ctr"/>
+          <a:lstStyle/>
+          <a:p>
+            <a:pPr algn="ctr"/>
+            <a:r>
+              <a:rPr lang="ru-RU" sz="1400" dirty="0"/>
+              <a:t>Плотное сотрудничество с организациями</a:t>
+            </a:r>
+          </a:p>
+        </p:txBody>
+      </p:sp>
+      <p:cxnSp>
+        <p:nvCxnSpPr>
+          <p:cNvPr id="411" name="Прямая со стрелкой 410">
+            <a:extLst>
+              <a:ext uri="{FF2B5EF4-FFF2-40B4-BE49-F238E27FC236}">
+                <a16:creationId xmlns:a16="http://schemas.microsoft.com/office/drawing/2014/main" id="{18866F54-58D0-49CA-AF7E-4C8756C05A81}"/>
+              </a:ext>
+            </a:extLst>
+          </p:cNvPr>
+          <p:cNvCxnSpPr>
+            <a:cxnSpLocks/>
+            <a:stCxn id="396" idx="2"/>
+            <a:endCxn id="410" idx="0"/>
+          </p:cNvCxnSpPr>
+          <p:nvPr/>
+        </p:nvCxnSpPr>
+        <p:spPr>
+          <a:xfrm>
+            <a:off x="39176546" y="26924332"/>
+            <a:ext cx="0" cy="1915171"/>
+          </a:xfrm>
+          <a:prstGeom prst="straightConnector1">
+            <a:avLst/>
+          </a:prstGeom>
+          <a:ln w="28575">
+            <a:tailEnd type="arrow"/>
+          </a:ln>
+        </p:spPr>
+        <p:style>
+          <a:lnRef idx="1">
+            <a:schemeClr val="accent1"/>
+          </a:lnRef>
+          <a:fillRef idx="0">
+            <a:schemeClr val="accent1"/>
+          </a:fillRef>
+          <a:effectRef idx="0">
+            <a:schemeClr val="accent1"/>
+          </a:effectRef>
+          <a:fontRef idx="minor">
+            <a:schemeClr val="tx1"/>
+          </a:fontRef>
+        </p:style>
+      </p:cxnSp>
+      <p:sp>
+        <p:nvSpPr>
+          <p:cNvPr id="412" name="Прямоугольник 411">
+            <a:extLst>
+              <a:ext uri="{FF2B5EF4-FFF2-40B4-BE49-F238E27FC236}">
+                <a16:creationId xmlns:a16="http://schemas.microsoft.com/office/drawing/2014/main" id="{ADBFD3AA-DF9E-41A5-9992-6F85DE7481DC}"/>
+              </a:ext>
+            </a:extLst>
+          </p:cNvPr>
+          <p:cNvSpPr/>
+          <p:nvPr/>
+        </p:nvSpPr>
+        <p:spPr>
+          <a:xfrm>
+            <a:off x="33327452" y="28839503"/>
+            <a:ext cx="2115918" cy="1080000"/>
+          </a:xfrm>
+          <a:prstGeom prst="rect">
+            <a:avLst/>
+          </a:prstGeom>
+          <a:solidFill>
+            <a:schemeClr val="accent1">
+              <a:lumMod val="60000"/>
+              <a:lumOff val="40000"/>
+            </a:schemeClr>
+          </a:solidFill>
+          <a:ln w="28575"/>
+        </p:spPr>
+        <p:style>
+          <a:lnRef idx="2">
+            <a:schemeClr val="accent1"/>
+          </a:lnRef>
+          <a:fillRef idx="1">
+            <a:schemeClr val="lt1"/>
+          </a:fillRef>
+          <a:effectRef idx="0">
+            <a:schemeClr val="accent1"/>
+          </a:effectRef>
+          <a:fontRef idx="minor">
+            <a:schemeClr val="dk1"/>
+          </a:fontRef>
+        </p:style>
+        <p:txBody>
+          <a:bodyPr lIns="124733" tIns="62367" rIns="124733" bIns="62367" rtlCol="0" anchor="ctr"/>
+          <a:lstStyle/>
+          <a:p>
+            <a:pPr algn="ctr"/>
+            <a:r>
+              <a:rPr lang="ru-RU" sz="1400" dirty="0"/>
+              <a:t>Плотное сотрудничество с организациями</a:t>
+            </a:r>
+          </a:p>
+        </p:txBody>
+      </p:sp>
+      <p:cxnSp>
+        <p:nvCxnSpPr>
+          <p:cNvPr id="413" name="Прямая со стрелкой 412">
+            <a:extLst>
+              <a:ext uri="{FF2B5EF4-FFF2-40B4-BE49-F238E27FC236}">
+                <a16:creationId xmlns:a16="http://schemas.microsoft.com/office/drawing/2014/main" id="{4CE2EE3E-D9CC-4744-BD50-F34DD985FA28}"/>
+              </a:ext>
+            </a:extLst>
+          </p:cNvPr>
+          <p:cNvCxnSpPr>
+            <a:cxnSpLocks/>
+            <a:stCxn id="394" idx="2"/>
+            <a:endCxn id="412" idx="0"/>
+          </p:cNvCxnSpPr>
+          <p:nvPr/>
+        </p:nvCxnSpPr>
+        <p:spPr>
+          <a:xfrm>
+            <a:off x="34381073" y="26924332"/>
+            <a:ext cx="4338" cy="1915171"/>
+          </a:xfrm>
+          <a:prstGeom prst="straightConnector1">
+            <a:avLst/>
+          </a:prstGeom>
+          <a:ln w="28575">
+            <a:tailEnd type="arrow"/>
+          </a:ln>
+        </p:spPr>
+        <p:style>
+          <a:lnRef idx="1">
+            <a:schemeClr val="accent1"/>
+          </a:lnRef>
+          <a:fillRef idx="0">
+            <a:schemeClr val="accent1"/>
+          </a:fillRef>
+          <a:effectRef idx="0">
+            <a:schemeClr val="accent1"/>
+          </a:effectRef>
+          <a:fontRef idx="minor">
+            <a:schemeClr val="tx1"/>
+          </a:fontRef>
+        </p:style>
+      </p:cxnSp>
+      <p:sp>
+        <p:nvSpPr>
+          <p:cNvPr id="414" name="Прямоугольник 413">
+            <a:extLst>
+              <a:ext uri="{FF2B5EF4-FFF2-40B4-BE49-F238E27FC236}">
+                <a16:creationId xmlns:a16="http://schemas.microsoft.com/office/drawing/2014/main" id="{5B2DAA12-7223-4C02-A3FD-55D4FBA67895}"/>
+              </a:ext>
+            </a:extLst>
+          </p:cNvPr>
+          <p:cNvSpPr/>
+          <p:nvPr/>
+        </p:nvSpPr>
+        <p:spPr>
+          <a:xfrm>
+            <a:off x="34458920" y="30337088"/>
+            <a:ext cx="2115918" cy="1080000"/>
+          </a:xfrm>
+          <a:prstGeom prst="rect">
+            <a:avLst/>
+          </a:prstGeom>
+          <a:solidFill>
+            <a:schemeClr val="accent1">
+              <a:lumMod val="60000"/>
+              <a:lumOff val="40000"/>
+            </a:schemeClr>
+          </a:solidFill>
+          <a:ln w="28575"/>
+        </p:spPr>
+        <p:style>
+          <a:lnRef idx="2">
+            <a:schemeClr val="accent1"/>
+          </a:lnRef>
+          <a:fillRef idx="1">
+            <a:schemeClr val="lt1"/>
+          </a:fillRef>
+          <a:effectRef idx="0">
+            <a:schemeClr val="accent1"/>
+          </a:effectRef>
+          <a:fontRef idx="minor">
+            <a:schemeClr val="dk1"/>
+          </a:fontRef>
+        </p:style>
+        <p:txBody>
+          <a:bodyPr lIns="124733" tIns="62367" rIns="124733" bIns="62367" rtlCol="0" anchor="ctr"/>
+          <a:lstStyle/>
+          <a:p>
+            <a:pPr algn="ctr"/>
+            <a:r>
+              <a:rPr lang="ru-RU" sz="1400" dirty="0"/>
+              <a:t>Обеспечить устойчивый экономический рост</a:t>
+            </a:r>
+          </a:p>
+        </p:txBody>
+      </p:sp>
+      <p:sp>
+        <p:nvSpPr>
+          <p:cNvPr id="415" name="Прямоугольник 414">
+            <a:extLst>
+              <a:ext uri="{FF2B5EF4-FFF2-40B4-BE49-F238E27FC236}">
+                <a16:creationId xmlns:a16="http://schemas.microsoft.com/office/drawing/2014/main" id="{935011A5-F01B-44A4-BD24-001B35DCB2DC}"/>
+              </a:ext>
+            </a:extLst>
+          </p:cNvPr>
+          <p:cNvSpPr/>
+          <p:nvPr/>
+        </p:nvSpPr>
+        <p:spPr>
+          <a:xfrm>
+            <a:off x="36907384" y="30337088"/>
+            <a:ext cx="2115918" cy="1080000"/>
+          </a:xfrm>
+          <a:prstGeom prst="rect">
+            <a:avLst/>
+          </a:prstGeom>
+          <a:solidFill>
+            <a:schemeClr val="accent1">
+              <a:lumMod val="60000"/>
+              <a:lumOff val="40000"/>
+            </a:schemeClr>
+          </a:solidFill>
+          <a:ln w="28575"/>
+        </p:spPr>
+        <p:style>
+          <a:lnRef idx="2">
+            <a:schemeClr val="accent1"/>
+          </a:lnRef>
+          <a:fillRef idx="1">
+            <a:schemeClr val="lt1"/>
+          </a:fillRef>
+          <a:effectRef idx="0">
+            <a:schemeClr val="accent1"/>
+          </a:effectRef>
+          <a:fontRef idx="minor">
+            <a:schemeClr val="dk1"/>
+          </a:fontRef>
+        </p:style>
+        <p:txBody>
+          <a:bodyPr lIns="124733" tIns="62367" rIns="124733" bIns="62367" rtlCol="0" anchor="ctr"/>
+          <a:lstStyle/>
+          <a:p>
+            <a:pPr algn="ctr"/>
+            <a:r>
+              <a:rPr lang="ru-RU" sz="1400" dirty="0"/>
+              <a:t>Справедливое распределение доходов</a:t>
+            </a:r>
+          </a:p>
+        </p:txBody>
+      </p:sp>
+      <p:cxnSp>
+        <p:nvCxnSpPr>
+          <p:cNvPr id="416" name="Соединительная линия уступом 175">
+            <a:extLst>
+              <a:ext uri="{FF2B5EF4-FFF2-40B4-BE49-F238E27FC236}">
+                <a16:creationId xmlns:a16="http://schemas.microsoft.com/office/drawing/2014/main" id="{4E24EEA1-11CC-41B5-A7CD-C9AC5EAEE5BD}"/>
+              </a:ext>
+            </a:extLst>
+          </p:cNvPr>
+          <p:cNvCxnSpPr>
+            <a:cxnSpLocks/>
+            <a:stCxn id="410" idx="2"/>
+            <a:endCxn id="414" idx="0"/>
+          </p:cNvCxnSpPr>
+          <p:nvPr/>
+        </p:nvCxnSpPr>
+        <p:spPr>
+          <a:xfrm rot="5400000">
+            <a:off x="37137921" y="28298462"/>
+            <a:ext cx="417585" cy="3659667"/>
+          </a:xfrm>
+          <a:prstGeom prst="bentConnector3">
+            <a:avLst>
+              <a:gd name="adj1" fmla="val 50000"/>
+            </a:avLst>
+          </a:prstGeom>
+          <a:ln w="28575">
+            <a:prstDash val="dash"/>
+            <a:tailEnd type="arrow"/>
+          </a:ln>
+        </p:spPr>
+        <p:style>
+          <a:lnRef idx="1">
+            <a:schemeClr val="accent1"/>
+          </a:lnRef>
+          <a:fillRef idx="0">
+            <a:schemeClr val="accent1"/>
+          </a:fillRef>
+          <a:effectRef idx="0">
+            <a:schemeClr val="accent1"/>
+          </a:effectRef>
+          <a:fontRef idx="minor">
+            <a:schemeClr val="tx1"/>
+          </a:fontRef>
+        </p:style>
+      </p:cxnSp>
+      <p:cxnSp>
+        <p:nvCxnSpPr>
+          <p:cNvPr id="417" name="Соединительная линия уступом 175">
+            <a:extLst>
+              <a:ext uri="{FF2B5EF4-FFF2-40B4-BE49-F238E27FC236}">
+                <a16:creationId xmlns:a16="http://schemas.microsoft.com/office/drawing/2014/main" id="{F9C030BA-09B1-4F38-ADEA-58333678A556}"/>
+              </a:ext>
+            </a:extLst>
+          </p:cNvPr>
+          <p:cNvCxnSpPr>
+            <a:cxnSpLocks/>
+            <a:stCxn id="404" idx="2"/>
+            <a:endCxn id="414" idx="0"/>
+          </p:cNvCxnSpPr>
+          <p:nvPr/>
+        </p:nvCxnSpPr>
+        <p:spPr>
+          <a:xfrm rot="5400000">
+            <a:off x="35933239" y="29503144"/>
+            <a:ext cx="417585" cy="1250303"/>
+          </a:xfrm>
+          <a:prstGeom prst="bentConnector3">
+            <a:avLst>
+              <a:gd name="adj1" fmla="val 50000"/>
+            </a:avLst>
+          </a:prstGeom>
+          <a:ln w="28575">
+            <a:prstDash val="dash"/>
+            <a:tailEnd type="arrow"/>
+          </a:ln>
+        </p:spPr>
+        <p:style>
+          <a:lnRef idx="1">
+            <a:schemeClr val="accent1"/>
+          </a:lnRef>
+          <a:fillRef idx="0">
+            <a:schemeClr val="accent1"/>
+          </a:fillRef>
+          <a:effectRef idx="0">
+            <a:schemeClr val="accent1"/>
+          </a:effectRef>
+          <a:fontRef idx="minor">
+            <a:schemeClr val="tx1"/>
+          </a:fontRef>
+        </p:style>
+      </p:cxnSp>
+      <p:cxnSp>
+        <p:nvCxnSpPr>
+          <p:cNvPr id="420" name="Соединительная линия уступом 175">
+            <a:extLst>
+              <a:ext uri="{FF2B5EF4-FFF2-40B4-BE49-F238E27FC236}">
+                <a16:creationId xmlns:a16="http://schemas.microsoft.com/office/drawing/2014/main" id="{59A83AA4-4DB3-4BAF-B8B6-6BD38C52F1F7}"/>
+              </a:ext>
+            </a:extLst>
+          </p:cNvPr>
+          <p:cNvCxnSpPr>
+            <a:cxnSpLocks/>
+            <a:stCxn id="412" idx="2"/>
+            <a:endCxn id="414" idx="0"/>
+          </p:cNvCxnSpPr>
+          <p:nvPr/>
+        </p:nvCxnSpPr>
+        <p:spPr>
+          <a:xfrm rot="16200000" flipH="1">
+            <a:off x="34742353" y="29562561"/>
+            <a:ext cx="417585" cy="1131468"/>
+          </a:xfrm>
+          <a:prstGeom prst="bentConnector3">
+            <a:avLst>
+              <a:gd name="adj1" fmla="val 50000"/>
+            </a:avLst>
+          </a:prstGeom>
+          <a:ln w="28575">
+            <a:prstDash val="dash"/>
+            <a:tailEnd type="arrow"/>
+          </a:ln>
+        </p:spPr>
+        <p:style>
+          <a:lnRef idx="1">
+            <a:schemeClr val="accent1"/>
+          </a:lnRef>
+          <a:fillRef idx="0">
+            <a:schemeClr val="accent1"/>
+          </a:fillRef>
+          <a:effectRef idx="0">
+            <a:schemeClr val="accent1"/>
+          </a:effectRef>
+          <a:fontRef idx="minor">
+            <a:schemeClr val="tx1"/>
+          </a:fontRef>
+        </p:style>
+      </p:cxnSp>
+      <p:cxnSp>
+        <p:nvCxnSpPr>
+          <p:cNvPr id="421" name="Соединительная линия уступом 175">
+            <a:extLst>
+              <a:ext uri="{FF2B5EF4-FFF2-40B4-BE49-F238E27FC236}">
+                <a16:creationId xmlns:a16="http://schemas.microsoft.com/office/drawing/2014/main" id="{AD3F1D18-EDD0-4229-801A-8FBE28C4D7D7}"/>
+              </a:ext>
+            </a:extLst>
+          </p:cNvPr>
+          <p:cNvCxnSpPr>
+            <a:cxnSpLocks/>
+            <a:stCxn id="412" idx="2"/>
+            <a:endCxn id="415" idx="0"/>
+          </p:cNvCxnSpPr>
+          <p:nvPr/>
+        </p:nvCxnSpPr>
+        <p:spPr>
+          <a:xfrm rot="16200000" flipH="1">
+            <a:off x="35966585" y="28338329"/>
+            <a:ext cx="417585" cy="3579932"/>
+          </a:xfrm>
+          <a:prstGeom prst="bentConnector3">
+            <a:avLst>
+              <a:gd name="adj1" fmla="val 50000"/>
+            </a:avLst>
+          </a:prstGeom>
+          <a:ln w="28575">
+            <a:prstDash val="dash"/>
+            <a:tailEnd type="arrow"/>
+          </a:ln>
+        </p:spPr>
+        <p:style>
+          <a:lnRef idx="1">
+            <a:schemeClr val="accent1"/>
+          </a:lnRef>
+          <a:fillRef idx="0">
+            <a:schemeClr val="accent1"/>
+          </a:fillRef>
+          <a:effectRef idx="0">
+            <a:schemeClr val="accent1"/>
+          </a:effectRef>
+          <a:fontRef idx="minor">
+            <a:schemeClr val="tx1"/>
+          </a:fontRef>
+        </p:style>
+      </p:cxnSp>
+      <p:cxnSp>
+        <p:nvCxnSpPr>
+          <p:cNvPr id="422" name="Соединительная линия уступом 175">
+            <a:extLst>
+              <a:ext uri="{FF2B5EF4-FFF2-40B4-BE49-F238E27FC236}">
+                <a16:creationId xmlns:a16="http://schemas.microsoft.com/office/drawing/2014/main" id="{F673E2A7-3D59-4EE7-B3CB-539FA1163F79}"/>
+              </a:ext>
+            </a:extLst>
+          </p:cNvPr>
+          <p:cNvCxnSpPr>
+            <a:cxnSpLocks/>
+            <a:stCxn id="404" idx="2"/>
+            <a:endCxn id="415" idx="0"/>
+          </p:cNvCxnSpPr>
+          <p:nvPr/>
+        </p:nvCxnSpPr>
+        <p:spPr>
+          <a:xfrm rot="16200000" flipH="1">
+            <a:off x="37157470" y="29529214"/>
+            <a:ext cx="417585" cy="1198161"/>
+          </a:xfrm>
+          <a:prstGeom prst="bentConnector3">
+            <a:avLst>
+              <a:gd name="adj1" fmla="val 50000"/>
+            </a:avLst>
+          </a:prstGeom>
+          <a:ln w="28575">
+            <a:prstDash val="dash"/>
+            <a:tailEnd type="arrow"/>
+          </a:ln>
+        </p:spPr>
+        <p:style>
+          <a:lnRef idx="1">
+            <a:schemeClr val="accent1"/>
+          </a:lnRef>
+          <a:fillRef idx="0">
+            <a:schemeClr val="accent1"/>
+          </a:fillRef>
+          <a:effectRef idx="0">
+            <a:schemeClr val="accent1"/>
+          </a:effectRef>
+          <a:fontRef idx="minor">
+            <a:schemeClr val="tx1"/>
+          </a:fontRef>
+        </p:style>
+      </p:cxnSp>
+      <p:cxnSp>
+        <p:nvCxnSpPr>
+          <p:cNvPr id="423" name="Соединительная линия уступом 175">
+            <a:extLst>
+              <a:ext uri="{FF2B5EF4-FFF2-40B4-BE49-F238E27FC236}">
+                <a16:creationId xmlns:a16="http://schemas.microsoft.com/office/drawing/2014/main" id="{0119C34F-73B5-4432-9175-D924BF33B890}"/>
+              </a:ext>
+            </a:extLst>
+          </p:cNvPr>
+          <p:cNvCxnSpPr>
+            <a:cxnSpLocks/>
+            <a:stCxn id="410" idx="2"/>
+            <a:endCxn id="415" idx="0"/>
+          </p:cNvCxnSpPr>
+          <p:nvPr/>
+        </p:nvCxnSpPr>
+        <p:spPr>
+          <a:xfrm rot="5400000">
+            <a:off x="38362153" y="29522694"/>
+            <a:ext cx="417585" cy="1211203"/>
+          </a:xfrm>
+          <a:prstGeom prst="bentConnector3">
+            <a:avLst>
+              <a:gd name="adj1" fmla="val 50000"/>
+            </a:avLst>
+          </a:prstGeom>
+          <a:ln w="28575">
+            <a:prstDash val="dash"/>
+            <a:tailEnd type="arrow"/>
+          </a:ln>
+        </p:spPr>
+        <p:style>
+          <a:lnRef idx="1">
+            <a:schemeClr val="accent1"/>
+          </a:lnRef>
+          <a:fillRef idx="0">
+            <a:schemeClr val="accent1"/>
+          </a:fillRef>
+          <a:effectRef idx="0">
+            <a:schemeClr val="accent1"/>
+          </a:effectRef>
+          <a:fontRef idx="minor">
+            <a:schemeClr val="tx1"/>
+          </a:fontRef>
+        </p:style>
+      </p:cxnSp>
+      <p:cxnSp>
+        <p:nvCxnSpPr>
+          <p:cNvPr id="425" name="Соединительная линия уступом 175">
+            <a:extLst>
+              <a:ext uri="{FF2B5EF4-FFF2-40B4-BE49-F238E27FC236}">
+                <a16:creationId xmlns:a16="http://schemas.microsoft.com/office/drawing/2014/main" id="{B5EC89C8-8F10-4B38-AE6B-08A0B5E4959E}"/>
+              </a:ext>
+            </a:extLst>
+          </p:cNvPr>
+          <p:cNvCxnSpPr>
+            <a:cxnSpLocks/>
+            <a:stCxn id="396" idx="2"/>
+            <a:endCxn id="408" idx="0"/>
+          </p:cNvCxnSpPr>
+          <p:nvPr/>
+        </p:nvCxnSpPr>
+        <p:spPr>
+          <a:xfrm rot="5400000">
+            <a:off x="38377731" y="26543101"/>
+            <a:ext cx="417585" cy="1180047"/>
+          </a:xfrm>
+          <a:prstGeom prst="bentConnector3">
+            <a:avLst>
+              <a:gd name="adj1" fmla="val 50000"/>
+            </a:avLst>
+          </a:prstGeom>
+          <a:ln w="28575">
+            <a:prstDash val="dash"/>
+            <a:tailEnd type="arrow"/>
+          </a:ln>
+        </p:spPr>
+        <p:style>
+          <a:lnRef idx="1">
+            <a:schemeClr val="accent1"/>
+          </a:lnRef>
+          <a:fillRef idx="0">
+            <a:schemeClr val="accent1"/>
+          </a:fillRef>
+          <a:effectRef idx="0">
+            <a:schemeClr val="accent1"/>
+          </a:effectRef>
+          <a:fontRef idx="minor">
+            <a:schemeClr val="tx1"/>
+          </a:fontRef>
+        </p:style>
+      </p:cxnSp>
+      <p:cxnSp>
+        <p:nvCxnSpPr>
+          <p:cNvPr id="426" name="Соединительная линия уступом 175">
+            <a:extLst>
+              <a:ext uri="{FF2B5EF4-FFF2-40B4-BE49-F238E27FC236}">
+                <a16:creationId xmlns:a16="http://schemas.microsoft.com/office/drawing/2014/main" id="{16E873C8-A588-454E-AA03-B55FE1EEB56B}"/>
+              </a:ext>
+            </a:extLst>
+          </p:cNvPr>
+          <p:cNvCxnSpPr>
+            <a:cxnSpLocks/>
+            <a:stCxn id="395" idx="2"/>
+            <a:endCxn id="408" idx="0"/>
+          </p:cNvCxnSpPr>
+          <p:nvPr/>
+        </p:nvCxnSpPr>
+        <p:spPr>
+          <a:xfrm rot="16200000" flipH="1">
+            <a:off x="37168705" y="26514122"/>
+            <a:ext cx="417585" cy="1238003"/>
+          </a:xfrm>
+          <a:prstGeom prst="bentConnector3">
+            <a:avLst>
+              <a:gd name="adj1" fmla="val 50000"/>
+            </a:avLst>
+          </a:prstGeom>
+          <a:ln w="28575">
+            <a:prstDash val="dash"/>
+            <a:tailEnd type="arrow"/>
+          </a:ln>
+        </p:spPr>
+        <p:style>
+          <a:lnRef idx="1">
+            <a:schemeClr val="accent1"/>
+          </a:lnRef>
+          <a:fillRef idx="0">
+            <a:schemeClr val="accent1"/>
+          </a:fillRef>
+          <a:effectRef idx="0">
+            <a:schemeClr val="accent1"/>
+          </a:effectRef>
+          <a:fontRef idx="minor">
+            <a:schemeClr val="tx1"/>
+          </a:fontRef>
+        </p:style>
+      </p:cxnSp>
+      <p:cxnSp>
+        <p:nvCxnSpPr>
+          <p:cNvPr id="427" name="Соединительная линия уступом 175">
+            <a:extLst>
+              <a:ext uri="{FF2B5EF4-FFF2-40B4-BE49-F238E27FC236}">
+                <a16:creationId xmlns:a16="http://schemas.microsoft.com/office/drawing/2014/main" id="{8D4DD233-EC4C-42F1-84D0-805ECD8A7824}"/>
+              </a:ext>
+            </a:extLst>
+          </p:cNvPr>
+          <p:cNvCxnSpPr>
+            <a:cxnSpLocks/>
+            <a:stCxn id="394" idx="2"/>
+            <a:endCxn id="408" idx="0"/>
+          </p:cNvCxnSpPr>
+          <p:nvPr/>
+        </p:nvCxnSpPr>
+        <p:spPr>
+          <a:xfrm rot="16200000" flipH="1">
+            <a:off x="35979994" y="25325411"/>
+            <a:ext cx="417585" cy="3615426"/>
+          </a:xfrm>
+          <a:prstGeom prst="bentConnector3">
+            <a:avLst>
+              <a:gd name="adj1" fmla="val 50000"/>
+            </a:avLst>
+          </a:prstGeom>
+          <a:ln w="28575">
+            <a:prstDash val="dash"/>
+            <a:tailEnd type="arrow"/>
+          </a:ln>
+        </p:spPr>
+        <p:style>
+          <a:lnRef idx="1">
+            <a:schemeClr val="accent1"/>
+          </a:lnRef>
+          <a:fillRef idx="0">
+            <a:schemeClr val="accent1"/>
+          </a:fillRef>
+          <a:effectRef idx="0">
+            <a:schemeClr val="accent1"/>
+          </a:effectRef>
+          <a:fontRef idx="minor">
+            <a:schemeClr val="tx1"/>
+          </a:fontRef>
+        </p:style>
+      </p:cxnSp>
+      <p:sp>
+        <p:nvSpPr>
+          <p:cNvPr id="429" name="Прямоугольник 428">
+            <a:extLst>
+              <a:ext uri="{FF2B5EF4-FFF2-40B4-BE49-F238E27FC236}">
+                <a16:creationId xmlns:a16="http://schemas.microsoft.com/office/drawing/2014/main" id="{F3E18413-49E4-4756-AD0A-7DCFEAAFD7C5}"/>
+              </a:ext>
+            </a:extLst>
+          </p:cNvPr>
+          <p:cNvSpPr/>
+          <p:nvPr/>
+        </p:nvSpPr>
+        <p:spPr>
+          <a:xfrm>
+            <a:off x="40680922" y="24283551"/>
+            <a:ext cx="2115918" cy="1080000"/>
+          </a:xfrm>
+          <a:prstGeom prst="rect">
+            <a:avLst/>
+          </a:prstGeom>
+          <a:solidFill>
+            <a:schemeClr val="accent1">
+              <a:lumMod val="60000"/>
+              <a:lumOff val="40000"/>
+            </a:schemeClr>
+          </a:solidFill>
+          <a:ln w="28575"/>
+        </p:spPr>
+        <p:style>
+          <a:lnRef idx="2">
+            <a:schemeClr val="accent1"/>
+          </a:lnRef>
+          <a:fillRef idx="1">
+            <a:schemeClr val="lt1"/>
+          </a:fillRef>
+          <a:effectRef idx="0">
+            <a:schemeClr val="accent1"/>
+          </a:effectRef>
+          <a:fontRef idx="minor">
+            <a:schemeClr val="dk1"/>
+          </a:fontRef>
+        </p:style>
+        <p:txBody>
+          <a:bodyPr lIns="124733" tIns="62367" rIns="124733" bIns="62367" rtlCol="0" anchor="ctr"/>
+          <a:lstStyle/>
+          <a:p>
+            <a:pPr algn="ctr"/>
+            <a:r>
+              <a:rPr lang="ru-RU" sz="1400" dirty="0"/>
+              <a:t>Прорыв </a:t>
+            </a:r>
+            <a:r>
+              <a:rPr lang="ru-RU" sz="500" dirty="0"/>
+              <a:t>(</a:t>
+            </a:r>
+            <a:r>
+              <a:rPr lang="ru-RU" sz="500" dirty="0" err="1"/>
+              <a:t>Doorbraak</a:t>
+            </a:r>
+            <a:r>
+              <a:rPr lang="ru-RU" sz="500" dirty="0"/>
+              <a:t> («Прорыв») был краткосрочным политическим движением в Нидерландах после Второй мировой войны , с заявленной целью обновления политики Нидерландов путем объединения прогрессивных либералов , христианских демократов и социал-демократов в единую прогрессивную политическую партию. При этом движение стремилось «прорваться» через </a:t>
+            </a:r>
+            <a:r>
+              <a:rPr lang="ru-RU" sz="500" dirty="0" err="1"/>
+              <a:t>столбничество</a:t>
+            </a:r>
+            <a:r>
+              <a:rPr lang="ru-RU" sz="500" dirty="0"/>
+              <a:t> в голландской политике. Это привело к созданию современной Лейбористской партии)</a:t>
+            </a:r>
+            <a:endParaRPr lang="ru-RU" sz="1400" dirty="0"/>
+          </a:p>
+        </p:txBody>
+      </p:sp>
+      <p:sp>
+        <p:nvSpPr>
+          <p:cNvPr id="430" name="Прямоугольник 429">
+            <a:extLst>
+              <a:ext uri="{FF2B5EF4-FFF2-40B4-BE49-F238E27FC236}">
+                <a16:creationId xmlns:a16="http://schemas.microsoft.com/office/drawing/2014/main" id="{B8821B44-3C16-49F5-AF6E-A459DAB3173E}"/>
+              </a:ext>
+            </a:extLst>
+          </p:cNvPr>
+          <p:cNvSpPr/>
+          <p:nvPr/>
+        </p:nvSpPr>
+        <p:spPr>
+          <a:xfrm>
+            <a:off x="40680922" y="25844331"/>
+            <a:ext cx="2115918" cy="1080000"/>
+          </a:xfrm>
+          <a:prstGeom prst="rect">
+            <a:avLst/>
+          </a:prstGeom>
+          <a:solidFill>
+            <a:schemeClr val="accent1">
+              <a:lumMod val="60000"/>
+              <a:lumOff val="40000"/>
+            </a:schemeClr>
+          </a:solidFill>
+          <a:ln w="28575"/>
+        </p:spPr>
+        <p:style>
+          <a:lnRef idx="2">
+            <a:schemeClr val="accent1"/>
+          </a:lnRef>
+          <a:fillRef idx="1">
+            <a:schemeClr val="lt1"/>
+          </a:fillRef>
+          <a:effectRef idx="0">
+            <a:schemeClr val="accent1"/>
+          </a:effectRef>
+          <a:fontRef idx="minor">
+            <a:schemeClr val="dk1"/>
+          </a:fontRef>
+        </p:style>
+        <p:txBody>
+          <a:bodyPr lIns="124733" tIns="62367" rIns="124733" bIns="62367" rtlCol="0" anchor="ctr"/>
+          <a:lstStyle/>
+          <a:p>
+            <a:pPr algn="ctr"/>
+            <a:r>
+              <a:rPr lang="ru-RU" sz="1400" dirty="0"/>
+              <a:t>Всеобщее избирательное право</a:t>
+            </a:r>
+          </a:p>
+        </p:txBody>
+      </p:sp>
+      <p:sp>
+        <p:nvSpPr>
+          <p:cNvPr id="432" name="Прямоугольник 431">
+            <a:extLst>
+              <a:ext uri="{FF2B5EF4-FFF2-40B4-BE49-F238E27FC236}">
+                <a16:creationId xmlns:a16="http://schemas.microsoft.com/office/drawing/2014/main" id="{E60F426E-51AC-497D-8A53-07C95D79DFEC}"/>
+              </a:ext>
+            </a:extLst>
+          </p:cNvPr>
+          <p:cNvSpPr/>
+          <p:nvPr/>
+        </p:nvSpPr>
+        <p:spPr>
+          <a:xfrm>
+            <a:off x="21057255" y="25881218"/>
+            <a:ext cx="2115918" cy="1080000"/>
+          </a:xfrm>
+          <a:prstGeom prst="rect">
+            <a:avLst/>
+          </a:prstGeom>
+          <a:noFill/>
+          <a:ln w="28575"/>
+        </p:spPr>
+        <p:style>
+          <a:lnRef idx="2">
+            <a:schemeClr val="accent1"/>
+          </a:lnRef>
+          <a:fillRef idx="1">
+            <a:schemeClr val="lt1"/>
+          </a:fillRef>
+          <a:effectRef idx="0">
+            <a:schemeClr val="accent1"/>
+          </a:effectRef>
+          <a:fontRef idx="minor">
+            <a:schemeClr val="dk1"/>
+          </a:fontRef>
+        </p:style>
+        <p:txBody>
+          <a:bodyPr lIns="124733" tIns="62367" rIns="124733" bIns="62367" rtlCol="0" anchor="ctr"/>
+          <a:lstStyle/>
+          <a:p>
+            <a:pPr algn="ctr"/>
+            <a:r>
+              <a:rPr lang="ru-RU" sz="1400" dirty="0"/>
+              <a:t>Ослабить контроль церкви над обществом (для </a:t>
+            </a:r>
+            <a:r>
+              <a:rPr lang="ru-RU" sz="1400" dirty="0" err="1"/>
+              <a:t>соц-демов</a:t>
+            </a:r>
+            <a:r>
+              <a:rPr lang="ru-RU" sz="1400" dirty="0"/>
+              <a:t>)</a:t>
+            </a:r>
+          </a:p>
+        </p:txBody>
+      </p:sp>
+      <p:cxnSp>
+        <p:nvCxnSpPr>
+          <p:cNvPr id="433" name="Прямая соединительная линия 432">
+            <a:extLst>
+              <a:ext uri="{FF2B5EF4-FFF2-40B4-BE49-F238E27FC236}">
+                <a16:creationId xmlns:a16="http://schemas.microsoft.com/office/drawing/2014/main" id="{822DED5E-4461-491C-AFC2-0D2D27ECFC92}"/>
+              </a:ext>
+            </a:extLst>
+          </p:cNvPr>
+          <p:cNvCxnSpPr>
+            <a:cxnSpLocks/>
+            <a:stCxn id="312" idx="1"/>
+            <a:endCxn id="432" idx="3"/>
+          </p:cNvCxnSpPr>
+          <p:nvPr/>
+        </p:nvCxnSpPr>
+        <p:spPr>
+          <a:xfrm flipH="1" flipV="1">
+            <a:off x="23173173" y="26421218"/>
+            <a:ext cx="355119" cy="2942"/>
+          </a:xfrm>
+          <a:prstGeom prst="line">
+            <a:avLst/>
+          </a:prstGeom>
+          <a:ln w="28575">
+            <a:solidFill>
+              <a:srgbClr val="FF0000"/>
+            </a:solidFill>
+          </a:ln>
+        </p:spPr>
+        <p:style>
+          <a:lnRef idx="1">
+            <a:schemeClr val="accent1"/>
+          </a:lnRef>
+          <a:fillRef idx="0">
+            <a:schemeClr val="accent1"/>
+          </a:fillRef>
+          <a:effectRef idx="0">
+            <a:schemeClr val="accent1"/>
+          </a:effectRef>
+          <a:fontRef idx="minor">
+            <a:schemeClr val="tx1"/>
+          </a:fontRef>
+        </p:style>
+      </p:cxnSp>
+      <p:sp>
+        <p:nvSpPr>
+          <p:cNvPr id="434" name="Прямоугольник 433">
+            <a:extLst>
+              <a:ext uri="{FF2B5EF4-FFF2-40B4-BE49-F238E27FC236}">
+                <a16:creationId xmlns:a16="http://schemas.microsoft.com/office/drawing/2014/main" id="{2EB1B2CD-4E62-474D-88CB-896850643FB6}"/>
+              </a:ext>
+            </a:extLst>
+          </p:cNvPr>
+          <p:cNvSpPr/>
+          <p:nvPr/>
+        </p:nvSpPr>
+        <p:spPr>
+          <a:xfrm>
+            <a:off x="38118587" y="24283552"/>
+            <a:ext cx="2115918" cy="1080000"/>
+          </a:xfrm>
+          <a:prstGeom prst="rect">
+            <a:avLst/>
+          </a:prstGeom>
+          <a:solidFill>
+            <a:schemeClr val="accent1">
+              <a:lumMod val="60000"/>
+              <a:lumOff val="40000"/>
+            </a:schemeClr>
+          </a:solidFill>
+          <a:ln w="28575"/>
+        </p:spPr>
+        <p:style>
+          <a:lnRef idx="2">
+            <a:schemeClr val="accent1"/>
+          </a:lnRef>
+          <a:fillRef idx="1">
+            <a:schemeClr val="lt1"/>
+          </a:fillRef>
+          <a:effectRef idx="0">
+            <a:schemeClr val="accent1"/>
+          </a:effectRef>
+          <a:fontRef idx="minor">
+            <a:schemeClr val="dk1"/>
+          </a:fontRef>
+        </p:style>
+        <p:txBody>
+          <a:bodyPr lIns="124733" tIns="62367" rIns="124733" bIns="62367" rtlCol="0" anchor="ctr"/>
+          <a:lstStyle/>
+          <a:p>
+            <a:pPr algn="ctr"/>
+            <a:r>
+              <a:rPr lang="ru-RU" sz="1400" dirty="0"/>
+              <a:t>Народная армия </a:t>
+            </a:r>
+            <a:r>
+              <a:rPr lang="ru-RU" sz="800" dirty="0"/>
+              <a:t>(партия хотела разоружить голландскую армию . Партия выступала против милитаризма и национализма . После подъема немецкой нацистской партии SDAP начала агитировать за создание народной армии.)</a:t>
+            </a:r>
+            <a:endParaRPr lang="ru-RU" sz="1400" dirty="0"/>
+          </a:p>
+        </p:txBody>
+      </p:sp>
+      <p:sp>
+        <p:nvSpPr>
+          <p:cNvPr id="435" name="Прямоугольник 434">
+            <a:extLst>
+              <a:ext uri="{FF2B5EF4-FFF2-40B4-BE49-F238E27FC236}">
+                <a16:creationId xmlns:a16="http://schemas.microsoft.com/office/drawing/2014/main" id="{4345DEF6-70FC-4C98-AB46-32C4B1454488}"/>
+              </a:ext>
+            </a:extLst>
+          </p:cNvPr>
+          <p:cNvSpPr/>
+          <p:nvPr/>
+        </p:nvSpPr>
+        <p:spPr>
+          <a:xfrm>
+            <a:off x="45615731" y="24281503"/>
+            <a:ext cx="2115918" cy="1080000"/>
+          </a:xfrm>
+          <a:prstGeom prst="rect">
+            <a:avLst/>
+          </a:prstGeom>
+          <a:solidFill>
+            <a:schemeClr val="accent1">
+              <a:lumMod val="60000"/>
+              <a:lumOff val="40000"/>
+            </a:schemeClr>
+          </a:solidFill>
+          <a:ln w="28575"/>
+        </p:spPr>
+        <p:style>
+          <a:lnRef idx="2">
+            <a:schemeClr val="accent1"/>
+          </a:lnRef>
+          <a:fillRef idx="1">
+            <a:schemeClr val="lt1"/>
+          </a:fillRef>
+          <a:effectRef idx="0">
+            <a:schemeClr val="accent1"/>
+          </a:effectRef>
+          <a:fontRef idx="minor">
+            <a:schemeClr val="dk1"/>
+          </a:fontRef>
+        </p:style>
+        <p:txBody>
+          <a:bodyPr lIns="124733" tIns="62367" rIns="124733" bIns="62367" rtlCol="0" anchor="ctr"/>
+          <a:lstStyle/>
+          <a:p>
+            <a:pPr algn="ctr"/>
+            <a:r>
+              <a:rPr lang="ru-RU" sz="1400" dirty="0"/>
+              <a:t>Спасти Испанскую республику</a:t>
+            </a:r>
+          </a:p>
+        </p:txBody>
+      </p:sp>
+      <p:sp>
+        <p:nvSpPr>
+          <p:cNvPr id="436" name="Прямоугольник 435">
+            <a:extLst>
+              <a:ext uri="{FF2B5EF4-FFF2-40B4-BE49-F238E27FC236}">
+                <a16:creationId xmlns:a16="http://schemas.microsoft.com/office/drawing/2014/main" id="{34150BB0-8305-4A2C-93E2-D26EB15407C1}"/>
+              </a:ext>
+            </a:extLst>
+          </p:cNvPr>
+          <p:cNvSpPr/>
+          <p:nvPr/>
+        </p:nvSpPr>
+        <p:spPr>
+          <a:xfrm>
+            <a:off x="43148644" y="27341914"/>
+            <a:ext cx="2115918" cy="1080000"/>
+          </a:xfrm>
+          <a:prstGeom prst="rect">
+            <a:avLst/>
+          </a:prstGeom>
+          <a:solidFill>
+            <a:schemeClr val="accent1">
+              <a:lumMod val="60000"/>
+              <a:lumOff val="40000"/>
+            </a:schemeClr>
+          </a:solidFill>
+          <a:ln w="28575"/>
+        </p:spPr>
+        <p:style>
+          <a:lnRef idx="2">
+            <a:schemeClr val="accent1"/>
+          </a:lnRef>
+          <a:fillRef idx="1">
+            <a:schemeClr val="lt1"/>
+          </a:fillRef>
+          <a:effectRef idx="0">
+            <a:schemeClr val="accent1"/>
+          </a:effectRef>
+          <a:fontRef idx="minor">
+            <a:schemeClr val="dk1"/>
+          </a:fontRef>
+        </p:style>
+        <p:txBody>
+          <a:bodyPr lIns="124733" tIns="62367" rIns="124733" bIns="62367" rtlCol="0" anchor="ctr"/>
+          <a:lstStyle/>
+          <a:p>
+            <a:pPr algn="ctr"/>
+            <a:r>
+              <a:rPr lang="ru-RU" sz="1400" dirty="0"/>
+              <a:t>Лейбористский и Социалистический Интернационал </a:t>
+            </a:r>
+            <a:r>
+              <a:rPr lang="ru-RU" sz="200" dirty="0"/>
+              <a:t>(Лейбористский и Социалистический Интернационал ( LSI ; нем . </a:t>
+            </a:r>
+            <a:r>
+              <a:rPr lang="ru-RU" sz="200" dirty="0" err="1"/>
+              <a:t>Sozialistische</a:t>
+            </a:r>
+            <a:r>
+              <a:rPr lang="ru-RU" sz="200" dirty="0"/>
+              <a:t> </a:t>
+            </a:r>
+            <a:r>
+              <a:rPr lang="ru-RU" sz="200" dirty="0" err="1"/>
+              <a:t>Arbeiter-Internationale</a:t>
+            </a:r>
+            <a:r>
+              <a:rPr lang="ru-RU" sz="200" dirty="0"/>
+              <a:t> , SAI ) был международной организацией социалистических и рабочих партий, действовавшей между 1923 и 1940 годами. Группа была создана путем слияния конкурирующего Венского Интернационала и бывшего Второго Интернационала . , основанный в Лондоне, и был предшественником современного Социалистического Интернационала .Лейбористский и Социалистический Интернационал.</a:t>
+            </a:r>
+            <a:br>
+              <a:rPr lang="ru-RU" sz="200" dirty="0"/>
+            </a:br>
+            <a:r>
+              <a:rPr lang="ru-RU" sz="200" dirty="0"/>
+              <a:t>У LSI была история соперничества с Коммунистическим Интернационалом (Коминтерном), с которым она конкурировала за лидерство в международном социалистическом и рабочем движении. Однако, в отличие от Коминтерна, LSI не осуществлял прямого контроля над действиями своих секций, будучи созданным как федерация автономных национальных партий)</a:t>
+            </a:r>
+            <a:endParaRPr lang="ru-RU" sz="1400" dirty="0"/>
+          </a:p>
+        </p:txBody>
+      </p:sp>
+      <p:sp>
+        <p:nvSpPr>
+          <p:cNvPr id="437" name="Прямоугольник 436">
+            <a:extLst>
+              <a:ext uri="{FF2B5EF4-FFF2-40B4-BE49-F238E27FC236}">
+                <a16:creationId xmlns:a16="http://schemas.microsoft.com/office/drawing/2014/main" id="{C51074D0-D2A5-44B1-A0A7-977D3E858F5B}"/>
+              </a:ext>
+            </a:extLst>
+          </p:cNvPr>
+          <p:cNvSpPr/>
+          <p:nvPr/>
+        </p:nvSpPr>
+        <p:spPr>
+          <a:xfrm>
+            <a:off x="40680922" y="27341914"/>
+            <a:ext cx="2115918" cy="1080000"/>
+          </a:xfrm>
+          <a:prstGeom prst="rect">
+            <a:avLst/>
+          </a:prstGeom>
+          <a:solidFill>
+            <a:schemeClr val="accent1">
+              <a:lumMod val="60000"/>
+              <a:lumOff val="40000"/>
+            </a:schemeClr>
+          </a:solidFill>
+          <a:ln w="28575"/>
+        </p:spPr>
+        <p:style>
+          <a:lnRef idx="2">
+            <a:schemeClr val="accent1"/>
+          </a:lnRef>
+          <a:fillRef idx="1">
+            <a:schemeClr val="lt1"/>
+          </a:fillRef>
+          <a:effectRef idx="0">
+            <a:schemeClr val="accent1"/>
+          </a:effectRef>
+          <a:fontRef idx="minor">
+            <a:schemeClr val="dk1"/>
+          </a:fontRef>
+        </p:style>
+        <p:txBody>
+          <a:bodyPr lIns="124733" tIns="62367" rIns="124733" bIns="62367" rtlCol="0" anchor="ctr"/>
+          <a:lstStyle/>
+          <a:p>
+            <a:pPr algn="ctr"/>
+            <a:r>
+              <a:rPr lang="ru-RU" sz="1400" dirty="0"/>
+              <a:t>Выбрать нейтралитет</a:t>
+            </a:r>
+          </a:p>
+        </p:txBody>
+      </p:sp>
+      <p:sp>
+        <p:nvSpPr>
+          <p:cNvPr id="439" name="Прямоугольник 438">
+            <a:extLst>
+              <a:ext uri="{FF2B5EF4-FFF2-40B4-BE49-F238E27FC236}">
+                <a16:creationId xmlns:a16="http://schemas.microsoft.com/office/drawing/2014/main" id="{D7E17053-54C0-491D-8025-C4956CCDE2B2}"/>
+              </a:ext>
+            </a:extLst>
+          </p:cNvPr>
+          <p:cNvSpPr/>
+          <p:nvPr/>
+        </p:nvSpPr>
+        <p:spPr>
+          <a:xfrm>
+            <a:off x="43148326" y="31820451"/>
+            <a:ext cx="2115918" cy="1080000"/>
+          </a:xfrm>
+          <a:prstGeom prst="rect">
+            <a:avLst/>
+          </a:prstGeom>
+          <a:solidFill>
+            <a:schemeClr val="accent1">
+              <a:lumMod val="60000"/>
+              <a:lumOff val="40000"/>
+            </a:schemeClr>
+          </a:solidFill>
+          <a:ln w="28575"/>
+        </p:spPr>
+        <p:style>
+          <a:lnRef idx="2">
+            <a:schemeClr val="accent1"/>
+          </a:lnRef>
+          <a:fillRef idx="1">
+            <a:schemeClr val="lt1"/>
+          </a:fillRef>
+          <a:effectRef idx="0">
+            <a:schemeClr val="accent1"/>
+          </a:effectRef>
+          <a:fontRef idx="minor">
+            <a:schemeClr val="dk1"/>
+          </a:fontRef>
+        </p:style>
+        <p:txBody>
+          <a:bodyPr lIns="124733" tIns="62367" rIns="124733" bIns="62367" rtlCol="0" anchor="ctr"/>
+          <a:lstStyle/>
+          <a:p>
+            <a:pPr algn="ctr"/>
+            <a:r>
+              <a:rPr lang="ru-RU" sz="1400" dirty="0"/>
+              <a:t>Упреждающий удар по нацизму</a:t>
+            </a:r>
+          </a:p>
+        </p:txBody>
+      </p:sp>
+      <p:sp>
+        <p:nvSpPr>
+          <p:cNvPr id="440" name="Прямоугольник 439">
+            <a:extLst>
+              <a:ext uri="{FF2B5EF4-FFF2-40B4-BE49-F238E27FC236}">
+                <a16:creationId xmlns:a16="http://schemas.microsoft.com/office/drawing/2014/main" id="{0D5254C6-4FF2-4B00-865C-ADAE3847F4FD}"/>
+              </a:ext>
+            </a:extLst>
+          </p:cNvPr>
+          <p:cNvSpPr/>
+          <p:nvPr/>
+        </p:nvSpPr>
+        <p:spPr>
+          <a:xfrm>
+            <a:off x="43148644" y="24281503"/>
+            <a:ext cx="2115918" cy="1080000"/>
+          </a:xfrm>
+          <a:prstGeom prst="rect">
+            <a:avLst/>
+          </a:prstGeom>
+          <a:solidFill>
+            <a:schemeClr val="accent1">
+              <a:lumMod val="60000"/>
+              <a:lumOff val="40000"/>
+            </a:schemeClr>
+          </a:solidFill>
+          <a:ln w="28575"/>
+        </p:spPr>
+        <p:style>
+          <a:lnRef idx="2">
+            <a:schemeClr val="accent1"/>
+          </a:lnRef>
+          <a:fillRef idx="1">
+            <a:schemeClr val="lt1"/>
+          </a:fillRef>
+          <a:effectRef idx="0">
+            <a:schemeClr val="accent1"/>
+          </a:effectRef>
+          <a:fontRef idx="minor">
+            <a:schemeClr val="dk1"/>
+          </a:fontRef>
+        </p:style>
+        <p:txBody>
+          <a:bodyPr lIns="124733" tIns="62367" rIns="124733" bIns="62367" rtlCol="0" anchor="ctr"/>
+          <a:lstStyle/>
+          <a:p>
+            <a:pPr algn="ctr"/>
+            <a:r>
+              <a:rPr lang="ru-RU" sz="1400" dirty="0"/>
+              <a:t>Запретить алкоголь (партия считала алкоголизм одним из злейших врагов рабочего класса.)</a:t>
+            </a:r>
+          </a:p>
+        </p:txBody>
+      </p:sp>
+      <p:cxnSp>
+        <p:nvCxnSpPr>
+          <p:cNvPr id="441" name="Соединительная линия уступом 175">
+            <a:extLst>
+              <a:ext uri="{FF2B5EF4-FFF2-40B4-BE49-F238E27FC236}">
+                <a16:creationId xmlns:a16="http://schemas.microsoft.com/office/drawing/2014/main" id="{E2569257-5232-46FF-8FAE-10D510FDCB6A}"/>
+              </a:ext>
+            </a:extLst>
+          </p:cNvPr>
+          <p:cNvCxnSpPr>
+            <a:cxnSpLocks/>
+            <a:stCxn id="432" idx="2"/>
+            <a:endCxn id="330" idx="0"/>
+          </p:cNvCxnSpPr>
+          <p:nvPr/>
+        </p:nvCxnSpPr>
+        <p:spPr>
+          <a:xfrm rot="16200000" flipH="1">
+            <a:off x="24385332" y="24691099"/>
+            <a:ext cx="461569" cy="5001805"/>
+          </a:xfrm>
+          <a:prstGeom prst="bentConnector3">
+            <a:avLst>
+              <a:gd name="adj1" fmla="val 50000"/>
+            </a:avLst>
+          </a:prstGeom>
+          <a:ln w="28575">
+            <a:prstDash val="dash"/>
+            <a:tailEnd type="arrow"/>
+          </a:ln>
+        </p:spPr>
+        <p:style>
+          <a:lnRef idx="1">
+            <a:schemeClr val="accent1"/>
+          </a:lnRef>
+          <a:fillRef idx="0">
+            <a:schemeClr val="accent1"/>
+          </a:fillRef>
+          <a:effectRef idx="0">
+            <a:schemeClr val="accent1"/>
+          </a:effectRef>
+          <a:fontRef idx="minor">
+            <a:schemeClr val="tx1"/>
+          </a:fontRef>
+        </p:style>
+      </p:cxnSp>
+      <p:cxnSp>
+        <p:nvCxnSpPr>
+          <p:cNvPr id="442" name="Соединительная линия уступом 175">
+            <a:extLst>
+              <a:ext uri="{FF2B5EF4-FFF2-40B4-BE49-F238E27FC236}">
+                <a16:creationId xmlns:a16="http://schemas.microsoft.com/office/drawing/2014/main" id="{6DA7D89E-D006-4470-BF78-DA759B1A1451}"/>
               </a:ext>
             </a:extLst>
           </p:cNvPr>
@@ -20415,267 +24171,7 @@
             </a:avLst>
           </a:prstGeom>
           <a:ln w="28575">
-            <a:tailEnd type="arrow"/>
-          </a:ln>
-        </p:spPr>
-        <p:style>
-          <a:lnRef idx="1">
-            <a:schemeClr val="accent1"/>
-          </a:lnRef>
-          <a:fillRef idx="0">
-            <a:schemeClr val="accent1"/>
-          </a:fillRef>
-          <a:effectRef idx="0">
-            <a:schemeClr val="accent1"/>
-          </a:effectRef>
-          <a:fontRef idx="minor">
-            <a:schemeClr val="tx1"/>
-          </a:fontRef>
-        </p:style>
-      </p:cxnSp>
-      <p:sp>
-        <p:nvSpPr>
-          <p:cNvPr id="340" name="Прямоугольник 339">
-            <a:extLst>
-              <a:ext uri="{FF2B5EF4-FFF2-40B4-BE49-F238E27FC236}">
-                <a16:creationId xmlns:a16="http://schemas.microsoft.com/office/drawing/2014/main" id="{A0509AC1-5636-4CD0-ACAA-C2F71C714106}"/>
-              </a:ext>
-            </a:extLst>
-          </p:cNvPr>
-          <p:cNvSpPr/>
-          <p:nvPr/>
-        </p:nvSpPr>
-        <p:spPr>
-          <a:xfrm>
-            <a:off x="16089647" y="27422787"/>
-            <a:ext cx="2115918" cy="1080000"/>
-          </a:xfrm>
-          <a:prstGeom prst="rect">
-            <a:avLst/>
-          </a:prstGeom>
-          <a:noFill/>
-          <a:ln w="28575"/>
-        </p:spPr>
-        <p:style>
-          <a:lnRef idx="2">
-            <a:schemeClr val="accent1"/>
-          </a:lnRef>
-          <a:fillRef idx="1">
-            <a:schemeClr val="lt1"/>
-          </a:fillRef>
-          <a:effectRef idx="0">
-            <a:schemeClr val="accent1"/>
-          </a:effectRef>
-          <a:fontRef idx="minor">
-            <a:schemeClr val="dk1"/>
-          </a:fontRef>
-        </p:style>
-        <p:txBody>
-          <a:bodyPr lIns="124733" tIns="62367" rIns="124733" bIns="62367" rtlCol="0" anchor="ctr"/>
-          <a:lstStyle/>
-          <a:p>
-            <a:pPr algn="ctr"/>
-            <a:r>
-              <a:rPr lang="ru-RU" sz="1400" dirty="0"/>
-              <a:t>Синтез религии и социализма (не марксисты)</a:t>
-            </a:r>
-          </a:p>
-        </p:txBody>
-      </p:sp>
-      <p:cxnSp>
-        <p:nvCxnSpPr>
-          <p:cNvPr id="345" name="Соединительная линия уступом 175">
-            <a:extLst>
-              <a:ext uri="{FF2B5EF4-FFF2-40B4-BE49-F238E27FC236}">
-                <a16:creationId xmlns:a16="http://schemas.microsoft.com/office/drawing/2014/main" id="{34E33FC0-77CF-46BE-A340-87BA3626493B}"/>
-              </a:ext>
-            </a:extLst>
-          </p:cNvPr>
-          <p:cNvCxnSpPr>
-            <a:cxnSpLocks/>
-            <a:stCxn id="311" idx="2"/>
-            <a:endCxn id="340" idx="0"/>
-          </p:cNvCxnSpPr>
-          <p:nvPr/>
-        </p:nvCxnSpPr>
-        <p:spPr>
-          <a:xfrm rot="5400000">
-            <a:off x="18156915" y="25957794"/>
-            <a:ext cx="455685" cy="2474301"/>
-          </a:xfrm>
-          <a:prstGeom prst="bentConnector3">
-            <a:avLst>
-              <a:gd name="adj1" fmla="val 50000"/>
-            </a:avLst>
-          </a:prstGeom>
-          <a:ln w="28575">
-            <a:tailEnd type="arrow"/>
-          </a:ln>
-        </p:spPr>
-        <p:style>
-          <a:lnRef idx="1">
-            <a:schemeClr val="accent1"/>
-          </a:lnRef>
-          <a:fillRef idx="0">
-            <a:schemeClr val="accent1"/>
-          </a:fillRef>
-          <a:effectRef idx="0">
-            <a:schemeClr val="accent1"/>
-          </a:effectRef>
-          <a:fontRef idx="minor">
-            <a:schemeClr val="tx1"/>
-          </a:fontRef>
-        </p:style>
-      </p:cxnSp>
-      <p:sp>
-        <p:nvSpPr>
-          <p:cNvPr id="347" name="Прямоугольник 346">
-            <a:extLst>
-              <a:ext uri="{FF2B5EF4-FFF2-40B4-BE49-F238E27FC236}">
-                <a16:creationId xmlns:a16="http://schemas.microsoft.com/office/drawing/2014/main" id="{6DA44530-CDCA-4A43-A104-0F8AA8953980}"/>
-              </a:ext>
-            </a:extLst>
-          </p:cNvPr>
-          <p:cNvSpPr/>
-          <p:nvPr/>
-        </p:nvSpPr>
-        <p:spPr>
-          <a:xfrm>
-            <a:off x="26896624" y="1626572"/>
-            <a:ext cx="2115918" cy="1080000"/>
-          </a:xfrm>
-          <a:prstGeom prst="rect">
-            <a:avLst/>
-          </a:prstGeom>
-          <a:noFill/>
-          <a:ln w="28575"/>
-        </p:spPr>
-        <p:style>
-          <a:lnRef idx="2">
-            <a:schemeClr val="accent1"/>
-          </a:lnRef>
-          <a:fillRef idx="1">
-            <a:schemeClr val="lt1"/>
-          </a:fillRef>
-          <a:effectRef idx="0">
-            <a:schemeClr val="accent1"/>
-          </a:effectRef>
-          <a:fontRef idx="minor">
-            <a:schemeClr val="dk1"/>
-          </a:fontRef>
-        </p:style>
-        <p:txBody>
-          <a:bodyPr lIns="124733" tIns="62367" rIns="124733" bIns="62367" rtlCol="0" anchor="ctr"/>
-          <a:lstStyle/>
-          <a:p>
-            <a:pPr algn="ctr"/>
-            <a:r>
-              <a:rPr lang="ru-RU" sz="500" dirty="0"/>
-              <a:t>Во время кризиса партия предложила несколько планов экономических реформ. В 1935 г. СДАП опубликовала «План труда» (Plan </a:t>
-            </a:r>
-            <a:r>
-              <a:rPr lang="ru-RU" sz="500" dirty="0" err="1"/>
-              <a:t>van</a:t>
-            </a:r>
-            <a:r>
-              <a:rPr lang="ru-RU" sz="500" dirty="0"/>
-              <a:t> </a:t>
-            </a:r>
-            <a:r>
-              <a:rPr lang="ru-RU" sz="500" dirty="0" err="1"/>
-              <a:t>de</a:t>
-            </a:r>
-            <a:r>
-              <a:rPr lang="ru-RU" sz="500" dirty="0"/>
-              <a:t> </a:t>
-            </a:r>
-            <a:r>
-              <a:rPr lang="ru-RU" sz="500" dirty="0" err="1"/>
-              <a:t>Arbeid</a:t>
-            </a:r>
-            <a:r>
-              <a:rPr lang="ru-RU" sz="500" dirty="0"/>
-              <a:t>), который включал планы по увеличению занятости, национализации жизненно важных отраслей промышленности и внедрению системы пособий по безработице. Конфессионально-либеральное правительство отвергло социалистические предложения по экономической реформе. Однако после 1936 года он изменил свой курс, уступив социалистическим требованиям, девальвировав гульден и позволив государственному долгу расти, чтобы увеличить занятость.</a:t>
-            </a:r>
-          </a:p>
-        </p:txBody>
-      </p:sp>
-      <p:sp>
-        <p:nvSpPr>
-          <p:cNvPr id="348" name="Прямоугольник 347">
-            <a:extLst>
-              <a:ext uri="{FF2B5EF4-FFF2-40B4-BE49-F238E27FC236}">
-                <a16:creationId xmlns:a16="http://schemas.microsoft.com/office/drawing/2014/main" id="{B3026706-0825-419C-B501-250511C29542}"/>
-              </a:ext>
-            </a:extLst>
-          </p:cNvPr>
-          <p:cNvSpPr/>
-          <p:nvPr/>
-        </p:nvSpPr>
-        <p:spPr>
-          <a:xfrm>
-            <a:off x="19789160" y="9170743"/>
-            <a:ext cx="2115918" cy="1080000"/>
-          </a:xfrm>
-          <a:prstGeom prst="rect">
-            <a:avLst/>
-          </a:prstGeom>
-          <a:noFill/>
-          <a:ln w="28575"/>
-        </p:spPr>
-        <p:style>
-          <a:lnRef idx="2">
-            <a:schemeClr val="accent1"/>
-          </a:lnRef>
-          <a:fillRef idx="1">
-            <a:schemeClr val="lt1"/>
-          </a:fillRef>
-          <a:effectRef idx="0">
-            <a:schemeClr val="accent1"/>
-          </a:effectRef>
-          <a:fontRef idx="minor">
-            <a:schemeClr val="dk1"/>
-          </a:fontRef>
-        </p:style>
-        <p:txBody>
-          <a:bodyPr lIns="124733" tIns="62367" rIns="124733" bIns="62367" rtlCol="0" anchor="ctr"/>
-          <a:lstStyle/>
-          <a:p>
-            <a:pPr algn="ctr"/>
-            <a:r>
-              <a:rPr lang="ru-RU" sz="1400" dirty="0"/>
-              <a:t>Восстание «безработных»</a:t>
-            </a:r>
-          </a:p>
-        </p:txBody>
-      </p:sp>
-      <p:cxnSp>
-        <p:nvCxnSpPr>
-          <p:cNvPr id="353" name="Соединительная линия уступом 175">
-            <a:extLst>
-              <a:ext uri="{FF2B5EF4-FFF2-40B4-BE49-F238E27FC236}">
-                <a16:creationId xmlns:a16="http://schemas.microsoft.com/office/drawing/2014/main" id="{1B5E8F1C-5FC9-4398-8D41-111A407804DF}"/>
-              </a:ext>
-            </a:extLst>
-          </p:cNvPr>
-          <p:cNvCxnSpPr>
-            <a:cxnSpLocks/>
-            <a:stCxn id="348" idx="2"/>
-            <a:endCxn id="215" idx="0"/>
-          </p:cNvCxnSpPr>
-          <p:nvPr/>
-        </p:nvCxnSpPr>
-        <p:spPr>
-          <a:xfrm rot="5400000">
-            <a:off x="14320445" y="4333659"/>
-            <a:ext cx="609590" cy="12443758"/>
-          </a:xfrm>
-          <a:prstGeom prst="bentConnector3">
-            <a:avLst>
-              <a:gd name="adj1" fmla="val 50000"/>
-            </a:avLst>
-          </a:prstGeom>
-          <a:ln w="28575">
+            <a:prstDash val="dash"/>
             <a:tailEnd type="arrow"/>
           </a:ln>
         </p:spPr>
@@ -20696,159 +24192,24 @@
       </p:cxnSp>
       <p:cxnSp>
         <p:nvCxnSpPr>
-          <p:cNvPr id="355" name="Соединительная линия уступом 175">
-            <a:extLst>
-              <a:ext uri="{FF2B5EF4-FFF2-40B4-BE49-F238E27FC236}">
-                <a16:creationId xmlns:a16="http://schemas.microsoft.com/office/drawing/2014/main" id="{A77DAF70-C979-4341-8F80-56F5B19E1C55}"/>
+          <p:cNvPr id="443" name="Прямая соединительная линия 442">
+            <a:extLst>
+              <a:ext uri="{FF2B5EF4-FFF2-40B4-BE49-F238E27FC236}">
+                <a16:creationId xmlns:a16="http://schemas.microsoft.com/office/drawing/2014/main" id="{EC46EE79-AC81-4BAA-8AD1-0F53539027F6}"/>
               </a:ext>
             </a:extLst>
           </p:cNvPr>
           <p:cNvCxnSpPr>
             <a:cxnSpLocks/>
-            <a:stCxn id="348" idx="2"/>
-            <a:endCxn id="70" idx="0"/>
+            <a:stCxn id="437" idx="3"/>
+            <a:endCxn id="436" idx="1"/>
           </p:cNvCxnSpPr>
           <p:nvPr/>
         </p:nvCxnSpPr>
         <p:spPr>
-          <a:xfrm rot="16200000" flipH="1">
-            <a:off x="22411890" y="8685972"/>
-            <a:ext cx="609590" cy="3739132"/>
-          </a:xfrm>
-          <a:prstGeom prst="bentConnector3">
-            <a:avLst>
-              <a:gd name="adj1" fmla="val 50000"/>
-            </a:avLst>
-          </a:prstGeom>
-          <a:ln w="28575">
-            <a:tailEnd type="arrow"/>
-          </a:ln>
-        </p:spPr>
-        <p:style>
-          <a:lnRef idx="1">
-            <a:schemeClr val="accent1"/>
-          </a:lnRef>
-          <a:fillRef idx="0">
-            <a:schemeClr val="accent1"/>
-          </a:fillRef>
-          <a:effectRef idx="0">
-            <a:schemeClr val="accent1"/>
-          </a:effectRef>
-          <a:fontRef idx="minor">
-            <a:schemeClr val="tx1"/>
-          </a:fontRef>
-        </p:style>
-      </p:cxnSp>
-      <p:cxnSp>
-        <p:nvCxnSpPr>
-          <p:cNvPr id="356" name="Соединительная линия уступом 175">
-            <a:extLst>
-              <a:ext uri="{FF2B5EF4-FFF2-40B4-BE49-F238E27FC236}">
-                <a16:creationId xmlns:a16="http://schemas.microsoft.com/office/drawing/2014/main" id="{51A87234-F8CB-4DB2-857F-70A6300E7E69}"/>
-              </a:ext>
-            </a:extLst>
-          </p:cNvPr>
-          <p:cNvCxnSpPr>
-            <a:cxnSpLocks/>
-            <a:stCxn id="348" idx="2"/>
-            <a:endCxn id="126" idx="0"/>
-          </p:cNvCxnSpPr>
-          <p:nvPr/>
-        </p:nvCxnSpPr>
-        <p:spPr>
-          <a:xfrm rot="5400000">
-            <a:off x="18685295" y="8698509"/>
-            <a:ext cx="609590" cy="3714059"/>
-          </a:xfrm>
-          <a:prstGeom prst="bentConnector3">
-            <a:avLst>
-              <a:gd name="adj1" fmla="val 50000"/>
-            </a:avLst>
-          </a:prstGeom>
-          <a:ln w="28575">
-            <a:tailEnd type="arrow"/>
-          </a:ln>
-        </p:spPr>
-        <p:style>
-          <a:lnRef idx="1">
-            <a:schemeClr val="accent1"/>
-          </a:lnRef>
-          <a:fillRef idx="0">
-            <a:schemeClr val="accent1"/>
-          </a:fillRef>
-          <a:effectRef idx="0">
-            <a:schemeClr val="accent1"/>
-          </a:effectRef>
-          <a:fontRef idx="minor">
-            <a:schemeClr val="tx1"/>
-          </a:fontRef>
-        </p:style>
-      </p:cxnSp>
-      <p:cxnSp>
-        <p:nvCxnSpPr>
-          <p:cNvPr id="358" name="Соединительная линия уступом 175">
-            <a:extLst>
-              <a:ext uri="{FF2B5EF4-FFF2-40B4-BE49-F238E27FC236}">
-                <a16:creationId xmlns:a16="http://schemas.microsoft.com/office/drawing/2014/main" id="{2A0A9C4A-F146-4C0A-8317-15688DB00A96}"/>
-              </a:ext>
-            </a:extLst>
-          </p:cNvPr>
-          <p:cNvCxnSpPr>
-            <a:cxnSpLocks/>
-            <a:stCxn id="348" idx="2"/>
-            <a:endCxn id="100" idx="0"/>
-          </p:cNvCxnSpPr>
-          <p:nvPr/>
-        </p:nvCxnSpPr>
-        <p:spPr>
-          <a:xfrm rot="16200000" flipH="1">
-            <a:off x="27945225" y="3152637"/>
-            <a:ext cx="609590" cy="14805802"/>
-          </a:xfrm>
-          <a:prstGeom prst="bentConnector3">
-            <a:avLst>
-              <a:gd name="adj1" fmla="val 50000"/>
-            </a:avLst>
-          </a:prstGeom>
-          <a:ln w="28575">
-            <a:tailEnd type="arrow"/>
-          </a:ln>
-        </p:spPr>
-        <p:style>
-          <a:lnRef idx="1">
-            <a:schemeClr val="accent1"/>
-          </a:lnRef>
-          <a:fillRef idx="0">
-            <a:schemeClr val="accent1"/>
-          </a:fillRef>
-          <a:effectRef idx="0">
-            <a:schemeClr val="accent1"/>
-          </a:effectRef>
-          <a:fontRef idx="minor">
-            <a:schemeClr val="tx1"/>
-          </a:fontRef>
-        </p:style>
-      </p:cxnSp>
-      <p:cxnSp>
-        <p:nvCxnSpPr>
-          <p:cNvPr id="359" name="Прямая соединительная линия 358">
-            <a:extLst>
-              <a:ext uri="{FF2B5EF4-FFF2-40B4-BE49-F238E27FC236}">
-                <a16:creationId xmlns:a16="http://schemas.microsoft.com/office/drawing/2014/main" id="{A065A208-A295-4D3D-AAD2-3ED8CB24D339}"/>
-              </a:ext>
-            </a:extLst>
-          </p:cNvPr>
-          <p:cNvCxnSpPr>
-            <a:cxnSpLocks/>
-            <a:stCxn id="348" idx="1"/>
-            <a:endCxn id="337" idx="3"/>
-          </p:cNvCxnSpPr>
-          <p:nvPr/>
-        </p:nvCxnSpPr>
-        <p:spPr>
-          <a:xfrm flipH="1">
-            <a:off x="2115918" y="9710743"/>
-            <a:ext cx="17673242" cy="563"/>
+          <a:xfrm>
+            <a:off x="42796840" y="27881914"/>
+            <a:ext cx="351804" cy="0"/>
           </a:xfrm>
           <a:prstGeom prst="line">
             <a:avLst/>
@@ -20874,12 +24235,321 @@
           </a:fontRef>
         </p:style>
       </p:cxnSp>
+      <p:cxnSp>
+        <p:nvCxnSpPr>
+          <p:cNvPr id="447" name="Соединительная линия уступом 175">
+            <a:extLst>
+              <a:ext uri="{FF2B5EF4-FFF2-40B4-BE49-F238E27FC236}">
+                <a16:creationId xmlns:a16="http://schemas.microsoft.com/office/drawing/2014/main" id="{A106BAF7-16AD-4C25-B749-DA38D1F1F223}"/>
+              </a:ext>
+            </a:extLst>
+          </p:cNvPr>
+          <p:cNvCxnSpPr>
+            <a:cxnSpLocks/>
+            <a:stCxn id="430" idx="2"/>
+            <a:endCxn id="436" idx="0"/>
+          </p:cNvCxnSpPr>
+          <p:nvPr/>
+        </p:nvCxnSpPr>
+        <p:spPr>
+          <a:xfrm rot="16200000" flipH="1">
+            <a:off x="42763951" y="25899261"/>
+            <a:ext cx="417583" cy="2467722"/>
+          </a:xfrm>
+          <a:prstGeom prst="bentConnector3">
+            <a:avLst>
+              <a:gd name="adj1" fmla="val 50000"/>
+            </a:avLst>
+          </a:prstGeom>
+          <a:ln w="28575">
+            <a:tailEnd type="arrow"/>
+          </a:ln>
+        </p:spPr>
+        <p:style>
+          <a:lnRef idx="1">
+            <a:schemeClr val="accent1"/>
+          </a:lnRef>
+          <a:fillRef idx="0">
+            <a:schemeClr val="accent1"/>
+          </a:fillRef>
+          <a:effectRef idx="0">
+            <a:schemeClr val="accent1"/>
+          </a:effectRef>
+          <a:fontRef idx="minor">
+            <a:schemeClr val="tx1"/>
+          </a:fontRef>
+        </p:style>
+      </p:cxnSp>
+      <p:cxnSp>
+        <p:nvCxnSpPr>
+          <p:cNvPr id="451" name="Прямая со стрелкой 450">
+            <a:extLst>
+              <a:ext uri="{FF2B5EF4-FFF2-40B4-BE49-F238E27FC236}">
+                <a16:creationId xmlns:a16="http://schemas.microsoft.com/office/drawing/2014/main" id="{A857A4A8-1F25-4BD4-A2F1-F5803781B154}"/>
+              </a:ext>
+            </a:extLst>
+          </p:cNvPr>
+          <p:cNvCxnSpPr>
+            <a:cxnSpLocks/>
+            <a:stCxn id="430" idx="2"/>
+            <a:endCxn id="437" idx="0"/>
+          </p:cNvCxnSpPr>
+          <p:nvPr/>
+        </p:nvCxnSpPr>
+        <p:spPr>
+          <a:xfrm>
+            <a:off x="41738881" y="26924331"/>
+            <a:ext cx="0" cy="417583"/>
+          </a:xfrm>
+          <a:prstGeom prst="straightConnector1">
+            <a:avLst/>
+          </a:prstGeom>
+          <a:ln w="28575">
+            <a:tailEnd type="arrow"/>
+          </a:ln>
+        </p:spPr>
+        <p:style>
+          <a:lnRef idx="1">
+            <a:schemeClr val="accent1"/>
+          </a:lnRef>
+          <a:fillRef idx="0">
+            <a:schemeClr val="accent1"/>
+          </a:fillRef>
+          <a:effectRef idx="0">
+            <a:schemeClr val="accent1"/>
+          </a:effectRef>
+          <a:fontRef idx="minor">
+            <a:schemeClr val="tx1"/>
+          </a:fontRef>
+        </p:style>
+      </p:cxnSp>
+      <p:cxnSp>
+        <p:nvCxnSpPr>
+          <p:cNvPr id="454" name="Прямая со стрелкой 453">
+            <a:extLst>
+              <a:ext uri="{FF2B5EF4-FFF2-40B4-BE49-F238E27FC236}">
+                <a16:creationId xmlns:a16="http://schemas.microsoft.com/office/drawing/2014/main" id="{6AC7D04B-7CD6-4D9B-BF85-E6B81B8E2DF1}"/>
+              </a:ext>
+            </a:extLst>
+          </p:cNvPr>
+          <p:cNvCxnSpPr>
+            <a:cxnSpLocks/>
+            <a:stCxn id="369" idx="2"/>
+            <a:endCxn id="429" idx="0"/>
+          </p:cNvCxnSpPr>
+          <p:nvPr/>
+        </p:nvCxnSpPr>
+        <p:spPr>
+          <a:xfrm>
+            <a:off x="41738881" y="23870939"/>
+            <a:ext cx="0" cy="412612"/>
+          </a:xfrm>
+          <a:prstGeom prst="straightConnector1">
+            <a:avLst/>
+          </a:prstGeom>
+          <a:ln w="28575">
+            <a:tailEnd type="arrow"/>
+          </a:ln>
+        </p:spPr>
+        <p:style>
+          <a:lnRef idx="1">
+            <a:schemeClr val="accent1"/>
+          </a:lnRef>
+          <a:fillRef idx="0">
+            <a:schemeClr val="accent1"/>
+          </a:fillRef>
+          <a:effectRef idx="0">
+            <a:schemeClr val="accent1"/>
+          </a:effectRef>
+          <a:fontRef idx="minor">
+            <a:schemeClr val="tx1"/>
+          </a:fontRef>
+        </p:style>
+      </p:cxnSp>
+      <p:cxnSp>
+        <p:nvCxnSpPr>
+          <p:cNvPr id="457" name="Соединительная линия уступом 175">
+            <a:extLst>
+              <a:ext uri="{FF2B5EF4-FFF2-40B4-BE49-F238E27FC236}">
+                <a16:creationId xmlns:a16="http://schemas.microsoft.com/office/drawing/2014/main" id="{01714FE1-B08C-41B0-883D-866BDA22F6D7}"/>
+              </a:ext>
+            </a:extLst>
+          </p:cNvPr>
+          <p:cNvCxnSpPr>
+            <a:cxnSpLocks/>
+            <a:stCxn id="369" idx="2"/>
+            <a:endCxn id="434" idx="0"/>
+          </p:cNvCxnSpPr>
+          <p:nvPr/>
+        </p:nvCxnSpPr>
+        <p:spPr>
+          <a:xfrm rot="5400000">
+            <a:off x="40251408" y="22796078"/>
+            <a:ext cx="412613" cy="2562335"/>
+          </a:xfrm>
+          <a:prstGeom prst="bentConnector3">
+            <a:avLst>
+              <a:gd name="adj1" fmla="val 50000"/>
+            </a:avLst>
+          </a:prstGeom>
+          <a:ln w="28575">
+            <a:tailEnd type="arrow"/>
+          </a:ln>
+        </p:spPr>
+        <p:style>
+          <a:lnRef idx="1">
+            <a:schemeClr val="accent1"/>
+          </a:lnRef>
+          <a:fillRef idx="0">
+            <a:schemeClr val="accent1"/>
+          </a:fillRef>
+          <a:effectRef idx="0">
+            <a:schemeClr val="accent1"/>
+          </a:effectRef>
+          <a:fontRef idx="minor">
+            <a:schemeClr val="tx1"/>
+          </a:fontRef>
+        </p:style>
+      </p:cxnSp>
+      <p:cxnSp>
+        <p:nvCxnSpPr>
+          <p:cNvPr id="460" name="Соединительная линия уступом 175">
+            <a:extLst>
+              <a:ext uri="{FF2B5EF4-FFF2-40B4-BE49-F238E27FC236}">
+                <a16:creationId xmlns:a16="http://schemas.microsoft.com/office/drawing/2014/main" id="{F9060CFE-6AE8-4595-A6E5-910BC59B8AD3}"/>
+              </a:ext>
+            </a:extLst>
+          </p:cNvPr>
+          <p:cNvCxnSpPr>
+            <a:cxnSpLocks/>
+            <a:stCxn id="369" idx="2"/>
+            <a:endCxn id="440" idx="0"/>
+          </p:cNvCxnSpPr>
+          <p:nvPr/>
+        </p:nvCxnSpPr>
+        <p:spPr>
+          <a:xfrm rot="16200000" flipH="1">
+            <a:off x="42767460" y="22842360"/>
+            <a:ext cx="410564" cy="2467722"/>
+          </a:xfrm>
+          <a:prstGeom prst="bentConnector3">
+            <a:avLst>
+              <a:gd name="adj1" fmla="val 50000"/>
+            </a:avLst>
+          </a:prstGeom>
+          <a:ln w="28575">
+            <a:tailEnd type="arrow"/>
+          </a:ln>
+        </p:spPr>
+        <p:style>
+          <a:lnRef idx="1">
+            <a:schemeClr val="accent1"/>
+          </a:lnRef>
+          <a:fillRef idx="0">
+            <a:schemeClr val="accent1"/>
+          </a:fillRef>
+          <a:effectRef idx="0">
+            <a:schemeClr val="accent1"/>
+          </a:effectRef>
+          <a:fontRef idx="minor">
+            <a:schemeClr val="tx1"/>
+          </a:fontRef>
+        </p:style>
+      </p:cxnSp>
+      <p:cxnSp>
+        <p:nvCxnSpPr>
+          <p:cNvPr id="463" name="Соединительная линия уступом 175">
+            <a:extLst>
+              <a:ext uri="{FF2B5EF4-FFF2-40B4-BE49-F238E27FC236}">
+                <a16:creationId xmlns:a16="http://schemas.microsoft.com/office/drawing/2014/main" id="{C6B94B3F-E5F3-463E-89AC-A3E2F4762A69}"/>
+              </a:ext>
+            </a:extLst>
+          </p:cNvPr>
+          <p:cNvCxnSpPr>
+            <a:cxnSpLocks/>
+            <a:stCxn id="369" idx="2"/>
+            <a:endCxn id="435" idx="0"/>
+          </p:cNvCxnSpPr>
+          <p:nvPr/>
+        </p:nvCxnSpPr>
+        <p:spPr>
+          <a:xfrm rot="16200000" flipH="1">
+            <a:off x="44001003" y="21608816"/>
+            <a:ext cx="410564" cy="4934809"/>
+          </a:xfrm>
+          <a:prstGeom prst="bentConnector3">
+            <a:avLst>
+              <a:gd name="adj1" fmla="val 50000"/>
+            </a:avLst>
+          </a:prstGeom>
+          <a:ln w="28575">
+            <a:tailEnd type="arrow"/>
+          </a:ln>
+        </p:spPr>
+        <p:style>
+          <a:lnRef idx="1">
+            <a:schemeClr val="accent1"/>
+          </a:lnRef>
+          <a:fillRef idx="0">
+            <a:schemeClr val="accent1"/>
+          </a:fillRef>
+          <a:effectRef idx="0">
+            <a:schemeClr val="accent1"/>
+          </a:effectRef>
+          <a:fontRef idx="minor">
+            <a:schemeClr val="tx1"/>
+          </a:fontRef>
+        </p:style>
+      </p:cxnSp>
+      <p:cxnSp>
+        <p:nvCxnSpPr>
+          <p:cNvPr id="466" name="Прямая со стрелкой 465">
+            <a:extLst>
+              <a:ext uri="{FF2B5EF4-FFF2-40B4-BE49-F238E27FC236}">
+                <a16:creationId xmlns:a16="http://schemas.microsoft.com/office/drawing/2014/main" id="{1D279105-1240-46CC-B22F-CF62B0569E2D}"/>
+              </a:ext>
+            </a:extLst>
+          </p:cNvPr>
+          <p:cNvCxnSpPr>
+            <a:cxnSpLocks/>
+            <a:stCxn id="429" idx="2"/>
+            <a:endCxn id="430" idx="0"/>
+          </p:cNvCxnSpPr>
+          <p:nvPr/>
+        </p:nvCxnSpPr>
+        <p:spPr>
+          <a:xfrm>
+            <a:off x="41738881" y="25363551"/>
+            <a:ext cx="0" cy="480780"/>
+          </a:xfrm>
+          <a:prstGeom prst="straightConnector1">
+            <a:avLst/>
+          </a:prstGeom>
+          <a:ln w="28575">
+            <a:tailEnd type="arrow"/>
+          </a:ln>
+        </p:spPr>
+        <p:style>
+          <a:lnRef idx="1">
+            <a:schemeClr val="accent1"/>
+          </a:lnRef>
+          <a:fillRef idx="0">
+            <a:schemeClr val="accent1"/>
+          </a:fillRef>
+          <a:effectRef idx="0">
+            <a:schemeClr val="accent1"/>
+          </a:effectRef>
+          <a:fontRef idx="minor">
+            <a:schemeClr val="tx1"/>
+          </a:fontRef>
+        </p:style>
+      </p:cxnSp>
       <p:sp>
         <p:nvSpPr>
-          <p:cNvPr id="334" name="Прямоугольник 333">
-            <a:extLst>
-              <a:ext uri="{FF2B5EF4-FFF2-40B4-BE49-F238E27FC236}">
-                <a16:creationId xmlns:a16="http://schemas.microsoft.com/office/drawing/2014/main" id="{7852F02B-CE3D-4605-9277-7825170ECCFA}"/>
+          <p:cNvPr id="469" name="Прямоугольник 468">
+            <a:extLst>
+              <a:ext uri="{FF2B5EF4-FFF2-40B4-BE49-F238E27FC236}">
+                <a16:creationId xmlns:a16="http://schemas.microsoft.com/office/drawing/2014/main" id="{A0C21635-991F-4AA2-B3B5-D78C97E045E3}"/>
               </a:ext>
             </a:extLst>
           </p:cNvPr>
@@ -20888,14 +24558,17 @@
         </p:nvSpPr>
         <p:spPr>
           <a:xfrm>
-            <a:off x="30941022" y="16724401"/>
+            <a:off x="38089136" y="22479077"/>
             <a:ext cx="2115918" cy="1080000"/>
           </a:xfrm>
           <a:prstGeom prst="rect">
             <a:avLst/>
           </a:prstGeom>
           <a:solidFill>
-            <a:srgbClr val="FF0000"/>
+            <a:schemeClr val="accent1">
+              <a:lumMod val="60000"/>
+              <a:lumOff val="40000"/>
+            </a:schemeClr>
           </a:solidFill>
           <a:ln w="28575"/>
         </p:spPr>
@@ -20919,31 +24592,18 @@
           <a:p>
             <a:pPr algn="ctr"/>
             <a:r>
-              <a:rPr lang="ru-RU" sz="1400" dirty="0"/>
-              <a:t>Образовательная система </a:t>
-            </a:r>
-            <a:r>
-              <a:rPr lang="ru-RU" sz="1400" dirty="0" err="1"/>
-              <a:t>Сентона</a:t>
-            </a:r>
-            <a:r>
-              <a:rPr lang="ru-RU" sz="1400" dirty="0"/>
-              <a:t> </a:t>
-            </a:r>
-            <a:r>
-              <a:rPr lang="ru-RU" sz="300" dirty="0"/>
-              <a:t>(У Сетона также были откровенные образовательные идеи, о которых он всегда писал на протяжении всей своей политической деятельности. Сетон написал об этом в брошюре: «На, для вашей школы!» Он осуждал народную школу: она только приспосабливала бы рабочего к легким действиям, необходимым для промышленного труда. Сетон, с другой стороны, выступал за унитарную школу, которая должна воспитывать молодежь без различия пола, возраста, происхождения или способностей. «Мы требуем единства образования, которое включает в себя все существующие и надежные школьные учреждения». Такая школа включает в себя школу-попечительство, начальную школу, среднюю и высшую школу: это целое должно стать единым учебным заведением для всех. Каждый имеет право следовать за всей школой, в зависимости только от «естественной» границы, которая связана с одаренностью учеников.)</a:t>
-            </a:r>
-            <a:endParaRPr lang="ru-RU" sz="1400" dirty="0"/>
+              <a:rPr lang="ru-RU" sz="6000" dirty="0"/>
+              <a:t>25</a:t>
+            </a:r>
           </a:p>
         </p:txBody>
       </p:sp>
       <p:sp>
         <p:nvSpPr>
-          <p:cNvPr id="337" name="Прямоугольник 336">
-            <a:extLst>
-              <a:ext uri="{FF2B5EF4-FFF2-40B4-BE49-F238E27FC236}">
-                <a16:creationId xmlns:a16="http://schemas.microsoft.com/office/drawing/2014/main" id="{78BA4649-7A20-427C-B06D-6F35FB52C96B}"/>
+          <p:cNvPr id="470" name="Прямоугольник 469">
+            <a:extLst>
+              <a:ext uri="{FF2B5EF4-FFF2-40B4-BE49-F238E27FC236}">
+                <a16:creationId xmlns:a16="http://schemas.microsoft.com/office/drawing/2014/main" id="{18A5E3D0-5296-4421-A78E-F53BB618FC15}"/>
               </a:ext>
             </a:extLst>
           </p:cNvPr>
@@ -20952,13 +24612,18 @@
         </p:nvSpPr>
         <p:spPr>
           <a:xfrm>
-            <a:off x="0" y="9171306"/>
+            <a:off x="44996300" y="21993371"/>
             <a:ext cx="2115918" cy="1080000"/>
           </a:xfrm>
           <a:prstGeom prst="rect">
             <a:avLst/>
           </a:prstGeom>
-          <a:noFill/>
+          <a:solidFill>
+            <a:schemeClr val="accent1">
+              <a:lumMod val="60000"/>
+              <a:lumOff val="40000"/>
+            </a:schemeClr>
+          </a:solidFill>
           <a:ln w="28575"/>
         </p:spPr>
         <p:style>
@@ -20982,17 +24647,41 @@
             <a:pPr algn="ctr"/>
             <a:r>
               <a:rPr lang="ru-RU" sz="1400" dirty="0"/>
-              <a:t>Формирование нового правительства</a:t>
+              <a:t>14 мая 1940 года </a:t>
+            </a:r>
+            <a:r>
+              <a:rPr lang="ru-RU" sz="1400" dirty="0" err="1"/>
+              <a:t>Альбарда</a:t>
+            </a:r>
+            <a:r>
+              <a:rPr lang="ru-RU" sz="1400" dirty="0"/>
+              <a:t> объявил, что уходит с поста лидера в пользу лидера парламента в Палате представителей </a:t>
+            </a:r>
+            <a:r>
+              <a:rPr lang="ru-RU" sz="1400" dirty="0" err="1"/>
+              <a:t>Виллема</a:t>
+            </a:r>
+            <a:r>
+              <a:rPr lang="ru-RU" sz="1400" dirty="0"/>
+              <a:t> Дриса (</a:t>
+            </a:r>
+            <a:r>
+              <a:rPr lang="ru-RU" sz="1400" dirty="0" err="1"/>
+              <a:t>трейт</a:t>
+            </a:r>
+            <a:r>
+              <a:rPr lang="ru-RU" sz="1400" dirty="0"/>
+              <a:t> «умелый управленец»)</a:t>
             </a:r>
           </a:p>
         </p:txBody>
       </p:sp>
       <p:sp>
         <p:nvSpPr>
-          <p:cNvPr id="362" name="Прямоугольник 361">
-            <a:extLst>
-              <a:ext uri="{FF2B5EF4-FFF2-40B4-BE49-F238E27FC236}">
-                <a16:creationId xmlns:a16="http://schemas.microsoft.com/office/drawing/2014/main" id="{48B6A494-ADEF-488D-99AA-1288D5E1468D}"/>
+          <p:cNvPr id="471" name="Прямоугольник 470">
+            <a:extLst>
+              <a:ext uri="{FF2B5EF4-FFF2-40B4-BE49-F238E27FC236}">
+                <a16:creationId xmlns:a16="http://schemas.microsoft.com/office/drawing/2014/main" id="{55192DA9-6577-4FBB-9E87-A6863A9B0B89}"/>
               </a:ext>
             </a:extLst>
           </p:cNvPr>
@@ -21001,14 +24690,17 @@
         </p:nvSpPr>
         <p:spPr>
           <a:xfrm>
-            <a:off x="21066674" y="13797787"/>
+            <a:off x="44382187" y="25844328"/>
             <a:ext cx="2115918" cy="1080000"/>
           </a:xfrm>
           <a:prstGeom prst="rect">
             <a:avLst/>
           </a:prstGeom>
           <a:solidFill>
-            <a:srgbClr val="FF0000"/>
+            <a:schemeClr val="accent1">
+              <a:lumMod val="60000"/>
+              <a:lumOff val="40000"/>
+            </a:schemeClr>
           </a:solidFill>
           <a:ln w="28575"/>
         </p:spPr>
@@ -21033,22 +24725,375 @@
             <a:pPr algn="ctr"/>
             <a:r>
               <a:rPr lang="ru-RU" sz="1400" dirty="0"/>
-              <a:t>Медицинское страхование </a:t>
+              <a:t>Инвестиции в здравоохранение</a:t>
+            </a:r>
+          </a:p>
+        </p:txBody>
+      </p:sp>
+      <p:cxnSp>
+        <p:nvCxnSpPr>
+          <p:cNvPr id="472" name="Соединительная линия уступом 175">
+            <a:extLst>
+              <a:ext uri="{FF2B5EF4-FFF2-40B4-BE49-F238E27FC236}">
+                <a16:creationId xmlns:a16="http://schemas.microsoft.com/office/drawing/2014/main" id="{3EFB5F95-15D5-4AB1-A98F-BFC7858ACE86}"/>
+              </a:ext>
+            </a:extLst>
+          </p:cNvPr>
+          <p:cNvCxnSpPr>
+            <a:cxnSpLocks/>
+            <a:stCxn id="440" idx="2"/>
+            <a:endCxn id="471" idx="0"/>
+          </p:cNvCxnSpPr>
+          <p:nvPr/>
+        </p:nvCxnSpPr>
+        <p:spPr>
+          <a:xfrm rot="16200000" flipH="1">
+            <a:off x="44581962" y="24986143"/>
+            <a:ext cx="482825" cy="1233543"/>
+          </a:xfrm>
+          <a:prstGeom prst="bentConnector3">
+            <a:avLst>
+              <a:gd name="adj1" fmla="val 50000"/>
+            </a:avLst>
+          </a:prstGeom>
+          <a:ln w="28575">
+            <a:tailEnd type="arrow"/>
+          </a:ln>
+        </p:spPr>
+        <p:style>
+          <a:lnRef idx="1">
+            <a:schemeClr val="accent1"/>
+          </a:lnRef>
+          <a:fillRef idx="0">
+            <a:schemeClr val="accent1"/>
+          </a:fillRef>
+          <a:effectRef idx="0">
+            <a:schemeClr val="accent1"/>
+          </a:effectRef>
+          <a:fontRef idx="minor">
+            <a:schemeClr val="tx1"/>
+          </a:fontRef>
+        </p:style>
+      </p:cxnSp>
+      <p:sp>
+        <p:nvSpPr>
+          <p:cNvPr id="477" name="Прямоугольник 476">
+            <a:extLst>
+              <a:ext uri="{FF2B5EF4-FFF2-40B4-BE49-F238E27FC236}">
+                <a16:creationId xmlns:a16="http://schemas.microsoft.com/office/drawing/2014/main" id="{64EBD9B7-7491-427C-9D2C-E0B07AA44DE3}"/>
+              </a:ext>
+            </a:extLst>
+          </p:cNvPr>
+          <p:cNvSpPr/>
+          <p:nvPr/>
+        </p:nvSpPr>
+        <p:spPr>
+          <a:xfrm>
+            <a:off x="45610413" y="27348604"/>
+            <a:ext cx="2115918" cy="1080000"/>
+          </a:xfrm>
+          <a:prstGeom prst="rect">
+            <a:avLst/>
+          </a:prstGeom>
+          <a:solidFill>
+            <a:schemeClr val="accent1">
+              <a:lumMod val="60000"/>
+              <a:lumOff val="40000"/>
+            </a:schemeClr>
+          </a:solidFill>
+          <a:ln w="28575"/>
+        </p:spPr>
+        <p:style>
+          <a:lnRef idx="2">
+            <a:schemeClr val="accent1"/>
+          </a:lnRef>
+          <a:fillRef idx="1">
+            <a:schemeClr val="lt1"/>
+          </a:fillRef>
+          <a:effectRef idx="0">
+            <a:schemeClr val="accent1"/>
+          </a:effectRef>
+          <a:fontRef idx="minor">
+            <a:schemeClr val="dk1"/>
+          </a:fontRef>
+        </p:style>
+        <p:txBody>
+          <a:bodyPr lIns="124733" tIns="62367" rIns="124733" bIns="62367" rtlCol="0" anchor="ctr"/>
+          <a:lstStyle/>
+          <a:p>
+            <a:pPr algn="ctr"/>
+            <a:r>
+              <a:rPr lang="ru-RU" sz="1400" dirty="0"/>
+              <a:t>Вложения в общественную безопасность</a:t>
+            </a:r>
+          </a:p>
+        </p:txBody>
+      </p:sp>
+      <p:cxnSp>
+        <p:nvCxnSpPr>
+          <p:cNvPr id="478" name="Соединительная линия уступом 175">
+            <a:extLst>
+              <a:ext uri="{FF2B5EF4-FFF2-40B4-BE49-F238E27FC236}">
+                <a16:creationId xmlns:a16="http://schemas.microsoft.com/office/drawing/2014/main" id="{166C3203-8507-4330-8A18-FD0D613FC852}"/>
+              </a:ext>
+            </a:extLst>
+          </p:cNvPr>
+          <p:cNvCxnSpPr>
+            <a:cxnSpLocks/>
+            <a:stCxn id="471" idx="2"/>
+            <a:endCxn id="477" idx="0"/>
+          </p:cNvCxnSpPr>
+          <p:nvPr/>
+        </p:nvCxnSpPr>
+        <p:spPr>
+          <a:xfrm rot="16200000" flipH="1">
+            <a:off x="45842121" y="26522353"/>
+            <a:ext cx="424276" cy="1228226"/>
+          </a:xfrm>
+          <a:prstGeom prst="bentConnector3">
+            <a:avLst>
+              <a:gd name="adj1" fmla="val 50000"/>
+            </a:avLst>
+          </a:prstGeom>
+          <a:ln w="28575">
+            <a:tailEnd type="arrow"/>
+          </a:ln>
+        </p:spPr>
+        <p:style>
+          <a:lnRef idx="1">
+            <a:schemeClr val="accent1"/>
+          </a:lnRef>
+          <a:fillRef idx="0">
+            <a:schemeClr val="accent1"/>
+          </a:fillRef>
+          <a:effectRef idx="0">
+            <a:schemeClr val="accent1"/>
+          </a:effectRef>
+          <a:fontRef idx="minor">
+            <a:schemeClr val="tx1"/>
+          </a:fontRef>
+        </p:style>
+      </p:cxnSp>
+      <p:sp>
+        <p:nvSpPr>
+          <p:cNvPr id="483" name="Прямоугольник 482">
+            <a:extLst>
+              <a:ext uri="{FF2B5EF4-FFF2-40B4-BE49-F238E27FC236}">
+                <a16:creationId xmlns:a16="http://schemas.microsoft.com/office/drawing/2014/main" id="{2F81E91C-D85F-4115-9BA7-049B5DB8AE10}"/>
+              </a:ext>
+            </a:extLst>
+          </p:cNvPr>
+          <p:cNvSpPr/>
+          <p:nvPr/>
+        </p:nvSpPr>
+        <p:spPr>
+          <a:xfrm>
+            <a:off x="39478558" y="30335874"/>
+            <a:ext cx="2115918" cy="1080000"/>
+          </a:xfrm>
+          <a:prstGeom prst="rect">
+            <a:avLst/>
+          </a:prstGeom>
+          <a:solidFill>
+            <a:schemeClr val="accent1">
+              <a:lumMod val="60000"/>
+              <a:lumOff val="40000"/>
+            </a:schemeClr>
+          </a:solidFill>
+          <a:ln w="28575"/>
+        </p:spPr>
+        <p:style>
+          <a:lnRef idx="2">
+            <a:schemeClr val="accent1"/>
+          </a:lnRef>
+          <a:fillRef idx="1">
+            <a:schemeClr val="lt1"/>
+          </a:fillRef>
+          <a:effectRef idx="0">
+            <a:schemeClr val="accent1"/>
+          </a:effectRef>
+          <a:fontRef idx="minor">
+            <a:schemeClr val="dk1"/>
+          </a:fontRef>
+        </p:style>
+        <p:txBody>
+          <a:bodyPr lIns="124733" tIns="62367" rIns="124733" bIns="62367" rtlCol="0" anchor="ctr"/>
+          <a:lstStyle/>
+          <a:p>
+            <a:pPr algn="ctr"/>
+            <a:r>
+              <a:rPr lang="ru-RU" sz="1400" dirty="0"/>
+              <a:t>Молодые социалисты </a:t>
             </a:r>
             <a:r>
               <a:rPr lang="ru-RU" sz="600" dirty="0"/>
-              <a:t>(КПН выступала за сильную роль государства в экономике. Они считали, что государство должно обеспечить дешевое жилье, бесплатное и нейтральное образование и медицинское страхование.)</a:t>
+              <a:t>(Молодые социалисты в </a:t>
+            </a:r>
+            <a:r>
+              <a:rPr lang="ru-RU" sz="600" dirty="0" err="1"/>
+              <a:t>PvdA</a:t>
+            </a:r>
+            <a:r>
+              <a:rPr lang="ru-RU" sz="600" dirty="0"/>
+              <a:t> ( голландский : </a:t>
+            </a:r>
+            <a:r>
+              <a:rPr lang="ru-RU" sz="600" dirty="0" err="1"/>
+              <a:t>Jonge</a:t>
+            </a:r>
+            <a:r>
+              <a:rPr lang="ru-RU" sz="600" dirty="0"/>
+              <a:t> </a:t>
+            </a:r>
+            <a:r>
+              <a:rPr lang="ru-RU" sz="600" dirty="0" err="1"/>
+              <a:t>Socialisten</a:t>
+            </a:r>
+            <a:r>
+              <a:rPr lang="ru-RU" sz="600" dirty="0"/>
+              <a:t> </a:t>
+            </a:r>
+            <a:r>
+              <a:rPr lang="ru-RU" sz="600" dirty="0" err="1"/>
+              <a:t>in</a:t>
+            </a:r>
+            <a:r>
+              <a:rPr lang="ru-RU" sz="600" dirty="0"/>
+              <a:t> </a:t>
+            </a:r>
+            <a:r>
+              <a:rPr lang="ru-RU" sz="600" dirty="0" err="1"/>
+              <a:t>de</a:t>
+            </a:r>
+            <a:r>
+              <a:rPr lang="ru-RU" sz="600" dirty="0"/>
+              <a:t> </a:t>
+            </a:r>
+            <a:r>
+              <a:rPr lang="ru-RU" sz="600" dirty="0" err="1"/>
+              <a:t>PvdA</a:t>
+            </a:r>
+            <a:r>
+              <a:rPr lang="ru-RU" sz="600" dirty="0"/>
+              <a:t> , JS ) — голландская социал-демократическая молодежная организация. JS — политически независимая организация, но она связана с Лейбористской партией (</a:t>
+            </a:r>
+            <a:r>
+              <a:rPr lang="ru-RU" sz="600" dirty="0" err="1"/>
+              <a:t>PvdA</a:t>
+            </a:r>
+            <a:r>
+              <a:rPr lang="ru-RU" sz="600" dirty="0"/>
+              <a:t>) . Участникам должно быть от 12 до 28 лет. Члены не обязаны быть членами Лейбористской партии.)</a:t>
             </a:r>
             <a:endParaRPr lang="ru-RU" sz="1400" dirty="0"/>
+          </a:p>
+        </p:txBody>
+      </p:sp>
+      <p:cxnSp>
+        <p:nvCxnSpPr>
+          <p:cNvPr id="484" name="Соединительная линия уступом 175">
+            <a:extLst>
+              <a:ext uri="{FF2B5EF4-FFF2-40B4-BE49-F238E27FC236}">
+                <a16:creationId xmlns:a16="http://schemas.microsoft.com/office/drawing/2014/main" id="{03E14101-98DA-4D50-B8CC-EEE41D7E204A}"/>
+              </a:ext>
+            </a:extLst>
+          </p:cNvPr>
+          <p:cNvCxnSpPr>
+            <a:cxnSpLocks/>
+            <a:stCxn id="369" idx="2"/>
+            <a:endCxn id="483" idx="0"/>
+          </p:cNvCxnSpPr>
+          <p:nvPr/>
+        </p:nvCxnSpPr>
+        <p:spPr>
+          <a:xfrm rot="5400000">
+            <a:off x="37905232" y="26502224"/>
+            <a:ext cx="6464935" cy="1202364"/>
+          </a:xfrm>
+          <a:prstGeom prst="bentConnector3">
+            <a:avLst>
+              <a:gd name="adj1" fmla="val 3288"/>
+            </a:avLst>
+          </a:prstGeom>
+          <a:ln w="28575">
+            <a:tailEnd type="arrow"/>
+          </a:ln>
+        </p:spPr>
+        <p:style>
+          <a:lnRef idx="1">
+            <a:schemeClr val="accent1"/>
+          </a:lnRef>
+          <a:fillRef idx="0">
+            <a:schemeClr val="accent1"/>
+          </a:fillRef>
+          <a:effectRef idx="0">
+            <a:schemeClr val="accent1"/>
+          </a:effectRef>
+          <a:fontRef idx="minor">
+            <a:schemeClr val="tx1"/>
+          </a:fontRef>
+        </p:style>
+      </p:cxnSp>
+      <p:sp>
+        <p:nvSpPr>
+          <p:cNvPr id="487" name="Прямоугольник 486">
+            <a:extLst>
+              <a:ext uri="{FF2B5EF4-FFF2-40B4-BE49-F238E27FC236}">
+                <a16:creationId xmlns:a16="http://schemas.microsoft.com/office/drawing/2014/main" id="{7F06A351-42B8-46B7-8546-A8854F4B3E84}"/>
+              </a:ext>
+            </a:extLst>
+          </p:cNvPr>
+          <p:cNvSpPr/>
+          <p:nvPr/>
+        </p:nvSpPr>
+        <p:spPr>
+          <a:xfrm>
+            <a:off x="45610413" y="31820451"/>
+            <a:ext cx="2115918" cy="1080000"/>
+          </a:xfrm>
+          <a:prstGeom prst="rect">
+            <a:avLst/>
+          </a:prstGeom>
+          <a:solidFill>
+            <a:schemeClr val="accent1">
+              <a:lumMod val="60000"/>
+              <a:lumOff val="40000"/>
+            </a:schemeClr>
+          </a:solidFill>
+          <a:ln w="28575"/>
+        </p:spPr>
+        <p:style>
+          <a:lnRef idx="2">
+            <a:schemeClr val="accent1"/>
+          </a:lnRef>
+          <a:fillRef idx="1">
+            <a:schemeClr val="lt1"/>
+          </a:fillRef>
+          <a:effectRef idx="0">
+            <a:schemeClr val="accent1"/>
+          </a:effectRef>
+          <a:fontRef idx="minor">
+            <a:schemeClr val="dk1"/>
+          </a:fontRef>
+        </p:style>
+        <p:txBody>
+          <a:bodyPr lIns="124733" tIns="62367" rIns="124733" bIns="62367" rtlCol="0" anchor="ctr"/>
+          <a:lstStyle/>
+          <a:p>
+            <a:pPr algn="ctr"/>
+            <a:r>
+              <a:rPr lang="ru-RU" sz="1400" dirty="0"/>
+              <a:t>Укрепить отношения со странами демократического блока</a:t>
+            </a:r>
           </a:p>
         </p:txBody>
       </p:sp>
       <p:sp>
         <p:nvSpPr>
-          <p:cNvPr id="363" name="Прямоугольник 362">
-            <a:extLst>
-              <a:ext uri="{FF2B5EF4-FFF2-40B4-BE49-F238E27FC236}">
-                <a16:creationId xmlns:a16="http://schemas.microsoft.com/office/drawing/2014/main" id="{96934284-13F6-4594-AE55-293CD253F5AA}"/>
+          <p:cNvPr id="488" name="Прямоугольник 487">
+            <a:extLst>
+              <a:ext uri="{FF2B5EF4-FFF2-40B4-BE49-F238E27FC236}">
+                <a16:creationId xmlns:a16="http://schemas.microsoft.com/office/drawing/2014/main" id="{0C7B52E4-9877-4B97-A57D-E4F55FBBED64}"/>
               </a:ext>
             </a:extLst>
           </p:cNvPr>
@@ -21057,14 +25102,17 @@
         </p:nvSpPr>
         <p:spPr>
           <a:xfrm>
-            <a:off x="23522065" y="13801262"/>
+            <a:off x="43148326" y="28839503"/>
             <a:ext cx="2115918" cy="1080000"/>
           </a:xfrm>
           <a:prstGeom prst="rect">
             <a:avLst/>
           </a:prstGeom>
           <a:solidFill>
-            <a:srgbClr val="FF0000"/>
+            <a:schemeClr val="accent1">
+              <a:lumMod val="60000"/>
+              <a:lumOff val="40000"/>
+            </a:schemeClr>
           </a:solidFill>
           <a:ln w="28575"/>
         </p:spPr>
@@ -21089,22 +25137,122 @@
             <a:pPr algn="ctr"/>
             <a:r>
               <a:rPr lang="ru-RU" sz="1400" dirty="0"/>
-              <a:t>Плановая экономика </a:t>
-            </a:r>
-            <a:r>
-              <a:rPr lang="ru-RU" sz="600" dirty="0"/>
-              <a:t>(о их мнению, важные отрасли промышленности должны быть национализированы в краткосрочной перспективе, а в долгосрочной перспективе должна быть запланирована вся экономика),.)</a:t>
-            </a:r>
-            <a:endParaRPr lang="ru-RU" sz="1400" dirty="0"/>
+              <a:t>Пригласить партии интернационала (пути </a:t>
+            </a:r>
+            <a:r>
+              <a:rPr lang="ru-RU" sz="1400" dirty="0" err="1"/>
+              <a:t>соц-демов</a:t>
+            </a:r>
+            <a:r>
+              <a:rPr lang="ru-RU" sz="1400" dirty="0"/>
+              <a:t>)</a:t>
+            </a:r>
+          </a:p>
+        </p:txBody>
+      </p:sp>
+      <p:cxnSp>
+        <p:nvCxnSpPr>
+          <p:cNvPr id="489" name="Прямая со стрелкой 488">
+            <a:extLst>
+              <a:ext uri="{FF2B5EF4-FFF2-40B4-BE49-F238E27FC236}">
+                <a16:creationId xmlns:a16="http://schemas.microsoft.com/office/drawing/2014/main" id="{31C7DAC6-5602-4552-A406-EFBCABC4040D}"/>
+              </a:ext>
+            </a:extLst>
+          </p:cNvPr>
+          <p:cNvCxnSpPr>
+            <a:cxnSpLocks/>
+            <a:stCxn id="436" idx="2"/>
+            <a:endCxn id="488" idx="0"/>
+          </p:cNvCxnSpPr>
+          <p:nvPr/>
+        </p:nvCxnSpPr>
+        <p:spPr>
+          <a:xfrm flipH="1">
+            <a:off x="44206285" y="28421914"/>
+            <a:ext cx="318" cy="417589"/>
+          </a:xfrm>
+          <a:prstGeom prst="straightConnector1">
+            <a:avLst/>
+          </a:prstGeom>
+          <a:ln w="28575">
+            <a:tailEnd type="arrow"/>
+          </a:ln>
+        </p:spPr>
+        <p:style>
+          <a:lnRef idx="1">
+            <a:schemeClr val="accent1"/>
+          </a:lnRef>
+          <a:fillRef idx="0">
+            <a:schemeClr val="accent1"/>
+          </a:fillRef>
+          <a:effectRef idx="0">
+            <a:schemeClr val="accent1"/>
+          </a:effectRef>
+          <a:fontRef idx="minor">
+            <a:schemeClr val="tx1"/>
+          </a:fontRef>
+        </p:style>
+      </p:cxnSp>
+      <p:sp>
+        <p:nvSpPr>
+          <p:cNvPr id="496" name="Прямоугольник 495">
+            <a:extLst>
+              <a:ext uri="{FF2B5EF4-FFF2-40B4-BE49-F238E27FC236}">
+                <a16:creationId xmlns:a16="http://schemas.microsoft.com/office/drawing/2014/main" id="{01B36607-B25C-4740-95A0-0C5DFF7FD982}"/>
+              </a:ext>
+            </a:extLst>
+          </p:cNvPr>
+          <p:cNvSpPr/>
+          <p:nvPr/>
+        </p:nvSpPr>
+        <p:spPr>
+          <a:xfrm>
+            <a:off x="43148326" y="33303008"/>
+            <a:ext cx="2115918" cy="1080000"/>
+          </a:xfrm>
+          <a:prstGeom prst="rect">
+            <a:avLst/>
+          </a:prstGeom>
+          <a:solidFill>
+            <a:schemeClr val="accent1">
+              <a:lumMod val="60000"/>
+              <a:lumOff val="40000"/>
+            </a:schemeClr>
+          </a:solidFill>
+          <a:ln w="28575"/>
+        </p:spPr>
+        <p:style>
+          <a:lnRef idx="2">
+            <a:schemeClr val="accent1"/>
+          </a:lnRef>
+          <a:fillRef idx="1">
+            <a:schemeClr val="lt1"/>
+          </a:fillRef>
+          <a:effectRef idx="0">
+            <a:schemeClr val="accent1"/>
+          </a:effectRef>
+          <a:fontRef idx="minor">
+            <a:schemeClr val="dk1"/>
+          </a:fontRef>
+        </p:style>
+        <p:txBody>
+          <a:bodyPr lIns="124733" tIns="62367" rIns="124733" bIns="62367" rtlCol="0" anchor="ctr"/>
+          <a:lstStyle/>
+          <a:p>
+            <a:pPr algn="ctr"/>
+            <a:r>
+              <a:rPr lang="ru-RU" sz="1400" dirty="0"/>
+              <a:t>Единый интернациональный профсоюз</a:t>
+            </a:r>
           </a:p>
         </p:txBody>
       </p:sp>
       <p:sp>
         <p:nvSpPr>
-          <p:cNvPr id="365" name="Прямоугольник 364">
-            <a:extLst>
-              <a:ext uri="{FF2B5EF4-FFF2-40B4-BE49-F238E27FC236}">
-                <a16:creationId xmlns:a16="http://schemas.microsoft.com/office/drawing/2014/main" id="{0C61FFA7-BE23-4619-98CC-6DBC4971EB8B}"/>
+          <p:cNvPr id="500" name="Прямоугольник 499">
+            <a:extLst>
+              <a:ext uri="{FF2B5EF4-FFF2-40B4-BE49-F238E27FC236}">
+                <a16:creationId xmlns:a16="http://schemas.microsoft.com/office/drawing/2014/main" id="{FC75B930-026F-4A5E-BF65-4E9AD1594330}"/>
               </a:ext>
             </a:extLst>
           </p:cNvPr>
@@ -21113,13 +25261,18 @@
         </p:nvSpPr>
         <p:spPr>
           <a:xfrm>
-            <a:off x="21010023" y="28920372"/>
+            <a:off x="45610413" y="33303008"/>
             <a:ext cx="2115918" cy="1080000"/>
           </a:xfrm>
           <a:prstGeom prst="rect">
             <a:avLst/>
           </a:prstGeom>
-          <a:noFill/>
+          <a:solidFill>
+            <a:schemeClr val="accent1">
+              <a:lumMod val="60000"/>
+              <a:lumOff val="40000"/>
+            </a:schemeClr>
+          </a:solidFill>
           <a:ln w="28575"/>
         </p:spPr>
         <p:style>
@@ -21143,94 +25296,17 @@
             <a:pPr algn="ctr"/>
             <a:r>
               <a:rPr lang="ru-RU" sz="1400" dirty="0"/>
-              <a:t>Институт политических и социальных исследований </a:t>
-            </a:r>
-            <a:r>
-              <a:rPr lang="ru-RU" sz="500" dirty="0"/>
-              <a:t>(Научной организацией партии был Институт политических и социальных исследований (</a:t>
-            </a:r>
-            <a:r>
-              <a:rPr lang="ru-RU" sz="500" dirty="0" err="1"/>
-              <a:t>Instituut</a:t>
-            </a:r>
-            <a:r>
-              <a:rPr lang="ru-RU" sz="500" dirty="0"/>
-              <a:t> </a:t>
-            </a:r>
-            <a:r>
-              <a:rPr lang="ru-RU" sz="500" dirty="0" err="1"/>
-              <a:t>voor</a:t>
-            </a:r>
-            <a:r>
-              <a:rPr lang="ru-RU" sz="500" dirty="0"/>
-              <a:t> </a:t>
-            </a:r>
-            <a:r>
-              <a:rPr lang="ru-RU" sz="500" dirty="0" err="1"/>
-              <a:t>Politiek</a:t>
-            </a:r>
-            <a:r>
-              <a:rPr lang="ru-RU" sz="500" dirty="0"/>
-              <a:t> </a:t>
-            </a:r>
-            <a:r>
-              <a:rPr lang="ru-RU" sz="500" dirty="0" err="1"/>
-              <a:t>en</a:t>
-            </a:r>
-            <a:r>
-              <a:rPr lang="ru-RU" sz="500" dirty="0"/>
-              <a:t> </a:t>
-            </a:r>
-            <a:r>
-              <a:rPr lang="ru-RU" sz="500" dirty="0" err="1"/>
-              <a:t>Sociaal</a:t>
-            </a:r>
-            <a:r>
-              <a:rPr lang="ru-RU" sz="500" dirty="0"/>
-              <a:t> </a:t>
-            </a:r>
-            <a:r>
-              <a:rPr lang="ru-RU" sz="500" dirty="0" err="1"/>
-              <a:t>Onderzoek</a:t>
-            </a:r>
-            <a:r>
-              <a:rPr lang="ru-RU" sz="500" dirty="0"/>
-              <a:t>), который издавал </a:t>
-            </a:r>
-            <a:r>
-              <a:rPr lang="ru-RU" sz="500" dirty="0" err="1"/>
-              <a:t>Politiek</a:t>
-            </a:r>
-            <a:r>
-              <a:rPr lang="ru-RU" sz="500" dirty="0"/>
-              <a:t> </a:t>
-            </a:r>
-            <a:r>
-              <a:rPr lang="ru-RU" sz="500" dirty="0" err="1"/>
-              <a:t>en</a:t>
-            </a:r>
-            <a:r>
-              <a:rPr lang="ru-RU" sz="500" dirty="0"/>
-              <a:t> </a:t>
-            </a:r>
-            <a:r>
-              <a:rPr lang="ru-RU" sz="500" dirty="0" err="1"/>
-              <a:t>Cultuur</a:t>
-            </a:r>
-            <a:r>
-              <a:rPr lang="ru-RU" sz="500" dirty="0"/>
-              <a:t> (Политика и культура).)</a:t>
-            </a:r>
-            <a:endParaRPr lang="ru-RU" sz="1400" dirty="0"/>
+              <a:t>Открытая торговля и инвестиции</a:t>
+            </a:r>
           </a:p>
         </p:txBody>
       </p:sp>
       <p:sp>
         <p:nvSpPr>
-          <p:cNvPr id="366" name="Прямоугольник 365">
-            <a:extLst>
-              <a:ext uri="{FF2B5EF4-FFF2-40B4-BE49-F238E27FC236}">
-                <a16:creationId xmlns:a16="http://schemas.microsoft.com/office/drawing/2014/main" id="{A0F66333-3957-4649-BC56-A9BA9D2A373E}"/>
+          <p:cNvPr id="510" name="Прямоугольник 509">
+            <a:extLst>
+              <a:ext uri="{FF2B5EF4-FFF2-40B4-BE49-F238E27FC236}">
+                <a16:creationId xmlns:a16="http://schemas.microsoft.com/office/drawing/2014/main" id="{24061DB5-C489-431C-9189-4DC5206E6C53}"/>
               </a:ext>
             </a:extLst>
           </p:cNvPr>
@@ -21239,14 +25315,17 @@
         </p:nvSpPr>
         <p:spPr>
           <a:xfrm>
-            <a:off x="21005519" y="12355061"/>
+            <a:off x="41914783" y="30335875"/>
             <a:ext cx="2115918" cy="1080000"/>
           </a:xfrm>
           <a:prstGeom prst="rect">
             <a:avLst/>
           </a:prstGeom>
           <a:solidFill>
-            <a:srgbClr val="FF0000"/>
+            <a:schemeClr val="accent1">
+              <a:lumMod val="60000"/>
+              <a:lumOff val="40000"/>
+            </a:schemeClr>
           </a:solidFill>
           <a:ln w="28575"/>
         </p:spPr>
@@ -21271,36 +25350,130 @@
             <a:pPr algn="ctr"/>
             <a:r>
               <a:rPr lang="ru-RU" sz="1400" dirty="0"/>
-              <a:t>Всеобщая голландская молодёжная лига </a:t>
-            </a:r>
-            <a:r>
-              <a:rPr lang="ru-RU" sz="600" dirty="0"/>
-              <a:t>Молодёжной организацией партии была формально независимая Всеобщая голландская молодёжная лига.</a:t>
-            </a:r>
-            <a:endParaRPr lang="ru-RU" sz="1400" dirty="0"/>
+              <a:t>Сформировать единый фронт с Коминтерном</a:t>
+            </a:r>
+          </a:p>
+        </p:txBody>
+      </p:sp>
+      <p:sp>
+        <p:nvSpPr>
+          <p:cNvPr id="512" name="Прямоугольник 511">
+            <a:extLst>
+              <a:ext uri="{FF2B5EF4-FFF2-40B4-BE49-F238E27FC236}">
+                <a16:creationId xmlns:a16="http://schemas.microsoft.com/office/drawing/2014/main" id="{D8AF6B63-D360-47BE-BD85-5F688602A282}"/>
+              </a:ext>
+            </a:extLst>
+          </p:cNvPr>
+          <p:cNvSpPr/>
+          <p:nvPr/>
+        </p:nvSpPr>
+        <p:spPr>
+          <a:xfrm>
+            <a:off x="44382187" y="30337091"/>
+            <a:ext cx="2115918" cy="1080000"/>
+          </a:xfrm>
+          <a:prstGeom prst="rect">
+            <a:avLst/>
+          </a:prstGeom>
+          <a:solidFill>
+            <a:schemeClr val="accent1">
+              <a:lumMod val="60000"/>
+              <a:lumOff val="40000"/>
+            </a:schemeClr>
+          </a:solidFill>
+          <a:ln w="28575"/>
+        </p:spPr>
+        <p:style>
+          <a:lnRef idx="2">
+            <a:schemeClr val="accent1"/>
+          </a:lnRef>
+          <a:fillRef idx="1">
+            <a:schemeClr val="lt1"/>
+          </a:fillRef>
+          <a:effectRef idx="0">
+            <a:schemeClr val="accent1"/>
+          </a:effectRef>
+          <a:fontRef idx="minor">
+            <a:schemeClr val="dk1"/>
+          </a:fontRef>
+        </p:style>
+        <p:txBody>
+          <a:bodyPr lIns="124733" tIns="62367" rIns="124733" bIns="62367" rtlCol="0" anchor="ctr"/>
+          <a:lstStyle/>
+          <a:p>
+            <a:pPr algn="ctr"/>
+            <a:r>
+              <a:rPr lang="ru-RU" sz="1400" dirty="0"/>
+              <a:t>Отказаться от союза с радикалами</a:t>
+            </a:r>
           </a:p>
         </p:txBody>
       </p:sp>
       <p:cxnSp>
         <p:nvCxnSpPr>
-          <p:cNvPr id="360" name="Соединительная линия уступом 175">
-            <a:extLst>
-              <a:ext uri="{FF2B5EF4-FFF2-40B4-BE49-F238E27FC236}">
-                <a16:creationId xmlns:a16="http://schemas.microsoft.com/office/drawing/2014/main" id="{3FB5053C-8F65-43C7-B073-E42D95A5DDFD}"/>
+          <p:cNvPr id="513" name="Прямая соединительная линия 512">
+            <a:extLst>
+              <a:ext uri="{FF2B5EF4-FFF2-40B4-BE49-F238E27FC236}">
+                <a16:creationId xmlns:a16="http://schemas.microsoft.com/office/drawing/2014/main" id="{0D4B854A-8CC7-44FA-8C16-2B875D78D2EF}"/>
               </a:ext>
             </a:extLst>
           </p:cNvPr>
           <p:cNvCxnSpPr>
             <a:cxnSpLocks/>
-            <a:stCxn id="187" idx="2"/>
-            <a:endCxn id="312" idx="0"/>
+            <a:stCxn id="510" idx="3"/>
+            <a:endCxn id="512" idx="1"/>
           </p:cNvCxnSpPr>
           <p:nvPr/>
         </p:nvCxnSpPr>
         <p:spPr>
-          <a:xfrm rot="16200000" flipH="1">
-            <a:off x="23130507" y="24428416"/>
-            <a:ext cx="434766" cy="2476721"/>
+          <a:xfrm>
+            <a:off x="44030701" y="30875875"/>
+            <a:ext cx="351486" cy="1216"/>
+          </a:xfrm>
+          <a:prstGeom prst="line">
+            <a:avLst/>
+          </a:prstGeom>
+          <a:ln w="28575">
+            <a:solidFill>
+              <a:srgbClr val="FF0000"/>
+            </a:solidFill>
+          </a:ln>
+        </p:spPr>
+        <p:style>
+          <a:lnRef idx="1">
+            <a:schemeClr val="accent1"/>
+          </a:lnRef>
+          <a:fillRef idx="0">
+            <a:schemeClr val="accent1"/>
+          </a:fillRef>
+          <a:effectRef idx="0">
+            <a:schemeClr val="accent1"/>
+          </a:effectRef>
+          <a:fontRef idx="minor">
+            <a:schemeClr val="tx1"/>
+          </a:fontRef>
+        </p:style>
+      </p:cxnSp>
+      <p:cxnSp>
+        <p:nvCxnSpPr>
+          <p:cNvPr id="518" name="Соединительная линия уступом 175">
+            <a:extLst>
+              <a:ext uri="{FF2B5EF4-FFF2-40B4-BE49-F238E27FC236}">
+                <a16:creationId xmlns:a16="http://schemas.microsoft.com/office/drawing/2014/main" id="{F44F525B-E618-45E0-B9EF-5F906451BBA4}"/>
+              </a:ext>
+            </a:extLst>
+          </p:cNvPr>
+          <p:cNvCxnSpPr>
+            <a:cxnSpLocks/>
+            <a:stCxn id="512" idx="2"/>
+            <a:endCxn id="439" idx="0"/>
+          </p:cNvCxnSpPr>
+          <p:nvPr/>
+        </p:nvCxnSpPr>
+        <p:spPr>
+          <a:xfrm rot="5400000">
+            <a:off x="44621536" y="31001841"/>
+            <a:ext cx="403360" cy="1233861"/>
           </a:xfrm>
           <a:prstGeom prst="bentConnector3">
             <a:avLst>
@@ -21308,6 +25481,7 @@
             </a:avLst>
           </a:prstGeom>
           <a:ln w="28575">
+            <a:prstDash val="dash"/>
             <a:tailEnd type="arrow"/>
           </a:ln>
         </p:spPr>
@@ -21328,24 +25502,24 @@
       </p:cxnSp>
       <p:cxnSp>
         <p:nvCxnSpPr>
-          <p:cNvPr id="368" name="Соединительная линия уступом 175">
-            <a:extLst>
-              <a:ext uri="{FF2B5EF4-FFF2-40B4-BE49-F238E27FC236}">
-                <a16:creationId xmlns:a16="http://schemas.microsoft.com/office/drawing/2014/main" id="{83360A38-6747-4427-918E-A630073343C2}"/>
+          <p:cNvPr id="521" name="Соединительная линия уступом 175">
+            <a:extLst>
+              <a:ext uri="{FF2B5EF4-FFF2-40B4-BE49-F238E27FC236}">
+                <a16:creationId xmlns:a16="http://schemas.microsoft.com/office/drawing/2014/main" id="{DF6149B9-3766-4D30-A857-751804664437}"/>
               </a:ext>
             </a:extLst>
           </p:cNvPr>
           <p:cNvCxnSpPr>
             <a:cxnSpLocks/>
-            <a:stCxn id="187" idx="2"/>
-            <a:endCxn id="311" idx="0"/>
+            <a:stCxn id="510" idx="2"/>
+            <a:endCxn id="439" idx="0"/>
           </p:cNvCxnSpPr>
           <p:nvPr/>
         </p:nvCxnSpPr>
         <p:spPr>
-          <a:xfrm rot="5400000">
-            <a:off x="20646865" y="24424437"/>
-            <a:ext cx="437708" cy="2487623"/>
+          <a:xfrm rot="16200000" flipH="1">
+            <a:off x="43387225" y="31001391"/>
+            <a:ext cx="404576" cy="1233543"/>
           </a:xfrm>
           <a:prstGeom prst="bentConnector3">
             <a:avLst>
@@ -21353,6 +25527,7 @@
             </a:avLst>
           </a:prstGeom>
           <a:ln w="28575">
+            <a:prstDash val="dash"/>
             <a:tailEnd type="arrow"/>
           </a:ln>
         </p:spPr>
@@ -21373,24 +25548,24 @@
       </p:cxnSp>
       <p:cxnSp>
         <p:nvCxnSpPr>
-          <p:cNvPr id="370" name="Соединительная линия уступом 175">
-            <a:extLst>
-              <a:ext uri="{FF2B5EF4-FFF2-40B4-BE49-F238E27FC236}">
-                <a16:creationId xmlns:a16="http://schemas.microsoft.com/office/drawing/2014/main" id="{B7FC5062-9EBC-4E35-B854-9094F6418C3E}"/>
+          <p:cNvPr id="524" name="Соединительная линия уступом 175">
+            <a:extLst>
+              <a:ext uri="{FF2B5EF4-FFF2-40B4-BE49-F238E27FC236}">
+                <a16:creationId xmlns:a16="http://schemas.microsoft.com/office/drawing/2014/main" id="{6F2B59C2-96C3-45F0-8E47-7AB0B9B6789C}"/>
               </a:ext>
             </a:extLst>
           </p:cNvPr>
           <p:cNvCxnSpPr>
             <a:cxnSpLocks/>
-            <a:stCxn id="70" idx="2"/>
-            <a:endCxn id="137" idx="0"/>
+            <a:stCxn id="488" idx="2"/>
+            <a:endCxn id="512" idx="0"/>
           </p:cNvCxnSpPr>
           <p:nvPr/>
         </p:nvCxnSpPr>
         <p:spPr>
-          <a:xfrm rot="5400000">
-            <a:off x="21900724" y="9644664"/>
-            <a:ext cx="389859" cy="4981197"/>
+          <a:xfrm rot="16200000" flipH="1">
+            <a:off x="44614421" y="29511366"/>
+            <a:ext cx="417588" cy="1233861"/>
           </a:xfrm>
           <a:prstGeom prst="bentConnector3">
             <a:avLst>
@@ -21398,7 +25573,6 @@
             </a:avLst>
           </a:prstGeom>
           <a:ln w="28575">
-            <a:prstDash val="dash"/>
             <a:tailEnd type="arrow"/>
           </a:ln>
         </p:spPr>
@@ -21419,67 +25593,24 @@
       </p:cxnSp>
       <p:cxnSp>
         <p:nvCxnSpPr>
-          <p:cNvPr id="371" name="Прямая со стрелкой 370">
-            <a:extLst>
-              <a:ext uri="{FF2B5EF4-FFF2-40B4-BE49-F238E27FC236}">
-                <a16:creationId xmlns:a16="http://schemas.microsoft.com/office/drawing/2014/main" id="{28BB7A61-670F-4C28-ADC0-E2AD3B233CE5}"/>
+          <p:cNvPr id="527" name="Соединительная линия уступом 175">
+            <a:extLst>
+              <a:ext uri="{FF2B5EF4-FFF2-40B4-BE49-F238E27FC236}">
+                <a16:creationId xmlns:a16="http://schemas.microsoft.com/office/drawing/2014/main" id="{C626ADAF-7A95-4EBB-84F0-C3C484D06528}"/>
               </a:ext>
             </a:extLst>
           </p:cNvPr>
           <p:cNvCxnSpPr>
             <a:cxnSpLocks/>
-            <a:stCxn id="137" idx="2"/>
-            <a:endCxn id="190" idx="0"/>
+            <a:stCxn id="488" idx="2"/>
+            <a:endCxn id="510" idx="0"/>
           </p:cNvCxnSpPr>
           <p:nvPr/>
         </p:nvCxnSpPr>
         <p:spPr>
-          <a:xfrm>
-            <a:off x="19605054" y="13410192"/>
-            <a:ext cx="11363" cy="386125"/>
-          </a:xfrm>
-          <a:prstGeom prst="straightConnector1">
-            <a:avLst/>
-          </a:prstGeom>
-          <a:ln w="28575">
-            <a:tailEnd type="arrow"/>
-          </a:ln>
-        </p:spPr>
-        <p:style>
-          <a:lnRef idx="1">
-            <a:schemeClr val="accent1"/>
-          </a:lnRef>
-          <a:fillRef idx="0">
-            <a:schemeClr val="accent1"/>
-          </a:fillRef>
-          <a:effectRef idx="0">
-            <a:schemeClr val="accent1"/>
-          </a:effectRef>
-          <a:fontRef idx="minor">
-            <a:schemeClr val="tx1"/>
-          </a:fontRef>
-        </p:style>
-      </p:cxnSp>
-      <p:cxnSp>
-        <p:nvCxnSpPr>
-          <p:cNvPr id="372" name="Соединительная линия уступом 175">
-            <a:extLst>
-              <a:ext uri="{FF2B5EF4-FFF2-40B4-BE49-F238E27FC236}">
-                <a16:creationId xmlns:a16="http://schemas.microsoft.com/office/drawing/2014/main" id="{6829D1F1-70EC-4D2B-A306-DC1254777D34}"/>
-              </a:ext>
-            </a:extLst>
-          </p:cNvPr>
-          <p:cNvCxnSpPr>
-            <a:cxnSpLocks/>
-            <a:stCxn id="70" idx="2"/>
-            <a:endCxn id="366" idx="0"/>
-          </p:cNvCxnSpPr>
-          <p:nvPr/>
-        </p:nvCxnSpPr>
-        <p:spPr>
           <a:xfrm rot="5400000">
-            <a:off x="23117501" y="10886311"/>
-            <a:ext cx="414728" cy="2522773"/>
+            <a:off x="43381328" y="29510918"/>
+            <a:ext cx="416372" cy="1233543"/>
           </a:xfrm>
           <a:prstGeom prst="bentConnector3">
             <a:avLst>
@@ -21505,26 +25636,80 @@
           </a:fontRef>
         </p:style>
       </p:cxnSp>
+      <p:sp>
+        <p:nvSpPr>
+          <p:cNvPr id="530" name="Прямоугольник 529">
+            <a:extLst>
+              <a:ext uri="{FF2B5EF4-FFF2-40B4-BE49-F238E27FC236}">
+                <a16:creationId xmlns:a16="http://schemas.microsoft.com/office/drawing/2014/main" id="{C1C76B9F-F2EA-4D46-8F96-0B00437CAF39}"/>
+              </a:ext>
+            </a:extLst>
+          </p:cNvPr>
+          <p:cNvSpPr/>
+          <p:nvPr/>
+        </p:nvSpPr>
+        <p:spPr>
+          <a:xfrm>
+            <a:off x="40685284" y="31820451"/>
+            <a:ext cx="2115918" cy="1080000"/>
+          </a:xfrm>
+          <a:prstGeom prst="rect">
+            <a:avLst/>
+          </a:prstGeom>
+          <a:solidFill>
+            <a:schemeClr val="accent1">
+              <a:lumMod val="60000"/>
+              <a:lumOff val="40000"/>
+            </a:schemeClr>
+          </a:solidFill>
+          <a:ln w="28575"/>
+        </p:spPr>
+        <p:style>
+          <a:lnRef idx="2">
+            <a:schemeClr val="accent1"/>
+          </a:lnRef>
+          <a:fillRef idx="1">
+            <a:schemeClr val="lt1"/>
+          </a:fillRef>
+          <a:effectRef idx="0">
+            <a:schemeClr val="accent1"/>
+          </a:effectRef>
+          <a:fontRef idx="minor">
+            <a:schemeClr val="dk1"/>
+          </a:fontRef>
+        </p:style>
+        <p:txBody>
+          <a:bodyPr lIns="124733" tIns="62367" rIns="124733" bIns="62367" rtlCol="0" anchor="ctr"/>
+          <a:lstStyle/>
+          <a:p>
+            <a:pPr algn="ctr"/>
+            <a:r>
+              <a:rPr lang="ru-RU" sz="1400" dirty="0"/>
+              <a:t>Объединиться с Коминтерном</a:t>
+            </a:r>
+          </a:p>
+        </p:txBody>
+      </p:sp>
       <p:cxnSp>
         <p:nvCxnSpPr>
-          <p:cNvPr id="373" name="Соединительная линия уступом 175">
-            <a:extLst>
-              <a:ext uri="{FF2B5EF4-FFF2-40B4-BE49-F238E27FC236}">
-                <a16:creationId xmlns:a16="http://schemas.microsoft.com/office/drawing/2014/main" id="{889943BA-17AF-485D-857E-AA0DC3DBD930}"/>
+          <p:cNvPr id="531" name="Соединительная линия уступом 175">
+            <a:extLst>
+              <a:ext uri="{FF2B5EF4-FFF2-40B4-BE49-F238E27FC236}">
+                <a16:creationId xmlns:a16="http://schemas.microsoft.com/office/drawing/2014/main" id="{743AC6D8-46BC-4E92-90BA-B6DD67805533}"/>
               </a:ext>
             </a:extLst>
           </p:cNvPr>
           <p:cNvCxnSpPr>
             <a:cxnSpLocks/>
-            <a:stCxn id="137" idx="2"/>
-            <a:endCxn id="363" idx="0"/>
+            <a:stCxn id="510" idx="2"/>
+            <a:endCxn id="530" idx="0"/>
           </p:cNvCxnSpPr>
           <p:nvPr/>
         </p:nvCxnSpPr>
         <p:spPr>
-          <a:xfrm rot="16200000" flipH="1">
-            <a:off x="21897004" y="11118242"/>
-            <a:ext cx="391070" cy="4974970"/>
+          <a:xfrm rot="5400000">
+            <a:off x="42155705" y="31003414"/>
+            <a:ext cx="404576" cy="1229499"/>
           </a:xfrm>
           <a:prstGeom prst="bentConnector3">
             <a:avLst>
@@ -21552,24 +25737,24 @@
       </p:cxnSp>
       <p:cxnSp>
         <p:nvCxnSpPr>
-          <p:cNvPr id="374" name="Соединительная линия уступом 175">
-            <a:extLst>
-              <a:ext uri="{FF2B5EF4-FFF2-40B4-BE49-F238E27FC236}">
-                <a16:creationId xmlns:a16="http://schemas.microsoft.com/office/drawing/2014/main" id="{8F7485F3-2B69-4FAA-B3BF-6F814097751E}"/>
+          <p:cNvPr id="534" name="Соединительная линия уступом 175">
+            <a:extLst>
+              <a:ext uri="{FF2B5EF4-FFF2-40B4-BE49-F238E27FC236}">
+                <a16:creationId xmlns:a16="http://schemas.microsoft.com/office/drawing/2014/main" id="{DC741C57-5EF0-4A81-A3FD-762DAF83E6FC}"/>
               </a:ext>
             </a:extLst>
           </p:cNvPr>
           <p:cNvCxnSpPr>
             <a:cxnSpLocks/>
-            <a:stCxn id="186" idx="2"/>
-            <a:endCxn id="362" idx="0"/>
+            <a:stCxn id="512" idx="2"/>
+            <a:endCxn id="487" idx="0"/>
           </p:cNvCxnSpPr>
           <p:nvPr/>
         </p:nvCxnSpPr>
         <p:spPr>
-          <a:xfrm rot="5400000">
-            <a:off x="23178764" y="12387211"/>
-            <a:ext cx="356446" cy="2464707"/>
+          <a:xfrm rot="16200000" flipH="1">
+            <a:off x="45852579" y="31004658"/>
+            <a:ext cx="403360" cy="1228226"/>
           </a:xfrm>
           <a:prstGeom prst="bentConnector3">
             <a:avLst>
@@ -21597,69 +25782,24 @@
       </p:cxnSp>
       <p:cxnSp>
         <p:nvCxnSpPr>
-          <p:cNvPr id="375" name="Соединительная линия уступом 175">
-            <a:extLst>
-              <a:ext uri="{FF2B5EF4-FFF2-40B4-BE49-F238E27FC236}">
-                <a16:creationId xmlns:a16="http://schemas.microsoft.com/office/drawing/2014/main" id="{1E882DE1-5DF5-4064-BDB8-39B1907157CB}"/>
+          <p:cNvPr id="537" name="Соединительная линия уступом 175">
+            <a:extLst>
+              <a:ext uri="{FF2B5EF4-FFF2-40B4-BE49-F238E27FC236}">
+                <a16:creationId xmlns:a16="http://schemas.microsoft.com/office/drawing/2014/main" id="{929DDA0B-3D12-4005-8196-90E9FD25A0C1}"/>
               </a:ext>
             </a:extLst>
           </p:cNvPr>
           <p:cNvCxnSpPr>
             <a:cxnSpLocks/>
-            <a:stCxn id="184" idx="2"/>
-            <a:endCxn id="334" idx="0"/>
+            <a:stCxn id="530" idx="2"/>
+            <a:endCxn id="496" idx="0"/>
           </p:cNvCxnSpPr>
           <p:nvPr/>
         </p:nvCxnSpPr>
         <p:spPr>
           <a:xfrm rot="16200000" flipH="1">
-            <a:off x="29853923" y="14579342"/>
-            <a:ext cx="1845843" cy="2444273"/>
-          </a:xfrm>
-          <a:prstGeom prst="bentConnector3">
-            <a:avLst>
-              <a:gd name="adj1" fmla="val 9750"/>
-            </a:avLst>
-          </a:prstGeom>
-          <a:ln w="28575">
-            <a:tailEnd type="arrow"/>
-          </a:ln>
-        </p:spPr>
-        <p:style>
-          <a:lnRef idx="1">
-            <a:schemeClr val="accent1"/>
-          </a:lnRef>
-          <a:fillRef idx="0">
-            <a:schemeClr val="accent1"/>
-          </a:fillRef>
-          <a:effectRef idx="0">
-            <a:schemeClr val="accent1"/>
-          </a:effectRef>
-          <a:fontRef idx="minor">
-            <a:schemeClr val="tx1"/>
-          </a:fontRef>
-        </p:style>
-      </p:cxnSp>
-      <p:cxnSp>
-        <p:nvCxnSpPr>
-          <p:cNvPr id="379" name="Соединительная линия уступом 175">
-            <a:extLst>
-              <a:ext uri="{FF2B5EF4-FFF2-40B4-BE49-F238E27FC236}">
-                <a16:creationId xmlns:a16="http://schemas.microsoft.com/office/drawing/2014/main" id="{42FE99FC-8E7F-48FB-87E8-19645BFAA35A}"/>
-              </a:ext>
-            </a:extLst>
-          </p:cNvPr>
-          <p:cNvCxnSpPr>
-            <a:cxnSpLocks/>
-            <a:stCxn id="47" idx="2"/>
-            <a:endCxn id="115" idx="0"/>
-          </p:cNvCxnSpPr>
-          <p:nvPr/>
-        </p:nvCxnSpPr>
-        <p:spPr>
-          <a:xfrm rot="16200000" flipH="1">
-            <a:off x="32468962" y="13051864"/>
-            <a:ext cx="348026" cy="1140879"/>
+            <a:off x="42773486" y="31870208"/>
+            <a:ext cx="402557" cy="2463042"/>
           </a:xfrm>
           <a:prstGeom prst="bentConnector3">
             <a:avLst>
@@ -21667,6 +25807,7 @@
             </a:avLst>
           </a:prstGeom>
           <a:ln w="28575">
+            <a:prstDash val="dash"/>
             <a:tailEnd type="arrow"/>
           </a:ln>
         </p:spPr>
@@ -21687,24 +25828,24 @@
       </p:cxnSp>
       <p:cxnSp>
         <p:nvCxnSpPr>
-          <p:cNvPr id="382" name="Соединительная линия уступом 175">
-            <a:extLst>
-              <a:ext uri="{FF2B5EF4-FFF2-40B4-BE49-F238E27FC236}">
-                <a16:creationId xmlns:a16="http://schemas.microsoft.com/office/drawing/2014/main" id="{63B4415C-BB22-4437-8FDC-9560F1B4DD02}"/>
+          <p:cNvPr id="540" name="Соединительная линия уступом 175">
+            <a:extLst>
+              <a:ext uri="{FF2B5EF4-FFF2-40B4-BE49-F238E27FC236}">
+                <a16:creationId xmlns:a16="http://schemas.microsoft.com/office/drawing/2014/main" id="{60751D89-A337-4A33-8C72-457CAAEC52E1}"/>
               </a:ext>
             </a:extLst>
           </p:cNvPr>
           <p:cNvCxnSpPr>
             <a:cxnSpLocks/>
-            <a:stCxn id="132" idx="2"/>
-            <a:endCxn id="101" idx="0"/>
+            <a:stCxn id="487" idx="2"/>
+            <a:endCxn id="496" idx="0"/>
           </p:cNvCxnSpPr>
           <p:nvPr/>
         </p:nvCxnSpPr>
         <p:spPr>
-          <a:xfrm rot="16200000" flipH="1">
-            <a:off x="38551454" y="14408174"/>
-            <a:ext cx="349188" cy="1273823"/>
+          <a:xfrm rot="5400000">
+            <a:off x="45236051" y="31870686"/>
+            <a:ext cx="402557" cy="2462087"/>
           </a:xfrm>
           <a:prstGeom prst="bentConnector3">
             <a:avLst>
@@ -21712,6 +25853,7 @@
             </a:avLst>
           </a:prstGeom>
           <a:ln w="28575">
+            <a:prstDash val="dash"/>
             <a:tailEnd type="arrow"/>
           </a:ln>
         </p:spPr>
@@ -21730,69 +25872,134 @@
           </a:fontRef>
         </p:style>
       </p:cxnSp>
+      <p:sp>
+        <p:nvSpPr>
+          <p:cNvPr id="543" name="Прямоугольник 542">
+            <a:extLst>
+              <a:ext uri="{FF2B5EF4-FFF2-40B4-BE49-F238E27FC236}">
+                <a16:creationId xmlns:a16="http://schemas.microsoft.com/office/drawing/2014/main" id="{63F9AAEB-96F0-4AE2-B6DC-1B13D241A1B7}"/>
+              </a:ext>
+            </a:extLst>
+          </p:cNvPr>
+          <p:cNvSpPr/>
+          <p:nvPr/>
+        </p:nvSpPr>
+        <p:spPr>
+          <a:xfrm>
+            <a:off x="40680922" y="33329836"/>
+            <a:ext cx="2115918" cy="1080000"/>
+          </a:xfrm>
+          <a:prstGeom prst="rect">
+            <a:avLst/>
+          </a:prstGeom>
+          <a:solidFill>
+            <a:schemeClr val="accent1">
+              <a:lumMod val="60000"/>
+              <a:lumOff val="40000"/>
+            </a:schemeClr>
+          </a:solidFill>
+          <a:ln w="28575"/>
+        </p:spPr>
+        <p:style>
+          <a:lnRef idx="2">
+            <a:schemeClr val="accent1"/>
+          </a:lnRef>
+          <a:fillRef idx="1">
+            <a:schemeClr val="lt1"/>
+          </a:fillRef>
+          <a:effectRef idx="0">
+            <a:schemeClr val="accent1"/>
+          </a:effectRef>
+          <a:fontRef idx="minor">
+            <a:schemeClr val="dk1"/>
+          </a:fontRef>
+        </p:style>
+        <p:txBody>
+          <a:bodyPr lIns="124733" tIns="62367" rIns="124733" bIns="62367" rtlCol="0" anchor="ctr"/>
+          <a:lstStyle/>
+          <a:p>
+            <a:pPr algn="ctr"/>
+            <a:r>
+              <a:rPr lang="ru-RU" sz="1400" dirty="0"/>
+              <a:t>Помощь СССР с индустриализацией</a:t>
+            </a:r>
+          </a:p>
+        </p:txBody>
+      </p:sp>
+      <p:sp>
+        <p:nvSpPr>
+          <p:cNvPr id="544" name="Прямоугольник 543">
+            <a:extLst>
+              <a:ext uri="{FF2B5EF4-FFF2-40B4-BE49-F238E27FC236}">
+                <a16:creationId xmlns:a16="http://schemas.microsoft.com/office/drawing/2014/main" id="{7BB47993-0E46-480C-BC24-34A83B498E24}"/>
+              </a:ext>
+            </a:extLst>
+          </p:cNvPr>
+          <p:cNvSpPr/>
+          <p:nvPr/>
+        </p:nvSpPr>
+        <p:spPr>
+          <a:xfrm>
+            <a:off x="35700537" y="31820450"/>
+            <a:ext cx="2115918" cy="1080000"/>
+          </a:xfrm>
+          <a:prstGeom prst="rect">
+            <a:avLst/>
+          </a:prstGeom>
+          <a:solidFill>
+            <a:schemeClr val="accent1">
+              <a:lumMod val="60000"/>
+              <a:lumOff val="40000"/>
+            </a:schemeClr>
+          </a:solidFill>
+          <a:ln w="28575"/>
+        </p:spPr>
+        <p:style>
+          <a:lnRef idx="2">
+            <a:schemeClr val="accent1"/>
+          </a:lnRef>
+          <a:fillRef idx="1">
+            <a:schemeClr val="lt1"/>
+          </a:fillRef>
+          <a:effectRef idx="0">
+            <a:schemeClr val="accent1"/>
+          </a:effectRef>
+          <a:fontRef idx="minor">
+            <a:schemeClr val="dk1"/>
+          </a:fontRef>
+        </p:style>
+        <p:txBody>
+          <a:bodyPr lIns="124733" tIns="62367" rIns="124733" bIns="62367" rtlCol="0" anchor="ctr"/>
+          <a:lstStyle/>
+          <a:p>
+            <a:pPr algn="ctr"/>
+            <a:r>
+              <a:rPr lang="ru-RU" sz="1400" dirty="0"/>
+              <a:t>Государство всеобщего благосостояния</a:t>
+            </a:r>
+          </a:p>
+        </p:txBody>
+      </p:sp>
       <p:cxnSp>
         <p:nvCxnSpPr>
-          <p:cNvPr id="383" name="Прямая со стрелкой 382">
-            <a:extLst>
-              <a:ext uri="{FF2B5EF4-FFF2-40B4-BE49-F238E27FC236}">
-                <a16:creationId xmlns:a16="http://schemas.microsoft.com/office/drawing/2014/main" id="{3D6BE37E-948E-4842-AA7E-282497879F02}"/>
+          <p:cNvPr id="545" name="Соединительная линия уступом 175">
+            <a:extLst>
+              <a:ext uri="{FF2B5EF4-FFF2-40B4-BE49-F238E27FC236}">
+                <a16:creationId xmlns:a16="http://schemas.microsoft.com/office/drawing/2014/main" id="{94524370-5811-4092-81BF-DCF781763F22}"/>
               </a:ext>
             </a:extLst>
           </p:cNvPr>
           <p:cNvCxnSpPr>
             <a:cxnSpLocks/>
-            <a:stCxn id="141" idx="2"/>
-            <a:endCxn id="101" idx="0"/>
+            <a:stCxn id="415" idx="2"/>
+            <a:endCxn id="544" idx="0"/>
           </p:cNvCxnSpPr>
           <p:nvPr/>
         </p:nvCxnSpPr>
         <p:spPr>
-          <a:xfrm>
-            <a:off x="39362250" y="13448166"/>
-            <a:ext cx="710" cy="1771514"/>
-          </a:xfrm>
-          <a:prstGeom prst="straightConnector1">
-            <a:avLst/>
-          </a:prstGeom>
-          <a:ln w="28575">
-            <a:tailEnd type="arrow"/>
-          </a:ln>
-        </p:spPr>
-        <p:style>
-          <a:lnRef idx="1">
-            <a:schemeClr val="accent1"/>
-          </a:lnRef>
-          <a:fillRef idx="0">
-            <a:schemeClr val="accent1"/>
-          </a:fillRef>
-          <a:effectRef idx="0">
-            <a:schemeClr val="accent1"/>
-          </a:effectRef>
-          <a:fontRef idx="minor">
-            <a:schemeClr val="tx1"/>
-          </a:fontRef>
-        </p:style>
-      </p:cxnSp>
-      <p:cxnSp>
-        <p:nvCxnSpPr>
-          <p:cNvPr id="386" name="Соединительная линия уступом 175">
-            <a:extLst>
-              <a:ext uri="{FF2B5EF4-FFF2-40B4-BE49-F238E27FC236}">
-                <a16:creationId xmlns:a16="http://schemas.microsoft.com/office/drawing/2014/main" id="{0E637B86-3694-47C8-A424-2BD1AB3A07D6}"/>
-              </a:ext>
-            </a:extLst>
-          </p:cNvPr>
-          <p:cNvCxnSpPr>
-            <a:cxnSpLocks/>
-            <a:stCxn id="330" idx="2"/>
-            <a:endCxn id="365" idx="0"/>
-          </p:cNvCxnSpPr>
-          <p:nvPr/>
-        </p:nvCxnSpPr>
-        <p:spPr>
           <a:xfrm rot="5400000">
-            <a:off x="24383709" y="26187061"/>
-            <a:ext cx="417585" cy="5049037"/>
+            <a:off x="37160239" y="31015346"/>
+            <a:ext cx="403362" cy="1206847"/>
           </a:xfrm>
           <a:prstGeom prst="bentConnector3">
             <a:avLst>
@@ -21800,7 +26007,6 @@
             </a:avLst>
           </a:prstGeom>
           <a:ln w="28575">
-            <a:prstDash val="dash"/>
             <a:tailEnd type="arrow"/>
           </a:ln>
         </p:spPr>
@@ -21821,24 +26027,24 @@
       </p:cxnSp>
       <p:cxnSp>
         <p:nvCxnSpPr>
-          <p:cNvPr id="387" name="Соединительная линия уступом 175">
-            <a:extLst>
-              <a:ext uri="{FF2B5EF4-FFF2-40B4-BE49-F238E27FC236}">
-                <a16:creationId xmlns:a16="http://schemas.microsoft.com/office/drawing/2014/main" id="{DD4FA738-6222-476D-8E23-D75C8B9727E3}"/>
+          <p:cNvPr id="548" name="Соединительная линия уступом 175">
+            <a:extLst>
+              <a:ext uri="{FF2B5EF4-FFF2-40B4-BE49-F238E27FC236}">
+                <a16:creationId xmlns:a16="http://schemas.microsoft.com/office/drawing/2014/main" id="{E5FF09CF-D871-428E-B268-998929192BE7}"/>
               </a:ext>
             </a:extLst>
           </p:cNvPr>
           <p:cNvCxnSpPr>
             <a:cxnSpLocks/>
-            <a:stCxn id="340" idx="2"/>
-            <a:endCxn id="365" idx="0"/>
+            <a:stCxn id="414" idx="2"/>
+            <a:endCxn id="544" idx="0"/>
           </p:cNvCxnSpPr>
           <p:nvPr/>
         </p:nvCxnSpPr>
         <p:spPr>
           <a:xfrm rot="16200000" flipH="1">
-            <a:off x="19399002" y="26251391"/>
-            <a:ext cx="417585" cy="4920376"/>
+            <a:off x="35936006" y="30997960"/>
+            <a:ext cx="403362" cy="1241617"/>
           </a:xfrm>
           <a:prstGeom prst="bentConnector3">
             <a:avLst>
@@ -21846,7 +26052,92 @@
             </a:avLst>
           </a:prstGeom>
           <a:ln w="28575">
-            <a:prstDash val="dash"/>
+            <a:tailEnd type="arrow"/>
+          </a:ln>
+        </p:spPr>
+        <p:style>
+          <a:lnRef idx="1">
+            <a:schemeClr val="accent1"/>
+          </a:lnRef>
+          <a:fillRef idx="0">
+            <a:schemeClr val="accent1"/>
+          </a:fillRef>
+          <a:effectRef idx="0">
+            <a:schemeClr val="accent1"/>
+          </a:effectRef>
+          <a:fontRef idx="minor">
+            <a:schemeClr val="tx1"/>
+          </a:fontRef>
+        </p:style>
+      </p:cxnSp>
+      <p:cxnSp>
+        <p:nvCxnSpPr>
+          <p:cNvPr id="552" name="Прямая со стрелкой 551">
+            <a:extLst>
+              <a:ext uri="{FF2B5EF4-FFF2-40B4-BE49-F238E27FC236}">
+                <a16:creationId xmlns:a16="http://schemas.microsoft.com/office/drawing/2014/main" id="{8EC67531-4F3C-4E25-907D-C8909E2B1333}"/>
+              </a:ext>
+            </a:extLst>
+          </p:cNvPr>
+          <p:cNvCxnSpPr>
+            <a:cxnSpLocks/>
+            <a:stCxn id="487" idx="2"/>
+            <a:endCxn id="500" idx="0"/>
+          </p:cNvCxnSpPr>
+          <p:nvPr/>
+        </p:nvCxnSpPr>
+        <p:spPr>
+          <a:xfrm>
+            <a:off x="46668372" y="32900451"/>
+            <a:ext cx="0" cy="402557"/>
+          </a:xfrm>
+          <a:prstGeom prst="straightConnector1">
+            <a:avLst/>
+          </a:prstGeom>
+          <a:ln w="28575">
+            <a:tailEnd type="arrow"/>
+          </a:ln>
+        </p:spPr>
+        <p:style>
+          <a:lnRef idx="1">
+            <a:schemeClr val="accent1"/>
+          </a:lnRef>
+          <a:fillRef idx="0">
+            <a:schemeClr val="accent1"/>
+          </a:fillRef>
+          <a:effectRef idx="0">
+            <a:schemeClr val="accent1"/>
+          </a:effectRef>
+          <a:fontRef idx="minor">
+            <a:schemeClr val="tx1"/>
+          </a:fontRef>
+        </p:style>
+      </p:cxnSp>
+      <p:cxnSp>
+        <p:nvCxnSpPr>
+          <p:cNvPr id="555" name="Прямая со стрелкой 554">
+            <a:extLst>
+              <a:ext uri="{FF2B5EF4-FFF2-40B4-BE49-F238E27FC236}">
+                <a16:creationId xmlns:a16="http://schemas.microsoft.com/office/drawing/2014/main" id="{F1CB00CD-616B-4179-8C8B-BD18EAAB31E8}"/>
+              </a:ext>
+            </a:extLst>
+          </p:cNvPr>
+          <p:cNvCxnSpPr>
+            <a:cxnSpLocks/>
+            <a:stCxn id="530" idx="2"/>
+            <a:endCxn id="543" idx="0"/>
+          </p:cNvCxnSpPr>
+          <p:nvPr/>
+        </p:nvCxnSpPr>
+        <p:spPr>
+          <a:xfrm flipH="1">
+            <a:off x="41738881" y="32900451"/>
+            <a:ext cx="4362" cy="429385"/>
+          </a:xfrm>
+          <a:prstGeom prst="straightConnector1">
+            <a:avLst/>
+          </a:prstGeom>
+          <a:ln w="28575">
             <a:tailEnd type="arrow"/>
           </a:ln>
         </p:spPr>
@@ -21867,10 +26158,10 @@
       </p:cxnSp>
       <p:sp>
         <p:nvSpPr>
-          <p:cNvPr id="389" name="Прямоугольник 388">
-            <a:extLst>
-              <a:ext uri="{FF2B5EF4-FFF2-40B4-BE49-F238E27FC236}">
-                <a16:creationId xmlns:a16="http://schemas.microsoft.com/office/drawing/2014/main" id="{14D5795B-E928-424F-BBF5-9F6DF5A6D53E}"/>
+          <p:cNvPr id="558" name="Прямоугольник 557">
+            <a:extLst>
+              <a:ext uri="{FF2B5EF4-FFF2-40B4-BE49-F238E27FC236}">
+                <a16:creationId xmlns:a16="http://schemas.microsoft.com/office/drawing/2014/main" id="{63649C78-A0E5-4B6E-B5E3-2219E6BBAC40}"/>
               </a:ext>
             </a:extLst>
           </p:cNvPr>
@@ -21879,13 +26170,18 @@
         </p:nvSpPr>
         <p:spPr>
           <a:xfrm>
-            <a:off x="16384495" y="6083604"/>
+            <a:off x="41915321" y="34827425"/>
             <a:ext cx="2115918" cy="1080000"/>
           </a:xfrm>
           <a:prstGeom prst="rect">
             <a:avLst/>
           </a:prstGeom>
-          <a:noFill/>
+          <a:solidFill>
+            <a:schemeClr val="accent1">
+              <a:lumMod val="60000"/>
+              <a:lumOff val="40000"/>
+            </a:schemeClr>
+          </a:solidFill>
           <a:ln w="28575"/>
         </p:spPr>
         <p:style>
@@ -21908,21 +26204,156 @@
           <a:p>
             <a:pPr algn="ctr"/>
             <a:r>
-              <a:rPr lang="ru-RU" sz="900" dirty="0"/>
-              <a:t>В рамках этого параграфа заслуживают упоминания два направления деятельности НСВ. Во-первых, это деятельность во время выборов. В эти периоды НСВ обычно проводила </a:t>
-            </a:r>
-            <a:r>
-              <a:rPr lang="ru-RU" sz="900" dirty="0" err="1"/>
-              <a:t>антивыборные</a:t>
-            </a:r>
-            <a:r>
-              <a:rPr lang="ru-RU" sz="900" dirty="0"/>
-              <a:t> кампании.</a:t>
-            </a:r>
-            <a:endParaRPr lang="ru-RU" sz="300" dirty="0"/>
+              <a:rPr lang="ru-RU" sz="1400" dirty="0"/>
+              <a:t>Расширить военное сотрудничество с СССР</a:t>
+            </a:r>
           </a:p>
         </p:txBody>
       </p:sp>
+      <p:cxnSp>
+        <p:nvCxnSpPr>
+          <p:cNvPr id="559" name="Соединительная линия уступом 175">
+            <a:extLst>
+              <a:ext uri="{FF2B5EF4-FFF2-40B4-BE49-F238E27FC236}">
+                <a16:creationId xmlns:a16="http://schemas.microsoft.com/office/drawing/2014/main" id="{DC1F00DD-B53C-4BA2-9DAC-A6AA130CEAEF}"/>
+              </a:ext>
+            </a:extLst>
+          </p:cNvPr>
+          <p:cNvCxnSpPr>
+            <a:cxnSpLocks/>
+            <a:stCxn id="530" idx="2"/>
+            <a:endCxn id="558" idx="0"/>
+          </p:cNvCxnSpPr>
+          <p:nvPr/>
+        </p:nvCxnSpPr>
+        <p:spPr>
+          <a:xfrm rot="16200000" flipH="1">
+            <a:off x="41394774" y="33248919"/>
+            <a:ext cx="1926974" cy="1230037"/>
+          </a:xfrm>
+          <a:prstGeom prst="bentConnector3">
+            <a:avLst>
+              <a:gd name="adj1" fmla="val 10040"/>
+            </a:avLst>
+          </a:prstGeom>
+          <a:ln w="28575">
+            <a:tailEnd type="arrow"/>
+          </a:ln>
+        </p:spPr>
+        <p:style>
+          <a:lnRef idx="1">
+            <a:schemeClr val="accent1"/>
+          </a:lnRef>
+          <a:fillRef idx="0">
+            <a:schemeClr val="accent1"/>
+          </a:fillRef>
+          <a:effectRef idx="0">
+            <a:schemeClr val="accent1"/>
+          </a:effectRef>
+          <a:fontRef idx="minor">
+            <a:schemeClr val="tx1"/>
+          </a:fontRef>
+        </p:style>
+      </p:cxnSp>
+      <p:sp>
+        <p:nvSpPr>
+          <p:cNvPr id="562" name="Прямоугольник 561">
+            <a:extLst>
+              <a:ext uri="{FF2B5EF4-FFF2-40B4-BE49-F238E27FC236}">
+                <a16:creationId xmlns:a16="http://schemas.microsoft.com/office/drawing/2014/main" id="{9F1F6D49-CF22-428D-B931-1BC4F30137BE}"/>
+              </a:ext>
+            </a:extLst>
+          </p:cNvPr>
+          <p:cNvSpPr/>
+          <p:nvPr/>
+        </p:nvSpPr>
+        <p:spPr>
+          <a:xfrm>
+            <a:off x="44379370" y="34785565"/>
+            <a:ext cx="2115918" cy="1080000"/>
+          </a:xfrm>
+          <a:prstGeom prst="rect">
+            <a:avLst/>
+          </a:prstGeom>
+          <a:solidFill>
+            <a:schemeClr val="accent1">
+              <a:lumMod val="60000"/>
+              <a:lumOff val="40000"/>
+            </a:schemeClr>
+          </a:solidFill>
+          <a:ln w="28575"/>
+        </p:spPr>
+        <p:style>
+          <a:lnRef idx="2">
+            <a:schemeClr val="accent1"/>
+          </a:lnRef>
+          <a:fillRef idx="1">
+            <a:schemeClr val="lt1"/>
+          </a:fillRef>
+          <a:effectRef idx="0">
+            <a:schemeClr val="accent1"/>
+          </a:effectRef>
+          <a:fontRef idx="minor">
+            <a:schemeClr val="dk1"/>
+          </a:fontRef>
+        </p:style>
+        <p:txBody>
+          <a:bodyPr lIns="124733" tIns="62367" rIns="124733" bIns="62367" rtlCol="0" anchor="ctr"/>
+          <a:lstStyle/>
+          <a:p>
+            <a:pPr algn="ctr"/>
+            <a:r>
+              <a:rPr lang="ru-RU" sz="1400" dirty="0"/>
+              <a:t>Создать научный блок интернационала</a:t>
+            </a:r>
+          </a:p>
+        </p:txBody>
+      </p:sp>
+      <p:cxnSp>
+        <p:nvCxnSpPr>
+          <p:cNvPr id="563" name="Соединительная линия уступом 175">
+            <a:extLst>
+              <a:ext uri="{FF2B5EF4-FFF2-40B4-BE49-F238E27FC236}">
+                <a16:creationId xmlns:a16="http://schemas.microsoft.com/office/drawing/2014/main" id="{44BAF38A-4E6C-49EE-A57C-06F76FB7006D}"/>
+              </a:ext>
+            </a:extLst>
+          </p:cNvPr>
+          <p:cNvCxnSpPr>
+            <a:cxnSpLocks/>
+            <a:stCxn id="487" idx="2"/>
+            <a:endCxn id="562" idx="0"/>
+          </p:cNvCxnSpPr>
+          <p:nvPr/>
+        </p:nvCxnSpPr>
+        <p:spPr>
+          <a:xfrm rot="5400000">
+            <a:off x="45110294" y="33227487"/>
+            <a:ext cx="1885114" cy="1231043"/>
+          </a:xfrm>
+          <a:prstGeom prst="bentConnector3">
+            <a:avLst>
+              <a:gd name="adj1" fmla="val 9152"/>
+            </a:avLst>
+          </a:prstGeom>
+          <a:ln w="28575">
+            <a:tailEnd type="arrow"/>
+          </a:ln>
+        </p:spPr>
+        <p:style>
+          <a:lnRef idx="1">
+            <a:schemeClr val="accent1"/>
+          </a:lnRef>
+          <a:fillRef idx="0">
+            <a:schemeClr val="accent1"/>
+          </a:fillRef>
+          <a:effectRef idx="0">
+            <a:schemeClr val="accent1"/>
+          </a:effectRef>
+          <a:fontRef idx="minor">
+            <a:schemeClr val="tx1"/>
+          </a:fontRef>
+        </p:style>
+      </p:cxnSp>
     </p:spTree>
     <p:extLst>
       <p:ext uri="{BB962C8B-B14F-4D97-AF65-F5344CB8AC3E}">

--- a/Наработки/диздоки/Нидерланды/Нидерланды.pptx
+++ b/Наработки/диздоки/Нидерланды/Нидерланды.pptx
@@ -209,7 +209,7 @@
             <a:fld id="{33E3D7F9-E251-484C-A6FF-FA958879DF69}" type="datetimeFigureOut">
               <a:rPr lang="ru-RU" smtClean="0"/>
               <a:pPr/>
-              <a:t>14.04.2022</a:t>
+              <a:t>18.04.2022</a:t>
             </a:fld>
             <a:endParaRPr lang="ru-RU"/>
           </a:p>
@@ -699,7 +699,7 @@
             <a:fld id="{85A5DE44-605B-4D3B-B2B7-94543DF81A36}" type="datetimeFigureOut">
               <a:rPr lang="ru-RU" smtClean="0"/>
               <a:pPr/>
-              <a:t>14.04.2022</a:t>
+              <a:t>18.04.2022</a:t>
             </a:fld>
             <a:endParaRPr lang="ru-RU"/>
           </a:p>
@@ -871,7 +871,7 @@
             <a:fld id="{85A5DE44-605B-4D3B-B2B7-94543DF81A36}" type="datetimeFigureOut">
               <a:rPr lang="ru-RU" smtClean="0"/>
               <a:pPr/>
-              <a:t>14.04.2022</a:t>
+              <a:t>18.04.2022</a:t>
             </a:fld>
             <a:endParaRPr lang="ru-RU"/>
           </a:p>
@@ -1053,7 +1053,7 @@
             <a:fld id="{85A5DE44-605B-4D3B-B2B7-94543DF81A36}" type="datetimeFigureOut">
               <a:rPr lang="ru-RU" smtClean="0"/>
               <a:pPr/>
-              <a:t>14.04.2022</a:t>
+              <a:t>18.04.2022</a:t>
             </a:fld>
             <a:endParaRPr lang="ru-RU"/>
           </a:p>
@@ -1225,7 +1225,7 @@
             <a:fld id="{85A5DE44-605B-4D3B-B2B7-94543DF81A36}" type="datetimeFigureOut">
               <a:rPr lang="ru-RU" smtClean="0"/>
               <a:pPr/>
-              <a:t>14.04.2022</a:t>
+              <a:t>18.04.2022</a:t>
             </a:fld>
             <a:endParaRPr lang="ru-RU"/>
           </a:p>
@@ -1473,7 +1473,7 @@
             <a:fld id="{85A5DE44-605B-4D3B-B2B7-94543DF81A36}" type="datetimeFigureOut">
               <a:rPr lang="ru-RU" smtClean="0"/>
               <a:pPr/>
-              <a:t>14.04.2022</a:t>
+              <a:t>18.04.2022</a:t>
             </a:fld>
             <a:endParaRPr lang="ru-RU"/>
           </a:p>
@@ -1707,7 +1707,7 @@
             <a:fld id="{85A5DE44-605B-4D3B-B2B7-94543DF81A36}" type="datetimeFigureOut">
               <a:rPr lang="ru-RU" smtClean="0"/>
               <a:pPr/>
-              <a:t>14.04.2022</a:t>
+              <a:t>18.04.2022</a:t>
             </a:fld>
             <a:endParaRPr lang="ru-RU"/>
           </a:p>
@@ -2076,7 +2076,7 @@
             <a:fld id="{85A5DE44-605B-4D3B-B2B7-94543DF81A36}" type="datetimeFigureOut">
               <a:rPr lang="ru-RU" smtClean="0"/>
               <a:pPr/>
-              <a:t>14.04.2022</a:t>
+              <a:t>18.04.2022</a:t>
             </a:fld>
             <a:endParaRPr lang="ru-RU"/>
           </a:p>
@@ -2196,7 +2196,7 @@
             <a:fld id="{85A5DE44-605B-4D3B-B2B7-94543DF81A36}" type="datetimeFigureOut">
               <a:rPr lang="ru-RU" smtClean="0"/>
               <a:pPr/>
-              <a:t>14.04.2022</a:t>
+              <a:t>18.04.2022</a:t>
             </a:fld>
             <a:endParaRPr lang="ru-RU"/>
           </a:p>
@@ -2293,7 +2293,7 @@
             <a:fld id="{85A5DE44-605B-4D3B-B2B7-94543DF81A36}" type="datetimeFigureOut">
               <a:rPr lang="ru-RU" smtClean="0"/>
               <a:pPr/>
-              <a:t>14.04.2022</a:t>
+              <a:t>18.04.2022</a:t>
             </a:fld>
             <a:endParaRPr lang="ru-RU"/>
           </a:p>
@@ -2572,7 +2572,7 @@
             <a:fld id="{85A5DE44-605B-4D3B-B2B7-94543DF81A36}" type="datetimeFigureOut">
               <a:rPr lang="ru-RU" smtClean="0"/>
               <a:pPr/>
-              <a:t>14.04.2022</a:t>
+              <a:t>18.04.2022</a:t>
             </a:fld>
             <a:endParaRPr lang="ru-RU"/>
           </a:p>
@@ -2831,7 +2831,7 @@
             <a:fld id="{85A5DE44-605B-4D3B-B2B7-94543DF81A36}" type="datetimeFigureOut">
               <a:rPr lang="ru-RU" smtClean="0"/>
               <a:pPr/>
-              <a:t>14.04.2022</a:t>
+              <a:t>18.04.2022</a:t>
             </a:fld>
             <a:endParaRPr lang="ru-RU"/>
           </a:p>
@@ -3046,7 +3046,7 @@
             <a:fld id="{85A5DE44-605B-4D3B-B2B7-94543DF81A36}" type="datetimeFigureOut">
               <a:rPr lang="ru-RU" smtClean="0"/>
               <a:pPr/>
-              <a:t>14.04.2022</a:t>
+              <a:t>18.04.2022</a:t>
             </a:fld>
             <a:endParaRPr lang="ru-RU"/>
           </a:p>
@@ -7549,7 +7549,7 @@
         </p:nvSpPr>
         <p:spPr>
           <a:xfrm>
-            <a:off x="21051571" y="24369394"/>
+            <a:off x="21024275" y="24369394"/>
             <a:ext cx="2115918" cy="1080000"/>
           </a:xfrm>
           <a:prstGeom prst="rect">
@@ -9986,439 +9986,6 @@
       </p:sp>
       <p:sp>
         <p:nvSpPr>
-          <p:cNvPr id="121" name="Прямоугольник 120">
-            <a:extLst>
-              <a:ext uri="{FF2B5EF4-FFF2-40B4-BE49-F238E27FC236}">
-                <a16:creationId xmlns:a16="http://schemas.microsoft.com/office/drawing/2014/main" id="{3FC5758D-35D9-4373-85F1-566117947433}"/>
-              </a:ext>
-            </a:extLst>
-          </p:cNvPr>
-          <p:cNvSpPr/>
-          <p:nvPr/>
-        </p:nvSpPr>
-        <p:spPr>
-          <a:xfrm>
-            <a:off x="26896624" y="223104"/>
-            <a:ext cx="2115918" cy="1080000"/>
-          </a:xfrm>
-          <a:prstGeom prst="rect">
-            <a:avLst/>
-          </a:prstGeom>
-          <a:noFill/>
-          <a:ln w="28575"/>
-        </p:spPr>
-        <p:style>
-          <a:lnRef idx="2">
-            <a:schemeClr val="accent1"/>
-          </a:lnRef>
-          <a:fillRef idx="1">
-            <a:schemeClr val="lt1"/>
-          </a:fillRef>
-          <a:effectRef idx="0">
-            <a:schemeClr val="accent1"/>
-          </a:effectRef>
-          <a:fontRef idx="minor">
-            <a:schemeClr val="dk1"/>
-          </a:fontRef>
-        </p:style>
-        <p:txBody>
-          <a:bodyPr lIns="124733" tIns="62367" rIns="124733" bIns="62367" rtlCol="0" anchor="ctr"/>
-          <a:lstStyle/>
-          <a:p>
-            <a:pPr algn="ctr"/>
-            <a:r>
-              <a:rPr lang="ru-RU" sz="1200" dirty="0"/>
-              <a:t>Механика с безработицей</a:t>
-            </a:r>
-          </a:p>
-          <a:p>
-            <a:pPr algn="ctr"/>
-            <a:r>
-              <a:rPr lang="ru-RU" sz="300" dirty="0"/>
-              <a:t>Безработица была одной из областей, где кризис был наиболее заметен для рабочего класса. Правительство искало решение этой проблемы в обеспечении занятости. NSV резко раскритиковал это. В связи с этим говорили даже о «принудительном труде», потому что рабочим навязывались и заработная плата, и род труда; подготовка и способности соответствующих лиц не играли никакой роли. Еще один момент критики создания рабочих мест заключался в том, что они все чаще включали обычные работы, такие как строительство дорог, канализационных систем и рытье каналов. Само по себе это не вызывало бы столь возражений, если бы не тот факт, что рабочие здесь должны были довольствоваться более низкой заработной платой, чем это было принято в данной отрасли. NSV возразил, что они хотели продуктивной работы, например, строительство домов для рабочих и пошив одежды для рабочих с полной оплатой труда. По данным NSV, девальвация гульдена в 1936 году благоприятствовала владельцам земли и средств производства и ставила в невыгодное положение тех, кто жил на нормальную заработную плату или пособия по социальной помощи. В то же время девальвация повлияла на рост цен, а в октябре 1936 года выплаты помощи были снова сокращены. На этом основании НСВ пришел к отрицательному мнению о девальвации.</a:t>
-            </a:r>
-            <a:endParaRPr lang="ru-RU" sz="1400" dirty="0"/>
-          </a:p>
-        </p:txBody>
-      </p:sp>
-      <p:sp>
-        <p:nvSpPr>
-          <p:cNvPr id="124" name="Прямоугольник 123">
-            <a:extLst>
-              <a:ext uri="{FF2B5EF4-FFF2-40B4-BE49-F238E27FC236}">
-                <a16:creationId xmlns:a16="http://schemas.microsoft.com/office/drawing/2014/main" id="{F0FA1455-27A7-4E2D-80C9-A49CCE9ED6CB}"/>
-              </a:ext>
-            </a:extLst>
-          </p:cNvPr>
-          <p:cNvSpPr/>
-          <p:nvPr/>
-        </p:nvSpPr>
-        <p:spPr>
-          <a:xfrm>
-            <a:off x="29222646" y="4452093"/>
-            <a:ext cx="2115918" cy="1080000"/>
-          </a:xfrm>
-          <a:prstGeom prst="rect">
-            <a:avLst/>
-          </a:prstGeom>
-          <a:solidFill>
-            <a:schemeClr val="tx1">
-              <a:lumMod val="85000"/>
-              <a:lumOff val="15000"/>
-            </a:schemeClr>
-          </a:solidFill>
-          <a:ln w="28575"/>
-        </p:spPr>
-        <p:style>
-          <a:lnRef idx="2">
-            <a:schemeClr val="accent1"/>
-          </a:lnRef>
-          <a:fillRef idx="1">
-            <a:schemeClr val="lt1"/>
-          </a:fillRef>
-          <a:effectRef idx="0">
-            <a:schemeClr val="accent1"/>
-          </a:effectRef>
-          <a:fontRef idx="minor">
-            <a:schemeClr val="dk1"/>
-          </a:fontRef>
-        </p:style>
-        <p:txBody>
-          <a:bodyPr lIns="124733" tIns="62367" rIns="124733" bIns="62367" rtlCol="0" anchor="ctr"/>
-          <a:lstStyle/>
-          <a:p>
-            <a:pPr algn="ctr"/>
-            <a:r>
-              <a:rPr lang="ru-RU" sz="300" dirty="0">
-                <a:solidFill>
-                  <a:schemeClr val="bg1"/>
-                </a:solidFill>
-              </a:rPr>
-              <a:t>Забастовка строителей в Амстердаме в октябре 1939 года была последней забастовкой, в которой активно участвовало NSV. Мобилизация привела к резкому удорожанию жизни. Это послужило причиной того, что строители потребовали увеличения пособия. Когда их требования не были выполнены, они объявили забастовку. Контрактные профсоюзы NVV, RKWV и CNV не участвовали; Ведь в Коллективном договоре было положение о том, что во время действующего Коллективного договора нельзя проводить забастовки. NSV, как и NAS, не подписало этот CLA. У НСВ был ряд принципиальных возражений против коллективных трудовых договоров. Она видела в этом договор между двумя экономически неуравновешенными сторонами, который мог иметь только один результат: невыгоду самой слабой стороне, рабочим. Она также рассматривала коллективные трудовые договоры как фактор, сдерживающий прямые действия. Наконец, в конце 1930-х годов все более широкое распространение получили положения о запрете забастовок; для НСВ это было совершенно неприемлемо. Забастовку строителей в Амстердаме возглавил забастовочный комитет, что было обычной тактикой забастовок в те годы. Если профсоюз поддерживал забастовку слишком открыто, государство угрожало прекратить субсидирование фонда безработных соответствующей организации. Однако НАН и НСВ приняли активное участие в движении поддержки забастовщиков. Например, NSV собрала в общей сложности 393,24 NLG. Кроме того, член NSV </a:t>
-            </a:r>
-            <a:r>
-              <a:rPr lang="ru-RU" sz="300" dirty="0" err="1">
-                <a:solidFill>
-                  <a:schemeClr val="bg1"/>
-                </a:solidFill>
-              </a:rPr>
-              <a:t>Боеллаар</a:t>
-            </a:r>
-            <a:r>
-              <a:rPr lang="ru-RU" sz="300" dirty="0">
-                <a:solidFill>
-                  <a:schemeClr val="bg1"/>
-                </a:solidFill>
-              </a:rPr>
-              <a:t> возглавлял забастовочный комитет. Однако министр-социал-демократ Ван </a:t>
-            </a:r>
-            <a:r>
-              <a:rPr lang="ru-RU" sz="300" dirty="0" err="1">
-                <a:solidFill>
-                  <a:schemeClr val="bg1"/>
-                </a:solidFill>
-              </a:rPr>
-              <a:t>ден</a:t>
-            </a:r>
-            <a:r>
-              <a:rPr lang="ru-RU" sz="300" dirty="0">
-                <a:solidFill>
-                  <a:schemeClr val="bg1"/>
-                </a:solidFill>
-              </a:rPr>
-              <a:t> </a:t>
-            </a:r>
-            <a:r>
-              <a:rPr lang="ru-RU" sz="300" dirty="0" err="1">
-                <a:solidFill>
-                  <a:schemeClr val="bg1"/>
-                </a:solidFill>
-              </a:rPr>
-              <a:t>Темпель</a:t>
-            </a:r>
-            <a:r>
-              <a:rPr lang="ru-RU" sz="300" dirty="0">
-                <a:solidFill>
-                  <a:schemeClr val="bg1"/>
-                </a:solidFill>
-              </a:rPr>
-              <a:t> добился прекращения забастовки. Он вынудил забастовщиков возобновить работу, пригрозив лишить поддержки строителей NSV и NAS в Амстердаме и его окрестностях. Люди из сектора занятости также были привлечены к работе в строительной отрасли Амстердама. Этот форс-мажор оказался слишком сильным для забастовщиков; забастовка была снята безрезультатно. Синдикалист говорил о фашистских явлениях в отношении действий правительства</a:t>
-            </a:r>
-          </a:p>
-        </p:txBody>
-      </p:sp>
-      <p:sp>
-        <p:nvSpPr>
-          <p:cNvPr id="125" name="Прямоугольник 124">
-            <a:extLst>
-              <a:ext uri="{FF2B5EF4-FFF2-40B4-BE49-F238E27FC236}">
-                <a16:creationId xmlns:a16="http://schemas.microsoft.com/office/drawing/2014/main" id="{1142282C-23CC-4957-A3F1-012BEB0AE1DF}"/>
-              </a:ext>
-            </a:extLst>
-          </p:cNvPr>
-          <p:cNvSpPr/>
-          <p:nvPr/>
-        </p:nvSpPr>
-        <p:spPr>
-          <a:xfrm>
-            <a:off x="29222646" y="1626572"/>
-            <a:ext cx="2115918" cy="1080000"/>
-          </a:xfrm>
-          <a:prstGeom prst="rect">
-            <a:avLst/>
-          </a:prstGeom>
-          <a:solidFill>
-            <a:schemeClr val="tx1">
-              <a:lumMod val="85000"/>
-              <a:lumOff val="15000"/>
-            </a:schemeClr>
-          </a:solidFill>
-          <a:ln w="28575"/>
-        </p:spPr>
-        <p:style>
-          <a:lnRef idx="2">
-            <a:schemeClr val="accent1"/>
-          </a:lnRef>
-          <a:fillRef idx="1">
-            <a:schemeClr val="lt1"/>
-          </a:fillRef>
-          <a:effectRef idx="0">
-            <a:schemeClr val="accent1"/>
-          </a:effectRef>
-          <a:fontRef idx="minor">
-            <a:schemeClr val="dk1"/>
-          </a:fontRef>
-        </p:style>
-        <p:txBody>
-          <a:bodyPr lIns="124733" tIns="62367" rIns="124733" bIns="62367" rtlCol="0" anchor="ctr"/>
-          <a:lstStyle/>
-          <a:p>
-            <a:pPr algn="ctr"/>
-            <a:r>
-              <a:rPr lang="ru-RU" sz="500" dirty="0">
-                <a:solidFill>
-                  <a:schemeClr val="bg1"/>
-                </a:solidFill>
-              </a:rPr>
-              <a:t>Еще одним показателем деятельности НСВ во время забастовок является уровень выплат поддержки. Нам попадались лишь некоторые данные по этому поводу, которые тоже не всегда были ясны. У нас есть только обзор общей суммы помощи, выплаченной NSV за 1936-38 годы:¬с 1 января 1936 г. по 31 декабря 1936 г. 633,45 с 1 января 1937 г. по 31 декабря 1937 г. 1178,59 с 1 января 1938 г. по 31 августа 1938 г. 152,96NSV прокомментировал эти суммы, что эти суммы не были такими высокими, как в предыдущие годы. NSV увидело в этом результат снижения желания забастовок среди голландских рабочих; явление, которое также повлияло на их собственную деятельность. Среди этих забастовочных пособий выделяется помощь в размере 220 гульденов, которая была предоставлена неорганизованной части бастующих рыбаков в </a:t>
-            </a:r>
-            <a:r>
-              <a:rPr lang="ru-RU" sz="500" dirty="0" err="1">
-                <a:solidFill>
-                  <a:schemeClr val="bg1"/>
-                </a:solidFill>
-              </a:rPr>
-              <a:t>Эймёйдене</a:t>
-            </a:r>
-            <a:r>
-              <a:rPr lang="ru-RU" sz="500" dirty="0">
-                <a:solidFill>
-                  <a:schemeClr val="bg1"/>
-                </a:solidFill>
-              </a:rPr>
-              <a:t> в 1938 году.</a:t>
-            </a:r>
-          </a:p>
-        </p:txBody>
-      </p:sp>
-      <p:sp>
-        <p:nvSpPr>
-          <p:cNvPr id="152" name="Прямоугольник 151">
-            <a:extLst>
-              <a:ext uri="{FF2B5EF4-FFF2-40B4-BE49-F238E27FC236}">
-                <a16:creationId xmlns:a16="http://schemas.microsoft.com/office/drawing/2014/main" id="{0C75A97F-271A-4B6C-A58F-10B5AEEE5143}"/>
-              </a:ext>
-            </a:extLst>
-          </p:cNvPr>
-          <p:cNvSpPr/>
-          <p:nvPr/>
-        </p:nvSpPr>
-        <p:spPr>
-          <a:xfrm>
-            <a:off x="29206806" y="264863"/>
-            <a:ext cx="2115918" cy="1080000"/>
-          </a:xfrm>
-          <a:prstGeom prst="rect">
-            <a:avLst/>
-          </a:prstGeom>
-          <a:solidFill>
-            <a:schemeClr val="tx1">
-              <a:lumMod val="85000"/>
-              <a:lumOff val="15000"/>
-            </a:schemeClr>
-          </a:solidFill>
-          <a:ln w="28575"/>
-        </p:spPr>
-        <p:style>
-          <a:lnRef idx="2">
-            <a:schemeClr val="accent1"/>
-          </a:lnRef>
-          <a:fillRef idx="1">
-            <a:schemeClr val="lt1"/>
-          </a:fillRef>
-          <a:effectRef idx="0">
-            <a:schemeClr val="accent1"/>
-          </a:effectRef>
-          <a:fontRef idx="minor">
-            <a:schemeClr val="dk1"/>
-          </a:fontRef>
-        </p:style>
-        <p:txBody>
-          <a:bodyPr lIns="124733" tIns="62367" rIns="124733" bIns="62367" rtlCol="0" anchor="ctr"/>
-          <a:lstStyle/>
-          <a:p>
-            <a:pPr algn="ctr"/>
-            <a:r>
-              <a:rPr lang="ru-RU" sz="500" dirty="0">
-                <a:solidFill>
-                  <a:schemeClr val="bg1"/>
-                </a:solidFill>
-              </a:rPr>
-              <a:t>Несколько раз NSV поддерживала забастовку в предоставлении работы. Это поразительно, потому что три основные федерации профсоюзов дистанцировались от любых форм борьбы рабочих в службах занятости. В апреле 1936 года в центре занятости в </a:t>
-            </a:r>
-            <a:r>
-              <a:rPr lang="ru-RU" sz="500" dirty="0" err="1">
-                <a:solidFill>
-                  <a:schemeClr val="bg1"/>
-                </a:solidFill>
-              </a:rPr>
-              <a:t>Вирингермеере</a:t>
-            </a:r>
-            <a:r>
-              <a:rPr lang="ru-RU" sz="500" dirty="0">
-                <a:solidFill>
-                  <a:schemeClr val="bg1"/>
-                </a:solidFill>
-              </a:rPr>
-              <a:t> вспыхнула забастовка. Причиной этого было введение вахтовой системы, т. е. системы, при которой безработные принимались на работу попеременно. На практике это означало сокращение доходов. Забастовка сопровождалась жестокостью полиции. Забастовщиков поддерживали с разных сторон. Например, местные пекари давали дешевый хлеб. NSV с f 117,90 и NAS были единственными организациями, поддержавшими эту забастовку финансово. Через несколько недель забастовка была прекращена безрезультатно.</a:t>
-            </a:r>
-          </a:p>
-        </p:txBody>
-      </p:sp>
-      <p:sp>
-        <p:nvSpPr>
-          <p:cNvPr id="155" name="Прямоугольник 154">
-            <a:extLst>
-              <a:ext uri="{FF2B5EF4-FFF2-40B4-BE49-F238E27FC236}">
-                <a16:creationId xmlns:a16="http://schemas.microsoft.com/office/drawing/2014/main" id="{8CE366A8-AF07-4C1A-8AE1-F8FAD5C4CAC8}"/>
-              </a:ext>
-            </a:extLst>
-          </p:cNvPr>
-          <p:cNvSpPr/>
-          <p:nvPr/>
-        </p:nvSpPr>
-        <p:spPr>
-          <a:xfrm>
-            <a:off x="29222646" y="2987384"/>
-            <a:ext cx="2115918" cy="1080000"/>
-          </a:xfrm>
-          <a:prstGeom prst="rect">
-            <a:avLst/>
-          </a:prstGeom>
-          <a:solidFill>
-            <a:schemeClr val="tx1">
-              <a:lumMod val="85000"/>
-              <a:lumOff val="15000"/>
-            </a:schemeClr>
-          </a:solidFill>
-          <a:ln w="28575"/>
-        </p:spPr>
-        <p:style>
-          <a:lnRef idx="2">
-            <a:schemeClr val="accent1"/>
-          </a:lnRef>
-          <a:fillRef idx="1">
-            <a:schemeClr val="lt1"/>
-          </a:fillRef>
-          <a:effectRef idx="0">
-            <a:schemeClr val="accent1"/>
-          </a:effectRef>
-          <a:fontRef idx="minor">
-            <a:schemeClr val="dk1"/>
-          </a:fontRef>
-        </p:style>
-        <p:txBody>
-          <a:bodyPr lIns="124733" tIns="62367" rIns="124733" bIns="62367" rtlCol="0" anchor="ctr"/>
-          <a:lstStyle/>
-          <a:p>
-            <a:pPr algn="ctr"/>
-            <a:r>
-              <a:rPr lang="ru-RU" sz="400" dirty="0">
-                <a:solidFill>
-                  <a:schemeClr val="bg1"/>
-                </a:solidFill>
-              </a:rPr>
-              <a:t>В середине 1937 г. в </a:t>
-            </a:r>
-            <a:r>
-              <a:rPr lang="ru-RU" sz="400" dirty="0" err="1">
-                <a:solidFill>
-                  <a:schemeClr val="bg1"/>
-                </a:solidFill>
-              </a:rPr>
-              <a:t>Девентере</a:t>
-            </a:r>
-            <a:r>
-              <a:rPr lang="ru-RU" sz="400" dirty="0">
-                <a:solidFill>
-                  <a:schemeClr val="bg1"/>
-                </a:solidFill>
-              </a:rPr>
-              <a:t> несколько рабочих, занятых на предприятии по трудоустройству на канале Твенте-Рейн, объявили забастовку. Это было связано с плохими условиями труда. С забастовщиками жестоко расправились сверху. Первоначально они все еще получали 70% от обычной суммы помощи, но сборы и тому подобное для забастовщиков были запрещены. Муниципальный совет неоднократно пытался отправить других безработных в канал Твенте-Рейн. Когда большинство этих безработных отказались, министр </a:t>
-            </a:r>
-            <a:r>
-              <a:rPr lang="ru-RU" sz="400" dirty="0" err="1">
-                <a:solidFill>
-                  <a:schemeClr val="bg1"/>
-                </a:solidFill>
-              </a:rPr>
-              <a:t>Ромме</a:t>
-            </a:r>
-            <a:r>
-              <a:rPr lang="ru-RU" sz="400" dirty="0">
-                <a:solidFill>
-                  <a:schemeClr val="bg1"/>
-                </a:solidFill>
-              </a:rPr>
-              <a:t> издал из Гааги декрет о прекращении всякой поддержки забастовщиков. Кроме того, B&amp;W </a:t>
-            </a:r>
-            <a:r>
-              <a:rPr lang="ru-RU" sz="400" dirty="0" err="1">
-                <a:solidFill>
-                  <a:schemeClr val="bg1"/>
-                </a:solidFill>
-              </a:rPr>
-              <a:t>van</a:t>
-            </a:r>
-            <a:r>
-              <a:rPr lang="ru-RU" sz="400" dirty="0">
-                <a:solidFill>
-                  <a:schemeClr val="bg1"/>
-                </a:solidFill>
-              </a:rPr>
-              <a:t> </a:t>
-            </a:r>
-            <a:r>
-              <a:rPr lang="ru-RU" sz="400" dirty="0" err="1">
-                <a:solidFill>
-                  <a:schemeClr val="bg1"/>
-                </a:solidFill>
-              </a:rPr>
-              <a:t>Deventer</a:t>
-            </a:r>
-            <a:r>
-              <a:rPr lang="ru-RU" sz="400" dirty="0">
-                <a:solidFill>
-                  <a:schemeClr val="bg1"/>
-                </a:solidFill>
-              </a:rPr>
-              <a:t> больше не разрешалось вести переговоры с забастовочным комитетом. Среди населения развернулась большая кампания поддержки; каждую неделю собиралось около 700 гульденов. Также теперь НАС и НСВ (ф 425, —) единственные организации, реально оказывавшие поддержку. НСВ также распространил брошюру тиражом 4000 экземпляров. Забастовку бойкотировали современные и конфессиональные союзы. «Рабочая пресса» отказалась даже от рекламы, призывающей поддержать забастовку. Наконец, в результате забастовки была несколько повышена заработная плата, а радикальные меры приняты не были.</a:t>
-            </a:r>
-          </a:p>
-        </p:txBody>
-      </p:sp>
-      <p:sp>
-        <p:nvSpPr>
           <p:cNvPr id="165" name="Прямоугольник 164">
             <a:extLst>
               <a:ext uri="{FF2B5EF4-FFF2-40B4-BE49-F238E27FC236}">
@@ -15757,204 +15324,6 @@
       </p:cxnSp>
       <p:sp>
         <p:nvSpPr>
-          <p:cNvPr id="287" name="Прямоугольник 286">
-            <a:extLst>
-              <a:ext uri="{FF2B5EF4-FFF2-40B4-BE49-F238E27FC236}">
-                <a16:creationId xmlns:a16="http://schemas.microsoft.com/office/drawing/2014/main" id="{DD45E7B9-6EA8-46DC-9B0E-B3E030E4D9AD}"/>
-              </a:ext>
-            </a:extLst>
-          </p:cNvPr>
-          <p:cNvSpPr/>
-          <p:nvPr/>
-        </p:nvSpPr>
-        <p:spPr>
-          <a:xfrm>
-            <a:off x="26913306" y="4420396"/>
-            <a:ext cx="2115918" cy="1080000"/>
-          </a:xfrm>
-          <a:prstGeom prst="rect">
-            <a:avLst/>
-          </a:prstGeom>
-          <a:solidFill>
-            <a:srgbClr val="FFFF00"/>
-          </a:solidFill>
-          <a:ln w="28575"/>
-        </p:spPr>
-        <p:style>
-          <a:lnRef idx="2">
-            <a:schemeClr val="accent1"/>
-          </a:lnRef>
-          <a:fillRef idx="1">
-            <a:schemeClr val="lt1"/>
-          </a:fillRef>
-          <a:effectRef idx="0">
-            <a:schemeClr val="accent1"/>
-          </a:effectRef>
-          <a:fontRef idx="minor">
-            <a:schemeClr val="dk1"/>
-          </a:fontRef>
-        </p:style>
-        <p:txBody>
-          <a:bodyPr lIns="124733" tIns="62367" rIns="124733" bIns="62367" rtlCol="0" anchor="ctr"/>
-          <a:lstStyle/>
-          <a:p>
-            <a:pPr algn="ctr"/>
-            <a:r>
-              <a:rPr lang="ru-RU" sz="300" dirty="0"/>
-              <a:t>Движение безработных завершилось в июле 1934 года настоящим восстанием, когда консервативный кабинет Антиреволюционной партии во главе с </a:t>
-            </a:r>
-            <a:r>
-              <a:rPr lang="ru-RU" sz="300" dirty="0" err="1"/>
-              <a:t>Хендрийком</a:t>
-            </a:r>
-            <a:r>
-              <a:rPr lang="ru-RU" sz="300" dirty="0"/>
-              <a:t> Колейном (1869-1944) решил сократить пособие по безработице. 4 июля рабочие района Йордан в Амстердаме спонтанно, без каких-либо указаний партии или профсоюза, выступили против мер правительства. В этом районе, как и в «индонезийском квартале», оказывалось живое сопротивление нападениям моторизованной и конной полиции. Улицы </a:t>
-            </a:r>
-            <a:r>
-              <a:rPr lang="ru-RU" sz="300" dirty="0" err="1"/>
-              <a:t>Йорданского</a:t>
-            </a:r>
-            <a:r>
-              <a:rPr lang="ru-RU" sz="300" dirty="0"/>
-              <a:t> района вскоре были забаррикадированы и оказались в руках рабочих и безработных, которые, «победив», разошлись по домам. Но на следующий день армия заняла район танками и пулеметами. Репрессии против рабочих закончились семеро убитыми и 200 ранеными. Укрепленный этой победой, правительство Нидерландов запретило все демонстрации и митинги. Хотя она дистанцировалась от борьбы </a:t>
-            </a:r>
-            <a:r>
-              <a:rPr lang="ru-RU" sz="300" dirty="0" err="1"/>
-              <a:t>иордаанских</a:t>
-            </a:r>
-            <a:r>
-              <a:rPr lang="ru-RU" sz="300" dirty="0"/>
-              <a:t> рабочих, видя лишь «грабеж и провокацию»72, орган компартии «Де </a:t>
-            </a:r>
-            <a:r>
-              <a:rPr lang="ru-RU" sz="300" dirty="0" err="1"/>
-              <a:t>трибюн</a:t>
-            </a:r>
-            <a:r>
-              <a:rPr lang="ru-RU" sz="300" dirty="0"/>
-              <a:t>» был запрещен. Небольшая </a:t>
-            </a:r>
-            <a:r>
-              <a:rPr lang="ru-RU" sz="300" dirty="0" err="1"/>
-              <a:t>левосоциалистическая</a:t>
-            </a:r>
-            <a:r>
-              <a:rPr lang="ru-RU" sz="300" dirty="0"/>
-              <a:t> партия, OSP, арестовала нескольких своих лидеров, хотя одна из ее фракций, вокруг Де </a:t>
-            </a:r>
-            <a:r>
-              <a:rPr lang="ru-RU" sz="300" dirty="0" err="1"/>
-              <a:t>Кадта</a:t>
-            </a:r>
-            <a:r>
-              <a:rPr lang="ru-RU" sz="300" dirty="0"/>
-              <a:t>, отказалась выразить солидарность с движением, критикуя «авантюризм» руководства </a:t>
-            </a:r>
-            <a:r>
-              <a:rPr lang="ru-RU" sz="300" dirty="0" err="1"/>
-              <a:t>OSP.Поражение</a:t>
-            </a:r>
-            <a:r>
-              <a:rPr lang="ru-RU" sz="300" dirty="0"/>
-              <a:t> амстердамских безработных было тяжелым, так как означало серьезное поражение пролетариата в Нидерландах, остававшегося пассивным. На самом деле борьба безработных рассматривалась как нечто отдельное, как особая категория. Сами безработные не пытались обобщить свое движение. Этот корпоративизм и отсутствие солидарности между разными категориями рабочих были настоящей слабостью:¬¬70 Об истории восстания амстердамских рабочих в июле 1934 г. см. </a:t>
-            </a:r>
-            <a:r>
-              <a:rPr lang="ru-RU" sz="300" dirty="0" err="1"/>
-              <a:t>Kielich</a:t>
-            </a:r>
-            <a:r>
-              <a:rPr lang="ru-RU" sz="300" dirty="0"/>
-              <a:t> 1984.71 рис, № 4, февраль 1932 г.72 </a:t>
-            </a:r>
-            <a:r>
-              <a:rPr lang="ru-RU" sz="300" dirty="0" err="1"/>
-              <a:t>De</a:t>
-            </a:r>
-            <a:r>
-              <a:rPr lang="ru-RU" sz="300" dirty="0"/>
-              <a:t> </a:t>
-            </a:r>
-            <a:r>
-              <a:rPr lang="ru-RU" sz="300" dirty="0" err="1"/>
-              <a:t>Tribune</a:t>
-            </a:r>
-            <a:r>
-              <a:rPr lang="ru-RU" sz="300" dirty="0"/>
-              <a:t> (дополнение), 6 июля 1934 г.... Силы рабочего класса были еще так слабы, что борющиеся рабочие не видели в расширении движения своей собственной задачи. Идея заключалась в том, что это была борьба одних безработных, и она должна была вестись только ими. В Иордане и его окрестностях есть разные фабрики, но безработные не пытались вовлечь их в борьбу73.¬Причины этого поражения были не только субъективными, но и объективными. Буржуазия «не могла больше терпеть ни малейшего сопротивления со стороны рабочих»74. Единственным выходом для рабочего класса были массовые движения, расширение и всеобщее распространение забастовок. Но будет ли этого достаточно, чтобы остановить наступление буржуазии на пролетариат, особенно угрозу войны? Были ли крупные забастовки лета 1936 года во Франции под знаменем «Народного фронта» предвестниками нового периода массовых забастовок?</a:t>
-            </a:r>
-          </a:p>
-        </p:txBody>
-      </p:sp>
-      <p:sp>
-        <p:nvSpPr>
-          <p:cNvPr id="288" name="Прямоугольник 287">
-            <a:extLst>
-              <a:ext uri="{FF2B5EF4-FFF2-40B4-BE49-F238E27FC236}">
-                <a16:creationId xmlns:a16="http://schemas.microsoft.com/office/drawing/2014/main" id="{E43200DB-36C7-4343-98ED-6660199BC5F5}"/>
-              </a:ext>
-            </a:extLst>
-          </p:cNvPr>
-          <p:cNvSpPr/>
-          <p:nvPr/>
-        </p:nvSpPr>
-        <p:spPr>
-          <a:xfrm>
-            <a:off x="26896624" y="2987384"/>
-            <a:ext cx="2115918" cy="1080000"/>
-          </a:xfrm>
-          <a:prstGeom prst="rect">
-            <a:avLst/>
-          </a:prstGeom>
-          <a:solidFill>
-            <a:srgbClr val="FFFF00"/>
-          </a:solidFill>
-          <a:ln w="28575"/>
-        </p:spPr>
-        <p:style>
-          <a:lnRef idx="2">
-            <a:schemeClr val="accent1"/>
-          </a:lnRef>
-          <a:fillRef idx="1">
-            <a:schemeClr val="lt1"/>
-          </a:fillRef>
-          <a:effectRef idx="0">
-            <a:schemeClr val="accent1"/>
-          </a:effectRef>
-          <a:fontRef idx="minor">
-            <a:schemeClr val="dk1"/>
-          </a:fontRef>
-        </p:style>
-        <p:txBody>
-          <a:bodyPr lIns="124733" tIns="62367" rIns="124733" bIns="62367" rtlCol="0" anchor="ctr"/>
-          <a:lstStyle/>
-          <a:p>
-            <a:pPr algn="ctr"/>
-            <a:r>
-              <a:rPr lang="ru-RU" sz="500" dirty="0"/>
-              <a:t>В июне 1936 года в </a:t>
-            </a:r>
-            <a:r>
-              <a:rPr lang="ru-RU" sz="500" dirty="0" err="1"/>
-              <a:t>Эймейдене</a:t>
-            </a:r>
-            <a:r>
-              <a:rPr lang="ru-RU" sz="500" dirty="0"/>
-              <a:t>, Голландия, вспыхнула крупная забастовка рыбаков. В стачкоме доминировала КПН. Во время забастовки последние, не колеблясь, предложили «объединенный фронт» с фашистами: «Мы приветствуем рыбаков-национал-социалистов, которые борются в </a:t>
-            </a:r>
-            <a:r>
-              <a:rPr lang="ru-RU" sz="500" dirty="0" err="1"/>
-              <a:t>Эймёйдене</a:t>
-            </a:r>
-            <a:r>
-              <a:rPr lang="ru-RU" sz="500" dirty="0"/>
-              <a:t> вместе со своими красными братьями»</a:t>
-            </a:r>
-          </a:p>
-        </p:txBody>
-      </p:sp>
-      <p:sp>
-        <p:nvSpPr>
           <p:cNvPr id="289" name="Прямоугольник 288">
             <a:extLst>
               <a:ext uri="{FF2B5EF4-FFF2-40B4-BE49-F238E27FC236}">
@@ -19722,7 +19091,7 @@
         </p:nvSpPr>
         <p:spPr>
           <a:xfrm>
-            <a:off x="23528292" y="25884160"/>
+            <a:off x="23500996" y="25884160"/>
             <a:ext cx="2115918" cy="1080000"/>
           </a:xfrm>
           <a:prstGeom prst="rect">
@@ -19792,7 +19161,7 @@
         <p:spPr>
           <a:xfrm flipH="1">
             <a:off x="20679866" y="26421218"/>
-            <a:ext cx="377389" cy="5884"/>
+            <a:ext cx="350093" cy="5884"/>
           </a:xfrm>
           <a:prstGeom prst="line">
             <a:avLst/>
@@ -20251,8 +19620,8 @@
         </p:nvCxnSpPr>
         <p:spPr>
           <a:xfrm rot="5400000">
-            <a:off x="24327499" y="27186026"/>
-            <a:ext cx="480618" cy="36886"/>
+            <a:off x="24313851" y="27199674"/>
+            <a:ext cx="480618" cy="9590"/>
           </a:xfrm>
           <a:prstGeom prst="bentConnector3">
             <a:avLst>
@@ -20297,8 +19666,8 @@
         </p:nvCxnSpPr>
         <p:spPr>
           <a:xfrm rot="5400000">
-            <a:off x="23086808" y="25945335"/>
-            <a:ext cx="480618" cy="2518269"/>
+            <a:off x="23073160" y="25958983"/>
+            <a:ext cx="480618" cy="2490973"/>
           </a:xfrm>
           <a:prstGeom prst="bentConnector3">
             <a:avLst>
@@ -20343,8 +19712,8 @@
         </p:nvCxnSpPr>
         <p:spPr>
           <a:xfrm rot="5400000">
-            <a:off x="21860721" y="24716306"/>
-            <a:ext cx="477677" cy="4973385"/>
+            <a:off x="21847073" y="24729954"/>
+            <a:ext cx="477677" cy="4946089"/>
           </a:xfrm>
           <a:prstGeom prst="bentConnector3">
             <a:avLst>
@@ -21213,7 +20582,7 @@
         </p:nvCxnSpPr>
         <p:spPr>
           <a:xfrm rot="16200000" flipH="1">
-            <a:off x="23130507" y="24428416"/>
+            <a:off x="23103211" y="24428416"/>
             <a:ext cx="434766" cy="2476721"/>
           </a:xfrm>
           <a:prstGeom prst="bentConnector3">
@@ -21258,8 +20627,8 @@
         </p:nvCxnSpPr>
         <p:spPr>
           <a:xfrm rot="5400000">
-            <a:off x="20646865" y="24424437"/>
-            <a:ext cx="437708" cy="2487623"/>
+            <a:off x="20633217" y="24438085"/>
+            <a:ext cx="437708" cy="2460327"/>
           </a:xfrm>
           <a:prstGeom prst="bentConnector3">
             <a:avLst>
@@ -23653,7 +23022,7 @@
         </p:nvSpPr>
         <p:spPr>
           <a:xfrm>
-            <a:off x="21057255" y="25881218"/>
+            <a:off x="21029959" y="25881218"/>
             <a:ext cx="2115918" cy="1080000"/>
           </a:xfrm>
           <a:prstGeom prst="rect">
@@ -23714,7 +23083,7 @@
         </p:nvCxnSpPr>
         <p:spPr>
           <a:xfrm flipH="1" flipV="1">
-            <a:off x="23173173" y="26421218"/>
+            <a:off x="23145877" y="26421218"/>
             <a:ext cx="355119" cy="2942"/>
           </a:xfrm>
           <a:prstGeom prst="line">
@@ -24116,8 +23485,8 @@
         </p:nvCxnSpPr>
         <p:spPr>
           <a:xfrm rot="16200000" flipH="1">
-            <a:off x="24385332" y="24691099"/>
-            <a:ext cx="461569" cy="5001805"/>
+            <a:off x="24371684" y="24677451"/>
+            <a:ext cx="461569" cy="5029101"/>
           </a:xfrm>
           <a:prstGeom prst="bentConnector3">
             <a:avLst>
@@ -24162,8 +23531,8 @@
         </p:nvCxnSpPr>
         <p:spPr>
           <a:xfrm rot="16200000" flipH="1">
-            <a:off x="25622322" y="25928089"/>
-            <a:ext cx="458627" cy="2530768"/>
+            <a:off x="25608674" y="25914441"/>
+            <a:ext cx="458627" cy="2558064"/>
           </a:xfrm>
           <a:prstGeom prst="bentConnector3">
             <a:avLst>
@@ -26334,6 +25703,49 @@
             <a:avLst>
               <a:gd name="adj1" fmla="val 9152"/>
             </a:avLst>
+          </a:prstGeom>
+          <a:ln w="28575">
+            <a:tailEnd type="arrow"/>
+          </a:ln>
+        </p:spPr>
+        <p:style>
+          <a:lnRef idx="1">
+            <a:schemeClr val="accent1"/>
+          </a:lnRef>
+          <a:fillRef idx="0">
+            <a:schemeClr val="accent1"/>
+          </a:fillRef>
+          <a:effectRef idx="0">
+            <a:schemeClr val="accent1"/>
+          </a:effectRef>
+          <a:fontRef idx="minor">
+            <a:schemeClr val="tx1"/>
+          </a:fontRef>
+        </p:style>
+      </p:cxnSp>
+      <p:cxnSp>
+        <p:nvCxnSpPr>
+          <p:cNvPr id="390" name="Прямая со стрелкой 389">
+            <a:extLst>
+              <a:ext uri="{FF2B5EF4-FFF2-40B4-BE49-F238E27FC236}">
+                <a16:creationId xmlns:a16="http://schemas.microsoft.com/office/drawing/2014/main" id="{AE2AE2F0-C8FD-4FCE-AF6D-9B5AB2EA8C8B}"/>
+              </a:ext>
+            </a:extLst>
+          </p:cNvPr>
+          <p:cNvCxnSpPr>
+            <a:cxnSpLocks/>
+            <a:stCxn id="187" idx="2"/>
+            <a:endCxn id="432" idx="0"/>
+          </p:cNvCxnSpPr>
+          <p:nvPr/>
+        </p:nvCxnSpPr>
+        <p:spPr>
+          <a:xfrm>
+            <a:off x="22082234" y="25449394"/>
+            <a:ext cx="5684" cy="431824"/>
+          </a:xfrm>
+          <a:prstGeom prst="straightConnector1">
+            <a:avLst/>
           </a:prstGeom>
           <a:ln w="28575">
             <a:tailEnd type="arrow"/>

--- a/Наработки/диздоки/Нидерланды/Нидерланды.pptx
+++ b/Наработки/диздоки/Нидерланды/Нидерланды.pptx
@@ -209,7 +209,7 @@
             <a:fld id="{33E3D7F9-E251-484C-A6FF-FA958879DF69}" type="datetimeFigureOut">
               <a:rPr lang="ru-RU" smtClean="0"/>
               <a:pPr/>
-              <a:t>18.04.2022</a:t>
+              <a:t>19.04.2022</a:t>
             </a:fld>
             <a:endParaRPr lang="ru-RU"/>
           </a:p>
@@ -699,7 +699,7 @@
             <a:fld id="{85A5DE44-605B-4D3B-B2B7-94543DF81A36}" type="datetimeFigureOut">
               <a:rPr lang="ru-RU" smtClean="0"/>
               <a:pPr/>
-              <a:t>18.04.2022</a:t>
+              <a:t>19.04.2022</a:t>
             </a:fld>
             <a:endParaRPr lang="ru-RU"/>
           </a:p>
@@ -871,7 +871,7 @@
             <a:fld id="{85A5DE44-605B-4D3B-B2B7-94543DF81A36}" type="datetimeFigureOut">
               <a:rPr lang="ru-RU" smtClean="0"/>
               <a:pPr/>
-              <a:t>18.04.2022</a:t>
+              <a:t>19.04.2022</a:t>
             </a:fld>
             <a:endParaRPr lang="ru-RU"/>
           </a:p>
@@ -1053,7 +1053,7 @@
             <a:fld id="{85A5DE44-605B-4D3B-B2B7-94543DF81A36}" type="datetimeFigureOut">
               <a:rPr lang="ru-RU" smtClean="0"/>
               <a:pPr/>
-              <a:t>18.04.2022</a:t>
+              <a:t>19.04.2022</a:t>
             </a:fld>
             <a:endParaRPr lang="ru-RU"/>
           </a:p>
@@ -1225,7 +1225,7 @@
             <a:fld id="{85A5DE44-605B-4D3B-B2B7-94543DF81A36}" type="datetimeFigureOut">
               <a:rPr lang="ru-RU" smtClean="0"/>
               <a:pPr/>
-              <a:t>18.04.2022</a:t>
+              <a:t>19.04.2022</a:t>
             </a:fld>
             <a:endParaRPr lang="ru-RU"/>
           </a:p>
@@ -1473,7 +1473,7 @@
             <a:fld id="{85A5DE44-605B-4D3B-B2B7-94543DF81A36}" type="datetimeFigureOut">
               <a:rPr lang="ru-RU" smtClean="0"/>
               <a:pPr/>
-              <a:t>18.04.2022</a:t>
+              <a:t>19.04.2022</a:t>
             </a:fld>
             <a:endParaRPr lang="ru-RU"/>
           </a:p>
@@ -1707,7 +1707,7 @@
             <a:fld id="{85A5DE44-605B-4D3B-B2B7-94543DF81A36}" type="datetimeFigureOut">
               <a:rPr lang="ru-RU" smtClean="0"/>
               <a:pPr/>
-              <a:t>18.04.2022</a:t>
+              <a:t>19.04.2022</a:t>
             </a:fld>
             <a:endParaRPr lang="ru-RU"/>
           </a:p>
@@ -2076,7 +2076,7 @@
             <a:fld id="{85A5DE44-605B-4D3B-B2B7-94543DF81A36}" type="datetimeFigureOut">
               <a:rPr lang="ru-RU" smtClean="0"/>
               <a:pPr/>
-              <a:t>18.04.2022</a:t>
+              <a:t>19.04.2022</a:t>
             </a:fld>
             <a:endParaRPr lang="ru-RU"/>
           </a:p>
@@ -2196,7 +2196,7 @@
             <a:fld id="{85A5DE44-605B-4D3B-B2B7-94543DF81A36}" type="datetimeFigureOut">
               <a:rPr lang="ru-RU" smtClean="0"/>
               <a:pPr/>
-              <a:t>18.04.2022</a:t>
+              <a:t>19.04.2022</a:t>
             </a:fld>
             <a:endParaRPr lang="ru-RU"/>
           </a:p>
@@ -2293,7 +2293,7 @@
             <a:fld id="{85A5DE44-605B-4D3B-B2B7-94543DF81A36}" type="datetimeFigureOut">
               <a:rPr lang="ru-RU" smtClean="0"/>
               <a:pPr/>
-              <a:t>18.04.2022</a:t>
+              <a:t>19.04.2022</a:t>
             </a:fld>
             <a:endParaRPr lang="ru-RU"/>
           </a:p>
@@ -2572,7 +2572,7 @@
             <a:fld id="{85A5DE44-605B-4D3B-B2B7-94543DF81A36}" type="datetimeFigureOut">
               <a:rPr lang="ru-RU" smtClean="0"/>
               <a:pPr/>
-              <a:t>18.04.2022</a:t>
+              <a:t>19.04.2022</a:t>
             </a:fld>
             <a:endParaRPr lang="ru-RU"/>
           </a:p>
@@ -2831,7 +2831,7 @@
             <a:fld id="{85A5DE44-605B-4D3B-B2B7-94543DF81A36}" type="datetimeFigureOut">
               <a:rPr lang="ru-RU" smtClean="0"/>
               <a:pPr/>
-              <a:t>18.04.2022</a:t>
+              <a:t>19.04.2022</a:t>
             </a:fld>
             <a:endParaRPr lang="ru-RU"/>
           </a:p>
@@ -3046,7 +3046,7 @@
             <a:fld id="{85A5DE44-605B-4D3B-B2B7-94543DF81A36}" type="datetimeFigureOut">
               <a:rPr lang="ru-RU" smtClean="0"/>
               <a:pPr/>
-              <a:t>18.04.2022</a:t>
+              <a:t>19.04.2022</a:t>
             </a:fld>
             <a:endParaRPr lang="ru-RU"/>
           </a:p>
@@ -7549,7 +7549,7 @@
         </p:nvSpPr>
         <p:spPr>
           <a:xfrm>
-            <a:off x="21024275" y="24369394"/>
+            <a:off x="19803731" y="24365919"/>
             <a:ext cx="2115918" cy="1080000"/>
           </a:xfrm>
           <a:prstGeom prst="rect">
@@ -18948,7 +18948,7 @@
             <a:pPr algn="ctr"/>
             <a:r>
               <a:rPr lang="ru-RU" sz="4400" dirty="0"/>
-              <a:t>144</a:t>
+              <a:t>145</a:t>
             </a:r>
           </a:p>
         </p:txBody>
@@ -19064,15 +19064,7 @@
             <a:pPr algn="ctr"/>
             <a:r>
               <a:rPr lang="ru-RU" sz="1400" dirty="0"/>
-              <a:t>Прекратить борьбу с религией (не марксисты, не </a:t>
-            </a:r>
-            <a:r>
-              <a:rPr lang="ru-RU" sz="1400" dirty="0" err="1"/>
-              <a:t>соц-демы</a:t>
-            </a:r>
-            <a:r>
-              <a:rPr lang="ru-RU" sz="1400" dirty="0"/>
-              <a:t>)</a:t>
+              <a:t>Прекратить борьбу с религией</a:t>
             </a:r>
           </a:p>
         </p:txBody>
@@ -19121,23 +19113,7 @@
             <a:pPr algn="ctr"/>
             <a:r>
               <a:rPr lang="ru-RU" sz="1400" dirty="0"/>
-              <a:t>Начать гонение религии (не </a:t>
-            </a:r>
-            <a:r>
-              <a:rPr lang="ru-RU" sz="1400" dirty="0" err="1"/>
-              <a:t>комми</a:t>
-            </a:r>
-            <a:r>
-              <a:rPr lang="ru-RU" sz="1400" dirty="0"/>
-              <a:t>, не </a:t>
-            </a:r>
-            <a:r>
-              <a:rPr lang="ru-RU" sz="1400" dirty="0" err="1"/>
-              <a:t>соц-демы</a:t>
-            </a:r>
-            <a:r>
-              <a:rPr lang="ru-RU" sz="1400" dirty="0"/>
-              <a:t>)</a:t>
+              <a:t>Начать гонение религии</a:t>
             </a:r>
           </a:p>
         </p:txBody>
@@ -19231,7 +19207,7 @@
             <a:pPr algn="ctr"/>
             <a:r>
               <a:rPr lang="ru-RU" sz="1400" dirty="0"/>
-              <a:t>Использовать Индонезию для восстановления страны ()</a:t>
+              <a:t>Использовать Индонезию для восстановления страны</a:t>
             </a:r>
           </a:p>
         </p:txBody>
@@ -19280,23 +19256,7 @@
             <a:pPr algn="ctr"/>
             <a:r>
               <a:rPr lang="ru-RU" sz="1400" dirty="0"/>
-              <a:t>Установить лояльное правительство в Индонезии (Рустам </a:t>
-            </a:r>
-            <a:r>
-              <a:rPr lang="ru-RU" sz="1400" dirty="0" err="1"/>
-              <a:t>Эффенди</a:t>
-            </a:r>
-            <a:r>
-              <a:rPr lang="ru-RU" sz="1400" dirty="0"/>
-              <a:t> встанет во главе </a:t>
-            </a:r>
-            <a:r>
-              <a:rPr lang="ru-RU" sz="1400" dirty="0" err="1"/>
-              <a:t>индонезии</a:t>
-            </a:r>
-            <a:r>
-              <a:rPr lang="ru-RU" sz="1400" dirty="0"/>
-              <a:t>)</a:t>
+              <a:t>Установить лояльное правительство в Индонезии</a:t>
             </a:r>
           </a:p>
         </p:txBody>
@@ -19345,31 +19305,7 @@
             <a:pPr algn="ctr"/>
             <a:r>
               <a:rPr lang="ru-RU" sz="1400" dirty="0"/>
-              <a:t>Предоставить свободу (не </a:t>
-            </a:r>
-            <a:r>
-              <a:rPr lang="ru-RU" sz="1400" dirty="0" err="1"/>
-              <a:t>комми</a:t>
-            </a:r>
-            <a:r>
-              <a:rPr lang="ru-RU" sz="1400" dirty="0"/>
-              <a:t>, не </a:t>
-            </a:r>
-            <a:r>
-              <a:rPr lang="ru-RU" sz="1400" dirty="0" err="1"/>
-              <a:t>соц</a:t>
-            </a:r>
-            <a:r>
-              <a:rPr lang="ru-RU" sz="1400" dirty="0"/>
-              <a:t> </a:t>
-            </a:r>
-            <a:r>
-              <a:rPr lang="ru-RU" sz="1400" dirty="0" err="1"/>
-              <a:t>демы</a:t>
-            </a:r>
-            <a:r>
-              <a:rPr lang="ru-RU" sz="1400" dirty="0"/>
-              <a:t>)</a:t>
+              <a:t>Мирная деколонизация Индонезии</a:t>
             </a:r>
           </a:p>
         </p:txBody>
@@ -19833,7 +19769,7 @@
             <a:pPr algn="ctr"/>
             <a:r>
               <a:rPr lang="ru-RU" sz="1400" dirty="0"/>
-              <a:t>Синтез религии и социализма (не марксисты)</a:t>
+              <a:t>Синтез религии и социализма</a:t>
             </a:r>
           </a:p>
         </p:txBody>
@@ -20426,85 +20362,8 @@
             <a:pPr algn="ctr"/>
             <a:r>
               <a:rPr lang="ru-RU" sz="1400" dirty="0"/>
-              <a:t>Институт политических и социальных исследований </a:t>
-            </a:r>
-            <a:r>
-              <a:rPr lang="ru-RU" sz="500" dirty="0"/>
-              <a:t>(Научной организацией партии был Институт политических и социальных исследований (</a:t>
-            </a:r>
-            <a:r>
-              <a:rPr lang="ru-RU" sz="500" dirty="0" err="1"/>
-              <a:t>Instituut</a:t>
-            </a:r>
-            <a:r>
-              <a:rPr lang="ru-RU" sz="500" dirty="0"/>
-              <a:t> </a:t>
-            </a:r>
-            <a:r>
-              <a:rPr lang="ru-RU" sz="500" dirty="0" err="1"/>
-              <a:t>voor</a:t>
-            </a:r>
-            <a:r>
-              <a:rPr lang="ru-RU" sz="500" dirty="0"/>
-              <a:t> </a:t>
-            </a:r>
-            <a:r>
-              <a:rPr lang="ru-RU" sz="500" dirty="0" err="1"/>
-              <a:t>Politiek</a:t>
-            </a:r>
-            <a:r>
-              <a:rPr lang="ru-RU" sz="500" dirty="0"/>
-              <a:t> </a:t>
-            </a:r>
-            <a:r>
-              <a:rPr lang="ru-RU" sz="500" dirty="0" err="1"/>
-              <a:t>en</a:t>
-            </a:r>
-            <a:r>
-              <a:rPr lang="ru-RU" sz="500" dirty="0"/>
-              <a:t> </a:t>
-            </a:r>
-            <a:r>
-              <a:rPr lang="ru-RU" sz="500" dirty="0" err="1"/>
-              <a:t>Sociaal</a:t>
-            </a:r>
-            <a:r>
-              <a:rPr lang="ru-RU" sz="500" dirty="0"/>
-              <a:t> </a:t>
-            </a:r>
-            <a:r>
-              <a:rPr lang="ru-RU" sz="500" dirty="0" err="1"/>
-              <a:t>Onderzoek</a:t>
-            </a:r>
-            <a:r>
-              <a:rPr lang="ru-RU" sz="500" dirty="0"/>
-              <a:t>), который издавал </a:t>
-            </a:r>
-            <a:r>
-              <a:rPr lang="ru-RU" sz="500" dirty="0" err="1"/>
-              <a:t>Politiek</a:t>
-            </a:r>
-            <a:r>
-              <a:rPr lang="ru-RU" sz="500" dirty="0"/>
-              <a:t> </a:t>
-            </a:r>
-            <a:r>
-              <a:rPr lang="ru-RU" sz="500" dirty="0" err="1"/>
-              <a:t>en</a:t>
-            </a:r>
-            <a:r>
-              <a:rPr lang="ru-RU" sz="500" dirty="0"/>
-              <a:t> </a:t>
-            </a:r>
-            <a:r>
-              <a:rPr lang="ru-RU" sz="500" dirty="0" err="1"/>
-              <a:t>Cultuur</a:t>
-            </a:r>
-            <a:r>
-              <a:rPr lang="ru-RU" sz="500" dirty="0"/>
-              <a:t> (Политика и культура).)</a:t>
-            </a:r>
-            <a:endParaRPr lang="ru-RU" sz="1400" dirty="0"/>
+              <a:t>Институт политических и социальных исследований</a:t>
+            </a:r>
           </a:p>
         </p:txBody>
       </p:sp>
@@ -20575,15 +20434,15 @@
           </p:cNvPr>
           <p:cNvCxnSpPr>
             <a:cxnSpLocks/>
-            <a:stCxn id="187" idx="2"/>
+            <a:stCxn id="431" idx="2"/>
             <a:endCxn id="312" idx="0"/>
           </p:cNvCxnSpPr>
           <p:nvPr/>
         </p:nvCxnSpPr>
         <p:spPr>
           <a:xfrm rot="16200000" flipH="1">
-            <a:off x="23103211" y="24428416"/>
-            <a:ext cx="434766" cy="2476721"/>
+            <a:off x="23727582" y="25052787"/>
+            <a:ext cx="439512" cy="1223234"/>
           </a:xfrm>
           <a:prstGeom prst="bentConnector3">
             <a:avLst>
@@ -20591,6 +20450,7 @@
             </a:avLst>
           </a:prstGeom>
           <a:ln w="28575">
+            <a:prstDash val="dash"/>
             <a:tailEnd type="arrow"/>
           </a:ln>
         </p:spPr>
@@ -20627,8 +20487,8 @@
         </p:nvCxnSpPr>
         <p:spPr>
           <a:xfrm rot="5400000">
-            <a:off x="20633217" y="24438085"/>
-            <a:ext cx="437708" cy="2460327"/>
+            <a:off x="20021208" y="25046619"/>
+            <a:ext cx="441183" cy="1239783"/>
           </a:xfrm>
           <a:prstGeom prst="bentConnector3">
             <a:avLst>
@@ -20636,6 +20496,7 @@
             </a:avLst>
           </a:prstGeom>
           <a:ln w="28575">
+            <a:prstDash val="dash"/>
             <a:tailEnd type="arrow"/>
           </a:ln>
         </p:spPr>
@@ -23052,15 +22913,7 @@
             <a:pPr algn="ctr"/>
             <a:r>
               <a:rPr lang="ru-RU" sz="1400" dirty="0"/>
-              <a:t>Ослабить контроль церкви над обществом (для </a:t>
-            </a:r>
-            <a:r>
-              <a:rPr lang="ru-RU" sz="1400" dirty="0" err="1"/>
-              <a:t>соц-демов</a:t>
-            </a:r>
-            <a:r>
-              <a:rPr lang="ru-RU" sz="1400" dirty="0"/>
-              <a:t>)</a:t>
+              <a:t>Ослабить контроль церкви над обществом</a:t>
             </a:r>
           </a:p>
         </p:txBody>
@@ -23469,98 +23322,6 @@
       </p:sp>
       <p:cxnSp>
         <p:nvCxnSpPr>
-          <p:cNvPr id="441" name="Соединительная линия уступом 175">
-            <a:extLst>
-              <a:ext uri="{FF2B5EF4-FFF2-40B4-BE49-F238E27FC236}">
-                <a16:creationId xmlns:a16="http://schemas.microsoft.com/office/drawing/2014/main" id="{E2569257-5232-46FF-8FAE-10D510FDCB6A}"/>
-              </a:ext>
-            </a:extLst>
-          </p:cNvPr>
-          <p:cNvCxnSpPr>
-            <a:cxnSpLocks/>
-            <a:stCxn id="432" idx="2"/>
-            <a:endCxn id="330" idx="0"/>
-          </p:cNvCxnSpPr>
-          <p:nvPr/>
-        </p:nvCxnSpPr>
-        <p:spPr>
-          <a:xfrm rot="16200000" flipH="1">
-            <a:off x="24371684" y="24677451"/>
-            <a:ext cx="461569" cy="5029101"/>
-          </a:xfrm>
-          <a:prstGeom prst="bentConnector3">
-            <a:avLst>
-              <a:gd name="adj1" fmla="val 50000"/>
-            </a:avLst>
-          </a:prstGeom>
-          <a:ln w="28575">
-            <a:prstDash val="dash"/>
-            <a:tailEnd type="arrow"/>
-          </a:ln>
-        </p:spPr>
-        <p:style>
-          <a:lnRef idx="1">
-            <a:schemeClr val="accent1"/>
-          </a:lnRef>
-          <a:fillRef idx="0">
-            <a:schemeClr val="accent1"/>
-          </a:fillRef>
-          <a:effectRef idx="0">
-            <a:schemeClr val="accent1"/>
-          </a:effectRef>
-          <a:fontRef idx="minor">
-            <a:schemeClr val="tx1"/>
-          </a:fontRef>
-        </p:style>
-      </p:cxnSp>
-      <p:cxnSp>
-        <p:nvCxnSpPr>
-          <p:cNvPr id="442" name="Соединительная линия уступом 175">
-            <a:extLst>
-              <a:ext uri="{FF2B5EF4-FFF2-40B4-BE49-F238E27FC236}">
-                <a16:creationId xmlns:a16="http://schemas.microsoft.com/office/drawing/2014/main" id="{6DA7D89E-D006-4470-BF78-DA759B1A1451}"/>
-              </a:ext>
-            </a:extLst>
-          </p:cNvPr>
-          <p:cNvCxnSpPr>
-            <a:cxnSpLocks/>
-            <a:stCxn id="312" idx="2"/>
-            <a:endCxn id="330" idx="0"/>
-          </p:cNvCxnSpPr>
-          <p:nvPr/>
-        </p:nvCxnSpPr>
-        <p:spPr>
-          <a:xfrm rot="16200000" flipH="1">
-            <a:off x="25608674" y="25914441"/>
-            <a:ext cx="458627" cy="2558064"/>
-          </a:xfrm>
-          <a:prstGeom prst="bentConnector3">
-            <a:avLst>
-              <a:gd name="adj1" fmla="val 50000"/>
-            </a:avLst>
-          </a:prstGeom>
-          <a:ln w="28575">
-            <a:prstDash val="dash"/>
-            <a:tailEnd type="arrow"/>
-          </a:ln>
-        </p:spPr>
-        <p:style>
-          <a:lnRef idx="1">
-            <a:schemeClr val="accent1"/>
-          </a:lnRef>
-          <a:fillRef idx="0">
-            <a:schemeClr val="accent1"/>
-          </a:fillRef>
-          <a:effectRef idx="0">
-            <a:schemeClr val="accent1"/>
-          </a:effectRef>
-          <a:fontRef idx="minor">
-            <a:schemeClr val="tx1"/>
-          </a:fontRef>
-        </p:style>
-      </p:cxnSp>
-      <p:cxnSp>
-        <p:nvCxnSpPr>
           <p:cNvPr id="443" name="Прямая соединительная линия 442">
             <a:extLst>
               <a:ext uri="{FF2B5EF4-FFF2-40B4-BE49-F238E27FC236}">
@@ -25723,12 +25484,153 @@
           </a:fontRef>
         </p:style>
       </p:cxnSp>
+      <p:sp>
+        <p:nvSpPr>
+          <p:cNvPr id="431" name="Прямоугольник 430">
+            <a:extLst>
+              <a:ext uri="{FF2B5EF4-FFF2-40B4-BE49-F238E27FC236}">
+                <a16:creationId xmlns:a16="http://schemas.microsoft.com/office/drawing/2014/main" id="{2AA414A8-738D-4EB9-8330-422F5A615286}"/>
+              </a:ext>
+            </a:extLst>
+          </p:cNvPr>
+          <p:cNvSpPr/>
+          <p:nvPr/>
+        </p:nvSpPr>
+        <p:spPr>
+          <a:xfrm>
+            <a:off x="22277762" y="24364648"/>
+            <a:ext cx="2115918" cy="1080000"/>
+          </a:xfrm>
+          <a:prstGeom prst="rect">
+            <a:avLst/>
+          </a:prstGeom>
+          <a:noFill/>
+          <a:ln w="28575"/>
+        </p:spPr>
+        <p:style>
+          <a:lnRef idx="2">
+            <a:schemeClr val="accent1"/>
+          </a:lnRef>
+          <a:fillRef idx="1">
+            <a:schemeClr val="lt1"/>
+          </a:fillRef>
+          <a:effectRef idx="0">
+            <a:schemeClr val="accent1"/>
+          </a:effectRef>
+          <a:fontRef idx="minor">
+            <a:schemeClr val="dk1"/>
+          </a:fontRef>
+        </p:style>
+        <p:txBody>
+          <a:bodyPr lIns="124733" tIns="62367" rIns="124733" bIns="62367" rtlCol="0" anchor="ctr"/>
+          <a:lstStyle/>
+          <a:p>
+            <a:pPr algn="ctr"/>
+            <a:r>
+              <a:rPr lang="ru-RU" sz="1400" dirty="0"/>
+              <a:t>Восстановление после революции</a:t>
+            </a:r>
+          </a:p>
+        </p:txBody>
+      </p:sp>
       <p:cxnSp>
         <p:nvCxnSpPr>
-          <p:cNvPr id="390" name="Прямая со стрелкой 389">
-            <a:extLst>
-              <a:ext uri="{FF2B5EF4-FFF2-40B4-BE49-F238E27FC236}">
-                <a16:creationId xmlns:a16="http://schemas.microsoft.com/office/drawing/2014/main" id="{AE2AE2F0-C8FD-4FCE-AF6D-9B5AB2EA8C8B}"/>
+          <p:cNvPr id="438" name="Соединительная линия уступом 175">
+            <a:extLst>
+              <a:ext uri="{FF2B5EF4-FFF2-40B4-BE49-F238E27FC236}">
+                <a16:creationId xmlns:a16="http://schemas.microsoft.com/office/drawing/2014/main" id="{66EF080E-9E66-44CF-9B02-09A56CF66C30}"/>
+              </a:ext>
+            </a:extLst>
+          </p:cNvPr>
+          <p:cNvCxnSpPr>
+            <a:cxnSpLocks/>
+            <a:stCxn id="431" idx="2"/>
+            <a:endCxn id="311" idx="0"/>
+          </p:cNvCxnSpPr>
+          <p:nvPr/>
+        </p:nvCxnSpPr>
+        <p:spPr>
+          <a:xfrm rot="5400000">
+            <a:off x="21257587" y="23808968"/>
+            <a:ext cx="442454" cy="3713814"/>
+          </a:xfrm>
+          <a:prstGeom prst="bentConnector3">
+            <a:avLst>
+              <a:gd name="adj1" fmla="val 50000"/>
+            </a:avLst>
+          </a:prstGeom>
+          <a:ln w="28575">
+            <a:prstDash val="dash"/>
+            <a:tailEnd type="arrow"/>
+          </a:ln>
+        </p:spPr>
+        <p:style>
+          <a:lnRef idx="1">
+            <a:schemeClr val="accent1"/>
+          </a:lnRef>
+          <a:fillRef idx="0">
+            <a:schemeClr val="accent1"/>
+          </a:fillRef>
+          <a:effectRef idx="0">
+            <a:schemeClr val="accent1"/>
+          </a:effectRef>
+          <a:fontRef idx="minor">
+            <a:schemeClr val="tx1"/>
+          </a:fontRef>
+        </p:style>
+      </p:cxnSp>
+      <p:cxnSp>
+        <p:nvCxnSpPr>
+          <p:cNvPr id="444" name="Соединительная линия уступом 175">
+            <a:extLst>
+              <a:ext uri="{FF2B5EF4-FFF2-40B4-BE49-F238E27FC236}">
+                <a16:creationId xmlns:a16="http://schemas.microsoft.com/office/drawing/2014/main" id="{166151B5-4ED6-430A-AABA-D7D1D275E20E}"/>
+              </a:ext>
+            </a:extLst>
+          </p:cNvPr>
+          <p:cNvCxnSpPr>
+            <a:cxnSpLocks/>
+            <a:stCxn id="187" idx="2"/>
+            <a:endCxn id="312" idx="0"/>
+          </p:cNvCxnSpPr>
+          <p:nvPr/>
+        </p:nvCxnSpPr>
+        <p:spPr>
+          <a:xfrm rot="16200000" flipH="1">
+            <a:off x="22491202" y="23816406"/>
+            <a:ext cx="438241" cy="3697265"/>
+          </a:xfrm>
+          <a:prstGeom prst="bentConnector3">
+            <a:avLst>
+              <a:gd name="adj1" fmla="val 50000"/>
+            </a:avLst>
+          </a:prstGeom>
+          <a:ln w="28575">
+            <a:prstDash val="dash"/>
+            <a:tailEnd type="arrow"/>
+          </a:ln>
+        </p:spPr>
+        <p:style>
+          <a:lnRef idx="1">
+            <a:schemeClr val="accent1"/>
+          </a:lnRef>
+          <a:fillRef idx="0">
+            <a:schemeClr val="accent1"/>
+          </a:fillRef>
+          <a:effectRef idx="0">
+            <a:schemeClr val="accent1"/>
+          </a:effectRef>
+          <a:fontRef idx="minor">
+            <a:schemeClr val="tx1"/>
+          </a:fontRef>
+        </p:style>
+      </p:cxnSp>
+      <p:cxnSp>
+        <p:nvCxnSpPr>
+          <p:cNvPr id="445" name="Соединительная линия уступом 175">
+            <a:extLst>
+              <a:ext uri="{FF2B5EF4-FFF2-40B4-BE49-F238E27FC236}">
+                <a16:creationId xmlns:a16="http://schemas.microsoft.com/office/drawing/2014/main" id="{D1507FA4-3D1E-455B-83B5-9FF5E8543934}"/>
               </a:ext>
             </a:extLst>
           </p:cNvPr>
@@ -25740,12 +25642,336 @@
           <p:nvPr/>
         </p:nvCxnSpPr>
         <p:spPr>
-          <a:xfrm>
-            <a:off x="22082234" y="25449394"/>
-            <a:ext cx="5684" cy="431824"/>
-          </a:xfrm>
-          <a:prstGeom prst="straightConnector1">
-            <a:avLst/>
+          <a:xfrm rot="16200000" flipH="1">
+            <a:off x="21257155" y="25050454"/>
+            <a:ext cx="435299" cy="1226228"/>
+          </a:xfrm>
+          <a:prstGeom prst="bentConnector3">
+            <a:avLst>
+              <a:gd name="adj1" fmla="val 50000"/>
+            </a:avLst>
+          </a:prstGeom>
+          <a:ln w="28575">
+            <a:prstDash val="dash"/>
+            <a:tailEnd type="arrow"/>
+          </a:ln>
+        </p:spPr>
+        <p:style>
+          <a:lnRef idx="1">
+            <a:schemeClr val="accent1"/>
+          </a:lnRef>
+          <a:fillRef idx="0">
+            <a:schemeClr val="accent1"/>
+          </a:fillRef>
+          <a:effectRef idx="0">
+            <a:schemeClr val="accent1"/>
+          </a:effectRef>
+          <a:fontRef idx="minor">
+            <a:schemeClr val="tx1"/>
+          </a:fontRef>
+        </p:style>
+      </p:cxnSp>
+      <p:cxnSp>
+        <p:nvCxnSpPr>
+          <p:cNvPr id="446" name="Соединительная линия уступом 175">
+            <a:extLst>
+              <a:ext uri="{FF2B5EF4-FFF2-40B4-BE49-F238E27FC236}">
+                <a16:creationId xmlns:a16="http://schemas.microsoft.com/office/drawing/2014/main" id="{87925B6E-8556-4818-8C19-001EF20E1735}"/>
+              </a:ext>
+            </a:extLst>
+          </p:cNvPr>
+          <p:cNvCxnSpPr>
+            <a:cxnSpLocks/>
+            <a:stCxn id="431" idx="2"/>
+            <a:endCxn id="432" idx="0"/>
+          </p:cNvCxnSpPr>
+          <p:nvPr/>
+        </p:nvCxnSpPr>
+        <p:spPr>
+          <a:xfrm rot="5400000">
+            <a:off x="22493535" y="25039032"/>
+            <a:ext cx="436570" cy="1247803"/>
+          </a:xfrm>
+          <a:prstGeom prst="bentConnector3">
+            <a:avLst>
+              <a:gd name="adj1" fmla="val 50000"/>
+            </a:avLst>
+          </a:prstGeom>
+          <a:ln w="28575">
+            <a:prstDash val="dash"/>
+            <a:tailEnd type="arrow"/>
+          </a:ln>
+        </p:spPr>
+        <p:style>
+          <a:lnRef idx="1">
+            <a:schemeClr val="accent1"/>
+          </a:lnRef>
+          <a:fillRef idx="0">
+            <a:schemeClr val="accent1"/>
+          </a:fillRef>
+          <a:effectRef idx="0">
+            <a:schemeClr val="accent1"/>
+          </a:effectRef>
+          <a:fontRef idx="minor">
+            <a:schemeClr val="tx1"/>
+          </a:fontRef>
+        </p:style>
+      </p:cxnSp>
+      <p:cxnSp>
+        <p:nvCxnSpPr>
+          <p:cNvPr id="448" name="Соединительная линия уступом 175">
+            <a:extLst>
+              <a:ext uri="{FF2B5EF4-FFF2-40B4-BE49-F238E27FC236}">
+                <a16:creationId xmlns:a16="http://schemas.microsoft.com/office/drawing/2014/main" id="{56951DCE-609B-4F92-ABDF-FB0286172D2F}"/>
+              </a:ext>
+            </a:extLst>
+          </p:cNvPr>
+          <p:cNvCxnSpPr>
+            <a:cxnSpLocks/>
+            <a:stCxn id="315" idx="2"/>
+            <a:endCxn id="365" idx="0"/>
+          </p:cNvCxnSpPr>
+          <p:nvPr/>
+        </p:nvCxnSpPr>
+        <p:spPr>
+          <a:xfrm rot="16200000" flipH="1">
+            <a:off x="20641157" y="27493546"/>
+            <a:ext cx="398535" cy="2455116"/>
+          </a:xfrm>
+          <a:prstGeom prst="bentConnector3">
+            <a:avLst>
+              <a:gd name="adj1" fmla="val 50000"/>
+            </a:avLst>
+          </a:prstGeom>
+          <a:ln w="28575">
+            <a:prstDash val="dash"/>
+            <a:tailEnd type="arrow"/>
+          </a:ln>
+        </p:spPr>
+        <p:style>
+          <a:lnRef idx="1">
+            <a:schemeClr val="accent1"/>
+          </a:lnRef>
+          <a:fillRef idx="0">
+            <a:schemeClr val="accent1"/>
+          </a:fillRef>
+          <a:effectRef idx="0">
+            <a:schemeClr val="accent1"/>
+          </a:effectRef>
+          <a:fontRef idx="minor">
+            <a:schemeClr val="tx1"/>
+          </a:fontRef>
+        </p:style>
+      </p:cxnSp>
+      <p:cxnSp>
+        <p:nvCxnSpPr>
+          <p:cNvPr id="449" name="Соединительная линия уступом 175">
+            <a:extLst>
+              <a:ext uri="{FF2B5EF4-FFF2-40B4-BE49-F238E27FC236}">
+                <a16:creationId xmlns:a16="http://schemas.microsoft.com/office/drawing/2014/main" id="{99EE0586-CF7A-4C56-BF45-A69DDE065F6D}"/>
+              </a:ext>
+            </a:extLst>
+          </p:cNvPr>
+          <p:cNvCxnSpPr>
+            <a:cxnSpLocks/>
+            <a:stCxn id="319" idx="2"/>
+            <a:endCxn id="365" idx="0"/>
+          </p:cNvCxnSpPr>
+          <p:nvPr/>
+        </p:nvCxnSpPr>
+        <p:spPr>
+          <a:xfrm rot="5400000">
+            <a:off x="23110877" y="27481884"/>
+            <a:ext cx="395594" cy="2481383"/>
+          </a:xfrm>
+          <a:prstGeom prst="bentConnector3">
+            <a:avLst>
+              <a:gd name="adj1" fmla="val 50000"/>
+            </a:avLst>
+          </a:prstGeom>
+          <a:ln w="28575">
+            <a:prstDash val="dash"/>
+            <a:tailEnd type="arrow"/>
+          </a:ln>
+        </p:spPr>
+        <p:style>
+          <a:lnRef idx="1">
+            <a:schemeClr val="accent1"/>
+          </a:lnRef>
+          <a:fillRef idx="0">
+            <a:schemeClr val="accent1"/>
+          </a:fillRef>
+          <a:effectRef idx="0">
+            <a:schemeClr val="accent1"/>
+          </a:effectRef>
+          <a:fontRef idx="minor">
+            <a:schemeClr val="tx1"/>
+          </a:fontRef>
+        </p:style>
+      </p:cxnSp>
+      <p:cxnSp>
+        <p:nvCxnSpPr>
+          <p:cNvPr id="450" name="Соединительная линия уступом 175">
+            <a:extLst>
+              <a:ext uri="{FF2B5EF4-FFF2-40B4-BE49-F238E27FC236}">
+                <a16:creationId xmlns:a16="http://schemas.microsoft.com/office/drawing/2014/main" id="{96B24CA2-99F1-442D-9F9F-2CA7BE69612E}"/>
+              </a:ext>
+            </a:extLst>
+          </p:cNvPr>
+          <p:cNvCxnSpPr>
+            <a:cxnSpLocks/>
+            <a:stCxn id="316" idx="2"/>
+            <a:endCxn id="365" idx="0"/>
+          </p:cNvCxnSpPr>
+          <p:nvPr/>
+        </p:nvCxnSpPr>
+        <p:spPr>
+          <a:xfrm rot="5400000">
+            <a:off x="21870185" y="28722575"/>
+            <a:ext cx="395594" cy="12700"/>
+          </a:xfrm>
+          <a:prstGeom prst="bentConnector3">
+            <a:avLst>
+              <a:gd name="adj1" fmla="val 50000"/>
+            </a:avLst>
+          </a:prstGeom>
+          <a:ln w="28575">
+            <a:prstDash val="dash"/>
+            <a:tailEnd type="arrow"/>
+          </a:ln>
+        </p:spPr>
+        <p:style>
+          <a:lnRef idx="1">
+            <a:schemeClr val="accent1"/>
+          </a:lnRef>
+          <a:fillRef idx="0">
+            <a:schemeClr val="accent1"/>
+          </a:fillRef>
+          <a:effectRef idx="0">
+            <a:schemeClr val="accent1"/>
+          </a:effectRef>
+          <a:fontRef idx="minor">
+            <a:schemeClr val="tx1"/>
+          </a:fontRef>
+        </p:style>
+      </p:cxnSp>
+      <p:cxnSp>
+        <p:nvCxnSpPr>
+          <p:cNvPr id="452" name="Соединительная линия уступом 175">
+            <a:extLst>
+              <a:ext uri="{FF2B5EF4-FFF2-40B4-BE49-F238E27FC236}">
+                <a16:creationId xmlns:a16="http://schemas.microsoft.com/office/drawing/2014/main" id="{B278CAE8-EE23-4B14-9985-1B8C7A6F8ABE}"/>
+              </a:ext>
+            </a:extLst>
+          </p:cNvPr>
+          <p:cNvCxnSpPr>
+            <a:cxnSpLocks/>
+            <a:stCxn id="432" idx="2"/>
+            <a:endCxn id="315" idx="0"/>
+          </p:cNvCxnSpPr>
+          <p:nvPr/>
+        </p:nvCxnSpPr>
+        <p:spPr>
+          <a:xfrm rot="5400000">
+            <a:off x="20610083" y="25964001"/>
+            <a:ext cx="480619" cy="2475052"/>
+          </a:xfrm>
+          <a:prstGeom prst="bentConnector3">
+            <a:avLst>
+              <a:gd name="adj1" fmla="val 50000"/>
+            </a:avLst>
+          </a:prstGeom>
+          <a:ln w="28575">
+            <a:prstDash val="dash"/>
+            <a:tailEnd type="arrow"/>
+          </a:ln>
+        </p:spPr>
+        <p:style>
+          <a:lnRef idx="1">
+            <a:schemeClr val="accent1"/>
+          </a:lnRef>
+          <a:fillRef idx="0">
+            <a:schemeClr val="accent1"/>
+          </a:fillRef>
+          <a:effectRef idx="0">
+            <a:schemeClr val="accent1"/>
+          </a:effectRef>
+          <a:fontRef idx="minor">
+            <a:schemeClr val="tx1"/>
+          </a:fontRef>
+        </p:style>
+      </p:cxnSp>
+      <p:cxnSp>
+        <p:nvCxnSpPr>
+          <p:cNvPr id="453" name="Соединительная линия уступом 175">
+            <a:extLst>
+              <a:ext uri="{FF2B5EF4-FFF2-40B4-BE49-F238E27FC236}">
+                <a16:creationId xmlns:a16="http://schemas.microsoft.com/office/drawing/2014/main" id="{47002344-CD66-4F04-92F9-D8C5A963FEDF}"/>
+              </a:ext>
+            </a:extLst>
+          </p:cNvPr>
+          <p:cNvCxnSpPr>
+            <a:cxnSpLocks/>
+            <a:stCxn id="432" idx="2"/>
+            <a:endCxn id="319" idx="0"/>
+          </p:cNvCxnSpPr>
+          <p:nvPr/>
+        </p:nvCxnSpPr>
+        <p:spPr>
+          <a:xfrm rot="16200000" flipH="1">
+            <a:off x="23076861" y="25972274"/>
+            <a:ext cx="483560" cy="2461447"/>
+          </a:xfrm>
+          <a:prstGeom prst="bentConnector3">
+            <a:avLst>
+              <a:gd name="adj1" fmla="val 50000"/>
+            </a:avLst>
+          </a:prstGeom>
+          <a:ln w="28575">
+            <a:prstDash val="dash"/>
+            <a:tailEnd type="arrow"/>
+          </a:ln>
+        </p:spPr>
+        <p:style>
+          <a:lnRef idx="1">
+            <a:schemeClr val="accent1"/>
+          </a:lnRef>
+          <a:fillRef idx="0">
+            <a:schemeClr val="accent1"/>
+          </a:fillRef>
+          <a:effectRef idx="0">
+            <a:schemeClr val="accent1"/>
+          </a:effectRef>
+          <a:fontRef idx="minor">
+            <a:schemeClr val="tx1"/>
+          </a:fontRef>
+        </p:style>
+      </p:cxnSp>
+      <p:cxnSp>
+        <p:nvCxnSpPr>
+          <p:cNvPr id="455" name="Соединительная линия уступом 175">
+            <a:extLst>
+              <a:ext uri="{FF2B5EF4-FFF2-40B4-BE49-F238E27FC236}">
+                <a16:creationId xmlns:a16="http://schemas.microsoft.com/office/drawing/2014/main" id="{62E307F4-6812-4934-AED9-7F007764F28B}"/>
+              </a:ext>
+            </a:extLst>
+          </p:cNvPr>
+          <p:cNvCxnSpPr>
+            <a:cxnSpLocks/>
+            <a:stCxn id="312" idx="2"/>
+            <a:endCxn id="330" idx="0"/>
+          </p:cNvCxnSpPr>
+          <p:nvPr/>
+        </p:nvCxnSpPr>
+        <p:spPr>
+          <a:xfrm rot="16200000" flipH="1">
+            <a:off x="25608674" y="25914441"/>
+            <a:ext cx="458627" cy="2558064"/>
+          </a:xfrm>
+          <a:prstGeom prst="bentConnector3">
+            <a:avLst>
+              <a:gd name="adj1" fmla="val 50000"/>
+            </a:avLst>
           </a:prstGeom>
           <a:ln w="28575">
             <a:tailEnd type="arrow"/>

--- a/Наработки/диздоки/Нидерланды/Нидерланды.pptx
+++ b/Наработки/диздоки/Нидерланды/Нидерланды.pptx
@@ -109,7 +109,7 @@
   </p:defaultTextStyle>
   <p:extLst>
     <p:ext uri="{EFAFB233-063F-42B5-8137-9DF3F51BA10A}">
-      <p15:sldGuideLst xmlns:p15="http://schemas.microsoft.com/office/powerpoint/2012/main">
+      <p15:sldGuideLst xmlns:p15="http://schemas.microsoft.com/office/powerpoint/2012/main" xmlns="">
         <p15:guide id="1" orient="horz" pos="11344">
           <p15:clr>
             <a:srgbClr val="A4A3A4"/>
@@ -209,7 +209,7 @@
             <a:fld id="{33E3D7F9-E251-484C-A6FF-FA958879DF69}" type="datetimeFigureOut">
               <a:rPr lang="ru-RU" smtClean="0"/>
               <a:pPr/>
-              <a:t>19.04.2022</a:t>
+              <a:t>25.04.2022</a:t>
             </a:fld>
             <a:endParaRPr lang="ru-RU"/>
           </a:p>
@@ -699,7 +699,7 @@
             <a:fld id="{85A5DE44-605B-4D3B-B2B7-94543DF81A36}" type="datetimeFigureOut">
               <a:rPr lang="ru-RU" smtClean="0"/>
               <a:pPr/>
-              <a:t>19.04.2022</a:t>
+              <a:t>25.04.2022</a:t>
             </a:fld>
             <a:endParaRPr lang="ru-RU"/>
           </a:p>
@@ -871,7 +871,7 @@
             <a:fld id="{85A5DE44-605B-4D3B-B2B7-94543DF81A36}" type="datetimeFigureOut">
               <a:rPr lang="ru-RU" smtClean="0"/>
               <a:pPr/>
-              <a:t>19.04.2022</a:t>
+              <a:t>25.04.2022</a:t>
             </a:fld>
             <a:endParaRPr lang="ru-RU"/>
           </a:p>
@@ -1053,7 +1053,7 @@
             <a:fld id="{85A5DE44-605B-4D3B-B2B7-94543DF81A36}" type="datetimeFigureOut">
               <a:rPr lang="ru-RU" smtClean="0"/>
               <a:pPr/>
-              <a:t>19.04.2022</a:t>
+              <a:t>25.04.2022</a:t>
             </a:fld>
             <a:endParaRPr lang="ru-RU"/>
           </a:p>
@@ -1225,7 +1225,7 @@
             <a:fld id="{85A5DE44-605B-4D3B-B2B7-94543DF81A36}" type="datetimeFigureOut">
               <a:rPr lang="ru-RU" smtClean="0"/>
               <a:pPr/>
-              <a:t>19.04.2022</a:t>
+              <a:t>25.04.2022</a:t>
             </a:fld>
             <a:endParaRPr lang="ru-RU"/>
           </a:p>
@@ -1473,7 +1473,7 @@
             <a:fld id="{85A5DE44-605B-4D3B-B2B7-94543DF81A36}" type="datetimeFigureOut">
               <a:rPr lang="ru-RU" smtClean="0"/>
               <a:pPr/>
-              <a:t>19.04.2022</a:t>
+              <a:t>25.04.2022</a:t>
             </a:fld>
             <a:endParaRPr lang="ru-RU"/>
           </a:p>
@@ -1707,7 +1707,7 @@
             <a:fld id="{85A5DE44-605B-4D3B-B2B7-94543DF81A36}" type="datetimeFigureOut">
               <a:rPr lang="ru-RU" smtClean="0"/>
               <a:pPr/>
-              <a:t>19.04.2022</a:t>
+              <a:t>25.04.2022</a:t>
             </a:fld>
             <a:endParaRPr lang="ru-RU"/>
           </a:p>
@@ -2076,7 +2076,7 @@
             <a:fld id="{85A5DE44-605B-4D3B-B2B7-94543DF81A36}" type="datetimeFigureOut">
               <a:rPr lang="ru-RU" smtClean="0"/>
               <a:pPr/>
-              <a:t>19.04.2022</a:t>
+              <a:t>25.04.2022</a:t>
             </a:fld>
             <a:endParaRPr lang="ru-RU"/>
           </a:p>
@@ -2196,7 +2196,7 @@
             <a:fld id="{85A5DE44-605B-4D3B-B2B7-94543DF81A36}" type="datetimeFigureOut">
               <a:rPr lang="ru-RU" smtClean="0"/>
               <a:pPr/>
-              <a:t>19.04.2022</a:t>
+              <a:t>25.04.2022</a:t>
             </a:fld>
             <a:endParaRPr lang="ru-RU"/>
           </a:p>
@@ -2293,7 +2293,7 @@
             <a:fld id="{85A5DE44-605B-4D3B-B2B7-94543DF81A36}" type="datetimeFigureOut">
               <a:rPr lang="ru-RU" smtClean="0"/>
               <a:pPr/>
-              <a:t>19.04.2022</a:t>
+              <a:t>25.04.2022</a:t>
             </a:fld>
             <a:endParaRPr lang="ru-RU"/>
           </a:p>
@@ -2572,7 +2572,7 @@
             <a:fld id="{85A5DE44-605B-4D3B-B2B7-94543DF81A36}" type="datetimeFigureOut">
               <a:rPr lang="ru-RU" smtClean="0"/>
               <a:pPr/>
-              <a:t>19.04.2022</a:t>
+              <a:t>25.04.2022</a:t>
             </a:fld>
             <a:endParaRPr lang="ru-RU"/>
           </a:p>
@@ -2831,7 +2831,7 @@
             <a:fld id="{85A5DE44-605B-4D3B-B2B7-94543DF81A36}" type="datetimeFigureOut">
               <a:rPr lang="ru-RU" smtClean="0"/>
               <a:pPr/>
-              <a:t>19.04.2022</a:t>
+              <a:t>25.04.2022</a:t>
             </a:fld>
             <a:endParaRPr lang="ru-RU"/>
           </a:p>
@@ -3046,7 +3046,7 @@
             <a:fld id="{85A5DE44-605B-4D3B-B2B7-94543DF81A36}" type="datetimeFigureOut">
               <a:rPr lang="ru-RU" smtClean="0"/>
               <a:pPr/>
-              <a:t>19.04.2022</a:t>
+              <a:t>25.04.2022</a:t>
             </a:fld>
             <a:endParaRPr lang="ru-RU"/>
           </a:p>
@@ -3610,7 +3610,7 @@
           <p:cNvPr id="201" name="Прямоугольник 200">
             <a:extLst>
               <a:ext uri="{FF2B5EF4-FFF2-40B4-BE49-F238E27FC236}">
-                <a16:creationId xmlns:a16="http://schemas.microsoft.com/office/drawing/2014/main" id="{53544899-0EE6-4BB7-B778-205C69B53277}"/>
+                <a16:creationId xmlns:a16="http://schemas.microsoft.com/office/drawing/2014/main" xmlns="" id="{53544899-0EE6-4BB7-B778-205C69B53277}"/>
               </a:ext>
             </a:extLst>
           </p:cNvPr>
@@ -3666,7 +3666,7 @@
           <p:cNvPr id="204" name="Прямоугольник 203">
             <a:extLst>
               <a:ext uri="{FF2B5EF4-FFF2-40B4-BE49-F238E27FC236}">
-                <a16:creationId xmlns:a16="http://schemas.microsoft.com/office/drawing/2014/main" id="{E1D56071-D672-4436-9189-8D4BC6086459}"/>
+                <a16:creationId xmlns:a16="http://schemas.microsoft.com/office/drawing/2014/main" xmlns="" id="{E1D56071-D672-4436-9189-8D4BC6086459}"/>
               </a:ext>
             </a:extLst>
           </p:cNvPr>
@@ -3770,7 +3770,7 @@
           <p:cNvPr id="318" name="Прямоугольник 317">
             <a:extLst>
               <a:ext uri="{FF2B5EF4-FFF2-40B4-BE49-F238E27FC236}">
-                <a16:creationId xmlns:a16="http://schemas.microsoft.com/office/drawing/2014/main" id="{1EFE5386-8F48-4331-B975-9356E5E55F01}"/>
+                <a16:creationId xmlns:a16="http://schemas.microsoft.com/office/drawing/2014/main" xmlns="" id="{1EFE5386-8F48-4331-B975-9356E5E55F01}"/>
               </a:ext>
             </a:extLst>
           </p:cNvPr>
@@ -3842,7 +3842,7 @@
           <p:cNvPr id="131" name="Прямоугольник 130">
             <a:extLst>
               <a:ext uri="{FF2B5EF4-FFF2-40B4-BE49-F238E27FC236}">
-                <a16:creationId xmlns:a16="http://schemas.microsoft.com/office/drawing/2014/main" id="{F58FDCDF-41C4-4AB2-B4DF-922F7CDBAA5D}"/>
+                <a16:creationId xmlns:a16="http://schemas.microsoft.com/office/drawing/2014/main" xmlns="" id="{F58FDCDF-41C4-4AB2-B4DF-922F7CDBAA5D}"/>
               </a:ext>
             </a:extLst>
           </p:cNvPr>
@@ -3948,7 +3948,7 @@
           <p:cNvPr id="134" name="Прямоугольник 133">
             <a:extLst>
               <a:ext uri="{FF2B5EF4-FFF2-40B4-BE49-F238E27FC236}">
-                <a16:creationId xmlns:a16="http://schemas.microsoft.com/office/drawing/2014/main" id="{A6501717-9895-440F-BF34-D3AA54D6E376}"/>
+                <a16:creationId xmlns:a16="http://schemas.microsoft.com/office/drawing/2014/main" xmlns="" id="{A6501717-9895-440F-BF34-D3AA54D6E376}"/>
               </a:ext>
             </a:extLst>
           </p:cNvPr>
@@ -4007,7 +4007,7 @@
           <p:cNvPr id="137" name="Прямоугольник 136">
             <a:extLst>
               <a:ext uri="{FF2B5EF4-FFF2-40B4-BE49-F238E27FC236}">
-                <a16:creationId xmlns:a16="http://schemas.microsoft.com/office/drawing/2014/main" id="{93C62C15-B0D7-4FF5-8AC8-0D49F8D19AE5}"/>
+                <a16:creationId xmlns:a16="http://schemas.microsoft.com/office/drawing/2014/main" xmlns="" id="{93C62C15-B0D7-4FF5-8AC8-0D49F8D19AE5}"/>
               </a:ext>
             </a:extLst>
           </p:cNvPr>
@@ -4066,7 +4066,7 @@
           <p:cNvPr id="138" name="Прямоугольник 137">
             <a:extLst>
               <a:ext uri="{FF2B5EF4-FFF2-40B4-BE49-F238E27FC236}">
-                <a16:creationId xmlns:a16="http://schemas.microsoft.com/office/drawing/2014/main" id="{8D01AC0B-ADDB-4504-98C9-19828B188B48}"/>
+                <a16:creationId xmlns:a16="http://schemas.microsoft.com/office/drawing/2014/main" xmlns="" id="{8D01AC0B-ADDB-4504-98C9-19828B188B48}"/>
               </a:ext>
             </a:extLst>
           </p:cNvPr>
@@ -4122,7 +4122,7 @@
           <p:cNvPr id="143" name="Прямоугольник 142">
             <a:extLst>
               <a:ext uri="{FF2B5EF4-FFF2-40B4-BE49-F238E27FC236}">
-                <a16:creationId xmlns:a16="http://schemas.microsoft.com/office/drawing/2014/main" id="{04D70944-041B-435E-B04F-5BA316C5F5A6}"/>
+                <a16:creationId xmlns:a16="http://schemas.microsoft.com/office/drawing/2014/main" xmlns="" id="{04D70944-041B-435E-B04F-5BA316C5F5A6}"/>
               </a:ext>
             </a:extLst>
           </p:cNvPr>
@@ -4173,7 +4173,7 @@
           <p:cNvPr id="144" name="Прямоугольник 143">
             <a:extLst>
               <a:ext uri="{FF2B5EF4-FFF2-40B4-BE49-F238E27FC236}">
-                <a16:creationId xmlns:a16="http://schemas.microsoft.com/office/drawing/2014/main" id="{84D94725-5A52-4F85-BD08-096154350000}"/>
+                <a16:creationId xmlns:a16="http://schemas.microsoft.com/office/drawing/2014/main" xmlns="" id="{84D94725-5A52-4F85-BD08-096154350000}"/>
               </a:ext>
             </a:extLst>
           </p:cNvPr>
@@ -4229,7 +4229,7 @@
           <p:cNvPr id="146" name="Прямоугольник 145">
             <a:extLst>
               <a:ext uri="{FF2B5EF4-FFF2-40B4-BE49-F238E27FC236}">
-                <a16:creationId xmlns:a16="http://schemas.microsoft.com/office/drawing/2014/main" id="{C5289642-8620-4E45-AD1F-76E35F95EC48}"/>
+                <a16:creationId xmlns:a16="http://schemas.microsoft.com/office/drawing/2014/main" xmlns="" id="{C5289642-8620-4E45-AD1F-76E35F95EC48}"/>
               </a:ext>
             </a:extLst>
           </p:cNvPr>
@@ -4280,7 +4280,7 @@
           <p:cNvPr id="147" name="Прямоугольник 146">
             <a:extLst>
               <a:ext uri="{FF2B5EF4-FFF2-40B4-BE49-F238E27FC236}">
-                <a16:creationId xmlns:a16="http://schemas.microsoft.com/office/drawing/2014/main" id="{8F3703E0-B68B-4964-A99B-9C3A4EA59680}"/>
+                <a16:creationId xmlns:a16="http://schemas.microsoft.com/office/drawing/2014/main" xmlns="" id="{8F3703E0-B68B-4964-A99B-9C3A4EA59680}"/>
               </a:ext>
             </a:extLst>
           </p:cNvPr>
@@ -4331,7 +4331,7 @@
           <p:cNvPr id="149" name="Прямоугольник 148">
             <a:extLst>
               <a:ext uri="{FF2B5EF4-FFF2-40B4-BE49-F238E27FC236}">
-                <a16:creationId xmlns:a16="http://schemas.microsoft.com/office/drawing/2014/main" id="{40A430D9-D46E-4862-824C-EC3401744507}"/>
+                <a16:creationId xmlns:a16="http://schemas.microsoft.com/office/drawing/2014/main" xmlns="" id="{40A430D9-D46E-4862-824C-EC3401744507}"/>
               </a:ext>
             </a:extLst>
           </p:cNvPr>
@@ -4382,7 +4382,7 @@
           <p:cNvPr id="150" name="Соединительная линия уступом 175">
             <a:extLst>
               <a:ext uri="{FF2B5EF4-FFF2-40B4-BE49-F238E27FC236}">
-                <a16:creationId xmlns:a16="http://schemas.microsoft.com/office/drawing/2014/main" id="{1DCC0943-0954-403F-A2C2-B37263991614}"/>
+                <a16:creationId xmlns:a16="http://schemas.microsoft.com/office/drawing/2014/main" xmlns="" id="{1DCC0943-0954-403F-A2C2-B37263991614}"/>
               </a:ext>
             </a:extLst>
           </p:cNvPr>
@@ -4427,7 +4427,7 @@
           <p:cNvPr id="153" name="Соединительная линия уступом 175">
             <a:extLst>
               <a:ext uri="{FF2B5EF4-FFF2-40B4-BE49-F238E27FC236}">
-                <a16:creationId xmlns:a16="http://schemas.microsoft.com/office/drawing/2014/main" id="{11DE3EBA-FF10-4C26-9A7D-B345D11A992E}"/>
+                <a16:creationId xmlns:a16="http://schemas.microsoft.com/office/drawing/2014/main" xmlns="" id="{11DE3EBA-FF10-4C26-9A7D-B345D11A992E}"/>
               </a:ext>
             </a:extLst>
           </p:cNvPr>
@@ -4472,7 +4472,7 @@
           <p:cNvPr id="156" name="Соединительная линия уступом 175">
             <a:extLst>
               <a:ext uri="{FF2B5EF4-FFF2-40B4-BE49-F238E27FC236}">
-                <a16:creationId xmlns:a16="http://schemas.microsoft.com/office/drawing/2014/main" id="{5DD35F2F-B601-4D62-B070-13132331D9B2}"/>
+                <a16:creationId xmlns:a16="http://schemas.microsoft.com/office/drawing/2014/main" xmlns="" id="{5DD35F2F-B601-4D62-B070-13132331D9B2}"/>
               </a:ext>
             </a:extLst>
           </p:cNvPr>
@@ -4517,7 +4517,7 @@
           <p:cNvPr id="160" name="Соединительная линия уступом 175">
             <a:extLst>
               <a:ext uri="{FF2B5EF4-FFF2-40B4-BE49-F238E27FC236}">
-                <a16:creationId xmlns:a16="http://schemas.microsoft.com/office/drawing/2014/main" id="{C10BFE03-03D5-4C54-A202-0DC9B891B68F}"/>
+                <a16:creationId xmlns:a16="http://schemas.microsoft.com/office/drawing/2014/main" xmlns="" id="{C10BFE03-03D5-4C54-A202-0DC9B891B68F}"/>
               </a:ext>
             </a:extLst>
           </p:cNvPr>
@@ -4562,7 +4562,7 @@
           <p:cNvPr id="163" name="Соединительная линия уступом 175">
             <a:extLst>
               <a:ext uri="{FF2B5EF4-FFF2-40B4-BE49-F238E27FC236}">
-                <a16:creationId xmlns:a16="http://schemas.microsoft.com/office/drawing/2014/main" id="{07C2B2BC-73F1-4979-89EB-460499B0051B}"/>
+                <a16:creationId xmlns:a16="http://schemas.microsoft.com/office/drawing/2014/main" xmlns="" id="{07C2B2BC-73F1-4979-89EB-460499B0051B}"/>
               </a:ext>
             </a:extLst>
           </p:cNvPr>
@@ -4607,7 +4607,7 @@
           <p:cNvPr id="169" name="Соединительная линия уступом 175">
             <a:extLst>
               <a:ext uri="{FF2B5EF4-FFF2-40B4-BE49-F238E27FC236}">
-                <a16:creationId xmlns:a16="http://schemas.microsoft.com/office/drawing/2014/main" id="{E35B5EDC-28F8-4E20-BE87-B6124C94E37D}"/>
+                <a16:creationId xmlns:a16="http://schemas.microsoft.com/office/drawing/2014/main" xmlns="" id="{E35B5EDC-28F8-4E20-BE87-B6124C94E37D}"/>
               </a:ext>
             </a:extLst>
           </p:cNvPr>
@@ -4652,7 +4652,7 @@
           <p:cNvPr id="174" name="Соединительная линия уступом 175">
             <a:extLst>
               <a:ext uri="{FF2B5EF4-FFF2-40B4-BE49-F238E27FC236}">
-                <a16:creationId xmlns:a16="http://schemas.microsoft.com/office/drawing/2014/main" id="{ED51EF43-ACA2-48AE-9458-9E116E711DB8}"/>
+                <a16:creationId xmlns:a16="http://schemas.microsoft.com/office/drawing/2014/main" xmlns="" id="{ED51EF43-ACA2-48AE-9458-9E116E711DB8}"/>
               </a:ext>
             </a:extLst>
           </p:cNvPr>
@@ -4697,7 +4697,7 @@
           <p:cNvPr id="177" name="Соединительная линия уступом 175">
             <a:extLst>
               <a:ext uri="{FF2B5EF4-FFF2-40B4-BE49-F238E27FC236}">
-                <a16:creationId xmlns:a16="http://schemas.microsoft.com/office/drawing/2014/main" id="{FB60B473-47C6-4277-BD95-DB94C7852F16}"/>
+                <a16:creationId xmlns:a16="http://schemas.microsoft.com/office/drawing/2014/main" xmlns="" id="{FB60B473-47C6-4277-BD95-DB94C7852F16}"/>
               </a:ext>
             </a:extLst>
           </p:cNvPr>
@@ -4742,7 +4742,7 @@
           <p:cNvPr id="180" name="Соединительная линия уступом 175">
             <a:extLst>
               <a:ext uri="{FF2B5EF4-FFF2-40B4-BE49-F238E27FC236}">
-                <a16:creationId xmlns:a16="http://schemas.microsoft.com/office/drawing/2014/main" id="{334F020F-24CF-42A4-A386-AEA5ADAC0BA7}"/>
+                <a16:creationId xmlns:a16="http://schemas.microsoft.com/office/drawing/2014/main" xmlns="" id="{334F020F-24CF-42A4-A386-AEA5ADAC0BA7}"/>
               </a:ext>
             </a:extLst>
           </p:cNvPr>
@@ -4787,7 +4787,7 @@
           <p:cNvPr id="188" name="Прямоугольник 187">
             <a:extLst>
               <a:ext uri="{FF2B5EF4-FFF2-40B4-BE49-F238E27FC236}">
-                <a16:creationId xmlns:a16="http://schemas.microsoft.com/office/drawing/2014/main" id="{343CB489-868B-4D8C-9E5C-526852CAEBE4}"/>
+                <a16:creationId xmlns:a16="http://schemas.microsoft.com/office/drawing/2014/main" xmlns="" id="{343CB489-868B-4D8C-9E5C-526852CAEBE4}"/>
               </a:ext>
             </a:extLst>
           </p:cNvPr>
@@ -4883,7 +4883,7 @@
           <p:cNvPr id="189" name="Прямая со стрелкой 188">
             <a:extLst>
               <a:ext uri="{FF2B5EF4-FFF2-40B4-BE49-F238E27FC236}">
-                <a16:creationId xmlns:a16="http://schemas.microsoft.com/office/drawing/2014/main" id="{499DCAE2-234B-427D-8B4B-B48885DAAC45}"/>
+                <a16:creationId xmlns:a16="http://schemas.microsoft.com/office/drawing/2014/main" xmlns="" id="{499DCAE2-234B-427D-8B4B-B48885DAAC45}"/>
               </a:ext>
             </a:extLst>
           </p:cNvPr>
@@ -4926,7 +4926,7 @@
           <p:cNvPr id="40" name="Прямоугольник 39">
             <a:extLst>
               <a:ext uri="{FF2B5EF4-FFF2-40B4-BE49-F238E27FC236}">
-                <a16:creationId xmlns:a16="http://schemas.microsoft.com/office/drawing/2014/main" id="{CE31B362-7751-4446-9F65-2394038CD544}"/>
+                <a16:creationId xmlns:a16="http://schemas.microsoft.com/office/drawing/2014/main" xmlns="" id="{CE31B362-7751-4446-9F65-2394038CD544}"/>
               </a:ext>
             </a:extLst>
           </p:cNvPr>
@@ -4990,7 +4990,7 @@
           <p:cNvPr id="41" name="Прямая соединительная линия 40">
             <a:extLst>
               <a:ext uri="{FF2B5EF4-FFF2-40B4-BE49-F238E27FC236}">
-                <a16:creationId xmlns:a16="http://schemas.microsoft.com/office/drawing/2014/main" id="{96C997B5-CCBE-461B-8DF3-2E188284653E}"/>
+                <a16:creationId xmlns:a16="http://schemas.microsoft.com/office/drawing/2014/main" xmlns="" id="{96C997B5-CCBE-461B-8DF3-2E188284653E}"/>
               </a:ext>
             </a:extLst>
           </p:cNvPr>
@@ -5035,7 +5035,7 @@
           <p:cNvPr id="44" name="Соединительная линия уступом 175">
             <a:extLst>
               <a:ext uri="{FF2B5EF4-FFF2-40B4-BE49-F238E27FC236}">
-                <a16:creationId xmlns:a16="http://schemas.microsoft.com/office/drawing/2014/main" id="{3A69AF3C-F791-4E1E-8438-9CC2EAE2CE03}"/>
+                <a16:creationId xmlns:a16="http://schemas.microsoft.com/office/drawing/2014/main" xmlns="" id="{3A69AF3C-F791-4E1E-8438-9CC2EAE2CE03}"/>
               </a:ext>
             </a:extLst>
           </p:cNvPr>
@@ -5080,7 +5080,7 @@
           <p:cNvPr id="47" name="Прямоугольник 46">
             <a:extLst>
               <a:ext uri="{FF2B5EF4-FFF2-40B4-BE49-F238E27FC236}">
-                <a16:creationId xmlns:a16="http://schemas.microsoft.com/office/drawing/2014/main" id="{D76DCFD2-1733-49F9-971B-AE49D10768F2}"/>
+                <a16:creationId xmlns:a16="http://schemas.microsoft.com/office/drawing/2014/main" xmlns="" id="{D76DCFD2-1733-49F9-971B-AE49D10768F2}"/>
               </a:ext>
             </a:extLst>
           </p:cNvPr>
@@ -5271,7 +5271,7 @@
           <p:cNvPr id="49" name="Прямоугольник 48">
             <a:extLst>
               <a:ext uri="{FF2B5EF4-FFF2-40B4-BE49-F238E27FC236}">
-                <a16:creationId xmlns:a16="http://schemas.microsoft.com/office/drawing/2014/main" id="{0279FD8D-0F03-4F3F-80DA-9057201BCC22}"/>
+                <a16:creationId xmlns:a16="http://schemas.microsoft.com/office/drawing/2014/main" xmlns="" id="{0279FD8D-0F03-4F3F-80DA-9057201BCC22}"/>
               </a:ext>
             </a:extLst>
           </p:cNvPr>
@@ -5341,7 +5341,7 @@
           <p:cNvPr id="50" name="Прямоугольник 49">
             <a:extLst>
               <a:ext uri="{FF2B5EF4-FFF2-40B4-BE49-F238E27FC236}">
-                <a16:creationId xmlns:a16="http://schemas.microsoft.com/office/drawing/2014/main" id="{F1B439BE-3E91-43A2-B596-14476D4ABEE1}"/>
+                <a16:creationId xmlns:a16="http://schemas.microsoft.com/office/drawing/2014/main" xmlns="" id="{F1B439BE-3E91-43A2-B596-14476D4ABEE1}"/>
               </a:ext>
             </a:extLst>
           </p:cNvPr>
@@ -5447,7 +5447,7 @@
           <p:cNvPr id="70" name="Прямоугольник 69">
             <a:extLst>
               <a:ext uri="{FF2B5EF4-FFF2-40B4-BE49-F238E27FC236}">
-                <a16:creationId xmlns:a16="http://schemas.microsoft.com/office/drawing/2014/main" id="{342C4259-AF63-4059-9BE1-7698FC73D941}"/>
+                <a16:creationId xmlns:a16="http://schemas.microsoft.com/office/drawing/2014/main" xmlns="" id="{342C4259-AF63-4059-9BE1-7698FC73D941}"/>
               </a:ext>
             </a:extLst>
           </p:cNvPr>
@@ -5487,25 +5487,10 @@
           <a:p>
             <a:pPr algn="ctr"/>
             <a:r>
-              <a:rPr lang="ru-RU" sz="1400" dirty="0"/>
-              <a:t>Последствия «</a:t>
-            </a:r>
-            <a:r>
-              <a:rPr lang="ru-RU" sz="1400" dirty="0" err="1"/>
-              <a:t>Зеван</a:t>
-            </a:r>
-            <a:r>
-              <a:rPr lang="ru-RU" sz="1400" dirty="0"/>
-              <a:t> </a:t>
-            </a:r>
-            <a:r>
-              <a:rPr lang="ru-RU" sz="1400" dirty="0" err="1"/>
-              <a:t>Провинсиан</a:t>
-            </a:r>
-            <a:r>
-              <a:rPr lang="ru-RU" sz="1400" dirty="0"/>
-              <a:t>» (ваниль)</a:t>
-            </a:r>
+              <a:rPr lang="ru-RU" sz="1400" dirty="0" smtClean="0"/>
+              <a:t>Торжество коммунистической партии</a:t>
+            </a:r>
+            <a:endParaRPr lang="ru-RU" sz="1400" dirty="0"/>
           </a:p>
         </p:txBody>
       </p:sp>
@@ -5514,7 +5499,7 @@
           <p:cNvPr id="71" name="Прямая соединительная линия 70">
             <a:extLst>
               <a:ext uri="{FF2B5EF4-FFF2-40B4-BE49-F238E27FC236}">
-                <a16:creationId xmlns:a16="http://schemas.microsoft.com/office/drawing/2014/main" id="{1065DBDE-0343-4DDE-A250-71F107EDEA35}"/>
+                <a16:creationId xmlns:a16="http://schemas.microsoft.com/office/drawing/2014/main" xmlns="" id="{1065DBDE-0343-4DDE-A250-71F107EDEA35}"/>
               </a:ext>
             </a:extLst>
           </p:cNvPr>
@@ -5559,7 +5544,7 @@
           <p:cNvPr id="76" name="Прямоугольник 75">
             <a:extLst>
               <a:ext uri="{FF2B5EF4-FFF2-40B4-BE49-F238E27FC236}">
-                <a16:creationId xmlns:a16="http://schemas.microsoft.com/office/drawing/2014/main" id="{366F5F6C-483B-4ACD-91D6-A9E691839C70}"/>
+                <a16:creationId xmlns:a16="http://schemas.microsoft.com/office/drawing/2014/main" xmlns="" id="{366F5F6C-483B-4ACD-91D6-A9E691839C70}"/>
               </a:ext>
             </a:extLst>
           </p:cNvPr>
@@ -5610,7 +5595,7 @@
           <p:cNvPr id="77" name="Прямоугольник 76">
             <a:extLst>
               <a:ext uri="{FF2B5EF4-FFF2-40B4-BE49-F238E27FC236}">
-                <a16:creationId xmlns:a16="http://schemas.microsoft.com/office/drawing/2014/main" id="{10125C76-08EB-440D-8A53-FC23906A3025}"/>
+                <a16:creationId xmlns:a16="http://schemas.microsoft.com/office/drawing/2014/main" xmlns="" id="{10125C76-08EB-440D-8A53-FC23906A3025}"/>
               </a:ext>
             </a:extLst>
           </p:cNvPr>
@@ -5661,7 +5646,7 @@
           <p:cNvPr id="79" name="Прямоугольник 78">
             <a:extLst>
               <a:ext uri="{FF2B5EF4-FFF2-40B4-BE49-F238E27FC236}">
-                <a16:creationId xmlns:a16="http://schemas.microsoft.com/office/drawing/2014/main" id="{A1833F58-8C31-4146-8F2D-3CA644C1D16F}"/>
+                <a16:creationId xmlns:a16="http://schemas.microsoft.com/office/drawing/2014/main" xmlns="" id="{A1833F58-8C31-4146-8F2D-3CA644C1D16F}"/>
               </a:ext>
             </a:extLst>
           </p:cNvPr>
@@ -5712,7 +5697,7 @@
           <p:cNvPr id="80" name="Прямая соединительная линия 79">
             <a:extLst>
               <a:ext uri="{FF2B5EF4-FFF2-40B4-BE49-F238E27FC236}">
-                <a16:creationId xmlns:a16="http://schemas.microsoft.com/office/drawing/2014/main" id="{B7BBD189-7659-4584-B271-7DF8F92634C3}"/>
+                <a16:creationId xmlns:a16="http://schemas.microsoft.com/office/drawing/2014/main" xmlns="" id="{B7BBD189-7659-4584-B271-7DF8F92634C3}"/>
               </a:ext>
             </a:extLst>
           </p:cNvPr>
@@ -5757,7 +5742,7 @@
           <p:cNvPr id="83" name="Прямая соединительная линия 82">
             <a:extLst>
               <a:ext uri="{FF2B5EF4-FFF2-40B4-BE49-F238E27FC236}">
-                <a16:creationId xmlns:a16="http://schemas.microsoft.com/office/drawing/2014/main" id="{E177FD22-3AD3-43C9-AD14-4346EE9A3F04}"/>
+                <a16:creationId xmlns:a16="http://schemas.microsoft.com/office/drawing/2014/main" xmlns="" id="{E177FD22-3AD3-43C9-AD14-4346EE9A3F04}"/>
               </a:ext>
             </a:extLst>
           </p:cNvPr>
@@ -5802,7 +5787,7 @@
           <p:cNvPr id="86" name="Прямоугольник 85">
             <a:extLst>
               <a:ext uri="{FF2B5EF4-FFF2-40B4-BE49-F238E27FC236}">
-                <a16:creationId xmlns:a16="http://schemas.microsoft.com/office/drawing/2014/main" id="{AD767D07-12A0-482F-AED3-8FB784E027A3}"/>
+                <a16:creationId xmlns:a16="http://schemas.microsoft.com/office/drawing/2014/main" xmlns="" id="{AD767D07-12A0-482F-AED3-8FB784E027A3}"/>
               </a:ext>
             </a:extLst>
           </p:cNvPr>
@@ -5853,7 +5838,7 @@
           <p:cNvPr id="87" name="Прямоугольник 86">
             <a:extLst>
               <a:ext uri="{FF2B5EF4-FFF2-40B4-BE49-F238E27FC236}">
-                <a16:creationId xmlns:a16="http://schemas.microsoft.com/office/drawing/2014/main" id="{CC4BBF75-07C6-4CA5-A8D7-44A4699C08DC}"/>
+                <a16:creationId xmlns:a16="http://schemas.microsoft.com/office/drawing/2014/main" xmlns="" id="{CC4BBF75-07C6-4CA5-A8D7-44A4699C08DC}"/>
               </a:ext>
             </a:extLst>
           </p:cNvPr>
@@ -5904,7 +5889,7 @@
           <p:cNvPr id="88" name="Прямоугольник 87">
             <a:extLst>
               <a:ext uri="{FF2B5EF4-FFF2-40B4-BE49-F238E27FC236}">
-                <a16:creationId xmlns:a16="http://schemas.microsoft.com/office/drawing/2014/main" id="{2D86051A-B657-4518-A31A-E3425E7B1BF9}"/>
+                <a16:creationId xmlns:a16="http://schemas.microsoft.com/office/drawing/2014/main" xmlns="" id="{2D86051A-B657-4518-A31A-E3425E7B1BF9}"/>
               </a:ext>
             </a:extLst>
           </p:cNvPr>
@@ -5955,7 +5940,7 @@
           <p:cNvPr id="89" name="Соединительная линия уступом 175">
             <a:extLst>
               <a:ext uri="{FF2B5EF4-FFF2-40B4-BE49-F238E27FC236}">
-                <a16:creationId xmlns:a16="http://schemas.microsoft.com/office/drawing/2014/main" id="{5CB48EFB-136F-4070-8340-0A522C2F6809}"/>
+                <a16:creationId xmlns:a16="http://schemas.microsoft.com/office/drawing/2014/main" xmlns="" id="{5CB48EFB-136F-4070-8340-0A522C2F6809}"/>
               </a:ext>
             </a:extLst>
           </p:cNvPr>
@@ -6001,7 +5986,7 @@
           <p:cNvPr id="92" name="Соединительная линия уступом 175">
             <a:extLst>
               <a:ext uri="{FF2B5EF4-FFF2-40B4-BE49-F238E27FC236}">
-                <a16:creationId xmlns:a16="http://schemas.microsoft.com/office/drawing/2014/main" id="{63CBBFDA-3735-4B9C-9329-96E9ABFAE985}"/>
+                <a16:creationId xmlns:a16="http://schemas.microsoft.com/office/drawing/2014/main" xmlns="" id="{63CBBFDA-3735-4B9C-9329-96E9ABFAE985}"/>
               </a:ext>
             </a:extLst>
           </p:cNvPr>
@@ -6047,7 +6032,7 @@
           <p:cNvPr id="95" name="Соединительная линия уступом 175">
             <a:extLst>
               <a:ext uri="{FF2B5EF4-FFF2-40B4-BE49-F238E27FC236}">
-                <a16:creationId xmlns:a16="http://schemas.microsoft.com/office/drawing/2014/main" id="{18E581A8-013C-43A7-B480-F75FA8B9D989}"/>
+                <a16:creationId xmlns:a16="http://schemas.microsoft.com/office/drawing/2014/main" xmlns="" id="{18E581A8-013C-43A7-B480-F75FA8B9D989}"/>
               </a:ext>
             </a:extLst>
           </p:cNvPr>
@@ -6093,7 +6078,7 @@
           <p:cNvPr id="98" name="Прямоугольник 97">
             <a:extLst>
               <a:ext uri="{FF2B5EF4-FFF2-40B4-BE49-F238E27FC236}">
-                <a16:creationId xmlns:a16="http://schemas.microsoft.com/office/drawing/2014/main" id="{A4C4E412-1DCD-4818-BE7B-DE5FD7B5D281}"/>
+                <a16:creationId xmlns:a16="http://schemas.microsoft.com/office/drawing/2014/main" xmlns="" id="{A4C4E412-1DCD-4818-BE7B-DE5FD7B5D281}"/>
               </a:ext>
             </a:extLst>
           </p:cNvPr>
@@ -6144,7 +6129,7 @@
           <p:cNvPr id="99" name="Соединительная линия уступом 175">
             <a:extLst>
               <a:ext uri="{FF2B5EF4-FFF2-40B4-BE49-F238E27FC236}">
-                <a16:creationId xmlns:a16="http://schemas.microsoft.com/office/drawing/2014/main" id="{DCD1F1C6-3983-4635-A883-D83D7C10A114}"/>
+                <a16:creationId xmlns:a16="http://schemas.microsoft.com/office/drawing/2014/main" xmlns="" id="{DCD1F1C6-3983-4635-A883-D83D7C10A114}"/>
               </a:ext>
             </a:extLst>
           </p:cNvPr>
@@ -6190,7 +6175,7 @@
           <p:cNvPr id="102" name="Соединительная линия уступом 175">
             <a:extLst>
               <a:ext uri="{FF2B5EF4-FFF2-40B4-BE49-F238E27FC236}">
-                <a16:creationId xmlns:a16="http://schemas.microsoft.com/office/drawing/2014/main" id="{65F9EC03-108B-4E8B-A78B-BA5EF524FF04}"/>
+                <a16:creationId xmlns:a16="http://schemas.microsoft.com/office/drawing/2014/main" xmlns="" id="{65F9EC03-108B-4E8B-A78B-BA5EF524FF04}"/>
               </a:ext>
             </a:extLst>
           </p:cNvPr>
@@ -6236,7 +6221,7 @@
           <p:cNvPr id="105" name="Прямоугольник 104">
             <a:extLst>
               <a:ext uri="{FF2B5EF4-FFF2-40B4-BE49-F238E27FC236}">
-                <a16:creationId xmlns:a16="http://schemas.microsoft.com/office/drawing/2014/main" id="{593EF44A-A889-40AB-8198-12E4B4E7C45B}"/>
+                <a16:creationId xmlns:a16="http://schemas.microsoft.com/office/drawing/2014/main" xmlns="" id="{593EF44A-A889-40AB-8198-12E4B4E7C45B}"/>
               </a:ext>
             </a:extLst>
           </p:cNvPr>
@@ -6287,7 +6272,7 @@
           <p:cNvPr id="106" name="Соединительная линия уступом 175">
             <a:extLst>
               <a:ext uri="{FF2B5EF4-FFF2-40B4-BE49-F238E27FC236}">
-                <a16:creationId xmlns:a16="http://schemas.microsoft.com/office/drawing/2014/main" id="{A669113C-1557-4107-B1E0-921FFE48A035}"/>
+                <a16:creationId xmlns:a16="http://schemas.microsoft.com/office/drawing/2014/main" xmlns="" id="{A669113C-1557-4107-B1E0-921FFE48A035}"/>
               </a:ext>
             </a:extLst>
           </p:cNvPr>
@@ -6332,7 +6317,7 @@
           <p:cNvPr id="109" name="Прямоугольник 108">
             <a:extLst>
               <a:ext uri="{FF2B5EF4-FFF2-40B4-BE49-F238E27FC236}">
-                <a16:creationId xmlns:a16="http://schemas.microsoft.com/office/drawing/2014/main" id="{0EA34B49-5C15-4F93-A433-B54A1B90022D}"/>
+                <a16:creationId xmlns:a16="http://schemas.microsoft.com/office/drawing/2014/main" xmlns="" id="{0EA34B49-5C15-4F93-A433-B54A1B90022D}"/>
               </a:ext>
             </a:extLst>
           </p:cNvPr>
@@ -6383,7 +6368,7 @@
           <p:cNvPr id="110" name="Соединительная линия уступом 175">
             <a:extLst>
               <a:ext uri="{FF2B5EF4-FFF2-40B4-BE49-F238E27FC236}">
-                <a16:creationId xmlns:a16="http://schemas.microsoft.com/office/drawing/2014/main" id="{B8731ED6-88B8-43A2-81AD-67D3831583CB}"/>
+                <a16:creationId xmlns:a16="http://schemas.microsoft.com/office/drawing/2014/main" xmlns="" id="{B8731ED6-88B8-43A2-81AD-67D3831583CB}"/>
               </a:ext>
             </a:extLst>
           </p:cNvPr>
@@ -6428,7 +6413,7 @@
           <p:cNvPr id="118" name="Прямая со стрелкой 117">
             <a:extLst>
               <a:ext uri="{FF2B5EF4-FFF2-40B4-BE49-F238E27FC236}">
-                <a16:creationId xmlns:a16="http://schemas.microsoft.com/office/drawing/2014/main" id="{DDD852FB-296B-4E94-971C-21F09E42C0A4}"/>
+                <a16:creationId xmlns:a16="http://schemas.microsoft.com/office/drawing/2014/main" xmlns="" id="{DDD852FB-296B-4E94-971C-21F09E42C0A4}"/>
               </a:ext>
             </a:extLst>
           </p:cNvPr>
@@ -6471,7 +6456,7 @@
           <p:cNvPr id="122" name="Прямоугольник 121">
             <a:extLst>
               <a:ext uri="{FF2B5EF4-FFF2-40B4-BE49-F238E27FC236}">
-                <a16:creationId xmlns:a16="http://schemas.microsoft.com/office/drawing/2014/main" id="{00B82B20-01B6-46D1-B449-47EF83B3CEB6}"/>
+                <a16:creationId xmlns:a16="http://schemas.microsoft.com/office/drawing/2014/main" xmlns="" id="{00B82B20-01B6-46D1-B449-47EF83B3CEB6}"/>
               </a:ext>
             </a:extLst>
           </p:cNvPr>
@@ -6522,7 +6507,7 @@
           <p:cNvPr id="123" name="Соединительная линия уступом 175">
             <a:extLst>
               <a:ext uri="{FF2B5EF4-FFF2-40B4-BE49-F238E27FC236}">
-                <a16:creationId xmlns:a16="http://schemas.microsoft.com/office/drawing/2014/main" id="{6F355A47-8469-4F71-96DD-B911272B628E}"/>
+                <a16:creationId xmlns:a16="http://schemas.microsoft.com/office/drawing/2014/main" xmlns="" id="{6F355A47-8469-4F71-96DD-B911272B628E}"/>
               </a:ext>
             </a:extLst>
           </p:cNvPr>
@@ -6567,7 +6552,7 @@
           <p:cNvPr id="127" name="Прямоугольник 126">
             <a:extLst>
               <a:ext uri="{FF2B5EF4-FFF2-40B4-BE49-F238E27FC236}">
-                <a16:creationId xmlns:a16="http://schemas.microsoft.com/office/drawing/2014/main" id="{2C8AA921-F932-4A1A-9545-B8BDDC7EA695}"/>
+                <a16:creationId xmlns:a16="http://schemas.microsoft.com/office/drawing/2014/main" xmlns="" id="{2C8AA921-F932-4A1A-9545-B8BDDC7EA695}"/>
               </a:ext>
             </a:extLst>
           </p:cNvPr>
@@ -6618,7 +6603,7 @@
           <p:cNvPr id="128" name="Прямоугольник 127">
             <a:extLst>
               <a:ext uri="{FF2B5EF4-FFF2-40B4-BE49-F238E27FC236}">
-                <a16:creationId xmlns:a16="http://schemas.microsoft.com/office/drawing/2014/main" id="{178DB374-FAC3-4ABA-8346-6E2F0A705F12}"/>
+                <a16:creationId xmlns:a16="http://schemas.microsoft.com/office/drawing/2014/main" xmlns="" id="{178DB374-FAC3-4ABA-8346-6E2F0A705F12}"/>
               </a:ext>
             </a:extLst>
           </p:cNvPr>
@@ -6669,7 +6654,7 @@
           <p:cNvPr id="129" name="Прямоугольник 128">
             <a:extLst>
               <a:ext uri="{FF2B5EF4-FFF2-40B4-BE49-F238E27FC236}">
-                <a16:creationId xmlns:a16="http://schemas.microsoft.com/office/drawing/2014/main" id="{82A82A01-8FF6-4A47-B321-65E8CC8B6E04}"/>
+                <a16:creationId xmlns:a16="http://schemas.microsoft.com/office/drawing/2014/main" xmlns="" id="{82A82A01-8FF6-4A47-B321-65E8CC8B6E04}"/>
               </a:ext>
             </a:extLst>
           </p:cNvPr>
@@ -6720,7 +6705,7 @@
           <p:cNvPr id="130" name="Прямая со стрелкой 129">
             <a:extLst>
               <a:ext uri="{FF2B5EF4-FFF2-40B4-BE49-F238E27FC236}">
-                <a16:creationId xmlns:a16="http://schemas.microsoft.com/office/drawing/2014/main" id="{A2D855F9-0C43-4A65-BB15-CBC55839DB42}"/>
+                <a16:creationId xmlns:a16="http://schemas.microsoft.com/office/drawing/2014/main" xmlns="" id="{A2D855F9-0C43-4A65-BB15-CBC55839DB42}"/>
               </a:ext>
             </a:extLst>
           </p:cNvPr>
@@ -6763,7 +6748,7 @@
           <p:cNvPr id="135" name="Соединительная линия уступом 175">
             <a:extLst>
               <a:ext uri="{FF2B5EF4-FFF2-40B4-BE49-F238E27FC236}">
-                <a16:creationId xmlns:a16="http://schemas.microsoft.com/office/drawing/2014/main" id="{44788654-1266-46F8-AAB6-811F47CF57D4}"/>
+                <a16:creationId xmlns:a16="http://schemas.microsoft.com/office/drawing/2014/main" xmlns="" id="{44788654-1266-46F8-AAB6-811F47CF57D4}"/>
               </a:ext>
             </a:extLst>
           </p:cNvPr>
@@ -6809,7 +6794,7 @@
           <p:cNvPr id="139" name="Соединительная линия уступом 175">
             <a:extLst>
               <a:ext uri="{FF2B5EF4-FFF2-40B4-BE49-F238E27FC236}">
-                <a16:creationId xmlns:a16="http://schemas.microsoft.com/office/drawing/2014/main" id="{85069044-19C7-46CB-9A0B-488541687834}"/>
+                <a16:creationId xmlns:a16="http://schemas.microsoft.com/office/drawing/2014/main" xmlns="" id="{85069044-19C7-46CB-9A0B-488541687834}"/>
               </a:ext>
             </a:extLst>
           </p:cNvPr>
@@ -6855,7 +6840,7 @@
           <p:cNvPr id="142" name="Прямая со стрелкой 141">
             <a:extLst>
               <a:ext uri="{FF2B5EF4-FFF2-40B4-BE49-F238E27FC236}">
-                <a16:creationId xmlns:a16="http://schemas.microsoft.com/office/drawing/2014/main" id="{6536D1FA-7528-4172-9601-036B7E2C3738}"/>
+                <a16:creationId xmlns:a16="http://schemas.microsoft.com/office/drawing/2014/main" xmlns="" id="{6536D1FA-7528-4172-9601-036B7E2C3738}"/>
               </a:ext>
             </a:extLst>
           </p:cNvPr>
@@ -6898,7 +6883,7 @@
           <p:cNvPr id="145" name="Прямая со стрелкой 144">
             <a:extLst>
               <a:ext uri="{FF2B5EF4-FFF2-40B4-BE49-F238E27FC236}">
-                <a16:creationId xmlns:a16="http://schemas.microsoft.com/office/drawing/2014/main" id="{FB6F681C-043A-494C-9EAB-17EDF7B8E150}"/>
+                <a16:creationId xmlns:a16="http://schemas.microsoft.com/office/drawing/2014/main" xmlns="" id="{FB6F681C-043A-494C-9EAB-17EDF7B8E150}"/>
               </a:ext>
             </a:extLst>
           </p:cNvPr>
@@ -6941,7 +6926,7 @@
           <p:cNvPr id="151" name="Прямая со стрелкой 150">
             <a:extLst>
               <a:ext uri="{FF2B5EF4-FFF2-40B4-BE49-F238E27FC236}">
-                <a16:creationId xmlns:a16="http://schemas.microsoft.com/office/drawing/2014/main" id="{CB990A1F-0C6E-4CF4-8211-8F83EB0CD0B9}"/>
+                <a16:creationId xmlns:a16="http://schemas.microsoft.com/office/drawing/2014/main" xmlns="" id="{CB990A1F-0C6E-4CF4-8211-8F83EB0CD0B9}"/>
               </a:ext>
             </a:extLst>
           </p:cNvPr>
@@ -6984,7 +6969,7 @@
           <p:cNvPr id="154" name="Прямая со стрелкой 153">
             <a:extLst>
               <a:ext uri="{FF2B5EF4-FFF2-40B4-BE49-F238E27FC236}">
-                <a16:creationId xmlns:a16="http://schemas.microsoft.com/office/drawing/2014/main" id="{5DCB8012-FFB7-4026-9209-C91A7E1D849E}"/>
+                <a16:creationId xmlns:a16="http://schemas.microsoft.com/office/drawing/2014/main" xmlns="" id="{5DCB8012-FFB7-4026-9209-C91A7E1D849E}"/>
               </a:ext>
             </a:extLst>
           </p:cNvPr>
@@ -7027,7 +7012,7 @@
           <p:cNvPr id="158" name="Соединительная линия уступом 175">
             <a:extLst>
               <a:ext uri="{FF2B5EF4-FFF2-40B4-BE49-F238E27FC236}">
-                <a16:creationId xmlns:a16="http://schemas.microsoft.com/office/drawing/2014/main" id="{E8157327-8648-49F3-8DE4-19E4F490A684}"/>
+                <a16:creationId xmlns:a16="http://schemas.microsoft.com/office/drawing/2014/main" xmlns="" id="{E8157327-8648-49F3-8DE4-19E4F490A684}"/>
               </a:ext>
             </a:extLst>
           </p:cNvPr>
@@ -7072,7 +7057,7 @@
           <p:cNvPr id="161" name="Соединительная линия уступом 175">
             <a:extLst>
               <a:ext uri="{FF2B5EF4-FFF2-40B4-BE49-F238E27FC236}">
-                <a16:creationId xmlns:a16="http://schemas.microsoft.com/office/drawing/2014/main" id="{531D3F99-DB21-4AC6-9713-341BAC625A42}"/>
+                <a16:creationId xmlns:a16="http://schemas.microsoft.com/office/drawing/2014/main" xmlns="" id="{531D3F99-DB21-4AC6-9713-341BAC625A42}"/>
               </a:ext>
             </a:extLst>
           </p:cNvPr>
@@ -7117,7 +7102,7 @@
           <p:cNvPr id="172" name="Прямоугольник 171">
             <a:extLst>
               <a:ext uri="{FF2B5EF4-FFF2-40B4-BE49-F238E27FC236}">
-                <a16:creationId xmlns:a16="http://schemas.microsoft.com/office/drawing/2014/main" id="{206E6E16-51FB-496F-AC8C-3FAC2ED0C8F8}"/>
+                <a16:creationId xmlns:a16="http://schemas.microsoft.com/office/drawing/2014/main" xmlns="" id="{206E6E16-51FB-496F-AC8C-3FAC2ED0C8F8}"/>
               </a:ext>
             </a:extLst>
           </p:cNvPr>
@@ -7173,7 +7158,7 @@
           <p:cNvPr id="175" name="Прямоугольник 174">
             <a:extLst>
               <a:ext uri="{FF2B5EF4-FFF2-40B4-BE49-F238E27FC236}">
-                <a16:creationId xmlns:a16="http://schemas.microsoft.com/office/drawing/2014/main" id="{BE21280F-D58C-4382-A068-7A1656288725}"/>
+                <a16:creationId xmlns:a16="http://schemas.microsoft.com/office/drawing/2014/main" xmlns="" id="{BE21280F-D58C-4382-A068-7A1656288725}"/>
               </a:ext>
             </a:extLst>
           </p:cNvPr>
@@ -7224,7 +7209,7 @@
           <p:cNvPr id="178" name="Прямоугольник 177">
             <a:extLst>
               <a:ext uri="{FF2B5EF4-FFF2-40B4-BE49-F238E27FC236}">
-                <a16:creationId xmlns:a16="http://schemas.microsoft.com/office/drawing/2014/main" id="{ED7AFBD4-6267-44B4-BE82-F4761361604E}"/>
+                <a16:creationId xmlns:a16="http://schemas.microsoft.com/office/drawing/2014/main" xmlns="" id="{ED7AFBD4-6267-44B4-BE82-F4761361604E}"/>
               </a:ext>
             </a:extLst>
           </p:cNvPr>
@@ -7275,7 +7260,7 @@
           <p:cNvPr id="179" name="Прямоугольник 178">
             <a:extLst>
               <a:ext uri="{FF2B5EF4-FFF2-40B4-BE49-F238E27FC236}">
-                <a16:creationId xmlns:a16="http://schemas.microsoft.com/office/drawing/2014/main" id="{421A3645-29DB-433F-9139-7708C3C42019}"/>
+                <a16:creationId xmlns:a16="http://schemas.microsoft.com/office/drawing/2014/main" xmlns="" id="{421A3645-29DB-433F-9139-7708C3C42019}"/>
               </a:ext>
             </a:extLst>
           </p:cNvPr>
@@ -7326,7 +7311,7 @@
           <p:cNvPr id="182" name="Прямоугольник 181">
             <a:extLst>
               <a:ext uri="{FF2B5EF4-FFF2-40B4-BE49-F238E27FC236}">
-                <a16:creationId xmlns:a16="http://schemas.microsoft.com/office/drawing/2014/main" id="{3C9089C5-6431-449E-BB4E-FDF5381B5E8D}"/>
+                <a16:creationId xmlns:a16="http://schemas.microsoft.com/office/drawing/2014/main" xmlns="" id="{3C9089C5-6431-449E-BB4E-FDF5381B5E8D}"/>
               </a:ext>
             </a:extLst>
           </p:cNvPr>
@@ -7382,7 +7367,7 @@
           <p:cNvPr id="184" name="Прямоугольник 183">
             <a:extLst>
               <a:ext uri="{FF2B5EF4-FFF2-40B4-BE49-F238E27FC236}">
-                <a16:creationId xmlns:a16="http://schemas.microsoft.com/office/drawing/2014/main" id="{FAB57595-DAD8-4228-A243-2E6968097139}"/>
+                <a16:creationId xmlns:a16="http://schemas.microsoft.com/office/drawing/2014/main" xmlns="" id="{FAB57595-DAD8-4228-A243-2E6968097139}"/>
               </a:ext>
             </a:extLst>
           </p:cNvPr>
@@ -7438,7 +7423,7 @@
           <p:cNvPr id="185" name="Прямоугольник 184">
             <a:extLst>
               <a:ext uri="{FF2B5EF4-FFF2-40B4-BE49-F238E27FC236}">
-                <a16:creationId xmlns:a16="http://schemas.microsoft.com/office/drawing/2014/main" id="{8F480920-8A54-4143-A95C-30EA5F89481C}"/>
+                <a16:creationId xmlns:a16="http://schemas.microsoft.com/office/drawing/2014/main" xmlns="" id="{8F480920-8A54-4143-A95C-30EA5F89481C}"/>
               </a:ext>
             </a:extLst>
           </p:cNvPr>
@@ -7489,7 +7474,7 @@
           <p:cNvPr id="186" name="Прямоугольник 185">
             <a:extLst>
               <a:ext uri="{FF2B5EF4-FFF2-40B4-BE49-F238E27FC236}">
-                <a16:creationId xmlns:a16="http://schemas.microsoft.com/office/drawing/2014/main" id="{6CA7BA3E-2FAC-4063-9344-BCF93A78DE96}"/>
+                <a16:creationId xmlns:a16="http://schemas.microsoft.com/office/drawing/2014/main" xmlns="" id="{6CA7BA3E-2FAC-4063-9344-BCF93A78DE96}"/>
               </a:ext>
             </a:extLst>
           </p:cNvPr>
@@ -7540,7 +7525,7 @@
           <p:cNvPr id="187" name="Прямоугольник 186">
             <a:extLst>
               <a:ext uri="{FF2B5EF4-FFF2-40B4-BE49-F238E27FC236}">
-                <a16:creationId xmlns:a16="http://schemas.microsoft.com/office/drawing/2014/main" id="{2E505257-2A24-481B-916C-1BCAD83B77BC}"/>
+                <a16:creationId xmlns:a16="http://schemas.microsoft.com/office/drawing/2014/main" xmlns="" id="{2E505257-2A24-481B-916C-1BCAD83B77BC}"/>
               </a:ext>
             </a:extLst>
           </p:cNvPr>
@@ -7589,7 +7574,7 @@
           <p:cNvPr id="190" name="Прямоугольник 189">
             <a:extLst>
               <a:ext uri="{FF2B5EF4-FFF2-40B4-BE49-F238E27FC236}">
-                <a16:creationId xmlns:a16="http://schemas.microsoft.com/office/drawing/2014/main" id="{10F9435B-2C7C-46FA-8521-6288C3935E26}"/>
+                <a16:creationId xmlns:a16="http://schemas.microsoft.com/office/drawing/2014/main" xmlns="" id="{10F9435B-2C7C-46FA-8521-6288C3935E26}"/>
               </a:ext>
             </a:extLst>
           </p:cNvPr>
@@ -7653,7 +7638,7 @@
           <p:cNvPr id="221" name="Соединительная линия уступом 175">
             <a:extLst>
               <a:ext uri="{FF2B5EF4-FFF2-40B4-BE49-F238E27FC236}">
-                <a16:creationId xmlns:a16="http://schemas.microsoft.com/office/drawing/2014/main" id="{3E3757A1-9F1A-4D27-B1A6-07FBC50A3BA9}"/>
+                <a16:creationId xmlns:a16="http://schemas.microsoft.com/office/drawing/2014/main" xmlns="" id="{3E3757A1-9F1A-4D27-B1A6-07FBC50A3BA9}"/>
               </a:ext>
             </a:extLst>
           </p:cNvPr>
@@ -7699,7 +7684,7 @@
           <p:cNvPr id="227" name="Прямая со стрелкой 226">
             <a:extLst>
               <a:ext uri="{FF2B5EF4-FFF2-40B4-BE49-F238E27FC236}">
-                <a16:creationId xmlns:a16="http://schemas.microsoft.com/office/drawing/2014/main" id="{DFA53624-9205-410F-8D69-B89CB4304D30}"/>
+                <a16:creationId xmlns:a16="http://schemas.microsoft.com/office/drawing/2014/main" xmlns="" id="{DFA53624-9205-410F-8D69-B89CB4304D30}"/>
               </a:ext>
             </a:extLst>
           </p:cNvPr>
@@ -7742,7 +7727,7 @@
           <p:cNvPr id="230" name="Соединительная линия уступом 175">
             <a:extLst>
               <a:ext uri="{FF2B5EF4-FFF2-40B4-BE49-F238E27FC236}">
-                <a16:creationId xmlns:a16="http://schemas.microsoft.com/office/drawing/2014/main" id="{0501B700-CD01-4C62-8B56-67B908D139FC}"/>
+                <a16:creationId xmlns:a16="http://schemas.microsoft.com/office/drawing/2014/main" xmlns="" id="{0501B700-CD01-4C62-8B56-67B908D139FC}"/>
               </a:ext>
             </a:extLst>
           </p:cNvPr>
@@ -7787,7 +7772,7 @@
           <p:cNvPr id="233" name="Соединительная линия уступом 175">
             <a:extLst>
               <a:ext uri="{FF2B5EF4-FFF2-40B4-BE49-F238E27FC236}">
-                <a16:creationId xmlns:a16="http://schemas.microsoft.com/office/drawing/2014/main" id="{5AAD928D-CA64-440E-B4F3-D156C509371B}"/>
+                <a16:creationId xmlns:a16="http://schemas.microsoft.com/office/drawing/2014/main" xmlns="" id="{5AAD928D-CA64-440E-B4F3-D156C509371B}"/>
               </a:ext>
             </a:extLst>
           </p:cNvPr>
@@ -7832,7 +7817,7 @@
           <p:cNvPr id="236" name="Прямая со стрелкой 235">
             <a:extLst>
               <a:ext uri="{FF2B5EF4-FFF2-40B4-BE49-F238E27FC236}">
-                <a16:creationId xmlns:a16="http://schemas.microsoft.com/office/drawing/2014/main" id="{AA112E98-02FD-470C-A678-3E396F0415DA}"/>
+                <a16:creationId xmlns:a16="http://schemas.microsoft.com/office/drawing/2014/main" xmlns="" id="{AA112E98-02FD-470C-A678-3E396F0415DA}"/>
               </a:ext>
             </a:extLst>
           </p:cNvPr>
@@ -7875,7 +7860,7 @@
           <p:cNvPr id="239" name="Прямая со стрелкой 238">
             <a:extLst>
               <a:ext uri="{FF2B5EF4-FFF2-40B4-BE49-F238E27FC236}">
-                <a16:creationId xmlns:a16="http://schemas.microsoft.com/office/drawing/2014/main" id="{7570A332-205A-4A56-9FD4-10366758BE5C}"/>
+                <a16:creationId xmlns:a16="http://schemas.microsoft.com/office/drawing/2014/main" xmlns="" id="{7570A332-205A-4A56-9FD4-10366758BE5C}"/>
               </a:ext>
             </a:extLst>
           </p:cNvPr>
@@ -7918,7 +7903,7 @@
           <p:cNvPr id="242" name="Соединительная линия уступом 175">
             <a:extLst>
               <a:ext uri="{FF2B5EF4-FFF2-40B4-BE49-F238E27FC236}">
-                <a16:creationId xmlns:a16="http://schemas.microsoft.com/office/drawing/2014/main" id="{DFEF16FF-A8E6-47E9-9D00-D915543BA443}"/>
+                <a16:creationId xmlns:a16="http://schemas.microsoft.com/office/drawing/2014/main" xmlns="" id="{DFEF16FF-A8E6-47E9-9D00-D915543BA443}"/>
               </a:ext>
             </a:extLst>
           </p:cNvPr>
@@ -7963,7 +7948,7 @@
           <p:cNvPr id="245" name="Соединительная линия уступом 175">
             <a:extLst>
               <a:ext uri="{FF2B5EF4-FFF2-40B4-BE49-F238E27FC236}">
-                <a16:creationId xmlns:a16="http://schemas.microsoft.com/office/drawing/2014/main" id="{85D03E22-5BDA-4220-AA5E-050D19FD2FF6}"/>
+                <a16:creationId xmlns:a16="http://schemas.microsoft.com/office/drawing/2014/main" xmlns="" id="{85D03E22-5BDA-4220-AA5E-050D19FD2FF6}"/>
               </a:ext>
             </a:extLst>
           </p:cNvPr>
@@ -8008,7 +7993,7 @@
           <p:cNvPr id="248" name="Соединительная линия уступом 175">
             <a:extLst>
               <a:ext uri="{FF2B5EF4-FFF2-40B4-BE49-F238E27FC236}">
-                <a16:creationId xmlns:a16="http://schemas.microsoft.com/office/drawing/2014/main" id="{EA5CDDA5-0F5E-44E9-8C4B-894B8DF88EB7}"/>
+                <a16:creationId xmlns:a16="http://schemas.microsoft.com/office/drawing/2014/main" xmlns="" id="{EA5CDDA5-0F5E-44E9-8C4B-894B8DF88EB7}"/>
               </a:ext>
             </a:extLst>
           </p:cNvPr>
@@ -8053,7 +8038,7 @@
           <p:cNvPr id="251" name="Прямая со стрелкой 250">
             <a:extLst>
               <a:ext uri="{FF2B5EF4-FFF2-40B4-BE49-F238E27FC236}">
-                <a16:creationId xmlns:a16="http://schemas.microsoft.com/office/drawing/2014/main" id="{99969D16-AB62-4CE3-8459-1D3201356369}"/>
+                <a16:creationId xmlns:a16="http://schemas.microsoft.com/office/drawing/2014/main" xmlns="" id="{99969D16-AB62-4CE3-8459-1D3201356369}"/>
               </a:ext>
             </a:extLst>
           </p:cNvPr>
@@ -8096,7 +8081,7 @@
           <p:cNvPr id="100" name="Прямоугольник 99">
             <a:extLst>
               <a:ext uri="{FF2B5EF4-FFF2-40B4-BE49-F238E27FC236}">
-                <a16:creationId xmlns:a16="http://schemas.microsoft.com/office/drawing/2014/main" id="{B24C7D8D-9041-4D7A-ACFE-4D49C55501A0}"/>
+                <a16:creationId xmlns:a16="http://schemas.microsoft.com/office/drawing/2014/main" xmlns="" id="{B24C7D8D-9041-4D7A-ACFE-4D49C55501A0}"/>
               </a:ext>
             </a:extLst>
           </p:cNvPr>
@@ -8215,7 +8200,7 @@
           <p:cNvPr id="101" name="Прямоугольник 100">
             <a:extLst>
               <a:ext uri="{FF2B5EF4-FFF2-40B4-BE49-F238E27FC236}">
-                <a16:creationId xmlns:a16="http://schemas.microsoft.com/office/drawing/2014/main" id="{09CAA6C9-629F-48D6-ABAA-DF457DA207FA}"/>
+                <a16:creationId xmlns:a16="http://schemas.microsoft.com/office/drawing/2014/main" xmlns="" id="{09CAA6C9-629F-48D6-ABAA-DF457DA207FA}"/>
               </a:ext>
             </a:extLst>
           </p:cNvPr>
@@ -8286,7 +8271,7 @@
           <p:cNvPr id="103" name="Прямая соединительная линия 102">
             <a:extLst>
               <a:ext uri="{FF2B5EF4-FFF2-40B4-BE49-F238E27FC236}">
-                <a16:creationId xmlns:a16="http://schemas.microsoft.com/office/drawing/2014/main" id="{07402EE0-D121-4569-BC7E-EA44B35D0E6A}"/>
+                <a16:creationId xmlns:a16="http://schemas.microsoft.com/office/drawing/2014/main" xmlns="" id="{07402EE0-D121-4569-BC7E-EA44B35D0E6A}"/>
               </a:ext>
             </a:extLst>
           </p:cNvPr>
@@ -8331,7 +8316,7 @@
           <p:cNvPr id="108" name="Прямоугольник 107">
             <a:extLst>
               <a:ext uri="{FF2B5EF4-FFF2-40B4-BE49-F238E27FC236}">
-                <a16:creationId xmlns:a16="http://schemas.microsoft.com/office/drawing/2014/main" id="{0174761C-6878-4C71-89CF-BBA62EC748C4}"/>
+                <a16:creationId xmlns:a16="http://schemas.microsoft.com/office/drawing/2014/main" xmlns="" id="{0174761C-6878-4C71-89CF-BBA62EC748C4}"/>
               </a:ext>
             </a:extLst>
           </p:cNvPr>
@@ -8421,7 +8406,7 @@
           <p:cNvPr id="111" name="Прямоугольник 110">
             <a:extLst>
               <a:ext uri="{FF2B5EF4-FFF2-40B4-BE49-F238E27FC236}">
-                <a16:creationId xmlns:a16="http://schemas.microsoft.com/office/drawing/2014/main" id="{16FBA02F-5548-4084-AE24-F6B4B5AED19F}"/>
+                <a16:creationId xmlns:a16="http://schemas.microsoft.com/office/drawing/2014/main" xmlns="" id="{16FBA02F-5548-4084-AE24-F6B4B5AED19F}"/>
               </a:ext>
             </a:extLst>
           </p:cNvPr>
@@ -8500,7 +8485,7 @@
           <p:cNvPr id="107" name="Прямоугольник 106">
             <a:extLst>
               <a:ext uri="{FF2B5EF4-FFF2-40B4-BE49-F238E27FC236}">
-                <a16:creationId xmlns:a16="http://schemas.microsoft.com/office/drawing/2014/main" id="{E539C547-A17A-486F-9B7C-6F44EBBA5CB0}"/>
+                <a16:creationId xmlns:a16="http://schemas.microsoft.com/office/drawing/2014/main" xmlns="" id="{E539C547-A17A-486F-9B7C-6F44EBBA5CB0}"/>
               </a:ext>
             </a:extLst>
           </p:cNvPr>
@@ -8611,7 +8596,7 @@
           <p:cNvPr id="112" name="Прямоугольник 111">
             <a:extLst>
               <a:ext uri="{FF2B5EF4-FFF2-40B4-BE49-F238E27FC236}">
-                <a16:creationId xmlns:a16="http://schemas.microsoft.com/office/drawing/2014/main" id="{206B89BC-1DE9-4669-87C1-18D7346ECB65}"/>
+                <a16:creationId xmlns:a16="http://schemas.microsoft.com/office/drawing/2014/main" xmlns="" id="{206B89BC-1DE9-4669-87C1-18D7346ECB65}"/>
               </a:ext>
             </a:extLst>
           </p:cNvPr>
@@ -8698,7 +8683,7 @@
           <p:cNvPr id="113" name="Прямоугольник 112">
             <a:extLst>
               <a:ext uri="{FF2B5EF4-FFF2-40B4-BE49-F238E27FC236}">
-                <a16:creationId xmlns:a16="http://schemas.microsoft.com/office/drawing/2014/main" id="{3165B2B3-EEF4-4877-8519-BF526B88B6C9}"/>
+                <a16:creationId xmlns:a16="http://schemas.microsoft.com/office/drawing/2014/main" xmlns="" id="{3165B2B3-EEF4-4877-8519-BF526B88B6C9}"/>
               </a:ext>
             </a:extLst>
           </p:cNvPr>
@@ -8785,7 +8770,7 @@
           <p:cNvPr id="115" name="Прямоугольник 114">
             <a:extLst>
               <a:ext uri="{FF2B5EF4-FFF2-40B4-BE49-F238E27FC236}">
-                <a16:creationId xmlns:a16="http://schemas.microsoft.com/office/drawing/2014/main" id="{5AB7C30A-201B-4B15-889F-0961863E1653}"/>
+                <a16:creationId xmlns:a16="http://schemas.microsoft.com/office/drawing/2014/main" xmlns="" id="{5AB7C30A-201B-4B15-889F-0961863E1653}"/>
               </a:ext>
             </a:extLst>
           </p:cNvPr>
@@ -8856,7 +8841,7 @@
           <p:cNvPr id="116" name="Прямая со стрелкой 115">
             <a:extLst>
               <a:ext uri="{FF2B5EF4-FFF2-40B4-BE49-F238E27FC236}">
-                <a16:creationId xmlns:a16="http://schemas.microsoft.com/office/drawing/2014/main" id="{EBD3A6F3-AB1C-47D3-A4C9-E367E9B43AB2}"/>
+                <a16:creationId xmlns:a16="http://schemas.microsoft.com/office/drawing/2014/main" xmlns="" id="{EBD3A6F3-AB1C-47D3-A4C9-E367E9B43AB2}"/>
               </a:ext>
             </a:extLst>
           </p:cNvPr>
@@ -8899,7 +8884,7 @@
           <p:cNvPr id="117" name="Прямая со стрелкой 116">
             <a:extLst>
               <a:ext uri="{FF2B5EF4-FFF2-40B4-BE49-F238E27FC236}">
-                <a16:creationId xmlns:a16="http://schemas.microsoft.com/office/drawing/2014/main" id="{1CA48A8C-7918-4ACD-8584-930D3FA93CAA}"/>
+                <a16:creationId xmlns:a16="http://schemas.microsoft.com/office/drawing/2014/main" xmlns="" id="{1CA48A8C-7918-4ACD-8584-930D3FA93CAA}"/>
               </a:ext>
             </a:extLst>
           </p:cNvPr>
@@ -8942,7 +8927,7 @@
           <p:cNvPr id="132" name="Прямоугольник 131">
             <a:extLst>
               <a:ext uri="{FF2B5EF4-FFF2-40B4-BE49-F238E27FC236}">
-                <a16:creationId xmlns:a16="http://schemas.microsoft.com/office/drawing/2014/main" id="{A65B4601-A6C9-4318-A2AC-F51BDF31465E}"/>
+                <a16:creationId xmlns:a16="http://schemas.microsoft.com/office/drawing/2014/main" xmlns="" id="{A65B4601-A6C9-4318-A2AC-F51BDF31465E}"/>
               </a:ext>
             </a:extLst>
           </p:cNvPr>
@@ -9013,7 +8998,7 @@
           <p:cNvPr id="19" name="Таблица 18">
             <a:extLst>
               <a:ext uri="{FF2B5EF4-FFF2-40B4-BE49-F238E27FC236}">
-                <a16:creationId xmlns:a16="http://schemas.microsoft.com/office/drawing/2014/main" id="{E22581ED-E764-4FCA-B41E-4071C1C99800}"/>
+                <a16:creationId xmlns:a16="http://schemas.microsoft.com/office/drawing/2014/main" xmlns="" id="{E22581ED-E764-4FCA-B41E-4071C1C99800}"/>
               </a:ext>
             </a:extLst>
           </p:cNvPr>
@@ -9042,28 +9027,28 @@
                 <a:gridCol w="871855">
                   <a:extLst>
                     <a:ext uri="{9D8B030D-6E8A-4147-A177-3AD203B41FA5}">
-                      <a16:colId xmlns:a16="http://schemas.microsoft.com/office/drawing/2014/main" val="1340066321"/>
+                      <a16:colId xmlns:a16="http://schemas.microsoft.com/office/drawing/2014/main" xmlns="" val="1340066321"/>
                     </a:ext>
                   </a:extLst>
                 </a:gridCol>
                 <a:gridCol w="1972310">
                   <a:extLst>
                     <a:ext uri="{9D8B030D-6E8A-4147-A177-3AD203B41FA5}">
-                      <a16:colId xmlns:a16="http://schemas.microsoft.com/office/drawing/2014/main" val="3289238804"/>
+                      <a16:colId xmlns:a16="http://schemas.microsoft.com/office/drawing/2014/main" xmlns="" val="3289238804"/>
                     </a:ext>
                   </a:extLst>
                 </a:gridCol>
                 <a:gridCol w="1234440">
                   <a:extLst>
                     <a:ext uri="{9D8B030D-6E8A-4147-A177-3AD203B41FA5}">
-                      <a16:colId xmlns:a16="http://schemas.microsoft.com/office/drawing/2014/main" val="1455402127"/>
+                      <a16:colId xmlns:a16="http://schemas.microsoft.com/office/drawing/2014/main" xmlns="" val="1455402127"/>
                     </a:ext>
                   </a:extLst>
                 </a:gridCol>
                 <a:gridCol w="951230">
                   <a:extLst>
                     <a:ext uri="{9D8B030D-6E8A-4147-A177-3AD203B41FA5}">
-                      <a16:colId xmlns:a16="http://schemas.microsoft.com/office/drawing/2014/main" val="150090897"/>
+                      <a16:colId xmlns:a16="http://schemas.microsoft.com/office/drawing/2014/main" xmlns="" val="150090897"/>
                     </a:ext>
                   </a:extLst>
                 </a:gridCol>
@@ -9171,7 +9156,7 @@
                 </a:tc>
                 <a:extLst>
                   <a:ext uri="{0D108BD9-81ED-4DB2-BD59-A6C34878D82A}">
-                    <a16:rowId xmlns:a16="http://schemas.microsoft.com/office/drawing/2014/main" val="2620928766"/>
+                    <a16:rowId xmlns:a16="http://schemas.microsoft.com/office/drawing/2014/main" xmlns="" val="2620928766"/>
                   </a:ext>
                 </a:extLst>
               </a:tr>
@@ -9278,7 +9263,7 @@
                 </a:tc>
                 <a:extLst>
                   <a:ext uri="{0D108BD9-81ED-4DB2-BD59-A6C34878D82A}">
-                    <a16:rowId xmlns:a16="http://schemas.microsoft.com/office/drawing/2014/main" val="2997133043"/>
+                    <a16:rowId xmlns:a16="http://schemas.microsoft.com/office/drawing/2014/main" xmlns="" val="2997133043"/>
                   </a:ext>
                 </a:extLst>
               </a:tr>
@@ -9385,7 +9370,7 @@
                 </a:tc>
                 <a:extLst>
                   <a:ext uri="{0D108BD9-81ED-4DB2-BD59-A6C34878D82A}">
-                    <a16:rowId xmlns:a16="http://schemas.microsoft.com/office/drawing/2014/main" val="3986342501"/>
+                    <a16:rowId xmlns:a16="http://schemas.microsoft.com/office/drawing/2014/main" xmlns="" val="3986342501"/>
                   </a:ext>
                 </a:extLst>
               </a:tr>
@@ -9492,7 +9477,7 @@
                 </a:tc>
                 <a:extLst>
                   <a:ext uri="{0D108BD9-81ED-4DB2-BD59-A6C34878D82A}">
-                    <a16:rowId xmlns:a16="http://schemas.microsoft.com/office/drawing/2014/main" val="2781629343"/>
+                    <a16:rowId xmlns:a16="http://schemas.microsoft.com/office/drawing/2014/main" xmlns="" val="2781629343"/>
                   </a:ext>
                 </a:extLst>
               </a:tr>
@@ -9599,7 +9584,7 @@
                 </a:tc>
                 <a:extLst>
                   <a:ext uri="{0D108BD9-81ED-4DB2-BD59-A6C34878D82A}">
-                    <a16:rowId xmlns:a16="http://schemas.microsoft.com/office/drawing/2014/main" val="3540080779"/>
+                    <a16:rowId xmlns:a16="http://schemas.microsoft.com/office/drawing/2014/main" xmlns="" val="3540080779"/>
                   </a:ext>
                 </a:extLst>
               </a:tr>
@@ -9706,7 +9691,7 @@
                 </a:tc>
                 <a:extLst>
                   <a:ext uri="{0D108BD9-81ED-4DB2-BD59-A6C34878D82A}">
-                    <a16:rowId xmlns:a16="http://schemas.microsoft.com/office/drawing/2014/main" val="3491628292"/>
+                    <a16:rowId xmlns:a16="http://schemas.microsoft.com/office/drawing/2014/main" xmlns="" val="3491628292"/>
                   </a:ext>
                 </a:extLst>
               </a:tr>
@@ -9719,7 +9704,7 @@
           <p:cNvPr id="141" name="Прямоугольник 140">
             <a:extLst>
               <a:ext uri="{FF2B5EF4-FFF2-40B4-BE49-F238E27FC236}">
-                <a16:creationId xmlns:a16="http://schemas.microsoft.com/office/drawing/2014/main" id="{7124B428-62EC-4668-AA42-A9E765922B83}"/>
+                <a16:creationId xmlns:a16="http://schemas.microsoft.com/office/drawing/2014/main" xmlns="" id="{7124B428-62EC-4668-AA42-A9E765922B83}"/>
               </a:ext>
             </a:extLst>
           </p:cNvPr>
@@ -9830,7 +9815,7 @@
           <p:cNvPr id="119" name="Прямоугольник 118">
             <a:extLst>
               <a:ext uri="{FF2B5EF4-FFF2-40B4-BE49-F238E27FC236}">
-                <a16:creationId xmlns:a16="http://schemas.microsoft.com/office/drawing/2014/main" id="{DB6E3B10-7836-48E8-94E4-4375B8A4B407}"/>
+                <a16:creationId xmlns:a16="http://schemas.microsoft.com/office/drawing/2014/main" xmlns="" id="{DB6E3B10-7836-48E8-94E4-4375B8A4B407}"/>
               </a:ext>
             </a:extLst>
           </p:cNvPr>
@@ -9989,7 +9974,7 @@
           <p:cNvPr id="165" name="Прямоугольник 164">
             <a:extLst>
               <a:ext uri="{FF2B5EF4-FFF2-40B4-BE49-F238E27FC236}">
-                <a16:creationId xmlns:a16="http://schemas.microsoft.com/office/drawing/2014/main" id="{83FD783A-DD1F-4C23-8CD1-77D1643FC673}"/>
+                <a16:creationId xmlns:a16="http://schemas.microsoft.com/office/drawing/2014/main" xmlns="" id="{83FD783A-DD1F-4C23-8CD1-77D1643FC673}"/>
               </a:ext>
             </a:extLst>
           </p:cNvPr>
@@ -10164,7 +10149,7 @@
           <p:cNvPr id="168" name="Прямоугольник 167">
             <a:extLst>
               <a:ext uri="{FF2B5EF4-FFF2-40B4-BE49-F238E27FC236}">
-                <a16:creationId xmlns:a16="http://schemas.microsoft.com/office/drawing/2014/main" id="{068B4ABC-E26F-4FB0-B0F8-F5F845757B6E}"/>
+                <a16:creationId xmlns:a16="http://schemas.microsoft.com/office/drawing/2014/main" xmlns="" id="{068B4ABC-E26F-4FB0-B0F8-F5F845757B6E}"/>
               </a:ext>
             </a:extLst>
           </p:cNvPr>
@@ -10344,7 +10329,7 @@
           <p:cNvPr id="170" name="Прямоугольник 169">
             <a:extLst>
               <a:ext uri="{FF2B5EF4-FFF2-40B4-BE49-F238E27FC236}">
-                <a16:creationId xmlns:a16="http://schemas.microsoft.com/office/drawing/2014/main" id="{A2CBF703-EA25-46A0-AFBD-8020F54CDBD4}"/>
+                <a16:creationId xmlns:a16="http://schemas.microsoft.com/office/drawing/2014/main" xmlns="" id="{A2CBF703-EA25-46A0-AFBD-8020F54CDBD4}"/>
               </a:ext>
             </a:extLst>
           </p:cNvPr>
@@ -10434,7 +10419,7 @@
           <p:cNvPr id="171" name="Прямоугольник 170">
             <a:extLst>
               <a:ext uri="{FF2B5EF4-FFF2-40B4-BE49-F238E27FC236}">
-                <a16:creationId xmlns:a16="http://schemas.microsoft.com/office/drawing/2014/main" id="{7F78B5E7-887C-411A-B36D-1F94FB6CBB50}"/>
+                <a16:creationId xmlns:a16="http://schemas.microsoft.com/office/drawing/2014/main" xmlns="" id="{7F78B5E7-887C-411A-B36D-1F94FB6CBB50}"/>
               </a:ext>
             </a:extLst>
           </p:cNvPr>
@@ -10729,7 +10714,7 @@
           <p:cNvPr id="159" name="Прямоугольник 158">
             <a:extLst>
               <a:ext uri="{FF2B5EF4-FFF2-40B4-BE49-F238E27FC236}">
-                <a16:creationId xmlns:a16="http://schemas.microsoft.com/office/drawing/2014/main" id="{F58DDB0D-9379-4609-9AFC-C95DC2652ADD}"/>
+                <a16:creationId xmlns:a16="http://schemas.microsoft.com/office/drawing/2014/main" xmlns="" id="{F58DDB0D-9379-4609-9AFC-C95DC2652ADD}"/>
               </a:ext>
             </a:extLst>
           </p:cNvPr>
@@ -10864,7 +10849,7 @@
           <p:cNvPr id="167" name="Прямоугольник 166">
             <a:extLst>
               <a:ext uri="{FF2B5EF4-FFF2-40B4-BE49-F238E27FC236}">
-                <a16:creationId xmlns:a16="http://schemas.microsoft.com/office/drawing/2014/main" id="{41F12621-CDA4-4BAC-A0F5-91C9E8E1CC23}"/>
+                <a16:creationId xmlns:a16="http://schemas.microsoft.com/office/drawing/2014/main" xmlns="" id="{41F12621-CDA4-4BAC-A0F5-91C9E8E1CC23}"/>
               </a:ext>
             </a:extLst>
           </p:cNvPr>
@@ -10999,7 +10984,7 @@
           <p:cNvPr id="181" name="Прямоугольник 180">
             <a:extLst>
               <a:ext uri="{FF2B5EF4-FFF2-40B4-BE49-F238E27FC236}">
-                <a16:creationId xmlns:a16="http://schemas.microsoft.com/office/drawing/2014/main" id="{3A749979-2D3C-460C-8BBB-A6FDFEC222A8}"/>
+                <a16:creationId xmlns:a16="http://schemas.microsoft.com/office/drawing/2014/main" xmlns="" id="{3A749979-2D3C-460C-8BBB-A6FDFEC222A8}"/>
               </a:ext>
             </a:extLst>
           </p:cNvPr>
@@ -11067,7 +11052,7 @@
           <p:cNvPr id="162" name="Соединительная линия уступом 175">
             <a:extLst>
               <a:ext uri="{FF2B5EF4-FFF2-40B4-BE49-F238E27FC236}">
-                <a16:creationId xmlns:a16="http://schemas.microsoft.com/office/drawing/2014/main" id="{A17EDA92-3134-4C9C-900C-B040D6FB3FC1}"/>
+                <a16:creationId xmlns:a16="http://schemas.microsoft.com/office/drawing/2014/main" xmlns="" id="{A17EDA92-3134-4C9C-900C-B040D6FB3FC1}"/>
               </a:ext>
             </a:extLst>
           </p:cNvPr>
@@ -11112,7 +11097,7 @@
           <p:cNvPr id="193" name="Соединительная линия уступом 175">
             <a:extLst>
               <a:ext uri="{FF2B5EF4-FFF2-40B4-BE49-F238E27FC236}">
-                <a16:creationId xmlns:a16="http://schemas.microsoft.com/office/drawing/2014/main" id="{8D09C9BF-66B2-46DE-AB93-A44355AD51C3}"/>
+                <a16:creationId xmlns:a16="http://schemas.microsoft.com/office/drawing/2014/main" xmlns="" id="{8D09C9BF-66B2-46DE-AB93-A44355AD51C3}"/>
               </a:ext>
             </a:extLst>
           </p:cNvPr>
@@ -11157,7 +11142,7 @@
           <p:cNvPr id="194" name="Прямая со стрелкой 193">
             <a:extLst>
               <a:ext uri="{FF2B5EF4-FFF2-40B4-BE49-F238E27FC236}">
-                <a16:creationId xmlns:a16="http://schemas.microsoft.com/office/drawing/2014/main" id="{B71715EB-7CCA-4466-A3CA-883CB2098A7E}"/>
+                <a16:creationId xmlns:a16="http://schemas.microsoft.com/office/drawing/2014/main" xmlns="" id="{B71715EB-7CCA-4466-A3CA-883CB2098A7E}"/>
               </a:ext>
             </a:extLst>
           </p:cNvPr>
@@ -11200,7 +11185,7 @@
           <p:cNvPr id="195" name="Соединительная линия уступом 175">
             <a:extLst>
               <a:ext uri="{FF2B5EF4-FFF2-40B4-BE49-F238E27FC236}">
-                <a16:creationId xmlns:a16="http://schemas.microsoft.com/office/drawing/2014/main" id="{962D0293-33CE-4234-B28D-EE8984C231FA}"/>
+                <a16:creationId xmlns:a16="http://schemas.microsoft.com/office/drawing/2014/main" xmlns="" id="{962D0293-33CE-4234-B28D-EE8984C231FA}"/>
               </a:ext>
             </a:extLst>
           </p:cNvPr>
@@ -11245,7 +11230,7 @@
           <p:cNvPr id="197" name="Прямая со стрелкой 196">
             <a:extLst>
               <a:ext uri="{FF2B5EF4-FFF2-40B4-BE49-F238E27FC236}">
-                <a16:creationId xmlns:a16="http://schemas.microsoft.com/office/drawing/2014/main" id="{082AC64B-C5AA-4EFF-B24A-59F8FA6DB71C}"/>
+                <a16:creationId xmlns:a16="http://schemas.microsoft.com/office/drawing/2014/main" xmlns="" id="{082AC64B-C5AA-4EFF-B24A-59F8FA6DB71C}"/>
               </a:ext>
             </a:extLst>
           </p:cNvPr>
@@ -11288,7 +11273,7 @@
           <p:cNvPr id="198" name="Прямая со стрелкой 197">
             <a:extLst>
               <a:ext uri="{FF2B5EF4-FFF2-40B4-BE49-F238E27FC236}">
-                <a16:creationId xmlns:a16="http://schemas.microsoft.com/office/drawing/2014/main" id="{E4A7A246-F7EF-4790-A35B-513A579A61A5}"/>
+                <a16:creationId xmlns:a16="http://schemas.microsoft.com/office/drawing/2014/main" xmlns="" id="{E4A7A246-F7EF-4790-A35B-513A579A61A5}"/>
               </a:ext>
             </a:extLst>
           </p:cNvPr>
@@ -11331,7 +11316,7 @@
           <p:cNvPr id="199" name="Соединительная линия уступом 175">
             <a:extLst>
               <a:ext uri="{FF2B5EF4-FFF2-40B4-BE49-F238E27FC236}">
-                <a16:creationId xmlns:a16="http://schemas.microsoft.com/office/drawing/2014/main" id="{2D2DDFCB-B571-4E4D-81E1-DBE0064AF235}"/>
+                <a16:creationId xmlns:a16="http://schemas.microsoft.com/office/drawing/2014/main" xmlns="" id="{2D2DDFCB-B571-4E4D-81E1-DBE0064AF235}"/>
               </a:ext>
             </a:extLst>
           </p:cNvPr>
@@ -11376,7 +11361,7 @@
           <p:cNvPr id="200" name="Соединительная линия уступом 175">
             <a:extLst>
               <a:ext uri="{FF2B5EF4-FFF2-40B4-BE49-F238E27FC236}">
-                <a16:creationId xmlns:a16="http://schemas.microsoft.com/office/drawing/2014/main" id="{FE00F0FE-E4EF-4A2A-8C2D-7202EFCE999F}"/>
+                <a16:creationId xmlns:a16="http://schemas.microsoft.com/office/drawing/2014/main" xmlns="" id="{FE00F0FE-E4EF-4A2A-8C2D-7202EFCE999F}"/>
               </a:ext>
             </a:extLst>
           </p:cNvPr>
@@ -11421,7 +11406,7 @@
           <p:cNvPr id="202" name="Соединительная линия уступом 175">
             <a:extLst>
               <a:ext uri="{FF2B5EF4-FFF2-40B4-BE49-F238E27FC236}">
-                <a16:creationId xmlns:a16="http://schemas.microsoft.com/office/drawing/2014/main" id="{F415FF90-187C-4268-B601-EF2D6AC5D6A7}"/>
+                <a16:creationId xmlns:a16="http://schemas.microsoft.com/office/drawing/2014/main" xmlns="" id="{F415FF90-187C-4268-B601-EF2D6AC5D6A7}"/>
               </a:ext>
             </a:extLst>
           </p:cNvPr>
@@ -11466,7 +11451,7 @@
           <p:cNvPr id="203" name="Соединительная линия уступом 175">
             <a:extLst>
               <a:ext uri="{FF2B5EF4-FFF2-40B4-BE49-F238E27FC236}">
-                <a16:creationId xmlns:a16="http://schemas.microsoft.com/office/drawing/2014/main" id="{0CD8030A-096E-4599-85F3-D392F82380E8}"/>
+                <a16:creationId xmlns:a16="http://schemas.microsoft.com/office/drawing/2014/main" xmlns="" id="{0CD8030A-096E-4599-85F3-D392F82380E8}"/>
               </a:ext>
             </a:extLst>
           </p:cNvPr>
@@ -11511,7 +11496,7 @@
           <p:cNvPr id="205" name="Соединительная линия уступом 175">
             <a:extLst>
               <a:ext uri="{FF2B5EF4-FFF2-40B4-BE49-F238E27FC236}">
-                <a16:creationId xmlns:a16="http://schemas.microsoft.com/office/drawing/2014/main" id="{8F64074F-3A63-40CD-87E3-FDF077A26359}"/>
+                <a16:creationId xmlns:a16="http://schemas.microsoft.com/office/drawing/2014/main" xmlns="" id="{8F64074F-3A63-40CD-87E3-FDF077A26359}"/>
               </a:ext>
             </a:extLst>
           </p:cNvPr>
@@ -11556,7 +11541,7 @@
           <p:cNvPr id="209" name="Соединительная линия уступом 175">
             <a:extLst>
               <a:ext uri="{FF2B5EF4-FFF2-40B4-BE49-F238E27FC236}">
-                <a16:creationId xmlns:a16="http://schemas.microsoft.com/office/drawing/2014/main" id="{4C7CA055-2024-4B84-BC09-8B3312C29ED4}"/>
+                <a16:creationId xmlns:a16="http://schemas.microsoft.com/office/drawing/2014/main" xmlns="" id="{4C7CA055-2024-4B84-BC09-8B3312C29ED4}"/>
               </a:ext>
             </a:extLst>
           </p:cNvPr>
@@ -11601,7 +11586,7 @@
           <p:cNvPr id="173" name="Прямоугольник 172">
             <a:extLst>
               <a:ext uri="{FF2B5EF4-FFF2-40B4-BE49-F238E27FC236}">
-                <a16:creationId xmlns:a16="http://schemas.microsoft.com/office/drawing/2014/main" id="{EFF0095C-5C12-43DF-B013-3D165460711F}"/>
+                <a16:creationId xmlns:a16="http://schemas.microsoft.com/office/drawing/2014/main" xmlns="" id="{EFF0095C-5C12-43DF-B013-3D165460711F}"/>
               </a:ext>
             </a:extLst>
           </p:cNvPr>
@@ -11660,7 +11645,7 @@
           <p:cNvPr id="176" name="Прямоугольник 175">
             <a:extLst>
               <a:ext uri="{FF2B5EF4-FFF2-40B4-BE49-F238E27FC236}">
-                <a16:creationId xmlns:a16="http://schemas.microsoft.com/office/drawing/2014/main" id="{51FE9903-C81C-48D0-9AB8-A7C3AC542B91}"/>
+                <a16:creationId xmlns:a16="http://schemas.microsoft.com/office/drawing/2014/main" xmlns="" id="{51FE9903-C81C-48D0-9AB8-A7C3AC542B91}"/>
               </a:ext>
             </a:extLst>
           </p:cNvPr>
@@ -11711,7 +11696,7 @@
           <p:cNvPr id="214" name="Соединительная линия уступом 175">
             <a:extLst>
               <a:ext uri="{FF2B5EF4-FFF2-40B4-BE49-F238E27FC236}">
-                <a16:creationId xmlns:a16="http://schemas.microsoft.com/office/drawing/2014/main" id="{2BE99D97-470B-4813-A666-DEA258BD2B51}"/>
+                <a16:creationId xmlns:a16="http://schemas.microsoft.com/office/drawing/2014/main" xmlns="" id="{2BE99D97-470B-4813-A666-DEA258BD2B51}"/>
               </a:ext>
             </a:extLst>
           </p:cNvPr>
@@ -11756,7 +11741,7 @@
           <p:cNvPr id="216" name="Прямая со стрелкой 215">
             <a:extLst>
               <a:ext uri="{FF2B5EF4-FFF2-40B4-BE49-F238E27FC236}">
-                <a16:creationId xmlns:a16="http://schemas.microsoft.com/office/drawing/2014/main" id="{809AD7A9-1197-4E60-9BDA-8DBDE4B75DB9}"/>
+                <a16:creationId xmlns:a16="http://schemas.microsoft.com/office/drawing/2014/main" xmlns="" id="{809AD7A9-1197-4E60-9BDA-8DBDE4B75DB9}"/>
               </a:ext>
             </a:extLst>
           </p:cNvPr>
@@ -11799,7 +11784,7 @@
           <p:cNvPr id="217" name="Прямоугольник 216">
             <a:extLst>
               <a:ext uri="{FF2B5EF4-FFF2-40B4-BE49-F238E27FC236}">
-                <a16:creationId xmlns:a16="http://schemas.microsoft.com/office/drawing/2014/main" id="{E50D9AB9-B9A6-45C0-922A-43AB35AEB09C}"/>
+                <a16:creationId xmlns:a16="http://schemas.microsoft.com/office/drawing/2014/main" xmlns="" id="{E50D9AB9-B9A6-45C0-922A-43AB35AEB09C}"/>
               </a:ext>
             </a:extLst>
           </p:cNvPr>
@@ -11850,7 +11835,7 @@
           <p:cNvPr id="218" name="Прямоугольник 217">
             <a:extLst>
               <a:ext uri="{FF2B5EF4-FFF2-40B4-BE49-F238E27FC236}">
-                <a16:creationId xmlns:a16="http://schemas.microsoft.com/office/drawing/2014/main" id="{2B57547D-CC38-441A-9FFE-4742D4413365}"/>
+                <a16:creationId xmlns:a16="http://schemas.microsoft.com/office/drawing/2014/main" xmlns="" id="{2B57547D-CC38-441A-9FFE-4742D4413365}"/>
               </a:ext>
             </a:extLst>
           </p:cNvPr>
@@ -11914,7 +11899,7 @@
           <p:cNvPr id="215" name="Прямоугольник 214">
             <a:extLst>
               <a:ext uri="{FF2B5EF4-FFF2-40B4-BE49-F238E27FC236}">
-                <a16:creationId xmlns:a16="http://schemas.microsoft.com/office/drawing/2014/main" id="{932A2BE5-9DF3-4131-AC7D-211D67CAFF81}"/>
+                <a16:creationId xmlns:a16="http://schemas.microsoft.com/office/drawing/2014/main" xmlns="" id="{932A2BE5-9DF3-4131-AC7D-211D67CAFF81}"/>
               </a:ext>
             </a:extLst>
           </p:cNvPr>
@@ -12042,7 +12027,7 @@
           <p:cNvPr id="219" name="Прямоугольник 218">
             <a:extLst>
               <a:ext uri="{FF2B5EF4-FFF2-40B4-BE49-F238E27FC236}">
-                <a16:creationId xmlns:a16="http://schemas.microsoft.com/office/drawing/2014/main" id="{6E45A04C-CFE8-44B1-B6F4-B3A6031C2A2D}"/>
+                <a16:creationId xmlns:a16="http://schemas.microsoft.com/office/drawing/2014/main" xmlns="" id="{6E45A04C-CFE8-44B1-B6F4-B3A6031C2A2D}"/>
               </a:ext>
             </a:extLst>
           </p:cNvPr>
@@ -12093,7 +12078,7 @@
           <p:cNvPr id="220" name="Прямоугольник 219">
             <a:extLst>
               <a:ext uri="{FF2B5EF4-FFF2-40B4-BE49-F238E27FC236}">
-                <a16:creationId xmlns:a16="http://schemas.microsoft.com/office/drawing/2014/main" id="{76082F14-C0CE-420C-A798-475458A61B6C}"/>
+                <a16:creationId xmlns:a16="http://schemas.microsoft.com/office/drawing/2014/main" xmlns="" id="{76082F14-C0CE-420C-A798-475458A61B6C}"/>
               </a:ext>
             </a:extLst>
           </p:cNvPr>
@@ -12148,7 +12133,7 @@
           <p:cNvPr id="222" name="Прямоугольник 221">
             <a:extLst>
               <a:ext uri="{FF2B5EF4-FFF2-40B4-BE49-F238E27FC236}">
-                <a16:creationId xmlns:a16="http://schemas.microsoft.com/office/drawing/2014/main" id="{7A24FE44-DC0F-4F03-A7DD-522822F7DE5C}"/>
+                <a16:creationId xmlns:a16="http://schemas.microsoft.com/office/drawing/2014/main" xmlns="" id="{7A24FE44-DC0F-4F03-A7DD-522822F7DE5C}"/>
               </a:ext>
             </a:extLst>
           </p:cNvPr>
@@ -12204,7 +12189,7 @@
           <p:cNvPr id="223" name="Прямоугольник 222">
             <a:extLst>
               <a:ext uri="{FF2B5EF4-FFF2-40B4-BE49-F238E27FC236}">
-                <a16:creationId xmlns:a16="http://schemas.microsoft.com/office/drawing/2014/main" id="{0ED96DE1-7D3B-443D-9E2B-BA53432970F3}"/>
+                <a16:creationId xmlns:a16="http://schemas.microsoft.com/office/drawing/2014/main" xmlns="" id="{0ED96DE1-7D3B-443D-9E2B-BA53432970F3}"/>
               </a:ext>
             </a:extLst>
           </p:cNvPr>
@@ -12255,7 +12240,7 @@
           <p:cNvPr id="225" name="Прямоугольник 224">
             <a:extLst>
               <a:ext uri="{FF2B5EF4-FFF2-40B4-BE49-F238E27FC236}">
-                <a16:creationId xmlns:a16="http://schemas.microsoft.com/office/drawing/2014/main" id="{8CEF4C01-E565-4A49-849F-7D1EFF3E617C}"/>
+                <a16:creationId xmlns:a16="http://schemas.microsoft.com/office/drawing/2014/main" xmlns="" id="{8CEF4C01-E565-4A49-849F-7D1EFF3E617C}"/>
               </a:ext>
             </a:extLst>
           </p:cNvPr>
@@ -12327,7 +12312,7 @@
           <p:cNvPr id="226" name="Прямоугольник 225">
             <a:extLst>
               <a:ext uri="{FF2B5EF4-FFF2-40B4-BE49-F238E27FC236}">
-                <a16:creationId xmlns:a16="http://schemas.microsoft.com/office/drawing/2014/main" id="{CDC80F7A-0A23-4DED-8B3C-116A0EDDE628}"/>
+                <a16:creationId xmlns:a16="http://schemas.microsoft.com/office/drawing/2014/main" xmlns="" id="{CDC80F7A-0A23-4DED-8B3C-116A0EDDE628}"/>
               </a:ext>
             </a:extLst>
           </p:cNvPr>
@@ -12415,7 +12400,7 @@
           <p:cNvPr id="228" name="Прямоугольник 227">
             <a:extLst>
               <a:ext uri="{FF2B5EF4-FFF2-40B4-BE49-F238E27FC236}">
-                <a16:creationId xmlns:a16="http://schemas.microsoft.com/office/drawing/2014/main" id="{8466996F-D00A-4524-BB7C-40EB55937948}"/>
+                <a16:creationId xmlns:a16="http://schemas.microsoft.com/office/drawing/2014/main" xmlns="" id="{8466996F-D00A-4524-BB7C-40EB55937948}"/>
               </a:ext>
             </a:extLst>
           </p:cNvPr>
@@ -12471,7 +12456,7 @@
           <p:cNvPr id="229" name="Прямоугольник 228">
             <a:extLst>
               <a:ext uri="{FF2B5EF4-FFF2-40B4-BE49-F238E27FC236}">
-                <a16:creationId xmlns:a16="http://schemas.microsoft.com/office/drawing/2014/main" id="{A5171FC1-3957-48C7-8A18-AE335D0D3217}"/>
+                <a16:creationId xmlns:a16="http://schemas.microsoft.com/office/drawing/2014/main" xmlns="" id="{A5171FC1-3957-48C7-8A18-AE335D0D3217}"/>
               </a:ext>
             </a:extLst>
           </p:cNvPr>
@@ -12586,7 +12571,7 @@
           <p:cNvPr id="231" name="Прямоугольник 230">
             <a:extLst>
               <a:ext uri="{FF2B5EF4-FFF2-40B4-BE49-F238E27FC236}">
-                <a16:creationId xmlns:a16="http://schemas.microsoft.com/office/drawing/2014/main" id="{C74010CE-732B-47B8-98BA-B932D18F5C5F}"/>
+                <a16:creationId xmlns:a16="http://schemas.microsoft.com/office/drawing/2014/main" xmlns="" id="{C74010CE-732B-47B8-98BA-B932D18F5C5F}"/>
               </a:ext>
             </a:extLst>
           </p:cNvPr>
@@ -12658,7 +12643,7 @@
           <p:cNvPr id="234" name="Прямоугольник 233">
             <a:extLst>
               <a:ext uri="{FF2B5EF4-FFF2-40B4-BE49-F238E27FC236}">
-                <a16:creationId xmlns:a16="http://schemas.microsoft.com/office/drawing/2014/main" id="{B9287FA6-5748-4050-A09B-F86ACADD40C6}"/>
+                <a16:creationId xmlns:a16="http://schemas.microsoft.com/office/drawing/2014/main" xmlns="" id="{B9287FA6-5748-4050-A09B-F86ACADD40C6}"/>
               </a:ext>
             </a:extLst>
           </p:cNvPr>
@@ -12709,7 +12694,7 @@
           <p:cNvPr id="235" name="Прямоугольник 234">
             <a:extLst>
               <a:ext uri="{FF2B5EF4-FFF2-40B4-BE49-F238E27FC236}">
-                <a16:creationId xmlns:a16="http://schemas.microsoft.com/office/drawing/2014/main" id="{AF154FD1-A631-4908-A376-BD74A6EAB4BF}"/>
+                <a16:creationId xmlns:a16="http://schemas.microsoft.com/office/drawing/2014/main" xmlns="" id="{AF154FD1-A631-4908-A376-BD74A6EAB4BF}"/>
               </a:ext>
             </a:extLst>
           </p:cNvPr>
@@ -12760,7 +12745,7 @@
           <p:cNvPr id="237" name="Прямоугольник 236">
             <a:extLst>
               <a:ext uri="{FF2B5EF4-FFF2-40B4-BE49-F238E27FC236}">
-                <a16:creationId xmlns:a16="http://schemas.microsoft.com/office/drawing/2014/main" id="{6F8111E7-1B25-4AA9-8608-4460F1F39721}"/>
+                <a16:creationId xmlns:a16="http://schemas.microsoft.com/office/drawing/2014/main" xmlns="" id="{6F8111E7-1B25-4AA9-8608-4460F1F39721}"/>
               </a:ext>
             </a:extLst>
           </p:cNvPr>
@@ -12811,7 +12796,7 @@
           <p:cNvPr id="238" name="Прямоугольник 237">
             <a:extLst>
               <a:ext uri="{FF2B5EF4-FFF2-40B4-BE49-F238E27FC236}">
-                <a16:creationId xmlns:a16="http://schemas.microsoft.com/office/drawing/2014/main" id="{57D01D21-9C92-4D5D-912D-78EABFD4B423}"/>
+                <a16:creationId xmlns:a16="http://schemas.microsoft.com/office/drawing/2014/main" xmlns="" id="{57D01D21-9C92-4D5D-912D-78EABFD4B423}"/>
               </a:ext>
             </a:extLst>
           </p:cNvPr>
@@ -12950,7 +12935,7 @@
           <p:cNvPr id="240" name="Прямоугольник 239">
             <a:extLst>
               <a:ext uri="{FF2B5EF4-FFF2-40B4-BE49-F238E27FC236}">
-                <a16:creationId xmlns:a16="http://schemas.microsoft.com/office/drawing/2014/main" id="{5D946F78-13AF-4E5D-821E-15E9D1C480EA}"/>
+                <a16:creationId xmlns:a16="http://schemas.microsoft.com/office/drawing/2014/main" xmlns="" id="{5D946F78-13AF-4E5D-821E-15E9D1C480EA}"/>
               </a:ext>
             </a:extLst>
           </p:cNvPr>
@@ -13021,7 +13006,7 @@
           <p:cNvPr id="241" name="Прямоугольник 240">
             <a:extLst>
               <a:ext uri="{FF2B5EF4-FFF2-40B4-BE49-F238E27FC236}">
-                <a16:creationId xmlns:a16="http://schemas.microsoft.com/office/drawing/2014/main" id="{69D105F8-06E8-4874-9CC0-A720AA16198A}"/>
+                <a16:creationId xmlns:a16="http://schemas.microsoft.com/office/drawing/2014/main" xmlns="" id="{69D105F8-06E8-4874-9CC0-A720AA16198A}"/>
               </a:ext>
             </a:extLst>
           </p:cNvPr>
@@ -13352,7 +13337,7 @@
           <p:cNvPr id="244" name="Прямоугольник 243">
             <a:extLst>
               <a:ext uri="{FF2B5EF4-FFF2-40B4-BE49-F238E27FC236}">
-                <a16:creationId xmlns:a16="http://schemas.microsoft.com/office/drawing/2014/main" id="{95AA2346-0E45-4468-8883-5330558C313E}"/>
+                <a16:creationId xmlns:a16="http://schemas.microsoft.com/office/drawing/2014/main" xmlns="" id="{95AA2346-0E45-4468-8883-5330558C313E}"/>
               </a:ext>
             </a:extLst>
           </p:cNvPr>
@@ -13424,7 +13409,7 @@
           <p:cNvPr id="246" name="Прямоугольник 245">
             <a:extLst>
               <a:ext uri="{FF2B5EF4-FFF2-40B4-BE49-F238E27FC236}">
-                <a16:creationId xmlns:a16="http://schemas.microsoft.com/office/drawing/2014/main" id="{9F945B49-C665-4AC7-8517-A044FF611794}"/>
+                <a16:creationId xmlns:a16="http://schemas.microsoft.com/office/drawing/2014/main" xmlns="" id="{9F945B49-C665-4AC7-8517-A044FF611794}"/>
               </a:ext>
             </a:extLst>
           </p:cNvPr>
@@ -13504,7 +13489,7 @@
           <p:cNvPr id="247" name="Прямая соединительная линия 246">
             <a:extLst>
               <a:ext uri="{FF2B5EF4-FFF2-40B4-BE49-F238E27FC236}">
-                <a16:creationId xmlns:a16="http://schemas.microsoft.com/office/drawing/2014/main" id="{E0FFD5EF-7102-4D85-AB4D-4291057C2957}"/>
+                <a16:creationId xmlns:a16="http://schemas.microsoft.com/office/drawing/2014/main" xmlns="" id="{E0FFD5EF-7102-4D85-AB4D-4291057C2957}"/>
               </a:ext>
             </a:extLst>
           </p:cNvPr>
@@ -13549,7 +13534,7 @@
           <p:cNvPr id="249" name="Соединительная линия уступом 175">
             <a:extLst>
               <a:ext uri="{FF2B5EF4-FFF2-40B4-BE49-F238E27FC236}">
-                <a16:creationId xmlns:a16="http://schemas.microsoft.com/office/drawing/2014/main" id="{01009931-E780-446F-84B5-9F6C9B0475E8}"/>
+                <a16:creationId xmlns:a16="http://schemas.microsoft.com/office/drawing/2014/main" xmlns="" id="{01009931-E780-446F-84B5-9F6C9B0475E8}"/>
               </a:ext>
             </a:extLst>
           </p:cNvPr>
@@ -13594,7 +13579,7 @@
           <p:cNvPr id="250" name="Прямоугольник 249">
             <a:extLst>
               <a:ext uri="{FF2B5EF4-FFF2-40B4-BE49-F238E27FC236}">
-                <a16:creationId xmlns:a16="http://schemas.microsoft.com/office/drawing/2014/main" id="{220686B7-8761-4F89-88B6-854F7EFA2AF9}"/>
+                <a16:creationId xmlns:a16="http://schemas.microsoft.com/office/drawing/2014/main" xmlns="" id="{220686B7-8761-4F89-88B6-854F7EFA2AF9}"/>
               </a:ext>
             </a:extLst>
           </p:cNvPr>
@@ -13645,7 +13630,7 @@
           <p:cNvPr id="252" name="Соединительная линия уступом 175">
             <a:extLst>
               <a:ext uri="{FF2B5EF4-FFF2-40B4-BE49-F238E27FC236}">
-                <a16:creationId xmlns:a16="http://schemas.microsoft.com/office/drawing/2014/main" id="{20EA9B28-3AC8-4D59-9BA3-273AFDAAD20C}"/>
+                <a16:creationId xmlns:a16="http://schemas.microsoft.com/office/drawing/2014/main" xmlns="" id="{20EA9B28-3AC8-4D59-9BA3-273AFDAAD20C}"/>
               </a:ext>
             </a:extLst>
           </p:cNvPr>
@@ -13690,7 +13675,7 @@
           <p:cNvPr id="253" name="Соединительная линия уступом 175">
             <a:extLst>
               <a:ext uri="{FF2B5EF4-FFF2-40B4-BE49-F238E27FC236}">
-                <a16:creationId xmlns:a16="http://schemas.microsoft.com/office/drawing/2014/main" id="{7924330A-D611-47A6-BFB6-0BF0F3BEF0AC}"/>
+                <a16:creationId xmlns:a16="http://schemas.microsoft.com/office/drawing/2014/main" xmlns="" id="{7924330A-D611-47A6-BFB6-0BF0F3BEF0AC}"/>
               </a:ext>
             </a:extLst>
           </p:cNvPr>
@@ -13735,7 +13720,7 @@
           <p:cNvPr id="254" name="Соединительная линия уступом 175">
             <a:extLst>
               <a:ext uri="{FF2B5EF4-FFF2-40B4-BE49-F238E27FC236}">
-                <a16:creationId xmlns:a16="http://schemas.microsoft.com/office/drawing/2014/main" id="{0B36D4C6-890A-4DC6-AFC6-6DE050D12592}"/>
+                <a16:creationId xmlns:a16="http://schemas.microsoft.com/office/drawing/2014/main" xmlns="" id="{0B36D4C6-890A-4DC6-AFC6-6DE050D12592}"/>
               </a:ext>
             </a:extLst>
           </p:cNvPr>
@@ -13780,7 +13765,7 @@
           <p:cNvPr id="255" name="Соединительная линия уступом 175">
             <a:extLst>
               <a:ext uri="{FF2B5EF4-FFF2-40B4-BE49-F238E27FC236}">
-                <a16:creationId xmlns:a16="http://schemas.microsoft.com/office/drawing/2014/main" id="{D9AEF4CC-BAA8-4753-A8E8-076308EF0FFD}"/>
+                <a16:creationId xmlns:a16="http://schemas.microsoft.com/office/drawing/2014/main" xmlns="" id="{D9AEF4CC-BAA8-4753-A8E8-076308EF0FFD}"/>
               </a:ext>
             </a:extLst>
           </p:cNvPr>
@@ -13825,7 +13810,7 @@
           <p:cNvPr id="256" name="Соединительная линия уступом 175">
             <a:extLst>
               <a:ext uri="{FF2B5EF4-FFF2-40B4-BE49-F238E27FC236}">
-                <a16:creationId xmlns:a16="http://schemas.microsoft.com/office/drawing/2014/main" id="{DCB551DA-A5E6-4147-AA48-62F35CFDDDC2}"/>
+                <a16:creationId xmlns:a16="http://schemas.microsoft.com/office/drawing/2014/main" xmlns="" id="{DCB551DA-A5E6-4147-AA48-62F35CFDDDC2}"/>
               </a:ext>
             </a:extLst>
           </p:cNvPr>
@@ -13870,7 +13855,7 @@
           <p:cNvPr id="257" name="Соединительная линия уступом 175">
             <a:extLst>
               <a:ext uri="{FF2B5EF4-FFF2-40B4-BE49-F238E27FC236}">
-                <a16:creationId xmlns:a16="http://schemas.microsoft.com/office/drawing/2014/main" id="{9FB3ADA4-1D67-44E8-BBA1-794942AC9498}"/>
+                <a16:creationId xmlns:a16="http://schemas.microsoft.com/office/drawing/2014/main" xmlns="" id="{9FB3ADA4-1D67-44E8-BBA1-794942AC9498}"/>
               </a:ext>
             </a:extLst>
           </p:cNvPr>
@@ -13915,7 +13900,7 @@
           <p:cNvPr id="259" name="Соединительная линия уступом 175">
             <a:extLst>
               <a:ext uri="{FF2B5EF4-FFF2-40B4-BE49-F238E27FC236}">
-                <a16:creationId xmlns:a16="http://schemas.microsoft.com/office/drawing/2014/main" id="{566577A6-E287-42B1-9FC8-F4055CAC3A28}"/>
+                <a16:creationId xmlns:a16="http://schemas.microsoft.com/office/drawing/2014/main" xmlns="" id="{566577A6-E287-42B1-9FC8-F4055CAC3A28}"/>
               </a:ext>
             </a:extLst>
           </p:cNvPr>
@@ -13960,7 +13945,7 @@
           <p:cNvPr id="260" name="Соединительная линия уступом 175">
             <a:extLst>
               <a:ext uri="{FF2B5EF4-FFF2-40B4-BE49-F238E27FC236}">
-                <a16:creationId xmlns:a16="http://schemas.microsoft.com/office/drawing/2014/main" id="{156CF597-A463-4DD9-B4CF-F0C986BF695D}"/>
+                <a16:creationId xmlns:a16="http://schemas.microsoft.com/office/drawing/2014/main" xmlns="" id="{156CF597-A463-4DD9-B4CF-F0C986BF695D}"/>
               </a:ext>
             </a:extLst>
           </p:cNvPr>
@@ -14005,7 +13990,7 @@
           <p:cNvPr id="261" name="Соединительная линия уступом 175">
             <a:extLst>
               <a:ext uri="{FF2B5EF4-FFF2-40B4-BE49-F238E27FC236}">
-                <a16:creationId xmlns:a16="http://schemas.microsoft.com/office/drawing/2014/main" id="{8EFDF708-AFE4-4933-91A0-121A8207E179}"/>
+                <a16:creationId xmlns:a16="http://schemas.microsoft.com/office/drawing/2014/main" xmlns="" id="{8EFDF708-AFE4-4933-91A0-121A8207E179}"/>
               </a:ext>
             </a:extLst>
           </p:cNvPr>
@@ -14050,7 +14035,7 @@
           <p:cNvPr id="262" name="Прямая со стрелкой 261">
             <a:extLst>
               <a:ext uri="{FF2B5EF4-FFF2-40B4-BE49-F238E27FC236}">
-                <a16:creationId xmlns:a16="http://schemas.microsoft.com/office/drawing/2014/main" id="{18A3BD3D-2E3E-47A1-BB11-345C593A5420}"/>
+                <a16:creationId xmlns:a16="http://schemas.microsoft.com/office/drawing/2014/main" xmlns="" id="{18A3BD3D-2E3E-47A1-BB11-345C593A5420}"/>
               </a:ext>
             </a:extLst>
           </p:cNvPr>
@@ -14093,7 +14078,7 @@
           <p:cNvPr id="263" name="Прямая со стрелкой 262">
             <a:extLst>
               <a:ext uri="{FF2B5EF4-FFF2-40B4-BE49-F238E27FC236}">
-                <a16:creationId xmlns:a16="http://schemas.microsoft.com/office/drawing/2014/main" id="{AA2B5DCE-C3B5-45F7-ADEC-9B05B81579C2}"/>
+                <a16:creationId xmlns:a16="http://schemas.microsoft.com/office/drawing/2014/main" xmlns="" id="{AA2B5DCE-C3B5-45F7-ADEC-9B05B81579C2}"/>
               </a:ext>
             </a:extLst>
           </p:cNvPr>
@@ -14136,7 +14121,7 @@
           <p:cNvPr id="264" name="Прямоугольник 263">
             <a:extLst>
               <a:ext uri="{FF2B5EF4-FFF2-40B4-BE49-F238E27FC236}">
-                <a16:creationId xmlns:a16="http://schemas.microsoft.com/office/drawing/2014/main" id="{11942CB1-6AFD-47BB-885A-53F73A2B146F}"/>
+                <a16:creationId xmlns:a16="http://schemas.microsoft.com/office/drawing/2014/main" xmlns="" id="{11942CB1-6AFD-47BB-885A-53F73A2B146F}"/>
               </a:ext>
             </a:extLst>
           </p:cNvPr>
@@ -14247,7 +14232,7 @@
           <p:cNvPr id="266" name="Соединительная линия уступом 175">
             <a:extLst>
               <a:ext uri="{FF2B5EF4-FFF2-40B4-BE49-F238E27FC236}">
-                <a16:creationId xmlns:a16="http://schemas.microsoft.com/office/drawing/2014/main" id="{78C5CE49-F0E9-4E12-9A87-12ADA0EA3D1E}"/>
+                <a16:creationId xmlns:a16="http://schemas.microsoft.com/office/drawing/2014/main" xmlns="" id="{78C5CE49-F0E9-4E12-9A87-12ADA0EA3D1E}"/>
               </a:ext>
             </a:extLst>
           </p:cNvPr>
@@ -14292,7 +14277,7 @@
           <p:cNvPr id="267" name="Прямоугольник 266">
             <a:extLst>
               <a:ext uri="{FF2B5EF4-FFF2-40B4-BE49-F238E27FC236}">
-                <a16:creationId xmlns:a16="http://schemas.microsoft.com/office/drawing/2014/main" id="{3C32AE53-0A20-43D5-8ACB-AA49CE44F175}"/>
+                <a16:creationId xmlns:a16="http://schemas.microsoft.com/office/drawing/2014/main" xmlns="" id="{3C32AE53-0A20-43D5-8ACB-AA49CE44F175}"/>
               </a:ext>
             </a:extLst>
           </p:cNvPr>
@@ -14356,7 +14341,7 @@
           <p:cNvPr id="268" name="Прямоугольник 267">
             <a:extLst>
               <a:ext uri="{FF2B5EF4-FFF2-40B4-BE49-F238E27FC236}">
-                <a16:creationId xmlns:a16="http://schemas.microsoft.com/office/drawing/2014/main" id="{31235653-E8BF-44EC-91BA-D7BCCD4F3B70}"/>
+                <a16:creationId xmlns:a16="http://schemas.microsoft.com/office/drawing/2014/main" xmlns="" id="{31235653-E8BF-44EC-91BA-D7BCCD4F3B70}"/>
               </a:ext>
             </a:extLst>
           </p:cNvPr>
@@ -14407,7 +14392,7 @@
           <p:cNvPr id="269" name="Соединительная линия уступом 175">
             <a:extLst>
               <a:ext uri="{FF2B5EF4-FFF2-40B4-BE49-F238E27FC236}">
-                <a16:creationId xmlns:a16="http://schemas.microsoft.com/office/drawing/2014/main" id="{55E9B037-8981-4C44-9DED-B0680AE42F80}"/>
+                <a16:creationId xmlns:a16="http://schemas.microsoft.com/office/drawing/2014/main" xmlns="" id="{55E9B037-8981-4C44-9DED-B0680AE42F80}"/>
               </a:ext>
             </a:extLst>
           </p:cNvPr>
@@ -14452,7 +14437,7 @@
           <p:cNvPr id="270" name="Прямая со стрелкой 269">
             <a:extLst>
               <a:ext uri="{FF2B5EF4-FFF2-40B4-BE49-F238E27FC236}">
-                <a16:creationId xmlns:a16="http://schemas.microsoft.com/office/drawing/2014/main" id="{4D59B643-0E7C-4E46-A74F-39CD0CDA0273}"/>
+                <a16:creationId xmlns:a16="http://schemas.microsoft.com/office/drawing/2014/main" xmlns="" id="{4D59B643-0E7C-4E46-A74F-39CD0CDA0273}"/>
               </a:ext>
             </a:extLst>
           </p:cNvPr>
@@ -14495,7 +14480,7 @@
           <p:cNvPr id="271" name="Прямоугольник 270">
             <a:extLst>
               <a:ext uri="{FF2B5EF4-FFF2-40B4-BE49-F238E27FC236}">
-                <a16:creationId xmlns:a16="http://schemas.microsoft.com/office/drawing/2014/main" id="{ED76512D-DF90-441C-9B4E-50AD2BC01776}"/>
+                <a16:creationId xmlns:a16="http://schemas.microsoft.com/office/drawing/2014/main" xmlns="" id="{ED76512D-DF90-441C-9B4E-50AD2BC01776}"/>
               </a:ext>
             </a:extLst>
           </p:cNvPr>
@@ -14567,7 +14552,7 @@
           <p:cNvPr id="272" name="Соединительная линия уступом 175">
             <a:extLst>
               <a:ext uri="{FF2B5EF4-FFF2-40B4-BE49-F238E27FC236}">
-                <a16:creationId xmlns:a16="http://schemas.microsoft.com/office/drawing/2014/main" id="{D8D4B369-D557-4808-9C50-F527A393CAAF}"/>
+                <a16:creationId xmlns:a16="http://schemas.microsoft.com/office/drawing/2014/main" xmlns="" id="{D8D4B369-D557-4808-9C50-F527A393CAAF}"/>
               </a:ext>
             </a:extLst>
           </p:cNvPr>
@@ -14612,7 +14597,7 @@
           <p:cNvPr id="273" name="Прямоугольник 272">
             <a:extLst>
               <a:ext uri="{FF2B5EF4-FFF2-40B4-BE49-F238E27FC236}">
-                <a16:creationId xmlns:a16="http://schemas.microsoft.com/office/drawing/2014/main" id="{5DBD3CC3-56B7-43B0-B75E-CCB520915EEB}"/>
+                <a16:creationId xmlns:a16="http://schemas.microsoft.com/office/drawing/2014/main" xmlns="" id="{5DBD3CC3-56B7-43B0-B75E-CCB520915EEB}"/>
               </a:ext>
             </a:extLst>
           </p:cNvPr>
@@ -14658,6 +14643,10 @@
             <a:r>
               <a:rPr lang="ru-RU" sz="600" dirty="0"/>
               <a:t> подчеркнул всемирное значение русской революции:</a:t>
+            </a:r>
+            <a:r>
+              <a:rPr lang="ru-RU" sz="100" dirty="0"/>
+              <a:t/>
             </a:r>
             <a:br>
               <a:rPr lang="ru-RU" sz="100" dirty="0"/>
@@ -14675,7 +14664,7 @@
           <p:cNvPr id="258" name="Прямоугольник 257">
             <a:extLst>
               <a:ext uri="{FF2B5EF4-FFF2-40B4-BE49-F238E27FC236}">
-                <a16:creationId xmlns:a16="http://schemas.microsoft.com/office/drawing/2014/main" id="{8CE32021-A14C-4A8F-B8AE-7B6E05598AAA}"/>
+                <a16:creationId xmlns:a16="http://schemas.microsoft.com/office/drawing/2014/main" xmlns="" id="{8CE32021-A14C-4A8F-B8AE-7B6E05598AAA}"/>
               </a:ext>
             </a:extLst>
           </p:cNvPr>
@@ -14726,7 +14715,7 @@
           <p:cNvPr id="265" name="Прямая со стрелкой 264">
             <a:extLst>
               <a:ext uri="{FF2B5EF4-FFF2-40B4-BE49-F238E27FC236}">
-                <a16:creationId xmlns:a16="http://schemas.microsoft.com/office/drawing/2014/main" id="{48A67696-AF72-427C-8A7C-14137E729AAC}"/>
+                <a16:creationId xmlns:a16="http://schemas.microsoft.com/office/drawing/2014/main" xmlns="" id="{48A67696-AF72-427C-8A7C-14137E729AAC}"/>
               </a:ext>
             </a:extLst>
           </p:cNvPr>
@@ -14769,7 +14758,7 @@
           <p:cNvPr id="274" name="Прямоугольник 273">
             <a:extLst>
               <a:ext uri="{FF2B5EF4-FFF2-40B4-BE49-F238E27FC236}">
-                <a16:creationId xmlns:a16="http://schemas.microsoft.com/office/drawing/2014/main" id="{5D1E1E5F-FCA0-45CF-A25C-A85FEE1B72D2}"/>
+                <a16:creationId xmlns:a16="http://schemas.microsoft.com/office/drawing/2014/main" xmlns="" id="{5D1E1E5F-FCA0-45CF-A25C-A85FEE1B72D2}"/>
               </a:ext>
             </a:extLst>
           </p:cNvPr>
@@ -14828,7 +14817,7 @@
           <p:cNvPr id="275" name="Соединительная линия уступом 175">
             <a:extLst>
               <a:ext uri="{FF2B5EF4-FFF2-40B4-BE49-F238E27FC236}">
-                <a16:creationId xmlns:a16="http://schemas.microsoft.com/office/drawing/2014/main" id="{97D1A5C1-207F-432A-A844-830341D9BA10}"/>
+                <a16:creationId xmlns:a16="http://schemas.microsoft.com/office/drawing/2014/main" xmlns="" id="{97D1A5C1-207F-432A-A844-830341D9BA10}"/>
               </a:ext>
             </a:extLst>
           </p:cNvPr>
@@ -14873,7 +14862,7 @@
           <p:cNvPr id="276" name="Соединительная линия уступом 175">
             <a:extLst>
               <a:ext uri="{FF2B5EF4-FFF2-40B4-BE49-F238E27FC236}">
-                <a16:creationId xmlns:a16="http://schemas.microsoft.com/office/drawing/2014/main" id="{01598FEA-CB9E-4EEF-88DB-068A0A31815C}"/>
+                <a16:creationId xmlns:a16="http://schemas.microsoft.com/office/drawing/2014/main" xmlns="" id="{01598FEA-CB9E-4EEF-88DB-068A0A31815C}"/>
               </a:ext>
             </a:extLst>
           </p:cNvPr>
@@ -14918,7 +14907,7 @@
           <p:cNvPr id="277" name="Прямоугольник 276">
             <a:extLst>
               <a:ext uri="{FF2B5EF4-FFF2-40B4-BE49-F238E27FC236}">
-                <a16:creationId xmlns:a16="http://schemas.microsoft.com/office/drawing/2014/main" id="{B86A586B-4F9A-4916-8217-F57208117953}"/>
+                <a16:creationId xmlns:a16="http://schemas.microsoft.com/office/drawing/2014/main" xmlns="" id="{B86A586B-4F9A-4916-8217-F57208117953}"/>
               </a:ext>
             </a:extLst>
           </p:cNvPr>
@@ -14986,7 +14975,7 @@
           <p:cNvPr id="279" name="Прямоугольник 278">
             <a:extLst>
               <a:ext uri="{FF2B5EF4-FFF2-40B4-BE49-F238E27FC236}">
-                <a16:creationId xmlns:a16="http://schemas.microsoft.com/office/drawing/2014/main" id="{0C4694C5-749F-402D-A951-85810A1B5385}"/>
+                <a16:creationId xmlns:a16="http://schemas.microsoft.com/office/drawing/2014/main" xmlns="" id="{0C4694C5-749F-402D-A951-85810A1B5385}"/>
               </a:ext>
             </a:extLst>
           </p:cNvPr>
@@ -15042,7 +15031,7 @@
           <p:cNvPr id="281" name="Прямоугольник 280">
             <a:extLst>
               <a:ext uri="{FF2B5EF4-FFF2-40B4-BE49-F238E27FC236}">
-                <a16:creationId xmlns:a16="http://schemas.microsoft.com/office/drawing/2014/main" id="{96A31DCE-39B9-453E-9F02-5B01DA781995}"/>
+                <a16:creationId xmlns:a16="http://schemas.microsoft.com/office/drawing/2014/main" xmlns="" id="{96A31DCE-39B9-453E-9F02-5B01DA781995}"/>
               </a:ext>
             </a:extLst>
           </p:cNvPr>
@@ -15098,7 +15087,7 @@
           <p:cNvPr id="282" name="Прямая соединительная линия 281">
             <a:extLst>
               <a:ext uri="{FF2B5EF4-FFF2-40B4-BE49-F238E27FC236}">
-                <a16:creationId xmlns:a16="http://schemas.microsoft.com/office/drawing/2014/main" id="{A901927B-EBD2-4598-9632-24B7F69C3EDE}"/>
+                <a16:creationId xmlns:a16="http://schemas.microsoft.com/office/drawing/2014/main" xmlns="" id="{A901927B-EBD2-4598-9632-24B7F69C3EDE}"/>
               </a:ext>
             </a:extLst>
           </p:cNvPr>
@@ -15143,7 +15132,7 @@
           <p:cNvPr id="283" name="Соединительная линия уступом 175">
             <a:extLst>
               <a:ext uri="{FF2B5EF4-FFF2-40B4-BE49-F238E27FC236}">
-                <a16:creationId xmlns:a16="http://schemas.microsoft.com/office/drawing/2014/main" id="{5641AF67-CD83-4B56-BF93-4C176D04FF4D}"/>
+                <a16:creationId xmlns:a16="http://schemas.microsoft.com/office/drawing/2014/main" xmlns="" id="{5641AF67-CD83-4B56-BF93-4C176D04FF4D}"/>
               </a:ext>
             </a:extLst>
           </p:cNvPr>
@@ -15189,7 +15178,7 @@
           <p:cNvPr id="284" name="Соединительная линия уступом 175">
             <a:extLst>
               <a:ext uri="{FF2B5EF4-FFF2-40B4-BE49-F238E27FC236}">
-                <a16:creationId xmlns:a16="http://schemas.microsoft.com/office/drawing/2014/main" id="{C0BF80A7-5374-4D59-8DC7-C03A2415EB6A}"/>
+                <a16:creationId xmlns:a16="http://schemas.microsoft.com/office/drawing/2014/main" xmlns="" id="{C0BF80A7-5374-4D59-8DC7-C03A2415EB6A}"/>
               </a:ext>
             </a:extLst>
           </p:cNvPr>
@@ -15235,7 +15224,7 @@
           <p:cNvPr id="285" name="Соединительная линия уступом 175">
             <a:extLst>
               <a:ext uri="{FF2B5EF4-FFF2-40B4-BE49-F238E27FC236}">
-                <a16:creationId xmlns:a16="http://schemas.microsoft.com/office/drawing/2014/main" id="{C4CA4000-C9A8-4EF7-975A-AFD8B1671C65}"/>
+                <a16:creationId xmlns:a16="http://schemas.microsoft.com/office/drawing/2014/main" xmlns="" id="{C4CA4000-C9A8-4EF7-975A-AFD8B1671C65}"/>
               </a:ext>
             </a:extLst>
           </p:cNvPr>
@@ -15281,7 +15270,7 @@
           <p:cNvPr id="286" name="Соединительная линия уступом 175">
             <a:extLst>
               <a:ext uri="{FF2B5EF4-FFF2-40B4-BE49-F238E27FC236}">
-                <a16:creationId xmlns:a16="http://schemas.microsoft.com/office/drawing/2014/main" id="{B736EE64-0BA9-4EA9-A0A5-C6F4012EB554}"/>
+                <a16:creationId xmlns:a16="http://schemas.microsoft.com/office/drawing/2014/main" xmlns="" id="{B736EE64-0BA9-4EA9-A0A5-C6F4012EB554}"/>
               </a:ext>
             </a:extLst>
           </p:cNvPr>
@@ -15327,7 +15316,7 @@
           <p:cNvPr id="289" name="Прямоугольник 288">
             <a:extLst>
               <a:ext uri="{FF2B5EF4-FFF2-40B4-BE49-F238E27FC236}">
-                <a16:creationId xmlns:a16="http://schemas.microsoft.com/office/drawing/2014/main" id="{A98FC12A-9364-42ED-A04F-AE2FDE4D1EB1}"/>
+                <a16:creationId xmlns:a16="http://schemas.microsoft.com/office/drawing/2014/main" xmlns="" id="{A98FC12A-9364-42ED-A04F-AE2FDE4D1EB1}"/>
               </a:ext>
             </a:extLst>
           </p:cNvPr>
@@ -15521,7 +15510,7 @@
           <p:cNvPr id="290" name="Прямоугольник 289">
             <a:extLst>
               <a:ext uri="{FF2B5EF4-FFF2-40B4-BE49-F238E27FC236}">
-                <a16:creationId xmlns:a16="http://schemas.microsoft.com/office/drawing/2014/main" id="{41F99281-0E58-4EED-9F65-7053DED82811}"/>
+                <a16:creationId xmlns:a16="http://schemas.microsoft.com/office/drawing/2014/main" xmlns="" id="{41F99281-0E58-4EED-9F65-7053DED82811}"/>
               </a:ext>
             </a:extLst>
           </p:cNvPr>
@@ -15687,7 +15676,7 @@
           <p:cNvPr id="292" name="Прямоугольник 291">
             <a:extLst>
               <a:ext uri="{FF2B5EF4-FFF2-40B4-BE49-F238E27FC236}">
-                <a16:creationId xmlns:a16="http://schemas.microsoft.com/office/drawing/2014/main" id="{FD2FD090-F8B9-469A-A122-D9BEE9E3E9DA}"/>
+                <a16:creationId xmlns:a16="http://schemas.microsoft.com/office/drawing/2014/main" xmlns="" id="{FD2FD090-F8B9-469A-A122-D9BEE9E3E9DA}"/>
               </a:ext>
             </a:extLst>
           </p:cNvPr>
@@ -15746,7 +15735,7 @@
           <p:cNvPr id="293" name="Прямоугольник 292">
             <a:extLst>
               <a:ext uri="{FF2B5EF4-FFF2-40B4-BE49-F238E27FC236}">
-                <a16:creationId xmlns:a16="http://schemas.microsoft.com/office/drawing/2014/main" id="{9ACE45BC-584E-4646-8304-CA0940F6F0F3}"/>
+                <a16:creationId xmlns:a16="http://schemas.microsoft.com/office/drawing/2014/main" xmlns="" id="{9ACE45BC-584E-4646-8304-CA0940F6F0F3}"/>
               </a:ext>
             </a:extLst>
           </p:cNvPr>
@@ -15862,7 +15851,7 @@
           <p:cNvPr id="294" name="Прямоугольник 293">
             <a:extLst>
               <a:ext uri="{FF2B5EF4-FFF2-40B4-BE49-F238E27FC236}">
-                <a16:creationId xmlns:a16="http://schemas.microsoft.com/office/drawing/2014/main" id="{319BEC0C-414B-45F4-8C35-57446DEFE30B}"/>
+                <a16:creationId xmlns:a16="http://schemas.microsoft.com/office/drawing/2014/main" xmlns="" id="{319BEC0C-414B-45F4-8C35-57446DEFE30B}"/>
               </a:ext>
             </a:extLst>
           </p:cNvPr>
@@ -15918,7 +15907,7 @@
           <p:cNvPr id="295" name="Прямоугольник 294">
             <a:extLst>
               <a:ext uri="{FF2B5EF4-FFF2-40B4-BE49-F238E27FC236}">
-                <a16:creationId xmlns:a16="http://schemas.microsoft.com/office/drawing/2014/main" id="{53A84056-65C4-432C-96EC-26E032F1287F}"/>
+                <a16:creationId xmlns:a16="http://schemas.microsoft.com/office/drawing/2014/main" xmlns="" id="{53A84056-65C4-432C-96EC-26E032F1287F}"/>
               </a:ext>
             </a:extLst>
           </p:cNvPr>
@@ -15984,7 +15973,7 @@
           <p:cNvPr id="296" name="Прямоугольник 295">
             <a:extLst>
               <a:ext uri="{FF2B5EF4-FFF2-40B4-BE49-F238E27FC236}">
-                <a16:creationId xmlns:a16="http://schemas.microsoft.com/office/drawing/2014/main" id="{D2852B51-92B4-4B2D-9023-CD739175E45A}"/>
+                <a16:creationId xmlns:a16="http://schemas.microsoft.com/office/drawing/2014/main" xmlns="" id="{D2852B51-92B4-4B2D-9023-CD739175E45A}"/>
               </a:ext>
             </a:extLst>
           </p:cNvPr>
@@ -16236,7 +16225,7 @@
           <p:cNvPr id="297" name="Прямоугольник 296">
             <a:extLst>
               <a:ext uri="{FF2B5EF4-FFF2-40B4-BE49-F238E27FC236}">
-                <a16:creationId xmlns:a16="http://schemas.microsoft.com/office/drawing/2014/main" id="{57B620A3-529A-4019-9F9E-A5A4695F4D4F}"/>
+                <a16:creationId xmlns:a16="http://schemas.microsoft.com/office/drawing/2014/main" xmlns="" id="{57B620A3-529A-4019-9F9E-A5A4695F4D4F}"/>
               </a:ext>
             </a:extLst>
           </p:cNvPr>
@@ -16300,7 +16289,7 @@
           <p:cNvPr id="298" name="Прямая соединительная линия 297">
             <a:extLst>
               <a:ext uri="{FF2B5EF4-FFF2-40B4-BE49-F238E27FC236}">
-                <a16:creationId xmlns:a16="http://schemas.microsoft.com/office/drawing/2014/main" id="{CC9B1AD9-FF0E-47B4-A9AD-6ABFCF54A2C9}"/>
+                <a16:creationId xmlns:a16="http://schemas.microsoft.com/office/drawing/2014/main" xmlns="" id="{CC9B1AD9-FF0E-47B4-A9AD-6ABFCF54A2C9}"/>
               </a:ext>
             </a:extLst>
           </p:cNvPr>
@@ -16345,7 +16334,7 @@
           <p:cNvPr id="299" name="Прямая со стрелкой 298">
             <a:extLst>
               <a:ext uri="{FF2B5EF4-FFF2-40B4-BE49-F238E27FC236}">
-                <a16:creationId xmlns:a16="http://schemas.microsoft.com/office/drawing/2014/main" id="{3850F45C-FF73-430F-9FA4-45FAE8CD445A}"/>
+                <a16:creationId xmlns:a16="http://schemas.microsoft.com/office/drawing/2014/main" xmlns="" id="{3850F45C-FF73-430F-9FA4-45FAE8CD445A}"/>
               </a:ext>
             </a:extLst>
           </p:cNvPr>
@@ -16388,7 +16377,7 @@
           <p:cNvPr id="305" name="Прямоугольник 304">
             <a:extLst>
               <a:ext uri="{FF2B5EF4-FFF2-40B4-BE49-F238E27FC236}">
-                <a16:creationId xmlns:a16="http://schemas.microsoft.com/office/drawing/2014/main" id="{1C51722E-DFBB-47C4-B43B-CDD46E7402D0}"/>
+                <a16:creationId xmlns:a16="http://schemas.microsoft.com/office/drawing/2014/main" xmlns="" id="{1C51722E-DFBB-47C4-B43B-CDD46E7402D0}"/>
               </a:ext>
             </a:extLst>
           </p:cNvPr>
@@ -16516,7 +16505,7 @@
           <p:cNvPr id="306" name="Соединительная линия уступом 175">
             <a:extLst>
               <a:ext uri="{FF2B5EF4-FFF2-40B4-BE49-F238E27FC236}">
-                <a16:creationId xmlns:a16="http://schemas.microsoft.com/office/drawing/2014/main" id="{BD84A41E-54B0-476E-81CC-CF802B4F12DC}"/>
+                <a16:creationId xmlns:a16="http://schemas.microsoft.com/office/drawing/2014/main" xmlns="" id="{BD84A41E-54B0-476E-81CC-CF802B4F12DC}"/>
               </a:ext>
             </a:extLst>
           </p:cNvPr>
@@ -16562,7 +16551,7 @@
           <p:cNvPr id="310" name="Соединительная линия уступом 175">
             <a:extLst>
               <a:ext uri="{FF2B5EF4-FFF2-40B4-BE49-F238E27FC236}">
-                <a16:creationId xmlns:a16="http://schemas.microsoft.com/office/drawing/2014/main" id="{2C5CD2A0-A9F5-4204-B6A9-BBC906BC7F11}"/>
+                <a16:creationId xmlns:a16="http://schemas.microsoft.com/office/drawing/2014/main" xmlns="" id="{2C5CD2A0-A9F5-4204-B6A9-BBC906BC7F11}"/>
               </a:ext>
             </a:extLst>
           </p:cNvPr>
@@ -16608,7 +16597,7 @@
           <p:cNvPr id="314" name="Соединительная линия уступом 175">
             <a:extLst>
               <a:ext uri="{FF2B5EF4-FFF2-40B4-BE49-F238E27FC236}">
-                <a16:creationId xmlns:a16="http://schemas.microsoft.com/office/drawing/2014/main" id="{0BBC7EC6-A675-4EB1-A800-FE7ADDB7F2DD}"/>
+                <a16:creationId xmlns:a16="http://schemas.microsoft.com/office/drawing/2014/main" xmlns="" id="{0BBC7EC6-A675-4EB1-A800-FE7ADDB7F2DD}"/>
               </a:ext>
             </a:extLst>
           </p:cNvPr>
@@ -16653,7 +16642,7 @@
           <p:cNvPr id="317" name="Соединительная линия уступом 175">
             <a:extLst>
               <a:ext uri="{FF2B5EF4-FFF2-40B4-BE49-F238E27FC236}">
-                <a16:creationId xmlns:a16="http://schemas.microsoft.com/office/drawing/2014/main" id="{7F18A57D-31FC-44EB-A078-A1A8689AEA69}"/>
+                <a16:creationId xmlns:a16="http://schemas.microsoft.com/office/drawing/2014/main" xmlns="" id="{7F18A57D-31FC-44EB-A078-A1A8689AEA69}"/>
               </a:ext>
             </a:extLst>
           </p:cNvPr>
@@ -16699,7 +16688,7 @@
           <p:cNvPr id="320" name="Соединительная линия уступом 175">
             <a:extLst>
               <a:ext uri="{FF2B5EF4-FFF2-40B4-BE49-F238E27FC236}">
-                <a16:creationId xmlns:a16="http://schemas.microsoft.com/office/drawing/2014/main" id="{13945B1E-E908-4C50-88AA-B0044029FB3C}"/>
+                <a16:creationId xmlns:a16="http://schemas.microsoft.com/office/drawing/2014/main" xmlns="" id="{13945B1E-E908-4C50-88AA-B0044029FB3C}"/>
               </a:ext>
             </a:extLst>
           </p:cNvPr>
@@ -16745,7 +16734,7 @@
           <p:cNvPr id="332" name="Прямоугольник 331">
             <a:extLst>
               <a:ext uri="{FF2B5EF4-FFF2-40B4-BE49-F238E27FC236}">
-                <a16:creationId xmlns:a16="http://schemas.microsoft.com/office/drawing/2014/main" id="{8F0FF5D0-B0EE-4970-961F-7390DD0FB8F4}"/>
+                <a16:creationId xmlns:a16="http://schemas.microsoft.com/office/drawing/2014/main" xmlns="" id="{8F0FF5D0-B0EE-4970-961F-7390DD0FB8F4}"/>
               </a:ext>
             </a:extLst>
           </p:cNvPr>
@@ -16819,7 +16808,7 @@
           <p:cNvPr id="335" name="Соединительная линия уступом 175">
             <a:extLst>
               <a:ext uri="{FF2B5EF4-FFF2-40B4-BE49-F238E27FC236}">
-                <a16:creationId xmlns:a16="http://schemas.microsoft.com/office/drawing/2014/main" id="{E4CFBE39-C213-4C2E-B1D7-C3C394522351}"/>
+                <a16:creationId xmlns:a16="http://schemas.microsoft.com/office/drawing/2014/main" xmlns="" id="{E4CFBE39-C213-4C2E-B1D7-C3C394522351}"/>
               </a:ext>
             </a:extLst>
           </p:cNvPr>
@@ -16864,7 +16853,7 @@
           <p:cNvPr id="338" name="Прямая соединительная линия 337">
             <a:extLst>
               <a:ext uri="{FF2B5EF4-FFF2-40B4-BE49-F238E27FC236}">
-                <a16:creationId xmlns:a16="http://schemas.microsoft.com/office/drawing/2014/main" id="{99BDF598-CF90-47BB-9D27-01B165BCDDE0}"/>
+                <a16:creationId xmlns:a16="http://schemas.microsoft.com/office/drawing/2014/main" xmlns="" id="{99BDF598-CF90-47BB-9D27-01B165BCDDE0}"/>
               </a:ext>
             </a:extLst>
           </p:cNvPr>
@@ -16909,7 +16898,7 @@
           <p:cNvPr id="341" name="Соединительная линия уступом 175">
             <a:extLst>
               <a:ext uri="{FF2B5EF4-FFF2-40B4-BE49-F238E27FC236}">
-                <a16:creationId xmlns:a16="http://schemas.microsoft.com/office/drawing/2014/main" id="{BA5D00AA-272F-444A-840D-DFF99FA60D57}"/>
+                <a16:creationId xmlns:a16="http://schemas.microsoft.com/office/drawing/2014/main" xmlns="" id="{BA5D00AA-272F-444A-840D-DFF99FA60D57}"/>
               </a:ext>
             </a:extLst>
           </p:cNvPr>
@@ -16954,7 +16943,7 @@
           <p:cNvPr id="351" name="Соединительная линия уступом 175">
             <a:extLst>
               <a:ext uri="{FF2B5EF4-FFF2-40B4-BE49-F238E27FC236}">
-                <a16:creationId xmlns:a16="http://schemas.microsoft.com/office/drawing/2014/main" id="{0B2526B9-2FD1-4C7F-9A1B-D4D2FE8B7C72}"/>
+                <a16:creationId xmlns:a16="http://schemas.microsoft.com/office/drawing/2014/main" xmlns="" id="{0B2526B9-2FD1-4C7F-9A1B-D4D2FE8B7C72}"/>
               </a:ext>
             </a:extLst>
           </p:cNvPr>
@@ -17000,7 +16989,7 @@
           <p:cNvPr id="354" name="Соединительная линия уступом 175">
             <a:extLst>
               <a:ext uri="{FF2B5EF4-FFF2-40B4-BE49-F238E27FC236}">
-                <a16:creationId xmlns:a16="http://schemas.microsoft.com/office/drawing/2014/main" id="{1363849F-E0C3-421F-9D88-68EA16D8AFC4}"/>
+                <a16:creationId xmlns:a16="http://schemas.microsoft.com/office/drawing/2014/main" xmlns="" id="{1363849F-E0C3-421F-9D88-68EA16D8AFC4}"/>
               </a:ext>
             </a:extLst>
           </p:cNvPr>
@@ -17046,7 +17035,7 @@
           <p:cNvPr id="357" name="Соединительная линия уступом 175">
             <a:extLst>
               <a:ext uri="{FF2B5EF4-FFF2-40B4-BE49-F238E27FC236}">
-                <a16:creationId xmlns:a16="http://schemas.microsoft.com/office/drawing/2014/main" id="{D01429FC-CE80-4996-A684-B17824DAB48E}"/>
+                <a16:creationId xmlns:a16="http://schemas.microsoft.com/office/drawing/2014/main" xmlns="" id="{D01429FC-CE80-4996-A684-B17824DAB48E}"/>
               </a:ext>
             </a:extLst>
           </p:cNvPr>
@@ -17092,7 +17081,7 @@
           <p:cNvPr id="361" name="Соединительная линия уступом 175">
             <a:extLst>
               <a:ext uri="{FF2B5EF4-FFF2-40B4-BE49-F238E27FC236}">
-                <a16:creationId xmlns:a16="http://schemas.microsoft.com/office/drawing/2014/main" id="{0E18121D-DF93-40C7-B0CE-8D64DCA1F4B4}"/>
+                <a16:creationId xmlns:a16="http://schemas.microsoft.com/office/drawing/2014/main" xmlns="" id="{0E18121D-DF93-40C7-B0CE-8D64DCA1F4B4}"/>
               </a:ext>
             </a:extLst>
           </p:cNvPr>
@@ -17138,7 +17127,7 @@
           <p:cNvPr id="364" name="Соединительная линия уступом 175">
             <a:extLst>
               <a:ext uri="{FF2B5EF4-FFF2-40B4-BE49-F238E27FC236}">
-                <a16:creationId xmlns:a16="http://schemas.microsoft.com/office/drawing/2014/main" id="{38C62C2E-4A61-4182-961F-4B62E9B7B877}"/>
+                <a16:creationId xmlns:a16="http://schemas.microsoft.com/office/drawing/2014/main" xmlns="" id="{38C62C2E-4A61-4182-961F-4B62E9B7B877}"/>
               </a:ext>
             </a:extLst>
           </p:cNvPr>
@@ -17183,7 +17172,7 @@
           <p:cNvPr id="367" name="Соединительная линия уступом 175">
             <a:extLst>
               <a:ext uri="{FF2B5EF4-FFF2-40B4-BE49-F238E27FC236}">
-                <a16:creationId xmlns:a16="http://schemas.microsoft.com/office/drawing/2014/main" id="{18696A58-4F8F-4035-BF94-6BB86515181D}"/>
+                <a16:creationId xmlns:a16="http://schemas.microsoft.com/office/drawing/2014/main" xmlns="" id="{18696A58-4F8F-4035-BF94-6BB86515181D}"/>
               </a:ext>
             </a:extLst>
           </p:cNvPr>
@@ -17228,7 +17217,7 @@
           <p:cNvPr id="376" name="Прямоугольник 375">
             <a:extLst>
               <a:ext uri="{FF2B5EF4-FFF2-40B4-BE49-F238E27FC236}">
-                <a16:creationId xmlns:a16="http://schemas.microsoft.com/office/drawing/2014/main" id="{3115E210-8BC8-4A2F-8460-925EB7F9EB57}"/>
+                <a16:creationId xmlns:a16="http://schemas.microsoft.com/office/drawing/2014/main" xmlns="" id="{3115E210-8BC8-4A2F-8460-925EB7F9EB57}"/>
               </a:ext>
             </a:extLst>
           </p:cNvPr>
@@ -17279,7 +17268,7 @@
           <p:cNvPr id="377" name="Прямоугольник 376">
             <a:extLst>
               <a:ext uri="{FF2B5EF4-FFF2-40B4-BE49-F238E27FC236}">
-                <a16:creationId xmlns:a16="http://schemas.microsoft.com/office/drawing/2014/main" id="{E6D7CE8B-341A-4273-A00F-4C09E1226349}"/>
+                <a16:creationId xmlns:a16="http://schemas.microsoft.com/office/drawing/2014/main" xmlns="" id="{E6D7CE8B-341A-4273-A00F-4C09E1226349}"/>
               </a:ext>
             </a:extLst>
           </p:cNvPr>
@@ -17330,7 +17319,7 @@
           <p:cNvPr id="380" name="Прямоугольник 379">
             <a:extLst>
               <a:ext uri="{FF2B5EF4-FFF2-40B4-BE49-F238E27FC236}">
-                <a16:creationId xmlns:a16="http://schemas.microsoft.com/office/drawing/2014/main" id="{C3578026-37F7-4361-A528-E7E2C06E903A}"/>
+                <a16:creationId xmlns:a16="http://schemas.microsoft.com/office/drawing/2014/main" xmlns="" id="{C3578026-37F7-4361-A528-E7E2C06E903A}"/>
               </a:ext>
             </a:extLst>
           </p:cNvPr>
@@ -17381,7 +17370,7 @@
           <p:cNvPr id="381" name="Прямая со стрелкой 380">
             <a:extLst>
               <a:ext uri="{FF2B5EF4-FFF2-40B4-BE49-F238E27FC236}">
-                <a16:creationId xmlns:a16="http://schemas.microsoft.com/office/drawing/2014/main" id="{0AE2A160-168F-4801-95FE-29AF83F6F576}"/>
+                <a16:creationId xmlns:a16="http://schemas.microsoft.com/office/drawing/2014/main" xmlns="" id="{0AE2A160-168F-4801-95FE-29AF83F6F576}"/>
               </a:ext>
             </a:extLst>
           </p:cNvPr>
@@ -17424,7 +17413,7 @@
           <p:cNvPr id="384" name="Прямоугольник 383">
             <a:extLst>
               <a:ext uri="{FF2B5EF4-FFF2-40B4-BE49-F238E27FC236}">
-                <a16:creationId xmlns:a16="http://schemas.microsoft.com/office/drawing/2014/main" id="{C2EC02FA-C4DD-4552-B706-2C4E31FE729A}"/>
+                <a16:creationId xmlns:a16="http://schemas.microsoft.com/office/drawing/2014/main" xmlns="" id="{C2EC02FA-C4DD-4552-B706-2C4E31FE729A}"/>
               </a:ext>
             </a:extLst>
           </p:cNvPr>
@@ -17475,7 +17464,7 @@
           <p:cNvPr id="385" name="Прямая со стрелкой 384">
             <a:extLst>
               <a:ext uri="{FF2B5EF4-FFF2-40B4-BE49-F238E27FC236}">
-                <a16:creationId xmlns:a16="http://schemas.microsoft.com/office/drawing/2014/main" id="{71792DA2-EA28-476C-98DE-57A51A1CAB84}"/>
+                <a16:creationId xmlns:a16="http://schemas.microsoft.com/office/drawing/2014/main" xmlns="" id="{71792DA2-EA28-476C-98DE-57A51A1CAB84}"/>
               </a:ext>
             </a:extLst>
           </p:cNvPr>
@@ -17518,7 +17507,7 @@
           <p:cNvPr id="388" name="Соединительная линия уступом 175">
             <a:extLst>
               <a:ext uri="{FF2B5EF4-FFF2-40B4-BE49-F238E27FC236}">
-                <a16:creationId xmlns:a16="http://schemas.microsoft.com/office/drawing/2014/main" id="{5D3AA5B2-9D9A-4BD6-BE2B-709C08EED07F}"/>
+                <a16:creationId xmlns:a16="http://schemas.microsoft.com/office/drawing/2014/main" xmlns="" id="{5D3AA5B2-9D9A-4BD6-BE2B-709C08EED07F}"/>
               </a:ext>
             </a:extLst>
           </p:cNvPr>
@@ -17564,7 +17553,7 @@
           <p:cNvPr id="392" name="Соединительная линия уступом 175">
             <a:extLst>
               <a:ext uri="{FF2B5EF4-FFF2-40B4-BE49-F238E27FC236}">
-                <a16:creationId xmlns:a16="http://schemas.microsoft.com/office/drawing/2014/main" id="{734FDF37-F3DE-4897-B5E5-2286F0528DD7}"/>
+                <a16:creationId xmlns:a16="http://schemas.microsoft.com/office/drawing/2014/main" xmlns="" id="{734FDF37-F3DE-4897-B5E5-2286F0528DD7}"/>
               </a:ext>
             </a:extLst>
           </p:cNvPr>
@@ -17610,7 +17599,7 @@
           <p:cNvPr id="397" name="Соединительная линия уступом 175">
             <a:extLst>
               <a:ext uri="{FF2B5EF4-FFF2-40B4-BE49-F238E27FC236}">
-                <a16:creationId xmlns:a16="http://schemas.microsoft.com/office/drawing/2014/main" id="{E5140E8F-D2E8-4B8D-9EC8-8EF6D884842A}"/>
+                <a16:creationId xmlns:a16="http://schemas.microsoft.com/office/drawing/2014/main" xmlns="" id="{E5140E8F-D2E8-4B8D-9EC8-8EF6D884842A}"/>
               </a:ext>
             </a:extLst>
           </p:cNvPr>
@@ -17655,7 +17644,7 @@
           <p:cNvPr id="418" name="Прямоугольник 417">
             <a:extLst>
               <a:ext uri="{FF2B5EF4-FFF2-40B4-BE49-F238E27FC236}">
-                <a16:creationId xmlns:a16="http://schemas.microsoft.com/office/drawing/2014/main" id="{659A6771-E1B1-48E0-9C63-D5DE39B7E6E6}"/>
+                <a16:creationId xmlns:a16="http://schemas.microsoft.com/office/drawing/2014/main" xmlns="" id="{659A6771-E1B1-48E0-9C63-D5DE39B7E6E6}"/>
               </a:ext>
             </a:extLst>
           </p:cNvPr>
@@ -17706,7 +17695,7 @@
           <p:cNvPr id="419" name="Прямая со стрелкой 418">
             <a:extLst>
               <a:ext uri="{FF2B5EF4-FFF2-40B4-BE49-F238E27FC236}">
-                <a16:creationId xmlns:a16="http://schemas.microsoft.com/office/drawing/2014/main" id="{A983B692-8BE6-4383-B867-3A1F6FDB9A73}"/>
+                <a16:creationId xmlns:a16="http://schemas.microsoft.com/office/drawing/2014/main" xmlns="" id="{A983B692-8BE6-4383-B867-3A1F6FDB9A73}"/>
               </a:ext>
             </a:extLst>
           </p:cNvPr>
@@ -17749,7 +17738,7 @@
           <p:cNvPr id="424" name="Прямоугольник 423">
             <a:extLst>
               <a:ext uri="{FF2B5EF4-FFF2-40B4-BE49-F238E27FC236}">
-                <a16:creationId xmlns:a16="http://schemas.microsoft.com/office/drawing/2014/main" id="{F2D8BDB2-013B-48BE-83D8-8C6DF63CEA4C}"/>
+                <a16:creationId xmlns:a16="http://schemas.microsoft.com/office/drawing/2014/main" xmlns="" id="{F2D8BDB2-013B-48BE-83D8-8C6DF63CEA4C}"/>
               </a:ext>
             </a:extLst>
           </p:cNvPr>
@@ -17852,7 +17841,7 @@
           <p:cNvPr id="428" name="Прямоугольник 427">
             <a:extLst>
               <a:ext uri="{FF2B5EF4-FFF2-40B4-BE49-F238E27FC236}">
-                <a16:creationId xmlns:a16="http://schemas.microsoft.com/office/drawing/2014/main" id="{6DDECEB3-7003-4CEF-83C4-70E78E2443FB}"/>
+                <a16:creationId xmlns:a16="http://schemas.microsoft.com/office/drawing/2014/main" xmlns="" id="{6DDECEB3-7003-4CEF-83C4-70E78E2443FB}"/>
               </a:ext>
             </a:extLst>
           </p:cNvPr>
@@ -17903,7 +17892,7 @@
           <p:cNvPr id="280" name="Соединительная линия уступом 175">
             <a:extLst>
               <a:ext uri="{FF2B5EF4-FFF2-40B4-BE49-F238E27FC236}">
-                <a16:creationId xmlns:a16="http://schemas.microsoft.com/office/drawing/2014/main" id="{0C7DED72-73B9-4414-820D-FD24F5796777}"/>
+                <a16:creationId xmlns:a16="http://schemas.microsoft.com/office/drawing/2014/main" xmlns="" id="{0C7DED72-73B9-4414-820D-FD24F5796777}"/>
               </a:ext>
             </a:extLst>
           </p:cNvPr>
@@ -17948,7 +17937,7 @@
           <p:cNvPr id="291" name="Прямоугольник 290">
             <a:extLst>
               <a:ext uri="{FF2B5EF4-FFF2-40B4-BE49-F238E27FC236}">
-                <a16:creationId xmlns:a16="http://schemas.microsoft.com/office/drawing/2014/main" id="{18B91EFF-5674-4F4F-AF9C-7CF403BFA59D}"/>
+                <a16:creationId xmlns:a16="http://schemas.microsoft.com/office/drawing/2014/main" xmlns="" id="{18B91EFF-5674-4F4F-AF9C-7CF403BFA59D}"/>
               </a:ext>
             </a:extLst>
           </p:cNvPr>
@@ -18006,7 +17995,7 @@
           <p:cNvPr id="300" name="Соединительная линия уступом 175">
             <a:extLst>
               <a:ext uri="{FF2B5EF4-FFF2-40B4-BE49-F238E27FC236}">
-                <a16:creationId xmlns:a16="http://schemas.microsoft.com/office/drawing/2014/main" id="{7B1D8291-4F22-44B6-B62B-8352BAF72F4C}"/>
+                <a16:creationId xmlns:a16="http://schemas.microsoft.com/office/drawing/2014/main" xmlns="" id="{7B1D8291-4F22-44B6-B62B-8352BAF72F4C}"/>
               </a:ext>
             </a:extLst>
           </p:cNvPr>
@@ -18051,7 +18040,7 @@
           <p:cNvPr id="301" name="Прямоугольник 300">
             <a:extLst>
               <a:ext uri="{FF2B5EF4-FFF2-40B4-BE49-F238E27FC236}">
-                <a16:creationId xmlns:a16="http://schemas.microsoft.com/office/drawing/2014/main" id="{5DB6C462-9699-4D6F-98CA-6CD534D9A99E}"/>
+                <a16:creationId xmlns:a16="http://schemas.microsoft.com/office/drawing/2014/main" xmlns="" id="{5DB6C462-9699-4D6F-98CA-6CD534D9A99E}"/>
               </a:ext>
             </a:extLst>
           </p:cNvPr>
@@ -18109,7 +18098,7 @@
           <p:cNvPr id="302" name="Соединительная линия уступом 175">
             <a:extLst>
               <a:ext uri="{FF2B5EF4-FFF2-40B4-BE49-F238E27FC236}">
-                <a16:creationId xmlns:a16="http://schemas.microsoft.com/office/drawing/2014/main" id="{F8B06A08-CF56-4B93-B797-F8E95E17295C}"/>
+                <a16:creationId xmlns:a16="http://schemas.microsoft.com/office/drawing/2014/main" xmlns="" id="{F8B06A08-CF56-4B93-B797-F8E95E17295C}"/>
               </a:ext>
             </a:extLst>
           </p:cNvPr>
@@ -18154,7 +18143,7 @@
           <p:cNvPr id="303" name="Прямоугольник 302">
             <a:extLst>
               <a:ext uri="{FF2B5EF4-FFF2-40B4-BE49-F238E27FC236}">
-                <a16:creationId xmlns:a16="http://schemas.microsoft.com/office/drawing/2014/main" id="{82F38B76-2330-4716-AC4B-5B3A9715D59B}"/>
+                <a16:creationId xmlns:a16="http://schemas.microsoft.com/office/drawing/2014/main" xmlns="" id="{82F38B76-2330-4716-AC4B-5B3A9715D59B}"/>
               </a:ext>
             </a:extLst>
           </p:cNvPr>
@@ -18212,7 +18201,7 @@
           <p:cNvPr id="304" name="Прямоугольник 303">
             <a:extLst>
               <a:ext uri="{FF2B5EF4-FFF2-40B4-BE49-F238E27FC236}">
-                <a16:creationId xmlns:a16="http://schemas.microsoft.com/office/drawing/2014/main" id="{AE0A9FFD-CE9E-472D-A37F-07BAFF91E61E}"/>
+                <a16:creationId xmlns:a16="http://schemas.microsoft.com/office/drawing/2014/main" xmlns="" id="{AE0A9FFD-CE9E-472D-A37F-07BAFF91E61E}"/>
               </a:ext>
             </a:extLst>
           </p:cNvPr>
@@ -18315,7 +18304,7 @@
           <p:cNvPr id="307" name="Прямоугольник 306">
             <a:extLst>
               <a:ext uri="{FF2B5EF4-FFF2-40B4-BE49-F238E27FC236}">
-                <a16:creationId xmlns:a16="http://schemas.microsoft.com/office/drawing/2014/main" id="{15A6F6E3-E97B-4101-AFFE-662224727B20}"/>
+                <a16:creationId xmlns:a16="http://schemas.microsoft.com/office/drawing/2014/main" xmlns="" id="{15A6F6E3-E97B-4101-AFFE-662224727B20}"/>
               </a:ext>
             </a:extLst>
           </p:cNvPr>
@@ -18373,7 +18362,7 @@
           <p:cNvPr id="308" name="Соединительная линия уступом 175">
             <a:extLst>
               <a:ext uri="{FF2B5EF4-FFF2-40B4-BE49-F238E27FC236}">
-                <a16:creationId xmlns:a16="http://schemas.microsoft.com/office/drawing/2014/main" id="{CD9470F2-AC01-4265-8622-220D634008FF}"/>
+                <a16:creationId xmlns:a16="http://schemas.microsoft.com/office/drawing/2014/main" xmlns="" id="{CD9470F2-AC01-4265-8622-220D634008FF}"/>
               </a:ext>
             </a:extLst>
           </p:cNvPr>
@@ -18418,7 +18407,7 @@
           <p:cNvPr id="328" name="Прямая со стрелкой 327">
             <a:extLst>
               <a:ext uri="{FF2B5EF4-FFF2-40B4-BE49-F238E27FC236}">
-                <a16:creationId xmlns:a16="http://schemas.microsoft.com/office/drawing/2014/main" id="{F104AE2F-12F9-41A6-A5FE-FBEEC47CEFFC}"/>
+                <a16:creationId xmlns:a16="http://schemas.microsoft.com/office/drawing/2014/main" xmlns="" id="{F104AE2F-12F9-41A6-A5FE-FBEEC47CEFFC}"/>
               </a:ext>
             </a:extLst>
           </p:cNvPr>
@@ -18461,7 +18450,7 @@
           <p:cNvPr id="333" name="Соединительная линия уступом 175">
             <a:extLst>
               <a:ext uri="{FF2B5EF4-FFF2-40B4-BE49-F238E27FC236}">
-                <a16:creationId xmlns:a16="http://schemas.microsoft.com/office/drawing/2014/main" id="{D6E51BE6-374C-4854-81AB-936AD57D6429}"/>
+                <a16:creationId xmlns:a16="http://schemas.microsoft.com/office/drawing/2014/main" xmlns="" id="{D6E51BE6-374C-4854-81AB-936AD57D6429}"/>
               </a:ext>
             </a:extLst>
           </p:cNvPr>
@@ -18506,7 +18495,7 @@
           <p:cNvPr id="336" name="Соединительная линия уступом 175">
             <a:extLst>
               <a:ext uri="{FF2B5EF4-FFF2-40B4-BE49-F238E27FC236}">
-                <a16:creationId xmlns:a16="http://schemas.microsoft.com/office/drawing/2014/main" id="{D9C61166-73FC-43CF-B1C7-8782FE960CB6}"/>
+                <a16:creationId xmlns:a16="http://schemas.microsoft.com/office/drawing/2014/main" xmlns="" id="{D9C61166-73FC-43CF-B1C7-8782FE960CB6}"/>
               </a:ext>
             </a:extLst>
           </p:cNvPr>
@@ -18551,7 +18540,7 @@
           <p:cNvPr id="339" name="Соединительная линия уступом 175">
             <a:extLst>
               <a:ext uri="{FF2B5EF4-FFF2-40B4-BE49-F238E27FC236}">
-                <a16:creationId xmlns:a16="http://schemas.microsoft.com/office/drawing/2014/main" id="{7897D76A-EAF1-4B77-8A78-EFE7DB85E449}"/>
+                <a16:creationId xmlns:a16="http://schemas.microsoft.com/office/drawing/2014/main" xmlns="" id="{7897D76A-EAF1-4B77-8A78-EFE7DB85E449}"/>
               </a:ext>
             </a:extLst>
           </p:cNvPr>
@@ -18596,7 +18585,7 @@
           <p:cNvPr id="342" name="Прямоугольник 341">
             <a:extLst>
               <a:ext uri="{FF2B5EF4-FFF2-40B4-BE49-F238E27FC236}">
-                <a16:creationId xmlns:a16="http://schemas.microsoft.com/office/drawing/2014/main" id="{35E3BE8F-75BC-4434-ACCD-88242B97E208}"/>
+                <a16:creationId xmlns:a16="http://schemas.microsoft.com/office/drawing/2014/main" xmlns="" id="{35E3BE8F-75BC-4434-ACCD-88242B97E208}"/>
               </a:ext>
             </a:extLst>
           </p:cNvPr>
@@ -18654,7 +18643,7 @@
           <p:cNvPr id="343" name="Прямоугольник 342">
             <a:extLst>
               <a:ext uri="{FF2B5EF4-FFF2-40B4-BE49-F238E27FC236}">
-                <a16:creationId xmlns:a16="http://schemas.microsoft.com/office/drawing/2014/main" id="{524062F7-6156-4F02-9DB4-BF7C61789DEB}"/>
+                <a16:creationId xmlns:a16="http://schemas.microsoft.com/office/drawing/2014/main" xmlns="" id="{524062F7-6156-4F02-9DB4-BF7C61789DEB}"/>
               </a:ext>
             </a:extLst>
           </p:cNvPr>
@@ -18712,7 +18701,7 @@
           <p:cNvPr id="344" name="Прямая со стрелкой 343">
             <a:extLst>
               <a:ext uri="{FF2B5EF4-FFF2-40B4-BE49-F238E27FC236}">
-                <a16:creationId xmlns:a16="http://schemas.microsoft.com/office/drawing/2014/main" id="{B2913424-4E7B-456D-AC50-63DABAF9DEF7}"/>
+                <a16:creationId xmlns:a16="http://schemas.microsoft.com/office/drawing/2014/main" xmlns="" id="{B2913424-4E7B-456D-AC50-63DABAF9DEF7}"/>
               </a:ext>
             </a:extLst>
           </p:cNvPr>
@@ -18755,7 +18744,7 @@
           <p:cNvPr id="346" name="Соединительная линия уступом 175">
             <a:extLst>
               <a:ext uri="{FF2B5EF4-FFF2-40B4-BE49-F238E27FC236}">
-                <a16:creationId xmlns:a16="http://schemas.microsoft.com/office/drawing/2014/main" id="{F398E2C4-E015-47E9-A742-8368565BA194}"/>
+                <a16:creationId xmlns:a16="http://schemas.microsoft.com/office/drawing/2014/main" xmlns="" id="{F398E2C4-E015-47E9-A742-8368565BA194}"/>
               </a:ext>
             </a:extLst>
           </p:cNvPr>
@@ -18800,7 +18789,7 @@
           <p:cNvPr id="349" name="Прямоугольник 348">
             <a:extLst>
               <a:ext uri="{FF2B5EF4-FFF2-40B4-BE49-F238E27FC236}">
-                <a16:creationId xmlns:a16="http://schemas.microsoft.com/office/drawing/2014/main" id="{509FD1FB-F316-4E7A-B0E5-A39741FEFBDF}"/>
+                <a16:creationId xmlns:a16="http://schemas.microsoft.com/office/drawing/2014/main" xmlns="" id="{509FD1FB-F316-4E7A-B0E5-A39741FEFBDF}"/>
               </a:ext>
             </a:extLst>
           </p:cNvPr>
@@ -18851,7 +18840,7 @@
           <p:cNvPr id="350" name="Прямоугольник 349">
             <a:extLst>
               <a:ext uri="{FF2B5EF4-FFF2-40B4-BE49-F238E27FC236}">
-                <a16:creationId xmlns:a16="http://schemas.microsoft.com/office/drawing/2014/main" id="{551644A0-74A8-4944-8FC6-EC21B231A3EF}"/>
+                <a16:creationId xmlns:a16="http://schemas.microsoft.com/office/drawing/2014/main" xmlns="" id="{551644A0-74A8-4944-8FC6-EC21B231A3EF}"/>
               </a:ext>
             </a:extLst>
           </p:cNvPr>
@@ -18909,7 +18898,7 @@
           <p:cNvPr id="352" name="Прямоугольник 351">
             <a:extLst>
               <a:ext uri="{FF2B5EF4-FFF2-40B4-BE49-F238E27FC236}">
-                <a16:creationId xmlns:a16="http://schemas.microsoft.com/office/drawing/2014/main" id="{D1AFC30E-813A-45D9-9244-0415620ADB70}"/>
+                <a16:creationId xmlns:a16="http://schemas.microsoft.com/office/drawing/2014/main" xmlns="" id="{D1AFC30E-813A-45D9-9244-0415620ADB70}"/>
               </a:ext>
             </a:extLst>
           </p:cNvPr>
@@ -18958,7 +18947,7 @@
           <p:cNvPr id="309" name="Прямоугольник 308">
             <a:extLst>
               <a:ext uri="{FF2B5EF4-FFF2-40B4-BE49-F238E27FC236}">
-                <a16:creationId xmlns:a16="http://schemas.microsoft.com/office/drawing/2014/main" id="{48182F7E-1D91-4D5F-95EF-DBD6F3B7FEB9}"/>
+                <a16:creationId xmlns:a16="http://schemas.microsoft.com/office/drawing/2014/main" xmlns="" id="{48182F7E-1D91-4D5F-95EF-DBD6F3B7FEB9}"/>
               </a:ext>
             </a:extLst>
           </p:cNvPr>
@@ -19025,7 +19014,7 @@
           <p:cNvPr id="311" name="Прямоугольник 310">
             <a:extLst>
               <a:ext uri="{FF2B5EF4-FFF2-40B4-BE49-F238E27FC236}">
-                <a16:creationId xmlns:a16="http://schemas.microsoft.com/office/drawing/2014/main" id="{DD648BA6-9D9C-49D0-AE02-00DD093F39DE}"/>
+                <a16:creationId xmlns:a16="http://schemas.microsoft.com/office/drawing/2014/main" xmlns="" id="{DD648BA6-9D9C-49D0-AE02-00DD093F39DE}"/>
               </a:ext>
             </a:extLst>
           </p:cNvPr>
@@ -19074,7 +19063,7 @@
           <p:cNvPr id="312" name="Прямоугольник 311">
             <a:extLst>
               <a:ext uri="{FF2B5EF4-FFF2-40B4-BE49-F238E27FC236}">
-                <a16:creationId xmlns:a16="http://schemas.microsoft.com/office/drawing/2014/main" id="{AF586CA6-6B77-414F-9AE4-073EE0A788C5}"/>
+                <a16:creationId xmlns:a16="http://schemas.microsoft.com/office/drawing/2014/main" xmlns="" id="{AF586CA6-6B77-414F-9AE4-073EE0A788C5}"/>
               </a:ext>
             </a:extLst>
           </p:cNvPr>
@@ -19123,7 +19112,7 @@
           <p:cNvPr id="313" name="Прямая соединительная линия 312">
             <a:extLst>
               <a:ext uri="{FF2B5EF4-FFF2-40B4-BE49-F238E27FC236}">
-                <a16:creationId xmlns:a16="http://schemas.microsoft.com/office/drawing/2014/main" id="{77EB1050-93C0-45DC-8E04-9E36072408E4}"/>
+                <a16:creationId xmlns:a16="http://schemas.microsoft.com/office/drawing/2014/main" xmlns="" id="{77EB1050-93C0-45DC-8E04-9E36072408E4}"/>
               </a:ext>
             </a:extLst>
           </p:cNvPr>
@@ -19168,7 +19157,7 @@
           <p:cNvPr id="315" name="Прямоугольник 314">
             <a:extLst>
               <a:ext uri="{FF2B5EF4-FFF2-40B4-BE49-F238E27FC236}">
-                <a16:creationId xmlns:a16="http://schemas.microsoft.com/office/drawing/2014/main" id="{9DE34995-EA04-4529-B1B9-01781A906975}"/>
+                <a16:creationId xmlns:a16="http://schemas.microsoft.com/office/drawing/2014/main" xmlns="" id="{9DE34995-EA04-4529-B1B9-01781A906975}"/>
               </a:ext>
             </a:extLst>
           </p:cNvPr>
@@ -19217,7 +19206,7 @@
           <p:cNvPr id="316" name="Прямоугольник 315">
             <a:extLst>
               <a:ext uri="{FF2B5EF4-FFF2-40B4-BE49-F238E27FC236}">
-                <a16:creationId xmlns:a16="http://schemas.microsoft.com/office/drawing/2014/main" id="{80FD403A-D291-4156-B8B8-095ECE38954C}"/>
+                <a16:creationId xmlns:a16="http://schemas.microsoft.com/office/drawing/2014/main" xmlns="" id="{80FD403A-D291-4156-B8B8-095ECE38954C}"/>
               </a:ext>
             </a:extLst>
           </p:cNvPr>
@@ -19266,7 +19255,7 @@
           <p:cNvPr id="319" name="Прямоугольник 318">
             <a:extLst>
               <a:ext uri="{FF2B5EF4-FFF2-40B4-BE49-F238E27FC236}">
-                <a16:creationId xmlns:a16="http://schemas.microsoft.com/office/drawing/2014/main" id="{80AAA552-3A15-4416-848A-DA6234BC6F07}"/>
+                <a16:creationId xmlns:a16="http://schemas.microsoft.com/office/drawing/2014/main" xmlns="" id="{80AAA552-3A15-4416-848A-DA6234BC6F07}"/>
               </a:ext>
             </a:extLst>
           </p:cNvPr>
@@ -19315,7 +19304,7 @@
           <p:cNvPr id="321" name="Прямая соединительная линия 320">
             <a:extLst>
               <a:ext uri="{FF2B5EF4-FFF2-40B4-BE49-F238E27FC236}">
-                <a16:creationId xmlns:a16="http://schemas.microsoft.com/office/drawing/2014/main" id="{B8883631-BEA2-45F1-A0C2-C842DDF554F3}"/>
+                <a16:creationId xmlns:a16="http://schemas.microsoft.com/office/drawing/2014/main" xmlns="" id="{B8883631-BEA2-45F1-A0C2-C842DDF554F3}"/>
               </a:ext>
             </a:extLst>
           </p:cNvPr>
@@ -19360,7 +19349,7 @@
           <p:cNvPr id="322" name="Прямая соединительная линия 321">
             <a:extLst>
               <a:ext uri="{FF2B5EF4-FFF2-40B4-BE49-F238E27FC236}">
-                <a16:creationId xmlns:a16="http://schemas.microsoft.com/office/drawing/2014/main" id="{DA70501A-CAC8-42F4-ACBF-39425A2D0926}"/>
+                <a16:creationId xmlns:a16="http://schemas.microsoft.com/office/drawing/2014/main" xmlns="" id="{DA70501A-CAC8-42F4-ACBF-39425A2D0926}"/>
               </a:ext>
             </a:extLst>
           </p:cNvPr>
@@ -19405,7 +19394,7 @@
           <p:cNvPr id="323" name="Соединительная линия уступом 175">
             <a:extLst>
               <a:ext uri="{FF2B5EF4-FFF2-40B4-BE49-F238E27FC236}">
-                <a16:creationId xmlns:a16="http://schemas.microsoft.com/office/drawing/2014/main" id="{1DB1400D-2E52-4EA8-B7BE-33D6A8FD2C2E}"/>
+                <a16:creationId xmlns:a16="http://schemas.microsoft.com/office/drawing/2014/main" xmlns="" id="{1DB1400D-2E52-4EA8-B7BE-33D6A8FD2C2E}"/>
               </a:ext>
             </a:extLst>
           </p:cNvPr>
@@ -19451,7 +19440,7 @@
           <p:cNvPr id="324" name="Соединительная линия уступом 175">
             <a:extLst>
               <a:ext uri="{FF2B5EF4-FFF2-40B4-BE49-F238E27FC236}">
-                <a16:creationId xmlns:a16="http://schemas.microsoft.com/office/drawing/2014/main" id="{28E84E31-35E5-47B7-8947-6B8B3A2EFB03}"/>
+                <a16:creationId xmlns:a16="http://schemas.microsoft.com/office/drawing/2014/main" xmlns="" id="{28E84E31-35E5-47B7-8947-6B8B3A2EFB03}"/>
               </a:ext>
             </a:extLst>
           </p:cNvPr>
@@ -19497,7 +19486,7 @@
           <p:cNvPr id="325" name="Соединительная линия уступом 175">
             <a:extLst>
               <a:ext uri="{FF2B5EF4-FFF2-40B4-BE49-F238E27FC236}">
-                <a16:creationId xmlns:a16="http://schemas.microsoft.com/office/drawing/2014/main" id="{A4FD14E9-B0BA-4590-B042-3F95BEF29884}"/>
+                <a16:creationId xmlns:a16="http://schemas.microsoft.com/office/drawing/2014/main" xmlns="" id="{A4FD14E9-B0BA-4590-B042-3F95BEF29884}"/>
               </a:ext>
             </a:extLst>
           </p:cNvPr>
@@ -19543,7 +19532,7 @@
           <p:cNvPr id="326" name="Соединительная линия уступом 175">
             <a:extLst>
               <a:ext uri="{FF2B5EF4-FFF2-40B4-BE49-F238E27FC236}">
-                <a16:creationId xmlns:a16="http://schemas.microsoft.com/office/drawing/2014/main" id="{6AFDA878-9CCA-4400-A124-B9F812A36048}"/>
+                <a16:creationId xmlns:a16="http://schemas.microsoft.com/office/drawing/2014/main" xmlns="" id="{6AFDA878-9CCA-4400-A124-B9F812A36048}"/>
               </a:ext>
             </a:extLst>
           </p:cNvPr>
@@ -19589,7 +19578,7 @@
           <p:cNvPr id="327" name="Соединительная линия уступом 175">
             <a:extLst>
               <a:ext uri="{FF2B5EF4-FFF2-40B4-BE49-F238E27FC236}">
-                <a16:creationId xmlns:a16="http://schemas.microsoft.com/office/drawing/2014/main" id="{E4E3FE88-EE54-4348-8A7D-49B181E93586}"/>
+                <a16:creationId xmlns:a16="http://schemas.microsoft.com/office/drawing/2014/main" xmlns="" id="{E4E3FE88-EE54-4348-8A7D-49B181E93586}"/>
               </a:ext>
             </a:extLst>
           </p:cNvPr>
@@ -19635,7 +19624,7 @@
           <p:cNvPr id="329" name="Соединительная линия уступом 175">
             <a:extLst>
               <a:ext uri="{FF2B5EF4-FFF2-40B4-BE49-F238E27FC236}">
-                <a16:creationId xmlns:a16="http://schemas.microsoft.com/office/drawing/2014/main" id="{C90D8056-3635-4844-A49B-3D79D5A6F40A}"/>
+                <a16:creationId xmlns:a16="http://schemas.microsoft.com/office/drawing/2014/main" xmlns="" id="{C90D8056-3635-4844-A49B-3D79D5A6F40A}"/>
               </a:ext>
             </a:extLst>
           </p:cNvPr>
@@ -19681,7 +19670,7 @@
           <p:cNvPr id="330" name="Прямоугольник 329">
             <a:extLst>
               <a:ext uri="{FF2B5EF4-FFF2-40B4-BE49-F238E27FC236}">
-                <a16:creationId xmlns:a16="http://schemas.microsoft.com/office/drawing/2014/main" id="{E33F7981-AC37-4613-A81C-1ECCE6CB9C42}"/>
+                <a16:creationId xmlns:a16="http://schemas.microsoft.com/office/drawing/2014/main" xmlns="" id="{E33F7981-AC37-4613-A81C-1ECCE6CB9C42}"/>
               </a:ext>
             </a:extLst>
           </p:cNvPr>
@@ -19730,7 +19719,7 @@
           <p:cNvPr id="340" name="Прямоугольник 339">
             <a:extLst>
               <a:ext uri="{FF2B5EF4-FFF2-40B4-BE49-F238E27FC236}">
-                <a16:creationId xmlns:a16="http://schemas.microsoft.com/office/drawing/2014/main" id="{A0509AC1-5636-4CD0-ACAA-C2F71C714106}"/>
+                <a16:creationId xmlns:a16="http://schemas.microsoft.com/office/drawing/2014/main" xmlns="" id="{A0509AC1-5636-4CD0-ACAA-C2F71C714106}"/>
               </a:ext>
             </a:extLst>
           </p:cNvPr>
@@ -19779,7 +19768,7 @@
           <p:cNvPr id="345" name="Соединительная линия уступом 175">
             <a:extLst>
               <a:ext uri="{FF2B5EF4-FFF2-40B4-BE49-F238E27FC236}">
-                <a16:creationId xmlns:a16="http://schemas.microsoft.com/office/drawing/2014/main" id="{34E33FC0-77CF-46BE-A340-87BA3626493B}"/>
+                <a16:creationId xmlns:a16="http://schemas.microsoft.com/office/drawing/2014/main" xmlns="" id="{34E33FC0-77CF-46BE-A340-87BA3626493B}"/>
               </a:ext>
             </a:extLst>
           </p:cNvPr>
@@ -19824,7 +19813,7 @@
           <p:cNvPr id="348" name="Прямоугольник 347">
             <a:extLst>
               <a:ext uri="{FF2B5EF4-FFF2-40B4-BE49-F238E27FC236}">
-                <a16:creationId xmlns:a16="http://schemas.microsoft.com/office/drawing/2014/main" id="{B3026706-0825-419C-B501-250511C29542}"/>
+                <a16:creationId xmlns:a16="http://schemas.microsoft.com/office/drawing/2014/main" xmlns="" id="{B3026706-0825-419C-B501-250511C29542}"/>
               </a:ext>
             </a:extLst>
           </p:cNvPr>
@@ -19873,7 +19862,7 @@
           <p:cNvPr id="353" name="Соединительная линия уступом 175">
             <a:extLst>
               <a:ext uri="{FF2B5EF4-FFF2-40B4-BE49-F238E27FC236}">
-                <a16:creationId xmlns:a16="http://schemas.microsoft.com/office/drawing/2014/main" id="{1B5E8F1C-5FC9-4398-8D41-111A407804DF}"/>
+                <a16:creationId xmlns:a16="http://schemas.microsoft.com/office/drawing/2014/main" xmlns="" id="{1B5E8F1C-5FC9-4398-8D41-111A407804DF}"/>
               </a:ext>
             </a:extLst>
           </p:cNvPr>
@@ -19918,7 +19907,7 @@
           <p:cNvPr id="355" name="Соединительная линия уступом 175">
             <a:extLst>
               <a:ext uri="{FF2B5EF4-FFF2-40B4-BE49-F238E27FC236}">
-                <a16:creationId xmlns:a16="http://schemas.microsoft.com/office/drawing/2014/main" id="{A77DAF70-C979-4341-8F80-56F5B19E1C55}"/>
+                <a16:creationId xmlns:a16="http://schemas.microsoft.com/office/drawing/2014/main" xmlns="" id="{A77DAF70-C979-4341-8F80-56F5B19E1C55}"/>
               </a:ext>
             </a:extLst>
           </p:cNvPr>
@@ -19963,7 +19952,7 @@
           <p:cNvPr id="356" name="Соединительная линия уступом 175">
             <a:extLst>
               <a:ext uri="{FF2B5EF4-FFF2-40B4-BE49-F238E27FC236}">
-                <a16:creationId xmlns:a16="http://schemas.microsoft.com/office/drawing/2014/main" id="{51A87234-F8CB-4DB2-857F-70A6300E7E69}"/>
+                <a16:creationId xmlns:a16="http://schemas.microsoft.com/office/drawing/2014/main" xmlns="" id="{51A87234-F8CB-4DB2-857F-70A6300E7E69}"/>
               </a:ext>
             </a:extLst>
           </p:cNvPr>
@@ -20008,7 +19997,7 @@
           <p:cNvPr id="358" name="Соединительная линия уступом 175">
             <a:extLst>
               <a:ext uri="{FF2B5EF4-FFF2-40B4-BE49-F238E27FC236}">
-                <a16:creationId xmlns:a16="http://schemas.microsoft.com/office/drawing/2014/main" id="{2A0A9C4A-F146-4C0A-8317-15688DB00A96}"/>
+                <a16:creationId xmlns:a16="http://schemas.microsoft.com/office/drawing/2014/main" xmlns="" id="{2A0A9C4A-F146-4C0A-8317-15688DB00A96}"/>
               </a:ext>
             </a:extLst>
           </p:cNvPr>
@@ -20053,7 +20042,7 @@
           <p:cNvPr id="359" name="Прямая соединительная линия 358">
             <a:extLst>
               <a:ext uri="{FF2B5EF4-FFF2-40B4-BE49-F238E27FC236}">
-                <a16:creationId xmlns:a16="http://schemas.microsoft.com/office/drawing/2014/main" id="{A065A208-A295-4D3D-AAD2-3ED8CB24D339}"/>
+                <a16:creationId xmlns:a16="http://schemas.microsoft.com/office/drawing/2014/main" xmlns="" id="{A065A208-A295-4D3D-AAD2-3ED8CB24D339}"/>
               </a:ext>
             </a:extLst>
           </p:cNvPr>
@@ -20098,7 +20087,7 @@
           <p:cNvPr id="334" name="Прямоугольник 333">
             <a:extLst>
               <a:ext uri="{FF2B5EF4-FFF2-40B4-BE49-F238E27FC236}">
-                <a16:creationId xmlns:a16="http://schemas.microsoft.com/office/drawing/2014/main" id="{7852F02B-CE3D-4605-9277-7825170ECCFA}"/>
+                <a16:creationId xmlns:a16="http://schemas.microsoft.com/office/drawing/2014/main" xmlns="" id="{7852F02B-CE3D-4605-9277-7825170ECCFA}"/>
               </a:ext>
             </a:extLst>
           </p:cNvPr>
@@ -20162,7 +20151,7 @@
           <p:cNvPr id="337" name="Прямоугольник 336">
             <a:extLst>
               <a:ext uri="{FF2B5EF4-FFF2-40B4-BE49-F238E27FC236}">
-                <a16:creationId xmlns:a16="http://schemas.microsoft.com/office/drawing/2014/main" id="{78BA4649-7A20-427C-B06D-6F35FB52C96B}"/>
+                <a16:creationId xmlns:a16="http://schemas.microsoft.com/office/drawing/2014/main" xmlns="" id="{78BA4649-7A20-427C-B06D-6F35FB52C96B}"/>
               </a:ext>
             </a:extLst>
           </p:cNvPr>
@@ -20211,7 +20200,7 @@
           <p:cNvPr id="362" name="Прямоугольник 361">
             <a:extLst>
               <a:ext uri="{FF2B5EF4-FFF2-40B4-BE49-F238E27FC236}">
-                <a16:creationId xmlns:a16="http://schemas.microsoft.com/office/drawing/2014/main" id="{48B6A494-ADEF-488D-99AA-1288D5E1468D}"/>
+                <a16:creationId xmlns:a16="http://schemas.microsoft.com/office/drawing/2014/main" xmlns="" id="{48B6A494-ADEF-488D-99AA-1288D5E1468D}"/>
               </a:ext>
             </a:extLst>
           </p:cNvPr>
@@ -20267,7 +20256,7 @@
           <p:cNvPr id="363" name="Прямоугольник 362">
             <a:extLst>
               <a:ext uri="{FF2B5EF4-FFF2-40B4-BE49-F238E27FC236}">
-                <a16:creationId xmlns:a16="http://schemas.microsoft.com/office/drawing/2014/main" id="{96934284-13F6-4594-AE55-293CD253F5AA}"/>
+                <a16:creationId xmlns:a16="http://schemas.microsoft.com/office/drawing/2014/main" xmlns="" id="{96934284-13F6-4594-AE55-293CD253F5AA}"/>
               </a:ext>
             </a:extLst>
           </p:cNvPr>
@@ -20323,7 +20312,7 @@
           <p:cNvPr id="365" name="Прямоугольник 364">
             <a:extLst>
               <a:ext uri="{FF2B5EF4-FFF2-40B4-BE49-F238E27FC236}">
-                <a16:creationId xmlns:a16="http://schemas.microsoft.com/office/drawing/2014/main" id="{0C61FFA7-BE23-4619-98CC-6DBC4971EB8B}"/>
+                <a16:creationId xmlns:a16="http://schemas.microsoft.com/office/drawing/2014/main" xmlns="" id="{0C61FFA7-BE23-4619-98CC-6DBC4971EB8B}"/>
               </a:ext>
             </a:extLst>
           </p:cNvPr>
@@ -20372,7 +20361,7 @@
           <p:cNvPr id="366" name="Прямоугольник 365">
             <a:extLst>
               <a:ext uri="{FF2B5EF4-FFF2-40B4-BE49-F238E27FC236}">
-                <a16:creationId xmlns:a16="http://schemas.microsoft.com/office/drawing/2014/main" id="{A0F66333-3957-4649-BC56-A9BA9D2A373E}"/>
+                <a16:creationId xmlns:a16="http://schemas.microsoft.com/office/drawing/2014/main" xmlns="" id="{A0F66333-3957-4649-BC56-A9BA9D2A373E}"/>
               </a:ext>
             </a:extLst>
           </p:cNvPr>
@@ -20428,7 +20417,7 @@
           <p:cNvPr id="360" name="Соединительная линия уступом 175">
             <a:extLst>
               <a:ext uri="{FF2B5EF4-FFF2-40B4-BE49-F238E27FC236}">
-                <a16:creationId xmlns:a16="http://schemas.microsoft.com/office/drawing/2014/main" id="{3FB5053C-8F65-43C7-B073-E42D95A5DDFD}"/>
+                <a16:creationId xmlns:a16="http://schemas.microsoft.com/office/drawing/2014/main" xmlns="" id="{3FB5053C-8F65-43C7-B073-E42D95A5DDFD}"/>
               </a:ext>
             </a:extLst>
           </p:cNvPr>
@@ -20474,7 +20463,7 @@
           <p:cNvPr id="368" name="Соединительная линия уступом 175">
             <a:extLst>
               <a:ext uri="{FF2B5EF4-FFF2-40B4-BE49-F238E27FC236}">
-                <a16:creationId xmlns:a16="http://schemas.microsoft.com/office/drawing/2014/main" id="{83360A38-6747-4427-918E-A630073343C2}"/>
+                <a16:creationId xmlns:a16="http://schemas.microsoft.com/office/drawing/2014/main" xmlns="" id="{83360A38-6747-4427-918E-A630073343C2}"/>
               </a:ext>
             </a:extLst>
           </p:cNvPr>
@@ -20520,7 +20509,7 @@
           <p:cNvPr id="370" name="Соединительная линия уступом 175">
             <a:extLst>
               <a:ext uri="{FF2B5EF4-FFF2-40B4-BE49-F238E27FC236}">
-                <a16:creationId xmlns:a16="http://schemas.microsoft.com/office/drawing/2014/main" id="{B7FC5062-9EBC-4E35-B854-9094F6418C3E}"/>
+                <a16:creationId xmlns:a16="http://schemas.microsoft.com/office/drawing/2014/main" xmlns="" id="{B7FC5062-9EBC-4E35-B854-9094F6418C3E}"/>
               </a:ext>
             </a:extLst>
           </p:cNvPr>
@@ -20566,7 +20555,7 @@
           <p:cNvPr id="371" name="Прямая со стрелкой 370">
             <a:extLst>
               <a:ext uri="{FF2B5EF4-FFF2-40B4-BE49-F238E27FC236}">
-                <a16:creationId xmlns:a16="http://schemas.microsoft.com/office/drawing/2014/main" id="{28BB7A61-670F-4C28-ADC0-E2AD3B233CE5}"/>
+                <a16:creationId xmlns:a16="http://schemas.microsoft.com/office/drawing/2014/main" xmlns="" id="{28BB7A61-670F-4C28-ADC0-E2AD3B233CE5}"/>
               </a:ext>
             </a:extLst>
           </p:cNvPr>
@@ -20609,7 +20598,7 @@
           <p:cNvPr id="372" name="Соединительная линия уступом 175">
             <a:extLst>
               <a:ext uri="{FF2B5EF4-FFF2-40B4-BE49-F238E27FC236}">
-                <a16:creationId xmlns:a16="http://schemas.microsoft.com/office/drawing/2014/main" id="{6829D1F1-70EC-4D2B-A306-DC1254777D34}"/>
+                <a16:creationId xmlns:a16="http://schemas.microsoft.com/office/drawing/2014/main" xmlns="" id="{6829D1F1-70EC-4D2B-A306-DC1254777D34}"/>
               </a:ext>
             </a:extLst>
           </p:cNvPr>
@@ -20654,7 +20643,7 @@
           <p:cNvPr id="373" name="Соединительная линия уступом 175">
             <a:extLst>
               <a:ext uri="{FF2B5EF4-FFF2-40B4-BE49-F238E27FC236}">
-                <a16:creationId xmlns:a16="http://schemas.microsoft.com/office/drawing/2014/main" id="{889943BA-17AF-485D-857E-AA0DC3DBD930}"/>
+                <a16:creationId xmlns:a16="http://schemas.microsoft.com/office/drawing/2014/main" xmlns="" id="{889943BA-17AF-485D-857E-AA0DC3DBD930}"/>
               </a:ext>
             </a:extLst>
           </p:cNvPr>
@@ -20699,7 +20688,7 @@
           <p:cNvPr id="374" name="Соединительная линия уступом 175">
             <a:extLst>
               <a:ext uri="{FF2B5EF4-FFF2-40B4-BE49-F238E27FC236}">
-                <a16:creationId xmlns:a16="http://schemas.microsoft.com/office/drawing/2014/main" id="{8F7485F3-2B69-4FAA-B3BF-6F814097751E}"/>
+                <a16:creationId xmlns:a16="http://schemas.microsoft.com/office/drawing/2014/main" xmlns="" id="{8F7485F3-2B69-4FAA-B3BF-6F814097751E}"/>
               </a:ext>
             </a:extLst>
           </p:cNvPr>
@@ -20744,7 +20733,7 @@
           <p:cNvPr id="375" name="Соединительная линия уступом 175">
             <a:extLst>
               <a:ext uri="{FF2B5EF4-FFF2-40B4-BE49-F238E27FC236}">
-                <a16:creationId xmlns:a16="http://schemas.microsoft.com/office/drawing/2014/main" id="{1E882DE1-5DF5-4064-BDB8-39B1907157CB}"/>
+                <a16:creationId xmlns:a16="http://schemas.microsoft.com/office/drawing/2014/main" xmlns="" id="{1E882DE1-5DF5-4064-BDB8-39B1907157CB}"/>
               </a:ext>
             </a:extLst>
           </p:cNvPr>
@@ -20789,7 +20778,7 @@
           <p:cNvPr id="379" name="Соединительная линия уступом 175">
             <a:extLst>
               <a:ext uri="{FF2B5EF4-FFF2-40B4-BE49-F238E27FC236}">
-                <a16:creationId xmlns:a16="http://schemas.microsoft.com/office/drawing/2014/main" id="{42FE99FC-8E7F-48FB-87E8-19645BFAA35A}"/>
+                <a16:creationId xmlns:a16="http://schemas.microsoft.com/office/drawing/2014/main" xmlns="" id="{42FE99FC-8E7F-48FB-87E8-19645BFAA35A}"/>
               </a:ext>
             </a:extLst>
           </p:cNvPr>
@@ -20834,7 +20823,7 @@
           <p:cNvPr id="382" name="Соединительная линия уступом 175">
             <a:extLst>
               <a:ext uri="{FF2B5EF4-FFF2-40B4-BE49-F238E27FC236}">
-                <a16:creationId xmlns:a16="http://schemas.microsoft.com/office/drawing/2014/main" id="{63B4415C-BB22-4437-8FDC-9560F1B4DD02}"/>
+                <a16:creationId xmlns:a16="http://schemas.microsoft.com/office/drawing/2014/main" xmlns="" id="{63B4415C-BB22-4437-8FDC-9560F1B4DD02}"/>
               </a:ext>
             </a:extLst>
           </p:cNvPr>
@@ -20879,7 +20868,7 @@
           <p:cNvPr id="383" name="Прямая со стрелкой 382">
             <a:extLst>
               <a:ext uri="{FF2B5EF4-FFF2-40B4-BE49-F238E27FC236}">
-                <a16:creationId xmlns:a16="http://schemas.microsoft.com/office/drawing/2014/main" id="{3D6BE37E-948E-4842-AA7E-282497879F02}"/>
+                <a16:creationId xmlns:a16="http://schemas.microsoft.com/office/drawing/2014/main" xmlns="" id="{3D6BE37E-948E-4842-AA7E-282497879F02}"/>
               </a:ext>
             </a:extLst>
           </p:cNvPr>
@@ -20922,7 +20911,7 @@
           <p:cNvPr id="386" name="Соединительная линия уступом 175">
             <a:extLst>
               <a:ext uri="{FF2B5EF4-FFF2-40B4-BE49-F238E27FC236}">
-                <a16:creationId xmlns:a16="http://schemas.microsoft.com/office/drawing/2014/main" id="{0E637B86-3694-47C8-A424-2BD1AB3A07D6}"/>
+                <a16:creationId xmlns:a16="http://schemas.microsoft.com/office/drawing/2014/main" xmlns="" id="{0E637B86-3694-47C8-A424-2BD1AB3A07D6}"/>
               </a:ext>
             </a:extLst>
           </p:cNvPr>
@@ -20968,7 +20957,7 @@
           <p:cNvPr id="387" name="Соединительная линия уступом 175">
             <a:extLst>
               <a:ext uri="{FF2B5EF4-FFF2-40B4-BE49-F238E27FC236}">
-                <a16:creationId xmlns:a16="http://schemas.microsoft.com/office/drawing/2014/main" id="{DD4FA738-6222-476D-8E23-D75C8B9727E3}"/>
+                <a16:creationId xmlns:a16="http://schemas.microsoft.com/office/drawing/2014/main" xmlns="" id="{DD4FA738-6222-476D-8E23-D75C8B9727E3}"/>
               </a:ext>
             </a:extLst>
           </p:cNvPr>
@@ -21014,7 +21003,7 @@
           <p:cNvPr id="389" name="Прямоугольник 388">
             <a:extLst>
               <a:ext uri="{FF2B5EF4-FFF2-40B4-BE49-F238E27FC236}">
-                <a16:creationId xmlns:a16="http://schemas.microsoft.com/office/drawing/2014/main" id="{14D5795B-E928-424F-BBF5-9F6DF5A6D53E}"/>
+                <a16:creationId xmlns:a16="http://schemas.microsoft.com/office/drawing/2014/main" xmlns="" id="{14D5795B-E928-424F-BBF5-9F6DF5A6D53E}"/>
               </a:ext>
             </a:extLst>
           </p:cNvPr>
@@ -21072,7 +21061,7 @@
           <p:cNvPr id="369" name="Прямоугольник 368">
             <a:extLst>
               <a:ext uri="{FF2B5EF4-FFF2-40B4-BE49-F238E27FC236}">
-                <a16:creationId xmlns:a16="http://schemas.microsoft.com/office/drawing/2014/main" id="{E86C5F17-7265-4E19-B915-C7F4545A35A1}"/>
+                <a16:creationId xmlns:a16="http://schemas.microsoft.com/office/drawing/2014/main" xmlns="" id="{E86C5F17-7265-4E19-B915-C7F4545A35A1}"/>
               </a:ext>
             </a:extLst>
           </p:cNvPr>
@@ -21138,7 +21127,7 @@
           <p:cNvPr id="378" name="Прямая соединительная линия 377">
             <a:extLst>
               <a:ext uri="{FF2B5EF4-FFF2-40B4-BE49-F238E27FC236}">
-                <a16:creationId xmlns:a16="http://schemas.microsoft.com/office/drawing/2014/main" id="{8466F45B-9126-45EB-8FE8-FE23FCABF06E}"/>
+                <a16:creationId xmlns:a16="http://schemas.microsoft.com/office/drawing/2014/main" xmlns="" id="{8466F45B-9126-45EB-8FE8-FE23FCABF06E}"/>
               </a:ext>
             </a:extLst>
           </p:cNvPr>
@@ -21181,7 +21170,7 @@
           <p:cNvPr id="391" name="Прямоугольник 390">
             <a:extLst>
               <a:ext uri="{FF2B5EF4-FFF2-40B4-BE49-F238E27FC236}">
-                <a16:creationId xmlns:a16="http://schemas.microsoft.com/office/drawing/2014/main" id="{B5D6DF9B-21B2-4CEA-936A-625EDCD2C861}"/>
+                <a16:creationId xmlns:a16="http://schemas.microsoft.com/office/drawing/2014/main" xmlns="" id="{B5D6DF9B-21B2-4CEA-936A-625EDCD2C861}"/>
               </a:ext>
             </a:extLst>
           </p:cNvPr>
@@ -21235,7 +21224,7 @@
           <p:cNvPr id="393" name="Прямоугольник 392">
             <a:extLst>
               <a:ext uri="{FF2B5EF4-FFF2-40B4-BE49-F238E27FC236}">
-                <a16:creationId xmlns:a16="http://schemas.microsoft.com/office/drawing/2014/main" id="{44C06B54-3281-4073-8A86-0CF5478BB2ED}"/>
+                <a16:creationId xmlns:a16="http://schemas.microsoft.com/office/drawing/2014/main" xmlns="" id="{44C06B54-3281-4073-8A86-0CF5478BB2ED}"/>
               </a:ext>
             </a:extLst>
           </p:cNvPr>
@@ -21302,7 +21291,7 @@
           <p:cNvPr id="394" name="Прямоугольник 393">
             <a:extLst>
               <a:ext uri="{FF2B5EF4-FFF2-40B4-BE49-F238E27FC236}">
-                <a16:creationId xmlns:a16="http://schemas.microsoft.com/office/drawing/2014/main" id="{AF1ADB56-BB1F-41D5-9E42-8E85D39F32AF}"/>
+                <a16:creationId xmlns:a16="http://schemas.microsoft.com/office/drawing/2014/main" xmlns="" id="{AF1ADB56-BB1F-41D5-9E42-8E85D39F32AF}"/>
               </a:ext>
             </a:extLst>
           </p:cNvPr>
@@ -21356,7 +21345,7 @@
           <p:cNvPr id="395" name="Прямоугольник 394">
             <a:extLst>
               <a:ext uri="{FF2B5EF4-FFF2-40B4-BE49-F238E27FC236}">
-                <a16:creationId xmlns:a16="http://schemas.microsoft.com/office/drawing/2014/main" id="{A67554A5-F069-4423-8800-7F865A71AAC9}"/>
+                <a16:creationId xmlns:a16="http://schemas.microsoft.com/office/drawing/2014/main" xmlns="" id="{A67554A5-F069-4423-8800-7F865A71AAC9}"/>
               </a:ext>
             </a:extLst>
           </p:cNvPr>
@@ -21418,7 +21407,7 @@
           <p:cNvPr id="396" name="Прямоугольник 395">
             <a:extLst>
               <a:ext uri="{FF2B5EF4-FFF2-40B4-BE49-F238E27FC236}">
-                <a16:creationId xmlns:a16="http://schemas.microsoft.com/office/drawing/2014/main" id="{42E20D41-9358-43C8-AC34-7415A6263541}"/>
+                <a16:creationId xmlns:a16="http://schemas.microsoft.com/office/drawing/2014/main" xmlns="" id="{42E20D41-9358-43C8-AC34-7415A6263541}"/>
               </a:ext>
             </a:extLst>
           </p:cNvPr>
@@ -21472,7 +21461,7 @@
           <p:cNvPr id="398" name="Прямая соединительная линия 397">
             <a:extLst>
               <a:ext uri="{FF2B5EF4-FFF2-40B4-BE49-F238E27FC236}">
-                <a16:creationId xmlns:a16="http://schemas.microsoft.com/office/drawing/2014/main" id="{900756FE-5E3B-49DF-8D51-779F2D97B6C3}"/>
+                <a16:creationId xmlns:a16="http://schemas.microsoft.com/office/drawing/2014/main" xmlns="" id="{900756FE-5E3B-49DF-8D51-779F2D97B6C3}"/>
               </a:ext>
             </a:extLst>
           </p:cNvPr>
@@ -21517,7 +21506,7 @@
           <p:cNvPr id="399" name="Прямая соединительная линия 398">
             <a:extLst>
               <a:ext uri="{FF2B5EF4-FFF2-40B4-BE49-F238E27FC236}">
-                <a16:creationId xmlns:a16="http://schemas.microsoft.com/office/drawing/2014/main" id="{6D9FA165-2070-4044-8B37-B5B6F72467E2}"/>
+                <a16:creationId xmlns:a16="http://schemas.microsoft.com/office/drawing/2014/main" xmlns="" id="{6D9FA165-2070-4044-8B37-B5B6F72467E2}"/>
               </a:ext>
             </a:extLst>
           </p:cNvPr>
@@ -21562,7 +21551,7 @@
           <p:cNvPr id="400" name="Соединительная линия уступом 175">
             <a:extLst>
               <a:ext uri="{FF2B5EF4-FFF2-40B4-BE49-F238E27FC236}">
-                <a16:creationId xmlns:a16="http://schemas.microsoft.com/office/drawing/2014/main" id="{1DDA4EBB-7DBF-416F-B0B4-41BCF1846544}"/>
+                <a16:creationId xmlns:a16="http://schemas.microsoft.com/office/drawing/2014/main" xmlns="" id="{1DDA4EBB-7DBF-416F-B0B4-41BCF1846544}"/>
               </a:ext>
             </a:extLst>
           </p:cNvPr>
@@ -21607,7 +21596,7 @@
           <p:cNvPr id="401" name="Соединительная линия уступом 175">
             <a:extLst>
               <a:ext uri="{FF2B5EF4-FFF2-40B4-BE49-F238E27FC236}">
-                <a16:creationId xmlns:a16="http://schemas.microsoft.com/office/drawing/2014/main" id="{837C0581-8229-4EC6-A4C4-EE16B95588A5}"/>
+                <a16:creationId xmlns:a16="http://schemas.microsoft.com/office/drawing/2014/main" xmlns="" id="{837C0581-8229-4EC6-A4C4-EE16B95588A5}"/>
               </a:ext>
             </a:extLst>
           </p:cNvPr>
@@ -21652,7 +21641,7 @@
           <p:cNvPr id="402" name="Соединительная линия уступом 175">
             <a:extLst>
               <a:ext uri="{FF2B5EF4-FFF2-40B4-BE49-F238E27FC236}">
-                <a16:creationId xmlns:a16="http://schemas.microsoft.com/office/drawing/2014/main" id="{C75827AD-FFBE-4DC1-B296-11872514F88B}"/>
+                <a16:creationId xmlns:a16="http://schemas.microsoft.com/office/drawing/2014/main" xmlns="" id="{C75827AD-FFBE-4DC1-B296-11872514F88B}"/>
               </a:ext>
             </a:extLst>
           </p:cNvPr>
@@ -21697,7 +21686,7 @@
           <p:cNvPr id="403" name="Прямая со стрелкой 402">
             <a:extLst>
               <a:ext uri="{FF2B5EF4-FFF2-40B4-BE49-F238E27FC236}">
-                <a16:creationId xmlns:a16="http://schemas.microsoft.com/office/drawing/2014/main" id="{9042E04C-DFF6-4D6D-A193-3A00D4141CD4}"/>
+                <a16:creationId xmlns:a16="http://schemas.microsoft.com/office/drawing/2014/main" xmlns="" id="{9042E04C-DFF6-4D6D-A193-3A00D4141CD4}"/>
               </a:ext>
             </a:extLst>
           </p:cNvPr>
@@ -21740,7 +21729,7 @@
           <p:cNvPr id="404" name="Прямоугольник 403">
             <a:extLst>
               <a:ext uri="{FF2B5EF4-FFF2-40B4-BE49-F238E27FC236}">
-                <a16:creationId xmlns:a16="http://schemas.microsoft.com/office/drawing/2014/main" id="{484CC994-9DDB-46CD-8A18-988005353D81}"/>
+                <a16:creationId xmlns:a16="http://schemas.microsoft.com/office/drawing/2014/main" xmlns="" id="{484CC994-9DDB-46CD-8A18-988005353D81}"/>
               </a:ext>
             </a:extLst>
           </p:cNvPr>
@@ -21794,7 +21783,7 @@
           <p:cNvPr id="405" name="Прямая со стрелкой 404">
             <a:extLst>
               <a:ext uri="{FF2B5EF4-FFF2-40B4-BE49-F238E27FC236}">
-                <a16:creationId xmlns:a16="http://schemas.microsoft.com/office/drawing/2014/main" id="{4199483D-C6CF-4A07-9A27-B9990579FEB4}"/>
+                <a16:creationId xmlns:a16="http://schemas.microsoft.com/office/drawing/2014/main" xmlns="" id="{4199483D-C6CF-4A07-9A27-B9990579FEB4}"/>
               </a:ext>
             </a:extLst>
           </p:cNvPr>
@@ -21837,7 +21826,7 @@
           <p:cNvPr id="406" name="Соединительная линия уступом 175">
             <a:extLst>
               <a:ext uri="{FF2B5EF4-FFF2-40B4-BE49-F238E27FC236}">
-                <a16:creationId xmlns:a16="http://schemas.microsoft.com/office/drawing/2014/main" id="{CD2C4F75-4C6D-41AE-8EDE-00C04CD7D72B}"/>
+                <a16:creationId xmlns:a16="http://schemas.microsoft.com/office/drawing/2014/main" xmlns="" id="{CD2C4F75-4C6D-41AE-8EDE-00C04CD7D72B}"/>
               </a:ext>
             </a:extLst>
           </p:cNvPr>
@@ -21883,7 +21872,7 @@
           <p:cNvPr id="407" name="Соединительная линия уступом 175">
             <a:extLst>
               <a:ext uri="{FF2B5EF4-FFF2-40B4-BE49-F238E27FC236}">
-                <a16:creationId xmlns:a16="http://schemas.microsoft.com/office/drawing/2014/main" id="{4FB2E672-A687-448E-9EEB-98732CDE113F}"/>
+                <a16:creationId xmlns:a16="http://schemas.microsoft.com/office/drawing/2014/main" xmlns="" id="{4FB2E672-A687-448E-9EEB-98732CDE113F}"/>
               </a:ext>
             </a:extLst>
           </p:cNvPr>
@@ -21929,7 +21918,7 @@
           <p:cNvPr id="408" name="Прямоугольник 407">
             <a:extLst>
               <a:ext uri="{FF2B5EF4-FFF2-40B4-BE49-F238E27FC236}">
-                <a16:creationId xmlns:a16="http://schemas.microsoft.com/office/drawing/2014/main" id="{2E65A80B-0469-46CC-B0AC-4AE52AD1B04C}"/>
+                <a16:creationId xmlns:a16="http://schemas.microsoft.com/office/drawing/2014/main" xmlns="" id="{2E65A80B-0469-46CC-B0AC-4AE52AD1B04C}"/>
               </a:ext>
             </a:extLst>
           </p:cNvPr>
@@ -21983,7 +21972,7 @@
           <p:cNvPr id="409" name="Соединительная линия уступом 175">
             <a:extLst>
               <a:ext uri="{FF2B5EF4-FFF2-40B4-BE49-F238E27FC236}">
-                <a16:creationId xmlns:a16="http://schemas.microsoft.com/office/drawing/2014/main" id="{C9D1960B-38D5-414C-AAFE-51C414237620}"/>
+                <a16:creationId xmlns:a16="http://schemas.microsoft.com/office/drawing/2014/main" xmlns="" id="{C9D1960B-38D5-414C-AAFE-51C414237620}"/>
               </a:ext>
             </a:extLst>
           </p:cNvPr>
@@ -22029,7 +22018,7 @@
           <p:cNvPr id="410" name="Прямоугольник 409">
             <a:extLst>
               <a:ext uri="{FF2B5EF4-FFF2-40B4-BE49-F238E27FC236}">
-                <a16:creationId xmlns:a16="http://schemas.microsoft.com/office/drawing/2014/main" id="{73CD13B2-1C37-43AD-A48B-6C11EBD0C47F}"/>
+                <a16:creationId xmlns:a16="http://schemas.microsoft.com/office/drawing/2014/main" xmlns="" id="{73CD13B2-1C37-43AD-A48B-6C11EBD0C47F}"/>
               </a:ext>
             </a:extLst>
           </p:cNvPr>
@@ -22083,7 +22072,7 @@
           <p:cNvPr id="411" name="Прямая со стрелкой 410">
             <a:extLst>
               <a:ext uri="{FF2B5EF4-FFF2-40B4-BE49-F238E27FC236}">
-                <a16:creationId xmlns:a16="http://schemas.microsoft.com/office/drawing/2014/main" id="{18866F54-58D0-49CA-AF7E-4C8756C05A81}"/>
+                <a16:creationId xmlns:a16="http://schemas.microsoft.com/office/drawing/2014/main" xmlns="" id="{18866F54-58D0-49CA-AF7E-4C8756C05A81}"/>
               </a:ext>
             </a:extLst>
           </p:cNvPr>
@@ -22126,7 +22115,7 @@
           <p:cNvPr id="412" name="Прямоугольник 411">
             <a:extLst>
               <a:ext uri="{FF2B5EF4-FFF2-40B4-BE49-F238E27FC236}">
-                <a16:creationId xmlns:a16="http://schemas.microsoft.com/office/drawing/2014/main" id="{ADBFD3AA-DF9E-41A5-9992-6F85DE7481DC}"/>
+                <a16:creationId xmlns:a16="http://schemas.microsoft.com/office/drawing/2014/main" xmlns="" id="{ADBFD3AA-DF9E-41A5-9992-6F85DE7481DC}"/>
               </a:ext>
             </a:extLst>
           </p:cNvPr>
@@ -22180,7 +22169,7 @@
           <p:cNvPr id="413" name="Прямая со стрелкой 412">
             <a:extLst>
               <a:ext uri="{FF2B5EF4-FFF2-40B4-BE49-F238E27FC236}">
-                <a16:creationId xmlns:a16="http://schemas.microsoft.com/office/drawing/2014/main" id="{4CE2EE3E-D9CC-4744-BD50-F34DD985FA28}"/>
+                <a16:creationId xmlns:a16="http://schemas.microsoft.com/office/drawing/2014/main" xmlns="" id="{4CE2EE3E-D9CC-4744-BD50-F34DD985FA28}"/>
               </a:ext>
             </a:extLst>
           </p:cNvPr>
@@ -22223,7 +22212,7 @@
           <p:cNvPr id="414" name="Прямоугольник 413">
             <a:extLst>
               <a:ext uri="{FF2B5EF4-FFF2-40B4-BE49-F238E27FC236}">
-                <a16:creationId xmlns:a16="http://schemas.microsoft.com/office/drawing/2014/main" id="{5B2DAA12-7223-4C02-A3FD-55D4FBA67895}"/>
+                <a16:creationId xmlns:a16="http://schemas.microsoft.com/office/drawing/2014/main" xmlns="" id="{5B2DAA12-7223-4C02-A3FD-55D4FBA67895}"/>
               </a:ext>
             </a:extLst>
           </p:cNvPr>
@@ -22277,7 +22266,7 @@
           <p:cNvPr id="415" name="Прямоугольник 414">
             <a:extLst>
               <a:ext uri="{FF2B5EF4-FFF2-40B4-BE49-F238E27FC236}">
-                <a16:creationId xmlns:a16="http://schemas.microsoft.com/office/drawing/2014/main" id="{935011A5-F01B-44A4-BD24-001B35DCB2DC}"/>
+                <a16:creationId xmlns:a16="http://schemas.microsoft.com/office/drawing/2014/main" xmlns="" id="{935011A5-F01B-44A4-BD24-001B35DCB2DC}"/>
               </a:ext>
             </a:extLst>
           </p:cNvPr>
@@ -22331,7 +22320,7 @@
           <p:cNvPr id="416" name="Соединительная линия уступом 175">
             <a:extLst>
               <a:ext uri="{FF2B5EF4-FFF2-40B4-BE49-F238E27FC236}">
-                <a16:creationId xmlns:a16="http://schemas.microsoft.com/office/drawing/2014/main" id="{4E24EEA1-11CC-41B5-A7CD-C9AC5EAEE5BD}"/>
+                <a16:creationId xmlns:a16="http://schemas.microsoft.com/office/drawing/2014/main" xmlns="" id="{4E24EEA1-11CC-41B5-A7CD-C9AC5EAEE5BD}"/>
               </a:ext>
             </a:extLst>
           </p:cNvPr>
@@ -22377,7 +22366,7 @@
           <p:cNvPr id="417" name="Соединительная линия уступом 175">
             <a:extLst>
               <a:ext uri="{FF2B5EF4-FFF2-40B4-BE49-F238E27FC236}">
-                <a16:creationId xmlns:a16="http://schemas.microsoft.com/office/drawing/2014/main" id="{F9C030BA-09B1-4F38-ADEA-58333678A556}"/>
+                <a16:creationId xmlns:a16="http://schemas.microsoft.com/office/drawing/2014/main" xmlns="" id="{F9C030BA-09B1-4F38-ADEA-58333678A556}"/>
               </a:ext>
             </a:extLst>
           </p:cNvPr>
@@ -22423,7 +22412,7 @@
           <p:cNvPr id="420" name="Соединительная линия уступом 175">
             <a:extLst>
               <a:ext uri="{FF2B5EF4-FFF2-40B4-BE49-F238E27FC236}">
-                <a16:creationId xmlns:a16="http://schemas.microsoft.com/office/drawing/2014/main" id="{59A83AA4-4DB3-4BAF-B8B6-6BD38C52F1F7}"/>
+                <a16:creationId xmlns:a16="http://schemas.microsoft.com/office/drawing/2014/main" xmlns="" id="{59A83AA4-4DB3-4BAF-B8B6-6BD38C52F1F7}"/>
               </a:ext>
             </a:extLst>
           </p:cNvPr>
@@ -22469,7 +22458,7 @@
           <p:cNvPr id="421" name="Соединительная линия уступом 175">
             <a:extLst>
               <a:ext uri="{FF2B5EF4-FFF2-40B4-BE49-F238E27FC236}">
-                <a16:creationId xmlns:a16="http://schemas.microsoft.com/office/drawing/2014/main" id="{AD3F1D18-EDD0-4229-801A-8FBE28C4D7D7}"/>
+                <a16:creationId xmlns:a16="http://schemas.microsoft.com/office/drawing/2014/main" xmlns="" id="{AD3F1D18-EDD0-4229-801A-8FBE28C4D7D7}"/>
               </a:ext>
             </a:extLst>
           </p:cNvPr>
@@ -22515,7 +22504,7 @@
           <p:cNvPr id="422" name="Соединительная линия уступом 175">
             <a:extLst>
               <a:ext uri="{FF2B5EF4-FFF2-40B4-BE49-F238E27FC236}">
-                <a16:creationId xmlns:a16="http://schemas.microsoft.com/office/drawing/2014/main" id="{F673E2A7-3D59-4EE7-B3CB-539FA1163F79}"/>
+                <a16:creationId xmlns:a16="http://schemas.microsoft.com/office/drawing/2014/main" xmlns="" id="{F673E2A7-3D59-4EE7-B3CB-539FA1163F79}"/>
               </a:ext>
             </a:extLst>
           </p:cNvPr>
@@ -22561,7 +22550,7 @@
           <p:cNvPr id="423" name="Соединительная линия уступом 175">
             <a:extLst>
               <a:ext uri="{FF2B5EF4-FFF2-40B4-BE49-F238E27FC236}">
-                <a16:creationId xmlns:a16="http://schemas.microsoft.com/office/drawing/2014/main" id="{0119C34F-73B5-4432-9175-D924BF33B890}"/>
+                <a16:creationId xmlns:a16="http://schemas.microsoft.com/office/drawing/2014/main" xmlns="" id="{0119C34F-73B5-4432-9175-D924BF33B890}"/>
               </a:ext>
             </a:extLst>
           </p:cNvPr>
@@ -22607,7 +22596,7 @@
           <p:cNvPr id="425" name="Соединительная линия уступом 175">
             <a:extLst>
               <a:ext uri="{FF2B5EF4-FFF2-40B4-BE49-F238E27FC236}">
-                <a16:creationId xmlns:a16="http://schemas.microsoft.com/office/drawing/2014/main" id="{B5EC89C8-8F10-4B38-AE6B-08A0B5E4959E}"/>
+                <a16:creationId xmlns:a16="http://schemas.microsoft.com/office/drawing/2014/main" xmlns="" id="{B5EC89C8-8F10-4B38-AE6B-08A0B5E4959E}"/>
               </a:ext>
             </a:extLst>
           </p:cNvPr>
@@ -22653,7 +22642,7 @@
           <p:cNvPr id="426" name="Соединительная линия уступом 175">
             <a:extLst>
               <a:ext uri="{FF2B5EF4-FFF2-40B4-BE49-F238E27FC236}">
-                <a16:creationId xmlns:a16="http://schemas.microsoft.com/office/drawing/2014/main" id="{16E873C8-A588-454E-AA03-B55FE1EEB56B}"/>
+                <a16:creationId xmlns:a16="http://schemas.microsoft.com/office/drawing/2014/main" xmlns="" id="{16E873C8-A588-454E-AA03-B55FE1EEB56B}"/>
               </a:ext>
             </a:extLst>
           </p:cNvPr>
@@ -22699,7 +22688,7 @@
           <p:cNvPr id="427" name="Соединительная линия уступом 175">
             <a:extLst>
               <a:ext uri="{FF2B5EF4-FFF2-40B4-BE49-F238E27FC236}">
-                <a16:creationId xmlns:a16="http://schemas.microsoft.com/office/drawing/2014/main" id="{8D4DD233-EC4C-42F1-84D0-805ECD8A7824}"/>
+                <a16:creationId xmlns:a16="http://schemas.microsoft.com/office/drawing/2014/main" xmlns="" id="{8D4DD233-EC4C-42F1-84D0-805ECD8A7824}"/>
               </a:ext>
             </a:extLst>
           </p:cNvPr>
@@ -22745,7 +22734,7 @@
           <p:cNvPr id="429" name="Прямоугольник 428">
             <a:extLst>
               <a:ext uri="{FF2B5EF4-FFF2-40B4-BE49-F238E27FC236}">
-                <a16:creationId xmlns:a16="http://schemas.microsoft.com/office/drawing/2014/main" id="{F3E18413-49E4-4756-AD0A-7DCFEAAFD7C5}"/>
+                <a16:creationId xmlns:a16="http://schemas.microsoft.com/office/drawing/2014/main" xmlns="" id="{F3E18413-49E4-4756-AD0A-7DCFEAAFD7C5}"/>
               </a:ext>
             </a:extLst>
           </p:cNvPr>
@@ -22820,7 +22809,7 @@
           <p:cNvPr id="430" name="Прямоугольник 429">
             <a:extLst>
               <a:ext uri="{FF2B5EF4-FFF2-40B4-BE49-F238E27FC236}">
-                <a16:creationId xmlns:a16="http://schemas.microsoft.com/office/drawing/2014/main" id="{B8821B44-3C16-49F5-AF6E-A459DAB3173E}"/>
+                <a16:creationId xmlns:a16="http://schemas.microsoft.com/office/drawing/2014/main" xmlns="" id="{B8821B44-3C16-49F5-AF6E-A459DAB3173E}"/>
               </a:ext>
             </a:extLst>
           </p:cNvPr>
@@ -22874,7 +22863,7 @@
           <p:cNvPr id="432" name="Прямоугольник 431">
             <a:extLst>
               <a:ext uri="{FF2B5EF4-FFF2-40B4-BE49-F238E27FC236}">
-                <a16:creationId xmlns:a16="http://schemas.microsoft.com/office/drawing/2014/main" id="{E60F426E-51AC-497D-8A53-07C95D79DFEC}"/>
+                <a16:creationId xmlns:a16="http://schemas.microsoft.com/office/drawing/2014/main" xmlns="" id="{E60F426E-51AC-497D-8A53-07C95D79DFEC}"/>
               </a:ext>
             </a:extLst>
           </p:cNvPr>
@@ -22923,7 +22912,7 @@
           <p:cNvPr id="433" name="Прямая соединительная линия 432">
             <a:extLst>
               <a:ext uri="{FF2B5EF4-FFF2-40B4-BE49-F238E27FC236}">
-                <a16:creationId xmlns:a16="http://schemas.microsoft.com/office/drawing/2014/main" id="{822DED5E-4461-491C-AFC2-0D2D27ECFC92}"/>
+                <a16:creationId xmlns:a16="http://schemas.microsoft.com/office/drawing/2014/main" xmlns="" id="{822DED5E-4461-491C-AFC2-0D2D27ECFC92}"/>
               </a:ext>
             </a:extLst>
           </p:cNvPr>
@@ -22968,7 +22957,7 @@
           <p:cNvPr id="434" name="Прямоугольник 433">
             <a:extLst>
               <a:ext uri="{FF2B5EF4-FFF2-40B4-BE49-F238E27FC236}">
-                <a16:creationId xmlns:a16="http://schemas.microsoft.com/office/drawing/2014/main" id="{2EB1B2CD-4E62-474D-88CB-896850643FB6}"/>
+                <a16:creationId xmlns:a16="http://schemas.microsoft.com/office/drawing/2014/main" xmlns="" id="{2EB1B2CD-4E62-474D-88CB-896850643FB6}"/>
               </a:ext>
             </a:extLst>
           </p:cNvPr>
@@ -23027,7 +23016,7 @@
           <p:cNvPr id="435" name="Прямоугольник 434">
             <a:extLst>
               <a:ext uri="{FF2B5EF4-FFF2-40B4-BE49-F238E27FC236}">
-                <a16:creationId xmlns:a16="http://schemas.microsoft.com/office/drawing/2014/main" id="{4345DEF6-70FC-4C98-AB46-32C4B1454488}"/>
+                <a16:creationId xmlns:a16="http://schemas.microsoft.com/office/drawing/2014/main" xmlns="" id="{4345DEF6-70FC-4C98-AB46-32C4B1454488}"/>
               </a:ext>
             </a:extLst>
           </p:cNvPr>
@@ -23081,7 +23070,7 @@
           <p:cNvPr id="436" name="Прямоугольник 435">
             <a:extLst>
               <a:ext uri="{FF2B5EF4-FFF2-40B4-BE49-F238E27FC236}">
-                <a16:creationId xmlns:a16="http://schemas.microsoft.com/office/drawing/2014/main" id="{34150BB0-8305-4A2C-93E2-D26EB15407C1}"/>
+                <a16:creationId xmlns:a16="http://schemas.microsoft.com/office/drawing/2014/main" xmlns="" id="{34150BB0-8305-4A2C-93E2-D26EB15407C1}"/>
               </a:ext>
             </a:extLst>
           </p:cNvPr>
@@ -23163,7 +23152,7 @@
           <p:cNvPr id="437" name="Прямоугольник 436">
             <a:extLst>
               <a:ext uri="{FF2B5EF4-FFF2-40B4-BE49-F238E27FC236}">
-                <a16:creationId xmlns:a16="http://schemas.microsoft.com/office/drawing/2014/main" id="{C51074D0-D2A5-44B1-A0A7-977D3E858F5B}"/>
+                <a16:creationId xmlns:a16="http://schemas.microsoft.com/office/drawing/2014/main" xmlns="" id="{C51074D0-D2A5-44B1-A0A7-977D3E858F5B}"/>
               </a:ext>
             </a:extLst>
           </p:cNvPr>
@@ -23217,7 +23206,7 @@
           <p:cNvPr id="439" name="Прямоугольник 438">
             <a:extLst>
               <a:ext uri="{FF2B5EF4-FFF2-40B4-BE49-F238E27FC236}">
-                <a16:creationId xmlns:a16="http://schemas.microsoft.com/office/drawing/2014/main" id="{D7E17053-54C0-491D-8025-C4956CCDE2B2}"/>
+                <a16:creationId xmlns:a16="http://schemas.microsoft.com/office/drawing/2014/main" xmlns="" id="{D7E17053-54C0-491D-8025-C4956CCDE2B2}"/>
               </a:ext>
             </a:extLst>
           </p:cNvPr>
@@ -23271,7 +23260,7 @@
           <p:cNvPr id="440" name="Прямоугольник 439">
             <a:extLst>
               <a:ext uri="{FF2B5EF4-FFF2-40B4-BE49-F238E27FC236}">
-                <a16:creationId xmlns:a16="http://schemas.microsoft.com/office/drawing/2014/main" id="{0D5254C6-4FF2-4B00-865C-ADAE3847F4FD}"/>
+                <a16:creationId xmlns:a16="http://schemas.microsoft.com/office/drawing/2014/main" xmlns="" id="{0D5254C6-4FF2-4B00-865C-ADAE3847F4FD}"/>
               </a:ext>
             </a:extLst>
           </p:cNvPr>
@@ -23325,7 +23314,7 @@
           <p:cNvPr id="443" name="Прямая соединительная линия 442">
             <a:extLst>
               <a:ext uri="{FF2B5EF4-FFF2-40B4-BE49-F238E27FC236}">
-                <a16:creationId xmlns:a16="http://schemas.microsoft.com/office/drawing/2014/main" id="{EC46EE79-AC81-4BAA-8AD1-0F53539027F6}"/>
+                <a16:creationId xmlns:a16="http://schemas.microsoft.com/office/drawing/2014/main" xmlns="" id="{EC46EE79-AC81-4BAA-8AD1-0F53539027F6}"/>
               </a:ext>
             </a:extLst>
           </p:cNvPr>
@@ -23370,7 +23359,7 @@
           <p:cNvPr id="447" name="Соединительная линия уступом 175">
             <a:extLst>
               <a:ext uri="{FF2B5EF4-FFF2-40B4-BE49-F238E27FC236}">
-                <a16:creationId xmlns:a16="http://schemas.microsoft.com/office/drawing/2014/main" id="{A106BAF7-16AD-4C25-B749-DA38D1F1F223}"/>
+                <a16:creationId xmlns:a16="http://schemas.microsoft.com/office/drawing/2014/main" xmlns="" id="{A106BAF7-16AD-4C25-B749-DA38D1F1F223}"/>
               </a:ext>
             </a:extLst>
           </p:cNvPr>
@@ -23415,7 +23404,7 @@
           <p:cNvPr id="451" name="Прямая со стрелкой 450">
             <a:extLst>
               <a:ext uri="{FF2B5EF4-FFF2-40B4-BE49-F238E27FC236}">
-                <a16:creationId xmlns:a16="http://schemas.microsoft.com/office/drawing/2014/main" id="{A857A4A8-1F25-4BD4-A2F1-F5803781B154}"/>
+                <a16:creationId xmlns:a16="http://schemas.microsoft.com/office/drawing/2014/main" xmlns="" id="{A857A4A8-1F25-4BD4-A2F1-F5803781B154}"/>
               </a:ext>
             </a:extLst>
           </p:cNvPr>
@@ -23458,7 +23447,7 @@
           <p:cNvPr id="454" name="Прямая со стрелкой 453">
             <a:extLst>
               <a:ext uri="{FF2B5EF4-FFF2-40B4-BE49-F238E27FC236}">
-                <a16:creationId xmlns:a16="http://schemas.microsoft.com/office/drawing/2014/main" id="{6AC7D04B-7CD6-4D9B-BF85-E6B81B8E2DF1}"/>
+                <a16:creationId xmlns:a16="http://schemas.microsoft.com/office/drawing/2014/main" xmlns="" id="{6AC7D04B-7CD6-4D9B-BF85-E6B81B8E2DF1}"/>
               </a:ext>
             </a:extLst>
           </p:cNvPr>
@@ -23501,7 +23490,7 @@
           <p:cNvPr id="457" name="Соединительная линия уступом 175">
             <a:extLst>
               <a:ext uri="{FF2B5EF4-FFF2-40B4-BE49-F238E27FC236}">
-                <a16:creationId xmlns:a16="http://schemas.microsoft.com/office/drawing/2014/main" id="{01714FE1-B08C-41B0-883D-866BDA22F6D7}"/>
+                <a16:creationId xmlns:a16="http://schemas.microsoft.com/office/drawing/2014/main" xmlns="" id="{01714FE1-B08C-41B0-883D-866BDA22F6D7}"/>
               </a:ext>
             </a:extLst>
           </p:cNvPr>
@@ -23546,7 +23535,7 @@
           <p:cNvPr id="460" name="Соединительная линия уступом 175">
             <a:extLst>
               <a:ext uri="{FF2B5EF4-FFF2-40B4-BE49-F238E27FC236}">
-                <a16:creationId xmlns:a16="http://schemas.microsoft.com/office/drawing/2014/main" id="{F9060CFE-6AE8-4595-A6E5-910BC59B8AD3}"/>
+                <a16:creationId xmlns:a16="http://schemas.microsoft.com/office/drawing/2014/main" xmlns="" id="{F9060CFE-6AE8-4595-A6E5-910BC59B8AD3}"/>
               </a:ext>
             </a:extLst>
           </p:cNvPr>
@@ -23591,7 +23580,7 @@
           <p:cNvPr id="463" name="Соединительная линия уступом 175">
             <a:extLst>
               <a:ext uri="{FF2B5EF4-FFF2-40B4-BE49-F238E27FC236}">
-                <a16:creationId xmlns:a16="http://schemas.microsoft.com/office/drawing/2014/main" id="{C6B94B3F-E5F3-463E-89AC-A3E2F4762A69}"/>
+                <a16:creationId xmlns:a16="http://schemas.microsoft.com/office/drawing/2014/main" xmlns="" id="{C6B94B3F-E5F3-463E-89AC-A3E2F4762A69}"/>
               </a:ext>
             </a:extLst>
           </p:cNvPr>
@@ -23636,7 +23625,7 @@
           <p:cNvPr id="466" name="Прямая со стрелкой 465">
             <a:extLst>
               <a:ext uri="{FF2B5EF4-FFF2-40B4-BE49-F238E27FC236}">
-                <a16:creationId xmlns:a16="http://schemas.microsoft.com/office/drawing/2014/main" id="{1D279105-1240-46CC-B22F-CF62B0569E2D}"/>
+                <a16:creationId xmlns:a16="http://schemas.microsoft.com/office/drawing/2014/main" xmlns="" id="{1D279105-1240-46CC-B22F-CF62B0569E2D}"/>
               </a:ext>
             </a:extLst>
           </p:cNvPr>
@@ -23679,7 +23668,7 @@
           <p:cNvPr id="469" name="Прямоугольник 468">
             <a:extLst>
               <a:ext uri="{FF2B5EF4-FFF2-40B4-BE49-F238E27FC236}">
-                <a16:creationId xmlns:a16="http://schemas.microsoft.com/office/drawing/2014/main" id="{A0C21635-991F-4AA2-B3B5-D78C97E045E3}"/>
+                <a16:creationId xmlns:a16="http://schemas.microsoft.com/office/drawing/2014/main" xmlns="" id="{A0C21635-991F-4AA2-B3B5-D78C97E045E3}"/>
               </a:ext>
             </a:extLst>
           </p:cNvPr>
@@ -23733,7 +23722,7 @@
           <p:cNvPr id="470" name="Прямоугольник 469">
             <a:extLst>
               <a:ext uri="{FF2B5EF4-FFF2-40B4-BE49-F238E27FC236}">
-                <a16:creationId xmlns:a16="http://schemas.microsoft.com/office/drawing/2014/main" id="{18A5E3D0-5296-4421-A78E-F53BB618FC15}"/>
+                <a16:creationId xmlns:a16="http://schemas.microsoft.com/office/drawing/2014/main" xmlns="" id="{18A5E3D0-5296-4421-A78E-F53BB618FC15}"/>
               </a:ext>
             </a:extLst>
           </p:cNvPr>
@@ -23811,7 +23800,7 @@
           <p:cNvPr id="471" name="Прямоугольник 470">
             <a:extLst>
               <a:ext uri="{FF2B5EF4-FFF2-40B4-BE49-F238E27FC236}">
-                <a16:creationId xmlns:a16="http://schemas.microsoft.com/office/drawing/2014/main" id="{55192DA9-6577-4FBB-9E87-A6863A9B0B89}"/>
+                <a16:creationId xmlns:a16="http://schemas.microsoft.com/office/drawing/2014/main" xmlns="" id="{55192DA9-6577-4FBB-9E87-A6863A9B0B89}"/>
               </a:ext>
             </a:extLst>
           </p:cNvPr>
@@ -23865,7 +23854,7 @@
           <p:cNvPr id="472" name="Соединительная линия уступом 175">
             <a:extLst>
               <a:ext uri="{FF2B5EF4-FFF2-40B4-BE49-F238E27FC236}">
-                <a16:creationId xmlns:a16="http://schemas.microsoft.com/office/drawing/2014/main" id="{3EFB5F95-15D5-4AB1-A98F-BFC7858ACE86}"/>
+                <a16:creationId xmlns:a16="http://schemas.microsoft.com/office/drawing/2014/main" xmlns="" id="{3EFB5F95-15D5-4AB1-A98F-BFC7858ACE86}"/>
               </a:ext>
             </a:extLst>
           </p:cNvPr>
@@ -23910,7 +23899,7 @@
           <p:cNvPr id="477" name="Прямоугольник 476">
             <a:extLst>
               <a:ext uri="{FF2B5EF4-FFF2-40B4-BE49-F238E27FC236}">
-                <a16:creationId xmlns:a16="http://schemas.microsoft.com/office/drawing/2014/main" id="{64EBD9B7-7491-427C-9D2C-E0B07AA44DE3}"/>
+                <a16:creationId xmlns:a16="http://schemas.microsoft.com/office/drawing/2014/main" xmlns="" id="{64EBD9B7-7491-427C-9D2C-E0B07AA44DE3}"/>
               </a:ext>
             </a:extLst>
           </p:cNvPr>
@@ -23964,7 +23953,7 @@
           <p:cNvPr id="478" name="Соединительная линия уступом 175">
             <a:extLst>
               <a:ext uri="{FF2B5EF4-FFF2-40B4-BE49-F238E27FC236}">
-                <a16:creationId xmlns:a16="http://schemas.microsoft.com/office/drawing/2014/main" id="{166C3203-8507-4330-8A18-FD0D613FC852}"/>
+                <a16:creationId xmlns:a16="http://schemas.microsoft.com/office/drawing/2014/main" xmlns="" id="{166C3203-8507-4330-8A18-FD0D613FC852}"/>
               </a:ext>
             </a:extLst>
           </p:cNvPr>
@@ -24009,7 +23998,7 @@
           <p:cNvPr id="483" name="Прямоугольник 482">
             <a:extLst>
               <a:ext uri="{FF2B5EF4-FFF2-40B4-BE49-F238E27FC236}">
-                <a16:creationId xmlns:a16="http://schemas.microsoft.com/office/drawing/2014/main" id="{2F81E91C-D85F-4115-9BA7-049B5DB8AE10}"/>
+                <a16:creationId xmlns:a16="http://schemas.microsoft.com/office/drawing/2014/main" xmlns="" id="{2F81E91C-D85F-4115-9BA7-049B5DB8AE10}"/>
               </a:ext>
             </a:extLst>
           </p:cNvPr>
@@ -24124,7 +24113,7 @@
           <p:cNvPr id="484" name="Соединительная линия уступом 175">
             <a:extLst>
               <a:ext uri="{FF2B5EF4-FFF2-40B4-BE49-F238E27FC236}">
-                <a16:creationId xmlns:a16="http://schemas.microsoft.com/office/drawing/2014/main" id="{03E14101-98DA-4D50-B8CC-EEE41D7E204A}"/>
+                <a16:creationId xmlns:a16="http://schemas.microsoft.com/office/drawing/2014/main" xmlns="" id="{03E14101-98DA-4D50-B8CC-EEE41D7E204A}"/>
               </a:ext>
             </a:extLst>
           </p:cNvPr>
@@ -24169,7 +24158,7 @@
           <p:cNvPr id="487" name="Прямоугольник 486">
             <a:extLst>
               <a:ext uri="{FF2B5EF4-FFF2-40B4-BE49-F238E27FC236}">
-                <a16:creationId xmlns:a16="http://schemas.microsoft.com/office/drawing/2014/main" id="{7F06A351-42B8-46B7-8546-A8854F4B3E84}"/>
+                <a16:creationId xmlns:a16="http://schemas.microsoft.com/office/drawing/2014/main" xmlns="" id="{7F06A351-42B8-46B7-8546-A8854F4B3E84}"/>
               </a:ext>
             </a:extLst>
           </p:cNvPr>
@@ -24223,7 +24212,7 @@
           <p:cNvPr id="488" name="Прямоугольник 487">
             <a:extLst>
               <a:ext uri="{FF2B5EF4-FFF2-40B4-BE49-F238E27FC236}">
-                <a16:creationId xmlns:a16="http://schemas.microsoft.com/office/drawing/2014/main" id="{0C7B52E4-9877-4B97-A57D-E4F55FBBED64}"/>
+                <a16:creationId xmlns:a16="http://schemas.microsoft.com/office/drawing/2014/main" xmlns="" id="{0C7B52E4-9877-4B97-A57D-E4F55FBBED64}"/>
               </a:ext>
             </a:extLst>
           </p:cNvPr>
@@ -24285,7 +24274,7 @@
           <p:cNvPr id="489" name="Прямая со стрелкой 488">
             <a:extLst>
               <a:ext uri="{FF2B5EF4-FFF2-40B4-BE49-F238E27FC236}">
-                <a16:creationId xmlns:a16="http://schemas.microsoft.com/office/drawing/2014/main" id="{31C7DAC6-5602-4552-A406-EFBCABC4040D}"/>
+                <a16:creationId xmlns:a16="http://schemas.microsoft.com/office/drawing/2014/main" xmlns="" id="{31C7DAC6-5602-4552-A406-EFBCABC4040D}"/>
               </a:ext>
             </a:extLst>
           </p:cNvPr>
@@ -24328,7 +24317,7 @@
           <p:cNvPr id="496" name="Прямоугольник 495">
             <a:extLst>
               <a:ext uri="{FF2B5EF4-FFF2-40B4-BE49-F238E27FC236}">
-                <a16:creationId xmlns:a16="http://schemas.microsoft.com/office/drawing/2014/main" id="{01B36607-B25C-4740-95A0-0C5DFF7FD982}"/>
+                <a16:creationId xmlns:a16="http://schemas.microsoft.com/office/drawing/2014/main" xmlns="" id="{01B36607-B25C-4740-95A0-0C5DFF7FD982}"/>
               </a:ext>
             </a:extLst>
           </p:cNvPr>
@@ -24382,7 +24371,7 @@
           <p:cNvPr id="500" name="Прямоугольник 499">
             <a:extLst>
               <a:ext uri="{FF2B5EF4-FFF2-40B4-BE49-F238E27FC236}">
-                <a16:creationId xmlns:a16="http://schemas.microsoft.com/office/drawing/2014/main" id="{FC75B930-026F-4A5E-BF65-4E9AD1594330}"/>
+                <a16:creationId xmlns:a16="http://schemas.microsoft.com/office/drawing/2014/main" xmlns="" id="{FC75B930-026F-4A5E-BF65-4E9AD1594330}"/>
               </a:ext>
             </a:extLst>
           </p:cNvPr>
@@ -24436,7 +24425,7 @@
           <p:cNvPr id="510" name="Прямоугольник 509">
             <a:extLst>
               <a:ext uri="{FF2B5EF4-FFF2-40B4-BE49-F238E27FC236}">
-                <a16:creationId xmlns:a16="http://schemas.microsoft.com/office/drawing/2014/main" id="{24061DB5-C489-431C-9189-4DC5206E6C53}"/>
+                <a16:creationId xmlns:a16="http://schemas.microsoft.com/office/drawing/2014/main" xmlns="" id="{24061DB5-C489-431C-9189-4DC5206E6C53}"/>
               </a:ext>
             </a:extLst>
           </p:cNvPr>
@@ -24490,7 +24479,7 @@
           <p:cNvPr id="512" name="Прямоугольник 511">
             <a:extLst>
               <a:ext uri="{FF2B5EF4-FFF2-40B4-BE49-F238E27FC236}">
-                <a16:creationId xmlns:a16="http://schemas.microsoft.com/office/drawing/2014/main" id="{D8AF6B63-D360-47BE-BD85-5F688602A282}"/>
+                <a16:creationId xmlns:a16="http://schemas.microsoft.com/office/drawing/2014/main" xmlns="" id="{D8AF6B63-D360-47BE-BD85-5F688602A282}"/>
               </a:ext>
             </a:extLst>
           </p:cNvPr>
@@ -24544,7 +24533,7 @@
           <p:cNvPr id="513" name="Прямая соединительная линия 512">
             <a:extLst>
               <a:ext uri="{FF2B5EF4-FFF2-40B4-BE49-F238E27FC236}">
-                <a16:creationId xmlns:a16="http://schemas.microsoft.com/office/drawing/2014/main" id="{0D4B854A-8CC7-44FA-8C16-2B875D78D2EF}"/>
+                <a16:creationId xmlns:a16="http://schemas.microsoft.com/office/drawing/2014/main" xmlns="" id="{0D4B854A-8CC7-44FA-8C16-2B875D78D2EF}"/>
               </a:ext>
             </a:extLst>
           </p:cNvPr>
@@ -24589,7 +24578,7 @@
           <p:cNvPr id="518" name="Соединительная линия уступом 175">
             <a:extLst>
               <a:ext uri="{FF2B5EF4-FFF2-40B4-BE49-F238E27FC236}">
-                <a16:creationId xmlns:a16="http://schemas.microsoft.com/office/drawing/2014/main" id="{F44F525B-E618-45E0-B9EF-5F906451BBA4}"/>
+                <a16:creationId xmlns:a16="http://schemas.microsoft.com/office/drawing/2014/main" xmlns="" id="{F44F525B-E618-45E0-B9EF-5F906451BBA4}"/>
               </a:ext>
             </a:extLst>
           </p:cNvPr>
@@ -24635,7 +24624,7 @@
           <p:cNvPr id="521" name="Соединительная линия уступом 175">
             <a:extLst>
               <a:ext uri="{FF2B5EF4-FFF2-40B4-BE49-F238E27FC236}">
-                <a16:creationId xmlns:a16="http://schemas.microsoft.com/office/drawing/2014/main" id="{DF6149B9-3766-4D30-A857-751804664437}"/>
+                <a16:creationId xmlns:a16="http://schemas.microsoft.com/office/drawing/2014/main" xmlns="" id="{DF6149B9-3766-4D30-A857-751804664437}"/>
               </a:ext>
             </a:extLst>
           </p:cNvPr>
@@ -24681,7 +24670,7 @@
           <p:cNvPr id="524" name="Соединительная линия уступом 175">
             <a:extLst>
               <a:ext uri="{FF2B5EF4-FFF2-40B4-BE49-F238E27FC236}">
-                <a16:creationId xmlns:a16="http://schemas.microsoft.com/office/drawing/2014/main" id="{6F2B59C2-96C3-45F0-8E47-7AB0B9B6789C}"/>
+                <a16:creationId xmlns:a16="http://schemas.microsoft.com/office/drawing/2014/main" xmlns="" id="{6F2B59C2-96C3-45F0-8E47-7AB0B9B6789C}"/>
               </a:ext>
             </a:extLst>
           </p:cNvPr>
@@ -24726,7 +24715,7 @@
           <p:cNvPr id="527" name="Соединительная линия уступом 175">
             <a:extLst>
               <a:ext uri="{FF2B5EF4-FFF2-40B4-BE49-F238E27FC236}">
-                <a16:creationId xmlns:a16="http://schemas.microsoft.com/office/drawing/2014/main" id="{C626ADAF-7A95-4EBB-84F0-C3C484D06528}"/>
+                <a16:creationId xmlns:a16="http://schemas.microsoft.com/office/drawing/2014/main" xmlns="" id="{C626ADAF-7A95-4EBB-84F0-C3C484D06528}"/>
               </a:ext>
             </a:extLst>
           </p:cNvPr>
@@ -24771,7 +24760,7 @@
           <p:cNvPr id="530" name="Прямоугольник 529">
             <a:extLst>
               <a:ext uri="{FF2B5EF4-FFF2-40B4-BE49-F238E27FC236}">
-                <a16:creationId xmlns:a16="http://schemas.microsoft.com/office/drawing/2014/main" id="{C1C76B9F-F2EA-4D46-8F96-0B00437CAF39}"/>
+                <a16:creationId xmlns:a16="http://schemas.microsoft.com/office/drawing/2014/main" xmlns="" id="{C1C76B9F-F2EA-4D46-8F96-0B00437CAF39}"/>
               </a:ext>
             </a:extLst>
           </p:cNvPr>
@@ -24825,7 +24814,7 @@
           <p:cNvPr id="531" name="Соединительная линия уступом 175">
             <a:extLst>
               <a:ext uri="{FF2B5EF4-FFF2-40B4-BE49-F238E27FC236}">
-                <a16:creationId xmlns:a16="http://schemas.microsoft.com/office/drawing/2014/main" id="{743AC6D8-46BC-4E92-90BA-B6DD67805533}"/>
+                <a16:creationId xmlns:a16="http://schemas.microsoft.com/office/drawing/2014/main" xmlns="" id="{743AC6D8-46BC-4E92-90BA-B6DD67805533}"/>
               </a:ext>
             </a:extLst>
           </p:cNvPr>
@@ -24870,7 +24859,7 @@
           <p:cNvPr id="534" name="Соединительная линия уступом 175">
             <a:extLst>
               <a:ext uri="{FF2B5EF4-FFF2-40B4-BE49-F238E27FC236}">
-                <a16:creationId xmlns:a16="http://schemas.microsoft.com/office/drawing/2014/main" id="{DC741C57-5EF0-4A81-A3FD-762DAF83E6FC}"/>
+                <a16:creationId xmlns:a16="http://schemas.microsoft.com/office/drawing/2014/main" xmlns="" id="{DC741C57-5EF0-4A81-A3FD-762DAF83E6FC}"/>
               </a:ext>
             </a:extLst>
           </p:cNvPr>
@@ -24915,7 +24904,7 @@
           <p:cNvPr id="537" name="Соединительная линия уступом 175">
             <a:extLst>
               <a:ext uri="{FF2B5EF4-FFF2-40B4-BE49-F238E27FC236}">
-                <a16:creationId xmlns:a16="http://schemas.microsoft.com/office/drawing/2014/main" id="{929DDA0B-3D12-4005-8196-90E9FD25A0C1}"/>
+                <a16:creationId xmlns:a16="http://schemas.microsoft.com/office/drawing/2014/main" xmlns="" id="{929DDA0B-3D12-4005-8196-90E9FD25A0C1}"/>
               </a:ext>
             </a:extLst>
           </p:cNvPr>
@@ -24961,7 +24950,7 @@
           <p:cNvPr id="540" name="Соединительная линия уступом 175">
             <a:extLst>
               <a:ext uri="{FF2B5EF4-FFF2-40B4-BE49-F238E27FC236}">
-                <a16:creationId xmlns:a16="http://schemas.microsoft.com/office/drawing/2014/main" id="{60751D89-A337-4A33-8C72-457CAAEC52E1}"/>
+                <a16:creationId xmlns:a16="http://schemas.microsoft.com/office/drawing/2014/main" xmlns="" id="{60751D89-A337-4A33-8C72-457CAAEC52E1}"/>
               </a:ext>
             </a:extLst>
           </p:cNvPr>
@@ -25007,7 +24996,7 @@
           <p:cNvPr id="543" name="Прямоугольник 542">
             <a:extLst>
               <a:ext uri="{FF2B5EF4-FFF2-40B4-BE49-F238E27FC236}">
-                <a16:creationId xmlns:a16="http://schemas.microsoft.com/office/drawing/2014/main" id="{63F9AAEB-96F0-4AE2-B6DC-1B13D241A1B7}"/>
+                <a16:creationId xmlns:a16="http://schemas.microsoft.com/office/drawing/2014/main" xmlns="" id="{63F9AAEB-96F0-4AE2-B6DC-1B13D241A1B7}"/>
               </a:ext>
             </a:extLst>
           </p:cNvPr>
@@ -25061,7 +25050,7 @@
           <p:cNvPr id="544" name="Прямоугольник 543">
             <a:extLst>
               <a:ext uri="{FF2B5EF4-FFF2-40B4-BE49-F238E27FC236}">
-                <a16:creationId xmlns:a16="http://schemas.microsoft.com/office/drawing/2014/main" id="{7BB47993-0E46-480C-BC24-34A83B498E24}"/>
+                <a16:creationId xmlns:a16="http://schemas.microsoft.com/office/drawing/2014/main" xmlns="" id="{7BB47993-0E46-480C-BC24-34A83B498E24}"/>
               </a:ext>
             </a:extLst>
           </p:cNvPr>
@@ -25115,7 +25104,7 @@
           <p:cNvPr id="545" name="Соединительная линия уступом 175">
             <a:extLst>
               <a:ext uri="{FF2B5EF4-FFF2-40B4-BE49-F238E27FC236}">
-                <a16:creationId xmlns:a16="http://schemas.microsoft.com/office/drawing/2014/main" id="{94524370-5811-4092-81BF-DCF781763F22}"/>
+                <a16:creationId xmlns:a16="http://schemas.microsoft.com/office/drawing/2014/main" xmlns="" id="{94524370-5811-4092-81BF-DCF781763F22}"/>
               </a:ext>
             </a:extLst>
           </p:cNvPr>
@@ -25160,7 +25149,7 @@
           <p:cNvPr id="548" name="Соединительная линия уступом 175">
             <a:extLst>
               <a:ext uri="{FF2B5EF4-FFF2-40B4-BE49-F238E27FC236}">
-                <a16:creationId xmlns:a16="http://schemas.microsoft.com/office/drawing/2014/main" id="{E5FF09CF-D871-428E-B268-998929192BE7}"/>
+                <a16:creationId xmlns:a16="http://schemas.microsoft.com/office/drawing/2014/main" xmlns="" id="{E5FF09CF-D871-428E-B268-998929192BE7}"/>
               </a:ext>
             </a:extLst>
           </p:cNvPr>
@@ -25205,7 +25194,7 @@
           <p:cNvPr id="552" name="Прямая со стрелкой 551">
             <a:extLst>
               <a:ext uri="{FF2B5EF4-FFF2-40B4-BE49-F238E27FC236}">
-                <a16:creationId xmlns:a16="http://schemas.microsoft.com/office/drawing/2014/main" id="{8EC67531-4F3C-4E25-907D-C8909E2B1333}"/>
+                <a16:creationId xmlns:a16="http://schemas.microsoft.com/office/drawing/2014/main" xmlns="" id="{8EC67531-4F3C-4E25-907D-C8909E2B1333}"/>
               </a:ext>
             </a:extLst>
           </p:cNvPr>
@@ -25248,7 +25237,7 @@
           <p:cNvPr id="555" name="Прямая со стрелкой 554">
             <a:extLst>
               <a:ext uri="{FF2B5EF4-FFF2-40B4-BE49-F238E27FC236}">
-                <a16:creationId xmlns:a16="http://schemas.microsoft.com/office/drawing/2014/main" id="{F1CB00CD-616B-4179-8C8B-BD18EAAB31E8}"/>
+                <a16:creationId xmlns:a16="http://schemas.microsoft.com/office/drawing/2014/main" xmlns="" id="{F1CB00CD-616B-4179-8C8B-BD18EAAB31E8}"/>
               </a:ext>
             </a:extLst>
           </p:cNvPr>
@@ -25291,7 +25280,7 @@
           <p:cNvPr id="558" name="Прямоугольник 557">
             <a:extLst>
               <a:ext uri="{FF2B5EF4-FFF2-40B4-BE49-F238E27FC236}">
-                <a16:creationId xmlns:a16="http://schemas.microsoft.com/office/drawing/2014/main" id="{63649C78-A0E5-4B6E-B5E3-2219E6BBAC40}"/>
+                <a16:creationId xmlns:a16="http://schemas.microsoft.com/office/drawing/2014/main" xmlns="" id="{63649C78-A0E5-4B6E-B5E3-2219E6BBAC40}"/>
               </a:ext>
             </a:extLst>
           </p:cNvPr>
@@ -25345,7 +25334,7 @@
           <p:cNvPr id="559" name="Соединительная линия уступом 175">
             <a:extLst>
               <a:ext uri="{FF2B5EF4-FFF2-40B4-BE49-F238E27FC236}">
-                <a16:creationId xmlns:a16="http://schemas.microsoft.com/office/drawing/2014/main" id="{DC1F00DD-B53C-4BA2-9DAC-A6AA130CEAEF}"/>
+                <a16:creationId xmlns:a16="http://schemas.microsoft.com/office/drawing/2014/main" xmlns="" id="{DC1F00DD-B53C-4BA2-9DAC-A6AA130CEAEF}"/>
               </a:ext>
             </a:extLst>
           </p:cNvPr>
@@ -25390,7 +25379,7 @@
           <p:cNvPr id="562" name="Прямоугольник 561">
             <a:extLst>
               <a:ext uri="{FF2B5EF4-FFF2-40B4-BE49-F238E27FC236}">
-                <a16:creationId xmlns:a16="http://schemas.microsoft.com/office/drawing/2014/main" id="{9F1F6D49-CF22-428D-B931-1BC4F30137BE}"/>
+                <a16:creationId xmlns:a16="http://schemas.microsoft.com/office/drawing/2014/main" xmlns="" id="{9F1F6D49-CF22-428D-B931-1BC4F30137BE}"/>
               </a:ext>
             </a:extLst>
           </p:cNvPr>
@@ -25444,7 +25433,7 @@
           <p:cNvPr id="563" name="Соединительная линия уступом 175">
             <a:extLst>
               <a:ext uri="{FF2B5EF4-FFF2-40B4-BE49-F238E27FC236}">
-                <a16:creationId xmlns:a16="http://schemas.microsoft.com/office/drawing/2014/main" id="{44BAF38A-4E6C-49EE-A57C-06F76FB7006D}"/>
+                <a16:creationId xmlns:a16="http://schemas.microsoft.com/office/drawing/2014/main" xmlns="" id="{44BAF38A-4E6C-49EE-A57C-06F76FB7006D}"/>
               </a:ext>
             </a:extLst>
           </p:cNvPr>
@@ -25489,7 +25478,7 @@
           <p:cNvPr id="431" name="Прямоугольник 430">
             <a:extLst>
               <a:ext uri="{FF2B5EF4-FFF2-40B4-BE49-F238E27FC236}">
-                <a16:creationId xmlns:a16="http://schemas.microsoft.com/office/drawing/2014/main" id="{2AA414A8-738D-4EB9-8330-422F5A615286}"/>
+                <a16:creationId xmlns:a16="http://schemas.microsoft.com/office/drawing/2014/main" xmlns="" id="{2AA414A8-738D-4EB9-8330-422F5A615286}"/>
               </a:ext>
             </a:extLst>
           </p:cNvPr>
@@ -25538,7 +25527,7 @@
           <p:cNvPr id="438" name="Соединительная линия уступом 175">
             <a:extLst>
               <a:ext uri="{FF2B5EF4-FFF2-40B4-BE49-F238E27FC236}">
-                <a16:creationId xmlns:a16="http://schemas.microsoft.com/office/drawing/2014/main" id="{66EF080E-9E66-44CF-9B02-09A56CF66C30}"/>
+                <a16:creationId xmlns:a16="http://schemas.microsoft.com/office/drawing/2014/main" xmlns="" id="{66EF080E-9E66-44CF-9B02-09A56CF66C30}"/>
               </a:ext>
             </a:extLst>
           </p:cNvPr>
@@ -25584,7 +25573,7 @@
           <p:cNvPr id="444" name="Соединительная линия уступом 175">
             <a:extLst>
               <a:ext uri="{FF2B5EF4-FFF2-40B4-BE49-F238E27FC236}">
-                <a16:creationId xmlns:a16="http://schemas.microsoft.com/office/drawing/2014/main" id="{166151B5-4ED6-430A-AABA-D7D1D275E20E}"/>
+                <a16:creationId xmlns:a16="http://schemas.microsoft.com/office/drawing/2014/main" xmlns="" id="{166151B5-4ED6-430A-AABA-D7D1D275E20E}"/>
               </a:ext>
             </a:extLst>
           </p:cNvPr>
@@ -25630,7 +25619,7 @@
           <p:cNvPr id="445" name="Соединительная линия уступом 175">
             <a:extLst>
               <a:ext uri="{FF2B5EF4-FFF2-40B4-BE49-F238E27FC236}">
-                <a16:creationId xmlns:a16="http://schemas.microsoft.com/office/drawing/2014/main" id="{D1507FA4-3D1E-455B-83B5-9FF5E8543934}"/>
+                <a16:creationId xmlns:a16="http://schemas.microsoft.com/office/drawing/2014/main" xmlns="" id="{D1507FA4-3D1E-455B-83B5-9FF5E8543934}"/>
               </a:ext>
             </a:extLst>
           </p:cNvPr>
@@ -25676,7 +25665,7 @@
           <p:cNvPr id="446" name="Соединительная линия уступом 175">
             <a:extLst>
               <a:ext uri="{FF2B5EF4-FFF2-40B4-BE49-F238E27FC236}">
-                <a16:creationId xmlns:a16="http://schemas.microsoft.com/office/drawing/2014/main" id="{87925B6E-8556-4818-8C19-001EF20E1735}"/>
+                <a16:creationId xmlns:a16="http://schemas.microsoft.com/office/drawing/2014/main" xmlns="" id="{87925B6E-8556-4818-8C19-001EF20E1735}"/>
               </a:ext>
             </a:extLst>
           </p:cNvPr>
@@ -25722,7 +25711,7 @@
           <p:cNvPr id="448" name="Соединительная линия уступом 175">
             <a:extLst>
               <a:ext uri="{FF2B5EF4-FFF2-40B4-BE49-F238E27FC236}">
-                <a16:creationId xmlns:a16="http://schemas.microsoft.com/office/drawing/2014/main" id="{56951DCE-609B-4F92-ABDF-FB0286172D2F}"/>
+                <a16:creationId xmlns:a16="http://schemas.microsoft.com/office/drawing/2014/main" xmlns="" id="{56951DCE-609B-4F92-ABDF-FB0286172D2F}"/>
               </a:ext>
             </a:extLst>
           </p:cNvPr>
@@ -25768,7 +25757,7 @@
           <p:cNvPr id="449" name="Соединительная линия уступом 175">
             <a:extLst>
               <a:ext uri="{FF2B5EF4-FFF2-40B4-BE49-F238E27FC236}">
-                <a16:creationId xmlns:a16="http://schemas.microsoft.com/office/drawing/2014/main" id="{99EE0586-CF7A-4C56-BF45-A69DDE065F6D}"/>
+                <a16:creationId xmlns:a16="http://schemas.microsoft.com/office/drawing/2014/main" xmlns="" id="{99EE0586-CF7A-4C56-BF45-A69DDE065F6D}"/>
               </a:ext>
             </a:extLst>
           </p:cNvPr>
@@ -25814,7 +25803,7 @@
           <p:cNvPr id="450" name="Соединительная линия уступом 175">
             <a:extLst>
               <a:ext uri="{FF2B5EF4-FFF2-40B4-BE49-F238E27FC236}">
-                <a16:creationId xmlns:a16="http://schemas.microsoft.com/office/drawing/2014/main" id="{96B24CA2-99F1-442D-9F9F-2CA7BE69612E}"/>
+                <a16:creationId xmlns:a16="http://schemas.microsoft.com/office/drawing/2014/main" xmlns="" id="{96B24CA2-99F1-442D-9F9F-2CA7BE69612E}"/>
               </a:ext>
             </a:extLst>
           </p:cNvPr>
@@ -25860,7 +25849,7 @@
           <p:cNvPr id="452" name="Соединительная линия уступом 175">
             <a:extLst>
               <a:ext uri="{FF2B5EF4-FFF2-40B4-BE49-F238E27FC236}">
-                <a16:creationId xmlns:a16="http://schemas.microsoft.com/office/drawing/2014/main" id="{B278CAE8-EE23-4B14-9985-1B8C7A6F8ABE}"/>
+                <a16:creationId xmlns:a16="http://schemas.microsoft.com/office/drawing/2014/main" xmlns="" id="{B278CAE8-EE23-4B14-9985-1B8C7A6F8ABE}"/>
               </a:ext>
             </a:extLst>
           </p:cNvPr>
@@ -25906,7 +25895,7 @@
           <p:cNvPr id="453" name="Соединительная линия уступом 175">
             <a:extLst>
               <a:ext uri="{FF2B5EF4-FFF2-40B4-BE49-F238E27FC236}">
-                <a16:creationId xmlns:a16="http://schemas.microsoft.com/office/drawing/2014/main" id="{47002344-CD66-4F04-92F9-D8C5A963FEDF}"/>
+                <a16:creationId xmlns:a16="http://schemas.microsoft.com/office/drawing/2014/main" xmlns="" id="{47002344-CD66-4F04-92F9-D8C5A963FEDF}"/>
               </a:ext>
             </a:extLst>
           </p:cNvPr>
@@ -25952,7 +25941,7 @@
           <p:cNvPr id="455" name="Соединительная линия уступом 175">
             <a:extLst>
               <a:ext uri="{FF2B5EF4-FFF2-40B4-BE49-F238E27FC236}">
-                <a16:creationId xmlns:a16="http://schemas.microsoft.com/office/drawing/2014/main" id="{62E307F4-6812-4934-AED9-7F007764F28B}"/>
+                <a16:creationId xmlns:a16="http://schemas.microsoft.com/office/drawing/2014/main" xmlns="" id="{62E307F4-6812-4934-AED9-7F007764F28B}"/>
               </a:ext>
             </a:extLst>
           </p:cNvPr>
@@ -26260,7 +26249,7 @@
   <a:extraClrSchemeLst/>
   <a:extLst>
     <a:ext uri="{05A4C25C-085E-4340-85A3-A5531E510DB2}">
-      <thm15:themeFamily xmlns:thm15="http://schemas.microsoft.com/office/thememl/2012/main" name="Office Theme" id="{62F939B6-93AF-4DB8-9C6B-D6C7DFDC589F}" vid="{4A3C46E8-61CC-4603-A589-7422A47A8E4A}"/>
+      <thm15:themeFamily xmlns:thm15="http://schemas.microsoft.com/office/thememl/2012/main" xmlns="" name="Office Theme" id="{62F939B6-93AF-4DB8-9C6B-D6C7DFDC589F}" vid="{4A3C46E8-61CC-4603-A589-7422A47A8E4A}"/>
     </a:ext>
   </a:extLst>
 </a:theme>
@@ -26521,7 +26510,7 @@
   <a:extraClrSchemeLst/>
   <a:extLst>
     <a:ext uri="{05A4C25C-085E-4340-85A3-A5531E510DB2}">
-      <thm15:themeFamily xmlns:thm15="http://schemas.microsoft.com/office/thememl/2012/main" name="Office Theme" id="{62F939B6-93AF-4DB8-9C6B-D6C7DFDC589F}" vid="{4A3C46E8-61CC-4603-A589-7422A47A8E4A}"/>
+      <thm15:themeFamily xmlns:thm15="http://schemas.microsoft.com/office/thememl/2012/main" xmlns="" name="Office Theme" id="{62F939B6-93AF-4DB8-9C6B-D6C7DFDC589F}" vid="{4A3C46E8-61CC-4603-A589-7422A47A8E4A}"/>
     </a:ext>
   </a:extLst>
 </a:theme>

--- a/Наработки/диздоки/Нидерланды/Нидерланды.pptx
+++ b/Наработки/диздоки/Нидерланды/Нидерланды.pptx
@@ -109,7 +109,7 @@
   </p:defaultTextStyle>
   <p:extLst>
     <p:ext uri="{EFAFB233-063F-42B5-8137-9DF3F51BA10A}">
-      <p15:sldGuideLst xmlns:p15="http://schemas.microsoft.com/office/powerpoint/2012/main" xmlns="">
+      <p15:sldGuideLst xmlns:p15="http://schemas.microsoft.com/office/powerpoint/2012/main">
         <p15:guide id="1" orient="horz" pos="11344">
           <p15:clr>
             <a:srgbClr val="A4A3A4"/>
@@ -209,7 +209,7 @@
             <a:fld id="{33E3D7F9-E251-484C-A6FF-FA958879DF69}" type="datetimeFigureOut">
               <a:rPr lang="ru-RU" smtClean="0"/>
               <a:pPr/>
-              <a:t>25.04.2022</a:t>
+              <a:t>28.04.2022</a:t>
             </a:fld>
             <a:endParaRPr lang="ru-RU"/>
           </a:p>
@@ -699,7 +699,7 @@
             <a:fld id="{85A5DE44-605B-4D3B-B2B7-94543DF81A36}" type="datetimeFigureOut">
               <a:rPr lang="ru-RU" smtClean="0"/>
               <a:pPr/>
-              <a:t>25.04.2022</a:t>
+              <a:t>28.04.2022</a:t>
             </a:fld>
             <a:endParaRPr lang="ru-RU"/>
           </a:p>
@@ -871,7 +871,7 @@
             <a:fld id="{85A5DE44-605B-4D3B-B2B7-94543DF81A36}" type="datetimeFigureOut">
               <a:rPr lang="ru-RU" smtClean="0"/>
               <a:pPr/>
-              <a:t>25.04.2022</a:t>
+              <a:t>28.04.2022</a:t>
             </a:fld>
             <a:endParaRPr lang="ru-RU"/>
           </a:p>
@@ -1053,7 +1053,7 @@
             <a:fld id="{85A5DE44-605B-4D3B-B2B7-94543DF81A36}" type="datetimeFigureOut">
               <a:rPr lang="ru-RU" smtClean="0"/>
               <a:pPr/>
-              <a:t>25.04.2022</a:t>
+              <a:t>28.04.2022</a:t>
             </a:fld>
             <a:endParaRPr lang="ru-RU"/>
           </a:p>
@@ -1225,7 +1225,7 @@
             <a:fld id="{85A5DE44-605B-4D3B-B2B7-94543DF81A36}" type="datetimeFigureOut">
               <a:rPr lang="ru-RU" smtClean="0"/>
               <a:pPr/>
-              <a:t>25.04.2022</a:t>
+              <a:t>28.04.2022</a:t>
             </a:fld>
             <a:endParaRPr lang="ru-RU"/>
           </a:p>
@@ -1473,7 +1473,7 @@
             <a:fld id="{85A5DE44-605B-4D3B-B2B7-94543DF81A36}" type="datetimeFigureOut">
               <a:rPr lang="ru-RU" smtClean="0"/>
               <a:pPr/>
-              <a:t>25.04.2022</a:t>
+              <a:t>28.04.2022</a:t>
             </a:fld>
             <a:endParaRPr lang="ru-RU"/>
           </a:p>
@@ -1707,7 +1707,7 @@
             <a:fld id="{85A5DE44-605B-4D3B-B2B7-94543DF81A36}" type="datetimeFigureOut">
               <a:rPr lang="ru-RU" smtClean="0"/>
               <a:pPr/>
-              <a:t>25.04.2022</a:t>
+              <a:t>28.04.2022</a:t>
             </a:fld>
             <a:endParaRPr lang="ru-RU"/>
           </a:p>
@@ -2076,7 +2076,7 @@
             <a:fld id="{85A5DE44-605B-4D3B-B2B7-94543DF81A36}" type="datetimeFigureOut">
               <a:rPr lang="ru-RU" smtClean="0"/>
               <a:pPr/>
-              <a:t>25.04.2022</a:t>
+              <a:t>28.04.2022</a:t>
             </a:fld>
             <a:endParaRPr lang="ru-RU"/>
           </a:p>
@@ -2196,7 +2196,7 @@
             <a:fld id="{85A5DE44-605B-4D3B-B2B7-94543DF81A36}" type="datetimeFigureOut">
               <a:rPr lang="ru-RU" smtClean="0"/>
               <a:pPr/>
-              <a:t>25.04.2022</a:t>
+              <a:t>28.04.2022</a:t>
             </a:fld>
             <a:endParaRPr lang="ru-RU"/>
           </a:p>
@@ -2293,7 +2293,7 @@
             <a:fld id="{85A5DE44-605B-4D3B-B2B7-94543DF81A36}" type="datetimeFigureOut">
               <a:rPr lang="ru-RU" smtClean="0"/>
               <a:pPr/>
-              <a:t>25.04.2022</a:t>
+              <a:t>28.04.2022</a:t>
             </a:fld>
             <a:endParaRPr lang="ru-RU"/>
           </a:p>
@@ -2572,7 +2572,7 @@
             <a:fld id="{85A5DE44-605B-4D3B-B2B7-94543DF81A36}" type="datetimeFigureOut">
               <a:rPr lang="ru-RU" smtClean="0"/>
               <a:pPr/>
-              <a:t>25.04.2022</a:t>
+              <a:t>28.04.2022</a:t>
             </a:fld>
             <a:endParaRPr lang="ru-RU"/>
           </a:p>
@@ -2831,7 +2831,7 @@
             <a:fld id="{85A5DE44-605B-4D3B-B2B7-94543DF81A36}" type="datetimeFigureOut">
               <a:rPr lang="ru-RU" smtClean="0"/>
               <a:pPr/>
-              <a:t>25.04.2022</a:t>
+              <a:t>28.04.2022</a:t>
             </a:fld>
             <a:endParaRPr lang="ru-RU"/>
           </a:p>
@@ -3046,7 +3046,7 @@
             <a:fld id="{85A5DE44-605B-4D3B-B2B7-94543DF81A36}" type="datetimeFigureOut">
               <a:rPr lang="ru-RU" smtClean="0"/>
               <a:pPr/>
-              <a:t>25.04.2022</a:t>
+              <a:t>28.04.2022</a:t>
             </a:fld>
             <a:endParaRPr lang="ru-RU"/>
           </a:p>
@@ -3610,7 +3610,7 @@
           <p:cNvPr id="201" name="Прямоугольник 200">
             <a:extLst>
               <a:ext uri="{FF2B5EF4-FFF2-40B4-BE49-F238E27FC236}">
-                <a16:creationId xmlns:a16="http://schemas.microsoft.com/office/drawing/2014/main" xmlns="" id="{53544899-0EE6-4BB7-B778-205C69B53277}"/>
+                <a16:creationId xmlns:a16="http://schemas.microsoft.com/office/drawing/2014/main" id="{53544899-0EE6-4BB7-B778-205C69B53277}"/>
               </a:ext>
             </a:extLst>
           </p:cNvPr>
@@ -3666,7 +3666,7 @@
           <p:cNvPr id="204" name="Прямоугольник 203">
             <a:extLst>
               <a:ext uri="{FF2B5EF4-FFF2-40B4-BE49-F238E27FC236}">
-                <a16:creationId xmlns:a16="http://schemas.microsoft.com/office/drawing/2014/main" xmlns="" id="{E1D56071-D672-4436-9189-8D4BC6086459}"/>
+                <a16:creationId xmlns:a16="http://schemas.microsoft.com/office/drawing/2014/main" id="{E1D56071-D672-4436-9189-8D4BC6086459}"/>
               </a:ext>
             </a:extLst>
           </p:cNvPr>
@@ -3770,7 +3770,7 @@
           <p:cNvPr id="318" name="Прямоугольник 317">
             <a:extLst>
               <a:ext uri="{FF2B5EF4-FFF2-40B4-BE49-F238E27FC236}">
-                <a16:creationId xmlns:a16="http://schemas.microsoft.com/office/drawing/2014/main" xmlns="" id="{1EFE5386-8F48-4331-B975-9356E5E55F01}"/>
+                <a16:creationId xmlns:a16="http://schemas.microsoft.com/office/drawing/2014/main" id="{1EFE5386-8F48-4331-B975-9356E5E55F01}"/>
               </a:ext>
             </a:extLst>
           </p:cNvPr>
@@ -3842,7 +3842,7 @@
           <p:cNvPr id="131" name="Прямоугольник 130">
             <a:extLst>
               <a:ext uri="{FF2B5EF4-FFF2-40B4-BE49-F238E27FC236}">
-                <a16:creationId xmlns:a16="http://schemas.microsoft.com/office/drawing/2014/main" xmlns="" id="{F58FDCDF-41C4-4AB2-B4DF-922F7CDBAA5D}"/>
+                <a16:creationId xmlns:a16="http://schemas.microsoft.com/office/drawing/2014/main" id="{F58FDCDF-41C4-4AB2-B4DF-922F7CDBAA5D}"/>
               </a:ext>
             </a:extLst>
           </p:cNvPr>
@@ -3948,7 +3948,7 @@
           <p:cNvPr id="134" name="Прямоугольник 133">
             <a:extLst>
               <a:ext uri="{FF2B5EF4-FFF2-40B4-BE49-F238E27FC236}">
-                <a16:creationId xmlns:a16="http://schemas.microsoft.com/office/drawing/2014/main" xmlns="" id="{A6501717-9895-440F-BF34-D3AA54D6E376}"/>
+                <a16:creationId xmlns:a16="http://schemas.microsoft.com/office/drawing/2014/main" id="{A6501717-9895-440F-BF34-D3AA54D6E376}"/>
               </a:ext>
             </a:extLst>
           </p:cNvPr>
@@ -4007,7 +4007,7 @@
           <p:cNvPr id="137" name="Прямоугольник 136">
             <a:extLst>
               <a:ext uri="{FF2B5EF4-FFF2-40B4-BE49-F238E27FC236}">
-                <a16:creationId xmlns:a16="http://schemas.microsoft.com/office/drawing/2014/main" xmlns="" id="{93C62C15-B0D7-4FF5-8AC8-0D49F8D19AE5}"/>
+                <a16:creationId xmlns:a16="http://schemas.microsoft.com/office/drawing/2014/main" id="{93C62C15-B0D7-4FF5-8AC8-0D49F8D19AE5}"/>
               </a:ext>
             </a:extLst>
           </p:cNvPr>
@@ -4066,7 +4066,7 @@
           <p:cNvPr id="138" name="Прямоугольник 137">
             <a:extLst>
               <a:ext uri="{FF2B5EF4-FFF2-40B4-BE49-F238E27FC236}">
-                <a16:creationId xmlns:a16="http://schemas.microsoft.com/office/drawing/2014/main" xmlns="" id="{8D01AC0B-ADDB-4504-98C9-19828B188B48}"/>
+                <a16:creationId xmlns:a16="http://schemas.microsoft.com/office/drawing/2014/main" id="{8D01AC0B-ADDB-4504-98C9-19828B188B48}"/>
               </a:ext>
             </a:extLst>
           </p:cNvPr>
@@ -4122,7 +4122,7 @@
           <p:cNvPr id="143" name="Прямоугольник 142">
             <a:extLst>
               <a:ext uri="{FF2B5EF4-FFF2-40B4-BE49-F238E27FC236}">
-                <a16:creationId xmlns:a16="http://schemas.microsoft.com/office/drawing/2014/main" xmlns="" id="{04D70944-041B-435E-B04F-5BA316C5F5A6}"/>
+                <a16:creationId xmlns:a16="http://schemas.microsoft.com/office/drawing/2014/main" id="{04D70944-041B-435E-B04F-5BA316C5F5A6}"/>
               </a:ext>
             </a:extLst>
           </p:cNvPr>
@@ -4173,7 +4173,7 @@
           <p:cNvPr id="144" name="Прямоугольник 143">
             <a:extLst>
               <a:ext uri="{FF2B5EF4-FFF2-40B4-BE49-F238E27FC236}">
-                <a16:creationId xmlns:a16="http://schemas.microsoft.com/office/drawing/2014/main" xmlns="" id="{84D94725-5A52-4F85-BD08-096154350000}"/>
+                <a16:creationId xmlns:a16="http://schemas.microsoft.com/office/drawing/2014/main" id="{84D94725-5A52-4F85-BD08-096154350000}"/>
               </a:ext>
             </a:extLst>
           </p:cNvPr>
@@ -4229,7 +4229,7 @@
           <p:cNvPr id="146" name="Прямоугольник 145">
             <a:extLst>
               <a:ext uri="{FF2B5EF4-FFF2-40B4-BE49-F238E27FC236}">
-                <a16:creationId xmlns:a16="http://schemas.microsoft.com/office/drawing/2014/main" xmlns="" id="{C5289642-8620-4E45-AD1F-76E35F95EC48}"/>
+                <a16:creationId xmlns:a16="http://schemas.microsoft.com/office/drawing/2014/main" id="{C5289642-8620-4E45-AD1F-76E35F95EC48}"/>
               </a:ext>
             </a:extLst>
           </p:cNvPr>
@@ -4280,7 +4280,7 @@
           <p:cNvPr id="147" name="Прямоугольник 146">
             <a:extLst>
               <a:ext uri="{FF2B5EF4-FFF2-40B4-BE49-F238E27FC236}">
-                <a16:creationId xmlns:a16="http://schemas.microsoft.com/office/drawing/2014/main" xmlns="" id="{8F3703E0-B68B-4964-A99B-9C3A4EA59680}"/>
+                <a16:creationId xmlns:a16="http://schemas.microsoft.com/office/drawing/2014/main" id="{8F3703E0-B68B-4964-A99B-9C3A4EA59680}"/>
               </a:ext>
             </a:extLst>
           </p:cNvPr>
@@ -4331,7 +4331,7 @@
           <p:cNvPr id="149" name="Прямоугольник 148">
             <a:extLst>
               <a:ext uri="{FF2B5EF4-FFF2-40B4-BE49-F238E27FC236}">
-                <a16:creationId xmlns:a16="http://schemas.microsoft.com/office/drawing/2014/main" xmlns="" id="{40A430D9-D46E-4862-824C-EC3401744507}"/>
+                <a16:creationId xmlns:a16="http://schemas.microsoft.com/office/drawing/2014/main" id="{40A430D9-D46E-4862-824C-EC3401744507}"/>
               </a:ext>
             </a:extLst>
           </p:cNvPr>
@@ -4382,7 +4382,7 @@
           <p:cNvPr id="150" name="Соединительная линия уступом 175">
             <a:extLst>
               <a:ext uri="{FF2B5EF4-FFF2-40B4-BE49-F238E27FC236}">
-                <a16:creationId xmlns:a16="http://schemas.microsoft.com/office/drawing/2014/main" xmlns="" id="{1DCC0943-0954-403F-A2C2-B37263991614}"/>
+                <a16:creationId xmlns:a16="http://schemas.microsoft.com/office/drawing/2014/main" id="{1DCC0943-0954-403F-A2C2-B37263991614}"/>
               </a:ext>
             </a:extLst>
           </p:cNvPr>
@@ -4427,7 +4427,7 @@
           <p:cNvPr id="153" name="Соединительная линия уступом 175">
             <a:extLst>
               <a:ext uri="{FF2B5EF4-FFF2-40B4-BE49-F238E27FC236}">
-                <a16:creationId xmlns:a16="http://schemas.microsoft.com/office/drawing/2014/main" xmlns="" id="{11DE3EBA-FF10-4C26-9A7D-B345D11A992E}"/>
+                <a16:creationId xmlns:a16="http://schemas.microsoft.com/office/drawing/2014/main" id="{11DE3EBA-FF10-4C26-9A7D-B345D11A992E}"/>
               </a:ext>
             </a:extLst>
           </p:cNvPr>
@@ -4472,7 +4472,7 @@
           <p:cNvPr id="156" name="Соединительная линия уступом 175">
             <a:extLst>
               <a:ext uri="{FF2B5EF4-FFF2-40B4-BE49-F238E27FC236}">
-                <a16:creationId xmlns:a16="http://schemas.microsoft.com/office/drawing/2014/main" xmlns="" id="{5DD35F2F-B601-4D62-B070-13132331D9B2}"/>
+                <a16:creationId xmlns:a16="http://schemas.microsoft.com/office/drawing/2014/main" id="{5DD35F2F-B601-4D62-B070-13132331D9B2}"/>
               </a:ext>
             </a:extLst>
           </p:cNvPr>
@@ -4517,7 +4517,7 @@
           <p:cNvPr id="160" name="Соединительная линия уступом 175">
             <a:extLst>
               <a:ext uri="{FF2B5EF4-FFF2-40B4-BE49-F238E27FC236}">
-                <a16:creationId xmlns:a16="http://schemas.microsoft.com/office/drawing/2014/main" xmlns="" id="{C10BFE03-03D5-4C54-A202-0DC9B891B68F}"/>
+                <a16:creationId xmlns:a16="http://schemas.microsoft.com/office/drawing/2014/main" id="{C10BFE03-03D5-4C54-A202-0DC9B891B68F}"/>
               </a:ext>
             </a:extLst>
           </p:cNvPr>
@@ -4562,7 +4562,7 @@
           <p:cNvPr id="163" name="Соединительная линия уступом 175">
             <a:extLst>
               <a:ext uri="{FF2B5EF4-FFF2-40B4-BE49-F238E27FC236}">
-                <a16:creationId xmlns:a16="http://schemas.microsoft.com/office/drawing/2014/main" xmlns="" id="{07C2B2BC-73F1-4979-89EB-460499B0051B}"/>
+                <a16:creationId xmlns:a16="http://schemas.microsoft.com/office/drawing/2014/main" id="{07C2B2BC-73F1-4979-89EB-460499B0051B}"/>
               </a:ext>
             </a:extLst>
           </p:cNvPr>
@@ -4607,7 +4607,7 @@
           <p:cNvPr id="169" name="Соединительная линия уступом 175">
             <a:extLst>
               <a:ext uri="{FF2B5EF4-FFF2-40B4-BE49-F238E27FC236}">
-                <a16:creationId xmlns:a16="http://schemas.microsoft.com/office/drawing/2014/main" xmlns="" id="{E35B5EDC-28F8-4E20-BE87-B6124C94E37D}"/>
+                <a16:creationId xmlns:a16="http://schemas.microsoft.com/office/drawing/2014/main" id="{E35B5EDC-28F8-4E20-BE87-B6124C94E37D}"/>
               </a:ext>
             </a:extLst>
           </p:cNvPr>
@@ -4652,7 +4652,7 @@
           <p:cNvPr id="174" name="Соединительная линия уступом 175">
             <a:extLst>
               <a:ext uri="{FF2B5EF4-FFF2-40B4-BE49-F238E27FC236}">
-                <a16:creationId xmlns:a16="http://schemas.microsoft.com/office/drawing/2014/main" xmlns="" id="{ED51EF43-ACA2-48AE-9458-9E116E711DB8}"/>
+                <a16:creationId xmlns:a16="http://schemas.microsoft.com/office/drawing/2014/main" id="{ED51EF43-ACA2-48AE-9458-9E116E711DB8}"/>
               </a:ext>
             </a:extLst>
           </p:cNvPr>
@@ -4697,7 +4697,7 @@
           <p:cNvPr id="177" name="Соединительная линия уступом 175">
             <a:extLst>
               <a:ext uri="{FF2B5EF4-FFF2-40B4-BE49-F238E27FC236}">
-                <a16:creationId xmlns:a16="http://schemas.microsoft.com/office/drawing/2014/main" xmlns="" id="{FB60B473-47C6-4277-BD95-DB94C7852F16}"/>
+                <a16:creationId xmlns:a16="http://schemas.microsoft.com/office/drawing/2014/main" id="{FB60B473-47C6-4277-BD95-DB94C7852F16}"/>
               </a:ext>
             </a:extLst>
           </p:cNvPr>
@@ -4742,7 +4742,7 @@
           <p:cNvPr id="180" name="Соединительная линия уступом 175">
             <a:extLst>
               <a:ext uri="{FF2B5EF4-FFF2-40B4-BE49-F238E27FC236}">
-                <a16:creationId xmlns:a16="http://schemas.microsoft.com/office/drawing/2014/main" xmlns="" id="{334F020F-24CF-42A4-A386-AEA5ADAC0BA7}"/>
+                <a16:creationId xmlns:a16="http://schemas.microsoft.com/office/drawing/2014/main" id="{334F020F-24CF-42A4-A386-AEA5ADAC0BA7}"/>
               </a:ext>
             </a:extLst>
           </p:cNvPr>
@@ -4787,7 +4787,7 @@
           <p:cNvPr id="188" name="Прямоугольник 187">
             <a:extLst>
               <a:ext uri="{FF2B5EF4-FFF2-40B4-BE49-F238E27FC236}">
-                <a16:creationId xmlns:a16="http://schemas.microsoft.com/office/drawing/2014/main" xmlns="" id="{343CB489-868B-4D8C-9E5C-526852CAEBE4}"/>
+                <a16:creationId xmlns:a16="http://schemas.microsoft.com/office/drawing/2014/main" id="{343CB489-868B-4D8C-9E5C-526852CAEBE4}"/>
               </a:ext>
             </a:extLst>
           </p:cNvPr>
@@ -4883,7 +4883,7 @@
           <p:cNvPr id="189" name="Прямая со стрелкой 188">
             <a:extLst>
               <a:ext uri="{FF2B5EF4-FFF2-40B4-BE49-F238E27FC236}">
-                <a16:creationId xmlns:a16="http://schemas.microsoft.com/office/drawing/2014/main" xmlns="" id="{499DCAE2-234B-427D-8B4B-B48885DAAC45}"/>
+                <a16:creationId xmlns:a16="http://schemas.microsoft.com/office/drawing/2014/main" id="{499DCAE2-234B-427D-8B4B-B48885DAAC45}"/>
               </a:ext>
             </a:extLst>
           </p:cNvPr>
@@ -4926,7 +4926,7 @@
           <p:cNvPr id="40" name="Прямоугольник 39">
             <a:extLst>
               <a:ext uri="{FF2B5EF4-FFF2-40B4-BE49-F238E27FC236}">
-                <a16:creationId xmlns:a16="http://schemas.microsoft.com/office/drawing/2014/main" xmlns="" id="{CE31B362-7751-4446-9F65-2394038CD544}"/>
+                <a16:creationId xmlns:a16="http://schemas.microsoft.com/office/drawing/2014/main" id="{CE31B362-7751-4446-9F65-2394038CD544}"/>
               </a:ext>
             </a:extLst>
           </p:cNvPr>
@@ -4990,7 +4990,7 @@
           <p:cNvPr id="41" name="Прямая соединительная линия 40">
             <a:extLst>
               <a:ext uri="{FF2B5EF4-FFF2-40B4-BE49-F238E27FC236}">
-                <a16:creationId xmlns:a16="http://schemas.microsoft.com/office/drawing/2014/main" xmlns="" id="{96C997B5-CCBE-461B-8DF3-2E188284653E}"/>
+                <a16:creationId xmlns:a16="http://schemas.microsoft.com/office/drawing/2014/main" id="{96C997B5-CCBE-461B-8DF3-2E188284653E}"/>
               </a:ext>
             </a:extLst>
           </p:cNvPr>
@@ -5035,7 +5035,7 @@
           <p:cNvPr id="44" name="Соединительная линия уступом 175">
             <a:extLst>
               <a:ext uri="{FF2B5EF4-FFF2-40B4-BE49-F238E27FC236}">
-                <a16:creationId xmlns:a16="http://schemas.microsoft.com/office/drawing/2014/main" xmlns="" id="{3A69AF3C-F791-4E1E-8438-9CC2EAE2CE03}"/>
+                <a16:creationId xmlns:a16="http://schemas.microsoft.com/office/drawing/2014/main" id="{3A69AF3C-F791-4E1E-8438-9CC2EAE2CE03}"/>
               </a:ext>
             </a:extLst>
           </p:cNvPr>
@@ -5080,7 +5080,7 @@
           <p:cNvPr id="47" name="Прямоугольник 46">
             <a:extLst>
               <a:ext uri="{FF2B5EF4-FFF2-40B4-BE49-F238E27FC236}">
-                <a16:creationId xmlns:a16="http://schemas.microsoft.com/office/drawing/2014/main" xmlns="" id="{D76DCFD2-1733-49F9-971B-AE49D10768F2}"/>
+                <a16:creationId xmlns:a16="http://schemas.microsoft.com/office/drawing/2014/main" id="{D76DCFD2-1733-49F9-971B-AE49D10768F2}"/>
               </a:ext>
             </a:extLst>
           </p:cNvPr>
@@ -5271,7 +5271,7 @@
           <p:cNvPr id="49" name="Прямоугольник 48">
             <a:extLst>
               <a:ext uri="{FF2B5EF4-FFF2-40B4-BE49-F238E27FC236}">
-                <a16:creationId xmlns:a16="http://schemas.microsoft.com/office/drawing/2014/main" xmlns="" id="{0279FD8D-0F03-4F3F-80DA-9057201BCC22}"/>
+                <a16:creationId xmlns:a16="http://schemas.microsoft.com/office/drawing/2014/main" id="{0279FD8D-0F03-4F3F-80DA-9057201BCC22}"/>
               </a:ext>
             </a:extLst>
           </p:cNvPr>
@@ -5341,7 +5341,7 @@
           <p:cNvPr id="50" name="Прямоугольник 49">
             <a:extLst>
               <a:ext uri="{FF2B5EF4-FFF2-40B4-BE49-F238E27FC236}">
-                <a16:creationId xmlns:a16="http://schemas.microsoft.com/office/drawing/2014/main" xmlns="" id="{F1B439BE-3E91-43A2-B596-14476D4ABEE1}"/>
+                <a16:creationId xmlns:a16="http://schemas.microsoft.com/office/drawing/2014/main" id="{F1B439BE-3E91-43A2-B596-14476D4ABEE1}"/>
               </a:ext>
             </a:extLst>
           </p:cNvPr>
@@ -5447,7 +5447,7 @@
           <p:cNvPr id="70" name="Прямоугольник 69">
             <a:extLst>
               <a:ext uri="{FF2B5EF4-FFF2-40B4-BE49-F238E27FC236}">
-                <a16:creationId xmlns:a16="http://schemas.microsoft.com/office/drawing/2014/main" xmlns="" id="{342C4259-AF63-4059-9BE1-7698FC73D941}"/>
+                <a16:creationId xmlns:a16="http://schemas.microsoft.com/office/drawing/2014/main" id="{342C4259-AF63-4059-9BE1-7698FC73D941}"/>
               </a:ext>
             </a:extLst>
           </p:cNvPr>
@@ -5487,10 +5487,9 @@
           <a:p>
             <a:pPr algn="ctr"/>
             <a:r>
-              <a:rPr lang="ru-RU" sz="1400" dirty="0" smtClean="0"/>
+              <a:rPr lang="ru-RU" sz="1400" dirty="0"/>
               <a:t>Торжество коммунистической партии</a:t>
             </a:r>
-            <a:endParaRPr lang="ru-RU" sz="1400" dirty="0"/>
           </a:p>
         </p:txBody>
       </p:sp>
@@ -5499,7 +5498,7 @@
           <p:cNvPr id="71" name="Прямая соединительная линия 70">
             <a:extLst>
               <a:ext uri="{FF2B5EF4-FFF2-40B4-BE49-F238E27FC236}">
-                <a16:creationId xmlns:a16="http://schemas.microsoft.com/office/drawing/2014/main" xmlns="" id="{1065DBDE-0343-4DDE-A250-71F107EDEA35}"/>
+                <a16:creationId xmlns:a16="http://schemas.microsoft.com/office/drawing/2014/main" id="{1065DBDE-0343-4DDE-A250-71F107EDEA35}"/>
               </a:ext>
             </a:extLst>
           </p:cNvPr>
@@ -5544,7 +5543,7 @@
           <p:cNvPr id="76" name="Прямоугольник 75">
             <a:extLst>
               <a:ext uri="{FF2B5EF4-FFF2-40B4-BE49-F238E27FC236}">
-                <a16:creationId xmlns:a16="http://schemas.microsoft.com/office/drawing/2014/main" xmlns="" id="{366F5F6C-483B-4ACD-91D6-A9E691839C70}"/>
+                <a16:creationId xmlns:a16="http://schemas.microsoft.com/office/drawing/2014/main" id="{366F5F6C-483B-4ACD-91D6-A9E691839C70}"/>
               </a:ext>
             </a:extLst>
           </p:cNvPr>
@@ -5595,7 +5594,7 @@
           <p:cNvPr id="77" name="Прямоугольник 76">
             <a:extLst>
               <a:ext uri="{FF2B5EF4-FFF2-40B4-BE49-F238E27FC236}">
-                <a16:creationId xmlns:a16="http://schemas.microsoft.com/office/drawing/2014/main" xmlns="" id="{10125C76-08EB-440D-8A53-FC23906A3025}"/>
+                <a16:creationId xmlns:a16="http://schemas.microsoft.com/office/drawing/2014/main" id="{10125C76-08EB-440D-8A53-FC23906A3025}"/>
               </a:ext>
             </a:extLst>
           </p:cNvPr>
@@ -5646,7 +5645,7 @@
           <p:cNvPr id="79" name="Прямоугольник 78">
             <a:extLst>
               <a:ext uri="{FF2B5EF4-FFF2-40B4-BE49-F238E27FC236}">
-                <a16:creationId xmlns:a16="http://schemas.microsoft.com/office/drawing/2014/main" xmlns="" id="{A1833F58-8C31-4146-8F2D-3CA644C1D16F}"/>
+                <a16:creationId xmlns:a16="http://schemas.microsoft.com/office/drawing/2014/main" id="{A1833F58-8C31-4146-8F2D-3CA644C1D16F}"/>
               </a:ext>
             </a:extLst>
           </p:cNvPr>
@@ -5697,7 +5696,7 @@
           <p:cNvPr id="80" name="Прямая соединительная линия 79">
             <a:extLst>
               <a:ext uri="{FF2B5EF4-FFF2-40B4-BE49-F238E27FC236}">
-                <a16:creationId xmlns:a16="http://schemas.microsoft.com/office/drawing/2014/main" xmlns="" id="{B7BBD189-7659-4584-B271-7DF8F92634C3}"/>
+                <a16:creationId xmlns:a16="http://schemas.microsoft.com/office/drawing/2014/main" id="{B7BBD189-7659-4584-B271-7DF8F92634C3}"/>
               </a:ext>
             </a:extLst>
           </p:cNvPr>
@@ -5742,7 +5741,7 @@
           <p:cNvPr id="83" name="Прямая соединительная линия 82">
             <a:extLst>
               <a:ext uri="{FF2B5EF4-FFF2-40B4-BE49-F238E27FC236}">
-                <a16:creationId xmlns:a16="http://schemas.microsoft.com/office/drawing/2014/main" xmlns="" id="{E177FD22-3AD3-43C9-AD14-4346EE9A3F04}"/>
+                <a16:creationId xmlns:a16="http://schemas.microsoft.com/office/drawing/2014/main" id="{E177FD22-3AD3-43C9-AD14-4346EE9A3F04}"/>
               </a:ext>
             </a:extLst>
           </p:cNvPr>
@@ -5787,7 +5786,7 @@
           <p:cNvPr id="86" name="Прямоугольник 85">
             <a:extLst>
               <a:ext uri="{FF2B5EF4-FFF2-40B4-BE49-F238E27FC236}">
-                <a16:creationId xmlns:a16="http://schemas.microsoft.com/office/drawing/2014/main" xmlns="" id="{AD767D07-12A0-482F-AED3-8FB784E027A3}"/>
+                <a16:creationId xmlns:a16="http://schemas.microsoft.com/office/drawing/2014/main" id="{AD767D07-12A0-482F-AED3-8FB784E027A3}"/>
               </a:ext>
             </a:extLst>
           </p:cNvPr>
@@ -5838,7 +5837,7 @@
           <p:cNvPr id="87" name="Прямоугольник 86">
             <a:extLst>
               <a:ext uri="{FF2B5EF4-FFF2-40B4-BE49-F238E27FC236}">
-                <a16:creationId xmlns:a16="http://schemas.microsoft.com/office/drawing/2014/main" xmlns="" id="{CC4BBF75-07C6-4CA5-A8D7-44A4699C08DC}"/>
+                <a16:creationId xmlns:a16="http://schemas.microsoft.com/office/drawing/2014/main" id="{CC4BBF75-07C6-4CA5-A8D7-44A4699C08DC}"/>
               </a:ext>
             </a:extLst>
           </p:cNvPr>
@@ -5889,7 +5888,7 @@
           <p:cNvPr id="88" name="Прямоугольник 87">
             <a:extLst>
               <a:ext uri="{FF2B5EF4-FFF2-40B4-BE49-F238E27FC236}">
-                <a16:creationId xmlns:a16="http://schemas.microsoft.com/office/drawing/2014/main" xmlns="" id="{2D86051A-B657-4518-A31A-E3425E7B1BF9}"/>
+                <a16:creationId xmlns:a16="http://schemas.microsoft.com/office/drawing/2014/main" id="{2D86051A-B657-4518-A31A-E3425E7B1BF9}"/>
               </a:ext>
             </a:extLst>
           </p:cNvPr>
@@ -5940,7 +5939,7 @@
           <p:cNvPr id="89" name="Соединительная линия уступом 175">
             <a:extLst>
               <a:ext uri="{FF2B5EF4-FFF2-40B4-BE49-F238E27FC236}">
-                <a16:creationId xmlns:a16="http://schemas.microsoft.com/office/drawing/2014/main" xmlns="" id="{5CB48EFB-136F-4070-8340-0A522C2F6809}"/>
+                <a16:creationId xmlns:a16="http://schemas.microsoft.com/office/drawing/2014/main" id="{5CB48EFB-136F-4070-8340-0A522C2F6809}"/>
               </a:ext>
             </a:extLst>
           </p:cNvPr>
@@ -5986,7 +5985,7 @@
           <p:cNvPr id="92" name="Соединительная линия уступом 175">
             <a:extLst>
               <a:ext uri="{FF2B5EF4-FFF2-40B4-BE49-F238E27FC236}">
-                <a16:creationId xmlns:a16="http://schemas.microsoft.com/office/drawing/2014/main" xmlns="" id="{63CBBFDA-3735-4B9C-9329-96E9ABFAE985}"/>
+                <a16:creationId xmlns:a16="http://schemas.microsoft.com/office/drawing/2014/main" id="{63CBBFDA-3735-4B9C-9329-96E9ABFAE985}"/>
               </a:ext>
             </a:extLst>
           </p:cNvPr>
@@ -6032,7 +6031,7 @@
           <p:cNvPr id="95" name="Соединительная линия уступом 175">
             <a:extLst>
               <a:ext uri="{FF2B5EF4-FFF2-40B4-BE49-F238E27FC236}">
-                <a16:creationId xmlns:a16="http://schemas.microsoft.com/office/drawing/2014/main" xmlns="" id="{18E581A8-013C-43A7-B480-F75FA8B9D989}"/>
+                <a16:creationId xmlns:a16="http://schemas.microsoft.com/office/drawing/2014/main" id="{18E581A8-013C-43A7-B480-F75FA8B9D989}"/>
               </a:ext>
             </a:extLst>
           </p:cNvPr>
@@ -6078,7 +6077,7 @@
           <p:cNvPr id="98" name="Прямоугольник 97">
             <a:extLst>
               <a:ext uri="{FF2B5EF4-FFF2-40B4-BE49-F238E27FC236}">
-                <a16:creationId xmlns:a16="http://schemas.microsoft.com/office/drawing/2014/main" xmlns="" id="{A4C4E412-1DCD-4818-BE7B-DE5FD7B5D281}"/>
+                <a16:creationId xmlns:a16="http://schemas.microsoft.com/office/drawing/2014/main" id="{A4C4E412-1DCD-4818-BE7B-DE5FD7B5D281}"/>
               </a:ext>
             </a:extLst>
           </p:cNvPr>
@@ -6129,7 +6128,7 @@
           <p:cNvPr id="99" name="Соединительная линия уступом 175">
             <a:extLst>
               <a:ext uri="{FF2B5EF4-FFF2-40B4-BE49-F238E27FC236}">
-                <a16:creationId xmlns:a16="http://schemas.microsoft.com/office/drawing/2014/main" xmlns="" id="{DCD1F1C6-3983-4635-A883-D83D7C10A114}"/>
+                <a16:creationId xmlns:a16="http://schemas.microsoft.com/office/drawing/2014/main" id="{DCD1F1C6-3983-4635-A883-D83D7C10A114}"/>
               </a:ext>
             </a:extLst>
           </p:cNvPr>
@@ -6175,7 +6174,7 @@
           <p:cNvPr id="102" name="Соединительная линия уступом 175">
             <a:extLst>
               <a:ext uri="{FF2B5EF4-FFF2-40B4-BE49-F238E27FC236}">
-                <a16:creationId xmlns:a16="http://schemas.microsoft.com/office/drawing/2014/main" xmlns="" id="{65F9EC03-108B-4E8B-A78B-BA5EF524FF04}"/>
+                <a16:creationId xmlns:a16="http://schemas.microsoft.com/office/drawing/2014/main" id="{65F9EC03-108B-4E8B-A78B-BA5EF524FF04}"/>
               </a:ext>
             </a:extLst>
           </p:cNvPr>
@@ -6221,7 +6220,7 @@
           <p:cNvPr id="105" name="Прямоугольник 104">
             <a:extLst>
               <a:ext uri="{FF2B5EF4-FFF2-40B4-BE49-F238E27FC236}">
-                <a16:creationId xmlns:a16="http://schemas.microsoft.com/office/drawing/2014/main" xmlns="" id="{593EF44A-A889-40AB-8198-12E4B4E7C45B}"/>
+                <a16:creationId xmlns:a16="http://schemas.microsoft.com/office/drawing/2014/main" id="{593EF44A-A889-40AB-8198-12E4B4E7C45B}"/>
               </a:ext>
             </a:extLst>
           </p:cNvPr>
@@ -6272,7 +6271,7 @@
           <p:cNvPr id="106" name="Соединительная линия уступом 175">
             <a:extLst>
               <a:ext uri="{FF2B5EF4-FFF2-40B4-BE49-F238E27FC236}">
-                <a16:creationId xmlns:a16="http://schemas.microsoft.com/office/drawing/2014/main" xmlns="" id="{A669113C-1557-4107-B1E0-921FFE48A035}"/>
+                <a16:creationId xmlns:a16="http://schemas.microsoft.com/office/drawing/2014/main" id="{A669113C-1557-4107-B1E0-921FFE48A035}"/>
               </a:ext>
             </a:extLst>
           </p:cNvPr>
@@ -6317,7 +6316,7 @@
           <p:cNvPr id="109" name="Прямоугольник 108">
             <a:extLst>
               <a:ext uri="{FF2B5EF4-FFF2-40B4-BE49-F238E27FC236}">
-                <a16:creationId xmlns:a16="http://schemas.microsoft.com/office/drawing/2014/main" xmlns="" id="{0EA34B49-5C15-4F93-A433-B54A1B90022D}"/>
+                <a16:creationId xmlns:a16="http://schemas.microsoft.com/office/drawing/2014/main" id="{0EA34B49-5C15-4F93-A433-B54A1B90022D}"/>
               </a:ext>
             </a:extLst>
           </p:cNvPr>
@@ -6368,7 +6367,7 @@
           <p:cNvPr id="110" name="Соединительная линия уступом 175">
             <a:extLst>
               <a:ext uri="{FF2B5EF4-FFF2-40B4-BE49-F238E27FC236}">
-                <a16:creationId xmlns:a16="http://schemas.microsoft.com/office/drawing/2014/main" xmlns="" id="{B8731ED6-88B8-43A2-81AD-67D3831583CB}"/>
+                <a16:creationId xmlns:a16="http://schemas.microsoft.com/office/drawing/2014/main" id="{B8731ED6-88B8-43A2-81AD-67D3831583CB}"/>
               </a:ext>
             </a:extLst>
           </p:cNvPr>
@@ -6413,7 +6412,7 @@
           <p:cNvPr id="118" name="Прямая со стрелкой 117">
             <a:extLst>
               <a:ext uri="{FF2B5EF4-FFF2-40B4-BE49-F238E27FC236}">
-                <a16:creationId xmlns:a16="http://schemas.microsoft.com/office/drawing/2014/main" xmlns="" id="{DDD852FB-296B-4E94-971C-21F09E42C0A4}"/>
+                <a16:creationId xmlns:a16="http://schemas.microsoft.com/office/drawing/2014/main" id="{DDD852FB-296B-4E94-971C-21F09E42C0A4}"/>
               </a:ext>
             </a:extLst>
           </p:cNvPr>
@@ -6456,7 +6455,7 @@
           <p:cNvPr id="122" name="Прямоугольник 121">
             <a:extLst>
               <a:ext uri="{FF2B5EF4-FFF2-40B4-BE49-F238E27FC236}">
-                <a16:creationId xmlns:a16="http://schemas.microsoft.com/office/drawing/2014/main" xmlns="" id="{00B82B20-01B6-46D1-B449-47EF83B3CEB6}"/>
+                <a16:creationId xmlns:a16="http://schemas.microsoft.com/office/drawing/2014/main" id="{00B82B20-01B6-46D1-B449-47EF83B3CEB6}"/>
               </a:ext>
             </a:extLst>
           </p:cNvPr>
@@ -6507,7 +6506,7 @@
           <p:cNvPr id="123" name="Соединительная линия уступом 175">
             <a:extLst>
               <a:ext uri="{FF2B5EF4-FFF2-40B4-BE49-F238E27FC236}">
-                <a16:creationId xmlns:a16="http://schemas.microsoft.com/office/drawing/2014/main" xmlns="" id="{6F355A47-8469-4F71-96DD-B911272B628E}"/>
+                <a16:creationId xmlns:a16="http://schemas.microsoft.com/office/drawing/2014/main" id="{6F355A47-8469-4F71-96DD-B911272B628E}"/>
               </a:ext>
             </a:extLst>
           </p:cNvPr>
@@ -6552,7 +6551,7 @@
           <p:cNvPr id="127" name="Прямоугольник 126">
             <a:extLst>
               <a:ext uri="{FF2B5EF4-FFF2-40B4-BE49-F238E27FC236}">
-                <a16:creationId xmlns:a16="http://schemas.microsoft.com/office/drawing/2014/main" xmlns="" id="{2C8AA921-F932-4A1A-9545-B8BDDC7EA695}"/>
+                <a16:creationId xmlns:a16="http://schemas.microsoft.com/office/drawing/2014/main" id="{2C8AA921-F932-4A1A-9545-B8BDDC7EA695}"/>
               </a:ext>
             </a:extLst>
           </p:cNvPr>
@@ -6603,7 +6602,7 @@
           <p:cNvPr id="128" name="Прямоугольник 127">
             <a:extLst>
               <a:ext uri="{FF2B5EF4-FFF2-40B4-BE49-F238E27FC236}">
-                <a16:creationId xmlns:a16="http://schemas.microsoft.com/office/drawing/2014/main" xmlns="" id="{178DB374-FAC3-4ABA-8346-6E2F0A705F12}"/>
+                <a16:creationId xmlns:a16="http://schemas.microsoft.com/office/drawing/2014/main" id="{178DB374-FAC3-4ABA-8346-6E2F0A705F12}"/>
               </a:ext>
             </a:extLst>
           </p:cNvPr>
@@ -6654,7 +6653,7 @@
           <p:cNvPr id="129" name="Прямоугольник 128">
             <a:extLst>
               <a:ext uri="{FF2B5EF4-FFF2-40B4-BE49-F238E27FC236}">
-                <a16:creationId xmlns:a16="http://schemas.microsoft.com/office/drawing/2014/main" xmlns="" id="{82A82A01-8FF6-4A47-B321-65E8CC8B6E04}"/>
+                <a16:creationId xmlns:a16="http://schemas.microsoft.com/office/drawing/2014/main" id="{82A82A01-8FF6-4A47-B321-65E8CC8B6E04}"/>
               </a:ext>
             </a:extLst>
           </p:cNvPr>
@@ -6705,7 +6704,7 @@
           <p:cNvPr id="130" name="Прямая со стрелкой 129">
             <a:extLst>
               <a:ext uri="{FF2B5EF4-FFF2-40B4-BE49-F238E27FC236}">
-                <a16:creationId xmlns:a16="http://schemas.microsoft.com/office/drawing/2014/main" xmlns="" id="{A2D855F9-0C43-4A65-BB15-CBC55839DB42}"/>
+                <a16:creationId xmlns:a16="http://schemas.microsoft.com/office/drawing/2014/main" id="{A2D855F9-0C43-4A65-BB15-CBC55839DB42}"/>
               </a:ext>
             </a:extLst>
           </p:cNvPr>
@@ -6748,7 +6747,7 @@
           <p:cNvPr id="135" name="Соединительная линия уступом 175">
             <a:extLst>
               <a:ext uri="{FF2B5EF4-FFF2-40B4-BE49-F238E27FC236}">
-                <a16:creationId xmlns:a16="http://schemas.microsoft.com/office/drawing/2014/main" xmlns="" id="{44788654-1266-46F8-AAB6-811F47CF57D4}"/>
+                <a16:creationId xmlns:a16="http://schemas.microsoft.com/office/drawing/2014/main" id="{44788654-1266-46F8-AAB6-811F47CF57D4}"/>
               </a:ext>
             </a:extLst>
           </p:cNvPr>
@@ -6794,7 +6793,7 @@
           <p:cNvPr id="139" name="Соединительная линия уступом 175">
             <a:extLst>
               <a:ext uri="{FF2B5EF4-FFF2-40B4-BE49-F238E27FC236}">
-                <a16:creationId xmlns:a16="http://schemas.microsoft.com/office/drawing/2014/main" xmlns="" id="{85069044-19C7-46CB-9A0B-488541687834}"/>
+                <a16:creationId xmlns:a16="http://schemas.microsoft.com/office/drawing/2014/main" id="{85069044-19C7-46CB-9A0B-488541687834}"/>
               </a:ext>
             </a:extLst>
           </p:cNvPr>
@@ -6840,7 +6839,7 @@
           <p:cNvPr id="142" name="Прямая со стрелкой 141">
             <a:extLst>
               <a:ext uri="{FF2B5EF4-FFF2-40B4-BE49-F238E27FC236}">
-                <a16:creationId xmlns:a16="http://schemas.microsoft.com/office/drawing/2014/main" xmlns="" id="{6536D1FA-7528-4172-9601-036B7E2C3738}"/>
+                <a16:creationId xmlns:a16="http://schemas.microsoft.com/office/drawing/2014/main" id="{6536D1FA-7528-4172-9601-036B7E2C3738}"/>
               </a:ext>
             </a:extLst>
           </p:cNvPr>
@@ -6883,7 +6882,7 @@
           <p:cNvPr id="145" name="Прямая со стрелкой 144">
             <a:extLst>
               <a:ext uri="{FF2B5EF4-FFF2-40B4-BE49-F238E27FC236}">
-                <a16:creationId xmlns:a16="http://schemas.microsoft.com/office/drawing/2014/main" xmlns="" id="{FB6F681C-043A-494C-9EAB-17EDF7B8E150}"/>
+                <a16:creationId xmlns:a16="http://schemas.microsoft.com/office/drawing/2014/main" id="{FB6F681C-043A-494C-9EAB-17EDF7B8E150}"/>
               </a:ext>
             </a:extLst>
           </p:cNvPr>
@@ -6926,7 +6925,7 @@
           <p:cNvPr id="151" name="Прямая со стрелкой 150">
             <a:extLst>
               <a:ext uri="{FF2B5EF4-FFF2-40B4-BE49-F238E27FC236}">
-                <a16:creationId xmlns:a16="http://schemas.microsoft.com/office/drawing/2014/main" xmlns="" id="{CB990A1F-0C6E-4CF4-8211-8F83EB0CD0B9}"/>
+                <a16:creationId xmlns:a16="http://schemas.microsoft.com/office/drawing/2014/main" id="{CB990A1F-0C6E-4CF4-8211-8F83EB0CD0B9}"/>
               </a:ext>
             </a:extLst>
           </p:cNvPr>
@@ -6969,7 +6968,7 @@
           <p:cNvPr id="154" name="Прямая со стрелкой 153">
             <a:extLst>
               <a:ext uri="{FF2B5EF4-FFF2-40B4-BE49-F238E27FC236}">
-                <a16:creationId xmlns:a16="http://schemas.microsoft.com/office/drawing/2014/main" xmlns="" id="{5DCB8012-FFB7-4026-9209-C91A7E1D849E}"/>
+                <a16:creationId xmlns:a16="http://schemas.microsoft.com/office/drawing/2014/main" id="{5DCB8012-FFB7-4026-9209-C91A7E1D849E}"/>
               </a:ext>
             </a:extLst>
           </p:cNvPr>
@@ -7012,7 +7011,7 @@
           <p:cNvPr id="158" name="Соединительная линия уступом 175">
             <a:extLst>
               <a:ext uri="{FF2B5EF4-FFF2-40B4-BE49-F238E27FC236}">
-                <a16:creationId xmlns:a16="http://schemas.microsoft.com/office/drawing/2014/main" xmlns="" id="{E8157327-8648-49F3-8DE4-19E4F490A684}"/>
+                <a16:creationId xmlns:a16="http://schemas.microsoft.com/office/drawing/2014/main" id="{E8157327-8648-49F3-8DE4-19E4F490A684}"/>
               </a:ext>
             </a:extLst>
           </p:cNvPr>
@@ -7057,7 +7056,7 @@
           <p:cNvPr id="161" name="Соединительная линия уступом 175">
             <a:extLst>
               <a:ext uri="{FF2B5EF4-FFF2-40B4-BE49-F238E27FC236}">
-                <a16:creationId xmlns:a16="http://schemas.microsoft.com/office/drawing/2014/main" xmlns="" id="{531D3F99-DB21-4AC6-9713-341BAC625A42}"/>
+                <a16:creationId xmlns:a16="http://schemas.microsoft.com/office/drawing/2014/main" id="{531D3F99-DB21-4AC6-9713-341BAC625A42}"/>
               </a:ext>
             </a:extLst>
           </p:cNvPr>
@@ -7102,7 +7101,7 @@
           <p:cNvPr id="172" name="Прямоугольник 171">
             <a:extLst>
               <a:ext uri="{FF2B5EF4-FFF2-40B4-BE49-F238E27FC236}">
-                <a16:creationId xmlns:a16="http://schemas.microsoft.com/office/drawing/2014/main" xmlns="" id="{206E6E16-51FB-496F-AC8C-3FAC2ED0C8F8}"/>
+                <a16:creationId xmlns:a16="http://schemas.microsoft.com/office/drawing/2014/main" id="{206E6E16-51FB-496F-AC8C-3FAC2ED0C8F8}"/>
               </a:ext>
             </a:extLst>
           </p:cNvPr>
@@ -7158,7 +7157,7 @@
           <p:cNvPr id="175" name="Прямоугольник 174">
             <a:extLst>
               <a:ext uri="{FF2B5EF4-FFF2-40B4-BE49-F238E27FC236}">
-                <a16:creationId xmlns:a16="http://schemas.microsoft.com/office/drawing/2014/main" xmlns="" id="{BE21280F-D58C-4382-A068-7A1656288725}"/>
+                <a16:creationId xmlns:a16="http://schemas.microsoft.com/office/drawing/2014/main" id="{BE21280F-D58C-4382-A068-7A1656288725}"/>
               </a:ext>
             </a:extLst>
           </p:cNvPr>
@@ -7209,7 +7208,7 @@
           <p:cNvPr id="178" name="Прямоугольник 177">
             <a:extLst>
               <a:ext uri="{FF2B5EF4-FFF2-40B4-BE49-F238E27FC236}">
-                <a16:creationId xmlns:a16="http://schemas.microsoft.com/office/drawing/2014/main" xmlns="" id="{ED7AFBD4-6267-44B4-BE82-F4761361604E}"/>
+                <a16:creationId xmlns:a16="http://schemas.microsoft.com/office/drawing/2014/main" id="{ED7AFBD4-6267-44B4-BE82-F4761361604E}"/>
               </a:ext>
             </a:extLst>
           </p:cNvPr>
@@ -7260,7 +7259,7 @@
           <p:cNvPr id="179" name="Прямоугольник 178">
             <a:extLst>
               <a:ext uri="{FF2B5EF4-FFF2-40B4-BE49-F238E27FC236}">
-                <a16:creationId xmlns:a16="http://schemas.microsoft.com/office/drawing/2014/main" xmlns="" id="{421A3645-29DB-433F-9139-7708C3C42019}"/>
+                <a16:creationId xmlns:a16="http://schemas.microsoft.com/office/drawing/2014/main" id="{421A3645-29DB-433F-9139-7708C3C42019}"/>
               </a:ext>
             </a:extLst>
           </p:cNvPr>
@@ -7311,7 +7310,7 @@
           <p:cNvPr id="182" name="Прямоугольник 181">
             <a:extLst>
               <a:ext uri="{FF2B5EF4-FFF2-40B4-BE49-F238E27FC236}">
-                <a16:creationId xmlns:a16="http://schemas.microsoft.com/office/drawing/2014/main" xmlns="" id="{3C9089C5-6431-449E-BB4E-FDF5381B5E8D}"/>
+                <a16:creationId xmlns:a16="http://schemas.microsoft.com/office/drawing/2014/main" id="{3C9089C5-6431-449E-BB4E-FDF5381B5E8D}"/>
               </a:ext>
             </a:extLst>
           </p:cNvPr>
@@ -7367,7 +7366,7 @@
           <p:cNvPr id="184" name="Прямоугольник 183">
             <a:extLst>
               <a:ext uri="{FF2B5EF4-FFF2-40B4-BE49-F238E27FC236}">
-                <a16:creationId xmlns:a16="http://schemas.microsoft.com/office/drawing/2014/main" xmlns="" id="{FAB57595-DAD8-4228-A243-2E6968097139}"/>
+                <a16:creationId xmlns:a16="http://schemas.microsoft.com/office/drawing/2014/main" id="{FAB57595-DAD8-4228-A243-2E6968097139}"/>
               </a:ext>
             </a:extLst>
           </p:cNvPr>
@@ -7423,7 +7422,7 @@
           <p:cNvPr id="185" name="Прямоугольник 184">
             <a:extLst>
               <a:ext uri="{FF2B5EF4-FFF2-40B4-BE49-F238E27FC236}">
-                <a16:creationId xmlns:a16="http://schemas.microsoft.com/office/drawing/2014/main" xmlns="" id="{8F480920-8A54-4143-A95C-30EA5F89481C}"/>
+                <a16:creationId xmlns:a16="http://schemas.microsoft.com/office/drawing/2014/main" id="{8F480920-8A54-4143-A95C-30EA5F89481C}"/>
               </a:ext>
             </a:extLst>
           </p:cNvPr>
@@ -7474,7 +7473,7 @@
           <p:cNvPr id="186" name="Прямоугольник 185">
             <a:extLst>
               <a:ext uri="{FF2B5EF4-FFF2-40B4-BE49-F238E27FC236}">
-                <a16:creationId xmlns:a16="http://schemas.microsoft.com/office/drawing/2014/main" xmlns="" id="{6CA7BA3E-2FAC-4063-9344-BCF93A78DE96}"/>
+                <a16:creationId xmlns:a16="http://schemas.microsoft.com/office/drawing/2014/main" id="{6CA7BA3E-2FAC-4063-9344-BCF93A78DE96}"/>
               </a:ext>
             </a:extLst>
           </p:cNvPr>
@@ -7525,7 +7524,7 @@
           <p:cNvPr id="187" name="Прямоугольник 186">
             <a:extLst>
               <a:ext uri="{FF2B5EF4-FFF2-40B4-BE49-F238E27FC236}">
-                <a16:creationId xmlns:a16="http://schemas.microsoft.com/office/drawing/2014/main" xmlns="" id="{2E505257-2A24-481B-916C-1BCAD83B77BC}"/>
+                <a16:creationId xmlns:a16="http://schemas.microsoft.com/office/drawing/2014/main" id="{2E505257-2A24-481B-916C-1BCAD83B77BC}"/>
               </a:ext>
             </a:extLst>
           </p:cNvPr>
@@ -7574,7 +7573,7 @@
           <p:cNvPr id="190" name="Прямоугольник 189">
             <a:extLst>
               <a:ext uri="{FF2B5EF4-FFF2-40B4-BE49-F238E27FC236}">
-                <a16:creationId xmlns:a16="http://schemas.microsoft.com/office/drawing/2014/main" xmlns="" id="{10F9435B-2C7C-46FA-8521-6288C3935E26}"/>
+                <a16:creationId xmlns:a16="http://schemas.microsoft.com/office/drawing/2014/main" id="{10F9435B-2C7C-46FA-8521-6288C3935E26}"/>
               </a:ext>
             </a:extLst>
           </p:cNvPr>
@@ -7638,7 +7637,7 @@
           <p:cNvPr id="221" name="Соединительная линия уступом 175">
             <a:extLst>
               <a:ext uri="{FF2B5EF4-FFF2-40B4-BE49-F238E27FC236}">
-                <a16:creationId xmlns:a16="http://schemas.microsoft.com/office/drawing/2014/main" xmlns="" id="{3E3757A1-9F1A-4D27-B1A6-07FBC50A3BA9}"/>
+                <a16:creationId xmlns:a16="http://schemas.microsoft.com/office/drawing/2014/main" id="{3E3757A1-9F1A-4D27-B1A6-07FBC50A3BA9}"/>
               </a:ext>
             </a:extLst>
           </p:cNvPr>
@@ -7684,7 +7683,7 @@
           <p:cNvPr id="227" name="Прямая со стрелкой 226">
             <a:extLst>
               <a:ext uri="{FF2B5EF4-FFF2-40B4-BE49-F238E27FC236}">
-                <a16:creationId xmlns:a16="http://schemas.microsoft.com/office/drawing/2014/main" xmlns="" id="{DFA53624-9205-410F-8D69-B89CB4304D30}"/>
+                <a16:creationId xmlns:a16="http://schemas.microsoft.com/office/drawing/2014/main" id="{DFA53624-9205-410F-8D69-B89CB4304D30}"/>
               </a:ext>
             </a:extLst>
           </p:cNvPr>
@@ -7727,7 +7726,7 @@
           <p:cNvPr id="230" name="Соединительная линия уступом 175">
             <a:extLst>
               <a:ext uri="{FF2B5EF4-FFF2-40B4-BE49-F238E27FC236}">
-                <a16:creationId xmlns:a16="http://schemas.microsoft.com/office/drawing/2014/main" xmlns="" id="{0501B700-CD01-4C62-8B56-67B908D139FC}"/>
+                <a16:creationId xmlns:a16="http://schemas.microsoft.com/office/drawing/2014/main" id="{0501B700-CD01-4C62-8B56-67B908D139FC}"/>
               </a:ext>
             </a:extLst>
           </p:cNvPr>
@@ -7772,7 +7771,7 @@
           <p:cNvPr id="233" name="Соединительная линия уступом 175">
             <a:extLst>
               <a:ext uri="{FF2B5EF4-FFF2-40B4-BE49-F238E27FC236}">
-                <a16:creationId xmlns:a16="http://schemas.microsoft.com/office/drawing/2014/main" xmlns="" id="{5AAD928D-CA64-440E-B4F3-D156C509371B}"/>
+                <a16:creationId xmlns:a16="http://schemas.microsoft.com/office/drawing/2014/main" id="{5AAD928D-CA64-440E-B4F3-D156C509371B}"/>
               </a:ext>
             </a:extLst>
           </p:cNvPr>
@@ -7817,7 +7816,7 @@
           <p:cNvPr id="236" name="Прямая со стрелкой 235">
             <a:extLst>
               <a:ext uri="{FF2B5EF4-FFF2-40B4-BE49-F238E27FC236}">
-                <a16:creationId xmlns:a16="http://schemas.microsoft.com/office/drawing/2014/main" xmlns="" id="{AA112E98-02FD-470C-A678-3E396F0415DA}"/>
+                <a16:creationId xmlns:a16="http://schemas.microsoft.com/office/drawing/2014/main" id="{AA112E98-02FD-470C-A678-3E396F0415DA}"/>
               </a:ext>
             </a:extLst>
           </p:cNvPr>
@@ -7860,7 +7859,7 @@
           <p:cNvPr id="239" name="Прямая со стрелкой 238">
             <a:extLst>
               <a:ext uri="{FF2B5EF4-FFF2-40B4-BE49-F238E27FC236}">
-                <a16:creationId xmlns:a16="http://schemas.microsoft.com/office/drawing/2014/main" xmlns="" id="{7570A332-205A-4A56-9FD4-10366758BE5C}"/>
+                <a16:creationId xmlns:a16="http://schemas.microsoft.com/office/drawing/2014/main" id="{7570A332-205A-4A56-9FD4-10366758BE5C}"/>
               </a:ext>
             </a:extLst>
           </p:cNvPr>
@@ -7903,7 +7902,7 @@
           <p:cNvPr id="242" name="Соединительная линия уступом 175">
             <a:extLst>
               <a:ext uri="{FF2B5EF4-FFF2-40B4-BE49-F238E27FC236}">
-                <a16:creationId xmlns:a16="http://schemas.microsoft.com/office/drawing/2014/main" xmlns="" id="{DFEF16FF-A8E6-47E9-9D00-D915543BA443}"/>
+                <a16:creationId xmlns:a16="http://schemas.microsoft.com/office/drawing/2014/main" id="{DFEF16FF-A8E6-47E9-9D00-D915543BA443}"/>
               </a:ext>
             </a:extLst>
           </p:cNvPr>
@@ -7948,7 +7947,7 @@
           <p:cNvPr id="245" name="Соединительная линия уступом 175">
             <a:extLst>
               <a:ext uri="{FF2B5EF4-FFF2-40B4-BE49-F238E27FC236}">
-                <a16:creationId xmlns:a16="http://schemas.microsoft.com/office/drawing/2014/main" xmlns="" id="{85D03E22-5BDA-4220-AA5E-050D19FD2FF6}"/>
+                <a16:creationId xmlns:a16="http://schemas.microsoft.com/office/drawing/2014/main" id="{85D03E22-5BDA-4220-AA5E-050D19FD2FF6}"/>
               </a:ext>
             </a:extLst>
           </p:cNvPr>
@@ -7993,7 +7992,7 @@
           <p:cNvPr id="248" name="Соединительная линия уступом 175">
             <a:extLst>
               <a:ext uri="{FF2B5EF4-FFF2-40B4-BE49-F238E27FC236}">
-                <a16:creationId xmlns:a16="http://schemas.microsoft.com/office/drawing/2014/main" xmlns="" id="{EA5CDDA5-0F5E-44E9-8C4B-894B8DF88EB7}"/>
+                <a16:creationId xmlns:a16="http://schemas.microsoft.com/office/drawing/2014/main" id="{EA5CDDA5-0F5E-44E9-8C4B-894B8DF88EB7}"/>
               </a:ext>
             </a:extLst>
           </p:cNvPr>
@@ -8038,7 +8037,7 @@
           <p:cNvPr id="251" name="Прямая со стрелкой 250">
             <a:extLst>
               <a:ext uri="{FF2B5EF4-FFF2-40B4-BE49-F238E27FC236}">
-                <a16:creationId xmlns:a16="http://schemas.microsoft.com/office/drawing/2014/main" xmlns="" id="{99969D16-AB62-4CE3-8459-1D3201356369}"/>
+                <a16:creationId xmlns:a16="http://schemas.microsoft.com/office/drawing/2014/main" id="{99969D16-AB62-4CE3-8459-1D3201356369}"/>
               </a:ext>
             </a:extLst>
           </p:cNvPr>
@@ -8081,7 +8080,7 @@
           <p:cNvPr id="100" name="Прямоугольник 99">
             <a:extLst>
               <a:ext uri="{FF2B5EF4-FFF2-40B4-BE49-F238E27FC236}">
-                <a16:creationId xmlns:a16="http://schemas.microsoft.com/office/drawing/2014/main" xmlns="" id="{B24C7D8D-9041-4D7A-ACFE-4D49C55501A0}"/>
+                <a16:creationId xmlns:a16="http://schemas.microsoft.com/office/drawing/2014/main" id="{B24C7D8D-9041-4D7A-ACFE-4D49C55501A0}"/>
               </a:ext>
             </a:extLst>
           </p:cNvPr>
@@ -8200,7 +8199,7 @@
           <p:cNvPr id="101" name="Прямоугольник 100">
             <a:extLst>
               <a:ext uri="{FF2B5EF4-FFF2-40B4-BE49-F238E27FC236}">
-                <a16:creationId xmlns:a16="http://schemas.microsoft.com/office/drawing/2014/main" xmlns="" id="{09CAA6C9-629F-48D6-ABAA-DF457DA207FA}"/>
+                <a16:creationId xmlns:a16="http://schemas.microsoft.com/office/drawing/2014/main" id="{09CAA6C9-629F-48D6-ABAA-DF457DA207FA}"/>
               </a:ext>
             </a:extLst>
           </p:cNvPr>
@@ -8271,7 +8270,7 @@
           <p:cNvPr id="103" name="Прямая соединительная линия 102">
             <a:extLst>
               <a:ext uri="{FF2B5EF4-FFF2-40B4-BE49-F238E27FC236}">
-                <a16:creationId xmlns:a16="http://schemas.microsoft.com/office/drawing/2014/main" xmlns="" id="{07402EE0-D121-4569-BC7E-EA44B35D0E6A}"/>
+                <a16:creationId xmlns:a16="http://schemas.microsoft.com/office/drawing/2014/main" id="{07402EE0-D121-4569-BC7E-EA44B35D0E6A}"/>
               </a:ext>
             </a:extLst>
           </p:cNvPr>
@@ -8316,7 +8315,7 @@
           <p:cNvPr id="108" name="Прямоугольник 107">
             <a:extLst>
               <a:ext uri="{FF2B5EF4-FFF2-40B4-BE49-F238E27FC236}">
-                <a16:creationId xmlns:a16="http://schemas.microsoft.com/office/drawing/2014/main" xmlns="" id="{0174761C-6878-4C71-89CF-BBA62EC748C4}"/>
+                <a16:creationId xmlns:a16="http://schemas.microsoft.com/office/drawing/2014/main" id="{0174761C-6878-4C71-89CF-BBA62EC748C4}"/>
               </a:ext>
             </a:extLst>
           </p:cNvPr>
@@ -8406,7 +8405,7 @@
           <p:cNvPr id="111" name="Прямоугольник 110">
             <a:extLst>
               <a:ext uri="{FF2B5EF4-FFF2-40B4-BE49-F238E27FC236}">
-                <a16:creationId xmlns:a16="http://schemas.microsoft.com/office/drawing/2014/main" xmlns="" id="{16FBA02F-5548-4084-AE24-F6B4B5AED19F}"/>
+                <a16:creationId xmlns:a16="http://schemas.microsoft.com/office/drawing/2014/main" id="{16FBA02F-5548-4084-AE24-F6B4B5AED19F}"/>
               </a:ext>
             </a:extLst>
           </p:cNvPr>
@@ -8485,7 +8484,7 @@
           <p:cNvPr id="107" name="Прямоугольник 106">
             <a:extLst>
               <a:ext uri="{FF2B5EF4-FFF2-40B4-BE49-F238E27FC236}">
-                <a16:creationId xmlns:a16="http://schemas.microsoft.com/office/drawing/2014/main" xmlns="" id="{E539C547-A17A-486F-9B7C-6F44EBBA5CB0}"/>
+                <a16:creationId xmlns:a16="http://schemas.microsoft.com/office/drawing/2014/main" id="{E539C547-A17A-486F-9B7C-6F44EBBA5CB0}"/>
               </a:ext>
             </a:extLst>
           </p:cNvPr>
@@ -8596,7 +8595,7 @@
           <p:cNvPr id="112" name="Прямоугольник 111">
             <a:extLst>
               <a:ext uri="{FF2B5EF4-FFF2-40B4-BE49-F238E27FC236}">
-                <a16:creationId xmlns:a16="http://schemas.microsoft.com/office/drawing/2014/main" xmlns="" id="{206B89BC-1DE9-4669-87C1-18D7346ECB65}"/>
+                <a16:creationId xmlns:a16="http://schemas.microsoft.com/office/drawing/2014/main" id="{206B89BC-1DE9-4669-87C1-18D7346ECB65}"/>
               </a:ext>
             </a:extLst>
           </p:cNvPr>
@@ -8683,7 +8682,7 @@
           <p:cNvPr id="113" name="Прямоугольник 112">
             <a:extLst>
               <a:ext uri="{FF2B5EF4-FFF2-40B4-BE49-F238E27FC236}">
-                <a16:creationId xmlns:a16="http://schemas.microsoft.com/office/drawing/2014/main" xmlns="" id="{3165B2B3-EEF4-4877-8519-BF526B88B6C9}"/>
+                <a16:creationId xmlns:a16="http://schemas.microsoft.com/office/drawing/2014/main" id="{3165B2B3-EEF4-4877-8519-BF526B88B6C9}"/>
               </a:ext>
             </a:extLst>
           </p:cNvPr>
@@ -8770,7 +8769,7 @@
           <p:cNvPr id="115" name="Прямоугольник 114">
             <a:extLst>
               <a:ext uri="{FF2B5EF4-FFF2-40B4-BE49-F238E27FC236}">
-                <a16:creationId xmlns:a16="http://schemas.microsoft.com/office/drawing/2014/main" xmlns="" id="{5AB7C30A-201B-4B15-889F-0961863E1653}"/>
+                <a16:creationId xmlns:a16="http://schemas.microsoft.com/office/drawing/2014/main" id="{5AB7C30A-201B-4B15-889F-0961863E1653}"/>
               </a:ext>
             </a:extLst>
           </p:cNvPr>
@@ -8841,7 +8840,7 @@
           <p:cNvPr id="116" name="Прямая со стрелкой 115">
             <a:extLst>
               <a:ext uri="{FF2B5EF4-FFF2-40B4-BE49-F238E27FC236}">
-                <a16:creationId xmlns:a16="http://schemas.microsoft.com/office/drawing/2014/main" xmlns="" id="{EBD3A6F3-AB1C-47D3-A4C9-E367E9B43AB2}"/>
+                <a16:creationId xmlns:a16="http://schemas.microsoft.com/office/drawing/2014/main" id="{EBD3A6F3-AB1C-47D3-A4C9-E367E9B43AB2}"/>
               </a:ext>
             </a:extLst>
           </p:cNvPr>
@@ -8884,7 +8883,7 @@
           <p:cNvPr id="117" name="Прямая со стрелкой 116">
             <a:extLst>
               <a:ext uri="{FF2B5EF4-FFF2-40B4-BE49-F238E27FC236}">
-                <a16:creationId xmlns:a16="http://schemas.microsoft.com/office/drawing/2014/main" xmlns="" id="{1CA48A8C-7918-4ACD-8584-930D3FA93CAA}"/>
+                <a16:creationId xmlns:a16="http://schemas.microsoft.com/office/drawing/2014/main" id="{1CA48A8C-7918-4ACD-8584-930D3FA93CAA}"/>
               </a:ext>
             </a:extLst>
           </p:cNvPr>
@@ -8927,7 +8926,7 @@
           <p:cNvPr id="132" name="Прямоугольник 131">
             <a:extLst>
               <a:ext uri="{FF2B5EF4-FFF2-40B4-BE49-F238E27FC236}">
-                <a16:creationId xmlns:a16="http://schemas.microsoft.com/office/drawing/2014/main" xmlns="" id="{A65B4601-A6C9-4318-A2AC-F51BDF31465E}"/>
+                <a16:creationId xmlns:a16="http://schemas.microsoft.com/office/drawing/2014/main" id="{A65B4601-A6C9-4318-A2AC-F51BDF31465E}"/>
               </a:ext>
             </a:extLst>
           </p:cNvPr>
@@ -8998,7 +8997,7 @@
           <p:cNvPr id="19" name="Таблица 18">
             <a:extLst>
               <a:ext uri="{FF2B5EF4-FFF2-40B4-BE49-F238E27FC236}">
-                <a16:creationId xmlns:a16="http://schemas.microsoft.com/office/drawing/2014/main" xmlns="" id="{E22581ED-E764-4FCA-B41E-4071C1C99800}"/>
+                <a16:creationId xmlns:a16="http://schemas.microsoft.com/office/drawing/2014/main" id="{E22581ED-E764-4FCA-B41E-4071C1C99800}"/>
               </a:ext>
             </a:extLst>
           </p:cNvPr>
@@ -9027,28 +9026,28 @@
                 <a:gridCol w="871855">
                   <a:extLst>
                     <a:ext uri="{9D8B030D-6E8A-4147-A177-3AD203B41FA5}">
-                      <a16:colId xmlns:a16="http://schemas.microsoft.com/office/drawing/2014/main" xmlns="" val="1340066321"/>
+                      <a16:colId xmlns:a16="http://schemas.microsoft.com/office/drawing/2014/main" val="1340066321"/>
                     </a:ext>
                   </a:extLst>
                 </a:gridCol>
                 <a:gridCol w="1972310">
                   <a:extLst>
                     <a:ext uri="{9D8B030D-6E8A-4147-A177-3AD203B41FA5}">
-                      <a16:colId xmlns:a16="http://schemas.microsoft.com/office/drawing/2014/main" xmlns="" val="3289238804"/>
+                      <a16:colId xmlns:a16="http://schemas.microsoft.com/office/drawing/2014/main" val="3289238804"/>
                     </a:ext>
                   </a:extLst>
                 </a:gridCol>
                 <a:gridCol w="1234440">
                   <a:extLst>
                     <a:ext uri="{9D8B030D-6E8A-4147-A177-3AD203B41FA5}">
-                      <a16:colId xmlns:a16="http://schemas.microsoft.com/office/drawing/2014/main" xmlns="" val="1455402127"/>
+                      <a16:colId xmlns:a16="http://schemas.microsoft.com/office/drawing/2014/main" val="1455402127"/>
                     </a:ext>
                   </a:extLst>
                 </a:gridCol>
                 <a:gridCol w="951230">
                   <a:extLst>
                     <a:ext uri="{9D8B030D-6E8A-4147-A177-3AD203B41FA5}">
-                      <a16:colId xmlns:a16="http://schemas.microsoft.com/office/drawing/2014/main" xmlns="" val="150090897"/>
+                      <a16:colId xmlns:a16="http://schemas.microsoft.com/office/drawing/2014/main" val="150090897"/>
                     </a:ext>
                   </a:extLst>
                 </a:gridCol>
@@ -9156,7 +9155,7 @@
                 </a:tc>
                 <a:extLst>
                   <a:ext uri="{0D108BD9-81ED-4DB2-BD59-A6C34878D82A}">
-                    <a16:rowId xmlns:a16="http://schemas.microsoft.com/office/drawing/2014/main" xmlns="" val="2620928766"/>
+                    <a16:rowId xmlns:a16="http://schemas.microsoft.com/office/drawing/2014/main" val="2620928766"/>
                   </a:ext>
                 </a:extLst>
               </a:tr>
@@ -9263,7 +9262,7 @@
                 </a:tc>
                 <a:extLst>
                   <a:ext uri="{0D108BD9-81ED-4DB2-BD59-A6C34878D82A}">
-                    <a16:rowId xmlns:a16="http://schemas.microsoft.com/office/drawing/2014/main" xmlns="" val="2997133043"/>
+                    <a16:rowId xmlns:a16="http://schemas.microsoft.com/office/drawing/2014/main" val="2997133043"/>
                   </a:ext>
                 </a:extLst>
               </a:tr>
@@ -9370,7 +9369,7 @@
                 </a:tc>
                 <a:extLst>
                   <a:ext uri="{0D108BD9-81ED-4DB2-BD59-A6C34878D82A}">
-                    <a16:rowId xmlns:a16="http://schemas.microsoft.com/office/drawing/2014/main" xmlns="" val="3986342501"/>
+                    <a16:rowId xmlns:a16="http://schemas.microsoft.com/office/drawing/2014/main" val="3986342501"/>
                   </a:ext>
                 </a:extLst>
               </a:tr>
@@ -9477,7 +9476,7 @@
                 </a:tc>
                 <a:extLst>
                   <a:ext uri="{0D108BD9-81ED-4DB2-BD59-A6C34878D82A}">
-                    <a16:rowId xmlns:a16="http://schemas.microsoft.com/office/drawing/2014/main" xmlns="" val="2781629343"/>
+                    <a16:rowId xmlns:a16="http://schemas.microsoft.com/office/drawing/2014/main" val="2781629343"/>
                   </a:ext>
                 </a:extLst>
               </a:tr>
@@ -9584,7 +9583,7 @@
                 </a:tc>
                 <a:extLst>
                   <a:ext uri="{0D108BD9-81ED-4DB2-BD59-A6C34878D82A}">
-                    <a16:rowId xmlns:a16="http://schemas.microsoft.com/office/drawing/2014/main" xmlns="" val="3540080779"/>
+                    <a16:rowId xmlns:a16="http://schemas.microsoft.com/office/drawing/2014/main" val="3540080779"/>
                   </a:ext>
                 </a:extLst>
               </a:tr>
@@ -9691,7 +9690,7 @@
                 </a:tc>
                 <a:extLst>
                   <a:ext uri="{0D108BD9-81ED-4DB2-BD59-A6C34878D82A}">
-                    <a16:rowId xmlns:a16="http://schemas.microsoft.com/office/drawing/2014/main" xmlns="" val="3491628292"/>
+                    <a16:rowId xmlns:a16="http://schemas.microsoft.com/office/drawing/2014/main" val="3491628292"/>
                   </a:ext>
                 </a:extLst>
               </a:tr>
@@ -9704,7 +9703,7 @@
           <p:cNvPr id="141" name="Прямоугольник 140">
             <a:extLst>
               <a:ext uri="{FF2B5EF4-FFF2-40B4-BE49-F238E27FC236}">
-                <a16:creationId xmlns:a16="http://schemas.microsoft.com/office/drawing/2014/main" xmlns="" id="{7124B428-62EC-4668-AA42-A9E765922B83}"/>
+                <a16:creationId xmlns:a16="http://schemas.microsoft.com/office/drawing/2014/main" id="{7124B428-62EC-4668-AA42-A9E765922B83}"/>
               </a:ext>
             </a:extLst>
           </p:cNvPr>
@@ -9815,7 +9814,7 @@
           <p:cNvPr id="119" name="Прямоугольник 118">
             <a:extLst>
               <a:ext uri="{FF2B5EF4-FFF2-40B4-BE49-F238E27FC236}">
-                <a16:creationId xmlns:a16="http://schemas.microsoft.com/office/drawing/2014/main" xmlns="" id="{DB6E3B10-7836-48E8-94E4-4375B8A4B407}"/>
+                <a16:creationId xmlns:a16="http://schemas.microsoft.com/office/drawing/2014/main" id="{DB6E3B10-7836-48E8-94E4-4375B8A4B407}"/>
               </a:ext>
             </a:extLst>
           </p:cNvPr>
@@ -9974,7 +9973,7 @@
           <p:cNvPr id="165" name="Прямоугольник 164">
             <a:extLst>
               <a:ext uri="{FF2B5EF4-FFF2-40B4-BE49-F238E27FC236}">
-                <a16:creationId xmlns:a16="http://schemas.microsoft.com/office/drawing/2014/main" xmlns="" id="{83FD783A-DD1F-4C23-8CD1-77D1643FC673}"/>
+                <a16:creationId xmlns:a16="http://schemas.microsoft.com/office/drawing/2014/main" id="{83FD783A-DD1F-4C23-8CD1-77D1643FC673}"/>
               </a:ext>
             </a:extLst>
           </p:cNvPr>
@@ -10149,7 +10148,7 @@
           <p:cNvPr id="168" name="Прямоугольник 167">
             <a:extLst>
               <a:ext uri="{FF2B5EF4-FFF2-40B4-BE49-F238E27FC236}">
-                <a16:creationId xmlns:a16="http://schemas.microsoft.com/office/drawing/2014/main" xmlns="" id="{068B4ABC-E26F-4FB0-B0F8-F5F845757B6E}"/>
+                <a16:creationId xmlns:a16="http://schemas.microsoft.com/office/drawing/2014/main" id="{068B4ABC-E26F-4FB0-B0F8-F5F845757B6E}"/>
               </a:ext>
             </a:extLst>
           </p:cNvPr>
@@ -10329,7 +10328,7 @@
           <p:cNvPr id="170" name="Прямоугольник 169">
             <a:extLst>
               <a:ext uri="{FF2B5EF4-FFF2-40B4-BE49-F238E27FC236}">
-                <a16:creationId xmlns:a16="http://schemas.microsoft.com/office/drawing/2014/main" xmlns="" id="{A2CBF703-EA25-46A0-AFBD-8020F54CDBD4}"/>
+                <a16:creationId xmlns:a16="http://schemas.microsoft.com/office/drawing/2014/main" id="{A2CBF703-EA25-46A0-AFBD-8020F54CDBD4}"/>
               </a:ext>
             </a:extLst>
           </p:cNvPr>
@@ -10419,7 +10418,7 @@
           <p:cNvPr id="171" name="Прямоугольник 170">
             <a:extLst>
               <a:ext uri="{FF2B5EF4-FFF2-40B4-BE49-F238E27FC236}">
-                <a16:creationId xmlns:a16="http://schemas.microsoft.com/office/drawing/2014/main" xmlns="" id="{7F78B5E7-887C-411A-B36D-1F94FB6CBB50}"/>
+                <a16:creationId xmlns:a16="http://schemas.microsoft.com/office/drawing/2014/main" id="{7F78B5E7-887C-411A-B36D-1F94FB6CBB50}"/>
               </a:ext>
             </a:extLst>
           </p:cNvPr>
@@ -10714,7 +10713,7 @@
           <p:cNvPr id="159" name="Прямоугольник 158">
             <a:extLst>
               <a:ext uri="{FF2B5EF4-FFF2-40B4-BE49-F238E27FC236}">
-                <a16:creationId xmlns:a16="http://schemas.microsoft.com/office/drawing/2014/main" xmlns="" id="{F58DDB0D-9379-4609-9AFC-C95DC2652ADD}"/>
+                <a16:creationId xmlns:a16="http://schemas.microsoft.com/office/drawing/2014/main" id="{F58DDB0D-9379-4609-9AFC-C95DC2652ADD}"/>
               </a:ext>
             </a:extLst>
           </p:cNvPr>
@@ -10849,7 +10848,7 @@
           <p:cNvPr id="167" name="Прямоугольник 166">
             <a:extLst>
               <a:ext uri="{FF2B5EF4-FFF2-40B4-BE49-F238E27FC236}">
-                <a16:creationId xmlns:a16="http://schemas.microsoft.com/office/drawing/2014/main" xmlns="" id="{41F12621-CDA4-4BAC-A0F5-91C9E8E1CC23}"/>
+                <a16:creationId xmlns:a16="http://schemas.microsoft.com/office/drawing/2014/main" id="{41F12621-CDA4-4BAC-A0F5-91C9E8E1CC23}"/>
               </a:ext>
             </a:extLst>
           </p:cNvPr>
@@ -10984,7 +10983,7 @@
           <p:cNvPr id="181" name="Прямоугольник 180">
             <a:extLst>
               <a:ext uri="{FF2B5EF4-FFF2-40B4-BE49-F238E27FC236}">
-                <a16:creationId xmlns:a16="http://schemas.microsoft.com/office/drawing/2014/main" xmlns="" id="{3A749979-2D3C-460C-8BBB-A6FDFEC222A8}"/>
+                <a16:creationId xmlns:a16="http://schemas.microsoft.com/office/drawing/2014/main" id="{3A749979-2D3C-460C-8BBB-A6FDFEC222A8}"/>
               </a:ext>
             </a:extLst>
           </p:cNvPr>
@@ -11052,7 +11051,7 @@
           <p:cNvPr id="162" name="Соединительная линия уступом 175">
             <a:extLst>
               <a:ext uri="{FF2B5EF4-FFF2-40B4-BE49-F238E27FC236}">
-                <a16:creationId xmlns:a16="http://schemas.microsoft.com/office/drawing/2014/main" xmlns="" id="{A17EDA92-3134-4C9C-900C-B040D6FB3FC1}"/>
+                <a16:creationId xmlns:a16="http://schemas.microsoft.com/office/drawing/2014/main" id="{A17EDA92-3134-4C9C-900C-B040D6FB3FC1}"/>
               </a:ext>
             </a:extLst>
           </p:cNvPr>
@@ -11097,7 +11096,7 @@
           <p:cNvPr id="193" name="Соединительная линия уступом 175">
             <a:extLst>
               <a:ext uri="{FF2B5EF4-FFF2-40B4-BE49-F238E27FC236}">
-                <a16:creationId xmlns:a16="http://schemas.microsoft.com/office/drawing/2014/main" xmlns="" id="{8D09C9BF-66B2-46DE-AB93-A44355AD51C3}"/>
+                <a16:creationId xmlns:a16="http://schemas.microsoft.com/office/drawing/2014/main" id="{8D09C9BF-66B2-46DE-AB93-A44355AD51C3}"/>
               </a:ext>
             </a:extLst>
           </p:cNvPr>
@@ -11142,7 +11141,7 @@
           <p:cNvPr id="194" name="Прямая со стрелкой 193">
             <a:extLst>
               <a:ext uri="{FF2B5EF4-FFF2-40B4-BE49-F238E27FC236}">
-                <a16:creationId xmlns:a16="http://schemas.microsoft.com/office/drawing/2014/main" xmlns="" id="{B71715EB-7CCA-4466-A3CA-883CB2098A7E}"/>
+                <a16:creationId xmlns:a16="http://schemas.microsoft.com/office/drawing/2014/main" id="{B71715EB-7CCA-4466-A3CA-883CB2098A7E}"/>
               </a:ext>
             </a:extLst>
           </p:cNvPr>
@@ -11185,7 +11184,7 @@
           <p:cNvPr id="195" name="Соединительная линия уступом 175">
             <a:extLst>
               <a:ext uri="{FF2B5EF4-FFF2-40B4-BE49-F238E27FC236}">
-                <a16:creationId xmlns:a16="http://schemas.microsoft.com/office/drawing/2014/main" xmlns="" id="{962D0293-33CE-4234-B28D-EE8984C231FA}"/>
+                <a16:creationId xmlns:a16="http://schemas.microsoft.com/office/drawing/2014/main" id="{962D0293-33CE-4234-B28D-EE8984C231FA}"/>
               </a:ext>
             </a:extLst>
           </p:cNvPr>
@@ -11230,7 +11229,7 @@
           <p:cNvPr id="197" name="Прямая со стрелкой 196">
             <a:extLst>
               <a:ext uri="{FF2B5EF4-FFF2-40B4-BE49-F238E27FC236}">
-                <a16:creationId xmlns:a16="http://schemas.microsoft.com/office/drawing/2014/main" xmlns="" id="{082AC64B-C5AA-4EFF-B24A-59F8FA6DB71C}"/>
+                <a16:creationId xmlns:a16="http://schemas.microsoft.com/office/drawing/2014/main" id="{082AC64B-C5AA-4EFF-B24A-59F8FA6DB71C}"/>
               </a:ext>
             </a:extLst>
           </p:cNvPr>
@@ -11273,7 +11272,7 @@
           <p:cNvPr id="198" name="Прямая со стрелкой 197">
             <a:extLst>
               <a:ext uri="{FF2B5EF4-FFF2-40B4-BE49-F238E27FC236}">
-                <a16:creationId xmlns:a16="http://schemas.microsoft.com/office/drawing/2014/main" xmlns="" id="{E4A7A246-F7EF-4790-A35B-513A579A61A5}"/>
+                <a16:creationId xmlns:a16="http://schemas.microsoft.com/office/drawing/2014/main" id="{E4A7A246-F7EF-4790-A35B-513A579A61A5}"/>
               </a:ext>
             </a:extLst>
           </p:cNvPr>
@@ -11316,7 +11315,7 @@
           <p:cNvPr id="199" name="Соединительная линия уступом 175">
             <a:extLst>
               <a:ext uri="{FF2B5EF4-FFF2-40B4-BE49-F238E27FC236}">
-                <a16:creationId xmlns:a16="http://schemas.microsoft.com/office/drawing/2014/main" xmlns="" id="{2D2DDFCB-B571-4E4D-81E1-DBE0064AF235}"/>
+                <a16:creationId xmlns:a16="http://schemas.microsoft.com/office/drawing/2014/main" id="{2D2DDFCB-B571-4E4D-81E1-DBE0064AF235}"/>
               </a:ext>
             </a:extLst>
           </p:cNvPr>
@@ -11361,7 +11360,7 @@
           <p:cNvPr id="200" name="Соединительная линия уступом 175">
             <a:extLst>
               <a:ext uri="{FF2B5EF4-FFF2-40B4-BE49-F238E27FC236}">
-                <a16:creationId xmlns:a16="http://schemas.microsoft.com/office/drawing/2014/main" xmlns="" id="{FE00F0FE-E4EF-4A2A-8C2D-7202EFCE999F}"/>
+                <a16:creationId xmlns:a16="http://schemas.microsoft.com/office/drawing/2014/main" id="{FE00F0FE-E4EF-4A2A-8C2D-7202EFCE999F}"/>
               </a:ext>
             </a:extLst>
           </p:cNvPr>
@@ -11406,7 +11405,7 @@
           <p:cNvPr id="202" name="Соединительная линия уступом 175">
             <a:extLst>
               <a:ext uri="{FF2B5EF4-FFF2-40B4-BE49-F238E27FC236}">
-                <a16:creationId xmlns:a16="http://schemas.microsoft.com/office/drawing/2014/main" xmlns="" id="{F415FF90-187C-4268-B601-EF2D6AC5D6A7}"/>
+                <a16:creationId xmlns:a16="http://schemas.microsoft.com/office/drawing/2014/main" id="{F415FF90-187C-4268-B601-EF2D6AC5D6A7}"/>
               </a:ext>
             </a:extLst>
           </p:cNvPr>
@@ -11451,7 +11450,7 @@
           <p:cNvPr id="203" name="Соединительная линия уступом 175">
             <a:extLst>
               <a:ext uri="{FF2B5EF4-FFF2-40B4-BE49-F238E27FC236}">
-                <a16:creationId xmlns:a16="http://schemas.microsoft.com/office/drawing/2014/main" xmlns="" id="{0CD8030A-096E-4599-85F3-D392F82380E8}"/>
+                <a16:creationId xmlns:a16="http://schemas.microsoft.com/office/drawing/2014/main" id="{0CD8030A-096E-4599-85F3-D392F82380E8}"/>
               </a:ext>
             </a:extLst>
           </p:cNvPr>
@@ -11496,7 +11495,7 @@
           <p:cNvPr id="205" name="Соединительная линия уступом 175">
             <a:extLst>
               <a:ext uri="{FF2B5EF4-FFF2-40B4-BE49-F238E27FC236}">
-                <a16:creationId xmlns:a16="http://schemas.microsoft.com/office/drawing/2014/main" xmlns="" id="{8F64074F-3A63-40CD-87E3-FDF077A26359}"/>
+                <a16:creationId xmlns:a16="http://schemas.microsoft.com/office/drawing/2014/main" id="{8F64074F-3A63-40CD-87E3-FDF077A26359}"/>
               </a:ext>
             </a:extLst>
           </p:cNvPr>
@@ -11541,7 +11540,7 @@
           <p:cNvPr id="209" name="Соединительная линия уступом 175">
             <a:extLst>
               <a:ext uri="{FF2B5EF4-FFF2-40B4-BE49-F238E27FC236}">
-                <a16:creationId xmlns:a16="http://schemas.microsoft.com/office/drawing/2014/main" xmlns="" id="{4C7CA055-2024-4B84-BC09-8B3312C29ED4}"/>
+                <a16:creationId xmlns:a16="http://schemas.microsoft.com/office/drawing/2014/main" id="{4C7CA055-2024-4B84-BC09-8B3312C29ED4}"/>
               </a:ext>
             </a:extLst>
           </p:cNvPr>
@@ -11586,7 +11585,7 @@
           <p:cNvPr id="173" name="Прямоугольник 172">
             <a:extLst>
               <a:ext uri="{FF2B5EF4-FFF2-40B4-BE49-F238E27FC236}">
-                <a16:creationId xmlns:a16="http://schemas.microsoft.com/office/drawing/2014/main" xmlns="" id="{EFF0095C-5C12-43DF-B013-3D165460711F}"/>
+                <a16:creationId xmlns:a16="http://schemas.microsoft.com/office/drawing/2014/main" id="{EFF0095C-5C12-43DF-B013-3D165460711F}"/>
               </a:ext>
             </a:extLst>
           </p:cNvPr>
@@ -11645,7 +11644,7 @@
           <p:cNvPr id="176" name="Прямоугольник 175">
             <a:extLst>
               <a:ext uri="{FF2B5EF4-FFF2-40B4-BE49-F238E27FC236}">
-                <a16:creationId xmlns:a16="http://schemas.microsoft.com/office/drawing/2014/main" xmlns="" id="{51FE9903-C81C-48D0-9AB8-A7C3AC542B91}"/>
+                <a16:creationId xmlns:a16="http://schemas.microsoft.com/office/drawing/2014/main" id="{51FE9903-C81C-48D0-9AB8-A7C3AC542B91}"/>
               </a:ext>
             </a:extLst>
           </p:cNvPr>
@@ -11696,7 +11695,7 @@
           <p:cNvPr id="214" name="Соединительная линия уступом 175">
             <a:extLst>
               <a:ext uri="{FF2B5EF4-FFF2-40B4-BE49-F238E27FC236}">
-                <a16:creationId xmlns:a16="http://schemas.microsoft.com/office/drawing/2014/main" xmlns="" id="{2BE99D97-470B-4813-A666-DEA258BD2B51}"/>
+                <a16:creationId xmlns:a16="http://schemas.microsoft.com/office/drawing/2014/main" id="{2BE99D97-470B-4813-A666-DEA258BD2B51}"/>
               </a:ext>
             </a:extLst>
           </p:cNvPr>
@@ -11741,7 +11740,7 @@
           <p:cNvPr id="216" name="Прямая со стрелкой 215">
             <a:extLst>
               <a:ext uri="{FF2B5EF4-FFF2-40B4-BE49-F238E27FC236}">
-                <a16:creationId xmlns:a16="http://schemas.microsoft.com/office/drawing/2014/main" xmlns="" id="{809AD7A9-1197-4E60-9BDA-8DBDE4B75DB9}"/>
+                <a16:creationId xmlns:a16="http://schemas.microsoft.com/office/drawing/2014/main" id="{809AD7A9-1197-4E60-9BDA-8DBDE4B75DB9}"/>
               </a:ext>
             </a:extLst>
           </p:cNvPr>
@@ -11784,7 +11783,7 @@
           <p:cNvPr id="217" name="Прямоугольник 216">
             <a:extLst>
               <a:ext uri="{FF2B5EF4-FFF2-40B4-BE49-F238E27FC236}">
-                <a16:creationId xmlns:a16="http://schemas.microsoft.com/office/drawing/2014/main" xmlns="" id="{E50D9AB9-B9A6-45C0-922A-43AB35AEB09C}"/>
+                <a16:creationId xmlns:a16="http://schemas.microsoft.com/office/drawing/2014/main" id="{E50D9AB9-B9A6-45C0-922A-43AB35AEB09C}"/>
               </a:ext>
             </a:extLst>
           </p:cNvPr>
@@ -11835,7 +11834,7 @@
           <p:cNvPr id="218" name="Прямоугольник 217">
             <a:extLst>
               <a:ext uri="{FF2B5EF4-FFF2-40B4-BE49-F238E27FC236}">
-                <a16:creationId xmlns:a16="http://schemas.microsoft.com/office/drawing/2014/main" xmlns="" id="{2B57547D-CC38-441A-9FFE-4742D4413365}"/>
+                <a16:creationId xmlns:a16="http://schemas.microsoft.com/office/drawing/2014/main" id="{2B57547D-CC38-441A-9FFE-4742D4413365}"/>
               </a:ext>
             </a:extLst>
           </p:cNvPr>
@@ -11899,7 +11898,7 @@
           <p:cNvPr id="215" name="Прямоугольник 214">
             <a:extLst>
               <a:ext uri="{FF2B5EF4-FFF2-40B4-BE49-F238E27FC236}">
-                <a16:creationId xmlns:a16="http://schemas.microsoft.com/office/drawing/2014/main" xmlns="" id="{932A2BE5-9DF3-4131-AC7D-211D67CAFF81}"/>
+                <a16:creationId xmlns:a16="http://schemas.microsoft.com/office/drawing/2014/main" id="{932A2BE5-9DF3-4131-AC7D-211D67CAFF81}"/>
               </a:ext>
             </a:extLst>
           </p:cNvPr>
@@ -12027,7 +12026,7 @@
           <p:cNvPr id="219" name="Прямоугольник 218">
             <a:extLst>
               <a:ext uri="{FF2B5EF4-FFF2-40B4-BE49-F238E27FC236}">
-                <a16:creationId xmlns:a16="http://schemas.microsoft.com/office/drawing/2014/main" xmlns="" id="{6E45A04C-CFE8-44B1-B6F4-B3A6031C2A2D}"/>
+                <a16:creationId xmlns:a16="http://schemas.microsoft.com/office/drawing/2014/main" id="{6E45A04C-CFE8-44B1-B6F4-B3A6031C2A2D}"/>
               </a:ext>
             </a:extLst>
           </p:cNvPr>
@@ -12078,7 +12077,7 @@
           <p:cNvPr id="220" name="Прямоугольник 219">
             <a:extLst>
               <a:ext uri="{FF2B5EF4-FFF2-40B4-BE49-F238E27FC236}">
-                <a16:creationId xmlns:a16="http://schemas.microsoft.com/office/drawing/2014/main" xmlns="" id="{76082F14-C0CE-420C-A798-475458A61B6C}"/>
+                <a16:creationId xmlns:a16="http://schemas.microsoft.com/office/drawing/2014/main" id="{76082F14-C0CE-420C-A798-475458A61B6C}"/>
               </a:ext>
             </a:extLst>
           </p:cNvPr>
@@ -12133,7 +12132,7 @@
           <p:cNvPr id="222" name="Прямоугольник 221">
             <a:extLst>
               <a:ext uri="{FF2B5EF4-FFF2-40B4-BE49-F238E27FC236}">
-                <a16:creationId xmlns:a16="http://schemas.microsoft.com/office/drawing/2014/main" xmlns="" id="{7A24FE44-DC0F-4F03-A7DD-522822F7DE5C}"/>
+                <a16:creationId xmlns:a16="http://schemas.microsoft.com/office/drawing/2014/main" id="{7A24FE44-DC0F-4F03-A7DD-522822F7DE5C}"/>
               </a:ext>
             </a:extLst>
           </p:cNvPr>
@@ -12189,7 +12188,7 @@
           <p:cNvPr id="223" name="Прямоугольник 222">
             <a:extLst>
               <a:ext uri="{FF2B5EF4-FFF2-40B4-BE49-F238E27FC236}">
-                <a16:creationId xmlns:a16="http://schemas.microsoft.com/office/drawing/2014/main" xmlns="" id="{0ED96DE1-7D3B-443D-9E2B-BA53432970F3}"/>
+                <a16:creationId xmlns:a16="http://schemas.microsoft.com/office/drawing/2014/main" id="{0ED96DE1-7D3B-443D-9E2B-BA53432970F3}"/>
               </a:ext>
             </a:extLst>
           </p:cNvPr>
@@ -12240,7 +12239,7 @@
           <p:cNvPr id="225" name="Прямоугольник 224">
             <a:extLst>
               <a:ext uri="{FF2B5EF4-FFF2-40B4-BE49-F238E27FC236}">
-                <a16:creationId xmlns:a16="http://schemas.microsoft.com/office/drawing/2014/main" xmlns="" id="{8CEF4C01-E565-4A49-849F-7D1EFF3E617C}"/>
+                <a16:creationId xmlns:a16="http://schemas.microsoft.com/office/drawing/2014/main" id="{8CEF4C01-E565-4A49-849F-7D1EFF3E617C}"/>
               </a:ext>
             </a:extLst>
           </p:cNvPr>
@@ -12312,7 +12311,7 @@
           <p:cNvPr id="226" name="Прямоугольник 225">
             <a:extLst>
               <a:ext uri="{FF2B5EF4-FFF2-40B4-BE49-F238E27FC236}">
-                <a16:creationId xmlns:a16="http://schemas.microsoft.com/office/drawing/2014/main" xmlns="" id="{CDC80F7A-0A23-4DED-8B3C-116A0EDDE628}"/>
+                <a16:creationId xmlns:a16="http://schemas.microsoft.com/office/drawing/2014/main" id="{CDC80F7A-0A23-4DED-8B3C-116A0EDDE628}"/>
               </a:ext>
             </a:extLst>
           </p:cNvPr>
@@ -12400,7 +12399,7 @@
           <p:cNvPr id="228" name="Прямоугольник 227">
             <a:extLst>
               <a:ext uri="{FF2B5EF4-FFF2-40B4-BE49-F238E27FC236}">
-                <a16:creationId xmlns:a16="http://schemas.microsoft.com/office/drawing/2014/main" xmlns="" id="{8466996F-D00A-4524-BB7C-40EB55937948}"/>
+                <a16:creationId xmlns:a16="http://schemas.microsoft.com/office/drawing/2014/main" id="{8466996F-D00A-4524-BB7C-40EB55937948}"/>
               </a:ext>
             </a:extLst>
           </p:cNvPr>
@@ -12456,7 +12455,7 @@
           <p:cNvPr id="229" name="Прямоугольник 228">
             <a:extLst>
               <a:ext uri="{FF2B5EF4-FFF2-40B4-BE49-F238E27FC236}">
-                <a16:creationId xmlns:a16="http://schemas.microsoft.com/office/drawing/2014/main" xmlns="" id="{A5171FC1-3957-48C7-8A18-AE335D0D3217}"/>
+                <a16:creationId xmlns:a16="http://schemas.microsoft.com/office/drawing/2014/main" id="{A5171FC1-3957-48C7-8A18-AE335D0D3217}"/>
               </a:ext>
             </a:extLst>
           </p:cNvPr>
@@ -12571,7 +12570,7 @@
           <p:cNvPr id="231" name="Прямоугольник 230">
             <a:extLst>
               <a:ext uri="{FF2B5EF4-FFF2-40B4-BE49-F238E27FC236}">
-                <a16:creationId xmlns:a16="http://schemas.microsoft.com/office/drawing/2014/main" xmlns="" id="{C74010CE-732B-47B8-98BA-B932D18F5C5F}"/>
+                <a16:creationId xmlns:a16="http://schemas.microsoft.com/office/drawing/2014/main" id="{C74010CE-732B-47B8-98BA-B932D18F5C5F}"/>
               </a:ext>
             </a:extLst>
           </p:cNvPr>
@@ -12643,7 +12642,7 @@
           <p:cNvPr id="234" name="Прямоугольник 233">
             <a:extLst>
               <a:ext uri="{FF2B5EF4-FFF2-40B4-BE49-F238E27FC236}">
-                <a16:creationId xmlns:a16="http://schemas.microsoft.com/office/drawing/2014/main" xmlns="" id="{B9287FA6-5748-4050-A09B-F86ACADD40C6}"/>
+                <a16:creationId xmlns:a16="http://schemas.microsoft.com/office/drawing/2014/main" id="{B9287FA6-5748-4050-A09B-F86ACADD40C6}"/>
               </a:ext>
             </a:extLst>
           </p:cNvPr>
@@ -12694,7 +12693,7 @@
           <p:cNvPr id="235" name="Прямоугольник 234">
             <a:extLst>
               <a:ext uri="{FF2B5EF4-FFF2-40B4-BE49-F238E27FC236}">
-                <a16:creationId xmlns:a16="http://schemas.microsoft.com/office/drawing/2014/main" xmlns="" id="{AF154FD1-A631-4908-A376-BD74A6EAB4BF}"/>
+                <a16:creationId xmlns:a16="http://schemas.microsoft.com/office/drawing/2014/main" id="{AF154FD1-A631-4908-A376-BD74A6EAB4BF}"/>
               </a:ext>
             </a:extLst>
           </p:cNvPr>
@@ -12745,7 +12744,7 @@
           <p:cNvPr id="237" name="Прямоугольник 236">
             <a:extLst>
               <a:ext uri="{FF2B5EF4-FFF2-40B4-BE49-F238E27FC236}">
-                <a16:creationId xmlns:a16="http://schemas.microsoft.com/office/drawing/2014/main" xmlns="" id="{6F8111E7-1B25-4AA9-8608-4460F1F39721}"/>
+                <a16:creationId xmlns:a16="http://schemas.microsoft.com/office/drawing/2014/main" id="{6F8111E7-1B25-4AA9-8608-4460F1F39721}"/>
               </a:ext>
             </a:extLst>
           </p:cNvPr>
@@ -12796,7 +12795,7 @@
           <p:cNvPr id="238" name="Прямоугольник 237">
             <a:extLst>
               <a:ext uri="{FF2B5EF4-FFF2-40B4-BE49-F238E27FC236}">
-                <a16:creationId xmlns:a16="http://schemas.microsoft.com/office/drawing/2014/main" xmlns="" id="{57D01D21-9C92-4D5D-912D-78EABFD4B423}"/>
+                <a16:creationId xmlns:a16="http://schemas.microsoft.com/office/drawing/2014/main" id="{57D01D21-9C92-4D5D-912D-78EABFD4B423}"/>
               </a:ext>
             </a:extLst>
           </p:cNvPr>
@@ -12935,7 +12934,7 @@
           <p:cNvPr id="240" name="Прямоугольник 239">
             <a:extLst>
               <a:ext uri="{FF2B5EF4-FFF2-40B4-BE49-F238E27FC236}">
-                <a16:creationId xmlns:a16="http://schemas.microsoft.com/office/drawing/2014/main" xmlns="" id="{5D946F78-13AF-4E5D-821E-15E9D1C480EA}"/>
+                <a16:creationId xmlns:a16="http://schemas.microsoft.com/office/drawing/2014/main" id="{5D946F78-13AF-4E5D-821E-15E9D1C480EA}"/>
               </a:ext>
             </a:extLst>
           </p:cNvPr>
@@ -13006,7 +13005,7 @@
           <p:cNvPr id="241" name="Прямоугольник 240">
             <a:extLst>
               <a:ext uri="{FF2B5EF4-FFF2-40B4-BE49-F238E27FC236}">
-                <a16:creationId xmlns:a16="http://schemas.microsoft.com/office/drawing/2014/main" xmlns="" id="{69D105F8-06E8-4874-9CC0-A720AA16198A}"/>
+                <a16:creationId xmlns:a16="http://schemas.microsoft.com/office/drawing/2014/main" id="{69D105F8-06E8-4874-9CC0-A720AA16198A}"/>
               </a:ext>
             </a:extLst>
           </p:cNvPr>
@@ -13337,7 +13336,7 @@
           <p:cNvPr id="244" name="Прямоугольник 243">
             <a:extLst>
               <a:ext uri="{FF2B5EF4-FFF2-40B4-BE49-F238E27FC236}">
-                <a16:creationId xmlns:a16="http://schemas.microsoft.com/office/drawing/2014/main" xmlns="" id="{95AA2346-0E45-4468-8883-5330558C313E}"/>
+                <a16:creationId xmlns:a16="http://schemas.microsoft.com/office/drawing/2014/main" id="{95AA2346-0E45-4468-8883-5330558C313E}"/>
               </a:ext>
             </a:extLst>
           </p:cNvPr>
@@ -13409,7 +13408,7 @@
           <p:cNvPr id="246" name="Прямоугольник 245">
             <a:extLst>
               <a:ext uri="{FF2B5EF4-FFF2-40B4-BE49-F238E27FC236}">
-                <a16:creationId xmlns:a16="http://schemas.microsoft.com/office/drawing/2014/main" xmlns="" id="{9F945B49-C665-4AC7-8517-A044FF611794}"/>
+                <a16:creationId xmlns:a16="http://schemas.microsoft.com/office/drawing/2014/main" id="{9F945B49-C665-4AC7-8517-A044FF611794}"/>
               </a:ext>
             </a:extLst>
           </p:cNvPr>
@@ -13489,7 +13488,7 @@
           <p:cNvPr id="247" name="Прямая соединительная линия 246">
             <a:extLst>
               <a:ext uri="{FF2B5EF4-FFF2-40B4-BE49-F238E27FC236}">
-                <a16:creationId xmlns:a16="http://schemas.microsoft.com/office/drawing/2014/main" xmlns="" id="{E0FFD5EF-7102-4D85-AB4D-4291057C2957}"/>
+                <a16:creationId xmlns:a16="http://schemas.microsoft.com/office/drawing/2014/main" id="{E0FFD5EF-7102-4D85-AB4D-4291057C2957}"/>
               </a:ext>
             </a:extLst>
           </p:cNvPr>
@@ -13534,7 +13533,7 @@
           <p:cNvPr id="249" name="Соединительная линия уступом 175">
             <a:extLst>
               <a:ext uri="{FF2B5EF4-FFF2-40B4-BE49-F238E27FC236}">
-                <a16:creationId xmlns:a16="http://schemas.microsoft.com/office/drawing/2014/main" xmlns="" id="{01009931-E780-446F-84B5-9F6C9B0475E8}"/>
+                <a16:creationId xmlns:a16="http://schemas.microsoft.com/office/drawing/2014/main" id="{01009931-E780-446F-84B5-9F6C9B0475E8}"/>
               </a:ext>
             </a:extLst>
           </p:cNvPr>
@@ -13579,7 +13578,7 @@
           <p:cNvPr id="250" name="Прямоугольник 249">
             <a:extLst>
               <a:ext uri="{FF2B5EF4-FFF2-40B4-BE49-F238E27FC236}">
-                <a16:creationId xmlns:a16="http://schemas.microsoft.com/office/drawing/2014/main" xmlns="" id="{220686B7-8761-4F89-88B6-854F7EFA2AF9}"/>
+                <a16:creationId xmlns:a16="http://schemas.microsoft.com/office/drawing/2014/main" id="{220686B7-8761-4F89-88B6-854F7EFA2AF9}"/>
               </a:ext>
             </a:extLst>
           </p:cNvPr>
@@ -13630,7 +13629,7 @@
           <p:cNvPr id="252" name="Соединительная линия уступом 175">
             <a:extLst>
               <a:ext uri="{FF2B5EF4-FFF2-40B4-BE49-F238E27FC236}">
-                <a16:creationId xmlns:a16="http://schemas.microsoft.com/office/drawing/2014/main" xmlns="" id="{20EA9B28-3AC8-4D59-9BA3-273AFDAAD20C}"/>
+                <a16:creationId xmlns:a16="http://schemas.microsoft.com/office/drawing/2014/main" id="{20EA9B28-3AC8-4D59-9BA3-273AFDAAD20C}"/>
               </a:ext>
             </a:extLst>
           </p:cNvPr>
@@ -13675,7 +13674,7 @@
           <p:cNvPr id="253" name="Соединительная линия уступом 175">
             <a:extLst>
               <a:ext uri="{FF2B5EF4-FFF2-40B4-BE49-F238E27FC236}">
-                <a16:creationId xmlns:a16="http://schemas.microsoft.com/office/drawing/2014/main" xmlns="" id="{7924330A-D611-47A6-BFB6-0BF0F3BEF0AC}"/>
+                <a16:creationId xmlns:a16="http://schemas.microsoft.com/office/drawing/2014/main" id="{7924330A-D611-47A6-BFB6-0BF0F3BEF0AC}"/>
               </a:ext>
             </a:extLst>
           </p:cNvPr>
@@ -13720,7 +13719,7 @@
           <p:cNvPr id="254" name="Соединительная линия уступом 175">
             <a:extLst>
               <a:ext uri="{FF2B5EF4-FFF2-40B4-BE49-F238E27FC236}">
-                <a16:creationId xmlns:a16="http://schemas.microsoft.com/office/drawing/2014/main" xmlns="" id="{0B36D4C6-890A-4DC6-AFC6-6DE050D12592}"/>
+                <a16:creationId xmlns:a16="http://schemas.microsoft.com/office/drawing/2014/main" id="{0B36D4C6-890A-4DC6-AFC6-6DE050D12592}"/>
               </a:ext>
             </a:extLst>
           </p:cNvPr>
@@ -13765,7 +13764,7 @@
           <p:cNvPr id="255" name="Соединительная линия уступом 175">
             <a:extLst>
               <a:ext uri="{FF2B5EF4-FFF2-40B4-BE49-F238E27FC236}">
-                <a16:creationId xmlns:a16="http://schemas.microsoft.com/office/drawing/2014/main" xmlns="" id="{D9AEF4CC-BAA8-4753-A8E8-076308EF0FFD}"/>
+                <a16:creationId xmlns:a16="http://schemas.microsoft.com/office/drawing/2014/main" id="{D9AEF4CC-BAA8-4753-A8E8-076308EF0FFD}"/>
               </a:ext>
             </a:extLst>
           </p:cNvPr>
@@ -13810,7 +13809,7 @@
           <p:cNvPr id="256" name="Соединительная линия уступом 175">
             <a:extLst>
               <a:ext uri="{FF2B5EF4-FFF2-40B4-BE49-F238E27FC236}">
-                <a16:creationId xmlns:a16="http://schemas.microsoft.com/office/drawing/2014/main" xmlns="" id="{DCB551DA-A5E6-4147-AA48-62F35CFDDDC2}"/>
+                <a16:creationId xmlns:a16="http://schemas.microsoft.com/office/drawing/2014/main" id="{DCB551DA-A5E6-4147-AA48-62F35CFDDDC2}"/>
               </a:ext>
             </a:extLst>
           </p:cNvPr>
@@ -13855,7 +13854,7 @@
           <p:cNvPr id="257" name="Соединительная линия уступом 175">
             <a:extLst>
               <a:ext uri="{FF2B5EF4-FFF2-40B4-BE49-F238E27FC236}">
-                <a16:creationId xmlns:a16="http://schemas.microsoft.com/office/drawing/2014/main" xmlns="" id="{9FB3ADA4-1D67-44E8-BBA1-794942AC9498}"/>
+                <a16:creationId xmlns:a16="http://schemas.microsoft.com/office/drawing/2014/main" id="{9FB3ADA4-1D67-44E8-BBA1-794942AC9498}"/>
               </a:ext>
             </a:extLst>
           </p:cNvPr>
@@ -13900,7 +13899,7 @@
           <p:cNvPr id="259" name="Соединительная линия уступом 175">
             <a:extLst>
               <a:ext uri="{FF2B5EF4-FFF2-40B4-BE49-F238E27FC236}">
-                <a16:creationId xmlns:a16="http://schemas.microsoft.com/office/drawing/2014/main" xmlns="" id="{566577A6-E287-42B1-9FC8-F4055CAC3A28}"/>
+                <a16:creationId xmlns:a16="http://schemas.microsoft.com/office/drawing/2014/main" id="{566577A6-E287-42B1-9FC8-F4055CAC3A28}"/>
               </a:ext>
             </a:extLst>
           </p:cNvPr>
@@ -13945,7 +13944,7 @@
           <p:cNvPr id="260" name="Соединительная линия уступом 175">
             <a:extLst>
               <a:ext uri="{FF2B5EF4-FFF2-40B4-BE49-F238E27FC236}">
-                <a16:creationId xmlns:a16="http://schemas.microsoft.com/office/drawing/2014/main" xmlns="" id="{156CF597-A463-4DD9-B4CF-F0C986BF695D}"/>
+                <a16:creationId xmlns:a16="http://schemas.microsoft.com/office/drawing/2014/main" id="{156CF597-A463-4DD9-B4CF-F0C986BF695D}"/>
               </a:ext>
             </a:extLst>
           </p:cNvPr>
@@ -13990,7 +13989,7 @@
           <p:cNvPr id="261" name="Соединительная линия уступом 175">
             <a:extLst>
               <a:ext uri="{FF2B5EF4-FFF2-40B4-BE49-F238E27FC236}">
-                <a16:creationId xmlns:a16="http://schemas.microsoft.com/office/drawing/2014/main" xmlns="" id="{8EFDF708-AFE4-4933-91A0-121A8207E179}"/>
+                <a16:creationId xmlns:a16="http://schemas.microsoft.com/office/drawing/2014/main" id="{8EFDF708-AFE4-4933-91A0-121A8207E179}"/>
               </a:ext>
             </a:extLst>
           </p:cNvPr>
@@ -14035,7 +14034,7 @@
           <p:cNvPr id="262" name="Прямая со стрелкой 261">
             <a:extLst>
               <a:ext uri="{FF2B5EF4-FFF2-40B4-BE49-F238E27FC236}">
-                <a16:creationId xmlns:a16="http://schemas.microsoft.com/office/drawing/2014/main" xmlns="" id="{18A3BD3D-2E3E-47A1-BB11-345C593A5420}"/>
+                <a16:creationId xmlns:a16="http://schemas.microsoft.com/office/drawing/2014/main" id="{18A3BD3D-2E3E-47A1-BB11-345C593A5420}"/>
               </a:ext>
             </a:extLst>
           </p:cNvPr>
@@ -14078,7 +14077,7 @@
           <p:cNvPr id="263" name="Прямая со стрелкой 262">
             <a:extLst>
               <a:ext uri="{FF2B5EF4-FFF2-40B4-BE49-F238E27FC236}">
-                <a16:creationId xmlns:a16="http://schemas.microsoft.com/office/drawing/2014/main" xmlns="" id="{AA2B5DCE-C3B5-45F7-ADEC-9B05B81579C2}"/>
+                <a16:creationId xmlns:a16="http://schemas.microsoft.com/office/drawing/2014/main" id="{AA2B5DCE-C3B5-45F7-ADEC-9B05B81579C2}"/>
               </a:ext>
             </a:extLst>
           </p:cNvPr>
@@ -14121,7 +14120,7 @@
           <p:cNvPr id="264" name="Прямоугольник 263">
             <a:extLst>
               <a:ext uri="{FF2B5EF4-FFF2-40B4-BE49-F238E27FC236}">
-                <a16:creationId xmlns:a16="http://schemas.microsoft.com/office/drawing/2014/main" xmlns="" id="{11942CB1-6AFD-47BB-885A-53F73A2B146F}"/>
+                <a16:creationId xmlns:a16="http://schemas.microsoft.com/office/drawing/2014/main" id="{11942CB1-6AFD-47BB-885A-53F73A2B146F}"/>
               </a:ext>
             </a:extLst>
           </p:cNvPr>
@@ -14232,7 +14231,7 @@
           <p:cNvPr id="266" name="Соединительная линия уступом 175">
             <a:extLst>
               <a:ext uri="{FF2B5EF4-FFF2-40B4-BE49-F238E27FC236}">
-                <a16:creationId xmlns:a16="http://schemas.microsoft.com/office/drawing/2014/main" xmlns="" id="{78C5CE49-F0E9-4E12-9A87-12ADA0EA3D1E}"/>
+                <a16:creationId xmlns:a16="http://schemas.microsoft.com/office/drawing/2014/main" id="{78C5CE49-F0E9-4E12-9A87-12ADA0EA3D1E}"/>
               </a:ext>
             </a:extLst>
           </p:cNvPr>
@@ -14277,7 +14276,7 @@
           <p:cNvPr id="267" name="Прямоугольник 266">
             <a:extLst>
               <a:ext uri="{FF2B5EF4-FFF2-40B4-BE49-F238E27FC236}">
-                <a16:creationId xmlns:a16="http://schemas.microsoft.com/office/drawing/2014/main" xmlns="" id="{3C32AE53-0A20-43D5-8ACB-AA49CE44F175}"/>
+                <a16:creationId xmlns:a16="http://schemas.microsoft.com/office/drawing/2014/main" id="{3C32AE53-0A20-43D5-8ACB-AA49CE44F175}"/>
               </a:ext>
             </a:extLst>
           </p:cNvPr>
@@ -14341,7 +14340,7 @@
           <p:cNvPr id="268" name="Прямоугольник 267">
             <a:extLst>
               <a:ext uri="{FF2B5EF4-FFF2-40B4-BE49-F238E27FC236}">
-                <a16:creationId xmlns:a16="http://schemas.microsoft.com/office/drawing/2014/main" xmlns="" id="{31235653-E8BF-44EC-91BA-D7BCCD4F3B70}"/>
+                <a16:creationId xmlns:a16="http://schemas.microsoft.com/office/drawing/2014/main" id="{31235653-E8BF-44EC-91BA-D7BCCD4F3B70}"/>
               </a:ext>
             </a:extLst>
           </p:cNvPr>
@@ -14392,7 +14391,7 @@
           <p:cNvPr id="269" name="Соединительная линия уступом 175">
             <a:extLst>
               <a:ext uri="{FF2B5EF4-FFF2-40B4-BE49-F238E27FC236}">
-                <a16:creationId xmlns:a16="http://schemas.microsoft.com/office/drawing/2014/main" xmlns="" id="{55E9B037-8981-4C44-9DED-B0680AE42F80}"/>
+                <a16:creationId xmlns:a16="http://schemas.microsoft.com/office/drawing/2014/main" id="{55E9B037-8981-4C44-9DED-B0680AE42F80}"/>
               </a:ext>
             </a:extLst>
           </p:cNvPr>
@@ -14437,7 +14436,7 @@
           <p:cNvPr id="270" name="Прямая со стрелкой 269">
             <a:extLst>
               <a:ext uri="{FF2B5EF4-FFF2-40B4-BE49-F238E27FC236}">
-                <a16:creationId xmlns:a16="http://schemas.microsoft.com/office/drawing/2014/main" xmlns="" id="{4D59B643-0E7C-4E46-A74F-39CD0CDA0273}"/>
+                <a16:creationId xmlns:a16="http://schemas.microsoft.com/office/drawing/2014/main" id="{4D59B643-0E7C-4E46-A74F-39CD0CDA0273}"/>
               </a:ext>
             </a:extLst>
           </p:cNvPr>
@@ -14480,7 +14479,7 @@
           <p:cNvPr id="271" name="Прямоугольник 270">
             <a:extLst>
               <a:ext uri="{FF2B5EF4-FFF2-40B4-BE49-F238E27FC236}">
-                <a16:creationId xmlns:a16="http://schemas.microsoft.com/office/drawing/2014/main" xmlns="" id="{ED76512D-DF90-441C-9B4E-50AD2BC01776}"/>
+                <a16:creationId xmlns:a16="http://schemas.microsoft.com/office/drawing/2014/main" id="{ED76512D-DF90-441C-9B4E-50AD2BC01776}"/>
               </a:ext>
             </a:extLst>
           </p:cNvPr>
@@ -14552,7 +14551,7 @@
           <p:cNvPr id="272" name="Соединительная линия уступом 175">
             <a:extLst>
               <a:ext uri="{FF2B5EF4-FFF2-40B4-BE49-F238E27FC236}">
-                <a16:creationId xmlns:a16="http://schemas.microsoft.com/office/drawing/2014/main" xmlns="" id="{D8D4B369-D557-4808-9C50-F527A393CAAF}"/>
+                <a16:creationId xmlns:a16="http://schemas.microsoft.com/office/drawing/2014/main" id="{D8D4B369-D557-4808-9C50-F527A393CAAF}"/>
               </a:ext>
             </a:extLst>
           </p:cNvPr>
@@ -14597,7 +14596,7 @@
           <p:cNvPr id="273" name="Прямоугольник 272">
             <a:extLst>
               <a:ext uri="{FF2B5EF4-FFF2-40B4-BE49-F238E27FC236}">
-                <a16:creationId xmlns:a16="http://schemas.microsoft.com/office/drawing/2014/main" xmlns="" id="{5DBD3CC3-56B7-43B0-B75E-CCB520915EEB}"/>
+                <a16:creationId xmlns:a16="http://schemas.microsoft.com/office/drawing/2014/main" id="{5DBD3CC3-56B7-43B0-B75E-CCB520915EEB}"/>
               </a:ext>
             </a:extLst>
           </p:cNvPr>
@@ -14643,10 +14642,6 @@
             <a:r>
               <a:rPr lang="ru-RU" sz="600" dirty="0"/>
               <a:t> подчеркнул всемирное значение русской революции:</a:t>
-            </a:r>
-            <a:r>
-              <a:rPr lang="ru-RU" sz="100" dirty="0"/>
-              <a:t/>
             </a:r>
             <a:br>
               <a:rPr lang="ru-RU" sz="100" dirty="0"/>
@@ -14664,7 +14659,7 @@
           <p:cNvPr id="258" name="Прямоугольник 257">
             <a:extLst>
               <a:ext uri="{FF2B5EF4-FFF2-40B4-BE49-F238E27FC236}">
-                <a16:creationId xmlns:a16="http://schemas.microsoft.com/office/drawing/2014/main" xmlns="" id="{8CE32021-A14C-4A8F-B8AE-7B6E05598AAA}"/>
+                <a16:creationId xmlns:a16="http://schemas.microsoft.com/office/drawing/2014/main" id="{8CE32021-A14C-4A8F-B8AE-7B6E05598AAA}"/>
               </a:ext>
             </a:extLst>
           </p:cNvPr>
@@ -14715,7 +14710,7 @@
           <p:cNvPr id="265" name="Прямая со стрелкой 264">
             <a:extLst>
               <a:ext uri="{FF2B5EF4-FFF2-40B4-BE49-F238E27FC236}">
-                <a16:creationId xmlns:a16="http://schemas.microsoft.com/office/drawing/2014/main" xmlns="" id="{48A67696-AF72-427C-8A7C-14137E729AAC}"/>
+                <a16:creationId xmlns:a16="http://schemas.microsoft.com/office/drawing/2014/main" id="{48A67696-AF72-427C-8A7C-14137E729AAC}"/>
               </a:ext>
             </a:extLst>
           </p:cNvPr>
@@ -14758,7 +14753,7 @@
           <p:cNvPr id="274" name="Прямоугольник 273">
             <a:extLst>
               <a:ext uri="{FF2B5EF4-FFF2-40B4-BE49-F238E27FC236}">
-                <a16:creationId xmlns:a16="http://schemas.microsoft.com/office/drawing/2014/main" xmlns="" id="{5D1E1E5F-FCA0-45CF-A25C-A85FEE1B72D2}"/>
+                <a16:creationId xmlns:a16="http://schemas.microsoft.com/office/drawing/2014/main" id="{5D1E1E5F-FCA0-45CF-A25C-A85FEE1B72D2}"/>
               </a:ext>
             </a:extLst>
           </p:cNvPr>
@@ -14817,7 +14812,7 @@
           <p:cNvPr id="275" name="Соединительная линия уступом 175">
             <a:extLst>
               <a:ext uri="{FF2B5EF4-FFF2-40B4-BE49-F238E27FC236}">
-                <a16:creationId xmlns:a16="http://schemas.microsoft.com/office/drawing/2014/main" xmlns="" id="{97D1A5C1-207F-432A-A844-830341D9BA10}"/>
+                <a16:creationId xmlns:a16="http://schemas.microsoft.com/office/drawing/2014/main" id="{97D1A5C1-207F-432A-A844-830341D9BA10}"/>
               </a:ext>
             </a:extLst>
           </p:cNvPr>
@@ -14862,7 +14857,7 @@
           <p:cNvPr id="276" name="Соединительная линия уступом 175">
             <a:extLst>
               <a:ext uri="{FF2B5EF4-FFF2-40B4-BE49-F238E27FC236}">
-                <a16:creationId xmlns:a16="http://schemas.microsoft.com/office/drawing/2014/main" xmlns="" id="{01598FEA-CB9E-4EEF-88DB-068A0A31815C}"/>
+                <a16:creationId xmlns:a16="http://schemas.microsoft.com/office/drawing/2014/main" id="{01598FEA-CB9E-4EEF-88DB-068A0A31815C}"/>
               </a:ext>
             </a:extLst>
           </p:cNvPr>
@@ -14907,7 +14902,7 @@
           <p:cNvPr id="277" name="Прямоугольник 276">
             <a:extLst>
               <a:ext uri="{FF2B5EF4-FFF2-40B4-BE49-F238E27FC236}">
-                <a16:creationId xmlns:a16="http://schemas.microsoft.com/office/drawing/2014/main" xmlns="" id="{B86A586B-4F9A-4916-8217-F57208117953}"/>
+                <a16:creationId xmlns:a16="http://schemas.microsoft.com/office/drawing/2014/main" id="{B86A586B-4F9A-4916-8217-F57208117953}"/>
               </a:ext>
             </a:extLst>
           </p:cNvPr>
@@ -14975,7 +14970,7 @@
           <p:cNvPr id="279" name="Прямоугольник 278">
             <a:extLst>
               <a:ext uri="{FF2B5EF4-FFF2-40B4-BE49-F238E27FC236}">
-                <a16:creationId xmlns:a16="http://schemas.microsoft.com/office/drawing/2014/main" xmlns="" id="{0C4694C5-749F-402D-A951-85810A1B5385}"/>
+                <a16:creationId xmlns:a16="http://schemas.microsoft.com/office/drawing/2014/main" id="{0C4694C5-749F-402D-A951-85810A1B5385}"/>
               </a:ext>
             </a:extLst>
           </p:cNvPr>
@@ -15031,7 +15026,7 @@
           <p:cNvPr id="281" name="Прямоугольник 280">
             <a:extLst>
               <a:ext uri="{FF2B5EF4-FFF2-40B4-BE49-F238E27FC236}">
-                <a16:creationId xmlns:a16="http://schemas.microsoft.com/office/drawing/2014/main" xmlns="" id="{96A31DCE-39B9-453E-9F02-5B01DA781995}"/>
+                <a16:creationId xmlns:a16="http://schemas.microsoft.com/office/drawing/2014/main" id="{96A31DCE-39B9-453E-9F02-5B01DA781995}"/>
               </a:ext>
             </a:extLst>
           </p:cNvPr>
@@ -15087,7 +15082,7 @@
           <p:cNvPr id="282" name="Прямая соединительная линия 281">
             <a:extLst>
               <a:ext uri="{FF2B5EF4-FFF2-40B4-BE49-F238E27FC236}">
-                <a16:creationId xmlns:a16="http://schemas.microsoft.com/office/drawing/2014/main" xmlns="" id="{A901927B-EBD2-4598-9632-24B7F69C3EDE}"/>
+                <a16:creationId xmlns:a16="http://schemas.microsoft.com/office/drawing/2014/main" id="{A901927B-EBD2-4598-9632-24B7F69C3EDE}"/>
               </a:ext>
             </a:extLst>
           </p:cNvPr>
@@ -15132,7 +15127,7 @@
           <p:cNvPr id="283" name="Соединительная линия уступом 175">
             <a:extLst>
               <a:ext uri="{FF2B5EF4-FFF2-40B4-BE49-F238E27FC236}">
-                <a16:creationId xmlns:a16="http://schemas.microsoft.com/office/drawing/2014/main" xmlns="" id="{5641AF67-CD83-4B56-BF93-4C176D04FF4D}"/>
+                <a16:creationId xmlns:a16="http://schemas.microsoft.com/office/drawing/2014/main" id="{5641AF67-CD83-4B56-BF93-4C176D04FF4D}"/>
               </a:ext>
             </a:extLst>
           </p:cNvPr>
@@ -15178,7 +15173,7 @@
           <p:cNvPr id="284" name="Соединительная линия уступом 175">
             <a:extLst>
               <a:ext uri="{FF2B5EF4-FFF2-40B4-BE49-F238E27FC236}">
-                <a16:creationId xmlns:a16="http://schemas.microsoft.com/office/drawing/2014/main" xmlns="" id="{C0BF80A7-5374-4D59-8DC7-C03A2415EB6A}"/>
+                <a16:creationId xmlns:a16="http://schemas.microsoft.com/office/drawing/2014/main" id="{C0BF80A7-5374-4D59-8DC7-C03A2415EB6A}"/>
               </a:ext>
             </a:extLst>
           </p:cNvPr>
@@ -15224,7 +15219,7 @@
           <p:cNvPr id="285" name="Соединительная линия уступом 175">
             <a:extLst>
               <a:ext uri="{FF2B5EF4-FFF2-40B4-BE49-F238E27FC236}">
-                <a16:creationId xmlns:a16="http://schemas.microsoft.com/office/drawing/2014/main" xmlns="" id="{C4CA4000-C9A8-4EF7-975A-AFD8B1671C65}"/>
+                <a16:creationId xmlns:a16="http://schemas.microsoft.com/office/drawing/2014/main" id="{C4CA4000-C9A8-4EF7-975A-AFD8B1671C65}"/>
               </a:ext>
             </a:extLst>
           </p:cNvPr>
@@ -15270,7 +15265,7 @@
           <p:cNvPr id="286" name="Соединительная линия уступом 175">
             <a:extLst>
               <a:ext uri="{FF2B5EF4-FFF2-40B4-BE49-F238E27FC236}">
-                <a16:creationId xmlns:a16="http://schemas.microsoft.com/office/drawing/2014/main" xmlns="" id="{B736EE64-0BA9-4EA9-A0A5-C6F4012EB554}"/>
+                <a16:creationId xmlns:a16="http://schemas.microsoft.com/office/drawing/2014/main" id="{B736EE64-0BA9-4EA9-A0A5-C6F4012EB554}"/>
               </a:ext>
             </a:extLst>
           </p:cNvPr>
@@ -15316,7 +15311,7 @@
           <p:cNvPr id="289" name="Прямоугольник 288">
             <a:extLst>
               <a:ext uri="{FF2B5EF4-FFF2-40B4-BE49-F238E27FC236}">
-                <a16:creationId xmlns:a16="http://schemas.microsoft.com/office/drawing/2014/main" xmlns="" id="{A98FC12A-9364-42ED-A04F-AE2FDE4D1EB1}"/>
+                <a16:creationId xmlns:a16="http://schemas.microsoft.com/office/drawing/2014/main" id="{A98FC12A-9364-42ED-A04F-AE2FDE4D1EB1}"/>
               </a:ext>
             </a:extLst>
           </p:cNvPr>
@@ -15510,7 +15505,7 @@
           <p:cNvPr id="290" name="Прямоугольник 289">
             <a:extLst>
               <a:ext uri="{FF2B5EF4-FFF2-40B4-BE49-F238E27FC236}">
-                <a16:creationId xmlns:a16="http://schemas.microsoft.com/office/drawing/2014/main" xmlns="" id="{41F99281-0E58-4EED-9F65-7053DED82811}"/>
+                <a16:creationId xmlns:a16="http://schemas.microsoft.com/office/drawing/2014/main" id="{41F99281-0E58-4EED-9F65-7053DED82811}"/>
               </a:ext>
             </a:extLst>
           </p:cNvPr>
@@ -15676,7 +15671,7 @@
           <p:cNvPr id="292" name="Прямоугольник 291">
             <a:extLst>
               <a:ext uri="{FF2B5EF4-FFF2-40B4-BE49-F238E27FC236}">
-                <a16:creationId xmlns:a16="http://schemas.microsoft.com/office/drawing/2014/main" xmlns="" id="{FD2FD090-F8B9-469A-A122-D9BEE9E3E9DA}"/>
+                <a16:creationId xmlns:a16="http://schemas.microsoft.com/office/drawing/2014/main" id="{FD2FD090-F8B9-469A-A122-D9BEE9E3E9DA}"/>
               </a:ext>
             </a:extLst>
           </p:cNvPr>
@@ -15735,7 +15730,7 @@
           <p:cNvPr id="293" name="Прямоугольник 292">
             <a:extLst>
               <a:ext uri="{FF2B5EF4-FFF2-40B4-BE49-F238E27FC236}">
-                <a16:creationId xmlns:a16="http://schemas.microsoft.com/office/drawing/2014/main" xmlns="" id="{9ACE45BC-584E-4646-8304-CA0940F6F0F3}"/>
+                <a16:creationId xmlns:a16="http://schemas.microsoft.com/office/drawing/2014/main" id="{9ACE45BC-584E-4646-8304-CA0940F6F0F3}"/>
               </a:ext>
             </a:extLst>
           </p:cNvPr>
@@ -15851,7 +15846,7 @@
           <p:cNvPr id="294" name="Прямоугольник 293">
             <a:extLst>
               <a:ext uri="{FF2B5EF4-FFF2-40B4-BE49-F238E27FC236}">
-                <a16:creationId xmlns:a16="http://schemas.microsoft.com/office/drawing/2014/main" xmlns="" id="{319BEC0C-414B-45F4-8C35-57446DEFE30B}"/>
+                <a16:creationId xmlns:a16="http://schemas.microsoft.com/office/drawing/2014/main" id="{319BEC0C-414B-45F4-8C35-57446DEFE30B}"/>
               </a:ext>
             </a:extLst>
           </p:cNvPr>
@@ -15907,7 +15902,7 @@
           <p:cNvPr id="295" name="Прямоугольник 294">
             <a:extLst>
               <a:ext uri="{FF2B5EF4-FFF2-40B4-BE49-F238E27FC236}">
-                <a16:creationId xmlns:a16="http://schemas.microsoft.com/office/drawing/2014/main" xmlns="" id="{53A84056-65C4-432C-96EC-26E032F1287F}"/>
+                <a16:creationId xmlns:a16="http://schemas.microsoft.com/office/drawing/2014/main" id="{53A84056-65C4-432C-96EC-26E032F1287F}"/>
               </a:ext>
             </a:extLst>
           </p:cNvPr>
@@ -15973,7 +15968,7 @@
           <p:cNvPr id="296" name="Прямоугольник 295">
             <a:extLst>
               <a:ext uri="{FF2B5EF4-FFF2-40B4-BE49-F238E27FC236}">
-                <a16:creationId xmlns:a16="http://schemas.microsoft.com/office/drawing/2014/main" xmlns="" id="{D2852B51-92B4-4B2D-9023-CD739175E45A}"/>
+                <a16:creationId xmlns:a16="http://schemas.microsoft.com/office/drawing/2014/main" id="{D2852B51-92B4-4B2D-9023-CD739175E45A}"/>
               </a:ext>
             </a:extLst>
           </p:cNvPr>
@@ -16225,7 +16220,7 @@
           <p:cNvPr id="297" name="Прямоугольник 296">
             <a:extLst>
               <a:ext uri="{FF2B5EF4-FFF2-40B4-BE49-F238E27FC236}">
-                <a16:creationId xmlns:a16="http://schemas.microsoft.com/office/drawing/2014/main" xmlns="" id="{57B620A3-529A-4019-9F9E-A5A4695F4D4F}"/>
+                <a16:creationId xmlns:a16="http://schemas.microsoft.com/office/drawing/2014/main" id="{57B620A3-529A-4019-9F9E-A5A4695F4D4F}"/>
               </a:ext>
             </a:extLst>
           </p:cNvPr>
@@ -16289,7 +16284,7 @@
           <p:cNvPr id="298" name="Прямая соединительная линия 297">
             <a:extLst>
               <a:ext uri="{FF2B5EF4-FFF2-40B4-BE49-F238E27FC236}">
-                <a16:creationId xmlns:a16="http://schemas.microsoft.com/office/drawing/2014/main" xmlns="" id="{CC9B1AD9-FF0E-47B4-A9AD-6ABFCF54A2C9}"/>
+                <a16:creationId xmlns:a16="http://schemas.microsoft.com/office/drawing/2014/main" id="{CC9B1AD9-FF0E-47B4-A9AD-6ABFCF54A2C9}"/>
               </a:ext>
             </a:extLst>
           </p:cNvPr>
@@ -16334,7 +16329,7 @@
           <p:cNvPr id="299" name="Прямая со стрелкой 298">
             <a:extLst>
               <a:ext uri="{FF2B5EF4-FFF2-40B4-BE49-F238E27FC236}">
-                <a16:creationId xmlns:a16="http://schemas.microsoft.com/office/drawing/2014/main" xmlns="" id="{3850F45C-FF73-430F-9FA4-45FAE8CD445A}"/>
+                <a16:creationId xmlns:a16="http://schemas.microsoft.com/office/drawing/2014/main" id="{3850F45C-FF73-430F-9FA4-45FAE8CD445A}"/>
               </a:ext>
             </a:extLst>
           </p:cNvPr>
@@ -16377,7 +16372,7 @@
           <p:cNvPr id="305" name="Прямоугольник 304">
             <a:extLst>
               <a:ext uri="{FF2B5EF4-FFF2-40B4-BE49-F238E27FC236}">
-                <a16:creationId xmlns:a16="http://schemas.microsoft.com/office/drawing/2014/main" xmlns="" id="{1C51722E-DFBB-47C4-B43B-CDD46E7402D0}"/>
+                <a16:creationId xmlns:a16="http://schemas.microsoft.com/office/drawing/2014/main" id="{1C51722E-DFBB-47C4-B43B-CDD46E7402D0}"/>
               </a:ext>
             </a:extLst>
           </p:cNvPr>
@@ -16505,7 +16500,7 @@
           <p:cNvPr id="306" name="Соединительная линия уступом 175">
             <a:extLst>
               <a:ext uri="{FF2B5EF4-FFF2-40B4-BE49-F238E27FC236}">
-                <a16:creationId xmlns:a16="http://schemas.microsoft.com/office/drawing/2014/main" xmlns="" id="{BD84A41E-54B0-476E-81CC-CF802B4F12DC}"/>
+                <a16:creationId xmlns:a16="http://schemas.microsoft.com/office/drawing/2014/main" id="{BD84A41E-54B0-476E-81CC-CF802B4F12DC}"/>
               </a:ext>
             </a:extLst>
           </p:cNvPr>
@@ -16551,7 +16546,7 @@
           <p:cNvPr id="310" name="Соединительная линия уступом 175">
             <a:extLst>
               <a:ext uri="{FF2B5EF4-FFF2-40B4-BE49-F238E27FC236}">
-                <a16:creationId xmlns:a16="http://schemas.microsoft.com/office/drawing/2014/main" xmlns="" id="{2C5CD2A0-A9F5-4204-B6A9-BBC906BC7F11}"/>
+                <a16:creationId xmlns:a16="http://schemas.microsoft.com/office/drawing/2014/main" id="{2C5CD2A0-A9F5-4204-B6A9-BBC906BC7F11}"/>
               </a:ext>
             </a:extLst>
           </p:cNvPr>
@@ -16597,7 +16592,7 @@
           <p:cNvPr id="314" name="Соединительная линия уступом 175">
             <a:extLst>
               <a:ext uri="{FF2B5EF4-FFF2-40B4-BE49-F238E27FC236}">
-                <a16:creationId xmlns:a16="http://schemas.microsoft.com/office/drawing/2014/main" xmlns="" id="{0BBC7EC6-A675-4EB1-A800-FE7ADDB7F2DD}"/>
+                <a16:creationId xmlns:a16="http://schemas.microsoft.com/office/drawing/2014/main" id="{0BBC7EC6-A675-4EB1-A800-FE7ADDB7F2DD}"/>
               </a:ext>
             </a:extLst>
           </p:cNvPr>
@@ -16642,7 +16637,7 @@
           <p:cNvPr id="317" name="Соединительная линия уступом 175">
             <a:extLst>
               <a:ext uri="{FF2B5EF4-FFF2-40B4-BE49-F238E27FC236}">
-                <a16:creationId xmlns:a16="http://schemas.microsoft.com/office/drawing/2014/main" xmlns="" id="{7F18A57D-31FC-44EB-A078-A1A8689AEA69}"/>
+                <a16:creationId xmlns:a16="http://schemas.microsoft.com/office/drawing/2014/main" id="{7F18A57D-31FC-44EB-A078-A1A8689AEA69}"/>
               </a:ext>
             </a:extLst>
           </p:cNvPr>
@@ -16688,7 +16683,7 @@
           <p:cNvPr id="320" name="Соединительная линия уступом 175">
             <a:extLst>
               <a:ext uri="{FF2B5EF4-FFF2-40B4-BE49-F238E27FC236}">
-                <a16:creationId xmlns:a16="http://schemas.microsoft.com/office/drawing/2014/main" xmlns="" id="{13945B1E-E908-4C50-88AA-B0044029FB3C}"/>
+                <a16:creationId xmlns:a16="http://schemas.microsoft.com/office/drawing/2014/main" id="{13945B1E-E908-4C50-88AA-B0044029FB3C}"/>
               </a:ext>
             </a:extLst>
           </p:cNvPr>
@@ -16734,7 +16729,7 @@
           <p:cNvPr id="332" name="Прямоугольник 331">
             <a:extLst>
               <a:ext uri="{FF2B5EF4-FFF2-40B4-BE49-F238E27FC236}">
-                <a16:creationId xmlns:a16="http://schemas.microsoft.com/office/drawing/2014/main" xmlns="" id="{8F0FF5D0-B0EE-4970-961F-7390DD0FB8F4}"/>
+                <a16:creationId xmlns:a16="http://schemas.microsoft.com/office/drawing/2014/main" id="{8F0FF5D0-B0EE-4970-961F-7390DD0FB8F4}"/>
               </a:ext>
             </a:extLst>
           </p:cNvPr>
@@ -16808,7 +16803,7 @@
           <p:cNvPr id="335" name="Соединительная линия уступом 175">
             <a:extLst>
               <a:ext uri="{FF2B5EF4-FFF2-40B4-BE49-F238E27FC236}">
-                <a16:creationId xmlns:a16="http://schemas.microsoft.com/office/drawing/2014/main" xmlns="" id="{E4CFBE39-C213-4C2E-B1D7-C3C394522351}"/>
+                <a16:creationId xmlns:a16="http://schemas.microsoft.com/office/drawing/2014/main" id="{E4CFBE39-C213-4C2E-B1D7-C3C394522351}"/>
               </a:ext>
             </a:extLst>
           </p:cNvPr>
@@ -16853,7 +16848,7 @@
           <p:cNvPr id="338" name="Прямая соединительная линия 337">
             <a:extLst>
               <a:ext uri="{FF2B5EF4-FFF2-40B4-BE49-F238E27FC236}">
-                <a16:creationId xmlns:a16="http://schemas.microsoft.com/office/drawing/2014/main" xmlns="" id="{99BDF598-CF90-47BB-9D27-01B165BCDDE0}"/>
+                <a16:creationId xmlns:a16="http://schemas.microsoft.com/office/drawing/2014/main" id="{99BDF598-CF90-47BB-9D27-01B165BCDDE0}"/>
               </a:ext>
             </a:extLst>
           </p:cNvPr>
@@ -16898,7 +16893,7 @@
           <p:cNvPr id="341" name="Соединительная линия уступом 175">
             <a:extLst>
               <a:ext uri="{FF2B5EF4-FFF2-40B4-BE49-F238E27FC236}">
-                <a16:creationId xmlns:a16="http://schemas.microsoft.com/office/drawing/2014/main" xmlns="" id="{BA5D00AA-272F-444A-840D-DFF99FA60D57}"/>
+                <a16:creationId xmlns:a16="http://schemas.microsoft.com/office/drawing/2014/main" id="{BA5D00AA-272F-444A-840D-DFF99FA60D57}"/>
               </a:ext>
             </a:extLst>
           </p:cNvPr>
@@ -16943,7 +16938,7 @@
           <p:cNvPr id="351" name="Соединительная линия уступом 175">
             <a:extLst>
               <a:ext uri="{FF2B5EF4-FFF2-40B4-BE49-F238E27FC236}">
-                <a16:creationId xmlns:a16="http://schemas.microsoft.com/office/drawing/2014/main" xmlns="" id="{0B2526B9-2FD1-4C7F-9A1B-D4D2FE8B7C72}"/>
+                <a16:creationId xmlns:a16="http://schemas.microsoft.com/office/drawing/2014/main" id="{0B2526B9-2FD1-4C7F-9A1B-D4D2FE8B7C72}"/>
               </a:ext>
             </a:extLst>
           </p:cNvPr>
@@ -16989,7 +16984,7 @@
           <p:cNvPr id="354" name="Соединительная линия уступом 175">
             <a:extLst>
               <a:ext uri="{FF2B5EF4-FFF2-40B4-BE49-F238E27FC236}">
-                <a16:creationId xmlns:a16="http://schemas.microsoft.com/office/drawing/2014/main" xmlns="" id="{1363849F-E0C3-421F-9D88-68EA16D8AFC4}"/>
+                <a16:creationId xmlns:a16="http://schemas.microsoft.com/office/drawing/2014/main" id="{1363849F-E0C3-421F-9D88-68EA16D8AFC4}"/>
               </a:ext>
             </a:extLst>
           </p:cNvPr>
@@ -17035,7 +17030,7 @@
           <p:cNvPr id="357" name="Соединительная линия уступом 175">
             <a:extLst>
               <a:ext uri="{FF2B5EF4-FFF2-40B4-BE49-F238E27FC236}">
-                <a16:creationId xmlns:a16="http://schemas.microsoft.com/office/drawing/2014/main" xmlns="" id="{D01429FC-CE80-4996-A684-B17824DAB48E}"/>
+                <a16:creationId xmlns:a16="http://schemas.microsoft.com/office/drawing/2014/main" id="{D01429FC-CE80-4996-A684-B17824DAB48E}"/>
               </a:ext>
             </a:extLst>
           </p:cNvPr>
@@ -17081,7 +17076,7 @@
           <p:cNvPr id="361" name="Соединительная линия уступом 175">
             <a:extLst>
               <a:ext uri="{FF2B5EF4-FFF2-40B4-BE49-F238E27FC236}">
-                <a16:creationId xmlns:a16="http://schemas.microsoft.com/office/drawing/2014/main" xmlns="" id="{0E18121D-DF93-40C7-B0CE-8D64DCA1F4B4}"/>
+                <a16:creationId xmlns:a16="http://schemas.microsoft.com/office/drawing/2014/main" id="{0E18121D-DF93-40C7-B0CE-8D64DCA1F4B4}"/>
               </a:ext>
             </a:extLst>
           </p:cNvPr>
@@ -17127,7 +17122,7 @@
           <p:cNvPr id="364" name="Соединительная линия уступом 175">
             <a:extLst>
               <a:ext uri="{FF2B5EF4-FFF2-40B4-BE49-F238E27FC236}">
-                <a16:creationId xmlns:a16="http://schemas.microsoft.com/office/drawing/2014/main" xmlns="" id="{38C62C2E-4A61-4182-961F-4B62E9B7B877}"/>
+                <a16:creationId xmlns:a16="http://schemas.microsoft.com/office/drawing/2014/main" id="{38C62C2E-4A61-4182-961F-4B62E9B7B877}"/>
               </a:ext>
             </a:extLst>
           </p:cNvPr>
@@ -17172,7 +17167,7 @@
           <p:cNvPr id="367" name="Соединительная линия уступом 175">
             <a:extLst>
               <a:ext uri="{FF2B5EF4-FFF2-40B4-BE49-F238E27FC236}">
-                <a16:creationId xmlns:a16="http://schemas.microsoft.com/office/drawing/2014/main" xmlns="" id="{18696A58-4F8F-4035-BF94-6BB86515181D}"/>
+                <a16:creationId xmlns:a16="http://schemas.microsoft.com/office/drawing/2014/main" id="{18696A58-4F8F-4035-BF94-6BB86515181D}"/>
               </a:ext>
             </a:extLst>
           </p:cNvPr>
@@ -17217,7 +17212,7 @@
           <p:cNvPr id="376" name="Прямоугольник 375">
             <a:extLst>
               <a:ext uri="{FF2B5EF4-FFF2-40B4-BE49-F238E27FC236}">
-                <a16:creationId xmlns:a16="http://schemas.microsoft.com/office/drawing/2014/main" xmlns="" id="{3115E210-8BC8-4A2F-8460-925EB7F9EB57}"/>
+                <a16:creationId xmlns:a16="http://schemas.microsoft.com/office/drawing/2014/main" id="{3115E210-8BC8-4A2F-8460-925EB7F9EB57}"/>
               </a:ext>
             </a:extLst>
           </p:cNvPr>
@@ -17268,7 +17263,7 @@
           <p:cNvPr id="377" name="Прямоугольник 376">
             <a:extLst>
               <a:ext uri="{FF2B5EF4-FFF2-40B4-BE49-F238E27FC236}">
-                <a16:creationId xmlns:a16="http://schemas.microsoft.com/office/drawing/2014/main" xmlns="" id="{E6D7CE8B-341A-4273-A00F-4C09E1226349}"/>
+                <a16:creationId xmlns:a16="http://schemas.microsoft.com/office/drawing/2014/main" id="{E6D7CE8B-341A-4273-A00F-4C09E1226349}"/>
               </a:ext>
             </a:extLst>
           </p:cNvPr>
@@ -17319,7 +17314,7 @@
           <p:cNvPr id="380" name="Прямоугольник 379">
             <a:extLst>
               <a:ext uri="{FF2B5EF4-FFF2-40B4-BE49-F238E27FC236}">
-                <a16:creationId xmlns:a16="http://schemas.microsoft.com/office/drawing/2014/main" xmlns="" id="{C3578026-37F7-4361-A528-E7E2C06E903A}"/>
+                <a16:creationId xmlns:a16="http://schemas.microsoft.com/office/drawing/2014/main" id="{C3578026-37F7-4361-A528-E7E2C06E903A}"/>
               </a:ext>
             </a:extLst>
           </p:cNvPr>
@@ -17370,7 +17365,7 @@
           <p:cNvPr id="381" name="Прямая со стрелкой 380">
             <a:extLst>
               <a:ext uri="{FF2B5EF4-FFF2-40B4-BE49-F238E27FC236}">
-                <a16:creationId xmlns:a16="http://schemas.microsoft.com/office/drawing/2014/main" xmlns="" id="{0AE2A160-168F-4801-95FE-29AF83F6F576}"/>
+                <a16:creationId xmlns:a16="http://schemas.microsoft.com/office/drawing/2014/main" id="{0AE2A160-168F-4801-95FE-29AF83F6F576}"/>
               </a:ext>
             </a:extLst>
           </p:cNvPr>
@@ -17413,7 +17408,7 @@
           <p:cNvPr id="384" name="Прямоугольник 383">
             <a:extLst>
               <a:ext uri="{FF2B5EF4-FFF2-40B4-BE49-F238E27FC236}">
-                <a16:creationId xmlns:a16="http://schemas.microsoft.com/office/drawing/2014/main" xmlns="" id="{C2EC02FA-C4DD-4552-B706-2C4E31FE729A}"/>
+                <a16:creationId xmlns:a16="http://schemas.microsoft.com/office/drawing/2014/main" id="{C2EC02FA-C4DD-4552-B706-2C4E31FE729A}"/>
               </a:ext>
             </a:extLst>
           </p:cNvPr>
@@ -17464,7 +17459,7 @@
           <p:cNvPr id="385" name="Прямая со стрелкой 384">
             <a:extLst>
               <a:ext uri="{FF2B5EF4-FFF2-40B4-BE49-F238E27FC236}">
-                <a16:creationId xmlns:a16="http://schemas.microsoft.com/office/drawing/2014/main" xmlns="" id="{71792DA2-EA28-476C-98DE-57A51A1CAB84}"/>
+                <a16:creationId xmlns:a16="http://schemas.microsoft.com/office/drawing/2014/main" id="{71792DA2-EA28-476C-98DE-57A51A1CAB84}"/>
               </a:ext>
             </a:extLst>
           </p:cNvPr>
@@ -17507,7 +17502,7 @@
           <p:cNvPr id="388" name="Соединительная линия уступом 175">
             <a:extLst>
               <a:ext uri="{FF2B5EF4-FFF2-40B4-BE49-F238E27FC236}">
-                <a16:creationId xmlns:a16="http://schemas.microsoft.com/office/drawing/2014/main" xmlns="" id="{5D3AA5B2-9D9A-4BD6-BE2B-709C08EED07F}"/>
+                <a16:creationId xmlns:a16="http://schemas.microsoft.com/office/drawing/2014/main" id="{5D3AA5B2-9D9A-4BD6-BE2B-709C08EED07F}"/>
               </a:ext>
             </a:extLst>
           </p:cNvPr>
@@ -17553,7 +17548,7 @@
           <p:cNvPr id="392" name="Соединительная линия уступом 175">
             <a:extLst>
               <a:ext uri="{FF2B5EF4-FFF2-40B4-BE49-F238E27FC236}">
-                <a16:creationId xmlns:a16="http://schemas.microsoft.com/office/drawing/2014/main" xmlns="" id="{734FDF37-F3DE-4897-B5E5-2286F0528DD7}"/>
+                <a16:creationId xmlns:a16="http://schemas.microsoft.com/office/drawing/2014/main" id="{734FDF37-F3DE-4897-B5E5-2286F0528DD7}"/>
               </a:ext>
             </a:extLst>
           </p:cNvPr>
@@ -17599,7 +17594,7 @@
           <p:cNvPr id="397" name="Соединительная линия уступом 175">
             <a:extLst>
               <a:ext uri="{FF2B5EF4-FFF2-40B4-BE49-F238E27FC236}">
-                <a16:creationId xmlns:a16="http://schemas.microsoft.com/office/drawing/2014/main" xmlns="" id="{E5140E8F-D2E8-4B8D-9EC8-8EF6D884842A}"/>
+                <a16:creationId xmlns:a16="http://schemas.microsoft.com/office/drawing/2014/main" id="{E5140E8F-D2E8-4B8D-9EC8-8EF6D884842A}"/>
               </a:ext>
             </a:extLst>
           </p:cNvPr>
@@ -17644,7 +17639,7 @@
           <p:cNvPr id="418" name="Прямоугольник 417">
             <a:extLst>
               <a:ext uri="{FF2B5EF4-FFF2-40B4-BE49-F238E27FC236}">
-                <a16:creationId xmlns:a16="http://schemas.microsoft.com/office/drawing/2014/main" xmlns="" id="{659A6771-E1B1-48E0-9C63-D5DE39B7E6E6}"/>
+                <a16:creationId xmlns:a16="http://schemas.microsoft.com/office/drawing/2014/main" id="{659A6771-E1B1-48E0-9C63-D5DE39B7E6E6}"/>
               </a:ext>
             </a:extLst>
           </p:cNvPr>
@@ -17695,7 +17690,7 @@
           <p:cNvPr id="419" name="Прямая со стрелкой 418">
             <a:extLst>
               <a:ext uri="{FF2B5EF4-FFF2-40B4-BE49-F238E27FC236}">
-                <a16:creationId xmlns:a16="http://schemas.microsoft.com/office/drawing/2014/main" xmlns="" id="{A983B692-8BE6-4383-B867-3A1F6FDB9A73}"/>
+                <a16:creationId xmlns:a16="http://schemas.microsoft.com/office/drawing/2014/main" id="{A983B692-8BE6-4383-B867-3A1F6FDB9A73}"/>
               </a:ext>
             </a:extLst>
           </p:cNvPr>
@@ -17738,7 +17733,7 @@
           <p:cNvPr id="424" name="Прямоугольник 423">
             <a:extLst>
               <a:ext uri="{FF2B5EF4-FFF2-40B4-BE49-F238E27FC236}">
-                <a16:creationId xmlns:a16="http://schemas.microsoft.com/office/drawing/2014/main" xmlns="" id="{F2D8BDB2-013B-48BE-83D8-8C6DF63CEA4C}"/>
+                <a16:creationId xmlns:a16="http://schemas.microsoft.com/office/drawing/2014/main" id="{F2D8BDB2-013B-48BE-83D8-8C6DF63CEA4C}"/>
               </a:ext>
             </a:extLst>
           </p:cNvPr>
@@ -17841,7 +17836,7 @@
           <p:cNvPr id="428" name="Прямоугольник 427">
             <a:extLst>
               <a:ext uri="{FF2B5EF4-FFF2-40B4-BE49-F238E27FC236}">
-                <a16:creationId xmlns:a16="http://schemas.microsoft.com/office/drawing/2014/main" xmlns="" id="{6DDECEB3-7003-4CEF-83C4-70E78E2443FB}"/>
+                <a16:creationId xmlns:a16="http://schemas.microsoft.com/office/drawing/2014/main" id="{6DDECEB3-7003-4CEF-83C4-70E78E2443FB}"/>
               </a:ext>
             </a:extLst>
           </p:cNvPr>
@@ -17892,7 +17887,7 @@
           <p:cNvPr id="280" name="Соединительная линия уступом 175">
             <a:extLst>
               <a:ext uri="{FF2B5EF4-FFF2-40B4-BE49-F238E27FC236}">
-                <a16:creationId xmlns:a16="http://schemas.microsoft.com/office/drawing/2014/main" xmlns="" id="{0C7DED72-73B9-4414-820D-FD24F5796777}"/>
+                <a16:creationId xmlns:a16="http://schemas.microsoft.com/office/drawing/2014/main" id="{0C7DED72-73B9-4414-820D-FD24F5796777}"/>
               </a:ext>
             </a:extLst>
           </p:cNvPr>
@@ -17937,7 +17932,7 @@
           <p:cNvPr id="291" name="Прямоугольник 290">
             <a:extLst>
               <a:ext uri="{FF2B5EF4-FFF2-40B4-BE49-F238E27FC236}">
-                <a16:creationId xmlns:a16="http://schemas.microsoft.com/office/drawing/2014/main" xmlns="" id="{18B91EFF-5674-4F4F-AF9C-7CF403BFA59D}"/>
+                <a16:creationId xmlns:a16="http://schemas.microsoft.com/office/drawing/2014/main" id="{18B91EFF-5674-4F4F-AF9C-7CF403BFA59D}"/>
               </a:ext>
             </a:extLst>
           </p:cNvPr>
@@ -17995,7 +17990,7 @@
           <p:cNvPr id="300" name="Соединительная линия уступом 175">
             <a:extLst>
               <a:ext uri="{FF2B5EF4-FFF2-40B4-BE49-F238E27FC236}">
-                <a16:creationId xmlns:a16="http://schemas.microsoft.com/office/drawing/2014/main" xmlns="" id="{7B1D8291-4F22-44B6-B62B-8352BAF72F4C}"/>
+                <a16:creationId xmlns:a16="http://schemas.microsoft.com/office/drawing/2014/main" id="{7B1D8291-4F22-44B6-B62B-8352BAF72F4C}"/>
               </a:ext>
             </a:extLst>
           </p:cNvPr>
@@ -18040,7 +18035,7 @@
           <p:cNvPr id="301" name="Прямоугольник 300">
             <a:extLst>
               <a:ext uri="{FF2B5EF4-FFF2-40B4-BE49-F238E27FC236}">
-                <a16:creationId xmlns:a16="http://schemas.microsoft.com/office/drawing/2014/main" xmlns="" id="{5DB6C462-9699-4D6F-98CA-6CD534D9A99E}"/>
+                <a16:creationId xmlns:a16="http://schemas.microsoft.com/office/drawing/2014/main" id="{5DB6C462-9699-4D6F-98CA-6CD534D9A99E}"/>
               </a:ext>
             </a:extLst>
           </p:cNvPr>
@@ -18098,7 +18093,7 @@
           <p:cNvPr id="302" name="Соединительная линия уступом 175">
             <a:extLst>
               <a:ext uri="{FF2B5EF4-FFF2-40B4-BE49-F238E27FC236}">
-                <a16:creationId xmlns:a16="http://schemas.microsoft.com/office/drawing/2014/main" xmlns="" id="{F8B06A08-CF56-4B93-B797-F8E95E17295C}"/>
+                <a16:creationId xmlns:a16="http://schemas.microsoft.com/office/drawing/2014/main" id="{F8B06A08-CF56-4B93-B797-F8E95E17295C}"/>
               </a:ext>
             </a:extLst>
           </p:cNvPr>
@@ -18143,7 +18138,7 @@
           <p:cNvPr id="303" name="Прямоугольник 302">
             <a:extLst>
               <a:ext uri="{FF2B5EF4-FFF2-40B4-BE49-F238E27FC236}">
-                <a16:creationId xmlns:a16="http://schemas.microsoft.com/office/drawing/2014/main" xmlns="" id="{82F38B76-2330-4716-AC4B-5B3A9715D59B}"/>
+                <a16:creationId xmlns:a16="http://schemas.microsoft.com/office/drawing/2014/main" id="{82F38B76-2330-4716-AC4B-5B3A9715D59B}"/>
               </a:ext>
             </a:extLst>
           </p:cNvPr>
@@ -18201,7 +18196,7 @@
           <p:cNvPr id="304" name="Прямоугольник 303">
             <a:extLst>
               <a:ext uri="{FF2B5EF4-FFF2-40B4-BE49-F238E27FC236}">
-                <a16:creationId xmlns:a16="http://schemas.microsoft.com/office/drawing/2014/main" xmlns="" id="{AE0A9FFD-CE9E-472D-A37F-07BAFF91E61E}"/>
+                <a16:creationId xmlns:a16="http://schemas.microsoft.com/office/drawing/2014/main" id="{AE0A9FFD-CE9E-472D-A37F-07BAFF91E61E}"/>
               </a:ext>
             </a:extLst>
           </p:cNvPr>
@@ -18304,7 +18299,7 @@
           <p:cNvPr id="307" name="Прямоугольник 306">
             <a:extLst>
               <a:ext uri="{FF2B5EF4-FFF2-40B4-BE49-F238E27FC236}">
-                <a16:creationId xmlns:a16="http://schemas.microsoft.com/office/drawing/2014/main" xmlns="" id="{15A6F6E3-E97B-4101-AFFE-662224727B20}"/>
+                <a16:creationId xmlns:a16="http://schemas.microsoft.com/office/drawing/2014/main" id="{15A6F6E3-E97B-4101-AFFE-662224727B20}"/>
               </a:ext>
             </a:extLst>
           </p:cNvPr>
@@ -18362,7 +18357,7 @@
           <p:cNvPr id="308" name="Соединительная линия уступом 175">
             <a:extLst>
               <a:ext uri="{FF2B5EF4-FFF2-40B4-BE49-F238E27FC236}">
-                <a16:creationId xmlns:a16="http://schemas.microsoft.com/office/drawing/2014/main" xmlns="" id="{CD9470F2-AC01-4265-8622-220D634008FF}"/>
+                <a16:creationId xmlns:a16="http://schemas.microsoft.com/office/drawing/2014/main" id="{CD9470F2-AC01-4265-8622-220D634008FF}"/>
               </a:ext>
             </a:extLst>
           </p:cNvPr>
@@ -18407,7 +18402,7 @@
           <p:cNvPr id="328" name="Прямая со стрелкой 327">
             <a:extLst>
               <a:ext uri="{FF2B5EF4-FFF2-40B4-BE49-F238E27FC236}">
-                <a16:creationId xmlns:a16="http://schemas.microsoft.com/office/drawing/2014/main" xmlns="" id="{F104AE2F-12F9-41A6-A5FE-FBEEC47CEFFC}"/>
+                <a16:creationId xmlns:a16="http://schemas.microsoft.com/office/drawing/2014/main" id="{F104AE2F-12F9-41A6-A5FE-FBEEC47CEFFC}"/>
               </a:ext>
             </a:extLst>
           </p:cNvPr>
@@ -18450,7 +18445,7 @@
           <p:cNvPr id="333" name="Соединительная линия уступом 175">
             <a:extLst>
               <a:ext uri="{FF2B5EF4-FFF2-40B4-BE49-F238E27FC236}">
-                <a16:creationId xmlns:a16="http://schemas.microsoft.com/office/drawing/2014/main" xmlns="" id="{D6E51BE6-374C-4854-81AB-936AD57D6429}"/>
+                <a16:creationId xmlns:a16="http://schemas.microsoft.com/office/drawing/2014/main" id="{D6E51BE6-374C-4854-81AB-936AD57D6429}"/>
               </a:ext>
             </a:extLst>
           </p:cNvPr>
@@ -18495,7 +18490,7 @@
           <p:cNvPr id="336" name="Соединительная линия уступом 175">
             <a:extLst>
               <a:ext uri="{FF2B5EF4-FFF2-40B4-BE49-F238E27FC236}">
-                <a16:creationId xmlns:a16="http://schemas.microsoft.com/office/drawing/2014/main" xmlns="" id="{D9C61166-73FC-43CF-B1C7-8782FE960CB6}"/>
+                <a16:creationId xmlns:a16="http://schemas.microsoft.com/office/drawing/2014/main" id="{D9C61166-73FC-43CF-B1C7-8782FE960CB6}"/>
               </a:ext>
             </a:extLst>
           </p:cNvPr>
@@ -18540,7 +18535,7 @@
           <p:cNvPr id="339" name="Соединительная линия уступом 175">
             <a:extLst>
               <a:ext uri="{FF2B5EF4-FFF2-40B4-BE49-F238E27FC236}">
-                <a16:creationId xmlns:a16="http://schemas.microsoft.com/office/drawing/2014/main" xmlns="" id="{7897D76A-EAF1-4B77-8A78-EFE7DB85E449}"/>
+                <a16:creationId xmlns:a16="http://schemas.microsoft.com/office/drawing/2014/main" id="{7897D76A-EAF1-4B77-8A78-EFE7DB85E449}"/>
               </a:ext>
             </a:extLst>
           </p:cNvPr>
@@ -18585,7 +18580,7 @@
           <p:cNvPr id="342" name="Прямоугольник 341">
             <a:extLst>
               <a:ext uri="{FF2B5EF4-FFF2-40B4-BE49-F238E27FC236}">
-                <a16:creationId xmlns:a16="http://schemas.microsoft.com/office/drawing/2014/main" xmlns="" id="{35E3BE8F-75BC-4434-ACCD-88242B97E208}"/>
+                <a16:creationId xmlns:a16="http://schemas.microsoft.com/office/drawing/2014/main" id="{35E3BE8F-75BC-4434-ACCD-88242B97E208}"/>
               </a:ext>
             </a:extLst>
           </p:cNvPr>
@@ -18643,7 +18638,7 @@
           <p:cNvPr id="343" name="Прямоугольник 342">
             <a:extLst>
               <a:ext uri="{FF2B5EF4-FFF2-40B4-BE49-F238E27FC236}">
-                <a16:creationId xmlns:a16="http://schemas.microsoft.com/office/drawing/2014/main" xmlns="" id="{524062F7-6156-4F02-9DB4-BF7C61789DEB}"/>
+                <a16:creationId xmlns:a16="http://schemas.microsoft.com/office/drawing/2014/main" id="{524062F7-6156-4F02-9DB4-BF7C61789DEB}"/>
               </a:ext>
             </a:extLst>
           </p:cNvPr>
@@ -18701,7 +18696,7 @@
           <p:cNvPr id="344" name="Прямая со стрелкой 343">
             <a:extLst>
               <a:ext uri="{FF2B5EF4-FFF2-40B4-BE49-F238E27FC236}">
-                <a16:creationId xmlns:a16="http://schemas.microsoft.com/office/drawing/2014/main" xmlns="" id="{B2913424-4E7B-456D-AC50-63DABAF9DEF7}"/>
+                <a16:creationId xmlns:a16="http://schemas.microsoft.com/office/drawing/2014/main" id="{B2913424-4E7B-456D-AC50-63DABAF9DEF7}"/>
               </a:ext>
             </a:extLst>
           </p:cNvPr>
@@ -18744,7 +18739,7 @@
           <p:cNvPr id="346" name="Соединительная линия уступом 175">
             <a:extLst>
               <a:ext uri="{FF2B5EF4-FFF2-40B4-BE49-F238E27FC236}">
-                <a16:creationId xmlns:a16="http://schemas.microsoft.com/office/drawing/2014/main" xmlns="" id="{F398E2C4-E015-47E9-A742-8368565BA194}"/>
+                <a16:creationId xmlns:a16="http://schemas.microsoft.com/office/drawing/2014/main" id="{F398E2C4-E015-47E9-A742-8368565BA194}"/>
               </a:ext>
             </a:extLst>
           </p:cNvPr>
@@ -18789,7 +18784,7 @@
           <p:cNvPr id="349" name="Прямоугольник 348">
             <a:extLst>
               <a:ext uri="{FF2B5EF4-FFF2-40B4-BE49-F238E27FC236}">
-                <a16:creationId xmlns:a16="http://schemas.microsoft.com/office/drawing/2014/main" xmlns="" id="{509FD1FB-F316-4E7A-B0E5-A39741FEFBDF}"/>
+                <a16:creationId xmlns:a16="http://schemas.microsoft.com/office/drawing/2014/main" id="{509FD1FB-F316-4E7A-B0E5-A39741FEFBDF}"/>
               </a:ext>
             </a:extLst>
           </p:cNvPr>
@@ -18840,7 +18835,7 @@
           <p:cNvPr id="350" name="Прямоугольник 349">
             <a:extLst>
               <a:ext uri="{FF2B5EF4-FFF2-40B4-BE49-F238E27FC236}">
-                <a16:creationId xmlns:a16="http://schemas.microsoft.com/office/drawing/2014/main" xmlns="" id="{551644A0-74A8-4944-8FC6-EC21B231A3EF}"/>
+                <a16:creationId xmlns:a16="http://schemas.microsoft.com/office/drawing/2014/main" id="{551644A0-74A8-4944-8FC6-EC21B231A3EF}"/>
               </a:ext>
             </a:extLst>
           </p:cNvPr>
@@ -18898,7 +18893,7 @@
           <p:cNvPr id="352" name="Прямоугольник 351">
             <a:extLst>
               <a:ext uri="{FF2B5EF4-FFF2-40B4-BE49-F238E27FC236}">
-                <a16:creationId xmlns:a16="http://schemas.microsoft.com/office/drawing/2014/main" xmlns="" id="{D1AFC30E-813A-45D9-9244-0415620ADB70}"/>
+                <a16:creationId xmlns:a16="http://schemas.microsoft.com/office/drawing/2014/main" id="{D1AFC30E-813A-45D9-9244-0415620ADB70}"/>
               </a:ext>
             </a:extLst>
           </p:cNvPr>
@@ -18947,7 +18942,7 @@
           <p:cNvPr id="309" name="Прямоугольник 308">
             <a:extLst>
               <a:ext uri="{FF2B5EF4-FFF2-40B4-BE49-F238E27FC236}">
-                <a16:creationId xmlns:a16="http://schemas.microsoft.com/office/drawing/2014/main" xmlns="" id="{48182F7E-1D91-4D5F-95EF-DBD6F3B7FEB9}"/>
+                <a16:creationId xmlns:a16="http://schemas.microsoft.com/office/drawing/2014/main" id="{48182F7E-1D91-4D5F-95EF-DBD6F3B7FEB9}"/>
               </a:ext>
             </a:extLst>
           </p:cNvPr>
@@ -19014,7 +19009,7 @@
           <p:cNvPr id="311" name="Прямоугольник 310">
             <a:extLst>
               <a:ext uri="{FF2B5EF4-FFF2-40B4-BE49-F238E27FC236}">
-                <a16:creationId xmlns:a16="http://schemas.microsoft.com/office/drawing/2014/main" xmlns="" id="{DD648BA6-9D9C-49D0-AE02-00DD093F39DE}"/>
+                <a16:creationId xmlns:a16="http://schemas.microsoft.com/office/drawing/2014/main" id="{DD648BA6-9D9C-49D0-AE02-00DD093F39DE}"/>
               </a:ext>
             </a:extLst>
           </p:cNvPr>
@@ -19063,7 +19058,7 @@
           <p:cNvPr id="312" name="Прямоугольник 311">
             <a:extLst>
               <a:ext uri="{FF2B5EF4-FFF2-40B4-BE49-F238E27FC236}">
-                <a16:creationId xmlns:a16="http://schemas.microsoft.com/office/drawing/2014/main" xmlns="" id="{AF586CA6-6B77-414F-9AE4-073EE0A788C5}"/>
+                <a16:creationId xmlns:a16="http://schemas.microsoft.com/office/drawing/2014/main" id="{AF586CA6-6B77-414F-9AE4-073EE0A788C5}"/>
               </a:ext>
             </a:extLst>
           </p:cNvPr>
@@ -19112,7 +19107,7 @@
           <p:cNvPr id="313" name="Прямая соединительная линия 312">
             <a:extLst>
               <a:ext uri="{FF2B5EF4-FFF2-40B4-BE49-F238E27FC236}">
-                <a16:creationId xmlns:a16="http://schemas.microsoft.com/office/drawing/2014/main" xmlns="" id="{77EB1050-93C0-45DC-8E04-9E36072408E4}"/>
+                <a16:creationId xmlns:a16="http://schemas.microsoft.com/office/drawing/2014/main" id="{77EB1050-93C0-45DC-8E04-9E36072408E4}"/>
               </a:ext>
             </a:extLst>
           </p:cNvPr>
@@ -19157,7 +19152,7 @@
           <p:cNvPr id="315" name="Прямоугольник 314">
             <a:extLst>
               <a:ext uri="{FF2B5EF4-FFF2-40B4-BE49-F238E27FC236}">
-                <a16:creationId xmlns:a16="http://schemas.microsoft.com/office/drawing/2014/main" xmlns="" id="{9DE34995-EA04-4529-B1B9-01781A906975}"/>
+                <a16:creationId xmlns:a16="http://schemas.microsoft.com/office/drawing/2014/main" id="{9DE34995-EA04-4529-B1B9-01781A906975}"/>
               </a:ext>
             </a:extLst>
           </p:cNvPr>
@@ -19206,7 +19201,7 @@
           <p:cNvPr id="316" name="Прямоугольник 315">
             <a:extLst>
               <a:ext uri="{FF2B5EF4-FFF2-40B4-BE49-F238E27FC236}">
-                <a16:creationId xmlns:a16="http://schemas.microsoft.com/office/drawing/2014/main" xmlns="" id="{80FD403A-D291-4156-B8B8-095ECE38954C}"/>
+                <a16:creationId xmlns:a16="http://schemas.microsoft.com/office/drawing/2014/main" id="{80FD403A-D291-4156-B8B8-095ECE38954C}"/>
               </a:ext>
             </a:extLst>
           </p:cNvPr>
@@ -19255,7 +19250,7 @@
           <p:cNvPr id="319" name="Прямоугольник 318">
             <a:extLst>
               <a:ext uri="{FF2B5EF4-FFF2-40B4-BE49-F238E27FC236}">
-                <a16:creationId xmlns:a16="http://schemas.microsoft.com/office/drawing/2014/main" xmlns="" id="{80AAA552-3A15-4416-848A-DA6234BC6F07}"/>
+                <a16:creationId xmlns:a16="http://schemas.microsoft.com/office/drawing/2014/main" id="{80AAA552-3A15-4416-848A-DA6234BC6F07}"/>
               </a:ext>
             </a:extLst>
           </p:cNvPr>
@@ -19304,7 +19299,7 @@
           <p:cNvPr id="321" name="Прямая соединительная линия 320">
             <a:extLst>
               <a:ext uri="{FF2B5EF4-FFF2-40B4-BE49-F238E27FC236}">
-                <a16:creationId xmlns:a16="http://schemas.microsoft.com/office/drawing/2014/main" xmlns="" id="{B8883631-BEA2-45F1-A0C2-C842DDF554F3}"/>
+                <a16:creationId xmlns:a16="http://schemas.microsoft.com/office/drawing/2014/main" id="{B8883631-BEA2-45F1-A0C2-C842DDF554F3}"/>
               </a:ext>
             </a:extLst>
           </p:cNvPr>
@@ -19349,7 +19344,7 @@
           <p:cNvPr id="322" name="Прямая соединительная линия 321">
             <a:extLst>
               <a:ext uri="{FF2B5EF4-FFF2-40B4-BE49-F238E27FC236}">
-                <a16:creationId xmlns:a16="http://schemas.microsoft.com/office/drawing/2014/main" xmlns="" id="{DA70501A-CAC8-42F4-ACBF-39425A2D0926}"/>
+                <a16:creationId xmlns:a16="http://schemas.microsoft.com/office/drawing/2014/main" id="{DA70501A-CAC8-42F4-ACBF-39425A2D0926}"/>
               </a:ext>
             </a:extLst>
           </p:cNvPr>
@@ -19394,7 +19389,7 @@
           <p:cNvPr id="323" name="Соединительная линия уступом 175">
             <a:extLst>
               <a:ext uri="{FF2B5EF4-FFF2-40B4-BE49-F238E27FC236}">
-                <a16:creationId xmlns:a16="http://schemas.microsoft.com/office/drawing/2014/main" xmlns="" id="{1DB1400D-2E52-4EA8-B7BE-33D6A8FD2C2E}"/>
+                <a16:creationId xmlns:a16="http://schemas.microsoft.com/office/drawing/2014/main" id="{1DB1400D-2E52-4EA8-B7BE-33D6A8FD2C2E}"/>
               </a:ext>
             </a:extLst>
           </p:cNvPr>
@@ -19440,7 +19435,7 @@
           <p:cNvPr id="324" name="Соединительная линия уступом 175">
             <a:extLst>
               <a:ext uri="{FF2B5EF4-FFF2-40B4-BE49-F238E27FC236}">
-                <a16:creationId xmlns:a16="http://schemas.microsoft.com/office/drawing/2014/main" xmlns="" id="{28E84E31-35E5-47B7-8947-6B8B3A2EFB03}"/>
+                <a16:creationId xmlns:a16="http://schemas.microsoft.com/office/drawing/2014/main" id="{28E84E31-35E5-47B7-8947-6B8B3A2EFB03}"/>
               </a:ext>
             </a:extLst>
           </p:cNvPr>
@@ -19486,7 +19481,7 @@
           <p:cNvPr id="325" name="Соединительная линия уступом 175">
             <a:extLst>
               <a:ext uri="{FF2B5EF4-FFF2-40B4-BE49-F238E27FC236}">
-                <a16:creationId xmlns:a16="http://schemas.microsoft.com/office/drawing/2014/main" xmlns="" id="{A4FD14E9-B0BA-4590-B042-3F95BEF29884}"/>
+                <a16:creationId xmlns:a16="http://schemas.microsoft.com/office/drawing/2014/main" id="{A4FD14E9-B0BA-4590-B042-3F95BEF29884}"/>
               </a:ext>
             </a:extLst>
           </p:cNvPr>
@@ -19532,7 +19527,7 @@
           <p:cNvPr id="326" name="Соединительная линия уступом 175">
             <a:extLst>
               <a:ext uri="{FF2B5EF4-FFF2-40B4-BE49-F238E27FC236}">
-                <a16:creationId xmlns:a16="http://schemas.microsoft.com/office/drawing/2014/main" xmlns="" id="{6AFDA878-9CCA-4400-A124-B9F812A36048}"/>
+                <a16:creationId xmlns:a16="http://schemas.microsoft.com/office/drawing/2014/main" id="{6AFDA878-9CCA-4400-A124-B9F812A36048}"/>
               </a:ext>
             </a:extLst>
           </p:cNvPr>
@@ -19578,7 +19573,7 @@
           <p:cNvPr id="327" name="Соединительная линия уступом 175">
             <a:extLst>
               <a:ext uri="{FF2B5EF4-FFF2-40B4-BE49-F238E27FC236}">
-                <a16:creationId xmlns:a16="http://schemas.microsoft.com/office/drawing/2014/main" xmlns="" id="{E4E3FE88-EE54-4348-8A7D-49B181E93586}"/>
+                <a16:creationId xmlns:a16="http://schemas.microsoft.com/office/drawing/2014/main" id="{E4E3FE88-EE54-4348-8A7D-49B181E93586}"/>
               </a:ext>
             </a:extLst>
           </p:cNvPr>
@@ -19624,7 +19619,7 @@
           <p:cNvPr id="329" name="Соединительная линия уступом 175">
             <a:extLst>
               <a:ext uri="{FF2B5EF4-FFF2-40B4-BE49-F238E27FC236}">
-                <a16:creationId xmlns:a16="http://schemas.microsoft.com/office/drawing/2014/main" xmlns="" id="{C90D8056-3635-4844-A49B-3D79D5A6F40A}"/>
+                <a16:creationId xmlns:a16="http://schemas.microsoft.com/office/drawing/2014/main" id="{C90D8056-3635-4844-A49B-3D79D5A6F40A}"/>
               </a:ext>
             </a:extLst>
           </p:cNvPr>
@@ -19670,7 +19665,7 @@
           <p:cNvPr id="330" name="Прямоугольник 329">
             <a:extLst>
               <a:ext uri="{FF2B5EF4-FFF2-40B4-BE49-F238E27FC236}">
-                <a16:creationId xmlns:a16="http://schemas.microsoft.com/office/drawing/2014/main" xmlns="" id="{E33F7981-AC37-4613-A81C-1ECCE6CB9C42}"/>
+                <a16:creationId xmlns:a16="http://schemas.microsoft.com/office/drawing/2014/main" id="{E33F7981-AC37-4613-A81C-1ECCE6CB9C42}"/>
               </a:ext>
             </a:extLst>
           </p:cNvPr>
@@ -19719,7 +19714,7 @@
           <p:cNvPr id="340" name="Прямоугольник 339">
             <a:extLst>
               <a:ext uri="{FF2B5EF4-FFF2-40B4-BE49-F238E27FC236}">
-                <a16:creationId xmlns:a16="http://schemas.microsoft.com/office/drawing/2014/main" xmlns="" id="{A0509AC1-5636-4CD0-ACAA-C2F71C714106}"/>
+                <a16:creationId xmlns:a16="http://schemas.microsoft.com/office/drawing/2014/main" id="{A0509AC1-5636-4CD0-ACAA-C2F71C714106}"/>
               </a:ext>
             </a:extLst>
           </p:cNvPr>
@@ -19768,7 +19763,7 @@
           <p:cNvPr id="345" name="Соединительная линия уступом 175">
             <a:extLst>
               <a:ext uri="{FF2B5EF4-FFF2-40B4-BE49-F238E27FC236}">
-                <a16:creationId xmlns:a16="http://schemas.microsoft.com/office/drawing/2014/main" xmlns="" id="{34E33FC0-77CF-46BE-A340-87BA3626493B}"/>
+                <a16:creationId xmlns:a16="http://schemas.microsoft.com/office/drawing/2014/main" id="{34E33FC0-77CF-46BE-A340-87BA3626493B}"/>
               </a:ext>
             </a:extLst>
           </p:cNvPr>
@@ -19813,7 +19808,7 @@
           <p:cNvPr id="348" name="Прямоугольник 347">
             <a:extLst>
               <a:ext uri="{FF2B5EF4-FFF2-40B4-BE49-F238E27FC236}">
-                <a16:creationId xmlns:a16="http://schemas.microsoft.com/office/drawing/2014/main" xmlns="" id="{B3026706-0825-419C-B501-250511C29542}"/>
+                <a16:creationId xmlns:a16="http://schemas.microsoft.com/office/drawing/2014/main" id="{B3026706-0825-419C-B501-250511C29542}"/>
               </a:ext>
             </a:extLst>
           </p:cNvPr>
@@ -19862,7 +19857,7 @@
           <p:cNvPr id="353" name="Соединительная линия уступом 175">
             <a:extLst>
               <a:ext uri="{FF2B5EF4-FFF2-40B4-BE49-F238E27FC236}">
-                <a16:creationId xmlns:a16="http://schemas.microsoft.com/office/drawing/2014/main" xmlns="" id="{1B5E8F1C-5FC9-4398-8D41-111A407804DF}"/>
+                <a16:creationId xmlns:a16="http://schemas.microsoft.com/office/drawing/2014/main" id="{1B5E8F1C-5FC9-4398-8D41-111A407804DF}"/>
               </a:ext>
             </a:extLst>
           </p:cNvPr>
@@ -19907,7 +19902,7 @@
           <p:cNvPr id="355" name="Соединительная линия уступом 175">
             <a:extLst>
               <a:ext uri="{FF2B5EF4-FFF2-40B4-BE49-F238E27FC236}">
-                <a16:creationId xmlns:a16="http://schemas.microsoft.com/office/drawing/2014/main" xmlns="" id="{A77DAF70-C979-4341-8F80-56F5B19E1C55}"/>
+                <a16:creationId xmlns:a16="http://schemas.microsoft.com/office/drawing/2014/main" id="{A77DAF70-C979-4341-8F80-56F5B19E1C55}"/>
               </a:ext>
             </a:extLst>
           </p:cNvPr>
@@ -19952,7 +19947,7 @@
           <p:cNvPr id="356" name="Соединительная линия уступом 175">
             <a:extLst>
               <a:ext uri="{FF2B5EF4-FFF2-40B4-BE49-F238E27FC236}">
-                <a16:creationId xmlns:a16="http://schemas.microsoft.com/office/drawing/2014/main" xmlns="" id="{51A87234-F8CB-4DB2-857F-70A6300E7E69}"/>
+                <a16:creationId xmlns:a16="http://schemas.microsoft.com/office/drawing/2014/main" id="{51A87234-F8CB-4DB2-857F-70A6300E7E69}"/>
               </a:ext>
             </a:extLst>
           </p:cNvPr>
@@ -19997,7 +19992,7 @@
           <p:cNvPr id="358" name="Соединительная линия уступом 175">
             <a:extLst>
               <a:ext uri="{FF2B5EF4-FFF2-40B4-BE49-F238E27FC236}">
-                <a16:creationId xmlns:a16="http://schemas.microsoft.com/office/drawing/2014/main" xmlns="" id="{2A0A9C4A-F146-4C0A-8317-15688DB00A96}"/>
+                <a16:creationId xmlns:a16="http://schemas.microsoft.com/office/drawing/2014/main" id="{2A0A9C4A-F146-4C0A-8317-15688DB00A96}"/>
               </a:ext>
             </a:extLst>
           </p:cNvPr>
@@ -20042,7 +20037,7 @@
           <p:cNvPr id="359" name="Прямая соединительная линия 358">
             <a:extLst>
               <a:ext uri="{FF2B5EF4-FFF2-40B4-BE49-F238E27FC236}">
-                <a16:creationId xmlns:a16="http://schemas.microsoft.com/office/drawing/2014/main" xmlns="" id="{A065A208-A295-4D3D-AAD2-3ED8CB24D339}"/>
+                <a16:creationId xmlns:a16="http://schemas.microsoft.com/office/drawing/2014/main" id="{A065A208-A295-4D3D-AAD2-3ED8CB24D339}"/>
               </a:ext>
             </a:extLst>
           </p:cNvPr>
@@ -20087,7 +20082,7 @@
           <p:cNvPr id="334" name="Прямоугольник 333">
             <a:extLst>
               <a:ext uri="{FF2B5EF4-FFF2-40B4-BE49-F238E27FC236}">
-                <a16:creationId xmlns:a16="http://schemas.microsoft.com/office/drawing/2014/main" xmlns="" id="{7852F02B-CE3D-4605-9277-7825170ECCFA}"/>
+                <a16:creationId xmlns:a16="http://schemas.microsoft.com/office/drawing/2014/main" id="{7852F02B-CE3D-4605-9277-7825170ECCFA}"/>
               </a:ext>
             </a:extLst>
           </p:cNvPr>
@@ -20151,7 +20146,7 @@
           <p:cNvPr id="337" name="Прямоугольник 336">
             <a:extLst>
               <a:ext uri="{FF2B5EF4-FFF2-40B4-BE49-F238E27FC236}">
-                <a16:creationId xmlns:a16="http://schemas.microsoft.com/office/drawing/2014/main" xmlns="" id="{78BA4649-7A20-427C-B06D-6F35FB52C96B}"/>
+                <a16:creationId xmlns:a16="http://schemas.microsoft.com/office/drawing/2014/main" id="{78BA4649-7A20-427C-B06D-6F35FB52C96B}"/>
               </a:ext>
             </a:extLst>
           </p:cNvPr>
@@ -20200,7 +20195,7 @@
           <p:cNvPr id="362" name="Прямоугольник 361">
             <a:extLst>
               <a:ext uri="{FF2B5EF4-FFF2-40B4-BE49-F238E27FC236}">
-                <a16:creationId xmlns:a16="http://schemas.microsoft.com/office/drawing/2014/main" xmlns="" id="{48B6A494-ADEF-488D-99AA-1288D5E1468D}"/>
+                <a16:creationId xmlns:a16="http://schemas.microsoft.com/office/drawing/2014/main" id="{48B6A494-ADEF-488D-99AA-1288D5E1468D}"/>
               </a:ext>
             </a:extLst>
           </p:cNvPr>
@@ -20256,7 +20251,7 @@
           <p:cNvPr id="363" name="Прямоугольник 362">
             <a:extLst>
               <a:ext uri="{FF2B5EF4-FFF2-40B4-BE49-F238E27FC236}">
-                <a16:creationId xmlns:a16="http://schemas.microsoft.com/office/drawing/2014/main" xmlns="" id="{96934284-13F6-4594-AE55-293CD253F5AA}"/>
+                <a16:creationId xmlns:a16="http://schemas.microsoft.com/office/drawing/2014/main" id="{96934284-13F6-4594-AE55-293CD253F5AA}"/>
               </a:ext>
             </a:extLst>
           </p:cNvPr>
@@ -20312,7 +20307,7 @@
           <p:cNvPr id="365" name="Прямоугольник 364">
             <a:extLst>
               <a:ext uri="{FF2B5EF4-FFF2-40B4-BE49-F238E27FC236}">
-                <a16:creationId xmlns:a16="http://schemas.microsoft.com/office/drawing/2014/main" xmlns="" id="{0C61FFA7-BE23-4619-98CC-6DBC4971EB8B}"/>
+                <a16:creationId xmlns:a16="http://schemas.microsoft.com/office/drawing/2014/main" id="{0C61FFA7-BE23-4619-98CC-6DBC4971EB8B}"/>
               </a:ext>
             </a:extLst>
           </p:cNvPr>
@@ -20361,7 +20356,7 @@
           <p:cNvPr id="366" name="Прямоугольник 365">
             <a:extLst>
               <a:ext uri="{FF2B5EF4-FFF2-40B4-BE49-F238E27FC236}">
-                <a16:creationId xmlns:a16="http://schemas.microsoft.com/office/drawing/2014/main" xmlns="" id="{A0F66333-3957-4649-BC56-A9BA9D2A373E}"/>
+                <a16:creationId xmlns:a16="http://schemas.microsoft.com/office/drawing/2014/main" id="{A0F66333-3957-4649-BC56-A9BA9D2A373E}"/>
               </a:ext>
             </a:extLst>
           </p:cNvPr>
@@ -20417,7 +20412,7 @@
           <p:cNvPr id="360" name="Соединительная линия уступом 175">
             <a:extLst>
               <a:ext uri="{FF2B5EF4-FFF2-40B4-BE49-F238E27FC236}">
-                <a16:creationId xmlns:a16="http://schemas.microsoft.com/office/drawing/2014/main" xmlns="" id="{3FB5053C-8F65-43C7-B073-E42D95A5DDFD}"/>
+                <a16:creationId xmlns:a16="http://schemas.microsoft.com/office/drawing/2014/main" id="{3FB5053C-8F65-43C7-B073-E42D95A5DDFD}"/>
               </a:ext>
             </a:extLst>
           </p:cNvPr>
@@ -20463,7 +20458,7 @@
           <p:cNvPr id="368" name="Соединительная линия уступом 175">
             <a:extLst>
               <a:ext uri="{FF2B5EF4-FFF2-40B4-BE49-F238E27FC236}">
-                <a16:creationId xmlns:a16="http://schemas.microsoft.com/office/drawing/2014/main" xmlns="" id="{83360A38-6747-4427-918E-A630073343C2}"/>
+                <a16:creationId xmlns:a16="http://schemas.microsoft.com/office/drawing/2014/main" id="{83360A38-6747-4427-918E-A630073343C2}"/>
               </a:ext>
             </a:extLst>
           </p:cNvPr>
@@ -20509,7 +20504,7 @@
           <p:cNvPr id="370" name="Соединительная линия уступом 175">
             <a:extLst>
               <a:ext uri="{FF2B5EF4-FFF2-40B4-BE49-F238E27FC236}">
-                <a16:creationId xmlns:a16="http://schemas.microsoft.com/office/drawing/2014/main" xmlns="" id="{B7FC5062-9EBC-4E35-B854-9094F6418C3E}"/>
+                <a16:creationId xmlns:a16="http://schemas.microsoft.com/office/drawing/2014/main" id="{B7FC5062-9EBC-4E35-B854-9094F6418C3E}"/>
               </a:ext>
             </a:extLst>
           </p:cNvPr>
@@ -20555,7 +20550,7 @@
           <p:cNvPr id="371" name="Прямая со стрелкой 370">
             <a:extLst>
               <a:ext uri="{FF2B5EF4-FFF2-40B4-BE49-F238E27FC236}">
-                <a16:creationId xmlns:a16="http://schemas.microsoft.com/office/drawing/2014/main" xmlns="" id="{28BB7A61-670F-4C28-ADC0-E2AD3B233CE5}"/>
+                <a16:creationId xmlns:a16="http://schemas.microsoft.com/office/drawing/2014/main" id="{28BB7A61-670F-4C28-ADC0-E2AD3B233CE5}"/>
               </a:ext>
             </a:extLst>
           </p:cNvPr>
@@ -20598,7 +20593,7 @@
           <p:cNvPr id="372" name="Соединительная линия уступом 175">
             <a:extLst>
               <a:ext uri="{FF2B5EF4-FFF2-40B4-BE49-F238E27FC236}">
-                <a16:creationId xmlns:a16="http://schemas.microsoft.com/office/drawing/2014/main" xmlns="" id="{6829D1F1-70EC-4D2B-A306-DC1254777D34}"/>
+                <a16:creationId xmlns:a16="http://schemas.microsoft.com/office/drawing/2014/main" id="{6829D1F1-70EC-4D2B-A306-DC1254777D34}"/>
               </a:ext>
             </a:extLst>
           </p:cNvPr>
@@ -20643,7 +20638,7 @@
           <p:cNvPr id="373" name="Соединительная линия уступом 175">
             <a:extLst>
               <a:ext uri="{FF2B5EF4-FFF2-40B4-BE49-F238E27FC236}">
-                <a16:creationId xmlns:a16="http://schemas.microsoft.com/office/drawing/2014/main" xmlns="" id="{889943BA-17AF-485D-857E-AA0DC3DBD930}"/>
+                <a16:creationId xmlns:a16="http://schemas.microsoft.com/office/drawing/2014/main" id="{889943BA-17AF-485D-857E-AA0DC3DBD930}"/>
               </a:ext>
             </a:extLst>
           </p:cNvPr>
@@ -20688,7 +20683,7 @@
           <p:cNvPr id="374" name="Соединительная линия уступом 175">
             <a:extLst>
               <a:ext uri="{FF2B5EF4-FFF2-40B4-BE49-F238E27FC236}">
-                <a16:creationId xmlns:a16="http://schemas.microsoft.com/office/drawing/2014/main" xmlns="" id="{8F7485F3-2B69-4FAA-B3BF-6F814097751E}"/>
+                <a16:creationId xmlns:a16="http://schemas.microsoft.com/office/drawing/2014/main" id="{8F7485F3-2B69-4FAA-B3BF-6F814097751E}"/>
               </a:ext>
             </a:extLst>
           </p:cNvPr>
@@ -20733,7 +20728,7 @@
           <p:cNvPr id="375" name="Соединительная линия уступом 175">
             <a:extLst>
               <a:ext uri="{FF2B5EF4-FFF2-40B4-BE49-F238E27FC236}">
-                <a16:creationId xmlns:a16="http://schemas.microsoft.com/office/drawing/2014/main" xmlns="" id="{1E882DE1-5DF5-4064-BDB8-39B1907157CB}"/>
+                <a16:creationId xmlns:a16="http://schemas.microsoft.com/office/drawing/2014/main" id="{1E882DE1-5DF5-4064-BDB8-39B1907157CB}"/>
               </a:ext>
             </a:extLst>
           </p:cNvPr>
@@ -20778,7 +20773,7 @@
           <p:cNvPr id="379" name="Соединительная линия уступом 175">
             <a:extLst>
               <a:ext uri="{FF2B5EF4-FFF2-40B4-BE49-F238E27FC236}">
-                <a16:creationId xmlns:a16="http://schemas.microsoft.com/office/drawing/2014/main" xmlns="" id="{42FE99FC-8E7F-48FB-87E8-19645BFAA35A}"/>
+                <a16:creationId xmlns:a16="http://schemas.microsoft.com/office/drawing/2014/main" id="{42FE99FC-8E7F-48FB-87E8-19645BFAA35A}"/>
               </a:ext>
             </a:extLst>
           </p:cNvPr>
@@ -20823,7 +20818,7 @@
           <p:cNvPr id="382" name="Соединительная линия уступом 175">
             <a:extLst>
               <a:ext uri="{FF2B5EF4-FFF2-40B4-BE49-F238E27FC236}">
-                <a16:creationId xmlns:a16="http://schemas.microsoft.com/office/drawing/2014/main" xmlns="" id="{63B4415C-BB22-4437-8FDC-9560F1B4DD02}"/>
+                <a16:creationId xmlns:a16="http://schemas.microsoft.com/office/drawing/2014/main" id="{63B4415C-BB22-4437-8FDC-9560F1B4DD02}"/>
               </a:ext>
             </a:extLst>
           </p:cNvPr>
@@ -20868,7 +20863,7 @@
           <p:cNvPr id="383" name="Прямая со стрелкой 382">
             <a:extLst>
               <a:ext uri="{FF2B5EF4-FFF2-40B4-BE49-F238E27FC236}">
-                <a16:creationId xmlns:a16="http://schemas.microsoft.com/office/drawing/2014/main" xmlns="" id="{3D6BE37E-948E-4842-AA7E-282497879F02}"/>
+                <a16:creationId xmlns:a16="http://schemas.microsoft.com/office/drawing/2014/main" id="{3D6BE37E-948E-4842-AA7E-282497879F02}"/>
               </a:ext>
             </a:extLst>
           </p:cNvPr>
@@ -20911,7 +20906,7 @@
           <p:cNvPr id="386" name="Соединительная линия уступом 175">
             <a:extLst>
               <a:ext uri="{FF2B5EF4-FFF2-40B4-BE49-F238E27FC236}">
-                <a16:creationId xmlns:a16="http://schemas.microsoft.com/office/drawing/2014/main" xmlns="" id="{0E637B86-3694-47C8-A424-2BD1AB3A07D6}"/>
+                <a16:creationId xmlns:a16="http://schemas.microsoft.com/office/drawing/2014/main" id="{0E637B86-3694-47C8-A424-2BD1AB3A07D6}"/>
               </a:ext>
             </a:extLst>
           </p:cNvPr>
@@ -20957,7 +20952,7 @@
           <p:cNvPr id="387" name="Соединительная линия уступом 175">
             <a:extLst>
               <a:ext uri="{FF2B5EF4-FFF2-40B4-BE49-F238E27FC236}">
-                <a16:creationId xmlns:a16="http://schemas.microsoft.com/office/drawing/2014/main" xmlns="" id="{DD4FA738-6222-476D-8E23-D75C8B9727E3}"/>
+                <a16:creationId xmlns:a16="http://schemas.microsoft.com/office/drawing/2014/main" id="{DD4FA738-6222-476D-8E23-D75C8B9727E3}"/>
               </a:ext>
             </a:extLst>
           </p:cNvPr>
@@ -21003,7 +20998,7 @@
           <p:cNvPr id="389" name="Прямоугольник 388">
             <a:extLst>
               <a:ext uri="{FF2B5EF4-FFF2-40B4-BE49-F238E27FC236}">
-                <a16:creationId xmlns:a16="http://schemas.microsoft.com/office/drawing/2014/main" xmlns="" id="{14D5795B-E928-424F-BBF5-9F6DF5A6D53E}"/>
+                <a16:creationId xmlns:a16="http://schemas.microsoft.com/office/drawing/2014/main" id="{14D5795B-E928-424F-BBF5-9F6DF5A6D53E}"/>
               </a:ext>
             </a:extLst>
           </p:cNvPr>
@@ -21061,7 +21056,7 @@
           <p:cNvPr id="369" name="Прямоугольник 368">
             <a:extLst>
               <a:ext uri="{FF2B5EF4-FFF2-40B4-BE49-F238E27FC236}">
-                <a16:creationId xmlns:a16="http://schemas.microsoft.com/office/drawing/2014/main" xmlns="" id="{E86C5F17-7265-4E19-B915-C7F4545A35A1}"/>
+                <a16:creationId xmlns:a16="http://schemas.microsoft.com/office/drawing/2014/main" id="{E86C5F17-7265-4E19-B915-C7F4545A35A1}"/>
               </a:ext>
             </a:extLst>
           </p:cNvPr>
@@ -21127,7 +21122,7 @@
           <p:cNvPr id="378" name="Прямая соединительная линия 377">
             <a:extLst>
               <a:ext uri="{FF2B5EF4-FFF2-40B4-BE49-F238E27FC236}">
-                <a16:creationId xmlns:a16="http://schemas.microsoft.com/office/drawing/2014/main" xmlns="" id="{8466F45B-9126-45EB-8FE8-FE23FCABF06E}"/>
+                <a16:creationId xmlns:a16="http://schemas.microsoft.com/office/drawing/2014/main" id="{8466F45B-9126-45EB-8FE8-FE23FCABF06E}"/>
               </a:ext>
             </a:extLst>
           </p:cNvPr>
@@ -21170,7 +21165,7 @@
           <p:cNvPr id="391" name="Прямоугольник 390">
             <a:extLst>
               <a:ext uri="{FF2B5EF4-FFF2-40B4-BE49-F238E27FC236}">
-                <a16:creationId xmlns:a16="http://schemas.microsoft.com/office/drawing/2014/main" xmlns="" id="{B5D6DF9B-21B2-4CEA-936A-625EDCD2C861}"/>
+                <a16:creationId xmlns:a16="http://schemas.microsoft.com/office/drawing/2014/main" id="{B5D6DF9B-21B2-4CEA-936A-625EDCD2C861}"/>
               </a:ext>
             </a:extLst>
           </p:cNvPr>
@@ -21224,7 +21219,7 @@
           <p:cNvPr id="393" name="Прямоугольник 392">
             <a:extLst>
               <a:ext uri="{FF2B5EF4-FFF2-40B4-BE49-F238E27FC236}">
-                <a16:creationId xmlns:a16="http://schemas.microsoft.com/office/drawing/2014/main" xmlns="" id="{44C06B54-3281-4073-8A86-0CF5478BB2ED}"/>
+                <a16:creationId xmlns:a16="http://schemas.microsoft.com/office/drawing/2014/main" id="{44C06B54-3281-4073-8A86-0CF5478BB2ED}"/>
               </a:ext>
             </a:extLst>
           </p:cNvPr>
@@ -21291,7 +21286,7 @@
           <p:cNvPr id="394" name="Прямоугольник 393">
             <a:extLst>
               <a:ext uri="{FF2B5EF4-FFF2-40B4-BE49-F238E27FC236}">
-                <a16:creationId xmlns:a16="http://schemas.microsoft.com/office/drawing/2014/main" xmlns="" id="{AF1ADB56-BB1F-41D5-9E42-8E85D39F32AF}"/>
+                <a16:creationId xmlns:a16="http://schemas.microsoft.com/office/drawing/2014/main" id="{AF1ADB56-BB1F-41D5-9E42-8E85D39F32AF}"/>
               </a:ext>
             </a:extLst>
           </p:cNvPr>
@@ -21345,7 +21340,7 @@
           <p:cNvPr id="395" name="Прямоугольник 394">
             <a:extLst>
               <a:ext uri="{FF2B5EF4-FFF2-40B4-BE49-F238E27FC236}">
-                <a16:creationId xmlns:a16="http://schemas.microsoft.com/office/drawing/2014/main" xmlns="" id="{A67554A5-F069-4423-8800-7F865A71AAC9}"/>
+                <a16:creationId xmlns:a16="http://schemas.microsoft.com/office/drawing/2014/main" id="{A67554A5-F069-4423-8800-7F865A71AAC9}"/>
               </a:ext>
             </a:extLst>
           </p:cNvPr>
@@ -21407,7 +21402,7 @@
           <p:cNvPr id="396" name="Прямоугольник 395">
             <a:extLst>
               <a:ext uri="{FF2B5EF4-FFF2-40B4-BE49-F238E27FC236}">
-                <a16:creationId xmlns:a16="http://schemas.microsoft.com/office/drawing/2014/main" xmlns="" id="{42E20D41-9358-43C8-AC34-7415A6263541}"/>
+                <a16:creationId xmlns:a16="http://schemas.microsoft.com/office/drawing/2014/main" id="{42E20D41-9358-43C8-AC34-7415A6263541}"/>
               </a:ext>
             </a:extLst>
           </p:cNvPr>
@@ -21461,7 +21456,7 @@
           <p:cNvPr id="398" name="Прямая соединительная линия 397">
             <a:extLst>
               <a:ext uri="{FF2B5EF4-FFF2-40B4-BE49-F238E27FC236}">
-                <a16:creationId xmlns:a16="http://schemas.microsoft.com/office/drawing/2014/main" xmlns="" id="{900756FE-5E3B-49DF-8D51-779F2D97B6C3}"/>
+                <a16:creationId xmlns:a16="http://schemas.microsoft.com/office/drawing/2014/main" id="{900756FE-5E3B-49DF-8D51-779F2D97B6C3}"/>
               </a:ext>
             </a:extLst>
           </p:cNvPr>
@@ -21506,7 +21501,7 @@
           <p:cNvPr id="399" name="Прямая соединительная линия 398">
             <a:extLst>
               <a:ext uri="{FF2B5EF4-FFF2-40B4-BE49-F238E27FC236}">
-                <a16:creationId xmlns:a16="http://schemas.microsoft.com/office/drawing/2014/main" xmlns="" id="{6D9FA165-2070-4044-8B37-B5B6F72467E2}"/>
+                <a16:creationId xmlns:a16="http://schemas.microsoft.com/office/drawing/2014/main" id="{6D9FA165-2070-4044-8B37-B5B6F72467E2}"/>
               </a:ext>
             </a:extLst>
           </p:cNvPr>
@@ -21551,7 +21546,7 @@
           <p:cNvPr id="400" name="Соединительная линия уступом 175">
             <a:extLst>
               <a:ext uri="{FF2B5EF4-FFF2-40B4-BE49-F238E27FC236}">
-                <a16:creationId xmlns:a16="http://schemas.microsoft.com/office/drawing/2014/main" xmlns="" id="{1DDA4EBB-7DBF-416F-B0B4-41BCF1846544}"/>
+                <a16:creationId xmlns:a16="http://schemas.microsoft.com/office/drawing/2014/main" id="{1DDA4EBB-7DBF-416F-B0B4-41BCF1846544}"/>
               </a:ext>
             </a:extLst>
           </p:cNvPr>
@@ -21596,7 +21591,7 @@
           <p:cNvPr id="401" name="Соединительная линия уступом 175">
             <a:extLst>
               <a:ext uri="{FF2B5EF4-FFF2-40B4-BE49-F238E27FC236}">
-                <a16:creationId xmlns:a16="http://schemas.microsoft.com/office/drawing/2014/main" xmlns="" id="{837C0581-8229-4EC6-A4C4-EE16B95588A5}"/>
+                <a16:creationId xmlns:a16="http://schemas.microsoft.com/office/drawing/2014/main" id="{837C0581-8229-4EC6-A4C4-EE16B95588A5}"/>
               </a:ext>
             </a:extLst>
           </p:cNvPr>
@@ -21641,7 +21636,7 @@
           <p:cNvPr id="402" name="Соединительная линия уступом 175">
             <a:extLst>
               <a:ext uri="{FF2B5EF4-FFF2-40B4-BE49-F238E27FC236}">
-                <a16:creationId xmlns:a16="http://schemas.microsoft.com/office/drawing/2014/main" xmlns="" id="{C75827AD-FFBE-4DC1-B296-11872514F88B}"/>
+                <a16:creationId xmlns:a16="http://schemas.microsoft.com/office/drawing/2014/main" id="{C75827AD-FFBE-4DC1-B296-11872514F88B}"/>
               </a:ext>
             </a:extLst>
           </p:cNvPr>
@@ -21686,7 +21681,7 @@
           <p:cNvPr id="403" name="Прямая со стрелкой 402">
             <a:extLst>
               <a:ext uri="{FF2B5EF4-FFF2-40B4-BE49-F238E27FC236}">
-                <a16:creationId xmlns:a16="http://schemas.microsoft.com/office/drawing/2014/main" xmlns="" id="{9042E04C-DFF6-4D6D-A193-3A00D4141CD4}"/>
+                <a16:creationId xmlns:a16="http://schemas.microsoft.com/office/drawing/2014/main" id="{9042E04C-DFF6-4D6D-A193-3A00D4141CD4}"/>
               </a:ext>
             </a:extLst>
           </p:cNvPr>
@@ -21729,7 +21724,7 @@
           <p:cNvPr id="404" name="Прямоугольник 403">
             <a:extLst>
               <a:ext uri="{FF2B5EF4-FFF2-40B4-BE49-F238E27FC236}">
-                <a16:creationId xmlns:a16="http://schemas.microsoft.com/office/drawing/2014/main" xmlns="" id="{484CC994-9DDB-46CD-8A18-988005353D81}"/>
+                <a16:creationId xmlns:a16="http://schemas.microsoft.com/office/drawing/2014/main" id="{484CC994-9DDB-46CD-8A18-988005353D81}"/>
               </a:ext>
             </a:extLst>
           </p:cNvPr>
@@ -21783,7 +21778,7 @@
           <p:cNvPr id="405" name="Прямая со стрелкой 404">
             <a:extLst>
               <a:ext uri="{FF2B5EF4-FFF2-40B4-BE49-F238E27FC236}">
-                <a16:creationId xmlns:a16="http://schemas.microsoft.com/office/drawing/2014/main" xmlns="" id="{4199483D-C6CF-4A07-9A27-B9990579FEB4}"/>
+                <a16:creationId xmlns:a16="http://schemas.microsoft.com/office/drawing/2014/main" id="{4199483D-C6CF-4A07-9A27-B9990579FEB4}"/>
               </a:ext>
             </a:extLst>
           </p:cNvPr>
@@ -21826,7 +21821,7 @@
           <p:cNvPr id="406" name="Соединительная линия уступом 175">
             <a:extLst>
               <a:ext uri="{FF2B5EF4-FFF2-40B4-BE49-F238E27FC236}">
-                <a16:creationId xmlns:a16="http://schemas.microsoft.com/office/drawing/2014/main" xmlns="" id="{CD2C4F75-4C6D-41AE-8EDE-00C04CD7D72B}"/>
+                <a16:creationId xmlns:a16="http://schemas.microsoft.com/office/drawing/2014/main" id="{CD2C4F75-4C6D-41AE-8EDE-00C04CD7D72B}"/>
               </a:ext>
             </a:extLst>
           </p:cNvPr>
@@ -21872,7 +21867,7 @@
           <p:cNvPr id="407" name="Соединительная линия уступом 175">
             <a:extLst>
               <a:ext uri="{FF2B5EF4-FFF2-40B4-BE49-F238E27FC236}">
-                <a16:creationId xmlns:a16="http://schemas.microsoft.com/office/drawing/2014/main" xmlns="" id="{4FB2E672-A687-448E-9EEB-98732CDE113F}"/>
+                <a16:creationId xmlns:a16="http://schemas.microsoft.com/office/drawing/2014/main" id="{4FB2E672-A687-448E-9EEB-98732CDE113F}"/>
               </a:ext>
             </a:extLst>
           </p:cNvPr>
@@ -21918,7 +21913,7 @@
           <p:cNvPr id="408" name="Прямоугольник 407">
             <a:extLst>
               <a:ext uri="{FF2B5EF4-FFF2-40B4-BE49-F238E27FC236}">
-                <a16:creationId xmlns:a16="http://schemas.microsoft.com/office/drawing/2014/main" xmlns="" id="{2E65A80B-0469-46CC-B0AC-4AE52AD1B04C}"/>
+                <a16:creationId xmlns:a16="http://schemas.microsoft.com/office/drawing/2014/main" id="{2E65A80B-0469-46CC-B0AC-4AE52AD1B04C}"/>
               </a:ext>
             </a:extLst>
           </p:cNvPr>
@@ -21972,7 +21967,7 @@
           <p:cNvPr id="409" name="Соединительная линия уступом 175">
             <a:extLst>
               <a:ext uri="{FF2B5EF4-FFF2-40B4-BE49-F238E27FC236}">
-                <a16:creationId xmlns:a16="http://schemas.microsoft.com/office/drawing/2014/main" xmlns="" id="{C9D1960B-38D5-414C-AAFE-51C414237620}"/>
+                <a16:creationId xmlns:a16="http://schemas.microsoft.com/office/drawing/2014/main" id="{C9D1960B-38D5-414C-AAFE-51C414237620}"/>
               </a:ext>
             </a:extLst>
           </p:cNvPr>
@@ -22018,7 +22013,7 @@
           <p:cNvPr id="410" name="Прямоугольник 409">
             <a:extLst>
               <a:ext uri="{FF2B5EF4-FFF2-40B4-BE49-F238E27FC236}">
-                <a16:creationId xmlns:a16="http://schemas.microsoft.com/office/drawing/2014/main" xmlns="" id="{73CD13B2-1C37-43AD-A48B-6C11EBD0C47F}"/>
+                <a16:creationId xmlns:a16="http://schemas.microsoft.com/office/drawing/2014/main" id="{73CD13B2-1C37-43AD-A48B-6C11EBD0C47F}"/>
               </a:ext>
             </a:extLst>
           </p:cNvPr>
@@ -22072,7 +22067,7 @@
           <p:cNvPr id="411" name="Прямая со стрелкой 410">
             <a:extLst>
               <a:ext uri="{FF2B5EF4-FFF2-40B4-BE49-F238E27FC236}">
-                <a16:creationId xmlns:a16="http://schemas.microsoft.com/office/drawing/2014/main" xmlns="" id="{18866F54-58D0-49CA-AF7E-4C8756C05A81}"/>
+                <a16:creationId xmlns:a16="http://schemas.microsoft.com/office/drawing/2014/main" id="{18866F54-58D0-49CA-AF7E-4C8756C05A81}"/>
               </a:ext>
             </a:extLst>
           </p:cNvPr>
@@ -22115,7 +22110,7 @@
           <p:cNvPr id="412" name="Прямоугольник 411">
             <a:extLst>
               <a:ext uri="{FF2B5EF4-FFF2-40B4-BE49-F238E27FC236}">
-                <a16:creationId xmlns:a16="http://schemas.microsoft.com/office/drawing/2014/main" xmlns="" id="{ADBFD3AA-DF9E-41A5-9992-6F85DE7481DC}"/>
+                <a16:creationId xmlns:a16="http://schemas.microsoft.com/office/drawing/2014/main" id="{ADBFD3AA-DF9E-41A5-9992-6F85DE7481DC}"/>
               </a:ext>
             </a:extLst>
           </p:cNvPr>
@@ -22169,7 +22164,7 @@
           <p:cNvPr id="413" name="Прямая со стрелкой 412">
             <a:extLst>
               <a:ext uri="{FF2B5EF4-FFF2-40B4-BE49-F238E27FC236}">
-                <a16:creationId xmlns:a16="http://schemas.microsoft.com/office/drawing/2014/main" xmlns="" id="{4CE2EE3E-D9CC-4744-BD50-F34DD985FA28}"/>
+                <a16:creationId xmlns:a16="http://schemas.microsoft.com/office/drawing/2014/main" id="{4CE2EE3E-D9CC-4744-BD50-F34DD985FA28}"/>
               </a:ext>
             </a:extLst>
           </p:cNvPr>
@@ -22212,7 +22207,7 @@
           <p:cNvPr id="414" name="Прямоугольник 413">
             <a:extLst>
               <a:ext uri="{FF2B5EF4-FFF2-40B4-BE49-F238E27FC236}">
-                <a16:creationId xmlns:a16="http://schemas.microsoft.com/office/drawing/2014/main" xmlns="" id="{5B2DAA12-7223-4C02-A3FD-55D4FBA67895}"/>
+                <a16:creationId xmlns:a16="http://schemas.microsoft.com/office/drawing/2014/main" id="{5B2DAA12-7223-4C02-A3FD-55D4FBA67895}"/>
               </a:ext>
             </a:extLst>
           </p:cNvPr>
@@ -22266,7 +22261,7 @@
           <p:cNvPr id="415" name="Прямоугольник 414">
             <a:extLst>
               <a:ext uri="{FF2B5EF4-FFF2-40B4-BE49-F238E27FC236}">
-                <a16:creationId xmlns:a16="http://schemas.microsoft.com/office/drawing/2014/main" xmlns="" id="{935011A5-F01B-44A4-BD24-001B35DCB2DC}"/>
+                <a16:creationId xmlns:a16="http://schemas.microsoft.com/office/drawing/2014/main" id="{935011A5-F01B-44A4-BD24-001B35DCB2DC}"/>
               </a:ext>
             </a:extLst>
           </p:cNvPr>
@@ -22320,7 +22315,7 @@
           <p:cNvPr id="416" name="Соединительная линия уступом 175">
             <a:extLst>
               <a:ext uri="{FF2B5EF4-FFF2-40B4-BE49-F238E27FC236}">
-                <a16:creationId xmlns:a16="http://schemas.microsoft.com/office/drawing/2014/main" xmlns="" id="{4E24EEA1-11CC-41B5-A7CD-C9AC5EAEE5BD}"/>
+                <a16:creationId xmlns:a16="http://schemas.microsoft.com/office/drawing/2014/main" id="{4E24EEA1-11CC-41B5-A7CD-C9AC5EAEE5BD}"/>
               </a:ext>
             </a:extLst>
           </p:cNvPr>
@@ -22366,7 +22361,7 @@
           <p:cNvPr id="417" name="Соединительная линия уступом 175">
             <a:extLst>
               <a:ext uri="{FF2B5EF4-FFF2-40B4-BE49-F238E27FC236}">
-                <a16:creationId xmlns:a16="http://schemas.microsoft.com/office/drawing/2014/main" xmlns="" id="{F9C030BA-09B1-4F38-ADEA-58333678A556}"/>
+                <a16:creationId xmlns:a16="http://schemas.microsoft.com/office/drawing/2014/main" id="{F9C030BA-09B1-4F38-ADEA-58333678A556}"/>
               </a:ext>
             </a:extLst>
           </p:cNvPr>
@@ -22412,7 +22407,7 @@
           <p:cNvPr id="420" name="Соединительная линия уступом 175">
             <a:extLst>
               <a:ext uri="{FF2B5EF4-FFF2-40B4-BE49-F238E27FC236}">
-                <a16:creationId xmlns:a16="http://schemas.microsoft.com/office/drawing/2014/main" xmlns="" id="{59A83AA4-4DB3-4BAF-B8B6-6BD38C52F1F7}"/>
+                <a16:creationId xmlns:a16="http://schemas.microsoft.com/office/drawing/2014/main" id="{59A83AA4-4DB3-4BAF-B8B6-6BD38C52F1F7}"/>
               </a:ext>
             </a:extLst>
           </p:cNvPr>
@@ -22458,7 +22453,7 @@
           <p:cNvPr id="421" name="Соединительная линия уступом 175">
             <a:extLst>
               <a:ext uri="{FF2B5EF4-FFF2-40B4-BE49-F238E27FC236}">
-                <a16:creationId xmlns:a16="http://schemas.microsoft.com/office/drawing/2014/main" xmlns="" id="{AD3F1D18-EDD0-4229-801A-8FBE28C4D7D7}"/>
+                <a16:creationId xmlns:a16="http://schemas.microsoft.com/office/drawing/2014/main" id="{AD3F1D18-EDD0-4229-801A-8FBE28C4D7D7}"/>
               </a:ext>
             </a:extLst>
           </p:cNvPr>
@@ -22504,7 +22499,7 @@
           <p:cNvPr id="422" name="Соединительная линия уступом 175">
             <a:extLst>
               <a:ext uri="{FF2B5EF4-FFF2-40B4-BE49-F238E27FC236}">
-                <a16:creationId xmlns:a16="http://schemas.microsoft.com/office/drawing/2014/main" xmlns="" id="{F673E2A7-3D59-4EE7-B3CB-539FA1163F79}"/>
+                <a16:creationId xmlns:a16="http://schemas.microsoft.com/office/drawing/2014/main" id="{F673E2A7-3D59-4EE7-B3CB-539FA1163F79}"/>
               </a:ext>
             </a:extLst>
           </p:cNvPr>
@@ -22550,7 +22545,7 @@
           <p:cNvPr id="423" name="Соединительная линия уступом 175">
             <a:extLst>
               <a:ext uri="{FF2B5EF4-FFF2-40B4-BE49-F238E27FC236}">
-                <a16:creationId xmlns:a16="http://schemas.microsoft.com/office/drawing/2014/main" xmlns="" id="{0119C34F-73B5-4432-9175-D924BF33B890}"/>
+                <a16:creationId xmlns:a16="http://schemas.microsoft.com/office/drawing/2014/main" id="{0119C34F-73B5-4432-9175-D924BF33B890}"/>
               </a:ext>
             </a:extLst>
           </p:cNvPr>
@@ -22596,7 +22591,7 @@
           <p:cNvPr id="425" name="Соединительная линия уступом 175">
             <a:extLst>
               <a:ext uri="{FF2B5EF4-FFF2-40B4-BE49-F238E27FC236}">
-                <a16:creationId xmlns:a16="http://schemas.microsoft.com/office/drawing/2014/main" xmlns="" id="{B5EC89C8-8F10-4B38-AE6B-08A0B5E4959E}"/>
+                <a16:creationId xmlns:a16="http://schemas.microsoft.com/office/drawing/2014/main" id="{B5EC89C8-8F10-4B38-AE6B-08A0B5E4959E}"/>
               </a:ext>
             </a:extLst>
           </p:cNvPr>
@@ -22642,7 +22637,7 @@
           <p:cNvPr id="426" name="Соединительная линия уступом 175">
             <a:extLst>
               <a:ext uri="{FF2B5EF4-FFF2-40B4-BE49-F238E27FC236}">
-                <a16:creationId xmlns:a16="http://schemas.microsoft.com/office/drawing/2014/main" xmlns="" id="{16E873C8-A588-454E-AA03-B55FE1EEB56B}"/>
+                <a16:creationId xmlns:a16="http://schemas.microsoft.com/office/drawing/2014/main" id="{16E873C8-A588-454E-AA03-B55FE1EEB56B}"/>
               </a:ext>
             </a:extLst>
           </p:cNvPr>
@@ -22688,7 +22683,7 @@
           <p:cNvPr id="427" name="Соединительная линия уступом 175">
             <a:extLst>
               <a:ext uri="{FF2B5EF4-FFF2-40B4-BE49-F238E27FC236}">
-                <a16:creationId xmlns:a16="http://schemas.microsoft.com/office/drawing/2014/main" xmlns="" id="{8D4DD233-EC4C-42F1-84D0-805ECD8A7824}"/>
+                <a16:creationId xmlns:a16="http://schemas.microsoft.com/office/drawing/2014/main" id="{8D4DD233-EC4C-42F1-84D0-805ECD8A7824}"/>
               </a:ext>
             </a:extLst>
           </p:cNvPr>
@@ -22734,7 +22729,7 @@
           <p:cNvPr id="429" name="Прямоугольник 428">
             <a:extLst>
               <a:ext uri="{FF2B5EF4-FFF2-40B4-BE49-F238E27FC236}">
-                <a16:creationId xmlns:a16="http://schemas.microsoft.com/office/drawing/2014/main" xmlns="" id="{F3E18413-49E4-4756-AD0A-7DCFEAAFD7C5}"/>
+                <a16:creationId xmlns:a16="http://schemas.microsoft.com/office/drawing/2014/main" id="{F3E18413-49E4-4756-AD0A-7DCFEAAFD7C5}"/>
               </a:ext>
             </a:extLst>
           </p:cNvPr>
@@ -22809,7 +22804,7 @@
           <p:cNvPr id="430" name="Прямоугольник 429">
             <a:extLst>
               <a:ext uri="{FF2B5EF4-FFF2-40B4-BE49-F238E27FC236}">
-                <a16:creationId xmlns:a16="http://schemas.microsoft.com/office/drawing/2014/main" xmlns="" id="{B8821B44-3C16-49F5-AF6E-A459DAB3173E}"/>
+                <a16:creationId xmlns:a16="http://schemas.microsoft.com/office/drawing/2014/main" id="{B8821B44-3C16-49F5-AF6E-A459DAB3173E}"/>
               </a:ext>
             </a:extLst>
           </p:cNvPr>
@@ -22863,7 +22858,7 @@
           <p:cNvPr id="432" name="Прямоугольник 431">
             <a:extLst>
               <a:ext uri="{FF2B5EF4-FFF2-40B4-BE49-F238E27FC236}">
-                <a16:creationId xmlns:a16="http://schemas.microsoft.com/office/drawing/2014/main" xmlns="" id="{E60F426E-51AC-497D-8A53-07C95D79DFEC}"/>
+                <a16:creationId xmlns:a16="http://schemas.microsoft.com/office/drawing/2014/main" id="{E60F426E-51AC-497D-8A53-07C95D79DFEC}"/>
               </a:ext>
             </a:extLst>
           </p:cNvPr>
@@ -22912,7 +22907,7 @@
           <p:cNvPr id="433" name="Прямая соединительная линия 432">
             <a:extLst>
               <a:ext uri="{FF2B5EF4-FFF2-40B4-BE49-F238E27FC236}">
-                <a16:creationId xmlns:a16="http://schemas.microsoft.com/office/drawing/2014/main" xmlns="" id="{822DED5E-4461-491C-AFC2-0D2D27ECFC92}"/>
+                <a16:creationId xmlns:a16="http://schemas.microsoft.com/office/drawing/2014/main" id="{822DED5E-4461-491C-AFC2-0D2D27ECFC92}"/>
               </a:ext>
             </a:extLst>
           </p:cNvPr>
@@ -22957,7 +22952,7 @@
           <p:cNvPr id="434" name="Прямоугольник 433">
             <a:extLst>
               <a:ext uri="{FF2B5EF4-FFF2-40B4-BE49-F238E27FC236}">
-                <a16:creationId xmlns:a16="http://schemas.microsoft.com/office/drawing/2014/main" xmlns="" id="{2EB1B2CD-4E62-474D-88CB-896850643FB6}"/>
+                <a16:creationId xmlns:a16="http://schemas.microsoft.com/office/drawing/2014/main" id="{2EB1B2CD-4E62-474D-88CB-896850643FB6}"/>
               </a:ext>
             </a:extLst>
           </p:cNvPr>
@@ -23016,7 +23011,7 @@
           <p:cNvPr id="435" name="Прямоугольник 434">
             <a:extLst>
               <a:ext uri="{FF2B5EF4-FFF2-40B4-BE49-F238E27FC236}">
-                <a16:creationId xmlns:a16="http://schemas.microsoft.com/office/drawing/2014/main" xmlns="" id="{4345DEF6-70FC-4C98-AB46-32C4B1454488}"/>
+                <a16:creationId xmlns:a16="http://schemas.microsoft.com/office/drawing/2014/main" id="{4345DEF6-70FC-4C98-AB46-32C4B1454488}"/>
               </a:ext>
             </a:extLst>
           </p:cNvPr>
@@ -23070,7 +23065,7 @@
           <p:cNvPr id="436" name="Прямоугольник 435">
             <a:extLst>
               <a:ext uri="{FF2B5EF4-FFF2-40B4-BE49-F238E27FC236}">
-                <a16:creationId xmlns:a16="http://schemas.microsoft.com/office/drawing/2014/main" xmlns="" id="{34150BB0-8305-4A2C-93E2-D26EB15407C1}"/>
+                <a16:creationId xmlns:a16="http://schemas.microsoft.com/office/drawing/2014/main" id="{34150BB0-8305-4A2C-93E2-D26EB15407C1}"/>
               </a:ext>
             </a:extLst>
           </p:cNvPr>
@@ -23152,7 +23147,7 @@
           <p:cNvPr id="437" name="Прямоугольник 436">
             <a:extLst>
               <a:ext uri="{FF2B5EF4-FFF2-40B4-BE49-F238E27FC236}">
-                <a16:creationId xmlns:a16="http://schemas.microsoft.com/office/drawing/2014/main" xmlns="" id="{C51074D0-D2A5-44B1-A0A7-977D3E858F5B}"/>
+                <a16:creationId xmlns:a16="http://schemas.microsoft.com/office/drawing/2014/main" id="{C51074D0-D2A5-44B1-A0A7-977D3E858F5B}"/>
               </a:ext>
             </a:extLst>
           </p:cNvPr>
@@ -23206,7 +23201,7 @@
           <p:cNvPr id="439" name="Прямоугольник 438">
             <a:extLst>
               <a:ext uri="{FF2B5EF4-FFF2-40B4-BE49-F238E27FC236}">
-                <a16:creationId xmlns:a16="http://schemas.microsoft.com/office/drawing/2014/main" xmlns="" id="{D7E17053-54C0-491D-8025-C4956CCDE2B2}"/>
+                <a16:creationId xmlns:a16="http://schemas.microsoft.com/office/drawing/2014/main" id="{D7E17053-54C0-491D-8025-C4956CCDE2B2}"/>
               </a:ext>
             </a:extLst>
           </p:cNvPr>
@@ -23260,7 +23255,7 @@
           <p:cNvPr id="440" name="Прямоугольник 439">
             <a:extLst>
               <a:ext uri="{FF2B5EF4-FFF2-40B4-BE49-F238E27FC236}">
-                <a16:creationId xmlns:a16="http://schemas.microsoft.com/office/drawing/2014/main" xmlns="" id="{0D5254C6-4FF2-4B00-865C-ADAE3847F4FD}"/>
+                <a16:creationId xmlns:a16="http://schemas.microsoft.com/office/drawing/2014/main" id="{0D5254C6-4FF2-4B00-865C-ADAE3847F4FD}"/>
               </a:ext>
             </a:extLst>
           </p:cNvPr>
@@ -23314,7 +23309,7 @@
           <p:cNvPr id="443" name="Прямая соединительная линия 442">
             <a:extLst>
               <a:ext uri="{FF2B5EF4-FFF2-40B4-BE49-F238E27FC236}">
-                <a16:creationId xmlns:a16="http://schemas.microsoft.com/office/drawing/2014/main" xmlns="" id="{EC46EE79-AC81-4BAA-8AD1-0F53539027F6}"/>
+                <a16:creationId xmlns:a16="http://schemas.microsoft.com/office/drawing/2014/main" id="{EC46EE79-AC81-4BAA-8AD1-0F53539027F6}"/>
               </a:ext>
             </a:extLst>
           </p:cNvPr>
@@ -23359,7 +23354,7 @@
           <p:cNvPr id="447" name="Соединительная линия уступом 175">
             <a:extLst>
               <a:ext uri="{FF2B5EF4-FFF2-40B4-BE49-F238E27FC236}">
-                <a16:creationId xmlns:a16="http://schemas.microsoft.com/office/drawing/2014/main" xmlns="" id="{A106BAF7-16AD-4C25-B749-DA38D1F1F223}"/>
+                <a16:creationId xmlns:a16="http://schemas.microsoft.com/office/drawing/2014/main" id="{A106BAF7-16AD-4C25-B749-DA38D1F1F223}"/>
               </a:ext>
             </a:extLst>
           </p:cNvPr>
@@ -23404,7 +23399,7 @@
           <p:cNvPr id="451" name="Прямая со стрелкой 450">
             <a:extLst>
               <a:ext uri="{FF2B5EF4-FFF2-40B4-BE49-F238E27FC236}">
-                <a16:creationId xmlns:a16="http://schemas.microsoft.com/office/drawing/2014/main" xmlns="" id="{A857A4A8-1F25-4BD4-A2F1-F5803781B154}"/>
+                <a16:creationId xmlns:a16="http://schemas.microsoft.com/office/drawing/2014/main" id="{A857A4A8-1F25-4BD4-A2F1-F5803781B154}"/>
               </a:ext>
             </a:extLst>
           </p:cNvPr>
@@ -23447,7 +23442,7 @@
           <p:cNvPr id="454" name="Прямая со стрелкой 453">
             <a:extLst>
               <a:ext uri="{FF2B5EF4-FFF2-40B4-BE49-F238E27FC236}">
-                <a16:creationId xmlns:a16="http://schemas.microsoft.com/office/drawing/2014/main" xmlns="" id="{6AC7D04B-7CD6-4D9B-BF85-E6B81B8E2DF1}"/>
+                <a16:creationId xmlns:a16="http://schemas.microsoft.com/office/drawing/2014/main" id="{6AC7D04B-7CD6-4D9B-BF85-E6B81B8E2DF1}"/>
               </a:ext>
             </a:extLst>
           </p:cNvPr>
@@ -23490,7 +23485,7 @@
           <p:cNvPr id="457" name="Соединительная линия уступом 175">
             <a:extLst>
               <a:ext uri="{FF2B5EF4-FFF2-40B4-BE49-F238E27FC236}">
-                <a16:creationId xmlns:a16="http://schemas.microsoft.com/office/drawing/2014/main" xmlns="" id="{01714FE1-B08C-41B0-883D-866BDA22F6D7}"/>
+                <a16:creationId xmlns:a16="http://schemas.microsoft.com/office/drawing/2014/main" id="{01714FE1-B08C-41B0-883D-866BDA22F6D7}"/>
               </a:ext>
             </a:extLst>
           </p:cNvPr>
@@ -23535,7 +23530,7 @@
           <p:cNvPr id="460" name="Соединительная линия уступом 175">
             <a:extLst>
               <a:ext uri="{FF2B5EF4-FFF2-40B4-BE49-F238E27FC236}">
-                <a16:creationId xmlns:a16="http://schemas.microsoft.com/office/drawing/2014/main" xmlns="" id="{F9060CFE-6AE8-4595-A6E5-910BC59B8AD3}"/>
+                <a16:creationId xmlns:a16="http://schemas.microsoft.com/office/drawing/2014/main" id="{F9060CFE-6AE8-4595-A6E5-910BC59B8AD3}"/>
               </a:ext>
             </a:extLst>
           </p:cNvPr>
@@ -23580,7 +23575,7 @@
           <p:cNvPr id="463" name="Соединительная линия уступом 175">
             <a:extLst>
               <a:ext uri="{FF2B5EF4-FFF2-40B4-BE49-F238E27FC236}">
-                <a16:creationId xmlns:a16="http://schemas.microsoft.com/office/drawing/2014/main" xmlns="" id="{C6B94B3F-E5F3-463E-89AC-A3E2F4762A69}"/>
+                <a16:creationId xmlns:a16="http://schemas.microsoft.com/office/drawing/2014/main" id="{C6B94B3F-E5F3-463E-89AC-A3E2F4762A69}"/>
               </a:ext>
             </a:extLst>
           </p:cNvPr>
@@ -23625,7 +23620,7 @@
           <p:cNvPr id="466" name="Прямая со стрелкой 465">
             <a:extLst>
               <a:ext uri="{FF2B5EF4-FFF2-40B4-BE49-F238E27FC236}">
-                <a16:creationId xmlns:a16="http://schemas.microsoft.com/office/drawing/2014/main" xmlns="" id="{1D279105-1240-46CC-B22F-CF62B0569E2D}"/>
+                <a16:creationId xmlns:a16="http://schemas.microsoft.com/office/drawing/2014/main" id="{1D279105-1240-46CC-B22F-CF62B0569E2D}"/>
               </a:ext>
             </a:extLst>
           </p:cNvPr>
@@ -23668,7 +23663,7 @@
           <p:cNvPr id="469" name="Прямоугольник 468">
             <a:extLst>
               <a:ext uri="{FF2B5EF4-FFF2-40B4-BE49-F238E27FC236}">
-                <a16:creationId xmlns:a16="http://schemas.microsoft.com/office/drawing/2014/main" xmlns="" id="{A0C21635-991F-4AA2-B3B5-D78C97E045E3}"/>
+                <a16:creationId xmlns:a16="http://schemas.microsoft.com/office/drawing/2014/main" id="{A0C21635-991F-4AA2-B3B5-D78C97E045E3}"/>
               </a:ext>
             </a:extLst>
           </p:cNvPr>
@@ -23722,7 +23717,7 @@
           <p:cNvPr id="470" name="Прямоугольник 469">
             <a:extLst>
               <a:ext uri="{FF2B5EF4-FFF2-40B4-BE49-F238E27FC236}">
-                <a16:creationId xmlns:a16="http://schemas.microsoft.com/office/drawing/2014/main" xmlns="" id="{18A5E3D0-5296-4421-A78E-F53BB618FC15}"/>
+                <a16:creationId xmlns:a16="http://schemas.microsoft.com/office/drawing/2014/main" id="{18A5E3D0-5296-4421-A78E-F53BB618FC15}"/>
               </a:ext>
             </a:extLst>
           </p:cNvPr>
@@ -23800,7 +23795,7 @@
           <p:cNvPr id="471" name="Прямоугольник 470">
             <a:extLst>
               <a:ext uri="{FF2B5EF4-FFF2-40B4-BE49-F238E27FC236}">
-                <a16:creationId xmlns:a16="http://schemas.microsoft.com/office/drawing/2014/main" xmlns="" id="{55192DA9-6577-4FBB-9E87-A6863A9B0B89}"/>
+                <a16:creationId xmlns:a16="http://schemas.microsoft.com/office/drawing/2014/main" id="{55192DA9-6577-4FBB-9E87-A6863A9B0B89}"/>
               </a:ext>
             </a:extLst>
           </p:cNvPr>
@@ -23854,7 +23849,7 @@
           <p:cNvPr id="472" name="Соединительная линия уступом 175">
             <a:extLst>
               <a:ext uri="{FF2B5EF4-FFF2-40B4-BE49-F238E27FC236}">
-                <a16:creationId xmlns:a16="http://schemas.microsoft.com/office/drawing/2014/main" xmlns="" id="{3EFB5F95-15D5-4AB1-A98F-BFC7858ACE86}"/>
+                <a16:creationId xmlns:a16="http://schemas.microsoft.com/office/drawing/2014/main" id="{3EFB5F95-15D5-4AB1-A98F-BFC7858ACE86}"/>
               </a:ext>
             </a:extLst>
           </p:cNvPr>
@@ -23899,7 +23894,7 @@
           <p:cNvPr id="477" name="Прямоугольник 476">
             <a:extLst>
               <a:ext uri="{FF2B5EF4-FFF2-40B4-BE49-F238E27FC236}">
-                <a16:creationId xmlns:a16="http://schemas.microsoft.com/office/drawing/2014/main" xmlns="" id="{64EBD9B7-7491-427C-9D2C-E0B07AA44DE3}"/>
+                <a16:creationId xmlns:a16="http://schemas.microsoft.com/office/drawing/2014/main" id="{64EBD9B7-7491-427C-9D2C-E0B07AA44DE3}"/>
               </a:ext>
             </a:extLst>
           </p:cNvPr>
@@ -23953,7 +23948,7 @@
           <p:cNvPr id="478" name="Соединительная линия уступом 175">
             <a:extLst>
               <a:ext uri="{FF2B5EF4-FFF2-40B4-BE49-F238E27FC236}">
-                <a16:creationId xmlns:a16="http://schemas.microsoft.com/office/drawing/2014/main" xmlns="" id="{166C3203-8507-4330-8A18-FD0D613FC852}"/>
+                <a16:creationId xmlns:a16="http://schemas.microsoft.com/office/drawing/2014/main" id="{166C3203-8507-4330-8A18-FD0D613FC852}"/>
               </a:ext>
             </a:extLst>
           </p:cNvPr>
@@ -23998,7 +23993,7 @@
           <p:cNvPr id="483" name="Прямоугольник 482">
             <a:extLst>
               <a:ext uri="{FF2B5EF4-FFF2-40B4-BE49-F238E27FC236}">
-                <a16:creationId xmlns:a16="http://schemas.microsoft.com/office/drawing/2014/main" xmlns="" id="{2F81E91C-D85F-4115-9BA7-049B5DB8AE10}"/>
+                <a16:creationId xmlns:a16="http://schemas.microsoft.com/office/drawing/2014/main" id="{2F81E91C-D85F-4115-9BA7-049B5DB8AE10}"/>
               </a:ext>
             </a:extLst>
           </p:cNvPr>
@@ -24113,7 +24108,7 @@
           <p:cNvPr id="484" name="Соединительная линия уступом 175">
             <a:extLst>
               <a:ext uri="{FF2B5EF4-FFF2-40B4-BE49-F238E27FC236}">
-                <a16:creationId xmlns:a16="http://schemas.microsoft.com/office/drawing/2014/main" xmlns="" id="{03E14101-98DA-4D50-B8CC-EEE41D7E204A}"/>
+                <a16:creationId xmlns:a16="http://schemas.microsoft.com/office/drawing/2014/main" id="{03E14101-98DA-4D50-B8CC-EEE41D7E204A}"/>
               </a:ext>
             </a:extLst>
           </p:cNvPr>
@@ -24158,7 +24153,7 @@
           <p:cNvPr id="487" name="Прямоугольник 486">
             <a:extLst>
               <a:ext uri="{FF2B5EF4-FFF2-40B4-BE49-F238E27FC236}">
-                <a16:creationId xmlns:a16="http://schemas.microsoft.com/office/drawing/2014/main" xmlns="" id="{7F06A351-42B8-46B7-8546-A8854F4B3E84}"/>
+                <a16:creationId xmlns:a16="http://schemas.microsoft.com/office/drawing/2014/main" id="{7F06A351-42B8-46B7-8546-A8854F4B3E84}"/>
               </a:ext>
             </a:extLst>
           </p:cNvPr>
@@ -24212,7 +24207,7 @@
           <p:cNvPr id="488" name="Прямоугольник 487">
             <a:extLst>
               <a:ext uri="{FF2B5EF4-FFF2-40B4-BE49-F238E27FC236}">
-                <a16:creationId xmlns:a16="http://schemas.microsoft.com/office/drawing/2014/main" xmlns="" id="{0C7B52E4-9877-4B97-A57D-E4F55FBBED64}"/>
+                <a16:creationId xmlns:a16="http://schemas.microsoft.com/office/drawing/2014/main" id="{0C7B52E4-9877-4B97-A57D-E4F55FBBED64}"/>
               </a:ext>
             </a:extLst>
           </p:cNvPr>
@@ -24274,7 +24269,7 @@
           <p:cNvPr id="489" name="Прямая со стрелкой 488">
             <a:extLst>
               <a:ext uri="{FF2B5EF4-FFF2-40B4-BE49-F238E27FC236}">
-                <a16:creationId xmlns:a16="http://schemas.microsoft.com/office/drawing/2014/main" xmlns="" id="{31C7DAC6-5602-4552-A406-EFBCABC4040D}"/>
+                <a16:creationId xmlns:a16="http://schemas.microsoft.com/office/drawing/2014/main" id="{31C7DAC6-5602-4552-A406-EFBCABC4040D}"/>
               </a:ext>
             </a:extLst>
           </p:cNvPr>
@@ -24317,7 +24312,7 @@
           <p:cNvPr id="496" name="Прямоугольник 495">
             <a:extLst>
               <a:ext uri="{FF2B5EF4-FFF2-40B4-BE49-F238E27FC236}">
-                <a16:creationId xmlns:a16="http://schemas.microsoft.com/office/drawing/2014/main" xmlns="" id="{01B36607-B25C-4740-95A0-0C5DFF7FD982}"/>
+                <a16:creationId xmlns:a16="http://schemas.microsoft.com/office/drawing/2014/main" id="{01B36607-B25C-4740-95A0-0C5DFF7FD982}"/>
               </a:ext>
             </a:extLst>
           </p:cNvPr>
@@ -24371,7 +24366,7 @@
           <p:cNvPr id="500" name="Прямоугольник 499">
             <a:extLst>
               <a:ext uri="{FF2B5EF4-FFF2-40B4-BE49-F238E27FC236}">
-                <a16:creationId xmlns:a16="http://schemas.microsoft.com/office/drawing/2014/main" xmlns="" id="{FC75B930-026F-4A5E-BF65-4E9AD1594330}"/>
+                <a16:creationId xmlns:a16="http://schemas.microsoft.com/office/drawing/2014/main" id="{FC75B930-026F-4A5E-BF65-4E9AD1594330}"/>
               </a:ext>
             </a:extLst>
           </p:cNvPr>
@@ -24425,7 +24420,7 @@
           <p:cNvPr id="510" name="Прямоугольник 509">
             <a:extLst>
               <a:ext uri="{FF2B5EF4-FFF2-40B4-BE49-F238E27FC236}">
-                <a16:creationId xmlns:a16="http://schemas.microsoft.com/office/drawing/2014/main" xmlns="" id="{24061DB5-C489-431C-9189-4DC5206E6C53}"/>
+                <a16:creationId xmlns:a16="http://schemas.microsoft.com/office/drawing/2014/main" id="{24061DB5-C489-431C-9189-4DC5206E6C53}"/>
               </a:ext>
             </a:extLst>
           </p:cNvPr>
@@ -24479,7 +24474,7 @@
           <p:cNvPr id="512" name="Прямоугольник 511">
             <a:extLst>
               <a:ext uri="{FF2B5EF4-FFF2-40B4-BE49-F238E27FC236}">
-                <a16:creationId xmlns:a16="http://schemas.microsoft.com/office/drawing/2014/main" xmlns="" id="{D8AF6B63-D360-47BE-BD85-5F688602A282}"/>
+                <a16:creationId xmlns:a16="http://schemas.microsoft.com/office/drawing/2014/main" id="{D8AF6B63-D360-47BE-BD85-5F688602A282}"/>
               </a:ext>
             </a:extLst>
           </p:cNvPr>
@@ -24533,7 +24528,7 @@
           <p:cNvPr id="513" name="Прямая соединительная линия 512">
             <a:extLst>
               <a:ext uri="{FF2B5EF4-FFF2-40B4-BE49-F238E27FC236}">
-                <a16:creationId xmlns:a16="http://schemas.microsoft.com/office/drawing/2014/main" xmlns="" id="{0D4B854A-8CC7-44FA-8C16-2B875D78D2EF}"/>
+                <a16:creationId xmlns:a16="http://schemas.microsoft.com/office/drawing/2014/main" id="{0D4B854A-8CC7-44FA-8C16-2B875D78D2EF}"/>
               </a:ext>
             </a:extLst>
           </p:cNvPr>
@@ -24578,7 +24573,7 @@
           <p:cNvPr id="518" name="Соединительная линия уступом 175">
             <a:extLst>
               <a:ext uri="{FF2B5EF4-FFF2-40B4-BE49-F238E27FC236}">
-                <a16:creationId xmlns:a16="http://schemas.microsoft.com/office/drawing/2014/main" xmlns="" id="{F44F525B-E618-45E0-B9EF-5F906451BBA4}"/>
+                <a16:creationId xmlns:a16="http://schemas.microsoft.com/office/drawing/2014/main" id="{F44F525B-E618-45E0-B9EF-5F906451BBA4}"/>
               </a:ext>
             </a:extLst>
           </p:cNvPr>
@@ -24624,7 +24619,7 @@
           <p:cNvPr id="521" name="Соединительная линия уступом 175">
             <a:extLst>
               <a:ext uri="{FF2B5EF4-FFF2-40B4-BE49-F238E27FC236}">
-                <a16:creationId xmlns:a16="http://schemas.microsoft.com/office/drawing/2014/main" xmlns="" id="{DF6149B9-3766-4D30-A857-751804664437}"/>
+                <a16:creationId xmlns:a16="http://schemas.microsoft.com/office/drawing/2014/main" id="{DF6149B9-3766-4D30-A857-751804664437}"/>
               </a:ext>
             </a:extLst>
           </p:cNvPr>
@@ -24670,7 +24665,7 @@
           <p:cNvPr id="524" name="Соединительная линия уступом 175">
             <a:extLst>
               <a:ext uri="{FF2B5EF4-FFF2-40B4-BE49-F238E27FC236}">
-                <a16:creationId xmlns:a16="http://schemas.microsoft.com/office/drawing/2014/main" xmlns="" id="{6F2B59C2-96C3-45F0-8E47-7AB0B9B6789C}"/>
+                <a16:creationId xmlns:a16="http://schemas.microsoft.com/office/drawing/2014/main" id="{6F2B59C2-96C3-45F0-8E47-7AB0B9B6789C}"/>
               </a:ext>
             </a:extLst>
           </p:cNvPr>
@@ -24715,7 +24710,7 @@
           <p:cNvPr id="527" name="Соединительная линия уступом 175">
             <a:extLst>
               <a:ext uri="{FF2B5EF4-FFF2-40B4-BE49-F238E27FC236}">
-                <a16:creationId xmlns:a16="http://schemas.microsoft.com/office/drawing/2014/main" xmlns="" id="{C626ADAF-7A95-4EBB-84F0-C3C484D06528}"/>
+                <a16:creationId xmlns:a16="http://schemas.microsoft.com/office/drawing/2014/main" id="{C626ADAF-7A95-4EBB-84F0-C3C484D06528}"/>
               </a:ext>
             </a:extLst>
           </p:cNvPr>
@@ -24760,7 +24755,7 @@
           <p:cNvPr id="530" name="Прямоугольник 529">
             <a:extLst>
               <a:ext uri="{FF2B5EF4-FFF2-40B4-BE49-F238E27FC236}">
-                <a16:creationId xmlns:a16="http://schemas.microsoft.com/office/drawing/2014/main" xmlns="" id="{C1C76B9F-F2EA-4D46-8F96-0B00437CAF39}"/>
+                <a16:creationId xmlns:a16="http://schemas.microsoft.com/office/drawing/2014/main" id="{C1C76B9F-F2EA-4D46-8F96-0B00437CAF39}"/>
               </a:ext>
             </a:extLst>
           </p:cNvPr>
@@ -24814,7 +24809,7 @@
           <p:cNvPr id="531" name="Соединительная линия уступом 175">
             <a:extLst>
               <a:ext uri="{FF2B5EF4-FFF2-40B4-BE49-F238E27FC236}">
-                <a16:creationId xmlns:a16="http://schemas.microsoft.com/office/drawing/2014/main" xmlns="" id="{743AC6D8-46BC-4E92-90BA-B6DD67805533}"/>
+                <a16:creationId xmlns:a16="http://schemas.microsoft.com/office/drawing/2014/main" id="{743AC6D8-46BC-4E92-90BA-B6DD67805533}"/>
               </a:ext>
             </a:extLst>
           </p:cNvPr>
@@ -24859,7 +24854,7 @@
           <p:cNvPr id="534" name="Соединительная линия уступом 175">
             <a:extLst>
               <a:ext uri="{FF2B5EF4-FFF2-40B4-BE49-F238E27FC236}">
-                <a16:creationId xmlns:a16="http://schemas.microsoft.com/office/drawing/2014/main" xmlns="" id="{DC741C57-5EF0-4A81-A3FD-762DAF83E6FC}"/>
+                <a16:creationId xmlns:a16="http://schemas.microsoft.com/office/drawing/2014/main" id="{DC741C57-5EF0-4A81-A3FD-762DAF83E6FC}"/>
               </a:ext>
             </a:extLst>
           </p:cNvPr>
@@ -24904,7 +24899,7 @@
           <p:cNvPr id="537" name="Соединительная линия уступом 175">
             <a:extLst>
               <a:ext uri="{FF2B5EF4-FFF2-40B4-BE49-F238E27FC236}">
-                <a16:creationId xmlns:a16="http://schemas.microsoft.com/office/drawing/2014/main" xmlns="" id="{929DDA0B-3D12-4005-8196-90E9FD25A0C1}"/>
+                <a16:creationId xmlns:a16="http://schemas.microsoft.com/office/drawing/2014/main" id="{929DDA0B-3D12-4005-8196-90E9FD25A0C1}"/>
               </a:ext>
             </a:extLst>
           </p:cNvPr>
@@ -24950,7 +24945,7 @@
           <p:cNvPr id="540" name="Соединительная линия уступом 175">
             <a:extLst>
               <a:ext uri="{FF2B5EF4-FFF2-40B4-BE49-F238E27FC236}">
-                <a16:creationId xmlns:a16="http://schemas.microsoft.com/office/drawing/2014/main" xmlns="" id="{60751D89-A337-4A33-8C72-457CAAEC52E1}"/>
+                <a16:creationId xmlns:a16="http://schemas.microsoft.com/office/drawing/2014/main" id="{60751D89-A337-4A33-8C72-457CAAEC52E1}"/>
               </a:ext>
             </a:extLst>
           </p:cNvPr>
@@ -24996,7 +24991,7 @@
           <p:cNvPr id="543" name="Прямоугольник 542">
             <a:extLst>
               <a:ext uri="{FF2B5EF4-FFF2-40B4-BE49-F238E27FC236}">
-                <a16:creationId xmlns:a16="http://schemas.microsoft.com/office/drawing/2014/main" xmlns="" id="{63F9AAEB-96F0-4AE2-B6DC-1B13D241A1B7}"/>
+                <a16:creationId xmlns:a16="http://schemas.microsoft.com/office/drawing/2014/main" id="{63F9AAEB-96F0-4AE2-B6DC-1B13D241A1B7}"/>
               </a:ext>
             </a:extLst>
           </p:cNvPr>
@@ -25050,7 +25045,7 @@
           <p:cNvPr id="544" name="Прямоугольник 543">
             <a:extLst>
               <a:ext uri="{FF2B5EF4-FFF2-40B4-BE49-F238E27FC236}">
-                <a16:creationId xmlns:a16="http://schemas.microsoft.com/office/drawing/2014/main" xmlns="" id="{7BB47993-0E46-480C-BC24-34A83B498E24}"/>
+                <a16:creationId xmlns:a16="http://schemas.microsoft.com/office/drawing/2014/main" id="{7BB47993-0E46-480C-BC24-34A83B498E24}"/>
               </a:ext>
             </a:extLst>
           </p:cNvPr>
@@ -25104,7 +25099,7 @@
           <p:cNvPr id="545" name="Соединительная линия уступом 175">
             <a:extLst>
               <a:ext uri="{FF2B5EF4-FFF2-40B4-BE49-F238E27FC236}">
-                <a16:creationId xmlns:a16="http://schemas.microsoft.com/office/drawing/2014/main" xmlns="" id="{94524370-5811-4092-81BF-DCF781763F22}"/>
+                <a16:creationId xmlns:a16="http://schemas.microsoft.com/office/drawing/2014/main" id="{94524370-5811-4092-81BF-DCF781763F22}"/>
               </a:ext>
             </a:extLst>
           </p:cNvPr>
@@ -25149,7 +25144,7 @@
           <p:cNvPr id="548" name="Соединительная линия уступом 175">
             <a:extLst>
               <a:ext uri="{FF2B5EF4-FFF2-40B4-BE49-F238E27FC236}">
-                <a16:creationId xmlns:a16="http://schemas.microsoft.com/office/drawing/2014/main" xmlns="" id="{E5FF09CF-D871-428E-B268-998929192BE7}"/>
+                <a16:creationId xmlns:a16="http://schemas.microsoft.com/office/drawing/2014/main" id="{E5FF09CF-D871-428E-B268-998929192BE7}"/>
               </a:ext>
             </a:extLst>
           </p:cNvPr>
@@ -25194,7 +25189,7 @@
           <p:cNvPr id="552" name="Прямая со стрелкой 551">
             <a:extLst>
               <a:ext uri="{FF2B5EF4-FFF2-40B4-BE49-F238E27FC236}">
-                <a16:creationId xmlns:a16="http://schemas.microsoft.com/office/drawing/2014/main" xmlns="" id="{8EC67531-4F3C-4E25-907D-C8909E2B1333}"/>
+                <a16:creationId xmlns:a16="http://schemas.microsoft.com/office/drawing/2014/main" id="{8EC67531-4F3C-4E25-907D-C8909E2B1333}"/>
               </a:ext>
             </a:extLst>
           </p:cNvPr>
@@ -25237,7 +25232,7 @@
           <p:cNvPr id="555" name="Прямая со стрелкой 554">
             <a:extLst>
               <a:ext uri="{FF2B5EF4-FFF2-40B4-BE49-F238E27FC236}">
-                <a16:creationId xmlns:a16="http://schemas.microsoft.com/office/drawing/2014/main" xmlns="" id="{F1CB00CD-616B-4179-8C8B-BD18EAAB31E8}"/>
+                <a16:creationId xmlns:a16="http://schemas.microsoft.com/office/drawing/2014/main" id="{F1CB00CD-616B-4179-8C8B-BD18EAAB31E8}"/>
               </a:ext>
             </a:extLst>
           </p:cNvPr>
@@ -25280,7 +25275,7 @@
           <p:cNvPr id="558" name="Прямоугольник 557">
             <a:extLst>
               <a:ext uri="{FF2B5EF4-FFF2-40B4-BE49-F238E27FC236}">
-                <a16:creationId xmlns:a16="http://schemas.microsoft.com/office/drawing/2014/main" xmlns="" id="{63649C78-A0E5-4B6E-B5E3-2219E6BBAC40}"/>
+                <a16:creationId xmlns:a16="http://schemas.microsoft.com/office/drawing/2014/main" id="{63649C78-A0E5-4B6E-B5E3-2219E6BBAC40}"/>
               </a:ext>
             </a:extLst>
           </p:cNvPr>
@@ -25334,7 +25329,7 @@
           <p:cNvPr id="559" name="Соединительная линия уступом 175">
             <a:extLst>
               <a:ext uri="{FF2B5EF4-FFF2-40B4-BE49-F238E27FC236}">
-                <a16:creationId xmlns:a16="http://schemas.microsoft.com/office/drawing/2014/main" xmlns="" id="{DC1F00DD-B53C-4BA2-9DAC-A6AA130CEAEF}"/>
+                <a16:creationId xmlns:a16="http://schemas.microsoft.com/office/drawing/2014/main" id="{DC1F00DD-B53C-4BA2-9DAC-A6AA130CEAEF}"/>
               </a:ext>
             </a:extLst>
           </p:cNvPr>
@@ -25379,7 +25374,7 @@
           <p:cNvPr id="562" name="Прямоугольник 561">
             <a:extLst>
               <a:ext uri="{FF2B5EF4-FFF2-40B4-BE49-F238E27FC236}">
-                <a16:creationId xmlns:a16="http://schemas.microsoft.com/office/drawing/2014/main" xmlns="" id="{9F1F6D49-CF22-428D-B931-1BC4F30137BE}"/>
+                <a16:creationId xmlns:a16="http://schemas.microsoft.com/office/drawing/2014/main" id="{9F1F6D49-CF22-428D-B931-1BC4F30137BE}"/>
               </a:ext>
             </a:extLst>
           </p:cNvPr>
@@ -25433,7 +25428,7 @@
           <p:cNvPr id="563" name="Соединительная линия уступом 175">
             <a:extLst>
               <a:ext uri="{FF2B5EF4-FFF2-40B4-BE49-F238E27FC236}">
-                <a16:creationId xmlns:a16="http://schemas.microsoft.com/office/drawing/2014/main" xmlns="" id="{44BAF38A-4E6C-49EE-A57C-06F76FB7006D}"/>
+                <a16:creationId xmlns:a16="http://schemas.microsoft.com/office/drawing/2014/main" id="{44BAF38A-4E6C-49EE-A57C-06F76FB7006D}"/>
               </a:ext>
             </a:extLst>
           </p:cNvPr>
@@ -25478,7 +25473,7 @@
           <p:cNvPr id="431" name="Прямоугольник 430">
             <a:extLst>
               <a:ext uri="{FF2B5EF4-FFF2-40B4-BE49-F238E27FC236}">
-                <a16:creationId xmlns:a16="http://schemas.microsoft.com/office/drawing/2014/main" xmlns="" id="{2AA414A8-738D-4EB9-8330-422F5A615286}"/>
+                <a16:creationId xmlns:a16="http://schemas.microsoft.com/office/drawing/2014/main" id="{2AA414A8-738D-4EB9-8330-422F5A615286}"/>
               </a:ext>
             </a:extLst>
           </p:cNvPr>
@@ -25527,7 +25522,7 @@
           <p:cNvPr id="438" name="Соединительная линия уступом 175">
             <a:extLst>
               <a:ext uri="{FF2B5EF4-FFF2-40B4-BE49-F238E27FC236}">
-                <a16:creationId xmlns:a16="http://schemas.microsoft.com/office/drawing/2014/main" xmlns="" id="{66EF080E-9E66-44CF-9B02-09A56CF66C30}"/>
+                <a16:creationId xmlns:a16="http://schemas.microsoft.com/office/drawing/2014/main" id="{66EF080E-9E66-44CF-9B02-09A56CF66C30}"/>
               </a:ext>
             </a:extLst>
           </p:cNvPr>
@@ -25573,7 +25568,7 @@
           <p:cNvPr id="444" name="Соединительная линия уступом 175">
             <a:extLst>
               <a:ext uri="{FF2B5EF4-FFF2-40B4-BE49-F238E27FC236}">
-                <a16:creationId xmlns:a16="http://schemas.microsoft.com/office/drawing/2014/main" xmlns="" id="{166151B5-4ED6-430A-AABA-D7D1D275E20E}"/>
+                <a16:creationId xmlns:a16="http://schemas.microsoft.com/office/drawing/2014/main" id="{166151B5-4ED6-430A-AABA-D7D1D275E20E}"/>
               </a:ext>
             </a:extLst>
           </p:cNvPr>
@@ -25619,7 +25614,7 @@
           <p:cNvPr id="445" name="Соединительная линия уступом 175">
             <a:extLst>
               <a:ext uri="{FF2B5EF4-FFF2-40B4-BE49-F238E27FC236}">
-                <a16:creationId xmlns:a16="http://schemas.microsoft.com/office/drawing/2014/main" xmlns="" id="{D1507FA4-3D1E-455B-83B5-9FF5E8543934}"/>
+                <a16:creationId xmlns:a16="http://schemas.microsoft.com/office/drawing/2014/main" id="{D1507FA4-3D1E-455B-83B5-9FF5E8543934}"/>
               </a:ext>
             </a:extLst>
           </p:cNvPr>
@@ -25665,7 +25660,7 @@
           <p:cNvPr id="446" name="Соединительная линия уступом 175">
             <a:extLst>
               <a:ext uri="{FF2B5EF4-FFF2-40B4-BE49-F238E27FC236}">
-                <a16:creationId xmlns:a16="http://schemas.microsoft.com/office/drawing/2014/main" xmlns="" id="{87925B6E-8556-4818-8C19-001EF20E1735}"/>
+                <a16:creationId xmlns:a16="http://schemas.microsoft.com/office/drawing/2014/main" id="{87925B6E-8556-4818-8C19-001EF20E1735}"/>
               </a:ext>
             </a:extLst>
           </p:cNvPr>
@@ -25711,7 +25706,7 @@
           <p:cNvPr id="448" name="Соединительная линия уступом 175">
             <a:extLst>
               <a:ext uri="{FF2B5EF4-FFF2-40B4-BE49-F238E27FC236}">
-                <a16:creationId xmlns:a16="http://schemas.microsoft.com/office/drawing/2014/main" xmlns="" id="{56951DCE-609B-4F92-ABDF-FB0286172D2F}"/>
+                <a16:creationId xmlns:a16="http://schemas.microsoft.com/office/drawing/2014/main" id="{56951DCE-609B-4F92-ABDF-FB0286172D2F}"/>
               </a:ext>
             </a:extLst>
           </p:cNvPr>
@@ -25757,7 +25752,7 @@
           <p:cNvPr id="449" name="Соединительная линия уступом 175">
             <a:extLst>
               <a:ext uri="{FF2B5EF4-FFF2-40B4-BE49-F238E27FC236}">
-                <a16:creationId xmlns:a16="http://schemas.microsoft.com/office/drawing/2014/main" xmlns="" id="{99EE0586-CF7A-4C56-BF45-A69DDE065F6D}"/>
+                <a16:creationId xmlns:a16="http://schemas.microsoft.com/office/drawing/2014/main" id="{99EE0586-CF7A-4C56-BF45-A69DDE065F6D}"/>
               </a:ext>
             </a:extLst>
           </p:cNvPr>
@@ -25803,7 +25798,7 @@
           <p:cNvPr id="450" name="Соединительная линия уступом 175">
             <a:extLst>
               <a:ext uri="{FF2B5EF4-FFF2-40B4-BE49-F238E27FC236}">
-                <a16:creationId xmlns:a16="http://schemas.microsoft.com/office/drawing/2014/main" xmlns="" id="{96B24CA2-99F1-442D-9F9F-2CA7BE69612E}"/>
+                <a16:creationId xmlns:a16="http://schemas.microsoft.com/office/drawing/2014/main" id="{96B24CA2-99F1-442D-9F9F-2CA7BE69612E}"/>
               </a:ext>
             </a:extLst>
           </p:cNvPr>
@@ -25849,7 +25844,7 @@
           <p:cNvPr id="452" name="Соединительная линия уступом 175">
             <a:extLst>
               <a:ext uri="{FF2B5EF4-FFF2-40B4-BE49-F238E27FC236}">
-                <a16:creationId xmlns:a16="http://schemas.microsoft.com/office/drawing/2014/main" xmlns="" id="{B278CAE8-EE23-4B14-9985-1B8C7A6F8ABE}"/>
+                <a16:creationId xmlns:a16="http://schemas.microsoft.com/office/drawing/2014/main" id="{B278CAE8-EE23-4B14-9985-1B8C7A6F8ABE}"/>
               </a:ext>
             </a:extLst>
           </p:cNvPr>
@@ -25895,7 +25890,7 @@
           <p:cNvPr id="453" name="Соединительная линия уступом 175">
             <a:extLst>
               <a:ext uri="{FF2B5EF4-FFF2-40B4-BE49-F238E27FC236}">
-                <a16:creationId xmlns:a16="http://schemas.microsoft.com/office/drawing/2014/main" xmlns="" id="{47002344-CD66-4F04-92F9-D8C5A963FEDF}"/>
+                <a16:creationId xmlns:a16="http://schemas.microsoft.com/office/drawing/2014/main" id="{47002344-CD66-4F04-92F9-D8C5A963FEDF}"/>
               </a:ext>
             </a:extLst>
           </p:cNvPr>
@@ -25941,7 +25936,7 @@
           <p:cNvPr id="455" name="Соединительная линия уступом 175">
             <a:extLst>
               <a:ext uri="{FF2B5EF4-FFF2-40B4-BE49-F238E27FC236}">
-                <a16:creationId xmlns:a16="http://schemas.microsoft.com/office/drawing/2014/main" xmlns="" id="{62E307F4-6812-4934-AED9-7F007764F28B}"/>
+                <a16:creationId xmlns:a16="http://schemas.microsoft.com/office/drawing/2014/main" id="{62E307F4-6812-4934-AED9-7F007764F28B}"/>
               </a:ext>
             </a:extLst>
           </p:cNvPr>
@@ -26249,7 +26244,7 @@
   <a:extraClrSchemeLst/>
   <a:extLst>
     <a:ext uri="{05A4C25C-085E-4340-85A3-A5531E510DB2}">
-      <thm15:themeFamily xmlns:thm15="http://schemas.microsoft.com/office/thememl/2012/main" xmlns="" name="Office Theme" id="{62F939B6-93AF-4DB8-9C6B-D6C7DFDC589F}" vid="{4A3C46E8-61CC-4603-A589-7422A47A8E4A}"/>
+      <thm15:themeFamily xmlns:thm15="http://schemas.microsoft.com/office/thememl/2012/main" name="Office Theme" id="{62F939B6-93AF-4DB8-9C6B-D6C7DFDC589F}" vid="{4A3C46E8-61CC-4603-A589-7422A47A8E4A}"/>
     </a:ext>
   </a:extLst>
 </a:theme>
@@ -26510,7 +26505,7 @@
   <a:extraClrSchemeLst/>
   <a:extLst>
     <a:ext uri="{05A4C25C-085E-4340-85A3-A5531E510DB2}">
-      <thm15:themeFamily xmlns:thm15="http://schemas.microsoft.com/office/thememl/2012/main" xmlns="" name="Office Theme" id="{62F939B6-93AF-4DB8-9C6B-D6C7DFDC589F}" vid="{4A3C46E8-61CC-4603-A589-7422A47A8E4A}"/>
+      <thm15:themeFamily xmlns:thm15="http://schemas.microsoft.com/office/thememl/2012/main" name="Office Theme" id="{62F939B6-93AF-4DB8-9C6B-D6C7DFDC589F}" vid="{4A3C46E8-61CC-4603-A589-7422A47A8E4A}"/>
     </a:ext>
   </a:extLst>
 </a:theme>

--- a/Наработки/диздоки/Нидерланды/Нидерланды.pptx
+++ b/Наработки/диздоки/Нидерланды/Нидерланды.pptx
@@ -209,7 +209,7 @@
             <a:fld id="{33E3D7F9-E251-484C-A6FF-FA958879DF69}" type="datetimeFigureOut">
               <a:rPr lang="ru-RU" smtClean="0"/>
               <a:pPr/>
-              <a:t>28.04.2022</a:t>
+              <a:t>29.04.2022</a:t>
             </a:fld>
             <a:endParaRPr lang="ru-RU"/>
           </a:p>
@@ -699,7 +699,7 @@
             <a:fld id="{85A5DE44-605B-4D3B-B2B7-94543DF81A36}" type="datetimeFigureOut">
               <a:rPr lang="ru-RU" smtClean="0"/>
               <a:pPr/>
-              <a:t>28.04.2022</a:t>
+              <a:t>29.04.2022</a:t>
             </a:fld>
             <a:endParaRPr lang="ru-RU"/>
           </a:p>
@@ -871,7 +871,7 @@
             <a:fld id="{85A5DE44-605B-4D3B-B2B7-94543DF81A36}" type="datetimeFigureOut">
               <a:rPr lang="ru-RU" smtClean="0"/>
               <a:pPr/>
-              <a:t>28.04.2022</a:t>
+              <a:t>29.04.2022</a:t>
             </a:fld>
             <a:endParaRPr lang="ru-RU"/>
           </a:p>
@@ -1053,7 +1053,7 @@
             <a:fld id="{85A5DE44-605B-4D3B-B2B7-94543DF81A36}" type="datetimeFigureOut">
               <a:rPr lang="ru-RU" smtClean="0"/>
               <a:pPr/>
-              <a:t>28.04.2022</a:t>
+              <a:t>29.04.2022</a:t>
             </a:fld>
             <a:endParaRPr lang="ru-RU"/>
           </a:p>
@@ -1225,7 +1225,7 @@
             <a:fld id="{85A5DE44-605B-4D3B-B2B7-94543DF81A36}" type="datetimeFigureOut">
               <a:rPr lang="ru-RU" smtClean="0"/>
               <a:pPr/>
-              <a:t>28.04.2022</a:t>
+              <a:t>29.04.2022</a:t>
             </a:fld>
             <a:endParaRPr lang="ru-RU"/>
           </a:p>
@@ -1473,7 +1473,7 @@
             <a:fld id="{85A5DE44-605B-4D3B-B2B7-94543DF81A36}" type="datetimeFigureOut">
               <a:rPr lang="ru-RU" smtClean="0"/>
               <a:pPr/>
-              <a:t>28.04.2022</a:t>
+              <a:t>29.04.2022</a:t>
             </a:fld>
             <a:endParaRPr lang="ru-RU"/>
           </a:p>
@@ -1707,7 +1707,7 @@
             <a:fld id="{85A5DE44-605B-4D3B-B2B7-94543DF81A36}" type="datetimeFigureOut">
               <a:rPr lang="ru-RU" smtClean="0"/>
               <a:pPr/>
-              <a:t>28.04.2022</a:t>
+              <a:t>29.04.2022</a:t>
             </a:fld>
             <a:endParaRPr lang="ru-RU"/>
           </a:p>
@@ -2076,7 +2076,7 @@
             <a:fld id="{85A5DE44-605B-4D3B-B2B7-94543DF81A36}" type="datetimeFigureOut">
               <a:rPr lang="ru-RU" smtClean="0"/>
               <a:pPr/>
-              <a:t>28.04.2022</a:t>
+              <a:t>29.04.2022</a:t>
             </a:fld>
             <a:endParaRPr lang="ru-RU"/>
           </a:p>
@@ -2196,7 +2196,7 @@
             <a:fld id="{85A5DE44-605B-4D3B-B2B7-94543DF81A36}" type="datetimeFigureOut">
               <a:rPr lang="ru-RU" smtClean="0"/>
               <a:pPr/>
-              <a:t>28.04.2022</a:t>
+              <a:t>29.04.2022</a:t>
             </a:fld>
             <a:endParaRPr lang="ru-RU"/>
           </a:p>
@@ -2293,7 +2293,7 @@
             <a:fld id="{85A5DE44-605B-4D3B-B2B7-94543DF81A36}" type="datetimeFigureOut">
               <a:rPr lang="ru-RU" smtClean="0"/>
               <a:pPr/>
-              <a:t>28.04.2022</a:t>
+              <a:t>29.04.2022</a:t>
             </a:fld>
             <a:endParaRPr lang="ru-RU"/>
           </a:p>
@@ -2572,7 +2572,7 @@
             <a:fld id="{85A5DE44-605B-4D3B-B2B7-94543DF81A36}" type="datetimeFigureOut">
               <a:rPr lang="ru-RU" smtClean="0"/>
               <a:pPr/>
-              <a:t>28.04.2022</a:t>
+              <a:t>29.04.2022</a:t>
             </a:fld>
             <a:endParaRPr lang="ru-RU"/>
           </a:p>
@@ -2831,7 +2831,7 @@
             <a:fld id="{85A5DE44-605B-4D3B-B2B7-94543DF81A36}" type="datetimeFigureOut">
               <a:rPr lang="ru-RU" smtClean="0"/>
               <a:pPr/>
-              <a:t>28.04.2022</a:t>
+              <a:t>29.04.2022</a:t>
             </a:fld>
             <a:endParaRPr lang="ru-RU"/>
           </a:p>
@@ -3046,7 +3046,7 @@
             <a:fld id="{85A5DE44-605B-4D3B-B2B7-94543DF81A36}" type="datetimeFigureOut">
               <a:rPr lang="ru-RU" smtClean="0"/>
               <a:pPr/>
-              <a:t>28.04.2022</a:t>
+              <a:t>29.04.2022</a:t>
             </a:fld>
             <a:endParaRPr lang="ru-RU"/>
           </a:p>

--- a/Наработки/диздоки/Нидерланды/Нидерланды.pptx
+++ b/Наработки/диздоки/Нидерланды/Нидерланды.pptx
@@ -209,7 +209,7 @@
             <a:fld id="{33E3D7F9-E251-484C-A6FF-FA958879DF69}" type="datetimeFigureOut">
               <a:rPr lang="ru-RU" smtClean="0"/>
               <a:pPr/>
-              <a:t>29.04.2022</a:t>
+              <a:t>04.05.2022</a:t>
             </a:fld>
             <a:endParaRPr lang="ru-RU"/>
           </a:p>
@@ -699,7 +699,7 @@
             <a:fld id="{85A5DE44-605B-4D3B-B2B7-94543DF81A36}" type="datetimeFigureOut">
               <a:rPr lang="ru-RU" smtClean="0"/>
               <a:pPr/>
-              <a:t>29.04.2022</a:t>
+              <a:t>04.05.2022</a:t>
             </a:fld>
             <a:endParaRPr lang="ru-RU"/>
           </a:p>
@@ -871,7 +871,7 @@
             <a:fld id="{85A5DE44-605B-4D3B-B2B7-94543DF81A36}" type="datetimeFigureOut">
               <a:rPr lang="ru-RU" smtClean="0"/>
               <a:pPr/>
-              <a:t>29.04.2022</a:t>
+              <a:t>04.05.2022</a:t>
             </a:fld>
             <a:endParaRPr lang="ru-RU"/>
           </a:p>
@@ -1053,7 +1053,7 @@
             <a:fld id="{85A5DE44-605B-4D3B-B2B7-94543DF81A36}" type="datetimeFigureOut">
               <a:rPr lang="ru-RU" smtClean="0"/>
               <a:pPr/>
-              <a:t>29.04.2022</a:t>
+              <a:t>04.05.2022</a:t>
             </a:fld>
             <a:endParaRPr lang="ru-RU"/>
           </a:p>
@@ -1225,7 +1225,7 @@
             <a:fld id="{85A5DE44-605B-4D3B-B2B7-94543DF81A36}" type="datetimeFigureOut">
               <a:rPr lang="ru-RU" smtClean="0"/>
               <a:pPr/>
-              <a:t>29.04.2022</a:t>
+              <a:t>04.05.2022</a:t>
             </a:fld>
             <a:endParaRPr lang="ru-RU"/>
           </a:p>
@@ -1473,7 +1473,7 @@
             <a:fld id="{85A5DE44-605B-4D3B-B2B7-94543DF81A36}" type="datetimeFigureOut">
               <a:rPr lang="ru-RU" smtClean="0"/>
               <a:pPr/>
-              <a:t>29.04.2022</a:t>
+              <a:t>04.05.2022</a:t>
             </a:fld>
             <a:endParaRPr lang="ru-RU"/>
           </a:p>
@@ -1707,7 +1707,7 @@
             <a:fld id="{85A5DE44-605B-4D3B-B2B7-94543DF81A36}" type="datetimeFigureOut">
               <a:rPr lang="ru-RU" smtClean="0"/>
               <a:pPr/>
-              <a:t>29.04.2022</a:t>
+              <a:t>04.05.2022</a:t>
             </a:fld>
             <a:endParaRPr lang="ru-RU"/>
           </a:p>
@@ -2076,7 +2076,7 @@
             <a:fld id="{85A5DE44-605B-4D3B-B2B7-94543DF81A36}" type="datetimeFigureOut">
               <a:rPr lang="ru-RU" smtClean="0"/>
               <a:pPr/>
-              <a:t>29.04.2022</a:t>
+              <a:t>04.05.2022</a:t>
             </a:fld>
             <a:endParaRPr lang="ru-RU"/>
           </a:p>
@@ -2196,7 +2196,7 @@
             <a:fld id="{85A5DE44-605B-4D3B-B2B7-94543DF81A36}" type="datetimeFigureOut">
               <a:rPr lang="ru-RU" smtClean="0"/>
               <a:pPr/>
-              <a:t>29.04.2022</a:t>
+              <a:t>04.05.2022</a:t>
             </a:fld>
             <a:endParaRPr lang="ru-RU"/>
           </a:p>
@@ -2293,7 +2293,7 @@
             <a:fld id="{85A5DE44-605B-4D3B-B2B7-94543DF81A36}" type="datetimeFigureOut">
               <a:rPr lang="ru-RU" smtClean="0"/>
               <a:pPr/>
-              <a:t>29.04.2022</a:t>
+              <a:t>04.05.2022</a:t>
             </a:fld>
             <a:endParaRPr lang="ru-RU"/>
           </a:p>
@@ -2572,7 +2572,7 @@
             <a:fld id="{85A5DE44-605B-4D3B-B2B7-94543DF81A36}" type="datetimeFigureOut">
               <a:rPr lang="ru-RU" smtClean="0"/>
               <a:pPr/>
-              <a:t>29.04.2022</a:t>
+              <a:t>04.05.2022</a:t>
             </a:fld>
             <a:endParaRPr lang="ru-RU"/>
           </a:p>
@@ -2831,7 +2831,7 @@
             <a:fld id="{85A5DE44-605B-4D3B-B2B7-94543DF81A36}" type="datetimeFigureOut">
               <a:rPr lang="ru-RU" smtClean="0"/>
               <a:pPr/>
-              <a:t>29.04.2022</a:t>
+              <a:t>04.05.2022</a:t>
             </a:fld>
             <a:endParaRPr lang="ru-RU"/>
           </a:p>
@@ -3046,7 +3046,7 @@
             <a:fld id="{85A5DE44-605B-4D3B-B2B7-94543DF81A36}" type="datetimeFigureOut">
               <a:rPr lang="ru-RU" smtClean="0"/>
               <a:pPr/>
-              <a:t>29.04.2022</a:t>
+              <a:t>04.05.2022</a:t>
             </a:fld>
             <a:endParaRPr lang="ru-RU"/>
           </a:p>
@@ -4016,7 +4016,7 @@
         </p:nvSpPr>
         <p:spPr>
           <a:xfrm>
-            <a:off x="18547095" y="12330192"/>
+            <a:off x="18555804" y="12330192"/>
             <a:ext cx="2115918" cy="1080000"/>
           </a:xfrm>
           <a:prstGeom prst="rect">
@@ -4033,7 +4033,11 @@
             </a:gsLst>
             <a:lin ang="5400000" scaled="1"/>
           </a:gradFill>
-          <a:ln w="28575"/>
+          <a:ln w="28575">
+            <a:solidFill>
+              <a:schemeClr val="tx1"/>
+            </a:solidFill>
+          </a:ln>
         </p:spPr>
         <p:style>
           <a:lnRef idx="2">
@@ -4056,7 +4060,7 @@
             <a:pPr algn="ctr"/>
             <a:r>
               <a:rPr lang="ru-RU" sz="1400" dirty="0"/>
-              <a:t>Отмена закона о борьбе с забастовками</a:t>
+              <a:t>Отменить закон о борьбе с забастовками</a:t>
             </a:r>
           </a:p>
         </p:txBody>
@@ -5465,7 +5469,11 @@
           <a:solidFill>
             <a:srgbClr val="FF0000"/>
           </a:solidFill>
-          <a:ln w="28575"/>
+          <a:ln w="28575">
+            <a:solidFill>
+              <a:schemeClr val="tx1"/>
+            </a:solidFill>
+          </a:ln>
         </p:spPr>
         <p:style>
           <a:lnRef idx="2">
@@ -6325,7 +6333,7 @@
         </p:nvSpPr>
         <p:spPr>
           <a:xfrm>
-            <a:off x="26052710" y="19654043"/>
+            <a:off x="26049649" y="19654043"/>
             <a:ext cx="2115918" cy="1080000"/>
           </a:xfrm>
           <a:prstGeom prst="rect">
@@ -6380,8 +6388,8 @@
         </p:nvCxnSpPr>
         <p:spPr>
           <a:xfrm rot="5400000">
-            <a:off x="26187991" y="18731365"/>
-            <a:ext cx="1845356" cy="12700"/>
+            <a:off x="26186461" y="18729835"/>
+            <a:ext cx="1845356" cy="3061"/>
           </a:xfrm>
           <a:prstGeom prst="bentConnector3">
             <a:avLst>
@@ -6806,8 +6814,8 @@
         </p:nvCxnSpPr>
         <p:spPr>
           <a:xfrm rot="5400000">
-            <a:off x="26247181" y="20318367"/>
-            <a:ext cx="447812" cy="1279164"/>
+            <a:off x="26245651" y="20319898"/>
+            <a:ext cx="447812" cy="1276103"/>
           </a:xfrm>
           <a:prstGeom prst="bentConnector3">
             <a:avLst>
@@ -6980,9 +6988,9 @@
           <p:nvPr/>
         </p:nvCxnSpPr>
         <p:spPr>
-          <a:xfrm>
-            <a:off x="24580024" y="14881262"/>
-            <a:ext cx="6227" cy="331557"/>
+          <a:xfrm flipH="1">
+            <a:off x="24586251" y="14881262"/>
+            <a:ext cx="2482" cy="331557"/>
           </a:xfrm>
           <a:prstGeom prst="straightConnector1">
             <a:avLst/>
@@ -7175,7 +7183,11 @@
           <a:solidFill>
             <a:srgbClr val="FF0000"/>
           </a:solidFill>
-          <a:ln w="28575"/>
+          <a:ln w="28575">
+            <a:solidFill>
+              <a:schemeClr val="tx1"/>
+            </a:solidFill>
+          </a:ln>
         </p:spPr>
         <p:style>
           <a:lnRef idx="2">
@@ -7226,7 +7238,11 @@
           <a:solidFill>
             <a:srgbClr val="FF0000"/>
           </a:solidFill>
-          <a:ln w="28575"/>
+          <a:ln w="28575">
+            <a:solidFill>
+              <a:schemeClr val="tx1"/>
+            </a:solidFill>
+          </a:ln>
         </p:spPr>
         <p:style>
           <a:lnRef idx="2">
@@ -7277,7 +7293,11 @@
           <a:solidFill>
             <a:srgbClr val="FF0000"/>
           </a:solidFill>
-          <a:ln w="28575"/>
+          <a:ln w="28575">
+            <a:solidFill>
+              <a:schemeClr val="tx1"/>
+            </a:solidFill>
+          </a:ln>
         </p:spPr>
         <p:style>
           <a:lnRef idx="2">
@@ -7328,7 +7348,11 @@
           <a:solidFill>
             <a:srgbClr val="FF0000"/>
           </a:solidFill>
-          <a:ln w="28575"/>
+          <a:ln w="28575">
+            <a:solidFill>
+              <a:schemeClr val="tx1"/>
+            </a:solidFill>
+          </a:ln>
         </p:spPr>
         <p:style>
           <a:lnRef idx="2">
@@ -7351,13 +7375,8 @@
             <a:pPr algn="ctr"/>
             <a:r>
               <a:rPr lang="ru-RU" sz="1400" dirty="0"/>
-              <a:t>Национализация важных отраслей </a:t>
-            </a:r>
-            <a:r>
-              <a:rPr lang="ru-RU" sz="1000" dirty="0"/>
-              <a:t>(По их мнению, важные отрасли промышленности должны быть национализированы в краткосрочной перспективе)</a:t>
-            </a:r>
-            <a:endParaRPr lang="ru-RU" sz="1400" dirty="0"/>
+              <a:t>Национализация важных отраслей</a:t>
+            </a:r>
           </a:p>
         </p:txBody>
       </p:sp>
@@ -7384,7 +7403,11 @@
           <a:solidFill>
             <a:srgbClr val="FF0000"/>
           </a:solidFill>
-          <a:ln w="28575"/>
+          <a:ln w="28575">
+            <a:solidFill>
+              <a:schemeClr val="tx1"/>
+            </a:solidFill>
+          </a:ln>
         </p:spPr>
         <p:style>
           <a:lnRef idx="2">
@@ -7407,13 +7430,8 @@
             <a:pPr algn="ctr"/>
             <a:r>
               <a:rPr lang="ru-RU" sz="1400" dirty="0"/>
-              <a:t>Национализация всей экономики </a:t>
-            </a:r>
-            <a:r>
-              <a:rPr lang="ru-RU" sz="1000" dirty="0"/>
-              <a:t>(в долгосрочной перспективе должна быть запланирована вся экономика)</a:t>
-            </a:r>
-            <a:endParaRPr lang="ru-RU" sz="1400" dirty="0"/>
+              <a:t>Национализация всей экономики</a:t>
+            </a:r>
           </a:p>
         </p:txBody>
       </p:sp>
@@ -7440,7 +7458,11 @@
           <a:solidFill>
             <a:srgbClr val="FF0000"/>
           </a:solidFill>
-          <a:ln w="28575"/>
+          <a:ln w="28575">
+            <a:solidFill>
+              <a:schemeClr val="tx1"/>
+            </a:solidFill>
+          </a:ln>
         </p:spPr>
         <p:style>
           <a:lnRef idx="2">
@@ -7491,7 +7513,11 @@
           <a:solidFill>
             <a:srgbClr val="FF0000"/>
           </a:solidFill>
-          <a:ln w="28575"/>
+          <a:ln w="28575">
+            <a:solidFill>
+              <a:schemeClr val="tx1"/>
+            </a:solidFill>
+          </a:ln>
         </p:spPr>
         <p:style>
           <a:lnRef idx="2">
@@ -7650,8 +7676,8 @@
         </p:nvCxnSpPr>
         <p:spPr>
           <a:xfrm rot="16200000" flipH="1">
-            <a:off x="18174128" y="10899265"/>
-            <a:ext cx="389859" cy="2471994"/>
+            <a:off x="18178482" y="10894910"/>
+            <a:ext cx="389859" cy="2480703"/>
           </a:xfrm>
           <a:prstGeom prst="bentConnector3">
             <a:avLst>
@@ -12086,7 +12112,7 @@
         </p:nvSpPr>
         <p:spPr>
           <a:xfrm>
-            <a:off x="8603181" y="12359586"/>
+            <a:off x="8594472" y="12359586"/>
             <a:ext cx="2115918" cy="1080000"/>
           </a:xfrm>
           <a:prstGeom prst="rect">
@@ -12579,7 +12605,7 @@
         </p:nvSpPr>
         <p:spPr>
           <a:xfrm>
-            <a:off x="8598673" y="15210387"/>
+            <a:off x="8590609" y="15218794"/>
             <a:ext cx="2115918" cy="1080000"/>
           </a:xfrm>
           <a:prstGeom prst="rect">
@@ -13732,8 +13758,8 @@
         </p:nvCxnSpPr>
         <p:spPr>
           <a:xfrm rot="16200000" flipH="1">
-            <a:off x="10102481" y="12998244"/>
-            <a:ext cx="358972" cy="1241655"/>
+            <a:off x="10098127" y="12993890"/>
+            <a:ext cx="358972" cy="1250364"/>
           </a:xfrm>
           <a:prstGeom prst="bentConnector3">
             <a:avLst>
@@ -13777,8 +13803,8 @@
         </p:nvCxnSpPr>
         <p:spPr>
           <a:xfrm rot="16200000" flipH="1">
-            <a:off x="8822624" y="11521069"/>
-            <a:ext cx="419253" cy="1257779"/>
+            <a:off x="8818270" y="11525424"/>
+            <a:ext cx="419253" cy="1249070"/>
           </a:xfrm>
           <a:prstGeom prst="bentConnector3">
             <a:avLst>
@@ -14244,8 +14270,8 @@
         </p:nvCxnSpPr>
         <p:spPr>
           <a:xfrm rot="5400000">
-            <a:off x="8773486" y="14322732"/>
-            <a:ext cx="1770801" cy="4508"/>
+            <a:off x="8760896" y="14327259"/>
+            <a:ext cx="1779208" cy="3863"/>
           </a:xfrm>
           <a:prstGeom prst="bentConnector3">
             <a:avLst>
@@ -16776,25 +16802,26 @@
               <a:rPr lang="ru-RU" sz="1400" dirty="0"/>
             </a:br>
             <a:r>
-              <a:rPr lang="ru-RU" sz="500" dirty="0"/>
+              <a:rPr lang="ru-RU" sz="400" dirty="0"/>
               <a:t>- профсоюзные организации должны были быть заменены фабрично-заводскими;- парламентаризм должен быть отвергнут и с ним нужно бороться79.Эта эволюция проявилась на практике в призыве со стороны </a:t>
             </a:r>
             <a:r>
-              <a:rPr lang="ru-RU" sz="500" dirty="0" err="1"/>
+              <a:rPr lang="ru-RU" sz="400" dirty="0" err="1"/>
               <a:t>Миллфронта</a:t>
             </a:r>
             <a:r>
-              <a:rPr lang="ru-RU" sz="500" dirty="0"/>
+              <a:rPr lang="ru-RU" sz="400" dirty="0"/>
               <a:t> отказаться от профсоюзов и образовать фабрично-заводские комитеты. Разрыв со старой профсоюзной политикой был разрывом со старой политикой РСАП. После «нормализации» Социалистического союза НВВ немецкими властями в июле 1940 г. М11-Фронт подстрекал своих членов к работе внутри него. NVV стал прикрытием для NSB </a:t>
             </a:r>
             <a:r>
-              <a:rPr lang="ru-RU" sz="500" dirty="0" err="1"/>
+              <a:rPr lang="ru-RU" sz="400" dirty="0" err="1"/>
               <a:t>Мюссерта</a:t>
             </a:r>
             <a:r>
-              <a:rPr lang="ru-RU" sz="500" dirty="0"/>
+              <a:rPr lang="ru-RU" sz="400" dirty="0"/>
               <a:t>. Пропаганда в июле 1941 г. в пользу выхода из профсоюзного движения завершила весь процесс развития. Вместо союза отстаивалась непостоянная форма «борцовских комитетов» на заводах.¬¬</a:t>
             </a:r>
+            <a:endParaRPr lang="ru-RU" sz="500" dirty="0"/>
           </a:p>
         </p:txBody>
       </p:sp>
@@ -17180,8 +17207,8 @@
         </p:nvCxnSpPr>
         <p:spPr>
           <a:xfrm rot="5400000">
-            <a:off x="8816528" y="15884297"/>
-            <a:ext cx="434015" cy="1246194"/>
+            <a:off x="8816699" y="15892533"/>
+            <a:ext cx="425608" cy="1238130"/>
           </a:xfrm>
           <a:prstGeom prst="bentConnector3">
             <a:avLst>
@@ -19824,7 +19851,11 @@
             <a:avLst/>
           </a:prstGeom>
           <a:noFill/>
-          <a:ln w="28575"/>
+          <a:ln w="28575">
+            <a:solidFill>
+              <a:schemeClr val="tx1"/>
+            </a:solidFill>
+          </a:ln>
         </p:spPr>
         <p:style>
           <a:lnRef idx="2">
@@ -20100,7 +20131,11 @@
           <a:solidFill>
             <a:srgbClr val="FF0000"/>
           </a:solidFill>
-          <a:ln w="28575"/>
+          <a:ln w="28575">
+            <a:solidFill>
+              <a:schemeClr val="tx1"/>
+            </a:solidFill>
+          </a:ln>
         </p:spPr>
         <p:style>
           <a:lnRef idx="2">
@@ -20127,15 +20162,7 @@
             </a:r>
             <a:r>
               <a:rPr lang="ru-RU" sz="1400" dirty="0" err="1"/>
-              <a:t>Сентона</a:t>
-            </a:r>
-            <a:r>
-              <a:rPr lang="ru-RU" sz="1400" dirty="0"/>
-              <a:t> </a:t>
-            </a:r>
-            <a:r>
-              <a:rPr lang="ru-RU" sz="300" dirty="0"/>
-              <a:t>(У Сетона также были откровенные образовательные идеи, о которых он всегда писал на протяжении всей своей политической деятельности. Сетон написал об этом в брошюре: «На, для вашей школы!» Он осуждал народную школу: она только приспосабливала бы рабочего к легким действиям, необходимым для промышленного труда. Сетон, с другой стороны, выступал за унитарную школу, которая должна воспитывать молодежь без различия пола, возраста, происхождения или способностей. «Мы требуем единства образования, которое включает в себя все существующие и надежные школьные учреждения». Такая школа включает в себя школу-попечительство, начальную школу, среднюю и высшую школу: это целое должно стать единым учебным заведением для всех. Каждый имеет право следовать за всей школой, в зависимости только от «естественной» границы, которая связана с одаренностью учеников.)</a:t>
+              <a:t>Сетона</a:t>
             </a:r>
             <a:endParaRPr lang="ru-RU" sz="1400" dirty="0"/>
           </a:p>
@@ -20213,7 +20240,11 @@
           <a:solidFill>
             <a:srgbClr val="FF0000"/>
           </a:solidFill>
-          <a:ln w="28575"/>
+          <a:ln w="28575">
+            <a:solidFill>
+              <a:schemeClr val="tx1"/>
+            </a:solidFill>
+          </a:ln>
         </p:spPr>
         <p:style>
           <a:lnRef idx="2">
@@ -20236,13 +20267,8 @@
             <a:pPr algn="ctr"/>
             <a:r>
               <a:rPr lang="ru-RU" sz="1400" dirty="0"/>
-              <a:t>Медицинское страхование </a:t>
-            </a:r>
-            <a:r>
-              <a:rPr lang="ru-RU" sz="600" dirty="0"/>
-              <a:t>(КПН выступала за сильную роль государства в экономике. Они считали, что государство должно обеспечить дешевое жилье, бесплатное и нейтральное образование и медицинское страхование.)</a:t>
-            </a:r>
-            <a:endParaRPr lang="ru-RU" sz="1400" dirty="0"/>
+              <a:t>Медицинское страхование</a:t>
+            </a:r>
           </a:p>
         </p:txBody>
       </p:sp>
@@ -20260,7 +20286,7 @@
         </p:nvSpPr>
         <p:spPr>
           <a:xfrm>
-            <a:off x="23522065" y="13801262"/>
+            <a:off x="23530774" y="13801262"/>
             <a:ext cx="2115918" cy="1080000"/>
           </a:xfrm>
           <a:prstGeom prst="rect">
@@ -20517,8 +20543,8 @@
         </p:nvCxnSpPr>
         <p:spPr>
           <a:xfrm rot="5400000">
-            <a:off x="21900724" y="9644664"/>
-            <a:ext cx="389859" cy="4981197"/>
+            <a:off x="21905078" y="9649018"/>
+            <a:ext cx="389859" cy="4972488"/>
           </a:xfrm>
           <a:prstGeom prst="bentConnector3">
             <a:avLst>
@@ -20563,8 +20589,8 @@
         </p:nvCxnSpPr>
         <p:spPr>
           <a:xfrm>
-            <a:off x="19605054" y="13410192"/>
-            <a:ext cx="11363" cy="386125"/>
+            <a:off x="19613763" y="13410192"/>
+            <a:ext cx="2654" cy="386125"/>
           </a:xfrm>
           <a:prstGeom prst="straightConnector1">
             <a:avLst/>
@@ -20651,7 +20677,7 @@
         </p:nvCxnSpPr>
         <p:spPr>
           <a:xfrm rot="16200000" flipH="1">
-            <a:off x="21897004" y="11118242"/>
+            <a:off x="21905713" y="11118242"/>
             <a:ext cx="391070" cy="4974970"/>
           </a:xfrm>
           <a:prstGeom prst="bentConnector3">
@@ -20746,7 +20772,7 @@
           </a:xfrm>
           <a:prstGeom prst="bentConnector3">
             <a:avLst>
-              <a:gd name="adj1" fmla="val 9750"/>
+              <a:gd name="adj1" fmla="val 9278"/>
             </a:avLst>
           </a:prstGeom>
           <a:ln w="28575">

--- a/Наработки/диздоки/Нидерланды/Нидерланды.pptx
+++ b/Наработки/диздоки/Нидерланды/Нидерланды.pptx
@@ -209,7 +209,7 @@
             <a:fld id="{33E3D7F9-E251-484C-A6FF-FA958879DF69}" type="datetimeFigureOut">
               <a:rPr lang="ru-RU" smtClean="0"/>
               <a:pPr/>
-              <a:t>04.05.2022</a:t>
+              <a:t>06.05.2022</a:t>
             </a:fld>
             <a:endParaRPr lang="ru-RU"/>
           </a:p>
@@ -699,7 +699,7 @@
             <a:fld id="{85A5DE44-605B-4D3B-B2B7-94543DF81A36}" type="datetimeFigureOut">
               <a:rPr lang="ru-RU" smtClean="0"/>
               <a:pPr/>
-              <a:t>04.05.2022</a:t>
+              <a:t>06.05.2022</a:t>
             </a:fld>
             <a:endParaRPr lang="ru-RU"/>
           </a:p>
@@ -871,7 +871,7 @@
             <a:fld id="{85A5DE44-605B-4D3B-B2B7-94543DF81A36}" type="datetimeFigureOut">
               <a:rPr lang="ru-RU" smtClean="0"/>
               <a:pPr/>
-              <a:t>04.05.2022</a:t>
+              <a:t>06.05.2022</a:t>
             </a:fld>
             <a:endParaRPr lang="ru-RU"/>
           </a:p>
@@ -1053,7 +1053,7 @@
             <a:fld id="{85A5DE44-605B-4D3B-B2B7-94543DF81A36}" type="datetimeFigureOut">
               <a:rPr lang="ru-RU" smtClean="0"/>
               <a:pPr/>
-              <a:t>04.05.2022</a:t>
+              <a:t>06.05.2022</a:t>
             </a:fld>
             <a:endParaRPr lang="ru-RU"/>
           </a:p>
@@ -1225,7 +1225,7 @@
             <a:fld id="{85A5DE44-605B-4D3B-B2B7-94543DF81A36}" type="datetimeFigureOut">
               <a:rPr lang="ru-RU" smtClean="0"/>
               <a:pPr/>
-              <a:t>04.05.2022</a:t>
+              <a:t>06.05.2022</a:t>
             </a:fld>
             <a:endParaRPr lang="ru-RU"/>
           </a:p>
@@ -1473,7 +1473,7 @@
             <a:fld id="{85A5DE44-605B-4D3B-B2B7-94543DF81A36}" type="datetimeFigureOut">
               <a:rPr lang="ru-RU" smtClean="0"/>
               <a:pPr/>
-              <a:t>04.05.2022</a:t>
+              <a:t>06.05.2022</a:t>
             </a:fld>
             <a:endParaRPr lang="ru-RU"/>
           </a:p>
@@ -1707,7 +1707,7 @@
             <a:fld id="{85A5DE44-605B-4D3B-B2B7-94543DF81A36}" type="datetimeFigureOut">
               <a:rPr lang="ru-RU" smtClean="0"/>
               <a:pPr/>
-              <a:t>04.05.2022</a:t>
+              <a:t>06.05.2022</a:t>
             </a:fld>
             <a:endParaRPr lang="ru-RU"/>
           </a:p>
@@ -2076,7 +2076,7 @@
             <a:fld id="{85A5DE44-605B-4D3B-B2B7-94543DF81A36}" type="datetimeFigureOut">
               <a:rPr lang="ru-RU" smtClean="0"/>
               <a:pPr/>
-              <a:t>04.05.2022</a:t>
+              <a:t>06.05.2022</a:t>
             </a:fld>
             <a:endParaRPr lang="ru-RU"/>
           </a:p>
@@ -2196,7 +2196,7 @@
             <a:fld id="{85A5DE44-605B-4D3B-B2B7-94543DF81A36}" type="datetimeFigureOut">
               <a:rPr lang="ru-RU" smtClean="0"/>
               <a:pPr/>
-              <a:t>04.05.2022</a:t>
+              <a:t>06.05.2022</a:t>
             </a:fld>
             <a:endParaRPr lang="ru-RU"/>
           </a:p>
@@ -2293,7 +2293,7 @@
             <a:fld id="{85A5DE44-605B-4D3B-B2B7-94543DF81A36}" type="datetimeFigureOut">
               <a:rPr lang="ru-RU" smtClean="0"/>
               <a:pPr/>
-              <a:t>04.05.2022</a:t>
+              <a:t>06.05.2022</a:t>
             </a:fld>
             <a:endParaRPr lang="ru-RU"/>
           </a:p>
@@ -2572,7 +2572,7 @@
             <a:fld id="{85A5DE44-605B-4D3B-B2B7-94543DF81A36}" type="datetimeFigureOut">
               <a:rPr lang="ru-RU" smtClean="0"/>
               <a:pPr/>
-              <a:t>04.05.2022</a:t>
+              <a:t>06.05.2022</a:t>
             </a:fld>
             <a:endParaRPr lang="ru-RU"/>
           </a:p>
@@ -2831,7 +2831,7 @@
             <a:fld id="{85A5DE44-605B-4D3B-B2B7-94543DF81A36}" type="datetimeFigureOut">
               <a:rPr lang="ru-RU" smtClean="0"/>
               <a:pPr/>
-              <a:t>04.05.2022</a:t>
+              <a:t>06.05.2022</a:t>
             </a:fld>
             <a:endParaRPr lang="ru-RU"/>
           </a:p>
@@ -3046,7 +3046,7 @@
             <a:fld id="{85A5DE44-605B-4D3B-B2B7-94543DF81A36}" type="datetimeFigureOut">
               <a:rPr lang="ru-RU" smtClean="0"/>
               <a:pPr/>
-              <a:t>04.05.2022</a:t>
+              <a:t>06.05.2022</a:t>
             </a:fld>
             <a:endParaRPr lang="ru-RU"/>
           </a:p>
@@ -11965,7 +11965,7 @@
             <a:pPr algn="ctr"/>
             <a:r>
               <a:rPr lang="ru-RU" sz="1400" dirty="0"/>
-              <a:t>Группа интернациональных коммунистов </a:t>
+              <a:t>Переворот интернационалистических групп коммунистов </a:t>
             </a:r>
             <a:r>
               <a:rPr lang="ru-RU" sz="1000" dirty="0"/>

--- a/Наработки/диздоки/Нидерланды/Нидерланды.pptx
+++ b/Наработки/диздоки/Нидерланды/Нидерланды.pptx
@@ -209,7 +209,7 @@
             <a:fld id="{33E3D7F9-E251-484C-A6FF-FA958879DF69}" type="datetimeFigureOut">
               <a:rPr lang="ru-RU" smtClean="0"/>
               <a:pPr/>
-              <a:t>06.05.2022</a:t>
+              <a:t>16.05.2022</a:t>
             </a:fld>
             <a:endParaRPr lang="ru-RU"/>
           </a:p>
@@ -699,7 +699,7 @@
             <a:fld id="{85A5DE44-605B-4D3B-B2B7-94543DF81A36}" type="datetimeFigureOut">
               <a:rPr lang="ru-RU" smtClean="0"/>
               <a:pPr/>
-              <a:t>06.05.2022</a:t>
+              <a:t>16.05.2022</a:t>
             </a:fld>
             <a:endParaRPr lang="ru-RU"/>
           </a:p>
@@ -871,7 +871,7 @@
             <a:fld id="{85A5DE44-605B-4D3B-B2B7-94543DF81A36}" type="datetimeFigureOut">
               <a:rPr lang="ru-RU" smtClean="0"/>
               <a:pPr/>
-              <a:t>06.05.2022</a:t>
+              <a:t>16.05.2022</a:t>
             </a:fld>
             <a:endParaRPr lang="ru-RU"/>
           </a:p>
@@ -1053,7 +1053,7 @@
             <a:fld id="{85A5DE44-605B-4D3B-B2B7-94543DF81A36}" type="datetimeFigureOut">
               <a:rPr lang="ru-RU" smtClean="0"/>
               <a:pPr/>
-              <a:t>06.05.2022</a:t>
+              <a:t>16.05.2022</a:t>
             </a:fld>
             <a:endParaRPr lang="ru-RU"/>
           </a:p>
@@ -1225,7 +1225,7 @@
             <a:fld id="{85A5DE44-605B-4D3B-B2B7-94543DF81A36}" type="datetimeFigureOut">
               <a:rPr lang="ru-RU" smtClean="0"/>
               <a:pPr/>
-              <a:t>06.05.2022</a:t>
+              <a:t>16.05.2022</a:t>
             </a:fld>
             <a:endParaRPr lang="ru-RU"/>
           </a:p>
@@ -1473,7 +1473,7 @@
             <a:fld id="{85A5DE44-605B-4D3B-B2B7-94543DF81A36}" type="datetimeFigureOut">
               <a:rPr lang="ru-RU" smtClean="0"/>
               <a:pPr/>
-              <a:t>06.05.2022</a:t>
+              <a:t>16.05.2022</a:t>
             </a:fld>
             <a:endParaRPr lang="ru-RU"/>
           </a:p>
@@ -1707,7 +1707,7 @@
             <a:fld id="{85A5DE44-605B-4D3B-B2B7-94543DF81A36}" type="datetimeFigureOut">
               <a:rPr lang="ru-RU" smtClean="0"/>
               <a:pPr/>
-              <a:t>06.05.2022</a:t>
+              <a:t>16.05.2022</a:t>
             </a:fld>
             <a:endParaRPr lang="ru-RU"/>
           </a:p>
@@ -2076,7 +2076,7 @@
             <a:fld id="{85A5DE44-605B-4D3B-B2B7-94543DF81A36}" type="datetimeFigureOut">
               <a:rPr lang="ru-RU" smtClean="0"/>
               <a:pPr/>
-              <a:t>06.05.2022</a:t>
+              <a:t>16.05.2022</a:t>
             </a:fld>
             <a:endParaRPr lang="ru-RU"/>
           </a:p>
@@ -2196,7 +2196,7 @@
             <a:fld id="{85A5DE44-605B-4D3B-B2B7-94543DF81A36}" type="datetimeFigureOut">
               <a:rPr lang="ru-RU" smtClean="0"/>
               <a:pPr/>
-              <a:t>06.05.2022</a:t>
+              <a:t>16.05.2022</a:t>
             </a:fld>
             <a:endParaRPr lang="ru-RU"/>
           </a:p>
@@ -2293,7 +2293,7 @@
             <a:fld id="{85A5DE44-605B-4D3B-B2B7-94543DF81A36}" type="datetimeFigureOut">
               <a:rPr lang="ru-RU" smtClean="0"/>
               <a:pPr/>
-              <a:t>06.05.2022</a:t>
+              <a:t>16.05.2022</a:t>
             </a:fld>
             <a:endParaRPr lang="ru-RU"/>
           </a:p>
@@ -2572,7 +2572,7 @@
             <a:fld id="{85A5DE44-605B-4D3B-B2B7-94543DF81A36}" type="datetimeFigureOut">
               <a:rPr lang="ru-RU" smtClean="0"/>
               <a:pPr/>
-              <a:t>06.05.2022</a:t>
+              <a:t>16.05.2022</a:t>
             </a:fld>
             <a:endParaRPr lang="ru-RU"/>
           </a:p>
@@ -2831,7 +2831,7 @@
             <a:fld id="{85A5DE44-605B-4D3B-B2B7-94543DF81A36}" type="datetimeFigureOut">
               <a:rPr lang="ru-RU" smtClean="0"/>
               <a:pPr/>
-              <a:t>06.05.2022</a:t>
+              <a:t>16.05.2022</a:t>
             </a:fld>
             <a:endParaRPr lang="ru-RU"/>
           </a:p>
@@ -3046,7 +3046,7 @@
             <a:fld id="{85A5DE44-605B-4D3B-B2B7-94543DF81A36}" type="datetimeFigureOut">
               <a:rPr lang="ru-RU" smtClean="0"/>
               <a:pPr/>
-              <a:t>06.05.2022</a:t>
+              <a:t>16.05.2022</a:t>
             </a:fld>
             <a:endParaRPr lang="ru-RU"/>
           </a:p>
@@ -7485,7 +7485,7 @@
             <a:pPr algn="ctr"/>
             <a:r>
               <a:rPr lang="ru-RU" sz="1400" dirty="0"/>
-              <a:t>Льготы для безработных (те, кто не имеет работы, должны получать льготы.)</a:t>
+              <a:t>Льготы для безработных</a:t>
             </a:r>
           </a:p>
         </p:txBody>
@@ -18966,73 +18966,6 @@
       </p:sp>
       <p:sp>
         <p:nvSpPr>
-          <p:cNvPr id="309" name="Прямоугольник 308">
-            <a:extLst>
-              <a:ext uri="{FF2B5EF4-FFF2-40B4-BE49-F238E27FC236}">
-                <a16:creationId xmlns:a16="http://schemas.microsoft.com/office/drawing/2014/main" id="{48182F7E-1D91-4D5F-95EF-DBD6F3B7FEB9}"/>
-              </a:ext>
-            </a:extLst>
-          </p:cNvPr>
-          <p:cNvSpPr/>
-          <p:nvPr/>
-        </p:nvSpPr>
-        <p:spPr>
-          <a:xfrm>
-            <a:off x="23409070" y="1304485"/>
-            <a:ext cx="2115918" cy="1080000"/>
-          </a:xfrm>
-          <a:prstGeom prst="rect">
-            <a:avLst/>
-          </a:prstGeom>
-          <a:solidFill>
-            <a:srgbClr val="FF0000"/>
-          </a:solidFill>
-          <a:ln w="28575"/>
-        </p:spPr>
-        <p:style>
-          <a:lnRef idx="2">
-            <a:schemeClr val="accent1"/>
-          </a:lnRef>
-          <a:fillRef idx="1">
-            <a:schemeClr val="lt1"/>
-          </a:fillRef>
-          <a:effectRef idx="0">
-            <a:schemeClr val="accent1"/>
-          </a:effectRef>
-          <a:fontRef idx="minor">
-            <a:schemeClr val="dk1"/>
-          </a:fontRef>
-        </p:style>
-        <p:txBody>
-          <a:bodyPr lIns="124733" tIns="62367" rIns="124733" bIns="62367" rtlCol="0" anchor="ctr"/>
-          <a:lstStyle/>
-          <a:p>
-            <a:pPr algn="ctr"/>
-            <a:r>
-              <a:rPr lang="ru-RU" sz="500" dirty="0"/>
-              <a:t>В отличие от предыдущих лет, CPH выступала за национальное единство, защиту парламентской демократии и прекращение борьбы с религией. Чтобы получить национальный имидж и укрепить новую политическую линию, партия во главе с новым секретарем партии Полем де </a:t>
-            </a:r>
-            <a:r>
-              <a:rPr lang="ru-RU" sz="500" dirty="0" err="1"/>
-              <a:t>Гроотом</a:t>
-            </a:r>
-            <a:r>
-              <a:rPr lang="ru-RU" sz="500" dirty="0"/>
-              <a:t> изменила название партии на «Коммунистическую партию Нидерландов» (КПН) во время партийного съезда 1935 года. Чтобы оправдать это решение, Де </a:t>
-            </a:r>
-            <a:r>
-              <a:rPr lang="ru-RU" sz="500" dirty="0" err="1"/>
-              <a:t>Гроот</a:t>
-            </a:r>
-            <a:r>
-              <a:rPr lang="ru-RU" sz="500" dirty="0"/>
-              <a:t> заявил на этом съезде: «Мы не хотим, чтобы наша партия стала врагом и изолировала себя в рабочем движении». Новая политика нашей партии, направленная на единство, требует, чтобы мы знали только одного врага: фашизм и капитализм, но чтобы наша партия была другом и союзником всех рабочих этой страны»</a:t>
-            </a:r>
-          </a:p>
-        </p:txBody>
-      </p:sp>
-      <p:sp>
-        <p:nvSpPr>
           <p:cNvPr id="311" name="Прямоугольник 310">
             <a:extLst>
               <a:ext uri="{FF2B5EF4-FFF2-40B4-BE49-F238E27FC236}">
@@ -20318,13 +20251,8 @@
             <a:pPr algn="ctr"/>
             <a:r>
               <a:rPr lang="ru-RU" sz="1400" dirty="0"/>
-              <a:t>Плановая экономика </a:t>
-            </a:r>
-            <a:r>
-              <a:rPr lang="ru-RU" sz="600" dirty="0"/>
-              <a:t>(о их мнению, важные отрасли промышленности должны быть национализированы в краткосрочной перспективе, а в долгосрочной перспективе должна быть запланирована вся экономика),.)</a:t>
-            </a:r>
-            <a:endParaRPr lang="ru-RU" sz="1400" dirty="0"/>
+              <a:t>Плановая экономика</a:t>
+            </a:r>
           </a:p>
         </p:txBody>
       </p:sp>

--- a/Наработки/диздоки/Нидерланды/Нидерланды.pptx
+++ b/Наработки/диздоки/Нидерланды/Нидерланды.pptx
@@ -209,7 +209,7 @@
             <a:fld id="{33E3D7F9-E251-484C-A6FF-FA958879DF69}" type="datetimeFigureOut">
               <a:rPr lang="ru-RU" smtClean="0"/>
               <a:pPr/>
-              <a:t>16.05.2022</a:t>
+              <a:t>17.05.2022</a:t>
             </a:fld>
             <a:endParaRPr lang="ru-RU"/>
           </a:p>
@@ -699,7 +699,7 @@
             <a:fld id="{85A5DE44-605B-4D3B-B2B7-94543DF81A36}" type="datetimeFigureOut">
               <a:rPr lang="ru-RU" smtClean="0"/>
               <a:pPr/>
-              <a:t>16.05.2022</a:t>
+              <a:t>17.05.2022</a:t>
             </a:fld>
             <a:endParaRPr lang="ru-RU"/>
           </a:p>
@@ -871,7 +871,7 @@
             <a:fld id="{85A5DE44-605B-4D3B-B2B7-94543DF81A36}" type="datetimeFigureOut">
               <a:rPr lang="ru-RU" smtClean="0"/>
               <a:pPr/>
-              <a:t>16.05.2022</a:t>
+              <a:t>17.05.2022</a:t>
             </a:fld>
             <a:endParaRPr lang="ru-RU"/>
           </a:p>
@@ -1053,7 +1053,7 @@
             <a:fld id="{85A5DE44-605B-4D3B-B2B7-94543DF81A36}" type="datetimeFigureOut">
               <a:rPr lang="ru-RU" smtClean="0"/>
               <a:pPr/>
-              <a:t>16.05.2022</a:t>
+              <a:t>17.05.2022</a:t>
             </a:fld>
             <a:endParaRPr lang="ru-RU"/>
           </a:p>
@@ -1225,7 +1225,7 @@
             <a:fld id="{85A5DE44-605B-4D3B-B2B7-94543DF81A36}" type="datetimeFigureOut">
               <a:rPr lang="ru-RU" smtClean="0"/>
               <a:pPr/>
-              <a:t>16.05.2022</a:t>
+              <a:t>17.05.2022</a:t>
             </a:fld>
             <a:endParaRPr lang="ru-RU"/>
           </a:p>
@@ -1473,7 +1473,7 @@
             <a:fld id="{85A5DE44-605B-4D3B-B2B7-94543DF81A36}" type="datetimeFigureOut">
               <a:rPr lang="ru-RU" smtClean="0"/>
               <a:pPr/>
-              <a:t>16.05.2022</a:t>
+              <a:t>17.05.2022</a:t>
             </a:fld>
             <a:endParaRPr lang="ru-RU"/>
           </a:p>
@@ -1707,7 +1707,7 @@
             <a:fld id="{85A5DE44-605B-4D3B-B2B7-94543DF81A36}" type="datetimeFigureOut">
               <a:rPr lang="ru-RU" smtClean="0"/>
               <a:pPr/>
-              <a:t>16.05.2022</a:t>
+              <a:t>17.05.2022</a:t>
             </a:fld>
             <a:endParaRPr lang="ru-RU"/>
           </a:p>
@@ -2076,7 +2076,7 @@
             <a:fld id="{85A5DE44-605B-4D3B-B2B7-94543DF81A36}" type="datetimeFigureOut">
               <a:rPr lang="ru-RU" smtClean="0"/>
               <a:pPr/>
-              <a:t>16.05.2022</a:t>
+              <a:t>17.05.2022</a:t>
             </a:fld>
             <a:endParaRPr lang="ru-RU"/>
           </a:p>
@@ -2196,7 +2196,7 @@
             <a:fld id="{85A5DE44-605B-4D3B-B2B7-94543DF81A36}" type="datetimeFigureOut">
               <a:rPr lang="ru-RU" smtClean="0"/>
               <a:pPr/>
-              <a:t>16.05.2022</a:t>
+              <a:t>17.05.2022</a:t>
             </a:fld>
             <a:endParaRPr lang="ru-RU"/>
           </a:p>
@@ -2293,7 +2293,7 @@
             <a:fld id="{85A5DE44-605B-4D3B-B2B7-94543DF81A36}" type="datetimeFigureOut">
               <a:rPr lang="ru-RU" smtClean="0"/>
               <a:pPr/>
-              <a:t>16.05.2022</a:t>
+              <a:t>17.05.2022</a:t>
             </a:fld>
             <a:endParaRPr lang="ru-RU"/>
           </a:p>
@@ -2572,7 +2572,7 @@
             <a:fld id="{85A5DE44-605B-4D3B-B2B7-94543DF81A36}" type="datetimeFigureOut">
               <a:rPr lang="ru-RU" smtClean="0"/>
               <a:pPr/>
-              <a:t>16.05.2022</a:t>
+              <a:t>17.05.2022</a:t>
             </a:fld>
             <a:endParaRPr lang="ru-RU"/>
           </a:p>
@@ -2831,7 +2831,7 @@
             <a:fld id="{85A5DE44-605B-4D3B-B2B7-94543DF81A36}" type="datetimeFigureOut">
               <a:rPr lang="ru-RU" smtClean="0"/>
               <a:pPr/>
-              <a:t>16.05.2022</a:t>
+              <a:t>17.05.2022</a:t>
             </a:fld>
             <a:endParaRPr lang="ru-RU"/>
           </a:p>
@@ -3046,7 +3046,7 @@
             <a:fld id="{85A5DE44-605B-4D3B-B2B7-94543DF81A36}" type="datetimeFigureOut">
               <a:rPr lang="ru-RU" smtClean="0"/>
               <a:pPr/>
-              <a:t>16.05.2022</a:t>
+              <a:t>17.05.2022</a:t>
             </a:fld>
             <a:endParaRPr lang="ru-RU"/>
           </a:p>
@@ -3492,77 +3492,8 @@
             <a:pPr algn="ctr"/>
             <a:r>
               <a:rPr lang="ru-RU" sz="1400" dirty="0"/>
-              <a:t>Революционная социалистическая партия </a:t>
-            </a:r>
-            <a:r>
-              <a:rPr lang="ru-RU" sz="300" dirty="0"/>
-              <a:t>(Революционная социалистическая партия ( голландский : </a:t>
-            </a:r>
-            <a:r>
-              <a:rPr lang="ru-RU" sz="300" dirty="0" err="1"/>
-              <a:t>Revolutionair</a:t>
-            </a:r>
-            <a:r>
-              <a:rPr lang="ru-RU" sz="300" dirty="0"/>
-              <a:t> </a:t>
-            </a:r>
-            <a:r>
-              <a:rPr lang="ru-RU" sz="300" dirty="0" err="1"/>
-              <a:t>Socialistische</a:t>
-            </a:r>
-            <a:r>
-              <a:rPr lang="ru-RU" sz="300" dirty="0"/>
-              <a:t> </a:t>
-            </a:r>
-            <a:r>
-              <a:rPr lang="ru-RU" sz="300" dirty="0" err="1"/>
-              <a:t>Partij</a:t>
-            </a:r>
-            <a:r>
-              <a:rPr lang="ru-RU" sz="300" dirty="0"/>
-              <a:t> или RSP ) была голландской социалистической политической партией , которую по-разному характеризовали как троцкистскую и синдикалистскую . [1] : 151 В 1935 году она объединилась с Независимой социалистической партией (OSP) и образовала Революционную социалистическую рабочую партию ( голландский : </a:t>
-            </a:r>
-            <a:r>
-              <a:rPr lang="ru-RU" sz="300" dirty="0" err="1"/>
-              <a:t>Revolutionair</a:t>
-            </a:r>
-            <a:r>
-              <a:rPr lang="ru-RU" sz="300" dirty="0"/>
-              <a:t> </a:t>
-            </a:r>
-            <a:r>
-              <a:rPr lang="ru-RU" sz="300" dirty="0" err="1"/>
-              <a:t>Socialistische</a:t>
-            </a:r>
-            <a:r>
-              <a:rPr lang="ru-RU" sz="300" dirty="0"/>
-              <a:t> </a:t>
-            </a:r>
-            <a:r>
-              <a:rPr lang="ru-RU" sz="300" dirty="0" err="1"/>
-              <a:t>Arbeiderspartij</a:t>
-            </a:r>
-            <a:r>
-              <a:rPr lang="ru-RU" sz="300" dirty="0"/>
-              <a:t> , RSAP), но большинство бывших членов OSP покинули объединенную партию в том же году. [1] : 159–160 </a:t>
-            </a:r>
-            <a:r>
-              <a:rPr lang="ru-RU" sz="300" dirty="0" err="1"/>
-              <a:t>Хенк</a:t>
-            </a:r>
-            <a:r>
-              <a:rPr lang="ru-RU" sz="300" dirty="0"/>
-              <a:t> </a:t>
-            </a:r>
-            <a:r>
-              <a:rPr lang="ru-RU" sz="300" dirty="0" err="1"/>
-              <a:t>Сневлит</a:t>
-            </a:r>
-            <a:r>
-              <a:rPr lang="ru-RU" sz="300" dirty="0"/>
-              <a:t> был бесспорным лидером RSP/RSAP на протяжении всего его существования, [1] : 151–152 , а также его единственным представителем .)</a:t>
-            </a:r>
-            <a:endParaRPr lang="ru-RU" sz="1400" dirty="0"/>
+              <a:t>Революционная социалистическая партия</a:t>
+            </a:r>
           </a:p>
         </p:txBody>
       </p:sp>
@@ -4719,7 +4650,7 @@
           </a:xfrm>
           <a:prstGeom prst="bentConnector3">
             <a:avLst>
-              <a:gd name="adj1" fmla="val 50000"/>
+              <a:gd name="adj1" fmla="val 44475"/>
             </a:avLst>
           </a:prstGeom>
           <a:ln w="28575">
@@ -5569,7 +5500,11 @@
           <a:solidFill>
             <a:srgbClr val="FF0000"/>
           </a:solidFill>
-          <a:ln w="28575"/>
+          <a:ln w="28575">
+            <a:solidFill>
+              <a:schemeClr val="tx1"/>
+            </a:solidFill>
+          </a:ln>
         </p:spPr>
         <p:style>
           <a:lnRef idx="2">
@@ -5620,7 +5555,11 @@
           <a:solidFill>
             <a:srgbClr val="FF0000"/>
           </a:solidFill>
-          <a:ln w="28575"/>
+          <a:ln w="28575">
+            <a:solidFill>
+              <a:schemeClr val="tx1"/>
+            </a:solidFill>
+          </a:ln>
         </p:spPr>
         <p:style>
           <a:lnRef idx="2">
@@ -5671,7 +5610,11 @@
           <a:solidFill>
             <a:srgbClr val="FF0000"/>
           </a:solidFill>
-          <a:ln w="28575"/>
+          <a:ln w="28575">
+            <a:solidFill>
+              <a:schemeClr val="tx1"/>
+            </a:solidFill>
+          </a:ln>
         </p:spPr>
         <p:style>
           <a:lnRef idx="2">
@@ -5812,7 +5755,11 @@
           <a:solidFill>
             <a:srgbClr val="FF0000"/>
           </a:solidFill>
-          <a:ln w="28575"/>
+          <a:ln w="28575">
+            <a:solidFill>
+              <a:schemeClr val="tx1"/>
+            </a:solidFill>
+          </a:ln>
         </p:spPr>
         <p:style>
           <a:lnRef idx="2">
@@ -5863,7 +5810,11 @@
           <a:solidFill>
             <a:srgbClr val="FF0000"/>
           </a:solidFill>
-          <a:ln w="28575"/>
+          <a:ln w="28575">
+            <a:solidFill>
+              <a:schemeClr val="tx1"/>
+            </a:solidFill>
+          </a:ln>
         </p:spPr>
         <p:style>
           <a:lnRef idx="2">
@@ -5914,7 +5865,11 @@
           <a:solidFill>
             <a:srgbClr val="FF0000"/>
           </a:solidFill>
-          <a:ln w="28575"/>
+          <a:ln w="28575">
+            <a:solidFill>
+              <a:schemeClr val="tx1"/>
+            </a:solidFill>
+          </a:ln>
         </p:spPr>
         <p:style>
           <a:lnRef idx="2">
@@ -6103,7 +6058,11 @@
           <a:solidFill>
             <a:srgbClr val="FF0000"/>
           </a:solidFill>
-          <a:ln w="28575"/>
+          <a:ln w="28575">
+            <a:solidFill>
+              <a:schemeClr val="tx1"/>
+            </a:solidFill>
+          </a:ln>
         </p:spPr>
         <p:style>
           <a:lnRef idx="2">
@@ -6246,7 +6205,11 @@
           <a:solidFill>
             <a:srgbClr val="FF0000"/>
           </a:solidFill>
-          <a:ln w="28575"/>
+          <a:ln w="28575">
+            <a:solidFill>
+              <a:schemeClr val="tx1"/>
+            </a:solidFill>
+          </a:ln>
         </p:spPr>
         <p:style>
           <a:lnRef idx="2">
@@ -6342,7 +6305,11 @@
           <a:solidFill>
             <a:srgbClr val="FF0000"/>
           </a:solidFill>
-          <a:ln w="28575"/>
+          <a:ln w="28575">
+            <a:solidFill>
+              <a:schemeClr val="tx1"/>
+            </a:solidFill>
+          </a:ln>
         </p:spPr>
         <p:style>
           <a:lnRef idx="2">
@@ -6481,7 +6448,11 @@
           <a:solidFill>
             <a:srgbClr val="FF0000"/>
           </a:solidFill>
-          <a:ln w="28575"/>
+          <a:ln w="28575">
+            <a:solidFill>
+              <a:schemeClr val="tx1"/>
+            </a:solidFill>
+          </a:ln>
         </p:spPr>
         <p:style>
           <a:lnRef idx="2">
@@ -6577,7 +6548,11 @@
           <a:solidFill>
             <a:srgbClr val="FF0000"/>
           </a:solidFill>
-          <a:ln w="28575"/>
+          <a:ln w="28575">
+            <a:solidFill>
+              <a:schemeClr val="tx1"/>
+            </a:solidFill>
+          </a:ln>
         </p:spPr>
         <p:style>
           <a:lnRef idx="2">
@@ -6628,7 +6603,11 @@
           <a:solidFill>
             <a:srgbClr val="FF0000"/>
           </a:solidFill>
-          <a:ln w="28575"/>
+          <a:ln w="28575">
+            <a:solidFill>
+              <a:schemeClr val="tx1"/>
+            </a:solidFill>
+          </a:ln>
         </p:spPr>
         <p:style>
           <a:lnRef idx="2">
@@ -6679,7 +6658,11 @@
           <a:solidFill>
             <a:srgbClr val="FF0000"/>
           </a:solidFill>
-          <a:ln w="28575"/>
+          <a:ln w="28575">
+            <a:solidFill>
+              <a:schemeClr val="tx1"/>
+            </a:solidFill>
+          </a:ln>
         </p:spPr>
         <p:style>
           <a:lnRef idx="2">
@@ -7127,7 +7110,11 @@
           <a:solidFill>
             <a:srgbClr val="FF0000"/>
           </a:solidFill>
-          <a:ln w="28575"/>
+          <a:ln w="28575">
+            <a:solidFill>
+              <a:schemeClr val="tx1"/>
+            </a:solidFill>
+          </a:ln>
         </p:spPr>
         <p:style>
           <a:lnRef idx="2">
@@ -7150,13 +7137,8 @@
             <a:pPr algn="ctr"/>
             <a:r>
               <a:rPr lang="ru-RU" sz="1400" dirty="0"/>
-              <a:t>Партия – авангард социализма </a:t>
-            </a:r>
-            <a:r>
-              <a:rPr lang="ru-RU" sz="900" dirty="0"/>
-              <a:t>(выступало за свержение государства авангардной партией, которая привела бы страну к социализму.)</a:t>
-            </a:r>
-            <a:endParaRPr lang="ru-RU" sz="1400" dirty="0"/>
+              <a:t>Партия – авангард социализма</a:t>
+            </a:r>
           </a:p>
         </p:txBody>
       </p:sp>

--- a/Наработки/диздоки/Нидерланды/Нидерланды.pptx
+++ b/Наработки/диздоки/Нидерланды/Нидерланды.pptx
@@ -209,7 +209,7 @@
             <a:fld id="{33E3D7F9-E251-484C-A6FF-FA958879DF69}" type="datetimeFigureOut">
               <a:rPr lang="ru-RU" smtClean="0"/>
               <a:pPr/>
-              <a:t>17.05.2022</a:t>
+              <a:t>20.05.2022</a:t>
             </a:fld>
             <a:endParaRPr lang="ru-RU"/>
           </a:p>
@@ -699,7 +699,7 @@
             <a:fld id="{85A5DE44-605B-4D3B-B2B7-94543DF81A36}" type="datetimeFigureOut">
               <a:rPr lang="ru-RU" smtClean="0"/>
               <a:pPr/>
-              <a:t>17.05.2022</a:t>
+              <a:t>20.05.2022</a:t>
             </a:fld>
             <a:endParaRPr lang="ru-RU"/>
           </a:p>
@@ -871,7 +871,7 @@
             <a:fld id="{85A5DE44-605B-4D3B-B2B7-94543DF81A36}" type="datetimeFigureOut">
               <a:rPr lang="ru-RU" smtClean="0"/>
               <a:pPr/>
-              <a:t>17.05.2022</a:t>
+              <a:t>20.05.2022</a:t>
             </a:fld>
             <a:endParaRPr lang="ru-RU"/>
           </a:p>
@@ -1053,7 +1053,7 @@
             <a:fld id="{85A5DE44-605B-4D3B-B2B7-94543DF81A36}" type="datetimeFigureOut">
               <a:rPr lang="ru-RU" smtClean="0"/>
               <a:pPr/>
-              <a:t>17.05.2022</a:t>
+              <a:t>20.05.2022</a:t>
             </a:fld>
             <a:endParaRPr lang="ru-RU"/>
           </a:p>
@@ -1225,7 +1225,7 @@
             <a:fld id="{85A5DE44-605B-4D3B-B2B7-94543DF81A36}" type="datetimeFigureOut">
               <a:rPr lang="ru-RU" smtClean="0"/>
               <a:pPr/>
-              <a:t>17.05.2022</a:t>
+              <a:t>20.05.2022</a:t>
             </a:fld>
             <a:endParaRPr lang="ru-RU"/>
           </a:p>
@@ -1473,7 +1473,7 @@
             <a:fld id="{85A5DE44-605B-4D3B-B2B7-94543DF81A36}" type="datetimeFigureOut">
               <a:rPr lang="ru-RU" smtClean="0"/>
               <a:pPr/>
-              <a:t>17.05.2022</a:t>
+              <a:t>20.05.2022</a:t>
             </a:fld>
             <a:endParaRPr lang="ru-RU"/>
           </a:p>
@@ -1707,7 +1707,7 @@
             <a:fld id="{85A5DE44-605B-4D3B-B2B7-94543DF81A36}" type="datetimeFigureOut">
               <a:rPr lang="ru-RU" smtClean="0"/>
               <a:pPr/>
-              <a:t>17.05.2022</a:t>
+              <a:t>20.05.2022</a:t>
             </a:fld>
             <a:endParaRPr lang="ru-RU"/>
           </a:p>
@@ -2076,7 +2076,7 @@
             <a:fld id="{85A5DE44-605B-4D3B-B2B7-94543DF81A36}" type="datetimeFigureOut">
               <a:rPr lang="ru-RU" smtClean="0"/>
               <a:pPr/>
-              <a:t>17.05.2022</a:t>
+              <a:t>20.05.2022</a:t>
             </a:fld>
             <a:endParaRPr lang="ru-RU"/>
           </a:p>
@@ -2196,7 +2196,7 @@
             <a:fld id="{85A5DE44-605B-4D3B-B2B7-94543DF81A36}" type="datetimeFigureOut">
               <a:rPr lang="ru-RU" smtClean="0"/>
               <a:pPr/>
-              <a:t>17.05.2022</a:t>
+              <a:t>20.05.2022</a:t>
             </a:fld>
             <a:endParaRPr lang="ru-RU"/>
           </a:p>
@@ -2293,7 +2293,7 @@
             <a:fld id="{85A5DE44-605B-4D3B-B2B7-94543DF81A36}" type="datetimeFigureOut">
               <a:rPr lang="ru-RU" smtClean="0"/>
               <a:pPr/>
-              <a:t>17.05.2022</a:t>
+              <a:t>20.05.2022</a:t>
             </a:fld>
             <a:endParaRPr lang="ru-RU"/>
           </a:p>
@@ -2572,7 +2572,7 @@
             <a:fld id="{85A5DE44-605B-4D3B-B2B7-94543DF81A36}" type="datetimeFigureOut">
               <a:rPr lang="ru-RU" smtClean="0"/>
               <a:pPr/>
-              <a:t>17.05.2022</a:t>
+              <a:t>20.05.2022</a:t>
             </a:fld>
             <a:endParaRPr lang="ru-RU"/>
           </a:p>
@@ -2831,7 +2831,7 @@
             <a:fld id="{85A5DE44-605B-4D3B-B2B7-94543DF81A36}" type="datetimeFigureOut">
               <a:rPr lang="ru-RU" smtClean="0"/>
               <a:pPr/>
-              <a:t>17.05.2022</a:t>
+              <a:t>20.05.2022</a:t>
             </a:fld>
             <a:endParaRPr lang="ru-RU"/>
           </a:p>
@@ -3046,7 +3046,7 @@
             <a:fld id="{85A5DE44-605B-4D3B-B2B7-94543DF81A36}" type="datetimeFigureOut">
               <a:rPr lang="ru-RU" smtClean="0"/>
               <a:pPr/>
-              <a:t>17.05.2022</a:t>
+              <a:t>20.05.2022</a:t>
             </a:fld>
             <a:endParaRPr lang="ru-RU"/>
           </a:p>
@@ -3550,7 +3550,7 @@
         </p:nvSpPr>
         <p:spPr>
           <a:xfrm>
-            <a:off x="13745508" y="15202795"/>
+            <a:off x="13717213" y="12368165"/>
             <a:ext cx="2115918" cy="1080000"/>
           </a:xfrm>
           <a:prstGeom prst="rect">
@@ -3559,7 +3559,11 @@
           <a:solidFill>
             <a:srgbClr val="FFC000"/>
           </a:solidFill>
-          <a:ln w="28575"/>
+          <a:ln w="28575">
+            <a:solidFill>
+              <a:schemeClr val="tx1"/>
+            </a:solidFill>
+          </a:ln>
         </p:spPr>
         <p:style>
           <a:lnRef idx="2">
@@ -3582,13 +3586,8 @@
             <a:pPr algn="ctr"/>
             <a:r>
               <a:rPr lang="ru-RU" sz="1400" dirty="0"/>
-              <a:t>Борьба с безработицей </a:t>
-            </a:r>
-            <a:r>
-              <a:rPr lang="ru-RU" sz="1000" dirty="0"/>
-              <a:t>(Государственное вмешательство в борьбу с безработицей и государственные субсидии безработным;)</a:t>
-            </a:r>
-            <a:endParaRPr lang="ru-RU" sz="1400" dirty="0"/>
+              <a:t>Борьба с безработицей</a:t>
+            </a:r>
           </a:p>
         </p:txBody>
       </p:sp>
@@ -3638,61 +3637,8 @@
             <a:pPr algn="ctr"/>
             <a:r>
               <a:rPr lang="ru-RU" sz="1400" dirty="0"/>
-              <a:t>Голландский антивоенный фронт </a:t>
-            </a:r>
-            <a:r>
-              <a:rPr lang="ru-RU" sz="400" dirty="0"/>
-              <a:t>(Столкнувшись с войной и угрозой распространения военных действий на территорию Нидерландов, коммунисты совета, казалось, не решались проводить свою антивоенную революционную пропаганду. Правда, у них не было никакого желания проводить «</a:t>
-            </a:r>
-            <a:r>
-              <a:rPr lang="ru-RU" sz="400" dirty="0" err="1"/>
-              <a:t>фронтистскую</a:t>
-            </a:r>
-            <a:r>
-              <a:rPr lang="ru-RU" sz="400" dirty="0"/>
-              <a:t>» политику с </a:t>
-            </a:r>
-            <a:r>
-              <a:rPr lang="ru-RU" sz="400" dirty="0" err="1"/>
-              <a:t>rsap</a:t>
-            </a:r>
-            <a:r>
-              <a:rPr lang="ru-RU" sz="400" dirty="0"/>
-              <a:t> </a:t>
-            </a:r>
-            <a:r>
-              <a:rPr lang="ru-RU" sz="400" dirty="0" err="1"/>
-              <a:t>Сневлита</a:t>
-            </a:r>
-            <a:r>
-              <a:rPr lang="ru-RU" sz="400" dirty="0"/>
-              <a:t>, который в начале 1940-х предложил создать антивоенный фронт (</a:t>
-            </a:r>
-            <a:r>
-              <a:rPr lang="ru-RU" sz="400" dirty="0" err="1"/>
-              <a:t>Nederlands</a:t>
-            </a:r>
-            <a:r>
-              <a:rPr lang="ru-RU" sz="400" dirty="0"/>
-              <a:t> </a:t>
-            </a:r>
-            <a:r>
-              <a:rPr lang="ru-RU" sz="400" dirty="0" err="1"/>
-              <a:t>Anti-Oorlog</a:t>
-            </a:r>
-            <a:r>
-              <a:rPr lang="ru-RU" sz="400" dirty="0"/>
-              <a:t> </a:t>
-            </a:r>
-            <a:r>
-              <a:rPr lang="ru-RU" sz="400" dirty="0" err="1"/>
-              <a:t>Front</a:t>
-            </a:r>
-            <a:r>
-              <a:rPr lang="ru-RU" sz="400" dirty="0"/>
-              <a:t>), объединяющий синдикалистов, анархистов и троцкистов для общего действие. Они отказались присоединяться к этому фронту2)</a:t>
-            </a:r>
-            <a:endParaRPr lang="ru-RU" sz="1400" dirty="0"/>
+              <a:t>Интернациональный антивоенный фронт</a:t>
+            </a:r>
           </a:p>
         </p:txBody>
       </p:sp>
@@ -3719,7 +3665,11 @@
           <a:solidFill>
             <a:srgbClr val="FFC000"/>
           </a:solidFill>
-          <a:ln w="28575"/>
+          <a:ln w="28575">
+            <a:solidFill>
+              <a:schemeClr val="tx1"/>
+            </a:solidFill>
+          </a:ln>
         </p:spPr>
         <p:style>
           <a:lnRef idx="2">
@@ -3750,126 +3700,7 @@
             </a:r>
             <a:r>
               <a:rPr lang="ru-RU" sz="1400" dirty="0"/>
-              <a:t>мировая революция </a:t>
-            </a:r>
-            <a:r>
-              <a:rPr lang="ru-RU" sz="700" dirty="0"/>
-              <a:t>(Голландско-немецкие левые откололись от Владимира Ленина .до правления Сталина и поддерживает твердо советскую коммунистическую и </a:t>
-            </a:r>
-            <a:r>
-              <a:rPr lang="ru-RU" sz="700" dirty="0" err="1"/>
-              <a:t>либертарианскую</a:t>
-            </a:r>
-            <a:r>
-              <a:rPr lang="ru-RU" sz="700" dirty="0"/>
-              <a:t> марксистскую точку зрения, в отличие от итальянских левых, которые подчеркивали необходимость международной революционной партии.)</a:t>
-            </a:r>
-            <a:endParaRPr lang="ru-RU" sz="1400" dirty="0"/>
-          </a:p>
-        </p:txBody>
-      </p:sp>
-      <p:sp>
-        <p:nvSpPr>
-          <p:cNvPr id="131" name="Прямоугольник 130">
-            <a:extLst>
-              <a:ext uri="{FF2B5EF4-FFF2-40B4-BE49-F238E27FC236}">
-                <a16:creationId xmlns:a16="http://schemas.microsoft.com/office/drawing/2014/main" id="{F58FDCDF-41C4-4AB2-B4DF-922F7CDBAA5D}"/>
-              </a:ext>
-            </a:extLst>
-          </p:cNvPr>
-          <p:cNvSpPr/>
-          <p:nvPr/>
-        </p:nvSpPr>
-        <p:spPr>
-          <a:xfrm>
-            <a:off x="17364628" y="1305025"/>
-            <a:ext cx="2115918" cy="1080000"/>
-          </a:xfrm>
-          <a:prstGeom prst="rect">
-            <a:avLst/>
-          </a:prstGeom>
-          <a:solidFill>
-            <a:srgbClr val="FFC000"/>
-          </a:solidFill>
-          <a:ln w="28575"/>
-        </p:spPr>
-        <p:style>
-          <a:lnRef idx="2">
-            <a:schemeClr val="accent1"/>
-          </a:lnRef>
-          <a:fillRef idx="1">
-            <a:schemeClr val="lt1"/>
-          </a:fillRef>
-          <a:effectRef idx="0">
-            <a:schemeClr val="accent1"/>
-          </a:effectRef>
-          <a:fontRef idx="minor">
-            <a:schemeClr val="dk1"/>
-          </a:fontRef>
-        </p:style>
-        <p:txBody>
-          <a:bodyPr lIns="124733" tIns="62367" rIns="124733" bIns="62367" rtlCol="0" anchor="ctr"/>
-          <a:lstStyle/>
-          <a:p>
-            <a:pPr algn="ctr"/>
-            <a:r>
-              <a:rPr lang="ru-RU" sz="300" dirty="0"/>
-              <a:t>Поэтому в 1935 г. было принято решение о слиянии партии </a:t>
-            </a:r>
-            <a:r>
-              <a:rPr lang="ru-RU" sz="300" dirty="0" err="1"/>
-              <a:t>Сневлита</a:t>
-            </a:r>
-            <a:r>
-              <a:rPr lang="ru-RU" sz="300" dirty="0"/>
-              <a:t> с РСП, из которой возникла Революционная социалистическая рабочая партия (РСАП). Шмидт стал председателем этой партии и был избран в провинциальный совет Северной Голландии и в городской совет Амстердама. Когда он был исключен из РСАП вместе с адвокатом </a:t>
-            </a:r>
-            <a:r>
-              <a:rPr lang="ru-RU" sz="300" dirty="0" err="1"/>
-              <a:t>Штиеном</a:t>
-            </a:r>
-            <a:r>
-              <a:rPr lang="ru-RU" sz="300" dirty="0"/>
-              <a:t> де </a:t>
-            </a:r>
-            <a:r>
-              <a:rPr lang="ru-RU" sz="300" dirty="0" err="1"/>
-              <a:t>Зеувом</a:t>
-            </a:r>
-            <a:r>
-              <a:rPr lang="ru-RU" sz="300" dirty="0"/>
-              <a:t> в сентябре 1936 года из-за его критики Сталина и сталинского режима в Советском Союзе, [3]он вышел из провинциального совета и городского совета. Он снова стал членом SDAP и был избран в городской совет Амстердама в 1939 году от этой партии. Он оставался членом совета, пока он не был распущен немецкими оккупантами в 1941 году.</a:t>
-            </a:r>
-            <a:br>
-              <a:rPr lang="ru-RU" sz="300" dirty="0"/>
-            </a:br>
-            <a:r>
-              <a:rPr lang="ru-RU" sz="300" dirty="0"/>
-              <a:t>В 1936 году Шмидт был исключен за то, что публично раскритиковал Московские процессы как показательные . [1] : 159 </a:t>
-            </a:r>
-            <a:r>
-              <a:rPr lang="ru-RU" sz="300" dirty="0" err="1"/>
-              <a:t>Сневлит</a:t>
-            </a:r>
-            <a:r>
-              <a:rPr lang="ru-RU" sz="300" dirty="0"/>
-              <a:t> занял место председателя. Симпатия Шмидта к демократии и его страх перед тоталитарной диктатурой были непосредственной причиной этого раскола. На выборах 1937 </a:t>
-            </a:r>
-            <a:r>
-              <a:rPr lang="ru-RU" sz="300" dirty="0" err="1"/>
-              <a:t>г.партия</a:t>
-            </a:r>
-            <a:r>
-              <a:rPr lang="ru-RU" sz="300" dirty="0"/>
-              <a:t> не смогла получить ни одного места. После этих выборов партия получила больше противодействия со стороны правительства Нидерландов: государственным служащим было запрещено быть членом NAS или RSAP, а видные члены RSAP преследовались за оскорбление «дружественных глав государств», таких как Гитлер . Коммунистическая КПН, набравшая силу после нескольких чисток, также активно выступала против «троцкистской контрреволюционной секты». [1] : 160 отрядов сильной руки КПН атаковали нескольких видных членов РСАП. В конце концов Троцкий и </a:t>
-            </a:r>
-            <a:r>
-              <a:rPr lang="ru-RU" sz="300" dirty="0" err="1"/>
-              <a:t>Сневлит</a:t>
-            </a:r>
-            <a:r>
-              <a:rPr lang="ru-RU" sz="300" dirty="0"/>
-              <a:t> вступили в идеологический конфликт, отрезав РСАП от международных контактов.</a:t>
+              <a:t>мировая революция</a:t>
             </a:r>
           </a:p>
         </p:txBody>
@@ -3888,7 +3719,7 @@
         </p:nvSpPr>
         <p:spPr>
           <a:xfrm>
-            <a:off x="17364628" y="3861570"/>
+            <a:off x="13428656" y="5297666"/>
             <a:ext cx="2115918" cy="1080000"/>
           </a:xfrm>
           <a:prstGeom prst="rect">
@@ -4019,7 +3850,11 @@
           <a:solidFill>
             <a:srgbClr val="FFC000"/>
           </a:solidFill>
-          <a:ln w="28575"/>
+          <a:ln w="28575">
+            <a:solidFill>
+              <a:schemeClr val="tx1"/>
+            </a:solidFill>
+          </a:ln>
         </p:spPr>
         <p:style>
           <a:lnRef idx="2">
@@ -4042,13 +3877,8 @@
             <a:pPr algn="ctr"/>
             <a:r>
               <a:rPr lang="ru-RU" sz="1400" dirty="0"/>
-              <a:t>Система рабочих советов </a:t>
-            </a:r>
-            <a:r>
-              <a:rPr lang="ru-RU" sz="600" dirty="0"/>
-              <a:t>(Главной целью партии была пролетарская мировая революция , которая заменит капиталистическую систему системой рабочих советов . В конце концов это привело бы к коммунистическому обществу, где эксплуатация и класс будет ликвидирован.)</a:t>
-            </a:r>
-            <a:endParaRPr lang="ru-RU" sz="1400" dirty="0"/>
+              <a:t>Система рабочих советов</a:t>
+            </a:r>
           </a:p>
         </p:txBody>
       </p:sp>
@@ -4075,7 +3905,11 @@
           <a:solidFill>
             <a:srgbClr val="FFC000"/>
           </a:solidFill>
-          <a:ln w="28575"/>
+          <a:ln w="28575">
+            <a:solidFill>
+              <a:schemeClr val="tx1"/>
+            </a:solidFill>
+          </a:ln>
         </p:spPr>
         <p:style>
           <a:lnRef idx="2">
@@ -4117,7 +3951,7 @@
         </p:nvSpPr>
         <p:spPr>
           <a:xfrm>
-            <a:off x="13744278" y="16748684"/>
+            <a:off x="13717213" y="15218405"/>
             <a:ext cx="2115918" cy="1080000"/>
           </a:xfrm>
           <a:prstGeom prst="rect">
@@ -4126,7 +3960,11 @@
           <a:solidFill>
             <a:srgbClr val="FFC000"/>
           </a:solidFill>
-          <a:ln w="28575"/>
+          <a:ln w="28575">
+            <a:solidFill>
+              <a:schemeClr val="tx1"/>
+            </a:solidFill>
+          </a:ln>
         </p:spPr>
         <p:style>
           <a:lnRef idx="2">
@@ -4149,13 +3987,8 @@
             <a:pPr algn="ctr"/>
             <a:r>
               <a:rPr lang="ru-RU" sz="1400" dirty="0"/>
-              <a:t>Новые условия труда </a:t>
-            </a:r>
-            <a:r>
-              <a:rPr lang="ru-RU" sz="1000" dirty="0"/>
-              <a:t>(Установление условий труда для рабочих: 6-часовой рабочий день, особая защита работниц и молодежи, запрет на работу в ночное время и обязательный отпуск;)</a:t>
-            </a:r>
-            <a:endParaRPr lang="ru-RU" sz="1400" dirty="0"/>
+              <a:t>Новые условия труда</a:t>
+            </a:r>
           </a:p>
         </p:txBody>
       </p:sp>
@@ -4173,7 +4006,7 @@
         </p:nvSpPr>
         <p:spPr>
           <a:xfrm>
-            <a:off x="11074095" y="16724401"/>
+            <a:off x="11257024" y="12361339"/>
             <a:ext cx="2115918" cy="1080000"/>
           </a:xfrm>
           <a:prstGeom prst="rect">
@@ -4182,7 +4015,11 @@
           <a:solidFill>
             <a:srgbClr val="FFC000"/>
           </a:solidFill>
-          <a:ln w="28575"/>
+          <a:ln w="28575">
+            <a:solidFill>
+              <a:schemeClr val="tx1"/>
+            </a:solidFill>
+          </a:ln>
         </p:spPr>
         <p:style>
           <a:lnRef idx="2">
@@ -4224,7 +4061,7 @@
         </p:nvSpPr>
         <p:spPr>
           <a:xfrm>
-            <a:off x="12464570" y="18143910"/>
+            <a:off x="11065400" y="16735036"/>
             <a:ext cx="2115918" cy="1080000"/>
           </a:xfrm>
           <a:prstGeom prst="rect">
@@ -4233,7 +4070,11 @@
           <a:solidFill>
             <a:srgbClr val="FFC000"/>
           </a:solidFill>
-          <a:ln w="28575"/>
+          <a:ln w="28575">
+            <a:solidFill>
+              <a:schemeClr val="tx1"/>
+            </a:solidFill>
+          </a:ln>
         </p:spPr>
         <p:style>
           <a:lnRef idx="2">
@@ -4256,7 +4097,7 @@
             <a:pPr algn="ctr"/>
             <a:r>
               <a:rPr lang="ru-RU" sz="1400" dirty="0"/>
-              <a:t>Пенсии по старости с 55 лет</a:t>
+              <a:t>Понижение пенсионного возраста</a:t>
             </a:r>
           </a:p>
         </p:txBody>
@@ -4284,7 +4125,11 @@
           <a:solidFill>
             <a:srgbClr val="FFC000"/>
           </a:solidFill>
-          <a:ln w="28575"/>
+          <a:ln w="28575">
+            <a:solidFill>
+              <a:schemeClr val="tx1"/>
+            </a:solidFill>
+          </a:ln>
         </p:spPr>
         <p:style>
           <a:lnRef idx="2">
@@ -4324,14 +4169,14 @@
           <p:cNvCxnSpPr>
             <a:cxnSpLocks/>
             <a:stCxn id="126" idx="2"/>
-            <a:endCxn id="295" idx="0"/>
+            <a:endCxn id="201" idx="0"/>
           </p:cNvCxnSpPr>
           <p:nvPr/>
         </p:nvCxnSpPr>
         <p:spPr>
           <a:xfrm rot="5400000">
-            <a:off x="15758023" y="10984548"/>
-            <a:ext cx="419253" cy="2330823"/>
+            <a:off x="15740200" y="10975305"/>
+            <a:ext cx="427832" cy="2357888"/>
           </a:xfrm>
           <a:prstGeom prst="bentConnector3">
             <a:avLst>
@@ -4368,15 +4213,15 @@
           </p:cNvPr>
           <p:cNvCxnSpPr>
             <a:cxnSpLocks/>
-            <a:stCxn id="201" idx="2"/>
-            <a:endCxn id="144" idx="0"/>
+            <a:stCxn id="144" idx="2"/>
+            <a:endCxn id="258" idx="0"/>
           </p:cNvCxnSpPr>
           <p:nvPr/>
         </p:nvCxnSpPr>
         <p:spPr>
           <a:xfrm rot="5400000">
-            <a:off x="14569908" y="16515124"/>
-            <a:ext cx="465889" cy="1230"/>
+            <a:off x="14556448" y="16510779"/>
+            <a:ext cx="431098" cy="6350"/>
           </a:xfrm>
           <a:prstGeom prst="bentConnector3">
             <a:avLst>
@@ -4413,15 +4258,15 @@
           </p:cNvPr>
           <p:cNvCxnSpPr>
             <a:cxnSpLocks/>
-            <a:stCxn id="201" idx="2"/>
-            <a:endCxn id="146" idx="0"/>
+            <a:stCxn id="144" idx="2"/>
+            <a:endCxn id="147" idx="0"/>
           </p:cNvCxnSpPr>
           <p:nvPr/>
         </p:nvCxnSpPr>
         <p:spPr>
           <a:xfrm rot="5400000">
-            <a:off x="13246958" y="15167892"/>
-            <a:ext cx="441606" cy="2671413"/>
+            <a:off x="13230951" y="15190814"/>
+            <a:ext cx="436631" cy="2651813"/>
           </a:xfrm>
           <a:prstGeom prst="bentConnector3">
             <a:avLst>
@@ -4638,19 +4483,19 @@
           </p:cNvPr>
           <p:cNvCxnSpPr>
             <a:cxnSpLocks/>
-            <a:stCxn id="144" idx="2"/>
-            <a:endCxn id="147" idx="0"/>
+            <a:stCxn id="258" idx="2"/>
+            <a:endCxn id="295" idx="0"/>
           </p:cNvCxnSpPr>
           <p:nvPr/>
         </p:nvCxnSpPr>
         <p:spPr>
-          <a:xfrm rot="5400000">
-            <a:off x="14004770" y="17346443"/>
-            <a:ext cx="315226" cy="1279708"/>
+          <a:xfrm rot="16200000" flipH="1">
+            <a:off x="14594290" y="17984035"/>
+            <a:ext cx="352240" cy="3176"/>
           </a:xfrm>
           <a:prstGeom prst="bentConnector3">
             <a:avLst>
-              <a:gd name="adj1" fmla="val 44475"/>
+              <a:gd name="adj1" fmla="val 50000"/>
             </a:avLst>
           </a:prstGeom>
           <a:ln w="28575">
@@ -4683,15 +4528,15 @@
           </p:cNvPr>
           <p:cNvCxnSpPr>
             <a:cxnSpLocks/>
-            <a:stCxn id="146" idx="2"/>
-            <a:endCxn id="147" idx="0"/>
+            <a:stCxn id="258" idx="2"/>
+            <a:endCxn id="332" idx="0"/>
           </p:cNvCxnSpPr>
           <p:nvPr/>
         </p:nvCxnSpPr>
         <p:spPr>
-          <a:xfrm rot="16200000" flipH="1">
-            <a:off x="12657537" y="17278917"/>
-            <a:ext cx="339509" cy="1390475"/>
+          <a:xfrm rot="5400000">
+            <a:off x="13264753" y="16658882"/>
+            <a:ext cx="353449" cy="2654690"/>
           </a:xfrm>
           <a:prstGeom prst="bentConnector3">
             <a:avLst>
@@ -4740,7 +4585,11 @@
           <a:solidFill>
             <a:srgbClr val="FFC000"/>
           </a:solidFill>
-          <a:ln w="28575"/>
+          <a:ln w="28575">
+            <a:solidFill>
+              <a:schemeClr val="tx1"/>
+            </a:solidFill>
+          </a:ln>
         </p:spPr>
         <p:style>
           <a:lnRef idx="2">
@@ -4763,53 +4612,8 @@
             <a:pPr algn="ctr"/>
             <a:r>
               <a:rPr lang="ru-RU" sz="1400" dirty="0"/>
-              <a:t>Ленинская молодая гвардия </a:t>
-            </a:r>
-            <a:r>
-              <a:rPr lang="ru-RU" sz="600" dirty="0"/>
-              <a:t>(( голландский: </a:t>
-            </a:r>
-            <a:r>
-              <a:rPr lang="ru-RU" sz="600" dirty="0" err="1"/>
-              <a:t>ленинистический</a:t>
-            </a:r>
-            <a:r>
-              <a:rPr lang="ru-RU" sz="600" dirty="0"/>
-              <a:t> </a:t>
-            </a:r>
-            <a:r>
-              <a:rPr lang="ru-RU" sz="600" dirty="0" err="1"/>
-              <a:t>Jeugd</a:t>
-            </a:r>
-            <a:r>
-              <a:rPr lang="ru-RU" sz="600" dirty="0"/>
-              <a:t> </a:t>
-            </a:r>
-            <a:r>
-              <a:rPr lang="ru-RU" sz="600" dirty="0" err="1"/>
-              <a:t>Garde</a:t>
-            </a:r>
-            <a:r>
-              <a:rPr lang="ru-RU" sz="600" dirty="0"/>
-              <a:t>; LJG) была независимой молодежной организацией, связанной с РСАП. LJG опубликовала </a:t>
-            </a:r>
-            <a:r>
-              <a:rPr lang="ru-RU" sz="600" dirty="0" err="1"/>
-              <a:t>Arbeidersjeugd</a:t>
-            </a:r>
-            <a:r>
-              <a:rPr lang="ru-RU" sz="600" dirty="0"/>
-              <a:t> 1937–1940. Сал </a:t>
-            </a:r>
-            <a:r>
-              <a:rPr lang="ru-RU" sz="600" dirty="0" err="1"/>
-              <a:t>Сантен</a:t>
-            </a:r>
-            <a:r>
-              <a:rPr lang="ru-RU" sz="600" dirty="0"/>
-              <a:t> стал секретарем LJG в 1936 году.)</a:t>
-            </a:r>
-            <a:endParaRPr lang="ru-RU" sz="1400" dirty="0"/>
+              <a:t>Расширить Ленинскую молодую гвардию</a:t>
+            </a:r>
           </a:p>
         </p:txBody>
       </p:sp>
@@ -4879,7 +4683,11 @@
           <a:solidFill>
             <a:srgbClr val="FFC000"/>
           </a:solidFill>
-          <a:ln w="28575"/>
+          <a:ln w="28575">
+            <a:solidFill>
+              <a:schemeClr val="tx1"/>
+            </a:solidFill>
+          </a:ln>
         </p:spPr>
         <p:style>
           <a:lnRef idx="2">
@@ -4902,21 +4710,8 @@
             <a:pPr algn="ctr"/>
             <a:r>
               <a:rPr lang="ru-RU" sz="1400" dirty="0"/>
-              <a:t>Международного бюро революционного социалистического единства </a:t>
-            </a:r>
-            <a:r>
-              <a:rPr lang="ru-RU" sz="400" dirty="0"/>
-              <a:t>(Однако в 1938 году </a:t>
-            </a:r>
-            <a:r>
-              <a:rPr lang="ru-RU" sz="400" dirty="0" err="1"/>
-              <a:t>Сневлит</a:t>
-            </a:r>
-            <a:r>
-              <a:rPr lang="ru-RU" sz="400" dirty="0"/>
-              <a:t> и РСП в конечном итоге отказались присоединиться к этой новой международной организации, тем самым порвав с троцкистским движением. [3] Вместо этого РСП стала частью Международного бюро революционного социалистического единства вместе с Независимой рабочей партией (Великобритания) и Рабочей партией марксистского объединения ( ПОУМ ) Испании.)</a:t>
-            </a:r>
-            <a:endParaRPr lang="ru-RU" sz="1400" dirty="0"/>
+              <a:t>Международное бюро революционного социалистического единства</a:t>
+            </a:r>
           </a:p>
         </p:txBody>
       </p:sp>
@@ -7599,7 +7394,11 @@
           <a:solidFill>
             <a:srgbClr val="FFC000"/>
           </a:solidFill>
-          <a:ln w="28575"/>
+          <a:ln w="28575">
+            <a:solidFill>
+              <a:schemeClr val="tx1"/>
+            </a:solidFill>
+          </a:ln>
         </p:spPr>
         <p:style>
           <a:lnRef idx="2">
@@ -7622,21 +7421,8 @@
             <a:pPr algn="ctr"/>
             <a:r>
               <a:rPr lang="ru-RU" sz="1400" dirty="0"/>
-              <a:t>Третий путь </a:t>
-            </a:r>
-            <a:r>
-              <a:rPr lang="ru-RU" sz="600" dirty="0"/>
-              <a:t>(Третий путь партии между авторитарным сталинизмом и социал-демократией позже отразится в </a:t>
-            </a:r>
-            <a:r>
-              <a:rPr lang="ru-RU" sz="600" dirty="0" err="1"/>
-              <a:t>левосоциалистической</a:t>
-            </a:r>
-            <a:r>
-              <a:rPr lang="ru-RU" sz="600" dirty="0"/>
-              <a:t> Пацифистской социалистической партии , которая также была основана бывшими членами коммунистической КПН и социал-демократической ПВДА .)</a:t>
-            </a:r>
-            <a:endParaRPr lang="ru-RU" sz="1400" dirty="0"/>
+              <a:t>Третий путь</a:t>
+            </a:r>
           </a:p>
         </p:txBody>
       </p:sp>
@@ -10182,7 +9968,11 @@
             </a:gsLst>
             <a:lin ang="5400000" scaled="1"/>
           </a:gradFill>
-          <a:ln w="28575"/>
+          <a:ln w="28575">
+            <a:solidFill>
+              <a:schemeClr val="tx1"/>
+            </a:solidFill>
+          </a:ln>
         </p:spPr>
         <p:style>
           <a:lnRef idx="2">
@@ -10209,125 +9999,8 @@
                   <a:schemeClr val="tx1"/>
                 </a:solidFill>
               </a:rPr>
-              <a:t>«Красное </a:t>
-            </a:r>
-            <a:r>
-              <a:rPr lang="ru-RU" sz="1600" dirty="0" err="1">
-                <a:solidFill>
-                  <a:schemeClr val="tx1"/>
-                </a:solidFill>
-              </a:rPr>
-              <a:t>Шпанье</a:t>
-            </a:r>
-            <a:r>
-              <a:rPr lang="ru-RU" sz="1600" dirty="0">
-                <a:solidFill>
-                  <a:schemeClr val="tx1"/>
-                </a:solidFill>
-              </a:rPr>
-              <a:t>» </a:t>
-            </a:r>
-            <a:r>
-              <a:rPr lang="ru-RU" sz="1100" dirty="0">
-                <a:solidFill>
-                  <a:schemeClr val="tx1"/>
-                </a:solidFill>
-              </a:rPr>
-              <a:t>(</a:t>
-            </a:r>
-            <a:r>
-              <a:rPr lang="ru-RU" sz="300" dirty="0">
-                <a:solidFill>
-                  <a:schemeClr val="tx1"/>
-                </a:solidFill>
-              </a:rPr>
-              <a:t>Гражданская война в Испании привела к широкому сотрудничеству в комитете «Красная Испания», который был основан в ноябре 1936 года. Участвующими организациями были NSV (включая LSVB и SAJO), NAS (включая женщин NAS и молодежь NAS) и RSAP. Поскольку «Красная Испания» преследовала ограниченную цель, т. е. сбор денег на помощь натурой, т. е. продовольствием и одеждой, сотрудничество в этом было приемлемо для НСВ. Когда после Барселоны — мая 1937 года РСАП и НАН захотели провести агитацию в пользу преследуемых в республике, а также оказать поддержку дружественным организациям, НСВ отказалась от участия. В результате NSV покинуло «Красное </a:t>
-            </a:r>
-            <a:r>
-              <a:rPr lang="ru-RU" sz="300" dirty="0" err="1">
-                <a:solidFill>
-                  <a:schemeClr val="tx1"/>
-                </a:solidFill>
-              </a:rPr>
-              <a:t>Шпанье</a:t>
-            </a:r>
-            <a:r>
-              <a:rPr lang="ru-RU" sz="300" dirty="0">
-                <a:solidFill>
-                  <a:schemeClr val="tx1"/>
-                </a:solidFill>
-              </a:rPr>
-              <a:t>» и перешло к новому комитету «Помощь </a:t>
-            </a:r>
-            <a:r>
-              <a:rPr lang="ru-RU" sz="300" dirty="0" err="1">
-                <a:solidFill>
-                  <a:schemeClr val="tx1"/>
-                </a:solidFill>
-              </a:rPr>
-              <a:t>Шпанье</a:t>
-            </a:r>
-            <a:r>
-              <a:rPr lang="ru-RU" sz="300" dirty="0">
-                <a:solidFill>
-                  <a:schemeClr val="tx1"/>
-                </a:solidFill>
-              </a:rPr>
-              <a:t>». 122) Федерация анархистов Нидерландов (ФАН), организация, основанная под влиянием гражданской войны в Испании и по аналогии с испанской </a:t>
-            </a:r>
-            <a:r>
-              <a:rPr lang="ru-RU" sz="300" dirty="0" err="1">
-                <a:solidFill>
-                  <a:schemeClr val="tx1"/>
-                </a:solidFill>
-              </a:rPr>
-              <a:t>Federación</a:t>
-            </a:r>
-            <a:r>
-              <a:rPr lang="ru-RU" sz="300" dirty="0">
-                <a:solidFill>
-                  <a:schemeClr val="tx1"/>
-                </a:solidFill>
-              </a:rPr>
-              <a:t> </a:t>
-            </a:r>
-            <a:r>
-              <a:rPr lang="ru-RU" sz="300" dirty="0" err="1">
-                <a:solidFill>
-                  <a:schemeClr val="tx1"/>
-                </a:solidFill>
-              </a:rPr>
-              <a:t>Anarquista</a:t>
-            </a:r>
-            <a:r>
-              <a:rPr lang="ru-RU" sz="300" dirty="0">
-                <a:solidFill>
-                  <a:schemeClr val="tx1"/>
-                </a:solidFill>
-              </a:rPr>
-              <a:t> </a:t>
-            </a:r>
-            <a:r>
-              <a:rPr lang="ru-RU" sz="300" dirty="0" err="1">
-                <a:solidFill>
-                  <a:schemeClr val="tx1"/>
-                </a:solidFill>
-              </a:rPr>
-              <a:t>Ibérica</a:t>
-            </a:r>
-            <a:r>
-              <a:rPr lang="ru-RU" sz="300" dirty="0">
-                <a:solidFill>
-                  <a:schemeClr val="tx1"/>
-                </a:solidFill>
-              </a:rPr>
-              <a:t> (FAI), также участвовала в «Помогает Испании». Отличие от свободных социалистов заключалось в том, что ФАН была готова принять определенные формы организации. Более того, ФАН не знал о ненасильственной позиции свободных социалистов в отношении Испании. NSV очень положительно оценила FAN, и степень сотрудничества была высокой. Например, членам ФАН разрешили посещать пятидесятнические лагеря НСВ.)</a:t>
-            </a:r>
-            <a:endParaRPr lang="ru-RU" sz="1600" dirty="0">
-              <a:solidFill>
-                <a:schemeClr val="tx1"/>
-              </a:solidFill>
-            </a:endParaRPr>
+              <a:t>Комитет «Красная Испания»</a:t>
+            </a:r>
           </a:p>
         </p:txBody>
       </p:sp>
@@ -11634,15 +11307,7 @@
             <a:pPr algn="ctr"/>
             <a:r>
               <a:rPr lang="ru-RU" sz="1400" dirty="0"/>
-              <a:t>Плотное сотрудничество с </a:t>
-            </a:r>
-            <a:r>
-              <a:rPr lang="en-US" sz="1400" dirty="0"/>
-              <a:t>POUM</a:t>
-            </a:r>
-            <a:r>
-              <a:rPr lang="ru-RU" sz="1400" dirty="0"/>
-              <a:t> (союз с Испанией)</a:t>
+              <a:t>Плотное сотрудничество с ПОУМ</a:t>
             </a:r>
           </a:p>
         </p:txBody>
@@ -11661,7 +11326,7 @@
         </p:nvSpPr>
         <p:spPr>
           <a:xfrm>
-            <a:off x="14825015" y="19671570"/>
+            <a:off x="14888107" y="19663545"/>
             <a:ext cx="2115918" cy="1080000"/>
           </a:xfrm>
           <a:prstGeom prst="rect">
@@ -11693,7 +11358,7 @@
             <a:pPr algn="ctr"/>
             <a:r>
               <a:rPr lang="ru-RU" sz="1400" dirty="0"/>
-              <a:t>Найти общий язык с Британскими лейбористами (союз с ВБ)</a:t>
+              <a:t>Плотное сотрудничество с НРП</a:t>
             </a:r>
           </a:p>
         </p:txBody>
@@ -11716,12 +11381,12 @@
         </p:nvCxnSpPr>
         <p:spPr>
           <a:xfrm rot="5400000">
-            <a:off x="15575742" y="18114255"/>
-            <a:ext cx="1864547" cy="1250082"/>
+            <a:off x="15611300" y="18141789"/>
+            <a:ext cx="1856522" cy="1186990"/>
           </a:xfrm>
           <a:prstGeom prst="bentConnector3">
             <a:avLst>
-              <a:gd name="adj1" fmla="val 8278"/>
+              <a:gd name="adj1" fmla="val 8456"/>
             </a:avLst>
           </a:prstGeom>
           <a:ln w="28575">
@@ -11809,7 +11474,11 @@
           <a:solidFill>
             <a:srgbClr val="FFC000"/>
           </a:solidFill>
-          <a:ln w="28575"/>
+          <a:ln w="28575">
+            <a:solidFill>
+              <a:schemeClr val="tx1"/>
+            </a:solidFill>
+          </a:ln>
         </p:spPr>
         <p:style>
           <a:lnRef idx="2">
@@ -11832,7 +11501,7 @@
             <a:pPr algn="ctr"/>
             <a:r>
               <a:rPr lang="ru-RU" sz="1400" dirty="0"/>
-              <a:t>Выступить против нацизма</a:t>
+              <a:t>Выступить против фашизма</a:t>
             </a:r>
           </a:p>
         </p:txBody>
@@ -11860,7 +11529,11 @@
           <a:solidFill>
             <a:srgbClr val="FFC000"/>
           </a:solidFill>
-          <a:ln w="28575"/>
+          <a:ln w="28575">
+            <a:solidFill>
+              <a:schemeClr val="tx1"/>
+            </a:solidFill>
+          </a:ln>
         </p:spPr>
         <p:style>
           <a:lnRef idx="2">
@@ -11883,21 +11556,8 @@
             <a:pPr algn="ctr"/>
             <a:r>
               <a:rPr lang="ru-RU" sz="1400" dirty="0"/>
-              <a:t>Выступить против сталинизма </a:t>
-            </a:r>
-            <a:r>
-              <a:rPr lang="ru-RU" sz="700" dirty="0"/>
-              <a:t>(В 1930-х </a:t>
-            </a:r>
-            <a:r>
-              <a:rPr lang="ru-RU" sz="700" dirty="0" err="1"/>
-              <a:t>Сневлит</a:t>
-            </a:r>
-            <a:r>
-              <a:rPr lang="ru-RU" sz="700" dirty="0"/>
-              <a:t> выступал решительным противником нацизма и сталинизма, который также считал разновидностью фашизма.)</a:t>
-            </a:r>
-            <a:endParaRPr lang="ru-RU" sz="1400" dirty="0"/>
+              <a:t>Выступить против сталинизма</a:t>
+            </a:r>
           </a:p>
         </p:txBody>
       </p:sp>
@@ -13970,7 +13630,7 @@
           </a:xfrm>
           <a:prstGeom prst="bentConnector3">
             <a:avLst>
-              <a:gd name="adj1" fmla="val 34016"/>
+              <a:gd name="adj1" fmla="val 53940"/>
             </a:avLst>
           </a:prstGeom>
           <a:ln w="28575">
@@ -14676,7 +14336,7 @@
         </p:nvSpPr>
         <p:spPr>
           <a:xfrm>
-            <a:off x="12464570" y="19671570"/>
+            <a:off x="13710863" y="16729503"/>
             <a:ext cx="2115918" cy="1080000"/>
           </a:xfrm>
           <a:prstGeom prst="rect">
@@ -14685,7 +14345,11 @@
           <a:solidFill>
             <a:srgbClr val="FFC000"/>
           </a:solidFill>
-          <a:ln w="28575"/>
+          <a:ln w="28575">
+            <a:solidFill>
+              <a:schemeClr val="tx1"/>
+            </a:solidFill>
+          </a:ln>
         </p:spPr>
         <p:style>
           <a:lnRef idx="2">
@@ -14713,49 +14377,6 @@
           </a:p>
         </p:txBody>
       </p:sp>
-      <p:cxnSp>
-        <p:nvCxnSpPr>
-          <p:cNvPr id="265" name="Прямая со стрелкой 264">
-            <a:extLst>
-              <a:ext uri="{FF2B5EF4-FFF2-40B4-BE49-F238E27FC236}">
-                <a16:creationId xmlns:a16="http://schemas.microsoft.com/office/drawing/2014/main" id="{48A67696-AF72-427C-8A7C-14137E729AAC}"/>
-              </a:ext>
-            </a:extLst>
-          </p:cNvPr>
-          <p:cNvCxnSpPr>
-            <a:cxnSpLocks/>
-            <a:stCxn id="147" idx="2"/>
-            <a:endCxn id="258" idx="0"/>
-          </p:cNvCxnSpPr>
-          <p:nvPr/>
-        </p:nvCxnSpPr>
-        <p:spPr>
-          <a:xfrm>
-            <a:off x="13522529" y="19223910"/>
-            <a:ext cx="0" cy="447660"/>
-          </a:xfrm>
-          <a:prstGeom prst="straightConnector1">
-            <a:avLst/>
-          </a:prstGeom>
-          <a:ln w="28575">
-            <a:tailEnd type="arrow"/>
-          </a:ln>
-        </p:spPr>
-        <p:style>
-          <a:lnRef idx="1">
-            <a:schemeClr val="accent1"/>
-          </a:lnRef>
-          <a:fillRef idx="0">
-            <a:schemeClr val="accent1"/>
-          </a:fillRef>
-          <a:effectRef idx="0">
-            <a:schemeClr val="accent1"/>
-          </a:effectRef>
-          <a:fontRef idx="minor">
-            <a:schemeClr val="tx1"/>
-          </a:fontRef>
-        </p:style>
-      </p:cxnSp>
       <p:sp>
         <p:nvSpPr>
           <p:cNvPr id="274" name="Прямоугольник 273">
@@ -15676,10 +15297,10 @@
       </p:sp>
       <p:sp>
         <p:nvSpPr>
-          <p:cNvPr id="292" name="Прямоугольник 291">
-            <a:extLst>
-              <a:ext uri="{FF2B5EF4-FFF2-40B4-BE49-F238E27FC236}">
-                <a16:creationId xmlns:a16="http://schemas.microsoft.com/office/drawing/2014/main" id="{FD2FD090-F8B9-469A-A122-D9BEE9E3E9DA}"/>
+          <p:cNvPr id="294" name="Прямоугольник 293">
+            <a:extLst>
+              <a:ext uri="{FF2B5EF4-FFF2-40B4-BE49-F238E27FC236}">
+                <a16:creationId xmlns:a16="http://schemas.microsoft.com/office/drawing/2014/main" id="{319BEC0C-414B-45F4-8C35-57446DEFE30B}"/>
               </a:ext>
             </a:extLst>
           </p:cNvPr>
@@ -15688,7 +15309,7 @@
         </p:nvSpPr>
         <p:spPr>
           <a:xfrm>
-            <a:off x="15034534" y="1268583"/>
+            <a:off x="16092038" y="13796310"/>
             <a:ext cx="2115918" cy="1080000"/>
           </a:xfrm>
           <a:prstGeom prst="rect">
@@ -15697,7 +15318,11 @@
           <a:solidFill>
             <a:srgbClr val="FFC000"/>
           </a:solidFill>
-          <a:ln w="28575"/>
+          <a:ln w="28575">
+            <a:solidFill>
+              <a:schemeClr val="tx1"/>
+            </a:solidFill>
+          </a:ln>
         </p:spPr>
         <p:style>
           <a:lnRef idx="2">
@@ -15719,189 +15344,9 @@
           <a:p>
             <a:pPr algn="ctr"/>
             <a:r>
-              <a:rPr lang="ru-RU" sz="500" dirty="0"/>
-              <a:t>Эта небольшая партия, первоначально насчитывавшая 3600 членов, а в 1939 г. все еще насчитывавшая 2500 сторонников, была основана на профсоюзе НАС, возглавляемом Сневлитом41. НАС был базой профсоюза РСАП, насчитывавшего в 1933 г. 22500 членов; к 1939 г., после того как государственным служащим запретили вступать в НАС, эта цифра упала до 10 500 человек. Родился в 1893 г. НАС сохранял революционно-синдикалистскую ориентацию; она вступила в Красный Интернационал профсоюзов в 1925 г. и вышла из нее в 1927 г., когда Коминтерн приказал ей раствориться в официальном социал-демократическом союзе НВВ. Все те члены голландской компартии, которые присоединились к НАС, последовали за </a:t>
-            </a:r>
-            <a:r>
-              <a:rPr lang="ru-RU" sz="500" dirty="0" err="1"/>
-              <a:t>Сневлитом</a:t>
-            </a:r>
-            <a:r>
-              <a:rPr lang="ru-RU" sz="500" dirty="0"/>
-              <a:t> в расколе.</a:t>
-            </a:r>
-          </a:p>
-        </p:txBody>
-      </p:sp>
-      <p:sp>
-        <p:nvSpPr>
-          <p:cNvPr id="293" name="Прямоугольник 292">
-            <a:extLst>
-              <a:ext uri="{FF2B5EF4-FFF2-40B4-BE49-F238E27FC236}">
-                <a16:creationId xmlns:a16="http://schemas.microsoft.com/office/drawing/2014/main" id="{9ACE45BC-584E-4646-8304-CA0940F6F0F3}"/>
-              </a:ext>
-            </a:extLst>
-          </p:cNvPr>
-          <p:cNvSpPr/>
-          <p:nvPr/>
-        </p:nvSpPr>
-        <p:spPr>
-          <a:xfrm>
-            <a:off x="15055288" y="3861570"/>
-            <a:ext cx="2115918" cy="1080000"/>
-          </a:xfrm>
-          <a:prstGeom prst="rect">
-            <a:avLst/>
-          </a:prstGeom>
-          <a:solidFill>
-            <a:srgbClr val="FFC000"/>
-          </a:solidFill>
-          <a:ln w="28575"/>
-        </p:spPr>
-        <p:style>
-          <a:lnRef idx="2">
-            <a:schemeClr val="accent1"/>
-          </a:lnRef>
-          <a:fillRef idx="1">
-            <a:schemeClr val="lt1"/>
-          </a:fillRef>
-          <a:effectRef idx="0">
-            <a:schemeClr val="accent1"/>
-          </a:effectRef>
-          <a:fontRef idx="minor">
-            <a:schemeClr val="dk1"/>
-          </a:fontRef>
-        </p:style>
-        <p:txBody>
-          <a:bodyPr lIns="124733" tIns="62367" rIns="124733" bIns="62367" rtlCol="0" anchor="ctr"/>
-          <a:lstStyle/>
-          <a:p>
-            <a:pPr algn="ctr"/>
-            <a:r>
-              <a:rPr lang="ru-RU" sz="400" dirty="0"/>
-              <a:t>В 1937 году раскол между </a:t>
-            </a:r>
-            <a:r>
-              <a:rPr lang="ru-RU" sz="400" dirty="0" err="1"/>
-              <a:t>рсапом</a:t>
-            </a:r>
-            <a:r>
-              <a:rPr lang="ru-RU" sz="400" dirty="0"/>
-              <a:t> и Троцким постепенно осуществился. Подобно своему отношению к </a:t>
-            </a:r>
-            <a:r>
-              <a:rPr lang="ru-RU" sz="400" dirty="0" err="1"/>
-              <a:t>поуму</a:t>
-            </a:r>
-            <a:r>
-              <a:rPr lang="ru-RU" sz="400" dirty="0"/>
-              <a:t>, Троцкий упрекал </a:t>
-            </a:r>
-            <a:r>
-              <a:rPr lang="ru-RU" sz="400" dirty="0" err="1"/>
-              <a:t>Сневлита</a:t>
-            </a:r>
-            <a:r>
-              <a:rPr lang="ru-RU" sz="400" dirty="0"/>
-              <a:t> в том, что он поддерживает жизнь нас. Троцкий настаивал на роспуске НАС в Социалистический союз НВВ. Обвинив НАС в получении финансовой поддержки от голландского правительства44 и </a:t>
-            </a:r>
-            <a:r>
-              <a:rPr lang="ru-RU" sz="400" dirty="0" err="1"/>
-              <a:t>Сневлита</a:t>
-            </a:r>
-            <a:r>
-              <a:rPr lang="ru-RU" sz="400" dirty="0"/>
-              <a:t> в безответственности45, Троцкий заключил: ...Если вы и дальше будете занимать ту же совершенно двусмысленную позицию — с Четвертым Интернационалом на словах, против него на деле, — то лучше открытый и честный раскол. В таком случае вы останетесь с нас, а мы с Четвертым Интернационалом. Мы создаем секцию в Голландии и постараемся построить открытой борьбой то, что не смогли создать терпеливым сотрудничеством и обсуждением между </a:t>
-            </a:r>
-            <a:r>
-              <a:rPr lang="ru-RU" sz="400" dirty="0" err="1"/>
-              <a:t>товарищами.Этот</a:t>
-            </a:r>
-            <a:r>
-              <a:rPr lang="ru-RU" sz="400" dirty="0"/>
-              <a:t> ультиматум привел к полному разрыву в 1938 г. Вскоре была создана голландская троцкистская группа — </a:t>
-            </a:r>
-            <a:r>
-              <a:rPr lang="ru-RU" sz="400" dirty="0" err="1"/>
-              <a:t>гбл</a:t>
-            </a:r>
-            <a:r>
-              <a:rPr lang="ru-RU" sz="400" dirty="0"/>
-              <a:t> (или </a:t>
-            </a:r>
-            <a:r>
-              <a:rPr lang="ru-RU" sz="400" dirty="0" err="1"/>
-              <a:t>большевистско</a:t>
-            </a:r>
-            <a:r>
-              <a:rPr lang="ru-RU" sz="400" dirty="0"/>
-              <a:t>-ленинская группа), состоявшая частью из бывших членов </a:t>
-            </a:r>
-            <a:r>
-              <a:rPr lang="ru-RU" sz="400" dirty="0" err="1"/>
-              <a:t>рсап</a:t>
-            </a:r>
-            <a:r>
-              <a:rPr lang="ru-RU" sz="400" dirty="0"/>
-              <a:t>.</a:t>
-            </a:r>
-            <a:endParaRPr lang="ru-RU" sz="100" dirty="0"/>
-          </a:p>
-        </p:txBody>
-      </p:sp>
-      <p:sp>
-        <p:nvSpPr>
-          <p:cNvPr id="294" name="Прямоугольник 293">
-            <a:extLst>
-              <a:ext uri="{FF2B5EF4-FFF2-40B4-BE49-F238E27FC236}">
-                <a16:creationId xmlns:a16="http://schemas.microsoft.com/office/drawing/2014/main" id="{319BEC0C-414B-45F4-8C35-57446DEFE30B}"/>
-              </a:ext>
-            </a:extLst>
-          </p:cNvPr>
-          <p:cNvSpPr/>
-          <p:nvPr/>
-        </p:nvSpPr>
-        <p:spPr>
-          <a:xfrm>
-            <a:off x="16092038" y="13796310"/>
-            <a:ext cx="2115918" cy="1080000"/>
-          </a:xfrm>
-          <a:prstGeom prst="rect">
-            <a:avLst/>
-          </a:prstGeom>
-          <a:solidFill>
-            <a:srgbClr val="FFC000"/>
-          </a:solidFill>
-          <a:ln w="28575"/>
-        </p:spPr>
-        <p:style>
-          <a:lnRef idx="2">
-            <a:schemeClr val="accent1"/>
-          </a:lnRef>
-          <a:fillRef idx="1">
-            <a:schemeClr val="lt1"/>
-          </a:fillRef>
-          <a:effectRef idx="0">
-            <a:schemeClr val="accent1"/>
-          </a:effectRef>
-          <a:fontRef idx="minor">
-            <a:schemeClr val="dk1"/>
-          </a:fontRef>
-        </p:style>
-        <p:txBody>
-          <a:bodyPr lIns="124733" tIns="62367" rIns="124733" bIns="62367" rtlCol="0" anchor="ctr"/>
-          <a:lstStyle/>
-          <a:p>
-            <a:pPr algn="ctr"/>
-            <a:r>
               <a:rPr lang="ru-RU" sz="1400" dirty="0"/>
-              <a:t>Оказать помощь финским рабочим </a:t>
-            </a:r>
-            <a:r>
-              <a:rPr lang="ru-RU" sz="600" dirty="0"/>
-              <a:t>(52 Бельгийские троцкисты, издававшие «Международную корреспонденцию», утверждали в своем номере 14 от 15 декабря 1939 г.: «РСАП довела до предела двусмысленность в организации сборов для финского народа, чтобы можно было посылать деньги финским рабочим организациям!».)</a:t>
-            </a:r>
-            <a:endParaRPr lang="ru-RU" sz="1400" dirty="0"/>
+              <a:t>Оказать помощь финским рабочим</a:t>
+            </a:r>
           </a:p>
         </p:txBody>
       </p:sp>
@@ -15919,7 +15364,7 @@
         </p:nvSpPr>
         <p:spPr>
           <a:xfrm>
-            <a:off x="13744278" y="12359586"/>
+            <a:off x="13714039" y="18161743"/>
             <a:ext cx="2115918" cy="1080000"/>
           </a:xfrm>
           <a:prstGeom prst="rect">
@@ -15928,7 +15373,11 @@
           <a:solidFill>
             <a:srgbClr val="FFC000"/>
           </a:solidFill>
-          <a:ln w="28575"/>
+          <a:ln w="28575">
+            <a:solidFill>
+              <a:schemeClr val="tx1"/>
+            </a:solidFill>
+          </a:ln>
         </p:spPr>
         <p:style>
           <a:lnRef idx="2">
@@ -15951,23 +15400,9 @@
             <a:pPr algn="ctr"/>
             <a:r>
               <a:rPr lang="ru-RU" sz="1400" dirty="0"/>
-              <a:t>Единый профсоюз </a:t>
-            </a:r>
-            <a:br>
-              <a:rPr lang="ru-RU" sz="1400" dirty="0"/>
-            </a:br>
-            <a:r>
-              <a:rPr lang="ru-RU" sz="500" dirty="0"/>
-              <a:t>Эта небольшая партия, первоначально насчитывавшая 3600 членов, а в 1939 г. все еще насчитывавшая 2500 сторонников, была основана на профсоюзе НАС, возглавляемом Сневлитом41. НАС был базой профсоюза РСАП, насчитывавшего в 1933 г. 22500 членов; к 1939 г., после того как государственным служащим запретили вступать в НАС, эта цифра упала до 10 500 человек. Родился в 1893 г. НАС сохранял революционно-синдикалистскую ориентацию; она вступила в Красный Интернационал профсоюзов в 1925 г. и вышла из нее в 1927 г., когда Коминтерн приказал ей раствориться в официальном социал-демократическом союзе НВВ. Все те члены голландской компартии, которые присоединились к НАС, последовали за </a:t>
-            </a:r>
-            <a:r>
-              <a:rPr lang="ru-RU" sz="500" dirty="0" err="1"/>
-              <a:t>Сневлитом</a:t>
-            </a:r>
-            <a:r>
-              <a:rPr lang="ru-RU" sz="500" dirty="0"/>
-              <a:t> в расколе.</a:t>
-            </a:r>
+              <a:t>Единый профсоюз</a:t>
+            </a:r>
+            <a:endParaRPr lang="ru-RU" sz="500" dirty="0"/>
           </a:p>
         </p:txBody>
       </p:sp>
@@ -15985,8 +15420,8 @@
         </p:nvSpPr>
         <p:spPr>
           <a:xfrm>
-            <a:off x="17442454" y="2589768"/>
-            <a:ext cx="2115918" cy="1080000"/>
+            <a:off x="16954458" y="-19842"/>
+            <a:ext cx="4231041" cy="5950407"/>
           </a:xfrm>
           <a:prstGeom prst="rect">
             <a:avLst/>
@@ -16016,210 +15451,210 @@
           <a:p>
             <a:pPr algn="ctr"/>
             <a:r>
-              <a:rPr lang="ru-RU" sz="400" dirty="0"/>
+              <a:rPr lang="ru-RU" sz="1400" dirty="0"/>
               <a:t>Был создан центральный комитет из девяти членов. В нее входили </a:t>
             </a:r>
             <a:r>
-              <a:rPr lang="ru-RU" sz="400" dirty="0" err="1"/>
+              <a:rPr lang="ru-RU" sz="1400" dirty="0" err="1"/>
               <a:t>Сневлит</a:t>
             </a:r>
             <a:r>
-              <a:rPr lang="ru-RU" sz="400" dirty="0"/>
+              <a:rPr lang="ru-RU" sz="1400" dirty="0"/>
               <a:t>, </a:t>
             </a:r>
             <a:r>
-              <a:rPr lang="ru-RU" sz="400" dirty="0" err="1"/>
+              <a:rPr lang="ru-RU" sz="1400" dirty="0" err="1"/>
               <a:t>Менист</a:t>
             </a:r>
             <a:r>
-              <a:rPr lang="ru-RU" sz="400" dirty="0"/>
+              <a:rPr lang="ru-RU" sz="1400" dirty="0"/>
               <a:t>, </a:t>
             </a:r>
             <a:r>
-              <a:rPr lang="ru-RU" sz="400" dirty="0" err="1"/>
+              <a:rPr lang="ru-RU" sz="1400" dirty="0" err="1"/>
               <a:t>Доллеман</a:t>
             </a:r>
             <a:r>
-              <a:rPr lang="ru-RU" sz="400" dirty="0"/>
+              <a:rPr lang="ru-RU" sz="1400" dirty="0"/>
               <a:t>, </a:t>
             </a:r>
             <a:r>
-              <a:rPr lang="ru-RU" sz="400" dirty="0" err="1"/>
+              <a:rPr lang="ru-RU" sz="1400" dirty="0" err="1"/>
               <a:t>Герритсен</a:t>
             </a:r>
             <a:r>
-              <a:rPr lang="ru-RU" sz="400" dirty="0"/>
+              <a:rPr lang="ru-RU" sz="1400" dirty="0"/>
               <a:t>, де </a:t>
             </a:r>
             <a:r>
-              <a:rPr lang="ru-RU" sz="400" dirty="0" err="1"/>
+              <a:rPr lang="ru-RU" sz="1400" dirty="0" err="1"/>
               <a:t>Хаан-Цвагерман</a:t>
             </a:r>
             <a:r>
-              <a:rPr lang="ru-RU" sz="400" dirty="0"/>
+              <a:rPr lang="ru-RU" sz="1400" dirty="0"/>
               <a:t>, Ян </a:t>
             </a:r>
             <a:r>
-              <a:rPr lang="ru-RU" sz="400" dirty="0" err="1"/>
+              <a:rPr lang="ru-RU" sz="1400" dirty="0" err="1"/>
               <a:t>Кёслаг</a:t>
             </a:r>
             <a:r>
-              <a:rPr lang="ru-RU" sz="400" dirty="0"/>
+              <a:rPr lang="ru-RU" sz="1400" dirty="0"/>
               <a:t>, Питер </a:t>
             </a:r>
             <a:r>
-              <a:rPr lang="ru-RU" sz="400" dirty="0" err="1"/>
+              <a:rPr lang="ru-RU" sz="1400" dirty="0" err="1"/>
               <a:t>ван</a:t>
             </a:r>
             <a:r>
-              <a:rPr lang="ru-RU" sz="400" dirty="0"/>
+              <a:rPr lang="ru-RU" sz="1400" dirty="0"/>
               <a:t> 'т </a:t>
             </a:r>
             <a:r>
-              <a:rPr lang="ru-RU" sz="400" dirty="0" err="1"/>
+              <a:rPr lang="ru-RU" sz="1400" dirty="0" err="1"/>
               <a:t>Харт</a:t>
             </a:r>
             <a:r>
-              <a:rPr lang="ru-RU" sz="400" dirty="0"/>
+              <a:rPr lang="ru-RU" sz="1400" dirty="0"/>
               <a:t>, известный как Макс </a:t>
             </a:r>
             <a:r>
-              <a:rPr lang="ru-RU" sz="400" dirty="0" err="1"/>
+              <a:rPr lang="ru-RU" sz="1400" dirty="0" err="1"/>
               <a:t>Пертус</a:t>
             </a:r>
             <a:r>
-              <a:rPr lang="ru-RU" sz="400" dirty="0"/>
+              <a:rPr lang="ru-RU" sz="1400" dirty="0"/>
               <a:t> (1910-75) - Ян </a:t>
             </a:r>
             <a:r>
-              <a:rPr lang="ru-RU" sz="400" dirty="0" err="1"/>
+              <a:rPr lang="ru-RU" sz="1400" dirty="0" err="1"/>
               <a:t>Шрифер</a:t>
             </a:r>
             <a:r>
-              <a:rPr lang="ru-RU" sz="400" dirty="0"/>
+              <a:rPr lang="ru-RU" sz="1400" dirty="0"/>
               <a:t> и </a:t>
             </a:r>
             <a:r>
-              <a:rPr lang="ru-RU" sz="400" dirty="0" err="1"/>
+              <a:rPr lang="ru-RU" sz="1400" dirty="0" err="1"/>
               <a:t>Стэн</a:t>
             </a:r>
             <a:r>
-              <a:rPr lang="ru-RU" sz="400" dirty="0"/>
+              <a:rPr lang="ru-RU" sz="1400" dirty="0"/>
               <a:t> </a:t>
             </a:r>
             <a:r>
-              <a:rPr lang="ru-RU" sz="400" dirty="0" err="1"/>
+              <a:rPr lang="ru-RU" sz="1400" dirty="0" err="1"/>
               <a:t>Попп</a:t>
             </a:r>
             <a:r>
-              <a:rPr lang="ru-RU" sz="400" dirty="0"/>
+              <a:rPr lang="ru-RU" sz="1400" dirty="0"/>
               <a:t>, последний сыграл решающую роль в Создание Спартака. </a:t>
             </a:r>
             <a:r>
-              <a:rPr lang="ru-RU" sz="400" dirty="0" err="1"/>
+              <a:rPr lang="ru-RU" sz="1400" dirty="0" err="1"/>
               <a:t>Сневлит</a:t>
             </a:r>
             <a:r>
-              <a:rPr lang="ru-RU" sz="400" dirty="0"/>
+              <a:rPr lang="ru-RU" sz="1400" dirty="0"/>
               <a:t> был бесспорным лидером, написавшим почти все политические позиции Фронта. Рядом с ним Аб(</a:t>
             </a:r>
             <a:r>
-              <a:rPr lang="ru-RU" sz="400" dirty="0" err="1"/>
+              <a:rPr lang="ru-RU" sz="1400" dirty="0" err="1"/>
               <a:t>рахам</a:t>
             </a:r>
             <a:r>
-              <a:rPr lang="ru-RU" sz="400" dirty="0"/>
+              <a:rPr lang="ru-RU" sz="1400" dirty="0"/>
               <a:t>) </a:t>
             </a:r>
             <a:r>
-              <a:rPr lang="ru-RU" sz="400" dirty="0" err="1"/>
+              <a:rPr lang="ru-RU" sz="1400" dirty="0" err="1"/>
               <a:t>Менист</a:t>
             </a:r>
             <a:r>
-              <a:rPr lang="ru-RU" sz="400" dirty="0"/>
+              <a:rPr lang="ru-RU" sz="1400" dirty="0"/>
               <a:t> – еврей по происхождению – был прирожденным организатором; </a:t>
             </a:r>
             <a:r>
-              <a:rPr lang="ru-RU" sz="400" dirty="0" err="1"/>
+              <a:rPr lang="ru-RU" sz="1400" dirty="0" err="1"/>
               <a:t>Доллеман</a:t>
             </a:r>
             <a:r>
-              <a:rPr lang="ru-RU" sz="400" dirty="0"/>
+              <a:rPr lang="ru-RU" sz="1400" dirty="0"/>
               <a:t> был казначеем и отвечал за </a:t>
             </a:r>
             <a:r>
-              <a:rPr lang="ru-RU" sz="400" dirty="0" err="1"/>
+              <a:rPr lang="ru-RU" sz="1400" dirty="0" err="1"/>
               <a:t>публикации.Под</a:t>
             </a:r>
             <a:r>
-              <a:rPr lang="ru-RU" sz="400" dirty="0"/>
+              <a:rPr lang="ru-RU" sz="1400" dirty="0"/>
               <a:t> руководством этого центрального комитета регулярно издавался внешний бюллетень (</a:t>
             </a:r>
             <a:r>
-              <a:rPr lang="ru-RU" sz="400" dirty="0" err="1"/>
+              <a:rPr lang="ru-RU" sz="1400" dirty="0" err="1"/>
               <a:t>Het</a:t>
             </a:r>
             <a:r>
-              <a:rPr lang="ru-RU" sz="400" dirty="0"/>
+              <a:rPr lang="ru-RU" sz="1400" dirty="0"/>
               <a:t> </a:t>
             </a:r>
             <a:r>
-              <a:rPr lang="ru-RU" sz="400" dirty="0" err="1"/>
+              <a:rPr lang="ru-RU" sz="1400" dirty="0" err="1"/>
               <a:t>mll</a:t>
             </a:r>
             <a:r>
-              <a:rPr lang="ru-RU" sz="400" dirty="0"/>
+              <a:rPr lang="ru-RU" sz="1400" dirty="0"/>
               <a:t> </a:t>
             </a:r>
             <a:r>
-              <a:rPr lang="ru-RU" sz="400" dirty="0" err="1"/>
+              <a:rPr lang="ru-RU" sz="1400" dirty="0" err="1"/>
               <a:t>Bulletin</a:t>
             </a:r>
             <a:r>
-              <a:rPr lang="ru-RU" sz="400" dirty="0"/>
+              <a:rPr lang="ru-RU" sz="1400" dirty="0"/>
               <a:t>), а также внутренний орган (</a:t>
             </a:r>
             <a:r>
-              <a:rPr lang="ru-RU" sz="400" dirty="0" err="1"/>
+              <a:rPr lang="ru-RU" sz="1400" dirty="0" err="1"/>
               <a:t>Richtlijnen</a:t>
             </a:r>
             <a:r>
-              <a:rPr lang="ru-RU" sz="400" dirty="0"/>
+              <a:rPr lang="ru-RU" sz="1400" dirty="0"/>
               <a:t>; «Директивы»). Некоторое время мл-л-Фронт вел пропаганду, направленную на </a:t>
             </a:r>
             <a:r>
-              <a:rPr lang="ru-RU" sz="400" dirty="0" err="1"/>
+              <a:rPr lang="ru-RU" sz="1400" dirty="0" err="1"/>
               <a:t>сдапбоевиков</a:t>
             </a:r>
             <a:r>
-              <a:rPr lang="ru-RU" sz="400" dirty="0"/>
+              <a:rPr lang="ru-RU" sz="1400" dirty="0"/>
               <a:t> и опубликовал «Письма к социал-демократам» («</a:t>
             </a:r>
             <a:r>
-              <a:rPr lang="ru-RU" sz="400" dirty="0" err="1"/>
+              <a:rPr lang="ru-RU" sz="1400" dirty="0" err="1"/>
               <a:t>Brieven</a:t>
             </a:r>
             <a:r>
-              <a:rPr lang="ru-RU" sz="400" dirty="0"/>
+              <a:rPr lang="ru-RU" sz="1400" dirty="0"/>
               <a:t> </a:t>
             </a:r>
             <a:r>
-              <a:rPr lang="ru-RU" sz="400" dirty="0" err="1"/>
+              <a:rPr lang="ru-RU" sz="1400" dirty="0" err="1"/>
               <a:t>aan</a:t>
             </a:r>
             <a:r>
-              <a:rPr lang="ru-RU" sz="400" dirty="0"/>
+              <a:rPr lang="ru-RU" sz="1400" dirty="0"/>
               <a:t> </a:t>
             </a:r>
             <a:r>
-              <a:rPr lang="ru-RU" sz="400" dirty="0" err="1"/>
+              <a:rPr lang="ru-RU" sz="1400" dirty="0" err="1"/>
               <a:t>Social-Democraten</a:t>
             </a:r>
             <a:r>
-              <a:rPr lang="ru-RU" sz="400" dirty="0"/>
+              <a:rPr lang="ru-RU" sz="1400" dirty="0"/>
               <a:t>»). СДАП осудили как «Иуду рабочего движения» после того, как в июле 1940 года она приняла участие в голландском союзе, объединившем либералов, религиозные партии и социал-демократов.56 Этот союз заявил о своей приверженности</a:t>
             </a:r>
-            <a:endParaRPr lang="ru-RU" sz="100" dirty="0"/>
+            <a:endParaRPr lang="ru-RU" sz="1050" dirty="0"/>
           </a:p>
         </p:txBody>
       </p:sp>
@@ -16389,7 +15824,7 @@
         </p:nvSpPr>
         <p:spPr>
           <a:xfrm>
-            <a:off x="17304832" y="19659277"/>
+            <a:off x="17314357" y="19659277"/>
             <a:ext cx="2115918" cy="1080000"/>
           </a:xfrm>
           <a:prstGeom prst="rect">
@@ -16421,85 +15856,8 @@
             <a:pPr algn="ctr"/>
             <a:r>
               <a:rPr lang="ru-RU" sz="1400" dirty="0"/>
-              <a:t>Поддержка группы «Против течения» </a:t>
-            </a:r>
-            <a:r>
-              <a:rPr lang="ru-RU" sz="600" dirty="0"/>
-              <a:t>(</a:t>
-            </a:r>
-            <a:r>
-              <a:rPr lang="ru-RU" sz="600" dirty="0" err="1"/>
-              <a:t>Сневлит</a:t>
-            </a:r>
-            <a:r>
-              <a:rPr lang="ru-RU" sz="600" dirty="0"/>
-              <a:t> — при поддержке </a:t>
-            </a:r>
-            <a:r>
-              <a:rPr lang="ru-RU" sz="600" dirty="0" err="1"/>
-              <a:t>Стэна</a:t>
-            </a:r>
-            <a:r>
-              <a:rPr lang="ru-RU" sz="600" dirty="0"/>
-              <a:t> </a:t>
-            </a:r>
-            <a:r>
-              <a:rPr lang="ru-RU" sz="600" dirty="0" err="1"/>
-              <a:t>Поппе</a:t>
-            </a:r>
-            <a:r>
-              <a:rPr lang="ru-RU" sz="600" dirty="0"/>
-              <a:t> и Аба </a:t>
-            </a:r>
-            <a:r>
-              <a:rPr lang="ru-RU" sz="600" dirty="0" err="1"/>
-              <a:t>Мениста</a:t>
-            </a:r>
-            <a:r>
-              <a:rPr lang="ru-RU" sz="600" dirty="0"/>
-              <a:t> — запретил дискуссию о защите СССР75. Этот запрет был снят в конце год. Большинство вокруг </a:t>
-            </a:r>
-            <a:r>
-              <a:rPr lang="ru-RU" sz="600" dirty="0" err="1"/>
-              <a:t>Сневлита</a:t>
-            </a:r>
-            <a:r>
-              <a:rPr lang="ru-RU" sz="600" dirty="0"/>
-              <a:t> было усилено поддержкой группы </a:t>
-            </a:r>
-            <a:r>
-              <a:rPr lang="ru-RU" sz="600" dirty="0" err="1"/>
-              <a:t>Верикена</a:t>
-            </a:r>
-            <a:r>
-              <a:rPr lang="ru-RU" sz="600" dirty="0"/>
-              <a:t> «Против течения» (</a:t>
-            </a:r>
-            <a:r>
-              <a:rPr lang="ru-RU" sz="600" dirty="0" err="1"/>
-              <a:t>Contre</a:t>
-            </a:r>
-            <a:r>
-              <a:rPr lang="ru-RU" sz="600" dirty="0"/>
-              <a:t> </a:t>
-            </a:r>
-            <a:r>
-              <a:rPr lang="ru-RU" sz="600" dirty="0" err="1"/>
-              <a:t>le</a:t>
-            </a:r>
-            <a:r>
-              <a:rPr lang="ru-RU" sz="600" dirty="0"/>
-              <a:t> </a:t>
-            </a:r>
-            <a:r>
-              <a:rPr lang="ru-RU" sz="600" dirty="0" err="1"/>
-              <a:t>Courant</a:t>
-            </a:r>
-            <a:r>
-              <a:rPr lang="ru-RU" sz="600" dirty="0"/>
-              <a:t>) в Бельгии,¬¬)</a:t>
-            </a:r>
-            <a:endParaRPr lang="ru-RU" sz="1400" dirty="0"/>
+              <a:t>Поддержка группы «Против течения»</a:t>
+            </a:r>
           </a:p>
         </p:txBody>
       </p:sp>
@@ -16521,12 +15879,12 @@
         </p:nvCxnSpPr>
         <p:spPr>
           <a:xfrm rot="16200000" flipH="1">
-            <a:off x="16821796" y="18118282"/>
-            <a:ext cx="1852254" cy="1229735"/>
+            <a:off x="16826559" y="18113520"/>
+            <a:ext cx="1852254" cy="1239260"/>
           </a:xfrm>
           <a:prstGeom prst="bentConnector3">
             <a:avLst>
-              <a:gd name="adj1" fmla="val 8001"/>
+              <a:gd name="adj1" fmla="val 8861"/>
             </a:avLst>
           </a:prstGeom>
           <a:ln w="28575">
@@ -16567,12 +15925,12 @@
         </p:nvCxnSpPr>
         <p:spPr>
           <a:xfrm rot="5400000">
-            <a:off x="18061702" y="18108113"/>
-            <a:ext cx="1852254" cy="1250075"/>
+            <a:off x="18066464" y="18112875"/>
+            <a:ext cx="1852254" cy="1240550"/>
           </a:xfrm>
           <a:prstGeom prst="bentConnector3">
             <a:avLst>
-              <a:gd name="adj1" fmla="val 8001"/>
+              <a:gd name="adj1" fmla="val 8861"/>
             </a:avLst>
           </a:prstGeom>
           <a:ln w="28575">
@@ -16613,8 +15971,8 @@
         </p:nvCxnSpPr>
         <p:spPr>
           <a:xfrm rot="5400000">
-            <a:off x="17528107" y="20344227"/>
-            <a:ext cx="439635" cy="1229735"/>
+            <a:off x="17532869" y="20339464"/>
+            <a:ext cx="439635" cy="1239260"/>
           </a:xfrm>
           <a:prstGeom prst="bentConnector3">
             <a:avLst>
@@ -16658,8 +16016,8 @@
         </p:nvCxnSpPr>
         <p:spPr>
           <a:xfrm rot="16200000" flipH="1">
-            <a:off x="18771060" y="20331007"/>
-            <a:ext cx="442578" cy="1259117"/>
+            <a:off x="18775823" y="20335770"/>
+            <a:ext cx="442578" cy="1249592"/>
           </a:xfrm>
           <a:prstGeom prst="bentConnector3">
             <a:avLst>
@@ -16746,7 +16104,7 @@
         </p:nvSpPr>
         <p:spPr>
           <a:xfrm>
-            <a:off x="11074095" y="12359585"/>
+            <a:off x="11056173" y="18162952"/>
             <a:ext cx="2115918" cy="1080000"/>
           </a:xfrm>
           <a:prstGeom prst="rect">
@@ -16755,7 +16113,11 @@
           <a:solidFill>
             <a:srgbClr val="FFC000"/>
           </a:solidFill>
-          <a:ln w="28575"/>
+          <a:ln w="28575">
+            <a:solidFill>
+              <a:schemeClr val="tx1"/>
+            </a:solidFill>
+          </a:ln>
         </p:spPr>
         <p:style>
           <a:lnRef idx="2">
@@ -16779,29 +16141,6 @@
             <a:r>
               <a:rPr lang="ru-RU" sz="1400" dirty="0"/>
               <a:t>Фабрично-заводские комитеты</a:t>
-            </a:r>
-            <a:br>
-              <a:rPr lang="ru-RU" sz="1400" dirty="0"/>
-            </a:br>
-            <a:r>
-              <a:rPr lang="ru-RU" sz="400" dirty="0"/>
-              <a:t>- профсоюзные организации должны были быть заменены фабрично-заводскими;- парламентаризм должен быть отвергнут и с ним нужно бороться79.Эта эволюция проявилась на практике в призыве со стороны </a:t>
-            </a:r>
-            <a:r>
-              <a:rPr lang="ru-RU" sz="400" dirty="0" err="1"/>
-              <a:t>Миллфронта</a:t>
-            </a:r>
-            <a:r>
-              <a:rPr lang="ru-RU" sz="400" dirty="0"/>
-              <a:t> отказаться от профсоюзов и образовать фабрично-заводские комитеты. Разрыв со старой профсоюзной политикой был разрывом со старой политикой РСАП. После «нормализации» Социалистического союза НВВ немецкими властями в июле 1940 г. М11-Фронт подстрекал своих членов к работе внутри него. NVV стал прикрытием для NSB </a:t>
-            </a:r>
-            <a:r>
-              <a:rPr lang="ru-RU" sz="400" dirty="0" err="1"/>
-              <a:t>Мюссерта</a:t>
-            </a:r>
-            <a:r>
-              <a:rPr lang="ru-RU" sz="400" dirty="0"/>
-              <a:t>. Пропаганда в июле 1941 г. в пользу выхода из профсоюзного движения завершила весь процесс развития. Вместо союза отстаивалась непостоянная форма «борцовских комитетов» на заводах.¬¬</a:t>
             </a:r>
             <a:endParaRPr lang="ru-RU" sz="500" dirty="0"/>
           </a:p>
@@ -16869,9 +16208,9 @@
           <p:nvPr/>
         </p:nvCxnSpPr>
         <p:spPr>
-          <a:xfrm flipH="1" flipV="1">
-            <a:off x="13190013" y="12899585"/>
-            <a:ext cx="554265" cy="1"/>
+          <a:xfrm flipH="1">
+            <a:off x="13172091" y="18701743"/>
+            <a:ext cx="541948" cy="1209"/>
           </a:xfrm>
           <a:prstGeom prst="line">
             <a:avLst/>
@@ -16909,14 +16248,14 @@
           <p:cNvCxnSpPr>
             <a:cxnSpLocks/>
             <a:stCxn id="126" idx="2"/>
-            <a:endCxn id="332" idx="0"/>
+            <a:endCxn id="146" idx="0"/>
           </p:cNvCxnSpPr>
           <p:nvPr/>
         </p:nvCxnSpPr>
         <p:spPr>
           <a:xfrm rot="5400000">
-            <a:off x="14422931" y="9649456"/>
-            <a:ext cx="419252" cy="5001006"/>
+            <a:off x="14513519" y="9741798"/>
+            <a:ext cx="421006" cy="4818077"/>
           </a:xfrm>
           <a:prstGeom prst="bentConnector3">
             <a:avLst>
@@ -16953,15 +16292,15 @@
           </p:cNvPr>
           <p:cNvCxnSpPr>
             <a:cxnSpLocks/>
-            <a:stCxn id="332" idx="2"/>
+            <a:stCxn id="146" idx="2"/>
             <a:endCxn id="188" idx="0"/>
           </p:cNvCxnSpPr>
           <p:nvPr/>
         </p:nvCxnSpPr>
         <p:spPr>
           <a:xfrm rot="16200000" flipH="1">
-            <a:off x="12617077" y="12954562"/>
-            <a:ext cx="326556" cy="1296602"/>
+            <a:off x="12709418" y="13046903"/>
+            <a:ext cx="324802" cy="1113673"/>
           </a:xfrm>
           <a:prstGeom prst="bentConnector3">
             <a:avLst>
@@ -16999,107 +16338,15 @@
           </p:cNvPr>
           <p:cNvCxnSpPr>
             <a:cxnSpLocks/>
-            <a:stCxn id="295" idx="2"/>
+            <a:stCxn id="201" idx="2"/>
             <a:endCxn id="188" idx="0"/>
           </p:cNvCxnSpPr>
           <p:nvPr/>
         </p:nvCxnSpPr>
         <p:spPr>
           <a:xfrm rot="5400000">
-            <a:off x="13952170" y="12916073"/>
-            <a:ext cx="326555" cy="1373581"/>
-          </a:xfrm>
-          <a:prstGeom prst="bentConnector3">
-            <a:avLst>
-              <a:gd name="adj1" fmla="val 50000"/>
-            </a:avLst>
-          </a:prstGeom>
-          <a:ln w="28575">
-            <a:prstDash val="dash"/>
-            <a:tailEnd type="arrow"/>
-          </a:ln>
-        </p:spPr>
-        <p:style>
-          <a:lnRef idx="1">
-            <a:schemeClr val="accent1"/>
-          </a:lnRef>
-          <a:fillRef idx="0">
-            <a:schemeClr val="accent1"/>
-          </a:fillRef>
-          <a:effectRef idx="0">
-            <a:schemeClr val="accent1"/>
-          </a:effectRef>
-          <a:fontRef idx="minor">
-            <a:schemeClr val="tx1"/>
-          </a:fontRef>
-        </p:style>
-      </p:cxnSp>
-      <p:cxnSp>
-        <p:nvCxnSpPr>
-          <p:cNvPr id="357" name="Соединительная линия уступом 175">
-            <a:extLst>
-              <a:ext uri="{FF2B5EF4-FFF2-40B4-BE49-F238E27FC236}">
-                <a16:creationId xmlns:a16="http://schemas.microsoft.com/office/drawing/2014/main" id="{D01429FC-CE80-4996-A684-B17824DAB48E}"/>
-              </a:ext>
-            </a:extLst>
-          </p:cNvPr>
-          <p:cNvCxnSpPr>
-            <a:cxnSpLocks/>
-            <a:stCxn id="332" idx="2"/>
-            <a:endCxn id="201" idx="0"/>
-          </p:cNvCxnSpPr>
-          <p:nvPr/>
-        </p:nvCxnSpPr>
-        <p:spPr>
-          <a:xfrm rot="16200000" flipH="1">
-            <a:off x="12586155" y="12985483"/>
-            <a:ext cx="1763210" cy="2671413"/>
-          </a:xfrm>
-          <a:prstGeom prst="bentConnector3">
-            <a:avLst>
-              <a:gd name="adj1" fmla="val 9750"/>
-            </a:avLst>
-          </a:prstGeom>
-          <a:ln w="28575">
-            <a:prstDash val="dash"/>
-            <a:tailEnd type="arrow"/>
-          </a:ln>
-        </p:spPr>
-        <p:style>
-          <a:lnRef idx="1">
-            <a:schemeClr val="accent1"/>
-          </a:lnRef>
-          <a:fillRef idx="0">
-            <a:schemeClr val="accent1"/>
-          </a:fillRef>
-          <a:effectRef idx="0">
-            <a:schemeClr val="accent1"/>
-          </a:effectRef>
-          <a:fontRef idx="minor">
-            <a:schemeClr val="tx1"/>
-          </a:fontRef>
-        </p:style>
-      </p:cxnSp>
-      <p:cxnSp>
-        <p:nvCxnSpPr>
-          <p:cNvPr id="361" name="Соединительная линия уступом 175">
-            <a:extLst>
-              <a:ext uri="{FF2B5EF4-FFF2-40B4-BE49-F238E27FC236}">
-                <a16:creationId xmlns:a16="http://schemas.microsoft.com/office/drawing/2014/main" id="{0E18121D-DF93-40C7-B0CE-8D64DCA1F4B4}"/>
-              </a:ext>
-            </a:extLst>
-          </p:cNvPr>
-          <p:cNvCxnSpPr>
-            <a:cxnSpLocks/>
-            <a:stCxn id="295" idx="2"/>
-            <a:endCxn id="201" idx="0"/>
-          </p:cNvCxnSpPr>
-          <p:nvPr/>
-        </p:nvCxnSpPr>
-        <p:spPr>
-          <a:xfrm rot="16200000" flipH="1">
-            <a:off x="13921248" y="14320575"/>
-            <a:ext cx="1763209" cy="1230"/>
+            <a:off x="13942926" y="12933895"/>
+            <a:ext cx="317976" cy="1346516"/>
           </a:xfrm>
           <a:prstGeom prst="bentConnector3">
             <a:avLst>
@@ -17332,7 +16579,7 @@
         </p:nvSpPr>
         <p:spPr>
           <a:xfrm>
-            <a:off x="17302177" y="22698490"/>
+            <a:off x="17311702" y="22698490"/>
             <a:ext cx="2115918" cy="1080000"/>
           </a:xfrm>
           <a:prstGeom prst="rect">
@@ -17341,7 +16588,11 @@
           <a:solidFill>
             <a:srgbClr val="FFC000"/>
           </a:solidFill>
-          <a:ln w="28575"/>
+          <a:ln w="28575">
+            <a:solidFill>
+              <a:schemeClr val="tx1"/>
+            </a:solidFill>
+          </a:ln>
         </p:spPr>
         <p:style>
           <a:lnRef idx="2">
@@ -17387,7 +16638,7 @@
         </p:nvCxnSpPr>
         <p:spPr>
           <a:xfrm flipH="1">
-            <a:off x="18360136" y="20739277"/>
+            <a:off x="18369661" y="20739277"/>
             <a:ext cx="2655" cy="1959213"/>
           </a:xfrm>
           <a:prstGeom prst="straightConnector1">
@@ -17435,7 +16686,11 @@
           <a:solidFill>
             <a:srgbClr val="FFC000"/>
           </a:solidFill>
-          <a:ln w="28575"/>
+          <a:ln w="28575">
+            <a:solidFill>
+              <a:schemeClr val="tx1"/>
+            </a:solidFill>
+          </a:ln>
         </p:spPr>
         <p:style>
           <a:lnRef idx="2">
@@ -17529,7 +16784,7 @@
           </a:xfrm>
           <a:prstGeom prst="bentConnector3">
             <a:avLst>
-              <a:gd name="adj1" fmla="val 7485"/>
+              <a:gd name="adj1" fmla="val 7997"/>
             </a:avLst>
           </a:prstGeom>
           <a:ln w="28575">
@@ -17575,7 +16830,7 @@
           </a:xfrm>
           <a:prstGeom prst="bentConnector3">
             <a:avLst>
-              <a:gd name="adj1" fmla="val 7485"/>
+              <a:gd name="adj1" fmla="val 7997"/>
             </a:avLst>
           </a:prstGeom>
           <a:ln w="28575">
@@ -17737,109 +16992,6 @@
           </a:fontRef>
         </p:style>
       </p:cxnSp>
-      <p:sp>
-        <p:nvSpPr>
-          <p:cNvPr id="424" name="Прямоугольник 423">
-            <a:extLst>
-              <a:ext uri="{FF2B5EF4-FFF2-40B4-BE49-F238E27FC236}">
-                <a16:creationId xmlns:a16="http://schemas.microsoft.com/office/drawing/2014/main" id="{F2D8BDB2-013B-48BE-83D8-8C6DF63CEA4C}"/>
-              </a:ext>
-            </a:extLst>
-          </p:cNvPr>
-          <p:cNvSpPr/>
-          <p:nvPr/>
-        </p:nvSpPr>
-        <p:spPr>
-          <a:xfrm>
-            <a:off x="15034534" y="2571683"/>
-            <a:ext cx="2115918" cy="1080000"/>
-          </a:xfrm>
-          <a:prstGeom prst="rect">
-            <a:avLst/>
-          </a:prstGeom>
-          <a:solidFill>
-            <a:srgbClr val="FFC000"/>
-          </a:solidFill>
-          <a:ln w="28575"/>
-        </p:spPr>
-        <p:style>
-          <a:lnRef idx="2">
-            <a:schemeClr val="accent1"/>
-          </a:lnRef>
-          <a:fillRef idx="1">
-            <a:schemeClr val="lt1"/>
-          </a:fillRef>
-          <a:effectRef idx="0">
-            <a:schemeClr val="accent1"/>
-          </a:effectRef>
-          <a:fontRef idx="minor">
-            <a:schemeClr val="dk1"/>
-          </a:fontRef>
-        </p:style>
-        <p:txBody>
-          <a:bodyPr lIns="124733" tIns="62367" rIns="124733" bIns="62367" rtlCol="0" anchor="ctr"/>
-          <a:lstStyle/>
-          <a:p>
-            <a:pPr algn="ctr"/>
-            <a:r>
-              <a:rPr lang="ru-RU" sz="500" dirty="0" err="1"/>
-              <a:t>Стэн</a:t>
-            </a:r>
-            <a:r>
-              <a:rPr lang="ru-RU" sz="500" dirty="0"/>
-              <a:t> </a:t>
-            </a:r>
-            <a:r>
-              <a:rPr lang="ru-RU" sz="500" dirty="0" err="1"/>
-              <a:t>Поппе</a:t>
-            </a:r>
-            <a:r>
-              <a:rPr lang="ru-RU" sz="500" dirty="0"/>
-              <a:t> (1899-1991) сыграл важную роль в </a:t>
-            </a:r>
-            <a:r>
-              <a:rPr lang="ru-RU" sz="500" dirty="0" err="1"/>
-              <a:t>osp</a:t>
-            </a:r>
-            <a:r>
-              <a:rPr lang="ru-RU" sz="500" dirty="0"/>
-              <a:t>. Работал секретарем в партийном руководстве. Во время слияния с РСП он стал членом политбюро РСП. В 1936 году он был назначен партийным секретарем и казначеем, а в декабре был делегатом вместе с Аб </a:t>
-            </a:r>
-            <a:r>
-              <a:rPr lang="ru-RU" sz="500" dirty="0" err="1"/>
-              <a:t>Менистом</a:t>
-            </a:r>
-            <a:r>
-              <a:rPr lang="ru-RU" sz="500" dirty="0"/>
-              <a:t> на конференции Центра Четвертого Интернационала. Член руководящих органов </a:t>
-            </a:r>
-            <a:r>
-              <a:rPr lang="ru-RU" sz="500" dirty="0" err="1"/>
-              <a:t>рсап</a:t>
-            </a:r>
-            <a:r>
-              <a:rPr lang="ru-RU" sz="500" dirty="0"/>
-              <a:t> с 1938 г., он был в 1940 г. одним из руководителей мл-л-фронта. На фронте, а позже и в коммунистическом спартаковском союзе он был известен под псевдонимом </a:t>
-            </a:r>
-            <a:r>
-              <a:rPr lang="ru-RU" sz="500" dirty="0" err="1"/>
-              <a:t>Тджерд</a:t>
-            </a:r>
-            <a:r>
-              <a:rPr lang="ru-RU" sz="500" dirty="0"/>
-              <a:t> </a:t>
-            </a:r>
-            <a:r>
-              <a:rPr lang="ru-RU" sz="500" dirty="0" err="1"/>
-              <a:t>Вудстра</a:t>
-            </a:r>
-            <a:r>
-              <a:rPr lang="ru-RU" sz="500" dirty="0"/>
-              <a:t>. Особенно его интересовали экономические исследования, а его политическая ориентация оставалась смесью ленинизма и «советизма».¬</a:t>
-            </a:r>
-          </a:p>
-        </p:txBody>
-      </p:sp>
       <p:sp>
         <p:nvSpPr>
           <p:cNvPr id="428" name="Прямоугольник 427">
@@ -20310,7 +19462,11 @@
           <a:solidFill>
             <a:srgbClr val="FF0000"/>
           </a:solidFill>
-          <a:ln w="28575"/>
+          <a:ln w="28575">
+            <a:solidFill>
+              <a:schemeClr val="tx1"/>
+            </a:solidFill>
+          </a:ln>
         </p:spPr>
         <p:style>
           <a:lnRef idx="2">
@@ -20333,13 +19489,8 @@
             <a:pPr algn="ctr"/>
             <a:r>
               <a:rPr lang="ru-RU" sz="1400" dirty="0"/>
-              <a:t>Всеобщая голландская молодёжная лига </a:t>
-            </a:r>
-            <a:r>
-              <a:rPr lang="ru-RU" sz="600" dirty="0"/>
-              <a:t>Молодёжной организацией партии была формально независимая Всеобщая голландская молодёжная лига.</a:t>
-            </a:r>
-            <a:endParaRPr lang="ru-RU" sz="1400" dirty="0"/>
+              <a:t>Всеобщая голландская молодёжная лига</a:t>
+            </a:r>
           </a:p>
         </p:txBody>
       </p:sp>
@@ -25887,6 +25038,96 @@
           <a:xfrm rot="16200000" flipH="1">
             <a:off x="25608674" y="25914441"/>
             <a:ext cx="458627" cy="2558064"/>
+          </a:xfrm>
+          <a:prstGeom prst="bentConnector3">
+            <a:avLst>
+              <a:gd name="adj1" fmla="val 50000"/>
+            </a:avLst>
+          </a:prstGeom>
+          <a:ln w="28575">
+            <a:tailEnd type="arrow"/>
+          </a:ln>
+        </p:spPr>
+        <p:style>
+          <a:lnRef idx="1">
+            <a:schemeClr val="accent1"/>
+          </a:lnRef>
+          <a:fillRef idx="0">
+            <a:schemeClr val="accent1"/>
+          </a:fillRef>
+          <a:effectRef idx="0">
+            <a:schemeClr val="accent1"/>
+          </a:effectRef>
+          <a:fontRef idx="minor">
+            <a:schemeClr val="tx1"/>
+          </a:fontRef>
+        </p:style>
+      </p:cxnSp>
+      <p:cxnSp>
+        <p:nvCxnSpPr>
+          <p:cNvPr id="441" name="Соединительная линия уступом 175">
+            <a:extLst>
+              <a:ext uri="{FF2B5EF4-FFF2-40B4-BE49-F238E27FC236}">
+                <a16:creationId xmlns:a16="http://schemas.microsoft.com/office/drawing/2014/main" id="{3E31B61B-AB08-4F62-870E-7076D82D94AC}"/>
+              </a:ext>
+            </a:extLst>
+          </p:cNvPr>
+          <p:cNvCxnSpPr>
+            <a:cxnSpLocks/>
+            <a:stCxn id="146" idx="2"/>
+            <a:endCxn id="144" idx="0"/>
+          </p:cNvCxnSpPr>
+          <p:nvPr/>
+        </p:nvCxnSpPr>
+        <p:spPr>
+          <a:xfrm rot="16200000" flipH="1">
+            <a:off x="12656544" y="13099777"/>
+            <a:ext cx="1777066" cy="2460189"/>
+          </a:xfrm>
+          <a:prstGeom prst="bentConnector3">
+            <a:avLst>
+              <a:gd name="adj1" fmla="val 9730"/>
+            </a:avLst>
+          </a:prstGeom>
+          <a:ln w="28575">
+            <a:tailEnd type="arrow"/>
+          </a:ln>
+        </p:spPr>
+        <p:style>
+          <a:lnRef idx="1">
+            <a:schemeClr val="accent1"/>
+          </a:lnRef>
+          <a:fillRef idx="0">
+            <a:schemeClr val="accent1"/>
+          </a:fillRef>
+          <a:effectRef idx="0">
+            <a:schemeClr val="accent1"/>
+          </a:effectRef>
+          <a:fontRef idx="minor">
+            <a:schemeClr val="tx1"/>
+          </a:fontRef>
+        </p:style>
+      </p:cxnSp>
+      <p:cxnSp>
+        <p:nvCxnSpPr>
+          <p:cNvPr id="442" name="Соединительная линия уступом 175">
+            <a:extLst>
+              <a:ext uri="{FF2B5EF4-FFF2-40B4-BE49-F238E27FC236}">
+                <a16:creationId xmlns:a16="http://schemas.microsoft.com/office/drawing/2014/main" id="{56482AF8-3772-427C-903F-F66015A9CDB8}"/>
+              </a:ext>
+            </a:extLst>
+          </p:cNvPr>
+          <p:cNvCxnSpPr>
+            <a:cxnSpLocks/>
+            <a:stCxn id="201" idx="2"/>
+            <a:endCxn id="144" idx="0"/>
+          </p:cNvCxnSpPr>
+          <p:nvPr/>
+        </p:nvCxnSpPr>
+        <p:spPr>
+          <a:xfrm rot="5400000">
+            <a:off x="13890052" y="14333285"/>
+            <a:ext cx="1770240" cy="12700"/>
           </a:xfrm>
           <a:prstGeom prst="bentConnector3">
             <a:avLst>

--- a/Наработки/диздоки/Нидерланды/Нидерланды.pptx
+++ b/Наработки/диздоки/Нидерланды/Нидерланды.pptx
@@ -209,7 +209,7 @@
             <a:fld id="{33E3D7F9-E251-484C-A6FF-FA958879DF69}" type="datetimeFigureOut">
               <a:rPr lang="ru-RU" smtClean="0"/>
               <a:pPr/>
-              <a:t>20.05.2022</a:t>
+              <a:t>23.05.2022</a:t>
             </a:fld>
             <a:endParaRPr lang="ru-RU"/>
           </a:p>
@@ -699,7 +699,7 @@
             <a:fld id="{85A5DE44-605B-4D3B-B2B7-94543DF81A36}" type="datetimeFigureOut">
               <a:rPr lang="ru-RU" smtClean="0"/>
               <a:pPr/>
-              <a:t>20.05.2022</a:t>
+              <a:t>23.05.2022</a:t>
             </a:fld>
             <a:endParaRPr lang="ru-RU"/>
           </a:p>
@@ -871,7 +871,7 @@
             <a:fld id="{85A5DE44-605B-4D3B-B2B7-94543DF81A36}" type="datetimeFigureOut">
               <a:rPr lang="ru-RU" smtClean="0"/>
               <a:pPr/>
-              <a:t>20.05.2022</a:t>
+              <a:t>23.05.2022</a:t>
             </a:fld>
             <a:endParaRPr lang="ru-RU"/>
           </a:p>
@@ -1053,7 +1053,7 @@
             <a:fld id="{85A5DE44-605B-4D3B-B2B7-94543DF81A36}" type="datetimeFigureOut">
               <a:rPr lang="ru-RU" smtClean="0"/>
               <a:pPr/>
-              <a:t>20.05.2022</a:t>
+              <a:t>23.05.2022</a:t>
             </a:fld>
             <a:endParaRPr lang="ru-RU"/>
           </a:p>
@@ -1225,7 +1225,7 @@
             <a:fld id="{85A5DE44-605B-4D3B-B2B7-94543DF81A36}" type="datetimeFigureOut">
               <a:rPr lang="ru-RU" smtClean="0"/>
               <a:pPr/>
-              <a:t>20.05.2022</a:t>
+              <a:t>23.05.2022</a:t>
             </a:fld>
             <a:endParaRPr lang="ru-RU"/>
           </a:p>
@@ -1473,7 +1473,7 @@
             <a:fld id="{85A5DE44-605B-4D3B-B2B7-94543DF81A36}" type="datetimeFigureOut">
               <a:rPr lang="ru-RU" smtClean="0"/>
               <a:pPr/>
-              <a:t>20.05.2022</a:t>
+              <a:t>23.05.2022</a:t>
             </a:fld>
             <a:endParaRPr lang="ru-RU"/>
           </a:p>
@@ -1707,7 +1707,7 @@
             <a:fld id="{85A5DE44-605B-4D3B-B2B7-94543DF81A36}" type="datetimeFigureOut">
               <a:rPr lang="ru-RU" smtClean="0"/>
               <a:pPr/>
-              <a:t>20.05.2022</a:t>
+              <a:t>23.05.2022</a:t>
             </a:fld>
             <a:endParaRPr lang="ru-RU"/>
           </a:p>
@@ -2076,7 +2076,7 @@
             <a:fld id="{85A5DE44-605B-4D3B-B2B7-94543DF81A36}" type="datetimeFigureOut">
               <a:rPr lang="ru-RU" smtClean="0"/>
               <a:pPr/>
-              <a:t>20.05.2022</a:t>
+              <a:t>23.05.2022</a:t>
             </a:fld>
             <a:endParaRPr lang="ru-RU"/>
           </a:p>
@@ -2196,7 +2196,7 @@
             <a:fld id="{85A5DE44-605B-4D3B-B2B7-94543DF81A36}" type="datetimeFigureOut">
               <a:rPr lang="ru-RU" smtClean="0"/>
               <a:pPr/>
-              <a:t>20.05.2022</a:t>
+              <a:t>23.05.2022</a:t>
             </a:fld>
             <a:endParaRPr lang="ru-RU"/>
           </a:p>
@@ -2293,7 +2293,7 @@
             <a:fld id="{85A5DE44-605B-4D3B-B2B7-94543DF81A36}" type="datetimeFigureOut">
               <a:rPr lang="ru-RU" smtClean="0"/>
               <a:pPr/>
-              <a:t>20.05.2022</a:t>
+              <a:t>23.05.2022</a:t>
             </a:fld>
             <a:endParaRPr lang="ru-RU"/>
           </a:p>
@@ -2572,7 +2572,7 @@
             <a:fld id="{85A5DE44-605B-4D3B-B2B7-94543DF81A36}" type="datetimeFigureOut">
               <a:rPr lang="ru-RU" smtClean="0"/>
               <a:pPr/>
-              <a:t>20.05.2022</a:t>
+              <a:t>23.05.2022</a:t>
             </a:fld>
             <a:endParaRPr lang="ru-RU"/>
           </a:p>
@@ -2831,7 +2831,7 @@
             <a:fld id="{85A5DE44-605B-4D3B-B2B7-94543DF81A36}" type="datetimeFigureOut">
               <a:rPr lang="ru-RU" smtClean="0"/>
               <a:pPr/>
-              <a:t>20.05.2022</a:t>
+              <a:t>23.05.2022</a:t>
             </a:fld>
             <a:endParaRPr lang="ru-RU"/>
           </a:p>
@@ -3046,7 +3046,7 @@
             <a:fld id="{85A5DE44-605B-4D3B-B2B7-94543DF81A36}" type="datetimeFigureOut">
               <a:rPr lang="ru-RU" smtClean="0"/>
               <a:pPr/>
-              <a:t>20.05.2022</a:t>
+              <a:t>23.05.2022</a:t>
             </a:fld>
             <a:endParaRPr lang="ru-RU"/>
           </a:p>
@@ -3469,7 +3469,11 @@
           <a:solidFill>
             <a:srgbClr val="FFC000"/>
           </a:solidFill>
-          <a:ln w="28575"/>
+          <a:ln w="28575">
+            <a:solidFill>
+              <a:schemeClr val="tx1"/>
+            </a:solidFill>
+          </a:ln>
         </p:spPr>
         <p:style>
           <a:lnRef idx="2">
@@ -3614,7 +3618,11 @@
           <a:solidFill>
             <a:srgbClr val="FFC000"/>
           </a:solidFill>
-          <a:ln w="28575"/>
+          <a:ln w="28575">
+            <a:solidFill>
+              <a:schemeClr val="tx1"/>
+            </a:solidFill>
+          </a:ln>
         </p:spPr>
         <p:style>
           <a:lnRef idx="2">
@@ -3701,65 +3709,6 @@
             <a:r>
               <a:rPr lang="ru-RU" sz="1400" dirty="0"/>
               <a:t>мировая революция</a:t>
-            </a:r>
-          </a:p>
-        </p:txBody>
-      </p:sp>
-      <p:sp>
-        <p:nvSpPr>
-          <p:cNvPr id="134" name="Прямоугольник 133">
-            <a:extLst>
-              <a:ext uri="{FF2B5EF4-FFF2-40B4-BE49-F238E27FC236}">
-                <a16:creationId xmlns:a16="http://schemas.microsoft.com/office/drawing/2014/main" id="{A6501717-9895-440F-BF34-D3AA54D6E376}"/>
-              </a:ext>
-            </a:extLst>
-          </p:cNvPr>
-          <p:cNvSpPr/>
-          <p:nvPr/>
-        </p:nvSpPr>
-        <p:spPr>
-          <a:xfrm>
-            <a:off x="13428656" y="5297666"/>
-            <a:ext cx="2115918" cy="1080000"/>
-          </a:xfrm>
-          <a:prstGeom prst="rect">
-            <a:avLst/>
-          </a:prstGeom>
-          <a:solidFill>
-            <a:srgbClr val="FFC000"/>
-          </a:solidFill>
-          <a:ln w="28575"/>
-        </p:spPr>
-        <p:style>
-          <a:lnRef idx="2">
-            <a:schemeClr val="accent1"/>
-          </a:lnRef>
-          <a:fillRef idx="1">
-            <a:schemeClr val="lt1"/>
-          </a:fillRef>
-          <a:effectRef idx="0">
-            <a:schemeClr val="accent1"/>
-          </a:effectRef>
-          <a:fontRef idx="minor">
-            <a:schemeClr val="dk1"/>
-          </a:fontRef>
-        </p:style>
-        <p:txBody>
-          <a:bodyPr lIns="124733" tIns="62367" rIns="124733" bIns="62367" rtlCol="0" anchor="ctr"/>
-          <a:lstStyle/>
-          <a:p>
-            <a:pPr algn="ctr"/>
-            <a:r>
-              <a:rPr lang="ru-RU" sz="1100" dirty="0"/>
-              <a:t>В конце концов Троцкий и </a:t>
-            </a:r>
-            <a:r>
-              <a:rPr lang="ru-RU" sz="1100" dirty="0" err="1"/>
-              <a:t>Сневлит</a:t>
-            </a:r>
-            <a:r>
-              <a:rPr lang="ru-RU" sz="1100" dirty="0"/>
-              <a:t> вступили в идеологический конфликт, отрезав РСАП от международных контактов.</a:t>
             </a:r>
           </a:p>
         </p:txBody>
@@ -11284,7 +11233,11 @@
           <a:solidFill>
             <a:srgbClr val="FFC000"/>
           </a:solidFill>
-          <a:ln w="28575"/>
+          <a:ln w="28575">
+            <a:solidFill>
+              <a:schemeClr val="tx1"/>
+            </a:solidFill>
+          </a:ln>
         </p:spPr>
         <p:style>
           <a:lnRef idx="2">
@@ -11335,7 +11288,11 @@
           <a:solidFill>
             <a:srgbClr val="FFC000"/>
           </a:solidFill>
-          <a:ln w="28575"/>
+          <a:ln w="28575">
+            <a:solidFill>
+              <a:schemeClr val="tx1"/>
+            </a:solidFill>
+          </a:ln>
         </p:spPr>
         <p:style>
           <a:lnRef idx="2">
@@ -11607,85 +11564,8 @@
             <a:pPr algn="ctr"/>
             <a:r>
               <a:rPr lang="ru-RU" sz="1400" dirty="0"/>
-              <a:t>Переворот интернационалистических групп коммунистов </a:t>
-            </a:r>
-            <a:r>
-              <a:rPr lang="ru-RU" sz="1000" dirty="0"/>
-              <a:t>(</a:t>
-            </a:r>
-            <a:r>
-              <a:rPr lang="en-US" sz="1100" u="none" strike="noStrike" dirty="0" err="1">
-                <a:solidFill>
-                  <a:srgbClr val="000000"/>
-                </a:solidFill>
-                <a:effectLst/>
-                <a:latin typeface="Times New Roman" panose="02020603050405020304" pitchFamily="18" charset="0"/>
-                <a:ea typeface="Arial Unicode MS"/>
-                <a:cs typeface="Times New Roman" panose="02020603050405020304" pitchFamily="18" charset="0"/>
-              </a:rPr>
-              <a:t>Groep</a:t>
-            </a:r>
-            <a:r>
-              <a:rPr lang="en-US" sz="1100" u="none" strike="noStrike" dirty="0">
-                <a:solidFill>
-                  <a:srgbClr val="000000"/>
-                </a:solidFill>
-                <a:effectLst/>
-                <a:latin typeface="Times New Roman" panose="02020603050405020304" pitchFamily="18" charset="0"/>
-                <a:ea typeface="Arial Unicode MS"/>
-                <a:cs typeface="Times New Roman" panose="02020603050405020304" pitchFamily="18" charset="0"/>
-              </a:rPr>
-              <a:t> van </a:t>
-            </a:r>
-            <a:r>
-              <a:rPr lang="en-US" sz="1100" u="none" strike="noStrike" dirty="0" err="1">
-                <a:solidFill>
-                  <a:srgbClr val="000000"/>
-                </a:solidFill>
-                <a:effectLst/>
-                <a:latin typeface="Times New Roman" panose="02020603050405020304" pitchFamily="18" charset="0"/>
-                <a:ea typeface="Arial Unicode MS"/>
-                <a:cs typeface="Times New Roman" panose="02020603050405020304" pitchFamily="18" charset="0"/>
-              </a:rPr>
-              <a:t>Internationale</a:t>
-            </a:r>
-            <a:r>
-              <a:rPr lang="en-US" sz="1100" u="none" strike="noStrike" dirty="0">
-                <a:solidFill>
-                  <a:srgbClr val="000000"/>
-                </a:solidFill>
-                <a:effectLst/>
-                <a:latin typeface="Times New Roman" panose="02020603050405020304" pitchFamily="18" charset="0"/>
-                <a:ea typeface="Arial Unicode MS"/>
-                <a:cs typeface="Times New Roman" panose="02020603050405020304" pitchFamily="18" charset="0"/>
-              </a:rPr>
-              <a:t> </a:t>
-            </a:r>
-            <a:r>
-              <a:rPr lang="en-US" sz="1100" u="none" strike="noStrike" dirty="0" err="1">
-                <a:solidFill>
-                  <a:srgbClr val="000000"/>
-                </a:solidFill>
-                <a:effectLst/>
-                <a:latin typeface="Times New Roman" panose="02020603050405020304" pitchFamily="18" charset="0"/>
-                <a:ea typeface="Arial Unicode MS"/>
-                <a:cs typeface="Times New Roman" panose="02020603050405020304" pitchFamily="18" charset="0"/>
-              </a:rPr>
-              <a:t>Communisten</a:t>
-            </a:r>
-            <a:r>
-              <a:rPr lang="ru-RU" sz="1100" u="none" strike="noStrike" dirty="0">
-                <a:solidFill>
-                  <a:srgbClr val="000000"/>
-                </a:solidFill>
-                <a:effectLst/>
-                <a:latin typeface="Times New Roman" panose="02020603050405020304" pitchFamily="18" charset="0"/>
-                <a:ea typeface="Arial Unicode MS"/>
-                <a:cs typeface="Times New Roman" panose="02020603050405020304" pitchFamily="18" charset="0"/>
-              </a:rPr>
-              <a:t>)</a:t>
-            </a:r>
-            <a:endParaRPr lang="ru-RU" sz="1400" dirty="0"/>
+              <a:t>Переворот интернационалистических групп коммунистов</a:t>
+            </a:r>
           </a:p>
         </p:txBody>
       </p:sp>
@@ -12120,121 +12000,6 @@
       </p:sp>
       <p:sp>
         <p:nvSpPr>
-          <p:cNvPr id="229" name="Прямоугольник 228">
-            <a:extLst>
-              <a:ext uri="{FF2B5EF4-FFF2-40B4-BE49-F238E27FC236}">
-                <a16:creationId xmlns:a16="http://schemas.microsoft.com/office/drawing/2014/main" id="{A5171FC1-3957-48C7-8A18-AE335D0D3217}"/>
-              </a:ext>
-            </a:extLst>
-          </p:cNvPr>
-          <p:cNvSpPr/>
-          <p:nvPr/>
-        </p:nvSpPr>
-        <p:spPr>
-          <a:xfrm>
-            <a:off x="294820" y="2569036"/>
-            <a:ext cx="2115918" cy="1080000"/>
-          </a:xfrm>
-          <a:prstGeom prst="rect">
-            <a:avLst/>
-          </a:prstGeom>
-          <a:solidFill>
-            <a:srgbClr val="FFFF00"/>
-          </a:solidFill>
-          <a:ln w="28575"/>
-        </p:spPr>
-        <p:style>
-          <a:lnRef idx="2">
-            <a:schemeClr val="accent1"/>
-          </a:lnRef>
-          <a:fillRef idx="1">
-            <a:schemeClr val="lt1"/>
-          </a:fillRef>
-          <a:effectRef idx="0">
-            <a:schemeClr val="accent1"/>
-          </a:effectRef>
-          <a:fontRef idx="minor">
-            <a:schemeClr val="dk1"/>
-          </a:fontRef>
-        </p:style>
-        <p:txBody>
-          <a:bodyPr lIns="124733" tIns="62367" rIns="124733" bIns="62367" rtlCol="0" anchor="ctr"/>
-          <a:lstStyle/>
-          <a:p>
-            <a:pPr algn="ctr"/>
-            <a:r>
-              <a:rPr lang="ru-RU" sz="500" dirty="0"/>
-              <a:t>Только с 1928 года GIC издавала собственную прессу: </a:t>
-            </a:r>
-            <a:r>
-              <a:rPr lang="ru-RU" sz="500" dirty="0" err="1"/>
-              <a:t>Persmateriaal</a:t>
-            </a:r>
-            <a:r>
-              <a:rPr lang="ru-RU" sz="500" dirty="0"/>
-              <a:t> </a:t>
-            </a:r>
-            <a:r>
-              <a:rPr lang="ru-RU" sz="500" dirty="0" err="1"/>
-              <a:t>van</a:t>
-            </a:r>
-            <a:r>
-              <a:rPr lang="ru-RU" sz="500" dirty="0"/>
-              <a:t> </a:t>
-            </a:r>
-            <a:r>
-              <a:rPr lang="ru-RU" sz="500" dirty="0" err="1"/>
-              <a:t>de</a:t>
-            </a:r>
-            <a:r>
-              <a:rPr lang="ru-RU" sz="500" dirty="0"/>
-              <a:t> </a:t>
-            </a:r>
-            <a:r>
-              <a:rPr lang="ru-RU" sz="500" dirty="0" err="1"/>
-              <a:t>Groepen</a:t>
-            </a:r>
-            <a:r>
-              <a:rPr lang="ru-RU" sz="500" dirty="0"/>
-              <a:t> </a:t>
-            </a:r>
-            <a:r>
-              <a:rPr lang="ru-RU" sz="500" dirty="0" err="1"/>
-              <a:t>van</a:t>
-            </a:r>
-            <a:r>
-              <a:rPr lang="ru-RU" sz="500" dirty="0"/>
-              <a:t> </a:t>
-            </a:r>
-            <a:r>
-              <a:rPr lang="ru-RU" sz="500" dirty="0" err="1"/>
-              <a:t>Internationale</a:t>
-            </a:r>
-            <a:r>
-              <a:rPr lang="ru-RU" sz="500" dirty="0"/>
-              <a:t> </a:t>
-            </a:r>
-            <a:r>
-              <a:rPr lang="ru-RU" sz="500" dirty="0" err="1"/>
-              <a:t>Communtien</a:t>
-            </a:r>
-            <a:r>
-              <a:rPr lang="ru-RU" sz="500" dirty="0"/>
-              <a:t> («пресс-материалы GIC») на голландском и немецком языках. Вдобавок к этому теоретическому обзору были многочисленные брошюры, призванные быть более пропагандистскими, более современными и более доступными для рабочих8. Позже, с ростом безработицы, гик выпустил агитационный листок, распространяемый среди безработных в Амстердаме: </a:t>
-            </a:r>
-            <a:r>
-              <a:rPr lang="ru-RU" sz="500" dirty="0" err="1"/>
-              <a:t>Proletenstemmen</a:t>
-            </a:r>
-            <a:r>
-              <a:rPr lang="ru-RU" sz="500" dirty="0"/>
-              <a:t> («Пролетарские голоса») с 1936 года до войны. Тон был очень воинственным, а содержание очень живым.</a:t>
-            </a:r>
-          </a:p>
-        </p:txBody>
-      </p:sp>
-      <p:sp>
-        <p:nvSpPr>
           <p:cNvPr id="231" name="Прямоугольник 230">
             <a:extLst>
               <a:ext uri="{FF2B5EF4-FFF2-40B4-BE49-F238E27FC236}">
@@ -12409,10 +12174,10 @@
       </p:sp>
       <p:sp>
         <p:nvSpPr>
-          <p:cNvPr id="237" name="Прямоугольник 236">
-            <a:extLst>
-              <a:ext uri="{FF2B5EF4-FFF2-40B4-BE49-F238E27FC236}">
-                <a16:creationId xmlns:a16="http://schemas.microsoft.com/office/drawing/2014/main" id="{6F8111E7-1B25-4AA9-8608-4460F1F39721}"/>
+          <p:cNvPr id="241" name="Прямоугольник 240">
+            <a:extLst>
+              <a:ext uri="{FF2B5EF4-FFF2-40B4-BE49-F238E27FC236}">
+                <a16:creationId xmlns:a16="http://schemas.microsoft.com/office/drawing/2014/main" id="{69D105F8-06E8-4874-9CC0-A720AA16198A}"/>
               </a:ext>
             </a:extLst>
           </p:cNvPr>
@@ -12421,8 +12186,8 @@
         </p:nvSpPr>
         <p:spPr>
           <a:xfrm>
-            <a:off x="294820" y="1344818"/>
-            <a:ext cx="2115918" cy="1080000"/>
+            <a:off x="11077905" y="-10493"/>
+            <a:ext cx="8151236" cy="6249698"/>
           </a:xfrm>
           <a:prstGeom prst="rect">
             <a:avLst/>
@@ -12452,548 +12217,287 @@
           <a:p>
             <a:pPr algn="ctr"/>
             <a:r>
-              <a:rPr lang="ru-RU" sz="400" dirty="0"/>
-              <a:t>Группа интернациональных коммунистов не имела ни устава, ни обязательных взносов, а ее «внутренние» собрания были открыты для всех остальных товарищей из других групп. В результате никогда не было известно точное количество участников в группе. Никогда не было голосования; это было сочтено ненужным, потому что нужно было избегать какой-либо партийной политики. Вы обсуждали проблему, и когда возникало важное расхождение во мнениях, отмечались различные точки зрения, и все. Решение большинства не имело значения. Решать будет рабочий класс22.Этот способ функционирования, который соответствовал образу дискуссионного кружка, был небезопасен. Он обрек гик на то, чтобы уходить в чисто теоретические проблемы, а когда ставились политические проблемы, вроде испанского вопроса (см. главу восьмую), было очень трудно увидеть принципиальную демаркацию между большинством и меньшинством группы. В то же время разногласия по поводу интервенции, отражавшие противостояние активистских и более теоретических тенденций, не могли быть преодолены голосованием или другими средствами и часто приводили к довольно неясным расколам.¬</a:t>
-            </a:r>
-          </a:p>
-        </p:txBody>
-      </p:sp>
-      <p:sp>
-        <p:nvSpPr>
-          <p:cNvPr id="238" name="Прямоугольник 237">
-            <a:extLst>
-              <a:ext uri="{FF2B5EF4-FFF2-40B4-BE49-F238E27FC236}">
-                <a16:creationId xmlns:a16="http://schemas.microsoft.com/office/drawing/2014/main" id="{57D01D21-9C92-4D5D-912D-78EABFD4B423}"/>
-              </a:ext>
-            </a:extLst>
-          </p:cNvPr>
-          <p:cNvSpPr/>
-          <p:nvPr/>
-        </p:nvSpPr>
-        <p:spPr>
-          <a:xfrm>
-            <a:off x="5051692" y="1346581"/>
-            <a:ext cx="2115918" cy="1080000"/>
-          </a:xfrm>
-          <a:prstGeom prst="rect">
-            <a:avLst/>
-          </a:prstGeom>
-          <a:solidFill>
-            <a:srgbClr val="FFFF00"/>
-          </a:solidFill>
-          <a:ln w="28575"/>
-        </p:spPr>
-        <p:style>
-          <a:lnRef idx="2">
-            <a:schemeClr val="accent1"/>
-          </a:lnRef>
-          <a:fillRef idx="1">
-            <a:schemeClr val="lt1"/>
-          </a:fillRef>
-          <a:effectRef idx="0">
-            <a:schemeClr val="accent1"/>
-          </a:effectRef>
-          <a:fontRef idx="minor">
-            <a:schemeClr val="dk1"/>
-          </a:fontRef>
-        </p:style>
-        <p:txBody>
-          <a:bodyPr lIns="124733" tIns="62367" rIns="124733" bIns="62367" rtlCol="0" anchor="ctr"/>
-          <a:lstStyle/>
-          <a:p>
-            <a:pPr algn="ctr"/>
-            <a:r>
-              <a:rPr lang="ru-RU" sz="400" dirty="0"/>
-              <a:t>Сначала ядро группы полностью составляли школьные учителя: </a:t>
-            </a:r>
-            <a:r>
-              <a:rPr lang="ru-RU" sz="400" dirty="0" err="1"/>
-              <a:t>Хенк</a:t>
-            </a:r>
-            <a:r>
-              <a:rPr lang="ru-RU" sz="400" dirty="0"/>
-              <a:t> Канне Мейер, Тео </a:t>
-            </a:r>
-            <a:r>
-              <a:rPr lang="ru-RU" sz="400" dirty="0" err="1"/>
-              <a:t>Маассен</a:t>
-            </a:r>
-            <a:r>
-              <a:rPr lang="ru-RU" sz="400" dirty="0"/>
-              <a:t> (1891–1974) и Пит </a:t>
-            </a:r>
-            <a:r>
-              <a:rPr lang="ru-RU" sz="400" dirty="0" err="1"/>
-              <a:t>Коэрман</a:t>
-            </a:r>
-            <a:r>
-              <a:rPr lang="ru-RU" sz="400" dirty="0"/>
-              <a:t> (1890–1962), бывший друг </a:t>
-            </a:r>
-            <a:r>
-              <a:rPr lang="ru-RU" sz="400" dirty="0" err="1"/>
-              <a:t>Гортера</a:t>
-            </a:r>
-            <a:r>
-              <a:rPr lang="ru-RU" sz="400" dirty="0"/>
-              <a:t> в </a:t>
-            </a:r>
-            <a:r>
-              <a:rPr lang="ru-RU" sz="400" dirty="0" err="1"/>
-              <a:t>Бюссуме</a:t>
-            </a:r>
-            <a:r>
-              <a:rPr lang="ru-RU" sz="400" dirty="0"/>
-              <a:t>. Позже появились и другие элементы: либо студенты, либо рабочие. Вклад этих последних, большинство из которых были молодыми и без особых политических традиций, был доказательством того, что источники революционной активности не иссякли. Приверженность рабочих, которая привнесла в организацию некоторую «пролетарскую кровь», также доказывала, что организация была далеко не просто кружком интеллектуалов, проявлявших академический интерес к </a:t>
-            </a:r>
-            <a:r>
-              <a:rPr lang="ru-RU" sz="400" dirty="0" err="1"/>
-              <a:t>марксизму.Однако</a:t>
-            </a:r>
-            <a:r>
-              <a:rPr lang="ru-RU" sz="400" dirty="0"/>
-              <a:t>, как и всякая малая группа, гик был очень сильно отмечен своими наиболее видными личностями, что придавало определенный колорит жизни </a:t>
-            </a:r>
-            <a:r>
-              <a:rPr lang="ru-RU" sz="400" dirty="0" err="1"/>
-              <a:t>группы.Душой</a:t>
-            </a:r>
-            <a:r>
-              <a:rPr lang="ru-RU" sz="400" dirty="0"/>
-              <a:t> группы на самом деле был </a:t>
-            </a:r>
-            <a:r>
-              <a:rPr lang="ru-RU" sz="400" dirty="0" err="1"/>
-              <a:t>Хенк</a:t>
-            </a:r>
-            <a:r>
-              <a:rPr lang="ru-RU" sz="400" dirty="0"/>
-              <a:t> Канне Мейер24. Он был бывшим инженером, который стал учителем, чтобы получить свободное время, необходимое для политической деятельности, а не для любой педагогической деятельности. Он был жив В то время как </a:t>
-            </a:r>
-            <a:r>
-              <a:rPr lang="ru-RU" sz="400" dirty="0" err="1"/>
-              <a:t>Бордига</a:t>
-            </a:r>
-            <a:r>
-              <a:rPr lang="ru-RU" sz="400" dirty="0"/>
-              <a:t> отказался от политической деятельности в период с 1929 по 1944 год, </a:t>
-            </a:r>
-            <a:r>
-              <a:rPr lang="ru-RU" sz="400" dirty="0" err="1"/>
-              <a:t>Дамен</a:t>
-            </a:r>
-            <a:r>
-              <a:rPr lang="ru-RU" sz="400" dirty="0"/>
-              <a:t> продолжал свою деятельность в качестве боевика; именно он, а не </a:t>
-            </a:r>
-            <a:r>
-              <a:rPr lang="ru-RU" sz="400" dirty="0" err="1"/>
-              <a:t>Бордига</a:t>
-            </a:r>
-            <a:r>
-              <a:rPr lang="ru-RU" sz="400" dirty="0"/>
-              <a:t>, был настоящим основателем Интернационалистской коммунистической партии (ПКНТ), образованной в 1943 году на севере Италии.</a:t>
-            </a:r>
-          </a:p>
-        </p:txBody>
-      </p:sp>
-      <p:sp>
-        <p:nvSpPr>
-          <p:cNvPr id="240" name="Прямоугольник 239">
-            <a:extLst>
-              <a:ext uri="{FF2B5EF4-FFF2-40B4-BE49-F238E27FC236}">
-                <a16:creationId xmlns:a16="http://schemas.microsoft.com/office/drawing/2014/main" id="{5D946F78-13AF-4E5D-821E-15E9D1C480EA}"/>
-              </a:ext>
-            </a:extLst>
-          </p:cNvPr>
-          <p:cNvSpPr/>
-          <p:nvPr/>
-        </p:nvSpPr>
-        <p:spPr>
-          <a:xfrm>
-            <a:off x="294820" y="3859193"/>
-            <a:ext cx="2115918" cy="1080000"/>
-          </a:xfrm>
-          <a:prstGeom prst="rect">
-            <a:avLst/>
-          </a:prstGeom>
-          <a:solidFill>
-            <a:srgbClr val="FFFF00"/>
-          </a:solidFill>
-          <a:ln w="28575"/>
-        </p:spPr>
-        <p:style>
-          <a:lnRef idx="2">
-            <a:schemeClr val="accent1"/>
-          </a:lnRef>
-          <a:fillRef idx="1">
-            <a:schemeClr val="lt1"/>
-          </a:fillRef>
-          <a:effectRef idx="0">
-            <a:schemeClr val="accent1"/>
-          </a:effectRef>
-          <a:fontRef idx="minor">
-            <a:schemeClr val="dk1"/>
-          </a:fontRef>
-        </p:style>
-        <p:txBody>
-          <a:bodyPr lIns="124733" tIns="62367" rIns="124733" bIns="62367" rtlCol="0" anchor="ctr"/>
-          <a:lstStyle/>
-          <a:p>
-            <a:pPr algn="ctr"/>
-            <a:r>
-              <a:rPr lang="ru-RU" sz="300" dirty="0" err="1"/>
-              <a:t>Хенк</a:t>
-            </a:r>
-            <a:r>
-              <a:rPr lang="ru-RU" sz="300" dirty="0"/>
-              <a:t> Канне Мейер (1890–1962) был членом НАС — в 1917 году он руководил </a:t>
-            </a:r>
-            <a:r>
-              <a:rPr lang="ru-RU" sz="300" dirty="0" err="1"/>
-              <a:t>De</a:t>
-            </a:r>
-            <a:r>
-              <a:rPr lang="ru-RU" sz="300" dirty="0"/>
+              <a:rPr lang="ru-RU" sz="1200" dirty="0"/>
+              <a:t>Другой элемент, очень представительный для политической жизни гика, Ян </a:t>
+            </a:r>
+            <a:r>
+              <a:rPr lang="ru-RU" sz="1200" dirty="0" err="1"/>
+              <a:t>Аппель</a:t>
+            </a:r>
+            <a:r>
+              <a:rPr lang="ru-RU" sz="1200" dirty="0"/>
+              <a:t>, проявлял большую активность в качестве активиста в группе. Как и Пауль </a:t>
+            </a:r>
+            <a:r>
+              <a:rPr lang="ru-RU" sz="1200" dirty="0" err="1"/>
+              <a:t>Маттик</a:t>
+            </a:r>
+            <a:r>
+              <a:rPr lang="ru-RU" sz="1200" dirty="0"/>
+              <a:t>, </a:t>
+            </a:r>
+            <a:r>
+              <a:rPr lang="ru-RU" sz="1200" dirty="0" err="1"/>
+              <a:t>Аппель</a:t>
+            </a:r>
+            <a:r>
+              <a:rPr lang="ru-RU" sz="1200" dirty="0"/>
+              <a:t> был одним из тех революционных рабочих, которые в середине 1920-х годов покинули Германию как по профессиональным, так и по политическим причинам и продолжали свою политическую деятельность в среде немецкой эмиграции. Ян </a:t>
+            </a:r>
+            <a:r>
+              <a:rPr lang="ru-RU" sz="1200" dirty="0" err="1"/>
+              <a:t>Аппель</a:t>
+            </a:r>
+            <a:r>
+              <a:rPr lang="ru-RU" sz="1200" dirty="0"/>
+              <a:t> (1890–1985; псевдонимы: Макс </a:t>
+            </a:r>
+            <a:r>
+              <a:rPr lang="ru-RU" sz="1200" dirty="0" err="1"/>
+              <a:t>Хемпель</a:t>
+            </a:r>
+            <a:r>
+              <a:rPr lang="ru-RU" sz="1200" dirty="0"/>
+              <a:t>, Ян </a:t>
+            </a:r>
+            <a:r>
+              <a:rPr lang="ru-RU" sz="1200" dirty="0" err="1"/>
+              <a:t>Арндт</a:t>
+            </a:r>
+            <a:r>
+              <a:rPr lang="ru-RU" sz="1200" dirty="0"/>
+              <a:t>, Ян </a:t>
+            </a:r>
+            <a:r>
+              <a:rPr lang="ru-RU" sz="1200" dirty="0" err="1"/>
+              <a:t>Вос</a:t>
+            </a:r>
+            <a:r>
+              <a:rPr lang="ru-RU" sz="1200" dirty="0"/>
+              <a:t>). Активен в СДП с 1908 года. Он проходил военную службу с 1911 по 1913 год, после чего служил солдатом на войне. В октябре 1917 демобилизован и направлен на работу в Гамбург рабочим на верфи. В октябре 1918 г. он созвал забастовку оружейников — «Наш лозунг был: «За мир!»». В ноябре он участвовал в качестве рабочего и революционного делегата в большой забастовке военно-морских верфей в Гамбурге. Член </a:t>
+            </a:r>
+            <a:r>
+              <a:rPr lang="ru-RU" sz="1200" dirty="0" err="1"/>
+              <a:t>Linksradikal</a:t>
+            </a:r>
+            <a:r>
+              <a:rPr lang="ru-RU" sz="1200" dirty="0"/>
+              <a:t> в 1917 г., он стал членом Союза Спартака в декабре 1918 г. В январе 1919 г., после того как в Берлине были убиты Роза Люксембург и Карл Либкнехт, он познакомился с Эрнстом Тельманом из УСДП, будущим председателем сталинской КПД. . Вскоре он выступил за создание фабричных организаций (</a:t>
+            </a:r>
+            <a:r>
+              <a:rPr lang="ru-RU" sz="1200" dirty="0" err="1"/>
+              <a:t>Betriebsorganisationen</a:t>
+            </a:r>
+            <a:r>
+              <a:rPr lang="ru-RU" sz="1200" dirty="0"/>
+              <a:t>), что привело к основанию </a:t>
+            </a:r>
+            <a:r>
+              <a:rPr lang="ru-RU" sz="1200" dirty="0" err="1"/>
+              <a:t>Allgemeine</a:t>
+            </a:r>
+            <a:r>
+              <a:rPr lang="ru-RU" sz="1200" dirty="0"/>
               <a:t> </a:t>
             </a:r>
             <a:r>
-              <a:rPr lang="ru-RU" sz="300" dirty="0" err="1"/>
-              <a:t>jeugdige</a:t>
-            </a:r>
-            <a:r>
-              <a:rPr lang="ru-RU" sz="300" dirty="0"/>
-              <a:t>, приводя доказательства огромных теоретических и политических способностей, существующих в пролетарском движении, живое доказательство того, что политическое сознание среди рабочих не было поднято. извне «буржуазной интеллигенцией», как утверждал Ленин в «Что делать?». С умом скорее теоретическим, чем практическим, одаренным ясностью и простотой, чрезвычайно прямолинейным, Канне Мейер обладал некоторыми типичными характеристиками самоучки. Энциклопедический дух привел его к изучению биологии и психологии. Такое отношение, окрашенное педагогикой, было особенно сильным в определенные периоды рабочего движения, особенно среди самоучек. Хотя такие черты могут не вызывать больших проблем в узком кругу дискуссий, то же самое не верно для политической организации. Канне Мейер, а также ряд членов организации имели сильную склонность рассматривать организацию как «учебную группу», задачей которой было просвещение ее членов и рабочего класса. Эта склонность, типичная для советско-коммунистических групп, могла бы быстро заключить жизнь в тюрьму чистого академизма. Это уравновешивалось наличием других элементов, которые были более активны и хотели вмешаться в живую классовую борьбу. Но организация в целом вовсе не считала себя простым кругом академических исследований марксизма, довольствовавшихся «образованием» подходивших к ней элементов рабочего класса. имел сильную склонность рассматривать организацию как «учебную группу», функция которой заключалась в обучении ее членов и рабочего класса. Эта склонность, типичная для советско-коммунистических групп, могла бы быстро заключить жизнь в тюрьму чистого академизма. Это уравновешивалось наличием других элементов, которые были более активны и хотели вмешаться в живую классовую борьбу. Но организация в целом вовсе не считала себя простым кругом академических исследований марксизма, довольствовавшихся «образованием» подходивших к ней элементов рабочего класса. имел сильную склонность рассматривать организацию как «учебную группу», функция которой заключалась в обучении ее членов и рабочего класса. Эта склонность, типичная для советско-коммунистических групп, могла бы быстро заключить жизнь в тюрьму чистого академизма. Это уравновешивалось наличием других элементов, которые были более активны и хотели вмешаться в живую классовую борьбу. Но организация в целом вовсе не считала себя простым кругом академических исследований марксизма, довольствовавшихся «просвещением» подходивших к ней элементов рабочего класса.</a:t>
-            </a:r>
-          </a:p>
-        </p:txBody>
-      </p:sp>
-      <p:sp>
-        <p:nvSpPr>
-          <p:cNvPr id="241" name="Прямоугольник 240">
-            <a:extLst>
-              <a:ext uri="{FF2B5EF4-FFF2-40B4-BE49-F238E27FC236}">
-                <a16:creationId xmlns:a16="http://schemas.microsoft.com/office/drawing/2014/main" id="{69D105F8-06E8-4874-9CC0-A720AA16198A}"/>
-              </a:ext>
-            </a:extLst>
-          </p:cNvPr>
-          <p:cNvSpPr/>
-          <p:nvPr/>
-        </p:nvSpPr>
-        <p:spPr>
-          <a:xfrm>
-            <a:off x="5051692" y="2644147"/>
-            <a:ext cx="2115918" cy="1080000"/>
-          </a:xfrm>
-          <a:prstGeom prst="rect">
-            <a:avLst/>
-          </a:prstGeom>
-          <a:solidFill>
-            <a:srgbClr val="FFFF00"/>
-          </a:solidFill>
-          <a:ln w="28575"/>
-        </p:spPr>
-        <p:style>
-          <a:lnRef idx="2">
-            <a:schemeClr val="accent1"/>
-          </a:lnRef>
-          <a:fillRef idx="1">
-            <a:schemeClr val="lt1"/>
-          </a:fillRef>
-          <a:effectRef idx="0">
-            <a:schemeClr val="accent1"/>
-          </a:effectRef>
-          <a:fontRef idx="minor">
-            <a:schemeClr val="dk1"/>
-          </a:fontRef>
-        </p:style>
-        <p:txBody>
-          <a:bodyPr lIns="124733" tIns="62367" rIns="124733" bIns="62367" rtlCol="0" anchor="ctr"/>
-          <a:lstStyle/>
-          <a:p>
-            <a:pPr algn="ctr"/>
-            <a:r>
-              <a:rPr lang="ru-RU" sz="200" dirty="0"/>
-              <a:t>Другой элемент, очень представительный для политической жизни гика, Ян </a:t>
-            </a:r>
-            <a:r>
-              <a:rPr lang="ru-RU" sz="200" dirty="0" err="1"/>
+              <a:rPr lang="ru-RU" sz="1200" dirty="0" err="1"/>
+              <a:t>Arbeiter</a:t>
+            </a:r>
+            <a:r>
+              <a:rPr lang="ru-RU" sz="1200" dirty="0"/>
+              <a:t> </a:t>
+            </a:r>
+            <a:r>
+              <a:rPr lang="ru-RU" sz="1200" dirty="0" err="1"/>
+              <a:t>Union</a:t>
+            </a:r>
+            <a:r>
+              <a:rPr lang="ru-RU" sz="1200" dirty="0"/>
+              <a:t> </a:t>
+            </a:r>
+            <a:r>
+              <a:rPr lang="ru-RU" sz="1200" dirty="0" err="1"/>
+              <a:t>Deutschlands</a:t>
+            </a:r>
+            <a:r>
+              <a:rPr lang="ru-RU" sz="1200" dirty="0"/>
+              <a:t>, или </a:t>
+            </a:r>
+            <a:r>
+              <a:rPr lang="ru-RU" sz="1200" dirty="0" err="1"/>
+              <a:t>aaud</a:t>
+            </a:r>
+            <a:r>
+              <a:rPr lang="ru-RU" sz="1200" dirty="0"/>
+              <a:t>, и был одним из главных пропагандистов </a:t>
+            </a:r>
+            <a:r>
+              <a:rPr lang="ru-RU" sz="1200" dirty="0" err="1"/>
+              <a:t>aau</a:t>
+            </a:r>
+            <a:r>
+              <a:rPr lang="ru-RU" sz="1200" dirty="0"/>
+              <a:t>. Он был председателем </a:t>
+            </a:r>
+            <a:r>
+              <a:rPr lang="ru-RU" sz="1200" dirty="0" err="1"/>
+              <a:t>Revolutionare</a:t>
+            </a:r>
+            <a:r>
+              <a:rPr lang="ru-RU" sz="1200" dirty="0"/>
+              <a:t> </a:t>
+            </a:r>
+            <a:r>
+              <a:rPr lang="ru-RU" sz="1200" dirty="0" err="1"/>
+              <a:t>Obleute</a:t>
+            </a:r>
+            <a:r>
+              <a:rPr lang="ru-RU" sz="1200" dirty="0"/>
+              <a:t> и частично взял на себя роль председателя гамбургского округа КПД. Он был с гамбургской оппозицией, но вскоре отказался от их поддержки. По этой причине он был делегатом </a:t>
+            </a:r>
+            <a:r>
+              <a:rPr lang="ru-RU" sz="1200" dirty="0" err="1"/>
+              <a:t>Гейдельбергского</a:t>
+            </a:r>
+            <a:r>
+              <a:rPr lang="ru-RU" sz="1200" dirty="0"/>
+              <a:t> конгресса КПГ в октябре 1919 г. Он был одним из главных рабочих лидеров КПГ в апреле 1920 г. В том же месяце он был вторым официальным делегатом, представлявшим КПГ на Исполнительный комитет Коммунистического Интернационала (ECCI), затем на заседании в Москве — вместе с Францем Юнгом, Вилли Кларе (1893–1970), моряком и лидером </a:t>
+            </a:r>
+            <a:r>
+              <a:rPr lang="ru-RU" sz="1200" dirty="0" err="1"/>
+              <a:t>юнионистов</a:t>
+            </a:r>
+            <a:r>
+              <a:rPr lang="ru-RU" sz="1200" dirty="0"/>
+              <a:t> в Он был председателем </a:t>
+            </a:r>
+            <a:r>
+              <a:rPr lang="ru-RU" sz="1200" dirty="0" err="1"/>
+              <a:t>Revolutionare</a:t>
+            </a:r>
+            <a:r>
+              <a:rPr lang="ru-RU" sz="1200" dirty="0"/>
+              <a:t> </a:t>
+            </a:r>
+            <a:r>
+              <a:rPr lang="ru-RU" sz="1200" dirty="0" err="1"/>
+              <a:t>Obleute</a:t>
+            </a:r>
+            <a:r>
+              <a:rPr lang="ru-RU" sz="1200" dirty="0"/>
+              <a:t> и частично взял на себя роль председателя гамбургского округа КПД. Он был с гамбургской оппозицией, но вскоре отказался от их поддержки. По этой причине он был делегатом </a:t>
+            </a:r>
+            <a:r>
+              <a:rPr lang="ru-RU" sz="1200" dirty="0" err="1"/>
+              <a:t>Гейдельбергского</a:t>
+            </a:r>
+            <a:r>
+              <a:rPr lang="ru-RU" sz="1200" dirty="0"/>
+              <a:t> конгресса КПГ в октябре 1919 г. Он был одним из главных рабочих лидеров КПГ в апреле 1920 г. В том же месяце он был вторым официальным делегатом, представлявшим КПГ на Исполнительный комитет Коммунистического Интернационала (ECCI), затем на заседании в Москве — вместе с Францем Юнгом, Вилли Кларе (1893–1970), моряком и лидером </a:t>
+            </a:r>
+            <a:r>
+              <a:rPr lang="ru-RU" sz="1200" dirty="0" err="1"/>
+              <a:t>юнионистов</a:t>
+            </a:r>
+            <a:r>
+              <a:rPr lang="ru-RU" sz="1200" dirty="0"/>
+              <a:t> в Он был председателем </a:t>
+            </a:r>
+            <a:r>
+              <a:rPr lang="ru-RU" sz="1200" dirty="0" err="1"/>
+              <a:t>Revolutionare</a:t>
+            </a:r>
+            <a:r>
+              <a:rPr lang="ru-RU" sz="1200" dirty="0"/>
+              <a:t> </a:t>
+            </a:r>
+            <a:r>
+              <a:rPr lang="ru-RU" sz="1200" dirty="0" err="1"/>
+              <a:t>Obleute</a:t>
+            </a:r>
+            <a:r>
+              <a:rPr lang="ru-RU" sz="1200" dirty="0"/>
+              <a:t> и частично взял на себя роль председателя гамбургского округа КПД. Он был с гамбургской оппозицией, но вскоре отказался от их поддержки. По этой причине он был делегатом </a:t>
+            </a:r>
+            <a:r>
+              <a:rPr lang="ru-RU" sz="1200" dirty="0" err="1"/>
+              <a:t>Гейдельбергского</a:t>
+            </a:r>
+            <a:r>
+              <a:rPr lang="ru-RU" sz="1200" dirty="0"/>
+              <a:t> конгресса КПГ в октябре 1919 г. Он был одним из главных рабочих лидеров КПГ в апреле 1920 г. В том же месяце он был вторым официальным делегатом, представлявшим КПГ на Исполнительный комитет Коммунистического Интернационала (ECCI), затем на заседании в Москве — вместе с Францем Юнгом, Вилли Кларе (1893–1970), моряком и лидером </a:t>
+            </a:r>
+            <a:r>
+              <a:rPr lang="ru-RU" sz="1200" dirty="0" err="1"/>
+              <a:t>юнионистов</a:t>
+            </a:r>
+            <a:r>
+              <a:rPr lang="ru-RU" sz="1200" dirty="0"/>
+              <a:t> </a:t>
+            </a:r>
+            <a:r>
+              <a:rPr lang="ru-RU" sz="1200" dirty="0" err="1"/>
+              <a:t>вКуксхафена</a:t>
+            </a:r>
+            <a:r>
+              <a:rPr lang="ru-RU" sz="1200" dirty="0"/>
+              <a:t> и Германа </a:t>
+            </a:r>
+            <a:r>
+              <a:rPr lang="ru-RU" sz="1200" dirty="0" err="1"/>
+              <a:t>Кнуфкена</a:t>
+            </a:r>
+            <a:r>
+              <a:rPr lang="ru-RU" sz="1200" dirty="0"/>
+              <a:t> (1893-1976), он угнал рыбацкую лодку «Сенатор Шредер», чтобы добраться до Мурманска. Поговорив с Зиновьевым в Ленинграде, он отправился в Москву. Вместе с Юнгом и Германом </a:t>
+            </a:r>
+            <a:r>
+              <a:rPr lang="ru-RU" sz="1200" dirty="0" err="1"/>
+              <a:t>Кнуфкеном</a:t>
+            </a:r>
+            <a:r>
+              <a:rPr lang="ru-RU" sz="1200" dirty="0"/>
+              <a:t> его вскоре принял сам Ленин. По его </a:t>
+            </a:r>
+            <a:r>
+              <a:rPr lang="ru-RU" sz="1200" dirty="0" err="1"/>
+              <a:t>словам:«Ленин</a:t>
+            </a:r>
+            <a:r>
+              <a:rPr lang="ru-RU" sz="1200" dirty="0"/>
+              <a:t>, конечно, выступал против нашей и </a:t>
+            </a:r>
+            <a:r>
+              <a:rPr lang="ru-RU" sz="1200" dirty="0" err="1"/>
+              <a:t>капд</a:t>
+            </a:r>
+            <a:r>
+              <a:rPr lang="ru-RU" sz="1200" dirty="0"/>
+              <a:t>-точки зрения. В ходе второго приема, немного позже, он дал нам свой ответ. Это он сделал, читая до пределов этой среды. Как и Пол </a:t>
+            </a:r>
+            <a:r>
+              <a:rPr lang="ru-RU" sz="1200" dirty="0" err="1"/>
+              <a:t>Маттик</a:t>
+            </a:r>
+            <a:r>
+              <a:rPr lang="ru-RU" sz="1200" dirty="0"/>
+              <a:t>, Ян </a:t>
+            </a:r>
+            <a:r>
+              <a:rPr lang="ru-RU" sz="1200" dirty="0" err="1"/>
               <a:t>Аппель</a:t>
             </a:r>
             <a:r>
-              <a:rPr lang="ru-RU" sz="200" dirty="0"/>
-              <a:t>, проявлял большую активность в качестве активиста в группе. Как и Пауль </a:t>
-            </a:r>
-            <a:r>
-              <a:rPr lang="ru-RU" sz="200" dirty="0" err="1"/>
-              <a:t>Маттик</a:t>
-            </a:r>
-            <a:r>
-              <a:rPr lang="ru-RU" sz="200" dirty="0"/>
-              <a:t>, </a:t>
-            </a:r>
-            <a:r>
-              <a:rPr lang="ru-RU" sz="200" dirty="0" err="1"/>
-              <a:t>Аппель</a:t>
-            </a:r>
-            <a:r>
-              <a:rPr lang="ru-RU" sz="200" dirty="0"/>
-              <a:t> был одним из тех революционных рабочих, которые в середине 1920-х годов покинули Германию как по профессиональным, так и по политическим причинам и продолжали свою политическую деятельность в среде немецкой эмиграции. Ян </a:t>
-            </a:r>
-            <a:r>
-              <a:rPr lang="ru-RU" sz="200" dirty="0" err="1"/>
-              <a:t>Аппель</a:t>
-            </a:r>
-            <a:r>
-              <a:rPr lang="ru-RU" sz="200" dirty="0"/>
-              <a:t> (1890–1985; псевдонимы: Макс </a:t>
-            </a:r>
-            <a:r>
-              <a:rPr lang="ru-RU" sz="200" dirty="0" err="1"/>
-              <a:t>Хемпель</a:t>
-            </a:r>
-            <a:r>
-              <a:rPr lang="ru-RU" sz="200" dirty="0"/>
-              <a:t>, Ян </a:t>
-            </a:r>
-            <a:r>
-              <a:rPr lang="ru-RU" sz="200" dirty="0" err="1"/>
-              <a:t>Арндт</a:t>
-            </a:r>
-            <a:r>
-              <a:rPr lang="ru-RU" sz="200" dirty="0"/>
-              <a:t>, Ян </a:t>
-            </a:r>
-            <a:r>
-              <a:rPr lang="ru-RU" sz="200" dirty="0" err="1"/>
-              <a:t>Вос</a:t>
-            </a:r>
-            <a:r>
-              <a:rPr lang="ru-RU" sz="200" dirty="0"/>
-              <a:t>). Активен в СДП с 1908 года. Он проходил военную службу с 1911 по 1913 год, после чего служил солдатом на войне. В октябре 1917 демобилизован и направлен на работу в Гамбург рабочим на верфи. В октябре 1918 г. он созвал забастовку оружейников — «Наш лозунг был: «За мир!»». В ноябре он участвовал в качестве рабочего и революционного делегата в большой забастовке военно-морских верфей в Гамбурге. Член </a:t>
-            </a:r>
-            <a:r>
-              <a:rPr lang="ru-RU" sz="200" dirty="0" err="1"/>
-              <a:t>Linksradikal</a:t>
-            </a:r>
-            <a:r>
-              <a:rPr lang="ru-RU" sz="200" dirty="0"/>
-              <a:t> в 1917 г., он стал членом Союза Спартака в декабре 1918 г. В январе 1919 г., после того как в Берлине были убиты Роза Люксембург и Карл Либкнехт, он познакомился с Эрнстом Тельманом из УСДП, будущим председателем сталинской КПД. . Вскоре он выступил за создание фабричных организаций (</a:t>
-            </a:r>
-            <a:r>
-              <a:rPr lang="ru-RU" sz="200" dirty="0" err="1"/>
-              <a:t>Betriebsorganisationen</a:t>
-            </a:r>
-            <a:r>
-              <a:rPr lang="ru-RU" sz="200" dirty="0"/>
-              <a:t>), что привело к основанию </a:t>
-            </a:r>
-            <a:r>
-              <a:rPr lang="ru-RU" sz="200" dirty="0" err="1"/>
-              <a:t>Allgemeine</a:t>
-            </a:r>
-            <a:r>
-              <a:rPr lang="ru-RU" sz="200" dirty="0"/>
-              <a:t> </a:t>
-            </a:r>
-            <a:r>
-              <a:rPr lang="ru-RU" sz="200" dirty="0" err="1"/>
-              <a:t>Arbeiter</a:t>
-            </a:r>
-            <a:r>
-              <a:rPr lang="ru-RU" sz="200" dirty="0"/>
-              <a:t> </a:t>
-            </a:r>
-            <a:r>
-              <a:rPr lang="ru-RU" sz="200" dirty="0" err="1"/>
-              <a:t>Union</a:t>
-            </a:r>
-            <a:r>
-              <a:rPr lang="ru-RU" sz="200" dirty="0"/>
-              <a:t> </a:t>
-            </a:r>
-            <a:r>
-              <a:rPr lang="ru-RU" sz="200" dirty="0" err="1"/>
-              <a:t>Deutschlands</a:t>
-            </a:r>
-            <a:r>
-              <a:rPr lang="ru-RU" sz="200" dirty="0"/>
-              <a:t>, или </a:t>
-            </a:r>
-            <a:r>
-              <a:rPr lang="ru-RU" sz="200" dirty="0" err="1"/>
-              <a:t>aaud</a:t>
-            </a:r>
-            <a:r>
-              <a:rPr lang="ru-RU" sz="200" dirty="0"/>
-              <a:t>, и был одним из главных пропагандистов </a:t>
-            </a:r>
-            <a:r>
-              <a:rPr lang="ru-RU" sz="200" dirty="0" err="1"/>
-              <a:t>aau</a:t>
-            </a:r>
-            <a:r>
-              <a:rPr lang="ru-RU" sz="200" dirty="0"/>
-              <a:t>. Он был председателем </a:t>
-            </a:r>
-            <a:r>
-              <a:rPr lang="ru-RU" sz="200" dirty="0" err="1"/>
-              <a:t>Revolutionare</a:t>
-            </a:r>
-            <a:r>
-              <a:rPr lang="ru-RU" sz="200" dirty="0"/>
-              <a:t> </a:t>
-            </a:r>
-            <a:r>
-              <a:rPr lang="ru-RU" sz="200" dirty="0" err="1"/>
-              <a:t>Obleute</a:t>
-            </a:r>
-            <a:r>
-              <a:rPr lang="ru-RU" sz="200" dirty="0"/>
-              <a:t> и частично взял на себя роль председателя гамбургского округа КПД. Он был с гамбургской оппозицией, но вскоре отказался от их поддержки. По этой причине он был делегатом </a:t>
-            </a:r>
-            <a:r>
-              <a:rPr lang="ru-RU" sz="200" dirty="0" err="1"/>
-              <a:t>Гейдельбергского</a:t>
-            </a:r>
-            <a:r>
-              <a:rPr lang="ru-RU" sz="200" dirty="0"/>
-              <a:t> конгресса КПГ в октябре 1919 г. Он был одним из главных рабочих лидеров КПГ в апреле 1920 г. В том же месяце он был вторым официальным делегатом, представлявшим КПГ на Исполнительный комитет Коммунистического Интернационала (ECCI), затем на заседании в Москве — вместе с Францем Юнгом, Вилли Кларе (1893–1970), моряком и лидером </a:t>
-            </a:r>
-            <a:r>
-              <a:rPr lang="ru-RU" sz="200" dirty="0" err="1"/>
-              <a:t>юнионистов</a:t>
-            </a:r>
-            <a:r>
-              <a:rPr lang="ru-RU" sz="200" dirty="0"/>
-              <a:t> в Он был председателем </a:t>
-            </a:r>
-            <a:r>
-              <a:rPr lang="ru-RU" sz="200" dirty="0" err="1"/>
-              <a:t>Revolutionare</a:t>
-            </a:r>
-            <a:r>
-              <a:rPr lang="ru-RU" sz="200" dirty="0"/>
-              <a:t> </a:t>
-            </a:r>
-            <a:r>
-              <a:rPr lang="ru-RU" sz="200" dirty="0" err="1"/>
-              <a:t>Obleute</a:t>
-            </a:r>
-            <a:r>
-              <a:rPr lang="ru-RU" sz="200" dirty="0"/>
-              <a:t> и частично взял на себя роль председателя гамбургского округа КПД. Он был с гамбургской оппозицией, но вскоре отказался от их поддержки. По этой причине он был делегатом </a:t>
-            </a:r>
-            <a:r>
-              <a:rPr lang="ru-RU" sz="200" dirty="0" err="1"/>
-              <a:t>Гейдельбергского</a:t>
-            </a:r>
-            <a:r>
-              <a:rPr lang="ru-RU" sz="200" dirty="0"/>
-              <a:t> конгресса КПГ в октябре 1919 г. Он был одним из главных рабочих лидеров КПГ в апреле 1920 г. В том же месяце он был вторым официальным делегатом, представлявшим КПГ на Исполнительный комитет Коммунистического Интернационала (ECCI), затем на заседании в Москве — вместе с Францем Юнгом, Вилли Кларе (1893–1970), моряком и лидером </a:t>
-            </a:r>
-            <a:r>
-              <a:rPr lang="ru-RU" sz="200" dirty="0" err="1"/>
-              <a:t>юнионистов</a:t>
-            </a:r>
-            <a:r>
-              <a:rPr lang="ru-RU" sz="200" dirty="0"/>
-              <a:t> в Он был председателем </a:t>
-            </a:r>
-            <a:r>
-              <a:rPr lang="ru-RU" sz="200" dirty="0" err="1"/>
-              <a:t>Revolutionare</a:t>
-            </a:r>
-            <a:r>
-              <a:rPr lang="ru-RU" sz="200" dirty="0"/>
-              <a:t> </a:t>
-            </a:r>
-            <a:r>
-              <a:rPr lang="ru-RU" sz="200" dirty="0" err="1"/>
-              <a:t>Obleute</a:t>
-            </a:r>
-            <a:r>
-              <a:rPr lang="ru-RU" sz="200" dirty="0"/>
-              <a:t> и частично взял на себя роль председателя гамбургского округа КПД. Он был с гамбургской оппозицией, но вскоре отказался от их поддержки. По этой причине он был делегатом </a:t>
-            </a:r>
-            <a:r>
-              <a:rPr lang="ru-RU" sz="200" dirty="0" err="1"/>
-              <a:t>Гейдельбергского</a:t>
-            </a:r>
-            <a:r>
-              <a:rPr lang="ru-RU" sz="200" dirty="0"/>
-              <a:t> конгресса КПГ в октябре 1919 г. Он был одним из главных рабочих лидеров КПГ в апреле 1920 г. В том же месяце он был вторым официальным делегатом, представлявшим КПГ на Исполнительный комитет Коммунистического Интернационала (ECCI), затем на заседании в Москве — вместе с Францем Юнгом, Вилли Кларе (1893–1970), моряком и лидером </a:t>
-            </a:r>
-            <a:r>
-              <a:rPr lang="ru-RU" sz="200" dirty="0" err="1"/>
-              <a:t>юнионистов</a:t>
-            </a:r>
-            <a:r>
-              <a:rPr lang="ru-RU" sz="200" dirty="0"/>
-              <a:t> </a:t>
-            </a:r>
-            <a:r>
-              <a:rPr lang="ru-RU" sz="200" dirty="0" err="1"/>
-              <a:t>вКуксхафена</a:t>
-            </a:r>
-            <a:r>
-              <a:rPr lang="ru-RU" sz="200" dirty="0"/>
-              <a:t> и Германа </a:t>
-            </a:r>
-            <a:r>
-              <a:rPr lang="ru-RU" sz="200" dirty="0" err="1"/>
-              <a:t>Кнуфкена</a:t>
-            </a:r>
-            <a:r>
-              <a:rPr lang="ru-RU" sz="200" dirty="0"/>
-              <a:t> (1893-1976), он угнал рыбацкую лодку «Сенатор Шредер», чтобы добраться до Мурманска. Поговорив с Зиновьевым в Ленинграде, он отправился в Москву. Вместе с Юнгом и Германом </a:t>
-            </a:r>
-            <a:r>
-              <a:rPr lang="ru-RU" sz="200" dirty="0" err="1"/>
-              <a:t>Кнуфкеном</a:t>
-            </a:r>
-            <a:r>
-              <a:rPr lang="ru-RU" sz="200" dirty="0"/>
-              <a:t> его вскоре принял сам Ленин. По его </a:t>
-            </a:r>
-            <a:r>
-              <a:rPr lang="ru-RU" sz="200" dirty="0" err="1"/>
-              <a:t>словам:«Ленин</a:t>
-            </a:r>
-            <a:r>
-              <a:rPr lang="ru-RU" sz="200" dirty="0"/>
-              <a:t>, конечно, выступал против нашей и </a:t>
-            </a:r>
-            <a:r>
-              <a:rPr lang="ru-RU" sz="200" dirty="0" err="1"/>
+              <a:rPr lang="ru-RU" sz="1200" dirty="0"/>
+              <a:t> был членом </a:t>
+            </a:r>
+            <a:r>
+              <a:rPr lang="ru-RU" sz="1200" dirty="0" err="1"/>
               <a:t>капд</a:t>
             </a:r>
             <a:r>
-              <a:rPr lang="ru-RU" sz="200" dirty="0"/>
-              <a:t>-точки зрения. В ходе второго приема, немного позже, он дал нам свой ответ. Это он сделал, читая до пределов этой среды. Как и Пол </a:t>
-            </a:r>
-            <a:r>
-              <a:rPr lang="ru-RU" sz="200" dirty="0" err="1"/>
-              <a:t>Маттик</a:t>
-            </a:r>
-            <a:r>
-              <a:rPr lang="ru-RU" sz="200" dirty="0"/>
-              <a:t>, Ян </a:t>
-            </a:r>
-            <a:r>
-              <a:rPr lang="ru-RU" sz="200" dirty="0" err="1"/>
-              <a:t>Аппель</a:t>
-            </a:r>
-            <a:r>
-              <a:rPr lang="ru-RU" sz="200" dirty="0"/>
-              <a:t> был членом </a:t>
-            </a:r>
-            <a:r>
-              <a:rPr lang="ru-RU" sz="200" dirty="0" err="1"/>
-              <a:t>капд</a:t>
-            </a:r>
-            <a:r>
-              <a:rPr lang="ru-RU" sz="200" dirty="0"/>
+              <a:rPr lang="ru-RU" sz="1200" dirty="0"/>
               <a:t>. Он был одним из ее основателей, представляя партию на </a:t>
             </a:r>
           </a:p>
@@ -14261,69 +13765,6 @@
       </p:cxnSp>
       <p:sp>
         <p:nvSpPr>
-          <p:cNvPr id="273" name="Прямоугольник 272">
-            <a:extLst>
-              <a:ext uri="{FF2B5EF4-FFF2-40B4-BE49-F238E27FC236}">
-                <a16:creationId xmlns:a16="http://schemas.microsoft.com/office/drawing/2014/main" id="{5DBD3CC3-56B7-43B0-B75E-CCB520915EEB}"/>
-              </a:ext>
-            </a:extLst>
-          </p:cNvPr>
-          <p:cNvSpPr/>
-          <p:nvPr/>
-        </p:nvSpPr>
-        <p:spPr>
-          <a:xfrm>
-            <a:off x="294820" y="5213098"/>
-            <a:ext cx="2115918" cy="1080000"/>
-          </a:xfrm>
-          <a:prstGeom prst="rect">
-            <a:avLst/>
-          </a:prstGeom>
-          <a:solidFill>
-            <a:srgbClr val="FFFF00"/>
-          </a:solidFill>
-          <a:ln w="28575"/>
-        </p:spPr>
-        <p:style>
-          <a:lnRef idx="2">
-            <a:schemeClr val="accent1"/>
-          </a:lnRef>
-          <a:fillRef idx="1">
-            <a:schemeClr val="lt1"/>
-          </a:fillRef>
-          <a:effectRef idx="0">
-            <a:schemeClr val="accent1"/>
-          </a:effectRef>
-          <a:fontRef idx="minor">
-            <a:schemeClr val="dk1"/>
-          </a:fontRef>
-        </p:style>
-        <p:txBody>
-          <a:bodyPr lIns="124733" tIns="62367" rIns="124733" bIns="62367" rtlCol="0" anchor="ctr"/>
-          <a:lstStyle/>
-          <a:p>
-            <a:pPr algn="ctr"/>
-            <a:r>
-              <a:rPr lang="ru-RU" sz="600" dirty="0" err="1"/>
-              <a:t>Паннекук</a:t>
-            </a:r>
-            <a:r>
-              <a:rPr lang="ru-RU" sz="600" dirty="0"/>
-              <a:t> подчеркнул всемирное значение русской революции:</a:t>
-            </a:r>
-            <a:br>
-              <a:rPr lang="ru-RU" sz="100" dirty="0"/>
-            </a:br>
-            <a:r>
-              <a:rPr lang="ru-RU" sz="600" dirty="0"/>
-              <a:t>Подобно ослепительному метеору, русская революция осветила Землю. Но рабочим нужна была другая революция. Наполнив их такой надеждой и энергией, ослепительный свет русской революции ослепил рабочих, так что они уже не видели, по какому пути им идти</a:t>
-            </a:r>
-            <a:endParaRPr lang="ru-RU" sz="100" dirty="0"/>
-          </a:p>
-        </p:txBody>
-      </p:sp>
-      <p:sp>
-        <p:nvSpPr>
           <p:cNvPr id="258" name="Прямоугольник 257">
             <a:extLst>
               <a:ext uri="{FF2B5EF4-FFF2-40B4-BE49-F238E27FC236}">
@@ -14540,8 +13981,8 @@
         </p:nvSpPr>
         <p:spPr>
           <a:xfrm>
-            <a:off x="10019946" y="7820743"/>
-            <a:ext cx="2115918" cy="1080000"/>
+            <a:off x="1855957" y="1847235"/>
+            <a:ext cx="8394947" cy="5911385"/>
           </a:xfrm>
           <a:prstGeom prst="rect">
             <a:avLst/>
@@ -14571,26 +14012,26 @@
           <a:p>
             <a:pPr algn="ctr"/>
             <a:r>
-              <a:rPr lang="ru-RU" sz="400" dirty="0"/>
+              <a:rPr lang="ru-RU" sz="1800" dirty="0"/>
               <a:t>Первые дни переходного периода между капитализмом и коммунизмом будут отмечены дефицитом, учитывая необходимость восстановления экономики, разрушенной либо гражданской войной, либо мировым экономическим кризисом (</a:t>
             </a:r>
             <a:r>
-              <a:rPr lang="ru-RU" sz="400" dirty="0" err="1"/>
+              <a:rPr lang="ru-RU" sz="1800" dirty="0" err="1"/>
               <a:t>Паннекук</a:t>
             </a:r>
             <a:r>
-              <a:rPr lang="ru-RU" sz="400" dirty="0"/>
+              <a:rPr lang="ru-RU" sz="1800" dirty="0"/>
               <a:t> не был точен в этом). Это все еще была бы экономика войны и дефицита, при которой справедливость в распределении предметов потребления основывалась бы не на справедливом учете рабочего времени, а на принудительном, но нравственном принципе принуждения каждого работать за вознаграждение. сообщество:¬¬В начале переходного периода, когда хозяйство будет в руинах, насущной проблемой будет создание аппарата производства и обеспечение непосредственного существования населения. Очень возможно, что в этих условиях основные продовольственные запасы будут распределяться равномерно, как это всегда делается во время войны или голода. Но более вероятно, что на этом этапе реконструкции, когда все имеющиеся силы будут использованы </a:t>
             </a:r>
             <a:r>
-              <a:rPr lang="ru-RU" sz="400" dirty="0" err="1"/>
+              <a:rPr lang="ru-RU" sz="1800" dirty="0" err="1"/>
               <a:t>дляполной</a:t>
             </a:r>
             <a:r>
-              <a:rPr lang="ru-RU" sz="400" dirty="0"/>
+              <a:rPr lang="ru-RU" sz="1800" dirty="0"/>
               <a:t> и в которой новые нравственные принципы общего труда будут формироваться лишь постепенно, право потребления будет связано с выполнением какого-либо труда. Старая народная поговорка «кто не работает, тот не ест» выражает инстинктивное чувство справедливости94.</a:t>
             </a:r>
-            <a:endParaRPr lang="ru-RU" sz="300" dirty="0"/>
+            <a:endParaRPr lang="ru-RU" sz="1600" dirty="0"/>
           </a:p>
         </p:txBody>
       </p:sp>
@@ -14935,200 +14376,6 @@
           </a:fontRef>
         </p:style>
       </p:cxnSp>
-      <p:sp>
-        <p:nvSpPr>
-          <p:cNvPr id="289" name="Прямоугольник 288">
-            <a:extLst>
-              <a:ext uri="{FF2B5EF4-FFF2-40B4-BE49-F238E27FC236}">
-                <a16:creationId xmlns:a16="http://schemas.microsoft.com/office/drawing/2014/main" id="{A98FC12A-9364-42ED-A04F-AE2FDE4D1EB1}"/>
-              </a:ext>
-            </a:extLst>
-          </p:cNvPr>
-          <p:cNvSpPr/>
-          <p:nvPr/>
-        </p:nvSpPr>
-        <p:spPr>
-          <a:xfrm>
-            <a:off x="294820" y="6523858"/>
-            <a:ext cx="2115918" cy="1080000"/>
-          </a:xfrm>
-          <a:prstGeom prst="rect">
-            <a:avLst/>
-          </a:prstGeom>
-          <a:solidFill>
-            <a:srgbClr val="FFFF00"/>
-          </a:solidFill>
-          <a:ln w="28575"/>
-        </p:spPr>
-        <p:style>
-          <a:lnRef idx="2">
-            <a:schemeClr val="accent1"/>
-          </a:lnRef>
-          <a:fillRef idx="1">
-            <a:schemeClr val="lt1"/>
-          </a:fillRef>
-          <a:effectRef idx="0">
-            <a:schemeClr val="accent1"/>
-          </a:effectRef>
-          <a:fontRef idx="minor">
-            <a:schemeClr val="dk1"/>
-          </a:fontRef>
-        </p:style>
-        <p:txBody>
-          <a:bodyPr lIns="124733" tIns="62367" rIns="124733" bIns="62367" rtlCol="0" anchor="ctr"/>
-          <a:lstStyle/>
-          <a:p>
-            <a:pPr algn="ctr"/>
-            <a:r>
-              <a:rPr lang="ru-RU" sz="500" dirty="0"/>
-              <a:t>В 1936 году голландский совет-коммунисты разделились на четыре группы. Помимо </a:t>
-            </a:r>
-            <a:r>
-              <a:rPr lang="ru-RU" sz="500" dirty="0" err="1"/>
-              <a:t>gic</a:t>
-            </a:r>
-            <a:r>
-              <a:rPr lang="ru-RU" sz="500" dirty="0"/>
-              <a:t>, из </a:t>
-            </a:r>
-            <a:r>
-              <a:rPr lang="ru-RU" sz="500" dirty="0" err="1"/>
-              <a:t>капна</a:t>
-            </a:r>
-            <a:r>
-              <a:rPr lang="ru-RU" sz="500" dirty="0"/>
-              <a:t> выходили две группы: </a:t>
-            </a:r>
-            <a:r>
-              <a:rPr lang="ru-RU" sz="500" dirty="0" err="1"/>
-              <a:t>De</a:t>
-            </a:r>
-            <a:r>
-              <a:rPr lang="ru-RU" sz="500" dirty="0"/>
-              <a:t> </a:t>
-            </a:r>
-            <a:r>
-              <a:rPr lang="ru-RU" sz="500" dirty="0" err="1"/>
-              <a:t>Arbeider-sraad</a:t>
-            </a:r>
-            <a:r>
-              <a:rPr lang="ru-RU" sz="500" dirty="0"/>
-              <a:t> («Рабочий совет») и группа советников Гааги5, издававшая журнал «Пролетарий». Эти три группы называли себя марксистскими. Существовала и четвертая группа, отколовшаяся от гика. Эта группа издавала журнал «</a:t>
-            </a:r>
-            <a:r>
-              <a:rPr lang="ru-RU" sz="500" dirty="0" err="1"/>
-              <a:t>Дискусси</a:t>
-            </a:r>
-            <a:r>
-              <a:rPr lang="ru-RU" sz="500" dirty="0"/>
-              <a:t>», орган «рабочих групп».</a:t>
-            </a:r>
-            <a:br>
-              <a:rPr lang="ru-RU" sz="500" dirty="0"/>
-            </a:br>
-            <a:r>
-              <a:rPr lang="ru-RU" sz="500" dirty="0"/>
-              <a:t>5 Эта группа, к которой принадлежал </a:t>
-            </a:r>
-            <a:r>
-              <a:rPr lang="ru-RU" sz="500" dirty="0" err="1"/>
-              <a:t>Кайо</a:t>
-            </a:r>
-            <a:r>
-              <a:rPr lang="ru-RU" sz="500" dirty="0"/>
-              <a:t> </a:t>
-            </a:r>
-            <a:r>
-              <a:rPr lang="ru-RU" sz="500" dirty="0" err="1"/>
-              <a:t>Брендель</a:t>
-            </a:r>
-            <a:r>
-              <a:rPr lang="ru-RU" sz="500" dirty="0"/>
-              <a:t>, один из основателей советско-коммунистической группы </a:t>
-            </a:r>
-            <a:r>
-              <a:rPr lang="ru-RU" sz="500" dirty="0" err="1"/>
-              <a:t>Daad</a:t>
-            </a:r>
-            <a:r>
-              <a:rPr lang="ru-RU" sz="500" dirty="0"/>
-              <a:t> </a:t>
-            </a:r>
-            <a:r>
-              <a:rPr lang="ru-RU" sz="500" dirty="0" err="1"/>
-              <a:t>en</a:t>
-            </a:r>
-            <a:r>
-              <a:rPr lang="ru-RU" sz="500" dirty="0"/>
-              <a:t> </a:t>
-            </a:r>
-            <a:r>
-              <a:rPr lang="ru-RU" sz="500" dirty="0" err="1"/>
-              <a:t>Gedachte</a:t>
-            </a:r>
-            <a:r>
-              <a:rPr lang="ru-RU" sz="500" dirty="0"/>
-              <a:t> (вместе с </a:t>
-            </a:r>
-            <a:r>
-              <a:rPr lang="ru-RU" sz="500" dirty="0" err="1"/>
-              <a:t>Яапом</a:t>
-            </a:r>
-            <a:r>
-              <a:rPr lang="ru-RU" sz="500" dirty="0"/>
-              <a:t> </a:t>
-            </a:r>
-            <a:r>
-              <a:rPr lang="ru-RU" sz="500" dirty="0" err="1"/>
-              <a:t>Меуленкампом</a:t>
-            </a:r>
-            <a:r>
-              <a:rPr lang="ru-RU" sz="500" dirty="0"/>
-              <a:t>), впервые опубликовала журнал </a:t>
-            </a:r>
-            <a:r>
-              <a:rPr lang="ru-RU" sz="500" dirty="0" err="1"/>
-              <a:t>De</a:t>
-            </a:r>
-            <a:r>
-              <a:rPr lang="ru-RU" sz="500" dirty="0"/>
-              <a:t> </a:t>
-            </a:r>
-            <a:r>
-              <a:rPr lang="ru-RU" sz="500" dirty="0" err="1"/>
-              <a:t>Radencommunist</a:t>
-            </a:r>
-            <a:r>
-              <a:rPr lang="ru-RU" sz="500" dirty="0"/>
-              <a:t> в 1933 году. близок к </a:t>
-            </a:r>
-            <a:r>
-              <a:rPr lang="ru-RU" sz="500" dirty="0" err="1"/>
-              <a:t>gic.AfterProletarier</a:t>
-            </a:r>
-            <a:r>
-              <a:rPr lang="ru-RU" sz="500" dirty="0"/>
-              <a:t> с 1936 по 1938 год издавал </a:t>
-            </a:r>
-            <a:r>
-              <a:rPr lang="ru-RU" sz="500" dirty="0" err="1"/>
-              <a:t>Proletarische</a:t>
-            </a:r>
-            <a:r>
-              <a:rPr lang="ru-RU" sz="500" dirty="0"/>
-              <a:t> </a:t>
-            </a:r>
-            <a:r>
-              <a:rPr lang="ru-RU" sz="500" dirty="0" err="1"/>
-              <a:t>Beschouwingen</a:t>
-            </a:r>
-            <a:r>
-              <a:rPr lang="ru-RU" sz="500" dirty="0"/>
-              <a:t> («Пролетарские размышления»). -1950) - никогда не отказываясь от собственных позиций.</a:t>
-            </a:r>
-          </a:p>
-        </p:txBody>
-      </p:sp>
       <p:sp>
         <p:nvSpPr>
           <p:cNvPr id="290" name="Прямоугольник 289">
@@ -15408,10 +14655,10 @@
       </p:sp>
       <p:sp>
         <p:nvSpPr>
-          <p:cNvPr id="296" name="Прямоугольник 295">
-            <a:extLst>
-              <a:ext uri="{FF2B5EF4-FFF2-40B4-BE49-F238E27FC236}">
-                <a16:creationId xmlns:a16="http://schemas.microsoft.com/office/drawing/2014/main" id="{D2852B51-92B4-4B2D-9023-CD739175E45A}"/>
+          <p:cNvPr id="297" name="Прямоугольник 296">
+            <a:extLst>
+              <a:ext uri="{FF2B5EF4-FFF2-40B4-BE49-F238E27FC236}">
+                <a16:creationId xmlns:a16="http://schemas.microsoft.com/office/drawing/2014/main" id="{57B620A3-529A-4019-9F9E-A5A4695F4D4F}"/>
               </a:ext>
             </a:extLst>
           </p:cNvPr>
@@ -15420,8 +14667,8 @@
         </p:nvSpPr>
         <p:spPr>
           <a:xfrm>
-            <a:off x="16954458" y="-19842"/>
-            <a:ext cx="4231041" cy="5950407"/>
+            <a:off x="21034718" y="21178912"/>
+            <a:ext cx="2115918" cy="1080000"/>
           </a:xfrm>
           <a:prstGeom prst="rect">
             <a:avLst/>
@@ -15429,7 +14676,11 @@
           <a:solidFill>
             <a:srgbClr val="FFC000"/>
           </a:solidFill>
-          <a:ln w="28575"/>
+          <a:ln w="28575">
+            <a:solidFill>
+              <a:schemeClr val="tx1"/>
+            </a:solidFill>
+          </a:ln>
         </p:spPr>
         <p:style>
           <a:lnRef idx="2">
@@ -15452,273 +14703,8 @@
             <a:pPr algn="ctr"/>
             <a:r>
               <a:rPr lang="ru-RU" sz="1400" dirty="0"/>
-              <a:t>Был создан центральный комитет из девяти членов. В нее входили </a:t>
-            </a:r>
-            <a:r>
-              <a:rPr lang="ru-RU" sz="1400" dirty="0" err="1"/>
-              <a:t>Сневлит</a:t>
-            </a:r>
-            <a:r>
-              <a:rPr lang="ru-RU" sz="1400" dirty="0"/>
-              <a:t>, </a:t>
-            </a:r>
-            <a:r>
-              <a:rPr lang="ru-RU" sz="1400" dirty="0" err="1"/>
-              <a:t>Менист</a:t>
-            </a:r>
-            <a:r>
-              <a:rPr lang="ru-RU" sz="1400" dirty="0"/>
-              <a:t>, </a:t>
-            </a:r>
-            <a:r>
-              <a:rPr lang="ru-RU" sz="1400" dirty="0" err="1"/>
-              <a:t>Доллеман</a:t>
-            </a:r>
-            <a:r>
-              <a:rPr lang="ru-RU" sz="1400" dirty="0"/>
-              <a:t>, </a:t>
-            </a:r>
-            <a:r>
-              <a:rPr lang="ru-RU" sz="1400" dirty="0" err="1"/>
-              <a:t>Герритсен</a:t>
-            </a:r>
-            <a:r>
-              <a:rPr lang="ru-RU" sz="1400" dirty="0"/>
-              <a:t>, де </a:t>
-            </a:r>
-            <a:r>
-              <a:rPr lang="ru-RU" sz="1400" dirty="0" err="1"/>
-              <a:t>Хаан-Цвагерман</a:t>
-            </a:r>
-            <a:r>
-              <a:rPr lang="ru-RU" sz="1400" dirty="0"/>
-              <a:t>, Ян </a:t>
-            </a:r>
-            <a:r>
-              <a:rPr lang="ru-RU" sz="1400" dirty="0" err="1"/>
-              <a:t>Кёслаг</a:t>
-            </a:r>
-            <a:r>
-              <a:rPr lang="ru-RU" sz="1400" dirty="0"/>
-              <a:t>, Питер </a:t>
-            </a:r>
-            <a:r>
-              <a:rPr lang="ru-RU" sz="1400" dirty="0" err="1"/>
-              <a:t>ван</a:t>
-            </a:r>
-            <a:r>
-              <a:rPr lang="ru-RU" sz="1400" dirty="0"/>
-              <a:t> 'т </a:t>
-            </a:r>
-            <a:r>
-              <a:rPr lang="ru-RU" sz="1400" dirty="0" err="1"/>
-              <a:t>Харт</a:t>
-            </a:r>
-            <a:r>
-              <a:rPr lang="ru-RU" sz="1400" dirty="0"/>
-              <a:t>, известный как Макс </a:t>
-            </a:r>
-            <a:r>
-              <a:rPr lang="ru-RU" sz="1400" dirty="0" err="1"/>
-              <a:t>Пертус</a:t>
-            </a:r>
-            <a:r>
-              <a:rPr lang="ru-RU" sz="1400" dirty="0"/>
-              <a:t> (1910-75) - Ян </a:t>
-            </a:r>
-            <a:r>
-              <a:rPr lang="ru-RU" sz="1400" dirty="0" err="1"/>
-              <a:t>Шрифер</a:t>
-            </a:r>
-            <a:r>
-              <a:rPr lang="ru-RU" sz="1400" dirty="0"/>
-              <a:t> и </a:t>
-            </a:r>
-            <a:r>
-              <a:rPr lang="ru-RU" sz="1400" dirty="0" err="1"/>
-              <a:t>Стэн</a:t>
-            </a:r>
-            <a:r>
-              <a:rPr lang="ru-RU" sz="1400" dirty="0"/>
-              <a:t> </a:t>
-            </a:r>
-            <a:r>
-              <a:rPr lang="ru-RU" sz="1400" dirty="0" err="1"/>
-              <a:t>Попп</a:t>
-            </a:r>
-            <a:r>
-              <a:rPr lang="ru-RU" sz="1400" dirty="0"/>
-              <a:t>, последний сыграл решающую роль в Создание Спартака. </a:t>
-            </a:r>
-            <a:r>
-              <a:rPr lang="ru-RU" sz="1400" dirty="0" err="1"/>
-              <a:t>Сневлит</a:t>
-            </a:r>
-            <a:r>
-              <a:rPr lang="ru-RU" sz="1400" dirty="0"/>
-              <a:t> был бесспорным лидером, написавшим почти все политические позиции Фронта. Рядом с ним Аб(</a:t>
-            </a:r>
-            <a:r>
-              <a:rPr lang="ru-RU" sz="1400" dirty="0" err="1"/>
-              <a:t>рахам</a:t>
-            </a:r>
-            <a:r>
-              <a:rPr lang="ru-RU" sz="1400" dirty="0"/>
-              <a:t>) </a:t>
-            </a:r>
-            <a:r>
-              <a:rPr lang="ru-RU" sz="1400" dirty="0" err="1"/>
-              <a:t>Менист</a:t>
-            </a:r>
-            <a:r>
-              <a:rPr lang="ru-RU" sz="1400" dirty="0"/>
-              <a:t> – еврей по происхождению – был прирожденным организатором; </a:t>
-            </a:r>
-            <a:r>
-              <a:rPr lang="ru-RU" sz="1400" dirty="0" err="1"/>
-              <a:t>Доллеман</a:t>
-            </a:r>
-            <a:r>
-              <a:rPr lang="ru-RU" sz="1400" dirty="0"/>
-              <a:t> был казначеем и отвечал за </a:t>
-            </a:r>
-            <a:r>
-              <a:rPr lang="ru-RU" sz="1400" dirty="0" err="1"/>
-              <a:t>публикации.Под</a:t>
-            </a:r>
-            <a:r>
-              <a:rPr lang="ru-RU" sz="1400" dirty="0"/>
-              <a:t> руководством этого центрального комитета регулярно издавался внешний бюллетень (</a:t>
-            </a:r>
-            <a:r>
-              <a:rPr lang="ru-RU" sz="1400" dirty="0" err="1"/>
-              <a:t>Het</a:t>
-            </a:r>
-            <a:r>
-              <a:rPr lang="ru-RU" sz="1400" dirty="0"/>
-              <a:t> </a:t>
-            </a:r>
-            <a:r>
-              <a:rPr lang="ru-RU" sz="1400" dirty="0" err="1"/>
-              <a:t>mll</a:t>
-            </a:r>
-            <a:r>
-              <a:rPr lang="ru-RU" sz="1400" dirty="0"/>
-              <a:t> </a:t>
-            </a:r>
-            <a:r>
-              <a:rPr lang="ru-RU" sz="1400" dirty="0" err="1"/>
-              <a:t>Bulletin</a:t>
-            </a:r>
-            <a:r>
-              <a:rPr lang="ru-RU" sz="1400" dirty="0"/>
-              <a:t>), а также внутренний орган (</a:t>
-            </a:r>
-            <a:r>
-              <a:rPr lang="ru-RU" sz="1400" dirty="0" err="1"/>
-              <a:t>Richtlijnen</a:t>
-            </a:r>
-            <a:r>
-              <a:rPr lang="ru-RU" sz="1400" dirty="0"/>
-              <a:t>; «Директивы»). Некоторое время мл-л-Фронт вел пропаганду, направленную на </a:t>
-            </a:r>
-            <a:r>
-              <a:rPr lang="ru-RU" sz="1400" dirty="0" err="1"/>
-              <a:t>сдапбоевиков</a:t>
-            </a:r>
-            <a:r>
-              <a:rPr lang="ru-RU" sz="1400" dirty="0"/>
-              <a:t> и опубликовал «Письма к социал-демократам» («</a:t>
-            </a:r>
-            <a:r>
-              <a:rPr lang="ru-RU" sz="1400" dirty="0" err="1"/>
-              <a:t>Brieven</a:t>
-            </a:r>
-            <a:r>
-              <a:rPr lang="ru-RU" sz="1400" dirty="0"/>
-              <a:t> </a:t>
-            </a:r>
-            <a:r>
-              <a:rPr lang="ru-RU" sz="1400" dirty="0" err="1"/>
-              <a:t>aan</a:t>
-            </a:r>
-            <a:r>
-              <a:rPr lang="ru-RU" sz="1400" dirty="0"/>
-              <a:t> </a:t>
-            </a:r>
-            <a:r>
-              <a:rPr lang="ru-RU" sz="1400" dirty="0" err="1"/>
-              <a:t>Social-Democraten</a:t>
-            </a:r>
-            <a:r>
-              <a:rPr lang="ru-RU" sz="1400" dirty="0"/>
-              <a:t>»). СДАП осудили как «Иуду рабочего движения» после того, как в июле 1940 года она приняла участие в голландском союзе, объединившем либералов, религиозные партии и социал-демократов.56 Этот союз заявил о своей приверженности</a:t>
-            </a:r>
-            <a:endParaRPr lang="ru-RU" sz="1050" dirty="0"/>
-          </a:p>
-        </p:txBody>
-      </p:sp>
-      <p:sp>
-        <p:nvSpPr>
-          <p:cNvPr id="297" name="Прямоугольник 296">
-            <a:extLst>
-              <a:ext uri="{FF2B5EF4-FFF2-40B4-BE49-F238E27FC236}">
-                <a16:creationId xmlns:a16="http://schemas.microsoft.com/office/drawing/2014/main" id="{57B620A3-529A-4019-9F9E-A5A4695F4D4F}"/>
-              </a:ext>
-            </a:extLst>
-          </p:cNvPr>
-          <p:cNvSpPr/>
-          <p:nvPr/>
-        </p:nvSpPr>
-        <p:spPr>
-          <a:xfrm>
-            <a:off x="21034718" y="21178912"/>
-            <a:ext cx="2115918" cy="1080000"/>
-          </a:xfrm>
-          <a:prstGeom prst="rect">
-            <a:avLst/>
-          </a:prstGeom>
-          <a:solidFill>
-            <a:srgbClr val="FFC000"/>
-          </a:solidFill>
-          <a:ln w="28575"/>
-        </p:spPr>
-        <p:style>
-          <a:lnRef idx="2">
-            <a:schemeClr val="accent1"/>
-          </a:lnRef>
-          <a:fillRef idx="1">
-            <a:schemeClr val="lt1"/>
-          </a:fillRef>
-          <a:effectRef idx="0">
-            <a:schemeClr val="accent1"/>
-          </a:effectRef>
-          <a:fontRef idx="minor">
-            <a:schemeClr val="dk1"/>
-          </a:fontRef>
-        </p:style>
-        <p:txBody>
-          <a:bodyPr lIns="124733" tIns="62367" rIns="124733" bIns="62367" rtlCol="0" anchor="ctr"/>
-          <a:lstStyle/>
-          <a:p>
-            <a:pPr algn="ctr"/>
-            <a:r>
-              <a:rPr lang="ru-RU" sz="1400" dirty="0"/>
-              <a:t>Призыв к защите государства рабочих </a:t>
-            </a:r>
-            <a:r>
-              <a:rPr lang="ru-RU" sz="700" dirty="0"/>
-              <a:t>(У него был выбор: принять </a:t>
-            </a:r>
-            <a:r>
-              <a:rPr lang="ru-RU" sz="700" dirty="0" err="1"/>
-              <a:t>троцкий</a:t>
-            </a:r>
-            <a:r>
-              <a:rPr lang="ru-RU" sz="700" dirty="0"/>
-              <a:t> анализ российского государства и призвать к защите «рабочего государства» или отвергнуть его и призвать к борьбе против обоих империализмов.)</a:t>
-            </a:r>
-            <a:endParaRPr lang="ru-RU" sz="1400" dirty="0"/>
+              <a:t>Призыв к защите государства рабочих</a:t>
+            </a:r>
           </a:p>
         </p:txBody>
       </p:sp>
@@ -15833,7 +14819,11 @@
           <a:solidFill>
             <a:srgbClr val="FFC000"/>
           </a:solidFill>
-          <a:ln w="28575"/>
+          <a:ln w="28575">
+            <a:solidFill>
+              <a:schemeClr val="tx1"/>
+            </a:solidFill>
+          </a:ln>
         </p:spPr>
         <p:style>
           <a:lnRef idx="2">
@@ -16486,7 +15476,11 @@
           <a:solidFill>
             <a:srgbClr val="FFC000"/>
           </a:solidFill>
-          <a:ln w="28575"/>
+          <a:ln w="28575">
+            <a:solidFill>
+              <a:schemeClr val="tx1"/>
+            </a:solidFill>
+          </a:ln>
         </p:spPr>
         <p:style>
           <a:lnRef idx="2">
@@ -16818,19 +15812,19 @@
           </p:cNvPr>
           <p:cNvCxnSpPr>
             <a:cxnSpLocks/>
-            <a:stCxn id="204" idx="2"/>
+            <a:stCxn id="418" idx="2"/>
             <a:endCxn id="376" idx="0"/>
           </p:cNvCxnSpPr>
           <p:nvPr/>
         </p:nvCxnSpPr>
         <p:spPr>
           <a:xfrm rot="5400000">
-            <a:off x="20547389" y="18106754"/>
-            <a:ext cx="1861872" cy="1262411"/>
+            <a:off x="21285529" y="18844894"/>
+            <a:ext cx="385592" cy="1262411"/>
           </a:xfrm>
           <a:prstGeom prst="bentConnector3">
             <a:avLst>
-              <a:gd name="adj1" fmla="val 7997"/>
+              <a:gd name="adj1" fmla="val 50000"/>
             </a:avLst>
           </a:prstGeom>
           <a:ln w="28575">
@@ -16921,7 +15915,11 @@
           <a:solidFill>
             <a:srgbClr val="FFC000"/>
           </a:solidFill>
-          <a:ln w="28575"/>
+          <a:ln w="28575">
+            <a:solidFill>
+              <a:schemeClr val="tx1"/>
+            </a:solidFill>
+          </a:ln>
         </p:spPr>
         <p:style>
           <a:lnRef idx="2">
@@ -24533,7 +23531,7 @@
           </a:xfrm>
           <a:prstGeom prst="bentConnector3">
             <a:avLst>
-              <a:gd name="adj1" fmla="val 9152"/>
+              <a:gd name="adj1" fmla="val 10428"/>
             </a:avLst>
           </a:prstGeom>
           <a:ln w="28575">
@@ -25135,6 +24133,52 @@
             </a:avLst>
           </a:prstGeom>
           <a:ln w="28575">
+            <a:tailEnd type="arrow"/>
+          </a:ln>
+        </p:spPr>
+        <p:style>
+          <a:lnRef idx="1">
+            <a:schemeClr val="accent1"/>
+          </a:lnRef>
+          <a:fillRef idx="0">
+            <a:schemeClr val="accent1"/>
+          </a:fillRef>
+          <a:effectRef idx="0">
+            <a:schemeClr val="accent1"/>
+          </a:effectRef>
+          <a:fontRef idx="minor">
+            <a:schemeClr val="tx1"/>
+          </a:fontRef>
+        </p:style>
+      </p:cxnSp>
+      <p:cxnSp>
+        <p:nvCxnSpPr>
+          <p:cNvPr id="390" name="Соединительная линия уступом 175">
+            <a:extLst>
+              <a:ext uri="{FF2B5EF4-FFF2-40B4-BE49-F238E27FC236}">
+                <a16:creationId xmlns:a16="http://schemas.microsoft.com/office/drawing/2014/main" id="{72954855-DBCA-43F4-A1BE-855FF36F5289}"/>
+              </a:ext>
+            </a:extLst>
+          </p:cNvPr>
+          <p:cNvCxnSpPr>
+            <a:cxnSpLocks/>
+            <a:stCxn id="215" idx="2"/>
+            <a:endCxn id="168" idx="0"/>
+          </p:cNvCxnSpPr>
+          <p:nvPr/>
+        </p:nvCxnSpPr>
+        <p:spPr>
+          <a:xfrm rot="16200000" flipH="1">
+            <a:off x="12565856" y="7777837"/>
+            <a:ext cx="419254" cy="8744245"/>
+          </a:xfrm>
+          <a:prstGeom prst="bentConnector3">
+            <a:avLst>
+              <a:gd name="adj1" fmla="val 50000"/>
+            </a:avLst>
+          </a:prstGeom>
+          <a:ln w="28575">
+            <a:prstDash val="dash"/>
             <a:tailEnd type="arrow"/>
           </a:ln>
         </p:spPr>

--- a/Наработки/диздоки/Нидерланды/Нидерланды.pptx
+++ b/Наработки/диздоки/Нидерланды/Нидерланды.pptx
@@ -209,7 +209,7 @@
             <a:fld id="{33E3D7F9-E251-484C-A6FF-FA958879DF69}" type="datetimeFigureOut">
               <a:rPr lang="ru-RU" smtClean="0"/>
               <a:pPr/>
-              <a:t>23.05.2022</a:t>
+              <a:t>25.05.2022</a:t>
             </a:fld>
             <a:endParaRPr lang="ru-RU"/>
           </a:p>
@@ -699,7 +699,7 @@
             <a:fld id="{85A5DE44-605B-4D3B-B2B7-94543DF81A36}" type="datetimeFigureOut">
               <a:rPr lang="ru-RU" smtClean="0"/>
               <a:pPr/>
-              <a:t>23.05.2022</a:t>
+              <a:t>25.05.2022</a:t>
             </a:fld>
             <a:endParaRPr lang="ru-RU"/>
           </a:p>
@@ -871,7 +871,7 @@
             <a:fld id="{85A5DE44-605B-4D3B-B2B7-94543DF81A36}" type="datetimeFigureOut">
               <a:rPr lang="ru-RU" smtClean="0"/>
               <a:pPr/>
-              <a:t>23.05.2022</a:t>
+              <a:t>25.05.2022</a:t>
             </a:fld>
             <a:endParaRPr lang="ru-RU"/>
           </a:p>
@@ -1053,7 +1053,7 @@
             <a:fld id="{85A5DE44-605B-4D3B-B2B7-94543DF81A36}" type="datetimeFigureOut">
               <a:rPr lang="ru-RU" smtClean="0"/>
               <a:pPr/>
-              <a:t>23.05.2022</a:t>
+              <a:t>25.05.2022</a:t>
             </a:fld>
             <a:endParaRPr lang="ru-RU"/>
           </a:p>
@@ -1225,7 +1225,7 @@
             <a:fld id="{85A5DE44-605B-4D3B-B2B7-94543DF81A36}" type="datetimeFigureOut">
               <a:rPr lang="ru-RU" smtClean="0"/>
               <a:pPr/>
-              <a:t>23.05.2022</a:t>
+              <a:t>25.05.2022</a:t>
             </a:fld>
             <a:endParaRPr lang="ru-RU"/>
           </a:p>
@@ -1473,7 +1473,7 @@
             <a:fld id="{85A5DE44-605B-4D3B-B2B7-94543DF81A36}" type="datetimeFigureOut">
               <a:rPr lang="ru-RU" smtClean="0"/>
               <a:pPr/>
-              <a:t>23.05.2022</a:t>
+              <a:t>25.05.2022</a:t>
             </a:fld>
             <a:endParaRPr lang="ru-RU"/>
           </a:p>
@@ -1707,7 +1707,7 @@
             <a:fld id="{85A5DE44-605B-4D3B-B2B7-94543DF81A36}" type="datetimeFigureOut">
               <a:rPr lang="ru-RU" smtClean="0"/>
               <a:pPr/>
-              <a:t>23.05.2022</a:t>
+              <a:t>25.05.2022</a:t>
             </a:fld>
             <a:endParaRPr lang="ru-RU"/>
           </a:p>
@@ -2076,7 +2076,7 @@
             <a:fld id="{85A5DE44-605B-4D3B-B2B7-94543DF81A36}" type="datetimeFigureOut">
               <a:rPr lang="ru-RU" smtClean="0"/>
               <a:pPr/>
-              <a:t>23.05.2022</a:t>
+              <a:t>25.05.2022</a:t>
             </a:fld>
             <a:endParaRPr lang="ru-RU"/>
           </a:p>
@@ -2196,7 +2196,7 @@
             <a:fld id="{85A5DE44-605B-4D3B-B2B7-94543DF81A36}" type="datetimeFigureOut">
               <a:rPr lang="ru-RU" smtClean="0"/>
               <a:pPr/>
-              <a:t>23.05.2022</a:t>
+              <a:t>25.05.2022</a:t>
             </a:fld>
             <a:endParaRPr lang="ru-RU"/>
           </a:p>
@@ -2293,7 +2293,7 @@
             <a:fld id="{85A5DE44-605B-4D3B-B2B7-94543DF81A36}" type="datetimeFigureOut">
               <a:rPr lang="ru-RU" smtClean="0"/>
               <a:pPr/>
-              <a:t>23.05.2022</a:t>
+              <a:t>25.05.2022</a:t>
             </a:fld>
             <a:endParaRPr lang="ru-RU"/>
           </a:p>
@@ -2572,7 +2572,7 @@
             <a:fld id="{85A5DE44-605B-4D3B-B2B7-94543DF81A36}" type="datetimeFigureOut">
               <a:rPr lang="ru-RU" smtClean="0"/>
               <a:pPr/>
-              <a:t>23.05.2022</a:t>
+              <a:t>25.05.2022</a:t>
             </a:fld>
             <a:endParaRPr lang="ru-RU"/>
           </a:p>
@@ -2831,7 +2831,7 @@
             <a:fld id="{85A5DE44-605B-4D3B-B2B7-94543DF81A36}" type="datetimeFigureOut">
               <a:rPr lang="ru-RU" smtClean="0"/>
               <a:pPr/>
-              <a:t>23.05.2022</a:t>
+              <a:t>25.05.2022</a:t>
             </a:fld>
             <a:endParaRPr lang="ru-RU"/>
           </a:p>
@@ -3046,7 +3046,7 @@
             <a:fld id="{85A5DE44-605B-4D3B-B2B7-94543DF81A36}" type="datetimeFigureOut">
               <a:rPr lang="ru-RU" smtClean="0"/>
               <a:pPr/>
-              <a:t>23.05.2022</a:t>
+              <a:t>25.05.2022</a:t>
             </a:fld>
             <a:endParaRPr lang="ru-RU"/>
           </a:p>
@@ -11666,12 +11666,9 @@
             <a:pPr algn="ctr"/>
             <a:r>
               <a:rPr lang="ru-RU" sz="1400" dirty="0"/>
-              <a:t>Не партия, а федерация </a:t>
-            </a:r>
-            <a:r>
-              <a:rPr lang="ru-RU" sz="500" dirty="0"/>
-              <a:t>(Однако гик, отказавшийся считать себя централизованной организацией, не признавал местных секций. Он видел, как ядра, созданные в разных городах, сами по себе являются группами. Наконец, гик объявил себя федерацией различных групп. Симптоматично, что название, появившееся в ее публикациях после 1928 г., было «Группы интернациональных коммунистов».)</a:t>
-            </a:r>
+              <a:t>Не партия, а федерация</a:t>
+            </a:r>
+            <a:endParaRPr lang="ru-RU" sz="500" dirty="0"/>
           </a:p>
         </p:txBody>
       </p:sp>
@@ -13333,68 +13330,8 @@
             <a:pPr algn="ctr"/>
             <a:r>
               <a:rPr lang="ru-RU" sz="1400" dirty="0"/>
-              <a:t>Устранение политических партий </a:t>
-            </a:r>
-            <a:r>
-              <a:rPr lang="ru-RU" sz="200" dirty="0"/>
-              <a:t>(</a:t>
-            </a:r>
-            <a:r>
-              <a:rPr lang="ru-RU" sz="400" dirty="0">
-                <a:solidFill>
-                  <a:srgbClr val="000000"/>
-                </a:solidFill>
-                <a:latin typeface="Times New Roman" panose="02020603050405020304" pitchFamily="18" charset="0"/>
-                <a:ea typeface="Arial Unicode MS"/>
-                <a:cs typeface="Times New Roman" panose="02020603050405020304" pitchFamily="18" charset="0"/>
-              </a:rPr>
-              <a:t>«</a:t>
-            </a:r>
-            <a:r>
-              <a:rPr lang="ru-RU" sz="400" dirty="0" err="1">
-                <a:solidFill>
-                  <a:srgbClr val="000000"/>
-                </a:solidFill>
-                <a:latin typeface="Times New Roman" panose="02020603050405020304" pitchFamily="18" charset="0"/>
-                <a:ea typeface="Arial Unicode MS"/>
-                <a:cs typeface="Times New Roman" panose="02020603050405020304" pitchFamily="18" charset="0"/>
-              </a:rPr>
-              <a:t>Советничество</a:t>
-            </a:r>
-            <a:r>
-              <a:rPr lang="ru-RU" sz="400" dirty="0">
-                <a:solidFill>
-                  <a:srgbClr val="000000"/>
-                </a:solidFill>
-                <a:latin typeface="Times New Roman" panose="02020603050405020304" pitchFamily="18" charset="0"/>
-                <a:ea typeface="Arial Unicode MS"/>
-                <a:cs typeface="Times New Roman" panose="02020603050405020304" pitchFamily="18" charset="0"/>
-              </a:rPr>
-              <a:t>» не есть просто защита рабочих советов как органов диктатуры пролетариата после разрушения старого буржуазного государства. Он выражает рабочее видение, которое рассматривает существование революционных политических партий в рабочих советах как негативный фактор. Эта негативная концепция революционной партии исходит из того, что рабочие советы являются единственной горнилом революционного сознания в рабочем классе. В соответствии с «антиавторитарной» концепцией </a:t>
-            </a:r>
-            <a:r>
-              <a:rPr lang="ru-RU" sz="400" dirty="0" err="1">
-                <a:solidFill>
-                  <a:srgbClr val="000000"/>
-                </a:solidFill>
-                <a:latin typeface="Times New Roman" panose="02020603050405020304" pitchFamily="18" charset="0"/>
-                <a:ea typeface="Arial Unicode MS"/>
-                <a:cs typeface="Times New Roman" panose="02020603050405020304" pitchFamily="18" charset="0"/>
-              </a:rPr>
-              <a:t>Рюле</a:t>
-            </a:r>
-            <a:r>
-              <a:rPr lang="ru-RU" sz="400" dirty="0">
-                <a:solidFill>
-                  <a:srgbClr val="000000"/>
-                </a:solidFill>
-                <a:latin typeface="Times New Roman" panose="02020603050405020304" pitchFamily="18" charset="0"/>
-                <a:ea typeface="Arial Unicode MS"/>
-                <a:cs typeface="Times New Roman" panose="02020603050405020304" pitchFamily="18" charset="0"/>
-              </a:rPr>
-              <a:t> всякая партия, даже революционная, буржуазна по своей сути и стремится к захвату власти группой интеллигентов вместо революционного пролетариата)</a:t>
-            </a:r>
-            <a:endParaRPr lang="ru-RU" sz="1400" dirty="0"/>
+              <a:t>Устранение политических партий</a:t>
+            </a:r>
           </a:p>
         </p:txBody>
       </p:sp>
@@ -13969,74 +13906,6 @@
       </p:cxnSp>
       <p:sp>
         <p:nvSpPr>
-          <p:cNvPr id="277" name="Прямоугольник 276">
-            <a:extLst>
-              <a:ext uri="{FF2B5EF4-FFF2-40B4-BE49-F238E27FC236}">
-                <a16:creationId xmlns:a16="http://schemas.microsoft.com/office/drawing/2014/main" id="{B86A586B-4F9A-4916-8217-F57208117953}"/>
-              </a:ext>
-            </a:extLst>
-          </p:cNvPr>
-          <p:cNvSpPr/>
-          <p:nvPr/>
-        </p:nvSpPr>
-        <p:spPr>
-          <a:xfrm>
-            <a:off x="1855957" y="1847235"/>
-            <a:ext cx="8394947" cy="5911385"/>
-          </a:xfrm>
-          <a:prstGeom prst="rect">
-            <a:avLst/>
-          </a:prstGeom>
-          <a:solidFill>
-            <a:srgbClr val="FFFF00"/>
-          </a:solidFill>
-          <a:ln w="28575"/>
-        </p:spPr>
-        <p:style>
-          <a:lnRef idx="2">
-            <a:schemeClr val="accent1"/>
-          </a:lnRef>
-          <a:fillRef idx="1">
-            <a:schemeClr val="lt1"/>
-          </a:fillRef>
-          <a:effectRef idx="0">
-            <a:schemeClr val="accent1"/>
-          </a:effectRef>
-          <a:fontRef idx="minor">
-            <a:schemeClr val="dk1"/>
-          </a:fontRef>
-        </p:style>
-        <p:txBody>
-          <a:bodyPr lIns="124733" tIns="62367" rIns="124733" bIns="62367" rtlCol="0" anchor="ctr"/>
-          <a:lstStyle/>
-          <a:p>
-            <a:pPr algn="ctr"/>
-            <a:r>
-              <a:rPr lang="ru-RU" sz="1800" dirty="0"/>
-              <a:t>Первые дни переходного периода между капитализмом и коммунизмом будут отмечены дефицитом, учитывая необходимость восстановления экономики, разрушенной либо гражданской войной, либо мировым экономическим кризисом (</a:t>
-            </a:r>
-            <a:r>
-              <a:rPr lang="ru-RU" sz="1800" dirty="0" err="1"/>
-              <a:t>Паннекук</a:t>
-            </a:r>
-            <a:r>
-              <a:rPr lang="ru-RU" sz="1800" dirty="0"/>
-              <a:t> не был точен в этом). Это все еще была бы экономика войны и дефицита, при которой справедливость в распределении предметов потребления основывалась бы не на справедливом учете рабочего времени, а на принудительном, но нравственном принципе принуждения каждого работать за вознаграждение. сообщество:¬¬В начале переходного периода, когда хозяйство будет в руинах, насущной проблемой будет создание аппарата производства и обеспечение непосредственного существования населения. Очень возможно, что в этих условиях основные продовольственные запасы будут распределяться равномерно, как это всегда делается во время войны или голода. Но более вероятно, что на этом этапе реконструкции, когда все имеющиеся силы будут использованы </a:t>
-            </a:r>
-            <a:r>
-              <a:rPr lang="ru-RU" sz="1800" dirty="0" err="1"/>
-              <a:t>дляполной</a:t>
-            </a:r>
-            <a:r>
-              <a:rPr lang="ru-RU" sz="1800" dirty="0"/>
-              <a:t> и в которой новые нравственные принципы общего труда будут формироваться лишь постепенно, право потребления будет связано с выполнением какого-либо труда. Старая народная поговорка «кто не работает, тот не ест» выражает инстинктивное чувство справедливости94.</a:t>
-            </a:r>
-            <a:endParaRPr lang="ru-RU" sz="1600" dirty="0"/>
-          </a:p>
-        </p:txBody>
-      </p:sp>
-      <p:sp>
-        <p:nvSpPr>
           <p:cNvPr id="279" name="Прямоугольник 278">
             <a:extLst>
               <a:ext uri="{FF2B5EF4-FFF2-40B4-BE49-F238E27FC236}">
@@ -14435,108 +14304,6 @@
             <a:r>
               <a:rPr lang="ru-RU" sz="200" dirty="0"/>
               <a:t>(</a:t>
-            </a:r>
-          </a:p>
-          <a:p>
-            <a:pPr algn="ctr"/>
-            <a:r>
-              <a:rPr lang="ru-RU" sz="200" dirty="0">
-                <a:solidFill>
-                  <a:srgbClr val="000000"/>
-                </a:solidFill>
-                <a:latin typeface="Times New Roman" panose="02020603050405020304" pitchFamily="18" charset="0"/>
-                <a:ea typeface="Arial Unicode MS"/>
-                <a:cs typeface="Times New Roman" panose="02020603050405020304" pitchFamily="18" charset="0"/>
-              </a:rPr>
-              <a:t>«Война, которую советские коммунисты сочли неизбежной, разразилась в сентябре 1939 года. Тем не менее голландцам понадобилось два месяца, чтобы опубликовать свой теоретический обзор </a:t>
-            </a:r>
-            <a:r>
-              <a:rPr lang="ru-RU" sz="200" dirty="0" err="1">
-                <a:solidFill>
-                  <a:srgbClr val="000000"/>
-                </a:solidFill>
-                <a:latin typeface="Times New Roman" panose="02020603050405020304" pitchFamily="18" charset="0"/>
-                <a:ea typeface="Arial Unicode MS"/>
-                <a:cs typeface="Times New Roman" panose="02020603050405020304" pitchFamily="18" charset="0"/>
-              </a:rPr>
-              <a:t>Radencommunisme</a:t>
-            </a:r>
-            <a:r>
-              <a:rPr lang="ru-RU" sz="200" dirty="0">
-                <a:solidFill>
-                  <a:srgbClr val="000000"/>
-                </a:solidFill>
-                <a:latin typeface="Times New Roman" panose="02020603050405020304" pitchFamily="18" charset="0"/>
-                <a:ea typeface="Arial Unicode MS"/>
-                <a:cs typeface="Times New Roman" panose="02020603050405020304" pitchFamily="18" charset="0"/>
-              </a:rPr>
-              <a:t>, а его агитационный обзор </a:t>
-            </a:r>
-            <a:r>
-              <a:rPr lang="ru-RU" sz="200" dirty="0" err="1">
-                <a:solidFill>
-                  <a:srgbClr val="000000"/>
-                </a:solidFill>
-                <a:latin typeface="Times New Roman" panose="02020603050405020304" pitchFamily="18" charset="0"/>
-                <a:ea typeface="Arial Unicode MS"/>
-                <a:cs typeface="Times New Roman" panose="02020603050405020304" pitchFamily="18" charset="0"/>
-              </a:rPr>
-              <a:t>Proletenstempmen</a:t>
-            </a:r>
-            <a:r>
-              <a:rPr lang="ru-RU" sz="200" dirty="0">
-                <a:solidFill>
-                  <a:srgbClr val="000000"/>
-                </a:solidFill>
-                <a:latin typeface="Times New Roman" panose="02020603050405020304" pitchFamily="18" charset="0"/>
-                <a:ea typeface="Arial Unicode MS"/>
-                <a:cs typeface="Times New Roman" panose="02020603050405020304" pitchFamily="18" charset="0"/>
-              </a:rPr>
-              <a:t> прекратил публикацию в июле. Атмосфера войны сильнее давила на Нидерланды, которые оставались нейтральными в конфликте, и, казалось, парализовала советских коммунистов, поскольку их организация оставалась очень небрежной и совершенно неподготовленной к подпольной работе, если они будут вынуждены уйти в подполье.¬¬Тем не менее, первый номер «</a:t>
-            </a:r>
-            <a:r>
-              <a:rPr lang="ru-RU" sz="200" dirty="0" err="1">
-                <a:solidFill>
-                  <a:srgbClr val="000000"/>
-                </a:solidFill>
-                <a:latin typeface="Times New Roman" panose="02020603050405020304" pitchFamily="18" charset="0"/>
-                <a:ea typeface="Arial Unicode MS"/>
-                <a:cs typeface="Times New Roman" panose="02020603050405020304" pitchFamily="18" charset="0"/>
-              </a:rPr>
-              <a:t>Раденкоммунизма</a:t>
-            </a:r>
-            <a:r>
-              <a:rPr lang="ru-RU" sz="200" dirty="0">
-                <a:solidFill>
-                  <a:srgbClr val="000000"/>
-                </a:solidFill>
-                <a:latin typeface="Times New Roman" panose="02020603050405020304" pitchFamily="18" charset="0"/>
-                <a:ea typeface="Arial Unicode MS"/>
-                <a:cs typeface="Times New Roman" panose="02020603050405020304" pitchFamily="18" charset="0"/>
-              </a:rPr>
-              <a:t>» (ноябрь 1939 г.) твердо стоял на своих интернационалистских принципах. Анализируя причины войны, он отказывался проводить различие между «демократическим» и «фашистским» лагерями. Принимая анализ революционеров во время Первой мировой войны, он пришел к выводу: «... именно мировой капитализм как экономическая система несет ответственность за эту войну, а не какая-либо конкретная страна».</a:t>
-            </a:r>
-            <a:r>
-              <a:rPr lang="ru-RU" sz="200" dirty="0" err="1">
-                <a:solidFill>
-                  <a:srgbClr val="000000"/>
-                </a:solidFill>
-                <a:latin typeface="Times New Roman" panose="02020603050405020304" pitchFamily="18" charset="0"/>
-                <a:ea typeface="Arial Unicode MS"/>
-                <a:cs typeface="Times New Roman" panose="02020603050405020304" pitchFamily="18" charset="0"/>
-              </a:rPr>
-              <a:t>Раденкоммунизмпоказал</a:t>
-            </a:r>
-            <a:r>
-              <a:rPr lang="ru-RU" sz="200" dirty="0">
-                <a:solidFill>
-                  <a:srgbClr val="000000"/>
-                </a:solidFill>
-                <a:latin typeface="Times New Roman" panose="02020603050405020304" pitchFamily="18" charset="0"/>
-                <a:ea typeface="Arial Unicode MS"/>
-                <a:cs typeface="Times New Roman" panose="02020603050405020304" pitchFamily="18" charset="0"/>
-              </a:rPr>
-              <a:t>, что развязывание войны Германией стало возможным благодаря «концентрации всего капитала в руках государства» и «растущей эксплуатации рабочего класса» в Германии. Это явление, согласно этому периодическому изданию, было идентичным в «демократическом» лагере, поскольку «в короткий срок Англия создала свою собственную «тоталитарную» капиталистическую организацию».</a:t>
             </a:r>
             <a:endParaRPr lang="ru-RU" sz="1100" dirty="0"/>
           </a:p>
@@ -24179,6 +23946,51 @@
           </a:prstGeom>
           <a:ln w="28575">
             <a:prstDash val="dash"/>
+            <a:tailEnd type="arrow"/>
+          </a:ln>
+        </p:spPr>
+        <p:style>
+          <a:lnRef idx="1">
+            <a:schemeClr val="accent1"/>
+          </a:lnRef>
+          <a:fillRef idx="0">
+            <a:schemeClr val="accent1"/>
+          </a:fillRef>
+          <a:effectRef idx="0">
+            <a:schemeClr val="accent1"/>
+          </a:effectRef>
+          <a:fontRef idx="minor">
+            <a:schemeClr val="tx1"/>
+          </a:fontRef>
+        </p:style>
+      </p:cxnSp>
+      <p:cxnSp>
+        <p:nvCxnSpPr>
+          <p:cNvPr id="424" name="Соединительная линия уступом 175">
+            <a:extLst>
+              <a:ext uri="{FF2B5EF4-FFF2-40B4-BE49-F238E27FC236}">
+                <a16:creationId xmlns:a16="http://schemas.microsoft.com/office/drawing/2014/main" id="{4ED48E50-7924-4ABF-AE43-19043280647B}"/>
+              </a:ext>
+            </a:extLst>
+          </p:cNvPr>
+          <p:cNvCxnSpPr>
+            <a:cxnSpLocks/>
+            <a:stCxn id="222" idx="2"/>
+            <a:endCxn id="264" idx="0"/>
+          </p:cNvCxnSpPr>
+          <p:nvPr/>
+        </p:nvCxnSpPr>
+        <p:spPr>
+          <a:xfrm rot="16200000" flipH="1">
+            <a:off x="8851889" y="11747652"/>
+            <a:ext cx="358972" cy="3742840"/>
+          </a:xfrm>
+          <a:prstGeom prst="bentConnector3">
+            <a:avLst>
+              <a:gd name="adj1" fmla="val 50000"/>
+            </a:avLst>
+          </a:prstGeom>
+          <a:ln w="28575">
             <a:tailEnd type="arrow"/>
           </a:ln>
         </p:spPr>

--- a/Наработки/диздоки/Нидерланды/Нидерланды.pptx
+++ b/Наработки/диздоки/Нидерланды/Нидерланды.pptx
@@ -209,7 +209,7 @@
             <a:fld id="{33E3D7F9-E251-484C-A6FF-FA958879DF69}" type="datetimeFigureOut">
               <a:rPr lang="ru-RU" smtClean="0"/>
               <a:pPr/>
-              <a:t>25.05.2022</a:t>
+              <a:t>27.05.2022</a:t>
             </a:fld>
             <a:endParaRPr lang="ru-RU"/>
           </a:p>
@@ -699,7 +699,7 @@
             <a:fld id="{85A5DE44-605B-4D3B-B2B7-94543DF81A36}" type="datetimeFigureOut">
               <a:rPr lang="ru-RU" smtClean="0"/>
               <a:pPr/>
-              <a:t>25.05.2022</a:t>
+              <a:t>27.05.2022</a:t>
             </a:fld>
             <a:endParaRPr lang="ru-RU"/>
           </a:p>
@@ -871,7 +871,7 @@
             <a:fld id="{85A5DE44-605B-4D3B-B2B7-94543DF81A36}" type="datetimeFigureOut">
               <a:rPr lang="ru-RU" smtClean="0"/>
               <a:pPr/>
-              <a:t>25.05.2022</a:t>
+              <a:t>27.05.2022</a:t>
             </a:fld>
             <a:endParaRPr lang="ru-RU"/>
           </a:p>
@@ -1053,7 +1053,7 @@
             <a:fld id="{85A5DE44-605B-4D3B-B2B7-94543DF81A36}" type="datetimeFigureOut">
               <a:rPr lang="ru-RU" smtClean="0"/>
               <a:pPr/>
-              <a:t>25.05.2022</a:t>
+              <a:t>27.05.2022</a:t>
             </a:fld>
             <a:endParaRPr lang="ru-RU"/>
           </a:p>
@@ -1225,7 +1225,7 @@
             <a:fld id="{85A5DE44-605B-4D3B-B2B7-94543DF81A36}" type="datetimeFigureOut">
               <a:rPr lang="ru-RU" smtClean="0"/>
               <a:pPr/>
-              <a:t>25.05.2022</a:t>
+              <a:t>27.05.2022</a:t>
             </a:fld>
             <a:endParaRPr lang="ru-RU"/>
           </a:p>
@@ -1473,7 +1473,7 @@
             <a:fld id="{85A5DE44-605B-4D3B-B2B7-94543DF81A36}" type="datetimeFigureOut">
               <a:rPr lang="ru-RU" smtClean="0"/>
               <a:pPr/>
-              <a:t>25.05.2022</a:t>
+              <a:t>27.05.2022</a:t>
             </a:fld>
             <a:endParaRPr lang="ru-RU"/>
           </a:p>
@@ -1707,7 +1707,7 @@
             <a:fld id="{85A5DE44-605B-4D3B-B2B7-94543DF81A36}" type="datetimeFigureOut">
               <a:rPr lang="ru-RU" smtClean="0"/>
               <a:pPr/>
-              <a:t>25.05.2022</a:t>
+              <a:t>27.05.2022</a:t>
             </a:fld>
             <a:endParaRPr lang="ru-RU"/>
           </a:p>
@@ -2076,7 +2076,7 @@
             <a:fld id="{85A5DE44-605B-4D3B-B2B7-94543DF81A36}" type="datetimeFigureOut">
               <a:rPr lang="ru-RU" smtClean="0"/>
               <a:pPr/>
-              <a:t>25.05.2022</a:t>
+              <a:t>27.05.2022</a:t>
             </a:fld>
             <a:endParaRPr lang="ru-RU"/>
           </a:p>
@@ -2196,7 +2196,7 @@
             <a:fld id="{85A5DE44-605B-4D3B-B2B7-94543DF81A36}" type="datetimeFigureOut">
               <a:rPr lang="ru-RU" smtClean="0"/>
               <a:pPr/>
-              <a:t>25.05.2022</a:t>
+              <a:t>27.05.2022</a:t>
             </a:fld>
             <a:endParaRPr lang="ru-RU"/>
           </a:p>
@@ -2293,7 +2293,7 @@
             <a:fld id="{85A5DE44-605B-4D3B-B2B7-94543DF81A36}" type="datetimeFigureOut">
               <a:rPr lang="ru-RU" smtClean="0"/>
               <a:pPr/>
-              <a:t>25.05.2022</a:t>
+              <a:t>27.05.2022</a:t>
             </a:fld>
             <a:endParaRPr lang="ru-RU"/>
           </a:p>
@@ -2572,7 +2572,7 @@
             <a:fld id="{85A5DE44-605B-4D3B-B2B7-94543DF81A36}" type="datetimeFigureOut">
               <a:rPr lang="ru-RU" smtClean="0"/>
               <a:pPr/>
-              <a:t>25.05.2022</a:t>
+              <a:t>27.05.2022</a:t>
             </a:fld>
             <a:endParaRPr lang="ru-RU"/>
           </a:p>
@@ -2831,7 +2831,7 @@
             <a:fld id="{85A5DE44-605B-4D3B-B2B7-94543DF81A36}" type="datetimeFigureOut">
               <a:rPr lang="ru-RU" smtClean="0"/>
               <a:pPr/>
-              <a:t>25.05.2022</a:t>
+              <a:t>27.05.2022</a:t>
             </a:fld>
             <a:endParaRPr lang="ru-RU"/>
           </a:p>
@@ -3046,7 +3046,7 @@
             <a:fld id="{85A5DE44-605B-4D3B-B2B7-94543DF81A36}" type="datetimeFigureOut">
               <a:rPr lang="ru-RU" smtClean="0"/>
               <a:pPr/>
-              <a:t>25.05.2022</a:t>
+              <a:t>27.05.2022</a:t>
             </a:fld>
             <a:endParaRPr lang="ru-RU"/>
           </a:p>
@@ -11718,13 +11718,8 @@
             <a:pPr algn="ctr"/>
             <a:r>
               <a:rPr lang="ru-RU" sz="1400" dirty="0"/>
-              <a:t>Советская демократия </a:t>
-            </a:r>
-            <a:r>
-              <a:rPr lang="ru-RU" sz="400" dirty="0"/>
-              <a:t>(Советская демократия (иногда советская демократия) это политическая система в которой правило населения путем прямых выборов Советы (Русский язык для "совет") осуществляется. Советы несут прямую ответственность перед своими избирателями и связаны их инструкциями, используя делегатская модель представления. Такой императивный мандат в отличие от свободного мандата, в котором избранные делегаты ответственность только перед своей совестью. Соответственно, делегаты могут быть уволены со своих постов в любое время или за них проголосовало голосование (отзывать)</a:t>
-            </a:r>
-            <a:endParaRPr lang="ru-RU" sz="1400" dirty="0"/>
+              <a:t>Советская демократия</a:t>
+            </a:r>
           </a:p>
         </p:txBody>
       </p:sp>
@@ -11793,7 +11788,7 @@
         </p:nvSpPr>
         <p:spPr>
           <a:xfrm>
-            <a:off x="4872671" y="15210386"/>
+            <a:off x="6106915" y="15222269"/>
             <a:ext cx="2115918" cy="1080000"/>
           </a:xfrm>
           <a:prstGeom prst="rect">
@@ -11865,7 +11860,7 @@
         </p:nvSpPr>
         <p:spPr>
           <a:xfrm>
-            <a:off x="7376257" y="13800646"/>
+            <a:off x="3630196" y="12357182"/>
             <a:ext cx="2115918" cy="1080000"/>
           </a:xfrm>
           <a:prstGeom prst="rect">
@@ -12849,60 +12844,15 @@
           </p:cNvPr>
           <p:cNvCxnSpPr>
             <a:cxnSpLocks/>
-            <a:stCxn id="222" idx="2"/>
+            <a:stCxn id="215" idx="2"/>
             <a:endCxn id="226" idx="0"/>
           </p:cNvCxnSpPr>
           <p:nvPr/>
         </p:nvCxnSpPr>
         <p:spPr>
-          <a:xfrm rot="16200000" flipH="1">
-            <a:off x="7616555" y="12982985"/>
-            <a:ext cx="361060" cy="1274261"/>
-          </a:xfrm>
-          <a:prstGeom prst="bentConnector3">
-            <a:avLst>
-              <a:gd name="adj1" fmla="val 50000"/>
-            </a:avLst>
-          </a:prstGeom>
-          <a:ln w="28575">
-            <a:tailEnd type="arrow"/>
-          </a:ln>
-        </p:spPr>
-        <p:style>
-          <a:lnRef idx="1">
-            <a:schemeClr val="accent1"/>
-          </a:lnRef>
-          <a:fillRef idx="0">
-            <a:schemeClr val="accent1"/>
-          </a:fillRef>
-          <a:effectRef idx="0">
-            <a:schemeClr val="accent1"/>
-          </a:effectRef>
-          <a:fontRef idx="minor">
-            <a:schemeClr val="tx1"/>
-          </a:fontRef>
-        </p:style>
-      </p:cxnSp>
-      <p:cxnSp>
-        <p:nvCxnSpPr>
-          <p:cNvPr id="254" name="Соединительная линия уступом 175">
-            <a:extLst>
-              <a:ext uri="{FF2B5EF4-FFF2-40B4-BE49-F238E27FC236}">
-                <a16:creationId xmlns:a16="http://schemas.microsoft.com/office/drawing/2014/main" id="{0B36D4C6-890A-4DC6-AFC6-6DE050D12592}"/>
-              </a:ext>
-            </a:extLst>
-          </p:cNvPr>
-          <p:cNvCxnSpPr>
-            <a:cxnSpLocks/>
-            <a:stCxn id="220" idx="2"/>
-            <a:endCxn id="264" idx="0"/>
-          </p:cNvCxnSpPr>
-          <p:nvPr/>
-        </p:nvCxnSpPr>
-        <p:spPr>
-          <a:xfrm rot="16200000" flipH="1">
-            <a:off x="10098127" y="12993890"/>
-            <a:ext cx="358972" cy="1250364"/>
+          <a:xfrm rot="5400000">
+            <a:off x="6337334" y="10291154"/>
+            <a:ext cx="416849" cy="3715206"/>
           </a:xfrm>
           <a:prstGeom prst="bentConnector3">
             <a:avLst>
@@ -13198,92 +13148,6 @@
           </a:fontRef>
         </p:style>
       </p:cxnSp>
-      <p:cxnSp>
-        <p:nvCxnSpPr>
-          <p:cNvPr id="262" name="Прямая со стрелкой 261">
-            <a:extLst>
-              <a:ext uri="{FF2B5EF4-FFF2-40B4-BE49-F238E27FC236}">
-                <a16:creationId xmlns:a16="http://schemas.microsoft.com/office/drawing/2014/main" id="{18A3BD3D-2E3E-47A1-BB11-345C593A5420}"/>
-              </a:ext>
-            </a:extLst>
-          </p:cNvPr>
-          <p:cNvCxnSpPr>
-            <a:cxnSpLocks/>
-            <a:stCxn id="223" idx="2"/>
-            <a:endCxn id="225" idx="0"/>
-          </p:cNvCxnSpPr>
-          <p:nvPr/>
-        </p:nvCxnSpPr>
-        <p:spPr>
-          <a:xfrm>
-            <a:off x="5930630" y="14880646"/>
-            <a:ext cx="0" cy="329740"/>
-          </a:xfrm>
-          <a:prstGeom prst="straightConnector1">
-            <a:avLst/>
-          </a:prstGeom>
-          <a:ln w="28575">
-            <a:tailEnd type="arrow"/>
-          </a:ln>
-        </p:spPr>
-        <p:style>
-          <a:lnRef idx="1">
-            <a:schemeClr val="accent1"/>
-          </a:lnRef>
-          <a:fillRef idx="0">
-            <a:schemeClr val="accent1"/>
-          </a:fillRef>
-          <a:effectRef idx="0">
-            <a:schemeClr val="accent1"/>
-          </a:effectRef>
-          <a:fontRef idx="minor">
-            <a:schemeClr val="tx1"/>
-          </a:fontRef>
-        </p:style>
-      </p:cxnSp>
-      <p:cxnSp>
-        <p:nvCxnSpPr>
-          <p:cNvPr id="263" name="Прямая со стрелкой 262">
-            <a:extLst>
-              <a:ext uri="{FF2B5EF4-FFF2-40B4-BE49-F238E27FC236}">
-                <a16:creationId xmlns:a16="http://schemas.microsoft.com/office/drawing/2014/main" id="{AA2B5DCE-C3B5-45F7-ADEC-9B05B81579C2}"/>
-              </a:ext>
-            </a:extLst>
-          </p:cNvPr>
-          <p:cNvCxnSpPr>
-            <a:cxnSpLocks/>
-            <a:stCxn id="225" idx="2"/>
-            <a:endCxn id="228" idx="0"/>
-          </p:cNvCxnSpPr>
-          <p:nvPr/>
-        </p:nvCxnSpPr>
-        <p:spPr>
-          <a:xfrm>
-            <a:off x="5930630" y="16290386"/>
-            <a:ext cx="0" cy="434017"/>
-          </a:xfrm>
-          <a:prstGeom prst="straightConnector1">
-            <a:avLst/>
-          </a:prstGeom>
-          <a:ln w="28575">
-            <a:tailEnd type="arrow"/>
-          </a:ln>
-        </p:spPr>
-        <p:style>
-          <a:lnRef idx="1">
-            <a:schemeClr val="accent1"/>
-          </a:lnRef>
-          <a:fillRef idx="0">
-            <a:schemeClr val="accent1"/>
-          </a:fillRef>
-          <a:effectRef idx="0">
-            <a:schemeClr val="accent1"/>
-          </a:effectRef>
-          <a:fontRef idx="minor">
-            <a:schemeClr val="tx1"/>
-          </a:fontRef>
-        </p:style>
-      </p:cxnSp>
       <p:sp>
         <p:nvSpPr>
           <p:cNvPr id="264" name="Прямоугольник 263">
@@ -13673,8 +13537,8 @@
         </p:nvCxnSpPr>
         <p:spPr>
           <a:xfrm rot="5400000">
-            <a:off x="4470302" y="15274708"/>
-            <a:ext cx="444650" cy="2476006"/>
+            <a:off x="5093366" y="14663527"/>
+            <a:ext cx="432767" cy="3710250"/>
           </a:xfrm>
           <a:prstGeom prst="bentConnector3">
             <a:avLst>
@@ -15148,8 +15012,8 @@
         </p:nvCxnSpPr>
         <p:spPr>
           <a:xfrm rot="16200000" flipH="1">
-            <a:off x="6953526" y="15267490"/>
-            <a:ext cx="434016" cy="2479808"/>
+            <a:off x="7576590" y="15890553"/>
+            <a:ext cx="422133" cy="1245564"/>
           </a:xfrm>
           <a:prstGeom prst="bentConnector3">
             <a:avLst>
@@ -15803,7 +15667,7 @@
             <a:pPr algn="ctr"/>
             <a:r>
               <a:rPr lang="ru-RU" sz="6000" dirty="0"/>
-              <a:t>23</a:t>
+              <a:t>25</a:t>
             </a:r>
           </a:p>
         </p:txBody>
@@ -16858,7 +16722,7 @@
             <a:pPr algn="ctr"/>
             <a:r>
               <a:rPr lang="ru-RU" sz="4400" dirty="0"/>
-              <a:t>145</a:t>
+              <a:t>147</a:t>
             </a:r>
           </a:p>
         </p:txBody>
@@ -23984,6 +23848,289 @@
           <a:xfrm rot="16200000" flipH="1">
             <a:off x="8851889" y="11747652"/>
             <a:ext cx="358972" cy="3742840"/>
+          </a:xfrm>
+          <a:prstGeom prst="bentConnector3">
+            <a:avLst>
+              <a:gd name="adj1" fmla="val 50000"/>
+            </a:avLst>
+          </a:prstGeom>
+          <a:ln w="28575">
+            <a:tailEnd type="arrow"/>
+          </a:ln>
+        </p:spPr>
+        <p:style>
+          <a:lnRef idx="1">
+            <a:schemeClr val="accent1"/>
+          </a:lnRef>
+          <a:fillRef idx="0">
+            <a:schemeClr val="accent1"/>
+          </a:fillRef>
+          <a:effectRef idx="0">
+            <a:schemeClr val="accent1"/>
+          </a:effectRef>
+          <a:fontRef idx="minor">
+            <a:schemeClr val="tx1"/>
+          </a:fontRef>
+        </p:style>
+      </p:cxnSp>
+      <p:sp>
+        <p:nvSpPr>
+          <p:cNvPr id="456" name="Прямоугольник 455">
+            <a:extLst>
+              <a:ext uri="{FF2B5EF4-FFF2-40B4-BE49-F238E27FC236}">
+                <a16:creationId xmlns:a16="http://schemas.microsoft.com/office/drawing/2014/main" id="{8F8BDE44-31BA-41B8-9C1B-3AF800FEDAE9}"/>
+              </a:ext>
+            </a:extLst>
+          </p:cNvPr>
+          <p:cNvSpPr/>
+          <p:nvPr/>
+        </p:nvSpPr>
+        <p:spPr>
+          <a:xfrm>
+            <a:off x="7354535" y="13798096"/>
+            <a:ext cx="2115918" cy="1080000"/>
+          </a:xfrm>
+          <a:prstGeom prst="rect">
+            <a:avLst/>
+          </a:prstGeom>
+          <a:solidFill>
+            <a:srgbClr val="FFFF00"/>
+          </a:solidFill>
+          <a:ln w="28575"/>
+        </p:spPr>
+        <p:style>
+          <a:lnRef idx="2">
+            <a:schemeClr val="accent1"/>
+          </a:lnRef>
+          <a:fillRef idx="1">
+            <a:schemeClr val="lt1"/>
+          </a:fillRef>
+          <a:effectRef idx="0">
+            <a:schemeClr val="accent1"/>
+          </a:effectRef>
+          <a:fontRef idx="minor">
+            <a:schemeClr val="dk1"/>
+          </a:fontRef>
+        </p:style>
+        <p:txBody>
+          <a:bodyPr lIns="124733" tIns="62367" rIns="124733" bIns="62367" rtlCol="0" anchor="ctr"/>
+          <a:lstStyle/>
+          <a:p>
+            <a:pPr algn="ctr"/>
+            <a:r>
+              <a:rPr lang="ru-RU" sz="1400" dirty="0"/>
+              <a:t>Создание федерации в Индонезии</a:t>
+            </a:r>
+            <a:endParaRPr lang="ru-RU" sz="500" dirty="0"/>
+          </a:p>
+        </p:txBody>
+      </p:sp>
+      <p:cxnSp>
+        <p:nvCxnSpPr>
+          <p:cNvPr id="458" name="Соединительная линия уступом 175">
+            <a:extLst>
+              <a:ext uri="{FF2B5EF4-FFF2-40B4-BE49-F238E27FC236}">
+                <a16:creationId xmlns:a16="http://schemas.microsoft.com/office/drawing/2014/main" id="{8BC0D58F-84AF-401C-B55E-0505AE75CC8D}"/>
+              </a:ext>
+            </a:extLst>
+          </p:cNvPr>
+          <p:cNvCxnSpPr>
+            <a:cxnSpLocks/>
+            <a:stCxn id="222" idx="2"/>
+            <a:endCxn id="456" idx="0"/>
+          </p:cNvCxnSpPr>
+          <p:nvPr/>
+        </p:nvCxnSpPr>
+        <p:spPr>
+          <a:xfrm rot="16200000" flipH="1">
+            <a:off x="7606969" y="12992571"/>
+            <a:ext cx="358510" cy="1252539"/>
+          </a:xfrm>
+          <a:prstGeom prst="bentConnector3">
+            <a:avLst>
+              <a:gd name="adj1" fmla="val 50000"/>
+            </a:avLst>
+          </a:prstGeom>
+          <a:ln w="28575">
+            <a:tailEnd type="arrow"/>
+          </a:ln>
+        </p:spPr>
+        <p:style>
+          <a:lnRef idx="1">
+            <a:schemeClr val="accent1"/>
+          </a:lnRef>
+          <a:fillRef idx="0">
+            <a:schemeClr val="accent1"/>
+          </a:fillRef>
+          <a:effectRef idx="0">
+            <a:schemeClr val="accent1"/>
+          </a:effectRef>
+          <a:fontRef idx="minor">
+            <a:schemeClr val="tx1"/>
+          </a:fontRef>
+        </p:style>
+      </p:cxnSp>
+      <p:cxnSp>
+        <p:nvCxnSpPr>
+          <p:cNvPr id="459" name="Соединительная линия уступом 175">
+            <a:extLst>
+              <a:ext uri="{FF2B5EF4-FFF2-40B4-BE49-F238E27FC236}">
+                <a16:creationId xmlns:a16="http://schemas.microsoft.com/office/drawing/2014/main" id="{C12B0180-6FC9-468D-B0AC-B8FDF2502DC4}"/>
+              </a:ext>
+            </a:extLst>
+          </p:cNvPr>
+          <p:cNvCxnSpPr>
+            <a:cxnSpLocks/>
+            <a:stCxn id="223" idx="2"/>
+            <a:endCxn id="225" idx="0"/>
+          </p:cNvCxnSpPr>
+          <p:nvPr/>
+        </p:nvCxnSpPr>
+        <p:spPr>
+          <a:xfrm rot="16200000" flipH="1">
+            <a:off x="6376941" y="14434335"/>
+            <a:ext cx="341623" cy="1234244"/>
+          </a:xfrm>
+          <a:prstGeom prst="bentConnector3">
+            <a:avLst>
+              <a:gd name="adj1" fmla="val 50000"/>
+            </a:avLst>
+          </a:prstGeom>
+          <a:ln w="28575">
+            <a:tailEnd type="arrow"/>
+          </a:ln>
+        </p:spPr>
+        <p:style>
+          <a:lnRef idx="1">
+            <a:schemeClr val="accent1"/>
+          </a:lnRef>
+          <a:fillRef idx="0">
+            <a:schemeClr val="accent1"/>
+          </a:fillRef>
+          <a:effectRef idx="0">
+            <a:schemeClr val="accent1"/>
+          </a:effectRef>
+          <a:fontRef idx="minor">
+            <a:schemeClr val="tx1"/>
+          </a:fontRef>
+        </p:style>
+      </p:cxnSp>
+      <p:cxnSp>
+        <p:nvCxnSpPr>
+          <p:cNvPr id="461" name="Соединительная линия уступом 175">
+            <a:extLst>
+              <a:ext uri="{FF2B5EF4-FFF2-40B4-BE49-F238E27FC236}">
+                <a16:creationId xmlns:a16="http://schemas.microsoft.com/office/drawing/2014/main" id="{C3961F1D-379C-4C26-8DB4-C25016FD2C0D}"/>
+              </a:ext>
+            </a:extLst>
+          </p:cNvPr>
+          <p:cNvCxnSpPr>
+            <a:cxnSpLocks/>
+            <a:stCxn id="225" idx="2"/>
+            <a:endCxn id="228" idx="0"/>
+          </p:cNvCxnSpPr>
+          <p:nvPr/>
+        </p:nvCxnSpPr>
+        <p:spPr>
+          <a:xfrm rot="5400000">
+            <a:off x="6336685" y="15896214"/>
+            <a:ext cx="422134" cy="1234244"/>
+          </a:xfrm>
+          <a:prstGeom prst="bentConnector3">
+            <a:avLst>
+              <a:gd name="adj1" fmla="val 50000"/>
+            </a:avLst>
+          </a:prstGeom>
+          <a:ln w="28575">
+            <a:tailEnd type="arrow"/>
+          </a:ln>
+        </p:spPr>
+        <p:style>
+          <a:lnRef idx="1">
+            <a:schemeClr val="accent1"/>
+          </a:lnRef>
+          <a:fillRef idx="0">
+            <a:schemeClr val="accent1"/>
+          </a:fillRef>
+          <a:effectRef idx="0">
+            <a:schemeClr val="accent1"/>
+          </a:effectRef>
+          <a:fontRef idx="minor">
+            <a:schemeClr val="tx1"/>
+          </a:fontRef>
+        </p:style>
+      </p:cxnSp>
+      <p:sp>
+        <p:nvSpPr>
+          <p:cNvPr id="462" name="Прямоугольник 461">
+            <a:extLst>
+              <a:ext uri="{FF2B5EF4-FFF2-40B4-BE49-F238E27FC236}">
+                <a16:creationId xmlns:a16="http://schemas.microsoft.com/office/drawing/2014/main" id="{513E7586-4A04-4081-9489-F1516B6FD477}"/>
+              </a:ext>
+            </a:extLst>
+          </p:cNvPr>
+          <p:cNvSpPr/>
+          <p:nvPr/>
+        </p:nvSpPr>
+        <p:spPr>
+          <a:xfrm>
+            <a:off x="3632766" y="15207432"/>
+            <a:ext cx="2115918" cy="1080000"/>
+          </a:xfrm>
+          <a:prstGeom prst="rect">
+            <a:avLst/>
+          </a:prstGeom>
+          <a:solidFill>
+            <a:srgbClr val="FFFF00"/>
+          </a:solidFill>
+          <a:ln w="28575"/>
+        </p:spPr>
+        <p:style>
+          <a:lnRef idx="2">
+            <a:schemeClr val="accent1"/>
+          </a:lnRef>
+          <a:fillRef idx="1">
+            <a:schemeClr val="lt1"/>
+          </a:fillRef>
+          <a:effectRef idx="0">
+            <a:schemeClr val="accent1"/>
+          </a:effectRef>
+          <a:fontRef idx="minor">
+            <a:schemeClr val="dk1"/>
+          </a:fontRef>
+        </p:style>
+        <p:txBody>
+          <a:bodyPr lIns="124733" tIns="62367" rIns="124733" bIns="62367" rtlCol="0" anchor="ctr"/>
+          <a:lstStyle/>
+          <a:p>
+            <a:pPr algn="ctr"/>
+            <a:r>
+              <a:rPr lang="ru-RU" sz="1400" dirty="0"/>
+              <a:t>Офицеры из народа</a:t>
+            </a:r>
+          </a:p>
+        </p:txBody>
+      </p:sp>
+      <p:cxnSp>
+        <p:nvCxnSpPr>
+          <p:cNvPr id="464" name="Соединительная линия уступом 175">
+            <a:extLst>
+              <a:ext uri="{FF2B5EF4-FFF2-40B4-BE49-F238E27FC236}">
+                <a16:creationId xmlns:a16="http://schemas.microsoft.com/office/drawing/2014/main" id="{51754892-44AC-422D-B0AF-A163C0759B85}"/>
+              </a:ext>
+            </a:extLst>
+          </p:cNvPr>
+          <p:cNvCxnSpPr>
+            <a:cxnSpLocks/>
+            <a:stCxn id="226" idx="2"/>
+            <a:endCxn id="462" idx="0"/>
+          </p:cNvCxnSpPr>
+          <p:nvPr/>
+        </p:nvCxnSpPr>
+        <p:spPr>
+          <a:xfrm rot="16200000" flipH="1">
+            <a:off x="3804315" y="14321022"/>
+            <a:ext cx="1770250" cy="2570"/>
           </a:xfrm>
           <a:prstGeom prst="bentConnector3">
             <a:avLst>

--- a/Наработки/диздоки/Нидерланды/Нидерланды.pptx
+++ b/Наработки/диздоки/Нидерланды/Нидерланды.pptx
@@ -209,7 +209,7 @@
             <a:fld id="{33E3D7F9-E251-484C-A6FF-FA958879DF69}" type="datetimeFigureOut">
               <a:rPr lang="ru-RU" smtClean="0"/>
               <a:pPr/>
-              <a:t>27.05.2022</a:t>
+              <a:t>19.07.2022</a:t>
             </a:fld>
             <a:endParaRPr lang="ru-RU"/>
           </a:p>
@@ -699,7 +699,7 @@
             <a:fld id="{85A5DE44-605B-4D3B-B2B7-94543DF81A36}" type="datetimeFigureOut">
               <a:rPr lang="ru-RU" smtClean="0"/>
               <a:pPr/>
-              <a:t>27.05.2022</a:t>
+              <a:t>19.07.2022</a:t>
             </a:fld>
             <a:endParaRPr lang="ru-RU"/>
           </a:p>
@@ -871,7 +871,7 @@
             <a:fld id="{85A5DE44-605B-4D3B-B2B7-94543DF81A36}" type="datetimeFigureOut">
               <a:rPr lang="ru-RU" smtClean="0"/>
               <a:pPr/>
-              <a:t>27.05.2022</a:t>
+              <a:t>19.07.2022</a:t>
             </a:fld>
             <a:endParaRPr lang="ru-RU"/>
           </a:p>
@@ -1053,7 +1053,7 @@
             <a:fld id="{85A5DE44-605B-4D3B-B2B7-94543DF81A36}" type="datetimeFigureOut">
               <a:rPr lang="ru-RU" smtClean="0"/>
               <a:pPr/>
-              <a:t>27.05.2022</a:t>
+              <a:t>19.07.2022</a:t>
             </a:fld>
             <a:endParaRPr lang="ru-RU"/>
           </a:p>
@@ -1225,7 +1225,7 @@
             <a:fld id="{85A5DE44-605B-4D3B-B2B7-94543DF81A36}" type="datetimeFigureOut">
               <a:rPr lang="ru-RU" smtClean="0"/>
               <a:pPr/>
-              <a:t>27.05.2022</a:t>
+              <a:t>19.07.2022</a:t>
             </a:fld>
             <a:endParaRPr lang="ru-RU"/>
           </a:p>
@@ -1473,7 +1473,7 @@
             <a:fld id="{85A5DE44-605B-4D3B-B2B7-94543DF81A36}" type="datetimeFigureOut">
               <a:rPr lang="ru-RU" smtClean="0"/>
               <a:pPr/>
-              <a:t>27.05.2022</a:t>
+              <a:t>19.07.2022</a:t>
             </a:fld>
             <a:endParaRPr lang="ru-RU"/>
           </a:p>
@@ -1707,7 +1707,7 @@
             <a:fld id="{85A5DE44-605B-4D3B-B2B7-94543DF81A36}" type="datetimeFigureOut">
               <a:rPr lang="ru-RU" smtClean="0"/>
               <a:pPr/>
-              <a:t>27.05.2022</a:t>
+              <a:t>19.07.2022</a:t>
             </a:fld>
             <a:endParaRPr lang="ru-RU"/>
           </a:p>
@@ -2076,7 +2076,7 @@
             <a:fld id="{85A5DE44-605B-4D3B-B2B7-94543DF81A36}" type="datetimeFigureOut">
               <a:rPr lang="ru-RU" smtClean="0"/>
               <a:pPr/>
-              <a:t>27.05.2022</a:t>
+              <a:t>19.07.2022</a:t>
             </a:fld>
             <a:endParaRPr lang="ru-RU"/>
           </a:p>
@@ -2196,7 +2196,7 @@
             <a:fld id="{85A5DE44-605B-4D3B-B2B7-94543DF81A36}" type="datetimeFigureOut">
               <a:rPr lang="ru-RU" smtClean="0"/>
               <a:pPr/>
-              <a:t>27.05.2022</a:t>
+              <a:t>19.07.2022</a:t>
             </a:fld>
             <a:endParaRPr lang="ru-RU"/>
           </a:p>
@@ -2293,7 +2293,7 @@
             <a:fld id="{85A5DE44-605B-4D3B-B2B7-94543DF81A36}" type="datetimeFigureOut">
               <a:rPr lang="ru-RU" smtClean="0"/>
               <a:pPr/>
-              <a:t>27.05.2022</a:t>
+              <a:t>19.07.2022</a:t>
             </a:fld>
             <a:endParaRPr lang="ru-RU"/>
           </a:p>
@@ -2572,7 +2572,7 @@
             <a:fld id="{85A5DE44-605B-4D3B-B2B7-94543DF81A36}" type="datetimeFigureOut">
               <a:rPr lang="ru-RU" smtClean="0"/>
               <a:pPr/>
-              <a:t>27.05.2022</a:t>
+              <a:t>19.07.2022</a:t>
             </a:fld>
             <a:endParaRPr lang="ru-RU"/>
           </a:p>
@@ -2831,7 +2831,7 @@
             <a:fld id="{85A5DE44-605B-4D3B-B2B7-94543DF81A36}" type="datetimeFigureOut">
               <a:rPr lang="ru-RU" smtClean="0"/>
               <a:pPr/>
-              <a:t>27.05.2022</a:t>
+              <a:t>19.07.2022</a:t>
             </a:fld>
             <a:endParaRPr lang="ru-RU"/>
           </a:p>
@@ -3046,7 +3046,7 @@
             <a:fld id="{85A5DE44-605B-4D3B-B2B7-94543DF81A36}" type="datetimeFigureOut">
               <a:rPr lang="ru-RU" smtClean="0"/>
               <a:pPr/>
-              <a:t>27.05.2022</a:t>
+              <a:t>19.07.2022</a:t>
             </a:fld>
             <a:endParaRPr lang="ru-RU"/>
           </a:p>

--- a/Наработки/диздоки/Нидерланды/Нидерланды.pptx
+++ b/Наработки/диздоки/Нидерланды/Нидерланды.pptx
@@ -209,7 +209,7 @@
             <a:fld id="{33E3D7F9-E251-484C-A6FF-FA958879DF69}" type="datetimeFigureOut">
               <a:rPr lang="ru-RU" smtClean="0"/>
               <a:pPr/>
-              <a:t>19.07.2022</a:t>
+              <a:t>26.08.2022</a:t>
             </a:fld>
             <a:endParaRPr lang="ru-RU"/>
           </a:p>
@@ -699,7 +699,7 @@
             <a:fld id="{85A5DE44-605B-4D3B-B2B7-94543DF81A36}" type="datetimeFigureOut">
               <a:rPr lang="ru-RU" smtClean="0"/>
               <a:pPr/>
-              <a:t>19.07.2022</a:t>
+              <a:t>26.08.2022</a:t>
             </a:fld>
             <a:endParaRPr lang="ru-RU"/>
           </a:p>
@@ -871,7 +871,7 @@
             <a:fld id="{85A5DE44-605B-4D3B-B2B7-94543DF81A36}" type="datetimeFigureOut">
               <a:rPr lang="ru-RU" smtClean="0"/>
               <a:pPr/>
-              <a:t>19.07.2022</a:t>
+              <a:t>26.08.2022</a:t>
             </a:fld>
             <a:endParaRPr lang="ru-RU"/>
           </a:p>
@@ -1053,7 +1053,7 @@
             <a:fld id="{85A5DE44-605B-4D3B-B2B7-94543DF81A36}" type="datetimeFigureOut">
               <a:rPr lang="ru-RU" smtClean="0"/>
               <a:pPr/>
-              <a:t>19.07.2022</a:t>
+              <a:t>26.08.2022</a:t>
             </a:fld>
             <a:endParaRPr lang="ru-RU"/>
           </a:p>
@@ -1225,7 +1225,7 @@
             <a:fld id="{85A5DE44-605B-4D3B-B2B7-94543DF81A36}" type="datetimeFigureOut">
               <a:rPr lang="ru-RU" smtClean="0"/>
               <a:pPr/>
-              <a:t>19.07.2022</a:t>
+              <a:t>26.08.2022</a:t>
             </a:fld>
             <a:endParaRPr lang="ru-RU"/>
           </a:p>
@@ -1473,7 +1473,7 @@
             <a:fld id="{85A5DE44-605B-4D3B-B2B7-94543DF81A36}" type="datetimeFigureOut">
               <a:rPr lang="ru-RU" smtClean="0"/>
               <a:pPr/>
-              <a:t>19.07.2022</a:t>
+              <a:t>26.08.2022</a:t>
             </a:fld>
             <a:endParaRPr lang="ru-RU"/>
           </a:p>
@@ -1707,7 +1707,7 @@
             <a:fld id="{85A5DE44-605B-4D3B-B2B7-94543DF81A36}" type="datetimeFigureOut">
               <a:rPr lang="ru-RU" smtClean="0"/>
               <a:pPr/>
-              <a:t>19.07.2022</a:t>
+              <a:t>26.08.2022</a:t>
             </a:fld>
             <a:endParaRPr lang="ru-RU"/>
           </a:p>
@@ -2076,7 +2076,7 @@
             <a:fld id="{85A5DE44-605B-4D3B-B2B7-94543DF81A36}" type="datetimeFigureOut">
               <a:rPr lang="ru-RU" smtClean="0"/>
               <a:pPr/>
-              <a:t>19.07.2022</a:t>
+              <a:t>26.08.2022</a:t>
             </a:fld>
             <a:endParaRPr lang="ru-RU"/>
           </a:p>
@@ -2196,7 +2196,7 @@
             <a:fld id="{85A5DE44-605B-4D3B-B2B7-94543DF81A36}" type="datetimeFigureOut">
               <a:rPr lang="ru-RU" smtClean="0"/>
               <a:pPr/>
-              <a:t>19.07.2022</a:t>
+              <a:t>26.08.2022</a:t>
             </a:fld>
             <a:endParaRPr lang="ru-RU"/>
           </a:p>
@@ -2293,7 +2293,7 @@
             <a:fld id="{85A5DE44-605B-4D3B-B2B7-94543DF81A36}" type="datetimeFigureOut">
               <a:rPr lang="ru-RU" smtClean="0"/>
               <a:pPr/>
-              <a:t>19.07.2022</a:t>
+              <a:t>26.08.2022</a:t>
             </a:fld>
             <a:endParaRPr lang="ru-RU"/>
           </a:p>
@@ -2572,7 +2572,7 @@
             <a:fld id="{85A5DE44-605B-4D3B-B2B7-94543DF81A36}" type="datetimeFigureOut">
               <a:rPr lang="ru-RU" smtClean="0"/>
               <a:pPr/>
-              <a:t>19.07.2022</a:t>
+              <a:t>26.08.2022</a:t>
             </a:fld>
             <a:endParaRPr lang="ru-RU"/>
           </a:p>
@@ -2831,7 +2831,7 @@
             <a:fld id="{85A5DE44-605B-4D3B-B2B7-94543DF81A36}" type="datetimeFigureOut">
               <a:rPr lang="ru-RU" smtClean="0"/>
               <a:pPr/>
-              <a:t>19.07.2022</a:t>
+              <a:t>26.08.2022</a:t>
             </a:fld>
             <a:endParaRPr lang="ru-RU"/>
           </a:p>
@@ -3046,7 +3046,7 @@
             <a:fld id="{85A5DE44-605B-4D3B-B2B7-94543DF81A36}" type="datetimeFigureOut">
               <a:rPr lang="ru-RU" smtClean="0"/>
               <a:pPr/>
-              <a:t>19.07.2022</a:t>
+              <a:t>26.08.2022</a:t>
             </a:fld>
             <a:endParaRPr lang="ru-RU"/>
           </a:p>
@@ -11541,7 +11541,11 @@
           <a:solidFill>
             <a:srgbClr val="FFFF00"/>
           </a:solidFill>
-          <a:ln w="28575"/>
+          <a:ln w="28575">
+            <a:solidFill>
+              <a:schemeClr val="tx1"/>
+            </a:solidFill>
+          </a:ln>
         </p:spPr>
         <p:style>
           <a:lnRef idx="2">
@@ -11615,7 +11619,7 @@
             <a:pPr algn="ctr"/>
             <a:r>
               <a:rPr lang="ru-RU" sz="1400" dirty="0"/>
-              <a:t>Мировая революция советов</a:t>
+              <a:t>Курс на мировую революцию</a:t>
             </a:r>
           </a:p>
         </p:txBody>
@@ -11643,7 +11647,11 @@
           <a:solidFill>
             <a:srgbClr val="FFFF00"/>
           </a:solidFill>
-          <a:ln w="28575"/>
+          <a:ln w="28575">
+            <a:solidFill>
+              <a:schemeClr val="tx1"/>
+            </a:solidFill>
+          </a:ln>
         </p:spPr>
         <p:style>
           <a:lnRef idx="2">
@@ -11695,7 +11703,11 @@
           <a:solidFill>
             <a:srgbClr val="FFFF00"/>
           </a:solidFill>
-          <a:ln w="28575"/>
+          <a:ln w="28575">
+            <a:solidFill>
+              <a:schemeClr val="tx1"/>
+            </a:solidFill>
+          </a:ln>
         </p:spPr>
         <p:style>
           <a:lnRef idx="2">
@@ -13171,7 +13183,11 @@
           <a:solidFill>
             <a:srgbClr val="FFFF00"/>
           </a:solidFill>
-          <a:ln w="28575"/>
+          <a:ln w="28575">
+            <a:solidFill>
+              <a:schemeClr val="tx1"/>
+            </a:solidFill>
+          </a:ln>
         </p:spPr>
         <p:style>
           <a:lnRef idx="2">
@@ -19773,7 +19789,7 @@
             <a:pPr algn="ctr"/>
             <a:r>
               <a:rPr lang="ru-RU" sz="1400" dirty="0"/>
-              <a:t>Плотное сотрудничество с организациями</a:t>
+              <a:t>Плотное сотрудничество с иностранными кампаниями</a:t>
             </a:r>
           </a:p>
         </p:txBody>
@@ -19870,7 +19886,7 @@
             <a:pPr algn="ctr"/>
             <a:r>
               <a:rPr lang="ru-RU" sz="1400" dirty="0"/>
-              <a:t>Плотное сотрудничество с организациями</a:t>
+              <a:t>Плотное сотрудничество с местными организациями</a:t>
             </a:r>
           </a:p>
         </p:txBody>
@@ -20790,7 +20806,7 @@
         </p:nvSpPr>
         <p:spPr>
           <a:xfrm>
-            <a:off x="43148644" y="27341914"/>
+            <a:off x="45644881" y="27341917"/>
             <a:ext cx="2115918" cy="1080000"/>
           </a:xfrm>
           <a:prstGeom prst="rect">
@@ -20872,7 +20888,7 @@
         </p:nvSpPr>
         <p:spPr>
           <a:xfrm>
-            <a:off x="40680922" y="27341914"/>
+            <a:off x="41995577" y="27341917"/>
             <a:ext cx="2115918" cy="1080000"/>
           </a:xfrm>
           <a:prstGeom prst="rect">
@@ -20926,7 +20942,7 @@
         </p:nvSpPr>
         <p:spPr>
           <a:xfrm>
-            <a:off x="43148326" y="31820451"/>
+            <a:off x="45644563" y="31820454"/>
             <a:ext cx="2115918" cy="1080000"/>
           </a:xfrm>
           <a:prstGeom prst="rect">
@@ -20980,7 +20996,7 @@
         </p:nvSpPr>
         <p:spPr>
           <a:xfrm>
-            <a:off x="43148644" y="24281503"/>
+            <a:off x="45620431" y="25840039"/>
             <a:ext cx="2115918" cy="1080000"/>
           </a:xfrm>
           <a:prstGeom prst="rect">
@@ -21038,8 +21054,8 @@
         </p:nvCxnSpPr>
         <p:spPr>
           <a:xfrm>
-            <a:off x="42796840" y="27881914"/>
-            <a:ext cx="351804" cy="0"/>
+            <a:off x="44111495" y="27881917"/>
+            <a:ext cx="1533386" cy="0"/>
           </a:xfrm>
           <a:prstGeom prst="line">
             <a:avLst/>
@@ -21083,56 +21099,13 @@
         </p:nvCxnSpPr>
         <p:spPr>
           <a:xfrm rot="16200000" flipH="1">
-            <a:off x="42763951" y="25899261"/>
-            <a:ext cx="417583" cy="2467722"/>
+            <a:off x="44012067" y="24651144"/>
+            <a:ext cx="417586" cy="4963959"/>
           </a:xfrm>
           <a:prstGeom prst="bentConnector3">
             <a:avLst>
               <a:gd name="adj1" fmla="val 50000"/>
             </a:avLst>
-          </a:prstGeom>
-          <a:ln w="28575">
-            <a:tailEnd type="arrow"/>
-          </a:ln>
-        </p:spPr>
-        <p:style>
-          <a:lnRef idx="1">
-            <a:schemeClr val="accent1"/>
-          </a:lnRef>
-          <a:fillRef idx="0">
-            <a:schemeClr val="accent1"/>
-          </a:fillRef>
-          <a:effectRef idx="0">
-            <a:schemeClr val="accent1"/>
-          </a:effectRef>
-          <a:fontRef idx="minor">
-            <a:schemeClr val="tx1"/>
-          </a:fontRef>
-        </p:style>
-      </p:cxnSp>
-      <p:cxnSp>
-        <p:nvCxnSpPr>
-          <p:cNvPr id="451" name="Прямая со стрелкой 450">
-            <a:extLst>
-              <a:ext uri="{FF2B5EF4-FFF2-40B4-BE49-F238E27FC236}">
-                <a16:creationId xmlns:a16="http://schemas.microsoft.com/office/drawing/2014/main" id="{A857A4A8-1F25-4BD4-A2F1-F5803781B154}"/>
-              </a:ext>
-            </a:extLst>
-          </p:cNvPr>
-          <p:cNvCxnSpPr>
-            <a:cxnSpLocks/>
-            <a:stCxn id="430" idx="2"/>
-            <a:endCxn id="437" idx="0"/>
-          </p:cNvCxnSpPr>
-          <p:nvPr/>
-        </p:nvCxnSpPr>
-        <p:spPr>
-          <a:xfrm>
-            <a:off x="41738881" y="26924331"/>
-            <a:ext cx="0" cy="417583"/>
-          </a:xfrm>
-          <a:prstGeom prst="straightConnector1">
-            <a:avLst/>
           </a:prstGeom>
           <a:ln w="28575">
             <a:tailEnd type="arrow"/>
@@ -21253,14 +21226,14 @@
           <p:cNvCxnSpPr>
             <a:cxnSpLocks/>
             <a:stCxn id="369" idx="2"/>
-            <a:endCxn id="440" idx="0"/>
+            <a:endCxn id="471" idx="0"/>
           </p:cNvCxnSpPr>
           <p:nvPr/>
         </p:nvCxnSpPr>
         <p:spPr>
           <a:xfrm rot="16200000" flipH="1">
-            <a:off x="42767460" y="22842360"/>
-            <a:ext cx="410564" cy="2467722"/>
+            <a:off x="42771868" y="22837952"/>
+            <a:ext cx="401431" cy="2467404"/>
           </a:xfrm>
           <a:prstGeom prst="bentConnector3">
             <a:avLst>
@@ -21520,7 +21493,7 @@
         </p:nvSpPr>
         <p:spPr>
           <a:xfrm>
-            <a:off x="44382187" y="25844328"/>
+            <a:off x="43148326" y="24272370"/>
             <a:ext cx="2115918" cy="1080000"/>
           </a:xfrm>
           <a:prstGeom prst="rect">
@@ -21571,15 +21544,15 @@
           </p:cNvPr>
           <p:cNvCxnSpPr>
             <a:cxnSpLocks/>
-            <a:stCxn id="440" idx="2"/>
-            <a:endCxn id="471" idx="0"/>
+            <a:stCxn id="471" idx="2"/>
+            <a:endCxn id="440" idx="0"/>
           </p:cNvCxnSpPr>
           <p:nvPr/>
         </p:nvCxnSpPr>
         <p:spPr>
           <a:xfrm rot="16200000" flipH="1">
-            <a:off x="44581962" y="24986143"/>
-            <a:ext cx="482825" cy="1233543"/>
+            <a:off x="45198503" y="24360151"/>
+            <a:ext cx="487669" cy="2472105"/>
           </a:xfrm>
           <a:prstGeom prst="bentConnector3">
             <a:avLst>
@@ -21619,7 +21592,7 @@
         </p:nvSpPr>
         <p:spPr>
           <a:xfrm>
-            <a:off x="45610413" y="27348604"/>
+            <a:off x="43153027" y="25840039"/>
             <a:ext cx="2115918" cy="1080000"/>
           </a:xfrm>
           <a:prstGeom prst="rect">
@@ -21677,8 +21650,8 @@
         </p:nvCxnSpPr>
         <p:spPr>
           <a:xfrm rot="16200000" flipH="1">
-            <a:off x="45842121" y="26522353"/>
-            <a:ext cx="424276" cy="1228226"/>
+            <a:off x="43964801" y="25593853"/>
+            <a:ext cx="487669" cy="4701"/>
           </a:xfrm>
           <a:prstGeom prst="bentConnector3">
             <a:avLst>
@@ -21718,7 +21691,7 @@
         </p:nvSpPr>
         <p:spPr>
           <a:xfrm>
-            <a:off x="39478558" y="30335874"/>
+            <a:off x="39397481" y="27341917"/>
             <a:ext cx="2115918" cy="1080000"/>
           </a:xfrm>
           <a:prstGeom prst="rect">
@@ -21837,12 +21810,12 @@
         </p:nvCxnSpPr>
         <p:spPr>
           <a:xfrm rot="5400000">
-            <a:off x="37905232" y="26502224"/>
-            <a:ext cx="6464935" cy="1202364"/>
+            <a:off x="39361672" y="24964708"/>
+            <a:ext cx="3470978" cy="1283441"/>
           </a:xfrm>
           <a:prstGeom prst="bentConnector3">
             <a:avLst>
-              <a:gd name="adj1" fmla="val 3288"/>
+              <a:gd name="adj1" fmla="val 6195"/>
             </a:avLst>
           </a:prstGeom>
           <a:ln w="28575">
@@ -21878,7 +21851,7 @@
         </p:nvSpPr>
         <p:spPr>
           <a:xfrm>
-            <a:off x="45610413" y="31820451"/>
+            <a:off x="48106650" y="31820454"/>
             <a:ext cx="2115918" cy="1080000"/>
           </a:xfrm>
           <a:prstGeom prst="rect">
@@ -21932,7 +21905,7 @@
         </p:nvSpPr>
         <p:spPr>
           <a:xfrm>
-            <a:off x="43148326" y="28839503"/>
+            <a:off x="45644563" y="28839506"/>
             <a:ext cx="2115918" cy="1080000"/>
           </a:xfrm>
           <a:prstGeom prst="rect">
@@ -21998,7 +21971,7 @@
         </p:nvCxnSpPr>
         <p:spPr>
           <a:xfrm flipH="1">
-            <a:off x="44206285" y="28421914"/>
+            <a:off x="46702522" y="28421917"/>
             <a:ext cx="318" cy="417589"/>
           </a:xfrm>
           <a:prstGeom prst="straightConnector1">
@@ -22037,7 +22010,7 @@
         </p:nvSpPr>
         <p:spPr>
           <a:xfrm>
-            <a:off x="43148326" y="33303008"/>
+            <a:off x="45644563" y="33303011"/>
             <a:ext cx="2115918" cy="1080000"/>
           </a:xfrm>
           <a:prstGeom prst="rect">
@@ -22091,7 +22064,7 @@
         </p:nvSpPr>
         <p:spPr>
           <a:xfrm>
-            <a:off x="45610413" y="33303008"/>
+            <a:off x="48106650" y="33303011"/>
             <a:ext cx="2115918" cy="1080000"/>
           </a:xfrm>
           <a:prstGeom prst="rect">
@@ -22145,7 +22118,7 @@
         </p:nvSpPr>
         <p:spPr>
           <a:xfrm>
-            <a:off x="41914783" y="30335875"/>
+            <a:off x="44411020" y="30335878"/>
             <a:ext cx="2115918" cy="1080000"/>
           </a:xfrm>
           <a:prstGeom prst="rect">
@@ -22199,7 +22172,7 @@
         </p:nvSpPr>
         <p:spPr>
           <a:xfrm>
-            <a:off x="44382187" y="30337091"/>
+            <a:off x="46878424" y="30337094"/>
             <a:ext cx="2115918" cy="1080000"/>
           </a:xfrm>
           <a:prstGeom prst="rect">
@@ -22257,7 +22230,7 @@
         </p:nvCxnSpPr>
         <p:spPr>
           <a:xfrm>
-            <a:off x="44030701" y="30875875"/>
+            <a:off x="46526938" y="30875878"/>
             <a:ext cx="351486" cy="1216"/>
           </a:xfrm>
           <a:prstGeom prst="line">
@@ -22302,7 +22275,7 @@
         </p:nvCxnSpPr>
         <p:spPr>
           <a:xfrm rot="5400000">
-            <a:off x="44621536" y="31001841"/>
+            <a:off x="47117773" y="31001844"/>
             <a:ext cx="403360" cy="1233861"/>
           </a:xfrm>
           <a:prstGeom prst="bentConnector3">
@@ -22348,7 +22321,7 @@
         </p:nvCxnSpPr>
         <p:spPr>
           <a:xfrm rot="16200000" flipH="1">
-            <a:off x="43387225" y="31001391"/>
+            <a:off x="45883462" y="31001394"/>
             <a:ext cx="404576" cy="1233543"/>
           </a:xfrm>
           <a:prstGeom prst="bentConnector3">
@@ -22394,7 +22367,7 @@
         </p:nvCxnSpPr>
         <p:spPr>
           <a:xfrm rot="16200000" flipH="1">
-            <a:off x="44614421" y="29511366"/>
+            <a:off x="47110658" y="29511369"/>
             <a:ext cx="417588" cy="1233861"/>
           </a:xfrm>
           <a:prstGeom prst="bentConnector3">
@@ -22439,7 +22412,7 @@
         </p:nvCxnSpPr>
         <p:spPr>
           <a:xfrm rot="5400000">
-            <a:off x="43381328" y="29510918"/>
+            <a:off x="45877565" y="29510921"/>
             <a:ext cx="416372" cy="1233543"/>
           </a:xfrm>
           <a:prstGeom prst="bentConnector3">
@@ -22480,7 +22453,7 @@
         </p:nvSpPr>
         <p:spPr>
           <a:xfrm>
-            <a:off x="40685284" y="31820451"/>
+            <a:off x="43181521" y="31820454"/>
             <a:ext cx="2115918" cy="1080000"/>
           </a:xfrm>
           <a:prstGeom prst="rect">
@@ -22538,7 +22511,7 @@
         </p:nvCxnSpPr>
         <p:spPr>
           <a:xfrm rot="5400000">
-            <a:off x="42155705" y="31003414"/>
+            <a:off x="44651942" y="31003417"/>
             <a:ext cx="404576" cy="1229499"/>
           </a:xfrm>
           <a:prstGeom prst="bentConnector3">
@@ -22583,7 +22556,7 @@
         </p:nvCxnSpPr>
         <p:spPr>
           <a:xfrm rot="16200000" flipH="1">
-            <a:off x="45852579" y="31004658"/>
+            <a:off x="48348816" y="31004661"/>
             <a:ext cx="403360" cy="1228226"/>
           </a:xfrm>
           <a:prstGeom prst="bentConnector3">
@@ -22628,7 +22601,7 @@
         </p:nvCxnSpPr>
         <p:spPr>
           <a:xfrm rot="16200000" flipH="1">
-            <a:off x="42773486" y="31870208"/>
+            <a:off x="45269723" y="31870211"/>
             <a:ext cx="402557" cy="2463042"/>
           </a:xfrm>
           <a:prstGeom prst="bentConnector3">
@@ -22674,7 +22647,7 @@
         </p:nvCxnSpPr>
         <p:spPr>
           <a:xfrm rot="5400000">
-            <a:off x="45236051" y="31870686"/>
+            <a:off x="47732288" y="31870689"/>
             <a:ext cx="402557" cy="2462087"/>
           </a:xfrm>
           <a:prstGeom prst="bentConnector3">
@@ -22716,7 +22689,7 @@
         </p:nvSpPr>
         <p:spPr>
           <a:xfrm>
-            <a:off x="40680922" y="33329836"/>
+            <a:off x="43177159" y="33329839"/>
             <a:ext cx="2115918" cy="1080000"/>
           </a:xfrm>
           <a:prstGeom prst="rect">
@@ -22918,7 +22891,7 @@
         </p:nvCxnSpPr>
         <p:spPr>
           <a:xfrm>
-            <a:off x="46668372" y="32900451"/>
+            <a:off x="49164609" y="32900454"/>
             <a:ext cx="0" cy="402557"/>
           </a:xfrm>
           <a:prstGeom prst="straightConnector1">
@@ -22961,7 +22934,7 @@
         </p:nvCxnSpPr>
         <p:spPr>
           <a:xfrm flipH="1">
-            <a:off x="41738881" y="32900451"/>
+            <a:off x="44235118" y="32900454"/>
             <a:ext cx="4362" cy="429385"/>
           </a:xfrm>
           <a:prstGeom prst="straightConnector1">
@@ -23000,7 +22973,7 @@
         </p:nvSpPr>
         <p:spPr>
           <a:xfrm>
-            <a:off x="41915321" y="34827425"/>
+            <a:off x="44411558" y="34827428"/>
             <a:ext cx="2115918" cy="1080000"/>
           </a:xfrm>
           <a:prstGeom prst="rect">
@@ -23058,7 +23031,7 @@
         </p:nvCxnSpPr>
         <p:spPr>
           <a:xfrm rot="16200000" flipH="1">
-            <a:off x="41394774" y="33248919"/>
+            <a:off x="43891011" y="33248922"/>
             <a:ext cx="1926974" cy="1230037"/>
           </a:xfrm>
           <a:prstGeom prst="bentConnector3">
@@ -23099,7 +23072,7 @@
         </p:nvSpPr>
         <p:spPr>
           <a:xfrm>
-            <a:off x="44379370" y="34785565"/>
+            <a:off x="46875607" y="34785568"/>
             <a:ext cx="2115918" cy="1080000"/>
           </a:xfrm>
           <a:prstGeom prst="rect">
@@ -23157,7 +23130,7 @@
         </p:nvCxnSpPr>
         <p:spPr>
           <a:xfrm rot="5400000">
-            <a:off x="45110294" y="33227487"/>
+            <a:off x="47606531" y="33227490"/>
             <a:ext cx="1885114" cy="1231043"/>
           </a:xfrm>
           <a:prstGeom prst="bentConnector3">

--- a/Наработки/диздоки/Нидерланды/Нидерланды.pptx
+++ b/Наработки/диздоки/Нидерланды/Нидерланды.pptx
@@ -209,7 +209,7 @@
             <a:fld id="{33E3D7F9-E251-484C-A6FF-FA958879DF69}" type="datetimeFigureOut">
               <a:rPr lang="ru-RU" smtClean="0"/>
               <a:pPr/>
-              <a:t>26.08.2022</a:t>
+              <a:t>09.11.2022</a:t>
             </a:fld>
             <a:endParaRPr lang="ru-RU"/>
           </a:p>
@@ -699,7 +699,7 @@
             <a:fld id="{85A5DE44-605B-4D3B-B2B7-94543DF81A36}" type="datetimeFigureOut">
               <a:rPr lang="ru-RU" smtClean="0"/>
               <a:pPr/>
-              <a:t>26.08.2022</a:t>
+              <a:t>09.11.2022</a:t>
             </a:fld>
             <a:endParaRPr lang="ru-RU"/>
           </a:p>
@@ -871,7 +871,7 @@
             <a:fld id="{85A5DE44-605B-4D3B-B2B7-94543DF81A36}" type="datetimeFigureOut">
               <a:rPr lang="ru-RU" smtClean="0"/>
               <a:pPr/>
-              <a:t>26.08.2022</a:t>
+              <a:t>09.11.2022</a:t>
             </a:fld>
             <a:endParaRPr lang="ru-RU"/>
           </a:p>
@@ -1053,7 +1053,7 @@
             <a:fld id="{85A5DE44-605B-4D3B-B2B7-94543DF81A36}" type="datetimeFigureOut">
               <a:rPr lang="ru-RU" smtClean="0"/>
               <a:pPr/>
-              <a:t>26.08.2022</a:t>
+              <a:t>09.11.2022</a:t>
             </a:fld>
             <a:endParaRPr lang="ru-RU"/>
           </a:p>
@@ -1225,7 +1225,7 @@
             <a:fld id="{85A5DE44-605B-4D3B-B2B7-94543DF81A36}" type="datetimeFigureOut">
               <a:rPr lang="ru-RU" smtClean="0"/>
               <a:pPr/>
-              <a:t>26.08.2022</a:t>
+              <a:t>09.11.2022</a:t>
             </a:fld>
             <a:endParaRPr lang="ru-RU"/>
           </a:p>
@@ -1473,7 +1473,7 @@
             <a:fld id="{85A5DE44-605B-4D3B-B2B7-94543DF81A36}" type="datetimeFigureOut">
               <a:rPr lang="ru-RU" smtClean="0"/>
               <a:pPr/>
-              <a:t>26.08.2022</a:t>
+              <a:t>09.11.2022</a:t>
             </a:fld>
             <a:endParaRPr lang="ru-RU"/>
           </a:p>
@@ -1707,7 +1707,7 @@
             <a:fld id="{85A5DE44-605B-4D3B-B2B7-94543DF81A36}" type="datetimeFigureOut">
               <a:rPr lang="ru-RU" smtClean="0"/>
               <a:pPr/>
-              <a:t>26.08.2022</a:t>
+              <a:t>09.11.2022</a:t>
             </a:fld>
             <a:endParaRPr lang="ru-RU"/>
           </a:p>
@@ -2076,7 +2076,7 @@
             <a:fld id="{85A5DE44-605B-4D3B-B2B7-94543DF81A36}" type="datetimeFigureOut">
               <a:rPr lang="ru-RU" smtClean="0"/>
               <a:pPr/>
-              <a:t>26.08.2022</a:t>
+              <a:t>09.11.2022</a:t>
             </a:fld>
             <a:endParaRPr lang="ru-RU"/>
           </a:p>
@@ -2196,7 +2196,7 @@
             <a:fld id="{85A5DE44-605B-4D3B-B2B7-94543DF81A36}" type="datetimeFigureOut">
               <a:rPr lang="ru-RU" smtClean="0"/>
               <a:pPr/>
-              <a:t>26.08.2022</a:t>
+              <a:t>09.11.2022</a:t>
             </a:fld>
             <a:endParaRPr lang="ru-RU"/>
           </a:p>
@@ -2293,7 +2293,7 @@
             <a:fld id="{85A5DE44-605B-4D3B-B2B7-94543DF81A36}" type="datetimeFigureOut">
               <a:rPr lang="ru-RU" smtClean="0"/>
               <a:pPr/>
-              <a:t>26.08.2022</a:t>
+              <a:t>09.11.2022</a:t>
             </a:fld>
             <a:endParaRPr lang="ru-RU"/>
           </a:p>
@@ -2572,7 +2572,7 @@
             <a:fld id="{85A5DE44-605B-4D3B-B2B7-94543DF81A36}" type="datetimeFigureOut">
               <a:rPr lang="ru-RU" smtClean="0"/>
               <a:pPr/>
-              <a:t>26.08.2022</a:t>
+              <a:t>09.11.2022</a:t>
             </a:fld>
             <a:endParaRPr lang="ru-RU"/>
           </a:p>
@@ -2831,7 +2831,7 @@
             <a:fld id="{85A5DE44-605B-4D3B-B2B7-94543DF81A36}" type="datetimeFigureOut">
               <a:rPr lang="ru-RU" smtClean="0"/>
               <a:pPr/>
-              <a:t>26.08.2022</a:t>
+              <a:t>09.11.2022</a:t>
             </a:fld>
             <a:endParaRPr lang="ru-RU"/>
           </a:p>
@@ -3046,7 +3046,7 @@
             <a:fld id="{85A5DE44-605B-4D3B-B2B7-94543DF81A36}" type="datetimeFigureOut">
               <a:rPr lang="ru-RU" smtClean="0"/>
               <a:pPr/>
-              <a:t>26.08.2022</a:t>
+              <a:t>09.11.2022</a:t>
             </a:fld>
             <a:endParaRPr lang="ru-RU"/>
           </a:p>

--- a/Наработки/диздоки/Нидерланды/Нидерланды.pptx
+++ b/Наработки/диздоки/Нидерланды/Нидерланды.pptx
@@ -209,7 +209,7 @@
             <a:fld id="{33E3D7F9-E251-484C-A6FF-FA958879DF69}" type="datetimeFigureOut">
               <a:rPr lang="ru-RU" smtClean="0"/>
               <a:pPr/>
-              <a:t>09.11.2022</a:t>
+              <a:t>01.02.2023</a:t>
             </a:fld>
             <a:endParaRPr lang="ru-RU"/>
           </a:p>
@@ -699,7 +699,7 @@
             <a:fld id="{85A5DE44-605B-4D3B-B2B7-94543DF81A36}" type="datetimeFigureOut">
               <a:rPr lang="ru-RU" smtClean="0"/>
               <a:pPr/>
-              <a:t>09.11.2022</a:t>
+              <a:t>01.02.2023</a:t>
             </a:fld>
             <a:endParaRPr lang="ru-RU"/>
           </a:p>
@@ -871,7 +871,7 @@
             <a:fld id="{85A5DE44-605B-4D3B-B2B7-94543DF81A36}" type="datetimeFigureOut">
               <a:rPr lang="ru-RU" smtClean="0"/>
               <a:pPr/>
-              <a:t>09.11.2022</a:t>
+              <a:t>01.02.2023</a:t>
             </a:fld>
             <a:endParaRPr lang="ru-RU"/>
           </a:p>
@@ -1053,7 +1053,7 @@
             <a:fld id="{85A5DE44-605B-4D3B-B2B7-94543DF81A36}" type="datetimeFigureOut">
               <a:rPr lang="ru-RU" smtClean="0"/>
               <a:pPr/>
-              <a:t>09.11.2022</a:t>
+              <a:t>01.02.2023</a:t>
             </a:fld>
             <a:endParaRPr lang="ru-RU"/>
           </a:p>
@@ -1225,7 +1225,7 @@
             <a:fld id="{85A5DE44-605B-4D3B-B2B7-94543DF81A36}" type="datetimeFigureOut">
               <a:rPr lang="ru-RU" smtClean="0"/>
               <a:pPr/>
-              <a:t>09.11.2022</a:t>
+              <a:t>01.02.2023</a:t>
             </a:fld>
             <a:endParaRPr lang="ru-RU"/>
           </a:p>
@@ -1473,7 +1473,7 @@
             <a:fld id="{85A5DE44-605B-4D3B-B2B7-94543DF81A36}" type="datetimeFigureOut">
               <a:rPr lang="ru-RU" smtClean="0"/>
               <a:pPr/>
-              <a:t>09.11.2022</a:t>
+              <a:t>01.02.2023</a:t>
             </a:fld>
             <a:endParaRPr lang="ru-RU"/>
           </a:p>
@@ -1707,7 +1707,7 @@
             <a:fld id="{85A5DE44-605B-4D3B-B2B7-94543DF81A36}" type="datetimeFigureOut">
               <a:rPr lang="ru-RU" smtClean="0"/>
               <a:pPr/>
-              <a:t>09.11.2022</a:t>
+              <a:t>01.02.2023</a:t>
             </a:fld>
             <a:endParaRPr lang="ru-RU"/>
           </a:p>
@@ -2076,7 +2076,7 @@
             <a:fld id="{85A5DE44-605B-4D3B-B2B7-94543DF81A36}" type="datetimeFigureOut">
               <a:rPr lang="ru-RU" smtClean="0"/>
               <a:pPr/>
-              <a:t>09.11.2022</a:t>
+              <a:t>01.02.2023</a:t>
             </a:fld>
             <a:endParaRPr lang="ru-RU"/>
           </a:p>
@@ -2196,7 +2196,7 @@
             <a:fld id="{85A5DE44-605B-4D3B-B2B7-94543DF81A36}" type="datetimeFigureOut">
               <a:rPr lang="ru-RU" smtClean="0"/>
               <a:pPr/>
-              <a:t>09.11.2022</a:t>
+              <a:t>01.02.2023</a:t>
             </a:fld>
             <a:endParaRPr lang="ru-RU"/>
           </a:p>
@@ -2293,7 +2293,7 @@
             <a:fld id="{85A5DE44-605B-4D3B-B2B7-94543DF81A36}" type="datetimeFigureOut">
               <a:rPr lang="ru-RU" smtClean="0"/>
               <a:pPr/>
-              <a:t>09.11.2022</a:t>
+              <a:t>01.02.2023</a:t>
             </a:fld>
             <a:endParaRPr lang="ru-RU"/>
           </a:p>
@@ -2572,7 +2572,7 @@
             <a:fld id="{85A5DE44-605B-4D3B-B2B7-94543DF81A36}" type="datetimeFigureOut">
               <a:rPr lang="ru-RU" smtClean="0"/>
               <a:pPr/>
-              <a:t>09.11.2022</a:t>
+              <a:t>01.02.2023</a:t>
             </a:fld>
             <a:endParaRPr lang="ru-RU"/>
           </a:p>
@@ -2831,7 +2831,7 @@
             <a:fld id="{85A5DE44-605B-4D3B-B2B7-94543DF81A36}" type="datetimeFigureOut">
               <a:rPr lang="ru-RU" smtClean="0"/>
               <a:pPr/>
-              <a:t>09.11.2022</a:t>
+              <a:t>01.02.2023</a:t>
             </a:fld>
             <a:endParaRPr lang="ru-RU"/>
           </a:p>
@@ -3046,7 +3046,7 @@
             <a:fld id="{85A5DE44-605B-4D3B-B2B7-94543DF81A36}" type="datetimeFigureOut">
               <a:rPr lang="ru-RU" smtClean="0"/>
               <a:pPr/>
-              <a:t>09.11.2022</a:t>
+              <a:t>01.02.2023</a:t>
             </a:fld>
             <a:endParaRPr lang="ru-RU"/>
           </a:p>

--- a/Наработки/диздоки/Нидерланды/Нидерланды.pptx
+++ b/Наработки/диздоки/Нидерланды/Нидерланды.pptx
@@ -5,10 +5,11 @@
     <p:sldMasterId id="2147483732" r:id="rId1"/>
   </p:sldMasterIdLst>
   <p:notesMasterIdLst>
-    <p:notesMasterId r:id="rId3"/>
+    <p:notesMasterId r:id="rId4"/>
   </p:notesMasterIdLst>
   <p:sldIdLst>
     <p:sldId id="259" r:id="rId2"/>
+    <p:sldId id="260" r:id="rId3"/>
   </p:sldIdLst>
   <p:sldSz cx="51206400" cy="36018788"/>
   <p:notesSz cx="6858000" cy="9144000"/>
@@ -209,7 +210,7 @@
             <a:fld id="{33E3D7F9-E251-484C-A6FF-FA958879DF69}" type="datetimeFigureOut">
               <a:rPr lang="ru-RU" smtClean="0"/>
               <a:pPr/>
-              <a:t>01.02.2023</a:t>
+              <a:t>28.04.2023</a:t>
             </a:fld>
             <a:endParaRPr lang="ru-RU"/>
           </a:p>
@@ -699,7 +700,7 @@
             <a:fld id="{85A5DE44-605B-4D3B-B2B7-94543DF81A36}" type="datetimeFigureOut">
               <a:rPr lang="ru-RU" smtClean="0"/>
               <a:pPr/>
-              <a:t>01.02.2023</a:t>
+              <a:t>28.04.2023</a:t>
             </a:fld>
             <a:endParaRPr lang="ru-RU"/>
           </a:p>
@@ -871,7 +872,7 @@
             <a:fld id="{85A5DE44-605B-4D3B-B2B7-94543DF81A36}" type="datetimeFigureOut">
               <a:rPr lang="ru-RU" smtClean="0"/>
               <a:pPr/>
-              <a:t>01.02.2023</a:t>
+              <a:t>28.04.2023</a:t>
             </a:fld>
             <a:endParaRPr lang="ru-RU"/>
           </a:p>
@@ -1053,7 +1054,7 @@
             <a:fld id="{85A5DE44-605B-4D3B-B2B7-94543DF81A36}" type="datetimeFigureOut">
               <a:rPr lang="ru-RU" smtClean="0"/>
               <a:pPr/>
-              <a:t>01.02.2023</a:t>
+              <a:t>28.04.2023</a:t>
             </a:fld>
             <a:endParaRPr lang="ru-RU"/>
           </a:p>
@@ -1225,7 +1226,7 @@
             <a:fld id="{85A5DE44-605B-4D3B-B2B7-94543DF81A36}" type="datetimeFigureOut">
               <a:rPr lang="ru-RU" smtClean="0"/>
               <a:pPr/>
-              <a:t>01.02.2023</a:t>
+              <a:t>28.04.2023</a:t>
             </a:fld>
             <a:endParaRPr lang="ru-RU"/>
           </a:p>
@@ -1473,7 +1474,7 @@
             <a:fld id="{85A5DE44-605B-4D3B-B2B7-94543DF81A36}" type="datetimeFigureOut">
               <a:rPr lang="ru-RU" smtClean="0"/>
               <a:pPr/>
-              <a:t>01.02.2023</a:t>
+              <a:t>28.04.2023</a:t>
             </a:fld>
             <a:endParaRPr lang="ru-RU"/>
           </a:p>
@@ -1707,7 +1708,7 @@
             <a:fld id="{85A5DE44-605B-4D3B-B2B7-94543DF81A36}" type="datetimeFigureOut">
               <a:rPr lang="ru-RU" smtClean="0"/>
               <a:pPr/>
-              <a:t>01.02.2023</a:t>
+              <a:t>28.04.2023</a:t>
             </a:fld>
             <a:endParaRPr lang="ru-RU"/>
           </a:p>
@@ -2076,7 +2077,7 @@
             <a:fld id="{85A5DE44-605B-4D3B-B2B7-94543DF81A36}" type="datetimeFigureOut">
               <a:rPr lang="ru-RU" smtClean="0"/>
               <a:pPr/>
-              <a:t>01.02.2023</a:t>
+              <a:t>28.04.2023</a:t>
             </a:fld>
             <a:endParaRPr lang="ru-RU"/>
           </a:p>
@@ -2196,7 +2197,7 @@
             <a:fld id="{85A5DE44-605B-4D3B-B2B7-94543DF81A36}" type="datetimeFigureOut">
               <a:rPr lang="ru-RU" smtClean="0"/>
               <a:pPr/>
-              <a:t>01.02.2023</a:t>
+              <a:t>28.04.2023</a:t>
             </a:fld>
             <a:endParaRPr lang="ru-RU"/>
           </a:p>
@@ -2293,7 +2294,7 @@
             <a:fld id="{85A5DE44-605B-4D3B-B2B7-94543DF81A36}" type="datetimeFigureOut">
               <a:rPr lang="ru-RU" smtClean="0"/>
               <a:pPr/>
-              <a:t>01.02.2023</a:t>
+              <a:t>28.04.2023</a:t>
             </a:fld>
             <a:endParaRPr lang="ru-RU"/>
           </a:p>
@@ -2572,7 +2573,7 @@
             <a:fld id="{85A5DE44-605B-4D3B-B2B7-94543DF81A36}" type="datetimeFigureOut">
               <a:rPr lang="ru-RU" smtClean="0"/>
               <a:pPr/>
-              <a:t>01.02.2023</a:t>
+              <a:t>28.04.2023</a:t>
             </a:fld>
             <a:endParaRPr lang="ru-RU"/>
           </a:p>
@@ -2831,7 +2832,7 @@
             <a:fld id="{85A5DE44-605B-4D3B-B2B7-94543DF81A36}" type="datetimeFigureOut">
               <a:rPr lang="ru-RU" smtClean="0"/>
               <a:pPr/>
-              <a:t>01.02.2023</a:t>
+              <a:t>28.04.2023</a:t>
             </a:fld>
             <a:endParaRPr lang="ru-RU"/>
           </a:p>
@@ -3046,7 +3047,7 @@
             <a:fld id="{85A5DE44-605B-4D3B-B2B7-94543DF81A36}" type="datetimeFigureOut">
               <a:rPr lang="ru-RU" smtClean="0"/>
               <a:pPr/>
-              <a:t>01.02.2023</a:t>
+              <a:t>28.04.2023</a:t>
             </a:fld>
             <a:endParaRPr lang="ru-RU"/>
           </a:p>
@@ -24142,6 +24143,1469 @@
 </p:sld>
 </file>
 
+<file path=ppt/slides/slide2.xml><?xml version="1.0" encoding="utf-8"?>
+<p:sld xmlns:a="http://schemas.openxmlformats.org/drawingml/2006/main" xmlns:r="http://schemas.openxmlformats.org/officeDocument/2006/relationships" xmlns:p="http://schemas.openxmlformats.org/presentationml/2006/main">
+  <p:cSld>
+    <p:spTree>
+      <p:nvGrpSpPr>
+        <p:cNvPr id="1" name=""/>
+        <p:cNvGrpSpPr/>
+        <p:nvPr/>
+      </p:nvGrpSpPr>
+      <p:grpSpPr>
+        <a:xfrm>
+          <a:off x="0" y="0"/>
+          <a:ext cx="0" cy="0"/>
+          <a:chOff x="0" y="0"/>
+          <a:chExt cx="0" cy="0"/>
+        </a:xfrm>
+      </p:grpSpPr>
+      <p:sp>
+        <p:nvSpPr>
+          <p:cNvPr id="4" name="Прямоугольник 3">
+            <a:extLst>
+              <a:ext uri="{FF2B5EF4-FFF2-40B4-BE49-F238E27FC236}">
+                <a16:creationId xmlns:a16="http://schemas.microsoft.com/office/drawing/2014/main" id="{2573ED72-A00D-4CE9-B698-E8F32C609FBC}"/>
+              </a:ext>
+            </a:extLst>
+          </p:cNvPr>
+          <p:cNvSpPr/>
+          <p:nvPr/>
+        </p:nvSpPr>
+        <p:spPr>
+          <a:xfrm>
+            <a:off x="17465600" y="4401508"/>
+            <a:ext cx="2115918" cy="1080000"/>
+          </a:xfrm>
+          <a:prstGeom prst="rect">
+            <a:avLst/>
+          </a:prstGeom>
+          <a:noFill/>
+          <a:ln w="28575"/>
+        </p:spPr>
+        <p:style>
+          <a:lnRef idx="2">
+            <a:schemeClr val="accent1"/>
+          </a:lnRef>
+          <a:fillRef idx="1">
+            <a:schemeClr val="lt1"/>
+          </a:fillRef>
+          <a:effectRef idx="0">
+            <a:schemeClr val="accent1"/>
+          </a:effectRef>
+          <a:fontRef idx="minor">
+            <a:schemeClr val="dk1"/>
+          </a:fontRef>
+        </p:style>
+        <p:txBody>
+          <a:bodyPr lIns="124733" tIns="62367" rIns="124733" bIns="62367" rtlCol="0" anchor="ctr"/>
+          <a:lstStyle/>
+          <a:p>
+            <a:pPr algn="ctr"/>
+            <a:r>
+              <a:rPr lang="ru-RU" sz="1400" dirty="0"/>
+              <a:t>Оснастить подлодки </a:t>
+            </a:r>
+            <a:r>
+              <a:rPr lang="ru-RU" sz="1400" dirty="0" err="1"/>
+              <a:t>сниффером</a:t>
+            </a:r>
+            <a:r>
+              <a:rPr lang="ru-RU" sz="1400" dirty="0"/>
+              <a:t> </a:t>
+            </a:r>
+            <a:r>
+              <a:rPr lang="ru-RU" sz="400" dirty="0"/>
+              <a:t>(Военно-морской флот стал более современным: в 1930-х годах было сделано важное техническое усовершенствование. Лейтенант-коммандер </a:t>
+            </a:r>
+            <a:r>
+              <a:rPr lang="ru-RU" sz="400" dirty="0" err="1"/>
+              <a:t>Вичерс</a:t>
+            </a:r>
+            <a:r>
+              <a:rPr lang="ru-RU" sz="400" dirty="0"/>
+              <a:t> и контр-адмирал Ван </a:t>
+            </a:r>
+            <a:r>
+              <a:rPr lang="ru-RU" sz="400" dirty="0" err="1"/>
+              <a:t>Паппелендам</a:t>
+            </a:r>
+            <a:r>
+              <a:rPr lang="ru-RU" sz="400" dirty="0"/>
+              <a:t> представили </a:t>
+            </a:r>
+            <a:r>
+              <a:rPr lang="ru-RU" sz="400" dirty="0" err="1"/>
+              <a:t>газоанализаторную</a:t>
+            </a:r>
+            <a:r>
+              <a:rPr lang="ru-RU" sz="400" dirty="0"/>
+              <a:t> установку, которая позволяла подводным лодкам заряжать свои аккумуляторы во время плавания под водой на дизельном двигателе . [4] Впервые эта система была использована в 1938 году. Любопытно, что Королевский флот снял это устройство во время Второй мировой войны . Немцы _, которые познакомились со </a:t>
+            </a:r>
+            <a:r>
+              <a:rPr lang="ru-RU" sz="400" dirty="0" err="1"/>
+              <a:t>снифером</a:t>
+            </a:r>
+            <a:r>
+              <a:rPr lang="ru-RU" sz="400" dirty="0"/>
+              <a:t> после вторжения в Нидерланды, однако развили его дальше и оснастили им все свои подводные лодки. Американцы открыли систему в конце войны, когда в их руки попала немецкая подводная лодка, и считали ее немецким изобретением .)</a:t>
+            </a:r>
+            <a:endParaRPr lang="ru-RU" sz="1400" dirty="0"/>
+          </a:p>
+        </p:txBody>
+      </p:sp>
+      <p:sp>
+        <p:nvSpPr>
+          <p:cNvPr id="7" name="Прямоугольник 6">
+            <a:extLst>
+              <a:ext uri="{FF2B5EF4-FFF2-40B4-BE49-F238E27FC236}">
+                <a16:creationId xmlns:a16="http://schemas.microsoft.com/office/drawing/2014/main" id="{3252CBE7-261A-4472-BD45-CE35EE47E307}"/>
+              </a:ext>
+            </a:extLst>
+          </p:cNvPr>
+          <p:cNvSpPr/>
+          <p:nvPr/>
+        </p:nvSpPr>
+        <p:spPr>
+          <a:xfrm>
+            <a:off x="17465600" y="2911505"/>
+            <a:ext cx="2115918" cy="1080000"/>
+          </a:xfrm>
+          <a:prstGeom prst="rect">
+            <a:avLst/>
+          </a:prstGeom>
+          <a:noFill/>
+          <a:ln w="28575"/>
+        </p:spPr>
+        <p:style>
+          <a:lnRef idx="2">
+            <a:schemeClr val="accent1"/>
+          </a:lnRef>
+          <a:fillRef idx="1">
+            <a:schemeClr val="lt1"/>
+          </a:fillRef>
+          <a:effectRef idx="0">
+            <a:schemeClr val="accent1"/>
+          </a:effectRef>
+          <a:fontRef idx="minor">
+            <a:schemeClr val="dk1"/>
+          </a:fontRef>
+        </p:style>
+        <p:txBody>
+          <a:bodyPr lIns="124733" tIns="62367" rIns="124733" bIns="62367" rtlCol="0" anchor="ctr"/>
+          <a:lstStyle/>
+          <a:p>
+            <a:pPr algn="ctr"/>
+            <a:r>
+              <a:rPr lang="ru-RU" sz="1400" dirty="0"/>
+              <a:t>Заложить новые подлодки (О19 и О20 были заложены в июне 1936) </a:t>
+            </a:r>
+            <a:r>
+              <a:rPr lang="ru-RU" sz="600" dirty="0"/>
+              <a:t>(</a:t>
+            </a:r>
+            <a:r>
+              <a:rPr lang="en-US" sz="600" dirty="0"/>
+              <a:t>https://nl.m.wikipedia.org/wiki/Hr.Ms._O_19_(1939)</a:t>
+            </a:r>
+            <a:r>
+              <a:rPr lang="ru-RU" sz="600" dirty="0"/>
+              <a:t>  </a:t>
+            </a:r>
+            <a:endParaRPr lang="ru-RU" sz="1400" dirty="0"/>
+          </a:p>
+        </p:txBody>
+      </p:sp>
+      <p:sp>
+        <p:nvSpPr>
+          <p:cNvPr id="8" name="Прямоугольник 7">
+            <a:extLst>
+              <a:ext uri="{FF2B5EF4-FFF2-40B4-BE49-F238E27FC236}">
+                <a16:creationId xmlns:a16="http://schemas.microsoft.com/office/drawing/2014/main" id="{35DBB907-FBA8-45DE-AAC2-9E31414D2B5F}"/>
+              </a:ext>
+            </a:extLst>
+          </p:cNvPr>
+          <p:cNvSpPr/>
+          <p:nvPr/>
+        </p:nvSpPr>
+        <p:spPr>
+          <a:xfrm>
+            <a:off x="13542211" y="5751508"/>
+            <a:ext cx="2115918" cy="1080000"/>
+          </a:xfrm>
+          <a:prstGeom prst="rect">
+            <a:avLst/>
+          </a:prstGeom>
+          <a:noFill/>
+          <a:ln w="28575"/>
+        </p:spPr>
+        <p:style>
+          <a:lnRef idx="2">
+            <a:schemeClr val="accent1"/>
+          </a:lnRef>
+          <a:fillRef idx="1">
+            <a:schemeClr val="lt1"/>
+          </a:fillRef>
+          <a:effectRef idx="0">
+            <a:schemeClr val="accent1"/>
+          </a:effectRef>
+          <a:fontRef idx="minor">
+            <a:schemeClr val="dk1"/>
+          </a:fontRef>
+        </p:style>
+        <p:txBody>
+          <a:bodyPr lIns="124733" tIns="62367" rIns="124733" bIns="62367" rtlCol="0" anchor="ctr"/>
+          <a:lstStyle/>
+          <a:p>
+            <a:pPr algn="ctr"/>
+            <a:r>
+              <a:rPr lang="ru-RU" sz="1400" dirty="0"/>
+              <a:t>Принять план линейных крейсеров </a:t>
+            </a:r>
+            <a:r>
+              <a:rPr lang="ru-RU" sz="400" dirty="0"/>
+              <a:t>(В 1940 году был принят план линейных крейсеров. Это включало строительство трех линейных крейсеров или крейсеров-убийц для защиты Голландской Ост-Индии. Этот план вызвал споры во флоте, предвидя проблемы с укомплектованием таких кораблей. Это было бы серьезной утечкой имеющегося персонала. Некоторые морские офицеры также предпочитали тратить имеющиеся средства на более мелкие корабли и самолеты, которые были бы доступны быстрее. Немецкое вторжение несколько месяцев спустя разрушило этот план.) (эффект как в ванили «</a:t>
+            </a:r>
+            <a:r>
+              <a:rPr lang="ru-RU" sz="400" dirty="0" err="1"/>
+              <a:t>Пдан</a:t>
+            </a:r>
+            <a:r>
+              <a:rPr lang="ru-RU" sz="400" dirty="0"/>
+              <a:t> линейного крейсера»)</a:t>
+            </a:r>
+            <a:endParaRPr lang="ru-RU" sz="1400" dirty="0"/>
+          </a:p>
+        </p:txBody>
+      </p:sp>
+      <p:sp>
+        <p:nvSpPr>
+          <p:cNvPr id="9" name="Прямоугольник 8">
+            <a:extLst>
+              <a:ext uri="{FF2B5EF4-FFF2-40B4-BE49-F238E27FC236}">
+                <a16:creationId xmlns:a16="http://schemas.microsoft.com/office/drawing/2014/main" id="{9868D9FE-0535-4048-9FE9-32F2BB2B1DBB}"/>
+              </a:ext>
+            </a:extLst>
+          </p:cNvPr>
+          <p:cNvSpPr/>
+          <p:nvPr/>
+        </p:nvSpPr>
+        <p:spPr>
+          <a:xfrm>
+            <a:off x="16165113" y="5751508"/>
+            <a:ext cx="2115918" cy="1080000"/>
+          </a:xfrm>
+          <a:prstGeom prst="rect">
+            <a:avLst/>
+          </a:prstGeom>
+          <a:noFill/>
+          <a:ln w="28575"/>
+        </p:spPr>
+        <p:style>
+          <a:lnRef idx="2">
+            <a:schemeClr val="accent1"/>
+          </a:lnRef>
+          <a:fillRef idx="1">
+            <a:schemeClr val="lt1"/>
+          </a:fillRef>
+          <a:effectRef idx="0">
+            <a:schemeClr val="accent1"/>
+          </a:effectRef>
+          <a:fontRef idx="minor">
+            <a:schemeClr val="dk1"/>
+          </a:fontRef>
+        </p:style>
+        <p:txBody>
+          <a:bodyPr lIns="124733" tIns="62367" rIns="124733" bIns="62367" rtlCol="0" anchor="ctr"/>
+          <a:lstStyle/>
+          <a:p>
+            <a:pPr algn="ctr"/>
+            <a:r>
+              <a:rPr lang="ru-RU" sz="1400" dirty="0"/>
+              <a:t>Тактика быстрого флота </a:t>
+            </a:r>
+            <a:r>
+              <a:rPr lang="ru-RU" sz="500" dirty="0"/>
+              <a:t>(Поскольку планы создания сильного флота в Голландской Ост-Индии не могли быть реализованы из-за начала Второй мировой войны, </a:t>
+            </a:r>
+            <a:r>
+              <a:rPr lang="ru-RU" sz="500" dirty="0" err="1"/>
+              <a:t>Хельфрих</a:t>
+            </a:r>
+            <a:r>
+              <a:rPr lang="ru-RU" sz="500" dirty="0"/>
+              <a:t> разработал другую тактику: флот должен был использовать быстрые и малочисленные действия, </a:t>
+            </a:r>
+            <a:r>
+              <a:rPr lang="ru-RU" sz="500" dirty="0" err="1"/>
+              <a:t>особенноподводных</a:t>
+            </a:r>
+            <a:r>
+              <a:rPr lang="ru-RU" sz="500" dirty="0"/>
+              <a:t> лодок , для нанесения урона противнику.)</a:t>
+            </a:r>
+            <a:endParaRPr lang="ru-RU" sz="1400" dirty="0"/>
+          </a:p>
+        </p:txBody>
+      </p:sp>
+      <p:cxnSp>
+        <p:nvCxnSpPr>
+          <p:cNvPr id="10" name="Прямая соединительная линия 9">
+            <a:extLst>
+              <a:ext uri="{FF2B5EF4-FFF2-40B4-BE49-F238E27FC236}">
+                <a16:creationId xmlns:a16="http://schemas.microsoft.com/office/drawing/2014/main" id="{C367E2EE-0B66-46B7-A4BC-B0926C39E923}"/>
+              </a:ext>
+            </a:extLst>
+          </p:cNvPr>
+          <p:cNvCxnSpPr>
+            <a:cxnSpLocks/>
+            <a:stCxn id="9" idx="1"/>
+            <a:endCxn id="8" idx="3"/>
+          </p:cNvCxnSpPr>
+          <p:nvPr/>
+        </p:nvCxnSpPr>
+        <p:spPr>
+          <a:xfrm flipH="1">
+            <a:off x="15658129" y="6291508"/>
+            <a:ext cx="506984" cy="0"/>
+          </a:xfrm>
+          <a:prstGeom prst="line">
+            <a:avLst/>
+          </a:prstGeom>
+          <a:ln w="28575">
+            <a:solidFill>
+              <a:srgbClr val="FF0000"/>
+            </a:solidFill>
+          </a:ln>
+        </p:spPr>
+        <p:style>
+          <a:lnRef idx="1">
+            <a:schemeClr val="accent1"/>
+          </a:lnRef>
+          <a:fillRef idx="0">
+            <a:schemeClr val="accent1"/>
+          </a:fillRef>
+          <a:effectRef idx="0">
+            <a:schemeClr val="accent1"/>
+          </a:effectRef>
+          <a:fontRef idx="minor">
+            <a:schemeClr val="tx1"/>
+          </a:fontRef>
+        </p:style>
+      </p:cxnSp>
+      <p:sp>
+        <p:nvSpPr>
+          <p:cNvPr id="14" name="Прямоугольник 13">
+            <a:extLst>
+              <a:ext uri="{FF2B5EF4-FFF2-40B4-BE49-F238E27FC236}">
+                <a16:creationId xmlns:a16="http://schemas.microsoft.com/office/drawing/2014/main" id="{93D37F24-926D-4E3F-B5F9-7DFCC976F885}"/>
+              </a:ext>
+            </a:extLst>
+          </p:cNvPr>
+          <p:cNvSpPr/>
+          <p:nvPr/>
+        </p:nvSpPr>
+        <p:spPr>
+          <a:xfrm>
+            <a:off x="7770918" y="7241510"/>
+            <a:ext cx="2115918" cy="1080000"/>
+          </a:xfrm>
+          <a:prstGeom prst="rect">
+            <a:avLst/>
+          </a:prstGeom>
+          <a:noFill/>
+          <a:ln w="28575"/>
+        </p:spPr>
+        <p:style>
+          <a:lnRef idx="2">
+            <a:schemeClr val="accent1"/>
+          </a:lnRef>
+          <a:fillRef idx="1">
+            <a:schemeClr val="lt1"/>
+          </a:fillRef>
+          <a:effectRef idx="0">
+            <a:schemeClr val="accent1"/>
+          </a:effectRef>
+          <a:fontRef idx="minor">
+            <a:schemeClr val="dk1"/>
+          </a:fontRef>
+        </p:style>
+        <p:txBody>
+          <a:bodyPr lIns="124733" tIns="62367" rIns="124733" bIns="62367" rtlCol="0" anchor="ctr"/>
+          <a:lstStyle/>
+          <a:p>
+            <a:pPr algn="ctr"/>
+            <a:r>
+              <a:rPr lang="ru-RU" sz="1400" dirty="0"/>
+              <a:t>Бельгийско-голландское военно-морское сотрудничество (</a:t>
+            </a:r>
+            <a:r>
+              <a:rPr lang="en-US" sz="1400" dirty="0" err="1"/>
+              <a:t>BeNeSam</a:t>
+            </a:r>
+            <a:r>
+              <a:rPr lang="en-US" sz="1400" dirty="0"/>
+              <a:t>)</a:t>
+            </a:r>
+            <a:r>
+              <a:rPr lang="ru-RU" sz="1400" dirty="0"/>
+              <a:t> </a:t>
+            </a:r>
+            <a:r>
+              <a:rPr lang="ru-RU" sz="100" dirty="0"/>
+              <a:t>(История бельгийско-голландского военно-морского сотрудничества восходит к 1948 году, когда из первого бельгийско-голландского сотрудничества ( </a:t>
+            </a:r>
+            <a:r>
+              <a:rPr lang="ru-RU" sz="100" dirty="0" err="1"/>
+              <a:t>BeNeSam</a:t>
+            </a:r>
+            <a:r>
+              <a:rPr lang="ru-RU" sz="100" dirty="0"/>
+              <a:t> ) возникла идея зонтичного штаба. В секретном военном договоре 1948 года Бельгия и Нидерланды согласились передать Королевский флот и бельгийский флот под командование одного офицера в военное время, поскольку они будут действовать в одном районе. 29 марта 1962 года был подписан документ, в котором говорилось, что адмирал Бенилюкса будет назначен только в том случае, если правительства Бельгии и Нидерландов в ходе совместных консультаций в связи с началом военных действий или непосредственной угрозой войны сочтут это необходимым. В 1975 году </a:t>
+            </a:r>
+            <a:r>
+              <a:rPr lang="ru-RU" sz="100" dirty="0" err="1"/>
+              <a:t>Admiral</a:t>
+            </a:r>
+            <a:r>
+              <a:rPr lang="ru-RU" sz="100" dirty="0"/>
+              <a:t> стал Бенилюксом.(ABNL) была основана в военное время. Только после окончания холодной войны Бельгия и Нидерланды в 1995 году подписали соглашение, регулирующее сотрудничество между ВМС Бельгии и ВМС Нидерландов как в мирное, так и в военное время. В результате этого соглашения оба национальных оперативных штаба были объединены в единый интегрированный штаб со штаб-квартирой в </a:t>
+            </a:r>
+            <a:r>
+              <a:rPr lang="ru-RU" sz="100" dirty="0" err="1"/>
+              <a:t>Ден-Хелдере</a:t>
+            </a:r>
+            <a:r>
+              <a:rPr lang="ru-RU" sz="100" dirty="0"/>
+              <a:t> под командованием адмирала Бенилюкса с 1 января 1996 года. Это привело к уникальной форме бельгийско-голландского военно-морского сотрудничества в области операций, обучения, обучения, логистики и технического обслуживания. Однако обе страны остаются суверенными в отношении политического решения о размещении своих </a:t>
+            </a:r>
+            <a:r>
+              <a:rPr lang="ru-RU" sz="100" dirty="0" err="1"/>
+              <a:t>кораблей.Например</a:t>
+            </a:r>
+            <a:r>
+              <a:rPr lang="ru-RU" sz="100" dirty="0"/>
+              <a:t>, бельгийские и голландские фрегаты типа М и противоминные суда оперативно контролируются объединенным </a:t>
+            </a:r>
+            <a:r>
+              <a:rPr lang="ru-RU" sz="100" dirty="0" err="1"/>
+              <a:t>двухнациональным</a:t>
+            </a:r>
+            <a:r>
+              <a:rPr lang="ru-RU" sz="100" dirty="0"/>
+              <a:t> военно-морским штабом в </a:t>
+            </a:r>
+            <a:r>
+              <a:rPr lang="ru-RU" sz="100" dirty="0" err="1"/>
+              <a:t>Ден-Хелдере</a:t>
+            </a:r>
+            <a:r>
+              <a:rPr lang="ru-RU" sz="100" dirty="0"/>
+              <a:t>. Бельгия отвечает за обучение и подготовку экипажей противоминных судов, а также за материально-техническое обеспечение и техническое обслуживание этих судов. У Нидерландов такие же обязательства по фрегатам М. Соглашения </a:t>
+            </a:r>
+            <a:r>
+              <a:rPr lang="ru-RU" sz="100" dirty="0" err="1"/>
+              <a:t>BeNeSam</a:t>
+            </a:r>
+            <a:r>
+              <a:rPr lang="ru-RU" sz="100" dirty="0"/>
+              <a:t> также описывают другие формы морского сотрудничества. В области противоминной защиты с 1975 года существует двусторонняя школа </a:t>
+            </a:r>
+            <a:r>
+              <a:rPr lang="ru-RU" sz="100" dirty="0" err="1"/>
+              <a:t>Эгермин</a:t>
+            </a:r>
+            <a:r>
+              <a:rPr lang="ru-RU" sz="100" dirty="0"/>
+              <a:t> в Остенде . Эта школа также является Центром передового опыта НАТО . В Зебрюгге ,Проведена оперативная морская подготовка по противоминным мерам . Здесь оценивается, готово ли судно войти в свой эксплуатационный период. С 1996 года в Оперативной школе в </a:t>
+            </a:r>
+            <a:r>
+              <a:rPr lang="ru-RU" sz="100" dirty="0" err="1"/>
+              <a:t>Ден-Хелдере</a:t>
+            </a:r>
+            <a:r>
+              <a:rPr lang="ru-RU" sz="100" dirty="0"/>
+              <a:t> обучались операторы и связной персонал обоих флотов . С того же года повара и официанты проходят совместную подготовку в Брюгге .В 2016 году сотрудничество было расширено за счет расширения сотрудничества между экспедиционной бельгийской легкой бригадой и корпусом морской пехоты Нидерландов и совместной закупки военно-морских кораблей.</a:t>
+            </a:r>
+            <a:endParaRPr lang="ru-RU" sz="1400" dirty="0"/>
+          </a:p>
+        </p:txBody>
+      </p:sp>
+      <p:sp>
+        <p:nvSpPr>
+          <p:cNvPr id="17" name="Прямоугольник 16">
+            <a:extLst>
+              <a:ext uri="{FF2B5EF4-FFF2-40B4-BE49-F238E27FC236}">
+                <a16:creationId xmlns:a16="http://schemas.microsoft.com/office/drawing/2014/main" id="{512E9E8B-AB3C-4A38-B37E-BCE6F8BD2822}"/>
+              </a:ext>
+            </a:extLst>
+          </p:cNvPr>
+          <p:cNvSpPr/>
+          <p:nvPr/>
+        </p:nvSpPr>
+        <p:spPr>
+          <a:xfrm>
+            <a:off x="12227394" y="4401508"/>
+            <a:ext cx="2115918" cy="1080000"/>
+          </a:xfrm>
+          <a:prstGeom prst="rect">
+            <a:avLst/>
+          </a:prstGeom>
+          <a:noFill/>
+          <a:ln w="28575"/>
+        </p:spPr>
+        <p:style>
+          <a:lnRef idx="2">
+            <a:schemeClr val="accent1"/>
+          </a:lnRef>
+          <a:fillRef idx="1">
+            <a:schemeClr val="lt1"/>
+          </a:fillRef>
+          <a:effectRef idx="0">
+            <a:schemeClr val="accent1"/>
+          </a:effectRef>
+          <a:fontRef idx="minor">
+            <a:schemeClr val="dk1"/>
+          </a:fontRef>
+        </p:style>
+        <p:txBody>
+          <a:bodyPr lIns="124733" tIns="62367" rIns="124733" bIns="62367" rtlCol="0" anchor="ctr"/>
+          <a:lstStyle/>
+          <a:p>
+            <a:pPr algn="ctr"/>
+            <a:r>
+              <a:rPr lang="ru-RU" sz="1400" dirty="0"/>
+              <a:t>Призвать королевский морской резерв </a:t>
+            </a:r>
+            <a:r>
+              <a:rPr lang="ru-RU" sz="900" dirty="0"/>
+              <a:t>(</a:t>
+            </a:r>
+            <a:r>
+              <a:rPr lang="en-US" sz="900" dirty="0"/>
+              <a:t>https://nl.m.wikipedia.org/wiki/Koninklijke_Marine_Reserve</a:t>
+            </a:r>
+            <a:r>
+              <a:rPr lang="ru-RU" sz="900" dirty="0"/>
+              <a:t>)</a:t>
+            </a:r>
+            <a:endParaRPr lang="ru-RU" sz="1400" dirty="0"/>
+          </a:p>
+        </p:txBody>
+      </p:sp>
+      <p:sp>
+        <p:nvSpPr>
+          <p:cNvPr id="18" name="Прямоугольник 17">
+            <a:extLst>
+              <a:ext uri="{FF2B5EF4-FFF2-40B4-BE49-F238E27FC236}">
+                <a16:creationId xmlns:a16="http://schemas.microsoft.com/office/drawing/2014/main" id="{2B4E5F23-3B6B-4FFD-BAE6-B8A60D316618}"/>
+              </a:ext>
+            </a:extLst>
+          </p:cNvPr>
+          <p:cNvSpPr/>
+          <p:nvPr/>
+        </p:nvSpPr>
+        <p:spPr>
+          <a:xfrm>
+            <a:off x="14864625" y="2911505"/>
+            <a:ext cx="2115918" cy="1080000"/>
+          </a:xfrm>
+          <a:prstGeom prst="rect">
+            <a:avLst/>
+          </a:prstGeom>
+          <a:noFill/>
+          <a:ln w="28575"/>
+        </p:spPr>
+        <p:style>
+          <a:lnRef idx="2">
+            <a:schemeClr val="accent1"/>
+          </a:lnRef>
+          <a:fillRef idx="1">
+            <a:schemeClr val="lt1"/>
+          </a:fillRef>
+          <a:effectRef idx="0">
+            <a:schemeClr val="accent1"/>
+          </a:effectRef>
+          <a:fontRef idx="minor">
+            <a:schemeClr val="dk1"/>
+          </a:fontRef>
+        </p:style>
+        <p:txBody>
+          <a:bodyPr lIns="124733" tIns="62367" rIns="124733" bIns="62367" rtlCol="0" anchor="ctr"/>
+          <a:lstStyle/>
+          <a:p>
+            <a:pPr algn="ctr"/>
+            <a:r>
+              <a:rPr lang="ru-RU" sz="1400" dirty="0"/>
+              <a:t>Назначить командующего ВМС </a:t>
+            </a:r>
+            <a:r>
+              <a:rPr lang="ru-RU" sz="900" dirty="0"/>
+              <a:t>(Должность командующего ВМС была создана в 1939 году . Первым командующим ВМС был вице-адмирал </a:t>
+            </a:r>
+            <a:r>
+              <a:rPr lang="ru-RU" sz="900" dirty="0" err="1"/>
+              <a:t>Дж.Т</a:t>
+            </a:r>
+            <a:r>
+              <a:rPr lang="ru-RU" sz="900" dirty="0"/>
+              <a:t>. </a:t>
+            </a:r>
+            <a:r>
+              <a:rPr lang="ru-RU" sz="900" dirty="0" err="1"/>
+              <a:t>Фюрстнер</a:t>
+            </a:r>
+            <a:r>
+              <a:rPr lang="ru-RU" sz="900" dirty="0"/>
+              <a:t> .) </a:t>
+            </a:r>
+            <a:endParaRPr lang="ru-RU" sz="1400" dirty="0"/>
+          </a:p>
+        </p:txBody>
+      </p:sp>
+      <p:sp>
+        <p:nvSpPr>
+          <p:cNvPr id="19" name="Прямоугольник 18">
+            <a:extLst>
+              <a:ext uri="{FF2B5EF4-FFF2-40B4-BE49-F238E27FC236}">
+                <a16:creationId xmlns:a16="http://schemas.microsoft.com/office/drawing/2014/main" id="{F2189C33-D26A-44A2-870E-C673B83B9B39}"/>
+              </a:ext>
+            </a:extLst>
+          </p:cNvPr>
+          <p:cNvSpPr/>
+          <p:nvPr/>
+        </p:nvSpPr>
+        <p:spPr>
+          <a:xfrm>
+            <a:off x="14809486" y="1387343"/>
+            <a:ext cx="2115918" cy="1080000"/>
+          </a:xfrm>
+          <a:prstGeom prst="rect">
+            <a:avLst/>
+          </a:prstGeom>
+          <a:noFill/>
+          <a:ln w="28575"/>
+        </p:spPr>
+        <p:style>
+          <a:lnRef idx="2">
+            <a:schemeClr val="accent1"/>
+          </a:lnRef>
+          <a:fillRef idx="1">
+            <a:schemeClr val="lt1"/>
+          </a:fillRef>
+          <a:effectRef idx="0">
+            <a:schemeClr val="accent1"/>
+          </a:effectRef>
+          <a:fontRef idx="minor">
+            <a:schemeClr val="dk1"/>
+          </a:fontRef>
+        </p:style>
+        <p:txBody>
+          <a:bodyPr lIns="124733" tIns="62367" rIns="124733" bIns="62367" rtlCol="0" anchor="ctr"/>
+          <a:lstStyle/>
+          <a:p>
+            <a:pPr algn="ctr"/>
+            <a:r>
+              <a:rPr lang="ru-RU" sz="1400" dirty="0"/>
+              <a:t>Подготовка к расширению ВМФ (ваниль)</a:t>
+            </a:r>
+          </a:p>
+        </p:txBody>
+      </p:sp>
+      <p:sp>
+        <p:nvSpPr>
+          <p:cNvPr id="20" name="Прямоугольник 19">
+            <a:extLst>
+              <a:ext uri="{FF2B5EF4-FFF2-40B4-BE49-F238E27FC236}">
+                <a16:creationId xmlns:a16="http://schemas.microsoft.com/office/drawing/2014/main" id="{FD593B2A-AC00-4A5F-B4EE-E3CB61802732}"/>
+              </a:ext>
+            </a:extLst>
+          </p:cNvPr>
+          <p:cNvSpPr/>
+          <p:nvPr/>
+        </p:nvSpPr>
+        <p:spPr>
+          <a:xfrm>
+            <a:off x="21876492" y="2253846"/>
+            <a:ext cx="2115918" cy="1080000"/>
+          </a:xfrm>
+          <a:prstGeom prst="rect">
+            <a:avLst/>
+          </a:prstGeom>
+          <a:noFill/>
+          <a:ln w="28575"/>
+        </p:spPr>
+        <p:style>
+          <a:lnRef idx="2">
+            <a:schemeClr val="accent1"/>
+          </a:lnRef>
+          <a:fillRef idx="1">
+            <a:schemeClr val="lt1"/>
+          </a:fillRef>
+          <a:effectRef idx="0">
+            <a:schemeClr val="accent1"/>
+          </a:effectRef>
+          <a:fontRef idx="minor">
+            <a:schemeClr val="dk1"/>
+          </a:fontRef>
+        </p:style>
+        <p:txBody>
+          <a:bodyPr lIns="124733" tIns="62367" rIns="124733" bIns="62367" rtlCol="0" anchor="ctr"/>
+          <a:lstStyle/>
+          <a:p>
+            <a:pPr algn="ctr"/>
+            <a:r>
+              <a:rPr lang="ru-RU" sz="1400" dirty="0"/>
+              <a:t>Тактика </a:t>
+            </a:r>
+            <a:r>
+              <a:rPr lang="ru-RU" sz="1400"/>
+              <a:t>быстрого флота</a:t>
+            </a:r>
+            <a:endParaRPr lang="ru-RU" sz="1400" dirty="0"/>
+          </a:p>
+        </p:txBody>
+      </p:sp>
+      <p:sp>
+        <p:nvSpPr>
+          <p:cNvPr id="21" name="Прямоугольник 20">
+            <a:extLst>
+              <a:ext uri="{FF2B5EF4-FFF2-40B4-BE49-F238E27FC236}">
+                <a16:creationId xmlns:a16="http://schemas.microsoft.com/office/drawing/2014/main" id="{A1CD9018-D952-4680-9DE4-15A2931FE114}"/>
+              </a:ext>
+            </a:extLst>
+          </p:cNvPr>
+          <p:cNvSpPr/>
+          <p:nvPr/>
+        </p:nvSpPr>
+        <p:spPr>
+          <a:xfrm>
+            <a:off x="12227394" y="2911505"/>
+            <a:ext cx="2115918" cy="1080000"/>
+          </a:xfrm>
+          <a:prstGeom prst="rect">
+            <a:avLst/>
+          </a:prstGeom>
+          <a:noFill/>
+          <a:ln w="28575"/>
+        </p:spPr>
+        <p:style>
+          <a:lnRef idx="2">
+            <a:schemeClr val="accent1"/>
+          </a:lnRef>
+          <a:fillRef idx="1">
+            <a:schemeClr val="lt1"/>
+          </a:fillRef>
+          <a:effectRef idx="0">
+            <a:schemeClr val="accent1"/>
+          </a:effectRef>
+          <a:fontRef idx="minor">
+            <a:schemeClr val="dk1"/>
+          </a:fontRef>
+        </p:style>
+        <p:txBody>
+          <a:bodyPr lIns="124733" tIns="62367" rIns="124733" bIns="62367" rtlCol="0" anchor="ctr"/>
+          <a:lstStyle/>
+          <a:p>
+            <a:pPr algn="ctr"/>
+            <a:r>
+              <a:rPr lang="ru-RU" sz="1400" dirty="0"/>
+              <a:t>Расширить нефтяной порт Амстердама (ваниль)</a:t>
+            </a:r>
+          </a:p>
+        </p:txBody>
+      </p:sp>
+      <p:cxnSp>
+        <p:nvCxnSpPr>
+          <p:cNvPr id="22" name="Соединительная линия уступом 175">
+            <a:extLst>
+              <a:ext uri="{FF2B5EF4-FFF2-40B4-BE49-F238E27FC236}">
+                <a16:creationId xmlns:a16="http://schemas.microsoft.com/office/drawing/2014/main" id="{AC102C9F-A119-49B1-A766-5D942925D5C0}"/>
+              </a:ext>
+            </a:extLst>
+          </p:cNvPr>
+          <p:cNvCxnSpPr>
+            <a:cxnSpLocks/>
+            <a:stCxn id="19" idx="2"/>
+            <a:endCxn id="21" idx="0"/>
+          </p:cNvCxnSpPr>
+          <p:nvPr/>
+        </p:nvCxnSpPr>
+        <p:spPr>
+          <a:xfrm rot="5400000">
+            <a:off x="14354318" y="1398378"/>
+            <a:ext cx="444162" cy="2582092"/>
+          </a:xfrm>
+          <a:prstGeom prst="bentConnector3">
+            <a:avLst>
+              <a:gd name="adj1" fmla="val 50000"/>
+            </a:avLst>
+          </a:prstGeom>
+          <a:ln w="28575">
+            <a:tailEnd type="arrow"/>
+          </a:ln>
+        </p:spPr>
+        <p:style>
+          <a:lnRef idx="1">
+            <a:schemeClr val="accent1"/>
+          </a:lnRef>
+          <a:fillRef idx="0">
+            <a:schemeClr val="accent1"/>
+          </a:fillRef>
+          <a:effectRef idx="0">
+            <a:schemeClr val="accent1"/>
+          </a:effectRef>
+          <a:fontRef idx="minor">
+            <a:schemeClr val="tx1"/>
+          </a:fontRef>
+        </p:style>
+      </p:cxnSp>
+      <p:cxnSp>
+        <p:nvCxnSpPr>
+          <p:cNvPr id="25" name="Прямая со стрелкой 24">
+            <a:extLst>
+              <a:ext uri="{FF2B5EF4-FFF2-40B4-BE49-F238E27FC236}">
+                <a16:creationId xmlns:a16="http://schemas.microsoft.com/office/drawing/2014/main" id="{5EC66F0C-E946-49BA-A4B9-0547C0DBE6EB}"/>
+              </a:ext>
+            </a:extLst>
+          </p:cNvPr>
+          <p:cNvCxnSpPr>
+            <a:cxnSpLocks/>
+            <a:stCxn id="7" idx="2"/>
+            <a:endCxn id="4" idx="0"/>
+          </p:cNvCxnSpPr>
+          <p:nvPr/>
+        </p:nvCxnSpPr>
+        <p:spPr>
+          <a:xfrm>
+            <a:off x="18523559" y="3991505"/>
+            <a:ext cx="0" cy="410003"/>
+          </a:xfrm>
+          <a:prstGeom prst="straightConnector1">
+            <a:avLst/>
+          </a:prstGeom>
+          <a:ln w="28575">
+            <a:tailEnd type="arrow"/>
+          </a:ln>
+        </p:spPr>
+        <p:style>
+          <a:lnRef idx="1">
+            <a:schemeClr val="accent1"/>
+          </a:lnRef>
+          <a:fillRef idx="0">
+            <a:schemeClr val="accent1"/>
+          </a:fillRef>
+          <a:effectRef idx="0">
+            <a:schemeClr val="accent1"/>
+          </a:effectRef>
+          <a:fontRef idx="minor">
+            <a:schemeClr val="tx1"/>
+          </a:fontRef>
+        </p:style>
+      </p:cxnSp>
+      <p:cxnSp>
+        <p:nvCxnSpPr>
+          <p:cNvPr id="28" name="Соединительная линия уступом 175">
+            <a:extLst>
+              <a:ext uri="{FF2B5EF4-FFF2-40B4-BE49-F238E27FC236}">
+                <a16:creationId xmlns:a16="http://schemas.microsoft.com/office/drawing/2014/main" id="{57D0774F-A328-4C34-BB38-18AD9C9501AD}"/>
+              </a:ext>
+            </a:extLst>
+          </p:cNvPr>
+          <p:cNvCxnSpPr>
+            <a:cxnSpLocks/>
+            <a:stCxn id="19" idx="2"/>
+            <a:endCxn id="7" idx="0"/>
+          </p:cNvCxnSpPr>
+          <p:nvPr/>
+        </p:nvCxnSpPr>
+        <p:spPr>
+          <a:xfrm rot="16200000" flipH="1">
+            <a:off x="16973421" y="1361367"/>
+            <a:ext cx="444162" cy="2656114"/>
+          </a:xfrm>
+          <a:prstGeom prst="bentConnector3">
+            <a:avLst>
+              <a:gd name="adj1" fmla="val 50000"/>
+            </a:avLst>
+          </a:prstGeom>
+          <a:ln w="28575">
+            <a:tailEnd type="arrow"/>
+          </a:ln>
+        </p:spPr>
+        <p:style>
+          <a:lnRef idx="1">
+            <a:schemeClr val="accent1"/>
+          </a:lnRef>
+          <a:fillRef idx="0">
+            <a:schemeClr val="accent1"/>
+          </a:fillRef>
+          <a:effectRef idx="0">
+            <a:schemeClr val="accent1"/>
+          </a:effectRef>
+          <a:fontRef idx="minor">
+            <a:schemeClr val="tx1"/>
+          </a:fontRef>
+        </p:style>
+      </p:cxnSp>
+      <p:cxnSp>
+        <p:nvCxnSpPr>
+          <p:cNvPr id="31" name="Соединительная линия уступом 175">
+            <a:extLst>
+              <a:ext uri="{FF2B5EF4-FFF2-40B4-BE49-F238E27FC236}">
+                <a16:creationId xmlns:a16="http://schemas.microsoft.com/office/drawing/2014/main" id="{8E38E27B-A9C3-4A6F-A3DB-F32E49904BA3}"/>
+              </a:ext>
+            </a:extLst>
+          </p:cNvPr>
+          <p:cNvCxnSpPr>
+            <a:cxnSpLocks/>
+            <a:stCxn id="18" idx="2"/>
+            <a:endCxn id="17" idx="0"/>
+          </p:cNvCxnSpPr>
+          <p:nvPr/>
+        </p:nvCxnSpPr>
+        <p:spPr>
+          <a:xfrm rot="5400000">
+            <a:off x="14398968" y="2877891"/>
+            <a:ext cx="410003" cy="2637231"/>
+          </a:xfrm>
+          <a:prstGeom prst="bentConnector3">
+            <a:avLst>
+              <a:gd name="adj1" fmla="val 50000"/>
+            </a:avLst>
+          </a:prstGeom>
+          <a:ln w="28575">
+            <a:tailEnd type="arrow"/>
+          </a:ln>
+        </p:spPr>
+        <p:style>
+          <a:lnRef idx="1">
+            <a:schemeClr val="accent1"/>
+          </a:lnRef>
+          <a:fillRef idx="0">
+            <a:schemeClr val="accent1"/>
+          </a:fillRef>
+          <a:effectRef idx="0">
+            <a:schemeClr val="accent1"/>
+          </a:effectRef>
+          <a:fontRef idx="minor">
+            <a:schemeClr val="tx1"/>
+          </a:fontRef>
+        </p:style>
+      </p:cxnSp>
+      <p:cxnSp>
+        <p:nvCxnSpPr>
+          <p:cNvPr id="34" name="Соединительная линия уступом 175">
+            <a:extLst>
+              <a:ext uri="{FF2B5EF4-FFF2-40B4-BE49-F238E27FC236}">
+                <a16:creationId xmlns:a16="http://schemas.microsoft.com/office/drawing/2014/main" id="{1CDC3C9B-C598-4048-97E5-A13CB4EB9C2D}"/>
+              </a:ext>
+            </a:extLst>
+          </p:cNvPr>
+          <p:cNvCxnSpPr>
+            <a:cxnSpLocks/>
+            <a:stCxn id="18" idx="2"/>
+            <a:endCxn id="8" idx="0"/>
+          </p:cNvCxnSpPr>
+          <p:nvPr/>
+        </p:nvCxnSpPr>
+        <p:spPr>
+          <a:xfrm rot="5400000">
+            <a:off x="14381376" y="4210299"/>
+            <a:ext cx="1760003" cy="1322414"/>
+          </a:xfrm>
+          <a:prstGeom prst="bentConnector3">
+            <a:avLst>
+              <a:gd name="adj1" fmla="val 11405"/>
+            </a:avLst>
+          </a:prstGeom>
+          <a:ln w="28575">
+            <a:tailEnd type="arrow"/>
+          </a:ln>
+        </p:spPr>
+        <p:style>
+          <a:lnRef idx="1">
+            <a:schemeClr val="accent1"/>
+          </a:lnRef>
+          <a:fillRef idx="0">
+            <a:schemeClr val="accent1"/>
+          </a:fillRef>
+          <a:effectRef idx="0">
+            <a:schemeClr val="accent1"/>
+          </a:effectRef>
+          <a:fontRef idx="minor">
+            <a:schemeClr val="tx1"/>
+          </a:fontRef>
+        </p:style>
+      </p:cxnSp>
+      <p:cxnSp>
+        <p:nvCxnSpPr>
+          <p:cNvPr id="38" name="Соединительная линия уступом 175">
+            <a:extLst>
+              <a:ext uri="{FF2B5EF4-FFF2-40B4-BE49-F238E27FC236}">
+                <a16:creationId xmlns:a16="http://schemas.microsoft.com/office/drawing/2014/main" id="{D2D0B661-2FC4-405F-96FC-9E5328BA0E88}"/>
+              </a:ext>
+            </a:extLst>
+          </p:cNvPr>
+          <p:cNvCxnSpPr>
+            <a:cxnSpLocks/>
+            <a:stCxn id="18" idx="2"/>
+            <a:endCxn id="9" idx="0"/>
+          </p:cNvCxnSpPr>
+          <p:nvPr/>
+        </p:nvCxnSpPr>
+        <p:spPr>
+          <a:xfrm rot="16200000" flipH="1">
+            <a:off x="15692827" y="4221262"/>
+            <a:ext cx="1760003" cy="1300488"/>
+          </a:xfrm>
+          <a:prstGeom prst="bentConnector3">
+            <a:avLst>
+              <a:gd name="adj1" fmla="val 11900"/>
+            </a:avLst>
+          </a:prstGeom>
+          <a:ln w="28575">
+            <a:tailEnd type="arrow"/>
+          </a:ln>
+        </p:spPr>
+        <p:style>
+          <a:lnRef idx="1">
+            <a:schemeClr val="accent1"/>
+          </a:lnRef>
+          <a:fillRef idx="0">
+            <a:schemeClr val="accent1"/>
+          </a:fillRef>
+          <a:effectRef idx="0">
+            <a:schemeClr val="accent1"/>
+          </a:effectRef>
+          <a:fontRef idx="minor">
+            <a:schemeClr val="tx1"/>
+          </a:fontRef>
+        </p:style>
+      </p:cxnSp>
+      <p:sp>
+        <p:nvSpPr>
+          <p:cNvPr id="43" name="Прямоугольник 42">
+            <a:extLst>
+              <a:ext uri="{FF2B5EF4-FFF2-40B4-BE49-F238E27FC236}">
+                <a16:creationId xmlns:a16="http://schemas.microsoft.com/office/drawing/2014/main" id="{64D4E2B6-6DC7-40B1-A719-B3D0D7DBB4B8}"/>
+              </a:ext>
+            </a:extLst>
+          </p:cNvPr>
+          <p:cNvSpPr/>
+          <p:nvPr/>
+        </p:nvSpPr>
+        <p:spPr>
+          <a:xfrm>
+            <a:off x="14864624" y="4401508"/>
+            <a:ext cx="2115918" cy="1080000"/>
+          </a:xfrm>
+          <a:prstGeom prst="rect">
+            <a:avLst/>
+          </a:prstGeom>
+          <a:noFill/>
+          <a:ln w="28575"/>
+        </p:spPr>
+        <p:style>
+          <a:lnRef idx="2">
+            <a:schemeClr val="accent1"/>
+          </a:lnRef>
+          <a:fillRef idx="1">
+            <a:schemeClr val="lt1"/>
+          </a:fillRef>
+          <a:effectRef idx="0">
+            <a:schemeClr val="accent1"/>
+          </a:effectRef>
+          <a:fontRef idx="minor">
+            <a:schemeClr val="dk1"/>
+          </a:fontRef>
+        </p:style>
+        <p:txBody>
+          <a:bodyPr lIns="124733" tIns="62367" rIns="124733" bIns="62367" rtlCol="0" anchor="ctr"/>
+          <a:lstStyle/>
+          <a:p>
+            <a:pPr algn="ctr"/>
+            <a:r>
+              <a:rPr lang="ru-RU" sz="1400" dirty="0"/>
+              <a:t>Служба морской авиации </a:t>
+            </a:r>
+          </a:p>
+          <a:p>
+            <a:pPr algn="ctr"/>
+            <a:r>
+              <a:rPr lang="ru-RU" sz="900" dirty="0"/>
+              <a:t>(эффект как в ванили «прикрытие с воздуха для новой флотилии») </a:t>
+            </a:r>
+            <a:endParaRPr lang="ru-RU" sz="1400" dirty="0"/>
+          </a:p>
+        </p:txBody>
+      </p:sp>
+      <p:sp>
+        <p:nvSpPr>
+          <p:cNvPr id="50" name="Прямоугольник 49">
+            <a:extLst>
+              <a:ext uri="{FF2B5EF4-FFF2-40B4-BE49-F238E27FC236}">
+                <a16:creationId xmlns:a16="http://schemas.microsoft.com/office/drawing/2014/main" id="{7D3401A1-30FB-44F9-96E3-B071C00A1B9D}"/>
+              </a:ext>
+            </a:extLst>
+          </p:cNvPr>
+          <p:cNvSpPr/>
+          <p:nvPr/>
+        </p:nvSpPr>
+        <p:spPr>
+          <a:xfrm>
+            <a:off x="14864624" y="7241511"/>
+            <a:ext cx="2115918" cy="1080000"/>
+          </a:xfrm>
+          <a:prstGeom prst="rect">
+            <a:avLst/>
+          </a:prstGeom>
+          <a:noFill/>
+          <a:ln w="28575"/>
+        </p:spPr>
+        <p:style>
+          <a:lnRef idx="2">
+            <a:schemeClr val="accent1"/>
+          </a:lnRef>
+          <a:fillRef idx="1">
+            <a:schemeClr val="lt1"/>
+          </a:fillRef>
+          <a:effectRef idx="0">
+            <a:schemeClr val="accent1"/>
+          </a:effectRef>
+          <a:fontRef idx="minor">
+            <a:schemeClr val="dk1"/>
+          </a:fontRef>
+        </p:style>
+        <p:txBody>
+          <a:bodyPr lIns="124733" tIns="62367" rIns="124733" bIns="62367" rtlCol="0" anchor="ctr"/>
+          <a:lstStyle/>
+          <a:p>
+            <a:pPr algn="ctr"/>
+            <a:r>
+              <a:rPr lang="ru-RU" sz="1400" dirty="0"/>
+              <a:t>Морское наследие</a:t>
+            </a:r>
+          </a:p>
+          <a:p>
+            <a:pPr algn="ctr"/>
+            <a:r>
+              <a:rPr lang="ru-RU" sz="900" dirty="0"/>
+              <a:t>(ваниль)</a:t>
+            </a:r>
+            <a:endParaRPr lang="ru-RU" sz="1400" dirty="0"/>
+          </a:p>
+        </p:txBody>
+      </p:sp>
+      <p:sp>
+        <p:nvSpPr>
+          <p:cNvPr id="51" name="Прямоугольник 50">
+            <a:extLst>
+              <a:ext uri="{FF2B5EF4-FFF2-40B4-BE49-F238E27FC236}">
+                <a16:creationId xmlns:a16="http://schemas.microsoft.com/office/drawing/2014/main" id="{A6DF6F4C-22FC-4FDB-A526-4DA162448F26}"/>
+              </a:ext>
+            </a:extLst>
+          </p:cNvPr>
+          <p:cNvSpPr/>
+          <p:nvPr/>
+        </p:nvSpPr>
+        <p:spPr>
+          <a:xfrm>
+            <a:off x="12227394" y="7241511"/>
+            <a:ext cx="2115918" cy="1080000"/>
+          </a:xfrm>
+          <a:prstGeom prst="rect">
+            <a:avLst/>
+          </a:prstGeom>
+          <a:noFill/>
+          <a:ln w="28575"/>
+        </p:spPr>
+        <p:style>
+          <a:lnRef idx="2">
+            <a:schemeClr val="accent1"/>
+          </a:lnRef>
+          <a:fillRef idx="1">
+            <a:schemeClr val="lt1"/>
+          </a:fillRef>
+          <a:effectRef idx="0">
+            <a:schemeClr val="accent1"/>
+          </a:effectRef>
+          <a:fontRef idx="minor">
+            <a:schemeClr val="dk1"/>
+          </a:fontRef>
+        </p:style>
+        <p:txBody>
+          <a:bodyPr lIns="124733" tIns="62367" rIns="124733" bIns="62367" rtlCol="0" anchor="ctr"/>
+          <a:lstStyle/>
+          <a:p>
+            <a:pPr algn="ctr"/>
+            <a:r>
+              <a:rPr lang="ru-RU" sz="1400" dirty="0"/>
+              <a:t>Модернизация крейсеров</a:t>
+            </a:r>
+          </a:p>
+          <a:p>
+            <a:pPr algn="ctr"/>
+            <a:r>
+              <a:rPr lang="ru-RU" sz="900" dirty="0"/>
+              <a:t>(ваниль)</a:t>
+            </a:r>
+            <a:endParaRPr lang="ru-RU" sz="1400" dirty="0"/>
+          </a:p>
+        </p:txBody>
+      </p:sp>
+      <p:cxnSp>
+        <p:nvCxnSpPr>
+          <p:cNvPr id="52" name="Соединительная линия уступом 175">
+            <a:extLst>
+              <a:ext uri="{FF2B5EF4-FFF2-40B4-BE49-F238E27FC236}">
+                <a16:creationId xmlns:a16="http://schemas.microsoft.com/office/drawing/2014/main" id="{2BB7F55A-901B-4E4D-90C6-1D676324CEA2}"/>
+              </a:ext>
+            </a:extLst>
+          </p:cNvPr>
+          <p:cNvCxnSpPr>
+            <a:cxnSpLocks/>
+            <a:stCxn id="8" idx="2"/>
+            <a:endCxn id="51" idx="0"/>
+          </p:cNvCxnSpPr>
+          <p:nvPr/>
+        </p:nvCxnSpPr>
+        <p:spPr>
+          <a:xfrm rot="5400000">
+            <a:off x="13737761" y="6379101"/>
+            <a:ext cx="410003" cy="1314817"/>
+          </a:xfrm>
+          <a:prstGeom prst="bentConnector3">
+            <a:avLst>
+              <a:gd name="adj1" fmla="val 50000"/>
+            </a:avLst>
+          </a:prstGeom>
+          <a:ln w="28575">
+            <a:tailEnd type="arrow"/>
+          </a:ln>
+        </p:spPr>
+        <p:style>
+          <a:lnRef idx="1">
+            <a:schemeClr val="accent1"/>
+          </a:lnRef>
+          <a:fillRef idx="0">
+            <a:schemeClr val="accent1"/>
+          </a:fillRef>
+          <a:effectRef idx="0">
+            <a:schemeClr val="accent1"/>
+          </a:effectRef>
+          <a:fontRef idx="minor">
+            <a:schemeClr val="tx1"/>
+          </a:fontRef>
+        </p:style>
+      </p:cxnSp>
+      <p:sp>
+        <p:nvSpPr>
+          <p:cNvPr id="55" name="Прямоугольник 54">
+            <a:extLst>
+              <a:ext uri="{FF2B5EF4-FFF2-40B4-BE49-F238E27FC236}">
+                <a16:creationId xmlns:a16="http://schemas.microsoft.com/office/drawing/2014/main" id="{A441DE9A-6F62-4676-88CE-D0C4E42C044D}"/>
+              </a:ext>
+            </a:extLst>
+          </p:cNvPr>
+          <p:cNvSpPr/>
+          <p:nvPr/>
+        </p:nvSpPr>
+        <p:spPr>
+          <a:xfrm>
+            <a:off x="17465600" y="7241511"/>
+            <a:ext cx="2115918" cy="1080000"/>
+          </a:xfrm>
+          <a:prstGeom prst="rect">
+            <a:avLst/>
+          </a:prstGeom>
+          <a:noFill/>
+          <a:ln w="28575"/>
+        </p:spPr>
+        <p:style>
+          <a:lnRef idx="2">
+            <a:schemeClr val="accent1"/>
+          </a:lnRef>
+          <a:fillRef idx="1">
+            <a:schemeClr val="lt1"/>
+          </a:fillRef>
+          <a:effectRef idx="0">
+            <a:schemeClr val="accent1"/>
+          </a:effectRef>
+          <a:fontRef idx="minor">
+            <a:schemeClr val="dk1"/>
+          </a:fontRef>
+        </p:style>
+        <p:txBody>
+          <a:bodyPr lIns="124733" tIns="62367" rIns="124733" bIns="62367" rtlCol="0" anchor="ctr"/>
+          <a:lstStyle/>
+          <a:p>
+            <a:pPr algn="ctr"/>
+            <a:r>
+              <a:rPr lang="ru-RU" sz="1400" dirty="0"/>
+              <a:t>Сопровождение для новой флотилии</a:t>
+            </a:r>
+          </a:p>
+          <a:p>
+            <a:pPr algn="ctr"/>
+            <a:r>
+              <a:rPr lang="ru-RU" sz="900" dirty="0"/>
+              <a:t>(ваниль)</a:t>
+            </a:r>
+            <a:endParaRPr lang="ru-RU" sz="1400" dirty="0"/>
+          </a:p>
+        </p:txBody>
+      </p:sp>
+      <p:cxnSp>
+        <p:nvCxnSpPr>
+          <p:cNvPr id="56" name="Соединительная линия уступом 175">
+            <a:extLst>
+              <a:ext uri="{FF2B5EF4-FFF2-40B4-BE49-F238E27FC236}">
+                <a16:creationId xmlns:a16="http://schemas.microsoft.com/office/drawing/2014/main" id="{4F0111E4-BEAA-471A-925A-57595D4539BA}"/>
+              </a:ext>
+            </a:extLst>
+          </p:cNvPr>
+          <p:cNvCxnSpPr>
+            <a:cxnSpLocks/>
+            <a:stCxn id="9" idx="2"/>
+            <a:endCxn id="55" idx="0"/>
+          </p:cNvCxnSpPr>
+          <p:nvPr/>
+        </p:nvCxnSpPr>
+        <p:spPr>
+          <a:xfrm rot="16200000" flipH="1">
+            <a:off x="17668314" y="6386265"/>
+            <a:ext cx="410003" cy="1300487"/>
+          </a:xfrm>
+          <a:prstGeom prst="bentConnector3">
+            <a:avLst>
+              <a:gd name="adj1" fmla="val 50000"/>
+            </a:avLst>
+          </a:prstGeom>
+          <a:ln w="28575">
+            <a:tailEnd type="arrow"/>
+          </a:ln>
+        </p:spPr>
+        <p:style>
+          <a:lnRef idx="1">
+            <a:schemeClr val="accent1"/>
+          </a:lnRef>
+          <a:fillRef idx="0">
+            <a:schemeClr val="accent1"/>
+          </a:fillRef>
+          <a:effectRef idx="0">
+            <a:schemeClr val="accent1"/>
+          </a:effectRef>
+          <a:fontRef idx="minor">
+            <a:schemeClr val="tx1"/>
+          </a:fontRef>
+        </p:style>
+      </p:cxnSp>
+      <p:cxnSp>
+        <p:nvCxnSpPr>
+          <p:cNvPr id="59" name="Соединительная линия уступом 175">
+            <a:extLst>
+              <a:ext uri="{FF2B5EF4-FFF2-40B4-BE49-F238E27FC236}">
+                <a16:creationId xmlns:a16="http://schemas.microsoft.com/office/drawing/2014/main" id="{B0BDF933-54AC-460A-9908-A2EBC186E139}"/>
+              </a:ext>
+            </a:extLst>
+          </p:cNvPr>
+          <p:cNvCxnSpPr>
+            <a:cxnSpLocks/>
+            <a:stCxn id="8" idx="2"/>
+            <a:endCxn id="50" idx="0"/>
+          </p:cNvCxnSpPr>
+          <p:nvPr/>
+        </p:nvCxnSpPr>
+        <p:spPr>
+          <a:xfrm rot="16200000" flipH="1">
+            <a:off x="15056375" y="6375302"/>
+            <a:ext cx="410003" cy="1322413"/>
+          </a:xfrm>
+          <a:prstGeom prst="bentConnector3">
+            <a:avLst>
+              <a:gd name="adj1" fmla="val 50000"/>
+            </a:avLst>
+          </a:prstGeom>
+          <a:ln w="28575">
+            <a:prstDash val="dash"/>
+            <a:tailEnd type="arrow"/>
+          </a:ln>
+        </p:spPr>
+        <p:style>
+          <a:lnRef idx="1">
+            <a:schemeClr val="accent1"/>
+          </a:lnRef>
+          <a:fillRef idx="0">
+            <a:schemeClr val="accent1"/>
+          </a:fillRef>
+          <a:effectRef idx="0">
+            <a:schemeClr val="accent1"/>
+          </a:effectRef>
+          <a:fontRef idx="minor">
+            <a:schemeClr val="tx1"/>
+          </a:fontRef>
+        </p:style>
+      </p:cxnSp>
+      <p:cxnSp>
+        <p:nvCxnSpPr>
+          <p:cNvPr id="62" name="Соединительная линия уступом 175">
+            <a:extLst>
+              <a:ext uri="{FF2B5EF4-FFF2-40B4-BE49-F238E27FC236}">
+                <a16:creationId xmlns:a16="http://schemas.microsoft.com/office/drawing/2014/main" id="{BDC9715B-D77D-4EDD-88C2-4FA7210EF549}"/>
+              </a:ext>
+            </a:extLst>
+          </p:cNvPr>
+          <p:cNvCxnSpPr>
+            <a:cxnSpLocks/>
+            <a:stCxn id="9" idx="2"/>
+            <a:endCxn id="50" idx="0"/>
+          </p:cNvCxnSpPr>
+          <p:nvPr/>
+        </p:nvCxnSpPr>
+        <p:spPr>
+          <a:xfrm rot="5400000">
+            <a:off x="16367827" y="6386265"/>
+            <a:ext cx="410003" cy="1300489"/>
+          </a:xfrm>
+          <a:prstGeom prst="bentConnector3">
+            <a:avLst>
+              <a:gd name="adj1" fmla="val 50000"/>
+            </a:avLst>
+          </a:prstGeom>
+          <a:ln w="28575">
+            <a:prstDash val="dash"/>
+            <a:tailEnd type="arrow"/>
+          </a:ln>
+        </p:spPr>
+        <p:style>
+          <a:lnRef idx="1">
+            <a:schemeClr val="accent1"/>
+          </a:lnRef>
+          <a:fillRef idx="0">
+            <a:schemeClr val="accent1"/>
+          </a:fillRef>
+          <a:effectRef idx="0">
+            <a:schemeClr val="accent1"/>
+          </a:effectRef>
+          <a:fontRef idx="minor">
+            <a:schemeClr val="tx1"/>
+          </a:fontRef>
+        </p:style>
+      </p:cxnSp>
+    </p:spTree>
+    <p:extLst>
+      <p:ext uri="{BB962C8B-B14F-4D97-AF65-F5344CB8AC3E}">
+        <p14:creationId xmlns:p14="http://schemas.microsoft.com/office/powerpoint/2010/main" val="2820782412"/>
+      </p:ext>
+    </p:extLst>
+  </p:cSld>
+  <p:clrMapOvr>
+    <a:masterClrMapping/>
+  </p:clrMapOvr>
+</p:sld>
+</file>
+
 <file path=ppt/theme/theme1.xml><?xml version="1.0" encoding="utf-8"?>
 <a:theme xmlns:a="http://schemas.openxmlformats.org/drawingml/2006/main" name="Тема Office">
   <a:themeElements>

--- a/Наработки/диздоки/Нидерланды/Нидерланды.pptx
+++ b/Наработки/диздоки/Нидерланды/Нидерланды.pptx
@@ -210,7 +210,7 @@
             <a:fld id="{33E3D7F9-E251-484C-A6FF-FA958879DF69}" type="datetimeFigureOut">
               <a:rPr lang="ru-RU" smtClean="0"/>
               <a:pPr/>
-              <a:t>04.05.2023</a:t>
+              <a:t>05.05.2023</a:t>
             </a:fld>
             <a:endParaRPr lang="ru-RU"/>
           </a:p>
@@ -700,7 +700,7 @@
             <a:fld id="{85A5DE44-605B-4D3B-B2B7-94543DF81A36}" type="datetimeFigureOut">
               <a:rPr lang="ru-RU" smtClean="0"/>
               <a:pPr/>
-              <a:t>04.05.2023</a:t>
+              <a:t>05.05.2023</a:t>
             </a:fld>
             <a:endParaRPr lang="ru-RU"/>
           </a:p>
@@ -872,7 +872,7 @@
             <a:fld id="{85A5DE44-605B-4D3B-B2B7-94543DF81A36}" type="datetimeFigureOut">
               <a:rPr lang="ru-RU" smtClean="0"/>
               <a:pPr/>
-              <a:t>04.05.2023</a:t>
+              <a:t>05.05.2023</a:t>
             </a:fld>
             <a:endParaRPr lang="ru-RU"/>
           </a:p>
@@ -1054,7 +1054,7 @@
             <a:fld id="{85A5DE44-605B-4D3B-B2B7-94543DF81A36}" type="datetimeFigureOut">
               <a:rPr lang="ru-RU" smtClean="0"/>
               <a:pPr/>
-              <a:t>04.05.2023</a:t>
+              <a:t>05.05.2023</a:t>
             </a:fld>
             <a:endParaRPr lang="ru-RU"/>
           </a:p>
@@ -1226,7 +1226,7 @@
             <a:fld id="{85A5DE44-605B-4D3B-B2B7-94543DF81A36}" type="datetimeFigureOut">
               <a:rPr lang="ru-RU" smtClean="0"/>
               <a:pPr/>
-              <a:t>04.05.2023</a:t>
+              <a:t>05.05.2023</a:t>
             </a:fld>
             <a:endParaRPr lang="ru-RU"/>
           </a:p>
@@ -1474,7 +1474,7 @@
             <a:fld id="{85A5DE44-605B-4D3B-B2B7-94543DF81A36}" type="datetimeFigureOut">
               <a:rPr lang="ru-RU" smtClean="0"/>
               <a:pPr/>
-              <a:t>04.05.2023</a:t>
+              <a:t>05.05.2023</a:t>
             </a:fld>
             <a:endParaRPr lang="ru-RU"/>
           </a:p>
@@ -1708,7 +1708,7 @@
             <a:fld id="{85A5DE44-605B-4D3B-B2B7-94543DF81A36}" type="datetimeFigureOut">
               <a:rPr lang="ru-RU" smtClean="0"/>
               <a:pPr/>
-              <a:t>04.05.2023</a:t>
+              <a:t>05.05.2023</a:t>
             </a:fld>
             <a:endParaRPr lang="ru-RU"/>
           </a:p>
@@ -2077,7 +2077,7 @@
             <a:fld id="{85A5DE44-605B-4D3B-B2B7-94543DF81A36}" type="datetimeFigureOut">
               <a:rPr lang="ru-RU" smtClean="0"/>
               <a:pPr/>
-              <a:t>04.05.2023</a:t>
+              <a:t>05.05.2023</a:t>
             </a:fld>
             <a:endParaRPr lang="ru-RU"/>
           </a:p>
@@ -2197,7 +2197,7 @@
             <a:fld id="{85A5DE44-605B-4D3B-B2B7-94543DF81A36}" type="datetimeFigureOut">
               <a:rPr lang="ru-RU" smtClean="0"/>
               <a:pPr/>
-              <a:t>04.05.2023</a:t>
+              <a:t>05.05.2023</a:t>
             </a:fld>
             <a:endParaRPr lang="ru-RU"/>
           </a:p>
@@ -2294,7 +2294,7 @@
             <a:fld id="{85A5DE44-605B-4D3B-B2B7-94543DF81A36}" type="datetimeFigureOut">
               <a:rPr lang="ru-RU" smtClean="0"/>
               <a:pPr/>
-              <a:t>04.05.2023</a:t>
+              <a:t>05.05.2023</a:t>
             </a:fld>
             <a:endParaRPr lang="ru-RU"/>
           </a:p>
@@ -2573,7 +2573,7 @@
             <a:fld id="{85A5DE44-605B-4D3B-B2B7-94543DF81A36}" type="datetimeFigureOut">
               <a:rPr lang="ru-RU" smtClean="0"/>
               <a:pPr/>
-              <a:t>04.05.2023</a:t>
+              <a:t>05.05.2023</a:t>
             </a:fld>
             <a:endParaRPr lang="ru-RU"/>
           </a:p>
@@ -2832,7 +2832,7 @@
             <a:fld id="{85A5DE44-605B-4D3B-B2B7-94543DF81A36}" type="datetimeFigureOut">
               <a:rPr lang="ru-RU" smtClean="0"/>
               <a:pPr/>
-              <a:t>04.05.2023</a:t>
+              <a:t>05.05.2023</a:t>
             </a:fld>
             <a:endParaRPr lang="ru-RU"/>
           </a:p>
@@ -3047,7 +3047,7 @@
             <a:fld id="{85A5DE44-605B-4D3B-B2B7-94543DF81A36}" type="datetimeFigureOut">
               <a:rPr lang="ru-RU" smtClean="0"/>
               <a:pPr/>
-              <a:t>04.05.2023</a:t>
+              <a:t>05.05.2023</a:t>
             </a:fld>
             <a:endParaRPr lang="ru-RU"/>
           </a:p>
@@ -32361,6 +32361,162 @@
           </a:fontRef>
         </p:style>
       </p:cxnSp>
+      <p:sp>
+        <p:nvSpPr>
+          <p:cNvPr id="157" name="Прямоугольник 156">
+            <a:extLst>
+              <a:ext uri="{FF2B5EF4-FFF2-40B4-BE49-F238E27FC236}">
+                <a16:creationId xmlns:a16="http://schemas.microsoft.com/office/drawing/2014/main" id="{2C804C8C-509C-4A8D-A3DF-07084515ECD8}"/>
+              </a:ext>
+            </a:extLst>
+          </p:cNvPr>
+          <p:cNvSpPr/>
+          <p:nvPr/>
+        </p:nvSpPr>
+        <p:spPr>
+          <a:xfrm>
+            <a:off x="24952828" y="1590130"/>
+            <a:ext cx="2115918" cy="1080000"/>
+          </a:xfrm>
+          <a:prstGeom prst="rect">
+            <a:avLst/>
+          </a:prstGeom>
+          <a:noFill/>
+          <a:ln w="28575"/>
+        </p:spPr>
+        <p:style>
+          <a:lnRef idx="2">
+            <a:schemeClr val="accent1"/>
+          </a:lnRef>
+          <a:fillRef idx="1">
+            <a:schemeClr val="lt1"/>
+          </a:fillRef>
+          <a:effectRef idx="0">
+            <a:schemeClr val="accent1"/>
+          </a:effectRef>
+          <a:fontRef idx="minor">
+            <a:schemeClr val="dk1"/>
+          </a:fontRef>
+        </p:style>
+        <p:txBody>
+          <a:bodyPr lIns="124733" tIns="62367" rIns="124733" bIns="62367" rtlCol="0" anchor="ctr"/>
+          <a:lstStyle/>
+          <a:p>
+            <a:pPr algn="ctr"/>
+            <a:r>
+              <a:rPr lang="ru-RU" sz="1400" dirty="0"/>
+              <a:t>Закон об увеличении армии </a:t>
+            </a:r>
+            <a:r>
+              <a:rPr lang="ru-RU" sz="400" dirty="0"/>
+              <a:t>(опасаясь агрессии со стороны Германии, для которой </a:t>
+            </a:r>
+            <a:r>
+              <a:rPr lang="ru-RU" sz="400" dirty="0" err="1"/>
+              <a:t>Нидерландыбыли</a:t>
+            </a:r>
+            <a:r>
+              <a:rPr lang="ru-RU" sz="400" dirty="0"/>
+              <a:t> удобным плацдармом для действий в северо-западном на15% членов НСД были выходцами из Нидерландской Индии, но именно их </a:t>
+            </a:r>
+            <a:r>
+              <a:rPr lang="ru-RU" sz="400" dirty="0" err="1"/>
+              <a:t>взносысоставляли</a:t>
+            </a:r>
+            <a:r>
+              <a:rPr lang="ru-RU" sz="400" dirty="0"/>
+              <a:t> третью часть доходов партии.348 НОВЕЙШИЙ </a:t>
+            </a:r>
+            <a:r>
+              <a:rPr lang="ru-RU" sz="400" dirty="0" err="1"/>
+              <a:t>ПЕРИОДправлении</a:t>
+            </a:r>
+            <a:r>
+              <a:rPr lang="ru-RU" sz="400" dirty="0"/>
+              <a:t>, в декабре 1937 г. все же приняли закон об </a:t>
+            </a:r>
+            <a:r>
+              <a:rPr lang="ru-RU" sz="400" dirty="0" err="1"/>
+              <a:t>увеличенииармии</a:t>
+            </a:r>
+            <a:r>
+              <a:rPr lang="ru-RU" sz="400" dirty="0"/>
+              <a:t>.)</a:t>
+            </a:r>
+            <a:endParaRPr lang="ru-RU" sz="1400" dirty="0"/>
+          </a:p>
+        </p:txBody>
+      </p:sp>
+      <p:sp>
+        <p:nvSpPr>
+          <p:cNvPr id="161" name="Прямоугольник 160">
+            <a:extLst>
+              <a:ext uri="{FF2B5EF4-FFF2-40B4-BE49-F238E27FC236}">
+                <a16:creationId xmlns:a16="http://schemas.microsoft.com/office/drawing/2014/main" id="{A3988100-94BE-4317-B9E1-3E6CEA09E09E}"/>
+              </a:ext>
+            </a:extLst>
+          </p:cNvPr>
+          <p:cNvSpPr/>
+          <p:nvPr/>
+        </p:nvSpPr>
+        <p:spPr>
+          <a:xfrm>
+            <a:off x="22267720" y="1543296"/>
+            <a:ext cx="2115918" cy="1080000"/>
+          </a:xfrm>
+          <a:prstGeom prst="rect">
+            <a:avLst/>
+          </a:prstGeom>
+          <a:noFill/>
+          <a:ln w="28575"/>
+        </p:spPr>
+        <p:style>
+          <a:lnRef idx="2">
+            <a:schemeClr val="accent1"/>
+          </a:lnRef>
+          <a:fillRef idx="1">
+            <a:schemeClr val="lt1"/>
+          </a:fillRef>
+          <a:effectRef idx="0">
+            <a:schemeClr val="accent1"/>
+          </a:effectRef>
+          <a:fontRef idx="minor">
+            <a:schemeClr val="dk1"/>
+          </a:fontRef>
+        </p:style>
+        <p:txBody>
+          <a:bodyPr lIns="124733" tIns="62367" rIns="124733" bIns="62367" rtlCol="0" anchor="ctr"/>
+          <a:lstStyle/>
+          <a:p>
+            <a:pPr algn="ctr"/>
+            <a:r>
+              <a:rPr lang="ru-RU" sz="1400" dirty="0"/>
+              <a:t>Совместная защита колоний </a:t>
+            </a:r>
+            <a:r>
+              <a:rPr lang="ru-RU" sz="700" dirty="0"/>
+              <a:t>(нидерландское правительство вынуждено </a:t>
+            </a:r>
+            <a:r>
+              <a:rPr lang="ru-RU" sz="700" dirty="0" err="1"/>
+              <a:t>былозаключить</a:t>
+            </a:r>
+            <a:r>
+              <a:rPr lang="ru-RU" sz="700" dirty="0"/>
+              <a:t> соглашение с Англией о совместной защите </a:t>
+            </a:r>
+            <a:r>
+              <a:rPr lang="ru-RU" sz="700" dirty="0" err="1"/>
+              <a:t>колониальныхвладений</a:t>
+            </a:r>
+            <a:r>
+              <a:rPr lang="ru-RU" sz="700" dirty="0"/>
+              <a:t> в Юго-Восточной Азии.)</a:t>
+            </a:r>
+            <a:endParaRPr lang="ru-RU" sz="1400" dirty="0"/>
+          </a:p>
+        </p:txBody>
+      </p:sp>
     </p:spTree>
     <p:extLst>
       <p:ext uri="{BB962C8B-B14F-4D97-AF65-F5344CB8AC3E}">

--- a/Наработки/диздоки/Нидерланды/Нидерланды.pptx
+++ b/Наработки/диздоки/Нидерланды/Нидерланды.pptx
@@ -210,7 +210,7 @@
             <a:fld id="{33E3D7F9-E251-484C-A6FF-FA958879DF69}" type="datetimeFigureOut">
               <a:rPr lang="ru-RU" smtClean="0"/>
               <a:pPr/>
-              <a:t>05.05.2023</a:t>
+              <a:t>16.05.2023</a:t>
             </a:fld>
             <a:endParaRPr lang="ru-RU"/>
           </a:p>
@@ -700,7 +700,7 @@
             <a:fld id="{85A5DE44-605B-4D3B-B2B7-94543DF81A36}" type="datetimeFigureOut">
               <a:rPr lang="ru-RU" smtClean="0"/>
               <a:pPr/>
-              <a:t>05.05.2023</a:t>
+              <a:t>16.05.2023</a:t>
             </a:fld>
             <a:endParaRPr lang="ru-RU"/>
           </a:p>
@@ -872,7 +872,7 @@
             <a:fld id="{85A5DE44-605B-4D3B-B2B7-94543DF81A36}" type="datetimeFigureOut">
               <a:rPr lang="ru-RU" smtClean="0"/>
               <a:pPr/>
-              <a:t>05.05.2023</a:t>
+              <a:t>16.05.2023</a:t>
             </a:fld>
             <a:endParaRPr lang="ru-RU"/>
           </a:p>
@@ -1054,7 +1054,7 @@
             <a:fld id="{85A5DE44-605B-4D3B-B2B7-94543DF81A36}" type="datetimeFigureOut">
               <a:rPr lang="ru-RU" smtClean="0"/>
               <a:pPr/>
-              <a:t>05.05.2023</a:t>
+              <a:t>16.05.2023</a:t>
             </a:fld>
             <a:endParaRPr lang="ru-RU"/>
           </a:p>
@@ -1226,7 +1226,7 @@
             <a:fld id="{85A5DE44-605B-4D3B-B2B7-94543DF81A36}" type="datetimeFigureOut">
               <a:rPr lang="ru-RU" smtClean="0"/>
               <a:pPr/>
-              <a:t>05.05.2023</a:t>
+              <a:t>16.05.2023</a:t>
             </a:fld>
             <a:endParaRPr lang="ru-RU"/>
           </a:p>
@@ -1474,7 +1474,7 @@
             <a:fld id="{85A5DE44-605B-4D3B-B2B7-94543DF81A36}" type="datetimeFigureOut">
               <a:rPr lang="ru-RU" smtClean="0"/>
               <a:pPr/>
-              <a:t>05.05.2023</a:t>
+              <a:t>16.05.2023</a:t>
             </a:fld>
             <a:endParaRPr lang="ru-RU"/>
           </a:p>
@@ -1708,7 +1708,7 @@
             <a:fld id="{85A5DE44-605B-4D3B-B2B7-94543DF81A36}" type="datetimeFigureOut">
               <a:rPr lang="ru-RU" smtClean="0"/>
               <a:pPr/>
-              <a:t>05.05.2023</a:t>
+              <a:t>16.05.2023</a:t>
             </a:fld>
             <a:endParaRPr lang="ru-RU"/>
           </a:p>
@@ -2077,7 +2077,7 @@
             <a:fld id="{85A5DE44-605B-4D3B-B2B7-94543DF81A36}" type="datetimeFigureOut">
               <a:rPr lang="ru-RU" smtClean="0"/>
               <a:pPr/>
-              <a:t>05.05.2023</a:t>
+              <a:t>16.05.2023</a:t>
             </a:fld>
             <a:endParaRPr lang="ru-RU"/>
           </a:p>
@@ -2197,7 +2197,7 @@
             <a:fld id="{85A5DE44-605B-4D3B-B2B7-94543DF81A36}" type="datetimeFigureOut">
               <a:rPr lang="ru-RU" smtClean="0"/>
               <a:pPr/>
-              <a:t>05.05.2023</a:t>
+              <a:t>16.05.2023</a:t>
             </a:fld>
             <a:endParaRPr lang="ru-RU"/>
           </a:p>
@@ -2294,7 +2294,7 @@
             <a:fld id="{85A5DE44-605B-4D3B-B2B7-94543DF81A36}" type="datetimeFigureOut">
               <a:rPr lang="ru-RU" smtClean="0"/>
               <a:pPr/>
-              <a:t>05.05.2023</a:t>
+              <a:t>16.05.2023</a:t>
             </a:fld>
             <a:endParaRPr lang="ru-RU"/>
           </a:p>
@@ -2573,7 +2573,7 @@
             <a:fld id="{85A5DE44-605B-4D3B-B2B7-94543DF81A36}" type="datetimeFigureOut">
               <a:rPr lang="ru-RU" smtClean="0"/>
               <a:pPr/>
-              <a:t>05.05.2023</a:t>
+              <a:t>16.05.2023</a:t>
             </a:fld>
             <a:endParaRPr lang="ru-RU"/>
           </a:p>
@@ -2832,7 +2832,7 @@
             <a:fld id="{85A5DE44-605B-4D3B-B2B7-94543DF81A36}" type="datetimeFigureOut">
               <a:rPr lang="ru-RU" smtClean="0"/>
               <a:pPr/>
-              <a:t>05.05.2023</a:t>
+              <a:t>16.05.2023</a:t>
             </a:fld>
             <a:endParaRPr lang="ru-RU"/>
           </a:p>
@@ -3047,7 +3047,7 @@
             <a:fld id="{85A5DE44-605B-4D3B-B2B7-94543DF81A36}" type="datetimeFigureOut">
               <a:rPr lang="ru-RU" smtClean="0"/>
               <a:pPr/>
-              <a:t>05.05.2023</a:t>
+              <a:t>16.05.2023</a:t>
             </a:fld>
             <a:endParaRPr lang="ru-RU"/>
           </a:p>
@@ -11873,29 +11873,8 @@
             <a:pPr algn="ctr"/>
             <a:r>
               <a:rPr lang="ru-RU" sz="1400" dirty="0"/>
-              <a:t>Внедрение эсперанто </a:t>
-            </a:r>
-            <a:r>
-              <a:rPr lang="ru-RU" sz="200" dirty="0"/>
-              <a:t>(Одной из самых любопытных черт гик-прессы было то значение, которое она придавала эсперанто-движению. Члены группы посвящали часть своего времени изучению эсперанто. Эсперанто-движение, безусловно, было очень сильным в 1920-х и 1930-х годах, особенно в Нидерландах, но оно имело интеллектуальный оттенок, несмотря на надежды некоторых на создание «пролетарского </a:t>
-            </a:r>
-            <a:r>
-              <a:rPr lang="ru-RU" sz="200" dirty="0" err="1"/>
-              <a:t>эсперантизма</a:t>
-            </a:r>
-            <a:r>
-              <a:rPr lang="ru-RU" sz="200" dirty="0"/>
-              <a:t>». Эта иллюзия была широко распространена среди советских коммунистов, которые видели в ней важное средство распространения своих идей на международном уровне. Это выражалось в огромной энергии, затраченной на перевод текстов на эсперанто. Была несколько наивная надежда, что, пропагандируя эсперанто, «язык мира»11, можно будет поощрять «интернационалистические тенденции» внутри пролетариата. Имея это в виду, между 1936 и 1939 годами журнал выпускал обзор на эсперанто: </a:t>
-            </a:r>
-            <a:r>
-              <a:rPr lang="ru-RU" sz="200" dirty="0" err="1"/>
-              <a:t>Klasbatalo</a:t>
-            </a:r>
-            <a:r>
-              <a:rPr lang="ru-RU" sz="200" dirty="0"/>
-              <a:t> («Классовая борьба»), орган теории и обсуждения проблем, стоящих перед новым рабочим движением. Эта попытка вскоре провалилась12ЭСПЕРА́НТОМеждународный язык, искусственно созданный на основе использования грамматических и лексических западноевропейских элементов.)</a:t>
-            </a:r>
-            <a:endParaRPr lang="ru-RU" sz="1400" dirty="0"/>
+              <a:t>Внедрение эсперанто</a:t>
+            </a:r>
           </a:p>
         </p:txBody>
       </p:sp>
@@ -12832,6 +12811,7 @@
             </a:avLst>
           </a:prstGeom>
           <a:ln w="28575">
+            <a:prstDash val="dash"/>
             <a:tailEnd type="arrow"/>
           </a:ln>
         </p:spPr>
@@ -12877,6 +12857,7 @@
             </a:avLst>
           </a:prstGeom>
           <a:ln w="28575">
+            <a:prstDash val="dash"/>
             <a:tailEnd type="arrow"/>
           </a:ln>
         </p:spPr>
@@ -12918,10 +12899,11 @@
           </a:xfrm>
           <a:prstGeom prst="bentConnector3">
             <a:avLst>
-              <a:gd name="adj1" fmla="val 53940"/>
+              <a:gd name="adj1" fmla="val 51709"/>
             </a:avLst>
           </a:prstGeom>
           <a:ln w="28575">
+            <a:prstDash val="dash"/>
             <a:tailEnd type="arrow"/>
           </a:ln>
         </p:spPr>
@@ -13227,6 +13209,7 @@
             </a:avLst>
           </a:prstGeom>
           <a:ln w="28575">
+            <a:prstDash val="dash"/>
             <a:tailEnd type="arrow"/>
           </a:ln>
         </p:spPr>
@@ -13270,6 +13253,7 @@
             <a:avLst/>
           </a:prstGeom>
           <a:ln w="28575">
+            <a:prstDash val="dash"/>
             <a:tailEnd type="arrow"/>
           </a:ln>
         </p:spPr>
@@ -13973,7 +13957,11 @@
           <a:solidFill>
             <a:srgbClr val="FFFF00"/>
           </a:solidFill>
-          <a:ln w="28575"/>
+          <a:ln w="28575">
+            <a:solidFill>
+              <a:schemeClr val="tx1"/>
+            </a:solidFill>
+          </a:ln>
         </p:spPr>
         <p:style>
           <a:lnRef idx="2">
@@ -24069,6 +24057,236 @@
             </a:avLst>
           </a:prstGeom>
           <a:ln w="28575">
+            <a:tailEnd type="arrow"/>
+          </a:ln>
+        </p:spPr>
+        <p:style>
+          <a:lnRef idx="1">
+            <a:schemeClr val="accent1"/>
+          </a:lnRef>
+          <a:fillRef idx="0">
+            <a:schemeClr val="accent1"/>
+          </a:fillRef>
+          <a:effectRef idx="0">
+            <a:schemeClr val="accent1"/>
+          </a:effectRef>
+          <a:fontRef idx="minor">
+            <a:schemeClr val="tx1"/>
+          </a:fontRef>
+        </p:style>
+      </p:cxnSp>
+      <p:cxnSp>
+        <p:nvCxnSpPr>
+          <p:cNvPr id="378" name="Соединительная линия уступом 175">
+            <a:extLst>
+              <a:ext uri="{FF2B5EF4-FFF2-40B4-BE49-F238E27FC236}">
+                <a16:creationId xmlns:a16="http://schemas.microsoft.com/office/drawing/2014/main" id="{2E457459-E321-4440-9427-91E485A55F84}"/>
+              </a:ext>
+            </a:extLst>
+          </p:cNvPr>
+          <p:cNvCxnSpPr>
+            <a:cxnSpLocks/>
+            <a:stCxn id="235" idx="2"/>
+            <a:endCxn id="250" idx="0"/>
+          </p:cNvCxnSpPr>
+          <p:nvPr/>
+        </p:nvCxnSpPr>
+        <p:spPr>
+          <a:xfrm rot="16200000" flipH="1">
+            <a:off x="6520186" y="11659373"/>
+            <a:ext cx="427755" cy="3742340"/>
+          </a:xfrm>
+          <a:prstGeom prst="bentConnector3">
+            <a:avLst>
+              <a:gd name="adj1" fmla="val 50000"/>
+            </a:avLst>
+          </a:prstGeom>
+          <a:ln w="28575">
+            <a:prstDash val="dash"/>
+            <a:tailEnd type="arrow"/>
+          </a:ln>
+        </p:spPr>
+        <p:style>
+          <a:lnRef idx="1">
+            <a:schemeClr val="accent1"/>
+          </a:lnRef>
+          <a:fillRef idx="0">
+            <a:schemeClr val="accent1"/>
+          </a:fillRef>
+          <a:effectRef idx="0">
+            <a:schemeClr val="accent1"/>
+          </a:effectRef>
+          <a:fontRef idx="minor">
+            <a:schemeClr val="tx1"/>
+          </a:fontRef>
+        </p:style>
+      </p:cxnSp>
+      <p:cxnSp>
+        <p:nvCxnSpPr>
+          <p:cNvPr id="391" name="Соединительная линия уступом 175">
+            <a:extLst>
+              <a:ext uri="{FF2B5EF4-FFF2-40B4-BE49-F238E27FC236}">
+                <a16:creationId xmlns:a16="http://schemas.microsoft.com/office/drawing/2014/main" id="{B7ED3DED-BC64-4039-9EDE-0A7985FC5D50}"/>
+              </a:ext>
+            </a:extLst>
+          </p:cNvPr>
+          <p:cNvCxnSpPr>
+            <a:cxnSpLocks/>
+            <a:stCxn id="234" idx="2"/>
+            <a:endCxn id="244" idx="0"/>
+          </p:cNvCxnSpPr>
+          <p:nvPr/>
+        </p:nvCxnSpPr>
+        <p:spPr>
+          <a:xfrm rot="5400000">
+            <a:off x="5287484" y="11663611"/>
+            <a:ext cx="426918" cy="3734703"/>
+          </a:xfrm>
+          <a:prstGeom prst="bentConnector3">
+            <a:avLst>
+              <a:gd name="adj1" fmla="val 50000"/>
+            </a:avLst>
+          </a:prstGeom>
+          <a:ln w="28575">
+            <a:prstDash val="dash"/>
+            <a:tailEnd type="arrow"/>
+          </a:ln>
+        </p:spPr>
+        <p:style>
+          <a:lnRef idx="1">
+            <a:schemeClr val="accent1"/>
+          </a:lnRef>
+          <a:fillRef idx="0">
+            <a:schemeClr val="accent1"/>
+          </a:fillRef>
+          <a:effectRef idx="0">
+            <a:schemeClr val="accent1"/>
+          </a:effectRef>
+          <a:fontRef idx="minor">
+            <a:schemeClr val="tx1"/>
+          </a:fontRef>
+        </p:style>
+      </p:cxnSp>
+      <p:cxnSp>
+        <p:nvCxnSpPr>
+          <p:cNvPr id="393" name="Соединительная линия уступом 175">
+            <a:extLst>
+              <a:ext uri="{FF2B5EF4-FFF2-40B4-BE49-F238E27FC236}">
+                <a16:creationId xmlns:a16="http://schemas.microsoft.com/office/drawing/2014/main" id="{A58D2E62-42B8-4997-A678-C87E0FBAC19A}"/>
+              </a:ext>
+            </a:extLst>
+          </p:cNvPr>
+          <p:cNvCxnSpPr>
+            <a:cxnSpLocks/>
+            <a:stCxn id="234" idx="2"/>
+            <a:endCxn id="246" idx="0"/>
+          </p:cNvCxnSpPr>
+          <p:nvPr/>
+        </p:nvCxnSpPr>
+        <p:spPr>
+          <a:xfrm rot="5400000">
+            <a:off x="6521069" y="12902154"/>
+            <a:ext cx="431876" cy="1262574"/>
+          </a:xfrm>
+          <a:prstGeom prst="bentConnector3">
+            <a:avLst>
+              <a:gd name="adj1" fmla="val 50000"/>
+            </a:avLst>
+          </a:prstGeom>
+          <a:ln w="28575">
+            <a:prstDash val="dash"/>
+            <a:tailEnd type="arrow"/>
+          </a:ln>
+        </p:spPr>
+        <p:style>
+          <a:lnRef idx="1">
+            <a:schemeClr val="accent1"/>
+          </a:lnRef>
+          <a:fillRef idx="0">
+            <a:schemeClr val="accent1"/>
+          </a:fillRef>
+          <a:effectRef idx="0">
+            <a:schemeClr val="accent1"/>
+          </a:effectRef>
+          <a:fontRef idx="minor">
+            <a:schemeClr val="tx1"/>
+          </a:fontRef>
+        </p:style>
+      </p:cxnSp>
+      <p:cxnSp>
+        <p:nvCxnSpPr>
+          <p:cNvPr id="394" name="Соединительная линия уступом 175">
+            <a:extLst>
+              <a:ext uri="{FF2B5EF4-FFF2-40B4-BE49-F238E27FC236}">
+                <a16:creationId xmlns:a16="http://schemas.microsoft.com/office/drawing/2014/main" id="{9C1FA5A7-FAAB-4227-AD65-FB45E529C636}"/>
+              </a:ext>
+            </a:extLst>
+          </p:cNvPr>
+          <p:cNvCxnSpPr>
+            <a:cxnSpLocks/>
+            <a:stCxn id="234" idx="2"/>
+            <a:endCxn id="267" idx="0"/>
+          </p:cNvCxnSpPr>
+          <p:nvPr/>
+        </p:nvCxnSpPr>
+        <p:spPr>
+          <a:xfrm rot="5400000">
+            <a:off x="5092644" y="13085373"/>
+            <a:ext cx="2043521" cy="2507780"/>
+          </a:xfrm>
+          <a:prstGeom prst="bentConnector3">
+            <a:avLst>
+              <a:gd name="adj1" fmla="val 10847"/>
+            </a:avLst>
+          </a:prstGeom>
+          <a:ln w="28575">
+            <a:prstDash val="dash"/>
+            <a:tailEnd type="arrow"/>
+          </a:ln>
+        </p:spPr>
+        <p:style>
+          <a:lnRef idx="1">
+            <a:schemeClr val="accent1"/>
+          </a:lnRef>
+          <a:fillRef idx="0">
+            <a:schemeClr val="accent1"/>
+          </a:fillRef>
+          <a:effectRef idx="0">
+            <a:schemeClr val="accent1"/>
+          </a:effectRef>
+          <a:fontRef idx="minor">
+            <a:schemeClr val="tx1"/>
+          </a:fontRef>
+        </p:style>
+      </p:cxnSp>
+      <p:cxnSp>
+        <p:nvCxnSpPr>
+          <p:cNvPr id="395" name="Соединительная линия уступом 175">
+            <a:extLst>
+              <a:ext uri="{FF2B5EF4-FFF2-40B4-BE49-F238E27FC236}">
+                <a16:creationId xmlns:a16="http://schemas.microsoft.com/office/drawing/2014/main" id="{3ADF1975-2C2F-4962-B6E3-B2209630103F}"/>
+              </a:ext>
+            </a:extLst>
+          </p:cNvPr>
+          <p:cNvCxnSpPr>
+            <a:cxnSpLocks/>
+            <a:stCxn id="234" idx="2"/>
+            <a:endCxn id="268" idx="0"/>
+          </p:cNvCxnSpPr>
+          <p:nvPr/>
+        </p:nvCxnSpPr>
+        <p:spPr>
+          <a:xfrm rot="5400000">
+            <a:off x="6341692" y="14334421"/>
+            <a:ext cx="2043521" cy="9684"/>
+          </a:xfrm>
+          <a:prstGeom prst="bentConnector3">
+            <a:avLst>
+              <a:gd name="adj1" fmla="val 50000"/>
+            </a:avLst>
+          </a:prstGeom>
+          <a:ln w="28575">
+            <a:prstDash val="dash"/>
             <a:tailEnd type="arrow"/>
           </a:ln>
         </p:spPr>

--- a/Наработки/диздоки/Нидерланды/Нидерланды.pptx
+++ b/Наработки/диздоки/Нидерланды/Нидерланды.pptx
@@ -210,7 +210,7 @@
             <a:fld id="{33E3D7F9-E251-484C-A6FF-FA958879DF69}" type="datetimeFigureOut">
               <a:rPr lang="ru-RU" smtClean="0"/>
               <a:pPr/>
-              <a:t>16.05.2023</a:t>
+              <a:t>02.06.2023</a:t>
             </a:fld>
             <a:endParaRPr lang="ru-RU"/>
           </a:p>
@@ -700,7 +700,7 @@
             <a:fld id="{85A5DE44-605B-4D3B-B2B7-94543DF81A36}" type="datetimeFigureOut">
               <a:rPr lang="ru-RU" smtClean="0"/>
               <a:pPr/>
-              <a:t>16.05.2023</a:t>
+              <a:t>02.06.2023</a:t>
             </a:fld>
             <a:endParaRPr lang="ru-RU"/>
           </a:p>
@@ -872,7 +872,7 @@
             <a:fld id="{85A5DE44-605B-4D3B-B2B7-94543DF81A36}" type="datetimeFigureOut">
               <a:rPr lang="ru-RU" smtClean="0"/>
               <a:pPr/>
-              <a:t>16.05.2023</a:t>
+              <a:t>02.06.2023</a:t>
             </a:fld>
             <a:endParaRPr lang="ru-RU"/>
           </a:p>
@@ -1054,7 +1054,7 @@
             <a:fld id="{85A5DE44-605B-4D3B-B2B7-94543DF81A36}" type="datetimeFigureOut">
               <a:rPr lang="ru-RU" smtClean="0"/>
               <a:pPr/>
-              <a:t>16.05.2023</a:t>
+              <a:t>02.06.2023</a:t>
             </a:fld>
             <a:endParaRPr lang="ru-RU"/>
           </a:p>
@@ -1226,7 +1226,7 @@
             <a:fld id="{85A5DE44-605B-4D3B-B2B7-94543DF81A36}" type="datetimeFigureOut">
               <a:rPr lang="ru-RU" smtClean="0"/>
               <a:pPr/>
-              <a:t>16.05.2023</a:t>
+              <a:t>02.06.2023</a:t>
             </a:fld>
             <a:endParaRPr lang="ru-RU"/>
           </a:p>
@@ -1474,7 +1474,7 @@
             <a:fld id="{85A5DE44-605B-4D3B-B2B7-94543DF81A36}" type="datetimeFigureOut">
               <a:rPr lang="ru-RU" smtClean="0"/>
               <a:pPr/>
-              <a:t>16.05.2023</a:t>
+              <a:t>02.06.2023</a:t>
             </a:fld>
             <a:endParaRPr lang="ru-RU"/>
           </a:p>
@@ -1708,7 +1708,7 @@
             <a:fld id="{85A5DE44-605B-4D3B-B2B7-94543DF81A36}" type="datetimeFigureOut">
               <a:rPr lang="ru-RU" smtClean="0"/>
               <a:pPr/>
-              <a:t>16.05.2023</a:t>
+              <a:t>02.06.2023</a:t>
             </a:fld>
             <a:endParaRPr lang="ru-RU"/>
           </a:p>
@@ -2077,7 +2077,7 @@
             <a:fld id="{85A5DE44-605B-4D3B-B2B7-94543DF81A36}" type="datetimeFigureOut">
               <a:rPr lang="ru-RU" smtClean="0"/>
               <a:pPr/>
-              <a:t>16.05.2023</a:t>
+              <a:t>02.06.2023</a:t>
             </a:fld>
             <a:endParaRPr lang="ru-RU"/>
           </a:p>
@@ -2197,7 +2197,7 @@
             <a:fld id="{85A5DE44-605B-4D3B-B2B7-94543DF81A36}" type="datetimeFigureOut">
               <a:rPr lang="ru-RU" smtClean="0"/>
               <a:pPr/>
-              <a:t>16.05.2023</a:t>
+              <a:t>02.06.2023</a:t>
             </a:fld>
             <a:endParaRPr lang="ru-RU"/>
           </a:p>
@@ -2294,7 +2294,7 @@
             <a:fld id="{85A5DE44-605B-4D3B-B2B7-94543DF81A36}" type="datetimeFigureOut">
               <a:rPr lang="ru-RU" smtClean="0"/>
               <a:pPr/>
-              <a:t>16.05.2023</a:t>
+              <a:t>02.06.2023</a:t>
             </a:fld>
             <a:endParaRPr lang="ru-RU"/>
           </a:p>
@@ -2573,7 +2573,7 @@
             <a:fld id="{85A5DE44-605B-4D3B-B2B7-94543DF81A36}" type="datetimeFigureOut">
               <a:rPr lang="ru-RU" smtClean="0"/>
               <a:pPr/>
-              <a:t>16.05.2023</a:t>
+              <a:t>02.06.2023</a:t>
             </a:fld>
             <a:endParaRPr lang="ru-RU"/>
           </a:p>
@@ -2832,7 +2832,7 @@
             <a:fld id="{85A5DE44-605B-4D3B-B2B7-94543DF81A36}" type="datetimeFigureOut">
               <a:rPr lang="ru-RU" smtClean="0"/>
               <a:pPr/>
-              <a:t>16.05.2023</a:t>
+              <a:t>02.06.2023</a:t>
             </a:fld>
             <a:endParaRPr lang="ru-RU"/>
           </a:p>
@@ -3047,7 +3047,7 @@
             <a:fld id="{85A5DE44-605B-4D3B-B2B7-94543DF81A36}" type="datetimeFigureOut">
               <a:rPr lang="ru-RU" smtClean="0"/>
               <a:pPr/>
-              <a:t>16.05.2023</a:t>
+              <a:t>02.06.2023</a:t>
             </a:fld>
             <a:endParaRPr lang="ru-RU"/>
           </a:p>

--- a/Наработки/диздоки/Нидерланды/Нидерланды.pptx
+++ b/Наработки/диздоки/Нидерланды/Нидерланды.pptx
@@ -210,7 +210,7 @@
             <a:fld id="{33E3D7F9-E251-484C-A6FF-FA958879DF69}" type="datetimeFigureOut">
               <a:rPr lang="ru-RU" smtClean="0"/>
               <a:pPr/>
-              <a:t>02.06.2023</a:t>
+              <a:t>06.06.2023</a:t>
             </a:fld>
             <a:endParaRPr lang="ru-RU"/>
           </a:p>
@@ -700,7 +700,7 @@
             <a:fld id="{85A5DE44-605B-4D3B-B2B7-94543DF81A36}" type="datetimeFigureOut">
               <a:rPr lang="ru-RU" smtClean="0"/>
               <a:pPr/>
-              <a:t>02.06.2023</a:t>
+              <a:t>06.06.2023</a:t>
             </a:fld>
             <a:endParaRPr lang="ru-RU"/>
           </a:p>
@@ -872,7 +872,7 @@
             <a:fld id="{85A5DE44-605B-4D3B-B2B7-94543DF81A36}" type="datetimeFigureOut">
               <a:rPr lang="ru-RU" smtClean="0"/>
               <a:pPr/>
-              <a:t>02.06.2023</a:t>
+              <a:t>06.06.2023</a:t>
             </a:fld>
             <a:endParaRPr lang="ru-RU"/>
           </a:p>
@@ -1054,7 +1054,7 @@
             <a:fld id="{85A5DE44-605B-4D3B-B2B7-94543DF81A36}" type="datetimeFigureOut">
               <a:rPr lang="ru-RU" smtClean="0"/>
               <a:pPr/>
-              <a:t>02.06.2023</a:t>
+              <a:t>06.06.2023</a:t>
             </a:fld>
             <a:endParaRPr lang="ru-RU"/>
           </a:p>
@@ -1226,7 +1226,7 @@
             <a:fld id="{85A5DE44-605B-4D3B-B2B7-94543DF81A36}" type="datetimeFigureOut">
               <a:rPr lang="ru-RU" smtClean="0"/>
               <a:pPr/>
-              <a:t>02.06.2023</a:t>
+              <a:t>06.06.2023</a:t>
             </a:fld>
             <a:endParaRPr lang="ru-RU"/>
           </a:p>
@@ -1474,7 +1474,7 @@
             <a:fld id="{85A5DE44-605B-4D3B-B2B7-94543DF81A36}" type="datetimeFigureOut">
               <a:rPr lang="ru-RU" smtClean="0"/>
               <a:pPr/>
-              <a:t>02.06.2023</a:t>
+              <a:t>06.06.2023</a:t>
             </a:fld>
             <a:endParaRPr lang="ru-RU"/>
           </a:p>
@@ -1708,7 +1708,7 @@
             <a:fld id="{85A5DE44-605B-4D3B-B2B7-94543DF81A36}" type="datetimeFigureOut">
               <a:rPr lang="ru-RU" smtClean="0"/>
               <a:pPr/>
-              <a:t>02.06.2023</a:t>
+              <a:t>06.06.2023</a:t>
             </a:fld>
             <a:endParaRPr lang="ru-RU"/>
           </a:p>
@@ -2077,7 +2077,7 @@
             <a:fld id="{85A5DE44-605B-4D3B-B2B7-94543DF81A36}" type="datetimeFigureOut">
               <a:rPr lang="ru-RU" smtClean="0"/>
               <a:pPr/>
-              <a:t>02.06.2023</a:t>
+              <a:t>06.06.2023</a:t>
             </a:fld>
             <a:endParaRPr lang="ru-RU"/>
           </a:p>
@@ -2197,7 +2197,7 @@
             <a:fld id="{85A5DE44-605B-4D3B-B2B7-94543DF81A36}" type="datetimeFigureOut">
               <a:rPr lang="ru-RU" smtClean="0"/>
               <a:pPr/>
-              <a:t>02.06.2023</a:t>
+              <a:t>06.06.2023</a:t>
             </a:fld>
             <a:endParaRPr lang="ru-RU"/>
           </a:p>
@@ -2294,7 +2294,7 @@
             <a:fld id="{85A5DE44-605B-4D3B-B2B7-94543DF81A36}" type="datetimeFigureOut">
               <a:rPr lang="ru-RU" smtClean="0"/>
               <a:pPr/>
-              <a:t>02.06.2023</a:t>
+              <a:t>06.06.2023</a:t>
             </a:fld>
             <a:endParaRPr lang="ru-RU"/>
           </a:p>
@@ -2573,7 +2573,7 @@
             <a:fld id="{85A5DE44-605B-4D3B-B2B7-94543DF81A36}" type="datetimeFigureOut">
               <a:rPr lang="ru-RU" smtClean="0"/>
               <a:pPr/>
-              <a:t>02.06.2023</a:t>
+              <a:t>06.06.2023</a:t>
             </a:fld>
             <a:endParaRPr lang="ru-RU"/>
           </a:p>
@@ -2832,7 +2832,7 @@
             <a:fld id="{85A5DE44-605B-4D3B-B2B7-94543DF81A36}" type="datetimeFigureOut">
               <a:rPr lang="ru-RU" smtClean="0"/>
               <a:pPr/>
-              <a:t>02.06.2023</a:t>
+              <a:t>06.06.2023</a:t>
             </a:fld>
             <a:endParaRPr lang="ru-RU"/>
           </a:p>
@@ -3047,7 +3047,7 @@
             <a:fld id="{85A5DE44-605B-4D3B-B2B7-94543DF81A36}" type="datetimeFigureOut">
               <a:rPr lang="ru-RU" smtClean="0"/>
               <a:pPr/>
-              <a:t>02.06.2023</a:t>
+              <a:t>06.06.2023</a:t>
             </a:fld>
             <a:endParaRPr lang="ru-RU"/>
           </a:p>
@@ -26154,7 +26154,7 @@
         </p:nvSpPr>
         <p:spPr>
           <a:xfrm>
-            <a:off x="673028" y="14935416"/>
+            <a:off x="6076452" y="14948124"/>
             <a:ext cx="2115918" cy="1080000"/>
           </a:xfrm>
           <a:prstGeom prst="rect">
@@ -26418,7 +26418,7 @@
         </p:nvSpPr>
         <p:spPr>
           <a:xfrm>
-            <a:off x="8642252" y="7222783"/>
+            <a:off x="8762726" y="7222783"/>
             <a:ext cx="2115918" cy="1080000"/>
           </a:xfrm>
           <a:prstGeom prst="rect">
@@ -26927,8 +26927,8 @@
         </p:nvCxnSpPr>
         <p:spPr>
           <a:xfrm rot="16200000" flipH="1">
-            <a:off x="8156082" y="5678653"/>
-            <a:ext cx="510163" cy="2578096"/>
+            <a:off x="8216319" y="5618416"/>
+            <a:ext cx="510163" cy="2698570"/>
           </a:xfrm>
           <a:prstGeom prst="bentConnector3">
             <a:avLst>
@@ -27238,7 +27238,7 @@
         </p:nvSpPr>
         <p:spPr>
           <a:xfrm>
-            <a:off x="6064155" y="14935416"/>
+            <a:off x="8756973" y="14948124"/>
             <a:ext cx="2115918" cy="1080000"/>
           </a:xfrm>
           <a:prstGeom prst="rect">
@@ -27275,190 +27275,6 @@
           </a:p>
         </p:txBody>
       </p:sp>
-      <p:cxnSp>
-        <p:nvCxnSpPr>
-          <p:cNvPr id="310" name="Соединительная линия уступом 175">
-            <a:extLst>
-              <a:ext uri="{FF2B5EF4-FFF2-40B4-BE49-F238E27FC236}">
-                <a16:creationId xmlns:a16="http://schemas.microsoft.com/office/drawing/2014/main" id="{48CEAFD3-CACB-4598-8014-8E4A94F7B29D}"/>
-              </a:ext>
-            </a:extLst>
-          </p:cNvPr>
-          <p:cNvCxnSpPr>
-            <a:cxnSpLocks/>
-            <a:stCxn id="187" idx="2"/>
-            <a:endCxn id="309" idx="0"/>
-          </p:cNvCxnSpPr>
-          <p:nvPr/>
-        </p:nvCxnSpPr>
-        <p:spPr>
-          <a:xfrm rot="16200000" flipH="1">
-            <a:off x="4792948" y="12606250"/>
-            <a:ext cx="1965776" cy="2692555"/>
-          </a:xfrm>
-          <a:prstGeom prst="bentConnector3">
-            <a:avLst>
-              <a:gd name="adj1" fmla="val 11441"/>
-            </a:avLst>
-          </a:prstGeom>
-          <a:ln w="28575">
-            <a:prstDash val="dash"/>
-            <a:tailEnd type="arrow"/>
-          </a:ln>
-        </p:spPr>
-        <p:style>
-          <a:lnRef idx="1">
-            <a:schemeClr val="accent1"/>
-          </a:lnRef>
-          <a:fillRef idx="0">
-            <a:schemeClr val="accent1"/>
-          </a:fillRef>
-          <a:effectRef idx="0">
-            <a:schemeClr val="accent1"/>
-          </a:effectRef>
-          <a:fontRef idx="minor">
-            <a:schemeClr val="tx1"/>
-          </a:fontRef>
-        </p:style>
-      </p:cxnSp>
-      <p:cxnSp>
-        <p:nvCxnSpPr>
-          <p:cNvPr id="314" name="Соединительная линия уступом 175">
-            <a:extLst>
-              <a:ext uri="{FF2B5EF4-FFF2-40B4-BE49-F238E27FC236}">
-                <a16:creationId xmlns:a16="http://schemas.microsoft.com/office/drawing/2014/main" id="{E91A4672-B571-4E06-A878-48F16244A5A0}"/>
-              </a:ext>
-            </a:extLst>
-          </p:cNvPr>
-          <p:cNvCxnSpPr>
-            <a:cxnSpLocks/>
-            <a:stCxn id="190" idx="2"/>
-            <a:endCxn id="309" idx="0"/>
-          </p:cNvCxnSpPr>
-          <p:nvPr/>
-        </p:nvCxnSpPr>
-        <p:spPr>
-          <a:xfrm rot="5400000">
-            <a:off x="7490971" y="12605702"/>
-            <a:ext cx="1960858" cy="2698571"/>
-          </a:xfrm>
-          <a:prstGeom prst="bentConnector3">
-            <a:avLst>
-              <a:gd name="adj1" fmla="val 11344"/>
-            </a:avLst>
-          </a:prstGeom>
-          <a:ln w="28575">
-            <a:prstDash val="dash"/>
-            <a:tailEnd type="arrow"/>
-          </a:ln>
-        </p:spPr>
-        <p:style>
-          <a:lnRef idx="1">
-            <a:schemeClr val="accent1"/>
-          </a:lnRef>
-          <a:fillRef idx="0">
-            <a:schemeClr val="accent1"/>
-          </a:fillRef>
-          <a:effectRef idx="0">
-            <a:schemeClr val="accent1"/>
-          </a:effectRef>
-          <a:fontRef idx="minor">
-            <a:schemeClr val="tx1"/>
-          </a:fontRef>
-        </p:style>
-      </p:cxnSp>
-      <p:cxnSp>
-        <p:nvCxnSpPr>
-          <p:cNvPr id="318" name="Соединительная линия уступом 175">
-            <a:extLst>
-              <a:ext uri="{FF2B5EF4-FFF2-40B4-BE49-F238E27FC236}">
-                <a16:creationId xmlns:a16="http://schemas.microsoft.com/office/drawing/2014/main" id="{1515AF83-B9A8-4642-9B6D-2318D40A3ACD}"/>
-              </a:ext>
-            </a:extLst>
-          </p:cNvPr>
-          <p:cNvCxnSpPr>
-            <a:cxnSpLocks/>
-            <a:stCxn id="187" idx="2"/>
-            <a:endCxn id="261" idx="0"/>
-          </p:cNvCxnSpPr>
-          <p:nvPr/>
-        </p:nvCxnSpPr>
-        <p:spPr>
-          <a:xfrm rot="5400000">
-            <a:off x="2097385" y="12603242"/>
-            <a:ext cx="1965776" cy="2698572"/>
-          </a:xfrm>
-          <a:prstGeom prst="bentConnector3">
-            <a:avLst>
-              <a:gd name="adj1" fmla="val 12206"/>
-            </a:avLst>
-          </a:prstGeom>
-          <a:ln w="28575">
-            <a:prstDash val="dash"/>
-            <a:tailEnd type="arrow"/>
-          </a:ln>
-        </p:spPr>
-        <p:style>
-          <a:lnRef idx="1">
-            <a:schemeClr val="accent1"/>
-          </a:lnRef>
-          <a:fillRef idx="0">
-            <a:schemeClr val="accent1"/>
-          </a:fillRef>
-          <a:effectRef idx="0">
-            <a:schemeClr val="accent1"/>
-          </a:effectRef>
-          <a:fontRef idx="minor">
-            <a:schemeClr val="tx1"/>
-          </a:fontRef>
-        </p:style>
-      </p:cxnSp>
-      <p:cxnSp>
-        <p:nvCxnSpPr>
-          <p:cNvPr id="321" name="Соединительная линия уступом 175">
-            <a:extLst>
-              <a:ext uri="{FF2B5EF4-FFF2-40B4-BE49-F238E27FC236}">
-                <a16:creationId xmlns:a16="http://schemas.microsoft.com/office/drawing/2014/main" id="{BD69B929-5C44-4B56-A001-8364C15C56D4}"/>
-              </a:ext>
-            </a:extLst>
-          </p:cNvPr>
-          <p:cNvCxnSpPr>
-            <a:cxnSpLocks/>
-            <a:stCxn id="190" idx="2"/>
-            <a:endCxn id="261" idx="0"/>
-          </p:cNvCxnSpPr>
-          <p:nvPr/>
-        </p:nvCxnSpPr>
-        <p:spPr>
-          <a:xfrm rot="5400000">
-            <a:off x="4795407" y="9910138"/>
-            <a:ext cx="1960858" cy="8089698"/>
-          </a:xfrm>
-          <a:prstGeom prst="bentConnector3">
-            <a:avLst>
-              <a:gd name="adj1" fmla="val 11139"/>
-            </a:avLst>
-          </a:prstGeom>
-          <a:ln w="28575">
-            <a:prstDash val="dash"/>
-            <a:tailEnd type="arrow"/>
-          </a:ln>
-        </p:spPr>
-        <p:style>
-          <a:lnRef idx="1">
-            <a:schemeClr val="accent1"/>
-          </a:lnRef>
-          <a:fillRef idx="0">
-            <a:schemeClr val="accent1"/>
-          </a:fillRef>
-          <a:effectRef idx="0">
-            <a:schemeClr val="accent1"/>
-          </a:effectRef>
-          <a:fontRef idx="minor">
-            <a:schemeClr val="tx1"/>
-          </a:fontRef>
-        </p:style>
-      </p:cxnSp>
       <p:sp>
         <p:nvSpPr>
           <p:cNvPr id="325" name="Прямоугольник 324">
@@ -27473,7 +27289,7 @@
         </p:nvSpPr>
         <p:spPr>
           <a:xfrm>
-            <a:off x="8767250" y="14935416"/>
+            <a:off x="6064155" y="16669714"/>
             <a:ext cx="2115918" cy="1080000"/>
           </a:xfrm>
           <a:prstGeom prst="rect">
@@ -27510,98 +27326,6 @@
           </a:p>
         </p:txBody>
       </p:sp>
-      <p:cxnSp>
-        <p:nvCxnSpPr>
-          <p:cNvPr id="326" name="Соединительная линия уступом 175">
-            <a:extLst>
-              <a:ext uri="{FF2B5EF4-FFF2-40B4-BE49-F238E27FC236}">
-                <a16:creationId xmlns:a16="http://schemas.microsoft.com/office/drawing/2014/main" id="{7288CC76-A1AF-49E9-9F9C-6EDE4DCF233E}"/>
-              </a:ext>
-            </a:extLst>
-          </p:cNvPr>
-          <p:cNvCxnSpPr>
-            <a:cxnSpLocks/>
-            <a:stCxn id="187" idx="2"/>
-            <a:endCxn id="325" idx="0"/>
-          </p:cNvCxnSpPr>
-          <p:nvPr/>
-        </p:nvCxnSpPr>
-        <p:spPr>
-          <a:xfrm rot="16200000" flipH="1">
-            <a:off x="6144496" y="11254703"/>
-            <a:ext cx="1965776" cy="5395650"/>
-          </a:xfrm>
-          <a:prstGeom prst="bentConnector3">
-            <a:avLst>
-              <a:gd name="adj1" fmla="val 10829"/>
-            </a:avLst>
-          </a:prstGeom>
-          <a:ln w="28575">
-            <a:prstDash val="dash"/>
-            <a:tailEnd type="arrow"/>
-          </a:ln>
-        </p:spPr>
-        <p:style>
-          <a:lnRef idx="1">
-            <a:schemeClr val="accent1"/>
-          </a:lnRef>
-          <a:fillRef idx="0">
-            <a:schemeClr val="accent1"/>
-          </a:fillRef>
-          <a:effectRef idx="0">
-            <a:schemeClr val="accent1"/>
-          </a:effectRef>
-          <a:fontRef idx="minor">
-            <a:schemeClr val="tx1"/>
-          </a:fontRef>
-        </p:style>
-      </p:cxnSp>
-      <p:cxnSp>
-        <p:nvCxnSpPr>
-          <p:cNvPr id="331" name="Соединительная линия уступом 175">
-            <a:extLst>
-              <a:ext uri="{FF2B5EF4-FFF2-40B4-BE49-F238E27FC236}">
-                <a16:creationId xmlns:a16="http://schemas.microsoft.com/office/drawing/2014/main" id="{1E7589FB-D22B-415B-817A-F26F7790C8E4}"/>
-              </a:ext>
-            </a:extLst>
-          </p:cNvPr>
-          <p:cNvCxnSpPr>
-            <a:cxnSpLocks/>
-            <a:stCxn id="190" idx="2"/>
-            <a:endCxn id="325" idx="0"/>
-          </p:cNvCxnSpPr>
-          <p:nvPr/>
-        </p:nvCxnSpPr>
-        <p:spPr>
-          <a:xfrm rot="16200000" flipH="1">
-            <a:off x="8842518" y="13952725"/>
-            <a:ext cx="1960858" cy="4524"/>
-          </a:xfrm>
-          <a:prstGeom prst="bentConnector3">
-            <a:avLst>
-              <a:gd name="adj1" fmla="val 50000"/>
-            </a:avLst>
-          </a:prstGeom>
-          <a:ln w="28575">
-            <a:prstDash val="dash"/>
-            <a:tailEnd type="arrow"/>
-          </a:ln>
-        </p:spPr>
-        <p:style>
-          <a:lnRef idx="1">
-            <a:schemeClr val="accent1"/>
-          </a:lnRef>
-          <a:fillRef idx="0">
-            <a:schemeClr val="accent1"/>
-          </a:fillRef>
-          <a:effectRef idx="0">
-            <a:schemeClr val="accent1"/>
-          </a:effectRef>
-          <a:fontRef idx="minor">
-            <a:schemeClr val="tx1"/>
-          </a:fontRef>
-        </p:style>
-      </p:cxnSp>
       <p:sp>
         <p:nvSpPr>
           <p:cNvPr id="339" name="Прямоугольник 338">
@@ -27668,51 +27392,6 @@
           </a:p>
         </p:txBody>
       </p:sp>
-      <p:cxnSp>
-        <p:nvCxnSpPr>
-          <p:cNvPr id="340" name="Прямая соединительная линия 339">
-            <a:extLst>
-              <a:ext uri="{FF2B5EF4-FFF2-40B4-BE49-F238E27FC236}">
-                <a16:creationId xmlns:a16="http://schemas.microsoft.com/office/drawing/2014/main" id="{5159CA86-9269-4E7A-84EC-A8E3753FEECF}"/>
-              </a:ext>
-            </a:extLst>
-          </p:cNvPr>
-          <p:cNvCxnSpPr>
-            <a:cxnSpLocks/>
-            <a:stCxn id="425" idx="3"/>
-            <a:endCxn id="426" idx="1"/>
-          </p:cNvCxnSpPr>
-          <p:nvPr/>
-        </p:nvCxnSpPr>
-        <p:spPr>
-          <a:xfrm>
-            <a:off x="8180073" y="4582456"/>
-            <a:ext cx="20638791" cy="0"/>
-          </a:xfrm>
-          <a:prstGeom prst="line">
-            <a:avLst/>
-          </a:prstGeom>
-          <a:ln w="28575">
-            <a:solidFill>
-              <a:srgbClr val="FF0000"/>
-            </a:solidFill>
-          </a:ln>
-        </p:spPr>
-        <p:style>
-          <a:lnRef idx="1">
-            <a:schemeClr val="accent1"/>
-          </a:lnRef>
-          <a:fillRef idx="0">
-            <a:schemeClr val="accent1"/>
-          </a:fillRef>
-          <a:effectRef idx="0">
-            <a:schemeClr val="accent1"/>
-          </a:effectRef>
-          <a:fontRef idx="minor">
-            <a:schemeClr val="tx1"/>
-          </a:fontRef>
-        </p:style>
-      </p:cxnSp>
       <p:sp>
         <p:nvSpPr>
           <p:cNvPr id="341" name="Прямоугольник 340">
@@ -29533,7 +29212,7 @@
         </p:nvSpPr>
         <p:spPr>
           <a:xfrm>
-            <a:off x="22619524" y="10183598"/>
+            <a:off x="22619206" y="10156769"/>
             <a:ext cx="2115918" cy="1080000"/>
           </a:xfrm>
           <a:prstGeom prst="rect">
@@ -29615,7 +29294,7 @@
         </p:nvSpPr>
         <p:spPr>
           <a:xfrm>
-            <a:off x="25123334" y="10193109"/>
+            <a:off x="25123334" y="10149034"/>
             <a:ext cx="2115918" cy="1080000"/>
           </a:xfrm>
           <a:prstGeom prst="rect">
@@ -29669,7 +29348,7 @@
         </p:nvSpPr>
         <p:spPr>
           <a:xfrm>
-            <a:off x="22619206" y="14662135"/>
+            <a:off x="22619888" y="14950671"/>
             <a:ext cx="2115918" cy="1080000"/>
           </a:xfrm>
           <a:prstGeom prst="rect">
@@ -29780,9 +29459,9 @@
           <p:nvPr/>
         </p:nvCxnSpPr>
         <p:spPr>
-          <a:xfrm flipH="1" flipV="1">
-            <a:off x="24735442" y="10723598"/>
-            <a:ext cx="387892" cy="9511"/>
+          <a:xfrm flipH="1">
+            <a:off x="24735124" y="10689034"/>
+            <a:ext cx="388210" cy="7735"/>
           </a:xfrm>
           <a:prstGeom prst="line">
             <a:avLst/>
@@ -29826,8 +29505,8 @@
         </p:nvCxnSpPr>
         <p:spPr>
           <a:xfrm rot="16200000" flipH="1">
-            <a:off x="22815510" y="9321625"/>
-            <a:ext cx="531886" cy="1192059"/>
+            <a:off x="22828766" y="9308369"/>
+            <a:ext cx="505057" cy="1191741"/>
           </a:xfrm>
           <a:prstGeom prst="bentConnector3">
             <a:avLst>
@@ -30578,7 +30257,7 @@
         </p:nvSpPr>
         <p:spPr>
           <a:xfrm>
-            <a:off x="25081293" y="14662135"/>
+            <a:off x="25081293" y="14948124"/>
             <a:ext cx="2115918" cy="1080000"/>
           </a:xfrm>
           <a:prstGeom prst="rect">
@@ -30632,7 +30311,7 @@
         </p:nvSpPr>
         <p:spPr>
           <a:xfrm>
-            <a:off x="22619206" y="11681187"/>
+            <a:off x="22619206" y="11910458"/>
             <a:ext cx="2115918" cy="1080000"/>
           </a:xfrm>
           <a:prstGeom prst="rect">
@@ -30697,9 +30376,9 @@
           <p:nvPr/>
         </p:nvCxnSpPr>
         <p:spPr>
-          <a:xfrm flipH="1">
-            <a:off x="23677165" y="11263598"/>
-            <a:ext cx="318" cy="417589"/>
+          <a:xfrm>
+            <a:off x="23677165" y="11236769"/>
+            <a:ext cx="0" cy="673689"/>
           </a:xfrm>
           <a:prstGeom prst="straightConnector1">
             <a:avLst/>
@@ -30737,7 +30416,7 @@
         </p:nvSpPr>
         <p:spPr>
           <a:xfrm>
-            <a:off x="22619206" y="16144692"/>
+            <a:off x="22619206" y="16669714"/>
             <a:ext cx="2115918" cy="1080000"/>
           </a:xfrm>
           <a:prstGeom prst="rect">
@@ -30791,7 +30470,7 @@
         </p:nvSpPr>
         <p:spPr>
           <a:xfrm>
-            <a:off x="25081293" y="16144692"/>
+            <a:off x="25108460" y="16669714"/>
             <a:ext cx="2115918" cy="1080000"/>
           </a:xfrm>
           <a:prstGeom prst="rect">
@@ -30845,7 +30524,7 @@
         </p:nvSpPr>
         <p:spPr>
           <a:xfrm>
-            <a:off x="21385663" y="13177559"/>
+            <a:off x="21385663" y="13426418"/>
             <a:ext cx="2115918" cy="1080000"/>
           </a:xfrm>
           <a:prstGeom prst="rect">
@@ -30899,7 +30578,7 @@
         </p:nvSpPr>
         <p:spPr>
           <a:xfrm>
-            <a:off x="23853067" y="13178775"/>
+            <a:off x="23850250" y="13424551"/>
             <a:ext cx="2115918" cy="1080000"/>
           </a:xfrm>
           <a:prstGeom prst="rect">
@@ -30956,9 +30635,9 @@
           <p:nvPr/>
         </p:nvCxnSpPr>
         <p:spPr>
-          <a:xfrm>
-            <a:off x="23501581" y="13717559"/>
-            <a:ext cx="351486" cy="1216"/>
+          <a:xfrm flipV="1">
+            <a:off x="23501581" y="13964551"/>
+            <a:ext cx="348669" cy="1867"/>
           </a:xfrm>
           <a:prstGeom prst="line">
             <a:avLst/>
@@ -31002,8 +30681,8 @@
         </p:nvCxnSpPr>
         <p:spPr>
           <a:xfrm rot="5400000">
-            <a:off x="24092416" y="13843525"/>
-            <a:ext cx="403360" cy="1233861"/>
+            <a:off x="24069968" y="14112430"/>
+            <a:ext cx="446120" cy="1230362"/>
           </a:xfrm>
           <a:prstGeom prst="bentConnector3">
             <a:avLst>
@@ -31048,8 +30727,8 @@
         </p:nvCxnSpPr>
         <p:spPr>
           <a:xfrm rot="16200000" flipH="1">
-            <a:off x="22858105" y="13843075"/>
-            <a:ext cx="404576" cy="1233543"/>
+            <a:off x="22838608" y="14111431"/>
+            <a:ext cx="444253" cy="1234225"/>
           </a:xfrm>
           <a:prstGeom prst="bentConnector3">
             <a:avLst>
@@ -31094,8 +30773,8 @@
         </p:nvCxnSpPr>
         <p:spPr>
           <a:xfrm rot="16200000" flipH="1">
-            <a:off x="24085301" y="12353050"/>
-            <a:ext cx="417588" cy="1233861"/>
+            <a:off x="24075641" y="12591982"/>
+            <a:ext cx="434093" cy="1231044"/>
           </a:xfrm>
           <a:prstGeom prst="bentConnector3">
             <a:avLst>
@@ -31139,8 +30818,8 @@
         </p:nvCxnSpPr>
         <p:spPr>
           <a:xfrm rot="5400000">
-            <a:off x="22852208" y="12352602"/>
-            <a:ext cx="416372" cy="1233543"/>
+            <a:off x="22842414" y="12591667"/>
+            <a:ext cx="435960" cy="1233543"/>
           </a:xfrm>
           <a:prstGeom prst="bentConnector3">
             <a:avLst>
@@ -31180,7 +30859,7 @@
         </p:nvSpPr>
         <p:spPr>
           <a:xfrm>
-            <a:off x="20156164" y="14662135"/>
+            <a:off x="20153124" y="14948124"/>
             <a:ext cx="2115918" cy="1080000"/>
           </a:xfrm>
           <a:prstGeom prst="rect">
@@ -31238,8 +30917,8 @@
         </p:nvCxnSpPr>
         <p:spPr>
           <a:xfrm rot="5400000">
-            <a:off x="21626585" y="13845098"/>
-            <a:ext cx="404576" cy="1229499"/>
+            <a:off x="21606500" y="14111002"/>
+            <a:ext cx="441706" cy="1232539"/>
           </a:xfrm>
           <a:prstGeom prst="bentConnector3">
             <a:avLst>
@@ -31283,8 +30962,8 @@
         </p:nvCxnSpPr>
         <p:spPr>
           <a:xfrm rot="16200000" flipH="1">
-            <a:off x="25323459" y="13846342"/>
-            <a:ext cx="403360" cy="1228226"/>
+            <a:off x="25301944" y="14110815"/>
+            <a:ext cx="443573" cy="1231043"/>
           </a:xfrm>
           <a:prstGeom prst="bentConnector3">
             <a:avLst>
@@ -31328,8 +31007,8 @@
         </p:nvCxnSpPr>
         <p:spPr>
           <a:xfrm rot="16200000" flipH="1">
-            <a:off x="22244366" y="14711892"/>
-            <a:ext cx="402557" cy="2463042"/>
+            <a:off x="22123329" y="15115878"/>
+            <a:ext cx="641590" cy="2466082"/>
           </a:xfrm>
           <a:prstGeom prst="bentConnector3">
             <a:avLst>
@@ -31374,8 +31053,8 @@
         </p:nvCxnSpPr>
         <p:spPr>
           <a:xfrm rot="5400000">
-            <a:off x="24706931" y="14712370"/>
-            <a:ext cx="402557" cy="2462087"/>
+            <a:off x="24587414" y="15117876"/>
+            <a:ext cx="641590" cy="2462087"/>
           </a:xfrm>
           <a:prstGeom prst="bentConnector3">
             <a:avLst>
@@ -31416,7 +31095,7 @@
         </p:nvSpPr>
         <p:spPr>
           <a:xfrm>
-            <a:off x="20151802" y="16171520"/>
+            <a:off x="20151802" y="16671794"/>
             <a:ext cx="2115918" cy="1080000"/>
           </a:xfrm>
           <a:prstGeom prst="rect">
@@ -31618,8 +31297,8 @@
         </p:nvCxnSpPr>
         <p:spPr>
           <a:xfrm>
-            <a:off x="26139252" y="15742135"/>
-            <a:ext cx="0" cy="402557"/>
+            <a:off x="26139252" y="16028124"/>
+            <a:ext cx="27167" cy="641590"/>
           </a:xfrm>
           <a:prstGeom prst="straightConnector1">
             <a:avLst/>
@@ -31661,8 +31340,8 @@
         </p:nvCxnSpPr>
         <p:spPr>
           <a:xfrm flipH="1">
-            <a:off x="21209761" y="15742135"/>
-            <a:ext cx="4362" cy="429385"/>
+            <a:off x="21209761" y="16028124"/>
+            <a:ext cx="1322" cy="643670"/>
           </a:xfrm>
           <a:prstGeom prst="straightConnector1">
             <a:avLst/>
@@ -31700,7 +31379,7 @@
         </p:nvSpPr>
         <p:spPr>
           <a:xfrm>
-            <a:off x="21386201" y="17669109"/>
+            <a:off x="21385663" y="18395464"/>
             <a:ext cx="2115918" cy="1080000"/>
           </a:xfrm>
           <a:prstGeom prst="rect">
@@ -31758,12 +31437,12 @@
         </p:nvCxnSpPr>
         <p:spPr>
           <a:xfrm rot="16200000" flipH="1">
-            <a:off x="20865654" y="16090603"/>
-            <a:ext cx="1926974" cy="1230037"/>
+            <a:off x="20643682" y="16595524"/>
+            <a:ext cx="2367340" cy="1232539"/>
           </a:xfrm>
           <a:prstGeom prst="bentConnector3">
             <a:avLst>
-              <a:gd name="adj1" fmla="val 10040"/>
+              <a:gd name="adj1" fmla="val 13104"/>
             </a:avLst>
           </a:prstGeom>
           <a:ln w="28575">
@@ -31799,7 +31478,7 @@
         </p:nvSpPr>
         <p:spPr>
           <a:xfrm>
-            <a:off x="23850250" y="17627249"/>
+            <a:off x="23850250" y="18395464"/>
             <a:ext cx="2115918" cy="1080000"/>
           </a:xfrm>
           <a:prstGeom prst="rect">
@@ -31857,12 +31536,12 @@
         </p:nvCxnSpPr>
         <p:spPr>
           <a:xfrm rot="5400000">
-            <a:off x="24581174" y="16069171"/>
-            <a:ext cx="1885114" cy="1231043"/>
+            <a:off x="24340061" y="16596273"/>
+            <a:ext cx="2367340" cy="1231043"/>
           </a:xfrm>
           <a:prstGeom prst="bentConnector3">
             <a:avLst>
-              <a:gd name="adj1" fmla="val 10428"/>
+              <a:gd name="adj1" fmla="val 13680"/>
             </a:avLst>
           </a:prstGeom>
           <a:ln w="28575">
@@ -31886,10 +31565,10 @@
       </p:cxnSp>
       <p:sp>
         <p:nvSpPr>
-          <p:cNvPr id="423" name="Прямоугольник 422">
-            <a:extLst>
-              <a:ext uri="{FF2B5EF4-FFF2-40B4-BE49-F238E27FC236}">
-                <a16:creationId xmlns:a16="http://schemas.microsoft.com/office/drawing/2014/main" id="{14998F4C-C4BA-4C0C-AD85-7D8DCD922099}"/>
+          <p:cNvPr id="426" name="Прямоугольник 425">
+            <a:extLst>
+              <a:ext uri="{FF2B5EF4-FFF2-40B4-BE49-F238E27FC236}">
+                <a16:creationId xmlns:a16="http://schemas.microsoft.com/office/drawing/2014/main" id="{CB1FCDDC-1B2C-48C9-81D8-A3FFDA7B93DB}"/>
               </a:ext>
             </a:extLst>
           </p:cNvPr>
@@ -31898,7 +31577,7 @@
         </p:nvSpPr>
         <p:spPr>
           <a:xfrm>
-            <a:off x="28818864" y="847442"/>
+            <a:off x="28818864" y="4042456"/>
             <a:ext cx="2115918" cy="1080000"/>
           </a:xfrm>
           <a:prstGeom prst="rect">
@@ -31928,154 +31607,7 @@
             <a:pPr algn="ctr"/>
             <a:r>
               <a:rPr lang="ru-RU" sz="1400" dirty="0"/>
-              <a:t>Формирование нового правительства</a:t>
-            </a:r>
-          </a:p>
-        </p:txBody>
-      </p:sp>
-      <p:sp>
-        <p:nvSpPr>
-          <p:cNvPr id="424" name="Прямоугольник 423">
-            <a:extLst>
-              <a:ext uri="{FF2B5EF4-FFF2-40B4-BE49-F238E27FC236}">
-                <a16:creationId xmlns:a16="http://schemas.microsoft.com/office/drawing/2014/main" id="{65AD4CC8-C9D3-4DA7-9D2B-9B4586E79FAB}"/>
-              </a:ext>
-            </a:extLst>
-          </p:cNvPr>
-          <p:cNvSpPr/>
-          <p:nvPr/>
-        </p:nvSpPr>
-        <p:spPr>
-          <a:xfrm>
-            <a:off x="28818864" y="2468670"/>
-            <a:ext cx="2115918" cy="1080000"/>
-          </a:xfrm>
-          <a:prstGeom prst="rect">
-            <a:avLst/>
-          </a:prstGeom>
-          <a:noFill/>
-          <a:ln w="28575"/>
-        </p:spPr>
-        <p:style>
-          <a:lnRef idx="2">
-            <a:schemeClr val="accent1"/>
-          </a:lnRef>
-          <a:fillRef idx="1">
-            <a:schemeClr val="lt1"/>
-          </a:fillRef>
-          <a:effectRef idx="0">
-            <a:schemeClr val="accent1"/>
-          </a:effectRef>
-          <a:fontRef idx="minor">
-            <a:schemeClr val="dk1"/>
-          </a:fontRef>
-        </p:style>
-        <p:txBody>
-          <a:bodyPr lIns="124733" tIns="62367" rIns="124733" bIns="62367" rtlCol="0" anchor="ctr"/>
-          <a:lstStyle/>
-          <a:p>
-            <a:pPr algn="ctr"/>
-            <a:r>
-              <a:rPr lang="ru-RU" sz="1400" dirty="0"/>
-              <a:t>Путь в Европу</a:t>
-            </a:r>
-          </a:p>
-        </p:txBody>
-      </p:sp>
-      <p:sp>
-        <p:nvSpPr>
-          <p:cNvPr id="425" name="Прямоугольник 424">
-            <a:extLst>
-              <a:ext uri="{FF2B5EF4-FFF2-40B4-BE49-F238E27FC236}">
-                <a16:creationId xmlns:a16="http://schemas.microsoft.com/office/drawing/2014/main" id="{A9A3876D-DF4C-4B04-B096-BFD885E6709C}"/>
-              </a:ext>
-            </a:extLst>
-          </p:cNvPr>
-          <p:cNvSpPr/>
-          <p:nvPr/>
-        </p:nvSpPr>
-        <p:spPr>
-          <a:xfrm>
-            <a:off x="6064155" y="4042456"/>
-            <a:ext cx="2115918" cy="1080000"/>
-          </a:xfrm>
-          <a:prstGeom prst="rect">
-            <a:avLst/>
-          </a:prstGeom>
-          <a:noFill/>
-          <a:ln w="28575"/>
-        </p:spPr>
-        <p:style>
-          <a:lnRef idx="2">
-            <a:schemeClr val="accent1"/>
-          </a:lnRef>
-          <a:fillRef idx="1">
-            <a:schemeClr val="lt1"/>
-          </a:fillRef>
-          <a:effectRef idx="0">
-            <a:schemeClr val="accent1"/>
-          </a:effectRef>
-          <a:fontRef idx="minor">
-            <a:schemeClr val="dk1"/>
-          </a:fontRef>
-        </p:style>
-        <p:txBody>
-          <a:bodyPr lIns="124733" tIns="62367" rIns="124733" bIns="62367" rtlCol="0" anchor="ctr"/>
-          <a:lstStyle/>
-          <a:p>
-            <a:pPr algn="ctr"/>
-            <a:r>
-              <a:rPr lang="ru-RU" sz="1400" dirty="0"/>
-              <a:t>Уступка требованиям Германии</a:t>
-            </a:r>
-          </a:p>
-        </p:txBody>
-      </p:sp>
-      <p:sp>
-        <p:nvSpPr>
-          <p:cNvPr id="426" name="Прямоугольник 425">
-            <a:extLst>
-              <a:ext uri="{FF2B5EF4-FFF2-40B4-BE49-F238E27FC236}">
-                <a16:creationId xmlns:a16="http://schemas.microsoft.com/office/drawing/2014/main" id="{CB1FCDDC-1B2C-48C9-81D8-A3FFDA7B93DB}"/>
-              </a:ext>
-            </a:extLst>
-          </p:cNvPr>
-          <p:cNvSpPr/>
-          <p:nvPr/>
-        </p:nvSpPr>
-        <p:spPr>
-          <a:xfrm>
-            <a:off x="28818864" y="4042456"/>
-            <a:ext cx="2115918" cy="1080000"/>
-          </a:xfrm>
-          <a:prstGeom prst="rect">
-            <a:avLst/>
-          </a:prstGeom>
-          <a:noFill/>
-          <a:ln w="28575"/>
-        </p:spPr>
-        <p:style>
-          <a:lnRef idx="2">
-            <a:schemeClr val="accent1"/>
-          </a:lnRef>
-          <a:fillRef idx="1">
-            <a:schemeClr val="lt1"/>
-          </a:fillRef>
-          <a:effectRef idx="0">
-            <a:schemeClr val="accent1"/>
-          </a:effectRef>
-          <a:fontRef idx="minor">
-            <a:schemeClr val="dk1"/>
-          </a:fontRef>
-        </p:style>
-        <p:txBody>
-          <a:bodyPr lIns="124733" tIns="62367" rIns="124733" bIns="62367" rtlCol="0" anchor="ctr"/>
-          <a:lstStyle/>
-          <a:p>
-            <a:pPr algn="ctr"/>
-            <a:r>
-              <a:rPr lang="ru-RU" sz="1400" dirty="0"/>
-              <a:t>Поддержка торгового нейтралитета</a:t>
+              <a:t>Выборы 1937 года (26 мая 1937 года)</a:t>
             </a:r>
           </a:p>
         </p:txBody>
@@ -32147,142 +31679,13 @@
         </p:nvCxnSpPr>
         <p:spPr>
           <a:xfrm rot="16200000" flipH="1">
-            <a:off x="24062660" y="8074475"/>
-            <a:ext cx="541397" cy="3695869"/>
+            <a:off x="24084697" y="8052438"/>
+            <a:ext cx="497322" cy="3695869"/>
           </a:xfrm>
           <a:prstGeom prst="bentConnector3">
             <a:avLst>
               <a:gd name="adj1" fmla="val 50000"/>
             </a:avLst>
-          </a:prstGeom>
-          <a:ln w="28575">
-            <a:tailEnd type="arrow"/>
-          </a:ln>
-        </p:spPr>
-        <p:style>
-          <a:lnRef idx="1">
-            <a:schemeClr val="accent1"/>
-          </a:lnRef>
-          <a:fillRef idx="0">
-            <a:schemeClr val="accent1"/>
-          </a:fillRef>
-          <a:effectRef idx="0">
-            <a:schemeClr val="accent1"/>
-          </a:effectRef>
-          <a:fontRef idx="minor">
-            <a:schemeClr val="tx1"/>
-          </a:fontRef>
-        </p:style>
-      </p:cxnSp>
-      <p:cxnSp>
-        <p:nvCxnSpPr>
-          <p:cNvPr id="475" name="Прямая со стрелкой 474">
-            <a:extLst>
-              <a:ext uri="{FF2B5EF4-FFF2-40B4-BE49-F238E27FC236}">
-                <a16:creationId xmlns:a16="http://schemas.microsoft.com/office/drawing/2014/main" id="{6720544C-1EB2-4DCD-82D6-F7D25F6BA3B7}"/>
-              </a:ext>
-            </a:extLst>
-          </p:cNvPr>
-          <p:cNvCxnSpPr>
-            <a:cxnSpLocks/>
-            <a:stCxn id="425" idx="2"/>
-            <a:endCxn id="265" idx="0"/>
-          </p:cNvCxnSpPr>
-          <p:nvPr/>
-        </p:nvCxnSpPr>
-        <p:spPr>
-          <a:xfrm>
-            <a:off x="7122114" y="5122456"/>
-            <a:ext cx="1" cy="510164"/>
-          </a:xfrm>
-          <a:prstGeom prst="straightConnector1">
-            <a:avLst/>
-          </a:prstGeom>
-          <a:ln w="28575">
-            <a:tailEnd type="arrow"/>
-          </a:ln>
-        </p:spPr>
-        <p:style>
-          <a:lnRef idx="1">
-            <a:schemeClr val="accent1"/>
-          </a:lnRef>
-          <a:fillRef idx="0">
-            <a:schemeClr val="accent1"/>
-          </a:fillRef>
-          <a:effectRef idx="0">
-            <a:schemeClr val="accent1"/>
-          </a:effectRef>
-          <a:fontRef idx="minor">
-            <a:schemeClr val="tx1"/>
-          </a:fontRef>
-        </p:style>
-      </p:cxnSp>
-      <p:cxnSp>
-        <p:nvCxnSpPr>
-          <p:cNvPr id="479" name="Прямая со стрелкой 478">
-            <a:extLst>
-              <a:ext uri="{FF2B5EF4-FFF2-40B4-BE49-F238E27FC236}">
-                <a16:creationId xmlns:a16="http://schemas.microsoft.com/office/drawing/2014/main" id="{11628C0A-AC38-4974-85B0-A83E6A47632B}"/>
-              </a:ext>
-            </a:extLst>
-          </p:cNvPr>
-          <p:cNvCxnSpPr>
-            <a:cxnSpLocks/>
-            <a:stCxn id="424" idx="2"/>
-            <a:endCxn id="426" idx="0"/>
-          </p:cNvCxnSpPr>
-          <p:nvPr/>
-        </p:nvCxnSpPr>
-        <p:spPr>
-          <a:xfrm>
-            <a:off x="29876823" y="3548670"/>
-            <a:ext cx="0" cy="493786"/>
-          </a:xfrm>
-          <a:prstGeom prst="straightConnector1">
-            <a:avLst/>
-          </a:prstGeom>
-          <a:ln w="28575">
-            <a:tailEnd type="arrow"/>
-          </a:ln>
-        </p:spPr>
-        <p:style>
-          <a:lnRef idx="1">
-            <a:schemeClr val="accent1"/>
-          </a:lnRef>
-          <a:fillRef idx="0">
-            <a:schemeClr val="accent1"/>
-          </a:fillRef>
-          <a:effectRef idx="0">
-            <a:schemeClr val="accent1"/>
-          </a:effectRef>
-          <a:fontRef idx="minor">
-            <a:schemeClr val="tx1"/>
-          </a:fontRef>
-        </p:style>
-      </p:cxnSp>
-      <p:cxnSp>
-        <p:nvCxnSpPr>
-          <p:cNvPr id="482" name="Прямая со стрелкой 481">
-            <a:extLst>
-              <a:ext uri="{FF2B5EF4-FFF2-40B4-BE49-F238E27FC236}">
-                <a16:creationId xmlns:a16="http://schemas.microsoft.com/office/drawing/2014/main" id="{D15E0775-B079-446B-AB1A-129AEB8A4251}"/>
-              </a:ext>
-            </a:extLst>
-          </p:cNvPr>
-          <p:cNvCxnSpPr>
-            <a:cxnSpLocks/>
-            <a:stCxn id="423" idx="2"/>
-            <a:endCxn id="424" idx="0"/>
-          </p:cNvCxnSpPr>
-          <p:nvPr/>
-        </p:nvCxnSpPr>
-        <p:spPr>
-          <a:xfrm>
-            <a:off x="29876823" y="1927442"/>
-            <a:ext cx="0" cy="541228"/>
-          </a:xfrm>
-          <a:prstGeom prst="straightConnector1">
-            <a:avLst/>
           </a:prstGeom>
           <a:ln w="28575">
             <a:tailEnd type="arrow"/>
@@ -32348,51 +31751,6 @@
           </a:fontRef>
         </p:style>
       </p:cxnSp>
-      <p:cxnSp>
-        <p:nvCxnSpPr>
-          <p:cNvPr id="490" name="Соединительная линия уступом 175">
-            <a:extLst>
-              <a:ext uri="{FF2B5EF4-FFF2-40B4-BE49-F238E27FC236}">
-                <a16:creationId xmlns:a16="http://schemas.microsoft.com/office/drawing/2014/main" id="{46088E13-11E9-4505-A4F3-62FF96DA0DC0}"/>
-              </a:ext>
-            </a:extLst>
-          </p:cNvPr>
-          <p:cNvCxnSpPr>
-            <a:cxnSpLocks/>
-            <a:stCxn id="424" idx="2"/>
-            <a:endCxn id="425" idx="0"/>
-          </p:cNvCxnSpPr>
-          <p:nvPr/>
-        </p:nvCxnSpPr>
-        <p:spPr>
-          <a:xfrm rot="5400000">
-            <a:off x="18252576" y="-7581791"/>
-            <a:ext cx="493786" cy="22754709"/>
-          </a:xfrm>
-          <a:prstGeom prst="bentConnector3">
-            <a:avLst>
-              <a:gd name="adj1" fmla="val 50000"/>
-            </a:avLst>
-          </a:prstGeom>
-          <a:ln w="28575">
-            <a:tailEnd type="arrow"/>
-          </a:ln>
-        </p:spPr>
-        <p:style>
-          <a:lnRef idx="1">
-            <a:schemeClr val="accent1"/>
-          </a:lnRef>
-          <a:fillRef idx="0">
-            <a:schemeClr val="accent1"/>
-          </a:fillRef>
-          <a:effectRef idx="0">
-            <a:schemeClr val="accent1"/>
-          </a:effectRef>
-          <a:fontRef idx="minor">
-            <a:schemeClr val="tx1"/>
-          </a:fontRef>
-        </p:style>
-      </p:cxnSp>
       <p:sp>
         <p:nvSpPr>
           <p:cNvPr id="501" name="Прямоугольник 500">
@@ -32593,7 +31951,7 @@
         </p:nvSpPr>
         <p:spPr>
           <a:xfrm>
-            <a:off x="24952828" y="1590130"/>
+            <a:off x="31954801" y="8567419"/>
             <a:ext cx="2115918" cy="1080000"/>
           </a:xfrm>
           <a:prstGeom prst="rect">
@@ -32679,7 +32037,7 @@
         </p:nvSpPr>
         <p:spPr>
           <a:xfrm>
-            <a:off x="22267720" y="1543296"/>
+            <a:off x="33190854" y="7222783"/>
             <a:ext cx="2115918" cy="1080000"/>
           </a:xfrm>
           <a:prstGeom prst="rect">
@@ -32712,29 +32070,1292 @@
               <a:t>Совместная защита колоний </a:t>
             </a:r>
             <a:r>
-              <a:rPr lang="ru-RU" sz="700" dirty="0"/>
-              <a:t>(нидерландское правительство вынуждено </a:t>
-            </a:r>
-            <a:r>
-              <a:rPr lang="ru-RU" sz="700" dirty="0" err="1"/>
+              <a:rPr lang="ru-RU" sz="400" dirty="0"/>
+              <a:t>(В то же время нидерландское правительство отклонило </a:t>
+            </a:r>
+            <a:r>
+              <a:rPr lang="ru-RU" sz="400" dirty="0" err="1"/>
+              <a:t>ипредложение</a:t>
+            </a:r>
+            <a:r>
+              <a:rPr lang="ru-RU" sz="400" dirty="0"/>
+              <a:t> Германии от 29 октября 1937 г. заключить с ней </a:t>
+            </a:r>
+            <a:r>
+              <a:rPr lang="ru-RU" sz="400" dirty="0" err="1"/>
+              <a:t>договор,гарантировавший</a:t>
+            </a:r>
+            <a:r>
+              <a:rPr lang="ru-RU" sz="400" dirty="0"/>
+              <a:t> нейтралитет </a:t>
+            </a:r>
+            <a:r>
+              <a:rPr lang="ru-RU" sz="400" dirty="0" err="1"/>
+              <a:t>Нидерландов.Опасаясь</a:t>
+            </a:r>
+            <a:r>
+              <a:rPr lang="ru-RU" sz="400" dirty="0"/>
+              <a:t> также возможного захвата Индонезии Японией (</a:t>
+            </a:r>
+            <a:r>
+              <a:rPr lang="ru-RU" sz="400" dirty="0" err="1"/>
+              <a:t>заключениегермано</a:t>
+            </a:r>
+            <a:r>
+              <a:rPr lang="ru-RU" sz="400" dirty="0"/>
+              <a:t>-японского так называемого «</a:t>
+            </a:r>
+            <a:r>
+              <a:rPr lang="ru-RU" sz="400" dirty="0" err="1"/>
+              <a:t>антикоминтернов-ского</a:t>
+            </a:r>
+            <a:r>
+              <a:rPr lang="ru-RU" sz="400" dirty="0"/>
+              <a:t>» пакта 1936 г. давало все основания полагать, что Германия </a:t>
+            </a:r>
+            <a:r>
+              <a:rPr lang="ru-RU" sz="400" dirty="0" err="1"/>
+              <a:t>поддержалабы</a:t>
+            </a:r>
+            <a:r>
+              <a:rPr lang="ru-RU" sz="400" dirty="0"/>
+              <a:t> Японию), нидерландское правительство вынуждено </a:t>
+            </a:r>
+            <a:r>
+              <a:rPr lang="ru-RU" sz="400" dirty="0" err="1"/>
               <a:t>былозаключить</a:t>
             </a:r>
             <a:r>
-              <a:rPr lang="ru-RU" sz="700" dirty="0"/>
+              <a:rPr lang="ru-RU" sz="400" dirty="0"/>
               <a:t> соглашение с Англией о совместной защите </a:t>
             </a:r>
             <a:r>
-              <a:rPr lang="ru-RU" sz="700" dirty="0" err="1"/>
+              <a:rPr lang="ru-RU" sz="400" dirty="0" err="1"/>
               <a:t>колониальныхвладений</a:t>
             </a:r>
             <a:r>
-              <a:rPr lang="ru-RU" sz="700" dirty="0"/>
-              <a:t> в Юго-Восточной Азии.)</a:t>
+              <a:rPr lang="ru-RU" sz="400" dirty="0"/>
+              <a:t> в Юго-Восточной Азии. После нападения 1 сентября 1939 г..)</a:t>
             </a:r>
             <a:endParaRPr lang="ru-RU" sz="1400" dirty="0"/>
           </a:p>
         </p:txBody>
       </p:sp>
+      <p:sp>
+        <p:nvSpPr>
+          <p:cNvPr id="159" name="Прямоугольник 158">
+            <a:extLst>
+              <a:ext uri="{FF2B5EF4-FFF2-40B4-BE49-F238E27FC236}">
+                <a16:creationId xmlns:a16="http://schemas.microsoft.com/office/drawing/2014/main" id="{3EED2377-729D-4998-A928-D0F4D21616D2}"/>
+              </a:ext>
+            </a:extLst>
+          </p:cNvPr>
+          <p:cNvSpPr/>
+          <p:nvPr/>
+        </p:nvSpPr>
+        <p:spPr>
+          <a:xfrm>
+            <a:off x="30718749" y="7222783"/>
+            <a:ext cx="2115918" cy="1080000"/>
+          </a:xfrm>
+          <a:prstGeom prst="rect">
+            <a:avLst/>
+          </a:prstGeom>
+          <a:noFill/>
+          <a:ln w="28575"/>
+        </p:spPr>
+        <p:style>
+          <a:lnRef idx="2">
+            <a:schemeClr val="accent1"/>
+          </a:lnRef>
+          <a:fillRef idx="1">
+            <a:schemeClr val="lt1"/>
+          </a:fillRef>
+          <a:effectRef idx="0">
+            <a:schemeClr val="accent1"/>
+          </a:effectRef>
+          <a:fontRef idx="minor">
+            <a:schemeClr val="dk1"/>
+          </a:fontRef>
+        </p:style>
+        <p:txBody>
+          <a:bodyPr lIns="124733" tIns="62367" rIns="124733" bIns="62367" rtlCol="0" anchor="ctr"/>
+          <a:lstStyle/>
+          <a:p>
+            <a:pPr algn="ctr"/>
+            <a:r>
+              <a:rPr lang="ru-RU" sz="1400" dirty="0"/>
+              <a:t>Подписать договор о нейтралитете с Германией </a:t>
+            </a:r>
+            <a:r>
+              <a:rPr lang="ru-RU" sz="600" dirty="0"/>
+              <a:t>(В то же время нидерландское правительство отклонило предложение Германии от 29 октября 1937 г. заключить с ней </a:t>
+            </a:r>
+            <a:r>
+              <a:rPr lang="ru-RU" sz="600" dirty="0" err="1"/>
+              <a:t>договор,гарантировавший</a:t>
+            </a:r>
+            <a:r>
+              <a:rPr lang="ru-RU" sz="600" dirty="0"/>
+              <a:t> нейтралитет Нидерландов.)</a:t>
+            </a:r>
+            <a:endParaRPr lang="ru-RU" sz="1400" dirty="0"/>
+          </a:p>
+        </p:txBody>
+      </p:sp>
+      <p:cxnSp>
+        <p:nvCxnSpPr>
+          <p:cNvPr id="160" name="Прямая соединительная линия 159">
+            <a:extLst>
+              <a:ext uri="{FF2B5EF4-FFF2-40B4-BE49-F238E27FC236}">
+                <a16:creationId xmlns:a16="http://schemas.microsoft.com/office/drawing/2014/main" id="{9DA0CCFC-704C-4473-841C-3AD986F82D75}"/>
+              </a:ext>
+            </a:extLst>
+          </p:cNvPr>
+          <p:cNvCxnSpPr>
+            <a:cxnSpLocks/>
+            <a:stCxn id="161" idx="1"/>
+            <a:endCxn id="159" idx="3"/>
+          </p:cNvCxnSpPr>
+          <p:nvPr/>
+        </p:nvCxnSpPr>
+        <p:spPr>
+          <a:xfrm flipH="1">
+            <a:off x="32834667" y="7762783"/>
+            <a:ext cx="356187" cy="0"/>
+          </a:xfrm>
+          <a:prstGeom prst="line">
+            <a:avLst/>
+          </a:prstGeom>
+          <a:ln w="28575">
+            <a:solidFill>
+              <a:srgbClr val="FF0000"/>
+            </a:solidFill>
+          </a:ln>
+        </p:spPr>
+        <p:style>
+          <a:lnRef idx="1">
+            <a:schemeClr val="accent1"/>
+          </a:lnRef>
+          <a:fillRef idx="0">
+            <a:schemeClr val="accent1"/>
+          </a:fillRef>
+          <a:effectRef idx="0">
+            <a:schemeClr val="accent1"/>
+          </a:effectRef>
+          <a:fontRef idx="minor">
+            <a:schemeClr val="tx1"/>
+          </a:fontRef>
+        </p:style>
+      </p:cxnSp>
+      <p:sp>
+        <p:nvSpPr>
+          <p:cNvPr id="163" name="Прямоугольник 162">
+            <a:extLst>
+              <a:ext uri="{FF2B5EF4-FFF2-40B4-BE49-F238E27FC236}">
+                <a16:creationId xmlns:a16="http://schemas.microsoft.com/office/drawing/2014/main" id="{0F624714-FC62-4867-B2CF-FAB3E818B73A}"/>
+              </a:ext>
+            </a:extLst>
+          </p:cNvPr>
+          <p:cNvSpPr/>
+          <p:nvPr/>
+        </p:nvSpPr>
+        <p:spPr>
+          <a:xfrm>
+            <a:off x="31954801" y="10166349"/>
+            <a:ext cx="2115918" cy="1080000"/>
+          </a:xfrm>
+          <a:prstGeom prst="rect">
+            <a:avLst/>
+          </a:prstGeom>
+          <a:noFill/>
+          <a:ln w="28575"/>
+        </p:spPr>
+        <p:style>
+          <a:lnRef idx="2">
+            <a:schemeClr val="accent1"/>
+          </a:lnRef>
+          <a:fillRef idx="1">
+            <a:schemeClr val="lt1"/>
+          </a:fillRef>
+          <a:effectRef idx="0">
+            <a:schemeClr val="accent1"/>
+          </a:effectRef>
+          <a:fontRef idx="minor">
+            <a:schemeClr val="dk1"/>
+          </a:fontRef>
+        </p:style>
+        <p:txBody>
+          <a:bodyPr lIns="124733" tIns="62367" rIns="124733" bIns="62367" rtlCol="0" anchor="ctr"/>
+          <a:lstStyle/>
+          <a:p>
+            <a:pPr algn="ctr"/>
+            <a:r>
+              <a:rPr lang="ru-RU" sz="1400" dirty="0"/>
+              <a:t>Продолжить политику нейтралитета </a:t>
+            </a:r>
+            <a:r>
+              <a:rPr lang="ru-RU" sz="700" dirty="0"/>
+              <a:t>(После нападения 1 сентября 1939 </a:t>
+            </a:r>
+            <a:r>
+              <a:rPr lang="ru-RU" sz="700" dirty="0" err="1"/>
+              <a:t>г.Германии</a:t>
+            </a:r>
+            <a:r>
+              <a:rPr lang="ru-RU" sz="700" dirty="0"/>
+              <a:t> на Польшу, Нидерланды уже 4 сентября заявили о </a:t>
+            </a:r>
+            <a:r>
+              <a:rPr lang="ru-RU" sz="700" dirty="0" err="1"/>
+              <a:t>своемнейтралитете</a:t>
+            </a:r>
+            <a:r>
+              <a:rPr lang="ru-RU" sz="700" dirty="0"/>
+              <a:t>. Они рассчитывали, что смогут остаться в стороне </a:t>
+            </a:r>
+            <a:r>
+              <a:rPr lang="ru-RU" sz="700" dirty="0" err="1"/>
+              <a:t>отразгоравшегося</a:t>
+            </a:r>
+            <a:r>
+              <a:rPr lang="ru-RU" sz="700" dirty="0"/>
+              <a:t> пожара новой мировой войны.)</a:t>
+            </a:r>
+            <a:endParaRPr lang="ru-RU" sz="1400" dirty="0"/>
+          </a:p>
+        </p:txBody>
+      </p:sp>
+      <p:sp>
+        <p:nvSpPr>
+          <p:cNvPr id="164" name="Прямоугольник 163">
+            <a:extLst>
+              <a:ext uri="{FF2B5EF4-FFF2-40B4-BE49-F238E27FC236}">
+                <a16:creationId xmlns:a16="http://schemas.microsoft.com/office/drawing/2014/main" id="{3E4905CA-30BE-49E7-87F8-597719A76CAD}"/>
+              </a:ext>
+            </a:extLst>
+          </p:cNvPr>
+          <p:cNvSpPr/>
+          <p:nvPr/>
+        </p:nvSpPr>
+        <p:spPr>
+          <a:xfrm>
+            <a:off x="31954801" y="5627925"/>
+            <a:ext cx="2115918" cy="1080000"/>
+          </a:xfrm>
+          <a:prstGeom prst="rect">
+            <a:avLst/>
+          </a:prstGeom>
+          <a:noFill/>
+          <a:ln w="28575"/>
+        </p:spPr>
+        <p:style>
+          <a:lnRef idx="2">
+            <a:schemeClr val="accent1"/>
+          </a:lnRef>
+          <a:fillRef idx="1">
+            <a:schemeClr val="lt1"/>
+          </a:fillRef>
+          <a:effectRef idx="0">
+            <a:schemeClr val="accent1"/>
+          </a:effectRef>
+          <a:fontRef idx="minor">
+            <a:schemeClr val="dk1"/>
+          </a:fontRef>
+        </p:style>
+        <p:txBody>
+          <a:bodyPr lIns="124733" tIns="62367" rIns="124733" bIns="62367" rtlCol="0" anchor="ctr"/>
+          <a:lstStyle/>
+          <a:p>
+            <a:pPr algn="ctr"/>
+            <a:r>
+              <a:rPr lang="ru-RU" sz="1400" dirty="0"/>
+              <a:t>Выборы 1937 года (26 мая 1937 года)</a:t>
+            </a:r>
+          </a:p>
+        </p:txBody>
+      </p:sp>
+      <p:sp>
+        <p:nvSpPr>
+          <p:cNvPr id="165" name="Прямоугольник 164">
+            <a:extLst>
+              <a:ext uri="{FF2B5EF4-FFF2-40B4-BE49-F238E27FC236}">
+                <a16:creationId xmlns:a16="http://schemas.microsoft.com/office/drawing/2014/main" id="{5DE6D6A3-0D16-4CBE-BC11-7876